--- a/patterns/transaction-complex-read.pptx
+++ b/patterns/transaction-complex-read.pptx
@@ -252,7 +252,7 @@
           <a:p>
             <a:fld id="{CAD4BD24-A097-4F9D-85E9-6A2A24CA2D98}" type="datetimeFigureOut">
               <a:rPr lang="zh-CN" altLang="en-US" smtClean="0"/>
-              <a:t>2022/3/30</a:t>
+              <a:t>2022/9/21</a:t>
             </a:fld>
             <a:endParaRPr lang="zh-CN" altLang="en-US"/>
           </a:p>
@@ -21299,15 +21299,13 @@
           </p:nvSpPr>
           <p:spPr>
             <a:xfrm>
-              <a:off x="9708447" y="3415443"/>
-              <a:ext cx="1436233" cy="393831"/>
+              <a:off x="7856463" y="3326741"/>
+              <a:ext cx="2404033" cy="505147"/>
             </a:xfrm>
             <a:prstGeom prst="rect">
               <a:avLst/>
             </a:prstGeom>
-            <a:solidFill>
-              <a:schemeClr val="bg1"/>
-            </a:solidFill>
+            <a:noFill/>
             <a:ln w="28575">
               <a:noFill/>
               <a:prstDash val="dash"/>
@@ -21333,10 +21331,11 @@
             <a:bodyPr rtlCol="0" anchor="ctr"/>
             <a:lstStyle/>
             <a:p>
+              <a:pPr algn="ctr"/>
               <a:r>
                 <a:rPr kumimoji="1" lang="en-US" altLang="zh-CN" sz="1200" b="1" i="1" dirty="0">
                   <a:solidFill>
-                    <a:sysClr val="windowText" lastClr="000000"/>
+                    <a:schemeClr val="tx1"/>
                   </a:solidFill>
                   <a:latin typeface="DengXian" panose="02010600030101010101" pitchFamily="2" charset="-122"/>
                   <a:ea typeface="DengXian" panose="02010600030101010101" pitchFamily="2" charset="-122"/>
@@ -21344,9 +21343,9 @@
                 <a:t>edge3</a:t>
               </a:r>
               <a:r>
-                <a:rPr kumimoji="1" lang="zh-CN" altLang="en-US" sz="1200" b="1" i="1" dirty="0">
-                  <a:solidFill>
-                    <a:sysClr val="windowText" lastClr="000000"/>
+                <a:rPr kumimoji="1" lang="zh-CN" altLang="en-US" sz="1200" i="1" dirty="0">
+                  <a:solidFill>
+                    <a:schemeClr val="tx1"/>
                   </a:solidFill>
                   <a:latin typeface="DengXian" panose="02010600030101010101" pitchFamily="2" charset="-122"/>
                   <a:ea typeface="DengXian" panose="02010600030101010101" pitchFamily="2" charset="-122"/>
@@ -21356,7 +21355,7 @@
               <a:r>
                 <a:rPr kumimoji="1" lang="en-US" altLang="zh-CN" sz="1200" dirty="0">
                   <a:solidFill>
-                    <a:sysClr val="windowText" lastClr="000000"/>
+                    <a:schemeClr val="tx1"/>
                   </a:solidFill>
                   <a:latin typeface="DengXian" panose="02010600030101010101" pitchFamily="2" charset="-122"/>
                   <a:ea typeface="DengXian" panose="02010600030101010101" pitchFamily="2" charset="-122"/>
@@ -21366,7 +21365,7 @@
               <a:r>
                 <a:rPr kumimoji="1" lang="zh-CN" altLang="en-US" sz="1200" dirty="0">
                   <a:solidFill>
-                    <a:sysClr val="windowText" lastClr="000000"/>
+                    <a:schemeClr val="tx1"/>
                   </a:solidFill>
                   <a:latin typeface="DengXian" panose="02010600030101010101" pitchFamily="2" charset="-122"/>
                   <a:ea typeface="DengXian" panose="02010600030101010101" pitchFamily="2" charset="-122"/>
@@ -21376,12 +21375,176 @@
               <a:r>
                 <a:rPr kumimoji="1" lang="en-US" altLang="zh-CN" sz="1200" dirty="0">
                   <a:solidFill>
-                    <a:sysClr val="windowText" lastClr="000000"/>
+                    <a:schemeClr val="tx1"/>
                   </a:solidFill>
                   <a:latin typeface="DengXian" panose="02010600030101010101" pitchFamily="2" charset="-122"/>
                   <a:ea typeface="DengXian" panose="02010600030101010101" pitchFamily="2" charset="-122"/>
                 </a:rPr>
                 <a:t>deposit</a:t>
+              </a:r>
+            </a:p>
+            <a:p>
+              <a:r>
+                <a:rPr kumimoji="1" lang="en-US" altLang="zh-CN" sz="1200" b="1" i="1" dirty="0">
+                  <a:solidFill>
+                    <a:schemeClr val="tx1"/>
+                  </a:solidFill>
+                  <a:latin typeface="DengXian" panose="02010600030101010101" pitchFamily="2" charset="-122"/>
+                  <a:ea typeface="DengXian" panose="02010600030101010101" pitchFamily="2" charset="-122"/>
+                </a:rPr>
+                <a:t>edge3</a:t>
+              </a:r>
+              <a:r>
+                <a:rPr kumimoji="1" lang="en-US" altLang="zh-CN" sz="1200" dirty="0">
+                  <a:solidFill>
+                    <a:schemeClr val="tx1"/>
+                  </a:solidFill>
+                  <a:latin typeface="DengXian" panose="02010600030101010101" pitchFamily="2" charset="-122"/>
+                  <a:ea typeface="DengXian" panose="02010600030101010101" pitchFamily="2" charset="-122"/>
+                </a:rPr>
+                <a:t>.timestamp</a:t>
+              </a:r>
+              <a:r>
+                <a:rPr kumimoji="1" lang="zh-CN" altLang="en-US" sz="1200" dirty="0">
+                  <a:solidFill>
+                    <a:schemeClr val="tx1"/>
+                  </a:solidFill>
+                  <a:latin typeface="DengXian" panose="02010600030101010101" pitchFamily="2" charset="-122"/>
+                  <a:ea typeface="DengXian" panose="02010600030101010101" pitchFamily="2" charset="-122"/>
+                </a:rPr>
+                <a:t> </a:t>
+              </a:r>
+              <a:r>
+                <a:rPr kumimoji="1" lang="en-US" altLang="zh-CN" sz="1200" dirty="0">
+                  <a:solidFill>
+                    <a:schemeClr val="tx1"/>
+                  </a:solidFill>
+                  <a:latin typeface="DengXian" panose="02010600030101010101" pitchFamily="2" charset="-122"/>
+                  <a:ea typeface="DengXian" panose="02010600030101010101" pitchFamily="2" charset="-122"/>
+                </a:rPr>
+                <a:t>&gt;</a:t>
+              </a:r>
+              <a:r>
+                <a:rPr kumimoji="1" lang="zh-CN" altLang="en-US" sz="1200" dirty="0">
+                  <a:solidFill>
+                    <a:schemeClr val="tx1"/>
+                  </a:solidFill>
+                  <a:latin typeface="DengXian" panose="02010600030101010101" pitchFamily="2" charset="-122"/>
+                  <a:ea typeface="DengXian" panose="02010600030101010101" pitchFamily="2" charset="-122"/>
+                </a:rPr>
+                <a:t> </a:t>
+              </a:r>
+              <a:r>
+                <a:rPr kumimoji="1" lang="en-US" altLang="zh-CN" sz="1200" dirty="0">
+                  <a:solidFill>
+                    <a:schemeClr val="tx1"/>
+                  </a:solidFill>
+                  <a:latin typeface="DengXian" panose="02010600030101010101" pitchFamily="2" charset="-122"/>
+                  <a:ea typeface="DengXian" panose="02010600030101010101" pitchFamily="2" charset="-122"/>
+                </a:rPr>
+                <a:t>${</a:t>
+              </a:r>
+              <a:r>
+                <a:rPr kumimoji="1" lang="en-US" altLang="zh-CN" sz="1200" dirty="0" err="1">
+                  <a:solidFill>
+                    <a:schemeClr val="tx1"/>
+                  </a:solidFill>
+                  <a:latin typeface="DengXian" panose="02010600030101010101" pitchFamily="2" charset="-122"/>
+                  <a:ea typeface="DengXian" panose="02010600030101010101" pitchFamily="2" charset="-122"/>
+                </a:rPr>
+                <a:t>start_time</a:t>
+              </a:r>
+              <a:r>
+                <a:rPr kumimoji="1" lang="en-US" altLang="zh-CN" sz="1200" dirty="0">
+                  <a:solidFill>
+                    <a:schemeClr val="tx1"/>
+                  </a:solidFill>
+                  <a:latin typeface="DengXian" panose="02010600030101010101" pitchFamily="2" charset="-122"/>
+                  <a:ea typeface="DengXian" panose="02010600030101010101" pitchFamily="2" charset="-122"/>
+                </a:rPr>
+                <a:t>}</a:t>
+              </a:r>
+            </a:p>
+            <a:p>
+              <a:r>
+                <a:rPr kumimoji="1" lang="en-US" altLang="zh-CN" sz="1200" b="1" i="1" dirty="0">
+                  <a:solidFill>
+                    <a:schemeClr val="tx1"/>
+                  </a:solidFill>
+                  <a:latin typeface="DengXian" panose="02010600030101010101" pitchFamily="2" charset="-122"/>
+                  <a:ea typeface="DengXian" panose="02010600030101010101" pitchFamily="2" charset="-122"/>
+                </a:rPr>
+                <a:t>edge3</a:t>
+              </a:r>
+              <a:r>
+                <a:rPr kumimoji="1" lang="en-US" altLang="zh-CN" sz="1200" dirty="0">
+                  <a:solidFill>
+                    <a:schemeClr val="tx1"/>
+                  </a:solidFill>
+                  <a:latin typeface="DengXian" panose="02010600030101010101" pitchFamily="2" charset="-122"/>
+                  <a:ea typeface="DengXian" panose="02010600030101010101" pitchFamily="2" charset="-122"/>
+                </a:rPr>
+                <a:t>.timestamp</a:t>
+              </a:r>
+              <a:r>
+                <a:rPr kumimoji="1" lang="zh-CN" altLang="en-US" sz="1200" dirty="0">
+                  <a:solidFill>
+                    <a:schemeClr val="tx1"/>
+                  </a:solidFill>
+                  <a:latin typeface="DengXian" panose="02010600030101010101" pitchFamily="2" charset="-122"/>
+                  <a:ea typeface="DengXian" panose="02010600030101010101" pitchFamily="2" charset="-122"/>
+                </a:rPr>
+                <a:t> </a:t>
+              </a:r>
+              <a:r>
+                <a:rPr kumimoji="1" lang="en-US" altLang="zh-CN" sz="1200" dirty="0">
+                  <a:solidFill>
+                    <a:schemeClr val="tx1"/>
+                  </a:solidFill>
+                  <a:latin typeface="DengXian" panose="02010600030101010101" pitchFamily="2" charset="-122"/>
+                  <a:ea typeface="DengXian" panose="02010600030101010101" pitchFamily="2" charset="-122"/>
+                </a:rPr>
+                <a:t>&lt;</a:t>
+              </a:r>
+              <a:r>
+                <a:rPr kumimoji="1" lang="zh-CN" altLang="en-US" sz="1200" dirty="0">
+                  <a:solidFill>
+                    <a:schemeClr val="tx1"/>
+                  </a:solidFill>
+                  <a:latin typeface="DengXian" panose="02010600030101010101" pitchFamily="2" charset="-122"/>
+                  <a:ea typeface="DengXian" panose="02010600030101010101" pitchFamily="2" charset="-122"/>
+                </a:rPr>
+                <a:t> </a:t>
+              </a:r>
+              <a:r>
+                <a:rPr kumimoji="1" lang="en-US" altLang="zh-CN" sz="1200" dirty="0">
+                  <a:solidFill>
+                    <a:schemeClr val="tx1"/>
+                  </a:solidFill>
+                  <a:latin typeface="DengXian" panose="02010600030101010101" pitchFamily="2" charset="-122"/>
+                  <a:ea typeface="DengXian" panose="02010600030101010101" pitchFamily="2" charset="-122"/>
+                </a:rPr>
+                <a:t>${</a:t>
+              </a:r>
+              <a:r>
+                <a:rPr kumimoji="1" lang="en-US" altLang="zh-CN" sz="1200" dirty="0" err="1">
+                  <a:solidFill>
+                    <a:schemeClr val="tx1"/>
+                  </a:solidFill>
+                  <a:latin typeface="DengXian" panose="02010600030101010101" pitchFamily="2" charset="-122"/>
+                  <a:ea typeface="DengXian" panose="02010600030101010101" pitchFamily="2" charset="-122"/>
+                </a:rPr>
+                <a:t>end_time</a:t>
+              </a:r>
+              <a:r>
+                <a:rPr kumimoji="1" lang="en-US" altLang="zh-CN" sz="1200" dirty="0">
+                  <a:solidFill>
+                    <a:schemeClr val="tx1"/>
+                  </a:solidFill>
+                  <a:latin typeface="DengXian" panose="02010600030101010101" pitchFamily="2" charset="-122"/>
+                  <a:ea typeface="DengXian" panose="02010600030101010101" pitchFamily="2" charset="-122"/>
+                </a:rPr>
+                <a:t>}</a:t>
               </a:r>
             </a:p>
           </p:txBody>

--- a/patterns/transaction-complex-read.pptx
+++ b/patterns/transaction-complex-read.pptx
@@ -32639,7 +32639,7 @@
                     <a:sysClr val="windowText" lastClr="000000"/>
                   </a:solidFill>
                 </a:rPr>
-                <a:t>dst</a:t>
+                <a:t>dstAccount</a:t>
               </a:r>
               <a:r>
                 <a:rPr kumimoji="1" lang="zh-CN" altLang="en-US" sz="1200" dirty="0">
@@ -32803,7 +32803,7 @@
                   <a:latin typeface="DengXian" panose="02010600030101010101" pitchFamily="2" charset="-122"/>
                   <a:ea typeface="DengXian" panose="02010600030101010101" pitchFamily="2" charset="-122"/>
                 </a:rPr>
-                <a:t>1..5</a:t>
+                <a:t>1..3</a:t>
               </a:r>
             </a:p>
             <a:p>

--- a/patterns/transaction-complex-read.pptx
+++ b/patterns/transaction-complex-read.pptx
@@ -34887,9 +34887,9 @@
         <p:grpSpPr>
           <a:xfrm>
             <a:off x="2222320" y="1748017"/>
-            <a:ext cx="7942086" cy="3780179"/>
+            <a:ext cx="8518556" cy="3943567"/>
             <a:chOff x="2222320" y="1748017"/>
-            <a:chExt cx="7942086" cy="3780179"/>
+            <a:chExt cx="8518556" cy="3943567"/>
           </a:xfrm>
         </p:grpSpPr>
         <p:grpSp>
@@ -35144,8 +35144,8 @@
           </p:nvSpPr>
           <p:spPr>
             <a:xfrm>
-              <a:off x="3627203" y="1771227"/>
-              <a:ext cx="2232340" cy="523220"/>
+              <a:off x="3349487" y="1771227"/>
+              <a:ext cx="2510056" cy="523220"/>
             </a:xfrm>
             <a:prstGeom prst="rect">
               <a:avLst/>
@@ -35163,7 +35163,7 @@
                   <a:latin typeface="DengXian" panose="02010600030101010101" pitchFamily="2" charset="-122"/>
                   <a:ea typeface="DengXian" panose="02010600030101010101" pitchFamily="2" charset="-122"/>
                 </a:rPr>
-                <a:t>x</a:t>
+                <a:t>edge1</a:t>
               </a:r>
               <a:r>
                 <a:rPr kumimoji="1" lang="zh-CN" altLang="en-US" sz="1400" dirty="0">
@@ -35196,14 +35196,14 @@
             </a:p>
             <a:p>
               <a:r>
-                <a:rPr kumimoji="1" lang="en-US" altLang="zh-CN" sz="1400" b="1" i="1" dirty="0" err="1">
-                  <a:latin typeface="DengXian" panose="02010600030101010101" pitchFamily="2" charset="-122"/>
-                  <a:ea typeface="DengXian" panose="02010600030101010101" pitchFamily="2" charset="-122"/>
-                </a:rPr>
-                <a:t>x</a:t>
-              </a:r>
-              <a:r>
-                <a:rPr kumimoji="1" lang="en-US" altLang="zh-CN" sz="1400" dirty="0" err="1">
+                <a:rPr kumimoji="1" lang="en-US" altLang="zh-CN" sz="1400" b="1" i="1" dirty="0">
+                  <a:latin typeface="DengXian" panose="02010600030101010101" pitchFamily="2" charset="-122"/>
+                  <a:ea typeface="DengXian" panose="02010600030101010101" pitchFamily="2" charset="-122"/>
+                </a:rPr>
+                <a:t>edge1</a:t>
+              </a:r>
+              <a:r>
+                <a:rPr kumimoji="1" lang="en-US" altLang="zh-CN" sz="1400" dirty="0">
                   <a:latin typeface="DengXian" panose="02010600030101010101" pitchFamily="2" charset="-122"/>
                   <a:ea typeface="DengXian" panose="02010600030101010101" pitchFamily="2" charset="-122"/>
                 </a:rPr>
@@ -35254,8 +35254,8 @@
           </p:nvSpPr>
           <p:spPr>
             <a:xfrm>
-              <a:off x="3678576" y="4946664"/>
-              <a:ext cx="1456252" cy="516578"/>
+              <a:off x="3233856" y="4946664"/>
+              <a:ext cx="1900972" cy="744920"/>
             </a:xfrm>
             <a:prstGeom prst="rect">
               <a:avLst/>
@@ -35304,6 +35304,19 @@
                 </a:rPr>
                 <a:t>RESULT</a:t>
               </a:r>
+            </a:p>
+            <a:p>
+              <a:pPr algn="ctr"/>
+              <a:r>
+                <a:rPr kumimoji="1" lang="en-US" altLang="zh-CN" sz="1200" b="1" dirty="0">
+                  <a:solidFill>
+                    <a:sysClr val="windowText" lastClr="000000"/>
+                  </a:solidFill>
+                  <a:latin typeface="DengXian" panose="02010600030101010101" pitchFamily="2" charset="-122"/>
+                  <a:ea typeface="DengXian" panose="02010600030101010101" pitchFamily="2" charset="-122"/>
+                </a:rPr>
+                <a:t>ratio1</a:t>
+              </a:r>
               <a:r>
                 <a:rPr kumimoji="1" lang="zh-CN" altLang="en-US" sz="1200" b="1" dirty="0">
                   <a:solidFill>
@@ -35322,7 +35335,67 @@
                   <a:latin typeface="DengXian" panose="02010600030101010101" pitchFamily="2" charset="-122"/>
                   <a:ea typeface="DengXian" panose="02010600030101010101" pitchFamily="2" charset="-122"/>
                 </a:rPr>
-                <a:t>ratio1</a:t>
+                <a:t>=</a:t>
+              </a:r>
+              <a:r>
+                <a:rPr kumimoji="1" lang="zh-CN" altLang="en-US" sz="1200" b="1" dirty="0">
+                  <a:solidFill>
+                    <a:sysClr val="windowText" lastClr="000000"/>
+                  </a:solidFill>
+                  <a:latin typeface="DengXian" panose="02010600030101010101" pitchFamily="2" charset="-122"/>
+                  <a:ea typeface="DengXian" panose="02010600030101010101" pitchFamily="2" charset="-122"/>
+                </a:rPr>
+                <a:t> </a:t>
+              </a:r>
+              <a:r>
+                <a:rPr kumimoji="1" lang="en-US" altLang="zh-CN" sz="1200" b="1" dirty="0">
+                  <a:solidFill>
+                    <a:sysClr val="windowText" lastClr="000000"/>
+                  </a:solidFill>
+                  <a:latin typeface="DengXian" panose="02010600030101010101" pitchFamily="2" charset="-122"/>
+                  <a:ea typeface="DengXian" panose="02010600030101010101" pitchFamily="2" charset="-122"/>
+                </a:rPr>
+                <a:t>edge1.amount</a:t>
+              </a:r>
+              <a:r>
+                <a:rPr kumimoji="1" lang="zh-CN" altLang="en-US" sz="1200" b="1" dirty="0">
+                  <a:solidFill>
+                    <a:sysClr val="windowText" lastClr="000000"/>
+                  </a:solidFill>
+                  <a:latin typeface="DengXian" panose="02010600030101010101" pitchFamily="2" charset="-122"/>
+                  <a:ea typeface="DengXian" panose="02010600030101010101" pitchFamily="2" charset="-122"/>
+                </a:rPr>
+                <a:t> </a:t>
+              </a:r>
+              <a:r>
+                <a:rPr kumimoji="1" lang="en-US" altLang="zh-CN" sz="1200" b="1" dirty="0">
+                  <a:solidFill>
+                    <a:sysClr val="windowText" lastClr="000000"/>
+                  </a:solidFill>
+                  <a:latin typeface="DengXian" panose="02010600030101010101" pitchFamily="2" charset="-122"/>
+                  <a:ea typeface="DengXian" panose="02010600030101010101" pitchFamily="2" charset="-122"/>
+                </a:rPr>
+                <a:t>/</a:t>
+              </a:r>
+              <a:r>
+                <a:rPr kumimoji="1" lang="zh-CN" altLang="en-US" sz="1200" b="1" dirty="0">
+                  <a:solidFill>
+                    <a:sysClr val="windowText" lastClr="000000"/>
+                  </a:solidFill>
+                  <a:latin typeface="DengXian" panose="02010600030101010101" pitchFamily="2" charset="-122"/>
+                  <a:ea typeface="DengXian" panose="02010600030101010101" pitchFamily="2" charset="-122"/>
+                </a:rPr>
+                <a:t> </a:t>
+              </a:r>
+              <a:r>
+                <a:rPr kumimoji="1" lang="en-US" altLang="zh-CN" sz="1200" b="1" dirty="0">
+                  <a:solidFill>
+                    <a:sysClr val="windowText" lastClr="000000"/>
+                  </a:solidFill>
+                  <a:latin typeface="DengXian" panose="02010600030101010101" pitchFamily="2" charset="-122"/>
+                  <a:ea typeface="DengXian" panose="02010600030101010101" pitchFamily="2" charset="-122"/>
+                </a:rPr>
+                <a:t>SUM(edge1.amount)</a:t>
               </a:r>
               <a:endParaRPr kumimoji="1" lang="en-US" altLang="zh-CN" sz="1200" dirty="0">
                 <a:solidFill>
@@ -35393,7 +35466,7 @@
                     <a:sysClr val="windowText" lastClr="000000"/>
                   </a:solidFill>
                 </a:rPr>
-                <a:t>d</a:t>
+                <a:t>b</a:t>
               </a:r>
               <a:r>
                 <a:rPr kumimoji="1" lang="zh-CN" altLang="en-US" sz="1200" dirty="0">
@@ -35494,7 +35567,7 @@
                     <a:sysClr val="windowText" lastClr="000000"/>
                   </a:solidFill>
                 </a:rPr>
-                <a:t>d</a:t>
+                <a:t>b</a:t>
               </a:r>
               <a:r>
                 <a:rPr kumimoji="1" lang="zh-CN" altLang="en-US" sz="1200" dirty="0">
@@ -35595,10 +35668,10 @@
                     <a:sysClr val="windowText" lastClr="000000"/>
                   </a:solidFill>
                 </a:rPr>
-                <a:t>d</a:t>
-              </a:r>
-              <a:r>
-                <a:rPr kumimoji="1" lang="zh-CN" altLang="en-US" sz="1200" dirty="0">
+                <a:t>b</a:t>
+              </a:r>
+              <a:r>
+                <a:rPr kumimoji="1" lang="zh-CN" altLang="en-US" sz="1200" b="1" i="1" dirty="0">
                   <a:solidFill>
                     <a:sysClr val="windowText" lastClr="000000"/>
                   </a:solidFill>
@@ -35696,7 +35769,7 @@
                     <a:sysClr val="windowText" lastClr="000000"/>
                   </a:solidFill>
                 </a:rPr>
-                <a:t>d</a:t>
+                <a:t>b</a:t>
               </a:r>
               <a:r>
                 <a:rPr kumimoji="1" lang="zh-CN" altLang="en-US" sz="1200" dirty="0">
@@ -35940,7 +36013,7 @@
           </p:nvSpPr>
           <p:spPr>
             <a:xfrm>
-              <a:off x="8708154" y="2294328"/>
+              <a:off x="9284624" y="2294328"/>
               <a:ext cx="1456252" cy="505147"/>
             </a:xfrm>
             <a:prstGeom prst="rect">
@@ -36041,7 +36114,7 @@
           </p:nvSpPr>
           <p:spPr>
             <a:xfrm>
-              <a:off x="8708154" y="3098059"/>
+              <a:off x="9284624" y="3098059"/>
               <a:ext cx="1456252" cy="505147"/>
             </a:xfrm>
             <a:prstGeom prst="rect">
@@ -36142,7 +36215,7 @@
           </p:nvSpPr>
           <p:spPr>
             <a:xfrm>
-              <a:off x="8708154" y="3901790"/>
+              <a:off x="9284624" y="3901790"/>
               <a:ext cx="1456252" cy="505147"/>
             </a:xfrm>
             <a:prstGeom prst="rect">
@@ -36243,7 +36316,7 @@
           </p:nvSpPr>
           <p:spPr>
             <a:xfrm>
-              <a:off x="8708154" y="4705521"/>
+              <a:off x="9284624" y="4705521"/>
               <a:ext cx="1456252" cy="505147"/>
             </a:xfrm>
             <a:prstGeom prst="rect">
@@ -36349,7 +36422,7 @@
           <p:spPr>
             <a:xfrm>
               <a:off x="7035801" y="3350633"/>
-              <a:ext cx="1672353" cy="0"/>
+              <a:ext cx="2248823" cy="0"/>
             </a:xfrm>
             <a:prstGeom prst="straightConnector1">
               <a:avLst/>
@@ -36396,7 +36469,7 @@
           <p:spPr>
             <a:xfrm flipV="1">
               <a:off x="7035801" y="2546902"/>
-              <a:ext cx="1672353" cy="803731"/>
+              <a:ext cx="2248823" cy="803731"/>
             </a:xfrm>
             <a:prstGeom prst="straightConnector1">
               <a:avLst/>
@@ -36443,7 +36516,7 @@
           <p:spPr>
             <a:xfrm>
               <a:off x="7035801" y="3350633"/>
-              <a:ext cx="1672353" cy="1607462"/>
+              <a:ext cx="2248823" cy="1607462"/>
             </a:xfrm>
             <a:prstGeom prst="straightConnector1">
               <a:avLst/>
@@ -36490,7 +36563,7 @@
           <p:spPr>
             <a:xfrm>
               <a:off x="7035801" y="3350633"/>
-              <a:ext cx="1672353" cy="803731"/>
+              <a:ext cx="2248823" cy="803731"/>
             </a:xfrm>
             <a:prstGeom prst="straightConnector1">
               <a:avLst/>
@@ -36532,8 +36605,8 @@
           </p:nvSpPr>
           <p:spPr>
             <a:xfrm>
-              <a:off x="7035801" y="1748017"/>
-              <a:ext cx="2232340" cy="523220"/>
+              <a:off x="7035800" y="1748017"/>
+              <a:ext cx="2510055" cy="523220"/>
             </a:xfrm>
             <a:prstGeom prst="rect">
               <a:avLst/>
@@ -36551,7 +36624,7 @@
                   <a:latin typeface="DengXian" panose="02010600030101010101" pitchFamily="2" charset="-122"/>
                   <a:ea typeface="DengXian" panose="02010600030101010101" pitchFamily="2" charset="-122"/>
                 </a:rPr>
-                <a:t>y</a:t>
+                <a:t>edge2</a:t>
               </a:r>
               <a:r>
                 <a:rPr kumimoji="1" lang="zh-CN" altLang="en-US" sz="1400" dirty="0">
@@ -36584,14 +36657,14 @@
             </a:p>
             <a:p>
               <a:r>
-                <a:rPr kumimoji="1" lang="en-US" altLang="zh-CN" sz="1400" b="1" i="1" dirty="0" err="1">
-                  <a:latin typeface="DengXian" panose="02010600030101010101" pitchFamily="2" charset="-122"/>
-                  <a:ea typeface="DengXian" panose="02010600030101010101" pitchFamily="2" charset="-122"/>
-                </a:rPr>
-                <a:t>y</a:t>
-              </a:r>
-              <a:r>
-                <a:rPr kumimoji="1" lang="en-US" altLang="zh-CN" sz="1400" dirty="0" err="1">
+                <a:rPr kumimoji="1" lang="en-US" altLang="zh-CN" sz="1400" b="1" i="1" dirty="0">
+                  <a:latin typeface="DengXian" panose="02010600030101010101" pitchFamily="2" charset="-122"/>
+                  <a:ea typeface="DengXian" panose="02010600030101010101" pitchFamily="2" charset="-122"/>
+                </a:rPr>
+                <a:t>edge2</a:t>
+              </a:r>
+              <a:r>
+                <a:rPr kumimoji="1" lang="en-US" altLang="zh-CN" sz="1400" dirty="0">
                   <a:latin typeface="DengXian" panose="02010600030101010101" pitchFamily="2" charset="-122"/>
                   <a:ea typeface="DengXian" panose="02010600030101010101" pitchFamily="2" charset="-122"/>
                 </a:rPr>
@@ -36642,8 +36715,8 @@
           </p:nvSpPr>
           <p:spPr>
             <a:xfrm>
-              <a:off x="7143851" y="5011618"/>
-              <a:ext cx="1456252" cy="516578"/>
+              <a:off x="7143850" y="4958095"/>
+              <a:ext cx="1900973" cy="733489"/>
             </a:xfrm>
             <a:prstGeom prst="rect">
               <a:avLst/>
@@ -36692,6 +36765,19 @@
                 </a:rPr>
                 <a:t>RESULT</a:t>
               </a:r>
+            </a:p>
+            <a:p>
+              <a:pPr algn="ctr"/>
+              <a:r>
+                <a:rPr kumimoji="1" lang="en-US" altLang="zh-CN" sz="1200" b="1" dirty="0">
+                  <a:solidFill>
+                    <a:sysClr val="windowText" lastClr="000000"/>
+                  </a:solidFill>
+                  <a:latin typeface="DengXian" panose="02010600030101010101" pitchFamily="2" charset="-122"/>
+                  <a:ea typeface="DengXian" panose="02010600030101010101" pitchFamily="2" charset="-122"/>
+                </a:rPr>
+                <a:t>ratio2</a:t>
+              </a:r>
               <a:r>
                 <a:rPr kumimoji="1" lang="zh-CN" altLang="en-US" sz="1200" b="1" dirty="0">
                   <a:solidFill>
@@ -36710,7 +36796,87 @@
                   <a:latin typeface="DengXian" panose="02010600030101010101" pitchFamily="2" charset="-122"/>
                   <a:ea typeface="DengXian" panose="02010600030101010101" pitchFamily="2" charset="-122"/>
                 </a:rPr>
-                <a:t>ratio2</a:t>
+                <a:t>=</a:t>
+              </a:r>
+              <a:r>
+                <a:rPr kumimoji="1" lang="zh-CN" altLang="en-US" sz="1200" b="1" dirty="0">
+                  <a:solidFill>
+                    <a:sysClr val="windowText" lastClr="000000"/>
+                  </a:solidFill>
+                  <a:latin typeface="DengXian" panose="02010600030101010101" pitchFamily="2" charset="-122"/>
+                  <a:ea typeface="DengXian" panose="02010600030101010101" pitchFamily="2" charset="-122"/>
+                </a:rPr>
+                <a:t> </a:t>
+              </a:r>
+              <a:r>
+                <a:rPr kumimoji="1" lang="en-US" altLang="zh-CN" sz="1200" b="1" dirty="0">
+                  <a:solidFill>
+                    <a:sysClr val="windowText" lastClr="000000"/>
+                  </a:solidFill>
+                  <a:latin typeface="DengXian" panose="02010600030101010101" pitchFamily="2" charset="-122"/>
+                  <a:ea typeface="DengXian" panose="02010600030101010101" pitchFamily="2" charset="-122"/>
+                </a:rPr>
+                <a:t>edge2.amount</a:t>
+              </a:r>
+              <a:r>
+                <a:rPr kumimoji="1" lang="zh-CN" altLang="en-US" sz="1200" b="1" dirty="0">
+                  <a:solidFill>
+                    <a:sysClr val="windowText" lastClr="000000"/>
+                  </a:solidFill>
+                  <a:latin typeface="DengXian" panose="02010600030101010101" pitchFamily="2" charset="-122"/>
+                  <a:ea typeface="DengXian" panose="02010600030101010101" pitchFamily="2" charset="-122"/>
+                </a:rPr>
+                <a:t> </a:t>
+              </a:r>
+              <a:r>
+                <a:rPr kumimoji="1" lang="en-US" altLang="zh-CN" sz="1200" b="1" dirty="0">
+                  <a:solidFill>
+                    <a:sysClr val="windowText" lastClr="000000"/>
+                  </a:solidFill>
+                  <a:latin typeface="DengXian" panose="02010600030101010101" pitchFamily="2" charset="-122"/>
+                  <a:ea typeface="DengXian" panose="02010600030101010101" pitchFamily="2" charset="-122"/>
+                </a:rPr>
+                <a:t>/</a:t>
+              </a:r>
+              <a:r>
+                <a:rPr kumimoji="1" lang="zh-CN" altLang="en-US" sz="1200" b="1" dirty="0">
+                  <a:solidFill>
+                    <a:sysClr val="windowText" lastClr="000000"/>
+                  </a:solidFill>
+                  <a:latin typeface="DengXian" panose="02010600030101010101" pitchFamily="2" charset="-122"/>
+                  <a:ea typeface="DengXian" panose="02010600030101010101" pitchFamily="2" charset="-122"/>
+                </a:rPr>
+                <a:t> </a:t>
+              </a:r>
+              <a:r>
+                <a:rPr kumimoji="1" lang="en-US" altLang="zh-CN" sz="1200" b="1" dirty="0">
+                  <a:solidFill>
+                    <a:sysClr val="windowText" lastClr="000000"/>
+                  </a:solidFill>
+                  <a:latin typeface="DengXian" panose="02010600030101010101" pitchFamily="2" charset="-122"/>
+                  <a:ea typeface="DengXian" panose="02010600030101010101" pitchFamily="2" charset="-122"/>
+                </a:rPr>
+                <a:t>SUM(upstream</a:t>
+              </a:r>
+              <a:r>
+                <a:rPr kumimoji="1" lang="zh-CN" altLang="en-US" sz="1200" b="1" dirty="0">
+                  <a:solidFill>
+                    <a:sysClr val="windowText" lastClr="000000"/>
+                  </a:solidFill>
+                  <a:latin typeface="DengXian" panose="02010600030101010101" pitchFamily="2" charset="-122"/>
+                  <a:ea typeface="DengXian" panose="02010600030101010101" pitchFamily="2" charset="-122"/>
+                </a:rPr>
+                <a:t> </a:t>
+              </a:r>
+              <a:r>
+                <a:rPr kumimoji="1" lang="en-US" altLang="zh-CN" sz="1200" b="1" dirty="0">
+                  <a:solidFill>
+                    <a:sysClr val="windowText" lastClr="000000"/>
+                  </a:solidFill>
+                  <a:latin typeface="DengXian" panose="02010600030101010101" pitchFamily="2" charset="-122"/>
+                  <a:ea typeface="DengXian" panose="02010600030101010101" pitchFamily="2" charset="-122"/>
+                </a:rPr>
+                <a:t>edge1)</a:t>
               </a:r>
               <a:endParaRPr kumimoji="1" lang="en-US" altLang="zh-CN" sz="1200" dirty="0">
                 <a:solidFill>

--- a/patterns/transaction-complex-read.pptx
+++ b/patterns/transaction-complex-read.pptx
@@ -211,7 +211,7 @@
           <a:p>
             <a:fld id="{CAD4BD24-A097-4F9D-85E9-6A2A24CA2D98}" type="datetimeFigureOut">
               <a:rPr lang="zh-CN" altLang="en-US" smtClean="0"/>
-              <a:t>2022/11/12</a:t>
+              <a:t>2022/11/14</a:t>
             </a:fld>
             <a:endParaRPr lang="zh-CN" altLang="en-US"/>
           </a:p>
@@ -10406,10 +10406,10 @@
       </p:grpSpPr>
       <p:grpSp>
         <p:nvGrpSpPr>
-          <p:cNvPr id="80" name="Group 79">
+          <p:cNvPr id="2" name="Group 1">
             <a:extLst>
               <a:ext uri="{FF2B5EF4-FFF2-40B4-BE49-F238E27FC236}">
-                <a16:creationId xmlns:a16="http://schemas.microsoft.com/office/drawing/2014/main" id="{903B445A-C3E7-DAA7-61C9-B2E3C95387BE}"/>
+                <a16:creationId xmlns:a16="http://schemas.microsoft.com/office/drawing/2014/main" id="{08D0AE13-E312-6038-4A2A-111156CF33F4}"/>
               </a:ext>
             </a:extLst>
           </p:cNvPr>
@@ -10418,18 +10418,480 @@
         </p:nvGrpSpPr>
         <p:grpSpPr>
           <a:xfrm>
-            <a:off x="879232" y="1587060"/>
-            <a:ext cx="1571558" cy="782148"/>
-            <a:chOff x="1364974" y="1587060"/>
-            <a:chExt cx="1571558" cy="782148"/>
+            <a:off x="879232" y="1334485"/>
+            <a:ext cx="10205866" cy="4417085"/>
+            <a:chOff x="879232" y="1334485"/>
+            <a:chExt cx="10205866" cy="4417085"/>
           </a:xfrm>
         </p:grpSpPr>
+        <p:grpSp>
+          <p:nvGrpSpPr>
+            <p:cNvPr id="80" name="Group 79">
+              <a:extLst>
+                <a:ext uri="{FF2B5EF4-FFF2-40B4-BE49-F238E27FC236}">
+                  <a16:creationId xmlns:a16="http://schemas.microsoft.com/office/drawing/2014/main" id="{903B445A-C3E7-DAA7-61C9-B2E3C95387BE}"/>
+                </a:ext>
+              </a:extLst>
+            </p:cNvPr>
+            <p:cNvGrpSpPr/>
+            <p:nvPr/>
+          </p:nvGrpSpPr>
+          <p:grpSpPr>
+            <a:xfrm>
+              <a:off x="879232" y="1587060"/>
+              <a:ext cx="1571558" cy="782148"/>
+              <a:chOff x="1364974" y="1587060"/>
+              <a:chExt cx="1571558" cy="782148"/>
+            </a:xfrm>
+          </p:grpSpPr>
+          <p:sp>
+            <p:nvSpPr>
+              <p:cNvPr id="6" name="矩形 5">
+                <a:extLst>
+                  <a:ext uri="{FF2B5EF4-FFF2-40B4-BE49-F238E27FC236}">
+                    <a16:creationId xmlns:a16="http://schemas.microsoft.com/office/drawing/2014/main" id="{670CE168-0537-1EDE-AF50-A3F8EBDDBDA6}"/>
+                  </a:ext>
+                </a:extLst>
+              </p:cNvPr>
+              <p:cNvSpPr/>
+              <p:nvPr/>
+            </p:nvSpPr>
+            <p:spPr>
+              <a:xfrm>
+                <a:off x="1364974" y="1587060"/>
+                <a:ext cx="1571558" cy="505147"/>
+              </a:xfrm>
+              <a:prstGeom prst="rect">
+                <a:avLst/>
+              </a:prstGeom>
+              <a:solidFill>
+                <a:schemeClr val="accent6">
+                  <a:lumMod val="60000"/>
+                  <a:lumOff val="40000"/>
+                </a:schemeClr>
+              </a:solidFill>
+              <a:ln w="25400">
+                <a:solidFill>
+                  <a:schemeClr val="tx1"/>
+                </a:solidFill>
+              </a:ln>
+            </p:spPr>
+            <p:style>
+              <a:lnRef idx="2">
+                <a:schemeClr val="accent2">
+                  <a:shade val="50000"/>
+                </a:schemeClr>
+              </a:lnRef>
+              <a:fillRef idx="1">
+                <a:schemeClr val="accent2"/>
+              </a:fillRef>
+              <a:effectRef idx="0">
+                <a:schemeClr val="accent2"/>
+              </a:effectRef>
+              <a:fontRef idx="minor">
+                <a:schemeClr val="lt1"/>
+              </a:fontRef>
+            </p:style>
+            <p:txBody>
+              <a:bodyPr rtlCol="0" anchor="ctr"/>
+              <a:lstStyle/>
+              <a:p>
+                <a:pPr algn="ctr"/>
+                <a:r>
+                  <a:rPr kumimoji="1" lang="en-US" altLang="zh-CN" sz="1200" b="1" dirty="0">
+                    <a:solidFill>
+                      <a:sysClr val="windowText" lastClr="000000"/>
+                    </a:solidFill>
+                  </a:rPr>
+                  <a:t>person</a:t>
+                </a:r>
+                <a:r>
+                  <a:rPr kumimoji="1" lang="zh-CN" altLang="en-US" sz="1200" dirty="0">
+                    <a:solidFill>
+                      <a:sysClr val="windowText" lastClr="000000"/>
+                    </a:solidFill>
+                  </a:rPr>
+                  <a:t> </a:t>
+                </a:r>
+                <a:r>
+                  <a:rPr kumimoji="1" lang="en-US" altLang="zh-CN" sz="1200" dirty="0">
+                    <a:solidFill>
+                      <a:sysClr val="windowText" lastClr="000000"/>
+                    </a:solidFill>
+                  </a:rPr>
+                  <a:t>:</a:t>
+                </a:r>
+                <a:r>
+                  <a:rPr kumimoji="1" lang="zh-CN" altLang="en-US" sz="1200" dirty="0">
+                    <a:solidFill>
+                      <a:sysClr val="windowText" lastClr="000000"/>
+                    </a:solidFill>
+                  </a:rPr>
+                  <a:t> </a:t>
+                </a:r>
+                <a:r>
+                  <a:rPr kumimoji="1" lang="en-US" altLang="zh-CN" sz="1200" dirty="0">
+                    <a:solidFill>
+                      <a:sysClr val="windowText" lastClr="000000"/>
+                    </a:solidFill>
+                  </a:rPr>
+                  <a:t>Person</a:t>
+                </a:r>
+                <a:endParaRPr kumimoji="1" lang="zh-CN" altLang="en-US" sz="1200" dirty="0">
+                  <a:solidFill>
+                    <a:sysClr val="windowText" lastClr="000000"/>
+                  </a:solidFill>
+                </a:endParaRPr>
+              </a:p>
+            </p:txBody>
+          </p:sp>
+          <p:sp>
+            <p:nvSpPr>
+              <p:cNvPr id="7" name="矩形 6">
+                <a:extLst>
+                  <a:ext uri="{FF2B5EF4-FFF2-40B4-BE49-F238E27FC236}">
+                    <a16:creationId xmlns:a16="http://schemas.microsoft.com/office/drawing/2014/main" id="{D4300831-4873-1FA9-2AED-A01E517891A7}"/>
+                  </a:ext>
+                </a:extLst>
+              </p:cNvPr>
+              <p:cNvSpPr/>
+              <p:nvPr/>
+            </p:nvSpPr>
+            <p:spPr>
+              <a:xfrm>
+                <a:off x="1364974" y="2092208"/>
+                <a:ext cx="1571557" cy="277000"/>
+              </a:xfrm>
+              <a:prstGeom prst="rect">
+                <a:avLst/>
+              </a:prstGeom>
+              <a:noFill/>
+              <a:ln w="25400">
+                <a:solidFill>
+                  <a:schemeClr val="tx1"/>
+                </a:solidFill>
+              </a:ln>
+            </p:spPr>
+            <p:style>
+              <a:lnRef idx="2">
+                <a:schemeClr val="accent2">
+                  <a:shade val="50000"/>
+                </a:schemeClr>
+              </a:lnRef>
+              <a:fillRef idx="1">
+                <a:schemeClr val="accent2"/>
+              </a:fillRef>
+              <a:effectRef idx="0">
+                <a:schemeClr val="accent2"/>
+              </a:effectRef>
+              <a:fontRef idx="minor">
+                <a:schemeClr val="lt1"/>
+              </a:fontRef>
+            </p:style>
+            <p:txBody>
+              <a:bodyPr rtlCol="0" anchor="ctr"/>
+              <a:lstStyle/>
+              <a:p>
+                <a:pPr algn="ctr"/>
+                <a:r>
+                  <a:rPr kumimoji="1" lang="en-US" altLang="zh-CN" sz="1200" b="1" dirty="0" err="1">
+                    <a:solidFill>
+                      <a:sysClr val="windowText" lastClr="000000"/>
+                    </a:solidFill>
+                    <a:latin typeface="DengXian" panose="02010600030101010101" pitchFamily="2" charset="-122"/>
+                    <a:ea typeface="DengXian" panose="02010600030101010101" pitchFamily="2" charset="-122"/>
+                  </a:rPr>
+                  <a:t>person</a:t>
+                </a:r>
+                <a:r>
+                  <a:rPr kumimoji="1" lang="en-US" altLang="zh-CN" sz="1200" dirty="0" err="1">
+                    <a:solidFill>
+                      <a:sysClr val="windowText" lastClr="000000"/>
+                    </a:solidFill>
+                    <a:latin typeface="DengXian" panose="02010600030101010101" pitchFamily="2" charset="-122"/>
+                    <a:ea typeface="DengXian" panose="02010600030101010101" pitchFamily="2" charset="-122"/>
+                  </a:rPr>
+                  <a:t>.id</a:t>
+                </a:r>
+                <a:r>
+                  <a:rPr kumimoji="1" lang="zh-CN" altLang="en-US" sz="1200" dirty="0">
+                    <a:solidFill>
+                      <a:sysClr val="windowText" lastClr="000000"/>
+                    </a:solidFill>
+                    <a:latin typeface="DengXian" panose="02010600030101010101" pitchFamily="2" charset="-122"/>
+                    <a:ea typeface="DengXian" panose="02010600030101010101" pitchFamily="2" charset="-122"/>
+                  </a:rPr>
+                  <a:t> </a:t>
+                </a:r>
+                <a:r>
+                  <a:rPr kumimoji="1" lang="en-US" altLang="zh-CN" sz="1200" dirty="0">
+                    <a:solidFill>
+                      <a:sysClr val="windowText" lastClr="000000"/>
+                    </a:solidFill>
+                    <a:latin typeface="DengXian" panose="02010600030101010101" pitchFamily="2" charset="-122"/>
+                    <a:ea typeface="DengXian" panose="02010600030101010101" pitchFamily="2" charset="-122"/>
+                  </a:rPr>
+                  <a:t>=</a:t>
+                </a:r>
+                <a:r>
+                  <a:rPr kumimoji="1" lang="zh-CN" altLang="en-US" sz="1200" dirty="0">
+                    <a:solidFill>
+                      <a:sysClr val="windowText" lastClr="000000"/>
+                    </a:solidFill>
+                    <a:latin typeface="DengXian" panose="02010600030101010101" pitchFamily="2" charset="-122"/>
+                    <a:ea typeface="DengXian" panose="02010600030101010101" pitchFamily="2" charset="-122"/>
+                  </a:rPr>
+                  <a:t> </a:t>
+                </a:r>
+                <a:r>
+                  <a:rPr kumimoji="1" lang="en-US" altLang="zh-CN" sz="1200" dirty="0">
+                    <a:solidFill>
+                      <a:sysClr val="windowText" lastClr="000000"/>
+                    </a:solidFill>
+                    <a:latin typeface="DengXian" panose="02010600030101010101" pitchFamily="2" charset="-122"/>
+                    <a:ea typeface="DengXian" panose="02010600030101010101" pitchFamily="2" charset="-122"/>
+                  </a:rPr>
+                  <a:t>${id}</a:t>
+                </a:r>
+                <a:endParaRPr kumimoji="1" lang="zh-CN" altLang="en-US" sz="1200" dirty="0">
+                  <a:solidFill>
+                    <a:sysClr val="windowText" lastClr="000000"/>
+                  </a:solidFill>
+                  <a:latin typeface="DengXian" panose="02010600030101010101" pitchFamily="2" charset="-122"/>
+                  <a:ea typeface="DengXian" panose="02010600030101010101" pitchFamily="2" charset="-122"/>
+                </a:endParaRPr>
+              </a:p>
+            </p:txBody>
+          </p:sp>
+        </p:grpSp>
+        <p:cxnSp>
+          <p:nvCxnSpPr>
+            <p:cNvPr id="8" name="直线箭头连接符 7" descr="jytjh">
+              <a:extLst>
+                <a:ext uri="{FF2B5EF4-FFF2-40B4-BE49-F238E27FC236}">
+                  <a16:creationId xmlns:a16="http://schemas.microsoft.com/office/drawing/2014/main" id="{8507D6B9-48D5-F7CD-F0A0-F23AE40A642E}"/>
+                </a:ext>
+              </a:extLst>
+            </p:cNvPr>
+            <p:cNvCxnSpPr>
+              <a:cxnSpLocks/>
+              <a:stCxn id="6" idx="3"/>
+              <a:endCxn id="10" idx="1"/>
+            </p:cNvCxnSpPr>
+            <p:nvPr/>
+          </p:nvCxnSpPr>
+          <p:spPr>
+            <a:xfrm>
+              <a:off x="2450790" y="1839634"/>
+              <a:ext cx="1598251" cy="0"/>
+            </a:xfrm>
+            <a:prstGeom prst="straightConnector1">
+              <a:avLst/>
+            </a:prstGeom>
+            <a:ln w="25400">
+              <a:solidFill>
+                <a:schemeClr val="tx1"/>
+              </a:solidFill>
+              <a:headEnd type="none" w="sm" len="lg"/>
+              <a:tailEnd type="arrow" w="sm" len="lg"/>
+            </a:ln>
+          </p:spPr>
+          <p:style>
+            <a:lnRef idx="1">
+              <a:schemeClr val="accent1"/>
+            </a:lnRef>
+            <a:fillRef idx="0">
+              <a:schemeClr val="accent1"/>
+            </a:fillRef>
+            <a:effectRef idx="0">
+              <a:schemeClr val="accent1"/>
+            </a:effectRef>
+            <a:fontRef idx="minor">
+              <a:schemeClr val="tx1"/>
+            </a:fontRef>
+          </p:style>
+        </p:cxnSp>
         <p:sp>
           <p:nvSpPr>
-            <p:cNvPr id="6" name="矩形 5">
+            <p:cNvPr id="13" name="文本框 12">
               <a:extLst>
                 <a:ext uri="{FF2B5EF4-FFF2-40B4-BE49-F238E27FC236}">
-                  <a16:creationId xmlns:a16="http://schemas.microsoft.com/office/drawing/2014/main" id="{670CE168-0537-1EDE-AF50-A3F8EBDDBDA6}"/>
+                  <a16:creationId xmlns:a16="http://schemas.microsoft.com/office/drawing/2014/main" id="{8BA6C3EA-1EA1-A76F-0E83-4F1020091045}"/>
+                </a:ext>
+              </a:extLst>
+            </p:cNvPr>
+            <p:cNvSpPr txBox="1"/>
+            <p:nvPr/>
+          </p:nvSpPr>
+          <p:spPr>
+            <a:xfrm>
+              <a:off x="879232" y="3473825"/>
+              <a:ext cx="2326930" cy="646331"/>
+            </a:xfrm>
+            <a:prstGeom prst="rect">
+              <a:avLst/>
+            </a:prstGeom>
+            <a:noFill/>
+          </p:spPr>
+          <p:txBody>
+            <a:bodyPr wrap="square" rtlCol="0">
+              <a:spAutoFit/>
+            </a:bodyPr>
+            <a:lstStyle/>
+            <a:p>
+              <a:r>
+                <a:rPr kumimoji="1" lang="en-US" altLang="zh-CN" sz="1200" b="1" dirty="0">
+                  <a:latin typeface="DengXian" panose="02010600030101010101" pitchFamily="2" charset="-122"/>
+                  <a:ea typeface="DengXian" panose="02010600030101010101" pitchFamily="2" charset="-122"/>
+                </a:rPr>
+                <a:t>edge2</a:t>
+              </a:r>
+              <a:r>
+                <a:rPr kumimoji="1" lang="en-US" altLang="zh-CN" sz="1200" dirty="0">
+                  <a:latin typeface="DengXian" panose="02010600030101010101" pitchFamily="2" charset="-122"/>
+                  <a:ea typeface="DengXian" panose="02010600030101010101" pitchFamily="2" charset="-122"/>
+                </a:rPr>
+                <a:t>:</a:t>
+              </a:r>
+              <a:r>
+                <a:rPr kumimoji="1" lang="zh-CN" altLang="en-US" sz="1200" dirty="0">
+                  <a:latin typeface="DengXian" panose="02010600030101010101" pitchFamily="2" charset="-122"/>
+                  <a:ea typeface="DengXian" panose="02010600030101010101" pitchFamily="2" charset="-122"/>
+                </a:rPr>
+                <a:t> </a:t>
+              </a:r>
+              <a:r>
+                <a:rPr kumimoji="1" lang="en-US" altLang="zh-CN" sz="1200" dirty="0">
+                  <a:latin typeface="DengXian" panose="02010600030101010101" pitchFamily="2" charset="-122"/>
+                  <a:ea typeface="DengXian" panose="02010600030101010101" pitchFamily="2" charset="-122"/>
+                </a:rPr>
+                <a:t>transfer</a:t>
+              </a:r>
+            </a:p>
+            <a:p>
+              <a:r>
+                <a:rPr kumimoji="1" lang="en-US" altLang="zh-CN" sz="1200" b="1" dirty="0">
+                  <a:latin typeface="DengXian" panose="02010600030101010101" pitchFamily="2" charset="-122"/>
+                  <a:ea typeface="DengXian" panose="02010600030101010101" pitchFamily="2" charset="-122"/>
+                </a:rPr>
+                <a:t>edge2</a:t>
+              </a:r>
+              <a:r>
+                <a:rPr kumimoji="1" lang="en-US" altLang="zh-CN" sz="1200" dirty="0">
+                  <a:latin typeface="DengXian" panose="02010600030101010101" pitchFamily="2" charset="-122"/>
+                  <a:ea typeface="DengXian" panose="02010600030101010101" pitchFamily="2" charset="-122"/>
+                </a:rPr>
+                <a:t>.timestamp</a:t>
+              </a:r>
+              <a:r>
+                <a:rPr kumimoji="1" lang="zh-CN" altLang="en-US" sz="1200" dirty="0">
+                  <a:latin typeface="DengXian" panose="02010600030101010101" pitchFamily="2" charset="-122"/>
+                  <a:ea typeface="DengXian" panose="02010600030101010101" pitchFamily="2" charset="-122"/>
+                </a:rPr>
+                <a:t> </a:t>
+              </a:r>
+              <a:r>
+                <a:rPr kumimoji="1" lang="en-US" altLang="zh-CN" sz="1200" dirty="0">
+                  <a:latin typeface="DengXian" panose="02010600030101010101" pitchFamily="2" charset="-122"/>
+                  <a:ea typeface="DengXian" panose="02010600030101010101" pitchFamily="2" charset="-122"/>
+                </a:rPr>
+                <a:t>&gt;</a:t>
+              </a:r>
+              <a:r>
+                <a:rPr kumimoji="1" lang="zh-CN" altLang="en-US" sz="1200" dirty="0">
+                  <a:latin typeface="DengXian" panose="02010600030101010101" pitchFamily="2" charset="-122"/>
+                  <a:ea typeface="DengXian" panose="02010600030101010101" pitchFamily="2" charset="-122"/>
+                </a:rPr>
+                <a:t> </a:t>
+              </a:r>
+              <a:r>
+                <a:rPr kumimoji="1" lang="en-US" altLang="zh-CN" sz="1200" dirty="0">
+                  <a:latin typeface="DengXian" panose="02010600030101010101" pitchFamily="2" charset="-122"/>
+                  <a:ea typeface="DengXian" panose="02010600030101010101" pitchFamily="2" charset="-122"/>
+                </a:rPr>
+                <a:t>${</a:t>
+              </a:r>
+              <a:r>
+                <a:rPr kumimoji="1" lang="en-US" altLang="zh-CN" sz="1200" dirty="0" err="1">
+                  <a:latin typeface="DengXian" panose="02010600030101010101" pitchFamily="2" charset="-122"/>
+                  <a:ea typeface="DengXian" panose="02010600030101010101" pitchFamily="2" charset="-122"/>
+                </a:rPr>
+                <a:t>start_time</a:t>
+              </a:r>
+              <a:r>
+                <a:rPr kumimoji="1" lang="en-US" altLang="zh-CN" sz="1200" dirty="0">
+                  <a:latin typeface="DengXian" panose="02010600030101010101" pitchFamily="2" charset="-122"/>
+                  <a:ea typeface="DengXian" panose="02010600030101010101" pitchFamily="2" charset="-122"/>
+                </a:rPr>
+                <a:t>}</a:t>
+              </a:r>
+            </a:p>
+            <a:p>
+              <a:r>
+                <a:rPr kumimoji="1" lang="en-US" altLang="zh-CN" sz="1200" b="1" dirty="0">
+                  <a:latin typeface="DengXian" panose="02010600030101010101" pitchFamily="2" charset="-122"/>
+                  <a:ea typeface="DengXian" panose="02010600030101010101" pitchFamily="2" charset="-122"/>
+                </a:rPr>
+                <a:t>edge2</a:t>
+              </a:r>
+              <a:r>
+                <a:rPr kumimoji="1" lang="en-US" altLang="zh-CN" sz="1200" dirty="0">
+                  <a:latin typeface="DengXian" panose="02010600030101010101" pitchFamily="2" charset="-122"/>
+                  <a:ea typeface="DengXian" panose="02010600030101010101" pitchFamily="2" charset="-122"/>
+                </a:rPr>
+                <a:t>.timestamp</a:t>
+              </a:r>
+              <a:r>
+                <a:rPr kumimoji="1" lang="zh-CN" altLang="en-US" sz="1200" dirty="0">
+                  <a:latin typeface="DengXian" panose="02010600030101010101" pitchFamily="2" charset="-122"/>
+                  <a:ea typeface="DengXian" panose="02010600030101010101" pitchFamily="2" charset="-122"/>
+                </a:rPr>
+                <a:t> </a:t>
+              </a:r>
+              <a:r>
+                <a:rPr kumimoji="1" lang="en-US" altLang="zh-CN" sz="1200" dirty="0">
+                  <a:latin typeface="DengXian" panose="02010600030101010101" pitchFamily="2" charset="-122"/>
+                  <a:ea typeface="DengXian" panose="02010600030101010101" pitchFamily="2" charset="-122"/>
+                </a:rPr>
+                <a:t>&lt;</a:t>
+              </a:r>
+              <a:r>
+                <a:rPr kumimoji="1" lang="zh-CN" altLang="en-US" sz="1200" dirty="0">
+                  <a:latin typeface="DengXian" panose="02010600030101010101" pitchFamily="2" charset="-122"/>
+                  <a:ea typeface="DengXian" panose="02010600030101010101" pitchFamily="2" charset="-122"/>
+                </a:rPr>
+                <a:t> </a:t>
+              </a:r>
+              <a:r>
+                <a:rPr kumimoji="1" lang="en-US" altLang="zh-CN" sz="1200" dirty="0">
+                  <a:latin typeface="DengXian" panose="02010600030101010101" pitchFamily="2" charset="-122"/>
+                  <a:ea typeface="DengXian" panose="02010600030101010101" pitchFamily="2" charset="-122"/>
+                </a:rPr>
+                <a:t>${</a:t>
+              </a:r>
+              <a:r>
+                <a:rPr kumimoji="1" lang="en-US" altLang="zh-CN" sz="1200" dirty="0" err="1">
+                  <a:latin typeface="DengXian" panose="02010600030101010101" pitchFamily="2" charset="-122"/>
+                  <a:ea typeface="DengXian" panose="02010600030101010101" pitchFamily="2" charset="-122"/>
+                </a:rPr>
+                <a:t>end_time</a:t>
+              </a:r>
+              <a:r>
+                <a:rPr kumimoji="1" lang="en-US" altLang="zh-CN" sz="1200" dirty="0">
+                  <a:latin typeface="DengXian" panose="02010600030101010101" pitchFamily="2" charset="-122"/>
+                  <a:ea typeface="DengXian" panose="02010600030101010101" pitchFamily="2" charset="-122"/>
+                </a:rPr>
+                <a:t>}</a:t>
+              </a:r>
+            </a:p>
+          </p:txBody>
+        </p:sp>
+        <p:sp>
+          <p:nvSpPr>
+            <p:cNvPr id="22" name="矩形 4">
+              <a:extLst>
+                <a:ext uri="{FF2B5EF4-FFF2-40B4-BE49-F238E27FC236}">
+                  <a16:creationId xmlns:a16="http://schemas.microsoft.com/office/drawing/2014/main" id="{FAF47002-4923-9384-3EF2-3048D237F34B}"/>
                 </a:ext>
               </a:extLst>
             </p:cNvPr>
@@ -10438,7 +10900,228 @@
           </p:nvSpPr>
           <p:spPr>
             <a:xfrm>
-              <a:off x="1364974" y="1587060"/>
+              <a:off x="5724144" y="1334485"/>
+              <a:ext cx="2852928" cy="4417085"/>
+            </a:xfrm>
+            <a:prstGeom prst="rect">
+              <a:avLst/>
+            </a:prstGeom>
+            <a:noFill/>
+            <a:ln w="25400">
+              <a:solidFill>
+                <a:schemeClr val="tx1"/>
+              </a:solidFill>
+              <a:prstDash val="dash"/>
+            </a:ln>
+          </p:spPr>
+          <p:style>
+            <a:lnRef idx="2">
+              <a:schemeClr val="accent2">
+                <a:shade val="50000"/>
+              </a:schemeClr>
+            </a:lnRef>
+            <a:fillRef idx="1">
+              <a:schemeClr val="accent2"/>
+            </a:fillRef>
+            <a:effectRef idx="0">
+              <a:schemeClr val="accent2"/>
+            </a:effectRef>
+            <a:fontRef idx="minor">
+              <a:schemeClr val="lt1"/>
+            </a:fontRef>
+          </p:style>
+          <p:txBody>
+            <a:bodyPr rtlCol="0" anchor="b"/>
+            <a:lstStyle/>
+            <a:p>
+              <a:r>
+                <a:rPr kumimoji="1" lang="en-US" altLang="zh-CN" sz="1200" b="1" dirty="0">
+                  <a:solidFill>
+                    <a:srgbClr val="FF0000"/>
+                  </a:solidFill>
+                  <a:latin typeface="DengXian" panose="02010600030101010101" pitchFamily="2" charset="-122"/>
+                  <a:ea typeface="DengXian" panose="02010600030101010101" pitchFamily="2" charset="-122"/>
+                </a:rPr>
+                <a:t>RESULT</a:t>
+              </a:r>
+            </a:p>
+            <a:p>
+              <a:r>
+                <a:rPr kumimoji="1" lang="en-US" altLang="zh-CN" sz="1200" dirty="0">
+                  <a:solidFill>
+                    <a:sysClr val="windowText" lastClr="000000"/>
+                  </a:solidFill>
+                  <a:latin typeface="DengXian" panose="02010600030101010101" pitchFamily="2" charset="-122"/>
+                  <a:ea typeface="DengXian" panose="02010600030101010101" pitchFamily="2" charset="-122"/>
+                </a:rPr>
+                <a:t>SUM(edge2.amount)</a:t>
+              </a:r>
+              <a:r>
+                <a:rPr kumimoji="1" lang="zh-CN" altLang="en-US" sz="1200" dirty="0">
+                  <a:solidFill>
+                    <a:sysClr val="windowText" lastClr="000000"/>
+                  </a:solidFill>
+                  <a:latin typeface="DengXian" panose="02010600030101010101" pitchFamily="2" charset="-122"/>
+                  <a:ea typeface="DengXian" panose="02010600030101010101" pitchFamily="2" charset="-122"/>
+                </a:rPr>
+                <a:t> </a:t>
+              </a:r>
+              <a:r>
+                <a:rPr kumimoji="1" lang="en-US" altLang="zh-CN" sz="1200" b="1" dirty="0" err="1">
+                  <a:solidFill>
+                    <a:srgbClr val="FF0000"/>
+                  </a:solidFill>
+                  <a:latin typeface="DengXian" panose="02010600030101010101" pitchFamily="2" charset="-122"/>
+                  <a:ea typeface="DengXian" panose="02010600030101010101" pitchFamily="2" charset="-122"/>
+                </a:rPr>
+                <a:t>Groupby</a:t>
+              </a:r>
+              <a:r>
+                <a:rPr kumimoji="1" lang="zh-CN" altLang="en-US" sz="1200" dirty="0">
+                  <a:solidFill>
+                    <a:sysClr val="windowText" lastClr="000000"/>
+                  </a:solidFill>
+                  <a:latin typeface="DengXian" panose="02010600030101010101" pitchFamily="2" charset="-122"/>
+                  <a:ea typeface="DengXian" panose="02010600030101010101" pitchFamily="2" charset="-122"/>
+                </a:rPr>
+                <a:t> </a:t>
+              </a:r>
+              <a:r>
+                <a:rPr kumimoji="1" lang="en-US" altLang="zh-CN" sz="1200" dirty="0" err="1">
+                  <a:solidFill>
+                    <a:sysClr val="windowText" lastClr="000000"/>
+                  </a:solidFill>
+                  <a:latin typeface="DengXian" panose="02010600030101010101" pitchFamily="2" charset="-122"/>
+                  <a:ea typeface="DengXian" panose="02010600030101010101" pitchFamily="2" charset="-122"/>
+                </a:rPr>
+                <a:t>compAcc</a:t>
+              </a:r>
+              <a:endParaRPr kumimoji="1" lang="en-US" altLang="zh-CN" sz="1200" dirty="0">
+                <a:solidFill>
+                  <a:sysClr val="windowText" lastClr="000000"/>
+                </a:solidFill>
+                <a:latin typeface="DengXian" panose="02010600030101010101" pitchFamily="2" charset="-122"/>
+                <a:ea typeface="DengXian" panose="02010600030101010101" pitchFamily="2" charset="-122"/>
+              </a:endParaRPr>
+            </a:p>
+          </p:txBody>
+        </p:sp>
+        <p:sp>
+          <p:nvSpPr>
+            <p:cNvPr id="10" name="矩形 9">
+              <a:extLst>
+                <a:ext uri="{FF2B5EF4-FFF2-40B4-BE49-F238E27FC236}">
+                  <a16:creationId xmlns:a16="http://schemas.microsoft.com/office/drawing/2014/main" id="{ADFFFBB1-E550-E2FD-3E36-BF69279B87DD}"/>
+                </a:ext>
+              </a:extLst>
+            </p:cNvPr>
+            <p:cNvSpPr/>
+            <p:nvPr/>
+          </p:nvSpPr>
+          <p:spPr>
+            <a:xfrm>
+              <a:off x="4049041" y="1587060"/>
+              <a:ext cx="1571557" cy="505147"/>
+            </a:xfrm>
+            <a:prstGeom prst="rect">
+              <a:avLst/>
+            </a:prstGeom>
+            <a:solidFill>
+              <a:schemeClr val="accent5">
+                <a:lumMod val="60000"/>
+                <a:lumOff val="40000"/>
+              </a:schemeClr>
+            </a:solidFill>
+            <a:ln w="25400">
+              <a:solidFill>
+                <a:schemeClr val="tx1"/>
+              </a:solidFill>
+            </a:ln>
+          </p:spPr>
+          <p:style>
+            <a:lnRef idx="2">
+              <a:schemeClr val="accent2">
+                <a:shade val="50000"/>
+              </a:schemeClr>
+            </a:lnRef>
+            <a:fillRef idx="1">
+              <a:schemeClr val="accent2"/>
+            </a:fillRef>
+            <a:effectRef idx="0">
+              <a:schemeClr val="accent2"/>
+            </a:effectRef>
+            <a:fontRef idx="minor">
+              <a:schemeClr val="lt1"/>
+            </a:fontRef>
+          </p:style>
+          <p:txBody>
+            <a:bodyPr rtlCol="0" anchor="ctr"/>
+            <a:lstStyle/>
+            <a:p>
+              <a:pPr algn="ctr"/>
+              <a:r>
+                <a:rPr kumimoji="1" lang="en-US" altLang="zh-CN" sz="1200" b="1" dirty="0" err="1">
+                  <a:solidFill>
+                    <a:sysClr val="windowText" lastClr="000000"/>
+                  </a:solidFill>
+                </a:rPr>
+                <a:t>pAcc</a:t>
+              </a:r>
+              <a:r>
+                <a:rPr kumimoji="1" lang="zh-CN" altLang="en-US" sz="1200" dirty="0">
+                  <a:solidFill>
+                    <a:sysClr val="windowText" lastClr="000000"/>
+                  </a:solidFill>
+                </a:rPr>
+                <a:t> </a:t>
+              </a:r>
+              <a:r>
+                <a:rPr kumimoji="1" lang="en-US" altLang="zh-CN" sz="1200" dirty="0">
+                  <a:solidFill>
+                    <a:sysClr val="windowText" lastClr="000000"/>
+                  </a:solidFill>
+                </a:rPr>
+                <a:t>:</a:t>
+              </a:r>
+              <a:r>
+                <a:rPr kumimoji="1" lang="zh-CN" altLang="en-US" sz="1200" dirty="0">
+                  <a:solidFill>
+                    <a:sysClr val="windowText" lastClr="000000"/>
+                  </a:solidFill>
+                </a:rPr>
+                <a:t> </a:t>
+              </a:r>
+              <a:r>
+                <a:rPr kumimoji="1" lang="en-US" altLang="zh-CN" sz="1200" dirty="0">
+                  <a:solidFill>
+                    <a:sysClr val="windowText" lastClr="000000"/>
+                  </a:solidFill>
+                </a:rPr>
+                <a:t>Account</a:t>
+              </a:r>
+              <a:endParaRPr kumimoji="1" lang="zh-CN" altLang="en-US" sz="1200" dirty="0">
+                <a:solidFill>
+                  <a:sysClr val="windowText" lastClr="000000"/>
+                </a:solidFill>
+              </a:endParaRPr>
+            </a:p>
+          </p:txBody>
+        </p:sp>
+        <p:sp>
+          <p:nvSpPr>
+            <p:cNvPr id="11" name="矩形 10">
+              <a:extLst>
+                <a:ext uri="{FF2B5EF4-FFF2-40B4-BE49-F238E27FC236}">
+                  <a16:creationId xmlns:a16="http://schemas.microsoft.com/office/drawing/2014/main" id="{B0276ABD-9AAA-FD4F-7A1E-0F1B1045961F}"/>
+                </a:ext>
+              </a:extLst>
+            </p:cNvPr>
+            <p:cNvSpPr/>
+            <p:nvPr/>
+          </p:nvSpPr>
+          <p:spPr>
+            <a:xfrm>
+              <a:off x="6618926" y="1587060"/>
               <a:ext cx="1571558" cy="505147"/>
             </a:xfrm>
             <a:prstGeom prst="rect">
@@ -10478,12 +11161,12 @@
             <a:p>
               <a:pPr algn="ctr"/>
               <a:r>
-                <a:rPr kumimoji="1" lang="en-US" altLang="zh-CN" sz="1200" b="1" dirty="0">
-                  <a:solidFill>
-                    <a:sysClr val="windowText" lastClr="000000"/>
-                  </a:solidFill>
-                </a:rPr>
-                <a:t>person</a:t>
+                <a:rPr kumimoji="1" lang="en-US" altLang="zh-CN" sz="1200" b="1" dirty="0" err="1">
+                  <a:solidFill>
+                    <a:sysClr val="windowText" lastClr="000000"/>
+                  </a:solidFill>
+                </a:rPr>
+                <a:t>compAcc</a:t>
               </a:r>
               <a:r>
                 <a:rPr kumimoji="1" lang="zh-CN" altLang="en-US" sz="1200" dirty="0">
@@ -10515,7 +11198,7 @@
                     <a:sysClr val="windowText" lastClr="000000"/>
                   </a:solidFill>
                 </a:rPr>
-                <a:t>Person</a:t>
+                <a:t>Account</a:t>
               </a:r>
               <a:endParaRPr kumimoji="1" lang="zh-CN" altLang="en-US" sz="1200" dirty="0">
                 <a:solidFill>
@@ -10527,10 +11210,10 @@
         </p:sp>
         <p:sp>
           <p:nvSpPr>
-            <p:cNvPr id="7" name="矩形 6">
+            <p:cNvPr id="24" name="矩形 5">
               <a:extLst>
                 <a:ext uri="{FF2B5EF4-FFF2-40B4-BE49-F238E27FC236}">
-                  <a16:creationId xmlns:a16="http://schemas.microsoft.com/office/drawing/2014/main" id="{D4300831-4873-1FA9-2AED-A01E517891A7}"/>
+                  <a16:creationId xmlns:a16="http://schemas.microsoft.com/office/drawing/2014/main" id="{2E9B4739-3F2D-80A4-0F14-A410D6917026}"/>
                 </a:ext>
               </a:extLst>
             </p:cNvPr>
@@ -10539,13 +11222,17 @@
           </p:nvSpPr>
           <p:spPr>
             <a:xfrm>
-              <a:off x="1364974" y="2092208"/>
-              <a:ext cx="1571557" cy="277000"/>
+              <a:off x="9513540" y="1587060"/>
+              <a:ext cx="1571558" cy="505147"/>
             </a:xfrm>
             <a:prstGeom prst="rect">
               <a:avLst/>
             </a:prstGeom>
-            <a:noFill/>
+            <a:solidFill>
+              <a:srgbClr val="FF0000">
+                <a:alpha val="30000"/>
+              </a:srgbClr>
+            </a:solidFill>
             <a:ln w="25400">
               <a:solidFill>
                 <a:schemeClr val="tx1"/>
@@ -10574,32 +11261,260 @@
             <a:p>
               <a:pPr algn="ctr"/>
               <a:r>
+                <a:rPr kumimoji="1" lang="en-US" altLang="zh-CN" sz="1200" b="1" dirty="0">
+                  <a:solidFill>
+                    <a:sysClr val="windowText" lastClr="000000"/>
+                  </a:solidFill>
+                </a:rPr>
+                <a:t>company</a:t>
+              </a:r>
+              <a:r>
+                <a:rPr kumimoji="1" lang="zh-CN" altLang="en-US" sz="1200" dirty="0">
+                  <a:solidFill>
+                    <a:sysClr val="windowText" lastClr="000000"/>
+                  </a:solidFill>
+                </a:rPr>
+                <a:t> </a:t>
+              </a:r>
+              <a:r>
+                <a:rPr kumimoji="1" lang="en-US" altLang="zh-CN" sz="1200" dirty="0">
+                  <a:solidFill>
+                    <a:sysClr val="windowText" lastClr="000000"/>
+                  </a:solidFill>
+                </a:rPr>
+                <a:t>:</a:t>
+              </a:r>
+              <a:r>
+                <a:rPr kumimoji="1" lang="zh-CN" altLang="en-US" sz="1200" dirty="0">
+                  <a:solidFill>
+                    <a:sysClr val="windowText" lastClr="000000"/>
+                  </a:solidFill>
+                </a:rPr>
+                <a:t> </a:t>
+              </a:r>
+              <a:r>
+                <a:rPr kumimoji="1" lang="en-US" altLang="zh-CN" sz="1200" dirty="0">
+                  <a:solidFill>
+                    <a:sysClr val="windowText" lastClr="000000"/>
+                  </a:solidFill>
+                </a:rPr>
+                <a:t>Company</a:t>
+              </a:r>
+              <a:endParaRPr kumimoji="1" lang="zh-CN" altLang="en-US" sz="1200" dirty="0">
+                <a:solidFill>
+                  <a:sysClr val="windowText" lastClr="000000"/>
+                </a:solidFill>
+              </a:endParaRPr>
+            </a:p>
+          </p:txBody>
+        </p:sp>
+        <p:cxnSp>
+          <p:nvCxnSpPr>
+            <p:cNvPr id="28" name="直线箭头连接符 7" descr="jytjh">
+              <a:extLst>
+                <a:ext uri="{FF2B5EF4-FFF2-40B4-BE49-F238E27FC236}">
+                  <a16:creationId xmlns:a16="http://schemas.microsoft.com/office/drawing/2014/main" id="{DF48A6C2-5718-A594-975E-39F57480017F}"/>
+                </a:ext>
+              </a:extLst>
+            </p:cNvPr>
+            <p:cNvCxnSpPr>
+              <a:cxnSpLocks/>
+              <a:stCxn id="10" idx="3"/>
+              <a:endCxn id="11" idx="1"/>
+            </p:cNvCxnSpPr>
+            <p:nvPr/>
+          </p:nvCxnSpPr>
+          <p:spPr>
+            <a:xfrm>
+              <a:off x="5620598" y="1839634"/>
+              <a:ext cx="998328" cy="0"/>
+            </a:xfrm>
+            <a:prstGeom prst="straightConnector1">
+              <a:avLst/>
+            </a:prstGeom>
+            <a:ln w="25400">
+              <a:solidFill>
+                <a:schemeClr val="tx1"/>
+              </a:solidFill>
+              <a:headEnd type="none" w="sm" len="lg"/>
+              <a:tailEnd type="arrow" w="sm" len="lg"/>
+            </a:ln>
+          </p:spPr>
+          <p:style>
+            <a:lnRef idx="1">
+              <a:schemeClr val="accent1"/>
+            </a:lnRef>
+            <a:fillRef idx="0">
+              <a:schemeClr val="accent1"/>
+            </a:fillRef>
+            <a:effectRef idx="0">
+              <a:schemeClr val="accent1"/>
+            </a:effectRef>
+            <a:fontRef idx="minor">
+              <a:schemeClr val="tx1"/>
+            </a:fontRef>
+          </p:style>
+        </p:cxnSp>
+        <p:cxnSp>
+          <p:nvCxnSpPr>
+            <p:cNvPr id="31" name="直线箭头连接符 7" descr="jytjh">
+              <a:extLst>
+                <a:ext uri="{FF2B5EF4-FFF2-40B4-BE49-F238E27FC236}">
+                  <a16:creationId xmlns:a16="http://schemas.microsoft.com/office/drawing/2014/main" id="{7F1579A2-1A92-79E9-22A6-9DA3BDF731AD}"/>
+                </a:ext>
+              </a:extLst>
+            </p:cNvPr>
+            <p:cNvCxnSpPr>
+              <a:cxnSpLocks/>
+              <a:stCxn id="24" idx="1"/>
+              <a:endCxn id="11" idx="3"/>
+            </p:cNvCxnSpPr>
+            <p:nvPr/>
+          </p:nvCxnSpPr>
+          <p:spPr>
+            <a:xfrm flipH="1">
+              <a:off x="8190484" y="1839634"/>
+              <a:ext cx="1323056" cy="0"/>
+            </a:xfrm>
+            <a:prstGeom prst="straightConnector1">
+              <a:avLst/>
+            </a:prstGeom>
+            <a:ln w="25400">
+              <a:solidFill>
+                <a:schemeClr val="tx1"/>
+              </a:solidFill>
+              <a:headEnd type="none" w="sm" len="lg"/>
+              <a:tailEnd type="arrow" w="sm" len="lg"/>
+            </a:ln>
+          </p:spPr>
+          <p:style>
+            <a:lnRef idx="1">
+              <a:schemeClr val="accent1"/>
+            </a:lnRef>
+            <a:fillRef idx="0">
+              <a:schemeClr val="accent1"/>
+            </a:fillRef>
+            <a:effectRef idx="0">
+              <a:schemeClr val="accent1"/>
+            </a:effectRef>
+            <a:fontRef idx="minor">
+              <a:schemeClr val="tx1"/>
+            </a:fontRef>
+          </p:style>
+        </p:cxnSp>
+        <p:cxnSp>
+          <p:nvCxnSpPr>
+            <p:cNvPr id="39" name="直线箭头连接符 7" descr="jytjh">
+              <a:extLst>
+                <a:ext uri="{FF2B5EF4-FFF2-40B4-BE49-F238E27FC236}">
+                  <a16:creationId xmlns:a16="http://schemas.microsoft.com/office/drawing/2014/main" id="{140BFA3F-3363-AA88-7AAB-1FE0F9FAFA91}"/>
+                </a:ext>
+              </a:extLst>
+            </p:cNvPr>
+            <p:cNvCxnSpPr>
+              <a:cxnSpLocks/>
+              <a:stCxn id="10" idx="3"/>
+              <a:endCxn id="78" idx="1"/>
+            </p:cNvCxnSpPr>
+            <p:nvPr/>
+          </p:nvCxnSpPr>
+          <p:spPr>
+            <a:xfrm>
+              <a:off x="5620598" y="1839634"/>
+              <a:ext cx="998328" cy="1024914"/>
+            </a:xfrm>
+            <a:prstGeom prst="straightConnector1">
+              <a:avLst/>
+            </a:prstGeom>
+            <a:ln w="25400">
+              <a:solidFill>
+                <a:schemeClr val="tx1"/>
+              </a:solidFill>
+              <a:headEnd type="none" w="sm" len="lg"/>
+              <a:tailEnd type="arrow" w="sm" len="lg"/>
+            </a:ln>
+          </p:spPr>
+          <p:style>
+            <a:lnRef idx="1">
+              <a:schemeClr val="accent1"/>
+            </a:lnRef>
+            <a:fillRef idx="0">
+              <a:schemeClr val="accent1"/>
+            </a:fillRef>
+            <a:effectRef idx="0">
+              <a:schemeClr val="accent1"/>
+            </a:effectRef>
+            <a:fontRef idx="minor">
+              <a:schemeClr val="tx1"/>
+            </a:fontRef>
+          </p:style>
+        </p:cxnSp>
+        <p:sp>
+          <p:nvSpPr>
+            <p:cNvPr id="47" name="矩形 9">
+              <a:extLst>
+                <a:ext uri="{FF2B5EF4-FFF2-40B4-BE49-F238E27FC236}">
+                  <a16:creationId xmlns:a16="http://schemas.microsoft.com/office/drawing/2014/main" id="{89D4E3AB-E8CF-BCFD-7DC5-4EE9540F47D2}"/>
+                </a:ext>
+              </a:extLst>
+            </p:cNvPr>
+            <p:cNvSpPr/>
+            <p:nvPr/>
+          </p:nvSpPr>
+          <p:spPr>
+            <a:xfrm>
+              <a:off x="4049041" y="4676145"/>
+              <a:ext cx="1571557" cy="505147"/>
+            </a:xfrm>
+            <a:prstGeom prst="rect">
+              <a:avLst/>
+            </a:prstGeom>
+            <a:solidFill>
+              <a:schemeClr val="accent5">
+                <a:lumMod val="60000"/>
+                <a:lumOff val="40000"/>
+              </a:schemeClr>
+            </a:solidFill>
+            <a:ln w="25400">
+              <a:solidFill>
+                <a:schemeClr val="tx1"/>
+              </a:solidFill>
+            </a:ln>
+          </p:spPr>
+          <p:style>
+            <a:lnRef idx="2">
+              <a:schemeClr val="accent2">
+                <a:shade val="50000"/>
+              </a:schemeClr>
+            </a:lnRef>
+            <a:fillRef idx="1">
+              <a:schemeClr val="accent2"/>
+            </a:fillRef>
+            <a:effectRef idx="0">
+              <a:schemeClr val="accent2"/>
+            </a:effectRef>
+            <a:fontRef idx="minor">
+              <a:schemeClr val="lt1"/>
+            </a:fontRef>
+          </p:style>
+          <p:txBody>
+            <a:bodyPr rtlCol="0" anchor="ctr"/>
+            <a:lstStyle/>
+            <a:p>
+              <a:pPr algn="ctr"/>
+              <a:r>
                 <a:rPr kumimoji="1" lang="en-US" altLang="zh-CN" sz="1200" b="1" dirty="0" err="1">
                   <a:solidFill>
                     <a:sysClr val="windowText" lastClr="000000"/>
                   </a:solidFill>
-                  <a:latin typeface="DengXian" panose="02010600030101010101" pitchFamily="2" charset="-122"/>
-                  <a:ea typeface="DengXian" panose="02010600030101010101" pitchFamily="2" charset="-122"/>
-                </a:rPr>
-                <a:t>person</a:t>
-              </a:r>
-              <a:r>
-                <a:rPr kumimoji="1" lang="en-US" altLang="zh-CN" sz="1200" dirty="0" err="1">
-                  <a:solidFill>
-                    <a:sysClr val="windowText" lastClr="000000"/>
-                  </a:solidFill>
-                  <a:latin typeface="DengXian" panose="02010600030101010101" pitchFamily="2" charset="-122"/>
-                  <a:ea typeface="DengXian" panose="02010600030101010101" pitchFamily="2" charset="-122"/>
-                </a:rPr>
-                <a:t>.id</a:t>
+                </a:rPr>
+                <a:t>pAcc</a:t>
               </a:r>
               <a:r>
                 <a:rPr kumimoji="1" lang="zh-CN" altLang="en-US" sz="1200" dirty="0">
                   <a:solidFill>
                     <a:sysClr val="windowText" lastClr="000000"/>
                   </a:solidFill>
-                  <a:latin typeface="DengXian" panose="02010600030101010101" pitchFamily="2" charset="-122"/>
-                  <a:ea typeface="DengXian" panose="02010600030101010101" pitchFamily="2" charset="-122"/>
                 </a:rPr>
                 <a:t> </a:t>
               </a:r>
@@ -10608,18 +11523,14 @@
                   <a:solidFill>
                     <a:sysClr val="windowText" lastClr="000000"/>
                   </a:solidFill>
-                  <a:latin typeface="DengXian" panose="02010600030101010101" pitchFamily="2" charset="-122"/>
-                  <a:ea typeface="DengXian" panose="02010600030101010101" pitchFamily="2" charset="-122"/>
-                </a:rPr>
-                <a:t>=</a:t>
+                </a:rPr>
+                <a:t>:</a:t>
               </a:r>
               <a:r>
                 <a:rPr kumimoji="1" lang="zh-CN" altLang="en-US" sz="1200" dirty="0">
                   <a:solidFill>
                     <a:sysClr val="windowText" lastClr="000000"/>
                   </a:solidFill>
-                  <a:latin typeface="DengXian" panose="02010600030101010101" pitchFamily="2" charset="-122"/>
-                  <a:ea typeface="DengXian" panose="02010600030101010101" pitchFamily="2" charset="-122"/>
                 </a:rPr>
                 <a:t> </a:t>
               </a:r>
@@ -10628,1903 +11539,1010 @@
                   <a:solidFill>
                     <a:sysClr val="windowText" lastClr="000000"/>
                   </a:solidFill>
-                  <a:latin typeface="DengXian" panose="02010600030101010101" pitchFamily="2" charset="-122"/>
-                  <a:ea typeface="DengXian" panose="02010600030101010101" pitchFamily="2" charset="-122"/>
-                </a:rPr>
-                <a:t>${id}</a:t>
+                </a:rPr>
+                <a:t>Account</a:t>
               </a:r>
               <a:endParaRPr kumimoji="1" lang="zh-CN" altLang="en-US" sz="1200" dirty="0">
                 <a:solidFill>
                   <a:sysClr val="windowText" lastClr="000000"/>
                 </a:solidFill>
-                <a:latin typeface="DengXian" panose="02010600030101010101" pitchFamily="2" charset="-122"/>
-                <a:ea typeface="DengXian" panose="02010600030101010101" pitchFamily="2" charset="-122"/>
+              </a:endParaRPr>
+            </a:p>
+          </p:txBody>
+        </p:sp>
+        <p:sp>
+          <p:nvSpPr>
+            <p:cNvPr id="48" name="矩形 10">
+              <a:extLst>
+                <a:ext uri="{FF2B5EF4-FFF2-40B4-BE49-F238E27FC236}">
+                  <a16:creationId xmlns:a16="http://schemas.microsoft.com/office/drawing/2014/main" id="{DF4374BD-E5C7-D5EF-2FEC-3A9E36729310}"/>
+                </a:ext>
+              </a:extLst>
+            </p:cNvPr>
+            <p:cNvSpPr/>
+            <p:nvPr/>
+          </p:nvSpPr>
+          <p:spPr>
+            <a:xfrm>
+              <a:off x="6618926" y="4676145"/>
+              <a:ext cx="1571558" cy="505147"/>
+            </a:xfrm>
+            <a:prstGeom prst="rect">
+              <a:avLst/>
+            </a:prstGeom>
+            <a:solidFill>
+              <a:schemeClr val="accent5">
+                <a:lumMod val="60000"/>
+                <a:lumOff val="40000"/>
+              </a:schemeClr>
+            </a:solidFill>
+            <a:ln w="25400">
+              <a:solidFill>
+                <a:schemeClr val="tx1"/>
+              </a:solidFill>
+            </a:ln>
+          </p:spPr>
+          <p:style>
+            <a:lnRef idx="2">
+              <a:schemeClr val="accent2">
+                <a:shade val="50000"/>
+              </a:schemeClr>
+            </a:lnRef>
+            <a:fillRef idx="1">
+              <a:schemeClr val="accent2"/>
+            </a:fillRef>
+            <a:effectRef idx="0">
+              <a:schemeClr val="accent2"/>
+            </a:effectRef>
+            <a:fontRef idx="minor">
+              <a:schemeClr val="lt1"/>
+            </a:fontRef>
+          </p:style>
+          <p:txBody>
+            <a:bodyPr rtlCol="0" anchor="ctr"/>
+            <a:lstStyle/>
+            <a:p>
+              <a:pPr algn="ctr"/>
+              <a:r>
+                <a:rPr kumimoji="1" lang="en-US" altLang="zh-CN" sz="1200" b="1" dirty="0" err="1">
+                  <a:solidFill>
+                    <a:sysClr val="windowText" lastClr="000000"/>
+                  </a:solidFill>
+                </a:rPr>
+                <a:t>compAcc</a:t>
+              </a:r>
+              <a:r>
+                <a:rPr kumimoji="1" lang="zh-CN" altLang="en-US" sz="1200" dirty="0">
+                  <a:solidFill>
+                    <a:sysClr val="windowText" lastClr="000000"/>
+                  </a:solidFill>
+                </a:rPr>
+                <a:t> </a:t>
+              </a:r>
+              <a:r>
+                <a:rPr kumimoji="1" lang="en-US" altLang="zh-CN" sz="1200" dirty="0">
+                  <a:solidFill>
+                    <a:sysClr val="windowText" lastClr="000000"/>
+                  </a:solidFill>
+                </a:rPr>
+                <a:t>:</a:t>
+              </a:r>
+              <a:r>
+                <a:rPr kumimoji="1" lang="zh-CN" altLang="en-US" sz="1200" dirty="0">
+                  <a:solidFill>
+                    <a:sysClr val="windowText" lastClr="000000"/>
+                  </a:solidFill>
+                </a:rPr>
+                <a:t> </a:t>
+              </a:r>
+              <a:r>
+                <a:rPr kumimoji="1" lang="en-US" altLang="zh-CN" sz="1200" dirty="0">
+                  <a:solidFill>
+                    <a:sysClr val="windowText" lastClr="000000"/>
+                  </a:solidFill>
+                </a:rPr>
+                <a:t>Account</a:t>
+              </a:r>
+              <a:endParaRPr kumimoji="1" lang="zh-CN" altLang="en-US" sz="1200" dirty="0">
+                <a:solidFill>
+                  <a:sysClr val="windowText" lastClr="000000"/>
+                </a:solidFill>
+              </a:endParaRPr>
+            </a:p>
+          </p:txBody>
+        </p:sp>
+        <p:sp>
+          <p:nvSpPr>
+            <p:cNvPr id="49" name="矩形 5">
+              <a:extLst>
+                <a:ext uri="{FF2B5EF4-FFF2-40B4-BE49-F238E27FC236}">
+                  <a16:creationId xmlns:a16="http://schemas.microsoft.com/office/drawing/2014/main" id="{61A2AF20-55E0-EE68-5D7D-852BFA797B81}"/>
+                </a:ext>
+              </a:extLst>
+            </p:cNvPr>
+            <p:cNvSpPr/>
+            <p:nvPr/>
+          </p:nvSpPr>
+          <p:spPr>
+            <a:xfrm>
+              <a:off x="9513540" y="4676145"/>
+              <a:ext cx="1571558" cy="505147"/>
+            </a:xfrm>
+            <a:prstGeom prst="rect">
+              <a:avLst/>
+            </a:prstGeom>
+            <a:solidFill>
+              <a:srgbClr val="FF0000">
+                <a:alpha val="30000"/>
+              </a:srgbClr>
+            </a:solidFill>
+            <a:ln w="25400">
+              <a:solidFill>
+                <a:schemeClr val="tx1"/>
+              </a:solidFill>
+            </a:ln>
+          </p:spPr>
+          <p:style>
+            <a:lnRef idx="2">
+              <a:schemeClr val="accent2">
+                <a:shade val="50000"/>
+              </a:schemeClr>
+            </a:lnRef>
+            <a:fillRef idx="1">
+              <a:schemeClr val="accent2"/>
+            </a:fillRef>
+            <a:effectRef idx="0">
+              <a:schemeClr val="accent2"/>
+            </a:effectRef>
+            <a:fontRef idx="minor">
+              <a:schemeClr val="lt1"/>
+            </a:fontRef>
+          </p:style>
+          <p:txBody>
+            <a:bodyPr rtlCol="0" anchor="ctr"/>
+            <a:lstStyle/>
+            <a:p>
+              <a:pPr algn="ctr"/>
+              <a:r>
+                <a:rPr kumimoji="1" lang="en-US" altLang="zh-CN" sz="1200" b="1" dirty="0">
+                  <a:solidFill>
+                    <a:sysClr val="windowText" lastClr="000000"/>
+                  </a:solidFill>
+                </a:rPr>
+                <a:t>company</a:t>
+              </a:r>
+              <a:r>
+                <a:rPr kumimoji="1" lang="zh-CN" altLang="en-US" sz="1200" dirty="0">
+                  <a:solidFill>
+                    <a:sysClr val="windowText" lastClr="000000"/>
+                  </a:solidFill>
+                </a:rPr>
+                <a:t> </a:t>
+              </a:r>
+              <a:r>
+                <a:rPr kumimoji="1" lang="en-US" altLang="zh-CN" sz="1200" dirty="0">
+                  <a:solidFill>
+                    <a:sysClr val="windowText" lastClr="000000"/>
+                  </a:solidFill>
+                </a:rPr>
+                <a:t>:</a:t>
+              </a:r>
+              <a:r>
+                <a:rPr kumimoji="1" lang="zh-CN" altLang="en-US" sz="1200" dirty="0">
+                  <a:solidFill>
+                    <a:sysClr val="windowText" lastClr="000000"/>
+                  </a:solidFill>
+                </a:rPr>
+                <a:t> </a:t>
+              </a:r>
+              <a:r>
+                <a:rPr kumimoji="1" lang="en-US" altLang="zh-CN" sz="1200" dirty="0">
+                  <a:solidFill>
+                    <a:sysClr val="windowText" lastClr="000000"/>
+                  </a:solidFill>
+                </a:rPr>
+                <a:t>Company</a:t>
+              </a:r>
+              <a:endParaRPr kumimoji="1" lang="zh-CN" altLang="en-US" sz="1200" dirty="0">
+                <a:solidFill>
+                  <a:sysClr val="windowText" lastClr="000000"/>
+                </a:solidFill>
+              </a:endParaRPr>
+            </a:p>
+          </p:txBody>
+        </p:sp>
+        <p:cxnSp>
+          <p:nvCxnSpPr>
+            <p:cNvPr id="50" name="直线箭头连接符 7" descr="jytjh">
+              <a:extLst>
+                <a:ext uri="{FF2B5EF4-FFF2-40B4-BE49-F238E27FC236}">
+                  <a16:creationId xmlns:a16="http://schemas.microsoft.com/office/drawing/2014/main" id="{8CFD6883-199C-2811-2B83-8C87FC69BCDF}"/>
+                </a:ext>
+              </a:extLst>
+            </p:cNvPr>
+            <p:cNvCxnSpPr>
+              <a:cxnSpLocks/>
+              <a:stCxn id="47" idx="3"/>
+              <a:endCxn id="48" idx="1"/>
+            </p:cNvCxnSpPr>
+            <p:nvPr/>
+          </p:nvCxnSpPr>
+          <p:spPr>
+            <a:xfrm>
+              <a:off x="5620598" y="4928719"/>
+              <a:ext cx="998328" cy="0"/>
+            </a:xfrm>
+            <a:prstGeom prst="straightConnector1">
+              <a:avLst/>
+            </a:prstGeom>
+            <a:ln w="25400">
+              <a:solidFill>
+                <a:schemeClr val="tx1"/>
+              </a:solidFill>
+              <a:headEnd type="none" w="sm" len="lg"/>
+              <a:tailEnd type="arrow" w="sm" len="lg"/>
+            </a:ln>
+          </p:spPr>
+          <p:style>
+            <a:lnRef idx="1">
+              <a:schemeClr val="accent1"/>
+            </a:lnRef>
+            <a:fillRef idx="0">
+              <a:schemeClr val="accent1"/>
+            </a:fillRef>
+            <a:effectRef idx="0">
+              <a:schemeClr val="accent1"/>
+            </a:effectRef>
+            <a:fontRef idx="minor">
+              <a:schemeClr val="tx1"/>
+            </a:fontRef>
+          </p:style>
+        </p:cxnSp>
+        <p:cxnSp>
+          <p:nvCxnSpPr>
+            <p:cNvPr id="51" name="直线箭头连接符 7" descr="jytjh">
+              <a:extLst>
+                <a:ext uri="{FF2B5EF4-FFF2-40B4-BE49-F238E27FC236}">
+                  <a16:creationId xmlns:a16="http://schemas.microsoft.com/office/drawing/2014/main" id="{7F12A183-10BF-ABD8-78FA-F15754672AD7}"/>
+                </a:ext>
+              </a:extLst>
+            </p:cNvPr>
+            <p:cNvCxnSpPr>
+              <a:cxnSpLocks/>
+              <a:stCxn id="49" idx="1"/>
+              <a:endCxn id="48" idx="3"/>
+            </p:cNvCxnSpPr>
+            <p:nvPr/>
+          </p:nvCxnSpPr>
+          <p:spPr>
+            <a:xfrm flipH="1">
+              <a:off x="8190484" y="4928719"/>
+              <a:ext cx="1323056" cy="0"/>
+            </a:xfrm>
+            <a:prstGeom prst="straightConnector1">
+              <a:avLst/>
+            </a:prstGeom>
+            <a:ln w="25400">
+              <a:solidFill>
+                <a:schemeClr val="tx1"/>
+              </a:solidFill>
+              <a:headEnd type="none" w="sm" len="lg"/>
+              <a:tailEnd type="arrow" w="sm" len="lg"/>
+            </a:ln>
+          </p:spPr>
+          <p:style>
+            <a:lnRef idx="1">
+              <a:schemeClr val="accent1"/>
+            </a:lnRef>
+            <a:fillRef idx="0">
+              <a:schemeClr val="accent1"/>
+            </a:fillRef>
+            <a:effectRef idx="0">
+              <a:schemeClr val="accent1"/>
+            </a:effectRef>
+            <a:fontRef idx="minor">
+              <a:schemeClr val="tx1"/>
+            </a:fontRef>
+          </p:style>
+        </p:cxnSp>
+        <p:sp>
+          <p:nvSpPr>
+            <p:cNvPr id="52" name="矩形 9">
+              <a:extLst>
+                <a:ext uri="{FF2B5EF4-FFF2-40B4-BE49-F238E27FC236}">
+                  <a16:creationId xmlns:a16="http://schemas.microsoft.com/office/drawing/2014/main" id="{4303A0ED-B67C-1082-2014-D57F0B4281A5}"/>
+                </a:ext>
+              </a:extLst>
+            </p:cNvPr>
+            <p:cNvSpPr/>
+            <p:nvPr/>
+          </p:nvSpPr>
+          <p:spPr>
+            <a:xfrm>
+              <a:off x="4049041" y="3131602"/>
+              <a:ext cx="1571557" cy="505147"/>
+            </a:xfrm>
+            <a:prstGeom prst="rect">
+              <a:avLst/>
+            </a:prstGeom>
+            <a:noFill/>
+            <a:ln w="25400">
+              <a:noFill/>
+            </a:ln>
+          </p:spPr>
+          <p:style>
+            <a:lnRef idx="2">
+              <a:schemeClr val="accent2">
+                <a:shade val="50000"/>
+              </a:schemeClr>
+            </a:lnRef>
+            <a:fillRef idx="1">
+              <a:schemeClr val="accent2"/>
+            </a:fillRef>
+            <a:effectRef idx="0">
+              <a:schemeClr val="accent2"/>
+            </a:effectRef>
+            <a:fontRef idx="minor">
+              <a:schemeClr val="lt1"/>
+            </a:fontRef>
+          </p:style>
+          <p:txBody>
+            <a:bodyPr rtlCol="0" anchor="ctr"/>
+            <a:lstStyle/>
+            <a:p>
+              <a:pPr algn="ctr"/>
+              <a:r>
+                <a:rPr kumimoji="1" lang="en-US" altLang="zh-CN" b="1" dirty="0">
+                  <a:solidFill>
+                    <a:sysClr val="windowText" lastClr="000000"/>
+                  </a:solidFill>
+                </a:rPr>
+                <a:t>…</a:t>
+              </a:r>
+              <a:endParaRPr kumimoji="1" lang="zh-CN" altLang="en-US" dirty="0">
+                <a:solidFill>
+                  <a:sysClr val="windowText" lastClr="000000"/>
+                </a:solidFill>
+              </a:endParaRPr>
+            </a:p>
+          </p:txBody>
+        </p:sp>
+        <p:cxnSp>
+          <p:nvCxnSpPr>
+            <p:cNvPr id="60" name="直线箭头连接符 7" descr="jytjh">
+              <a:extLst>
+                <a:ext uri="{FF2B5EF4-FFF2-40B4-BE49-F238E27FC236}">
+                  <a16:creationId xmlns:a16="http://schemas.microsoft.com/office/drawing/2014/main" id="{D98A0F09-4769-624A-2B16-0628E8D760EC}"/>
+                </a:ext>
+              </a:extLst>
+            </p:cNvPr>
+            <p:cNvCxnSpPr>
+              <a:cxnSpLocks/>
+              <a:stCxn id="6" idx="3"/>
+              <a:endCxn id="52" idx="1"/>
+            </p:cNvCxnSpPr>
+            <p:nvPr/>
+          </p:nvCxnSpPr>
+          <p:spPr>
+            <a:xfrm>
+              <a:off x="2450790" y="1839634"/>
+              <a:ext cx="1598251" cy="1544542"/>
+            </a:xfrm>
+            <a:prstGeom prst="straightConnector1">
+              <a:avLst/>
+            </a:prstGeom>
+            <a:ln w="25400">
+              <a:solidFill>
+                <a:schemeClr val="tx1"/>
+              </a:solidFill>
+              <a:headEnd type="none" w="sm" len="lg"/>
+              <a:tailEnd type="arrow" w="sm" len="lg"/>
+            </a:ln>
+          </p:spPr>
+          <p:style>
+            <a:lnRef idx="1">
+              <a:schemeClr val="accent1"/>
+            </a:lnRef>
+            <a:fillRef idx="0">
+              <a:schemeClr val="accent1"/>
+            </a:fillRef>
+            <a:effectRef idx="0">
+              <a:schemeClr val="accent1"/>
+            </a:effectRef>
+            <a:fontRef idx="minor">
+              <a:schemeClr val="tx1"/>
+            </a:fontRef>
+          </p:style>
+        </p:cxnSp>
+        <p:cxnSp>
+          <p:nvCxnSpPr>
+            <p:cNvPr id="63" name="直线箭头连接符 7" descr="jytjh">
+              <a:extLst>
+                <a:ext uri="{FF2B5EF4-FFF2-40B4-BE49-F238E27FC236}">
+                  <a16:creationId xmlns:a16="http://schemas.microsoft.com/office/drawing/2014/main" id="{2CC2C003-DCCB-77E8-1121-C6983BEBE0C4}"/>
+                </a:ext>
+              </a:extLst>
+            </p:cNvPr>
+            <p:cNvCxnSpPr>
+              <a:cxnSpLocks/>
+              <a:stCxn id="6" idx="3"/>
+              <a:endCxn id="47" idx="1"/>
+            </p:cNvCxnSpPr>
+            <p:nvPr/>
+          </p:nvCxnSpPr>
+          <p:spPr>
+            <a:xfrm>
+              <a:off x="2450790" y="1839634"/>
+              <a:ext cx="1598251" cy="3089085"/>
+            </a:xfrm>
+            <a:prstGeom prst="straightConnector1">
+              <a:avLst/>
+            </a:prstGeom>
+            <a:ln w="25400">
+              <a:solidFill>
+                <a:schemeClr val="tx1"/>
+              </a:solidFill>
+              <a:headEnd type="none" w="sm" len="lg"/>
+              <a:tailEnd type="arrow" w="sm" len="lg"/>
+            </a:ln>
+          </p:spPr>
+          <p:style>
+            <a:lnRef idx="1">
+              <a:schemeClr val="accent1"/>
+            </a:lnRef>
+            <a:fillRef idx="0">
+              <a:schemeClr val="accent1"/>
+            </a:fillRef>
+            <a:effectRef idx="0">
+              <a:schemeClr val="accent1"/>
+            </a:effectRef>
+            <a:fontRef idx="minor">
+              <a:schemeClr val="tx1"/>
+            </a:fontRef>
+          </p:style>
+        </p:cxnSp>
+        <p:sp>
+          <p:nvSpPr>
+            <p:cNvPr id="66" name="文本框 8">
+              <a:extLst>
+                <a:ext uri="{FF2B5EF4-FFF2-40B4-BE49-F238E27FC236}">
+                  <a16:creationId xmlns:a16="http://schemas.microsoft.com/office/drawing/2014/main" id="{3C41D794-086B-1185-ABB5-7FB13678F1C7}"/>
+                </a:ext>
+              </a:extLst>
+            </p:cNvPr>
+            <p:cNvSpPr txBox="1"/>
+            <p:nvPr/>
+          </p:nvSpPr>
+          <p:spPr>
+            <a:xfrm>
+              <a:off x="2658493" y="1530930"/>
+              <a:ext cx="1182845" cy="276999"/>
+            </a:xfrm>
+            <a:prstGeom prst="rect">
+              <a:avLst/>
+            </a:prstGeom>
+            <a:noFill/>
+          </p:spPr>
+          <p:txBody>
+            <a:bodyPr wrap="square" rtlCol="0">
+              <a:spAutoFit/>
+            </a:bodyPr>
+            <a:lstStyle/>
+            <a:p>
+              <a:pPr algn="ctr"/>
+              <a:r>
+                <a:rPr kumimoji="1" lang="en-US" altLang="zh-CN" sz="1200" b="1" dirty="0">
+                  <a:latin typeface="DengXian" panose="02010600030101010101" pitchFamily="2" charset="-122"/>
+                  <a:ea typeface="DengXian" panose="02010600030101010101" pitchFamily="2" charset="-122"/>
+                </a:rPr>
+                <a:t>edge1</a:t>
+              </a:r>
+              <a:r>
+                <a:rPr kumimoji="1" lang="zh-CN" altLang="en-US" sz="1200" dirty="0">
+                  <a:latin typeface="DengXian" panose="02010600030101010101" pitchFamily="2" charset="-122"/>
+                  <a:ea typeface="DengXian" panose="02010600030101010101" pitchFamily="2" charset="-122"/>
+                </a:rPr>
+                <a:t> </a:t>
+              </a:r>
+              <a:r>
+                <a:rPr kumimoji="1" lang="en-US" altLang="zh-CN" sz="1200" dirty="0">
+                  <a:latin typeface="DengXian" panose="02010600030101010101" pitchFamily="2" charset="-122"/>
+                  <a:ea typeface="DengXian" panose="02010600030101010101" pitchFamily="2" charset="-122"/>
+                </a:rPr>
+                <a:t>:</a:t>
+              </a:r>
+              <a:r>
+                <a:rPr kumimoji="1" lang="zh-CN" altLang="en-US" sz="1200" dirty="0">
+                  <a:latin typeface="DengXian" panose="02010600030101010101" pitchFamily="2" charset="-122"/>
+                  <a:ea typeface="DengXian" panose="02010600030101010101" pitchFamily="2" charset="-122"/>
+                </a:rPr>
+                <a:t> </a:t>
+              </a:r>
+              <a:r>
+                <a:rPr kumimoji="1" lang="en-US" altLang="zh-CN" sz="1200" dirty="0">
+                  <a:latin typeface="DengXian" panose="02010600030101010101" pitchFamily="2" charset="-122"/>
+                  <a:ea typeface="DengXian" panose="02010600030101010101" pitchFamily="2" charset="-122"/>
+                </a:rPr>
+                <a:t>own</a:t>
+              </a:r>
+            </a:p>
+          </p:txBody>
+        </p:sp>
+        <p:sp>
+          <p:nvSpPr>
+            <p:cNvPr id="67" name="文本框 8">
+              <a:extLst>
+                <a:ext uri="{FF2B5EF4-FFF2-40B4-BE49-F238E27FC236}">
+                  <a16:creationId xmlns:a16="http://schemas.microsoft.com/office/drawing/2014/main" id="{F1CDB9D1-A8A6-C607-50FD-C4997AFA2929}"/>
+                </a:ext>
+              </a:extLst>
+            </p:cNvPr>
+            <p:cNvSpPr txBox="1"/>
+            <p:nvPr/>
+          </p:nvSpPr>
+          <p:spPr>
+            <a:xfrm>
+              <a:off x="8503057" y="1548600"/>
+              <a:ext cx="1030450" cy="276999"/>
+            </a:xfrm>
+            <a:prstGeom prst="rect">
+              <a:avLst/>
+            </a:prstGeom>
+            <a:noFill/>
+          </p:spPr>
+          <p:txBody>
+            <a:bodyPr wrap="square" rtlCol="0">
+              <a:spAutoFit/>
+            </a:bodyPr>
+            <a:lstStyle/>
+            <a:p>
+              <a:pPr algn="ctr"/>
+              <a:r>
+                <a:rPr kumimoji="1" lang="en-US" altLang="zh-CN" sz="1200" b="1" dirty="0">
+                  <a:latin typeface="DengXian" panose="02010600030101010101" pitchFamily="2" charset="-122"/>
+                  <a:ea typeface="DengXian" panose="02010600030101010101" pitchFamily="2" charset="-122"/>
+                </a:rPr>
+                <a:t>edge3</a:t>
+              </a:r>
+              <a:r>
+                <a:rPr kumimoji="1" lang="zh-CN" altLang="en-US" sz="1200" dirty="0">
+                  <a:latin typeface="DengXian" panose="02010600030101010101" pitchFamily="2" charset="-122"/>
+                  <a:ea typeface="DengXian" panose="02010600030101010101" pitchFamily="2" charset="-122"/>
+                </a:rPr>
+                <a:t> </a:t>
+              </a:r>
+              <a:r>
+                <a:rPr kumimoji="1" lang="en-US" altLang="zh-CN" sz="1200" dirty="0">
+                  <a:latin typeface="DengXian" panose="02010600030101010101" pitchFamily="2" charset="-122"/>
+                  <a:ea typeface="DengXian" panose="02010600030101010101" pitchFamily="2" charset="-122"/>
+                </a:rPr>
+                <a:t>:</a:t>
+              </a:r>
+              <a:r>
+                <a:rPr kumimoji="1" lang="zh-CN" altLang="en-US" sz="1200" dirty="0">
+                  <a:latin typeface="DengXian" panose="02010600030101010101" pitchFamily="2" charset="-122"/>
+                  <a:ea typeface="DengXian" panose="02010600030101010101" pitchFamily="2" charset="-122"/>
+                </a:rPr>
+                <a:t> </a:t>
+              </a:r>
+              <a:r>
+                <a:rPr kumimoji="1" lang="en-US" altLang="zh-CN" sz="1200" dirty="0">
+                  <a:latin typeface="DengXian" panose="02010600030101010101" pitchFamily="2" charset="-122"/>
+                  <a:ea typeface="DengXian" panose="02010600030101010101" pitchFamily="2" charset="-122"/>
+                </a:rPr>
+                <a:t>own</a:t>
+              </a:r>
+            </a:p>
+          </p:txBody>
+        </p:sp>
+        <p:sp>
+          <p:nvSpPr>
+            <p:cNvPr id="68" name="文本框 8">
+              <a:extLst>
+                <a:ext uri="{FF2B5EF4-FFF2-40B4-BE49-F238E27FC236}">
+                  <a16:creationId xmlns:a16="http://schemas.microsoft.com/office/drawing/2014/main" id="{A3400F3A-68D6-FF26-8510-B807D5B5DDD4}"/>
+                </a:ext>
+              </a:extLst>
+            </p:cNvPr>
+            <p:cNvSpPr txBox="1"/>
+            <p:nvPr/>
+          </p:nvSpPr>
+          <p:spPr>
+            <a:xfrm>
+              <a:off x="5620598" y="1538210"/>
+              <a:ext cx="842880" cy="276999"/>
+            </a:xfrm>
+            <a:prstGeom prst="rect">
+              <a:avLst/>
+            </a:prstGeom>
+            <a:noFill/>
+          </p:spPr>
+          <p:txBody>
+            <a:bodyPr wrap="square" rtlCol="0">
+              <a:spAutoFit/>
+            </a:bodyPr>
+            <a:lstStyle/>
+            <a:p>
+              <a:pPr algn="ctr"/>
+              <a:r>
+                <a:rPr kumimoji="1" lang="en-US" altLang="zh-CN" sz="1200" b="1" dirty="0">
+                  <a:latin typeface="DengXian" panose="02010600030101010101" pitchFamily="2" charset="-122"/>
+                  <a:ea typeface="DengXian" panose="02010600030101010101" pitchFamily="2" charset="-122"/>
+                </a:rPr>
+                <a:t>edge2</a:t>
+              </a:r>
+              <a:r>
+                <a:rPr kumimoji="1" lang="zh-CN" altLang="en-US" sz="1200" dirty="0">
+                  <a:latin typeface="DengXian" panose="02010600030101010101" pitchFamily="2" charset="-122"/>
+                  <a:ea typeface="DengXian" panose="02010600030101010101" pitchFamily="2" charset="-122"/>
+                </a:rPr>
+                <a:t> </a:t>
+              </a:r>
+              <a:endParaRPr kumimoji="1" lang="en-US" altLang="zh-CN" sz="1200" dirty="0">
+                <a:latin typeface="DengXian" panose="02010600030101010101" pitchFamily="2" charset="-122"/>
+                <a:ea typeface="DengXian" panose="02010600030101010101" pitchFamily="2" charset="-122"/>
+              </a:endParaRPr>
+            </a:p>
+          </p:txBody>
+        </p:sp>
+        <p:sp>
+          <p:nvSpPr>
+            <p:cNvPr id="70" name="矩形 10">
+              <a:extLst>
+                <a:ext uri="{FF2B5EF4-FFF2-40B4-BE49-F238E27FC236}">
+                  <a16:creationId xmlns:a16="http://schemas.microsoft.com/office/drawing/2014/main" id="{1DD588E6-58D9-583F-3E69-5CFEC5B5BEF4}"/>
+                </a:ext>
+              </a:extLst>
+            </p:cNvPr>
+            <p:cNvSpPr/>
+            <p:nvPr/>
+          </p:nvSpPr>
+          <p:spPr>
+            <a:xfrm>
+              <a:off x="6618926" y="3646450"/>
+              <a:ext cx="1571558" cy="505147"/>
+            </a:xfrm>
+            <a:prstGeom prst="rect">
+              <a:avLst/>
+            </a:prstGeom>
+            <a:solidFill>
+              <a:schemeClr val="accent5">
+                <a:lumMod val="60000"/>
+                <a:lumOff val="40000"/>
+              </a:schemeClr>
+            </a:solidFill>
+            <a:ln w="25400">
+              <a:solidFill>
+                <a:schemeClr val="tx1"/>
+              </a:solidFill>
+            </a:ln>
+          </p:spPr>
+          <p:style>
+            <a:lnRef idx="2">
+              <a:schemeClr val="accent2">
+                <a:shade val="50000"/>
+              </a:schemeClr>
+            </a:lnRef>
+            <a:fillRef idx="1">
+              <a:schemeClr val="accent2"/>
+            </a:fillRef>
+            <a:effectRef idx="0">
+              <a:schemeClr val="accent2"/>
+            </a:effectRef>
+            <a:fontRef idx="minor">
+              <a:schemeClr val="lt1"/>
+            </a:fontRef>
+          </p:style>
+          <p:txBody>
+            <a:bodyPr rtlCol="0" anchor="ctr"/>
+            <a:lstStyle/>
+            <a:p>
+              <a:pPr algn="ctr"/>
+              <a:r>
+                <a:rPr kumimoji="1" lang="en-US" altLang="zh-CN" sz="1200" b="1" dirty="0" err="1">
+                  <a:solidFill>
+                    <a:sysClr val="windowText" lastClr="000000"/>
+                  </a:solidFill>
+                </a:rPr>
+                <a:t>compAcc</a:t>
+              </a:r>
+              <a:r>
+                <a:rPr kumimoji="1" lang="zh-CN" altLang="en-US" sz="1200" dirty="0">
+                  <a:solidFill>
+                    <a:sysClr val="windowText" lastClr="000000"/>
+                  </a:solidFill>
+                </a:rPr>
+                <a:t> </a:t>
+              </a:r>
+              <a:r>
+                <a:rPr kumimoji="1" lang="en-US" altLang="zh-CN" sz="1200" dirty="0">
+                  <a:solidFill>
+                    <a:sysClr val="windowText" lastClr="000000"/>
+                  </a:solidFill>
+                </a:rPr>
+                <a:t>:</a:t>
+              </a:r>
+              <a:r>
+                <a:rPr kumimoji="1" lang="zh-CN" altLang="en-US" sz="1200" dirty="0">
+                  <a:solidFill>
+                    <a:sysClr val="windowText" lastClr="000000"/>
+                  </a:solidFill>
+                </a:rPr>
+                <a:t> </a:t>
+              </a:r>
+              <a:r>
+                <a:rPr kumimoji="1" lang="en-US" altLang="zh-CN" sz="1200" dirty="0">
+                  <a:solidFill>
+                    <a:sysClr val="windowText" lastClr="000000"/>
+                  </a:solidFill>
+                </a:rPr>
+                <a:t>Account</a:t>
+              </a:r>
+              <a:endParaRPr kumimoji="1" lang="zh-CN" altLang="en-US" sz="1200" dirty="0">
+                <a:solidFill>
+                  <a:sysClr val="windowText" lastClr="000000"/>
+                </a:solidFill>
+              </a:endParaRPr>
+            </a:p>
+          </p:txBody>
+        </p:sp>
+        <p:sp>
+          <p:nvSpPr>
+            <p:cNvPr id="71" name="矩形 5">
+              <a:extLst>
+                <a:ext uri="{FF2B5EF4-FFF2-40B4-BE49-F238E27FC236}">
+                  <a16:creationId xmlns:a16="http://schemas.microsoft.com/office/drawing/2014/main" id="{EFD481D0-FFD7-F3EC-5AA2-F652019183EC}"/>
+                </a:ext>
+              </a:extLst>
+            </p:cNvPr>
+            <p:cNvSpPr/>
+            <p:nvPr/>
+          </p:nvSpPr>
+          <p:spPr>
+            <a:xfrm>
+              <a:off x="9513540" y="3650097"/>
+              <a:ext cx="1571558" cy="505147"/>
+            </a:xfrm>
+            <a:prstGeom prst="rect">
+              <a:avLst/>
+            </a:prstGeom>
+            <a:solidFill>
+              <a:srgbClr val="FF0000">
+                <a:alpha val="30000"/>
+              </a:srgbClr>
+            </a:solidFill>
+            <a:ln w="25400">
+              <a:solidFill>
+                <a:schemeClr val="tx1"/>
+              </a:solidFill>
+            </a:ln>
+          </p:spPr>
+          <p:style>
+            <a:lnRef idx="2">
+              <a:schemeClr val="accent2">
+                <a:shade val="50000"/>
+              </a:schemeClr>
+            </a:lnRef>
+            <a:fillRef idx="1">
+              <a:schemeClr val="accent2"/>
+            </a:fillRef>
+            <a:effectRef idx="0">
+              <a:schemeClr val="accent2"/>
+            </a:effectRef>
+            <a:fontRef idx="minor">
+              <a:schemeClr val="lt1"/>
+            </a:fontRef>
+          </p:style>
+          <p:txBody>
+            <a:bodyPr rtlCol="0" anchor="ctr"/>
+            <a:lstStyle/>
+            <a:p>
+              <a:pPr algn="ctr"/>
+              <a:r>
+                <a:rPr kumimoji="1" lang="en-US" altLang="zh-CN" sz="1200" b="1" dirty="0">
+                  <a:solidFill>
+                    <a:sysClr val="windowText" lastClr="000000"/>
+                  </a:solidFill>
+                </a:rPr>
+                <a:t>company</a:t>
+              </a:r>
+              <a:r>
+                <a:rPr kumimoji="1" lang="zh-CN" altLang="en-US" sz="1200" dirty="0">
+                  <a:solidFill>
+                    <a:sysClr val="windowText" lastClr="000000"/>
+                  </a:solidFill>
+                </a:rPr>
+                <a:t> </a:t>
+              </a:r>
+              <a:r>
+                <a:rPr kumimoji="1" lang="en-US" altLang="zh-CN" sz="1200" dirty="0">
+                  <a:solidFill>
+                    <a:sysClr val="windowText" lastClr="000000"/>
+                  </a:solidFill>
+                </a:rPr>
+                <a:t>:</a:t>
+              </a:r>
+              <a:r>
+                <a:rPr kumimoji="1" lang="zh-CN" altLang="en-US" sz="1200" dirty="0">
+                  <a:solidFill>
+                    <a:sysClr val="windowText" lastClr="000000"/>
+                  </a:solidFill>
+                </a:rPr>
+                <a:t> </a:t>
+              </a:r>
+              <a:r>
+                <a:rPr kumimoji="1" lang="en-US" altLang="zh-CN" sz="1200" dirty="0">
+                  <a:solidFill>
+                    <a:sysClr val="windowText" lastClr="000000"/>
+                  </a:solidFill>
+                </a:rPr>
+                <a:t>Company</a:t>
+              </a:r>
+              <a:endParaRPr kumimoji="1" lang="zh-CN" altLang="en-US" sz="1200" dirty="0">
+                <a:solidFill>
+                  <a:sysClr val="windowText" lastClr="000000"/>
+                </a:solidFill>
+              </a:endParaRPr>
+            </a:p>
+          </p:txBody>
+        </p:sp>
+        <p:cxnSp>
+          <p:nvCxnSpPr>
+            <p:cNvPr id="72" name="直线箭头连接符 7" descr="jytjh">
+              <a:extLst>
+                <a:ext uri="{FF2B5EF4-FFF2-40B4-BE49-F238E27FC236}">
+                  <a16:creationId xmlns:a16="http://schemas.microsoft.com/office/drawing/2014/main" id="{C5642806-F830-15CF-E685-1DD3AD50CC95}"/>
+                </a:ext>
+              </a:extLst>
+            </p:cNvPr>
+            <p:cNvCxnSpPr>
+              <a:cxnSpLocks/>
+              <a:stCxn id="71" idx="1"/>
+              <a:endCxn id="70" idx="3"/>
+            </p:cNvCxnSpPr>
+            <p:nvPr/>
+          </p:nvCxnSpPr>
+          <p:spPr>
+            <a:xfrm flipH="1" flipV="1">
+              <a:off x="8190484" y="3899024"/>
+              <a:ext cx="1323056" cy="3647"/>
+            </a:xfrm>
+            <a:prstGeom prst="straightConnector1">
+              <a:avLst/>
+            </a:prstGeom>
+            <a:ln w="25400">
+              <a:solidFill>
+                <a:schemeClr val="tx1"/>
+              </a:solidFill>
+              <a:headEnd type="none" w="sm" len="lg"/>
+              <a:tailEnd type="arrow" w="sm" len="lg"/>
+            </a:ln>
+          </p:spPr>
+          <p:style>
+            <a:lnRef idx="1">
+              <a:schemeClr val="accent1"/>
+            </a:lnRef>
+            <a:fillRef idx="0">
+              <a:schemeClr val="accent1"/>
+            </a:fillRef>
+            <a:effectRef idx="0">
+              <a:schemeClr val="accent1"/>
+            </a:effectRef>
+            <a:fontRef idx="minor">
+              <a:schemeClr val="tx1"/>
+            </a:fontRef>
+          </p:style>
+        </p:cxnSp>
+        <p:cxnSp>
+          <p:nvCxnSpPr>
+            <p:cNvPr id="75" name="直线箭头连接符 7" descr="jytjh">
+              <a:extLst>
+                <a:ext uri="{FF2B5EF4-FFF2-40B4-BE49-F238E27FC236}">
+                  <a16:creationId xmlns:a16="http://schemas.microsoft.com/office/drawing/2014/main" id="{FF8C5063-1D8F-1AD7-4211-E94E168BB628}"/>
+                </a:ext>
+              </a:extLst>
+            </p:cNvPr>
+            <p:cNvCxnSpPr>
+              <a:cxnSpLocks/>
+              <a:stCxn id="10" idx="3"/>
+              <a:endCxn id="70" idx="1"/>
+            </p:cNvCxnSpPr>
+            <p:nvPr/>
+          </p:nvCxnSpPr>
+          <p:spPr>
+            <a:xfrm>
+              <a:off x="5620598" y="1839634"/>
+              <a:ext cx="998328" cy="2059390"/>
+            </a:xfrm>
+            <a:prstGeom prst="straightConnector1">
+              <a:avLst/>
+            </a:prstGeom>
+            <a:ln w="25400">
+              <a:solidFill>
+                <a:schemeClr val="tx1"/>
+              </a:solidFill>
+              <a:headEnd type="none" w="sm" len="lg"/>
+              <a:tailEnd type="arrow" w="sm" len="lg"/>
+            </a:ln>
+          </p:spPr>
+          <p:style>
+            <a:lnRef idx="1">
+              <a:schemeClr val="accent1"/>
+            </a:lnRef>
+            <a:fillRef idx="0">
+              <a:schemeClr val="accent1"/>
+            </a:fillRef>
+            <a:effectRef idx="0">
+              <a:schemeClr val="accent1"/>
+            </a:effectRef>
+            <a:fontRef idx="minor">
+              <a:schemeClr val="tx1"/>
+            </a:fontRef>
+          </p:style>
+        </p:cxnSp>
+        <p:sp>
+          <p:nvSpPr>
+            <p:cNvPr id="78" name="矩形 9">
+              <a:extLst>
+                <a:ext uri="{FF2B5EF4-FFF2-40B4-BE49-F238E27FC236}">
+                  <a16:creationId xmlns:a16="http://schemas.microsoft.com/office/drawing/2014/main" id="{C00CDC5C-03C3-C2D5-24A6-DEE3D383EC41}"/>
+                </a:ext>
+              </a:extLst>
+            </p:cNvPr>
+            <p:cNvSpPr/>
+            <p:nvPr/>
+          </p:nvSpPr>
+          <p:spPr>
+            <a:xfrm>
+              <a:off x="6618926" y="2611974"/>
+              <a:ext cx="1571557" cy="505147"/>
+            </a:xfrm>
+            <a:prstGeom prst="rect">
+              <a:avLst/>
+            </a:prstGeom>
+            <a:noFill/>
+            <a:ln w="25400">
+              <a:noFill/>
+            </a:ln>
+          </p:spPr>
+          <p:style>
+            <a:lnRef idx="2">
+              <a:schemeClr val="accent2">
+                <a:shade val="50000"/>
+              </a:schemeClr>
+            </a:lnRef>
+            <a:fillRef idx="1">
+              <a:schemeClr val="accent2"/>
+            </a:fillRef>
+            <a:effectRef idx="0">
+              <a:schemeClr val="accent2"/>
+            </a:effectRef>
+            <a:fontRef idx="minor">
+              <a:schemeClr val="lt1"/>
+            </a:fontRef>
+          </p:style>
+          <p:txBody>
+            <a:bodyPr rtlCol="0" anchor="ctr"/>
+            <a:lstStyle/>
+            <a:p>
+              <a:pPr algn="ctr"/>
+              <a:r>
+                <a:rPr kumimoji="1" lang="en-US" altLang="zh-CN" b="1" dirty="0">
+                  <a:solidFill>
+                    <a:sysClr val="windowText" lastClr="000000"/>
+                  </a:solidFill>
+                </a:rPr>
+                <a:t>…</a:t>
+              </a:r>
+              <a:endParaRPr kumimoji="1" lang="zh-CN" altLang="en-US" dirty="0">
+                <a:solidFill>
+                  <a:sysClr val="windowText" lastClr="000000"/>
+                </a:solidFill>
               </a:endParaRPr>
             </a:p>
           </p:txBody>
         </p:sp>
       </p:grpSp>
-      <p:cxnSp>
-        <p:nvCxnSpPr>
-          <p:cNvPr id="8" name="直线箭头连接符 7" descr="jytjh">
-            <a:extLst>
-              <a:ext uri="{FF2B5EF4-FFF2-40B4-BE49-F238E27FC236}">
-                <a16:creationId xmlns:a16="http://schemas.microsoft.com/office/drawing/2014/main" id="{8507D6B9-48D5-F7CD-F0A0-F23AE40A642E}"/>
-              </a:ext>
-            </a:extLst>
-          </p:cNvPr>
-          <p:cNvCxnSpPr>
-            <a:cxnSpLocks/>
-            <a:stCxn id="6" idx="3"/>
-            <a:endCxn id="10" idx="1"/>
-          </p:cNvCxnSpPr>
-          <p:nvPr/>
-        </p:nvCxnSpPr>
-        <p:spPr>
-          <a:xfrm>
-            <a:off x="2450790" y="1839634"/>
-            <a:ext cx="1598251" cy="0"/>
-          </a:xfrm>
-          <a:prstGeom prst="straightConnector1">
-            <a:avLst/>
-          </a:prstGeom>
-          <a:ln w="25400">
-            <a:solidFill>
-              <a:schemeClr val="tx1"/>
-            </a:solidFill>
-            <a:headEnd type="none" w="sm" len="lg"/>
-            <a:tailEnd type="arrow" w="sm" len="lg"/>
-          </a:ln>
-        </p:spPr>
-        <p:style>
-          <a:lnRef idx="1">
-            <a:schemeClr val="accent1"/>
-          </a:lnRef>
-          <a:fillRef idx="0">
-            <a:schemeClr val="accent1"/>
-          </a:fillRef>
-          <a:effectRef idx="0">
-            <a:schemeClr val="accent1"/>
-          </a:effectRef>
-          <a:fontRef idx="minor">
-            <a:schemeClr val="tx1"/>
-          </a:fontRef>
-        </p:style>
-      </p:cxnSp>
-      <p:sp>
-        <p:nvSpPr>
-          <p:cNvPr id="13" name="文本框 12">
-            <a:extLst>
-              <a:ext uri="{FF2B5EF4-FFF2-40B4-BE49-F238E27FC236}">
-                <a16:creationId xmlns:a16="http://schemas.microsoft.com/office/drawing/2014/main" id="{8BA6C3EA-1EA1-A76F-0E83-4F1020091045}"/>
-              </a:ext>
-            </a:extLst>
-          </p:cNvPr>
-          <p:cNvSpPr txBox="1"/>
-          <p:nvPr/>
-        </p:nvSpPr>
-        <p:spPr>
-          <a:xfrm>
-            <a:off x="879232" y="3473825"/>
-            <a:ext cx="2326930" cy="646331"/>
-          </a:xfrm>
-          <a:prstGeom prst="rect">
-            <a:avLst/>
-          </a:prstGeom>
-          <a:noFill/>
-        </p:spPr>
-        <p:txBody>
-          <a:bodyPr wrap="square" rtlCol="0">
-            <a:spAutoFit/>
-          </a:bodyPr>
-          <a:lstStyle/>
-          <a:p>
-            <a:r>
-              <a:rPr kumimoji="1" lang="en-US" altLang="zh-CN" sz="1200" b="1" dirty="0">
-                <a:latin typeface="DengXian" panose="02010600030101010101" pitchFamily="2" charset="-122"/>
-                <a:ea typeface="DengXian" panose="02010600030101010101" pitchFamily="2" charset="-122"/>
-              </a:rPr>
-              <a:t>edge2</a:t>
-            </a:r>
-            <a:r>
-              <a:rPr kumimoji="1" lang="en-US" altLang="zh-CN" sz="1200" dirty="0">
-                <a:latin typeface="DengXian" panose="02010600030101010101" pitchFamily="2" charset="-122"/>
-                <a:ea typeface="DengXian" panose="02010600030101010101" pitchFamily="2" charset="-122"/>
-              </a:rPr>
-              <a:t>:</a:t>
-            </a:r>
-            <a:r>
-              <a:rPr kumimoji="1" lang="zh-CN" altLang="en-US" sz="1200" dirty="0">
-                <a:latin typeface="DengXian" panose="02010600030101010101" pitchFamily="2" charset="-122"/>
-                <a:ea typeface="DengXian" panose="02010600030101010101" pitchFamily="2" charset="-122"/>
-              </a:rPr>
-              <a:t> </a:t>
-            </a:r>
-            <a:r>
-              <a:rPr kumimoji="1" lang="en-US" altLang="zh-CN" sz="1200" dirty="0">
-                <a:latin typeface="DengXian" panose="02010600030101010101" pitchFamily="2" charset="-122"/>
-                <a:ea typeface="DengXian" panose="02010600030101010101" pitchFamily="2" charset="-122"/>
-              </a:rPr>
-              <a:t>transfer</a:t>
-            </a:r>
-          </a:p>
-          <a:p>
-            <a:r>
-              <a:rPr kumimoji="1" lang="en-US" altLang="zh-CN" sz="1200" b="1" dirty="0">
-                <a:latin typeface="DengXian" panose="02010600030101010101" pitchFamily="2" charset="-122"/>
-                <a:ea typeface="DengXian" panose="02010600030101010101" pitchFamily="2" charset="-122"/>
-              </a:rPr>
-              <a:t>edge2</a:t>
-            </a:r>
-            <a:r>
-              <a:rPr kumimoji="1" lang="en-US" altLang="zh-CN" sz="1200" dirty="0">
-                <a:latin typeface="DengXian" panose="02010600030101010101" pitchFamily="2" charset="-122"/>
-                <a:ea typeface="DengXian" panose="02010600030101010101" pitchFamily="2" charset="-122"/>
-              </a:rPr>
-              <a:t>.timestamp</a:t>
-            </a:r>
-            <a:r>
-              <a:rPr kumimoji="1" lang="zh-CN" altLang="en-US" sz="1200" dirty="0">
-                <a:latin typeface="DengXian" panose="02010600030101010101" pitchFamily="2" charset="-122"/>
-                <a:ea typeface="DengXian" panose="02010600030101010101" pitchFamily="2" charset="-122"/>
-              </a:rPr>
-              <a:t> </a:t>
-            </a:r>
-            <a:r>
-              <a:rPr kumimoji="1" lang="en-US" altLang="zh-CN" sz="1200" dirty="0">
-                <a:latin typeface="DengXian" panose="02010600030101010101" pitchFamily="2" charset="-122"/>
-                <a:ea typeface="DengXian" panose="02010600030101010101" pitchFamily="2" charset="-122"/>
-              </a:rPr>
-              <a:t>&gt;</a:t>
-            </a:r>
-            <a:r>
-              <a:rPr kumimoji="1" lang="zh-CN" altLang="en-US" sz="1200" dirty="0">
-                <a:latin typeface="DengXian" panose="02010600030101010101" pitchFamily="2" charset="-122"/>
-                <a:ea typeface="DengXian" panose="02010600030101010101" pitchFamily="2" charset="-122"/>
-              </a:rPr>
-              <a:t> </a:t>
-            </a:r>
-            <a:r>
-              <a:rPr kumimoji="1" lang="en-US" altLang="zh-CN" sz="1200" dirty="0">
-                <a:latin typeface="DengXian" panose="02010600030101010101" pitchFamily="2" charset="-122"/>
-                <a:ea typeface="DengXian" panose="02010600030101010101" pitchFamily="2" charset="-122"/>
-              </a:rPr>
-              <a:t>${</a:t>
-            </a:r>
-            <a:r>
-              <a:rPr kumimoji="1" lang="en-US" altLang="zh-CN" sz="1200" dirty="0" err="1">
-                <a:latin typeface="DengXian" panose="02010600030101010101" pitchFamily="2" charset="-122"/>
-                <a:ea typeface="DengXian" panose="02010600030101010101" pitchFamily="2" charset="-122"/>
-              </a:rPr>
-              <a:t>start_time</a:t>
-            </a:r>
-            <a:r>
-              <a:rPr kumimoji="1" lang="en-US" altLang="zh-CN" sz="1200" dirty="0">
-                <a:latin typeface="DengXian" panose="02010600030101010101" pitchFamily="2" charset="-122"/>
-                <a:ea typeface="DengXian" panose="02010600030101010101" pitchFamily="2" charset="-122"/>
-              </a:rPr>
-              <a:t>}</a:t>
-            </a:r>
-          </a:p>
-          <a:p>
-            <a:r>
-              <a:rPr kumimoji="1" lang="en-US" altLang="zh-CN" sz="1200" b="1" dirty="0">
-                <a:latin typeface="DengXian" panose="02010600030101010101" pitchFamily="2" charset="-122"/>
-                <a:ea typeface="DengXian" panose="02010600030101010101" pitchFamily="2" charset="-122"/>
-              </a:rPr>
-              <a:t>edge2</a:t>
-            </a:r>
-            <a:r>
-              <a:rPr kumimoji="1" lang="en-US" altLang="zh-CN" sz="1200" dirty="0">
-                <a:latin typeface="DengXian" panose="02010600030101010101" pitchFamily="2" charset="-122"/>
-                <a:ea typeface="DengXian" panose="02010600030101010101" pitchFamily="2" charset="-122"/>
-              </a:rPr>
-              <a:t>.timestamp</a:t>
-            </a:r>
-            <a:r>
-              <a:rPr kumimoji="1" lang="zh-CN" altLang="en-US" sz="1200" dirty="0">
-                <a:latin typeface="DengXian" panose="02010600030101010101" pitchFamily="2" charset="-122"/>
-                <a:ea typeface="DengXian" panose="02010600030101010101" pitchFamily="2" charset="-122"/>
-              </a:rPr>
-              <a:t> </a:t>
-            </a:r>
-            <a:r>
-              <a:rPr kumimoji="1" lang="en-US" altLang="zh-CN" sz="1200" dirty="0">
-                <a:latin typeface="DengXian" panose="02010600030101010101" pitchFamily="2" charset="-122"/>
-                <a:ea typeface="DengXian" panose="02010600030101010101" pitchFamily="2" charset="-122"/>
-              </a:rPr>
-              <a:t>&lt;</a:t>
-            </a:r>
-            <a:r>
-              <a:rPr kumimoji="1" lang="zh-CN" altLang="en-US" sz="1200" dirty="0">
-                <a:latin typeface="DengXian" panose="02010600030101010101" pitchFamily="2" charset="-122"/>
-                <a:ea typeface="DengXian" panose="02010600030101010101" pitchFamily="2" charset="-122"/>
-              </a:rPr>
-              <a:t> </a:t>
-            </a:r>
-            <a:r>
-              <a:rPr kumimoji="1" lang="en-US" altLang="zh-CN" sz="1200" dirty="0">
-                <a:latin typeface="DengXian" panose="02010600030101010101" pitchFamily="2" charset="-122"/>
-                <a:ea typeface="DengXian" panose="02010600030101010101" pitchFamily="2" charset="-122"/>
-              </a:rPr>
-              <a:t>${</a:t>
-            </a:r>
-            <a:r>
-              <a:rPr kumimoji="1" lang="en-US" altLang="zh-CN" sz="1200" dirty="0" err="1">
-                <a:latin typeface="DengXian" panose="02010600030101010101" pitchFamily="2" charset="-122"/>
-                <a:ea typeface="DengXian" panose="02010600030101010101" pitchFamily="2" charset="-122"/>
-              </a:rPr>
-              <a:t>end_time</a:t>
-            </a:r>
-            <a:r>
-              <a:rPr kumimoji="1" lang="en-US" altLang="zh-CN" sz="1200" dirty="0">
-                <a:latin typeface="DengXian" panose="02010600030101010101" pitchFamily="2" charset="-122"/>
-                <a:ea typeface="DengXian" panose="02010600030101010101" pitchFamily="2" charset="-122"/>
-              </a:rPr>
-              <a:t>}</a:t>
-            </a:r>
-          </a:p>
-        </p:txBody>
-      </p:sp>
-      <p:sp>
-        <p:nvSpPr>
-          <p:cNvPr id="22" name="矩形 4">
-            <a:extLst>
-              <a:ext uri="{FF2B5EF4-FFF2-40B4-BE49-F238E27FC236}">
-                <a16:creationId xmlns:a16="http://schemas.microsoft.com/office/drawing/2014/main" id="{FAF47002-4923-9384-3EF2-3048D237F34B}"/>
-              </a:ext>
-            </a:extLst>
-          </p:cNvPr>
-          <p:cNvSpPr/>
-          <p:nvPr/>
-        </p:nvSpPr>
-        <p:spPr>
-          <a:xfrm>
-            <a:off x="5724144" y="1334485"/>
-            <a:ext cx="2852928" cy="4417085"/>
-          </a:xfrm>
-          <a:prstGeom prst="rect">
-            <a:avLst/>
-          </a:prstGeom>
-          <a:noFill/>
-          <a:ln w="25400">
-            <a:solidFill>
-              <a:schemeClr val="tx1"/>
-            </a:solidFill>
-            <a:prstDash val="dash"/>
-          </a:ln>
-        </p:spPr>
-        <p:style>
-          <a:lnRef idx="2">
-            <a:schemeClr val="accent2">
-              <a:shade val="50000"/>
-            </a:schemeClr>
-          </a:lnRef>
-          <a:fillRef idx="1">
-            <a:schemeClr val="accent2"/>
-          </a:fillRef>
-          <a:effectRef idx="0">
-            <a:schemeClr val="accent2"/>
-          </a:effectRef>
-          <a:fontRef idx="minor">
-            <a:schemeClr val="lt1"/>
-          </a:fontRef>
-        </p:style>
-        <p:txBody>
-          <a:bodyPr rtlCol="0" anchor="b"/>
-          <a:lstStyle/>
-          <a:p>
-            <a:r>
-              <a:rPr kumimoji="1" lang="en-US" altLang="zh-CN" sz="1200" b="1" dirty="0">
-                <a:solidFill>
-                  <a:srgbClr val="FF0000"/>
-                </a:solidFill>
-                <a:latin typeface="DengXian" panose="02010600030101010101" pitchFamily="2" charset="-122"/>
-                <a:ea typeface="DengXian" panose="02010600030101010101" pitchFamily="2" charset="-122"/>
-              </a:rPr>
-              <a:t>RESULT</a:t>
-            </a:r>
-          </a:p>
-          <a:p>
-            <a:r>
-              <a:rPr kumimoji="1" lang="en-US" altLang="zh-CN" sz="1200" dirty="0">
-                <a:solidFill>
-                  <a:sysClr val="windowText" lastClr="000000"/>
-                </a:solidFill>
-                <a:latin typeface="DengXian" panose="02010600030101010101" pitchFamily="2" charset="-122"/>
-                <a:ea typeface="DengXian" panose="02010600030101010101" pitchFamily="2" charset="-122"/>
-              </a:rPr>
-              <a:t>SUM(edge2.amount)</a:t>
-            </a:r>
-            <a:r>
-              <a:rPr kumimoji="1" lang="zh-CN" altLang="en-US" sz="1200" dirty="0">
-                <a:solidFill>
-                  <a:sysClr val="windowText" lastClr="000000"/>
-                </a:solidFill>
-                <a:latin typeface="DengXian" panose="02010600030101010101" pitchFamily="2" charset="-122"/>
-                <a:ea typeface="DengXian" panose="02010600030101010101" pitchFamily="2" charset="-122"/>
-              </a:rPr>
-              <a:t> </a:t>
-            </a:r>
-            <a:r>
-              <a:rPr kumimoji="1" lang="en-US" altLang="zh-CN" sz="1200" b="1" dirty="0" err="1">
-                <a:solidFill>
-                  <a:srgbClr val="FF0000"/>
-                </a:solidFill>
-                <a:latin typeface="DengXian" panose="02010600030101010101" pitchFamily="2" charset="-122"/>
-                <a:ea typeface="DengXian" panose="02010600030101010101" pitchFamily="2" charset="-122"/>
-              </a:rPr>
-              <a:t>Groupby</a:t>
-            </a:r>
-            <a:r>
-              <a:rPr kumimoji="1" lang="zh-CN" altLang="en-US" sz="1200" dirty="0">
-                <a:solidFill>
-                  <a:sysClr val="windowText" lastClr="000000"/>
-                </a:solidFill>
-                <a:latin typeface="DengXian" panose="02010600030101010101" pitchFamily="2" charset="-122"/>
-                <a:ea typeface="DengXian" panose="02010600030101010101" pitchFamily="2" charset="-122"/>
-              </a:rPr>
-              <a:t> </a:t>
-            </a:r>
-            <a:r>
-              <a:rPr kumimoji="1" lang="en-US" altLang="zh-CN" sz="1200" dirty="0" err="1">
-                <a:solidFill>
-                  <a:sysClr val="windowText" lastClr="000000"/>
-                </a:solidFill>
-                <a:latin typeface="DengXian" panose="02010600030101010101" pitchFamily="2" charset="-122"/>
-                <a:ea typeface="DengXian" panose="02010600030101010101" pitchFamily="2" charset="-122"/>
-              </a:rPr>
-              <a:t>compAcc</a:t>
-            </a:r>
-            <a:endParaRPr kumimoji="1" lang="en-US" altLang="zh-CN" sz="1200" dirty="0">
-              <a:solidFill>
-                <a:sysClr val="windowText" lastClr="000000"/>
-              </a:solidFill>
-              <a:latin typeface="DengXian" panose="02010600030101010101" pitchFamily="2" charset="-122"/>
-              <a:ea typeface="DengXian" panose="02010600030101010101" pitchFamily="2" charset="-122"/>
-            </a:endParaRPr>
-          </a:p>
-        </p:txBody>
-      </p:sp>
-      <p:sp>
-        <p:nvSpPr>
-          <p:cNvPr id="10" name="矩形 9">
-            <a:extLst>
-              <a:ext uri="{FF2B5EF4-FFF2-40B4-BE49-F238E27FC236}">
-                <a16:creationId xmlns:a16="http://schemas.microsoft.com/office/drawing/2014/main" id="{ADFFFBB1-E550-E2FD-3E36-BF69279B87DD}"/>
-              </a:ext>
-            </a:extLst>
-          </p:cNvPr>
-          <p:cNvSpPr/>
-          <p:nvPr/>
-        </p:nvSpPr>
-        <p:spPr>
-          <a:xfrm>
-            <a:off x="4049041" y="1587060"/>
-            <a:ext cx="1571557" cy="505147"/>
-          </a:xfrm>
-          <a:prstGeom prst="rect">
-            <a:avLst/>
-          </a:prstGeom>
-          <a:solidFill>
-            <a:schemeClr val="accent6">
-              <a:lumMod val="60000"/>
-              <a:lumOff val="40000"/>
-            </a:schemeClr>
-          </a:solidFill>
-          <a:ln w="25400">
-            <a:solidFill>
-              <a:schemeClr val="tx1"/>
-            </a:solidFill>
-          </a:ln>
-        </p:spPr>
-        <p:style>
-          <a:lnRef idx="2">
-            <a:schemeClr val="accent2">
-              <a:shade val="50000"/>
-            </a:schemeClr>
-          </a:lnRef>
-          <a:fillRef idx="1">
-            <a:schemeClr val="accent2"/>
-          </a:fillRef>
-          <a:effectRef idx="0">
-            <a:schemeClr val="accent2"/>
-          </a:effectRef>
-          <a:fontRef idx="minor">
-            <a:schemeClr val="lt1"/>
-          </a:fontRef>
-        </p:style>
-        <p:txBody>
-          <a:bodyPr rtlCol="0" anchor="ctr"/>
-          <a:lstStyle/>
-          <a:p>
-            <a:pPr algn="ctr"/>
-            <a:r>
-              <a:rPr kumimoji="1" lang="en-US" altLang="zh-CN" sz="1200" b="1" dirty="0" err="1">
-                <a:solidFill>
-                  <a:sysClr val="windowText" lastClr="000000"/>
-                </a:solidFill>
-              </a:rPr>
-              <a:t>pAcc</a:t>
-            </a:r>
-            <a:r>
-              <a:rPr kumimoji="1" lang="zh-CN" altLang="en-US" sz="1200" dirty="0">
-                <a:solidFill>
-                  <a:sysClr val="windowText" lastClr="000000"/>
-                </a:solidFill>
-              </a:rPr>
-              <a:t> </a:t>
-            </a:r>
-            <a:r>
-              <a:rPr kumimoji="1" lang="en-US" altLang="zh-CN" sz="1200" dirty="0">
-                <a:solidFill>
-                  <a:sysClr val="windowText" lastClr="000000"/>
-                </a:solidFill>
-              </a:rPr>
-              <a:t>:</a:t>
-            </a:r>
-            <a:r>
-              <a:rPr kumimoji="1" lang="zh-CN" altLang="en-US" sz="1200" dirty="0">
-                <a:solidFill>
-                  <a:sysClr val="windowText" lastClr="000000"/>
-                </a:solidFill>
-              </a:rPr>
-              <a:t> </a:t>
-            </a:r>
-            <a:r>
-              <a:rPr kumimoji="1" lang="en-US" altLang="zh-CN" sz="1200" dirty="0">
-                <a:solidFill>
-                  <a:sysClr val="windowText" lastClr="000000"/>
-                </a:solidFill>
-              </a:rPr>
-              <a:t>Account</a:t>
-            </a:r>
-            <a:endParaRPr kumimoji="1" lang="zh-CN" altLang="en-US" sz="1200" dirty="0">
-              <a:solidFill>
-                <a:sysClr val="windowText" lastClr="000000"/>
-              </a:solidFill>
-            </a:endParaRPr>
-          </a:p>
-        </p:txBody>
-      </p:sp>
-      <p:sp>
-        <p:nvSpPr>
-          <p:cNvPr id="11" name="矩形 10">
-            <a:extLst>
-              <a:ext uri="{FF2B5EF4-FFF2-40B4-BE49-F238E27FC236}">
-                <a16:creationId xmlns:a16="http://schemas.microsoft.com/office/drawing/2014/main" id="{B0276ABD-9AAA-FD4F-7A1E-0F1B1045961F}"/>
-              </a:ext>
-            </a:extLst>
-          </p:cNvPr>
-          <p:cNvSpPr/>
-          <p:nvPr/>
-        </p:nvSpPr>
-        <p:spPr>
-          <a:xfrm>
-            <a:off x="6618926" y="1587060"/>
-            <a:ext cx="1571558" cy="505147"/>
-          </a:xfrm>
-          <a:prstGeom prst="rect">
-            <a:avLst/>
-          </a:prstGeom>
-          <a:solidFill>
-            <a:schemeClr val="accent6">
-              <a:lumMod val="60000"/>
-              <a:lumOff val="40000"/>
-            </a:schemeClr>
-          </a:solidFill>
-          <a:ln w="25400">
-            <a:solidFill>
-              <a:schemeClr val="tx1"/>
-            </a:solidFill>
-          </a:ln>
-        </p:spPr>
-        <p:style>
-          <a:lnRef idx="2">
-            <a:schemeClr val="accent2">
-              <a:shade val="50000"/>
-            </a:schemeClr>
-          </a:lnRef>
-          <a:fillRef idx="1">
-            <a:schemeClr val="accent2"/>
-          </a:fillRef>
-          <a:effectRef idx="0">
-            <a:schemeClr val="accent2"/>
-          </a:effectRef>
-          <a:fontRef idx="minor">
-            <a:schemeClr val="lt1"/>
-          </a:fontRef>
-        </p:style>
-        <p:txBody>
-          <a:bodyPr rtlCol="0" anchor="ctr"/>
-          <a:lstStyle/>
-          <a:p>
-            <a:pPr algn="ctr"/>
-            <a:r>
-              <a:rPr kumimoji="1" lang="en-US" altLang="zh-CN" sz="1200" b="1" dirty="0" err="1">
-                <a:solidFill>
-                  <a:sysClr val="windowText" lastClr="000000"/>
-                </a:solidFill>
-              </a:rPr>
-              <a:t>compAcc</a:t>
-            </a:r>
-            <a:r>
-              <a:rPr kumimoji="1" lang="zh-CN" altLang="en-US" sz="1200" dirty="0">
-                <a:solidFill>
-                  <a:sysClr val="windowText" lastClr="000000"/>
-                </a:solidFill>
-              </a:rPr>
-              <a:t> </a:t>
-            </a:r>
-            <a:r>
-              <a:rPr kumimoji="1" lang="en-US" altLang="zh-CN" sz="1200" dirty="0">
-                <a:solidFill>
-                  <a:sysClr val="windowText" lastClr="000000"/>
-                </a:solidFill>
-              </a:rPr>
-              <a:t>:</a:t>
-            </a:r>
-            <a:r>
-              <a:rPr kumimoji="1" lang="zh-CN" altLang="en-US" sz="1200" dirty="0">
-                <a:solidFill>
-                  <a:sysClr val="windowText" lastClr="000000"/>
-                </a:solidFill>
-              </a:rPr>
-              <a:t> </a:t>
-            </a:r>
-            <a:r>
-              <a:rPr kumimoji="1" lang="en-US" altLang="zh-CN" sz="1200" dirty="0">
-                <a:solidFill>
-                  <a:sysClr val="windowText" lastClr="000000"/>
-                </a:solidFill>
-              </a:rPr>
-              <a:t>Account</a:t>
-            </a:r>
-            <a:endParaRPr kumimoji="1" lang="zh-CN" altLang="en-US" sz="1200" dirty="0">
-              <a:solidFill>
-                <a:sysClr val="windowText" lastClr="000000"/>
-              </a:solidFill>
-            </a:endParaRPr>
-          </a:p>
-        </p:txBody>
-      </p:sp>
-      <p:sp>
-        <p:nvSpPr>
-          <p:cNvPr id="24" name="矩形 5">
-            <a:extLst>
-              <a:ext uri="{FF2B5EF4-FFF2-40B4-BE49-F238E27FC236}">
-                <a16:creationId xmlns:a16="http://schemas.microsoft.com/office/drawing/2014/main" id="{2E9B4739-3F2D-80A4-0F14-A410D6917026}"/>
-              </a:ext>
-            </a:extLst>
-          </p:cNvPr>
-          <p:cNvSpPr/>
-          <p:nvPr/>
-        </p:nvSpPr>
-        <p:spPr>
-          <a:xfrm>
-            <a:off x="9513540" y="1587060"/>
-            <a:ext cx="1571558" cy="505147"/>
-          </a:xfrm>
-          <a:prstGeom prst="rect">
-            <a:avLst/>
-          </a:prstGeom>
-          <a:solidFill>
-            <a:schemeClr val="accent5">
-              <a:lumMod val="60000"/>
-              <a:lumOff val="40000"/>
-            </a:schemeClr>
-          </a:solidFill>
-          <a:ln w="25400">
-            <a:solidFill>
-              <a:schemeClr val="tx1"/>
-            </a:solidFill>
-          </a:ln>
-        </p:spPr>
-        <p:style>
-          <a:lnRef idx="2">
-            <a:schemeClr val="accent2">
-              <a:shade val="50000"/>
-            </a:schemeClr>
-          </a:lnRef>
-          <a:fillRef idx="1">
-            <a:schemeClr val="accent2"/>
-          </a:fillRef>
-          <a:effectRef idx="0">
-            <a:schemeClr val="accent2"/>
-          </a:effectRef>
-          <a:fontRef idx="minor">
-            <a:schemeClr val="lt1"/>
-          </a:fontRef>
-        </p:style>
-        <p:txBody>
-          <a:bodyPr rtlCol="0" anchor="ctr"/>
-          <a:lstStyle/>
-          <a:p>
-            <a:pPr algn="ctr"/>
-            <a:r>
-              <a:rPr kumimoji="1" lang="en-US" altLang="zh-CN" sz="1200" b="1" dirty="0">
-                <a:solidFill>
-                  <a:sysClr val="windowText" lastClr="000000"/>
-                </a:solidFill>
-              </a:rPr>
-              <a:t>company</a:t>
-            </a:r>
-            <a:r>
-              <a:rPr kumimoji="1" lang="zh-CN" altLang="en-US" sz="1200" dirty="0">
-                <a:solidFill>
-                  <a:sysClr val="windowText" lastClr="000000"/>
-                </a:solidFill>
-              </a:rPr>
-              <a:t> </a:t>
-            </a:r>
-            <a:r>
-              <a:rPr kumimoji="1" lang="en-US" altLang="zh-CN" sz="1200" dirty="0">
-                <a:solidFill>
-                  <a:sysClr val="windowText" lastClr="000000"/>
-                </a:solidFill>
-              </a:rPr>
-              <a:t>:</a:t>
-            </a:r>
-            <a:r>
-              <a:rPr kumimoji="1" lang="zh-CN" altLang="en-US" sz="1200" dirty="0">
-                <a:solidFill>
-                  <a:sysClr val="windowText" lastClr="000000"/>
-                </a:solidFill>
-              </a:rPr>
-              <a:t> </a:t>
-            </a:r>
-            <a:r>
-              <a:rPr kumimoji="1" lang="en-US" altLang="zh-CN" sz="1200" dirty="0">
-                <a:solidFill>
-                  <a:sysClr val="windowText" lastClr="000000"/>
-                </a:solidFill>
-              </a:rPr>
-              <a:t>Company</a:t>
-            </a:r>
-            <a:endParaRPr kumimoji="1" lang="zh-CN" altLang="en-US" sz="1200" dirty="0">
-              <a:solidFill>
-                <a:sysClr val="windowText" lastClr="000000"/>
-              </a:solidFill>
-            </a:endParaRPr>
-          </a:p>
-        </p:txBody>
-      </p:sp>
-      <p:cxnSp>
-        <p:nvCxnSpPr>
-          <p:cNvPr id="28" name="直线箭头连接符 7" descr="jytjh">
-            <a:extLst>
-              <a:ext uri="{FF2B5EF4-FFF2-40B4-BE49-F238E27FC236}">
-                <a16:creationId xmlns:a16="http://schemas.microsoft.com/office/drawing/2014/main" id="{DF48A6C2-5718-A594-975E-39F57480017F}"/>
-              </a:ext>
-            </a:extLst>
-          </p:cNvPr>
-          <p:cNvCxnSpPr>
-            <a:cxnSpLocks/>
-            <a:stCxn id="10" idx="3"/>
-            <a:endCxn id="11" idx="1"/>
-          </p:cNvCxnSpPr>
-          <p:nvPr/>
-        </p:nvCxnSpPr>
-        <p:spPr>
-          <a:xfrm>
-            <a:off x="5620598" y="1839634"/>
-            <a:ext cx="998328" cy="0"/>
-          </a:xfrm>
-          <a:prstGeom prst="straightConnector1">
-            <a:avLst/>
-          </a:prstGeom>
-          <a:ln w="25400">
-            <a:solidFill>
-              <a:schemeClr val="tx1"/>
-            </a:solidFill>
-            <a:headEnd type="none" w="sm" len="lg"/>
-            <a:tailEnd type="arrow" w="sm" len="lg"/>
-          </a:ln>
-        </p:spPr>
-        <p:style>
-          <a:lnRef idx="1">
-            <a:schemeClr val="accent1"/>
-          </a:lnRef>
-          <a:fillRef idx="0">
-            <a:schemeClr val="accent1"/>
-          </a:fillRef>
-          <a:effectRef idx="0">
-            <a:schemeClr val="accent1"/>
-          </a:effectRef>
-          <a:fontRef idx="minor">
-            <a:schemeClr val="tx1"/>
-          </a:fontRef>
-        </p:style>
-      </p:cxnSp>
-      <p:cxnSp>
-        <p:nvCxnSpPr>
-          <p:cNvPr id="31" name="直线箭头连接符 7" descr="jytjh">
-            <a:extLst>
-              <a:ext uri="{FF2B5EF4-FFF2-40B4-BE49-F238E27FC236}">
-                <a16:creationId xmlns:a16="http://schemas.microsoft.com/office/drawing/2014/main" id="{7F1579A2-1A92-79E9-22A6-9DA3BDF731AD}"/>
-              </a:ext>
-            </a:extLst>
-          </p:cNvPr>
-          <p:cNvCxnSpPr>
-            <a:cxnSpLocks/>
-            <a:stCxn id="24" idx="1"/>
-            <a:endCxn id="11" idx="3"/>
-          </p:cNvCxnSpPr>
-          <p:nvPr/>
-        </p:nvCxnSpPr>
-        <p:spPr>
-          <a:xfrm flipH="1">
-            <a:off x="8190484" y="1839634"/>
-            <a:ext cx="1323056" cy="0"/>
-          </a:xfrm>
-          <a:prstGeom prst="straightConnector1">
-            <a:avLst/>
-          </a:prstGeom>
-          <a:ln w="25400">
-            <a:solidFill>
-              <a:schemeClr val="tx1"/>
-            </a:solidFill>
-            <a:headEnd type="none" w="sm" len="lg"/>
-            <a:tailEnd type="arrow" w="sm" len="lg"/>
-          </a:ln>
-        </p:spPr>
-        <p:style>
-          <a:lnRef idx="1">
-            <a:schemeClr val="accent1"/>
-          </a:lnRef>
-          <a:fillRef idx="0">
-            <a:schemeClr val="accent1"/>
-          </a:fillRef>
-          <a:effectRef idx="0">
-            <a:schemeClr val="accent1"/>
-          </a:effectRef>
-          <a:fontRef idx="minor">
-            <a:schemeClr val="tx1"/>
-          </a:fontRef>
-        </p:style>
-      </p:cxnSp>
-      <p:cxnSp>
-        <p:nvCxnSpPr>
-          <p:cNvPr id="39" name="直线箭头连接符 7" descr="jytjh">
-            <a:extLst>
-              <a:ext uri="{FF2B5EF4-FFF2-40B4-BE49-F238E27FC236}">
-                <a16:creationId xmlns:a16="http://schemas.microsoft.com/office/drawing/2014/main" id="{140BFA3F-3363-AA88-7AAB-1FE0F9FAFA91}"/>
-              </a:ext>
-            </a:extLst>
-          </p:cNvPr>
-          <p:cNvCxnSpPr>
-            <a:cxnSpLocks/>
-            <a:stCxn id="10" idx="3"/>
-            <a:endCxn id="78" idx="1"/>
-          </p:cNvCxnSpPr>
-          <p:nvPr/>
-        </p:nvCxnSpPr>
-        <p:spPr>
-          <a:xfrm>
-            <a:off x="5620598" y="1839634"/>
-            <a:ext cx="998328" cy="1024914"/>
-          </a:xfrm>
-          <a:prstGeom prst="straightConnector1">
-            <a:avLst/>
-          </a:prstGeom>
-          <a:ln w="25400">
-            <a:solidFill>
-              <a:schemeClr val="tx1"/>
-            </a:solidFill>
-            <a:headEnd type="none" w="sm" len="lg"/>
-            <a:tailEnd type="arrow" w="sm" len="lg"/>
-          </a:ln>
-        </p:spPr>
-        <p:style>
-          <a:lnRef idx="1">
-            <a:schemeClr val="accent1"/>
-          </a:lnRef>
-          <a:fillRef idx="0">
-            <a:schemeClr val="accent1"/>
-          </a:fillRef>
-          <a:effectRef idx="0">
-            <a:schemeClr val="accent1"/>
-          </a:effectRef>
-          <a:fontRef idx="minor">
-            <a:schemeClr val="tx1"/>
-          </a:fontRef>
-        </p:style>
-      </p:cxnSp>
-      <p:sp>
-        <p:nvSpPr>
-          <p:cNvPr id="47" name="矩形 9">
-            <a:extLst>
-              <a:ext uri="{FF2B5EF4-FFF2-40B4-BE49-F238E27FC236}">
-                <a16:creationId xmlns:a16="http://schemas.microsoft.com/office/drawing/2014/main" id="{89D4E3AB-E8CF-BCFD-7DC5-4EE9540F47D2}"/>
-              </a:ext>
-            </a:extLst>
-          </p:cNvPr>
-          <p:cNvSpPr/>
-          <p:nvPr/>
-        </p:nvSpPr>
-        <p:spPr>
-          <a:xfrm>
-            <a:off x="4049041" y="4676145"/>
-            <a:ext cx="1571557" cy="505147"/>
-          </a:xfrm>
-          <a:prstGeom prst="rect">
-            <a:avLst/>
-          </a:prstGeom>
-          <a:solidFill>
-            <a:schemeClr val="accent6">
-              <a:lumMod val="60000"/>
-              <a:lumOff val="40000"/>
-            </a:schemeClr>
-          </a:solidFill>
-          <a:ln w="25400">
-            <a:solidFill>
-              <a:schemeClr val="tx1"/>
-            </a:solidFill>
-          </a:ln>
-        </p:spPr>
-        <p:style>
-          <a:lnRef idx="2">
-            <a:schemeClr val="accent2">
-              <a:shade val="50000"/>
-            </a:schemeClr>
-          </a:lnRef>
-          <a:fillRef idx="1">
-            <a:schemeClr val="accent2"/>
-          </a:fillRef>
-          <a:effectRef idx="0">
-            <a:schemeClr val="accent2"/>
-          </a:effectRef>
-          <a:fontRef idx="minor">
-            <a:schemeClr val="lt1"/>
-          </a:fontRef>
-        </p:style>
-        <p:txBody>
-          <a:bodyPr rtlCol="0" anchor="ctr"/>
-          <a:lstStyle/>
-          <a:p>
-            <a:pPr algn="ctr"/>
-            <a:r>
-              <a:rPr kumimoji="1" lang="en-US" altLang="zh-CN" sz="1200" b="1" dirty="0" err="1">
-                <a:solidFill>
-                  <a:sysClr val="windowText" lastClr="000000"/>
-                </a:solidFill>
-              </a:rPr>
-              <a:t>pAcc</a:t>
-            </a:r>
-            <a:r>
-              <a:rPr kumimoji="1" lang="zh-CN" altLang="en-US" sz="1200" dirty="0">
-                <a:solidFill>
-                  <a:sysClr val="windowText" lastClr="000000"/>
-                </a:solidFill>
-              </a:rPr>
-              <a:t> </a:t>
-            </a:r>
-            <a:r>
-              <a:rPr kumimoji="1" lang="en-US" altLang="zh-CN" sz="1200" dirty="0">
-                <a:solidFill>
-                  <a:sysClr val="windowText" lastClr="000000"/>
-                </a:solidFill>
-              </a:rPr>
-              <a:t>:</a:t>
-            </a:r>
-            <a:r>
-              <a:rPr kumimoji="1" lang="zh-CN" altLang="en-US" sz="1200" dirty="0">
-                <a:solidFill>
-                  <a:sysClr val="windowText" lastClr="000000"/>
-                </a:solidFill>
-              </a:rPr>
-              <a:t> </a:t>
-            </a:r>
-            <a:r>
-              <a:rPr kumimoji="1" lang="en-US" altLang="zh-CN" sz="1200" dirty="0">
-                <a:solidFill>
-                  <a:sysClr val="windowText" lastClr="000000"/>
-                </a:solidFill>
-              </a:rPr>
-              <a:t>Account</a:t>
-            </a:r>
-            <a:endParaRPr kumimoji="1" lang="zh-CN" altLang="en-US" sz="1200" dirty="0">
-              <a:solidFill>
-                <a:sysClr val="windowText" lastClr="000000"/>
-              </a:solidFill>
-            </a:endParaRPr>
-          </a:p>
-        </p:txBody>
-      </p:sp>
-      <p:sp>
-        <p:nvSpPr>
-          <p:cNvPr id="48" name="矩形 10">
-            <a:extLst>
-              <a:ext uri="{FF2B5EF4-FFF2-40B4-BE49-F238E27FC236}">
-                <a16:creationId xmlns:a16="http://schemas.microsoft.com/office/drawing/2014/main" id="{DF4374BD-E5C7-D5EF-2FEC-3A9E36729310}"/>
-              </a:ext>
-            </a:extLst>
-          </p:cNvPr>
-          <p:cNvSpPr/>
-          <p:nvPr/>
-        </p:nvSpPr>
-        <p:spPr>
-          <a:xfrm>
-            <a:off x="6618926" y="4676145"/>
-            <a:ext cx="1571558" cy="505147"/>
-          </a:xfrm>
-          <a:prstGeom prst="rect">
-            <a:avLst/>
-          </a:prstGeom>
-          <a:solidFill>
-            <a:schemeClr val="accent6">
-              <a:lumMod val="60000"/>
-              <a:lumOff val="40000"/>
-            </a:schemeClr>
-          </a:solidFill>
-          <a:ln w="25400">
-            <a:solidFill>
-              <a:schemeClr val="tx1"/>
-            </a:solidFill>
-          </a:ln>
-        </p:spPr>
-        <p:style>
-          <a:lnRef idx="2">
-            <a:schemeClr val="accent2">
-              <a:shade val="50000"/>
-            </a:schemeClr>
-          </a:lnRef>
-          <a:fillRef idx="1">
-            <a:schemeClr val="accent2"/>
-          </a:fillRef>
-          <a:effectRef idx="0">
-            <a:schemeClr val="accent2"/>
-          </a:effectRef>
-          <a:fontRef idx="minor">
-            <a:schemeClr val="lt1"/>
-          </a:fontRef>
-        </p:style>
-        <p:txBody>
-          <a:bodyPr rtlCol="0" anchor="ctr"/>
-          <a:lstStyle/>
-          <a:p>
-            <a:pPr algn="ctr"/>
-            <a:r>
-              <a:rPr kumimoji="1" lang="en-US" altLang="zh-CN" sz="1200" b="1" dirty="0" err="1">
-                <a:solidFill>
-                  <a:sysClr val="windowText" lastClr="000000"/>
-                </a:solidFill>
-              </a:rPr>
-              <a:t>compAcc</a:t>
-            </a:r>
-            <a:r>
-              <a:rPr kumimoji="1" lang="zh-CN" altLang="en-US" sz="1200" dirty="0">
-                <a:solidFill>
-                  <a:sysClr val="windowText" lastClr="000000"/>
-                </a:solidFill>
-              </a:rPr>
-              <a:t> </a:t>
-            </a:r>
-            <a:r>
-              <a:rPr kumimoji="1" lang="en-US" altLang="zh-CN" sz="1200" dirty="0">
-                <a:solidFill>
-                  <a:sysClr val="windowText" lastClr="000000"/>
-                </a:solidFill>
-              </a:rPr>
-              <a:t>:</a:t>
-            </a:r>
-            <a:r>
-              <a:rPr kumimoji="1" lang="zh-CN" altLang="en-US" sz="1200" dirty="0">
-                <a:solidFill>
-                  <a:sysClr val="windowText" lastClr="000000"/>
-                </a:solidFill>
-              </a:rPr>
-              <a:t> </a:t>
-            </a:r>
-            <a:r>
-              <a:rPr kumimoji="1" lang="en-US" altLang="zh-CN" sz="1200" dirty="0">
-                <a:solidFill>
-                  <a:sysClr val="windowText" lastClr="000000"/>
-                </a:solidFill>
-              </a:rPr>
-              <a:t>Account</a:t>
-            </a:r>
-            <a:endParaRPr kumimoji="1" lang="zh-CN" altLang="en-US" sz="1200" dirty="0">
-              <a:solidFill>
-                <a:sysClr val="windowText" lastClr="000000"/>
-              </a:solidFill>
-            </a:endParaRPr>
-          </a:p>
-        </p:txBody>
-      </p:sp>
-      <p:sp>
-        <p:nvSpPr>
-          <p:cNvPr id="49" name="矩形 5">
-            <a:extLst>
-              <a:ext uri="{FF2B5EF4-FFF2-40B4-BE49-F238E27FC236}">
-                <a16:creationId xmlns:a16="http://schemas.microsoft.com/office/drawing/2014/main" id="{61A2AF20-55E0-EE68-5D7D-852BFA797B81}"/>
-              </a:ext>
-            </a:extLst>
-          </p:cNvPr>
-          <p:cNvSpPr/>
-          <p:nvPr/>
-        </p:nvSpPr>
-        <p:spPr>
-          <a:xfrm>
-            <a:off x="9513540" y="4676145"/>
-            <a:ext cx="1571558" cy="505147"/>
-          </a:xfrm>
-          <a:prstGeom prst="rect">
-            <a:avLst/>
-          </a:prstGeom>
-          <a:solidFill>
-            <a:schemeClr val="accent5">
-              <a:lumMod val="60000"/>
-              <a:lumOff val="40000"/>
-            </a:schemeClr>
-          </a:solidFill>
-          <a:ln w="25400">
-            <a:solidFill>
-              <a:schemeClr val="tx1"/>
-            </a:solidFill>
-          </a:ln>
-        </p:spPr>
-        <p:style>
-          <a:lnRef idx="2">
-            <a:schemeClr val="accent2">
-              <a:shade val="50000"/>
-            </a:schemeClr>
-          </a:lnRef>
-          <a:fillRef idx="1">
-            <a:schemeClr val="accent2"/>
-          </a:fillRef>
-          <a:effectRef idx="0">
-            <a:schemeClr val="accent2"/>
-          </a:effectRef>
-          <a:fontRef idx="minor">
-            <a:schemeClr val="lt1"/>
-          </a:fontRef>
-        </p:style>
-        <p:txBody>
-          <a:bodyPr rtlCol="0" anchor="ctr"/>
-          <a:lstStyle/>
-          <a:p>
-            <a:pPr algn="ctr"/>
-            <a:r>
-              <a:rPr kumimoji="1" lang="en-US" altLang="zh-CN" sz="1200" b="1" dirty="0">
-                <a:solidFill>
-                  <a:sysClr val="windowText" lastClr="000000"/>
-                </a:solidFill>
-              </a:rPr>
-              <a:t>company</a:t>
-            </a:r>
-            <a:r>
-              <a:rPr kumimoji="1" lang="zh-CN" altLang="en-US" sz="1200" dirty="0">
-                <a:solidFill>
-                  <a:sysClr val="windowText" lastClr="000000"/>
-                </a:solidFill>
-              </a:rPr>
-              <a:t> </a:t>
-            </a:r>
-            <a:r>
-              <a:rPr kumimoji="1" lang="en-US" altLang="zh-CN" sz="1200" dirty="0">
-                <a:solidFill>
-                  <a:sysClr val="windowText" lastClr="000000"/>
-                </a:solidFill>
-              </a:rPr>
-              <a:t>:</a:t>
-            </a:r>
-            <a:r>
-              <a:rPr kumimoji="1" lang="zh-CN" altLang="en-US" sz="1200" dirty="0">
-                <a:solidFill>
-                  <a:sysClr val="windowText" lastClr="000000"/>
-                </a:solidFill>
-              </a:rPr>
-              <a:t> </a:t>
-            </a:r>
-            <a:r>
-              <a:rPr kumimoji="1" lang="en-US" altLang="zh-CN" sz="1200" dirty="0">
-                <a:solidFill>
-                  <a:sysClr val="windowText" lastClr="000000"/>
-                </a:solidFill>
-              </a:rPr>
-              <a:t>Company</a:t>
-            </a:r>
-            <a:endParaRPr kumimoji="1" lang="zh-CN" altLang="en-US" sz="1200" dirty="0">
-              <a:solidFill>
-                <a:sysClr val="windowText" lastClr="000000"/>
-              </a:solidFill>
-            </a:endParaRPr>
-          </a:p>
-        </p:txBody>
-      </p:sp>
-      <p:cxnSp>
-        <p:nvCxnSpPr>
-          <p:cNvPr id="50" name="直线箭头连接符 7" descr="jytjh">
-            <a:extLst>
-              <a:ext uri="{FF2B5EF4-FFF2-40B4-BE49-F238E27FC236}">
-                <a16:creationId xmlns:a16="http://schemas.microsoft.com/office/drawing/2014/main" id="{8CFD6883-199C-2811-2B83-8C87FC69BCDF}"/>
-              </a:ext>
-            </a:extLst>
-          </p:cNvPr>
-          <p:cNvCxnSpPr>
-            <a:cxnSpLocks/>
-            <a:stCxn id="47" idx="3"/>
-            <a:endCxn id="48" idx="1"/>
-          </p:cNvCxnSpPr>
-          <p:nvPr/>
-        </p:nvCxnSpPr>
-        <p:spPr>
-          <a:xfrm>
-            <a:off x="5620598" y="4928719"/>
-            <a:ext cx="998328" cy="0"/>
-          </a:xfrm>
-          <a:prstGeom prst="straightConnector1">
-            <a:avLst/>
-          </a:prstGeom>
-          <a:ln w="25400">
-            <a:solidFill>
-              <a:schemeClr val="tx1"/>
-            </a:solidFill>
-            <a:headEnd type="none" w="sm" len="lg"/>
-            <a:tailEnd type="arrow" w="sm" len="lg"/>
-          </a:ln>
-        </p:spPr>
-        <p:style>
-          <a:lnRef idx="1">
-            <a:schemeClr val="accent1"/>
-          </a:lnRef>
-          <a:fillRef idx="0">
-            <a:schemeClr val="accent1"/>
-          </a:fillRef>
-          <a:effectRef idx="0">
-            <a:schemeClr val="accent1"/>
-          </a:effectRef>
-          <a:fontRef idx="minor">
-            <a:schemeClr val="tx1"/>
-          </a:fontRef>
-        </p:style>
-      </p:cxnSp>
-      <p:cxnSp>
-        <p:nvCxnSpPr>
-          <p:cNvPr id="51" name="直线箭头连接符 7" descr="jytjh">
-            <a:extLst>
-              <a:ext uri="{FF2B5EF4-FFF2-40B4-BE49-F238E27FC236}">
-                <a16:creationId xmlns:a16="http://schemas.microsoft.com/office/drawing/2014/main" id="{7F12A183-10BF-ABD8-78FA-F15754672AD7}"/>
-              </a:ext>
-            </a:extLst>
-          </p:cNvPr>
-          <p:cNvCxnSpPr>
-            <a:cxnSpLocks/>
-            <a:stCxn id="49" idx="1"/>
-            <a:endCxn id="48" idx="3"/>
-          </p:cNvCxnSpPr>
-          <p:nvPr/>
-        </p:nvCxnSpPr>
-        <p:spPr>
-          <a:xfrm flipH="1">
-            <a:off x="8190484" y="4928719"/>
-            <a:ext cx="1323056" cy="0"/>
-          </a:xfrm>
-          <a:prstGeom prst="straightConnector1">
-            <a:avLst/>
-          </a:prstGeom>
-          <a:ln w="25400">
-            <a:solidFill>
-              <a:schemeClr val="tx1"/>
-            </a:solidFill>
-            <a:headEnd type="none" w="sm" len="lg"/>
-            <a:tailEnd type="arrow" w="sm" len="lg"/>
-          </a:ln>
-        </p:spPr>
-        <p:style>
-          <a:lnRef idx="1">
-            <a:schemeClr val="accent1"/>
-          </a:lnRef>
-          <a:fillRef idx="0">
-            <a:schemeClr val="accent1"/>
-          </a:fillRef>
-          <a:effectRef idx="0">
-            <a:schemeClr val="accent1"/>
-          </a:effectRef>
-          <a:fontRef idx="minor">
-            <a:schemeClr val="tx1"/>
-          </a:fontRef>
-        </p:style>
-      </p:cxnSp>
-      <p:sp>
-        <p:nvSpPr>
-          <p:cNvPr id="52" name="矩形 9">
-            <a:extLst>
-              <a:ext uri="{FF2B5EF4-FFF2-40B4-BE49-F238E27FC236}">
-                <a16:creationId xmlns:a16="http://schemas.microsoft.com/office/drawing/2014/main" id="{4303A0ED-B67C-1082-2014-D57F0B4281A5}"/>
-              </a:ext>
-            </a:extLst>
-          </p:cNvPr>
-          <p:cNvSpPr/>
-          <p:nvPr/>
-        </p:nvSpPr>
-        <p:spPr>
-          <a:xfrm>
-            <a:off x="4049041" y="3131602"/>
-            <a:ext cx="1571557" cy="505147"/>
-          </a:xfrm>
-          <a:prstGeom prst="rect">
-            <a:avLst/>
-          </a:prstGeom>
-          <a:noFill/>
-          <a:ln w="25400">
-            <a:noFill/>
-          </a:ln>
-        </p:spPr>
-        <p:style>
-          <a:lnRef idx="2">
-            <a:schemeClr val="accent2">
-              <a:shade val="50000"/>
-            </a:schemeClr>
-          </a:lnRef>
-          <a:fillRef idx="1">
-            <a:schemeClr val="accent2"/>
-          </a:fillRef>
-          <a:effectRef idx="0">
-            <a:schemeClr val="accent2"/>
-          </a:effectRef>
-          <a:fontRef idx="minor">
-            <a:schemeClr val="lt1"/>
-          </a:fontRef>
-        </p:style>
-        <p:txBody>
-          <a:bodyPr rtlCol="0" anchor="ctr"/>
-          <a:lstStyle/>
-          <a:p>
-            <a:pPr algn="ctr"/>
-            <a:r>
-              <a:rPr kumimoji="1" lang="en-US" altLang="zh-CN" b="1" dirty="0">
-                <a:solidFill>
-                  <a:sysClr val="windowText" lastClr="000000"/>
-                </a:solidFill>
-              </a:rPr>
-              <a:t>…</a:t>
-            </a:r>
-            <a:endParaRPr kumimoji="1" lang="zh-CN" altLang="en-US" dirty="0">
-              <a:solidFill>
-                <a:sysClr val="windowText" lastClr="000000"/>
-              </a:solidFill>
-            </a:endParaRPr>
-          </a:p>
-        </p:txBody>
-      </p:sp>
-      <p:cxnSp>
-        <p:nvCxnSpPr>
-          <p:cNvPr id="60" name="直线箭头连接符 7" descr="jytjh">
-            <a:extLst>
-              <a:ext uri="{FF2B5EF4-FFF2-40B4-BE49-F238E27FC236}">
-                <a16:creationId xmlns:a16="http://schemas.microsoft.com/office/drawing/2014/main" id="{D98A0F09-4769-624A-2B16-0628E8D760EC}"/>
-              </a:ext>
-            </a:extLst>
-          </p:cNvPr>
-          <p:cNvCxnSpPr>
-            <a:cxnSpLocks/>
-            <a:stCxn id="6" idx="3"/>
-            <a:endCxn id="52" idx="1"/>
-          </p:cNvCxnSpPr>
-          <p:nvPr/>
-        </p:nvCxnSpPr>
-        <p:spPr>
-          <a:xfrm>
-            <a:off x="2450790" y="1839634"/>
-            <a:ext cx="1598251" cy="1544542"/>
-          </a:xfrm>
-          <a:prstGeom prst="straightConnector1">
-            <a:avLst/>
-          </a:prstGeom>
-          <a:ln w="25400">
-            <a:solidFill>
-              <a:schemeClr val="tx1"/>
-            </a:solidFill>
-            <a:headEnd type="none" w="sm" len="lg"/>
-            <a:tailEnd type="arrow" w="sm" len="lg"/>
-          </a:ln>
-        </p:spPr>
-        <p:style>
-          <a:lnRef idx="1">
-            <a:schemeClr val="accent1"/>
-          </a:lnRef>
-          <a:fillRef idx="0">
-            <a:schemeClr val="accent1"/>
-          </a:fillRef>
-          <a:effectRef idx="0">
-            <a:schemeClr val="accent1"/>
-          </a:effectRef>
-          <a:fontRef idx="minor">
-            <a:schemeClr val="tx1"/>
-          </a:fontRef>
-        </p:style>
-      </p:cxnSp>
-      <p:cxnSp>
-        <p:nvCxnSpPr>
-          <p:cNvPr id="63" name="直线箭头连接符 7" descr="jytjh">
-            <a:extLst>
-              <a:ext uri="{FF2B5EF4-FFF2-40B4-BE49-F238E27FC236}">
-                <a16:creationId xmlns:a16="http://schemas.microsoft.com/office/drawing/2014/main" id="{2CC2C003-DCCB-77E8-1121-C6983BEBE0C4}"/>
-              </a:ext>
-            </a:extLst>
-          </p:cNvPr>
-          <p:cNvCxnSpPr>
-            <a:cxnSpLocks/>
-            <a:stCxn id="6" idx="3"/>
-            <a:endCxn id="47" idx="1"/>
-          </p:cNvCxnSpPr>
-          <p:nvPr/>
-        </p:nvCxnSpPr>
-        <p:spPr>
-          <a:xfrm>
-            <a:off x="2450790" y="1839634"/>
-            <a:ext cx="1598251" cy="3089085"/>
-          </a:xfrm>
-          <a:prstGeom prst="straightConnector1">
-            <a:avLst/>
-          </a:prstGeom>
-          <a:ln w="25400">
-            <a:solidFill>
-              <a:schemeClr val="tx1"/>
-            </a:solidFill>
-            <a:headEnd type="none" w="sm" len="lg"/>
-            <a:tailEnd type="arrow" w="sm" len="lg"/>
-          </a:ln>
-        </p:spPr>
-        <p:style>
-          <a:lnRef idx="1">
-            <a:schemeClr val="accent1"/>
-          </a:lnRef>
-          <a:fillRef idx="0">
-            <a:schemeClr val="accent1"/>
-          </a:fillRef>
-          <a:effectRef idx="0">
-            <a:schemeClr val="accent1"/>
-          </a:effectRef>
-          <a:fontRef idx="minor">
-            <a:schemeClr val="tx1"/>
-          </a:fontRef>
-        </p:style>
-      </p:cxnSp>
-      <p:sp>
-        <p:nvSpPr>
-          <p:cNvPr id="66" name="文本框 8">
-            <a:extLst>
-              <a:ext uri="{FF2B5EF4-FFF2-40B4-BE49-F238E27FC236}">
-                <a16:creationId xmlns:a16="http://schemas.microsoft.com/office/drawing/2014/main" id="{3C41D794-086B-1185-ABB5-7FB13678F1C7}"/>
-              </a:ext>
-            </a:extLst>
-          </p:cNvPr>
-          <p:cNvSpPr txBox="1"/>
-          <p:nvPr/>
-        </p:nvSpPr>
-        <p:spPr>
-          <a:xfrm>
-            <a:off x="2658493" y="1530930"/>
-            <a:ext cx="1182845" cy="276999"/>
-          </a:xfrm>
-          <a:prstGeom prst="rect">
-            <a:avLst/>
-          </a:prstGeom>
-          <a:noFill/>
-        </p:spPr>
-        <p:txBody>
-          <a:bodyPr wrap="square" rtlCol="0">
-            <a:spAutoFit/>
-          </a:bodyPr>
-          <a:lstStyle/>
-          <a:p>
-            <a:pPr algn="ctr"/>
-            <a:r>
-              <a:rPr kumimoji="1" lang="en-US" altLang="zh-CN" sz="1200" b="1" dirty="0">
-                <a:latin typeface="DengXian" panose="02010600030101010101" pitchFamily="2" charset="-122"/>
-                <a:ea typeface="DengXian" panose="02010600030101010101" pitchFamily="2" charset="-122"/>
-              </a:rPr>
-              <a:t>edge1</a:t>
-            </a:r>
-            <a:r>
-              <a:rPr kumimoji="1" lang="zh-CN" altLang="en-US" sz="1200" dirty="0">
-                <a:latin typeface="DengXian" panose="02010600030101010101" pitchFamily="2" charset="-122"/>
-                <a:ea typeface="DengXian" panose="02010600030101010101" pitchFamily="2" charset="-122"/>
-              </a:rPr>
-              <a:t> </a:t>
-            </a:r>
-            <a:r>
-              <a:rPr kumimoji="1" lang="en-US" altLang="zh-CN" sz="1200" dirty="0">
-                <a:latin typeface="DengXian" panose="02010600030101010101" pitchFamily="2" charset="-122"/>
-                <a:ea typeface="DengXian" panose="02010600030101010101" pitchFamily="2" charset="-122"/>
-              </a:rPr>
-              <a:t>:</a:t>
-            </a:r>
-            <a:r>
-              <a:rPr kumimoji="1" lang="zh-CN" altLang="en-US" sz="1200" dirty="0">
-                <a:latin typeface="DengXian" panose="02010600030101010101" pitchFamily="2" charset="-122"/>
-                <a:ea typeface="DengXian" panose="02010600030101010101" pitchFamily="2" charset="-122"/>
-              </a:rPr>
-              <a:t> </a:t>
-            </a:r>
-            <a:r>
-              <a:rPr kumimoji="1" lang="en-US" altLang="zh-CN" sz="1200" dirty="0">
-                <a:latin typeface="DengXian" panose="02010600030101010101" pitchFamily="2" charset="-122"/>
-                <a:ea typeface="DengXian" panose="02010600030101010101" pitchFamily="2" charset="-122"/>
-              </a:rPr>
-              <a:t>own</a:t>
-            </a:r>
-          </a:p>
-        </p:txBody>
-      </p:sp>
-      <p:sp>
-        <p:nvSpPr>
-          <p:cNvPr id="67" name="文本框 8">
-            <a:extLst>
-              <a:ext uri="{FF2B5EF4-FFF2-40B4-BE49-F238E27FC236}">
-                <a16:creationId xmlns:a16="http://schemas.microsoft.com/office/drawing/2014/main" id="{F1CDB9D1-A8A6-C607-50FD-C4997AFA2929}"/>
-              </a:ext>
-            </a:extLst>
-          </p:cNvPr>
-          <p:cNvSpPr txBox="1"/>
-          <p:nvPr/>
-        </p:nvSpPr>
-        <p:spPr>
-          <a:xfrm>
-            <a:off x="8503057" y="1548600"/>
-            <a:ext cx="1030450" cy="276999"/>
-          </a:xfrm>
-          <a:prstGeom prst="rect">
-            <a:avLst/>
-          </a:prstGeom>
-          <a:noFill/>
-        </p:spPr>
-        <p:txBody>
-          <a:bodyPr wrap="square" rtlCol="0">
-            <a:spAutoFit/>
-          </a:bodyPr>
-          <a:lstStyle/>
-          <a:p>
-            <a:pPr algn="ctr"/>
-            <a:r>
-              <a:rPr kumimoji="1" lang="en-US" altLang="zh-CN" sz="1200" b="1" dirty="0">
-                <a:latin typeface="DengXian" panose="02010600030101010101" pitchFamily="2" charset="-122"/>
-                <a:ea typeface="DengXian" panose="02010600030101010101" pitchFamily="2" charset="-122"/>
-              </a:rPr>
-              <a:t>edge3</a:t>
-            </a:r>
-            <a:r>
-              <a:rPr kumimoji="1" lang="zh-CN" altLang="en-US" sz="1200" dirty="0">
-                <a:latin typeface="DengXian" panose="02010600030101010101" pitchFamily="2" charset="-122"/>
-                <a:ea typeface="DengXian" panose="02010600030101010101" pitchFamily="2" charset="-122"/>
-              </a:rPr>
-              <a:t> </a:t>
-            </a:r>
-            <a:r>
-              <a:rPr kumimoji="1" lang="en-US" altLang="zh-CN" sz="1200" dirty="0">
-                <a:latin typeface="DengXian" panose="02010600030101010101" pitchFamily="2" charset="-122"/>
-                <a:ea typeface="DengXian" panose="02010600030101010101" pitchFamily="2" charset="-122"/>
-              </a:rPr>
-              <a:t>:</a:t>
-            </a:r>
-            <a:r>
-              <a:rPr kumimoji="1" lang="zh-CN" altLang="en-US" sz="1200" dirty="0">
-                <a:latin typeface="DengXian" panose="02010600030101010101" pitchFamily="2" charset="-122"/>
-                <a:ea typeface="DengXian" panose="02010600030101010101" pitchFamily="2" charset="-122"/>
-              </a:rPr>
-              <a:t> </a:t>
-            </a:r>
-            <a:r>
-              <a:rPr kumimoji="1" lang="en-US" altLang="zh-CN" sz="1200" dirty="0">
-                <a:latin typeface="DengXian" panose="02010600030101010101" pitchFamily="2" charset="-122"/>
-                <a:ea typeface="DengXian" panose="02010600030101010101" pitchFamily="2" charset="-122"/>
-              </a:rPr>
-              <a:t>own</a:t>
-            </a:r>
-          </a:p>
-        </p:txBody>
-      </p:sp>
-      <p:sp>
-        <p:nvSpPr>
-          <p:cNvPr id="68" name="文本框 8">
-            <a:extLst>
-              <a:ext uri="{FF2B5EF4-FFF2-40B4-BE49-F238E27FC236}">
-                <a16:creationId xmlns:a16="http://schemas.microsoft.com/office/drawing/2014/main" id="{A3400F3A-68D6-FF26-8510-B807D5B5DDD4}"/>
-              </a:ext>
-            </a:extLst>
-          </p:cNvPr>
-          <p:cNvSpPr txBox="1"/>
-          <p:nvPr/>
-        </p:nvSpPr>
-        <p:spPr>
-          <a:xfrm>
-            <a:off x="5620598" y="1538210"/>
-            <a:ext cx="842880" cy="276999"/>
-          </a:xfrm>
-          <a:prstGeom prst="rect">
-            <a:avLst/>
-          </a:prstGeom>
-          <a:noFill/>
-        </p:spPr>
-        <p:txBody>
-          <a:bodyPr wrap="square" rtlCol="0">
-            <a:spAutoFit/>
-          </a:bodyPr>
-          <a:lstStyle/>
-          <a:p>
-            <a:pPr algn="ctr"/>
-            <a:r>
-              <a:rPr kumimoji="1" lang="en-US" altLang="zh-CN" sz="1200" b="1" dirty="0">
-                <a:latin typeface="DengXian" panose="02010600030101010101" pitchFamily="2" charset="-122"/>
-                <a:ea typeface="DengXian" panose="02010600030101010101" pitchFamily="2" charset="-122"/>
-              </a:rPr>
-              <a:t>edge2</a:t>
-            </a:r>
-            <a:r>
-              <a:rPr kumimoji="1" lang="zh-CN" altLang="en-US" sz="1200" dirty="0">
-                <a:latin typeface="DengXian" panose="02010600030101010101" pitchFamily="2" charset="-122"/>
-                <a:ea typeface="DengXian" panose="02010600030101010101" pitchFamily="2" charset="-122"/>
-              </a:rPr>
-              <a:t> </a:t>
-            </a:r>
-            <a:endParaRPr kumimoji="1" lang="en-US" altLang="zh-CN" sz="1200" dirty="0">
-              <a:latin typeface="DengXian" panose="02010600030101010101" pitchFamily="2" charset="-122"/>
-              <a:ea typeface="DengXian" panose="02010600030101010101" pitchFamily="2" charset="-122"/>
-            </a:endParaRPr>
-          </a:p>
-        </p:txBody>
-      </p:sp>
-      <p:sp>
-        <p:nvSpPr>
-          <p:cNvPr id="70" name="矩形 10">
-            <a:extLst>
-              <a:ext uri="{FF2B5EF4-FFF2-40B4-BE49-F238E27FC236}">
-                <a16:creationId xmlns:a16="http://schemas.microsoft.com/office/drawing/2014/main" id="{1DD588E6-58D9-583F-3E69-5CFEC5B5BEF4}"/>
-              </a:ext>
-            </a:extLst>
-          </p:cNvPr>
-          <p:cNvSpPr/>
-          <p:nvPr/>
-        </p:nvSpPr>
-        <p:spPr>
-          <a:xfrm>
-            <a:off x="6618926" y="3646450"/>
-            <a:ext cx="1571558" cy="505147"/>
-          </a:xfrm>
-          <a:prstGeom prst="rect">
-            <a:avLst/>
-          </a:prstGeom>
-          <a:solidFill>
-            <a:schemeClr val="accent6">
-              <a:lumMod val="60000"/>
-              <a:lumOff val="40000"/>
-            </a:schemeClr>
-          </a:solidFill>
-          <a:ln w="25400">
-            <a:solidFill>
-              <a:schemeClr val="tx1"/>
-            </a:solidFill>
-          </a:ln>
-        </p:spPr>
-        <p:style>
-          <a:lnRef idx="2">
-            <a:schemeClr val="accent2">
-              <a:shade val="50000"/>
-            </a:schemeClr>
-          </a:lnRef>
-          <a:fillRef idx="1">
-            <a:schemeClr val="accent2"/>
-          </a:fillRef>
-          <a:effectRef idx="0">
-            <a:schemeClr val="accent2"/>
-          </a:effectRef>
-          <a:fontRef idx="minor">
-            <a:schemeClr val="lt1"/>
-          </a:fontRef>
-        </p:style>
-        <p:txBody>
-          <a:bodyPr rtlCol="0" anchor="ctr"/>
-          <a:lstStyle/>
-          <a:p>
-            <a:pPr algn="ctr"/>
-            <a:r>
-              <a:rPr kumimoji="1" lang="en-US" altLang="zh-CN" sz="1200" b="1" dirty="0" err="1">
-                <a:solidFill>
-                  <a:sysClr val="windowText" lastClr="000000"/>
-                </a:solidFill>
-              </a:rPr>
-              <a:t>compAcc</a:t>
-            </a:r>
-            <a:r>
-              <a:rPr kumimoji="1" lang="zh-CN" altLang="en-US" sz="1200" dirty="0">
-                <a:solidFill>
-                  <a:sysClr val="windowText" lastClr="000000"/>
-                </a:solidFill>
-              </a:rPr>
-              <a:t> </a:t>
-            </a:r>
-            <a:r>
-              <a:rPr kumimoji="1" lang="en-US" altLang="zh-CN" sz="1200" dirty="0">
-                <a:solidFill>
-                  <a:sysClr val="windowText" lastClr="000000"/>
-                </a:solidFill>
-              </a:rPr>
-              <a:t>:</a:t>
-            </a:r>
-            <a:r>
-              <a:rPr kumimoji="1" lang="zh-CN" altLang="en-US" sz="1200" dirty="0">
-                <a:solidFill>
-                  <a:sysClr val="windowText" lastClr="000000"/>
-                </a:solidFill>
-              </a:rPr>
-              <a:t> </a:t>
-            </a:r>
-            <a:r>
-              <a:rPr kumimoji="1" lang="en-US" altLang="zh-CN" sz="1200" dirty="0">
-                <a:solidFill>
-                  <a:sysClr val="windowText" lastClr="000000"/>
-                </a:solidFill>
-              </a:rPr>
-              <a:t>Account</a:t>
-            </a:r>
-            <a:endParaRPr kumimoji="1" lang="zh-CN" altLang="en-US" sz="1200" dirty="0">
-              <a:solidFill>
-                <a:sysClr val="windowText" lastClr="000000"/>
-              </a:solidFill>
-            </a:endParaRPr>
-          </a:p>
-        </p:txBody>
-      </p:sp>
-      <p:sp>
-        <p:nvSpPr>
-          <p:cNvPr id="71" name="矩形 5">
-            <a:extLst>
-              <a:ext uri="{FF2B5EF4-FFF2-40B4-BE49-F238E27FC236}">
-                <a16:creationId xmlns:a16="http://schemas.microsoft.com/office/drawing/2014/main" id="{EFD481D0-FFD7-F3EC-5AA2-F652019183EC}"/>
-              </a:ext>
-            </a:extLst>
-          </p:cNvPr>
-          <p:cNvSpPr/>
-          <p:nvPr/>
-        </p:nvSpPr>
-        <p:spPr>
-          <a:xfrm>
-            <a:off x="9513540" y="3650097"/>
-            <a:ext cx="1571558" cy="505147"/>
-          </a:xfrm>
-          <a:prstGeom prst="rect">
-            <a:avLst/>
-          </a:prstGeom>
-          <a:solidFill>
-            <a:schemeClr val="accent5">
-              <a:lumMod val="60000"/>
-              <a:lumOff val="40000"/>
-            </a:schemeClr>
-          </a:solidFill>
-          <a:ln w="25400">
-            <a:solidFill>
-              <a:schemeClr val="tx1"/>
-            </a:solidFill>
-          </a:ln>
-        </p:spPr>
-        <p:style>
-          <a:lnRef idx="2">
-            <a:schemeClr val="accent2">
-              <a:shade val="50000"/>
-            </a:schemeClr>
-          </a:lnRef>
-          <a:fillRef idx="1">
-            <a:schemeClr val="accent2"/>
-          </a:fillRef>
-          <a:effectRef idx="0">
-            <a:schemeClr val="accent2"/>
-          </a:effectRef>
-          <a:fontRef idx="minor">
-            <a:schemeClr val="lt1"/>
-          </a:fontRef>
-        </p:style>
-        <p:txBody>
-          <a:bodyPr rtlCol="0" anchor="ctr"/>
-          <a:lstStyle/>
-          <a:p>
-            <a:pPr algn="ctr"/>
-            <a:r>
-              <a:rPr kumimoji="1" lang="en-US" altLang="zh-CN" sz="1200" b="1" dirty="0">
-                <a:solidFill>
-                  <a:sysClr val="windowText" lastClr="000000"/>
-                </a:solidFill>
-              </a:rPr>
-              <a:t>company</a:t>
-            </a:r>
-            <a:r>
-              <a:rPr kumimoji="1" lang="zh-CN" altLang="en-US" sz="1200" dirty="0">
-                <a:solidFill>
-                  <a:sysClr val="windowText" lastClr="000000"/>
-                </a:solidFill>
-              </a:rPr>
-              <a:t> </a:t>
-            </a:r>
-            <a:r>
-              <a:rPr kumimoji="1" lang="en-US" altLang="zh-CN" sz="1200" dirty="0">
-                <a:solidFill>
-                  <a:sysClr val="windowText" lastClr="000000"/>
-                </a:solidFill>
-              </a:rPr>
-              <a:t>:</a:t>
-            </a:r>
-            <a:r>
-              <a:rPr kumimoji="1" lang="zh-CN" altLang="en-US" sz="1200" dirty="0">
-                <a:solidFill>
-                  <a:sysClr val="windowText" lastClr="000000"/>
-                </a:solidFill>
-              </a:rPr>
-              <a:t> </a:t>
-            </a:r>
-            <a:r>
-              <a:rPr kumimoji="1" lang="en-US" altLang="zh-CN" sz="1200" dirty="0">
-                <a:solidFill>
-                  <a:sysClr val="windowText" lastClr="000000"/>
-                </a:solidFill>
-              </a:rPr>
-              <a:t>Company</a:t>
-            </a:r>
-            <a:endParaRPr kumimoji="1" lang="zh-CN" altLang="en-US" sz="1200" dirty="0">
-              <a:solidFill>
-                <a:sysClr val="windowText" lastClr="000000"/>
-              </a:solidFill>
-            </a:endParaRPr>
-          </a:p>
-        </p:txBody>
-      </p:sp>
-      <p:cxnSp>
-        <p:nvCxnSpPr>
-          <p:cNvPr id="72" name="直线箭头连接符 7" descr="jytjh">
-            <a:extLst>
-              <a:ext uri="{FF2B5EF4-FFF2-40B4-BE49-F238E27FC236}">
-                <a16:creationId xmlns:a16="http://schemas.microsoft.com/office/drawing/2014/main" id="{C5642806-F830-15CF-E685-1DD3AD50CC95}"/>
-              </a:ext>
-            </a:extLst>
-          </p:cNvPr>
-          <p:cNvCxnSpPr>
-            <a:cxnSpLocks/>
-            <a:stCxn id="71" idx="1"/>
-            <a:endCxn id="70" idx="3"/>
-          </p:cNvCxnSpPr>
-          <p:nvPr/>
-        </p:nvCxnSpPr>
-        <p:spPr>
-          <a:xfrm flipH="1" flipV="1">
-            <a:off x="8190484" y="3899024"/>
-            <a:ext cx="1323056" cy="3647"/>
-          </a:xfrm>
-          <a:prstGeom prst="straightConnector1">
-            <a:avLst/>
-          </a:prstGeom>
-          <a:ln w="25400">
-            <a:solidFill>
-              <a:schemeClr val="tx1"/>
-            </a:solidFill>
-            <a:headEnd type="none" w="sm" len="lg"/>
-            <a:tailEnd type="arrow" w="sm" len="lg"/>
-          </a:ln>
-        </p:spPr>
-        <p:style>
-          <a:lnRef idx="1">
-            <a:schemeClr val="accent1"/>
-          </a:lnRef>
-          <a:fillRef idx="0">
-            <a:schemeClr val="accent1"/>
-          </a:fillRef>
-          <a:effectRef idx="0">
-            <a:schemeClr val="accent1"/>
-          </a:effectRef>
-          <a:fontRef idx="minor">
-            <a:schemeClr val="tx1"/>
-          </a:fontRef>
-        </p:style>
-      </p:cxnSp>
-      <p:cxnSp>
-        <p:nvCxnSpPr>
-          <p:cNvPr id="75" name="直线箭头连接符 7" descr="jytjh">
-            <a:extLst>
-              <a:ext uri="{FF2B5EF4-FFF2-40B4-BE49-F238E27FC236}">
-                <a16:creationId xmlns:a16="http://schemas.microsoft.com/office/drawing/2014/main" id="{FF8C5063-1D8F-1AD7-4211-E94E168BB628}"/>
-              </a:ext>
-            </a:extLst>
-          </p:cNvPr>
-          <p:cNvCxnSpPr>
-            <a:cxnSpLocks/>
-            <a:stCxn id="10" idx="3"/>
-            <a:endCxn id="70" idx="1"/>
-          </p:cNvCxnSpPr>
-          <p:nvPr/>
-        </p:nvCxnSpPr>
-        <p:spPr>
-          <a:xfrm>
-            <a:off x="5620598" y="1839634"/>
-            <a:ext cx="998328" cy="2059390"/>
-          </a:xfrm>
-          <a:prstGeom prst="straightConnector1">
-            <a:avLst/>
-          </a:prstGeom>
-          <a:ln w="25400">
-            <a:solidFill>
-              <a:schemeClr val="tx1"/>
-            </a:solidFill>
-            <a:headEnd type="none" w="sm" len="lg"/>
-            <a:tailEnd type="arrow" w="sm" len="lg"/>
-          </a:ln>
-        </p:spPr>
-        <p:style>
-          <a:lnRef idx="1">
-            <a:schemeClr val="accent1"/>
-          </a:lnRef>
-          <a:fillRef idx="0">
-            <a:schemeClr val="accent1"/>
-          </a:fillRef>
-          <a:effectRef idx="0">
-            <a:schemeClr val="accent1"/>
-          </a:effectRef>
-          <a:fontRef idx="minor">
-            <a:schemeClr val="tx1"/>
-          </a:fontRef>
-        </p:style>
-      </p:cxnSp>
-      <p:sp>
-        <p:nvSpPr>
-          <p:cNvPr id="78" name="矩形 9">
-            <a:extLst>
-              <a:ext uri="{FF2B5EF4-FFF2-40B4-BE49-F238E27FC236}">
-                <a16:creationId xmlns:a16="http://schemas.microsoft.com/office/drawing/2014/main" id="{C00CDC5C-03C3-C2D5-24A6-DEE3D383EC41}"/>
-              </a:ext>
-            </a:extLst>
-          </p:cNvPr>
-          <p:cNvSpPr/>
-          <p:nvPr/>
-        </p:nvSpPr>
-        <p:spPr>
-          <a:xfrm>
-            <a:off x="6618926" y="2611974"/>
-            <a:ext cx="1571557" cy="505147"/>
-          </a:xfrm>
-          <a:prstGeom prst="rect">
-            <a:avLst/>
-          </a:prstGeom>
-          <a:noFill/>
-          <a:ln w="25400">
-            <a:noFill/>
-          </a:ln>
-        </p:spPr>
-        <p:style>
-          <a:lnRef idx="2">
-            <a:schemeClr val="accent2">
-              <a:shade val="50000"/>
-            </a:schemeClr>
-          </a:lnRef>
-          <a:fillRef idx="1">
-            <a:schemeClr val="accent2"/>
-          </a:fillRef>
-          <a:effectRef idx="0">
-            <a:schemeClr val="accent2"/>
-          </a:effectRef>
-          <a:fontRef idx="minor">
-            <a:schemeClr val="lt1"/>
-          </a:fontRef>
-        </p:style>
-        <p:txBody>
-          <a:bodyPr rtlCol="0" anchor="ctr"/>
-          <a:lstStyle/>
-          <a:p>
-            <a:pPr algn="ctr"/>
-            <a:r>
-              <a:rPr kumimoji="1" lang="en-US" altLang="zh-CN" b="1" dirty="0">
-                <a:solidFill>
-                  <a:sysClr val="windowText" lastClr="000000"/>
-                </a:solidFill>
-              </a:rPr>
-              <a:t>…</a:t>
-            </a:r>
-            <a:endParaRPr kumimoji="1" lang="zh-CN" altLang="en-US" dirty="0">
-              <a:solidFill>
-                <a:sysClr val="windowText" lastClr="000000"/>
-              </a:solidFill>
-            </a:endParaRPr>
-          </a:p>
-        </p:txBody>
-      </p:sp>
     </p:spTree>
     <p:extLst>
       <p:ext uri="{BB962C8B-B14F-4D97-AF65-F5344CB8AC3E}">

--- a/patterns/transaction-complex-read.pptx
+++ b/patterns/transaction-complex-read.pptx
@@ -211,7 +211,7 @@
           <a:p>
             <a:fld id="{CAD4BD24-A097-4F9D-85E9-6A2A24CA2D98}" type="datetimeFigureOut">
               <a:rPr lang="zh-CN" altLang="en-US" smtClean="0"/>
-              <a:t>2022/11/14</a:t>
+              <a:t>2022/11/16</a:t>
             </a:fld>
             <a:endParaRPr lang="zh-CN" altLang="en-US"/>
           </a:p>
@@ -2500,599 +2500,12 @@
           <a:chExt cx="0" cy="0"/>
         </a:xfrm>
       </p:grpSpPr>
-      <p:sp>
-        <p:nvSpPr>
-          <p:cNvPr id="13" name="文本框 12">
+      <p:grpSp>
+        <p:nvGrpSpPr>
+          <p:cNvPr id="30" name="Group 29">
             <a:extLst>
               <a:ext uri="{FF2B5EF4-FFF2-40B4-BE49-F238E27FC236}">
-                <a16:creationId xmlns:a16="http://schemas.microsoft.com/office/drawing/2014/main" id="{7BD87ED3-36EC-9647-9846-B9494C64D391}"/>
-              </a:ext>
-            </a:extLst>
-          </p:cNvPr>
-          <p:cNvSpPr txBox="1"/>
-          <p:nvPr/>
-        </p:nvSpPr>
-        <p:spPr>
-          <a:xfrm>
-            <a:off x="6315061" y="608473"/>
-            <a:ext cx="2321796" cy="646331"/>
-          </a:xfrm>
-          <a:prstGeom prst="rect">
-            <a:avLst/>
-          </a:prstGeom>
-          <a:noFill/>
-        </p:spPr>
-        <p:txBody>
-          <a:bodyPr wrap="square" rtlCol="0">
-            <a:spAutoFit/>
-          </a:bodyPr>
-          <a:lstStyle/>
-          <a:p>
-            <a:pPr algn="ctr"/>
-            <a:r>
-              <a:rPr kumimoji="1" lang="en-US" altLang="zh-CN" sz="1200" b="1" dirty="0">
-                <a:latin typeface="DengXian" panose="02010600030101010101" pitchFamily="2" charset="-122"/>
-                <a:ea typeface="DengXian" panose="02010600030101010101" pitchFamily="2" charset="-122"/>
-              </a:rPr>
-              <a:t>edge2</a:t>
-            </a:r>
-            <a:r>
-              <a:rPr kumimoji="1" lang="zh-CN" altLang="en-US" sz="1200" dirty="0">
-                <a:latin typeface="DengXian" panose="02010600030101010101" pitchFamily="2" charset="-122"/>
-                <a:ea typeface="DengXian" panose="02010600030101010101" pitchFamily="2" charset="-122"/>
-              </a:rPr>
-              <a:t> </a:t>
-            </a:r>
-            <a:r>
-              <a:rPr kumimoji="1" lang="en-US" altLang="zh-CN" sz="1200" dirty="0">
-                <a:latin typeface="DengXian" panose="02010600030101010101" pitchFamily="2" charset="-122"/>
-                <a:ea typeface="DengXian" panose="02010600030101010101" pitchFamily="2" charset="-122"/>
-              </a:rPr>
-              <a:t>:</a:t>
-            </a:r>
-            <a:r>
-              <a:rPr kumimoji="1" lang="zh-CN" altLang="en-US" sz="1200" dirty="0">
-                <a:latin typeface="DengXian" panose="02010600030101010101" pitchFamily="2" charset="-122"/>
-                <a:ea typeface="DengXian" panose="02010600030101010101" pitchFamily="2" charset="-122"/>
-              </a:rPr>
-              <a:t> </a:t>
-            </a:r>
-            <a:r>
-              <a:rPr kumimoji="1" lang="en-US" altLang="zh-CN" sz="1200" dirty="0" err="1">
-                <a:latin typeface="DengXian" panose="02010600030101010101" pitchFamily="2" charset="-122"/>
-                <a:ea typeface="DengXian" panose="02010600030101010101" pitchFamily="2" charset="-122"/>
-              </a:rPr>
-              <a:t>signIn</a:t>
-            </a:r>
-            <a:endParaRPr kumimoji="1" lang="en-US" altLang="zh-CN" sz="1200" b="1" dirty="0">
-              <a:latin typeface="DengXian" panose="02010600030101010101" pitchFamily="2" charset="-122"/>
-              <a:ea typeface="DengXian" panose="02010600030101010101" pitchFamily="2" charset="-122"/>
-            </a:endParaRPr>
-          </a:p>
-          <a:p>
-            <a:pPr algn="ctr"/>
-            <a:r>
-              <a:rPr kumimoji="1" lang="en-US" altLang="zh-CN" sz="1200" b="1" dirty="0">
-                <a:latin typeface="DengXian" panose="02010600030101010101" pitchFamily="2" charset="-122"/>
-                <a:ea typeface="DengXian" panose="02010600030101010101" pitchFamily="2" charset="-122"/>
-              </a:rPr>
-              <a:t>edge2</a:t>
-            </a:r>
-            <a:r>
-              <a:rPr kumimoji="1" lang="en-US" altLang="zh-CN" sz="1200" dirty="0">
-                <a:latin typeface="DengXian" panose="02010600030101010101" pitchFamily="2" charset="-122"/>
-                <a:ea typeface="DengXian" panose="02010600030101010101" pitchFamily="2" charset="-122"/>
-              </a:rPr>
-              <a:t>.timestamp</a:t>
-            </a:r>
-            <a:r>
-              <a:rPr kumimoji="1" lang="zh-CN" altLang="en-US" sz="1200" dirty="0">
-                <a:latin typeface="DengXian" panose="02010600030101010101" pitchFamily="2" charset="-122"/>
-                <a:ea typeface="DengXian" panose="02010600030101010101" pitchFamily="2" charset="-122"/>
-              </a:rPr>
-              <a:t> </a:t>
-            </a:r>
-            <a:r>
-              <a:rPr kumimoji="1" lang="en-US" altLang="zh-CN" sz="1200" dirty="0">
-                <a:latin typeface="DengXian" panose="02010600030101010101" pitchFamily="2" charset="-122"/>
-                <a:ea typeface="DengXian" panose="02010600030101010101" pitchFamily="2" charset="-122"/>
-              </a:rPr>
-              <a:t>&gt;</a:t>
-            </a:r>
-            <a:r>
-              <a:rPr kumimoji="1" lang="zh-CN" altLang="en-US" sz="1200" dirty="0">
-                <a:latin typeface="DengXian" panose="02010600030101010101" pitchFamily="2" charset="-122"/>
-                <a:ea typeface="DengXian" panose="02010600030101010101" pitchFamily="2" charset="-122"/>
-              </a:rPr>
-              <a:t> </a:t>
-            </a:r>
-            <a:r>
-              <a:rPr kumimoji="1" lang="en-US" altLang="zh-CN" sz="1200" dirty="0">
-                <a:latin typeface="DengXian" panose="02010600030101010101" pitchFamily="2" charset="-122"/>
-                <a:ea typeface="DengXian" panose="02010600030101010101" pitchFamily="2" charset="-122"/>
-              </a:rPr>
-              <a:t>${</a:t>
-            </a:r>
-            <a:r>
-              <a:rPr kumimoji="1" lang="en-US" altLang="zh-CN" sz="1200" dirty="0" err="1">
-                <a:latin typeface="DengXian" panose="02010600030101010101" pitchFamily="2" charset="-122"/>
-                <a:ea typeface="DengXian" panose="02010600030101010101" pitchFamily="2" charset="-122"/>
-              </a:rPr>
-              <a:t>start_time</a:t>
-            </a:r>
-            <a:r>
-              <a:rPr kumimoji="1" lang="en-US" altLang="zh-CN" sz="1200" dirty="0">
-                <a:latin typeface="DengXian" panose="02010600030101010101" pitchFamily="2" charset="-122"/>
-                <a:ea typeface="DengXian" panose="02010600030101010101" pitchFamily="2" charset="-122"/>
-              </a:rPr>
-              <a:t>}</a:t>
-            </a:r>
-          </a:p>
-          <a:p>
-            <a:pPr algn="ctr"/>
-            <a:r>
-              <a:rPr kumimoji="1" lang="en-US" altLang="zh-CN" sz="1200" b="1" dirty="0">
-                <a:latin typeface="DengXian" panose="02010600030101010101" pitchFamily="2" charset="-122"/>
-                <a:ea typeface="DengXian" panose="02010600030101010101" pitchFamily="2" charset="-122"/>
-              </a:rPr>
-              <a:t>edge2</a:t>
-            </a:r>
-            <a:r>
-              <a:rPr kumimoji="1" lang="en-US" altLang="zh-CN" sz="1200" dirty="0">
-                <a:latin typeface="DengXian" panose="02010600030101010101" pitchFamily="2" charset="-122"/>
-                <a:ea typeface="DengXian" panose="02010600030101010101" pitchFamily="2" charset="-122"/>
-              </a:rPr>
-              <a:t>.timestamp</a:t>
-            </a:r>
-            <a:r>
-              <a:rPr kumimoji="1" lang="zh-CN" altLang="en-US" sz="1200" dirty="0">
-                <a:latin typeface="DengXian" panose="02010600030101010101" pitchFamily="2" charset="-122"/>
-                <a:ea typeface="DengXian" panose="02010600030101010101" pitchFamily="2" charset="-122"/>
-              </a:rPr>
-              <a:t> </a:t>
-            </a:r>
-            <a:r>
-              <a:rPr kumimoji="1" lang="en-US" altLang="zh-CN" sz="1200" dirty="0">
-                <a:latin typeface="DengXian" panose="02010600030101010101" pitchFamily="2" charset="-122"/>
-                <a:ea typeface="DengXian" panose="02010600030101010101" pitchFamily="2" charset="-122"/>
-              </a:rPr>
-              <a:t>&lt;</a:t>
-            </a:r>
-            <a:r>
-              <a:rPr kumimoji="1" lang="zh-CN" altLang="en-US" sz="1200" dirty="0">
-                <a:latin typeface="DengXian" panose="02010600030101010101" pitchFamily="2" charset="-122"/>
-                <a:ea typeface="DengXian" panose="02010600030101010101" pitchFamily="2" charset="-122"/>
-              </a:rPr>
-              <a:t> </a:t>
-            </a:r>
-            <a:r>
-              <a:rPr kumimoji="1" lang="en-US" altLang="zh-CN" sz="1200" dirty="0">
-                <a:latin typeface="DengXian" panose="02010600030101010101" pitchFamily="2" charset="-122"/>
-                <a:ea typeface="DengXian" panose="02010600030101010101" pitchFamily="2" charset="-122"/>
-              </a:rPr>
-              <a:t>${</a:t>
-            </a:r>
-            <a:r>
-              <a:rPr kumimoji="1" lang="en-US" altLang="zh-CN" sz="1200" dirty="0" err="1">
-                <a:latin typeface="DengXian" panose="02010600030101010101" pitchFamily="2" charset="-122"/>
-                <a:ea typeface="DengXian" panose="02010600030101010101" pitchFamily="2" charset="-122"/>
-              </a:rPr>
-              <a:t>end_time</a:t>
-            </a:r>
-            <a:r>
-              <a:rPr kumimoji="1" lang="en-US" altLang="zh-CN" sz="1200" dirty="0">
-                <a:latin typeface="DengXian" panose="02010600030101010101" pitchFamily="2" charset="-122"/>
-                <a:ea typeface="DengXian" panose="02010600030101010101" pitchFamily="2" charset="-122"/>
-              </a:rPr>
-              <a:t>}</a:t>
-            </a:r>
-          </a:p>
-        </p:txBody>
-      </p:sp>
-      <p:sp>
-        <p:nvSpPr>
-          <p:cNvPr id="7" name="文本框 6">
-            <a:extLst>
-              <a:ext uri="{FF2B5EF4-FFF2-40B4-BE49-F238E27FC236}">
-                <a16:creationId xmlns:a16="http://schemas.microsoft.com/office/drawing/2014/main" id="{0C070550-81EF-2745-A5EA-019C75F6F423}"/>
-              </a:ext>
-            </a:extLst>
-          </p:cNvPr>
-          <p:cNvSpPr txBox="1"/>
-          <p:nvPr/>
-        </p:nvSpPr>
-        <p:spPr>
-          <a:xfrm>
-            <a:off x="1819656" y="1620185"/>
-            <a:ext cx="2420289" cy="646331"/>
-          </a:xfrm>
-          <a:prstGeom prst="rect">
-            <a:avLst/>
-          </a:prstGeom>
-          <a:noFill/>
-        </p:spPr>
-        <p:txBody>
-          <a:bodyPr wrap="square" rtlCol="0">
-            <a:spAutoFit/>
-          </a:bodyPr>
-          <a:lstStyle/>
-          <a:p>
-            <a:pPr algn="ctr"/>
-            <a:r>
-              <a:rPr kumimoji="1" lang="en-US" altLang="zh-CN" sz="1200" b="1" dirty="0">
-                <a:latin typeface="DengXian" panose="02010600030101010101" pitchFamily="2" charset="-122"/>
-                <a:ea typeface="DengXian" panose="02010600030101010101" pitchFamily="2" charset="-122"/>
-              </a:rPr>
-              <a:t>edge1</a:t>
-            </a:r>
-            <a:r>
-              <a:rPr kumimoji="1" lang="zh-CN" altLang="en-US" sz="1200" dirty="0">
-                <a:latin typeface="DengXian" panose="02010600030101010101" pitchFamily="2" charset="-122"/>
-                <a:ea typeface="DengXian" panose="02010600030101010101" pitchFamily="2" charset="-122"/>
-              </a:rPr>
-              <a:t> </a:t>
-            </a:r>
-            <a:r>
-              <a:rPr kumimoji="1" lang="en-US" altLang="zh-CN" sz="1200" dirty="0">
-                <a:latin typeface="DengXian" panose="02010600030101010101" pitchFamily="2" charset="-122"/>
-                <a:ea typeface="DengXian" panose="02010600030101010101" pitchFamily="2" charset="-122"/>
-              </a:rPr>
-              <a:t>:</a:t>
-            </a:r>
-            <a:r>
-              <a:rPr kumimoji="1" lang="zh-CN" altLang="en-US" sz="1200" dirty="0">
-                <a:latin typeface="DengXian" panose="02010600030101010101" pitchFamily="2" charset="-122"/>
-                <a:ea typeface="DengXian" panose="02010600030101010101" pitchFamily="2" charset="-122"/>
-              </a:rPr>
-              <a:t> </a:t>
-            </a:r>
-            <a:r>
-              <a:rPr kumimoji="1" lang="en-US" altLang="zh-CN" sz="1200" dirty="0">
-                <a:latin typeface="DengXian" panose="02010600030101010101" pitchFamily="2" charset="-122"/>
-                <a:ea typeface="DengXian" panose="02010600030101010101" pitchFamily="2" charset="-122"/>
-              </a:rPr>
-              <a:t>transfer</a:t>
-            </a:r>
-            <a:r>
-              <a:rPr kumimoji="1" lang="zh-CN" altLang="en-US" sz="1200" b="1" dirty="0">
-                <a:latin typeface="DengXian" panose="02010600030101010101" pitchFamily="2" charset="-122"/>
-                <a:ea typeface="DengXian" panose="02010600030101010101" pitchFamily="2" charset="-122"/>
-              </a:rPr>
-              <a:t> *</a:t>
-            </a:r>
-            <a:r>
-              <a:rPr kumimoji="1" lang="en-US" altLang="zh-CN" sz="1200" b="1" dirty="0">
-                <a:latin typeface="DengXian" panose="02010600030101010101" pitchFamily="2" charset="-122"/>
-                <a:ea typeface="DengXian" panose="02010600030101010101" pitchFamily="2" charset="-122"/>
-              </a:rPr>
-              <a:t>..3</a:t>
-            </a:r>
-            <a:endParaRPr kumimoji="1" lang="en-US" altLang="zh-CN" sz="1200" dirty="0">
-              <a:latin typeface="DengXian" panose="02010600030101010101" pitchFamily="2" charset="-122"/>
-              <a:ea typeface="DengXian" panose="02010600030101010101" pitchFamily="2" charset="-122"/>
-            </a:endParaRPr>
-          </a:p>
-          <a:p>
-            <a:pPr algn="ctr"/>
-            <a:r>
-              <a:rPr kumimoji="1" lang="en-US" altLang="zh-CN" sz="1200" b="1" dirty="0">
-                <a:latin typeface="DengXian" panose="02010600030101010101" pitchFamily="2" charset="-122"/>
-                <a:ea typeface="DengXian" panose="02010600030101010101" pitchFamily="2" charset="-122"/>
-              </a:rPr>
-              <a:t>edge1</a:t>
-            </a:r>
-            <a:r>
-              <a:rPr kumimoji="1" lang="en-US" altLang="zh-CN" sz="1200" dirty="0">
-                <a:latin typeface="DengXian" panose="02010600030101010101" pitchFamily="2" charset="-122"/>
-                <a:ea typeface="DengXian" panose="02010600030101010101" pitchFamily="2" charset="-122"/>
-              </a:rPr>
-              <a:t>.timestamp</a:t>
-            </a:r>
-            <a:r>
-              <a:rPr kumimoji="1" lang="zh-CN" altLang="en-US" sz="1200" dirty="0">
-                <a:latin typeface="DengXian" panose="02010600030101010101" pitchFamily="2" charset="-122"/>
-                <a:ea typeface="DengXian" panose="02010600030101010101" pitchFamily="2" charset="-122"/>
-              </a:rPr>
-              <a:t> </a:t>
-            </a:r>
-            <a:r>
-              <a:rPr kumimoji="1" lang="en-US" altLang="zh-CN" sz="1200" dirty="0">
-                <a:latin typeface="DengXian" panose="02010600030101010101" pitchFamily="2" charset="-122"/>
-                <a:ea typeface="DengXian" panose="02010600030101010101" pitchFamily="2" charset="-122"/>
-              </a:rPr>
-              <a:t>&gt;</a:t>
-            </a:r>
-            <a:r>
-              <a:rPr kumimoji="1" lang="zh-CN" altLang="en-US" sz="1200" dirty="0">
-                <a:latin typeface="DengXian" panose="02010600030101010101" pitchFamily="2" charset="-122"/>
-                <a:ea typeface="DengXian" panose="02010600030101010101" pitchFamily="2" charset="-122"/>
-              </a:rPr>
-              <a:t> </a:t>
-            </a:r>
-            <a:r>
-              <a:rPr kumimoji="1" lang="en-US" altLang="zh-CN" sz="1200" dirty="0">
-                <a:latin typeface="DengXian" panose="02010600030101010101" pitchFamily="2" charset="-122"/>
-                <a:ea typeface="DengXian" panose="02010600030101010101" pitchFamily="2" charset="-122"/>
-              </a:rPr>
-              <a:t>${</a:t>
-            </a:r>
-            <a:r>
-              <a:rPr kumimoji="1" lang="en-US" altLang="zh-CN" sz="1200" dirty="0" err="1">
-                <a:latin typeface="DengXian" panose="02010600030101010101" pitchFamily="2" charset="-122"/>
-                <a:ea typeface="DengXian" panose="02010600030101010101" pitchFamily="2" charset="-122"/>
-              </a:rPr>
-              <a:t>start_time</a:t>
-            </a:r>
-            <a:r>
-              <a:rPr kumimoji="1" lang="en-US" altLang="zh-CN" sz="1200" dirty="0">
-                <a:latin typeface="DengXian" panose="02010600030101010101" pitchFamily="2" charset="-122"/>
-                <a:ea typeface="DengXian" panose="02010600030101010101" pitchFamily="2" charset="-122"/>
-              </a:rPr>
-              <a:t>}</a:t>
-            </a:r>
-          </a:p>
-          <a:p>
-            <a:pPr algn="ctr"/>
-            <a:r>
-              <a:rPr kumimoji="1" lang="en-US" altLang="zh-CN" sz="1200" b="1" dirty="0">
-                <a:latin typeface="DengXian" panose="02010600030101010101" pitchFamily="2" charset="-122"/>
-                <a:ea typeface="DengXian" panose="02010600030101010101" pitchFamily="2" charset="-122"/>
-              </a:rPr>
-              <a:t>edge1</a:t>
-            </a:r>
-            <a:r>
-              <a:rPr kumimoji="1" lang="en-US" altLang="zh-CN" sz="1200" dirty="0">
-                <a:latin typeface="DengXian" panose="02010600030101010101" pitchFamily="2" charset="-122"/>
-                <a:ea typeface="DengXian" panose="02010600030101010101" pitchFamily="2" charset="-122"/>
-              </a:rPr>
-              <a:t>.timestamp</a:t>
-            </a:r>
-            <a:r>
-              <a:rPr kumimoji="1" lang="zh-CN" altLang="en-US" sz="1200" dirty="0">
-                <a:latin typeface="DengXian" panose="02010600030101010101" pitchFamily="2" charset="-122"/>
-                <a:ea typeface="DengXian" panose="02010600030101010101" pitchFamily="2" charset="-122"/>
-              </a:rPr>
-              <a:t> </a:t>
-            </a:r>
-            <a:r>
-              <a:rPr kumimoji="1" lang="en-US" altLang="zh-CN" sz="1200" dirty="0">
-                <a:latin typeface="DengXian" panose="02010600030101010101" pitchFamily="2" charset="-122"/>
-                <a:ea typeface="DengXian" panose="02010600030101010101" pitchFamily="2" charset="-122"/>
-              </a:rPr>
-              <a:t>&lt;</a:t>
-            </a:r>
-            <a:r>
-              <a:rPr kumimoji="1" lang="zh-CN" altLang="en-US" sz="1200" dirty="0">
-                <a:latin typeface="DengXian" panose="02010600030101010101" pitchFamily="2" charset="-122"/>
-                <a:ea typeface="DengXian" panose="02010600030101010101" pitchFamily="2" charset="-122"/>
-              </a:rPr>
-              <a:t> </a:t>
-            </a:r>
-            <a:r>
-              <a:rPr kumimoji="1" lang="en-US" altLang="zh-CN" sz="1200" dirty="0">
-                <a:latin typeface="DengXian" panose="02010600030101010101" pitchFamily="2" charset="-122"/>
-                <a:ea typeface="DengXian" panose="02010600030101010101" pitchFamily="2" charset="-122"/>
-              </a:rPr>
-              <a:t>${</a:t>
-            </a:r>
-            <a:r>
-              <a:rPr kumimoji="1" lang="en-US" altLang="zh-CN" sz="1200" dirty="0" err="1">
-                <a:latin typeface="DengXian" panose="02010600030101010101" pitchFamily="2" charset="-122"/>
-                <a:ea typeface="DengXian" panose="02010600030101010101" pitchFamily="2" charset="-122"/>
-              </a:rPr>
-              <a:t>end_time</a:t>
-            </a:r>
-            <a:r>
-              <a:rPr kumimoji="1" lang="en-US" altLang="zh-CN" sz="1200" dirty="0">
-                <a:latin typeface="DengXian" panose="02010600030101010101" pitchFamily="2" charset="-122"/>
-                <a:ea typeface="DengXian" panose="02010600030101010101" pitchFamily="2" charset="-122"/>
-              </a:rPr>
-              <a:t>}</a:t>
-            </a:r>
-          </a:p>
-        </p:txBody>
-      </p:sp>
-      <p:sp>
-        <p:nvSpPr>
-          <p:cNvPr id="5" name="矩形 4">
-            <a:extLst>
-              <a:ext uri="{FF2B5EF4-FFF2-40B4-BE49-F238E27FC236}">
-                <a16:creationId xmlns:a16="http://schemas.microsoft.com/office/drawing/2014/main" id="{95C53FD7-0C8A-F142-B1DE-2FC79CF3A4AF}"/>
-              </a:ext>
-            </a:extLst>
-          </p:cNvPr>
-          <p:cNvSpPr/>
-          <p:nvPr/>
-        </p:nvSpPr>
-        <p:spPr>
-          <a:xfrm>
-            <a:off x="4823661" y="1484651"/>
-            <a:ext cx="1865172" cy="394852"/>
-          </a:xfrm>
-          <a:prstGeom prst="rect">
-            <a:avLst/>
-          </a:prstGeom>
-          <a:solidFill>
-            <a:schemeClr val="accent5">
-              <a:lumMod val="60000"/>
-              <a:lumOff val="40000"/>
-            </a:schemeClr>
-          </a:solidFill>
-          <a:ln w="25400">
-            <a:solidFill>
-              <a:schemeClr val="tx1"/>
-            </a:solidFill>
-          </a:ln>
-        </p:spPr>
-        <p:style>
-          <a:lnRef idx="2">
-            <a:schemeClr val="accent2">
-              <a:shade val="50000"/>
-            </a:schemeClr>
-          </a:lnRef>
-          <a:fillRef idx="1">
-            <a:schemeClr val="accent2"/>
-          </a:fillRef>
-          <a:effectRef idx="0">
-            <a:schemeClr val="accent2"/>
-          </a:effectRef>
-          <a:fontRef idx="minor">
-            <a:schemeClr val="lt1"/>
-          </a:fontRef>
-        </p:style>
-        <p:txBody>
-          <a:bodyPr rtlCol="0" anchor="ctr"/>
-          <a:lstStyle/>
-          <a:p>
-            <a:pPr algn="ctr"/>
-            <a:r>
-              <a:rPr kumimoji="1" lang="en-US" altLang="zh-CN" sz="1200" b="1" dirty="0">
-                <a:solidFill>
-                  <a:sysClr val="windowText" lastClr="000000"/>
-                </a:solidFill>
-              </a:rPr>
-              <a:t>other</a:t>
-            </a:r>
-            <a:r>
-              <a:rPr kumimoji="1" lang="zh-CN" altLang="en-US" sz="1200" dirty="0">
-                <a:solidFill>
-                  <a:sysClr val="windowText" lastClr="000000"/>
-                </a:solidFill>
-              </a:rPr>
-              <a:t> </a:t>
-            </a:r>
-            <a:r>
-              <a:rPr kumimoji="1" lang="en-US" altLang="zh-CN" sz="1200" dirty="0">
-                <a:solidFill>
-                  <a:sysClr val="windowText" lastClr="000000"/>
-                </a:solidFill>
-              </a:rPr>
-              <a:t>:</a:t>
-            </a:r>
-            <a:r>
-              <a:rPr kumimoji="1" lang="zh-CN" altLang="en-US" sz="1200" dirty="0">
-                <a:solidFill>
-                  <a:sysClr val="windowText" lastClr="000000"/>
-                </a:solidFill>
-              </a:rPr>
-              <a:t> </a:t>
-            </a:r>
-            <a:r>
-              <a:rPr kumimoji="1" lang="en-US" altLang="zh-CN" sz="1200" dirty="0">
-                <a:solidFill>
-                  <a:sysClr val="windowText" lastClr="000000"/>
-                </a:solidFill>
-              </a:rPr>
-              <a:t>Account</a:t>
-            </a:r>
-            <a:endParaRPr kumimoji="1" lang="zh-CN" altLang="en-US" sz="1200" dirty="0">
-              <a:solidFill>
-                <a:sysClr val="windowText" lastClr="000000"/>
-              </a:solidFill>
-            </a:endParaRPr>
-          </a:p>
-        </p:txBody>
-      </p:sp>
-      <p:cxnSp>
-        <p:nvCxnSpPr>
-          <p:cNvPr id="6" name="直线箭头连接符 5" descr="jytjh">
-            <a:extLst>
-              <a:ext uri="{FF2B5EF4-FFF2-40B4-BE49-F238E27FC236}">
-                <a16:creationId xmlns:a16="http://schemas.microsoft.com/office/drawing/2014/main" id="{486AC079-4C75-A04A-B1D5-D8C4C703B420}"/>
-              </a:ext>
-            </a:extLst>
-          </p:cNvPr>
-          <p:cNvCxnSpPr>
-            <a:cxnSpLocks/>
-            <a:stCxn id="11" idx="3"/>
-            <a:endCxn id="5" idx="1"/>
-          </p:cNvCxnSpPr>
-          <p:nvPr/>
-        </p:nvCxnSpPr>
-        <p:spPr>
-          <a:xfrm flipV="1">
-            <a:off x="3468866" y="1682077"/>
-            <a:ext cx="1354795" cy="1225713"/>
-          </a:xfrm>
-          <a:prstGeom prst="straightConnector1">
-            <a:avLst/>
-          </a:prstGeom>
-          <a:ln w="25400">
-            <a:solidFill>
-              <a:schemeClr val="tx1"/>
-            </a:solidFill>
-            <a:headEnd type="none" w="sm" len="lg"/>
-            <a:tailEnd type="arrow" w="sm" len="lg"/>
-          </a:ln>
-        </p:spPr>
-        <p:style>
-          <a:lnRef idx="1">
-            <a:schemeClr val="accent1"/>
-          </a:lnRef>
-          <a:fillRef idx="0">
-            <a:schemeClr val="accent1"/>
-          </a:fillRef>
-          <a:effectRef idx="0">
-            <a:schemeClr val="accent1"/>
-          </a:effectRef>
-          <a:fontRef idx="minor">
-            <a:schemeClr val="tx1"/>
-          </a:fontRef>
-        </p:style>
-      </p:cxnSp>
-      <p:cxnSp>
-        <p:nvCxnSpPr>
-          <p:cNvPr id="8" name="直线箭头连接符 7" descr="jytjh">
-            <a:extLst>
-              <a:ext uri="{FF2B5EF4-FFF2-40B4-BE49-F238E27FC236}">
-                <a16:creationId xmlns:a16="http://schemas.microsoft.com/office/drawing/2014/main" id="{714BCD85-685B-1040-9D68-010210F3ECF7}"/>
-              </a:ext>
-            </a:extLst>
-          </p:cNvPr>
-          <p:cNvCxnSpPr>
-            <a:cxnSpLocks/>
-            <a:stCxn id="10" idx="1"/>
-            <a:endCxn id="5" idx="3"/>
-          </p:cNvCxnSpPr>
-          <p:nvPr/>
-        </p:nvCxnSpPr>
-        <p:spPr>
-          <a:xfrm flipH="1">
-            <a:off x="6688833" y="1682077"/>
-            <a:ext cx="1537797" cy="0"/>
-          </a:xfrm>
-          <a:prstGeom prst="straightConnector1">
-            <a:avLst/>
-          </a:prstGeom>
-          <a:ln w="25400">
-            <a:solidFill>
-              <a:schemeClr val="tx1"/>
-            </a:solidFill>
-            <a:headEnd type="none" w="lg" len="med"/>
-            <a:tailEnd type="arrow" w="sm" len="lg"/>
-          </a:ln>
-        </p:spPr>
-        <p:style>
-          <a:lnRef idx="1">
-            <a:schemeClr val="accent1"/>
-          </a:lnRef>
-          <a:fillRef idx="0">
-            <a:schemeClr val="accent1"/>
-          </a:fillRef>
-          <a:effectRef idx="0">
-            <a:schemeClr val="accent1"/>
-          </a:effectRef>
-          <a:fontRef idx="minor">
-            <a:schemeClr val="tx1"/>
-          </a:fontRef>
-        </p:style>
-      </p:cxnSp>
-      <p:grpSp>
-        <p:nvGrpSpPr>
-          <p:cNvPr id="3" name="Group 2">
-            <a:extLst>
-              <a:ext uri="{FF2B5EF4-FFF2-40B4-BE49-F238E27FC236}">
-                <a16:creationId xmlns:a16="http://schemas.microsoft.com/office/drawing/2014/main" id="{319FBE0C-DED4-FE40-2A1A-B7D26CC9D9DA}"/>
+                <a16:creationId xmlns:a16="http://schemas.microsoft.com/office/drawing/2014/main" id="{9EF7B857-ED29-AFBC-E4EA-5F464A103AF8}"/>
               </a:ext>
             </a:extLst>
           </p:cNvPr>
@@ -3101,18 +2514,410 @@
         </p:nvGrpSpPr>
         <p:grpSpPr>
           <a:xfrm>
-            <a:off x="1814507" y="2710364"/>
-            <a:ext cx="1654359" cy="789704"/>
-            <a:chOff x="987328" y="2902427"/>
-            <a:chExt cx="1654359" cy="789704"/>
+            <a:off x="1814507" y="608473"/>
+            <a:ext cx="8562985" cy="5502612"/>
+            <a:chOff x="1814507" y="608473"/>
+            <a:chExt cx="8562985" cy="5502612"/>
           </a:xfrm>
         </p:grpSpPr>
         <p:sp>
           <p:nvSpPr>
-            <p:cNvPr id="11" name="矩形 10">
+            <p:cNvPr id="13" name="文本框 12">
               <a:extLst>
                 <a:ext uri="{FF2B5EF4-FFF2-40B4-BE49-F238E27FC236}">
-                  <a16:creationId xmlns:a16="http://schemas.microsoft.com/office/drawing/2014/main" id="{6E897511-B61B-2B48-8F2E-6BEB89BF6B59}"/>
+                  <a16:creationId xmlns:a16="http://schemas.microsoft.com/office/drawing/2014/main" id="{7BD87ED3-36EC-9647-9846-B9494C64D391}"/>
+                </a:ext>
+              </a:extLst>
+            </p:cNvPr>
+            <p:cNvSpPr txBox="1"/>
+            <p:nvPr/>
+          </p:nvSpPr>
+          <p:spPr>
+            <a:xfrm>
+              <a:off x="6315061" y="608473"/>
+              <a:ext cx="2321796" cy="646331"/>
+            </a:xfrm>
+            <a:prstGeom prst="rect">
+              <a:avLst/>
+            </a:prstGeom>
+            <a:noFill/>
+          </p:spPr>
+          <p:txBody>
+            <a:bodyPr wrap="square" rtlCol="0">
+              <a:spAutoFit/>
+            </a:bodyPr>
+            <a:lstStyle/>
+            <a:p>
+              <a:pPr algn="ctr"/>
+              <a:r>
+                <a:rPr kumimoji="1" lang="en-US" altLang="zh-CN" sz="1200" b="1" dirty="0">
+                  <a:latin typeface="DengXian" panose="02010600030101010101" pitchFamily="2" charset="-122"/>
+                  <a:ea typeface="DengXian" panose="02010600030101010101" pitchFamily="2" charset="-122"/>
+                </a:rPr>
+                <a:t>edge2</a:t>
+              </a:r>
+              <a:r>
+                <a:rPr kumimoji="1" lang="zh-CN" altLang="en-US" sz="1200" dirty="0">
+                  <a:latin typeface="DengXian" panose="02010600030101010101" pitchFamily="2" charset="-122"/>
+                  <a:ea typeface="DengXian" panose="02010600030101010101" pitchFamily="2" charset="-122"/>
+                </a:rPr>
+                <a:t> </a:t>
+              </a:r>
+              <a:r>
+                <a:rPr kumimoji="1" lang="en-US" altLang="zh-CN" sz="1200" dirty="0">
+                  <a:latin typeface="DengXian" panose="02010600030101010101" pitchFamily="2" charset="-122"/>
+                  <a:ea typeface="DengXian" panose="02010600030101010101" pitchFamily="2" charset="-122"/>
+                </a:rPr>
+                <a:t>:</a:t>
+              </a:r>
+              <a:r>
+                <a:rPr kumimoji="1" lang="zh-CN" altLang="en-US" sz="1200" dirty="0">
+                  <a:latin typeface="DengXian" panose="02010600030101010101" pitchFamily="2" charset="-122"/>
+                  <a:ea typeface="DengXian" panose="02010600030101010101" pitchFamily="2" charset="-122"/>
+                </a:rPr>
+                <a:t> </a:t>
+              </a:r>
+              <a:r>
+                <a:rPr kumimoji="1" lang="en-US" altLang="zh-CN" sz="1200" dirty="0" err="1">
+                  <a:latin typeface="DengXian" panose="02010600030101010101" pitchFamily="2" charset="-122"/>
+                  <a:ea typeface="DengXian" panose="02010600030101010101" pitchFamily="2" charset="-122"/>
+                </a:rPr>
+                <a:t>signIn</a:t>
+              </a:r>
+              <a:endParaRPr kumimoji="1" lang="en-US" altLang="zh-CN" sz="1200" b="1" dirty="0">
+                <a:latin typeface="DengXian" panose="02010600030101010101" pitchFamily="2" charset="-122"/>
+                <a:ea typeface="DengXian" panose="02010600030101010101" pitchFamily="2" charset="-122"/>
+              </a:endParaRPr>
+            </a:p>
+            <a:p>
+              <a:pPr algn="ctr"/>
+              <a:r>
+                <a:rPr kumimoji="1" lang="en-US" altLang="zh-CN" sz="1200" b="1" dirty="0">
+                  <a:latin typeface="DengXian" panose="02010600030101010101" pitchFamily="2" charset="-122"/>
+                  <a:ea typeface="DengXian" panose="02010600030101010101" pitchFamily="2" charset="-122"/>
+                </a:rPr>
+                <a:t>edge2</a:t>
+              </a:r>
+              <a:r>
+                <a:rPr kumimoji="1" lang="en-US" altLang="zh-CN" sz="1200" dirty="0">
+                  <a:latin typeface="DengXian" panose="02010600030101010101" pitchFamily="2" charset="-122"/>
+                  <a:ea typeface="DengXian" panose="02010600030101010101" pitchFamily="2" charset="-122"/>
+                </a:rPr>
+                <a:t>.timestamp</a:t>
+              </a:r>
+              <a:r>
+                <a:rPr kumimoji="1" lang="zh-CN" altLang="en-US" sz="1200" dirty="0">
+                  <a:latin typeface="DengXian" panose="02010600030101010101" pitchFamily="2" charset="-122"/>
+                  <a:ea typeface="DengXian" panose="02010600030101010101" pitchFamily="2" charset="-122"/>
+                </a:rPr>
+                <a:t> </a:t>
+              </a:r>
+              <a:r>
+                <a:rPr kumimoji="1" lang="en-US" altLang="zh-CN" sz="1200" dirty="0">
+                  <a:latin typeface="DengXian" panose="02010600030101010101" pitchFamily="2" charset="-122"/>
+                  <a:ea typeface="DengXian" panose="02010600030101010101" pitchFamily="2" charset="-122"/>
+                </a:rPr>
+                <a:t>&gt;</a:t>
+              </a:r>
+              <a:r>
+                <a:rPr kumimoji="1" lang="zh-CN" altLang="en-US" sz="1200" dirty="0">
+                  <a:latin typeface="DengXian" panose="02010600030101010101" pitchFamily="2" charset="-122"/>
+                  <a:ea typeface="DengXian" panose="02010600030101010101" pitchFamily="2" charset="-122"/>
+                </a:rPr>
+                <a:t> </a:t>
+              </a:r>
+              <a:r>
+                <a:rPr kumimoji="1" lang="en-US" altLang="zh-CN" sz="1200" dirty="0">
+                  <a:latin typeface="DengXian" panose="02010600030101010101" pitchFamily="2" charset="-122"/>
+                  <a:ea typeface="DengXian" panose="02010600030101010101" pitchFamily="2" charset="-122"/>
+                </a:rPr>
+                <a:t>${</a:t>
+              </a:r>
+              <a:r>
+                <a:rPr kumimoji="1" lang="en-US" altLang="zh-CN" sz="1200" dirty="0" err="1">
+                  <a:latin typeface="DengXian" panose="02010600030101010101" pitchFamily="2" charset="-122"/>
+                  <a:ea typeface="DengXian" panose="02010600030101010101" pitchFamily="2" charset="-122"/>
+                </a:rPr>
+                <a:t>start_time</a:t>
+              </a:r>
+              <a:r>
+                <a:rPr kumimoji="1" lang="en-US" altLang="zh-CN" sz="1200" dirty="0">
+                  <a:latin typeface="DengXian" panose="02010600030101010101" pitchFamily="2" charset="-122"/>
+                  <a:ea typeface="DengXian" panose="02010600030101010101" pitchFamily="2" charset="-122"/>
+                </a:rPr>
+                <a:t>}</a:t>
+              </a:r>
+            </a:p>
+            <a:p>
+              <a:pPr algn="ctr"/>
+              <a:r>
+                <a:rPr kumimoji="1" lang="en-US" altLang="zh-CN" sz="1200" b="1" dirty="0">
+                  <a:latin typeface="DengXian" panose="02010600030101010101" pitchFamily="2" charset="-122"/>
+                  <a:ea typeface="DengXian" panose="02010600030101010101" pitchFamily="2" charset="-122"/>
+                </a:rPr>
+                <a:t>edge2</a:t>
+              </a:r>
+              <a:r>
+                <a:rPr kumimoji="1" lang="en-US" altLang="zh-CN" sz="1200" dirty="0">
+                  <a:latin typeface="DengXian" panose="02010600030101010101" pitchFamily="2" charset="-122"/>
+                  <a:ea typeface="DengXian" panose="02010600030101010101" pitchFamily="2" charset="-122"/>
+                </a:rPr>
+                <a:t>.timestamp</a:t>
+              </a:r>
+              <a:r>
+                <a:rPr kumimoji="1" lang="zh-CN" altLang="en-US" sz="1200" dirty="0">
+                  <a:latin typeface="DengXian" panose="02010600030101010101" pitchFamily="2" charset="-122"/>
+                  <a:ea typeface="DengXian" panose="02010600030101010101" pitchFamily="2" charset="-122"/>
+                </a:rPr>
+                <a:t> </a:t>
+              </a:r>
+              <a:r>
+                <a:rPr kumimoji="1" lang="en-US" altLang="zh-CN" sz="1200" dirty="0">
+                  <a:latin typeface="DengXian" panose="02010600030101010101" pitchFamily="2" charset="-122"/>
+                  <a:ea typeface="DengXian" panose="02010600030101010101" pitchFamily="2" charset="-122"/>
+                </a:rPr>
+                <a:t>&lt;</a:t>
+              </a:r>
+              <a:r>
+                <a:rPr kumimoji="1" lang="zh-CN" altLang="en-US" sz="1200" dirty="0">
+                  <a:latin typeface="DengXian" panose="02010600030101010101" pitchFamily="2" charset="-122"/>
+                  <a:ea typeface="DengXian" panose="02010600030101010101" pitchFamily="2" charset="-122"/>
+                </a:rPr>
+                <a:t> </a:t>
+              </a:r>
+              <a:r>
+                <a:rPr kumimoji="1" lang="en-US" altLang="zh-CN" sz="1200" dirty="0">
+                  <a:latin typeface="DengXian" panose="02010600030101010101" pitchFamily="2" charset="-122"/>
+                  <a:ea typeface="DengXian" panose="02010600030101010101" pitchFamily="2" charset="-122"/>
+                </a:rPr>
+                <a:t>${</a:t>
+              </a:r>
+              <a:r>
+                <a:rPr kumimoji="1" lang="en-US" altLang="zh-CN" sz="1200" dirty="0" err="1">
+                  <a:latin typeface="DengXian" panose="02010600030101010101" pitchFamily="2" charset="-122"/>
+                  <a:ea typeface="DengXian" panose="02010600030101010101" pitchFamily="2" charset="-122"/>
+                </a:rPr>
+                <a:t>end_time</a:t>
+              </a:r>
+              <a:r>
+                <a:rPr kumimoji="1" lang="en-US" altLang="zh-CN" sz="1200" dirty="0">
+                  <a:latin typeface="DengXian" panose="02010600030101010101" pitchFamily="2" charset="-122"/>
+                  <a:ea typeface="DengXian" panose="02010600030101010101" pitchFamily="2" charset="-122"/>
+                </a:rPr>
+                <a:t>}</a:t>
+              </a:r>
+            </a:p>
+          </p:txBody>
+        </p:sp>
+        <p:sp>
+          <p:nvSpPr>
+            <p:cNvPr id="7" name="文本框 6">
+              <a:extLst>
+                <a:ext uri="{FF2B5EF4-FFF2-40B4-BE49-F238E27FC236}">
+                  <a16:creationId xmlns:a16="http://schemas.microsoft.com/office/drawing/2014/main" id="{0C070550-81EF-2745-A5EA-019C75F6F423}"/>
+                </a:ext>
+              </a:extLst>
+            </p:cNvPr>
+            <p:cNvSpPr txBox="1"/>
+            <p:nvPr/>
+          </p:nvSpPr>
+          <p:spPr>
+            <a:xfrm>
+              <a:off x="1819656" y="1620185"/>
+              <a:ext cx="2420289" cy="646331"/>
+            </a:xfrm>
+            <a:prstGeom prst="rect">
+              <a:avLst/>
+            </a:prstGeom>
+            <a:noFill/>
+          </p:spPr>
+          <p:txBody>
+            <a:bodyPr wrap="square" rtlCol="0">
+              <a:spAutoFit/>
+            </a:bodyPr>
+            <a:lstStyle/>
+            <a:p>
+              <a:pPr algn="ctr"/>
+              <a:r>
+                <a:rPr kumimoji="1" lang="en-US" altLang="zh-CN" sz="1200" b="1" dirty="0">
+                  <a:latin typeface="DengXian" panose="02010600030101010101" pitchFamily="2" charset="-122"/>
+                  <a:ea typeface="DengXian" panose="02010600030101010101" pitchFamily="2" charset="-122"/>
+                </a:rPr>
+                <a:t>edge1</a:t>
+              </a:r>
+              <a:r>
+                <a:rPr kumimoji="1" lang="zh-CN" altLang="en-US" sz="1200" dirty="0">
+                  <a:latin typeface="DengXian" panose="02010600030101010101" pitchFamily="2" charset="-122"/>
+                  <a:ea typeface="DengXian" panose="02010600030101010101" pitchFamily="2" charset="-122"/>
+                </a:rPr>
+                <a:t> </a:t>
+              </a:r>
+              <a:r>
+                <a:rPr kumimoji="1" lang="en-US" altLang="zh-CN" sz="1200" dirty="0">
+                  <a:latin typeface="DengXian" panose="02010600030101010101" pitchFamily="2" charset="-122"/>
+                  <a:ea typeface="DengXian" panose="02010600030101010101" pitchFamily="2" charset="-122"/>
+                </a:rPr>
+                <a:t>:</a:t>
+              </a:r>
+              <a:r>
+                <a:rPr kumimoji="1" lang="zh-CN" altLang="en-US" sz="1200" dirty="0">
+                  <a:latin typeface="DengXian" panose="02010600030101010101" pitchFamily="2" charset="-122"/>
+                  <a:ea typeface="DengXian" panose="02010600030101010101" pitchFamily="2" charset="-122"/>
+                </a:rPr>
+                <a:t> </a:t>
+              </a:r>
+              <a:r>
+                <a:rPr kumimoji="1" lang="en-US" altLang="zh-CN" sz="1200" dirty="0">
+                  <a:latin typeface="DengXian" panose="02010600030101010101" pitchFamily="2" charset="-122"/>
+                  <a:ea typeface="DengXian" panose="02010600030101010101" pitchFamily="2" charset="-122"/>
+                </a:rPr>
+                <a:t>transfer</a:t>
+              </a:r>
+              <a:r>
+                <a:rPr kumimoji="1" lang="zh-CN" altLang="en-US" sz="1200" b="1" dirty="0">
+                  <a:latin typeface="DengXian" panose="02010600030101010101" pitchFamily="2" charset="-122"/>
+                  <a:ea typeface="DengXian" panose="02010600030101010101" pitchFamily="2" charset="-122"/>
+                </a:rPr>
+                <a:t> *</a:t>
+              </a:r>
+              <a:r>
+                <a:rPr kumimoji="1" lang="en-US" altLang="zh-CN" sz="1200" b="1" dirty="0">
+                  <a:latin typeface="DengXian" panose="02010600030101010101" pitchFamily="2" charset="-122"/>
+                  <a:ea typeface="DengXian" panose="02010600030101010101" pitchFamily="2" charset="-122"/>
+                </a:rPr>
+                <a:t>..3</a:t>
+              </a:r>
+              <a:endParaRPr kumimoji="1" lang="en-US" altLang="zh-CN" sz="1200" dirty="0">
+                <a:latin typeface="DengXian" panose="02010600030101010101" pitchFamily="2" charset="-122"/>
+                <a:ea typeface="DengXian" panose="02010600030101010101" pitchFamily="2" charset="-122"/>
+              </a:endParaRPr>
+            </a:p>
+            <a:p>
+              <a:pPr algn="ctr"/>
+              <a:r>
+                <a:rPr kumimoji="1" lang="en-US" altLang="zh-CN" sz="1200" b="1" dirty="0">
+                  <a:latin typeface="DengXian" panose="02010600030101010101" pitchFamily="2" charset="-122"/>
+                  <a:ea typeface="DengXian" panose="02010600030101010101" pitchFamily="2" charset="-122"/>
+                </a:rPr>
+                <a:t>edge1</a:t>
+              </a:r>
+              <a:r>
+                <a:rPr kumimoji="1" lang="en-US" altLang="zh-CN" sz="1200" dirty="0">
+                  <a:latin typeface="DengXian" panose="02010600030101010101" pitchFamily="2" charset="-122"/>
+                  <a:ea typeface="DengXian" panose="02010600030101010101" pitchFamily="2" charset="-122"/>
+                </a:rPr>
+                <a:t>.timestamp</a:t>
+              </a:r>
+              <a:r>
+                <a:rPr kumimoji="1" lang="zh-CN" altLang="en-US" sz="1200" dirty="0">
+                  <a:latin typeface="DengXian" panose="02010600030101010101" pitchFamily="2" charset="-122"/>
+                  <a:ea typeface="DengXian" panose="02010600030101010101" pitchFamily="2" charset="-122"/>
+                </a:rPr>
+                <a:t> </a:t>
+              </a:r>
+              <a:r>
+                <a:rPr kumimoji="1" lang="en-US" altLang="zh-CN" sz="1200" dirty="0">
+                  <a:latin typeface="DengXian" panose="02010600030101010101" pitchFamily="2" charset="-122"/>
+                  <a:ea typeface="DengXian" panose="02010600030101010101" pitchFamily="2" charset="-122"/>
+                </a:rPr>
+                <a:t>&gt;</a:t>
+              </a:r>
+              <a:r>
+                <a:rPr kumimoji="1" lang="zh-CN" altLang="en-US" sz="1200" dirty="0">
+                  <a:latin typeface="DengXian" panose="02010600030101010101" pitchFamily="2" charset="-122"/>
+                  <a:ea typeface="DengXian" panose="02010600030101010101" pitchFamily="2" charset="-122"/>
+                </a:rPr>
+                <a:t> </a:t>
+              </a:r>
+              <a:r>
+                <a:rPr kumimoji="1" lang="en-US" altLang="zh-CN" sz="1200" dirty="0">
+                  <a:latin typeface="DengXian" panose="02010600030101010101" pitchFamily="2" charset="-122"/>
+                  <a:ea typeface="DengXian" panose="02010600030101010101" pitchFamily="2" charset="-122"/>
+                </a:rPr>
+                <a:t>${</a:t>
+              </a:r>
+              <a:r>
+                <a:rPr kumimoji="1" lang="en-US" altLang="zh-CN" sz="1200" dirty="0" err="1">
+                  <a:latin typeface="DengXian" panose="02010600030101010101" pitchFamily="2" charset="-122"/>
+                  <a:ea typeface="DengXian" panose="02010600030101010101" pitchFamily="2" charset="-122"/>
+                </a:rPr>
+                <a:t>start_time</a:t>
+              </a:r>
+              <a:r>
+                <a:rPr kumimoji="1" lang="en-US" altLang="zh-CN" sz="1200" dirty="0">
+                  <a:latin typeface="DengXian" panose="02010600030101010101" pitchFamily="2" charset="-122"/>
+                  <a:ea typeface="DengXian" panose="02010600030101010101" pitchFamily="2" charset="-122"/>
+                </a:rPr>
+                <a:t>}</a:t>
+              </a:r>
+            </a:p>
+            <a:p>
+              <a:pPr algn="ctr"/>
+              <a:r>
+                <a:rPr kumimoji="1" lang="en-US" altLang="zh-CN" sz="1200" b="1" dirty="0">
+                  <a:latin typeface="DengXian" panose="02010600030101010101" pitchFamily="2" charset="-122"/>
+                  <a:ea typeface="DengXian" panose="02010600030101010101" pitchFamily="2" charset="-122"/>
+                </a:rPr>
+                <a:t>edge1</a:t>
+              </a:r>
+              <a:r>
+                <a:rPr kumimoji="1" lang="en-US" altLang="zh-CN" sz="1200" dirty="0">
+                  <a:latin typeface="DengXian" panose="02010600030101010101" pitchFamily="2" charset="-122"/>
+                  <a:ea typeface="DengXian" panose="02010600030101010101" pitchFamily="2" charset="-122"/>
+                </a:rPr>
+                <a:t>.timestamp</a:t>
+              </a:r>
+              <a:r>
+                <a:rPr kumimoji="1" lang="zh-CN" altLang="en-US" sz="1200" dirty="0">
+                  <a:latin typeface="DengXian" panose="02010600030101010101" pitchFamily="2" charset="-122"/>
+                  <a:ea typeface="DengXian" panose="02010600030101010101" pitchFamily="2" charset="-122"/>
+                </a:rPr>
+                <a:t> </a:t>
+              </a:r>
+              <a:r>
+                <a:rPr kumimoji="1" lang="en-US" altLang="zh-CN" sz="1200" dirty="0">
+                  <a:latin typeface="DengXian" panose="02010600030101010101" pitchFamily="2" charset="-122"/>
+                  <a:ea typeface="DengXian" panose="02010600030101010101" pitchFamily="2" charset="-122"/>
+                </a:rPr>
+                <a:t>&lt;</a:t>
+              </a:r>
+              <a:r>
+                <a:rPr kumimoji="1" lang="zh-CN" altLang="en-US" sz="1200" dirty="0">
+                  <a:latin typeface="DengXian" panose="02010600030101010101" pitchFamily="2" charset="-122"/>
+                  <a:ea typeface="DengXian" panose="02010600030101010101" pitchFamily="2" charset="-122"/>
+                </a:rPr>
+                <a:t> </a:t>
+              </a:r>
+              <a:r>
+                <a:rPr kumimoji="1" lang="en-US" altLang="zh-CN" sz="1200" dirty="0">
+                  <a:latin typeface="DengXian" panose="02010600030101010101" pitchFamily="2" charset="-122"/>
+                  <a:ea typeface="DengXian" panose="02010600030101010101" pitchFamily="2" charset="-122"/>
+                </a:rPr>
+                <a:t>${</a:t>
+              </a:r>
+              <a:r>
+                <a:rPr kumimoji="1" lang="en-US" altLang="zh-CN" sz="1200" dirty="0" err="1">
+                  <a:latin typeface="DengXian" panose="02010600030101010101" pitchFamily="2" charset="-122"/>
+                  <a:ea typeface="DengXian" panose="02010600030101010101" pitchFamily="2" charset="-122"/>
+                </a:rPr>
+                <a:t>end_time</a:t>
+              </a:r>
+              <a:r>
+                <a:rPr kumimoji="1" lang="en-US" altLang="zh-CN" sz="1200" dirty="0">
+                  <a:latin typeface="DengXian" panose="02010600030101010101" pitchFamily="2" charset="-122"/>
+                  <a:ea typeface="DengXian" panose="02010600030101010101" pitchFamily="2" charset="-122"/>
+                </a:rPr>
+                <a:t>}</a:t>
+              </a:r>
+            </a:p>
+          </p:txBody>
+        </p:sp>
+        <p:sp>
+          <p:nvSpPr>
+            <p:cNvPr id="5" name="矩形 4">
+              <a:extLst>
+                <a:ext uri="{FF2B5EF4-FFF2-40B4-BE49-F238E27FC236}">
+                  <a16:creationId xmlns:a16="http://schemas.microsoft.com/office/drawing/2014/main" id="{95C53FD7-0C8A-F142-B1DE-2FC79CF3A4AF}"/>
                 </a:ext>
               </a:extLst>
             </p:cNvPr>
@@ -3121,8 +2926,8 @@
           </p:nvSpPr>
           <p:spPr>
             <a:xfrm>
-              <a:off x="987328" y="2902427"/>
-              <a:ext cx="1654359" cy="394852"/>
+              <a:off x="5765493" y="1484651"/>
+              <a:ext cx="1865172" cy="394852"/>
             </a:xfrm>
             <a:prstGeom prst="rect">
               <a:avLst/>
@@ -3166,7 +2971,7 @@
                     <a:sysClr val="windowText" lastClr="000000"/>
                   </a:solidFill>
                 </a:rPr>
-                <a:t>account</a:t>
+                <a:t>other</a:t>
               </a:r>
               <a:r>
                 <a:rPr kumimoji="1" lang="zh-CN" altLang="en-US" sz="1200" dirty="0">
@@ -3208,12 +3013,106 @@
             </a:p>
           </p:txBody>
         </p:sp>
+        <p:cxnSp>
+          <p:nvCxnSpPr>
+            <p:cNvPr id="6" name="直线箭头连接符 5" descr="jytjh">
+              <a:extLst>
+                <a:ext uri="{FF2B5EF4-FFF2-40B4-BE49-F238E27FC236}">
+                  <a16:creationId xmlns:a16="http://schemas.microsoft.com/office/drawing/2014/main" id="{486AC079-4C75-A04A-B1D5-D8C4C703B420}"/>
+                </a:ext>
+              </a:extLst>
+            </p:cNvPr>
+            <p:cNvCxnSpPr>
+              <a:cxnSpLocks/>
+              <a:stCxn id="11" idx="3"/>
+              <a:endCxn id="5" idx="1"/>
+            </p:cNvCxnSpPr>
+            <p:nvPr/>
+          </p:nvCxnSpPr>
+          <p:spPr>
+            <a:xfrm flipV="1">
+              <a:off x="3468866" y="1682077"/>
+              <a:ext cx="2296627" cy="1225713"/>
+            </a:xfrm>
+            <a:prstGeom prst="straightConnector1">
+              <a:avLst/>
+            </a:prstGeom>
+            <a:ln w="25400">
+              <a:solidFill>
+                <a:schemeClr val="tx1"/>
+              </a:solidFill>
+              <a:headEnd type="none" w="sm" len="lg"/>
+              <a:tailEnd type="arrow" w="sm" len="lg"/>
+            </a:ln>
+          </p:spPr>
+          <p:style>
+            <a:lnRef idx="1">
+              <a:schemeClr val="accent1"/>
+            </a:lnRef>
+            <a:fillRef idx="0">
+              <a:schemeClr val="accent1"/>
+            </a:fillRef>
+            <a:effectRef idx="0">
+              <a:schemeClr val="accent1"/>
+            </a:effectRef>
+            <a:fontRef idx="minor">
+              <a:schemeClr val="tx1"/>
+            </a:fontRef>
+          </p:style>
+        </p:cxnSp>
+        <p:cxnSp>
+          <p:nvCxnSpPr>
+            <p:cNvPr id="8" name="直线箭头连接符 7" descr="jytjh">
+              <a:extLst>
+                <a:ext uri="{FF2B5EF4-FFF2-40B4-BE49-F238E27FC236}">
+                  <a16:creationId xmlns:a16="http://schemas.microsoft.com/office/drawing/2014/main" id="{714BCD85-685B-1040-9D68-010210F3ECF7}"/>
+                </a:ext>
+              </a:extLst>
+            </p:cNvPr>
+            <p:cNvCxnSpPr>
+              <a:cxnSpLocks/>
+              <a:stCxn id="10" idx="1"/>
+              <a:endCxn id="5" idx="3"/>
+            </p:cNvCxnSpPr>
+            <p:nvPr/>
+          </p:nvCxnSpPr>
+          <p:spPr>
+            <a:xfrm flipH="1">
+              <a:off x="7630665" y="1682077"/>
+              <a:ext cx="595965" cy="0"/>
+            </a:xfrm>
+            <a:prstGeom prst="straightConnector1">
+              <a:avLst/>
+            </a:prstGeom>
+            <a:ln w="25400">
+              <a:solidFill>
+                <a:schemeClr val="tx1"/>
+              </a:solidFill>
+              <a:headEnd type="none" w="lg" len="med"/>
+              <a:tailEnd type="arrow" w="sm" len="lg"/>
+            </a:ln>
+          </p:spPr>
+          <p:style>
+            <a:lnRef idx="1">
+              <a:schemeClr val="accent1"/>
+            </a:lnRef>
+            <a:fillRef idx="0">
+              <a:schemeClr val="accent1"/>
+            </a:fillRef>
+            <a:effectRef idx="0">
+              <a:schemeClr val="accent1"/>
+            </a:effectRef>
+            <a:fontRef idx="minor">
+              <a:schemeClr val="tx1"/>
+            </a:fontRef>
+          </p:style>
+        </p:cxnSp>
         <p:sp>
           <p:nvSpPr>
-            <p:cNvPr id="12" name="矩形 11">
+            <p:cNvPr id="9" name="矩形 8">
               <a:extLst>
                 <a:ext uri="{FF2B5EF4-FFF2-40B4-BE49-F238E27FC236}">
-                  <a16:creationId xmlns:a16="http://schemas.microsoft.com/office/drawing/2014/main" id="{FCC77EE0-06A3-974B-995B-A18597BE8CA8}"/>
+                  <a16:creationId xmlns:a16="http://schemas.microsoft.com/office/drawing/2014/main" id="{925CC109-EC9A-7649-93C4-1BFF852F00EE}"/>
                 </a:ext>
               </a:extLst>
             </p:cNvPr>
@@ -3222,8 +3121,8 @@
           </p:nvSpPr>
           <p:spPr>
             <a:xfrm>
-              <a:off x="987328" y="3297279"/>
-              <a:ext cx="1654359" cy="394852"/>
+              <a:off x="7936523" y="1316631"/>
+              <a:ext cx="2440969" cy="4794454"/>
             </a:xfrm>
             <a:prstGeom prst="rect">
               <a:avLst/>
@@ -3233,6 +3132,7 @@
               <a:solidFill>
                 <a:schemeClr val="tx1"/>
               </a:solidFill>
+              <a:prstDash val="lgDash"/>
             </a:ln>
           </p:spPr>
           <p:style>
@@ -3252,20 +3152,61 @@
             </a:fontRef>
           </p:style>
           <p:txBody>
-            <a:bodyPr rtlCol="0" anchor="ctr"/>
+            <a:bodyPr rtlCol="0" anchor="b"/>
             <a:lstStyle/>
             <a:p>
-              <a:pPr algn="ctr"/>
-              <a:r>
-                <a:rPr kumimoji="1" lang="en-US" altLang="zh-CN" sz="1200" b="1" dirty="0" err="1">
-                  <a:solidFill>
-                    <a:sysClr val="windowText" lastClr="000000"/>
-                  </a:solidFill>
-                  <a:latin typeface="DengXian" panose="02010600030101010101" pitchFamily="2" charset="-122"/>
-                  <a:ea typeface="DengXian" panose="02010600030101010101" pitchFamily="2" charset="-122"/>
-                </a:rPr>
-                <a:t>account</a:t>
-              </a:r>
+              <a:r>
+                <a:rPr kumimoji="1" lang="en-US" altLang="zh-CN" sz="1200" b="1" dirty="0">
+                  <a:solidFill>
+                    <a:srgbClr val="FF0000"/>
+                  </a:solidFill>
+                  <a:latin typeface="DengXian" panose="02010600030101010101" pitchFamily="2" charset="-122"/>
+                  <a:ea typeface="DengXian" panose="02010600030101010101" pitchFamily="2" charset="-122"/>
+                </a:rPr>
+                <a:t>RESULT</a:t>
+              </a:r>
+            </a:p>
+            <a:p>
+              <a:r>
+                <a:rPr kumimoji="1" lang="en-US" altLang="zh-CN" sz="1200" dirty="0">
+                  <a:solidFill>
+                    <a:sysClr val="windowText" lastClr="000000"/>
+                  </a:solidFill>
+                  <a:latin typeface="DengXian" panose="02010600030101010101" pitchFamily="2" charset="-122"/>
+                  <a:ea typeface="DengXian" panose="02010600030101010101" pitchFamily="2" charset="-122"/>
+                </a:rPr>
+                <a:t>COUNT(DISTINCT</a:t>
+              </a:r>
+              <a:r>
+                <a:rPr kumimoji="1" lang="zh-CN" altLang="en-US" sz="1200" dirty="0">
+                  <a:solidFill>
+                    <a:sysClr val="windowText" lastClr="000000"/>
+                  </a:solidFill>
+                  <a:latin typeface="DengXian" panose="02010600030101010101" pitchFamily="2" charset="-122"/>
+                  <a:ea typeface="DengXian" panose="02010600030101010101" pitchFamily="2" charset="-122"/>
+                </a:rPr>
+                <a:t> </a:t>
+              </a:r>
+              <a:r>
+                <a:rPr kumimoji="1" lang="en-US" altLang="zh-CN" sz="1200" b="1" dirty="0">
+                  <a:solidFill>
+                    <a:sysClr val="windowText" lastClr="000000"/>
+                  </a:solidFill>
+                </a:rPr>
+                <a:t>medium</a:t>
+              </a:r>
+              <a:r>
+                <a:rPr kumimoji="1" lang="en-US" altLang="zh-CN" sz="1200" dirty="0">
+                  <a:solidFill>
+                    <a:sysClr val="windowText" lastClr="000000"/>
+                  </a:solidFill>
+                  <a:latin typeface="DengXian" panose="02010600030101010101" pitchFamily="2" charset="-122"/>
+                  <a:ea typeface="DengXian" panose="02010600030101010101" pitchFamily="2" charset="-122"/>
+                </a:rPr>
+                <a:t>),</a:t>
+              </a:r>
+            </a:p>
+            <a:p>
               <a:r>
                 <a:rPr kumimoji="1" lang="en-US" altLang="zh-CN" sz="1200" dirty="0" err="1">
                   <a:solidFill>
@@ -3274,7 +3215,17 @@
                   <a:latin typeface="DengXian" panose="02010600030101010101" pitchFamily="2" charset="-122"/>
                   <a:ea typeface="DengXian" panose="02010600030101010101" pitchFamily="2" charset="-122"/>
                 </a:rPr>
-                <a:t>.id</a:t>
+                <a:t>medium.type</a:t>
+              </a:r>
+              <a:r>
+                <a:rPr kumimoji="1" lang="en-US" altLang="zh-CN" sz="1200" dirty="0">
+                  <a:solidFill>
+                    <a:sysClr val="windowText" lastClr="000000"/>
+                  </a:solidFill>
+                  <a:latin typeface="DengXian" panose="02010600030101010101" pitchFamily="2" charset="-122"/>
+                  <a:ea typeface="DengXian" panose="02010600030101010101" pitchFamily="2" charset="-122"/>
+                </a:rPr>
+                <a:t>,</a:t>
               </a:r>
               <a:r>
                 <a:rPr kumimoji="1" lang="zh-CN" altLang="en-US" sz="1200" dirty="0">
@@ -3287,36 +3238,16 @@
                 <a:t> </a:t>
               </a:r>
               <a:r>
-                <a:rPr kumimoji="1" lang="en-US" altLang="zh-CN" sz="1200" dirty="0">
-                  <a:solidFill>
-                    <a:sysClr val="windowText" lastClr="000000"/>
-                  </a:solidFill>
-                  <a:latin typeface="DengXian" panose="02010600030101010101" pitchFamily="2" charset="-122"/>
-                  <a:ea typeface="DengXian" panose="02010600030101010101" pitchFamily="2" charset="-122"/>
-                </a:rPr>
-                <a:t>=</a:t>
-              </a:r>
-              <a:r>
-                <a:rPr kumimoji="1" lang="zh-CN" altLang="en-US" sz="1200" dirty="0">
-                  <a:solidFill>
-                    <a:sysClr val="windowText" lastClr="000000"/>
-                  </a:solidFill>
-                  <a:latin typeface="DengXian" panose="02010600030101010101" pitchFamily="2" charset="-122"/>
-                  <a:ea typeface="DengXian" panose="02010600030101010101" pitchFamily="2" charset="-122"/>
-                </a:rPr>
-                <a:t> </a:t>
-              </a:r>
-              <a:r>
-                <a:rPr kumimoji="1" lang="en-US" altLang="zh-CN" sz="1200" dirty="0">
-                  <a:solidFill>
-                    <a:sysClr val="windowText" lastClr="000000"/>
-                  </a:solidFill>
-                  <a:latin typeface="DengXian" panose="02010600030101010101" pitchFamily="2" charset="-122"/>
-                  <a:ea typeface="DengXian" panose="02010600030101010101" pitchFamily="2" charset="-122"/>
-                </a:rPr>
-                <a:t>${id}</a:t>
-              </a:r>
-              <a:endParaRPr kumimoji="1" lang="zh-CN" altLang="en-US" sz="1200" dirty="0">
+                <a:rPr kumimoji="1" lang="en-US" altLang="zh-CN" sz="1200" dirty="0" err="1">
+                  <a:solidFill>
+                    <a:sysClr val="windowText" lastClr="000000"/>
+                  </a:solidFill>
+                  <a:latin typeface="DengXian" panose="02010600030101010101" pitchFamily="2" charset="-122"/>
+                  <a:ea typeface="DengXian" panose="02010600030101010101" pitchFamily="2" charset="-122"/>
+                </a:rPr>
+                <a:t>medium.id</a:t>
+              </a:r>
+              <a:endParaRPr kumimoji="1" lang="en-US" altLang="zh-CN" sz="1200" dirty="0">
                 <a:solidFill>
                   <a:sysClr val="windowText" lastClr="000000"/>
                 </a:solidFill>
@@ -3326,134 +3257,12 @@
             </a:p>
           </p:txBody>
         </p:sp>
-      </p:grpSp>
-      <p:sp>
-        <p:nvSpPr>
-          <p:cNvPr id="9" name="矩形 8">
-            <a:extLst>
-              <a:ext uri="{FF2B5EF4-FFF2-40B4-BE49-F238E27FC236}">
-                <a16:creationId xmlns:a16="http://schemas.microsoft.com/office/drawing/2014/main" id="{925CC109-EC9A-7649-93C4-1BFF852F00EE}"/>
-              </a:ext>
-            </a:extLst>
-          </p:cNvPr>
-          <p:cNvSpPr/>
-          <p:nvPr/>
-        </p:nvSpPr>
-        <p:spPr>
-          <a:xfrm>
-            <a:off x="7936523" y="1316631"/>
-            <a:ext cx="2440969" cy="5004582"/>
-          </a:xfrm>
-          <a:prstGeom prst="rect">
-            <a:avLst/>
-          </a:prstGeom>
-          <a:noFill/>
-          <a:ln w="25400">
-            <a:solidFill>
-              <a:schemeClr val="tx1"/>
-            </a:solidFill>
-            <a:prstDash val="lgDash"/>
-          </a:ln>
-        </p:spPr>
-        <p:style>
-          <a:lnRef idx="2">
-            <a:schemeClr val="accent2">
-              <a:shade val="50000"/>
-            </a:schemeClr>
-          </a:lnRef>
-          <a:fillRef idx="1">
-            <a:schemeClr val="accent2"/>
-          </a:fillRef>
-          <a:effectRef idx="0">
-            <a:schemeClr val="accent2"/>
-          </a:effectRef>
-          <a:fontRef idx="minor">
-            <a:schemeClr val="lt1"/>
-          </a:fontRef>
-        </p:style>
-        <p:txBody>
-          <a:bodyPr rtlCol="0" anchor="b"/>
-          <a:lstStyle/>
-          <a:p>
-            <a:r>
-              <a:rPr kumimoji="1" lang="en-US" altLang="zh-CN" sz="1200" b="1" dirty="0">
-                <a:solidFill>
-                  <a:srgbClr val="FF0000"/>
-                </a:solidFill>
-                <a:latin typeface="DengXian" panose="02010600030101010101" pitchFamily="2" charset="-122"/>
-                <a:ea typeface="DengXian" panose="02010600030101010101" pitchFamily="2" charset="-122"/>
-              </a:rPr>
-              <a:t>RESULT</a:t>
-            </a:r>
-          </a:p>
-          <a:p>
-            <a:r>
-              <a:rPr kumimoji="1" lang="en-US" altLang="zh-CN" sz="1200" dirty="0">
-                <a:solidFill>
-                  <a:sysClr val="windowText" lastClr="000000"/>
-                </a:solidFill>
-                <a:latin typeface="DengXian" panose="02010600030101010101" pitchFamily="2" charset="-122"/>
-                <a:ea typeface="DengXian" panose="02010600030101010101" pitchFamily="2" charset="-122"/>
-              </a:rPr>
-              <a:t>COUNT(DISTINCT</a:t>
-            </a:r>
-            <a:r>
-              <a:rPr kumimoji="1" lang="zh-CN" altLang="en-US" sz="1200" dirty="0">
-                <a:solidFill>
-                  <a:sysClr val="windowText" lastClr="000000"/>
-                </a:solidFill>
-                <a:latin typeface="DengXian" panose="02010600030101010101" pitchFamily="2" charset="-122"/>
-                <a:ea typeface="DengXian" panose="02010600030101010101" pitchFamily="2" charset="-122"/>
-              </a:rPr>
-              <a:t> </a:t>
-            </a:r>
-            <a:r>
-              <a:rPr kumimoji="1" lang="en-US" altLang="zh-CN" sz="1200" b="1" dirty="0">
-                <a:solidFill>
-                  <a:sysClr val="windowText" lastClr="000000"/>
-                </a:solidFill>
-              </a:rPr>
-              <a:t>medium</a:t>
-            </a:r>
-            <a:r>
-              <a:rPr kumimoji="1" lang="en-US" altLang="zh-CN" sz="1200" dirty="0">
-                <a:solidFill>
-                  <a:sysClr val="windowText" lastClr="000000"/>
-                </a:solidFill>
-                <a:latin typeface="DengXian" panose="02010600030101010101" pitchFamily="2" charset="-122"/>
-                <a:ea typeface="DengXian" panose="02010600030101010101" pitchFamily="2" charset="-122"/>
-              </a:rPr>
-              <a:t>)</a:t>
-            </a:r>
-          </a:p>
-        </p:txBody>
-      </p:sp>
-      <p:grpSp>
-        <p:nvGrpSpPr>
-          <p:cNvPr id="19" name="Group 18">
-            <a:extLst>
-              <a:ext uri="{FF2B5EF4-FFF2-40B4-BE49-F238E27FC236}">
-                <a16:creationId xmlns:a16="http://schemas.microsoft.com/office/drawing/2014/main" id="{CACD23BD-35D4-F5FA-965D-179EEBF8355F}"/>
-              </a:ext>
-            </a:extLst>
-          </p:cNvPr>
-          <p:cNvGrpSpPr/>
-          <p:nvPr/>
-        </p:nvGrpSpPr>
-        <p:grpSpPr>
-          <a:xfrm>
-            <a:off x="8226629" y="1484651"/>
-            <a:ext cx="1969609" cy="789704"/>
-            <a:chOff x="8972091" y="3120769"/>
-            <a:chExt cx="1969609" cy="789704"/>
-          </a:xfrm>
-        </p:grpSpPr>
         <p:sp>
           <p:nvSpPr>
-            <p:cNvPr id="10" name="矩形 9">
+            <p:cNvPr id="21" name="矩形 4">
               <a:extLst>
                 <a:ext uri="{FF2B5EF4-FFF2-40B4-BE49-F238E27FC236}">
-                  <a16:creationId xmlns:a16="http://schemas.microsoft.com/office/drawing/2014/main" id="{71B50ED6-58B5-524F-81D9-6C86F8294A34}"/>
+                  <a16:creationId xmlns:a16="http://schemas.microsoft.com/office/drawing/2014/main" id="{C23D7206-DC6D-C461-94A3-2B17750C172F}"/>
                 </a:ext>
               </a:extLst>
             </p:cNvPr>
@@ -3462,14 +3271,14 @@
           </p:nvSpPr>
           <p:spPr>
             <a:xfrm>
-              <a:off x="8972092" y="3120769"/>
-              <a:ext cx="1969608" cy="394852"/>
+              <a:off x="5765493" y="2526308"/>
+              <a:ext cx="1865172" cy="394852"/>
             </a:xfrm>
             <a:prstGeom prst="rect">
               <a:avLst/>
             </a:prstGeom>
             <a:solidFill>
-              <a:schemeClr val="accent4">
+              <a:schemeClr val="accent5">
                 <a:lumMod val="60000"/>
                 <a:lumOff val="40000"/>
               </a:schemeClr>
@@ -3507,7 +3316,7 @@
                     <a:sysClr val="windowText" lastClr="000000"/>
                   </a:solidFill>
                 </a:rPr>
-                <a:t>medium</a:t>
+                <a:t>other</a:t>
               </a:r>
               <a:r>
                 <a:rPr kumimoji="1" lang="zh-CN" altLang="en-US" sz="1200" dirty="0">
@@ -3539,7 +3348,7 @@
                     <a:sysClr val="windowText" lastClr="000000"/>
                   </a:solidFill>
                 </a:rPr>
-                <a:t>Medium</a:t>
+                <a:t>Account</a:t>
               </a:r>
               <a:endParaRPr kumimoji="1" lang="zh-CN" altLang="en-US" sz="1200" dirty="0">
                 <a:solidFill>
@@ -3549,12 +3358,59 @@
             </a:p>
           </p:txBody>
         </p:sp>
+        <p:cxnSp>
+          <p:nvCxnSpPr>
+            <p:cNvPr id="25" name="直线箭头连接符 5" descr="jytjh">
+              <a:extLst>
+                <a:ext uri="{FF2B5EF4-FFF2-40B4-BE49-F238E27FC236}">
+                  <a16:creationId xmlns:a16="http://schemas.microsoft.com/office/drawing/2014/main" id="{FAAC16AD-07E6-FE6E-79E5-1E1D9822E447}"/>
+                </a:ext>
+              </a:extLst>
+            </p:cNvPr>
+            <p:cNvCxnSpPr>
+              <a:cxnSpLocks/>
+              <a:stCxn id="11" idx="3"/>
+              <a:endCxn id="21" idx="1"/>
+            </p:cNvCxnSpPr>
+            <p:nvPr/>
+          </p:nvCxnSpPr>
+          <p:spPr>
+            <a:xfrm flipV="1">
+              <a:off x="3468866" y="2723734"/>
+              <a:ext cx="2296627" cy="184056"/>
+            </a:xfrm>
+            <a:prstGeom prst="straightConnector1">
+              <a:avLst/>
+            </a:prstGeom>
+            <a:ln w="25400">
+              <a:solidFill>
+                <a:schemeClr val="tx1"/>
+              </a:solidFill>
+              <a:headEnd type="none" w="sm" len="lg"/>
+              <a:tailEnd type="arrow" w="sm" len="lg"/>
+            </a:ln>
+          </p:spPr>
+          <p:style>
+            <a:lnRef idx="1">
+              <a:schemeClr val="accent1"/>
+            </a:lnRef>
+            <a:fillRef idx="0">
+              <a:schemeClr val="accent1"/>
+            </a:fillRef>
+            <a:effectRef idx="0">
+              <a:schemeClr val="accent1"/>
+            </a:effectRef>
+            <a:fontRef idx="minor">
+              <a:schemeClr val="tx1"/>
+            </a:fontRef>
+          </p:style>
+        </p:cxnSp>
         <p:sp>
           <p:nvSpPr>
-            <p:cNvPr id="14" name="矩形 13">
+            <p:cNvPr id="29" name="矩形 4">
               <a:extLst>
                 <a:ext uri="{FF2B5EF4-FFF2-40B4-BE49-F238E27FC236}">
-                  <a16:creationId xmlns:a16="http://schemas.microsoft.com/office/drawing/2014/main" id="{987DB192-2089-434A-9AF8-7E48F63B7A53}"/>
+                  <a16:creationId xmlns:a16="http://schemas.microsoft.com/office/drawing/2014/main" id="{180FA1C2-C28D-24A0-2715-94860A81388F}"/>
                 </a:ext>
               </a:extLst>
             </p:cNvPr>
@@ -3563,252 +3419,14 @@
           </p:nvSpPr>
           <p:spPr>
             <a:xfrm>
-              <a:off x="8972091" y="3515621"/>
-              <a:ext cx="1969608" cy="394852"/>
-            </a:xfrm>
-            <a:prstGeom prst="rect">
-              <a:avLst/>
-            </a:prstGeom>
-            <a:noFill/>
-            <a:ln w="25400">
-              <a:solidFill>
-                <a:schemeClr val="tx1"/>
-              </a:solidFill>
-            </a:ln>
-          </p:spPr>
-          <p:style>
-            <a:lnRef idx="2">
-              <a:schemeClr val="accent2">
-                <a:shade val="50000"/>
-              </a:schemeClr>
-            </a:lnRef>
-            <a:fillRef idx="1">
-              <a:schemeClr val="accent2"/>
-            </a:fillRef>
-            <a:effectRef idx="0">
-              <a:schemeClr val="accent2"/>
-            </a:effectRef>
-            <a:fontRef idx="minor">
-              <a:schemeClr val="lt1"/>
-            </a:fontRef>
-          </p:style>
-          <p:txBody>
-            <a:bodyPr rtlCol="0" anchor="ctr"/>
-            <a:lstStyle/>
-            <a:p>
-              <a:pPr algn="ctr"/>
-              <a:r>
-                <a:rPr kumimoji="1" lang="en-US" altLang="zh-CN" sz="1200" b="1" dirty="0" err="1">
-                  <a:solidFill>
-                    <a:sysClr val="windowText" lastClr="000000"/>
-                  </a:solidFill>
-                </a:rPr>
-                <a:t>medium</a:t>
-              </a:r>
-              <a:r>
-                <a:rPr kumimoji="1" lang="en-US" altLang="zh-CN" sz="1200" dirty="0" err="1">
-                  <a:solidFill>
-                    <a:sysClr val="windowText" lastClr="000000"/>
-                  </a:solidFill>
-                  <a:latin typeface="DengXian" panose="02010600030101010101" pitchFamily="2" charset="-122"/>
-                  <a:ea typeface="DengXian" panose="02010600030101010101" pitchFamily="2" charset="-122"/>
-                </a:rPr>
-                <a:t>.isBlocked</a:t>
-              </a:r>
-              <a:r>
-                <a:rPr kumimoji="1" lang="zh-CN" altLang="en-US" sz="1200" dirty="0">
-                  <a:solidFill>
-                    <a:sysClr val="windowText" lastClr="000000"/>
-                  </a:solidFill>
-                  <a:latin typeface="DengXian" panose="02010600030101010101" pitchFamily="2" charset="-122"/>
-                  <a:ea typeface="DengXian" panose="02010600030101010101" pitchFamily="2" charset="-122"/>
-                </a:rPr>
-                <a:t> </a:t>
-              </a:r>
-              <a:r>
-                <a:rPr kumimoji="1" lang="en-US" altLang="zh-CN" sz="1200" dirty="0">
-                  <a:solidFill>
-                    <a:sysClr val="windowText" lastClr="000000"/>
-                  </a:solidFill>
-                  <a:latin typeface="DengXian" panose="02010600030101010101" pitchFamily="2" charset="-122"/>
-                  <a:ea typeface="DengXian" panose="02010600030101010101" pitchFamily="2" charset="-122"/>
-                </a:rPr>
-                <a:t>=</a:t>
-              </a:r>
-              <a:r>
-                <a:rPr kumimoji="1" lang="zh-CN" altLang="en-US" sz="1200" dirty="0">
-                  <a:solidFill>
-                    <a:sysClr val="windowText" lastClr="000000"/>
-                  </a:solidFill>
-                  <a:latin typeface="DengXian" panose="02010600030101010101" pitchFamily="2" charset="-122"/>
-                  <a:ea typeface="DengXian" panose="02010600030101010101" pitchFamily="2" charset="-122"/>
-                </a:rPr>
-                <a:t> </a:t>
-              </a:r>
-              <a:r>
-                <a:rPr kumimoji="1" lang="en-US" altLang="zh-CN" sz="1200" dirty="0">
-                  <a:solidFill>
-                    <a:sysClr val="windowText" lastClr="000000"/>
-                  </a:solidFill>
-                  <a:latin typeface="DengXian" panose="02010600030101010101" pitchFamily="2" charset="-122"/>
-                  <a:ea typeface="DengXian" panose="02010600030101010101" pitchFamily="2" charset="-122"/>
-                </a:rPr>
-                <a:t>True</a:t>
-              </a:r>
-              <a:endParaRPr kumimoji="1" lang="zh-CN" altLang="en-US" sz="1200" dirty="0">
-                <a:solidFill>
-                  <a:sysClr val="windowText" lastClr="000000"/>
-                </a:solidFill>
-                <a:latin typeface="DengXian" panose="02010600030101010101" pitchFamily="2" charset="-122"/>
-                <a:ea typeface="DengXian" panose="02010600030101010101" pitchFamily="2" charset="-122"/>
-              </a:endParaRPr>
-            </a:p>
-          </p:txBody>
-        </p:sp>
-      </p:grpSp>
-      <p:sp>
-        <p:nvSpPr>
-          <p:cNvPr id="21" name="矩形 4">
-            <a:extLst>
-              <a:ext uri="{FF2B5EF4-FFF2-40B4-BE49-F238E27FC236}">
-                <a16:creationId xmlns:a16="http://schemas.microsoft.com/office/drawing/2014/main" id="{C23D7206-DC6D-C461-94A3-2B17750C172F}"/>
-              </a:ext>
-            </a:extLst>
-          </p:cNvPr>
-          <p:cNvSpPr/>
-          <p:nvPr/>
-        </p:nvSpPr>
-        <p:spPr>
-          <a:xfrm>
-            <a:off x="4823661" y="2710364"/>
-            <a:ext cx="1865172" cy="394852"/>
-          </a:xfrm>
-          <a:prstGeom prst="rect">
-            <a:avLst/>
-          </a:prstGeom>
-          <a:solidFill>
-            <a:schemeClr val="accent5">
-              <a:lumMod val="60000"/>
-              <a:lumOff val="40000"/>
-            </a:schemeClr>
-          </a:solidFill>
-          <a:ln w="25400">
-            <a:solidFill>
-              <a:schemeClr val="tx1"/>
-            </a:solidFill>
-          </a:ln>
-        </p:spPr>
-        <p:style>
-          <a:lnRef idx="2">
-            <a:schemeClr val="accent2">
-              <a:shade val="50000"/>
-            </a:schemeClr>
-          </a:lnRef>
-          <a:fillRef idx="1">
-            <a:schemeClr val="accent2"/>
-          </a:fillRef>
-          <a:effectRef idx="0">
-            <a:schemeClr val="accent2"/>
-          </a:effectRef>
-          <a:fontRef idx="minor">
-            <a:schemeClr val="lt1"/>
-          </a:fontRef>
-        </p:style>
-        <p:txBody>
-          <a:bodyPr rtlCol="0" anchor="ctr"/>
-          <a:lstStyle/>
-          <a:p>
-            <a:pPr algn="ctr"/>
-            <a:r>
-              <a:rPr kumimoji="1" lang="en-US" altLang="zh-CN" sz="1200" b="1" dirty="0">
-                <a:solidFill>
-                  <a:sysClr val="windowText" lastClr="000000"/>
-                </a:solidFill>
-              </a:rPr>
-              <a:t>other</a:t>
-            </a:r>
-            <a:r>
-              <a:rPr kumimoji="1" lang="zh-CN" altLang="en-US" sz="1200" dirty="0">
-                <a:solidFill>
-                  <a:sysClr val="windowText" lastClr="000000"/>
-                </a:solidFill>
-              </a:rPr>
-              <a:t> </a:t>
-            </a:r>
-            <a:r>
-              <a:rPr kumimoji="1" lang="en-US" altLang="zh-CN" sz="1200" dirty="0">
-                <a:solidFill>
-                  <a:sysClr val="windowText" lastClr="000000"/>
-                </a:solidFill>
-              </a:rPr>
-              <a:t>:</a:t>
-            </a:r>
-            <a:r>
-              <a:rPr kumimoji="1" lang="zh-CN" altLang="en-US" sz="1200" dirty="0">
-                <a:solidFill>
-                  <a:sysClr val="windowText" lastClr="000000"/>
-                </a:solidFill>
-              </a:rPr>
-              <a:t> </a:t>
-            </a:r>
-            <a:r>
-              <a:rPr kumimoji="1" lang="en-US" altLang="zh-CN" sz="1200" dirty="0">
-                <a:solidFill>
-                  <a:sysClr val="windowText" lastClr="000000"/>
-                </a:solidFill>
-              </a:rPr>
-              <a:t>Account</a:t>
-            </a:r>
-            <a:endParaRPr kumimoji="1" lang="zh-CN" altLang="en-US" sz="1200" dirty="0">
-              <a:solidFill>
-                <a:sysClr val="windowText" lastClr="000000"/>
-              </a:solidFill>
-            </a:endParaRPr>
-          </a:p>
-        </p:txBody>
-      </p:sp>
-      <p:grpSp>
-        <p:nvGrpSpPr>
-          <p:cNvPr id="22" name="Group 21">
-            <a:extLst>
-              <a:ext uri="{FF2B5EF4-FFF2-40B4-BE49-F238E27FC236}">
-                <a16:creationId xmlns:a16="http://schemas.microsoft.com/office/drawing/2014/main" id="{CEFC8031-B244-3217-0AB1-7D0E41B3F8B0}"/>
-              </a:ext>
-            </a:extLst>
-          </p:cNvPr>
-          <p:cNvGrpSpPr/>
-          <p:nvPr/>
-        </p:nvGrpSpPr>
-        <p:grpSpPr>
-          <a:xfrm>
-            <a:off x="8226629" y="2710364"/>
-            <a:ext cx="1969609" cy="789704"/>
-            <a:chOff x="8972091" y="3120769"/>
-            <a:chExt cx="1969609" cy="789704"/>
-          </a:xfrm>
-        </p:grpSpPr>
-        <p:sp>
-          <p:nvSpPr>
-            <p:cNvPr id="23" name="矩形 9">
-              <a:extLst>
-                <a:ext uri="{FF2B5EF4-FFF2-40B4-BE49-F238E27FC236}">
-                  <a16:creationId xmlns:a16="http://schemas.microsoft.com/office/drawing/2014/main" id="{06AE1470-806A-E97F-7F5D-EC4B097AFD95}"/>
-                </a:ext>
-              </a:extLst>
-            </p:cNvPr>
-            <p:cNvSpPr/>
-            <p:nvPr/>
-          </p:nvSpPr>
-          <p:spPr>
-            <a:xfrm>
-              <a:off x="8972092" y="3120769"/>
-              <a:ext cx="1969608" cy="394852"/>
+              <a:off x="5765493" y="4614880"/>
+              <a:ext cx="1865172" cy="394852"/>
             </a:xfrm>
             <a:prstGeom prst="rect">
               <a:avLst/>
             </a:prstGeom>
             <a:solidFill>
-              <a:schemeClr val="accent4">
+              <a:schemeClr val="accent5">
                 <a:lumMod val="60000"/>
                 <a:lumOff val="40000"/>
               </a:schemeClr>
@@ -3846,7 +3464,7 @@
                     <a:sysClr val="windowText" lastClr="000000"/>
                   </a:solidFill>
                 </a:rPr>
-                <a:t>medium</a:t>
+                <a:t>other</a:t>
               </a:r>
               <a:r>
                 <a:rPr kumimoji="1" lang="zh-CN" altLang="en-US" sz="1200" dirty="0">
@@ -3878,7 +3496,7 @@
                     <a:sysClr val="windowText" lastClr="000000"/>
                   </a:solidFill>
                 </a:rPr>
-                <a:t>Medium</a:t>
+                <a:t>Account</a:t>
               </a:r>
               <a:endParaRPr kumimoji="1" lang="zh-CN" altLang="en-US" sz="1200" dirty="0">
                 <a:solidFill>
@@ -3888,116 +3506,1251 @@
             </a:p>
           </p:txBody>
         </p:sp>
-        <p:sp>
-          <p:nvSpPr>
-            <p:cNvPr id="24" name="矩形 13">
+        <p:cxnSp>
+          <p:nvCxnSpPr>
+            <p:cNvPr id="35" name="直线箭头连接符 5" descr="jytjh">
               <a:extLst>
                 <a:ext uri="{FF2B5EF4-FFF2-40B4-BE49-F238E27FC236}">
-                  <a16:creationId xmlns:a16="http://schemas.microsoft.com/office/drawing/2014/main" id="{BD524A92-E22B-D3D3-3DAD-B740943BDE87}"/>
+                  <a16:creationId xmlns:a16="http://schemas.microsoft.com/office/drawing/2014/main" id="{0046535A-CF85-4953-1290-6E9A255DBF61}"/>
                 </a:ext>
               </a:extLst>
             </p:cNvPr>
-            <p:cNvSpPr/>
+            <p:cNvCxnSpPr>
+              <a:cxnSpLocks/>
+              <a:stCxn id="11" idx="3"/>
+              <a:endCxn id="29" idx="1"/>
+            </p:cNvCxnSpPr>
+            <p:nvPr/>
+          </p:nvCxnSpPr>
+          <p:spPr>
+            <a:xfrm>
+              <a:off x="3468866" y="2907790"/>
+              <a:ext cx="2296627" cy="1904516"/>
+            </a:xfrm>
+            <a:prstGeom prst="straightConnector1">
+              <a:avLst/>
+            </a:prstGeom>
+            <a:ln w="25400">
+              <a:solidFill>
+                <a:schemeClr val="tx1"/>
+              </a:solidFill>
+              <a:headEnd type="none" w="sm" len="lg"/>
+              <a:tailEnd type="arrow" w="sm" len="lg"/>
+            </a:ln>
+          </p:spPr>
+          <p:style>
+            <a:lnRef idx="1">
+              <a:schemeClr val="accent1"/>
+            </a:lnRef>
+            <a:fillRef idx="0">
+              <a:schemeClr val="accent1"/>
+            </a:fillRef>
+            <a:effectRef idx="0">
+              <a:schemeClr val="accent1"/>
+            </a:effectRef>
+            <a:fontRef idx="minor">
+              <a:schemeClr val="tx1"/>
+            </a:fontRef>
+          </p:style>
+        </p:cxnSp>
+        <p:sp>
+          <p:nvSpPr>
+            <p:cNvPr id="38" name="文本框 12">
+              <a:extLst>
+                <a:ext uri="{FF2B5EF4-FFF2-40B4-BE49-F238E27FC236}">
+                  <a16:creationId xmlns:a16="http://schemas.microsoft.com/office/drawing/2014/main" id="{13CFC30A-9B14-12FA-532F-D51FC71E4CED}"/>
+                </a:ext>
+              </a:extLst>
+            </p:cNvPr>
+            <p:cNvSpPr txBox="1"/>
             <p:nvPr/>
           </p:nvSpPr>
           <p:spPr>
             <a:xfrm>
-              <a:off x="8972091" y="3515621"/>
-              <a:ext cx="1969608" cy="394852"/>
+              <a:off x="5765492" y="3567965"/>
+              <a:ext cx="1865173" cy="400110"/>
             </a:xfrm>
             <a:prstGeom prst="rect">
               <a:avLst/>
             </a:prstGeom>
             <a:noFill/>
+          </p:spPr>
+          <p:txBody>
+            <a:bodyPr wrap="square" rtlCol="0">
+              <a:spAutoFit/>
+            </a:bodyPr>
+            <a:lstStyle/>
+            <a:p>
+              <a:pPr algn="ctr"/>
+              <a:r>
+                <a:rPr kumimoji="1" lang="en-US" altLang="zh-CN" sz="2000" b="1" dirty="0">
+                  <a:latin typeface="DengXian" panose="02010600030101010101" pitchFamily="2" charset="-122"/>
+                  <a:ea typeface="DengXian" panose="02010600030101010101" pitchFamily="2" charset="-122"/>
+                </a:rPr>
+                <a:t>…</a:t>
+              </a:r>
+              <a:endParaRPr kumimoji="1" lang="en-US" altLang="zh-CN" sz="2000" dirty="0">
+                <a:latin typeface="DengXian" panose="02010600030101010101" pitchFamily="2" charset="-122"/>
+                <a:ea typeface="DengXian" panose="02010600030101010101" pitchFamily="2" charset="-122"/>
+              </a:endParaRPr>
+            </a:p>
+          </p:txBody>
+        </p:sp>
+        <p:cxnSp>
+          <p:nvCxnSpPr>
+            <p:cNvPr id="39" name="直线箭头连接符 5" descr="jytjh">
+              <a:extLst>
+                <a:ext uri="{FF2B5EF4-FFF2-40B4-BE49-F238E27FC236}">
+                  <a16:creationId xmlns:a16="http://schemas.microsoft.com/office/drawing/2014/main" id="{BB609E75-A6DA-77F3-4924-5B376B88C063}"/>
+                </a:ext>
+              </a:extLst>
+            </p:cNvPr>
+            <p:cNvCxnSpPr>
+              <a:cxnSpLocks/>
+              <a:stCxn id="11" idx="3"/>
+              <a:endCxn id="38" idx="1"/>
+            </p:cNvCxnSpPr>
+            <p:nvPr/>
+          </p:nvCxnSpPr>
+          <p:spPr>
+            <a:xfrm>
+              <a:off x="3468866" y="2907790"/>
+              <a:ext cx="2296626" cy="860230"/>
+            </a:xfrm>
+            <a:prstGeom prst="straightConnector1">
+              <a:avLst/>
+            </a:prstGeom>
             <a:ln w="25400">
               <a:solidFill>
                 <a:schemeClr val="tx1"/>
               </a:solidFill>
+              <a:headEnd type="none" w="sm" len="lg"/>
+              <a:tailEnd type="arrow" w="sm" len="lg"/>
             </a:ln>
           </p:spPr>
           <p:style>
-            <a:lnRef idx="2">
-              <a:schemeClr val="accent2">
-                <a:shade val="50000"/>
-              </a:schemeClr>
+            <a:lnRef idx="1">
+              <a:schemeClr val="accent1"/>
             </a:lnRef>
-            <a:fillRef idx="1">
-              <a:schemeClr val="accent2"/>
+            <a:fillRef idx="0">
+              <a:schemeClr val="accent1"/>
             </a:fillRef>
             <a:effectRef idx="0">
-              <a:schemeClr val="accent2"/>
+              <a:schemeClr val="accent1"/>
             </a:effectRef>
             <a:fontRef idx="minor">
-              <a:schemeClr val="lt1"/>
+              <a:schemeClr val="tx1"/>
             </a:fontRef>
           </p:style>
+        </p:cxnSp>
+        <p:grpSp>
+          <p:nvGrpSpPr>
+            <p:cNvPr id="3" name="Group 2">
+              <a:extLst>
+                <a:ext uri="{FF2B5EF4-FFF2-40B4-BE49-F238E27FC236}">
+                  <a16:creationId xmlns:a16="http://schemas.microsoft.com/office/drawing/2014/main" id="{319FBE0C-DED4-FE40-2A1A-B7D26CC9D9DA}"/>
+                </a:ext>
+              </a:extLst>
+            </p:cNvPr>
+            <p:cNvGrpSpPr/>
+            <p:nvPr/>
+          </p:nvGrpSpPr>
+          <p:grpSpPr>
+            <a:xfrm>
+              <a:off x="1814507" y="2710364"/>
+              <a:ext cx="1654359" cy="789704"/>
+              <a:chOff x="987328" y="2902427"/>
+              <a:chExt cx="1654359" cy="789704"/>
+            </a:xfrm>
+          </p:grpSpPr>
+          <p:sp>
+            <p:nvSpPr>
+              <p:cNvPr id="11" name="矩形 10">
+                <a:extLst>
+                  <a:ext uri="{FF2B5EF4-FFF2-40B4-BE49-F238E27FC236}">
+                    <a16:creationId xmlns:a16="http://schemas.microsoft.com/office/drawing/2014/main" id="{6E897511-B61B-2B48-8F2E-6BEB89BF6B59}"/>
+                  </a:ext>
+                </a:extLst>
+              </p:cNvPr>
+              <p:cNvSpPr/>
+              <p:nvPr/>
+            </p:nvSpPr>
+            <p:spPr>
+              <a:xfrm>
+                <a:off x="987328" y="2902427"/>
+                <a:ext cx="1654359" cy="394852"/>
+              </a:xfrm>
+              <a:prstGeom prst="rect">
+                <a:avLst/>
+              </a:prstGeom>
+              <a:solidFill>
+                <a:schemeClr val="accent5">
+                  <a:lumMod val="60000"/>
+                  <a:lumOff val="40000"/>
+                </a:schemeClr>
+              </a:solidFill>
+              <a:ln w="25400">
+                <a:solidFill>
+                  <a:schemeClr val="tx1"/>
+                </a:solidFill>
+              </a:ln>
+            </p:spPr>
+            <p:style>
+              <a:lnRef idx="2">
+                <a:schemeClr val="accent2">
+                  <a:shade val="50000"/>
+                </a:schemeClr>
+              </a:lnRef>
+              <a:fillRef idx="1">
+                <a:schemeClr val="accent2"/>
+              </a:fillRef>
+              <a:effectRef idx="0">
+                <a:schemeClr val="accent2"/>
+              </a:effectRef>
+              <a:fontRef idx="minor">
+                <a:schemeClr val="lt1"/>
+              </a:fontRef>
+            </p:style>
+            <p:txBody>
+              <a:bodyPr rtlCol="0" anchor="ctr"/>
+              <a:lstStyle/>
+              <a:p>
+                <a:pPr algn="ctr"/>
+                <a:r>
+                  <a:rPr kumimoji="1" lang="en-US" altLang="zh-CN" sz="1200" b="1" dirty="0">
+                    <a:solidFill>
+                      <a:sysClr val="windowText" lastClr="000000"/>
+                    </a:solidFill>
+                  </a:rPr>
+                  <a:t>account</a:t>
+                </a:r>
+                <a:r>
+                  <a:rPr kumimoji="1" lang="zh-CN" altLang="en-US" sz="1200" dirty="0">
+                    <a:solidFill>
+                      <a:sysClr val="windowText" lastClr="000000"/>
+                    </a:solidFill>
+                  </a:rPr>
+                  <a:t> </a:t>
+                </a:r>
+                <a:r>
+                  <a:rPr kumimoji="1" lang="en-US" altLang="zh-CN" sz="1200" dirty="0">
+                    <a:solidFill>
+                      <a:sysClr val="windowText" lastClr="000000"/>
+                    </a:solidFill>
+                  </a:rPr>
+                  <a:t>:</a:t>
+                </a:r>
+                <a:r>
+                  <a:rPr kumimoji="1" lang="zh-CN" altLang="en-US" sz="1200" dirty="0">
+                    <a:solidFill>
+                      <a:sysClr val="windowText" lastClr="000000"/>
+                    </a:solidFill>
+                  </a:rPr>
+                  <a:t> </a:t>
+                </a:r>
+                <a:r>
+                  <a:rPr kumimoji="1" lang="en-US" altLang="zh-CN" sz="1200" dirty="0">
+                    <a:solidFill>
+                      <a:sysClr val="windowText" lastClr="000000"/>
+                    </a:solidFill>
+                  </a:rPr>
+                  <a:t>Account</a:t>
+                </a:r>
+                <a:endParaRPr kumimoji="1" lang="zh-CN" altLang="en-US" sz="1200" dirty="0">
+                  <a:solidFill>
+                    <a:sysClr val="windowText" lastClr="000000"/>
+                  </a:solidFill>
+                </a:endParaRPr>
+              </a:p>
+            </p:txBody>
+          </p:sp>
+          <p:sp>
+            <p:nvSpPr>
+              <p:cNvPr id="12" name="矩形 11">
+                <a:extLst>
+                  <a:ext uri="{FF2B5EF4-FFF2-40B4-BE49-F238E27FC236}">
+                    <a16:creationId xmlns:a16="http://schemas.microsoft.com/office/drawing/2014/main" id="{FCC77EE0-06A3-974B-995B-A18597BE8CA8}"/>
+                  </a:ext>
+                </a:extLst>
+              </p:cNvPr>
+              <p:cNvSpPr/>
+              <p:nvPr/>
+            </p:nvSpPr>
+            <p:spPr>
+              <a:xfrm>
+                <a:off x="987328" y="3297279"/>
+                <a:ext cx="1654359" cy="394852"/>
+              </a:xfrm>
+              <a:prstGeom prst="rect">
+                <a:avLst/>
+              </a:prstGeom>
+              <a:noFill/>
+              <a:ln w="25400">
+                <a:solidFill>
+                  <a:schemeClr val="tx1"/>
+                </a:solidFill>
+              </a:ln>
+            </p:spPr>
+            <p:style>
+              <a:lnRef idx="2">
+                <a:schemeClr val="accent2">
+                  <a:shade val="50000"/>
+                </a:schemeClr>
+              </a:lnRef>
+              <a:fillRef idx="1">
+                <a:schemeClr val="accent2"/>
+              </a:fillRef>
+              <a:effectRef idx="0">
+                <a:schemeClr val="accent2"/>
+              </a:effectRef>
+              <a:fontRef idx="minor">
+                <a:schemeClr val="lt1"/>
+              </a:fontRef>
+            </p:style>
+            <p:txBody>
+              <a:bodyPr rtlCol="0" anchor="ctr"/>
+              <a:lstStyle/>
+              <a:p>
+                <a:pPr algn="ctr"/>
+                <a:r>
+                  <a:rPr kumimoji="1" lang="en-US" altLang="zh-CN" sz="1200" b="1" dirty="0" err="1">
+                    <a:solidFill>
+                      <a:sysClr val="windowText" lastClr="000000"/>
+                    </a:solidFill>
+                    <a:latin typeface="DengXian" panose="02010600030101010101" pitchFamily="2" charset="-122"/>
+                    <a:ea typeface="DengXian" panose="02010600030101010101" pitchFamily="2" charset="-122"/>
+                  </a:rPr>
+                  <a:t>account</a:t>
+                </a:r>
+                <a:r>
+                  <a:rPr kumimoji="1" lang="en-US" altLang="zh-CN" sz="1200" dirty="0" err="1">
+                    <a:solidFill>
+                      <a:sysClr val="windowText" lastClr="000000"/>
+                    </a:solidFill>
+                    <a:latin typeface="DengXian" panose="02010600030101010101" pitchFamily="2" charset="-122"/>
+                    <a:ea typeface="DengXian" panose="02010600030101010101" pitchFamily="2" charset="-122"/>
+                  </a:rPr>
+                  <a:t>.id</a:t>
+                </a:r>
+                <a:r>
+                  <a:rPr kumimoji="1" lang="zh-CN" altLang="en-US" sz="1200" dirty="0">
+                    <a:solidFill>
+                      <a:sysClr val="windowText" lastClr="000000"/>
+                    </a:solidFill>
+                    <a:latin typeface="DengXian" panose="02010600030101010101" pitchFamily="2" charset="-122"/>
+                    <a:ea typeface="DengXian" panose="02010600030101010101" pitchFamily="2" charset="-122"/>
+                  </a:rPr>
+                  <a:t> </a:t>
+                </a:r>
+                <a:r>
+                  <a:rPr kumimoji="1" lang="en-US" altLang="zh-CN" sz="1200" dirty="0">
+                    <a:solidFill>
+                      <a:sysClr val="windowText" lastClr="000000"/>
+                    </a:solidFill>
+                    <a:latin typeface="DengXian" panose="02010600030101010101" pitchFamily="2" charset="-122"/>
+                    <a:ea typeface="DengXian" panose="02010600030101010101" pitchFamily="2" charset="-122"/>
+                  </a:rPr>
+                  <a:t>=</a:t>
+                </a:r>
+                <a:r>
+                  <a:rPr kumimoji="1" lang="zh-CN" altLang="en-US" sz="1200" dirty="0">
+                    <a:solidFill>
+                      <a:sysClr val="windowText" lastClr="000000"/>
+                    </a:solidFill>
+                    <a:latin typeface="DengXian" panose="02010600030101010101" pitchFamily="2" charset="-122"/>
+                    <a:ea typeface="DengXian" panose="02010600030101010101" pitchFamily="2" charset="-122"/>
+                  </a:rPr>
+                  <a:t> </a:t>
+                </a:r>
+                <a:r>
+                  <a:rPr kumimoji="1" lang="en-US" altLang="zh-CN" sz="1200" dirty="0">
+                    <a:solidFill>
+                      <a:sysClr val="windowText" lastClr="000000"/>
+                    </a:solidFill>
+                    <a:latin typeface="DengXian" panose="02010600030101010101" pitchFamily="2" charset="-122"/>
+                    <a:ea typeface="DengXian" panose="02010600030101010101" pitchFamily="2" charset="-122"/>
+                  </a:rPr>
+                  <a:t>${id}</a:t>
+                </a:r>
+                <a:endParaRPr kumimoji="1" lang="zh-CN" altLang="en-US" sz="1200" dirty="0">
+                  <a:solidFill>
+                    <a:sysClr val="windowText" lastClr="000000"/>
+                  </a:solidFill>
+                  <a:latin typeface="DengXian" panose="02010600030101010101" pitchFamily="2" charset="-122"/>
+                  <a:ea typeface="DengXian" panose="02010600030101010101" pitchFamily="2" charset="-122"/>
+                </a:endParaRPr>
+              </a:p>
+            </p:txBody>
+          </p:sp>
+        </p:grpSp>
+        <p:grpSp>
+          <p:nvGrpSpPr>
+            <p:cNvPr id="19" name="Group 18">
+              <a:extLst>
+                <a:ext uri="{FF2B5EF4-FFF2-40B4-BE49-F238E27FC236}">
+                  <a16:creationId xmlns:a16="http://schemas.microsoft.com/office/drawing/2014/main" id="{CACD23BD-35D4-F5FA-965D-179EEBF8355F}"/>
+                </a:ext>
+              </a:extLst>
+            </p:cNvPr>
+            <p:cNvGrpSpPr/>
+            <p:nvPr/>
+          </p:nvGrpSpPr>
+          <p:grpSpPr>
+            <a:xfrm>
+              <a:off x="8226629" y="1484651"/>
+              <a:ext cx="1969609" cy="789704"/>
+              <a:chOff x="8972091" y="3120769"/>
+              <a:chExt cx="1969609" cy="789704"/>
+            </a:xfrm>
+          </p:grpSpPr>
+          <p:sp>
+            <p:nvSpPr>
+              <p:cNvPr id="10" name="矩形 9">
+                <a:extLst>
+                  <a:ext uri="{FF2B5EF4-FFF2-40B4-BE49-F238E27FC236}">
+                    <a16:creationId xmlns:a16="http://schemas.microsoft.com/office/drawing/2014/main" id="{71B50ED6-58B5-524F-81D9-6C86F8294A34}"/>
+                  </a:ext>
+                </a:extLst>
+              </p:cNvPr>
+              <p:cNvSpPr/>
+              <p:nvPr/>
+            </p:nvSpPr>
+            <p:spPr>
+              <a:xfrm>
+                <a:off x="8972092" y="3120769"/>
+                <a:ext cx="1969608" cy="394852"/>
+              </a:xfrm>
+              <a:prstGeom prst="rect">
+                <a:avLst/>
+              </a:prstGeom>
+              <a:solidFill>
+                <a:schemeClr val="accent4">
+                  <a:lumMod val="60000"/>
+                  <a:lumOff val="40000"/>
+                </a:schemeClr>
+              </a:solidFill>
+              <a:ln w="25400">
+                <a:solidFill>
+                  <a:schemeClr val="tx1"/>
+                </a:solidFill>
+              </a:ln>
+            </p:spPr>
+            <p:style>
+              <a:lnRef idx="2">
+                <a:schemeClr val="accent2">
+                  <a:shade val="50000"/>
+                </a:schemeClr>
+              </a:lnRef>
+              <a:fillRef idx="1">
+                <a:schemeClr val="accent2"/>
+              </a:fillRef>
+              <a:effectRef idx="0">
+                <a:schemeClr val="accent2"/>
+              </a:effectRef>
+              <a:fontRef idx="minor">
+                <a:schemeClr val="lt1"/>
+              </a:fontRef>
+            </p:style>
+            <p:txBody>
+              <a:bodyPr rtlCol="0" anchor="ctr"/>
+              <a:lstStyle/>
+              <a:p>
+                <a:pPr algn="ctr"/>
+                <a:r>
+                  <a:rPr kumimoji="1" lang="en-US" altLang="zh-CN" sz="1200" b="1" dirty="0">
+                    <a:solidFill>
+                      <a:sysClr val="windowText" lastClr="000000"/>
+                    </a:solidFill>
+                  </a:rPr>
+                  <a:t>medium</a:t>
+                </a:r>
+                <a:r>
+                  <a:rPr kumimoji="1" lang="zh-CN" altLang="en-US" sz="1200" dirty="0">
+                    <a:solidFill>
+                      <a:sysClr val="windowText" lastClr="000000"/>
+                    </a:solidFill>
+                  </a:rPr>
+                  <a:t> </a:t>
+                </a:r>
+                <a:r>
+                  <a:rPr kumimoji="1" lang="en-US" altLang="zh-CN" sz="1200" dirty="0">
+                    <a:solidFill>
+                      <a:sysClr val="windowText" lastClr="000000"/>
+                    </a:solidFill>
+                  </a:rPr>
+                  <a:t>:</a:t>
+                </a:r>
+                <a:r>
+                  <a:rPr kumimoji="1" lang="zh-CN" altLang="en-US" sz="1200" dirty="0">
+                    <a:solidFill>
+                      <a:sysClr val="windowText" lastClr="000000"/>
+                    </a:solidFill>
+                  </a:rPr>
+                  <a:t> </a:t>
+                </a:r>
+                <a:r>
+                  <a:rPr kumimoji="1" lang="en-US" altLang="zh-CN" sz="1200" dirty="0">
+                    <a:solidFill>
+                      <a:sysClr val="windowText" lastClr="000000"/>
+                    </a:solidFill>
+                  </a:rPr>
+                  <a:t>Medium</a:t>
+                </a:r>
+                <a:endParaRPr kumimoji="1" lang="zh-CN" altLang="en-US" sz="1200" dirty="0">
+                  <a:solidFill>
+                    <a:sysClr val="windowText" lastClr="000000"/>
+                  </a:solidFill>
+                </a:endParaRPr>
+              </a:p>
+            </p:txBody>
+          </p:sp>
+          <p:sp>
+            <p:nvSpPr>
+              <p:cNvPr id="14" name="矩形 13">
+                <a:extLst>
+                  <a:ext uri="{FF2B5EF4-FFF2-40B4-BE49-F238E27FC236}">
+                    <a16:creationId xmlns:a16="http://schemas.microsoft.com/office/drawing/2014/main" id="{987DB192-2089-434A-9AF8-7E48F63B7A53}"/>
+                  </a:ext>
+                </a:extLst>
+              </p:cNvPr>
+              <p:cNvSpPr/>
+              <p:nvPr/>
+            </p:nvSpPr>
+            <p:spPr>
+              <a:xfrm>
+                <a:off x="8972091" y="3515621"/>
+                <a:ext cx="1969608" cy="394852"/>
+              </a:xfrm>
+              <a:prstGeom prst="rect">
+                <a:avLst/>
+              </a:prstGeom>
+              <a:noFill/>
+              <a:ln w="25400">
+                <a:solidFill>
+                  <a:schemeClr val="tx1"/>
+                </a:solidFill>
+              </a:ln>
+            </p:spPr>
+            <p:style>
+              <a:lnRef idx="2">
+                <a:schemeClr val="accent2">
+                  <a:shade val="50000"/>
+                </a:schemeClr>
+              </a:lnRef>
+              <a:fillRef idx="1">
+                <a:schemeClr val="accent2"/>
+              </a:fillRef>
+              <a:effectRef idx="0">
+                <a:schemeClr val="accent2"/>
+              </a:effectRef>
+              <a:fontRef idx="minor">
+                <a:schemeClr val="lt1"/>
+              </a:fontRef>
+            </p:style>
+            <p:txBody>
+              <a:bodyPr rtlCol="0" anchor="ctr"/>
+              <a:lstStyle/>
+              <a:p>
+                <a:pPr algn="ctr"/>
+                <a:r>
+                  <a:rPr kumimoji="1" lang="en-US" altLang="zh-CN" sz="1200" b="1" dirty="0" err="1">
+                    <a:solidFill>
+                      <a:sysClr val="windowText" lastClr="000000"/>
+                    </a:solidFill>
+                  </a:rPr>
+                  <a:t>medium</a:t>
+                </a:r>
+                <a:r>
+                  <a:rPr kumimoji="1" lang="en-US" altLang="zh-CN" sz="1200" dirty="0" err="1">
+                    <a:solidFill>
+                      <a:sysClr val="windowText" lastClr="000000"/>
+                    </a:solidFill>
+                    <a:latin typeface="DengXian" panose="02010600030101010101" pitchFamily="2" charset="-122"/>
+                    <a:ea typeface="DengXian" panose="02010600030101010101" pitchFamily="2" charset="-122"/>
+                  </a:rPr>
+                  <a:t>.isBlocked</a:t>
+                </a:r>
+                <a:r>
+                  <a:rPr kumimoji="1" lang="zh-CN" altLang="en-US" sz="1200" dirty="0">
+                    <a:solidFill>
+                      <a:sysClr val="windowText" lastClr="000000"/>
+                    </a:solidFill>
+                    <a:latin typeface="DengXian" panose="02010600030101010101" pitchFamily="2" charset="-122"/>
+                    <a:ea typeface="DengXian" panose="02010600030101010101" pitchFamily="2" charset="-122"/>
+                  </a:rPr>
+                  <a:t> </a:t>
+                </a:r>
+                <a:r>
+                  <a:rPr kumimoji="1" lang="en-US" altLang="zh-CN" sz="1200" dirty="0">
+                    <a:solidFill>
+                      <a:sysClr val="windowText" lastClr="000000"/>
+                    </a:solidFill>
+                    <a:latin typeface="DengXian" panose="02010600030101010101" pitchFamily="2" charset="-122"/>
+                    <a:ea typeface="DengXian" panose="02010600030101010101" pitchFamily="2" charset="-122"/>
+                  </a:rPr>
+                  <a:t>=</a:t>
+                </a:r>
+                <a:r>
+                  <a:rPr kumimoji="1" lang="zh-CN" altLang="en-US" sz="1200" dirty="0">
+                    <a:solidFill>
+                      <a:sysClr val="windowText" lastClr="000000"/>
+                    </a:solidFill>
+                    <a:latin typeface="DengXian" panose="02010600030101010101" pitchFamily="2" charset="-122"/>
+                    <a:ea typeface="DengXian" panose="02010600030101010101" pitchFamily="2" charset="-122"/>
+                  </a:rPr>
+                  <a:t> </a:t>
+                </a:r>
+                <a:r>
+                  <a:rPr kumimoji="1" lang="en-US" altLang="zh-CN" sz="1200" dirty="0">
+                    <a:solidFill>
+                      <a:sysClr val="windowText" lastClr="000000"/>
+                    </a:solidFill>
+                    <a:latin typeface="DengXian" panose="02010600030101010101" pitchFamily="2" charset="-122"/>
+                    <a:ea typeface="DengXian" panose="02010600030101010101" pitchFamily="2" charset="-122"/>
+                  </a:rPr>
+                  <a:t>True</a:t>
+                </a:r>
+                <a:endParaRPr kumimoji="1" lang="zh-CN" altLang="en-US" sz="1200" dirty="0">
+                  <a:solidFill>
+                    <a:sysClr val="windowText" lastClr="000000"/>
+                  </a:solidFill>
+                  <a:latin typeface="DengXian" panose="02010600030101010101" pitchFamily="2" charset="-122"/>
+                  <a:ea typeface="DengXian" panose="02010600030101010101" pitchFamily="2" charset="-122"/>
+                </a:endParaRPr>
+              </a:p>
+            </p:txBody>
+          </p:sp>
+        </p:grpSp>
+        <p:grpSp>
+          <p:nvGrpSpPr>
+            <p:cNvPr id="22" name="Group 21">
+              <a:extLst>
+                <a:ext uri="{FF2B5EF4-FFF2-40B4-BE49-F238E27FC236}">
+                  <a16:creationId xmlns:a16="http://schemas.microsoft.com/office/drawing/2014/main" id="{CEFC8031-B244-3217-0AB1-7D0E41B3F8B0}"/>
+                </a:ext>
+              </a:extLst>
+            </p:cNvPr>
+            <p:cNvGrpSpPr/>
+            <p:nvPr/>
+          </p:nvGrpSpPr>
+          <p:grpSpPr>
+            <a:xfrm>
+              <a:off x="8226629" y="2526308"/>
+              <a:ext cx="1969609" cy="789704"/>
+              <a:chOff x="8972091" y="3120769"/>
+              <a:chExt cx="1969609" cy="789704"/>
+            </a:xfrm>
+          </p:grpSpPr>
+          <p:sp>
+            <p:nvSpPr>
+              <p:cNvPr id="23" name="矩形 9">
+                <a:extLst>
+                  <a:ext uri="{FF2B5EF4-FFF2-40B4-BE49-F238E27FC236}">
+                    <a16:creationId xmlns:a16="http://schemas.microsoft.com/office/drawing/2014/main" id="{06AE1470-806A-E97F-7F5D-EC4B097AFD95}"/>
+                  </a:ext>
+                </a:extLst>
+              </p:cNvPr>
+              <p:cNvSpPr/>
+              <p:nvPr/>
+            </p:nvSpPr>
+            <p:spPr>
+              <a:xfrm>
+                <a:off x="8972092" y="3120769"/>
+                <a:ext cx="1969608" cy="394852"/>
+              </a:xfrm>
+              <a:prstGeom prst="rect">
+                <a:avLst/>
+              </a:prstGeom>
+              <a:solidFill>
+                <a:schemeClr val="accent4">
+                  <a:lumMod val="60000"/>
+                  <a:lumOff val="40000"/>
+                </a:schemeClr>
+              </a:solidFill>
+              <a:ln w="25400">
+                <a:solidFill>
+                  <a:schemeClr val="tx1"/>
+                </a:solidFill>
+              </a:ln>
+            </p:spPr>
+            <p:style>
+              <a:lnRef idx="2">
+                <a:schemeClr val="accent2">
+                  <a:shade val="50000"/>
+                </a:schemeClr>
+              </a:lnRef>
+              <a:fillRef idx="1">
+                <a:schemeClr val="accent2"/>
+              </a:fillRef>
+              <a:effectRef idx="0">
+                <a:schemeClr val="accent2"/>
+              </a:effectRef>
+              <a:fontRef idx="minor">
+                <a:schemeClr val="lt1"/>
+              </a:fontRef>
+            </p:style>
+            <p:txBody>
+              <a:bodyPr rtlCol="0" anchor="ctr"/>
+              <a:lstStyle/>
+              <a:p>
+                <a:pPr algn="ctr"/>
+                <a:r>
+                  <a:rPr kumimoji="1" lang="en-US" altLang="zh-CN" sz="1200" b="1" dirty="0">
+                    <a:solidFill>
+                      <a:sysClr val="windowText" lastClr="000000"/>
+                    </a:solidFill>
+                  </a:rPr>
+                  <a:t>medium</a:t>
+                </a:r>
+                <a:r>
+                  <a:rPr kumimoji="1" lang="zh-CN" altLang="en-US" sz="1200" dirty="0">
+                    <a:solidFill>
+                      <a:sysClr val="windowText" lastClr="000000"/>
+                    </a:solidFill>
+                  </a:rPr>
+                  <a:t> </a:t>
+                </a:r>
+                <a:r>
+                  <a:rPr kumimoji="1" lang="en-US" altLang="zh-CN" sz="1200" dirty="0">
+                    <a:solidFill>
+                      <a:sysClr val="windowText" lastClr="000000"/>
+                    </a:solidFill>
+                  </a:rPr>
+                  <a:t>:</a:t>
+                </a:r>
+                <a:r>
+                  <a:rPr kumimoji="1" lang="zh-CN" altLang="en-US" sz="1200" dirty="0">
+                    <a:solidFill>
+                      <a:sysClr val="windowText" lastClr="000000"/>
+                    </a:solidFill>
+                  </a:rPr>
+                  <a:t> </a:t>
+                </a:r>
+                <a:r>
+                  <a:rPr kumimoji="1" lang="en-US" altLang="zh-CN" sz="1200" dirty="0">
+                    <a:solidFill>
+                      <a:sysClr val="windowText" lastClr="000000"/>
+                    </a:solidFill>
+                  </a:rPr>
+                  <a:t>Medium</a:t>
+                </a:r>
+                <a:endParaRPr kumimoji="1" lang="zh-CN" altLang="en-US" sz="1200" dirty="0">
+                  <a:solidFill>
+                    <a:sysClr val="windowText" lastClr="000000"/>
+                  </a:solidFill>
+                </a:endParaRPr>
+              </a:p>
+            </p:txBody>
+          </p:sp>
+          <p:sp>
+            <p:nvSpPr>
+              <p:cNvPr id="24" name="矩形 13">
+                <a:extLst>
+                  <a:ext uri="{FF2B5EF4-FFF2-40B4-BE49-F238E27FC236}">
+                    <a16:creationId xmlns:a16="http://schemas.microsoft.com/office/drawing/2014/main" id="{BD524A92-E22B-D3D3-3DAD-B740943BDE87}"/>
+                  </a:ext>
+                </a:extLst>
+              </p:cNvPr>
+              <p:cNvSpPr/>
+              <p:nvPr/>
+            </p:nvSpPr>
+            <p:spPr>
+              <a:xfrm>
+                <a:off x="8972091" y="3515621"/>
+                <a:ext cx="1969608" cy="394852"/>
+              </a:xfrm>
+              <a:prstGeom prst="rect">
+                <a:avLst/>
+              </a:prstGeom>
+              <a:noFill/>
+              <a:ln w="25400">
+                <a:solidFill>
+                  <a:schemeClr val="tx1"/>
+                </a:solidFill>
+              </a:ln>
+            </p:spPr>
+            <p:style>
+              <a:lnRef idx="2">
+                <a:schemeClr val="accent2">
+                  <a:shade val="50000"/>
+                </a:schemeClr>
+              </a:lnRef>
+              <a:fillRef idx="1">
+                <a:schemeClr val="accent2"/>
+              </a:fillRef>
+              <a:effectRef idx="0">
+                <a:schemeClr val="accent2"/>
+              </a:effectRef>
+              <a:fontRef idx="minor">
+                <a:schemeClr val="lt1"/>
+              </a:fontRef>
+            </p:style>
+            <p:txBody>
+              <a:bodyPr rtlCol="0" anchor="ctr"/>
+              <a:lstStyle/>
+              <a:p>
+                <a:pPr algn="ctr"/>
+                <a:r>
+                  <a:rPr kumimoji="1" lang="en-US" altLang="zh-CN" sz="1200" b="1" dirty="0" err="1">
+                    <a:solidFill>
+                      <a:sysClr val="windowText" lastClr="000000"/>
+                    </a:solidFill>
+                  </a:rPr>
+                  <a:t>medium</a:t>
+                </a:r>
+                <a:r>
+                  <a:rPr kumimoji="1" lang="en-US" altLang="zh-CN" sz="1200" dirty="0" err="1">
+                    <a:solidFill>
+                      <a:sysClr val="windowText" lastClr="000000"/>
+                    </a:solidFill>
+                    <a:latin typeface="DengXian" panose="02010600030101010101" pitchFamily="2" charset="-122"/>
+                    <a:ea typeface="DengXian" panose="02010600030101010101" pitchFamily="2" charset="-122"/>
+                  </a:rPr>
+                  <a:t>.isBlocked</a:t>
+                </a:r>
+                <a:r>
+                  <a:rPr kumimoji="1" lang="zh-CN" altLang="en-US" sz="1200" dirty="0">
+                    <a:solidFill>
+                      <a:sysClr val="windowText" lastClr="000000"/>
+                    </a:solidFill>
+                    <a:latin typeface="DengXian" panose="02010600030101010101" pitchFamily="2" charset="-122"/>
+                    <a:ea typeface="DengXian" panose="02010600030101010101" pitchFamily="2" charset="-122"/>
+                  </a:rPr>
+                  <a:t> </a:t>
+                </a:r>
+                <a:r>
+                  <a:rPr kumimoji="1" lang="en-US" altLang="zh-CN" sz="1200" dirty="0">
+                    <a:solidFill>
+                      <a:sysClr val="windowText" lastClr="000000"/>
+                    </a:solidFill>
+                    <a:latin typeface="DengXian" panose="02010600030101010101" pitchFamily="2" charset="-122"/>
+                    <a:ea typeface="DengXian" panose="02010600030101010101" pitchFamily="2" charset="-122"/>
+                  </a:rPr>
+                  <a:t>=</a:t>
+                </a:r>
+                <a:r>
+                  <a:rPr kumimoji="1" lang="zh-CN" altLang="en-US" sz="1200" dirty="0">
+                    <a:solidFill>
+                      <a:sysClr val="windowText" lastClr="000000"/>
+                    </a:solidFill>
+                    <a:latin typeface="DengXian" panose="02010600030101010101" pitchFamily="2" charset="-122"/>
+                    <a:ea typeface="DengXian" panose="02010600030101010101" pitchFamily="2" charset="-122"/>
+                  </a:rPr>
+                  <a:t> </a:t>
+                </a:r>
+                <a:r>
+                  <a:rPr kumimoji="1" lang="en-US" altLang="zh-CN" sz="1200" dirty="0">
+                    <a:solidFill>
+                      <a:sysClr val="windowText" lastClr="000000"/>
+                    </a:solidFill>
+                    <a:latin typeface="DengXian" panose="02010600030101010101" pitchFamily="2" charset="-122"/>
+                    <a:ea typeface="DengXian" panose="02010600030101010101" pitchFamily="2" charset="-122"/>
+                  </a:rPr>
+                  <a:t>True</a:t>
+                </a:r>
+                <a:endParaRPr kumimoji="1" lang="zh-CN" altLang="en-US" sz="1200" dirty="0">
+                  <a:solidFill>
+                    <a:sysClr val="windowText" lastClr="000000"/>
+                  </a:solidFill>
+                  <a:latin typeface="DengXian" panose="02010600030101010101" pitchFamily="2" charset="-122"/>
+                  <a:ea typeface="DengXian" panose="02010600030101010101" pitchFamily="2" charset="-122"/>
+                </a:endParaRPr>
+              </a:p>
+            </p:txBody>
+          </p:sp>
+        </p:grpSp>
+        <p:grpSp>
+          <p:nvGrpSpPr>
+            <p:cNvPr id="42" name="Group 41">
+              <a:extLst>
+                <a:ext uri="{FF2B5EF4-FFF2-40B4-BE49-F238E27FC236}">
+                  <a16:creationId xmlns:a16="http://schemas.microsoft.com/office/drawing/2014/main" id="{4D4A34C9-1849-6728-D4DB-CE6206B25C1C}"/>
+                </a:ext>
+              </a:extLst>
+            </p:cNvPr>
+            <p:cNvGrpSpPr/>
+            <p:nvPr/>
+          </p:nvGrpSpPr>
+          <p:grpSpPr>
+            <a:xfrm>
+              <a:off x="8226629" y="4614880"/>
+              <a:ext cx="1969609" cy="789704"/>
+              <a:chOff x="8972091" y="3120769"/>
+              <a:chExt cx="1969609" cy="789704"/>
+            </a:xfrm>
+          </p:grpSpPr>
+          <p:sp>
+            <p:nvSpPr>
+              <p:cNvPr id="43" name="矩形 9">
+                <a:extLst>
+                  <a:ext uri="{FF2B5EF4-FFF2-40B4-BE49-F238E27FC236}">
+                    <a16:creationId xmlns:a16="http://schemas.microsoft.com/office/drawing/2014/main" id="{F7FDC6B7-A5EC-F8C6-C4CB-6EF83629F3B4}"/>
+                  </a:ext>
+                </a:extLst>
+              </p:cNvPr>
+              <p:cNvSpPr/>
+              <p:nvPr/>
+            </p:nvSpPr>
+            <p:spPr>
+              <a:xfrm>
+                <a:off x="8972092" y="3120769"/>
+                <a:ext cx="1969608" cy="394852"/>
+              </a:xfrm>
+              <a:prstGeom prst="rect">
+                <a:avLst/>
+              </a:prstGeom>
+              <a:solidFill>
+                <a:schemeClr val="accent4">
+                  <a:lumMod val="60000"/>
+                  <a:lumOff val="40000"/>
+                </a:schemeClr>
+              </a:solidFill>
+              <a:ln w="25400">
+                <a:solidFill>
+                  <a:schemeClr val="tx1"/>
+                </a:solidFill>
+              </a:ln>
+            </p:spPr>
+            <p:style>
+              <a:lnRef idx="2">
+                <a:schemeClr val="accent2">
+                  <a:shade val="50000"/>
+                </a:schemeClr>
+              </a:lnRef>
+              <a:fillRef idx="1">
+                <a:schemeClr val="accent2"/>
+              </a:fillRef>
+              <a:effectRef idx="0">
+                <a:schemeClr val="accent2"/>
+              </a:effectRef>
+              <a:fontRef idx="minor">
+                <a:schemeClr val="lt1"/>
+              </a:fontRef>
+            </p:style>
+            <p:txBody>
+              <a:bodyPr rtlCol="0" anchor="ctr"/>
+              <a:lstStyle/>
+              <a:p>
+                <a:pPr algn="ctr"/>
+                <a:r>
+                  <a:rPr kumimoji="1" lang="en-US" altLang="zh-CN" sz="1200" b="1" dirty="0">
+                    <a:solidFill>
+                      <a:sysClr val="windowText" lastClr="000000"/>
+                    </a:solidFill>
+                  </a:rPr>
+                  <a:t>medium</a:t>
+                </a:r>
+                <a:r>
+                  <a:rPr kumimoji="1" lang="zh-CN" altLang="en-US" sz="1200" dirty="0">
+                    <a:solidFill>
+                      <a:sysClr val="windowText" lastClr="000000"/>
+                    </a:solidFill>
+                  </a:rPr>
+                  <a:t> </a:t>
+                </a:r>
+                <a:r>
+                  <a:rPr kumimoji="1" lang="en-US" altLang="zh-CN" sz="1200" dirty="0">
+                    <a:solidFill>
+                      <a:sysClr val="windowText" lastClr="000000"/>
+                    </a:solidFill>
+                  </a:rPr>
+                  <a:t>:</a:t>
+                </a:r>
+                <a:r>
+                  <a:rPr kumimoji="1" lang="zh-CN" altLang="en-US" sz="1200" dirty="0">
+                    <a:solidFill>
+                      <a:sysClr val="windowText" lastClr="000000"/>
+                    </a:solidFill>
+                  </a:rPr>
+                  <a:t> </a:t>
+                </a:r>
+                <a:r>
+                  <a:rPr kumimoji="1" lang="en-US" altLang="zh-CN" sz="1200" dirty="0">
+                    <a:solidFill>
+                      <a:sysClr val="windowText" lastClr="000000"/>
+                    </a:solidFill>
+                  </a:rPr>
+                  <a:t>Medium</a:t>
+                </a:r>
+                <a:endParaRPr kumimoji="1" lang="zh-CN" altLang="en-US" sz="1200" dirty="0">
+                  <a:solidFill>
+                    <a:sysClr val="windowText" lastClr="000000"/>
+                  </a:solidFill>
+                </a:endParaRPr>
+              </a:p>
+            </p:txBody>
+          </p:sp>
+          <p:sp>
+            <p:nvSpPr>
+              <p:cNvPr id="44" name="矩形 13">
+                <a:extLst>
+                  <a:ext uri="{FF2B5EF4-FFF2-40B4-BE49-F238E27FC236}">
+                    <a16:creationId xmlns:a16="http://schemas.microsoft.com/office/drawing/2014/main" id="{8E1431ED-CBAE-173C-4E1C-C502B51A7ED9}"/>
+                  </a:ext>
+                </a:extLst>
+              </p:cNvPr>
+              <p:cNvSpPr/>
+              <p:nvPr/>
+            </p:nvSpPr>
+            <p:spPr>
+              <a:xfrm>
+                <a:off x="8972091" y="3515621"/>
+                <a:ext cx="1969608" cy="394852"/>
+              </a:xfrm>
+              <a:prstGeom prst="rect">
+                <a:avLst/>
+              </a:prstGeom>
+              <a:noFill/>
+              <a:ln w="25400">
+                <a:solidFill>
+                  <a:schemeClr val="tx1"/>
+                </a:solidFill>
+              </a:ln>
+            </p:spPr>
+            <p:style>
+              <a:lnRef idx="2">
+                <a:schemeClr val="accent2">
+                  <a:shade val="50000"/>
+                </a:schemeClr>
+              </a:lnRef>
+              <a:fillRef idx="1">
+                <a:schemeClr val="accent2"/>
+              </a:fillRef>
+              <a:effectRef idx="0">
+                <a:schemeClr val="accent2"/>
+              </a:effectRef>
+              <a:fontRef idx="minor">
+                <a:schemeClr val="lt1"/>
+              </a:fontRef>
+            </p:style>
+            <p:txBody>
+              <a:bodyPr rtlCol="0" anchor="ctr"/>
+              <a:lstStyle/>
+              <a:p>
+                <a:pPr algn="ctr"/>
+                <a:r>
+                  <a:rPr kumimoji="1" lang="en-US" altLang="zh-CN" sz="1200" b="1" dirty="0" err="1">
+                    <a:solidFill>
+                      <a:sysClr val="windowText" lastClr="000000"/>
+                    </a:solidFill>
+                  </a:rPr>
+                  <a:t>medium</a:t>
+                </a:r>
+                <a:r>
+                  <a:rPr kumimoji="1" lang="en-US" altLang="zh-CN" sz="1200" dirty="0" err="1">
+                    <a:solidFill>
+                      <a:sysClr val="windowText" lastClr="000000"/>
+                    </a:solidFill>
+                    <a:latin typeface="DengXian" panose="02010600030101010101" pitchFamily="2" charset="-122"/>
+                    <a:ea typeface="DengXian" panose="02010600030101010101" pitchFamily="2" charset="-122"/>
+                  </a:rPr>
+                  <a:t>.isBlocked</a:t>
+                </a:r>
+                <a:r>
+                  <a:rPr kumimoji="1" lang="zh-CN" altLang="en-US" sz="1200" dirty="0">
+                    <a:solidFill>
+                      <a:sysClr val="windowText" lastClr="000000"/>
+                    </a:solidFill>
+                    <a:latin typeface="DengXian" panose="02010600030101010101" pitchFamily="2" charset="-122"/>
+                    <a:ea typeface="DengXian" panose="02010600030101010101" pitchFamily="2" charset="-122"/>
+                  </a:rPr>
+                  <a:t> </a:t>
+                </a:r>
+                <a:r>
+                  <a:rPr kumimoji="1" lang="en-US" altLang="zh-CN" sz="1200" dirty="0">
+                    <a:solidFill>
+                      <a:sysClr val="windowText" lastClr="000000"/>
+                    </a:solidFill>
+                    <a:latin typeface="DengXian" panose="02010600030101010101" pitchFamily="2" charset="-122"/>
+                    <a:ea typeface="DengXian" panose="02010600030101010101" pitchFamily="2" charset="-122"/>
+                  </a:rPr>
+                  <a:t>=</a:t>
+                </a:r>
+                <a:r>
+                  <a:rPr kumimoji="1" lang="zh-CN" altLang="en-US" sz="1200" dirty="0">
+                    <a:solidFill>
+                      <a:sysClr val="windowText" lastClr="000000"/>
+                    </a:solidFill>
+                    <a:latin typeface="DengXian" panose="02010600030101010101" pitchFamily="2" charset="-122"/>
+                    <a:ea typeface="DengXian" panose="02010600030101010101" pitchFamily="2" charset="-122"/>
+                  </a:rPr>
+                  <a:t> </a:t>
+                </a:r>
+                <a:r>
+                  <a:rPr kumimoji="1" lang="en-US" altLang="zh-CN" sz="1200" dirty="0">
+                    <a:solidFill>
+                      <a:sysClr val="windowText" lastClr="000000"/>
+                    </a:solidFill>
+                    <a:latin typeface="DengXian" panose="02010600030101010101" pitchFamily="2" charset="-122"/>
+                    <a:ea typeface="DengXian" panose="02010600030101010101" pitchFamily="2" charset="-122"/>
+                  </a:rPr>
+                  <a:t>True</a:t>
+                </a:r>
+                <a:endParaRPr kumimoji="1" lang="zh-CN" altLang="en-US" sz="1200" dirty="0">
+                  <a:solidFill>
+                    <a:sysClr val="windowText" lastClr="000000"/>
+                  </a:solidFill>
+                  <a:latin typeface="DengXian" panose="02010600030101010101" pitchFamily="2" charset="-122"/>
+                  <a:ea typeface="DengXian" panose="02010600030101010101" pitchFamily="2" charset="-122"/>
+                </a:endParaRPr>
+              </a:p>
+            </p:txBody>
+          </p:sp>
+        </p:grpSp>
+        <p:cxnSp>
+          <p:nvCxnSpPr>
+            <p:cNvPr id="45" name="直线箭头连接符 7" descr="jytjh">
+              <a:extLst>
+                <a:ext uri="{FF2B5EF4-FFF2-40B4-BE49-F238E27FC236}">
+                  <a16:creationId xmlns:a16="http://schemas.microsoft.com/office/drawing/2014/main" id="{0812CFAB-1E70-9AEF-7AB1-47F4CB31903C}"/>
+                </a:ext>
+              </a:extLst>
+            </p:cNvPr>
+            <p:cNvCxnSpPr>
+              <a:cxnSpLocks/>
+              <a:stCxn id="23" idx="1"/>
+              <a:endCxn id="21" idx="3"/>
+            </p:cNvCxnSpPr>
+            <p:nvPr/>
+          </p:nvCxnSpPr>
+          <p:spPr>
+            <a:xfrm flipH="1">
+              <a:off x="7630665" y="2723734"/>
+              <a:ext cx="595965" cy="0"/>
+            </a:xfrm>
+            <a:prstGeom prst="straightConnector1">
+              <a:avLst/>
+            </a:prstGeom>
+            <a:ln w="25400">
+              <a:solidFill>
+                <a:schemeClr val="tx1"/>
+              </a:solidFill>
+              <a:headEnd type="none" w="lg" len="med"/>
+              <a:tailEnd type="arrow" w="sm" len="lg"/>
+            </a:ln>
+          </p:spPr>
+          <p:style>
+            <a:lnRef idx="1">
+              <a:schemeClr val="accent1"/>
+            </a:lnRef>
+            <a:fillRef idx="0">
+              <a:schemeClr val="accent1"/>
+            </a:fillRef>
+            <a:effectRef idx="0">
+              <a:schemeClr val="accent1"/>
+            </a:effectRef>
+            <a:fontRef idx="minor">
+              <a:schemeClr val="tx1"/>
+            </a:fontRef>
+          </p:style>
+        </p:cxnSp>
+        <p:cxnSp>
+          <p:nvCxnSpPr>
+            <p:cNvPr id="48" name="直线箭头连接符 7" descr="jytjh">
+              <a:extLst>
+                <a:ext uri="{FF2B5EF4-FFF2-40B4-BE49-F238E27FC236}">
+                  <a16:creationId xmlns:a16="http://schemas.microsoft.com/office/drawing/2014/main" id="{F5C5289D-450A-29C3-F786-AAFA3604C395}"/>
+                </a:ext>
+              </a:extLst>
+            </p:cNvPr>
+            <p:cNvCxnSpPr>
+              <a:cxnSpLocks/>
+              <a:stCxn id="43" idx="1"/>
+              <a:endCxn id="29" idx="3"/>
+            </p:cNvCxnSpPr>
+            <p:nvPr/>
+          </p:nvCxnSpPr>
+          <p:spPr>
+            <a:xfrm flipH="1">
+              <a:off x="7630665" y="4812306"/>
+              <a:ext cx="595965" cy="0"/>
+            </a:xfrm>
+            <a:prstGeom prst="straightConnector1">
+              <a:avLst/>
+            </a:prstGeom>
+            <a:ln w="25400">
+              <a:solidFill>
+                <a:schemeClr val="tx1"/>
+              </a:solidFill>
+              <a:headEnd type="none" w="lg" len="med"/>
+              <a:tailEnd type="arrow" w="sm" len="lg"/>
+            </a:ln>
+          </p:spPr>
+          <p:style>
+            <a:lnRef idx="1">
+              <a:schemeClr val="accent1"/>
+            </a:lnRef>
+            <a:fillRef idx="0">
+              <a:schemeClr val="accent1"/>
+            </a:fillRef>
+            <a:effectRef idx="0">
+              <a:schemeClr val="accent1"/>
+            </a:effectRef>
+            <a:fontRef idx="minor">
+              <a:schemeClr val="tx1"/>
+            </a:fontRef>
+          </p:style>
+        </p:cxnSp>
+        <p:sp>
+          <p:nvSpPr>
+            <p:cNvPr id="17" name="文本框 12">
+              <a:extLst>
+                <a:ext uri="{FF2B5EF4-FFF2-40B4-BE49-F238E27FC236}">
+                  <a16:creationId xmlns:a16="http://schemas.microsoft.com/office/drawing/2014/main" id="{8E8A6D44-C164-CA15-88E0-446B3E5AA319}"/>
+                </a:ext>
+              </a:extLst>
+            </p:cNvPr>
+            <p:cNvSpPr txBox="1"/>
+            <p:nvPr/>
+          </p:nvSpPr>
+          <p:spPr>
+            <a:xfrm>
+              <a:off x="4470572" y="2757742"/>
+              <a:ext cx="647504" cy="276999"/>
+            </a:xfrm>
+            <a:prstGeom prst="rect">
+              <a:avLst/>
+            </a:prstGeom>
+            <a:solidFill>
+              <a:schemeClr val="bg1"/>
+            </a:solidFill>
+          </p:spPr>
           <p:txBody>
-            <a:bodyPr rtlCol="0" anchor="ctr"/>
+            <a:bodyPr wrap="square" rtlCol="0">
+              <a:spAutoFit/>
+            </a:bodyPr>
             <a:lstStyle/>
             <a:p>
               <a:pPr algn="ctr"/>
               <a:r>
-                <a:rPr kumimoji="1" lang="en-US" altLang="zh-CN" sz="1200" b="1" dirty="0" err="1">
-                  <a:solidFill>
-                    <a:sysClr val="windowText" lastClr="000000"/>
-                  </a:solidFill>
-                </a:rPr>
-                <a:t>medium</a:t>
-              </a:r>
-              <a:r>
-                <a:rPr kumimoji="1" lang="en-US" altLang="zh-CN" sz="1200" dirty="0" err="1">
-                  <a:solidFill>
-                    <a:sysClr val="windowText" lastClr="000000"/>
-                  </a:solidFill>
-                  <a:latin typeface="DengXian" panose="02010600030101010101" pitchFamily="2" charset="-122"/>
-                  <a:ea typeface="DengXian" panose="02010600030101010101" pitchFamily="2" charset="-122"/>
-                </a:rPr>
-                <a:t>.isBlocked</a:t>
-              </a:r>
-              <a:r>
-                <a:rPr kumimoji="1" lang="zh-CN" altLang="en-US" sz="1200" dirty="0">
-                  <a:solidFill>
-                    <a:sysClr val="windowText" lastClr="000000"/>
-                  </a:solidFill>
+                <a:rPr kumimoji="1" lang="zh-CN" altLang="en-US" sz="1200" b="1" dirty="0">
+                  <a:latin typeface="DengXian" panose="02010600030101010101" pitchFamily="2" charset="-122"/>
+                  <a:ea typeface="DengXian" panose="02010600030101010101" pitchFamily="2" charset="-122"/>
+                </a:rPr>
+                <a:t>* </a:t>
+              </a:r>
+              <a:r>
+                <a:rPr kumimoji="1" lang="en-US" altLang="zh-CN" sz="1200" b="1" dirty="0">
+                  <a:latin typeface="DengXian" panose="02010600030101010101" pitchFamily="2" charset="-122"/>
+                  <a:ea typeface="DengXian" panose="02010600030101010101" pitchFamily="2" charset="-122"/>
+                </a:rPr>
+                <a:t>..</a:t>
+              </a:r>
+              <a:r>
+                <a:rPr kumimoji="1" lang="zh-CN" altLang="en-US" sz="1200" b="1" dirty="0">
                   <a:latin typeface="DengXian" panose="02010600030101010101" pitchFamily="2" charset="-122"/>
                   <a:ea typeface="DengXian" panose="02010600030101010101" pitchFamily="2" charset="-122"/>
                 </a:rPr>
                 <a:t> </a:t>
               </a:r>
               <a:r>
-                <a:rPr kumimoji="1" lang="en-US" altLang="zh-CN" sz="1200" dirty="0">
-                  <a:solidFill>
-                    <a:sysClr val="windowText" lastClr="000000"/>
-                  </a:solidFill>
-                  <a:latin typeface="DengXian" panose="02010600030101010101" pitchFamily="2" charset="-122"/>
-                  <a:ea typeface="DengXian" panose="02010600030101010101" pitchFamily="2" charset="-122"/>
-                </a:rPr>
-                <a:t>=</a:t>
-              </a:r>
-              <a:r>
-                <a:rPr kumimoji="1" lang="zh-CN" altLang="en-US" sz="1200" dirty="0">
-                  <a:solidFill>
-                    <a:sysClr val="windowText" lastClr="000000"/>
-                  </a:solidFill>
-                  <a:latin typeface="DengXian" panose="02010600030101010101" pitchFamily="2" charset="-122"/>
-                  <a:ea typeface="DengXian" panose="02010600030101010101" pitchFamily="2" charset="-122"/>
-                </a:rPr>
-                <a:t> </a:t>
-              </a:r>
-              <a:r>
-                <a:rPr kumimoji="1" lang="en-US" altLang="zh-CN" sz="1200" dirty="0">
-                  <a:solidFill>
-                    <a:sysClr val="windowText" lastClr="000000"/>
-                  </a:solidFill>
-                  <a:latin typeface="DengXian" panose="02010600030101010101" pitchFamily="2" charset="-122"/>
-                  <a:ea typeface="DengXian" panose="02010600030101010101" pitchFamily="2" charset="-122"/>
-                </a:rPr>
-                <a:t>True</a:t>
-              </a:r>
-              <a:endParaRPr kumimoji="1" lang="zh-CN" altLang="en-US" sz="1200" dirty="0">
-                <a:solidFill>
-                  <a:sysClr val="windowText" lastClr="000000"/>
-                </a:solidFill>
+                <a:rPr kumimoji="1" lang="en-US" altLang="zh-CN" sz="1200" b="1" dirty="0">
+                  <a:latin typeface="DengXian" panose="02010600030101010101" pitchFamily="2" charset="-122"/>
+                  <a:ea typeface="DengXian" panose="02010600030101010101" pitchFamily="2" charset="-122"/>
+                </a:rPr>
+                <a:t>3</a:t>
+              </a:r>
+              <a:endParaRPr kumimoji="1" lang="en-US" altLang="zh-CN" sz="1200" dirty="0">
                 <a:latin typeface="DengXian" panose="02010600030101010101" pitchFamily="2" charset="-122"/>
                 <a:ea typeface="DengXian" panose="02010600030101010101" pitchFamily="2" charset="-122"/>
               </a:endParaRPr>
@@ -4005,623 +4758,6 @@
           </p:txBody>
         </p:sp>
       </p:grpSp>
-      <p:cxnSp>
-        <p:nvCxnSpPr>
-          <p:cNvPr id="25" name="直线箭头连接符 5" descr="jytjh">
-            <a:extLst>
-              <a:ext uri="{FF2B5EF4-FFF2-40B4-BE49-F238E27FC236}">
-                <a16:creationId xmlns:a16="http://schemas.microsoft.com/office/drawing/2014/main" id="{FAAC16AD-07E6-FE6E-79E5-1E1D9822E447}"/>
-              </a:ext>
-            </a:extLst>
-          </p:cNvPr>
-          <p:cNvCxnSpPr>
-            <a:cxnSpLocks/>
-            <a:stCxn id="11" idx="3"/>
-            <a:endCxn id="21" idx="1"/>
-          </p:cNvCxnSpPr>
-          <p:nvPr/>
-        </p:nvCxnSpPr>
-        <p:spPr>
-          <a:xfrm>
-            <a:off x="3468866" y="2907790"/>
-            <a:ext cx="1354795" cy="0"/>
-          </a:xfrm>
-          <a:prstGeom prst="straightConnector1">
-            <a:avLst/>
-          </a:prstGeom>
-          <a:ln w="25400">
-            <a:solidFill>
-              <a:schemeClr val="tx1"/>
-            </a:solidFill>
-            <a:headEnd type="none" w="sm" len="lg"/>
-            <a:tailEnd type="arrow" w="sm" len="lg"/>
-          </a:ln>
-        </p:spPr>
-        <p:style>
-          <a:lnRef idx="1">
-            <a:schemeClr val="accent1"/>
-          </a:lnRef>
-          <a:fillRef idx="0">
-            <a:schemeClr val="accent1"/>
-          </a:fillRef>
-          <a:effectRef idx="0">
-            <a:schemeClr val="accent1"/>
-          </a:effectRef>
-          <a:fontRef idx="minor">
-            <a:schemeClr val="tx1"/>
-          </a:fontRef>
-        </p:style>
-      </p:cxnSp>
-      <p:sp>
-        <p:nvSpPr>
-          <p:cNvPr id="29" name="矩形 4">
-            <a:extLst>
-              <a:ext uri="{FF2B5EF4-FFF2-40B4-BE49-F238E27FC236}">
-                <a16:creationId xmlns:a16="http://schemas.microsoft.com/office/drawing/2014/main" id="{180FA1C2-C28D-24A0-2715-94860A81388F}"/>
-              </a:ext>
-            </a:extLst>
-          </p:cNvPr>
-          <p:cNvSpPr/>
-          <p:nvPr/>
-        </p:nvSpPr>
-        <p:spPr>
-          <a:xfrm>
-            <a:off x="4823661" y="5040389"/>
-            <a:ext cx="1865172" cy="394852"/>
-          </a:xfrm>
-          <a:prstGeom prst="rect">
-            <a:avLst/>
-          </a:prstGeom>
-          <a:solidFill>
-            <a:schemeClr val="accent5">
-              <a:lumMod val="60000"/>
-              <a:lumOff val="40000"/>
-            </a:schemeClr>
-          </a:solidFill>
-          <a:ln w="25400">
-            <a:solidFill>
-              <a:schemeClr val="tx1"/>
-            </a:solidFill>
-          </a:ln>
-        </p:spPr>
-        <p:style>
-          <a:lnRef idx="2">
-            <a:schemeClr val="accent2">
-              <a:shade val="50000"/>
-            </a:schemeClr>
-          </a:lnRef>
-          <a:fillRef idx="1">
-            <a:schemeClr val="accent2"/>
-          </a:fillRef>
-          <a:effectRef idx="0">
-            <a:schemeClr val="accent2"/>
-          </a:effectRef>
-          <a:fontRef idx="minor">
-            <a:schemeClr val="lt1"/>
-          </a:fontRef>
-        </p:style>
-        <p:txBody>
-          <a:bodyPr rtlCol="0" anchor="ctr"/>
-          <a:lstStyle/>
-          <a:p>
-            <a:pPr algn="ctr"/>
-            <a:r>
-              <a:rPr kumimoji="1" lang="en-US" altLang="zh-CN" sz="1200" b="1" dirty="0">
-                <a:solidFill>
-                  <a:sysClr val="windowText" lastClr="000000"/>
-                </a:solidFill>
-              </a:rPr>
-              <a:t>other</a:t>
-            </a:r>
-            <a:r>
-              <a:rPr kumimoji="1" lang="zh-CN" altLang="en-US" sz="1200" dirty="0">
-                <a:solidFill>
-                  <a:sysClr val="windowText" lastClr="000000"/>
-                </a:solidFill>
-              </a:rPr>
-              <a:t> </a:t>
-            </a:r>
-            <a:r>
-              <a:rPr kumimoji="1" lang="en-US" altLang="zh-CN" sz="1200" dirty="0">
-                <a:solidFill>
-                  <a:sysClr val="windowText" lastClr="000000"/>
-                </a:solidFill>
-              </a:rPr>
-              <a:t>:</a:t>
-            </a:r>
-            <a:r>
-              <a:rPr kumimoji="1" lang="zh-CN" altLang="en-US" sz="1200" dirty="0">
-                <a:solidFill>
-                  <a:sysClr val="windowText" lastClr="000000"/>
-                </a:solidFill>
-              </a:rPr>
-              <a:t> </a:t>
-            </a:r>
-            <a:r>
-              <a:rPr kumimoji="1" lang="en-US" altLang="zh-CN" sz="1200" dirty="0">
-                <a:solidFill>
-                  <a:sysClr val="windowText" lastClr="000000"/>
-                </a:solidFill>
-              </a:rPr>
-              <a:t>Account</a:t>
-            </a:r>
-            <a:endParaRPr kumimoji="1" lang="zh-CN" altLang="en-US" sz="1200" dirty="0">
-              <a:solidFill>
-                <a:sysClr val="windowText" lastClr="000000"/>
-              </a:solidFill>
-            </a:endParaRPr>
-          </a:p>
-        </p:txBody>
-      </p:sp>
-      <p:cxnSp>
-        <p:nvCxnSpPr>
-          <p:cNvPr id="35" name="直线箭头连接符 5" descr="jytjh">
-            <a:extLst>
-              <a:ext uri="{FF2B5EF4-FFF2-40B4-BE49-F238E27FC236}">
-                <a16:creationId xmlns:a16="http://schemas.microsoft.com/office/drawing/2014/main" id="{0046535A-CF85-4953-1290-6E9A255DBF61}"/>
-              </a:ext>
-            </a:extLst>
-          </p:cNvPr>
-          <p:cNvCxnSpPr>
-            <a:cxnSpLocks/>
-            <a:stCxn id="11" idx="3"/>
-            <a:endCxn id="29" idx="1"/>
-          </p:cNvCxnSpPr>
-          <p:nvPr/>
-        </p:nvCxnSpPr>
-        <p:spPr>
-          <a:xfrm>
-            <a:off x="3468866" y="2907790"/>
-            <a:ext cx="1354795" cy="2330025"/>
-          </a:xfrm>
-          <a:prstGeom prst="straightConnector1">
-            <a:avLst/>
-          </a:prstGeom>
-          <a:ln w="25400">
-            <a:solidFill>
-              <a:schemeClr val="tx1"/>
-            </a:solidFill>
-            <a:headEnd type="none" w="sm" len="lg"/>
-            <a:tailEnd type="arrow" w="sm" len="lg"/>
-          </a:ln>
-        </p:spPr>
-        <p:style>
-          <a:lnRef idx="1">
-            <a:schemeClr val="accent1"/>
-          </a:lnRef>
-          <a:fillRef idx="0">
-            <a:schemeClr val="accent1"/>
-          </a:fillRef>
-          <a:effectRef idx="0">
-            <a:schemeClr val="accent1"/>
-          </a:effectRef>
-          <a:fontRef idx="minor">
-            <a:schemeClr val="tx1"/>
-          </a:fontRef>
-        </p:style>
-      </p:cxnSp>
-      <p:sp>
-        <p:nvSpPr>
-          <p:cNvPr id="38" name="文本框 12">
-            <a:extLst>
-              <a:ext uri="{FF2B5EF4-FFF2-40B4-BE49-F238E27FC236}">
-                <a16:creationId xmlns:a16="http://schemas.microsoft.com/office/drawing/2014/main" id="{13CFC30A-9B14-12FA-532F-D51FC71E4CED}"/>
-              </a:ext>
-            </a:extLst>
-          </p:cNvPr>
-          <p:cNvSpPr txBox="1"/>
-          <p:nvPr/>
-        </p:nvSpPr>
-        <p:spPr>
-          <a:xfrm>
-            <a:off x="4823660" y="3787625"/>
-            <a:ext cx="1865173" cy="400110"/>
-          </a:xfrm>
-          <a:prstGeom prst="rect">
-            <a:avLst/>
-          </a:prstGeom>
-          <a:noFill/>
-        </p:spPr>
-        <p:txBody>
-          <a:bodyPr wrap="square" rtlCol="0">
-            <a:spAutoFit/>
-          </a:bodyPr>
-          <a:lstStyle/>
-          <a:p>
-            <a:pPr algn="ctr"/>
-            <a:r>
-              <a:rPr kumimoji="1" lang="en-US" altLang="zh-CN" sz="2000" b="1" dirty="0">
-                <a:latin typeface="DengXian" panose="02010600030101010101" pitchFamily="2" charset="-122"/>
-                <a:ea typeface="DengXian" panose="02010600030101010101" pitchFamily="2" charset="-122"/>
-              </a:rPr>
-              <a:t>…</a:t>
-            </a:r>
-            <a:endParaRPr kumimoji="1" lang="en-US" altLang="zh-CN" sz="2000" dirty="0">
-              <a:latin typeface="DengXian" panose="02010600030101010101" pitchFamily="2" charset="-122"/>
-              <a:ea typeface="DengXian" panose="02010600030101010101" pitchFamily="2" charset="-122"/>
-            </a:endParaRPr>
-          </a:p>
-        </p:txBody>
-      </p:sp>
-      <p:cxnSp>
-        <p:nvCxnSpPr>
-          <p:cNvPr id="39" name="直线箭头连接符 5" descr="jytjh">
-            <a:extLst>
-              <a:ext uri="{FF2B5EF4-FFF2-40B4-BE49-F238E27FC236}">
-                <a16:creationId xmlns:a16="http://schemas.microsoft.com/office/drawing/2014/main" id="{BB609E75-A6DA-77F3-4924-5B376B88C063}"/>
-              </a:ext>
-            </a:extLst>
-          </p:cNvPr>
-          <p:cNvCxnSpPr>
-            <a:cxnSpLocks/>
-            <a:stCxn id="11" idx="3"/>
-            <a:endCxn id="38" idx="1"/>
-          </p:cNvCxnSpPr>
-          <p:nvPr/>
-        </p:nvCxnSpPr>
-        <p:spPr>
-          <a:xfrm>
-            <a:off x="3468866" y="2907790"/>
-            <a:ext cx="1354794" cy="1079890"/>
-          </a:xfrm>
-          <a:prstGeom prst="straightConnector1">
-            <a:avLst/>
-          </a:prstGeom>
-          <a:ln w="25400">
-            <a:solidFill>
-              <a:schemeClr val="tx1"/>
-            </a:solidFill>
-            <a:headEnd type="none" w="sm" len="lg"/>
-            <a:tailEnd type="arrow" w="sm" len="lg"/>
-          </a:ln>
-        </p:spPr>
-        <p:style>
-          <a:lnRef idx="1">
-            <a:schemeClr val="accent1"/>
-          </a:lnRef>
-          <a:fillRef idx="0">
-            <a:schemeClr val="accent1"/>
-          </a:fillRef>
-          <a:effectRef idx="0">
-            <a:schemeClr val="accent1"/>
-          </a:effectRef>
-          <a:fontRef idx="minor">
-            <a:schemeClr val="tx1"/>
-          </a:fontRef>
-        </p:style>
-      </p:cxnSp>
-      <p:grpSp>
-        <p:nvGrpSpPr>
-          <p:cNvPr id="42" name="Group 41">
-            <a:extLst>
-              <a:ext uri="{FF2B5EF4-FFF2-40B4-BE49-F238E27FC236}">
-                <a16:creationId xmlns:a16="http://schemas.microsoft.com/office/drawing/2014/main" id="{4D4A34C9-1849-6728-D4DB-CE6206B25C1C}"/>
-              </a:ext>
-            </a:extLst>
-          </p:cNvPr>
-          <p:cNvGrpSpPr/>
-          <p:nvPr/>
-        </p:nvGrpSpPr>
-        <p:grpSpPr>
-          <a:xfrm>
-            <a:off x="8226629" y="5040389"/>
-            <a:ext cx="1969609" cy="789704"/>
-            <a:chOff x="8972091" y="3120769"/>
-            <a:chExt cx="1969609" cy="789704"/>
-          </a:xfrm>
-        </p:grpSpPr>
-        <p:sp>
-          <p:nvSpPr>
-            <p:cNvPr id="43" name="矩形 9">
-              <a:extLst>
-                <a:ext uri="{FF2B5EF4-FFF2-40B4-BE49-F238E27FC236}">
-                  <a16:creationId xmlns:a16="http://schemas.microsoft.com/office/drawing/2014/main" id="{F7FDC6B7-A5EC-F8C6-C4CB-6EF83629F3B4}"/>
-                </a:ext>
-              </a:extLst>
-            </p:cNvPr>
-            <p:cNvSpPr/>
-            <p:nvPr/>
-          </p:nvSpPr>
-          <p:spPr>
-            <a:xfrm>
-              <a:off x="8972092" y="3120769"/>
-              <a:ext cx="1969608" cy="394852"/>
-            </a:xfrm>
-            <a:prstGeom prst="rect">
-              <a:avLst/>
-            </a:prstGeom>
-            <a:solidFill>
-              <a:schemeClr val="accent4">
-                <a:lumMod val="60000"/>
-                <a:lumOff val="40000"/>
-              </a:schemeClr>
-            </a:solidFill>
-            <a:ln w="25400">
-              <a:solidFill>
-                <a:schemeClr val="tx1"/>
-              </a:solidFill>
-            </a:ln>
-          </p:spPr>
-          <p:style>
-            <a:lnRef idx="2">
-              <a:schemeClr val="accent2">
-                <a:shade val="50000"/>
-              </a:schemeClr>
-            </a:lnRef>
-            <a:fillRef idx="1">
-              <a:schemeClr val="accent2"/>
-            </a:fillRef>
-            <a:effectRef idx="0">
-              <a:schemeClr val="accent2"/>
-            </a:effectRef>
-            <a:fontRef idx="minor">
-              <a:schemeClr val="lt1"/>
-            </a:fontRef>
-          </p:style>
-          <p:txBody>
-            <a:bodyPr rtlCol="0" anchor="ctr"/>
-            <a:lstStyle/>
-            <a:p>
-              <a:pPr algn="ctr"/>
-              <a:r>
-                <a:rPr kumimoji="1" lang="en-US" altLang="zh-CN" sz="1200" b="1" dirty="0">
-                  <a:solidFill>
-                    <a:sysClr val="windowText" lastClr="000000"/>
-                  </a:solidFill>
-                </a:rPr>
-                <a:t>medium</a:t>
-              </a:r>
-              <a:r>
-                <a:rPr kumimoji="1" lang="zh-CN" altLang="en-US" sz="1200" dirty="0">
-                  <a:solidFill>
-                    <a:sysClr val="windowText" lastClr="000000"/>
-                  </a:solidFill>
-                </a:rPr>
-                <a:t> </a:t>
-              </a:r>
-              <a:r>
-                <a:rPr kumimoji="1" lang="en-US" altLang="zh-CN" sz="1200" dirty="0">
-                  <a:solidFill>
-                    <a:sysClr val="windowText" lastClr="000000"/>
-                  </a:solidFill>
-                </a:rPr>
-                <a:t>:</a:t>
-              </a:r>
-              <a:r>
-                <a:rPr kumimoji="1" lang="zh-CN" altLang="en-US" sz="1200" dirty="0">
-                  <a:solidFill>
-                    <a:sysClr val="windowText" lastClr="000000"/>
-                  </a:solidFill>
-                </a:rPr>
-                <a:t> </a:t>
-              </a:r>
-              <a:r>
-                <a:rPr kumimoji="1" lang="en-US" altLang="zh-CN" sz="1200" dirty="0">
-                  <a:solidFill>
-                    <a:sysClr val="windowText" lastClr="000000"/>
-                  </a:solidFill>
-                </a:rPr>
-                <a:t>Medium</a:t>
-              </a:r>
-              <a:endParaRPr kumimoji="1" lang="zh-CN" altLang="en-US" sz="1200" dirty="0">
-                <a:solidFill>
-                  <a:sysClr val="windowText" lastClr="000000"/>
-                </a:solidFill>
-              </a:endParaRPr>
-            </a:p>
-          </p:txBody>
-        </p:sp>
-        <p:sp>
-          <p:nvSpPr>
-            <p:cNvPr id="44" name="矩形 13">
-              <a:extLst>
-                <a:ext uri="{FF2B5EF4-FFF2-40B4-BE49-F238E27FC236}">
-                  <a16:creationId xmlns:a16="http://schemas.microsoft.com/office/drawing/2014/main" id="{8E1431ED-CBAE-173C-4E1C-C502B51A7ED9}"/>
-                </a:ext>
-              </a:extLst>
-            </p:cNvPr>
-            <p:cNvSpPr/>
-            <p:nvPr/>
-          </p:nvSpPr>
-          <p:spPr>
-            <a:xfrm>
-              <a:off x="8972091" y="3515621"/>
-              <a:ext cx="1969608" cy="394852"/>
-            </a:xfrm>
-            <a:prstGeom prst="rect">
-              <a:avLst/>
-            </a:prstGeom>
-            <a:noFill/>
-            <a:ln w="25400">
-              <a:solidFill>
-                <a:schemeClr val="tx1"/>
-              </a:solidFill>
-            </a:ln>
-          </p:spPr>
-          <p:style>
-            <a:lnRef idx="2">
-              <a:schemeClr val="accent2">
-                <a:shade val="50000"/>
-              </a:schemeClr>
-            </a:lnRef>
-            <a:fillRef idx="1">
-              <a:schemeClr val="accent2"/>
-            </a:fillRef>
-            <a:effectRef idx="0">
-              <a:schemeClr val="accent2"/>
-            </a:effectRef>
-            <a:fontRef idx="minor">
-              <a:schemeClr val="lt1"/>
-            </a:fontRef>
-          </p:style>
-          <p:txBody>
-            <a:bodyPr rtlCol="0" anchor="ctr"/>
-            <a:lstStyle/>
-            <a:p>
-              <a:pPr algn="ctr"/>
-              <a:r>
-                <a:rPr kumimoji="1" lang="en-US" altLang="zh-CN" sz="1200" b="1" dirty="0" err="1">
-                  <a:solidFill>
-                    <a:sysClr val="windowText" lastClr="000000"/>
-                  </a:solidFill>
-                </a:rPr>
-                <a:t>medium</a:t>
-              </a:r>
-              <a:r>
-                <a:rPr kumimoji="1" lang="en-US" altLang="zh-CN" sz="1200" dirty="0" err="1">
-                  <a:solidFill>
-                    <a:sysClr val="windowText" lastClr="000000"/>
-                  </a:solidFill>
-                  <a:latin typeface="DengXian" panose="02010600030101010101" pitchFamily="2" charset="-122"/>
-                  <a:ea typeface="DengXian" panose="02010600030101010101" pitchFamily="2" charset="-122"/>
-                </a:rPr>
-                <a:t>.isBlocked</a:t>
-              </a:r>
-              <a:r>
-                <a:rPr kumimoji="1" lang="zh-CN" altLang="en-US" sz="1200" dirty="0">
-                  <a:solidFill>
-                    <a:sysClr val="windowText" lastClr="000000"/>
-                  </a:solidFill>
-                  <a:latin typeface="DengXian" panose="02010600030101010101" pitchFamily="2" charset="-122"/>
-                  <a:ea typeface="DengXian" panose="02010600030101010101" pitchFamily="2" charset="-122"/>
-                </a:rPr>
-                <a:t> </a:t>
-              </a:r>
-              <a:r>
-                <a:rPr kumimoji="1" lang="en-US" altLang="zh-CN" sz="1200" dirty="0">
-                  <a:solidFill>
-                    <a:sysClr val="windowText" lastClr="000000"/>
-                  </a:solidFill>
-                  <a:latin typeface="DengXian" panose="02010600030101010101" pitchFamily="2" charset="-122"/>
-                  <a:ea typeface="DengXian" panose="02010600030101010101" pitchFamily="2" charset="-122"/>
-                </a:rPr>
-                <a:t>=</a:t>
-              </a:r>
-              <a:r>
-                <a:rPr kumimoji="1" lang="zh-CN" altLang="en-US" sz="1200" dirty="0">
-                  <a:solidFill>
-                    <a:sysClr val="windowText" lastClr="000000"/>
-                  </a:solidFill>
-                  <a:latin typeface="DengXian" panose="02010600030101010101" pitchFamily="2" charset="-122"/>
-                  <a:ea typeface="DengXian" panose="02010600030101010101" pitchFamily="2" charset="-122"/>
-                </a:rPr>
-                <a:t> </a:t>
-              </a:r>
-              <a:r>
-                <a:rPr kumimoji="1" lang="en-US" altLang="zh-CN" sz="1200" dirty="0">
-                  <a:solidFill>
-                    <a:sysClr val="windowText" lastClr="000000"/>
-                  </a:solidFill>
-                  <a:latin typeface="DengXian" panose="02010600030101010101" pitchFamily="2" charset="-122"/>
-                  <a:ea typeface="DengXian" panose="02010600030101010101" pitchFamily="2" charset="-122"/>
-                </a:rPr>
-                <a:t>True</a:t>
-              </a:r>
-              <a:endParaRPr kumimoji="1" lang="zh-CN" altLang="en-US" sz="1200" dirty="0">
-                <a:solidFill>
-                  <a:sysClr val="windowText" lastClr="000000"/>
-                </a:solidFill>
-                <a:latin typeface="DengXian" panose="02010600030101010101" pitchFamily="2" charset="-122"/>
-                <a:ea typeface="DengXian" panose="02010600030101010101" pitchFamily="2" charset="-122"/>
-              </a:endParaRPr>
-            </a:p>
-          </p:txBody>
-        </p:sp>
-      </p:grpSp>
-      <p:cxnSp>
-        <p:nvCxnSpPr>
-          <p:cNvPr id="45" name="直线箭头连接符 7" descr="jytjh">
-            <a:extLst>
-              <a:ext uri="{FF2B5EF4-FFF2-40B4-BE49-F238E27FC236}">
-                <a16:creationId xmlns:a16="http://schemas.microsoft.com/office/drawing/2014/main" id="{0812CFAB-1E70-9AEF-7AB1-47F4CB31903C}"/>
-              </a:ext>
-            </a:extLst>
-          </p:cNvPr>
-          <p:cNvCxnSpPr>
-            <a:cxnSpLocks/>
-            <a:stCxn id="23" idx="1"/>
-            <a:endCxn id="21" idx="3"/>
-          </p:cNvCxnSpPr>
-          <p:nvPr/>
-        </p:nvCxnSpPr>
-        <p:spPr>
-          <a:xfrm flipH="1">
-            <a:off x="6688833" y="2907790"/>
-            <a:ext cx="1537797" cy="0"/>
-          </a:xfrm>
-          <a:prstGeom prst="straightConnector1">
-            <a:avLst/>
-          </a:prstGeom>
-          <a:ln w="25400">
-            <a:solidFill>
-              <a:schemeClr val="tx1"/>
-            </a:solidFill>
-            <a:headEnd type="none" w="lg" len="med"/>
-            <a:tailEnd type="arrow" w="sm" len="lg"/>
-          </a:ln>
-        </p:spPr>
-        <p:style>
-          <a:lnRef idx="1">
-            <a:schemeClr val="accent1"/>
-          </a:lnRef>
-          <a:fillRef idx="0">
-            <a:schemeClr val="accent1"/>
-          </a:fillRef>
-          <a:effectRef idx="0">
-            <a:schemeClr val="accent1"/>
-          </a:effectRef>
-          <a:fontRef idx="minor">
-            <a:schemeClr val="tx1"/>
-          </a:fontRef>
-        </p:style>
-      </p:cxnSp>
-      <p:cxnSp>
-        <p:nvCxnSpPr>
-          <p:cNvPr id="48" name="直线箭头连接符 7" descr="jytjh">
-            <a:extLst>
-              <a:ext uri="{FF2B5EF4-FFF2-40B4-BE49-F238E27FC236}">
-                <a16:creationId xmlns:a16="http://schemas.microsoft.com/office/drawing/2014/main" id="{F5C5289D-450A-29C3-F786-AAFA3604C395}"/>
-              </a:ext>
-            </a:extLst>
-          </p:cNvPr>
-          <p:cNvCxnSpPr>
-            <a:cxnSpLocks/>
-            <a:stCxn id="43" idx="1"/>
-            <a:endCxn id="29" idx="3"/>
-          </p:cNvCxnSpPr>
-          <p:nvPr/>
-        </p:nvCxnSpPr>
-        <p:spPr>
-          <a:xfrm flipH="1">
-            <a:off x="6688833" y="5237815"/>
-            <a:ext cx="1537797" cy="0"/>
-          </a:xfrm>
-          <a:prstGeom prst="straightConnector1">
-            <a:avLst/>
-          </a:prstGeom>
-          <a:ln w="25400">
-            <a:solidFill>
-              <a:schemeClr val="tx1"/>
-            </a:solidFill>
-            <a:headEnd type="none" w="lg" len="med"/>
-            <a:tailEnd type="arrow" w="sm" len="lg"/>
-          </a:ln>
-        </p:spPr>
-        <p:style>
-          <a:lnRef idx="1">
-            <a:schemeClr val="accent1"/>
-          </a:lnRef>
-          <a:fillRef idx="0">
-            <a:schemeClr val="accent1"/>
-          </a:fillRef>
-          <a:effectRef idx="0">
-            <a:schemeClr val="accent1"/>
-          </a:effectRef>
-          <a:fontRef idx="minor">
-            <a:schemeClr val="tx1"/>
-          </a:fontRef>
-        </p:style>
-      </p:cxnSp>
     </p:spTree>
     <p:extLst>
       <p:ext uri="{BB962C8B-B14F-4D97-AF65-F5344CB8AC3E}">

--- a/patterns/transaction-complex-read.pptx
+++ b/patterns/transaction-complex-read.pptx
@@ -211,7 +211,7 @@
           <a:p>
             <a:fld id="{CAD4BD24-A097-4F9D-85E9-6A2A24CA2D98}" type="datetimeFigureOut">
               <a:rPr lang="zh-CN" altLang="en-US" smtClean="0"/>
-              <a:t>2022/11/16</a:t>
+              <a:t>2022/11/18</a:t>
             </a:fld>
             <a:endParaRPr lang="zh-CN" altLang="en-US"/>
           </a:p>
@@ -15682,10 +15682,10 @@
         </p:nvGrpSpPr>
         <p:grpSpPr>
           <a:xfrm>
-            <a:off x="880846" y="1369741"/>
-            <a:ext cx="10430308" cy="4611188"/>
-            <a:chOff x="600347" y="1416633"/>
-            <a:chExt cx="10430308" cy="4611188"/>
+            <a:off x="880846" y="1369740"/>
+            <a:ext cx="10430308" cy="4768503"/>
+            <a:chOff x="600347" y="1416632"/>
+            <a:chExt cx="10430308" cy="4768503"/>
           </a:xfrm>
         </p:grpSpPr>
         <p:sp>
@@ -15702,8 +15702,8 @@
           </p:nvSpPr>
           <p:spPr>
             <a:xfrm>
-              <a:off x="9111232" y="1416633"/>
-              <a:ext cx="1919423" cy="4611188"/>
+              <a:off x="9111232" y="1416632"/>
+              <a:ext cx="1919423" cy="4768503"/>
             </a:xfrm>
             <a:prstGeom prst="rect">
               <a:avLst/>
@@ -15777,6 +15777,48 @@
                   <a:ea typeface="DengXian" panose="02010600030101010101" pitchFamily="2" charset="-122"/>
                 </a:rPr>
                 <a:t>.loanAmount</a:t>
+              </a:r>
+              <a:r>
+                <a:rPr kumimoji="1" lang="en-US" altLang="zh-CN" sz="1200" dirty="0">
+                  <a:solidFill>
+                    <a:sysClr val="windowText" lastClr="000000"/>
+                  </a:solidFill>
+                  <a:latin typeface="DengXian" panose="02010600030101010101" pitchFamily="2" charset="-122"/>
+                  <a:ea typeface="DengXian" panose="02010600030101010101" pitchFamily="2" charset="-122"/>
+                </a:rPr>
+                <a:t>)</a:t>
+              </a:r>
+            </a:p>
+            <a:p>
+              <a:r>
+                <a:rPr kumimoji="1" lang="en-US" altLang="zh-CN" sz="1200" dirty="0">
+                  <a:solidFill>
+                    <a:sysClr val="windowText" lastClr="000000"/>
+                  </a:solidFill>
+                  <a:latin typeface="DengXian" panose="02010600030101010101" pitchFamily="2" charset="-122"/>
+                  <a:ea typeface="DengXian" panose="02010600030101010101" pitchFamily="2" charset="-122"/>
+                </a:rPr>
+                <a:t>SUM(</a:t>
+              </a:r>
+              <a:r>
+                <a:rPr kumimoji="1" lang="en-US" altLang="zh-CN" sz="1200" b="1" dirty="0" err="1">
+                  <a:solidFill>
+                    <a:sysClr val="windowText" lastClr="000000"/>
+                  </a:solidFill>
+                  <a:latin typeface="DengXian" panose="02010600030101010101" pitchFamily="2" charset="-122"/>
+                  <a:ea typeface="DengXian" panose="02010600030101010101" pitchFamily="2" charset="-122"/>
+                </a:rPr>
+                <a:t>loans</a:t>
+              </a:r>
+              <a:r>
+                <a:rPr kumimoji="1" lang="en-US" altLang="zh-CN" sz="1200" dirty="0" err="1">
+                  <a:solidFill>
+                    <a:sysClr val="windowText" lastClr="000000"/>
+                  </a:solidFill>
+                  <a:latin typeface="DengXian" panose="02010600030101010101" pitchFamily="2" charset="-122"/>
+                  <a:ea typeface="DengXian" panose="02010600030101010101" pitchFamily="2" charset="-122"/>
+                </a:rPr>
+                <a:t>.balance</a:t>
               </a:r>
               <a:r>
                 <a:rPr kumimoji="1" lang="en-US" altLang="zh-CN" sz="1200" dirty="0">
@@ -22399,2328 +22441,2349 @@
           <a:chExt cx="0" cy="0"/>
         </a:xfrm>
       </p:grpSpPr>
-      <p:sp>
-        <p:nvSpPr>
-          <p:cNvPr id="26" name="矩形 5">
+      <p:grpSp>
+        <p:nvGrpSpPr>
+          <p:cNvPr id="2" name="Group 1">
             <a:extLst>
               <a:ext uri="{FF2B5EF4-FFF2-40B4-BE49-F238E27FC236}">
-                <a16:creationId xmlns:a16="http://schemas.microsoft.com/office/drawing/2014/main" id="{157E59E4-5BB9-A94E-861A-107157A5301C}"/>
+                <a16:creationId xmlns:a16="http://schemas.microsoft.com/office/drawing/2014/main" id="{41925677-9669-8939-6D0E-5B568B0D4ACF}"/>
               </a:ext>
             </a:extLst>
           </p:cNvPr>
-          <p:cNvSpPr/>
+          <p:cNvGrpSpPr/>
           <p:nvPr/>
-        </p:nvSpPr>
-        <p:spPr>
+        </p:nvGrpSpPr>
+        <p:grpSpPr>
           <a:xfrm>
-            <a:off x="1484869" y="2675530"/>
-            <a:ext cx="1594681" cy="505147"/>
+            <a:off x="1484869" y="748410"/>
+            <a:ext cx="9077621" cy="5547666"/>
+            <a:chOff x="1484869" y="748410"/>
+            <a:chExt cx="9077621" cy="5547666"/>
           </a:xfrm>
-          <a:prstGeom prst="rect">
-            <a:avLst/>
-          </a:prstGeom>
-          <a:solidFill>
-            <a:srgbClr val="92D050"/>
-          </a:solidFill>
-          <a:ln w="25400">
+        </p:grpSpPr>
+        <p:sp>
+          <p:nvSpPr>
+            <p:cNvPr id="26" name="矩形 5">
+              <a:extLst>
+                <a:ext uri="{FF2B5EF4-FFF2-40B4-BE49-F238E27FC236}">
+                  <a16:creationId xmlns:a16="http://schemas.microsoft.com/office/drawing/2014/main" id="{157E59E4-5BB9-A94E-861A-107157A5301C}"/>
+                </a:ext>
+              </a:extLst>
+            </p:cNvPr>
+            <p:cNvSpPr/>
+            <p:nvPr/>
+          </p:nvSpPr>
+          <p:spPr>
+            <a:xfrm>
+              <a:off x="1484869" y="2675530"/>
+              <a:ext cx="1594681" cy="505147"/>
+            </a:xfrm>
+            <a:prstGeom prst="rect">
+              <a:avLst/>
+            </a:prstGeom>
             <a:solidFill>
-              <a:schemeClr val="tx1"/>
+              <a:srgbClr val="92D050"/>
             </a:solidFill>
-          </a:ln>
-        </p:spPr>
-        <p:style>
-          <a:lnRef idx="2">
-            <a:schemeClr val="accent2">
-              <a:shade val="50000"/>
-            </a:schemeClr>
-          </a:lnRef>
-          <a:fillRef idx="1">
-            <a:schemeClr val="accent2"/>
-          </a:fillRef>
-          <a:effectRef idx="0">
-            <a:schemeClr val="accent2"/>
-          </a:effectRef>
-          <a:fontRef idx="minor">
-            <a:schemeClr val="lt1"/>
-          </a:fontRef>
-        </p:style>
-        <p:txBody>
-          <a:bodyPr rtlCol="0" anchor="ctr"/>
-          <a:lstStyle/>
-          <a:p>
-            <a:pPr algn="ctr"/>
-            <a:r>
-              <a:rPr kumimoji="1" lang="en-US" altLang="zh-CN" sz="1200" b="1" dirty="0">
+            <a:ln w="25400">
+              <a:solidFill>
+                <a:schemeClr val="tx1"/>
+              </a:solidFill>
+            </a:ln>
+          </p:spPr>
+          <p:style>
+            <a:lnRef idx="2">
+              <a:schemeClr val="accent2">
+                <a:shade val="50000"/>
+              </a:schemeClr>
+            </a:lnRef>
+            <a:fillRef idx="1">
+              <a:schemeClr val="accent2"/>
+            </a:fillRef>
+            <a:effectRef idx="0">
+              <a:schemeClr val="accent2"/>
+            </a:effectRef>
+            <a:fontRef idx="minor">
+              <a:schemeClr val="lt1"/>
+            </a:fontRef>
+          </p:style>
+          <p:txBody>
+            <a:bodyPr rtlCol="0" anchor="ctr"/>
+            <a:lstStyle/>
+            <a:p>
+              <a:pPr algn="ctr"/>
+              <a:r>
+                <a:rPr kumimoji="1" lang="en-US" altLang="zh-CN" sz="1200" b="1" dirty="0">
+                  <a:solidFill>
+                    <a:sysClr val="windowText" lastClr="000000"/>
+                  </a:solidFill>
+                </a:rPr>
+                <a:t>person</a:t>
+              </a:r>
+              <a:r>
+                <a:rPr kumimoji="1" lang="zh-CN" altLang="en-US" sz="1200" dirty="0">
+                  <a:solidFill>
+                    <a:sysClr val="windowText" lastClr="000000"/>
+                  </a:solidFill>
+                </a:rPr>
+                <a:t> </a:t>
+              </a:r>
+              <a:r>
+                <a:rPr kumimoji="1" lang="en-US" altLang="zh-CN" sz="1200" dirty="0">
+                  <a:solidFill>
+                    <a:sysClr val="windowText" lastClr="000000"/>
+                  </a:solidFill>
+                </a:rPr>
+                <a:t>:</a:t>
+              </a:r>
+              <a:r>
+                <a:rPr kumimoji="1" lang="zh-CN" altLang="en-US" sz="1200" dirty="0">
+                  <a:solidFill>
+                    <a:sysClr val="windowText" lastClr="000000"/>
+                  </a:solidFill>
+                </a:rPr>
+                <a:t> </a:t>
+              </a:r>
+              <a:r>
+                <a:rPr kumimoji="1" lang="en-US" altLang="zh-CN" sz="1200" dirty="0">
+                  <a:solidFill>
+                    <a:sysClr val="windowText" lastClr="000000"/>
+                  </a:solidFill>
+                </a:rPr>
+                <a:t>Person</a:t>
+              </a:r>
+              <a:endParaRPr kumimoji="1" lang="zh-CN" altLang="en-US" sz="1200" dirty="0">
                 <a:solidFill>
                   <a:sysClr val="windowText" lastClr="000000"/>
                 </a:solidFill>
-              </a:rPr>
-              <a:t>person</a:t>
-            </a:r>
-            <a:r>
-              <a:rPr kumimoji="1" lang="zh-CN" altLang="en-US" sz="1200" dirty="0">
-                <a:solidFill>
-                  <a:sysClr val="windowText" lastClr="000000"/>
-                </a:solidFill>
-              </a:rPr>
-              <a:t> </a:t>
-            </a:r>
-            <a:r>
-              <a:rPr kumimoji="1" lang="en-US" altLang="zh-CN" sz="1200" dirty="0">
-                <a:solidFill>
-                  <a:sysClr val="windowText" lastClr="000000"/>
-                </a:solidFill>
-              </a:rPr>
-              <a:t>:</a:t>
-            </a:r>
-            <a:r>
-              <a:rPr kumimoji="1" lang="zh-CN" altLang="en-US" sz="1200" dirty="0">
-                <a:solidFill>
-                  <a:sysClr val="windowText" lastClr="000000"/>
-                </a:solidFill>
-              </a:rPr>
-              <a:t> </a:t>
-            </a:r>
-            <a:r>
-              <a:rPr kumimoji="1" lang="en-US" altLang="zh-CN" sz="1200" dirty="0">
-                <a:solidFill>
-                  <a:sysClr val="windowText" lastClr="000000"/>
-                </a:solidFill>
-              </a:rPr>
-              <a:t>Person</a:t>
-            </a:r>
-            <a:endParaRPr kumimoji="1" lang="zh-CN" altLang="en-US" sz="1200" dirty="0">
+              </a:endParaRPr>
+            </a:p>
+          </p:txBody>
+        </p:sp>
+        <p:sp>
+          <p:nvSpPr>
+            <p:cNvPr id="27" name="矩形 6">
+              <a:extLst>
+                <a:ext uri="{FF2B5EF4-FFF2-40B4-BE49-F238E27FC236}">
+                  <a16:creationId xmlns:a16="http://schemas.microsoft.com/office/drawing/2014/main" id="{C006D24A-9FC5-354F-A2ED-49B74266352F}"/>
+                </a:ext>
+              </a:extLst>
+            </p:cNvPr>
+            <p:cNvSpPr/>
+            <p:nvPr/>
+          </p:nvSpPr>
+          <p:spPr>
+            <a:xfrm>
+              <a:off x="1484870" y="3178411"/>
+              <a:ext cx="1594680" cy="369670"/>
+            </a:xfrm>
+            <a:prstGeom prst="rect">
+              <a:avLst/>
+            </a:prstGeom>
+            <a:noFill/>
+            <a:ln w="25400">
               <a:solidFill>
-                <a:sysClr val="windowText" lastClr="000000"/>
+                <a:schemeClr val="tx1"/>
               </a:solidFill>
-            </a:endParaRPr>
-          </a:p>
-        </p:txBody>
-      </p:sp>
-      <p:sp>
-        <p:nvSpPr>
-          <p:cNvPr id="27" name="矩形 6">
-            <a:extLst>
-              <a:ext uri="{FF2B5EF4-FFF2-40B4-BE49-F238E27FC236}">
-                <a16:creationId xmlns:a16="http://schemas.microsoft.com/office/drawing/2014/main" id="{C006D24A-9FC5-354F-A2ED-49B74266352F}"/>
-              </a:ext>
-            </a:extLst>
-          </p:cNvPr>
-          <p:cNvSpPr/>
-          <p:nvPr/>
-        </p:nvSpPr>
-        <p:spPr>
-          <a:xfrm>
-            <a:off x="1484870" y="3178411"/>
-            <a:ext cx="1594680" cy="369670"/>
-          </a:xfrm>
-          <a:prstGeom prst="rect">
-            <a:avLst/>
-          </a:prstGeom>
-          <a:noFill/>
-          <a:ln w="25400">
-            <a:solidFill>
-              <a:schemeClr val="tx1"/>
-            </a:solidFill>
-          </a:ln>
-        </p:spPr>
-        <p:style>
-          <a:lnRef idx="2">
-            <a:schemeClr val="accent2">
-              <a:shade val="50000"/>
-            </a:schemeClr>
-          </a:lnRef>
-          <a:fillRef idx="1">
-            <a:schemeClr val="accent2"/>
-          </a:fillRef>
-          <a:effectRef idx="0">
-            <a:schemeClr val="accent2"/>
-          </a:effectRef>
-          <a:fontRef idx="minor">
-            <a:schemeClr val="lt1"/>
-          </a:fontRef>
-        </p:style>
-        <p:txBody>
-          <a:bodyPr rtlCol="0" anchor="ctr"/>
-          <a:lstStyle/>
-          <a:p>
-            <a:pPr algn="ctr"/>
-            <a:r>
-              <a:rPr kumimoji="1" lang="en-US" altLang="zh-CN" sz="1200" b="1" dirty="0" err="1">
+            </a:ln>
+          </p:spPr>
+          <p:style>
+            <a:lnRef idx="2">
+              <a:schemeClr val="accent2">
+                <a:shade val="50000"/>
+              </a:schemeClr>
+            </a:lnRef>
+            <a:fillRef idx="1">
+              <a:schemeClr val="accent2"/>
+            </a:fillRef>
+            <a:effectRef idx="0">
+              <a:schemeClr val="accent2"/>
+            </a:effectRef>
+            <a:fontRef idx="minor">
+              <a:schemeClr val="lt1"/>
+            </a:fontRef>
+          </p:style>
+          <p:txBody>
+            <a:bodyPr rtlCol="0" anchor="ctr"/>
+            <a:lstStyle/>
+            <a:p>
+              <a:pPr algn="ctr"/>
+              <a:r>
+                <a:rPr kumimoji="1" lang="en-US" altLang="zh-CN" sz="1200" b="1" dirty="0" err="1">
+                  <a:solidFill>
+                    <a:sysClr val="windowText" lastClr="000000"/>
+                  </a:solidFill>
+                  <a:latin typeface="DengXian" panose="02010600030101010101" pitchFamily="2" charset="-122"/>
+                  <a:ea typeface="DengXian" panose="02010600030101010101" pitchFamily="2" charset="-122"/>
+                </a:rPr>
+                <a:t>person</a:t>
+              </a:r>
+              <a:r>
+                <a:rPr kumimoji="1" lang="en-US" altLang="zh-CN" sz="1200" dirty="0" err="1">
+                  <a:solidFill>
+                    <a:sysClr val="windowText" lastClr="000000"/>
+                  </a:solidFill>
+                  <a:latin typeface="DengXian" panose="02010600030101010101" pitchFamily="2" charset="-122"/>
+                  <a:ea typeface="DengXian" panose="02010600030101010101" pitchFamily="2" charset="-122"/>
+                </a:rPr>
+                <a:t>.id</a:t>
+              </a:r>
+              <a:r>
+                <a:rPr kumimoji="1" lang="zh-CN" altLang="en-US" sz="1200" dirty="0">
+                  <a:solidFill>
+                    <a:sysClr val="windowText" lastClr="000000"/>
+                  </a:solidFill>
+                  <a:latin typeface="DengXian" panose="02010600030101010101" pitchFamily="2" charset="-122"/>
+                  <a:ea typeface="DengXian" panose="02010600030101010101" pitchFamily="2" charset="-122"/>
+                </a:rPr>
+                <a:t> </a:t>
+              </a:r>
+              <a:r>
+                <a:rPr kumimoji="1" lang="en-US" altLang="zh-CN" sz="1200" dirty="0">
+                  <a:solidFill>
+                    <a:sysClr val="windowText" lastClr="000000"/>
+                  </a:solidFill>
+                  <a:latin typeface="DengXian" panose="02010600030101010101" pitchFamily="2" charset="-122"/>
+                  <a:ea typeface="DengXian" panose="02010600030101010101" pitchFamily="2" charset="-122"/>
+                </a:rPr>
+                <a:t>=</a:t>
+              </a:r>
+              <a:r>
+                <a:rPr kumimoji="1" lang="zh-CN" altLang="en-US" sz="1200" dirty="0">
+                  <a:solidFill>
+                    <a:sysClr val="windowText" lastClr="000000"/>
+                  </a:solidFill>
+                  <a:latin typeface="DengXian" panose="02010600030101010101" pitchFamily="2" charset="-122"/>
+                  <a:ea typeface="DengXian" panose="02010600030101010101" pitchFamily="2" charset="-122"/>
+                </a:rPr>
+                <a:t> </a:t>
+              </a:r>
+              <a:r>
+                <a:rPr kumimoji="1" lang="en-US" altLang="zh-CN" sz="1200" dirty="0">
+                  <a:solidFill>
+                    <a:sysClr val="windowText" lastClr="000000"/>
+                  </a:solidFill>
+                  <a:latin typeface="DengXian" panose="02010600030101010101" pitchFamily="2" charset="-122"/>
+                  <a:ea typeface="DengXian" panose="02010600030101010101" pitchFamily="2" charset="-122"/>
+                </a:rPr>
+                <a:t>${id}</a:t>
+              </a:r>
+              <a:endParaRPr kumimoji="1" lang="zh-CN" altLang="en-US" sz="1200" dirty="0">
                 <a:solidFill>
                   <a:sysClr val="windowText" lastClr="000000"/>
                 </a:solidFill>
                 <a:latin typeface="DengXian" panose="02010600030101010101" pitchFamily="2" charset="-122"/>
                 <a:ea typeface="DengXian" panose="02010600030101010101" pitchFamily="2" charset="-122"/>
-              </a:rPr>
-              <a:t>person</a:t>
-            </a:r>
-            <a:r>
-              <a:rPr kumimoji="1" lang="en-US" altLang="zh-CN" sz="1200" dirty="0" err="1">
+              </a:endParaRPr>
+            </a:p>
+          </p:txBody>
+        </p:sp>
+        <p:cxnSp>
+          <p:nvCxnSpPr>
+            <p:cNvPr id="28" name="直线箭头连接符 7" descr="jytjh">
+              <a:extLst>
+                <a:ext uri="{FF2B5EF4-FFF2-40B4-BE49-F238E27FC236}">
+                  <a16:creationId xmlns:a16="http://schemas.microsoft.com/office/drawing/2014/main" id="{D40DEA1C-42E9-7D49-88D9-1E238561C207}"/>
+                </a:ext>
+              </a:extLst>
+            </p:cNvPr>
+            <p:cNvCxnSpPr>
+              <a:cxnSpLocks/>
+              <a:stCxn id="26" idx="3"/>
+              <a:endCxn id="30" idx="1"/>
+            </p:cNvCxnSpPr>
+            <p:nvPr/>
+          </p:nvCxnSpPr>
+          <p:spPr>
+            <a:xfrm flipV="1">
+              <a:off x="3079550" y="1621510"/>
+              <a:ext cx="1205234" cy="1306594"/>
+            </a:xfrm>
+            <a:prstGeom prst="straightConnector1">
+              <a:avLst/>
+            </a:prstGeom>
+            <a:ln w="25400">
+              <a:solidFill>
+                <a:schemeClr val="tx1"/>
+              </a:solidFill>
+              <a:headEnd type="none" w="lg" len="med"/>
+              <a:tailEnd type="arrow" w="sm" len="lg"/>
+            </a:ln>
+          </p:spPr>
+          <p:style>
+            <a:lnRef idx="1">
+              <a:schemeClr val="accent1"/>
+            </a:lnRef>
+            <a:fillRef idx="0">
+              <a:schemeClr val="accent1"/>
+            </a:fillRef>
+            <a:effectRef idx="0">
+              <a:schemeClr val="accent1"/>
+            </a:effectRef>
+            <a:fontRef idx="minor">
+              <a:schemeClr val="tx1"/>
+            </a:fontRef>
+          </p:style>
+        </p:cxnSp>
+        <p:sp>
+          <p:nvSpPr>
+            <p:cNvPr id="29" name="文本框 8">
+              <a:extLst>
+                <a:ext uri="{FF2B5EF4-FFF2-40B4-BE49-F238E27FC236}">
+                  <a16:creationId xmlns:a16="http://schemas.microsoft.com/office/drawing/2014/main" id="{6AE6DB39-97D2-B247-B27D-5DE5C16A690F}"/>
+                </a:ext>
+              </a:extLst>
+            </p:cNvPr>
+            <p:cNvSpPr txBox="1"/>
+            <p:nvPr/>
+          </p:nvSpPr>
+          <p:spPr>
+            <a:xfrm>
+              <a:off x="2553592" y="2068569"/>
+              <a:ext cx="1182845" cy="276999"/>
+            </a:xfrm>
+            <a:prstGeom prst="rect">
+              <a:avLst/>
+            </a:prstGeom>
+            <a:noFill/>
+          </p:spPr>
+          <p:txBody>
+            <a:bodyPr wrap="square" rtlCol="0">
+              <a:spAutoFit/>
+            </a:bodyPr>
+            <a:lstStyle/>
+            <a:p>
+              <a:r>
+                <a:rPr kumimoji="1" lang="en-US" altLang="zh-CN" sz="1200" b="1" dirty="0">
+                  <a:latin typeface="DengXian" panose="02010600030101010101" pitchFamily="2" charset="-122"/>
+                  <a:ea typeface="DengXian" panose="02010600030101010101" pitchFamily="2" charset="-122"/>
+                </a:rPr>
+                <a:t>edge1</a:t>
+              </a:r>
+              <a:r>
+                <a:rPr kumimoji="1" lang="zh-CN" altLang="en-US" sz="1200" dirty="0">
+                  <a:latin typeface="DengXian" panose="02010600030101010101" pitchFamily="2" charset="-122"/>
+                  <a:ea typeface="DengXian" panose="02010600030101010101" pitchFamily="2" charset="-122"/>
+                </a:rPr>
+                <a:t> </a:t>
+              </a:r>
+              <a:r>
+                <a:rPr kumimoji="1" lang="en-US" altLang="zh-CN" sz="1200" dirty="0">
+                  <a:latin typeface="DengXian" panose="02010600030101010101" pitchFamily="2" charset="-122"/>
+                  <a:ea typeface="DengXian" panose="02010600030101010101" pitchFamily="2" charset="-122"/>
+                </a:rPr>
+                <a:t>:</a:t>
+              </a:r>
+              <a:r>
+                <a:rPr kumimoji="1" lang="zh-CN" altLang="en-US" sz="1200" dirty="0">
+                  <a:latin typeface="DengXian" panose="02010600030101010101" pitchFamily="2" charset="-122"/>
+                  <a:ea typeface="DengXian" panose="02010600030101010101" pitchFamily="2" charset="-122"/>
+                </a:rPr>
+                <a:t> </a:t>
+              </a:r>
+              <a:r>
+                <a:rPr kumimoji="1" lang="en-US" altLang="zh-CN" sz="1200" dirty="0">
+                  <a:latin typeface="DengXian" panose="02010600030101010101" pitchFamily="2" charset="-122"/>
+                  <a:ea typeface="DengXian" panose="02010600030101010101" pitchFamily="2" charset="-122"/>
+                </a:rPr>
+                <a:t>own</a:t>
+              </a:r>
+            </a:p>
+          </p:txBody>
+        </p:sp>
+        <p:sp>
+          <p:nvSpPr>
+            <p:cNvPr id="30" name="矩形 9">
+              <a:extLst>
+                <a:ext uri="{FF2B5EF4-FFF2-40B4-BE49-F238E27FC236}">
+                  <a16:creationId xmlns:a16="http://schemas.microsoft.com/office/drawing/2014/main" id="{5A8841F0-95B1-A34B-81DA-F74D6B693915}"/>
+                </a:ext>
+              </a:extLst>
+            </p:cNvPr>
+            <p:cNvSpPr/>
+            <p:nvPr/>
+          </p:nvSpPr>
+          <p:spPr>
+            <a:xfrm>
+              <a:off x="4284784" y="1368936"/>
+              <a:ext cx="1409134" cy="505147"/>
+            </a:xfrm>
+            <a:prstGeom prst="rect">
+              <a:avLst/>
+            </a:prstGeom>
+            <a:solidFill>
+              <a:schemeClr val="accent5">
+                <a:lumMod val="60000"/>
+                <a:lumOff val="40000"/>
+              </a:schemeClr>
+            </a:solidFill>
+            <a:ln w="25400">
+              <a:solidFill>
+                <a:schemeClr val="tx1"/>
+              </a:solidFill>
+            </a:ln>
+          </p:spPr>
+          <p:style>
+            <a:lnRef idx="2">
+              <a:schemeClr val="accent2">
+                <a:shade val="50000"/>
+              </a:schemeClr>
+            </a:lnRef>
+            <a:fillRef idx="1">
+              <a:schemeClr val="accent2"/>
+            </a:fillRef>
+            <a:effectRef idx="0">
+              <a:schemeClr val="accent2"/>
+            </a:effectRef>
+            <a:fontRef idx="minor">
+              <a:schemeClr val="lt1"/>
+            </a:fontRef>
+          </p:style>
+          <p:txBody>
+            <a:bodyPr rtlCol="0" anchor="ctr"/>
+            <a:lstStyle/>
+            <a:p>
+              <a:pPr algn="ctr"/>
+              <a:r>
+                <a:rPr kumimoji="1" lang="en-US" altLang="zh-CN" sz="1200" b="1" dirty="0" err="1">
+                  <a:solidFill>
+                    <a:sysClr val="windowText" lastClr="000000"/>
+                  </a:solidFill>
+                </a:rPr>
+                <a:t>src</a:t>
+              </a:r>
+              <a:r>
+                <a:rPr kumimoji="1" lang="zh-CN" altLang="en-US" sz="1200" dirty="0">
+                  <a:solidFill>
+                    <a:sysClr val="windowText" lastClr="000000"/>
+                  </a:solidFill>
+                </a:rPr>
+                <a:t> </a:t>
+              </a:r>
+              <a:r>
+                <a:rPr kumimoji="1" lang="en-US" altLang="zh-CN" sz="1200" dirty="0">
+                  <a:solidFill>
+                    <a:sysClr val="windowText" lastClr="000000"/>
+                  </a:solidFill>
+                </a:rPr>
+                <a:t>:</a:t>
+              </a:r>
+              <a:r>
+                <a:rPr kumimoji="1" lang="zh-CN" altLang="en-US" sz="1200" dirty="0">
+                  <a:solidFill>
+                    <a:sysClr val="windowText" lastClr="000000"/>
+                  </a:solidFill>
+                </a:rPr>
+                <a:t> </a:t>
+              </a:r>
+              <a:r>
+                <a:rPr kumimoji="1" lang="en-US" altLang="zh-CN" sz="1200" dirty="0">
+                  <a:solidFill>
+                    <a:sysClr val="windowText" lastClr="000000"/>
+                  </a:solidFill>
+                </a:rPr>
+                <a:t>Account</a:t>
+              </a:r>
+              <a:endParaRPr kumimoji="1" lang="zh-CN" altLang="en-US" sz="1200" dirty="0">
                 <a:solidFill>
                   <a:sysClr val="windowText" lastClr="000000"/>
                 </a:solidFill>
-                <a:latin typeface="DengXian" panose="02010600030101010101" pitchFamily="2" charset="-122"/>
-                <a:ea typeface="DengXian" panose="02010600030101010101" pitchFamily="2" charset="-122"/>
-              </a:rPr>
-              <a:t>.id</a:t>
-            </a:r>
-            <a:r>
-              <a:rPr kumimoji="1" lang="zh-CN" altLang="en-US" sz="1200" dirty="0">
+              </a:endParaRPr>
+            </a:p>
+          </p:txBody>
+        </p:sp>
+        <p:sp>
+          <p:nvSpPr>
+            <p:cNvPr id="31" name="矩形 10">
+              <a:extLst>
+                <a:ext uri="{FF2B5EF4-FFF2-40B4-BE49-F238E27FC236}">
+                  <a16:creationId xmlns:a16="http://schemas.microsoft.com/office/drawing/2014/main" id="{ECA9E5ED-8B98-2D4C-B179-148645608AA1}"/>
+                </a:ext>
+              </a:extLst>
+            </p:cNvPr>
+            <p:cNvSpPr/>
+            <p:nvPr/>
+          </p:nvSpPr>
+          <p:spPr>
+            <a:xfrm>
+              <a:off x="8547372" y="1368935"/>
+              <a:ext cx="1409134" cy="505147"/>
+            </a:xfrm>
+            <a:prstGeom prst="rect">
+              <a:avLst/>
+            </a:prstGeom>
+            <a:solidFill>
+              <a:schemeClr val="accent5">
+                <a:lumMod val="60000"/>
+                <a:lumOff val="40000"/>
+              </a:schemeClr>
+            </a:solidFill>
+            <a:ln w="25400">
+              <a:solidFill>
+                <a:schemeClr val="tx1"/>
+              </a:solidFill>
+            </a:ln>
+          </p:spPr>
+          <p:style>
+            <a:lnRef idx="2">
+              <a:schemeClr val="accent2">
+                <a:shade val="50000"/>
+              </a:schemeClr>
+            </a:lnRef>
+            <a:fillRef idx="1">
+              <a:schemeClr val="accent2"/>
+            </a:fillRef>
+            <a:effectRef idx="0">
+              <a:schemeClr val="accent2"/>
+            </a:effectRef>
+            <a:fontRef idx="minor">
+              <a:schemeClr val="lt1"/>
+            </a:fontRef>
+          </p:style>
+          <p:txBody>
+            <a:bodyPr rtlCol="0" anchor="ctr"/>
+            <a:lstStyle/>
+            <a:p>
+              <a:pPr algn="ctr"/>
+              <a:r>
+                <a:rPr kumimoji="1" lang="en-US" altLang="zh-CN" sz="1200" b="1" dirty="0" err="1">
+                  <a:solidFill>
+                    <a:sysClr val="windowText" lastClr="000000"/>
+                  </a:solidFill>
+                </a:rPr>
+                <a:t>dst</a:t>
+              </a:r>
+              <a:r>
+                <a:rPr kumimoji="1" lang="zh-CN" altLang="en-US" sz="1200" dirty="0">
+                  <a:solidFill>
+                    <a:sysClr val="windowText" lastClr="000000"/>
+                  </a:solidFill>
+                </a:rPr>
+                <a:t> </a:t>
+              </a:r>
+              <a:r>
+                <a:rPr kumimoji="1" lang="en-US" altLang="zh-CN" sz="1200" dirty="0">
+                  <a:solidFill>
+                    <a:sysClr val="windowText" lastClr="000000"/>
+                  </a:solidFill>
+                </a:rPr>
+                <a:t>:</a:t>
+              </a:r>
+              <a:r>
+                <a:rPr kumimoji="1" lang="zh-CN" altLang="en-US" sz="1200" dirty="0">
+                  <a:solidFill>
+                    <a:sysClr val="windowText" lastClr="000000"/>
+                  </a:solidFill>
+                </a:rPr>
+                <a:t> </a:t>
+              </a:r>
+              <a:r>
+                <a:rPr kumimoji="1" lang="en-US" altLang="zh-CN" sz="1200" dirty="0">
+                  <a:solidFill>
+                    <a:sysClr val="windowText" lastClr="000000"/>
+                  </a:solidFill>
+                </a:rPr>
+                <a:t>Account</a:t>
+              </a:r>
+              <a:endParaRPr kumimoji="1" lang="zh-CN" altLang="en-US" sz="1200" dirty="0">
                 <a:solidFill>
                   <a:sysClr val="windowText" lastClr="000000"/>
                 </a:solidFill>
+              </a:endParaRPr>
+            </a:p>
+          </p:txBody>
+        </p:sp>
+        <p:cxnSp>
+          <p:nvCxnSpPr>
+            <p:cNvPr id="32" name="直线箭头连接符 11" descr="jytjh">
+              <a:extLst>
+                <a:ext uri="{FF2B5EF4-FFF2-40B4-BE49-F238E27FC236}">
+                  <a16:creationId xmlns:a16="http://schemas.microsoft.com/office/drawing/2014/main" id="{07F7B8E7-DE4D-3745-86D9-5CBE4F2D0B7A}"/>
+                </a:ext>
+              </a:extLst>
+            </p:cNvPr>
+            <p:cNvCxnSpPr>
+              <a:cxnSpLocks/>
+              <a:stCxn id="31" idx="1"/>
+              <a:endCxn id="30" idx="3"/>
+            </p:cNvCxnSpPr>
+            <p:nvPr/>
+          </p:nvCxnSpPr>
+          <p:spPr>
+            <a:xfrm flipH="1">
+              <a:off x="5693918" y="1621509"/>
+              <a:ext cx="2853454" cy="1"/>
+            </a:xfrm>
+            <a:prstGeom prst="straightConnector1">
+              <a:avLst/>
+            </a:prstGeom>
+            <a:ln w="25400">
+              <a:solidFill>
+                <a:schemeClr val="tx1"/>
+              </a:solidFill>
+              <a:headEnd type="arrow" w="sm" len="lg"/>
+              <a:tailEnd type="none" w="lg" len="med"/>
+            </a:ln>
+          </p:spPr>
+          <p:style>
+            <a:lnRef idx="1">
+              <a:schemeClr val="accent1"/>
+            </a:lnRef>
+            <a:fillRef idx="0">
+              <a:schemeClr val="accent1"/>
+            </a:fillRef>
+            <a:effectRef idx="0">
+              <a:schemeClr val="accent1"/>
+            </a:effectRef>
+            <a:fontRef idx="minor">
+              <a:schemeClr val="tx1"/>
+            </a:fontRef>
+          </p:style>
+        </p:cxnSp>
+        <p:sp>
+          <p:nvSpPr>
+            <p:cNvPr id="33" name="文本框 12">
+              <a:extLst>
+                <a:ext uri="{FF2B5EF4-FFF2-40B4-BE49-F238E27FC236}">
+                  <a16:creationId xmlns:a16="http://schemas.microsoft.com/office/drawing/2014/main" id="{88967B24-E934-F741-AA98-4A8165900FD1}"/>
+                </a:ext>
+              </a:extLst>
+            </p:cNvPr>
+            <p:cNvSpPr txBox="1"/>
+            <p:nvPr/>
+          </p:nvSpPr>
+          <p:spPr>
+            <a:xfrm>
+              <a:off x="3955584" y="5633286"/>
+              <a:ext cx="2438998" cy="646331"/>
+            </a:xfrm>
+            <a:prstGeom prst="rect">
+              <a:avLst/>
+            </a:prstGeom>
+            <a:noFill/>
+          </p:spPr>
+          <p:txBody>
+            <a:bodyPr wrap="square" rtlCol="0">
+              <a:spAutoFit/>
+            </a:bodyPr>
+            <a:lstStyle/>
+            <a:p>
+              <a:r>
+                <a:rPr kumimoji="1" lang="en-US" altLang="zh-CN" sz="1200" b="1" dirty="0">
+                  <a:latin typeface="DengXian" panose="02010600030101010101" pitchFamily="2" charset="-122"/>
+                  <a:ea typeface="DengXian" panose="02010600030101010101" pitchFamily="2" charset="-122"/>
+                </a:rPr>
+                <a:t>edge2</a:t>
+              </a:r>
+              <a:r>
+                <a:rPr kumimoji="1" lang="en-US" altLang="zh-CN" sz="1200" dirty="0">
+                  <a:latin typeface="DengXian" panose="02010600030101010101" pitchFamily="2" charset="-122"/>
+                  <a:ea typeface="DengXian" panose="02010600030101010101" pitchFamily="2" charset="-122"/>
+                </a:rPr>
+                <a:t>:</a:t>
+              </a:r>
+              <a:r>
+                <a:rPr kumimoji="1" lang="zh-CN" altLang="en-US" sz="1200" dirty="0">
+                  <a:latin typeface="DengXian" panose="02010600030101010101" pitchFamily="2" charset="-122"/>
+                  <a:ea typeface="DengXian" panose="02010600030101010101" pitchFamily="2" charset="-122"/>
+                </a:rPr>
+                <a:t> </a:t>
+              </a:r>
+              <a:r>
+                <a:rPr kumimoji="1" lang="en-US" altLang="zh-CN" sz="1200" dirty="0">
+                  <a:latin typeface="DengXian" panose="02010600030101010101" pitchFamily="2" charset="-122"/>
+                  <a:ea typeface="DengXian" panose="02010600030101010101" pitchFamily="2" charset="-122"/>
+                </a:rPr>
+                <a:t>transfer</a:t>
+              </a:r>
+              <a:r>
+                <a:rPr kumimoji="1" lang="zh-CN" altLang="en-US" sz="1200" b="1" dirty="0">
+                  <a:latin typeface="DengXian" panose="02010600030101010101" pitchFamily="2" charset="-122"/>
+                  <a:ea typeface="DengXian" panose="02010600030101010101" pitchFamily="2" charset="-122"/>
+                </a:rPr>
+                <a:t> *</a:t>
+              </a:r>
+              <a:r>
+                <a:rPr kumimoji="1" lang="en-US" altLang="zh-CN" sz="1200" b="1" dirty="0">
+                  <a:latin typeface="DengXian" panose="02010600030101010101" pitchFamily="2" charset="-122"/>
+                  <a:ea typeface="DengXian" panose="02010600030101010101" pitchFamily="2" charset="-122"/>
+                </a:rPr>
+                <a:t>1..3</a:t>
+              </a:r>
+              <a:endParaRPr kumimoji="1" lang="en-US" altLang="zh-CN" sz="1200" dirty="0">
                 <a:latin typeface="DengXian" panose="02010600030101010101" pitchFamily="2" charset="-122"/>
                 <a:ea typeface="DengXian" panose="02010600030101010101" pitchFamily="2" charset="-122"/>
-              </a:rPr>
-              <a:t> </a:t>
-            </a:r>
-            <a:r>
-              <a:rPr kumimoji="1" lang="en-US" altLang="zh-CN" sz="1200" dirty="0">
+              </a:endParaRPr>
+            </a:p>
+            <a:p>
+              <a:r>
+                <a:rPr kumimoji="1" lang="en-US" altLang="zh-CN" sz="1200" b="1" dirty="0">
+                  <a:latin typeface="DengXian" panose="02010600030101010101" pitchFamily="2" charset="-122"/>
+                  <a:ea typeface="DengXian" panose="02010600030101010101" pitchFamily="2" charset="-122"/>
+                </a:rPr>
+                <a:t>edge2</a:t>
+              </a:r>
+              <a:r>
+                <a:rPr kumimoji="1" lang="en-US" altLang="zh-CN" sz="1200" dirty="0">
+                  <a:latin typeface="DengXian" panose="02010600030101010101" pitchFamily="2" charset="-122"/>
+                  <a:ea typeface="DengXian" panose="02010600030101010101" pitchFamily="2" charset="-122"/>
+                </a:rPr>
+                <a:t>.timestamp</a:t>
+              </a:r>
+              <a:r>
+                <a:rPr kumimoji="1" lang="zh-CN" altLang="en-US" sz="1200" dirty="0">
+                  <a:latin typeface="DengXian" panose="02010600030101010101" pitchFamily="2" charset="-122"/>
+                  <a:ea typeface="DengXian" panose="02010600030101010101" pitchFamily="2" charset="-122"/>
+                </a:rPr>
+                <a:t> </a:t>
+              </a:r>
+              <a:r>
+                <a:rPr kumimoji="1" lang="en-US" altLang="zh-CN" sz="1200" dirty="0">
+                  <a:latin typeface="DengXian" panose="02010600030101010101" pitchFamily="2" charset="-122"/>
+                  <a:ea typeface="DengXian" panose="02010600030101010101" pitchFamily="2" charset="-122"/>
+                </a:rPr>
+                <a:t>&gt;</a:t>
+              </a:r>
+              <a:r>
+                <a:rPr kumimoji="1" lang="zh-CN" altLang="en-US" sz="1200" dirty="0">
+                  <a:latin typeface="DengXian" panose="02010600030101010101" pitchFamily="2" charset="-122"/>
+                  <a:ea typeface="DengXian" panose="02010600030101010101" pitchFamily="2" charset="-122"/>
+                </a:rPr>
+                <a:t> </a:t>
+              </a:r>
+              <a:r>
+                <a:rPr kumimoji="1" lang="en-US" altLang="zh-CN" sz="1200" dirty="0">
+                  <a:latin typeface="DengXian" panose="02010600030101010101" pitchFamily="2" charset="-122"/>
+                  <a:ea typeface="DengXian" panose="02010600030101010101" pitchFamily="2" charset="-122"/>
+                </a:rPr>
+                <a:t>${</a:t>
+              </a:r>
+              <a:r>
+                <a:rPr kumimoji="1" lang="en-US" altLang="zh-CN" sz="1200" dirty="0" err="1">
+                  <a:latin typeface="DengXian" panose="02010600030101010101" pitchFamily="2" charset="-122"/>
+                  <a:ea typeface="DengXian" panose="02010600030101010101" pitchFamily="2" charset="-122"/>
+                </a:rPr>
+                <a:t>start_time</a:t>
+              </a:r>
+              <a:r>
+                <a:rPr kumimoji="1" lang="en-US" altLang="zh-CN" sz="1200" dirty="0">
+                  <a:latin typeface="DengXian" panose="02010600030101010101" pitchFamily="2" charset="-122"/>
+                  <a:ea typeface="DengXian" panose="02010600030101010101" pitchFamily="2" charset="-122"/>
+                </a:rPr>
+                <a:t>}</a:t>
+              </a:r>
+            </a:p>
+            <a:p>
+              <a:r>
+                <a:rPr kumimoji="1" lang="en-US" altLang="zh-CN" sz="1200" b="1" dirty="0">
+                  <a:latin typeface="DengXian" panose="02010600030101010101" pitchFamily="2" charset="-122"/>
+                  <a:ea typeface="DengXian" panose="02010600030101010101" pitchFamily="2" charset="-122"/>
+                </a:rPr>
+                <a:t>edge2</a:t>
+              </a:r>
+              <a:r>
+                <a:rPr kumimoji="1" lang="en-US" altLang="zh-CN" sz="1200" dirty="0">
+                  <a:latin typeface="DengXian" panose="02010600030101010101" pitchFamily="2" charset="-122"/>
+                  <a:ea typeface="DengXian" panose="02010600030101010101" pitchFamily="2" charset="-122"/>
+                </a:rPr>
+                <a:t>.timestamp</a:t>
+              </a:r>
+              <a:r>
+                <a:rPr kumimoji="1" lang="zh-CN" altLang="en-US" sz="1200" dirty="0">
+                  <a:latin typeface="DengXian" panose="02010600030101010101" pitchFamily="2" charset="-122"/>
+                  <a:ea typeface="DengXian" panose="02010600030101010101" pitchFamily="2" charset="-122"/>
+                </a:rPr>
+                <a:t> </a:t>
+              </a:r>
+              <a:r>
+                <a:rPr kumimoji="1" lang="en-US" altLang="zh-CN" sz="1200" dirty="0">
+                  <a:latin typeface="DengXian" panose="02010600030101010101" pitchFamily="2" charset="-122"/>
+                  <a:ea typeface="DengXian" panose="02010600030101010101" pitchFamily="2" charset="-122"/>
+                </a:rPr>
+                <a:t>&lt;</a:t>
+              </a:r>
+              <a:r>
+                <a:rPr kumimoji="1" lang="zh-CN" altLang="en-US" sz="1200" dirty="0">
+                  <a:latin typeface="DengXian" panose="02010600030101010101" pitchFamily="2" charset="-122"/>
+                  <a:ea typeface="DengXian" panose="02010600030101010101" pitchFamily="2" charset="-122"/>
+                </a:rPr>
+                <a:t> </a:t>
+              </a:r>
+              <a:r>
+                <a:rPr kumimoji="1" lang="en-US" altLang="zh-CN" sz="1200" dirty="0">
+                  <a:latin typeface="DengXian" panose="02010600030101010101" pitchFamily="2" charset="-122"/>
+                  <a:ea typeface="DengXian" panose="02010600030101010101" pitchFamily="2" charset="-122"/>
+                </a:rPr>
+                <a:t>${</a:t>
+              </a:r>
+              <a:r>
+                <a:rPr kumimoji="1" lang="en-US" altLang="zh-CN" sz="1200" dirty="0" err="1">
+                  <a:latin typeface="DengXian" panose="02010600030101010101" pitchFamily="2" charset="-122"/>
+                  <a:ea typeface="DengXian" panose="02010600030101010101" pitchFamily="2" charset="-122"/>
+                </a:rPr>
+                <a:t>end_time</a:t>
+              </a:r>
+              <a:r>
+                <a:rPr kumimoji="1" lang="en-US" altLang="zh-CN" sz="1200" dirty="0">
+                  <a:latin typeface="DengXian" panose="02010600030101010101" pitchFamily="2" charset="-122"/>
+                  <a:ea typeface="DengXian" panose="02010600030101010101" pitchFamily="2" charset="-122"/>
+                </a:rPr>
+                <a:t>}</a:t>
+              </a:r>
+            </a:p>
+          </p:txBody>
+        </p:sp>
+        <p:sp>
+          <p:nvSpPr>
+            <p:cNvPr id="40" name="矩形 13">
+              <a:extLst>
+                <a:ext uri="{FF2B5EF4-FFF2-40B4-BE49-F238E27FC236}">
+                  <a16:creationId xmlns:a16="http://schemas.microsoft.com/office/drawing/2014/main" id="{E1B0D771-7998-4A49-97E0-FF31B89BD9AB}"/>
+                </a:ext>
+              </a:extLst>
+            </p:cNvPr>
+            <p:cNvSpPr/>
+            <p:nvPr/>
+          </p:nvSpPr>
+          <p:spPr>
+            <a:xfrm>
+              <a:off x="3955584" y="748410"/>
+              <a:ext cx="6606906" cy="5547666"/>
+            </a:xfrm>
+            <a:prstGeom prst="rect">
+              <a:avLst/>
+            </a:prstGeom>
+            <a:noFill/>
+            <a:ln w="25400">
+              <a:solidFill>
+                <a:schemeClr val="tx1"/>
+              </a:solidFill>
+              <a:prstDash val="dash"/>
+            </a:ln>
+          </p:spPr>
+          <p:style>
+            <a:lnRef idx="2">
+              <a:schemeClr val="accent2">
+                <a:shade val="50000"/>
+              </a:schemeClr>
+            </a:lnRef>
+            <a:fillRef idx="1">
+              <a:schemeClr val="accent2"/>
+            </a:fillRef>
+            <a:effectRef idx="0">
+              <a:schemeClr val="accent2"/>
+            </a:effectRef>
+            <a:fontRef idx="minor">
+              <a:schemeClr val="lt1"/>
+            </a:fontRef>
+          </p:style>
+          <p:txBody>
+            <a:bodyPr rtlCol="0" anchor="b"/>
+            <a:lstStyle/>
+            <a:p>
+              <a:pPr algn="r"/>
+              <a:r>
+                <a:rPr kumimoji="1" lang="en-US" altLang="zh-CN" sz="1200" b="1" dirty="0">
+                  <a:solidFill>
+                    <a:srgbClr val="FF0000"/>
+                  </a:solidFill>
+                  <a:latin typeface="DengXian" panose="02010600030101010101" pitchFamily="2" charset="-122"/>
+                  <a:ea typeface="DengXian" panose="02010600030101010101" pitchFamily="2" charset="-122"/>
+                </a:rPr>
+                <a:t>RESULT</a:t>
+              </a:r>
+              <a:r>
+                <a:rPr kumimoji="1" lang="zh-CN" altLang="en-US" sz="1200" b="1" dirty="0">
+                  <a:solidFill>
+                    <a:srgbClr val="FF0000"/>
+                  </a:solidFill>
+                  <a:latin typeface="DengXian" panose="02010600030101010101" pitchFamily="2" charset="-122"/>
+                  <a:ea typeface="DengXian" panose="02010600030101010101" pitchFamily="2" charset="-122"/>
+                </a:rPr>
+                <a:t> </a:t>
+              </a:r>
+              <a:r>
+                <a:rPr kumimoji="1" lang="en-US" altLang="zh-CN" sz="1200" dirty="0">
+                  <a:solidFill>
+                    <a:sysClr val="windowText" lastClr="000000"/>
+                  </a:solidFill>
+                  <a:latin typeface="DengXian" panose="02010600030101010101" pitchFamily="2" charset="-122"/>
+                  <a:ea typeface="DengXian" panose="02010600030101010101" pitchFamily="2" charset="-122"/>
+                </a:rPr>
+                <a:t>paths</a:t>
+              </a:r>
+            </a:p>
+          </p:txBody>
+        </p:sp>
+        <p:sp>
+          <p:nvSpPr>
+            <p:cNvPr id="5" name="矩形 13">
+              <a:extLst>
+                <a:ext uri="{FF2B5EF4-FFF2-40B4-BE49-F238E27FC236}">
+                  <a16:creationId xmlns:a16="http://schemas.microsoft.com/office/drawing/2014/main" id="{1DDA4304-FDF5-F35D-DC1A-732A60B8796F}"/>
+                </a:ext>
+              </a:extLst>
+            </p:cNvPr>
+            <p:cNvSpPr/>
+            <p:nvPr/>
+          </p:nvSpPr>
+          <p:spPr>
+            <a:xfrm>
+              <a:off x="4157200" y="999267"/>
+              <a:ext cx="5948090" cy="991913"/>
+            </a:xfrm>
+            <a:prstGeom prst="rect">
+              <a:avLst/>
+            </a:prstGeom>
+            <a:noFill/>
+            <a:ln w="25400">
+              <a:solidFill>
+                <a:schemeClr val="tx1"/>
+              </a:solidFill>
+              <a:prstDash val="sysDot"/>
+            </a:ln>
+          </p:spPr>
+          <p:style>
+            <a:lnRef idx="2">
+              <a:schemeClr val="accent2">
+                <a:shade val="50000"/>
+              </a:schemeClr>
+            </a:lnRef>
+            <a:fillRef idx="1">
+              <a:schemeClr val="accent2"/>
+            </a:fillRef>
+            <a:effectRef idx="0">
+              <a:schemeClr val="accent2"/>
+            </a:effectRef>
+            <a:fontRef idx="minor">
+              <a:schemeClr val="lt1"/>
+            </a:fontRef>
+          </p:style>
+          <p:txBody>
+            <a:bodyPr rtlCol="0" anchor="t"/>
+            <a:lstStyle/>
+            <a:p>
+              <a:r>
+                <a:rPr kumimoji="1" lang="en-US" altLang="zh-CN" sz="1200" b="1" dirty="0">
+                  <a:solidFill>
+                    <a:sysClr val="windowText" lastClr="000000"/>
+                  </a:solidFill>
+                  <a:latin typeface="DengXian" panose="02010600030101010101" pitchFamily="2" charset="-122"/>
+                  <a:ea typeface="DengXian" panose="02010600030101010101" pitchFamily="2" charset="-122"/>
+                </a:rPr>
+                <a:t>Path</a:t>
+              </a:r>
+              <a:r>
+                <a:rPr kumimoji="1" lang="zh-CN" altLang="en-US" sz="1200" b="1" dirty="0">
+                  <a:solidFill>
+                    <a:sysClr val="windowText" lastClr="000000"/>
+                  </a:solidFill>
+                  <a:latin typeface="DengXian" panose="02010600030101010101" pitchFamily="2" charset="-122"/>
+                  <a:ea typeface="DengXian" panose="02010600030101010101" pitchFamily="2" charset="-122"/>
+                </a:rPr>
+                <a:t> </a:t>
+              </a:r>
+              <a:r>
+                <a:rPr kumimoji="1" lang="en-US" altLang="zh-CN" sz="1200" b="1" dirty="0">
+                  <a:solidFill>
+                    <a:sysClr val="windowText" lastClr="000000"/>
+                  </a:solidFill>
+                  <a:latin typeface="DengXian" panose="02010600030101010101" pitchFamily="2" charset="-122"/>
+                  <a:ea typeface="DengXian" panose="02010600030101010101" pitchFamily="2" charset="-122"/>
+                </a:rPr>
+                <a:t>1</a:t>
+              </a:r>
+            </a:p>
+          </p:txBody>
+        </p:sp>
+        <p:sp>
+          <p:nvSpPr>
+            <p:cNvPr id="7" name="矩形 9">
+              <a:extLst>
+                <a:ext uri="{FF2B5EF4-FFF2-40B4-BE49-F238E27FC236}">
+                  <a16:creationId xmlns:a16="http://schemas.microsoft.com/office/drawing/2014/main" id="{2E429AA4-BB66-7CAB-67EB-B08D100262B5}"/>
+                </a:ext>
+              </a:extLst>
+            </p:cNvPr>
+            <p:cNvSpPr/>
+            <p:nvPr/>
+          </p:nvSpPr>
+          <p:spPr>
+            <a:xfrm>
+              <a:off x="4284784" y="4766954"/>
+              <a:ext cx="1082475" cy="505147"/>
+            </a:xfrm>
+            <a:prstGeom prst="rect">
+              <a:avLst/>
+            </a:prstGeom>
+            <a:solidFill>
+              <a:schemeClr val="accent5">
+                <a:lumMod val="60000"/>
+                <a:lumOff val="40000"/>
+              </a:schemeClr>
+            </a:solidFill>
+            <a:ln w="25400">
+              <a:solidFill>
+                <a:schemeClr val="tx1"/>
+              </a:solidFill>
+            </a:ln>
+          </p:spPr>
+          <p:style>
+            <a:lnRef idx="2">
+              <a:schemeClr val="accent2">
+                <a:shade val="50000"/>
+              </a:schemeClr>
+            </a:lnRef>
+            <a:fillRef idx="1">
+              <a:schemeClr val="accent2"/>
+            </a:fillRef>
+            <a:effectRef idx="0">
+              <a:schemeClr val="accent2"/>
+            </a:effectRef>
+            <a:fontRef idx="minor">
+              <a:schemeClr val="lt1"/>
+            </a:fontRef>
+          </p:style>
+          <p:txBody>
+            <a:bodyPr rtlCol="0" anchor="ctr"/>
+            <a:lstStyle/>
+            <a:p>
+              <a:pPr algn="ctr"/>
+              <a:r>
+                <a:rPr kumimoji="1" lang="en-US" altLang="zh-CN" sz="1200" b="1" dirty="0" err="1">
+                  <a:solidFill>
+                    <a:sysClr val="windowText" lastClr="000000"/>
+                  </a:solidFill>
+                </a:rPr>
+                <a:t>src</a:t>
+              </a:r>
+              <a:r>
+                <a:rPr kumimoji="1" lang="zh-CN" altLang="en-US" sz="1200" dirty="0">
+                  <a:solidFill>
+                    <a:sysClr val="windowText" lastClr="000000"/>
+                  </a:solidFill>
+                </a:rPr>
+                <a:t> </a:t>
+              </a:r>
+              <a:r>
+                <a:rPr kumimoji="1" lang="en-US" altLang="zh-CN" sz="1200" dirty="0">
+                  <a:solidFill>
+                    <a:sysClr val="windowText" lastClr="000000"/>
+                  </a:solidFill>
+                </a:rPr>
+                <a:t>:</a:t>
+              </a:r>
+              <a:r>
+                <a:rPr kumimoji="1" lang="zh-CN" altLang="en-US" sz="1200" dirty="0">
+                  <a:solidFill>
+                    <a:sysClr val="windowText" lastClr="000000"/>
+                  </a:solidFill>
+                </a:rPr>
+                <a:t> </a:t>
+              </a:r>
+              <a:r>
+                <a:rPr kumimoji="1" lang="en-US" altLang="zh-CN" sz="1200" dirty="0">
+                  <a:solidFill>
+                    <a:sysClr val="windowText" lastClr="000000"/>
+                  </a:solidFill>
+                </a:rPr>
+                <a:t>Account</a:t>
+              </a:r>
+              <a:endParaRPr kumimoji="1" lang="zh-CN" altLang="en-US" sz="1200" dirty="0">
                 <a:solidFill>
                   <a:sysClr val="windowText" lastClr="000000"/>
                 </a:solidFill>
-                <a:latin typeface="DengXian" panose="02010600030101010101" pitchFamily="2" charset="-122"/>
-                <a:ea typeface="DengXian" panose="02010600030101010101" pitchFamily="2" charset="-122"/>
-              </a:rPr>
-              <a:t>=</a:t>
-            </a:r>
-            <a:r>
-              <a:rPr kumimoji="1" lang="zh-CN" altLang="en-US" sz="1200" dirty="0">
+              </a:endParaRPr>
+            </a:p>
+          </p:txBody>
+        </p:sp>
+        <p:sp>
+          <p:nvSpPr>
+            <p:cNvPr id="8" name="矩形 10">
+              <a:extLst>
+                <a:ext uri="{FF2B5EF4-FFF2-40B4-BE49-F238E27FC236}">
+                  <a16:creationId xmlns:a16="http://schemas.microsoft.com/office/drawing/2014/main" id="{94AC4ED8-6BCB-6186-C4D5-F4C5491C052C}"/>
+                </a:ext>
+              </a:extLst>
+            </p:cNvPr>
+            <p:cNvSpPr/>
+            <p:nvPr/>
+          </p:nvSpPr>
+          <p:spPr>
+            <a:xfrm>
+              <a:off x="8874030" y="4766954"/>
+              <a:ext cx="1082476" cy="505147"/>
+            </a:xfrm>
+            <a:prstGeom prst="rect">
+              <a:avLst/>
+            </a:prstGeom>
+            <a:solidFill>
+              <a:schemeClr val="accent5">
+                <a:lumMod val="60000"/>
+                <a:lumOff val="40000"/>
+              </a:schemeClr>
+            </a:solidFill>
+            <a:ln w="25400">
+              <a:solidFill>
+                <a:schemeClr val="tx1"/>
+              </a:solidFill>
+            </a:ln>
+          </p:spPr>
+          <p:style>
+            <a:lnRef idx="2">
+              <a:schemeClr val="accent2">
+                <a:shade val="50000"/>
+              </a:schemeClr>
+            </a:lnRef>
+            <a:fillRef idx="1">
+              <a:schemeClr val="accent2"/>
+            </a:fillRef>
+            <a:effectRef idx="0">
+              <a:schemeClr val="accent2"/>
+            </a:effectRef>
+            <a:fontRef idx="minor">
+              <a:schemeClr val="lt1"/>
+            </a:fontRef>
+          </p:style>
+          <p:txBody>
+            <a:bodyPr rtlCol="0" anchor="ctr"/>
+            <a:lstStyle/>
+            <a:p>
+              <a:pPr algn="ctr"/>
+              <a:r>
+                <a:rPr kumimoji="1" lang="en-US" altLang="zh-CN" sz="1200" b="1" dirty="0" err="1">
+                  <a:solidFill>
+                    <a:sysClr val="windowText" lastClr="000000"/>
+                  </a:solidFill>
+                </a:rPr>
+                <a:t>dst</a:t>
+              </a:r>
+              <a:r>
+                <a:rPr kumimoji="1" lang="zh-CN" altLang="en-US" sz="1200" dirty="0">
+                  <a:solidFill>
+                    <a:sysClr val="windowText" lastClr="000000"/>
+                  </a:solidFill>
+                </a:rPr>
+                <a:t> </a:t>
+              </a:r>
+              <a:r>
+                <a:rPr kumimoji="1" lang="en-US" altLang="zh-CN" sz="1200" dirty="0">
+                  <a:solidFill>
+                    <a:sysClr val="windowText" lastClr="000000"/>
+                  </a:solidFill>
+                </a:rPr>
+                <a:t>:</a:t>
+              </a:r>
+              <a:r>
+                <a:rPr kumimoji="1" lang="zh-CN" altLang="en-US" sz="1200" dirty="0">
+                  <a:solidFill>
+                    <a:sysClr val="windowText" lastClr="000000"/>
+                  </a:solidFill>
+                </a:rPr>
+                <a:t> </a:t>
+              </a:r>
+              <a:r>
+                <a:rPr kumimoji="1" lang="en-US" altLang="zh-CN" sz="1200" dirty="0">
+                  <a:solidFill>
+                    <a:sysClr val="windowText" lastClr="000000"/>
+                  </a:solidFill>
+                </a:rPr>
+                <a:t>Account</a:t>
+              </a:r>
+              <a:endParaRPr kumimoji="1" lang="zh-CN" altLang="en-US" sz="1200" dirty="0">
                 <a:solidFill>
                   <a:sysClr val="windowText" lastClr="000000"/>
                 </a:solidFill>
-                <a:latin typeface="DengXian" panose="02010600030101010101" pitchFamily="2" charset="-122"/>
-                <a:ea typeface="DengXian" panose="02010600030101010101" pitchFamily="2" charset="-122"/>
-              </a:rPr>
-              <a:t> </a:t>
-            </a:r>
-            <a:r>
-              <a:rPr kumimoji="1" lang="en-US" altLang="zh-CN" sz="1200" dirty="0">
+              </a:endParaRPr>
+            </a:p>
+          </p:txBody>
+        </p:sp>
+        <p:cxnSp>
+          <p:nvCxnSpPr>
+            <p:cNvPr id="9" name="直线箭头连接符 11" descr="jytjh">
+              <a:extLst>
+                <a:ext uri="{FF2B5EF4-FFF2-40B4-BE49-F238E27FC236}">
+                  <a16:creationId xmlns:a16="http://schemas.microsoft.com/office/drawing/2014/main" id="{3C0F8B5C-8252-7ACA-8163-E4D2B5B359FA}"/>
+                </a:ext>
+              </a:extLst>
+            </p:cNvPr>
+            <p:cNvCxnSpPr>
+              <a:cxnSpLocks/>
+              <a:stCxn id="54" idx="1"/>
+              <a:endCxn id="7" idx="3"/>
+            </p:cNvCxnSpPr>
+            <p:nvPr/>
+          </p:nvCxnSpPr>
+          <p:spPr>
+            <a:xfrm flipH="1">
+              <a:off x="5367259" y="5019528"/>
+              <a:ext cx="447273" cy="0"/>
+            </a:xfrm>
+            <a:prstGeom prst="straightConnector1">
+              <a:avLst/>
+            </a:prstGeom>
+            <a:ln w="25400">
+              <a:solidFill>
+                <a:schemeClr val="tx1"/>
+              </a:solidFill>
+              <a:headEnd type="arrow" w="sm" len="lg"/>
+              <a:tailEnd type="none" w="lg" len="med"/>
+            </a:ln>
+          </p:spPr>
+          <p:style>
+            <a:lnRef idx="1">
+              <a:schemeClr val="accent1"/>
+            </a:lnRef>
+            <a:fillRef idx="0">
+              <a:schemeClr val="accent1"/>
+            </a:fillRef>
+            <a:effectRef idx="0">
+              <a:schemeClr val="accent1"/>
+            </a:effectRef>
+            <a:fontRef idx="minor">
+              <a:schemeClr val="tx1"/>
+            </a:fontRef>
+          </p:style>
+        </p:cxnSp>
+        <p:sp>
+          <p:nvSpPr>
+            <p:cNvPr id="10" name="矩形 13">
+              <a:extLst>
+                <a:ext uri="{FF2B5EF4-FFF2-40B4-BE49-F238E27FC236}">
+                  <a16:creationId xmlns:a16="http://schemas.microsoft.com/office/drawing/2014/main" id="{64B8F2C2-8A92-9681-42C7-CF40BF93BA4C}"/>
+                </a:ext>
+              </a:extLst>
+            </p:cNvPr>
+            <p:cNvSpPr/>
+            <p:nvPr/>
+          </p:nvSpPr>
+          <p:spPr>
+            <a:xfrm>
+              <a:off x="4157200" y="4397285"/>
+              <a:ext cx="5948090" cy="991913"/>
+            </a:xfrm>
+            <a:prstGeom prst="rect">
+              <a:avLst/>
+            </a:prstGeom>
+            <a:noFill/>
+            <a:ln w="25400">
+              <a:solidFill>
+                <a:schemeClr val="tx1"/>
+              </a:solidFill>
+              <a:prstDash val="sysDot"/>
+            </a:ln>
+          </p:spPr>
+          <p:style>
+            <a:lnRef idx="2">
+              <a:schemeClr val="accent2">
+                <a:shade val="50000"/>
+              </a:schemeClr>
+            </a:lnRef>
+            <a:fillRef idx="1">
+              <a:schemeClr val="accent2"/>
+            </a:fillRef>
+            <a:effectRef idx="0">
+              <a:schemeClr val="accent2"/>
+            </a:effectRef>
+            <a:fontRef idx="minor">
+              <a:schemeClr val="lt1"/>
+            </a:fontRef>
+          </p:style>
+          <p:txBody>
+            <a:bodyPr rtlCol="0" anchor="t"/>
+            <a:lstStyle/>
+            <a:p>
+              <a:r>
+                <a:rPr kumimoji="1" lang="en-US" altLang="zh-CN" sz="1200" b="1" dirty="0">
+                  <a:solidFill>
+                    <a:sysClr val="windowText" lastClr="000000"/>
+                  </a:solidFill>
+                  <a:latin typeface="DengXian" panose="02010600030101010101" pitchFamily="2" charset="-122"/>
+                  <a:ea typeface="DengXian" panose="02010600030101010101" pitchFamily="2" charset="-122"/>
+                </a:rPr>
+                <a:t>Path</a:t>
+              </a:r>
+              <a:r>
+                <a:rPr kumimoji="1" lang="zh-CN" altLang="en-US" sz="1200" b="1" dirty="0">
+                  <a:solidFill>
+                    <a:sysClr val="windowText" lastClr="000000"/>
+                  </a:solidFill>
+                  <a:latin typeface="DengXian" panose="02010600030101010101" pitchFamily="2" charset="-122"/>
+                  <a:ea typeface="DengXian" panose="02010600030101010101" pitchFamily="2" charset="-122"/>
+                </a:rPr>
+                <a:t> </a:t>
+              </a:r>
+              <a:r>
+                <a:rPr kumimoji="1" lang="en-US" altLang="zh-CN" sz="1200" b="1" dirty="0">
+                  <a:solidFill>
+                    <a:sysClr val="windowText" lastClr="000000"/>
+                  </a:solidFill>
+                  <a:latin typeface="DengXian" panose="02010600030101010101" pitchFamily="2" charset="-122"/>
+                  <a:ea typeface="DengXian" panose="02010600030101010101" pitchFamily="2" charset="-122"/>
+                </a:rPr>
+                <a:t>N</a:t>
+              </a:r>
+            </a:p>
+          </p:txBody>
+        </p:sp>
+        <p:sp>
+          <p:nvSpPr>
+            <p:cNvPr id="11" name="矩形 9">
+              <a:extLst>
+                <a:ext uri="{FF2B5EF4-FFF2-40B4-BE49-F238E27FC236}">
+                  <a16:creationId xmlns:a16="http://schemas.microsoft.com/office/drawing/2014/main" id="{A984CFD2-105C-CCED-1791-F494394C2166}"/>
+                </a:ext>
+              </a:extLst>
+            </p:cNvPr>
+            <p:cNvSpPr/>
+            <p:nvPr/>
+          </p:nvSpPr>
+          <p:spPr>
+            <a:xfrm>
+              <a:off x="4284784" y="2684988"/>
+              <a:ext cx="1409134" cy="505147"/>
+            </a:xfrm>
+            <a:prstGeom prst="rect">
+              <a:avLst/>
+            </a:prstGeom>
+            <a:solidFill>
+              <a:schemeClr val="accent5">
+                <a:lumMod val="60000"/>
+                <a:lumOff val="40000"/>
+              </a:schemeClr>
+            </a:solidFill>
+            <a:ln w="25400">
+              <a:solidFill>
+                <a:schemeClr val="tx1"/>
+              </a:solidFill>
+            </a:ln>
+          </p:spPr>
+          <p:style>
+            <a:lnRef idx="2">
+              <a:schemeClr val="accent2">
+                <a:shade val="50000"/>
+              </a:schemeClr>
+            </a:lnRef>
+            <a:fillRef idx="1">
+              <a:schemeClr val="accent2"/>
+            </a:fillRef>
+            <a:effectRef idx="0">
+              <a:schemeClr val="accent2"/>
+            </a:effectRef>
+            <a:fontRef idx="minor">
+              <a:schemeClr val="lt1"/>
+            </a:fontRef>
+          </p:style>
+          <p:txBody>
+            <a:bodyPr rtlCol="0" anchor="ctr"/>
+            <a:lstStyle/>
+            <a:p>
+              <a:pPr algn="ctr"/>
+              <a:r>
+                <a:rPr kumimoji="1" lang="en-US" altLang="zh-CN" sz="1200" b="1" dirty="0" err="1">
+                  <a:solidFill>
+                    <a:sysClr val="windowText" lastClr="000000"/>
+                  </a:solidFill>
+                </a:rPr>
+                <a:t>src</a:t>
+              </a:r>
+              <a:r>
+                <a:rPr kumimoji="1" lang="zh-CN" altLang="en-US" sz="1200" dirty="0">
+                  <a:solidFill>
+                    <a:sysClr val="windowText" lastClr="000000"/>
+                  </a:solidFill>
+                </a:rPr>
+                <a:t> </a:t>
+              </a:r>
+              <a:r>
+                <a:rPr kumimoji="1" lang="en-US" altLang="zh-CN" sz="1200" dirty="0">
+                  <a:solidFill>
+                    <a:sysClr val="windowText" lastClr="000000"/>
+                  </a:solidFill>
+                </a:rPr>
+                <a:t>:</a:t>
+              </a:r>
+              <a:r>
+                <a:rPr kumimoji="1" lang="zh-CN" altLang="en-US" sz="1200" dirty="0">
+                  <a:solidFill>
+                    <a:sysClr val="windowText" lastClr="000000"/>
+                  </a:solidFill>
+                </a:rPr>
+                <a:t> </a:t>
+              </a:r>
+              <a:r>
+                <a:rPr kumimoji="1" lang="en-US" altLang="zh-CN" sz="1200" dirty="0">
+                  <a:solidFill>
+                    <a:sysClr val="windowText" lastClr="000000"/>
+                  </a:solidFill>
+                </a:rPr>
+                <a:t>Account</a:t>
+              </a:r>
+              <a:endParaRPr kumimoji="1" lang="zh-CN" altLang="en-US" sz="1200" dirty="0">
                 <a:solidFill>
                   <a:sysClr val="windowText" lastClr="000000"/>
                 </a:solidFill>
-                <a:latin typeface="DengXian" panose="02010600030101010101" pitchFamily="2" charset="-122"/>
-                <a:ea typeface="DengXian" panose="02010600030101010101" pitchFamily="2" charset="-122"/>
-              </a:rPr>
-              <a:t>${id}</a:t>
-            </a:r>
-            <a:endParaRPr kumimoji="1" lang="zh-CN" altLang="en-US" sz="1200" dirty="0">
+              </a:endParaRPr>
+            </a:p>
+          </p:txBody>
+        </p:sp>
+        <p:sp>
+          <p:nvSpPr>
+            <p:cNvPr id="12" name="矩形 10">
+              <a:extLst>
+                <a:ext uri="{FF2B5EF4-FFF2-40B4-BE49-F238E27FC236}">
+                  <a16:creationId xmlns:a16="http://schemas.microsoft.com/office/drawing/2014/main" id="{5D90DED5-8B1D-55DB-5DB8-DB3E71091474}"/>
+                </a:ext>
+              </a:extLst>
+            </p:cNvPr>
+            <p:cNvSpPr/>
+            <p:nvPr/>
+          </p:nvSpPr>
+          <p:spPr>
+            <a:xfrm>
+              <a:off x="8547372" y="2684988"/>
+              <a:ext cx="1409134" cy="505147"/>
+            </a:xfrm>
+            <a:prstGeom prst="rect">
+              <a:avLst/>
+            </a:prstGeom>
+            <a:solidFill>
+              <a:schemeClr val="accent5">
+                <a:lumMod val="60000"/>
+                <a:lumOff val="40000"/>
+              </a:schemeClr>
+            </a:solidFill>
+            <a:ln w="25400">
               <a:solidFill>
-                <a:sysClr val="windowText" lastClr="000000"/>
+                <a:schemeClr val="tx1"/>
               </a:solidFill>
-              <a:latin typeface="DengXian" panose="02010600030101010101" pitchFamily="2" charset="-122"/>
-              <a:ea typeface="DengXian" panose="02010600030101010101" pitchFamily="2" charset="-122"/>
-            </a:endParaRPr>
-          </a:p>
-        </p:txBody>
-      </p:sp>
-      <p:cxnSp>
-        <p:nvCxnSpPr>
-          <p:cNvPr id="28" name="直线箭头连接符 7" descr="jytjh">
-            <a:extLst>
-              <a:ext uri="{FF2B5EF4-FFF2-40B4-BE49-F238E27FC236}">
-                <a16:creationId xmlns:a16="http://schemas.microsoft.com/office/drawing/2014/main" id="{D40DEA1C-42E9-7D49-88D9-1E238561C207}"/>
-              </a:ext>
-            </a:extLst>
-          </p:cNvPr>
-          <p:cNvCxnSpPr>
-            <a:cxnSpLocks/>
-            <a:stCxn id="26" idx="3"/>
-            <a:endCxn id="30" idx="1"/>
-          </p:cNvCxnSpPr>
-          <p:nvPr/>
-        </p:nvCxnSpPr>
-        <p:spPr>
-          <a:xfrm flipV="1">
-            <a:off x="3079550" y="1621510"/>
-            <a:ext cx="1205234" cy="1306594"/>
-          </a:xfrm>
-          <a:prstGeom prst="straightConnector1">
-            <a:avLst/>
-          </a:prstGeom>
-          <a:ln w="25400">
-            <a:solidFill>
-              <a:schemeClr val="tx1"/>
-            </a:solidFill>
-            <a:headEnd type="none" w="lg" len="med"/>
-            <a:tailEnd type="arrow" w="sm" len="lg"/>
-          </a:ln>
-        </p:spPr>
-        <p:style>
-          <a:lnRef idx="1">
-            <a:schemeClr val="accent1"/>
-          </a:lnRef>
-          <a:fillRef idx="0">
-            <a:schemeClr val="accent1"/>
-          </a:fillRef>
-          <a:effectRef idx="0">
-            <a:schemeClr val="accent1"/>
-          </a:effectRef>
-          <a:fontRef idx="minor">
-            <a:schemeClr val="tx1"/>
-          </a:fontRef>
-        </p:style>
-      </p:cxnSp>
-      <p:sp>
-        <p:nvSpPr>
-          <p:cNvPr id="29" name="文本框 8">
-            <a:extLst>
-              <a:ext uri="{FF2B5EF4-FFF2-40B4-BE49-F238E27FC236}">
-                <a16:creationId xmlns:a16="http://schemas.microsoft.com/office/drawing/2014/main" id="{6AE6DB39-97D2-B247-B27D-5DE5C16A690F}"/>
-              </a:ext>
-            </a:extLst>
-          </p:cNvPr>
-          <p:cNvSpPr txBox="1"/>
-          <p:nvPr/>
-        </p:nvSpPr>
-        <p:spPr>
-          <a:xfrm>
-            <a:off x="2553592" y="2068569"/>
-            <a:ext cx="1182845" cy="276999"/>
-          </a:xfrm>
-          <a:prstGeom prst="rect">
-            <a:avLst/>
-          </a:prstGeom>
-          <a:noFill/>
-        </p:spPr>
-        <p:txBody>
-          <a:bodyPr wrap="square" rtlCol="0">
-            <a:spAutoFit/>
-          </a:bodyPr>
-          <a:lstStyle/>
-          <a:p>
-            <a:r>
-              <a:rPr kumimoji="1" lang="en-US" altLang="zh-CN" sz="1200" b="1" dirty="0">
-                <a:latin typeface="DengXian" panose="02010600030101010101" pitchFamily="2" charset="-122"/>
-                <a:ea typeface="DengXian" panose="02010600030101010101" pitchFamily="2" charset="-122"/>
-              </a:rPr>
-              <a:t>edge1</a:t>
-            </a:r>
-            <a:r>
-              <a:rPr kumimoji="1" lang="zh-CN" altLang="en-US" sz="1200" dirty="0">
-                <a:latin typeface="DengXian" panose="02010600030101010101" pitchFamily="2" charset="-122"/>
-                <a:ea typeface="DengXian" panose="02010600030101010101" pitchFamily="2" charset="-122"/>
-              </a:rPr>
-              <a:t> </a:t>
-            </a:r>
-            <a:r>
-              <a:rPr kumimoji="1" lang="en-US" altLang="zh-CN" sz="1200" dirty="0">
-                <a:latin typeface="DengXian" panose="02010600030101010101" pitchFamily="2" charset="-122"/>
-                <a:ea typeface="DengXian" panose="02010600030101010101" pitchFamily="2" charset="-122"/>
-              </a:rPr>
-              <a:t>:</a:t>
-            </a:r>
-            <a:r>
-              <a:rPr kumimoji="1" lang="zh-CN" altLang="en-US" sz="1200" dirty="0">
-                <a:latin typeface="DengXian" panose="02010600030101010101" pitchFamily="2" charset="-122"/>
-                <a:ea typeface="DengXian" panose="02010600030101010101" pitchFamily="2" charset="-122"/>
-              </a:rPr>
-              <a:t> </a:t>
-            </a:r>
-            <a:r>
-              <a:rPr kumimoji="1" lang="en-US" altLang="zh-CN" sz="1200" dirty="0">
-                <a:latin typeface="DengXian" panose="02010600030101010101" pitchFamily="2" charset="-122"/>
-                <a:ea typeface="DengXian" panose="02010600030101010101" pitchFamily="2" charset="-122"/>
-              </a:rPr>
-              <a:t>own</a:t>
-            </a:r>
-          </a:p>
-        </p:txBody>
-      </p:sp>
-      <p:sp>
-        <p:nvSpPr>
-          <p:cNvPr id="30" name="矩形 9">
-            <a:extLst>
-              <a:ext uri="{FF2B5EF4-FFF2-40B4-BE49-F238E27FC236}">
-                <a16:creationId xmlns:a16="http://schemas.microsoft.com/office/drawing/2014/main" id="{5A8841F0-95B1-A34B-81DA-F74D6B693915}"/>
-              </a:ext>
-            </a:extLst>
-          </p:cNvPr>
-          <p:cNvSpPr/>
-          <p:nvPr/>
-        </p:nvSpPr>
-        <p:spPr>
-          <a:xfrm>
-            <a:off x="4284784" y="1368936"/>
-            <a:ext cx="1409134" cy="505147"/>
-          </a:xfrm>
-          <a:prstGeom prst="rect">
-            <a:avLst/>
-          </a:prstGeom>
-          <a:solidFill>
-            <a:schemeClr val="accent5">
-              <a:lumMod val="60000"/>
-              <a:lumOff val="40000"/>
-            </a:schemeClr>
-          </a:solidFill>
-          <a:ln w="25400">
-            <a:solidFill>
-              <a:schemeClr val="tx1"/>
-            </a:solidFill>
-          </a:ln>
-        </p:spPr>
-        <p:style>
-          <a:lnRef idx="2">
-            <a:schemeClr val="accent2">
-              <a:shade val="50000"/>
-            </a:schemeClr>
-          </a:lnRef>
-          <a:fillRef idx="1">
-            <a:schemeClr val="accent2"/>
-          </a:fillRef>
-          <a:effectRef idx="0">
-            <a:schemeClr val="accent2"/>
-          </a:effectRef>
-          <a:fontRef idx="minor">
-            <a:schemeClr val="lt1"/>
-          </a:fontRef>
-        </p:style>
-        <p:txBody>
-          <a:bodyPr rtlCol="0" anchor="ctr"/>
-          <a:lstStyle/>
-          <a:p>
-            <a:pPr algn="ctr"/>
-            <a:r>
-              <a:rPr kumimoji="1" lang="en-US" altLang="zh-CN" sz="1200" b="1" dirty="0" err="1">
+            </a:ln>
+          </p:spPr>
+          <p:style>
+            <a:lnRef idx="2">
+              <a:schemeClr val="accent2">
+                <a:shade val="50000"/>
+              </a:schemeClr>
+            </a:lnRef>
+            <a:fillRef idx="1">
+              <a:schemeClr val="accent2"/>
+            </a:fillRef>
+            <a:effectRef idx="0">
+              <a:schemeClr val="accent2"/>
+            </a:effectRef>
+            <a:fontRef idx="minor">
+              <a:schemeClr val="lt1"/>
+            </a:fontRef>
+          </p:style>
+          <p:txBody>
+            <a:bodyPr rtlCol="0" anchor="ctr"/>
+            <a:lstStyle/>
+            <a:p>
+              <a:pPr algn="ctr"/>
+              <a:r>
+                <a:rPr kumimoji="1" lang="en-US" altLang="zh-CN" sz="1200" b="1" dirty="0" err="1">
+                  <a:solidFill>
+                    <a:sysClr val="windowText" lastClr="000000"/>
+                  </a:solidFill>
+                </a:rPr>
+                <a:t>dst</a:t>
+              </a:r>
+              <a:r>
+                <a:rPr kumimoji="1" lang="zh-CN" altLang="en-US" sz="1200" dirty="0">
+                  <a:solidFill>
+                    <a:sysClr val="windowText" lastClr="000000"/>
+                  </a:solidFill>
+                </a:rPr>
+                <a:t> </a:t>
+              </a:r>
+              <a:r>
+                <a:rPr kumimoji="1" lang="en-US" altLang="zh-CN" sz="1200" dirty="0">
+                  <a:solidFill>
+                    <a:sysClr val="windowText" lastClr="000000"/>
+                  </a:solidFill>
+                </a:rPr>
+                <a:t>:</a:t>
+              </a:r>
+              <a:r>
+                <a:rPr kumimoji="1" lang="zh-CN" altLang="en-US" sz="1200" dirty="0">
+                  <a:solidFill>
+                    <a:sysClr val="windowText" lastClr="000000"/>
+                  </a:solidFill>
+                </a:rPr>
+                <a:t> </a:t>
+              </a:r>
+              <a:r>
+                <a:rPr kumimoji="1" lang="en-US" altLang="zh-CN" sz="1200" dirty="0">
+                  <a:solidFill>
+                    <a:sysClr val="windowText" lastClr="000000"/>
+                  </a:solidFill>
+                </a:rPr>
+                <a:t>Account</a:t>
+              </a:r>
+              <a:endParaRPr kumimoji="1" lang="zh-CN" altLang="en-US" sz="1200" dirty="0">
                 <a:solidFill>
                   <a:sysClr val="windowText" lastClr="000000"/>
                 </a:solidFill>
-              </a:rPr>
-              <a:t>src</a:t>
-            </a:r>
-            <a:r>
-              <a:rPr kumimoji="1" lang="zh-CN" altLang="en-US" sz="1200" dirty="0">
+              </a:endParaRPr>
+            </a:p>
+          </p:txBody>
+        </p:sp>
+        <p:cxnSp>
+          <p:nvCxnSpPr>
+            <p:cNvPr id="13" name="直线箭头连接符 11" descr="jytjh">
+              <a:extLst>
+                <a:ext uri="{FF2B5EF4-FFF2-40B4-BE49-F238E27FC236}">
+                  <a16:creationId xmlns:a16="http://schemas.microsoft.com/office/drawing/2014/main" id="{AAA9BCB8-BEDD-AB64-1101-272C25D3290C}"/>
+                </a:ext>
+              </a:extLst>
+            </p:cNvPr>
+            <p:cNvCxnSpPr>
+              <a:cxnSpLocks/>
+              <a:stCxn id="43" idx="1"/>
+              <a:endCxn id="11" idx="3"/>
+            </p:cNvCxnSpPr>
+            <p:nvPr/>
+          </p:nvCxnSpPr>
+          <p:spPr>
+            <a:xfrm flipH="1">
+              <a:off x="5693918" y="2937562"/>
+              <a:ext cx="722160" cy="0"/>
+            </a:xfrm>
+            <a:prstGeom prst="straightConnector1">
+              <a:avLst/>
+            </a:prstGeom>
+            <a:ln w="25400">
+              <a:solidFill>
+                <a:schemeClr val="tx1"/>
+              </a:solidFill>
+              <a:headEnd type="arrow" w="sm" len="lg"/>
+              <a:tailEnd type="none" w="lg" len="med"/>
+            </a:ln>
+          </p:spPr>
+          <p:style>
+            <a:lnRef idx="1">
+              <a:schemeClr val="accent1"/>
+            </a:lnRef>
+            <a:fillRef idx="0">
+              <a:schemeClr val="accent1"/>
+            </a:fillRef>
+            <a:effectRef idx="0">
+              <a:schemeClr val="accent1"/>
+            </a:effectRef>
+            <a:fontRef idx="minor">
+              <a:schemeClr val="tx1"/>
+            </a:fontRef>
+          </p:style>
+        </p:cxnSp>
+        <p:cxnSp>
+          <p:nvCxnSpPr>
+            <p:cNvPr id="16" name="直线箭头连接符 7" descr="jytjh">
+              <a:extLst>
+                <a:ext uri="{FF2B5EF4-FFF2-40B4-BE49-F238E27FC236}">
+                  <a16:creationId xmlns:a16="http://schemas.microsoft.com/office/drawing/2014/main" id="{57A4E6A2-F1D7-09AC-A5C9-A728E3B8768E}"/>
+                </a:ext>
+              </a:extLst>
+            </p:cNvPr>
+            <p:cNvCxnSpPr>
+              <a:cxnSpLocks/>
+              <a:stCxn id="26" idx="3"/>
+              <a:endCxn id="11" idx="1"/>
+            </p:cNvCxnSpPr>
+            <p:nvPr/>
+          </p:nvCxnSpPr>
+          <p:spPr>
+            <a:xfrm>
+              <a:off x="3079550" y="2928104"/>
+              <a:ext cx="1205234" cy="9458"/>
+            </a:xfrm>
+            <a:prstGeom prst="straightConnector1">
+              <a:avLst/>
+            </a:prstGeom>
+            <a:ln w="25400">
+              <a:solidFill>
+                <a:schemeClr val="tx1"/>
+              </a:solidFill>
+              <a:headEnd type="none" w="lg" len="med"/>
+              <a:tailEnd type="arrow" w="sm" len="lg"/>
+            </a:ln>
+          </p:spPr>
+          <p:style>
+            <a:lnRef idx="1">
+              <a:schemeClr val="accent1"/>
+            </a:lnRef>
+            <a:fillRef idx="0">
+              <a:schemeClr val="accent1"/>
+            </a:fillRef>
+            <a:effectRef idx="0">
+              <a:schemeClr val="accent1"/>
+            </a:effectRef>
+            <a:fontRef idx="minor">
+              <a:schemeClr val="tx1"/>
+            </a:fontRef>
+          </p:style>
+        </p:cxnSp>
+        <p:cxnSp>
+          <p:nvCxnSpPr>
+            <p:cNvPr id="19" name="直线箭头连接符 7" descr="jytjh">
+              <a:extLst>
+                <a:ext uri="{FF2B5EF4-FFF2-40B4-BE49-F238E27FC236}">
+                  <a16:creationId xmlns:a16="http://schemas.microsoft.com/office/drawing/2014/main" id="{CC90E719-349C-9BE9-D8BC-301075D635ED}"/>
+                </a:ext>
+              </a:extLst>
+            </p:cNvPr>
+            <p:cNvCxnSpPr>
+              <a:cxnSpLocks/>
+              <a:stCxn id="26" idx="3"/>
+              <a:endCxn id="7" idx="1"/>
+            </p:cNvCxnSpPr>
+            <p:nvPr/>
+          </p:nvCxnSpPr>
+          <p:spPr>
+            <a:xfrm>
+              <a:off x="3079550" y="2928104"/>
+              <a:ext cx="1205234" cy="2091424"/>
+            </a:xfrm>
+            <a:prstGeom prst="straightConnector1">
+              <a:avLst/>
+            </a:prstGeom>
+            <a:ln w="25400">
+              <a:solidFill>
+                <a:schemeClr val="tx1"/>
+              </a:solidFill>
+              <a:headEnd type="none" w="lg" len="med"/>
+              <a:tailEnd type="arrow" w="sm" len="lg"/>
+            </a:ln>
+          </p:spPr>
+          <p:style>
+            <a:lnRef idx="1">
+              <a:schemeClr val="accent1"/>
+            </a:lnRef>
+            <a:fillRef idx="0">
+              <a:schemeClr val="accent1"/>
+            </a:fillRef>
+            <a:effectRef idx="0">
+              <a:schemeClr val="accent1"/>
+            </a:effectRef>
+            <a:fontRef idx="minor">
+              <a:schemeClr val="tx1"/>
+            </a:fontRef>
+          </p:style>
+        </p:cxnSp>
+        <p:sp>
+          <p:nvSpPr>
+            <p:cNvPr id="22" name="矩形 14">
+              <a:extLst>
+                <a:ext uri="{FF2B5EF4-FFF2-40B4-BE49-F238E27FC236}">
+                  <a16:creationId xmlns:a16="http://schemas.microsoft.com/office/drawing/2014/main" id="{3AFB2389-612B-1D58-15D9-B131B926F7EC}"/>
+                </a:ext>
+              </a:extLst>
+            </p:cNvPr>
+            <p:cNvSpPr/>
+            <p:nvPr/>
+          </p:nvSpPr>
+          <p:spPr>
+            <a:xfrm>
+              <a:off x="4157200" y="3631369"/>
+              <a:ext cx="5948090" cy="505147"/>
+            </a:xfrm>
+            <a:prstGeom prst="rect">
+              <a:avLst/>
+            </a:prstGeom>
+            <a:noFill/>
+            <a:ln w="28575">
+              <a:noFill/>
+            </a:ln>
+          </p:spPr>
+          <p:style>
+            <a:lnRef idx="2">
+              <a:schemeClr val="accent2">
+                <a:shade val="50000"/>
+              </a:schemeClr>
+            </a:lnRef>
+            <a:fillRef idx="1">
+              <a:schemeClr val="accent2"/>
+            </a:fillRef>
+            <a:effectRef idx="0">
+              <a:schemeClr val="accent2"/>
+            </a:effectRef>
+            <a:fontRef idx="minor">
+              <a:schemeClr val="lt1"/>
+            </a:fontRef>
+          </p:style>
+          <p:txBody>
+            <a:bodyPr rtlCol="0" anchor="ctr"/>
+            <a:lstStyle/>
+            <a:p>
+              <a:pPr algn="ctr"/>
+              <a:r>
+                <a:rPr kumimoji="1" lang="en-US" altLang="zh-CN" sz="1600" b="1" dirty="0">
+                  <a:solidFill>
+                    <a:sysClr val="windowText" lastClr="000000"/>
+                  </a:solidFill>
+                </a:rPr>
+                <a:t>…</a:t>
+              </a:r>
+              <a:endParaRPr kumimoji="1" lang="zh-CN" altLang="en-US" sz="1600" dirty="0">
                 <a:solidFill>
                   <a:sysClr val="windowText" lastClr="000000"/>
                 </a:solidFill>
-              </a:rPr>
-              <a:t> </a:t>
-            </a:r>
-            <a:r>
-              <a:rPr kumimoji="1" lang="en-US" altLang="zh-CN" sz="1200" dirty="0">
+              </a:endParaRPr>
+            </a:p>
+          </p:txBody>
+        </p:sp>
+        <p:cxnSp>
+          <p:nvCxnSpPr>
+            <p:cNvPr id="23" name="直线箭头连接符 7" descr="jytjh">
+              <a:extLst>
+                <a:ext uri="{FF2B5EF4-FFF2-40B4-BE49-F238E27FC236}">
+                  <a16:creationId xmlns:a16="http://schemas.microsoft.com/office/drawing/2014/main" id="{A1188DEF-6093-F2C7-3442-20DD37E28FB6}"/>
+                </a:ext>
+              </a:extLst>
+            </p:cNvPr>
+            <p:cNvCxnSpPr>
+              <a:cxnSpLocks/>
+              <a:stCxn id="26" idx="3"/>
+              <a:endCxn id="22" idx="1"/>
+            </p:cNvCxnSpPr>
+            <p:nvPr/>
+          </p:nvCxnSpPr>
+          <p:spPr>
+            <a:xfrm>
+              <a:off x="3079550" y="2928104"/>
+              <a:ext cx="1077650" cy="955839"/>
+            </a:xfrm>
+            <a:prstGeom prst="straightConnector1">
+              <a:avLst/>
+            </a:prstGeom>
+            <a:ln w="25400">
+              <a:solidFill>
+                <a:schemeClr val="tx1"/>
+              </a:solidFill>
+              <a:headEnd type="none" w="lg" len="med"/>
+              <a:tailEnd type="arrow" w="sm" len="lg"/>
+            </a:ln>
+          </p:spPr>
+          <p:style>
+            <a:lnRef idx="1">
+              <a:schemeClr val="accent1"/>
+            </a:lnRef>
+            <a:fillRef idx="0">
+              <a:schemeClr val="accent1"/>
+            </a:fillRef>
+            <a:effectRef idx="0">
+              <a:schemeClr val="accent1"/>
+            </a:effectRef>
+            <a:fontRef idx="minor">
+              <a:schemeClr val="tx1"/>
+            </a:fontRef>
+          </p:style>
+        </p:cxnSp>
+        <p:sp>
+          <p:nvSpPr>
+            <p:cNvPr id="42" name="文本框 8">
+              <a:extLst>
+                <a:ext uri="{FF2B5EF4-FFF2-40B4-BE49-F238E27FC236}">
+                  <a16:creationId xmlns:a16="http://schemas.microsoft.com/office/drawing/2014/main" id="{74AF70E1-B01F-1128-BCB3-72C9E56B441E}"/>
+                </a:ext>
+              </a:extLst>
+            </p:cNvPr>
+            <p:cNvSpPr txBox="1"/>
+            <p:nvPr/>
+          </p:nvSpPr>
+          <p:spPr>
+            <a:xfrm>
+              <a:off x="6416078" y="1298175"/>
+              <a:ext cx="1182845" cy="276999"/>
+            </a:xfrm>
+            <a:prstGeom prst="rect">
+              <a:avLst/>
+            </a:prstGeom>
+            <a:noFill/>
+          </p:spPr>
+          <p:txBody>
+            <a:bodyPr wrap="square" rtlCol="0">
+              <a:spAutoFit/>
+            </a:bodyPr>
+            <a:lstStyle/>
+            <a:p>
+              <a:pPr algn="ctr"/>
+              <a:r>
+                <a:rPr kumimoji="1" lang="en-US" altLang="zh-CN" sz="1200" b="1" dirty="0">
+                  <a:latin typeface="DengXian" panose="02010600030101010101" pitchFamily="2" charset="-122"/>
+                  <a:ea typeface="DengXian" panose="02010600030101010101" pitchFamily="2" charset="-122"/>
+                </a:rPr>
+                <a:t>edge2</a:t>
+              </a:r>
+              <a:endParaRPr kumimoji="1" lang="en-US" altLang="zh-CN" sz="1200" dirty="0">
+                <a:latin typeface="DengXian" panose="02010600030101010101" pitchFamily="2" charset="-122"/>
+                <a:ea typeface="DengXian" panose="02010600030101010101" pitchFamily="2" charset="-122"/>
+              </a:endParaRPr>
+            </a:p>
+          </p:txBody>
+        </p:sp>
+        <p:sp>
+          <p:nvSpPr>
+            <p:cNvPr id="43" name="矩形 10">
+              <a:extLst>
+                <a:ext uri="{FF2B5EF4-FFF2-40B4-BE49-F238E27FC236}">
+                  <a16:creationId xmlns:a16="http://schemas.microsoft.com/office/drawing/2014/main" id="{113F2D3A-4981-89B6-0EEC-FA09BE889A0F}"/>
+                </a:ext>
+              </a:extLst>
+            </p:cNvPr>
+            <p:cNvSpPr/>
+            <p:nvPr/>
+          </p:nvSpPr>
+          <p:spPr>
+            <a:xfrm>
+              <a:off x="6416078" y="2684988"/>
+              <a:ext cx="1409134" cy="505147"/>
+            </a:xfrm>
+            <a:prstGeom prst="rect">
+              <a:avLst/>
+            </a:prstGeom>
+            <a:solidFill>
+              <a:schemeClr val="accent5">
+                <a:lumMod val="60000"/>
+                <a:lumOff val="40000"/>
+              </a:schemeClr>
+            </a:solidFill>
+            <a:ln w="25400">
+              <a:solidFill>
+                <a:schemeClr val="tx1"/>
+              </a:solidFill>
+            </a:ln>
+          </p:spPr>
+          <p:style>
+            <a:lnRef idx="2">
+              <a:schemeClr val="accent2">
+                <a:shade val="50000"/>
+              </a:schemeClr>
+            </a:lnRef>
+            <a:fillRef idx="1">
+              <a:schemeClr val="accent2"/>
+            </a:fillRef>
+            <a:effectRef idx="0">
+              <a:schemeClr val="accent2"/>
+            </a:effectRef>
+            <a:fontRef idx="minor">
+              <a:schemeClr val="lt1"/>
+            </a:fontRef>
+          </p:style>
+          <p:txBody>
+            <a:bodyPr rtlCol="0" anchor="ctr"/>
+            <a:lstStyle/>
+            <a:p>
+              <a:pPr algn="ctr"/>
+              <a:r>
+                <a:rPr kumimoji="1" lang="en-US" altLang="zh-CN" sz="1200" b="1" dirty="0">
+                  <a:solidFill>
+                    <a:sysClr val="windowText" lastClr="000000"/>
+                  </a:solidFill>
+                </a:rPr>
+                <a:t>mid</a:t>
+              </a:r>
+              <a:r>
+                <a:rPr kumimoji="1" lang="zh-CN" altLang="en-US" sz="1200" dirty="0">
+                  <a:solidFill>
+                    <a:sysClr val="windowText" lastClr="000000"/>
+                  </a:solidFill>
+                </a:rPr>
+                <a:t> </a:t>
+              </a:r>
+              <a:r>
+                <a:rPr kumimoji="1" lang="en-US" altLang="zh-CN" sz="1200" dirty="0">
+                  <a:solidFill>
+                    <a:sysClr val="windowText" lastClr="000000"/>
+                  </a:solidFill>
+                </a:rPr>
+                <a:t>:</a:t>
+              </a:r>
+              <a:r>
+                <a:rPr kumimoji="1" lang="zh-CN" altLang="en-US" sz="1200" dirty="0">
+                  <a:solidFill>
+                    <a:sysClr val="windowText" lastClr="000000"/>
+                  </a:solidFill>
+                </a:rPr>
+                <a:t> </a:t>
+              </a:r>
+              <a:r>
+                <a:rPr kumimoji="1" lang="en-US" altLang="zh-CN" sz="1200" dirty="0">
+                  <a:solidFill>
+                    <a:sysClr val="windowText" lastClr="000000"/>
+                  </a:solidFill>
+                </a:rPr>
+                <a:t>Account</a:t>
+              </a:r>
+              <a:endParaRPr kumimoji="1" lang="zh-CN" altLang="en-US" sz="1200" dirty="0">
                 <a:solidFill>
                   <a:sysClr val="windowText" lastClr="000000"/>
                 </a:solidFill>
-              </a:rPr>
-              <a:t>:</a:t>
-            </a:r>
-            <a:r>
-              <a:rPr kumimoji="1" lang="zh-CN" altLang="en-US" sz="1200" dirty="0">
+              </a:endParaRPr>
+            </a:p>
+          </p:txBody>
+        </p:sp>
+        <p:cxnSp>
+          <p:nvCxnSpPr>
+            <p:cNvPr id="46" name="直线箭头连接符 11" descr="jytjh">
+              <a:extLst>
+                <a:ext uri="{FF2B5EF4-FFF2-40B4-BE49-F238E27FC236}">
+                  <a16:creationId xmlns:a16="http://schemas.microsoft.com/office/drawing/2014/main" id="{39ABE6A6-8789-C73D-DC53-4AE7C7A2954E}"/>
+                </a:ext>
+              </a:extLst>
+            </p:cNvPr>
+            <p:cNvCxnSpPr>
+              <a:cxnSpLocks/>
+              <a:stCxn id="12" idx="1"/>
+              <a:endCxn id="43" idx="3"/>
+            </p:cNvCxnSpPr>
+            <p:nvPr/>
+          </p:nvCxnSpPr>
+          <p:spPr>
+            <a:xfrm flipH="1">
+              <a:off x="7825212" y="2937562"/>
+              <a:ext cx="722160" cy="0"/>
+            </a:xfrm>
+            <a:prstGeom prst="straightConnector1">
+              <a:avLst/>
+            </a:prstGeom>
+            <a:ln w="25400">
+              <a:solidFill>
+                <a:schemeClr val="tx1"/>
+              </a:solidFill>
+              <a:headEnd type="arrow" w="sm" len="lg"/>
+              <a:tailEnd type="none" w="lg" len="med"/>
+            </a:ln>
+          </p:spPr>
+          <p:style>
+            <a:lnRef idx="1">
+              <a:schemeClr val="accent1"/>
+            </a:lnRef>
+            <a:fillRef idx="0">
+              <a:schemeClr val="accent1"/>
+            </a:fillRef>
+            <a:effectRef idx="0">
+              <a:schemeClr val="accent1"/>
+            </a:effectRef>
+            <a:fontRef idx="minor">
+              <a:schemeClr val="tx1"/>
+            </a:fontRef>
+          </p:style>
+        </p:cxnSp>
+        <p:sp>
+          <p:nvSpPr>
+            <p:cNvPr id="54" name="矩形 10">
+              <a:extLst>
+                <a:ext uri="{FF2B5EF4-FFF2-40B4-BE49-F238E27FC236}">
+                  <a16:creationId xmlns:a16="http://schemas.microsoft.com/office/drawing/2014/main" id="{2B4C3451-C29E-536A-E057-6FC1B8D5B363}"/>
+                </a:ext>
+              </a:extLst>
+            </p:cNvPr>
+            <p:cNvSpPr/>
+            <p:nvPr/>
+          </p:nvSpPr>
+          <p:spPr>
+            <a:xfrm>
+              <a:off x="5814532" y="4766954"/>
+              <a:ext cx="1082476" cy="505147"/>
+            </a:xfrm>
+            <a:prstGeom prst="rect">
+              <a:avLst/>
+            </a:prstGeom>
+            <a:solidFill>
+              <a:schemeClr val="accent5">
+                <a:lumMod val="60000"/>
+                <a:lumOff val="40000"/>
+              </a:schemeClr>
+            </a:solidFill>
+            <a:ln w="25400">
+              <a:solidFill>
+                <a:schemeClr val="tx1"/>
+              </a:solidFill>
+            </a:ln>
+          </p:spPr>
+          <p:style>
+            <a:lnRef idx="2">
+              <a:schemeClr val="accent2">
+                <a:shade val="50000"/>
+              </a:schemeClr>
+            </a:lnRef>
+            <a:fillRef idx="1">
+              <a:schemeClr val="accent2"/>
+            </a:fillRef>
+            <a:effectRef idx="0">
+              <a:schemeClr val="accent2"/>
+            </a:effectRef>
+            <a:fontRef idx="minor">
+              <a:schemeClr val="lt1"/>
+            </a:fontRef>
+          </p:style>
+          <p:txBody>
+            <a:bodyPr rtlCol="0" anchor="ctr"/>
+            <a:lstStyle/>
+            <a:p>
+              <a:pPr algn="ctr"/>
+              <a:r>
+                <a:rPr kumimoji="1" lang="en-US" altLang="zh-CN" sz="1200" b="1" dirty="0" err="1">
+                  <a:solidFill>
+                    <a:sysClr val="windowText" lastClr="000000"/>
+                  </a:solidFill>
+                </a:rPr>
+                <a:t>mid</a:t>
+              </a:r>
+              <a:r>
+                <a:rPr kumimoji="1" lang="en-US" altLang="zh-CN" sz="1200" dirty="0" err="1">
+                  <a:solidFill>
+                    <a:sysClr val="windowText" lastClr="000000"/>
+                  </a:solidFill>
+                </a:rPr>
+                <a:t>:Account</a:t>
+              </a:r>
+              <a:endParaRPr kumimoji="1" lang="zh-CN" altLang="en-US" sz="1200" dirty="0">
                 <a:solidFill>
                   <a:sysClr val="windowText" lastClr="000000"/>
                 </a:solidFill>
-              </a:rPr>
-              <a:t> </a:t>
-            </a:r>
-            <a:r>
-              <a:rPr kumimoji="1" lang="en-US" altLang="zh-CN" sz="1200" dirty="0">
+              </a:endParaRPr>
+            </a:p>
+          </p:txBody>
+        </p:sp>
+        <p:sp>
+          <p:nvSpPr>
+            <p:cNvPr id="56" name="矩形 10">
+              <a:extLst>
+                <a:ext uri="{FF2B5EF4-FFF2-40B4-BE49-F238E27FC236}">
+                  <a16:creationId xmlns:a16="http://schemas.microsoft.com/office/drawing/2014/main" id="{02ECD7A8-B366-7B82-E0FF-7A3A52985293}"/>
+                </a:ext>
+              </a:extLst>
+            </p:cNvPr>
+            <p:cNvSpPr/>
+            <p:nvPr/>
+          </p:nvSpPr>
+          <p:spPr>
+            <a:xfrm>
+              <a:off x="7344281" y="4766954"/>
+              <a:ext cx="1082476" cy="505147"/>
+            </a:xfrm>
+            <a:prstGeom prst="rect">
+              <a:avLst/>
+            </a:prstGeom>
+            <a:solidFill>
+              <a:schemeClr val="accent5">
+                <a:lumMod val="60000"/>
+                <a:lumOff val="40000"/>
+              </a:schemeClr>
+            </a:solidFill>
+            <a:ln w="25400">
+              <a:solidFill>
+                <a:schemeClr val="tx1"/>
+              </a:solidFill>
+            </a:ln>
+          </p:spPr>
+          <p:style>
+            <a:lnRef idx="2">
+              <a:schemeClr val="accent2">
+                <a:shade val="50000"/>
+              </a:schemeClr>
+            </a:lnRef>
+            <a:fillRef idx="1">
+              <a:schemeClr val="accent2"/>
+            </a:fillRef>
+            <a:effectRef idx="0">
+              <a:schemeClr val="accent2"/>
+            </a:effectRef>
+            <a:fontRef idx="minor">
+              <a:schemeClr val="lt1"/>
+            </a:fontRef>
+          </p:style>
+          <p:txBody>
+            <a:bodyPr rtlCol="0" anchor="ctr"/>
+            <a:lstStyle/>
+            <a:p>
+              <a:pPr algn="ctr"/>
+              <a:r>
+                <a:rPr kumimoji="1" lang="en-US" altLang="zh-CN" sz="1200" b="1" dirty="0" err="1">
+                  <a:solidFill>
+                    <a:sysClr val="windowText" lastClr="000000"/>
+                  </a:solidFill>
+                </a:rPr>
+                <a:t>mid</a:t>
+              </a:r>
+              <a:r>
+                <a:rPr kumimoji="1" lang="en-US" altLang="zh-CN" sz="1200" dirty="0" err="1">
+                  <a:solidFill>
+                    <a:sysClr val="windowText" lastClr="000000"/>
+                  </a:solidFill>
+                </a:rPr>
+                <a:t>:Account</a:t>
+              </a:r>
+              <a:endParaRPr kumimoji="1" lang="zh-CN" altLang="en-US" sz="1200" dirty="0">
                 <a:solidFill>
                   <a:sysClr val="windowText" lastClr="000000"/>
                 </a:solidFill>
-              </a:rPr>
-              <a:t>Account</a:t>
-            </a:r>
-            <a:endParaRPr kumimoji="1" lang="zh-CN" altLang="en-US" sz="1200" dirty="0">
+              </a:endParaRPr>
+            </a:p>
+          </p:txBody>
+        </p:sp>
+        <p:cxnSp>
+          <p:nvCxnSpPr>
+            <p:cNvPr id="63" name="直线箭头连接符 11" descr="jytjh">
+              <a:extLst>
+                <a:ext uri="{FF2B5EF4-FFF2-40B4-BE49-F238E27FC236}">
+                  <a16:creationId xmlns:a16="http://schemas.microsoft.com/office/drawing/2014/main" id="{32161D70-2591-8239-D441-F1A088C17148}"/>
+                </a:ext>
+              </a:extLst>
+            </p:cNvPr>
+            <p:cNvCxnSpPr>
+              <a:cxnSpLocks/>
+              <a:stCxn id="56" idx="1"/>
+              <a:endCxn id="54" idx="3"/>
+            </p:cNvCxnSpPr>
+            <p:nvPr/>
+          </p:nvCxnSpPr>
+          <p:spPr>
+            <a:xfrm flipH="1">
+              <a:off x="6897008" y="5019528"/>
+              <a:ext cx="447273" cy="0"/>
+            </a:xfrm>
+            <a:prstGeom prst="straightConnector1">
+              <a:avLst/>
+            </a:prstGeom>
+            <a:ln w="25400">
               <a:solidFill>
-                <a:sysClr val="windowText" lastClr="000000"/>
+                <a:schemeClr val="tx1"/>
               </a:solidFill>
-            </a:endParaRPr>
-          </a:p>
-        </p:txBody>
-      </p:sp>
-      <p:sp>
-        <p:nvSpPr>
-          <p:cNvPr id="31" name="矩形 10">
-            <a:extLst>
-              <a:ext uri="{FF2B5EF4-FFF2-40B4-BE49-F238E27FC236}">
-                <a16:creationId xmlns:a16="http://schemas.microsoft.com/office/drawing/2014/main" id="{ECA9E5ED-8B98-2D4C-B179-148645608AA1}"/>
-              </a:ext>
-            </a:extLst>
-          </p:cNvPr>
-          <p:cNvSpPr/>
-          <p:nvPr/>
-        </p:nvSpPr>
-        <p:spPr>
-          <a:xfrm>
-            <a:off x="8547372" y="1368935"/>
-            <a:ext cx="1409134" cy="505147"/>
-          </a:xfrm>
-          <a:prstGeom prst="rect">
-            <a:avLst/>
-          </a:prstGeom>
-          <a:solidFill>
-            <a:schemeClr val="accent5">
-              <a:lumMod val="60000"/>
-              <a:lumOff val="40000"/>
-            </a:schemeClr>
-          </a:solidFill>
-          <a:ln w="25400">
-            <a:solidFill>
+              <a:headEnd type="arrow" w="sm" len="lg"/>
+              <a:tailEnd type="none" w="lg" len="med"/>
+            </a:ln>
+          </p:spPr>
+          <p:style>
+            <a:lnRef idx="1">
+              <a:schemeClr val="accent1"/>
+            </a:lnRef>
+            <a:fillRef idx="0">
+              <a:schemeClr val="accent1"/>
+            </a:fillRef>
+            <a:effectRef idx="0">
+              <a:schemeClr val="accent1"/>
+            </a:effectRef>
+            <a:fontRef idx="minor">
               <a:schemeClr val="tx1"/>
-            </a:solidFill>
-          </a:ln>
-        </p:spPr>
-        <p:style>
-          <a:lnRef idx="2">
-            <a:schemeClr val="accent2">
-              <a:shade val="50000"/>
-            </a:schemeClr>
-          </a:lnRef>
-          <a:fillRef idx="1">
-            <a:schemeClr val="accent2"/>
-          </a:fillRef>
-          <a:effectRef idx="0">
-            <a:schemeClr val="accent2"/>
-          </a:effectRef>
-          <a:fontRef idx="minor">
-            <a:schemeClr val="lt1"/>
-          </a:fontRef>
-        </p:style>
-        <p:txBody>
-          <a:bodyPr rtlCol="0" anchor="ctr"/>
-          <a:lstStyle/>
-          <a:p>
-            <a:pPr algn="ctr"/>
-            <a:r>
-              <a:rPr kumimoji="1" lang="en-US" altLang="zh-CN" sz="1200" b="1" dirty="0" err="1">
-                <a:solidFill>
-                  <a:sysClr val="windowText" lastClr="000000"/>
-                </a:solidFill>
-              </a:rPr>
-              <a:t>dst</a:t>
-            </a:r>
-            <a:r>
-              <a:rPr kumimoji="1" lang="zh-CN" altLang="en-US" sz="1200" dirty="0">
-                <a:solidFill>
-                  <a:sysClr val="windowText" lastClr="000000"/>
-                </a:solidFill>
-              </a:rPr>
-              <a:t> </a:t>
-            </a:r>
-            <a:r>
-              <a:rPr kumimoji="1" lang="en-US" altLang="zh-CN" sz="1200" dirty="0">
-                <a:solidFill>
-                  <a:sysClr val="windowText" lastClr="000000"/>
-                </a:solidFill>
-              </a:rPr>
-              <a:t>:</a:t>
-            </a:r>
-            <a:r>
-              <a:rPr kumimoji="1" lang="zh-CN" altLang="en-US" sz="1200" dirty="0">
-                <a:solidFill>
-                  <a:sysClr val="windowText" lastClr="000000"/>
-                </a:solidFill>
-              </a:rPr>
-              <a:t> </a:t>
-            </a:r>
-            <a:r>
-              <a:rPr kumimoji="1" lang="en-US" altLang="zh-CN" sz="1200" dirty="0">
-                <a:solidFill>
-                  <a:sysClr val="windowText" lastClr="000000"/>
-                </a:solidFill>
-              </a:rPr>
-              <a:t>Account</a:t>
-            </a:r>
-            <a:endParaRPr kumimoji="1" lang="zh-CN" altLang="en-US" sz="1200" dirty="0">
+            </a:fontRef>
+          </p:style>
+        </p:cxnSp>
+        <p:cxnSp>
+          <p:nvCxnSpPr>
+            <p:cNvPr id="66" name="直线箭头连接符 11" descr="jytjh">
+              <a:extLst>
+                <a:ext uri="{FF2B5EF4-FFF2-40B4-BE49-F238E27FC236}">
+                  <a16:creationId xmlns:a16="http://schemas.microsoft.com/office/drawing/2014/main" id="{36CDF4A1-42D2-3514-E2C7-03E44C9C53B8}"/>
+                </a:ext>
+              </a:extLst>
+            </p:cNvPr>
+            <p:cNvCxnSpPr>
+              <a:cxnSpLocks/>
+              <a:stCxn id="8" idx="1"/>
+              <a:endCxn id="56" idx="3"/>
+            </p:cNvCxnSpPr>
+            <p:nvPr/>
+          </p:nvCxnSpPr>
+          <p:spPr>
+            <a:xfrm flipH="1">
+              <a:off x="8426757" y="5019528"/>
+              <a:ext cx="447273" cy="0"/>
+            </a:xfrm>
+            <a:prstGeom prst="straightConnector1">
+              <a:avLst/>
+            </a:prstGeom>
+            <a:ln w="25400">
               <a:solidFill>
-                <a:sysClr val="windowText" lastClr="000000"/>
+                <a:schemeClr val="tx1"/>
               </a:solidFill>
-            </a:endParaRPr>
-          </a:p>
-        </p:txBody>
-      </p:sp>
-      <p:cxnSp>
-        <p:nvCxnSpPr>
-          <p:cNvPr id="32" name="直线箭头连接符 11" descr="jytjh">
-            <a:extLst>
-              <a:ext uri="{FF2B5EF4-FFF2-40B4-BE49-F238E27FC236}">
-                <a16:creationId xmlns:a16="http://schemas.microsoft.com/office/drawing/2014/main" id="{07F7B8E7-DE4D-3745-86D9-5CBE4F2D0B7A}"/>
-              </a:ext>
-            </a:extLst>
-          </p:cNvPr>
-          <p:cNvCxnSpPr>
-            <a:cxnSpLocks/>
-            <a:stCxn id="31" idx="1"/>
-            <a:endCxn id="30" idx="3"/>
-          </p:cNvCxnSpPr>
-          <p:nvPr/>
-        </p:nvCxnSpPr>
-        <p:spPr>
-          <a:xfrm flipH="1">
-            <a:off x="5693918" y="1621509"/>
-            <a:ext cx="2853454" cy="1"/>
-          </a:xfrm>
-          <a:prstGeom prst="straightConnector1">
-            <a:avLst/>
-          </a:prstGeom>
-          <a:ln w="25400">
-            <a:solidFill>
+              <a:headEnd type="arrow" w="sm" len="lg"/>
+              <a:tailEnd type="none" w="lg" len="med"/>
+            </a:ln>
+          </p:spPr>
+          <p:style>
+            <a:lnRef idx="1">
+              <a:schemeClr val="accent1"/>
+            </a:lnRef>
+            <a:fillRef idx="0">
+              <a:schemeClr val="accent1"/>
+            </a:fillRef>
+            <a:effectRef idx="0">
+              <a:schemeClr val="accent1"/>
+            </a:effectRef>
+            <a:fontRef idx="minor">
               <a:schemeClr val="tx1"/>
-            </a:solidFill>
-            <a:headEnd type="arrow" w="sm" len="lg"/>
-            <a:tailEnd type="none" w="lg" len="med"/>
-          </a:ln>
-        </p:spPr>
-        <p:style>
-          <a:lnRef idx="1">
-            <a:schemeClr val="accent1"/>
-          </a:lnRef>
-          <a:fillRef idx="0">
-            <a:schemeClr val="accent1"/>
-          </a:fillRef>
-          <a:effectRef idx="0">
-            <a:schemeClr val="accent1"/>
-          </a:effectRef>
-          <a:fontRef idx="minor">
-            <a:schemeClr val="tx1"/>
-          </a:fontRef>
-        </p:style>
-      </p:cxnSp>
-      <p:sp>
-        <p:nvSpPr>
-          <p:cNvPr id="33" name="文本框 12">
-            <a:extLst>
-              <a:ext uri="{FF2B5EF4-FFF2-40B4-BE49-F238E27FC236}">
-                <a16:creationId xmlns:a16="http://schemas.microsoft.com/office/drawing/2014/main" id="{88967B24-E934-F741-AA98-4A8165900FD1}"/>
-              </a:ext>
-            </a:extLst>
-          </p:cNvPr>
-          <p:cNvSpPr txBox="1"/>
-          <p:nvPr/>
-        </p:nvSpPr>
-        <p:spPr>
-          <a:xfrm>
-            <a:off x="3955584" y="5633286"/>
-            <a:ext cx="2438998" cy="646331"/>
-          </a:xfrm>
-          <a:prstGeom prst="rect">
-            <a:avLst/>
-          </a:prstGeom>
-          <a:noFill/>
-        </p:spPr>
-        <p:txBody>
-          <a:bodyPr wrap="square" rtlCol="0">
-            <a:spAutoFit/>
-          </a:bodyPr>
-          <a:lstStyle/>
-          <a:p>
-            <a:r>
-              <a:rPr kumimoji="1" lang="en-US" altLang="zh-CN" sz="1200" b="1" dirty="0">
+            </a:fontRef>
+          </p:style>
+        </p:cxnSp>
+        <p:sp>
+          <p:nvSpPr>
+            <p:cNvPr id="70" name="矩形 13">
+              <a:extLst>
+                <a:ext uri="{FF2B5EF4-FFF2-40B4-BE49-F238E27FC236}">
+                  <a16:creationId xmlns:a16="http://schemas.microsoft.com/office/drawing/2014/main" id="{E039C52F-412D-4C08-9C80-2E5848CBD3AD}"/>
+                </a:ext>
+              </a:extLst>
+            </p:cNvPr>
+            <p:cNvSpPr/>
+            <p:nvPr/>
+          </p:nvSpPr>
+          <p:spPr>
+            <a:xfrm>
+              <a:off x="4157200" y="2382785"/>
+              <a:ext cx="5948090" cy="991913"/>
+            </a:xfrm>
+            <a:prstGeom prst="rect">
+              <a:avLst/>
+            </a:prstGeom>
+            <a:noFill/>
+            <a:ln w="25400">
+              <a:solidFill>
+                <a:schemeClr val="tx1"/>
+              </a:solidFill>
+              <a:prstDash val="sysDot"/>
+            </a:ln>
+          </p:spPr>
+          <p:style>
+            <a:lnRef idx="2">
+              <a:schemeClr val="accent2">
+                <a:shade val="50000"/>
+              </a:schemeClr>
+            </a:lnRef>
+            <a:fillRef idx="1">
+              <a:schemeClr val="accent2"/>
+            </a:fillRef>
+            <a:effectRef idx="0">
+              <a:schemeClr val="accent2"/>
+            </a:effectRef>
+            <a:fontRef idx="minor">
+              <a:schemeClr val="lt1"/>
+            </a:fontRef>
+          </p:style>
+          <p:txBody>
+            <a:bodyPr rtlCol="0" anchor="t"/>
+            <a:lstStyle/>
+            <a:p>
+              <a:r>
+                <a:rPr kumimoji="1" lang="en-US" altLang="zh-CN" sz="1200" b="1" dirty="0">
+                  <a:solidFill>
+                    <a:sysClr val="windowText" lastClr="000000"/>
+                  </a:solidFill>
+                  <a:latin typeface="DengXian" panose="02010600030101010101" pitchFamily="2" charset="-122"/>
+                  <a:ea typeface="DengXian" panose="02010600030101010101" pitchFamily="2" charset="-122"/>
+                </a:rPr>
+                <a:t>Path</a:t>
+              </a:r>
+              <a:r>
+                <a:rPr kumimoji="1" lang="zh-CN" altLang="en-US" sz="1200" b="1" dirty="0">
+                  <a:solidFill>
+                    <a:sysClr val="windowText" lastClr="000000"/>
+                  </a:solidFill>
+                  <a:latin typeface="DengXian" panose="02010600030101010101" pitchFamily="2" charset="-122"/>
+                  <a:ea typeface="DengXian" panose="02010600030101010101" pitchFamily="2" charset="-122"/>
+                </a:rPr>
+                <a:t> </a:t>
+              </a:r>
+              <a:r>
+                <a:rPr kumimoji="1" lang="en-US" altLang="zh-CN" sz="1200" b="1" dirty="0">
+                  <a:solidFill>
+                    <a:sysClr val="windowText" lastClr="000000"/>
+                  </a:solidFill>
+                  <a:latin typeface="DengXian" panose="02010600030101010101" pitchFamily="2" charset="-122"/>
+                  <a:ea typeface="DengXian" panose="02010600030101010101" pitchFamily="2" charset="-122"/>
+                </a:rPr>
+                <a:t>2</a:t>
+              </a:r>
+            </a:p>
+          </p:txBody>
+        </p:sp>
+        <p:sp>
+          <p:nvSpPr>
+            <p:cNvPr id="71" name="文本框 8">
+              <a:extLst>
+                <a:ext uri="{FF2B5EF4-FFF2-40B4-BE49-F238E27FC236}">
+                  <a16:creationId xmlns:a16="http://schemas.microsoft.com/office/drawing/2014/main" id="{A320A93D-A487-856B-C164-174D14200539}"/>
+                </a:ext>
+              </a:extLst>
+            </p:cNvPr>
+            <p:cNvSpPr txBox="1"/>
+            <p:nvPr/>
+          </p:nvSpPr>
+          <p:spPr>
+            <a:xfrm>
+              <a:off x="5463576" y="2644104"/>
+              <a:ext cx="1182845" cy="276999"/>
+            </a:xfrm>
+            <a:prstGeom prst="rect">
+              <a:avLst/>
+            </a:prstGeom>
+            <a:noFill/>
+          </p:spPr>
+          <p:txBody>
+            <a:bodyPr wrap="square" rtlCol="0">
+              <a:spAutoFit/>
+            </a:bodyPr>
+            <a:lstStyle/>
+            <a:p>
+              <a:pPr algn="ctr"/>
+              <a:r>
+                <a:rPr kumimoji="1" lang="en-US" altLang="zh-CN" sz="1200" b="1" dirty="0">
+                  <a:latin typeface="DengXian" panose="02010600030101010101" pitchFamily="2" charset="-122"/>
+                  <a:ea typeface="DengXian" panose="02010600030101010101" pitchFamily="2" charset="-122"/>
+                </a:rPr>
+                <a:t>edge2</a:t>
+              </a:r>
+              <a:endParaRPr kumimoji="1" lang="en-US" altLang="zh-CN" sz="1200" dirty="0">
                 <a:latin typeface="DengXian" panose="02010600030101010101" pitchFamily="2" charset="-122"/>
                 <a:ea typeface="DengXian" panose="02010600030101010101" pitchFamily="2" charset="-122"/>
-              </a:rPr>
-              <a:t>edge2</a:t>
-            </a:r>
-            <a:r>
-              <a:rPr kumimoji="1" lang="en-US" altLang="zh-CN" sz="1200" dirty="0">
+              </a:endParaRPr>
+            </a:p>
+          </p:txBody>
+        </p:sp>
+        <p:sp>
+          <p:nvSpPr>
+            <p:cNvPr id="72" name="文本框 8">
+              <a:extLst>
+                <a:ext uri="{FF2B5EF4-FFF2-40B4-BE49-F238E27FC236}">
+                  <a16:creationId xmlns:a16="http://schemas.microsoft.com/office/drawing/2014/main" id="{4D5B02F7-0038-9BC1-A84C-D16E9E0B5DFC}"/>
+                </a:ext>
+              </a:extLst>
+            </p:cNvPr>
+            <p:cNvSpPr txBox="1"/>
+            <p:nvPr/>
+          </p:nvSpPr>
+          <p:spPr>
+            <a:xfrm>
+              <a:off x="6542807" y="4498070"/>
+              <a:ext cx="1182845" cy="276999"/>
+            </a:xfrm>
+            <a:prstGeom prst="rect">
+              <a:avLst/>
+            </a:prstGeom>
+            <a:noFill/>
+          </p:spPr>
+          <p:txBody>
+            <a:bodyPr wrap="square" rtlCol="0">
+              <a:spAutoFit/>
+            </a:bodyPr>
+            <a:lstStyle/>
+            <a:p>
+              <a:pPr algn="ctr"/>
+              <a:r>
+                <a:rPr kumimoji="1" lang="en-US" altLang="zh-CN" sz="1200" b="1" dirty="0">
+                  <a:latin typeface="DengXian" panose="02010600030101010101" pitchFamily="2" charset="-122"/>
+                  <a:ea typeface="DengXian" panose="02010600030101010101" pitchFamily="2" charset="-122"/>
+                </a:rPr>
+                <a:t>edge2</a:t>
+              </a:r>
+              <a:endParaRPr kumimoji="1" lang="en-US" altLang="zh-CN" sz="1200" dirty="0">
                 <a:latin typeface="DengXian" panose="02010600030101010101" pitchFamily="2" charset="-122"/>
                 <a:ea typeface="DengXian" panose="02010600030101010101" pitchFamily="2" charset="-122"/>
-              </a:rPr>
-              <a:t>:</a:t>
-            </a:r>
-            <a:r>
-              <a:rPr kumimoji="1" lang="zh-CN" altLang="en-US" sz="1200" dirty="0">
-                <a:latin typeface="DengXian" panose="02010600030101010101" pitchFamily="2" charset="-122"/>
-                <a:ea typeface="DengXian" panose="02010600030101010101" pitchFamily="2" charset="-122"/>
-              </a:rPr>
-              <a:t> </a:t>
-            </a:r>
-            <a:r>
-              <a:rPr kumimoji="1" lang="en-US" altLang="zh-CN" sz="1200" dirty="0">
-                <a:latin typeface="DengXian" panose="02010600030101010101" pitchFamily="2" charset="-122"/>
-                <a:ea typeface="DengXian" panose="02010600030101010101" pitchFamily="2" charset="-122"/>
-              </a:rPr>
-              <a:t>transfer</a:t>
-            </a:r>
-            <a:r>
-              <a:rPr kumimoji="1" lang="zh-CN" altLang="en-US" sz="1200" b="1" dirty="0">
-                <a:latin typeface="DengXian" panose="02010600030101010101" pitchFamily="2" charset="-122"/>
-                <a:ea typeface="DengXian" panose="02010600030101010101" pitchFamily="2" charset="-122"/>
-              </a:rPr>
-              <a:t> *</a:t>
-            </a:r>
-            <a:r>
-              <a:rPr kumimoji="1" lang="en-US" altLang="zh-CN" sz="1200" b="1" dirty="0">
-                <a:latin typeface="DengXian" panose="02010600030101010101" pitchFamily="2" charset="-122"/>
-                <a:ea typeface="DengXian" panose="02010600030101010101" pitchFamily="2" charset="-122"/>
-              </a:rPr>
-              <a:t>1..3</a:t>
-            </a:r>
-            <a:endParaRPr kumimoji="1" lang="en-US" altLang="zh-CN" sz="1200" dirty="0">
-              <a:latin typeface="DengXian" panose="02010600030101010101" pitchFamily="2" charset="-122"/>
-              <a:ea typeface="DengXian" panose="02010600030101010101" pitchFamily="2" charset="-122"/>
-            </a:endParaRPr>
-          </a:p>
-          <a:p>
-            <a:r>
-              <a:rPr kumimoji="1" lang="en-US" altLang="zh-CN" sz="1200" b="1" dirty="0">
-                <a:latin typeface="DengXian" panose="02010600030101010101" pitchFamily="2" charset="-122"/>
-                <a:ea typeface="DengXian" panose="02010600030101010101" pitchFamily="2" charset="-122"/>
-              </a:rPr>
-              <a:t>edge2</a:t>
-            </a:r>
-            <a:r>
-              <a:rPr kumimoji="1" lang="en-US" altLang="zh-CN" sz="1200" dirty="0">
-                <a:latin typeface="DengXian" panose="02010600030101010101" pitchFamily="2" charset="-122"/>
-                <a:ea typeface="DengXian" panose="02010600030101010101" pitchFamily="2" charset="-122"/>
-              </a:rPr>
-              <a:t>.timestamp</a:t>
-            </a:r>
-            <a:r>
-              <a:rPr kumimoji="1" lang="zh-CN" altLang="en-US" sz="1200" dirty="0">
-                <a:latin typeface="DengXian" panose="02010600030101010101" pitchFamily="2" charset="-122"/>
-                <a:ea typeface="DengXian" panose="02010600030101010101" pitchFamily="2" charset="-122"/>
-              </a:rPr>
-              <a:t> </a:t>
-            </a:r>
-            <a:r>
-              <a:rPr kumimoji="1" lang="en-US" altLang="zh-CN" sz="1200" dirty="0">
-                <a:latin typeface="DengXian" panose="02010600030101010101" pitchFamily="2" charset="-122"/>
-                <a:ea typeface="DengXian" panose="02010600030101010101" pitchFamily="2" charset="-122"/>
-              </a:rPr>
-              <a:t>&gt;</a:t>
-            </a:r>
-            <a:r>
-              <a:rPr kumimoji="1" lang="zh-CN" altLang="en-US" sz="1200" dirty="0">
-                <a:latin typeface="DengXian" panose="02010600030101010101" pitchFamily="2" charset="-122"/>
-                <a:ea typeface="DengXian" panose="02010600030101010101" pitchFamily="2" charset="-122"/>
-              </a:rPr>
-              <a:t> </a:t>
-            </a:r>
-            <a:r>
-              <a:rPr kumimoji="1" lang="en-US" altLang="zh-CN" sz="1200" dirty="0">
-                <a:latin typeface="DengXian" panose="02010600030101010101" pitchFamily="2" charset="-122"/>
-                <a:ea typeface="DengXian" panose="02010600030101010101" pitchFamily="2" charset="-122"/>
-              </a:rPr>
-              <a:t>${</a:t>
-            </a:r>
-            <a:r>
-              <a:rPr kumimoji="1" lang="en-US" altLang="zh-CN" sz="1200" dirty="0" err="1">
-                <a:latin typeface="DengXian" panose="02010600030101010101" pitchFamily="2" charset="-122"/>
-                <a:ea typeface="DengXian" panose="02010600030101010101" pitchFamily="2" charset="-122"/>
-              </a:rPr>
-              <a:t>start_time</a:t>
-            </a:r>
-            <a:r>
-              <a:rPr kumimoji="1" lang="en-US" altLang="zh-CN" sz="1200" dirty="0">
-                <a:latin typeface="DengXian" panose="02010600030101010101" pitchFamily="2" charset="-122"/>
-                <a:ea typeface="DengXian" panose="02010600030101010101" pitchFamily="2" charset="-122"/>
-              </a:rPr>
-              <a:t>}</a:t>
-            </a:r>
-          </a:p>
-          <a:p>
-            <a:r>
-              <a:rPr kumimoji="1" lang="en-US" altLang="zh-CN" sz="1200" b="1" dirty="0">
-                <a:latin typeface="DengXian" panose="02010600030101010101" pitchFamily="2" charset="-122"/>
-                <a:ea typeface="DengXian" panose="02010600030101010101" pitchFamily="2" charset="-122"/>
-              </a:rPr>
-              <a:t>edge2</a:t>
-            </a:r>
-            <a:r>
-              <a:rPr kumimoji="1" lang="en-US" altLang="zh-CN" sz="1200" dirty="0">
-                <a:latin typeface="DengXian" panose="02010600030101010101" pitchFamily="2" charset="-122"/>
-                <a:ea typeface="DengXian" panose="02010600030101010101" pitchFamily="2" charset="-122"/>
-              </a:rPr>
-              <a:t>.timestamp</a:t>
-            </a:r>
-            <a:r>
-              <a:rPr kumimoji="1" lang="zh-CN" altLang="en-US" sz="1200" dirty="0">
-                <a:latin typeface="DengXian" panose="02010600030101010101" pitchFamily="2" charset="-122"/>
-                <a:ea typeface="DengXian" panose="02010600030101010101" pitchFamily="2" charset="-122"/>
-              </a:rPr>
-              <a:t> </a:t>
-            </a:r>
-            <a:r>
-              <a:rPr kumimoji="1" lang="en-US" altLang="zh-CN" sz="1200" dirty="0">
-                <a:latin typeface="DengXian" panose="02010600030101010101" pitchFamily="2" charset="-122"/>
-                <a:ea typeface="DengXian" panose="02010600030101010101" pitchFamily="2" charset="-122"/>
-              </a:rPr>
-              <a:t>&lt;</a:t>
-            </a:r>
-            <a:r>
-              <a:rPr kumimoji="1" lang="zh-CN" altLang="en-US" sz="1200" dirty="0">
-                <a:latin typeface="DengXian" panose="02010600030101010101" pitchFamily="2" charset="-122"/>
-                <a:ea typeface="DengXian" panose="02010600030101010101" pitchFamily="2" charset="-122"/>
-              </a:rPr>
-              <a:t> </a:t>
-            </a:r>
-            <a:r>
-              <a:rPr kumimoji="1" lang="en-US" altLang="zh-CN" sz="1200" dirty="0">
-                <a:latin typeface="DengXian" panose="02010600030101010101" pitchFamily="2" charset="-122"/>
-                <a:ea typeface="DengXian" panose="02010600030101010101" pitchFamily="2" charset="-122"/>
-              </a:rPr>
-              <a:t>${</a:t>
-            </a:r>
-            <a:r>
-              <a:rPr kumimoji="1" lang="en-US" altLang="zh-CN" sz="1200" dirty="0" err="1">
-                <a:latin typeface="DengXian" panose="02010600030101010101" pitchFamily="2" charset="-122"/>
-                <a:ea typeface="DengXian" panose="02010600030101010101" pitchFamily="2" charset="-122"/>
-              </a:rPr>
-              <a:t>end_time</a:t>
-            </a:r>
-            <a:r>
-              <a:rPr kumimoji="1" lang="en-US" altLang="zh-CN" sz="1200" dirty="0">
-                <a:latin typeface="DengXian" panose="02010600030101010101" pitchFamily="2" charset="-122"/>
-                <a:ea typeface="DengXian" panose="02010600030101010101" pitchFamily="2" charset="-122"/>
-              </a:rPr>
-              <a:t>}</a:t>
-            </a:r>
-          </a:p>
-        </p:txBody>
-      </p:sp>
-      <p:sp>
-        <p:nvSpPr>
-          <p:cNvPr id="40" name="矩形 13">
-            <a:extLst>
-              <a:ext uri="{FF2B5EF4-FFF2-40B4-BE49-F238E27FC236}">
-                <a16:creationId xmlns:a16="http://schemas.microsoft.com/office/drawing/2014/main" id="{E1B0D771-7998-4A49-97E0-FF31B89BD9AB}"/>
-              </a:ext>
-            </a:extLst>
-          </p:cNvPr>
-          <p:cNvSpPr/>
-          <p:nvPr/>
-        </p:nvSpPr>
-        <p:spPr>
-          <a:xfrm>
-            <a:off x="3955584" y="748410"/>
-            <a:ext cx="6606906" cy="5547666"/>
-          </a:xfrm>
-          <a:prstGeom prst="rect">
-            <a:avLst/>
-          </a:prstGeom>
-          <a:noFill/>
-          <a:ln w="25400">
-            <a:solidFill>
-              <a:schemeClr val="tx1"/>
-            </a:solidFill>
-            <a:prstDash val="dash"/>
-          </a:ln>
-        </p:spPr>
-        <p:style>
-          <a:lnRef idx="2">
-            <a:schemeClr val="accent2">
-              <a:shade val="50000"/>
-            </a:schemeClr>
-          </a:lnRef>
-          <a:fillRef idx="1">
-            <a:schemeClr val="accent2"/>
-          </a:fillRef>
-          <a:effectRef idx="0">
-            <a:schemeClr val="accent2"/>
-          </a:effectRef>
-          <a:fontRef idx="minor">
-            <a:schemeClr val="lt1"/>
-          </a:fontRef>
-        </p:style>
-        <p:txBody>
-          <a:bodyPr rtlCol="0" anchor="b"/>
-          <a:lstStyle/>
-          <a:p>
-            <a:pPr algn="r"/>
-            <a:r>
-              <a:rPr kumimoji="1" lang="en-US" altLang="zh-CN" sz="1200" b="1" dirty="0">
-                <a:solidFill>
-                  <a:srgbClr val="FF0000"/>
-                </a:solidFill>
-                <a:latin typeface="DengXian" panose="02010600030101010101" pitchFamily="2" charset="-122"/>
-                <a:ea typeface="DengXian" panose="02010600030101010101" pitchFamily="2" charset="-122"/>
-              </a:rPr>
-              <a:t>RESULT</a:t>
-            </a:r>
-            <a:r>
-              <a:rPr kumimoji="1" lang="zh-CN" altLang="en-US" sz="1200" b="1" dirty="0">
-                <a:solidFill>
-                  <a:srgbClr val="FF0000"/>
-                </a:solidFill>
-                <a:latin typeface="DengXian" panose="02010600030101010101" pitchFamily="2" charset="-122"/>
-                <a:ea typeface="DengXian" panose="02010600030101010101" pitchFamily="2" charset="-122"/>
-              </a:rPr>
-              <a:t> </a:t>
-            </a:r>
-            <a:r>
-              <a:rPr kumimoji="1" lang="en-US" altLang="zh-CN" sz="1200" dirty="0">
-                <a:solidFill>
-                  <a:sysClr val="windowText" lastClr="000000"/>
-                </a:solidFill>
-                <a:latin typeface="DengXian" panose="02010600030101010101" pitchFamily="2" charset="-122"/>
-                <a:ea typeface="DengXian" panose="02010600030101010101" pitchFamily="2" charset="-122"/>
-              </a:rPr>
-              <a:t>Collect(paths)</a:t>
-            </a:r>
-          </a:p>
-        </p:txBody>
-      </p:sp>
-      <p:sp>
-        <p:nvSpPr>
-          <p:cNvPr id="5" name="矩形 13">
-            <a:extLst>
-              <a:ext uri="{FF2B5EF4-FFF2-40B4-BE49-F238E27FC236}">
-                <a16:creationId xmlns:a16="http://schemas.microsoft.com/office/drawing/2014/main" id="{1DDA4304-FDF5-F35D-DC1A-732A60B8796F}"/>
-              </a:ext>
-            </a:extLst>
-          </p:cNvPr>
-          <p:cNvSpPr/>
-          <p:nvPr/>
-        </p:nvSpPr>
-        <p:spPr>
-          <a:xfrm>
-            <a:off x="4157200" y="999267"/>
-            <a:ext cx="5948090" cy="991913"/>
-          </a:xfrm>
-          <a:prstGeom prst="rect">
-            <a:avLst/>
-          </a:prstGeom>
-          <a:noFill/>
-          <a:ln w="25400">
-            <a:solidFill>
-              <a:schemeClr val="tx1"/>
-            </a:solidFill>
-            <a:prstDash val="sysDot"/>
-          </a:ln>
-        </p:spPr>
-        <p:style>
-          <a:lnRef idx="2">
-            <a:schemeClr val="accent2">
-              <a:shade val="50000"/>
-            </a:schemeClr>
-          </a:lnRef>
-          <a:fillRef idx="1">
-            <a:schemeClr val="accent2"/>
-          </a:fillRef>
-          <a:effectRef idx="0">
-            <a:schemeClr val="accent2"/>
-          </a:effectRef>
-          <a:fontRef idx="minor">
-            <a:schemeClr val="lt1"/>
-          </a:fontRef>
-        </p:style>
-        <p:txBody>
-          <a:bodyPr rtlCol="0" anchor="t"/>
-          <a:lstStyle/>
-          <a:p>
-            <a:r>
-              <a:rPr kumimoji="1" lang="en-US" altLang="zh-CN" sz="1200" b="1" dirty="0">
-                <a:solidFill>
-                  <a:sysClr val="windowText" lastClr="000000"/>
-                </a:solidFill>
-                <a:latin typeface="DengXian" panose="02010600030101010101" pitchFamily="2" charset="-122"/>
-                <a:ea typeface="DengXian" panose="02010600030101010101" pitchFamily="2" charset="-122"/>
-              </a:rPr>
-              <a:t>Path</a:t>
-            </a:r>
-            <a:r>
-              <a:rPr kumimoji="1" lang="zh-CN" altLang="en-US" sz="1200" b="1" dirty="0">
-                <a:solidFill>
-                  <a:sysClr val="windowText" lastClr="000000"/>
-                </a:solidFill>
-                <a:latin typeface="DengXian" panose="02010600030101010101" pitchFamily="2" charset="-122"/>
-                <a:ea typeface="DengXian" panose="02010600030101010101" pitchFamily="2" charset="-122"/>
-              </a:rPr>
-              <a:t> </a:t>
-            </a:r>
-            <a:r>
-              <a:rPr kumimoji="1" lang="en-US" altLang="zh-CN" sz="1200" b="1" dirty="0">
-                <a:solidFill>
-                  <a:sysClr val="windowText" lastClr="000000"/>
-                </a:solidFill>
-                <a:latin typeface="DengXian" panose="02010600030101010101" pitchFamily="2" charset="-122"/>
-                <a:ea typeface="DengXian" panose="02010600030101010101" pitchFamily="2" charset="-122"/>
-              </a:rPr>
-              <a:t>1</a:t>
-            </a:r>
-          </a:p>
-        </p:txBody>
-      </p:sp>
-      <p:sp>
-        <p:nvSpPr>
-          <p:cNvPr id="7" name="矩形 9">
-            <a:extLst>
-              <a:ext uri="{FF2B5EF4-FFF2-40B4-BE49-F238E27FC236}">
-                <a16:creationId xmlns:a16="http://schemas.microsoft.com/office/drawing/2014/main" id="{2E429AA4-BB66-7CAB-67EB-B08D100262B5}"/>
-              </a:ext>
-            </a:extLst>
-          </p:cNvPr>
-          <p:cNvSpPr/>
-          <p:nvPr/>
-        </p:nvSpPr>
-        <p:spPr>
-          <a:xfrm>
-            <a:off x="4284784" y="4766954"/>
-            <a:ext cx="1082475" cy="505147"/>
-          </a:xfrm>
-          <a:prstGeom prst="rect">
-            <a:avLst/>
-          </a:prstGeom>
-          <a:solidFill>
-            <a:schemeClr val="accent5">
-              <a:lumMod val="60000"/>
-              <a:lumOff val="40000"/>
-            </a:schemeClr>
-          </a:solidFill>
-          <a:ln w="25400">
-            <a:solidFill>
-              <a:schemeClr val="tx1"/>
-            </a:solidFill>
-          </a:ln>
-        </p:spPr>
-        <p:style>
-          <a:lnRef idx="2">
-            <a:schemeClr val="accent2">
-              <a:shade val="50000"/>
-            </a:schemeClr>
-          </a:lnRef>
-          <a:fillRef idx="1">
-            <a:schemeClr val="accent2"/>
-          </a:fillRef>
-          <a:effectRef idx="0">
-            <a:schemeClr val="accent2"/>
-          </a:effectRef>
-          <a:fontRef idx="minor">
-            <a:schemeClr val="lt1"/>
-          </a:fontRef>
-        </p:style>
-        <p:txBody>
-          <a:bodyPr rtlCol="0" anchor="ctr"/>
-          <a:lstStyle/>
-          <a:p>
-            <a:pPr algn="ctr"/>
-            <a:r>
-              <a:rPr kumimoji="1" lang="en-US" altLang="zh-CN" sz="1200" b="1" dirty="0" err="1">
-                <a:solidFill>
-                  <a:sysClr val="windowText" lastClr="000000"/>
-                </a:solidFill>
-              </a:rPr>
-              <a:t>src</a:t>
-            </a:r>
-            <a:r>
-              <a:rPr kumimoji="1" lang="zh-CN" altLang="en-US" sz="1200" dirty="0">
-                <a:solidFill>
-                  <a:sysClr val="windowText" lastClr="000000"/>
-                </a:solidFill>
-              </a:rPr>
-              <a:t> </a:t>
-            </a:r>
-            <a:r>
-              <a:rPr kumimoji="1" lang="en-US" altLang="zh-CN" sz="1200" dirty="0">
-                <a:solidFill>
-                  <a:sysClr val="windowText" lastClr="000000"/>
-                </a:solidFill>
-              </a:rPr>
-              <a:t>:</a:t>
-            </a:r>
-            <a:r>
-              <a:rPr kumimoji="1" lang="zh-CN" altLang="en-US" sz="1200" dirty="0">
-                <a:solidFill>
-                  <a:sysClr val="windowText" lastClr="000000"/>
-                </a:solidFill>
-              </a:rPr>
-              <a:t> </a:t>
-            </a:r>
-            <a:r>
-              <a:rPr kumimoji="1" lang="en-US" altLang="zh-CN" sz="1200" dirty="0">
-                <a:solidFill>
-                  <a:sysClr val="windowText" lastClr="000000"/>
-                </a:solidFill>
-              </a:rPr>
-              <a:t>Account</a:t>
-            </a:r>
-            <a:endParaRPr kumimoji="1" lang="zh-CN" altLang="en-US" sz="1200" dirty="0">
-              <a:solidFill>
-                <a:sysClr val="windowText" lastClr="000000"/>
-              </a:solidFill>
-            </a:endParaRPr>
-          </a:p>
-        </p:txBody>
-      </p:sp>
-      <p:sp>
-        <p:nvSpPr>
-          <p:cNvPr id="8" name="矩形 10">
-            <a:extLst>
-              <a:ext uri="{FF2B5EF4-FFF2-40B4-BE49-F238E27FC236}">
-                <a16:creationId xmlns:a16="http://schemas.microsoft.com/office/drawing/2014/main" id="{94AC4ED8-6BCB-6186-C4D5-F4C5491C052C}"/>
-              </a:ext>
-            </a:extLst>
-          </p:cNvPr>
-          <p:cNvSpPr/>
-          <p:nvPr/>
-        </p:nvSpPr>
-        <p:spPr>
-          <a:xfrm>
-            <a:off x="8874030" y="4766954"/>
-            <a:ext cx="1082476" cy="505147"/>
-          </a:xfrm>
-          <a:prstGeom prst="rect">
-            <a:avLst/>
-          </a:prstGeom>
-          <a:solidFill>
-            <a:schemeClr val="accent5">
-              <a:lumMod val="60000"/>
-              <a:lumOff val="40000"/>
-            </a:schemeClr>
-          </a:solidFill>
-          <a:ln w="25400">
-            <a:solidFill>
-              <a:schemeClr val="tx1"/>
-            </a:solidFill>
-          </a:ln>
-        </p:spPr>
-        <p:style>
-          <a:lnRef idx="2">
-            <a:schemeClr val="accent2">
-              <a:shade val="50000"/>
-            </a:schemeClr>
-          </a:lnRef>
-          <a:fillRef idx="1">
-            <a:schemeClr val="accent2"/>
-          </a:fillRef>
-          <a:effectRef idx="0">
-            <a:schemeClr val="accent2"/>
-          </a:effectRef>
-          <a:fontRef idx="minor">
-            <a:schemeClr val="lt1"/>
-          </a:fontRef>
-        </p:style>
-        <p:txBody>
-          <a:bodyPr rtlCol="0" anchor="ctr"/>
-          <a:lstStyle/>
-          <a:p>
-            <a:pPr algn="ctr"/>
-            <a:r>
-              <a:rPr kumimoji="1" lang="en-US" altLang="zh-CN" sz="1200" b="1" dirty="0" err="1">
-                <a:solidFill>
-                  <a:sysClr val="windowText" lastClr="000000"/>
-                </a:solidFill>
-              </a:rPr>
-              <a:t>dst</a:t>
-            </a:r>
-            <a:r>
-              <a:rPr kumimoji="1" lang="zh-CN" altLang="en-US" sz="1200" dirty="0">
-                <a:solidFill>
-                  <a:sysClr val="windowText" lastClr="000000"/>
-                </a:solidFill>
-              </a:rPr>
-              <a:t> </a:t>
-            </a:r>
-            <a:r>
-              <a:rPr kumimoji="1" lang="en-US" altLang="zh-CN" sz="1200" dirty="0">
-                <a:solidFill>
-                  <a:sysClr val="windowText" lastClr="000000"/>
-                </a:solidFill>
-              </a:rPr>
-              <a:t>:</a:t>
-            </a:r>
-            <a:r>
-              <a:rPr kumimoji="1" lang="zh-CN" altLang="en-US" sz="1200" dirty="0">
-                <a:solidFill>
-                  <a:sysClr val="windowText" lastClr="000000"/>
-                </a:solidFill>
-              </a:rPr>
-              <a:t> </a:t>
-            </a:r>
-            <a:r>
-              <a:rPr kumimoji="1" lang="en-US" altLang="zh-CN" sz="1200" dirty="0">
-                <a:solidFill>
-                  <a:sysClr val="windowText" lastClr="000000"/>
-                </a:solidFill>
-              </a:rPr>
-              <a:t>Account</a:t>
-            </a:r>
-            <a:endParaRPr kumimoji="1" lang="zh-CN" altLang="en-US" sz="1200" dirty="0">
-              <a:solidFill>
-                <a:sysClr val="windowText" lastClr="000000"/>
-              </a:solidFill>
-            </a:endParaRPr>
-          </a:p>
-        </p:txBody>
-      </p:sp>
-      <p:cxnSp>
-        <p:nvCxnSpPr>
-          <p:cNvPr id="9" name="直线箭头连接符 11" descr="jytjh">
-            <a:extLst>
-              <a:ext uri="{FF2B5EF4-FFF2-40B4-BE49-F238E27FC236}">
-                <a16:creationId xmlns:a16="http://schemas.microsoft.com/office/drawing/2014/main" id="{3C0F8B5C-8252-7ACA-8163-E4D2B5B359FA}"/>
-              </a:ext>
-            </a:extLst>
-          </p:cNvPr>
-          <p:cNvCxnSpPr>
-            <a:cxnSpLocks/>
-            <a:stCxn id="54" idx="1"/>
-            <a:endCxn id="7" idx="3"/>
-          </p:cNvCxnSpPr>
-          <p:nvPr/>
-        </p:nvCxnSpPr>
-        <p:spPr>
-          <a:xfrm flipH="1">
-            <a:off x="5367259" y="5019528"/>
-            <a:ext cx="447273" cy="0"/>
-          </a:xfrm>
-          <a:prstGeom prst="straightConnector1">
-            <a:avLst/>
-          </a:prstGeom>
-          <a:ln w="25400">
-            <a:solidFill>
-              <a:schemeClr val="tx1"/>
-            </a:solidFill>
-            <a:headEnd type="arrow" w="sm" len="lg"/>
-            <a:tailEnd type="none" w="lg" len="med"/>
-          </a:ln>
-        </p:spPr>
-        <p:style>
-          <a:lnRef idx="1">
-            <a:schemeClr val="accent1"/>
-          </a:lnRef>
-          <a:fillRef idx="0">
-            <a:schemeClr val="accent1"/>
-          </a:fillRef>
-          <a:effectRef idx="0">
-            <a:schemeClr val="accent1"/>
-          </a:effectRef>
-          <a:fontRef idx="minor">
-            <a:schemeClr val="tx1"/>
-          </a:fontRef>
-        </p:style>
-      </p:cxnSp>
-      <p:sp>
-        <p:nvSpPr>
-          <p:cNvPr id="10" name="矩形 13">
-            <a:extLst>
-              <a:ext uri="{FF2B5EF4-FFF2-40B4-BE49-F238E27FC236}">
-                <a16:creationId xmlns:a16="http://schemas.microsoft.com/office/drawing/2014/main" id="{64B8F2C2-8A92-9681-42C7-CF40BF93BA4C}"/>
-              </a:ext>
-            </a:extLst>
-          </p:cNvPr>
-          <p:cNvSpPr/>
-          <p:nvPr/>
-        </p:nvSpPr>
-        <p:spPr>
-          <a:xfrm>
-            <a:off x="4157200" y="4397285"/>
-            <a:ext cx="5948090" cy="991913"/>
-          </a:xfrm>
-          <a:prstGeom prst="rect">
-            <a:avLst/>
-          </a:prstGeom>
-          <a:noFill/>
-          <a:ln w="25400">
-            <a:solidFill>
-              <a:schemeClr val="tx1"/>
-            </a:solidFill>
-            <a:prstDash val="sysDot"/>
-          </a:ln>
-        </p:spPr>
-        <p:style>
-          <a:lnRef idx="2">
-            <a:schemeClr val="accent2">
-              <a:shade val="50000"/>
-            </a:schemeClr>
-          </a:lnRef>
-          <a:fillRef idx="1">
-            <a:schemeClr val="accent2"/>
-          </a:fillRef>
-          <a:effectRef idx="0">
-            <a:schemeClr val="accent2"/>
-          </a:effectRef>
-          <a:fontRef idx="minor">
-            <a:schemeClr val="lt1"/>
-          </a:fontRef>
-        </p:style>
-        <p:txBody>
-          <a:bodyPr rtlCol="0" anchor="t"/>
-          <a:lstStyle/>
-          <a:p>
-            <a:r>
-              <a:rPr kumimoji="1" lang="en-US" altLang="zh-CN" sz="1200" b="1" dirty="0">
-                <a:solidFill>
-                  <a:sysClr val="windowText" lastClr="000000"/>
-                </a:solidFill>
-                <a:latin typeface="DengXian" panose="02010600030101010101" pitchFamily="2" charset="-122"/>
-                <a:ea typeface="DengXian" panose="02010600030101010101" pitchFamily="2" charset="-122"/>
-              </a:rPr>
-              <a:t>Path</a:t>
-            </a:r>
-            <a:r>
-              <a:rPr kumimoji="1" lang="zh-CN" altLang="en-US" sz="1200" b="1" dirty="0">
-                <a:solidFill>
-                  <a:sysClr val="windowText" lastClr="000000"/>
-                </a:solidFill>
-                <a:latin typeface="DengXian" panose="02010600030101010101" pitchFamily="2" charset="-122"/>
-                <a:ea typeface="DengXian" panose="02010600030101010101" pitchFamily="2" charset="-122"/>
-              </a:rPr>
-              <a:t> </a:t>
-            </a:r>
-            <a:r>
-              <a:rPr kumimoji="1" lang="en-US" altLang="zh-CN" sz="1200" b="1" dirty="0">
-                <a:solidFill>
-                  <a:sysClr val="windowText" lastClr="000000"/>
-                </a:solidFill>
-                <a:latin typeface="DengXian" panose="02010600030101010101" pitchFamily="2" charset="-122"/>
-                <a:ea typeface="DengXian" panose="02010600030101010101" pitchFamily="2" charset="-122"/>
-              </a:rPr>
-              <a:t>N</a:t>
-            </a:r>
-          </a:p>
-        </p:txBody>
-      </p:sp>
-      <p:sp>
-        <p:nvSpPr>
-          <p:cNvPr id="11" name="矩形 9">
-            <a:extLst>
-              <a:ext uri="{FF2B5EF4-FFF2-40B4-BE49-F238E27FC236}">
-                <a16:creationId xmlns:a16="http://schemas.microsoft.com/office/drawing/2014/main" id="{A984CFD2-105C-CCED-1791-F494394C2166}"/>
-              </a:ext>
-            </a:extLst>
-          </p:cNvPr>
-          <p:cNvSpPr/>
-          <p:nvPr/>
-        </p:nvSpPr>
-        <p:spPr>
-          <a:xfrm>
-            <a:off x="4284784" y="2684988"/>
-            <a:ext cx="1409134" cy="505147"/>
-          </a:xfrm>
-          <a:prstGeom prst="rect">
-            <a:avLst/>
-          </a:prstGeom>
-          <a:solidFill>
-            <a:schemeClr val="accent5">
-              <a:lumMod val="60000"/>
-              <a:lumOff val="40000"/>
-            </a:schemeClr>
-          </a:solidFill>
-          <a:ln w="25400">
-            <a:solidFill>
-              <a:schemeClr val="tx1"/>
-            </a:solidFill>
-          </a:ln>
-        </p:spPr>
-        <p:style>
-          <a:lnRef idx="2">
-            <a:schemeClr val="accent2">
-              <a:shade val="50000"/>
-            </a:schemeClr>
-          </a:lnRef>
-          <a:fillRef idx="1">
-            <a:schemeClr val="accent2"/>
-          </a:fillRef>
-          <a:effectRef idx="0">
-            <a:schemeClr val="accent2"/>
-          </a:effectRef>
-          <a:fontRef idx="minor">
-            <a:schemeClr val="lt1"/>
-          </a:fontRef>
-        </p:style>
-        <p:txBody>
-          <a:bodyPr rtlCol="0" anchor="ctr"/>
-          <a:lstStyle/>
-          <a:p>
-            <a:pPr algn="ctr"/>
-            <a:r>
-              <a:rPr kumimoji="1" lang="en-US" altLang="zh-CN" sz="1200" b="1" dirty="0" err="1">
-                <a:solidFill>
-                  <a:sysClr val="windowText" lastClr="000000"/>
-                </a:solidFill>
-              </a:rPr>
-              <a:t>src</a:t>
-            </a:r>
-            <a:r>
-              <a:rPr kumimoji="1" lang="zh-CN" altLang="en-US" sz="1200" dirty="0">
-                <a:solidFill>
-                  <a:sysClr val="windowText" lastClr="000000"/>
-                </a:solidFill>
-              </a:rPr>
-              <a:t> </a:t>
-            </a:r>
-            <a:r>
-              <a:rPr kumimoji="1" lang="en-US" altLang="zh-CN" sz="1200" dirty="0">
-                <a:solidFill>
-                  <a:sysClr val="windowText" lastClr="000000"/>
-                </a:solidFill>
-              </a:rPr>
-              <a:t>:</a:t>
-            </a:r>
-            <a:r>
-              <a:rPr kumimoji="1" lang="zh-CN" altLang="en-US" sz="1200" dirty="0">
-                <a:solidFill>
-                  <a:sysClr val="windowText" lastClr="000000"/>
-                </a:solidFill>
-              </a:rPr>
-              <a:t> </a:t>
-            </a:r>
-            <a:r>
-              <a:rPr kumimoji="1" lang="en-US" altLang="zh-CN" sz="1200" dirty="0">
-                <a:solidFill>
-                  <a:sysClr val="windowText" lastClr="000000"/>
-                </a:solidFill>
-              </a:rPr>
-              <a:t>Account</a:t>
-            </a:r>
-            <a:endParaRPr kumimoji="1" lang="zh-CN" altLang="en-US" sz="1200" dirty="0">
-              <a:solidFill>
-                <a:sysClr val="windowText" lastClr="000000"/>
-              </a:solidFill>
-            </a:endParaRPr>
-          </a:p>
-        </p:txBody>
-      </p:sp>
-      <p:sp>
-        <p:nvSpPr>
-          <p:cNvPr id="12" name="矩形 10">
-            <a:extLst>
-              <a:ext uri="{FF2B5EF4-FFF2-40B4-BE49-F238E27FC236}">
-                <a16:creationId xmlns:a16="http://schemas.microsoft.com/office/drawing/2014/main" id="{5D90DED5-8B1D-55DB-5DB8-DB3E71091474}"/>
-              </a:ext>
-            </a:extLst>
-          </p:cNvPr>
-          <p:cNvSpPr/>
-          <p:nvPr/>
-        </p:nvSpPr>
-        <p:spPr>
-          <a:xfrm>
-            <a:off x="8547372" y="2684988"/>
-            <a:ext cx="1409134" cy="505147"/>
-          </a:xfrm>
-          <a:prstGeom prst="rect">
-            <a:avLst/>
-          </a:prstGeom>
-          <a:solidFill>
-            <a:schemeClr val="accent5">
-              <a:lumMod val="60000"/>
-              <a:lumOff val="40000"/>
-            </a:schemeClr>
-          </a:solidFill>
-          <a:ln w="25400">
-            <a:solidFill>
-              <a:schemeClr val="tx1"/>
-            </a:solidFill>
-          </a:ln>
-        </p:spPr>
-        <p:style>
-          <a:lnRef idx="2">
-            <a:schemeClr val="accent2">
-              <a:shade val="50000"/>
-            </a:schemeClr>
-          </a:lnRef>
-          <a:fillRef idx="1">
-            <a:schemeClr val="accent2"/>
-          </a:fillRef>
-          <a:effectRef idx="0">
-            <a:schemeClr val="accent2"/>
-          </a:effectRef>
-          <a:fontRef idx="minor">
-            <a:schemeClr val="lt1"/>
-          </a:fontRef>
-        </p:style>
-        <p:txBody>
-          <a:bodyPr rtlCol="0" anchor="ctr"/>
-          <a:lstStyle/>
-          <a:p>
-            <a:pPr algn="ctr"/>
-            <a:r>
-              <a:rPr kumimoji="1" lang="en-US" altLang="zh-CN" sz="1200" b="1" dirty="0" err="1">
-                <a:solidFill>
-                  <a:sysClr val="windowText" lastClr="000000"/>
-                </a:solidFill>
-              </a:rPr>
-              <a:t>dst</a:t>
-            </a:r>
-            <a:r>
-              <a:rPr kumimoji="1" lang="zh-CN" altLang="en-US" sz="1200" dirty="0">
-                <a:solidFill>
-                  <a:sysClr val="windowText" lastClr="000000"/>
-                </a:solidFill>
-              </a:rPr>
-              <a:t> </a:t>
-            </a:r>
-            <a:r>
-              <a:rPr kumimoji="1" lang="en-US" altLang="zh-CN" sz="1200" dirty="0">
-                <a:solidFill>
-                  <a:sysClr val="windowText" lastClr="000000"/>
-                </a:solidFill>
-              </a:rPr>
-              <a:t>:</a:t>
-            </a:r>
-            <a:r>
-              <a:rPr kumimoji="1" lang="zh-CN" altLang="en-US" sz="1200" dirty="0">
-                <a:solidFill>
-                  <a:sysClr val="windowText" lastClr="000000"/>
-                </a:solidFill>
-              </a:rPr>
-              <a:t> </a:t>
-            </a:r>
-            <a:r>
-              <a:rPr kumimoji="1" lang="en-US" altLang="zh-CN" sz="1200" dirty="0">
-                <a:solidFill>
-                  <a:sysClr val="windowText" lastClr="000000"/>
-                </a:solidFill>
-              </a:rPr>
-              <a:t>Account</a:t>
-            </a:r>
-            <a:endParaRPr kumimoji="1" lang="zh-CN" altLang="en-US" sz="1200" dirty="0">
-              <a:solidFill>
-                <a:sysClr val="windowText" lastClr="000000"/>
-              </a:solidFill>
-            </a:endParaRPr>
-          </a:p>
-        </p:txBody>
-      </p:sp>
-      <p:cxnSp>
-        <p:nvCxnSpPr>
-          <p:cNvPr id="13" name="直线箭头连接符 11" descr="jytjh">
-            <a:extLst>
-              <a:ext uri="{FF2B5EF4-FFF2-40B4-BE49-F238E27FC236}">
-                <a16:creationId xmlns:a16="http://schemas.microsoft.com/office/drawing/2014/main" id="{AAA9BCB8-BEDD-AB64-1101-272C25D3290C}"/>
-              </a:ext>
-            </a:extLst>
-          </p:cNvPr>
-          <p:cNvCxnSpPr>
-            <a:cxnSpLocks/>
-            <a:stCxn id="43" idx="1"/>
-            <a:endCxn id="11" idx="3"/>
-          </p:cNvCxnSpPr>
-          <p:nvPr/>
-        </p:nvCxnSpPr>
-        <p:spPr>
-          <a:xfrm flipH="1">
-            <a:off x="5693918" y="2937562"/>
-            <a:ext cx="722160" cy="0"/>
-          </a:xfrm>
-          <a:prstGeom prst="straightConnector1">
-            <a:avLst/>
-          </a:prstGeom>
-          <a:ln w="25400">
-            <a:solidFill>
-              <a:schemeClr val="tx1"/>
-            </a:solidFill>
-            <a:headEnd type="arrow" w="sm" len="lg"/>
-            <a:tailEnd type="none" w="lg" len="med"/>
-          </a:ln>
-        </p:spPr>
-        <p:style>
-          <a:lnRef idx="1">
-            <a:schemeClr val="accent1"/>
-          </a:lnRef>
-          <a:fillRef idx="0">
-            <a:schemeClr val="accent1"/>
-          </a:fillRef>
-          <a:effectRef idx="0">
-            <a:schemeClr val="accent1"/>
-          </a:effectRef>
-          <a:fontRef idx="minor">
-            <a:schemeClr val="tx1"/>
-          </a:fontRef>
-        </p:style>
-      </p:cxnSp>
-      <p:cxnSp>
-        <p:nvCxnSpPr>
-          <p:cNvPr id="16" name="直线箭头连接符 7" descr="jytjh">
-            <a:extLst>
-              <a:ext uri="{FF2B5EF4-FFF2-40B4-BE49-F238E27FC236}">
-                <a16:creationId xmlns:a16="http://schemas.microsoft.com/office/drawing/2014/main" id="{57A4E6A2-F1D7-09AC-A5C9-A728E3B8768E}"/>
-              </a:ext>
-            </a:extLst>
-          </p:cNvPr>
-          <p:cNvCxnSpPr>
-            <a:cxnSpLocks/>
-            <a:stCxn id="26" idx="3"/>
-            <a:endCxn id="11" idx="1"/>
-          </p:cNvCxnSpPr>
-          <p:nvPr/>
-        </p:nvCxnSpPr>
-        <p:spPr>
-          <a:xfrm>
-            <a:off x="3079550" y="2928104"/>
-            <a:ext cx="1205234" cy="9458"/>
-          </a:xfrm>
-          <a:prstGeom prst="straightConnector1">
-            <a:avLst/>
-          </a:prstGeom>
-          <a:ln w="25400">
-            <a:solidFill>
-              <a:schemeClr val="tx1"/>
-            </a:solidFill>
-            <a:headEnd type="none" w="lg" len="med"/>
-            <a:tailEnd type="arrow" w="sm" len="lg"/>
-          </a:ln>
-        </p:spPr>
-        <p:style>
-          <a:lnRef idx="1">
-            <a:schemeClr val="accent1"/>
-          </a:lnRef>
-          <a:fillRef idx="0">
-            <a:schemeClr val="accent1"/>
-          </a:fillRef>
-          <a:effectRef idx="0">
-            <a:schemeClr val="accent1"/>
-          </a:effectRef>
-          <a:fontRef idx="minor">
-            <a:schemeClr val="tx1"/>
-          </a:fontRef>
-        </p:style>
-      </p:cxnSp>
-      <p:cxnSp>
-        <p:nvCxnSpPr>
-          <p:cNvPr id="19" name="直线箭头连接符 7" descr="jytjh">
-            <a:extLst>
-              <a:ext uri="{FF2B5EF4-FFF2-40B4-BE49-F238E27FC236}">
-                <a16:creationId xmlns:a16="http://schemas.microsoft.com/office/drawing/2014/main" id="{CC90E719-349C-9BE9-D8BC-301075D635ED}"/>
-              </a:ext>
-            </a:extLst>
-          </p:cNvPr>
-          <p:cNvCxnSpPr>
-            <a:cxnSpLocks/>
-            <a:stCxn id="26" idx="3"/>
-            <a:endCxn id="7" idx="1"/>
-          </p:cNvCxnSpPr>
-          <p:nvPr/>
-        </p:nvCxnSpPr>
-        <p:spPr>
-          <a:xfrm>
-            <a:off x="3079550" y="2928104"/>
-            <a:ext cx="1205234" cy="2091424"/>
-          </a:xfrm>
-          <a:prstGeom prst="straightConnector1">
-            <a:avLst/>
-          </a:prstGeom>
-          <a:ln w="25400">
-            <a:solidFill>
-              <a:schemeClr val="tx1"/>
-            </a:solidFill>
-            <a:headEnd type="none" w="lg" len="med"/>
-            <a:tailEnd type="arrow" w="sm" len="lg"/>
-          </a:ln>
-        </p:spPr>
-        <p:style>
-          <a:lnRef idx="1">
-            <a:schemeClr val="accent1"/>
-          </a:lnRef>
-          <a:fillRef idx="0">
-            <a:schemeClr val="accent1"/>
-          </a:fillRef>
-          <a:effectRef idx="0">
-            <a:schemeClr val="accent1"/>
-          </a:effectRef>
-          <a:fontRef idx="minor">
-            <a:schemeClr val="tx1"/>
-          </a:fontRef>
-        </p:style>
-      </p:cxnSp>
-      <p:sp>
-        <p:nvSpPr>
-          <p:cNvPr id="22" name="矩形 14">
-            <a:extLst>
-              <a:ext uri="{FF2B5EF4-FFF2-40B4-BE49-F238E27FC236}">
-                <a16:creationId xmlns:a16="http://schemas.microsoft.com/office/drawing/2014/main" id="{3AFB2389-612B-1D58-15D9-B131B926F7EC}"/>
-              </a:ext>
-            </a:extLst>
-          </p:cNvPr>
-          <p:cNvSpPr/>
-          <p:nvPr/>
-        </p:nvSpPr>
-        <p:spPr>
-          <a:xfrm>
-            <a:off x="4157200" y="3631369"/>
-            <a:ext cx="5948090" cy="505147"/>
-          </a:xfrm>
-          <a:prstGeom prst="rect">
-            <a:avLst/>
-          </a:prstGeom>
-          <a:noFill/>
-          <a:ln w="28575">
-            <a:noFill/>
-          </a:ln>
-        </p:spPr>
-        <p:style>
-          <a:lnRef idx="2">
-            <a:schemeClr val="accent2">
-              <a:shade val="50000"/>
-            </a:schemeClr>
-          </a:lnRef>
-          <a:fillRef idx="1">
-            <a:schemeClr val="accent2"/>
-          </a:fillRef>
-          <a:effectRef idx="0">
-            <a:schemeClr val="accent2"/>
-          </a:effectRef>
-          <a:fontRef idx="minor">
-            <a:schemeClr val="lt1"/>
-          </a:fontRef>
-        </p:style>
-        <p:txBody>
-          <a:bodyPr rtlCol="0" anchor="ctr"/>
-          <a:lstStyle/>
-          <a:p>
-            <a:pPr algn="ctr"/>
-            <a:r>
-              <a:rPr kumimoji="1" lang="en-US" altLang="zh-CN" sz="1600" b="1" dirty="0">
-                <a:solidFill>
-                  <a:sysClr val="windowText" lastClr="000000"/>
-                </a:solidFill>
-              </a:rPr>
-              <a:t>…</a:t>
-            </a:r>
-            <a:endParaRPr kumimoji="1" lang="zh-CN" altLang="en-US" sz="1600" dirty="0">
-              <a:solidFill>
-                <a:sysClr val="windowText" lastClr="000000"/>
-              </a:solidFill>
-            </a:endParaRPr>
-          </a:p>
-        </p:txBody>
-      </p:sp>
-      <p:cxnSp>
-        <p:nvCxnSpPr>
-          <p:cNvPr id="23" name="直线箭头连接符 7" descr="jytjh">
-            <a:extLst>
-              <a:ext uri="{FF2B5EF4-FFF2-40B4-BE49-F238E27FC236}">
-                <a16:creationId xmlns:a16="http://schemas.microsoft.com/office/drawing/2014/main" id="{A1188DEF-6093-F2C7-3442-20DD37E28FB6}"/>
-              </a:ext>
-            </a:extLst>
-          </p:cNvPr>
-          <p:cNvCxnSpPr>
-            <a:cxnSpLocks/>
-            <a:stCxn id="26" idx="3"/>
-            <a:endCxn id="22" idx="1"/>
-          </p:cNvCxnSpPr>
-          <p:nvPr/>
-        </p:nvCxnSpPr>
-        <p:spPr>
-          <a:xfrm>
-            <a:off x="3079550" y="2928104"/>
-            <a:ext cx="1077650" cy="955839"/>
-          </a:xfrm>
-          <a:prstGeom prst="straightConnector1">
-            <a:avLst/>
-          </a:prstGeom>
-          <a:ln w="25400">
-            <a:solidFill>
-              <a:schemeClr val="tx1"/>
-            </a:solidFill>
-            <a:headEnd type="none" w="lg" len="med"/>
-            <a:tailEnd type="arrow" w="sm" len="lg"/>
-          </a:ln>
-        </p:spPr>
-        <p:style>
-          <a:lnRef idx="1">
-            <a:schemeClr val="accent1"/>
-          </a:lnRef>
-          <a:fillRef idx="0">
-            <a:schemeClr val="accent1"/>
-          </a:fillRef>
-          <a:effectRef idx="0">
-            <a:schemeClr val="accent1"/>
-          </a:effectRef>
-          <a:fontRef idx="minor">
-            <a:schemeClr val="tx1"/>
-          </a:fontRef>
-        </p:style>
-      </p:cxnSp>
-      <p:sp>
-        <p:nvSpPr>
-          <p:cNvPr id="42" name="文本框 8">
-            <a:extLst>
-              <a:ext uri="{FF2B5EF4-FFF2-40B4-BE49-F238E27FC236}">
-                <a16:creationId xmlns:a16="http://schemas.microsoft.com/office/drawing/2014/main" id="{74AF70E1-B01F-1128-BCB3-72C9E56B441E}"/>
-              </a:ext>
-            </a:extLst>
-          </p:cNvPr>
-          <p:cNvSpPr txBox="1"/>
-          <p:nvPr/>
-        </p:nvSpPr>
-        <p:spPr>
-          <a:xfrm>
-            <a:off x="6416078" y="1298175"/>
-            <a:ext cx="1182845" cy="276999"/>
-          </a:xfrm>
-          <a:prstGeom prst="rect">
-            <a:avLst/>
-          </a:prstGeom>
-          <a:noFill/>
-        </p:spPr>
-        <p:txBody>
-          <a:bodyPr wrap="square" rtlCol="0">
-            <a:spAutoFit/>
-          </a:bodyPr>
-          <a:lstStyle/>
-          <a:p>
-            <a:pPr algn="ctr"/>
-            <a:r>
-              <a:rPr kumimoji="1" lang="en-US" altLang="zh-CN" sz="1200" b="1" dirty="0">
-                <a:latin typeface="DengXian" panose="02010600030101010101" pitchFamily="2" charset="-122"/>
-                <a:ea typeface="DengXian" panose="02010600030101010101" pitchFamily="2" charset="-122"/>
-              </a:rPr>
-              <a:t>edge2</a:t>
-            </a:r>
-            <a:endParaRPr kumimoji="1" lang="en-US" altLang="zh-CN" sz="1200" dirty="0">
-              <a:latin typeface="DengXian" panose="02010600030101010101" pitchFamily="2" charset="-122"/>
-              <a:ea typeface="DengXian" panose="02010600030101010101" pitchFamily="2" charset="-122"/>
-            </a:endParaRPr>
-          </a:p>
-        </p:txBody>
-      </p:sp>
-      <p:sp>
-        <p:nvSpPr>
-          <p:cNvPr id="43" name="矩形 10">
-            <a:extLst>
-              <a:ext uri="{FF2B5EF4-FFF2-40B4-BE49-F238E27FC236}">
-                <a16:creationId xmlns:a16="http://schemas.microsoft.com/office/drawing/2014/main" id="{113F2D3A-4981-89B6-0EEC-FA09BE889A0F}"/>
-              </a:ext>
-            </a:extLst>
-          </p:cNvPr>
-          <p:cNvSpPr/>
-          <p:nvPr/>
-        </p:nvSpPr>
-        <p:spPr>
-          <a:xfrm>
-            <a:off x="6416078" y="2684988"/>
-            <a:ext cx="1409134" cy="505147"/>
-          </a:xfrm>
-          <a:prstGeom prst="rect">
-            <a:avLst/>
-          </a:prstGeom>
-          <a:solidFill>
-            <a:schemeClr val="accent5">
-              <a:lumMod val="60000"/>
-              <a:lumOff val="40000"/>
-            </a:schemeClr>
-          </a:solidFill>
-          <a:ln w="25400">
-            <a:solidFill>
-              <a:schemeClr val="tx1"/>
-            </a:solidFill>
-          </a:ln>
-        </p:spPr>
-        <p:style>
-          <a:lnRef idx="2">
-            <a:schemeClr val="accent2">
-              <a:shade val="50000"/>
-            </a:schemeClr>
-          </a:lnRef>
-          <a:fillRef idx="1">
-            <a:schemeClr val="accent2"/>
-          </a:fillRef>
-          <a:effectRef idx="0">
-            <a:schemeClr val="accent2"/>
-          </a:effectRef>
-          <a:fontRef idx="minor">
-            <a:schemeClr val="lt1"/>
-          </a:fontRef>
-        </p:style>
-        <p:txBody>
-          <a:bodyPr rtlCol="0" anchor="ctr"/>
-          <a:lstStyle/>
-          <a:p>
-            <a:pPr algn="ctr"/>
-            <a:r>
-              <a:rPr kumimoji="1" lang="en-US" altLang="zh-CN" sz="1200" b="1" dirty="0">
-                <a:solidFill>
-                  <a:sysClr val="windowText" lastClr="000000"/>
-                </a:solidFill>
-              </a:rPr>
-              <a:t>mid</a:t>
-            </a:r>
-            <a:r>
-              <a:rPr kumimoji="1" lang="zh-CN" altLang="en-US" sz="1200" dirty="0">
-                <a:solidFill>
-                  <a:sysClr val="windowText" lastClr="000000"/>
-                </a:solidFill>
-              </a:rPr>
-              <a:t> </a:t>
-            </a:r>
-            <a:r>
-              <a:rPr kumimoji="1" lang="en-US" altLang="zh-CN" sz="1200" dirty="0">
-                <a:solidFill>
-                  <a:sysClr val="windowText" lastClr="000000"/>
-                </a:solidFill>
-              </a:rPr>
-              <a:t>:</a:t>
-            </a:r>
-            <a:r>
-              <a:rPr kumimoji="1" lang="zh-CN" altLang="en-US" sz="1200" dirty="0">
-                <a:solidFill>
-                  <a:sysClr val="windowText" lastClr="000000"/>
-                </a:solidFill>
-              </a:rPr>
-              <a:t> </a:t>
-            </a:r>
-            <a:r>
-              <a:rPr kumimoji="1" lang="en-US" altLang="zh-CN" sz="1200" dirty="0">
-                <a:solidFill>
-                  <a:sysClr val="windowText" lastClr="000000"/>
-                </a:solidFill>
-              </a:rPr>
-              <a:t>Account</a:t>
-            </a:r>
-            <a:endParaRPr kumimoji="1" lang="zh-CN" altLang="en-US" sz="1200" dirty="0">
-              <a:solidFill>
-                <a:sysClr val="windowText" lastClr="000000"/>
-              </a:solidFill>
-            </a:endParaRPr>
-          </a:p>
-        </p:txBody>
-      </p:sp>
-      <p:cxnSp>
-        <p:nvCxnSpPr>
-          <p:cNvPr id="46" name="直线箭头连接符 11" descr="jytjh">
-            <a:extLst>
-              <a:ext uri="{FF2B5EF4-FFF2-40B4-BE49-F238E27FC236}">
-                <a16:creationId xmlns:a16="http://schemas.microsoft.com/office/drawing/2014/main" id="{39ABE6A6-8789-C73D-DC53-4AE7C7A2954E}"/>
-              </a:ext>
-            </a:extLst>
-          </p:cNvPr>
-          <p:cNvCxnSpPr>
-            <a:cxnSpLocks/>
-            <a:stCxn id="12" idx="1"/>
-            <a:endCxn id="43" idx="3"/>
-          </p:cNvCxnSpPr>
-          <p:nvPr/>
-        </p:nvCxnSpPr>
-        <p:spPr>
-          <a:xfrm flipH="1">
-            <a:off x="7825212" y="2937562"/>
-            <a:ext cx="722160" cy="0"/>
-          </a:xfrm>
-          <a:prstGeom prst="straightConnector1">
-            <a:avLst/>
-          </a:prstGeom>
-          <a:ln w="25400">
-            <a:solidFill>
-              <a:schemeClr val="tx1"/>
-            </a:solidFill>
-            <a:headEnd type="arrow" w="sm" len="lg"/>
-            <a:tailEnd type="none" w="lg" len="med"/>
-          </a:ln>
-        </p:spPr>
-        <p:style>
-          <a:lnRef idx="1">
-            <a:schemeClr val="accent1"/>
-          </a:lnRef>
-          <a:fillRef idx="0">
-            <a:schemeClr val="accent1"/>
-          </a:fillRef>
-          <a:effectRef idx="0">
-            <a:schemeClr val="accent1"/>
-          </a:effectRef>
-          <a:fontRef idx="minor">
-            <a:schemeClr val="tx1"/>
-          </a:fontRef>
-        </p:style>
-      </p:cxnSp>
-      <p:sp>
-        <p:nvSpPr>
-          <p:cNvPr id="54" name="矩形 10">
-            <a:extLst>
-              <a:ext uri="{FF2B5EF4-FFF2-40B4-BE49-F238E27FC236}">
-                <a16:creationId xmlns:a16="http://schemas.microsoft.com/office/drawing/2014/main" id="{2B4C3451-C29E-536A-E057-6FC1B8D5B363}"/>
-              </a:ext>
-            </a:extLst>
-          </p:cNvPr>
-          <p:cNvSpPr/>
-          <p:nvPr/>
-        </p:nvSpPr>
-        <p:spPr>
-          <a:xfrm>
-            <a:off x="5814532" y="4766954"/>
-            <a:ext cx="1082476" cy="505147"/>
-          </a:xfrm>
-          <a:prstGeom prst="rect">
-            <a:avLst/>
-          </a:prstGeom>
-          <a:solidFill>
-            <a:schemeClr val="accent5">
-              <a:lumMod val="60000"/>
-              <a:lumOff val="40000"/>
-            </a:schemeClr>
-          </a:solidFill>
-          <a:ln w="25400">
-            <a:solidFill>
-              <a:schemeClr val="tx1"/>
-            </a:solidFill>
-          </a:ln>
-        </p:spPr>
-        <p:style>
-          <a:lnRef idx="2">
-            <a:schemeClr val="accent2">
-              <a:shade val="50000"/>
-            </a:schemeClr>
-          </a:lnRef>
-          <a:fillRef idx="1">
-            <a:schemeClr val="accent2"/>
-          </a:fillRef>
-          <a:effectRef idx="0">
-            <a:schemeClr val="accent2"/>
-          </a:effectRef>
-          <a:fontRef idx="minor">
-            <a:schemeClr val="lt1"/>
-          </a:fontRef>
-        </p:style>
-        <p:txBody>
-          <a:bodyPr rtlCol="0" anchor="ctr"/>
-          <a:lstStyle/>
-          <a:p>
-            <a:pPr algn="ctr"/>
-            <a:r>
-              <a:rPr kumimoji="1" lang="en-US" altLang="zh-CN" sz="1200" b="1" dirty="0" err="1">
-                <a:solidFill>
-                  <a:sysClr val="windowText" lastClr="000000"/>
-                </a:solidFill>
-              </a:rPr>
-              <a:t>mid</a:t>
-            </a:r>
-            <a:r>
-              <a:rPr kumimoji="1" lang="en-US" altLang="zh-CN" sz="1200" dirty="0" err="1">
-                <a:solidFill>
-                  <a:sysClr val="windowText" lastClr="000000"/>
-                </a:solidFill>
-              </a:rPr>
-              <a:t>:Account</a:t>
-            </a:r>
-            <a:endParaRPr kumimoji="1" lang="zh-CN" altLang="en-US" sz="1200" dirty="0">
-              <a:solidFill>
-                <a:sysClr val="windowText" lastClr="000000"/>
-              </a:solidFill>
-            </a:endParaRPr>
-          </a:p>
-        </p:txBody>
-      </p:sp>
-      <p:sp>
-        <p:nvSpPr>
-          <p:cNvPr id="56" name="矩形 10">
-            <a:extLst>
-              <a:ext uri="{FF2B5EF4-FFF2-40B4-BE49-F238E27FC236}">
-                <a16:creationId xmlns:a16="http://schemas.microsoft.com/office/drawing/2014/main" id="{02ECD7A8-B366-7B82-E0FF-7A3A52985293}"/>
-              </a:ext>
-            </a:extLst>
-          </p:cNvPr>
-          <p:cNvSpPr/>
-          <p:nvPr/>
-        </p:nvSpPr>
-        <p:spPr>
-          <a:xfrm>
-            <a:off x="7344281" y="4766954"/>
-            <a:ext cx="1082476" cy="505147"/>
-          </a:xfrm>
-          <a:prstGeom prst="rect">
-            <a:avLst/>
-          </a:prstGeom>
-          <a:solidFill>
-            <a:schemeClr val="accent5">
-              <a:lumMod val="60000"/>
-              <a:lumOff val="40000"/>
-            </a:schemeClr>
-          </a:solidFill>
-          <a:ln w="25400">
-            <a:solidFill>
-              <a:schemeClr val="tx1"/>
-            </a:solidFill>
-          </a:ln>
-        </p:spPr>
-        <p:style>
-          <a:lnRef idx="2">
-            <a:schemeClr val="accent2">
-              <a:shade val="50000"/>
-            </a:schemeClr>
-          </a:lnRef>
-          <a:fillRef idx="1">
-            <a:schemeClr val="accent2"/>
-          </a:fillRef>
-          <a:effectRef idx="0">
-            <a:schemeClr val="accent2"/>
-          </a:effectRef>
-          <a:fontRef idx="minor">
-            <a:schemeClr val="lt1"/>
-          </a:fontRef>
-        </p:style>
-        <p:txBody>
-          <a:bodyPr rtlCol="0" anchor="ctr"/>
-          <a:lstStyle/>
-          <a:p>
-            <a:pPr algn="ctr"/>
-            <a:r>
-              <a:rPr kumimoji="1" lang="en-US" altLang="zh-CN" sz="1200" b="1" dirty="0" err="1">
-                <a:solidFill>
-                  <a:sysClr val="windowText" lastClr="000000"/>
-                </a:solidFill>
-              </a:rPr>
-              <a:t>mid</a:t>
-            </a:r>
-            <a:r>
-              <a:rPr kumimoji="1" lang="en-US" altLang="zh-CN" sz="1200" dirty="0" err="1">
-                <a:solidFill>
-                  <a:sysClr val="windowText" lastClr="000000"/>
-                </a:solidFill>
-              </a:rPr>
-              <a:t>:Account</a:t>
-            </a:r>
-            <a:endParaRPr kumimoji="1" lang="zh-CN" altLang="en-US" sz="1200" dirty="0">
-              <a:solidFill>
-                <a:sysClr val="windowText" lastClr="000000"/>
-              </a:solidFill>
-            </a:endParaRPr>
-          </a:p>
-        </p:txBody>
-      </p:sp>
-      <p:cxnSp>
-        <p:nvCxnSpPr>
-          <p:cNvPr id="63" name="直线箭头连接符 11" descr="jytjh">
-            <a:extLst>
-              <a:ext uri="{FF2B5EF4-FFF2-40B4-BE49-F238E27FC236}">
-                <a16:creationId xmlns:a16="http://schemas.microsoft.com/office/drawing/2014/main" id="{32161D70-2591-8239-D441-F1A088C17148}"/>
-              </a:ext>
-            </a:extLst>
-          </p:cNvPr>
-          <p:cNvCxnSpPr>
-            <a:cxnSpLocks/>
-            <a:stCxn id="56" idx="1"/>
-            <a:endCxn id="54" idx="3"/>
-          </p:cNvCxnSpPr>
-          <p:nvPr/>
-        </p:nvCxnSpPr>
-        <p:spPr>
-          <a:xfrm flipH="1">
-            <a:off x="6897008" y="5019528"/>
-            <a:ext cx="447273" cy="0"/>
-          </a:xfrm>
-          <a:prstGeom prst="straightConnector1">
-            <a:avLst/>
-          </a:prstGeom>
-          <a:ln w="25400">
-            <a:solidFill>
-              <a:schemeClr val="tx1"/>
-            </a:solidFill>
-            <a:headEnd type="arrow" w="sm" len="lg"/>
-            <a:tailEnd type="none" w="lg" len="med"/>
-          </a:ln>
-        </p:spPr>
-        <p:style>
-          <a:lnRef idx="1">
-            <a:schemeClr val="accent1"/>
-          </a:lnRef>
-          <a:fillRef idx="0">
-            <a:schemeClr val="accent1"/>
-          </a:fillRef>
-          <a:effectRef idx="0">
-            <a:schemeClr val="accent1"/>
-          </a:effectRef>
-          <a:fontRef idx="minor">
-            <a:schemeClr val="tx1"/>
-          </a:fontRef>
-        </p:style>
-      </p:cxnSp>
-      <p:cxnSp>
-        <p:nvCxnSpPr>
-          <p:cNvPr id="66" name="直线箭头连接符 11" descr="jytjh">
-            <a:extLst>
-              <a:ext uri="{FF2B5EF4-FFF2-40B4-BE49-F238E27FC236}">
-                <a16:creationId xmlns:a16="http://schemas.microsoft.com/office/drawing/2014/main" id="{36CDF4A1-42D2-3514-E2C7-03E44C9C53B8}"/>
-              </a:ext>
-            </a:extLst>
-          </p:cNvPr>
-          <p:cNvCxnSpPr>
-            <a:cxnSpLocks/>
-            <a:stCxn id="8" idx="1"/>
-            <a:endCxn id="56" idx="3"/>
-          </p:cNvCxnSpPr>
-          <p:nvPr/>
-        </p:nvCxnSpPr>
-        <p:spPr>
-          <a:xfrm flipH="1">
-            <a:off x="8426757" y="5019528"/>
-            <a:ext cx="447273" cy="0"/>
-          </a:xfrm>
-          <a:prstGeom prst="straightConnector1">
-            <a:avLst/>
-          </a:prstGeom>
-          <a:ln w="25400">
-            <a:solidFill>
-              <a:schemeClr val="tx1"/>
-            </a:solidFill>
-            <a:headEnd type="arrow" w="sm" len="lg"/>
-            <a:tailEnd type="none" w="lg" len="med"/>
-          </a:ln>
-        </p:spPr>
-        <p:style>
-          <a:lnRef idx="1">
-            <a:schemeClr val="accent1"/>
-          </a:lnRef>
-          <a:fillRef idx="0">
-            <a:schemeClr val="accent1"/>
-          </a:fillRef>
-          <a:effectRef idx="0">
-            <a:schemeClr val="accent1"/>
-          </a:effectRef>
-          <a:fontRef idx="minor">
-            <a:schemeClr val="tx1"/>
-          </a:fontRef>
-        </p:style>
-      </p:cxnSp>
-      <p:sp>
-        <p:nvSpPr>
-          <p:cNvPr id="70" name="矩形 13">
-            <a:extLst>
-              <a:ext uri="{FF2B5EF4-FFF2-40B4-BE49-F238E27FC236}">
-                <a16:creationId xmlns:a16="http://schemas.microsoft.com/office/drawing/2014/main" id="{E039C52F-412D-4C08-9C80-2E5848CBD3AD}"/>
-              </a:ext>
-            </a:extLst>
-          </p:cNvPr>
-          <p:cNvSpPr/>
-          <p:nvPr/>
-        </p:nvSpPr>
-        <p:spPr>
-          <a:xfrm>
-            <a:off x="4157200" y="2382785"/>
-            <a:ext cx="5948090" cy="991913"/>
-          </a:xfrm>
-          <a:prstGeom prst="rect">
-            <a:avLst/>
-          </a:prstGeom>
-          <a:noFill/>
-          <a:ln w="25400">
-            <a:solidFill>
-              <a:schemeClr val="tx1"/>
-            </a:solidFill>
-            <a:prstDash val="sysDot"/>
-          </a:ln>
-        </p:spPr>
-        <p:style>
-          <a:lnRef idx="2">
-            <a:schemeClr val="accent2">
-              <a:shade val="50000"/>
-            </a:schemeClr>
-          </a:lnRef>
-          <a:fillRef idx="1">
-            <a:schemeClr val="accent2"/>
-          </a:fillRef>
-          <a:effectRef idx="0">
-            <a:schemeClr val="accent2"/>
-          </a:effectRef>
-          <a:fontRef idx="minor">
-            <a:schemeClr val="lt1"/>
-          </a:fontRef>
-        </p:style>
-        <p:txBody>
-          <a:bodyPr rtlCol="0" anchor="t"/>
-          <a:lstStyle/>
-          <a:p>
-            <a:r>
-              <a:rPr kumimoji="1" lang="en-US" altLang="zh-CN" sz="1200" b="1" dirty="0">
-                <a:solidFill>
-                  <a:sysClr val="windowText" lastClr="000000"/>
-                </a:solidFill>
-                <a:latin typeface="DengXian" panose="02010600030101010101" pitchFamily="2" charset="-122"/>
-                <a:ea typeface="DengXian" panose="02010600030101010101" pitchFamily="2" charset="-122"/>
-              </a:rPr>
-              <a:t>Path</a:t>
-            </a:r>
-            <a:r>
-              <a:rPr kumimoji="1" lang="zh-CN" altLang="en-US" sz="1200" b="1" dirty="0">
-                <a:solidFill>
-                  <a:sysClr val="windowText" lastClr="000000"/>
-                </a:solidFill>
-                <a:latin typeface="DengXian" panose="02010600030101010101" pitchFamily="2" charset="-122"/>
-                <a:ea typeface="DengXian" panose="02010600030101010101" pitchFamily="2" charset="-122"/>
-              </a:rPr>
-              <a:t> </a:t>
-            </a:r>
-            <a:r>
-              <a:rPr kumimoji="1" lang="en-US" altLang="zh-CN" sz="1200" b="1" dirty="0">
-                <a:solidFill>
-                  <a:sysClr val="windowText" lastClr="000000"/>
-                </a:solidFill>
-                <a:latin typeface="DengXian" panose="02010600030101010101" pitchFamily="2" charset="-122"/>
-                <a:ea typeface="DengXian" panose="02010600030101010101" pitchFamily="2" charset="-122"/>
-              </a:rPr>
-              <a:t>2</a:t>
-            </a:r>
-          </a:p>
-        </p:txBody>
-      </p:sp>
-      <p:sp>
-        <p:nvSpPr>
-          <p:cNvPr id="71" name="文本框 8">
-            <a:extLst>
-              <a:ext uri="{FF2B5EF4-FFF2-40B4-BE49-F238E27FC236}">
-                <a16:creationId xmlns:a16="http://schemas.microsoft.com/office/drawing/2014/main" id="{A320A93D-A487-856B-C164-174D14200539}"/>
-              </a:ext>
-            </a:extLst>
-          </p:cNvPr>
-          <p:cNvSpPr txBox="1"/>
-          <p:nvPr/>
-        </p:nvSpPr>
-        <p:spPr>
-          <a:xfrm>
-            <a:off x="5463576" y="2644104"/>
-            <a:ext cx="1182845" cy="276999"/>
-          </a:xfrm>
-          <a:prstGeom prst="rect">
-            <a:avLst/>
-          </a:prstGeom>
-          <a:noFill/>
-        </p:spPr>
-        <p:txBody>
-          <a:bodyPr wrap="square" rtlCol="0">
-            <a:spAutoFit/>
-          </a:bodyPr>
-          <a:lstStyle/>
-          <a:p>
-            <a:pPr algn="ctr"/>
-            <a:r>
-              <a:rPr kumimoji="1" lang="en-US" altLang="zh-CN" sz="1200" b="1" dirty="0">
-                <a:latin typeface="DengXian" panose="02010600030101010101" pitchFamily="2" charset="-122"/>
-                <a:ea typeface="DengXian" panose="02010600030101010101" pitchFamily="2" charset="-122"/>
-              </a:rPr>
-              <a:t>edge2</a:t>
-            </a:r>
-            <a:endParaRPr kumimoji="1" lang="en-US" altLang="zh-CN" sz="1200" dirty="0">
-              <a:latin typeface="DengXian" panose="02010600030101010101" pitchFamily="2" charset="-122"/>
-              <a:ea typeface="DengXian" panose="02010600030101010101" pitchFamily="2" charset="-122"/>
-            </a:endParaRPr>
-          </a:p>
-        </p:txBody>
-      </p:sp>
-      <p:sp>
-        <p:nvSpPr>
-          <p:cNvPr id="72" name="文本框 8">
-            <a:extLst>
-              <a:ext uri="{FF2B5EF4-FFF2-40B4-BE49-F238E27FC236}">
-                <a16:creationId xmlns:a16="http://schemas.microsoft.com/office/drawing/2014/main" id="{4D5B02F7-0038-9BC1-A84C-D16E9E0B5DFC}"/>
-              </a:ext>
-            </a:extLst>
-          </p:cNvPr>
-          <p:cNvSpPr txBox="1"/>
-          <p:nvPr/>
-        </p:nvSpPr>
-        <p:spPr>
-          <a:xfrm>
-            <a:off x="6542807" y="4498070"/>
-            <a:ext cx="1182845" cy="276999"/>
-          </a:xfrm>
-          <a:prstGeom prst="rect">
-            <a:avLst/>
-          </a:prstGeom>
-          <a:noFill/>
-        </p:spPr>
-        <p:txBody>
-          <a:bodyPr wrap="square" rtlCol="0">
-            <a:spAutoFit/>
-          </a:bodyPr>
-          <a:lstStyle/>
-          <a:p>
-            <a:pPr algn="ctr"/>
-            <a:r>
-              <a:rPr kumimoji="1" lang="en-US" altLang="zh-CN" sz="1200" b="1" dirty="0">
-                <a:latin typeface="DengXian" panose="02010600030101010101" pitchFamily="2" charset="-122"/>
-                <a:ea typeface="DengXian" panose="02010600030101010101" pitchFamily="2" charset="-122"/>
-              </a:rPr>
-              <a:t>edge2</a:t>
-            </a:r>
-            <a:endParaRPr kumimoji="1" lang="en-US" altLang="zh-CN" sz="1200" dirty="0">
-              <a:latin typeface="DengXian" panose="02010600030101010101" pitchFamily="2" charset="-122"/>
-              <a:ea typeface="DengXian" panose="02010600030101010101" pitchFamily="2" charset="-122"/>
-            </a:endParaRPr>
-          </a:p>
-        </p:txBody>
-      </p:sp>
+              </a:endParaRPr>
+            </a:p>
+          </p:txBody>
+        </p:sp>
+      </p:grpSp>
     </p:spTree>
     <p:extLst>
       <p:ext uri="{BB962C8B-B14F-4D97-AF65-F5344CB8AC3E}">
@@ -32435,7 +32498,7 @@
                   <a:latin typeface="DengXian" panose="02010600030101010101" pitchFamily="2" charset="-122"/>
                   <a:ea typeface="DengXian" panose="02010600030101010101" pitchFamily="2" charset="-122"/>
                 </a:rPr>
-                <a:t>SUM(edge3)/SUM(edge4),</a:t>
+                <a:t>SUM(edge3.amount)/SUM(edge4.amount),</a:t>
               </a:r>
             </a:p>
             <a:p>
@@ -32448,7 +32511,7 @@
                   <a:latin typeface="DengXian" panose="02010600030101010101" pitchFamily="2" charset="-122"/>
                   <a:ea typeface="DengXian" panose="02010600030101010101" pitchFamily="2" charset="-122"/>
                 </a:rPr>
-                <a:t>SUM(edge1)/SUM(edge2),</a:t>
+                <a:t>SUM(edge1 .amount)/SUM(edge2 .amount),</a:t>
               </a:r>
             </a:p>
             <a:p>
@@ -32461,8 +32524,45 @@
                   <a:latin typeface="DengXian" panose="02010600030101010101" pitchFamily="2" charset="-122"/>
                   <a:ea typeface="DengXian" panose="02010600030101010101" pitchFamily="2" charset="-122"/>
                 </a:rPr>
-                <a:t>SUM(edge1)/SUM(edge4)</a:t>
-              </a:r>
+                <a:t>SUM</a:t>
+              </a:r>
+              <a:r>
+                <a:rPr kumimoji="1" lang="en-US" altLang="zh-CN" sz="1200">
+                  <a:solidFill>
+                    <a:schemeClr val="tx1"/>
+                  </a:solidFill>
+                  <a:latin typeface="DengXian" panose="02010600030101010101" pitchFamily="2" charset="-122"/>
+                  <a:ea typeface="DengXian" panose="02010600030101010101" pitchFamily="2" charset="-122"/>
+                </a:rPr>
+                <a:t>(edge1 .amount)/</a:t>
+              </a:r>
+              <a:r>
+                <a:rPr kumimoji="1" lang="en-US" altLang="zh-CN" sz="1200" dirty="0">
+                  <a:solidFill>
+                    <a:schemeClr val="tx1"/>
+                  </a:solidFill>
+                  <a:latin typeface="DengXian" panose="02010600030101010101" pitchFamily="2" charset="-122"/>
+                  <a:ea typeface="DengXian" panose="02010600030101010101" pitchFamily="2" charset="-122"/>
+                </a:rPr>
+                <a:t>SUM</a:t>
+              </a:r>
+              <a:r>
+                <a:rPr kumimoji="1" lang="en-US" altLang="zh-CN" sz="1200">
+                  <a:solidFill>
+                    <a:schemeClr val="tx1"/>
+                  </a:solidFill>
+                  <a:latin typeface="DengXian" panose="02010600030101010101" pitchFamily="2" charset="-122"/>
+                  <a:ea typeface="DengXian" panose="02010600030101010101" pitchFamily="2" charset="-122"/>
+                </a:rPr>
+                <a:t>(edge4 .amount)</a:t>
+              </a:r>
+              <a:endParaRPr kumimoji="1" lang="en-US" altLang="zh-CN" sz="1200" dirty="0">
+                <a:solidFill>
+                  <a:schemeClr val="tx1"/>
+                </a:solidFill>
+                <a:latin typeface="DengXian" panose="02010600030101010101" pitchFamily="2" charset="-122"/>
+                <a:ea typeface="DengXian" panose="02010600030101010101" pitchFamily="2" charset="-122"/>
+              </a:endParaRPr>
             </a:p>
           </p:txBody>
         </p:sp>

--- a/patterns/transaction-complex-read.pptx
+++ b/patterns/transaction-complex-read.pptx
@@ -211,7 +211,7 @@
           <a:p>
             <a:fld id="{CAD4BD24-A097-4F9D-85E9-6A2A24CA2D98}" type="datetimeFigureOut">
               <a:rPr lang="zh-CN" altLang="en-US" smtClean="0"/>
-              <a:t>2022/11/18</a:t>
+              <a:t>2022/11/20</a:t>
             </a:fld>
             <a:endParaRPr lang="zh-CN" altLang="en-US"/>
           </a:p>
@@ -7181,7 +7181,7 @@
                   <a:latin typeface="DengXian" panose="02010600030101010101" pitchFamily="2" charset="-122"/>
                   <a:ea typeface="DengXian" panose="02010600030101010101" pitchFamily="2" charset="-122"/>
                 </a:rPr>
-                <a:t>COLLECT(final</a:t>
+                <a:t>Final</a:t>
               </a:r>
               <a:r>
                 <a:rPr kumimoji="1" lang="zh-CN" altLang="en-US" sz="1200" dirty="0">
@@ -7201,45 +7201,40 @@
                   <a:latin typeface="DengXian" panose="02010600030101010101" pitchFamily="2" charset="-122"/>
                   <a:ea typeface="DengXian" panose="02010600030101010101" pitchFamily="2" charset="-122"/>
                 </a:rPr>
-                <a:t>invest</a:t>
-              </a:r>
-              <a:r>
-                <a:rPr kumimoji="1" lang="zh-CN" altLang="en-US" sz="1200" dirty="0">
-                  <a:solidFill>
-                    <a:sysClr val="windowText" lastClr="000000"/>
-                  </a:solidFill>
-                  <a:latin typeface="DengXian" panose="02010600030101010101" pitchFamily="2" charset="-122"/>
-                  <a:ea typeface="DengXian" panose="02010600030101010101" pitchFamily="2" charset="-122"/>
-                </a:rPr>
-                <a:t> </a:t>
-              </a:r>
-              <a:r>
-                <a:rPr kumimoji="1" lang="en-US" altLang="zh-CN" sz="1200" dirty="0">
-                  <a:solidFill>
-                    <a:sysClr val="windowText" lastClr="000000"/>
-                  </a:solidFill>
-                  <a:latin typeface="DengXian" panose="02010600030101010101" pitchFamily="2" charset="-122"/>
-                  <a:ea typeface="DengXian" panose="02010600030101010101" pitchFamily="2" charset="-122"/>
-                </a:rPr>
-                <a:t>ratio)</a:t>
-              </a:r>
-              <a:r>
-                <a:rPr kumimoji="1" lang="zh-CN" altLang="en-US" sz="1200" dirty="0">
-                  <a:solidFill>
-                    <a:sysClr val="windowText" lastClr="000000"/>
-                  </a:solidFill>
-                  <a:latin typeface="DengXian" panose="02010600030101010101" pitchFamily="2" charset="-122"/>
-                  <a:ea typeface="DengXian" panose="02010600030101010101" pitchFamily="2" charset="-122"/>
-                </a:rPr>
-                <a:t> </a:t>
-              </a:r>
-              <a:endParaRPr kumimoji="1" lang="en-US" altLang="zh-CN" sz="1200" dirty="0">
-                <a:solidFill>
-                  <a:sysClr val="windowText" lastClr="000000"/>
-                </a:solidFill>
-                <a:latin typeface="DengXian" panose="02010600030101010101" pitchFamily="2" charset="-122"/>
-                <a:ea typeface="DengXian" panose="02010600030101010101" pitchFamily="2" charset="-122"/>
-              </a:endParaRPr>
+                <a:t>share</a:t>
+              </a:r>
+            </a:p>
+            <a:p>
+              <a:r>
+                <a:rPr kumimoji="1" lang="en-US" altLang="zh-CN" sz="1200" b="1" dirty="0" err="1">
+                  <a:solidFill>
+                    <a:srgbClr val="FF0000"/>
+                  </a:solidFill>
+                  <a:latin typeface="DengXian" panose="02010600030101010101" pitchFamily="2" charset="-122"/>
+                  <a:ea typeface="DengXian" panose="02010600030101010101" pitchFamily="2" charset="-122"/>
+                </a:rPr>
+                <a:t>Groupby</a:t>
+              </a:r>
+              <a:r>
+                <a:rPr kumimoji="1" lang="zh-CN" altLang="en-US" sz="1200" b="1" dirty="0">
+                  <a:solidFill>
+                    <a:srgbClr val="FF0000"/>
+                  </a:solidFill>
+                  <a:latin typeface="DengXian" panose="02010600030101010101" pitchFamily="2" charset="-122"/>
+                  <a:ea typeface="DengXian" panose="02010600030101010101" pitchFamily="2" charset="-122"/>
+                </a:rPr>
+                <a:t> </a:t>
+              </a:r>
+              <a:r>
+                <a:rPr kumimoji="1" lang="en-US" altLang="zh-CN" sz="1200" dirty="0">
+                  <a:solidFill>
+                    <a:sysClr val="windowText" lastClr="000000"/>
+                  </a:solidFill>
+                  <a:latin typeface="DengXian" panose="02010600030101010101" pitchFamily="2" charset="-122"/>
+                  <a:ea typeface="DengXian" panose="02010600030101010101" pitchFamily="2" charset="-122"/>
+                </a:rPr>
+                <a:t>investor</a:t>
+              </a:r>
             </a:p>
           </p:txBody>
         </p:sp>
@@ -9310,10 +9305,10 @@
       </p:grpSpPr>
       <p:grpSp>
         <p:nvGrpSpPr>
-          <p:cNvPr id="21" name="Group 20">
+          <p:cNvPr id="17" name="Group 16">
             <a:extLst>
               <a:ext uri="{FF2B5EF4-FFF2-40B4-BE49-F238E27FC236}">
-                <a16:creationId xmlns:a16="http://schemas.microsoft.com/office/drawing/2014/main" id="{E5FB81EC-B11A-A5A1-752A-2F220063D9C6}"/>
+                <a16:creationId xmlns:a16="http://schemas.microsoft.com/office/drawing/2014/main" id="{0883B488-BAF6-8FF0-196C-6B326EDD5D7E}"/>
               </a:ext>
             </a:extLst>
           </p:cNvPr>
@@ -9323,9 +9318,9 @@
         <p:grpSpPr>
           <a:xfrm>
             <a:off x="1992999" y="2447434"/>
-            <a:ext cx="8206001" cy="1963132"/>
-            <a:chOff x="2428470" y="1362456"/>
-            <a:chExt cx="8206001" cy="1963132"/>
+            <a:ext cx="8206001" cy="2943767"/>
+            <a:chOff x="1992999" y="2447434"/>
+            <a:chExt cx="8206001" cy="2943767"/>
           </a:xfrm>
         </p:grpSpPr>
         <p:sp>
@@ -9342,7 +9337,7 @@
           </p:nvSpPr>
           <p:spPr>
             <a:xfrm>
-              <a:off x="2428470" y="2796016"/>
+              <a:off x="1992999" y="3880994"/>
               <a:ext cx="1428081" cy="505147"/>
             </a:xfrm>
             <a:prstGeom prst="rect">
@@ -9447,7 +9442,7 @@
           </p:nvCxnSpPr>
           <p:spPr>
             <a:xfrm>
-              <a:off x="3856551" y="3048590"/>
+              <a:off x="3421080" y="4133568"/>
               <a:ext cx="735170" cy="0"/>
             </a:xfrm>
             <a:prstGeom prst="straightConnector1">
@@ -9490,7 +9485,7 @@
           </p:nvSpPr>
           <p:spPr>
             <a:xfrm>
-              <a:off x="3929754" y="2749604"/>
+              <a:off x="3494283" y="3834582"/>
               <a:ext cx="588763" cy="276999"/>
             </a:xfrm>
             <a:prstGeom prst="rect">
@@ -9533,7 +9528,7 @@
           </p:nvSpPr>
           <p:spPr>
             <a:xfrm>
-              <a:off x="4327048" y="1362456"/>
+              <a:off x="3891577" y="2447434"/>
               <a:ext cx="6307423" cy="1180978"/>
             </a:xfrm>
             <a:prstGeom prst="rect">
@@ -9654,7 +9649,7 @@
           </p:nvSpPr>
           <p:spPr>
             <a:xfrm>
-              <a:off x="4591721" y="2796016"/>
+              <a:off x="4156250" y="3880994"/>
               <a:ext cx="1428080" cy="505147"/>
             </a:xfrm>
             <a:prstGeom prst="rect">
@@ -9755,7 +9750,7 @@
           </p:nvSpPr>
           <p:spPr>
             <a:xfrm>
-              <a:off x="6754971" y="2796016"/>
+              <a:off x="6319500" y="3880994"/>
               <a:ext cx="1428080" cy="505147"/>
             </a:xfrm>
             <a:prstGeom prst="rect">
@@ -9817,7 +9812,7 @@
           </p:nvSpPr>
           <p:spPr>
             <a:xfrm>
-              <a:off x="8918221" y="2796016"/>
+              <a:off x="8482750" y="3880994"/>
               <a:ext cx="1428080" cy="505147"/>
             </a:xfrm>
             <a:prstGeom prst="rect">
@@ -9922,7 +9917,7 @@
           </p:nvCxnSpPr>
           <p:spPr>
             <a:xfrm>
-              <a:off x="6019801" y="3048590"/>
+              <a:off x="5584330" y="4133568"/>
               <a:ext cx="735170" cy="0"/>
             </a:xfrm>
             <a:prstGeom prst="straightConnector1">
@@ -9969,7 +9964,7 @@
           </p:nvCxnSpPr>
           <p:spPr>
             <a:xfrm>
-              <a:off x="8183051" y="3048590"/>
+              <a:off x="7747580" y="4133568"/>
               <a:ext cx="735170" cy="0"/>
             </a:xfrm>
             <a:prstGeom prst="straightConnector1">
@@ -10012,7 +10007,7 @@
           </p:nvSpPr>
           <p:spPr>
             <a:xfrm>
-              <a:off x="3824455" y="3048589"/>
+              <a:off x="3388984" y="4133567"/>
               <a:ext cx="799362" cy="276999"/>
             </a:xfrm>
             <a:prstGeom prst="rect">
@@ -10055,7 +10050,7 @@
           </p:nvSpPr>
           <p:spPr>
             <a:xfrm>
-              <a:off x="4591720" y="1733395"/>
+              <a:off x="4156249" y="2818373"/>
               <a:ext cx="1428079" cy="505147"/>
             </a:xfrm>
             <a:prstGeom prst="rect">
@@ -10156,7 +10151,7 @@
           </p:nvSpPr>
           <p:spPr>
             <a:xfrm>
-              <a:off x="6093004" y="2749603"/>
+              <a:off x="5657533" y="3834581"/>
               <a:ext cx="588763" cy="276999"/>
             </a:xfrm>
             <a:prstGeom prst="rect">
@@ -10199,7 +10194,7 @@
           </p:nvSpPr>
           <p:spPr>
             <a:xfrm>
-              <a:off x="8256254" y="2749602"/>
+              <a:off x="7820783" y="3834580"/>
               <a:ext cx="588763" cy="276999"/>
             </a:xfrm>
             <a:prstGeom prst="rect">
@@ -10246,7 +10241,7 @@
           </p:nvCxnSpPr>
           <p:spPr>
             <a:xfrm flipH="1" flipV="1">
-              <a:off x="5305760" y="2238542"/>
+              <a:off x="4870289" y="3323520"/>
               <a:ext cx="1" cy="557474"/>
             </a:xfrm>
             <a:prstGeom prst="straightConnector1">
@@ -10289,7 +10284,7 @@
           </p:nvSpPr>
           <p:spPr>
             <a:xfrm>
-              <a:off x="8918222" y="1733395"/>
+              <a:off x="8482751" y="2818373"/>
               <a:ext cx="1428079" cy="505147"/>
             </a:xfrm>
             <a:prstGeom prst="rect">
@@ -10394,7 +10389,7 @@
           </p:nvCxnSpPr>
           <p:spPr>
             <a:xfrm flipV="1">
-              <a:off x="9632261" y="2238542"/>
+              <a:off x="9196790" y="3323520"/>
               <a:ext cx="1" cy="557474"/>
             </a:xfrm>
             <a:prstGeom prst="straightConnector1">
@@ -10437,7 +10432,7 @@
           </p:nvSpPr>
           <p:spPr>
             <a:xfrm>
-              <a:off x="5987705" y="3048588"/>
+              <a:off x="5552234" y="4133566"/>
               <a:ext cx="799362" cy="276999"/>
             </a:xfrm>
             <a:prstGeom prst="rect">
@@ -10480,7 +10475,7 @@
           </p:nvSpPr>
           <p:spPr>
             <a:xfrm>
-              <a:off x="8152990" y="3046153"/>
+              <a:off x="7717519" y="4131131"/>
               <a:ext cx="799362" cy="276999"/>
             </a:xfrm>
             <a:prstGeom prst="rect">
@@ -10506,6 +10501,450 @@
                 <a:latin typeface="DengXian" panose="02010600030101010101" pitchFamily="2" charset="-122"/>
                 <a:ea typeface="DengXian" panose="02010600030101010101" pitchFamily="2" charset="-122"/>
               </a:endParaRPr>
+            </a:p>
+          </p:txBody>
+        </p:sp>
+        <p:sp>
+          <p:nvSpPr>
+            <p:cNvPr id="6" name="矩形 10">
+              <a:extLst>
+                <a:ext uri="{FF2B5EF4-FFF2-40B4-BE49-F238E27FC236}">
+                  <a16:creationId xmlns:a16="http://schemas.microsoft.com/office/drawing/2014/main" id="{4A0DDEF6-9883-5ACF-42AF-4BBF1981F219}"/>
+                </a:ext>
+              </a:extLst>
+            </p:cNvPr>
+            <p:cNvSpPr/>
+            <p:nvPr/>
+          </p:nvSpPr>
+          <p:spPr>
+            <a:xfrm>
+              <a:off x="1992999" y="4390024"/>
+              <a:ext cx="1428081" cy="338392"/>
+            </a:xfrm>
+            <a:prstGeom prst="rect">
+              <a:avLst/>
+            </a:prstGeom>
+            <a:noFill/>
+            <a:ln w="25400">
+              <a:solidFill>
+                <a:schemeClr val="tx1"/>
+              </a:solidFill>
+            </a:ln>
+          </p:spPr>
+          <p:style>
+            <a:lnRef idx="2">
+              <a:schemeClr val="accent2">
+                <a:shade val="50000"/>
+              </a:schemeClr>
+            </a:lnRef>
+            <a:fillRef idx="1">
+              <a:schemeClr val="accent2"/>
+            </a:fillRef>
+            <a:effectRef idx="0">
+              <a:schemeClr val="accent2"/>
+            </a:effectRef>
+            <a:fontRef idx="minor">
+              <a:schemeClr val="lt1"/>
+            </a:fontRef>
+          </p:style>
+          <p:txBody>
+            <a:bodyPr rtlCol="0" anchor="ctr"/>
+            <a:lstStyle/>
+            <a:p>
+              <a:pPr algn="ctr"/>
+              <a:r>
+                <a:rPr kumimoji="1" lang="en-US" altLang="zh-CN" sz="1200" b="1" dirty="0">
+                  <a:solidFill>
+                    <a:sysClr val="windowText" lastClr="000000"/>
+                  </a:solidFill>
+                  <a:latin typeface="DengXian" panose="02010600030101010101" pitchFamily="2" charset="-122"/>
+                  <a:ea typeface="DengXian" panose="02010600030101010101" pitchFamily="2" charset="-122"/>
+                </a:rPr>
+                <a:t>p1</a:t>
+              </a:r>
+              <a:r>
+                <a:rPr kumimoji="1" lang="en-US" altLang="zh-CN" sz="1200" dirty="0">
+                  <a:solidFill>
+                    <a:sysClr val="windowText" lastClr="000000"/>
+                  </a:solidFill>
+                  <a:latin typeface="DengXian" panose="02010600030101010101" pitchFamily="2" charset="-122"/>
+                  <a:ea typeface="DengXian" panose="02010600030101010101" pitchFamily="2" charset="-122"/>
+                </a:rPr>
+                <a:t>.id</a:t>
+              </a:r>
+              <a:r>
+                <a:rPr kumimoji="1" lang="zh-CN" altLang="en-US" sz="1200" dirty="0">
+                  <a:solidFill>
+                    <a:sysClr val="windowText" lastClr="000000"/>
+                  </a:solidFill>
+                  <a:latin typeface="DengXian" panose="02010600030101010101" pitchFamily="2" charset="-122"/>
+                  <a:ea typeface="DengXian" panose="02010600030101010101" pitchFamily="2" charset="-122"/>
+                </a:rPr>
+                <a:t> </a:t>
+              </a:r>
+              <a:r>
+                <a:rPr kumimoji="1" lang="en-US" altLang="zh-CN" sz="1200" dirty="0">
+                  <a:solidFill>
+                    <a:sysClr val="windowText" lastClr="000000"/>
+                  </a:solidFill>
+                  <a:latin typeface="DengXian" panose="02010600030101010101" pitchFamily="2" charset="-122"/>
+                  <a:ea typeface="DengXian" panose="02010600030101010101" pitchFamily="2" charset="-122"/>
+                </a:rPr>
+                <a:t>=</a:t>
+              </a:r>
+              <a:r>
+                <a:rPr kumimoji="1" lang="zh-CN" altLang="en-US" sz="1200" dirty="0">
+                  <a:solidFill>
+                    <a:sysClr val="windowText" lastClr="000000"/>
+                  </a:solidFill>
+                  <a:latin typeface="DengXian" panose="02010600030101010101" pitchFamily="2" charset="-122"/>
+                  <a:ea typeface="DengXian" panose="02010600030101010101" pitchFamily="2" charset="-122"/>
+                </a:rPr>
+                <a:t> </a:t>
+              </a:r>
+              <a:r>
+                <a:rPr kumimoji="1" lang="en-US" altLang="zh-CN" sz="1200" dirty="0">
+                  <a:solidFill>
+                    <a:sysClr val="windowText" lastClr="000000"/>
+                  </a:solidFill>
+                  <a:latin typeface="DengXian" panose="02010600030101010101" pitchFamily="2" charset="-122"/>
+                  <a:ea typeface="DengXian" panose="02010600030101010101" pitchFamily="2" charset="-122"/>
+                </a:rPr>
+                <a:t>${id}</a:t>
+              </a:r>
+              <a:endParaRPr kumimoji="1" lang="zh-CN" altLang="en-US" sz="1200" dirty="0">
+                <a:solidFill>
+                  <a:sysClr val="windowText" lastClr="000000"/>
+                </a:solidFill>
+                <a:latin typeface="DengXian" panose="02010600030101010101" pitchFamily="2" charset="-122"/>
+                <a:ea typeface="DengXian" panose="02010600030101010101" pitchFamily="2" charset="-122"/>
+              </a:endParaRPr>
+            </a:p>
+          </p:txBody>
+        </p:sp>
+        <p:sp>
+          <p:nvSpPr>
+            <p:cNvPr id="7" name="文本框 12">
+              <a:extLst>
+                <a:ext uri="{FF2B5EF4-FFF2-40B4-BE49-F238E27FC236}">
+                  <a16:creationId xmlns:a16="http://schemas.microsoft.com/office/drawing/2014/main" id="{F4A15F1B-7E9F-18B1-B534-F871F2501E70}"/>
+                </a:ext>
+              </a:extLst>
+            </p:cNvPr>
+            <p:cNvSpPr txBox="1"/>
+            <p:nvPr/>
+          </p:nvSpPr>
+          <p:spPr>
+            <a:xfrm>
+              <a:off x="4526628" y="4614298"/>
+              <a:ext cx="5013823" cy="776903"/>
+            </a:xfrm>
+            <a:prstGeom prst="rect">
+              <a:avLst/>
+            </a:prstGeom>
+            <a:noFill/>
+          </p:spPr>
+          <p:txBody>
+            <a:bodyPr wrap="square" lIns="90000" numCol="2" rtlCol="0" anchor="ctr">
+              <a:noAutofit/>
+            </a:bodyPr>
+            <a:lstStyle/>
+            <a:p>
+              <a:r>
+                <a:rPr kumimoji="1" lang="en-US" altLang="zh-CN" sz="1200" b="1" dirty="0">
+                  <a:latin typeface="DengXian" panose="02010600030101010101" pitchFamily="2" charset="-122"/>
+                  <a:ea typeface="DengXian" panose="02010600030101010101" pitchFamily="2" charset="-122"/>
+                </a:rPr>
+                <a:t>g1:</a:t>
+              </a:r>
+              <a:r>
+                <a:rPr kumimoji="1" lang="zh-CN" altLang="en-US" sz="1200" b="1" dirty="0">
+                  <a:latin typeface="DengXian" panose="02010600030101010101" pitchFamily="2" charset="-122"/>
+                  <a:ea typeface="DengXian" panose="02010600030101010101" pitchFamily="2" charset="-122"/>
+                </a:rPr>
+                <a:t> </a:t>
+              </a:r>
+              <a:r>
+                <a:rPr kumimoji="1" lang="en-US" altLang="zh-CN" sz="1200" dirty="0" err="1">
+                  <a:latin typeface="DengXian" panose="02010600030101010101" pitchFamily="2" charset="-122"/>
+                  <a:ea typeface="DengXian" panose="02010600030101010101" pitchFamily="2" charset="-122"/>
+                </a:rPr>
+                <a:t>gurantee</a:t>
+              </a:r>
+              <a:endParaRPr kumimoji="1" lang="en-US" altLang="zh-CN" sz="1200" dirty="0">
+                <a:latin typeface="DengXian" panose="02010600030101010101" pitchFamily="2" charset="-122"/>
+                <a:ea typeface="DengXian" panose="02010600030101010101" pitchFamily="2" charset="-122"/>
+              </a:endParaRPr>
+            </a:p>
+            <a:p>
+              <a:r>
+                <a:rPr kumimoji="1" lang="en-US" altLang="zh-CN" sz="1200" b="1" dirty="0">
+                  <a:latin typeface="DengXian" panose="02010600030101010101" pitchFamily="2" charset="-122"/>
+                  <a:ea typeface="DengXian" panose="02010600030101010101" pitchFamily="2" charset="-122"/>
+                </a:rPr>
+                <a:t>g1</a:t>
+              </a:r>
+              <a:r>
+                <a:rPr kumimoji="1" lang="en-US" altLang="zh-CN" sz="1200" dirty="0">
+                  <a:latin typeface="DengXian" panose="02010600030101010101" pitchFamily="2" charset="-122"/>
+                  <a:ea typeface="DengXian" panose="02010600030101010101" pitchFamily="2" charset="-122"/>
+                </a:rPr>
+                <a:t>.timestamp</a:t>
+              </a:r>
+              <a:r>
+                <a:rPr kumimoji="1" lang="zh-CN" altLang="en-US" sz="1200" dirty="0">
+                  <a:latin typeface="DengXian" panose="02010600030101010101" pitchFamily="2" charset="-122"/>
+                  <a:ea typeface="DengXian" panose="02010600030101010101" pitchFamily="2" charset="-122"/>
+                </a:rPr>
+                <a:t> </a:t>
+              </a:r>
+              <a:r>
+                <a:rPr kumimoji="1" lang="en-US" altLang="zh-CN" sz="1200" dirty="0">
+                  <a:latin typeface="DengXian" panose="02010600030101010101" pitchFamily="2" charset="-122"/>
+                  <a:ea typeface="DengXian" panose="02010600030101010101" pitchFamily="2" charset="-122"/>
+                </a:rPr>
+                <a:t>&gt;</a:t>
+              </a:r>
+              <a:r>
+                <a:rPr kumimoji="1" lang="zh-CN" altLang="en-US" sz="1200" dirty="0">
+                  <a:latin typeface="DengXian" panose="02010600030101010101" pitchFamily="2" charset="-122"/>
+                  <a:ea typeface="DengXian" panose="02010600030101010101" pitchFamily="2" charset="-122"/>
+                </a:rPr>
+                <a:t> </a:t>
+              </a:r>
+              <a:r>
+                <a:rPr kumimoji="1" lang="en-US" altLang="zh-CN" sz="1200" dirty="0">
+                  <a:latin typeface="DengXian" panose="02010600030101010101" pitchFamily="2" charset="-122"/>
+                  <a:ea typeface="DengXian" panose="02010600030101010101" pitchFamily="2" charset="-122"/>
+                </a:rPr>
+                <a:t>${</a:t>
+              </a:r>
+              <a:r>
+                <a:rPr kumimoji="1" lang="en-US" altLang="zh-CN" sz="1200" dirty="0" err="1">
+                  <a:latin typeface="DengXian" panose="02010600030101010101" pitchFamily="2" charset="-122"/>
+                  <a:ea typeface="DengXian" panose="02010600030101010101" pitchFamily="2" charset="-122"/>
+                </a:rPr>
+                <a:t>start_time</a:t>
+              </a:r>
+              <a:r>
+                <a:rPr kumimoji="1" lang="en-US" altLang="zh-CN" sz="1200" dirty="0">
+                  <a:latin typeface="DengXian" panose="02010600030101010101" pitchFamily="2" charset="-122"/>
+                  <a:ea typeface="DengXian" panose="02010600030101010101" pitchFamily="2" charset="-122"/>
+                </a:rPr>
+                <a:t>}</a:t>
+              </a:r>
+            </a:p>
+            <a:p>
+              <a:r>
+                <a:rPr kumimoji="1" lang="en-US" altLang="zh-CN" sz="1200" b="1" dirty="0">
+                  <a:latin typeface="DengXian" panose="02010600030101010101" pitchFamily="2" charset="-122"/>
+                  <a:ea typeface="DengXian" panose="02010600030101010101" pitchFamily="2" charset="-122"/>
+                </a:rPr>
+                <a:t>g1</a:t>
+              </a:r>
+              <a:r>
+                <a:rPr kumimoji="1" lang="en-US" altLang="zh-CN" sz="1200" dirty="0">
+                  <a:latin typeface="DengXian" panose="02010600030101010101" pitchFamily="2" charset="-122"/>
+                  <a:ea typeface="DengXian" panose="02010600030101010101" pitchFamily="2" charset="-122"/>
+                </a:rPr>
+                <a:t>.timestamp</a:t>
+              </a:r>
+              <a:r>
+                <a:rPr kumimoji="1" lang="zh-CN" altLang="en-US" sz="1200" dirty="0">
+                  <a:latin typeface="DengXian" panose="02010600030101010101" pitchFamily="2" charset="-122"/>
+                  <a:ea typeface="DengXian" panose="02010600030101010101" pitchFamily="2" charset="-122"/>
+                </a:rPr>
+                <a:t> </a:t>
+              </a:r>
+              <a:r>
+                <a:rPr kumimoji="1" lang="en-US" altLang="zh-CN" sz="1200" dirty="0">
+                  <a:latin typeface="DengXian" panose="02010600030101010101" pitchFamily="2" charset="-122"/>
+                  <a:ea typeface="DengXian" panose="02010600030101010101" pitchFamily="2" charset="-122"/>
+                </a:rPr>
+                <a:t>&lt;</a:t>
+              </a:r>
+              <a:r>
+                <a:rPr kumimoji="1" lang="zh-CN" altLang="en-US" sz="1200" dirty="0">
+                  <a:latin typeface="DengXian" panose="02010600030101010101" pitchFamily="2" charset="-122"/>
+                  <a:ea typeface="DengXian" panose="02010600030101010101" pitchFamily="2" charset="-122"/>
+                </a:rPr>
+                <a:t> </a:t>
+              </a:r>
+              <a:r>
+                <a:rPr kumimoji="1" lang="en-US" altLang="zh-CN" sz="1200" dirty="0">
+                  <a:latin typeface="DengXian" panose="02010600030101010101" pitchFamily="2" charset="-122"/>
+                  <a:ea typeface="DengXian" panose="02010600030101010101" pitchFamily="2" charset="-122"/>
+                </a:rPr>
+                <a:t>${</a:t>
+              </a:r>
+              <a:r>
+                <a:rPr kumimoji="1" lang="en-US" altLang="zh-CN" sz="1200" dirty="0" err="1">
+                  <a:latin typeface="DengXian" panose="02010600030101010101" pitchFamily="2" charset="-122"/>
+                  <a:ea typeface="DengXian" panose="02010600030101010101" pitchFamily="2" charset="-122"/>
+                </a:rPr>
+                <a:t>end_time</a:t>
+              </a:r>
+              <a:r>
+                <a:rPr kumimoji="1" lang="en-US" altLang="zh-CN" sz="1200" dirty="0">
+                  <a:latin typeface="DengXian" panose="02010600030101010101" pitchFamily="2" charset="-122"/>
+                  <a:ea typeface="DengXian" panose="02010600030101010101" pitchFamily="2" charset="-122"/>
+                </a:rPr>
+                <a:t>}</a:t>
+              </a:r>
+              <a:endParaRPr kumimoji="1" lang="en-US" altLang="zh-CN" sz="1200" b="1" dirty="0">
+                <a:latin typeface="DengXian" panose="02010600030101010101" pitchFamily="2" charset="-122"/>
+                <a:ea typeface="DengXian" panose="02010600030101010101" pitchFamily="2" charset="-122"/>
+              </a:endParaRPr>
+            </a:p>
+            <a:p>
+              <a:r>
+                <a:rPr kumimoji="1" lang="en-US" altLang="zh-CN" sz="1200" b="1" dirty="0" err="1">
+                  <a:latin typeface="DengXian" panose="02010600030101010101" pitchFamily="2" charset="-122"/>
+                  <a:ea typeface="DengXian" panose="02010600030101010101" pitchFamily="2" charset="-122"/>
+                </a:rPr>
+                <a:t>gN</a:t>
+              </a:r>
+              <a:r>
+                <a:rPr kumimoji="1" lang="en-US" altLang="zh-CN" sz="1200" b="1" dirty="0">
+                  <a:latin typeface="DengXian" panose="02010600030101010101" pitchFamily="2" charset="-122"/>
+                  <a:ea typeface="DengXian" panose="02010600030101010101" pitchFamily="2" charset="-122"/>
+                </a:rPr>
+                <a:t>:</a:t>
+              </a:r>
+              <a:r>
+                <a:rPr kumimoji="1" lang="zh-CN" altLang="en-US" sz="1200" b="1" dirty="0">
+                  <a:latin typeface="DengXian" panose="02010600030101010101" pitchFamily="2" charset="-122"/>
+                  <a:ea typeface="DengXian" panose="02010600030101010101" pitchFamily="2" charset="-122"/>
+                </a:rPr>
+                <a:t> </a:t>
+              </a:r>
+              <a:r>
+                <a:rPr kumimoji="1" lang="en-US" altLang="zh-CN" sz="1200" dirty="0" err="1">
+                  <a:latin typeface="DengXian" panose="02010600030101010101" pitchFamily="2" charset="-122"/>
+                  <a:ea typeface="DengXian" panose="02010600030101010101" pitchFamily="2" charset="-122"/>
+                </a:rPr>
+                <a:t>gurantee</a:t>
+              </a:r>
+              <a:endParaRPr kumimoji="1" lang="en-US" altLang="zh-CN" sz="1200" dirty="0">
+                <a:latin typeface="DengXian" panose="02010600030101010101" pitchFamily="2" charset="-122"/>
+                <a:ea typeface="DengXian" panose="02010600030101010101" pitchFamily="2" charset="-122"/>
+              </a:endParaRPr>
+            </a:p>
+            <a:p>
+              <a:r>
+                <a:rPr kumimoji="1" lang="en-US" altLang="zh-CN" sz="1200" b="1" dirty="0" err="1">
+                  <a:latin typeface="DengXian" panose="02010600030101010101" pitchFamily="2" charset="-122"/>
+                  <a:ea typeface="DengXian" panose="02010600030101010101" pitchFamily="2" charset="-122"/>
+                </a:rPr>
+                <a:t>gN</a:t>
+              </a:r>
+              <a:r>
+                <a:rPr kumimoji="1" lang="en-US" altLang="zh-CN" sz="1200" dirty="0" err="1">
+                  <a:latin typeface="DengXian" panose="02010600030101010101" pitchFamily="2" charset="-122"/>
+                  <a:ea typeface="DengXian" panose="02010600030101010101" pitchFamily="2" charset="-122"/>
+                </a:rPr>
+                <a:t>.timestamp</a:t>
+              </a:r>
+              <a:r>
+                <a:rPr kumimoji="1" lang="zh-CN" altLang="en-US" sz="1200" dirty="0">
+                  <a:latin typeface="DengXian" panose="02010600030101010101" pitchFamily="2" charset="-122"/>
+                  <a:ea typeface="DengXian" panose="02010600030101010101" pitchFamily="2" charset="-122"/>
+                </a:rPr>
+                <a:t> </a:t>
+              </a:r>
+              <a:r>
+                <a:rPr kumimoji="1" lang="en-US" altLang="zh-CN" sz="1200" dirty="0">
+                  <a:latin typeface="DengXian" panose="02010600030101010101" pitchFamily="2" charset="-122"/>
+                  <a:ea typeface="DengXian" panose="02010600030101010101" pitchFamily="2" charset="-122"/>
+                </a:rPr>
+                <a:t>&gt;</a:t>
+              </a:r>
+              <a:r>
+                <a:rPr kumimoji="1" lang="zh-CN" altLang="en-US" sz="1200" dirty="0">
+                  <a:latin typeface="DengXian" panose="02010600030101010101" pitchFamily="2" charset="-122"/>
+                  <a:ea typeface="DengXian" panose="02010600030101010101" pitchFamily="2" charset="-122"/>
+                </a:rPr>
+                <a:t> </a:t>
+              </a:r>
+              <a:r>
+                <a:rPr kumimoji="1" lang="en-US" altLang="zh-CN" sz="1200" dirty="0">
+                  <a:latin typeface="DengXian" panose="02010600030101010101" pitchFamily="2" charset="-122"/>
+                  <a:ea typeface="DengXian" panose="02010600030101010101" pitchFamily="2" charset="-122"/>
+                </a:rPr>
+                <a:t>${</a:t>
+              </a:r>
+              <a:r>
+                <a:rPr kumimoji="1" lang="en-US" altLang="zh-CN" sz="1200" dirty="0" err="1">
+                  <a:latin typeface="DengXian" panose="02010600030101010101" pitchFamily="2" charset="-122"/>
+                  <a:ea typeface="DengXian" panose="02010600030101010101" pitchFamily="2" charset="-122"/>
+                </a:rPr>
+                <a:t>start_time</a:t>
+              </a:r>
+              <a:r>
+                <a:rPr kumimoji="1" lang="en-US" altLang="zh-CN" sz="1200" dirty="0">
+                  <a:latin typeface="DengXian" panose="02010600030101010101" pitchFamily="2" charset="-122"/>
+                  <a:ea typeface="DengXian" panose="02010600030101010101" pitchFamily="2" charset="-122"/>
+                </a:rPr>
+                <a:t>}</a:t>
+              </a:r>
+            </a:p>
+            <a:p>
+              <a:r>
+                <a:rPr kumimoji="1" lang="en-US" altLang="zh-CN" sz="1200" b="1" dirty="0" err="1">
+                  <a:latin typeface="DengXian" panose="02010600030101010101" pitchFamily="2" charset="-122"/>
+                  <a:ea typeface="DengXian" panose="02010600030101010101" pitchFamily="2" charset="-122"/>
+                </a:rPr>
+                <a:t>gN</a:t>
+              </a:r>
+              <a:r>
+                <a:rPr kumimoji="1" lang="en-US" altLang="zh-CN" sz="1200" dirty="0" err="1">
+                  <a:latin typeface="DengXian" panose="02010600030101010101" pitchFamily="2" charset="-122"/>
+                  <a:ea typeface="DengXian" panose="02010600030101010101" pitchFamily="2" charset="-122"/>
+                </a:rPr>
+                <a:t>.timestamp</a:t>
+              </a:r>
+              <a:r>
+                <a:rPr kumimoji="1" lang="zh-CN" altLang="en-US" sz="1200" dirty="0">
+                  <a:latin typeface="DengXian" panose="02010600030101010101" pitchFamily="2" charset="-122"/>
+                  <a:ea typeface="DengXian" panose="02010600030101010101" pitchFamily="2" charset="-122"/>
+                </a:rPr>
+                <a:t> </a:t>
+              </a:r>
+              <a:r>
+                <a:rPr kumimoji="1" lang="en-US" altLang="zh-CN" sz="1200" dirty="0">
+                  <a:latin typeface="DengXian" panose="02010600030101010101" pitchFamily="2" charset="-122"/>
+                  <a:ea typeface="DengXian" panose="02010600030101010101" pitchFamily="2" charset="-122"/>
+                </a:rPr>
+                <a:t>&lt;</a:t>
+              </a:r>
+              <a:r>
+                <a:rPr kumimoji="1" lang="zh-CN" altLang="en-US" sz="1200" dirty="0">
+                  <a:latin typeface="DengXian" panose="02010600030101010101" pitchFamily="2" charset="-122"/>
+                  <a:ea typeface="DengXian" panose="02010600030101010101" pitchFamily="2" charset="-122"/>
+                </a:rPr>
+                <a:t> </a:t>
+              </a:r>
+              <a:r>
+                <a:rPr kumimoji="1" lang="en-US" altLang="zh-CN" sz="1200" dirty="0">
+                  <a:latin typeface="DengXian" panose="02010600030101010101" pitchFamily="2" charset="-122"/>
+                  <a:ea typeface="DengXian" panose="02010600030101010101" pitchFamily="2" charset="-122"/>
+                </a:rPr>
+                <a:t>${</a:t>
+              </a:r>
+              <a:r>
+                <a:rPr kumimoji="1" lang="en-US" altLang="zh-CN" sz="1200" dirty="0" err="1">
+                  <a:latin typeface="DengXian" panose="02010600030101010101" pitchFamily="2" charset="-122"/>
+                  <a:ea typeface="DengXian" panose="02010600030101010101" pitchFamily="2" charset="-122"/>
+                </a:rPr>
+                <a:t>end_time</a:t>
+              </a:r>
+              <a:r>
+                <a:rPr kumimoji="1" lang="en-US" altLang="zh-CN" sz="1200" dirty="0">
+                  <a:latin typeface="DengXian" panose="02010600030101010101" pitchFamily="2" charset="-122"/>
+                  <a:ea typeface="DengXian" panose="02010600030101010101" pitchFamily="2" charset="-122"/>
+                </a:rPr>
+                <a:t>}</a:t>
+              </a:r>
             </a:p>
           </p:txBody>
         </p:sp>

--- a/patterns/transaction-complex-read.pptx
+++ b/patterns/transaction-complex-read.pptx
@@ -25702,7 +25702,17 @@
                 <a:t> </a:t>
               </a:r>
               <a:r>
-                <a:rPr kumimoji="1" lang="en-US" altLang="zh-CN" sz="1200" b="1" dirty="0">
+                <a:rPr kumimoji="1" lang="en-US" altLang="zh-CN" sz="1200">
+                  <a:solidFill>
+                    <a:schemeClr val="tx1"/>
+                  </a:solidFill>
+                  <a:latin typeface="DengXian" panose="02010600030101010101" pitchFamily="2" charset="-122"/>
+                  <a:ea typeface="DengXian" panose="02010600030101010101" pitchFamily="2" charset="-122"/>
+                </a:rPr>
+                <a:t>SUM(</a:t>
+              </a:r>
+              <a:r>
+                <a:rPr kumimoji="1" lang="en-US" altLang="zh-CN" sz="1200" b="1">
                   <a:solidFill>
                     <a:sysClr val="windowText" lastClr="000000"/>
                   </a:solidFill>
@@ -25712,17 +25722,17 @@
                 <a:t>edge2.</a:t>
               </a:r>
               <a:r>
-                <a:rPr kumimoji="1" lang="en-US" altLang="zh-CN" sz="1200" dirty="0">
-                  <a:solidFill>
-                    <a:sysClr val="windowText" lastClr="000000"/>
-                  </a:solidFill>
-                  <a:latin typeface="DengXian" panose="02010600030101010101" pitchFamily="2" charset="-122"/>
-                  <a:ea typeface="DengXian" panose="02010600030101010101" pitchFamily="2" charset="-122"/>
-                </a:rPr>
-                <a:t>amount</a:t>
-              </a:r>
-              <a:r>
-                <a:rPr kumimoji="1" lang="zh-CN" altLang="en-US" sz="1200" dirty="0">
+                <a:rPr kumimoji="1" lang="en-US" altLang="zh-CN" sz="1200">
+                  <a:solidFill>
+                    <a:sysClr val="windowText" lastClr="000000"/>
+                  </a:solidFill>
+                  <a:latin typeface="DengXian" panose="02010600030101010101" pitchFamily="2" charset="-122"/>
+                  <a:ea typeface="DengXian" panose="02010600030101010101" pitchFamily="2" charset="-122"/>
+                </a:rPr>
+                <a:t>amount)</a:t>
+              </a:r>
+              <a:r>
+                <a:rPr kumimoji="1" lang="zh-CN" altLang="en-US" sz="1200">
                   <a:solidFill>
                     <a:sysClr val="windowText" lastClr="000000"/>
                   </a:solidFill>

--- a/patterns/transaction-complex-read.pptx
+++ b/patterns/transaction-complex-read.pptx
@@ -211,7 +211,7 @@
           <a:p>
             <a:fld id="{CAD4BD24-A097-4F9D-85E9-6A2A24CA2D98}" type="datetimeFigureOut">
               <a:rPr lang="zh-CN" altLang="en-US" smtClean="0"/>
-              <a:t>2022/11/14</a:t>
+              <a:t>2022/11/20</a:t>
             </a:fld>
             <a:endParaRPr lang="zh-CN" altLang="en-US"/>
           </a:p>
@@ -2500,599 +2500,12 @@
           <a:chExt cx="0" cy="0"/>
         </a:xfrm>
       </p:grpSpPr>
-      <p:sp>
-        <p:nvSpPr>
-          <p:cNvPr id="13" name="文本框 12">
+      <p:grpSp>
+        <p:nvGrpSpPr>
+          <p:cNvPr id="30" name="Group 29">
             <a:extLst>
               <a:ext uri="{FF2B5EF4-FFF2-40B4-BE49-F238E27FC236}">
-                <a16:creationId xmlns:a16="http://schemas.microsoft.com/office/drawing/2014/main" id="{7BD87ED3-36EC-9647-9846-B9494C64D391}"/>
-              </a:ext>
-            </a:extLst>
-          </p:cNvPr>
-          <p:cNvSpPr txBox="1"/>
-          <p:nvPr/>
-        </p:nvSpPr>
-        <p:spPr>
-          <a:xfrm>
-            <a:off x="6315061" y="608473"/>
-            <a:ext cx="2321796" cy="646331"/>
-          </a:xfrm>
-          <a:prstGeom prst="rect">
-            <a:avLst/>
-          </a:prstGeom>
-          <a:noFill/>
-        </p:spPr>
-        <p:txBody>
-          <a:bodyPr wrap="square" rtlCol="0">
-            <a:spAutoFit/>
-          </a:bodyPr>
-          <a:lstStyle/>
-          <a:p>
-            <a:pPr algn="ctr"/>
-            <a:r>
-              <a:rPr kumimoji="1" lang="en-US" altLang="zh-CN" sz="1200" b="1" dirty="0">
-                <a:latin typeface="DengXian" panose="02010600030101010101" pitchFamily="2" charset="-122"/>
-                <a:ea typeface="DengXian" panose="02010600030101010101" pitchFamily="2" charset="-122"/>
-              </a:rPr>
-              <a:t>edge2</a:t>
-            </a:r>
-            <a:r>
-              <a:rPr kumimoji="1" lang="zh-CN" altLang="en-US" sz="1200" dirty="0">
-                <a:latin typeface="DengXian" panose="02010600030101010101" pitchFamily="2" charset="-122"/>
-                <a:ea typeface="DengXian" panose="02010600030101010101" pitchFamily="2" charset="-122"/>
-              </a:rPr>
-              <a:t> </a:t>
-            </a:r>
-            <a:r>
-              <a:rPr kumimoji="1" lang="en-US" altLang="zh-CN" sz="1200" dirty="0">
-                <a:latin typeface="DengXian" panose="02010600030101010101" pitchFamily="2" charset="-122"/>
-                <a:ea typeface="DengXian" panose="02010600030101010101" pitchFamily="2" charset="-122"/>
-              </a:rPr>
-              <a:t>:</a:t>
-            </a:r>
-            <a:r>
-              <a:rPr kumimoji="1" lang="zh-CN" altLang="en-US" sz="1200" dirty="0">
-                <a:latin typeface="DengXian" panose="02010600030101010101" pitchFamily="2" charset="-122"/>
-                <a:ea typeface="DengXian" panose="02010600030101010101" pitchFamily="2" charset="-122"/>
-              </a:rPr>
-              <a:t> </a:t>
-            </a:r>
-            <a:r>
-              <a:rPr kumimoji="1" lang="en-US" altLang="zh-CN" sz="1200" dirty="0" err="1">
-                <a:latin typeface="DengXian" panose="02010600030101010101" pitchFamily="2" charset="-122"/>
-                <a:ea typeface="DengXian" panose="02010600030101010101" pitchFamily="2" charset="-122"/>
-              </a:rPr>
-              <a:t>signIn</a:t>
-            </a:r>
-            <a:endParaRPr kumimoji="1" lang="en-US" altLang="zh-CN" sz="1200" b="1" dirty="0">
-              <a:latin typeface="DengXian" panose="02010600030101010101" pitchFamily="2" charset="-122"/>
-              <a:ea typeface="DengXian" panose="02010600030101010101" pitchFamily="2" charset="-122"/>
-            </a:endParaRPr>
-          </a:p>
-          <a:p>
-            <a:pPr algn="ctr"/>
-            <a:r>
-              <a:rPr kumimoji="1" lang="en-US" altLang="zh-CN" sz="1200" b="1" dirty="0">
-                <a:latin typeface="DengXian" panose="02010600030101010101" pitchFamily="2" charset="-122"/>
-                <a:ea typeface="DengXian" panose="02010600030101010101" pitchFamily="2" charset="-122"/>
-              </a:rPr>
-              <a:t>edge2</a:t>
-            </a:r>
-            <a:r>
-              <a:rPr kumimoji="1" lang="en-US" altLang="zh-CN" sz="1200" dirty="0">
-                <a:latin typeface="DengXian" panose="02010600030101010101" pitchFamily="2" charset="-122"/>
-                <a:ea typeface="DengXian" panose="02010600030101010101" pitchFamily="2" charset="-122"/>
-              </a:rPr>
-              <a:t>.timestamp</a:t>
-            </a:r>
-            <a:r>
-              <a:rPr kumimoji="1" lang="zh-CN" altLang="en-US" sz="1200" dirty="0">
-                <a:latin typeface="DengXian" panose="02010600030101010101" pitchFamily="2" charset="-122"/>
-                <a:ea typeface="DengXian" panose="02010600030101010101" pitchFamily="2" charset="-122"/>
-              </a:rPr>
-              <a:t> </a:t>
-            </a:r>
-            <a:r>
-              <a:rPr kumimoji="1" lang="en-US" altLang="zh-CN" sz="1200" dirty="0">
-                <a:latin typeface="DengXian" panose="02010600030101010101" pitchFamily="2" charset="-122"/>
-                <a:ea typeface="DengXian" panose="02010600030101010101" pitchFamily="2" charset="-122"/>
-              </a:rPr>
-              <a:t>&gt;</a:t>
-            </a:r>
-            <a:r>
-              <a:rPr kumimoji="1" lang="zh-CN" altLang="en-US" sz="1200" dirty="0">
-                <a:latin typeface="DengXian" panose="02010600030101010101" pitchFamily="2" charset="-122"/>
-                <a:ea typeface="DengXian" panose="02010600030101010101" pitchFamily="2" charset="-122"/>
-              </a:rPr>
-              <a:t> </a:t>
-            </a:r>
-            <a:r>
-              <a:rPr kumimoji="1" lang="en-US" altLang="zh-CN" sz="1200" dirty="0">
-                <a:latin typeface="DengXian" panose="02010600030101010101" pitchFamily="2" charset="-122"/>
-                <a:ea typeface="DengXian" panose="02010600030101010101" pitchFamily="2" charset="-122"/>
-              </a:rPr>
-              <a:t>${</a:t>
-            </a:r>
-            <a:r>
-              <a:rPr kumimoji="1" lang="en-US" altLang="zh-CN" sz="1200" dirty="0" err="1">
-                <a:latin typeface="DengXian" panose="02010600030101010101" pitchFamily="2" charset="-122"/>
-                <a:ea typeface="DengXian" panose="02010600030101010101" pitchFamily="2" charset="-122"/>
-              </a:rPr>
-              <a:t>start_time</a:t>
-            </a:r>
-            <a:r>
-              <a:rPr kumimoji="1" lang="en-US" altLang="zh-CN" sz="1200" dirty="0">
-                <a:latin typeface="DengXian" panose="02010600030101010101" pitchFamily="2" charset="-122"/>
-                <a:ea typeface="DengXian" panose="02010600030101010101" pitchFamily="2" charset="-122"/>
-              </a:rPr>
-              <a:t>}</a:t>
-            </a:r>
-          </a:p>
-          <a:p>
-            <a:pPr algn="ctr"/>
-            <a:r>
-              <a:rPr kumimoji="1" lang="en-US" altLang="zh-CN" sz="1200" b="1" dirty="0">
-                <a:latin typeface="DengXian" panose="02010600030101010101" pitchFamily="2" charset="-122"/>
-                <a:ea typeface="DengXian" panose="02010600030101010101" pitchFamily="2" charset="-122"/>
-              </a:rPr>
-              <a:t>edge2</a:t>
-            </a:r>
-            <a:r>
-              <a:rPr kumimoji="1" lang="en-US" altLang="zh-CN" sz="1200" dirty="0">
-                <a:latin typeface="DengXian" panose="02010600030101010101" pitchFamily="2" charset="-122"/>
-                <a:ea typeface="DengXian" panose="02010600030101010101" pitchFamily="2" charset="-122"/>
-              </a:rPr>
-              <a:t>.timestamp</a:t>
-            </a:r>
-            <a:r>
-              <a:rPr kumimoji="1" lang="zh-CN" altLang="en-US" sz="1200" dirty="0">
-                <a:latin typeface="DengXian" panose="02010600030101010101" pitchFamily="2" charset="-122"/>
-                <a:ea typeface="DengXian" panose="02010600030101010101" pitchFamily="2" charset="-122"/>
-              </a:rPr>
-              <a:t> </a:t>
-            </a:r>
-            <a:r>
-              <a:rPr kumimoji="1" lang="en-US" altLang="zh-CN" sz="1200" dirty="0">
-                <a:latin typeface="DengXian" panose="02010600030101010101" pitchFamily="2" charset="-122"/>
-                <a:ea typeface="DengXian" panose="02010600030101010101" pitchFamily="2" charset="-122"/>
-              </a:rPr>
-              <a:t>&lt;</a:t>
-            </a:r>
-            <a:r>
-              <a:rPr kumimoji="1" lang="zh-CN" altLang="en-US" sz="1200" dirty="0">
-                <a:latin typeface="DengXian" panose="02010600030101010101" pitchFamily="2" charset="-122"/>
-                <a:ea typeface="DengXian" panose="02010600030101010101" pitchFamily="2" charset="-122"/>
-              </a:rPr>
-              <a:t> </a:t>
-            </a:r>
-            <a:r>
-              <a:rPr kumimoji="1" lang="en-US" altLang="zh-CN" sz="1200" dirty="0">
-                <a:latin typeface="DengXian" panose="02010600030101010101" pitchFamily="2" charset="-122"/>
-                <a:ea typeface="DengXian" panose="02010600030101010101" pitchFamily="2" charset="-122"/>
-              </a:rPr>
-              <a:t>${</a:t>
-            </a:r>
-            <a:r>
-              <a:rPr kumimoji="1" lang="en-US" altLang="zh-CN" sz="1200" dirty="0" err="1">
-                <a:latin typeface="DengXian" panose="02010600030101010101" pitchFamily="2" charset="-122"/>
-                <a:ea typeface="DengXian" panose="02010600030101010101" pitchFamily="2" charset="-122"/>
-              </a:rPr>
-              <a:t>end_time</a:t>
-            </a:r>
-            <a:r>
-              <a:rPr kumimoji="1" lang="en-US" altLang="zh-CN" sz="1200" dirty="0">
-                <a:latin typeface="DengXian" panose="02010600030101010101" pitchFamily="2" charset="-122"/>
-                <a:ea typeface="DengXian" panose="02010600030101010101" pitchFamily="2" charset="-122"/>
-              </a:rPr>
-              <a:t>}</a:t>
-            </a:r>
-          </a:p>
-        </p:txBody>
-      </p:sp>
-      <p:sp>
-        <p:nvSpPr>
-          <p:cNvPr id="7" name="文本框 6">
-            <a:extLst>
-              <a:ext uri="{FF2B5EF4-FFF2-40B4-BE49-F238E27FC236}">
-                <a16:creationId xmlns:a16="http://schemas.microsoft.com/office/drawing/2014/main" id="{0C070550-81EF-2745-A5EA-019C75F6F423}"/>
-              </a:ext>
-            </a:extLst>
-          </p:cNvPr>
-          <p:cNvSpPr txBox="1"/>
-          <p:nvPr/>
-        </p:nvSpPr>
-        <p:spPr>
-          <a:xfrm>
-            <a:off x="1819656" y="1620185"/>
-            <a:ext cx="2420289" cy="646331"/>
-          </a:xfrm>
-          <a:prstGeom prst="rect">
-            <a:avLst/>
-          </a:prstGeom>
-          <a:noFill/>
-        </p:spPr>
-        <p:txBody>
-          <a:bodyPr wrap="square" rtlCol="0">
-            <a:spAutoFit/>
-          </a:bodyPr>
-          <a:lstStyle/>
-          <a:p>
-            <a:pPr algn="ctr"/>
-            <a:r>
-              <a:rPr kumimoji="1" lang="en-US" altLang="zh-CN" sz="1200" b="1" dirty="0">
-                <a:latin typeface="DengXian" panose="02010600030101010101" pitchFamily="2" charset="-122"/>
-                <a:ea typeface="DengXian" panose="02010600030101010101" pitchFamily="2" charset="-122"/>
-              </a:rPr>
-              <a:t>edge1</a:t>
-            </a:r>
-            <a:r>
-              <a:rPr kumimoji="1" lang="zh-CN" altLang="en-US" sz="1200" dirty="0">
-                <a:latin typeface="DengXian" panose="02010600030101010101" pitchFamily="2" charset="-122"/>
-                <a:ea typeface="DengXian" panose="02010600030101010101" pitchFamily="2" charset="-122"/>
-              </a:rPr>
-              <a:t> </a:t>
-            </a:r>
-            <a:r>
-              <a:rPr kumimoji="1" lang="en-US" altLang="zh-CN" sz="1200" dirty="0">
-                <a:latin typeface="DengXian" panose="02010600030101010101" pitchFamily="2" charset="-122"/>
-                <a:ea typeface="DengXian" panose="02010600030101010101" pitchFamily="2" charset="-122"/>
-              </a:rPr>
-              <a:t>:</a:t>
-            </a:r>
-            <a:r>
-              <a:rPr kumimoji="1" lang="zh-CN" altLang="en-US" sz="1200" dirty="0">
-                <a:latin typeface="DengXian" panose="02010600030101010101" pitchFamily="2" charset="-122"/>
-                <a:ea typeface="DengXian" panose="02010600030101010101" pitchFamily="2" charset="-122"/>
-              </a:rPr>
-              <a:t> </a:t>
-            </a:r>
-            <a:r>
-              <a:rPr kumimoji="1" lang="en-US" altLang="zh-CN" sz="1200" dirty="0">
-                <a:latin typeface="DengXian" panose="02010600030101010101" pitchFamily="2" charset="-122"/>
-                <a:ea typeface="DengXian" panose="02010600030101010101" pitchFamily="2" charset="-122"/>
-              </a:rPr>
-              <a:t>transfer</a:t>
-            </a:r>
-            <a:r>
-              <a:rPr kumimoji="1" lang="zh-CN" altLang="en-US" sz="1200" b="1" dirty="0">
-                <a:latin typeface="DengXian" panose="02010600030101010101" pitchFamily="2" charset="-122"/>
-                <a:ea typeface="DengXian" panose="02010600030101010101" pitchFamily="2" charset="-122"/>
-              </a:rPr>
-              <a:t> *</a:t>
-            </a:r>
-            <a:r>
-              <a:rPr kumimoji="1" lang="en-US" altLang="zh-CN" sz="1200" b="1" dirty="0">
-                <a:latin typeface="DengXian" panose="02010600030101010101" pitchFamily="2" charset="-122"/>
-                <a:ea typeface="DengXian" panose="02010600030101010101" pitchFamily="2" charset="-122"/>
-              </a:rPr>
-              <a:t>..3</a:t>
-            </a:r>
-            <a:endParaRPr kumimoji="1" lang="en-US" altLang="zh-CN" sz="1200" dirty="0">
-              <a:latin typeface="DengXian" panose="02010600030101010101" pitchFamily="2" charset="-122"/>
-              <a:ea typeface="DengXian" panose="02010600030101010101" pitchFamily="2" charset="-122"/>
-            </a:endParaRPr>
-          </a:p>
-          <a:p>
-            <a:pPr algn="ctr"/>
-            <a:r>
-              <a:rPr kumimoji="1" lang="en-US" altLang="zh-CN" sz="1200" b="1" dirty="0">
-                <a:latin typeface="DengXian" panose="02010600030101010101" pitchFamily="2" charset="-122"/>
-                <a:ea typeface="DengXian" panose="02010600030101010101" pitchFamily="2" charset="-122"/>
-              </a:rPr>
-              <a:t>edge1</a:t>
-            </a:r>
-            <a:r>
-              <a:rPr kumimoji="1" lang="en-US" altLang="zh-CN" sz="1200" dirty="0">
-                <a:latin typeface="DengXian" panose="02010600030101010101" pitchFamily="2" charset="-122"/>
-                <a:ea typeface="DengXian" panose="02010600030101010101" pitchFamily="2" charset="-122"/>
-              </a:rPr>
-              <a:t>.timestamp</a:t>
-            </a:r>
-            <a:r>
-              <a:rPr kumimoji="1" lang="zh-CN" altLang="en-US" sz="1200" dirty="0">
-                <a:latin typeface="DengXian" panose="02010600030101010101" pitchFamily="2" charset="-122"/>
-                <a:ea typeface="DengXian" panose="02010600030101010101" pitchFamily="2" charset="-122"/>
-              </a:rPr>
-              <a:t> </a:t>
-            </a:r>
-            <a:r>
-              <a:rPr kumimoji="1" lang="en-US" altLang="zh-CN" sz="1200" dirty="0">
-                <a:latin typeface="DengXian" panose="02010600030101010101" pitchFamily="2" charset="-122"/>
-                <a:ea typeface="DengXian" panose="02010600030101010101" pitchFamily="2" charset="-122"/>
-              </a:rPr>
-              <a:t>&gt;</a:t>
-            </a:r>
-            <a:r>
-              <a:rPr kumimoji="1" lang="zh-CN" altLang="en-US" sz="1200" dirty="0">
-                <a:latin typeface="DengXian" panose="02010600030101010101" pitchFamily="2" charset="-122"/>
-                <a:ea typeface="DengXian" panose="02010600030101010101" pitchFamily="2" charset="-122"/>
-              </a:rPr>
-              <a:t> </a:t>
-            </a:r>
-            <a:r>
-              <a:rPr kumimoji="1" lang="en-US" altLang="zh-CN" sz="1200" dirty="0">
-                <a:latin typeface="DengXian" panose="02010600030101010101" pitchFamily="2" charset="-122"/>
-                <a:ea typeface="DengXian" panose="02010600030101010101" pitchFamily="2" charset="-122"/>
-              </a:rPr>
-              <a:t>${</a:t>
-            </a:r>
-            <a:r>
-              <a:rPr kumimoji="1" lang="en-US" altLang="zh-CN" sz="1200" dirty="0" err="1">
-                <a:latin typeface="DengXian" panose="02010600030101010101" pitchFamily="2" charset="-122"/>
-                <a:ea typeface="DengXian" panose="02010600030101010101" pitchFamily="2" charset="-122"/>
-              </a:rPr>
-              <a:t>start_time</a:t>
-            </a:r>
-            <a:r>
-              <a:rPr kumimoji="1" lang="en-US" altLang="zh-CN" sz="1200" dirty="0">
-                <a:latin typeface="DengXian" panose="02010600030101010101" pitchFamily="2" charset="-122"/>
-                <a:ea typeface="DengXian" panose="02010600030101010101" pitchFamily="2" charset="-122"/>
-              </a:rPr>
-              <a:t>}</a:t>
-            </a:r>
-          </a:p>
-          <a:p>
-            <a:pPr algn="ctr"/>
-            <a:r>
-              <a:rPr kumimoji="1" lang="en-US" altLang="zh-CN" sz="1200" b="1" dirty="0">
-                <a:latin typeface="DengXian" panose="02010600030101010101" pitchFamily="2" charset="-122"/>
-                <a:ea typeface="DengXian" panose="02010600030101010101" pitchFamily="2" charset="-122"/>
-              </a:rPr>
-              <a:t>edge1</a:t>
-            </a:r>
-            <a:r>
-              <a:rPr kumimoji="1" lang="en-US" altLang="zh-CN" sz="1200" dirty="0">
-                <a:latin typeface="DengXian" panose="02010600030101010101" pitchFamily="2" charset="-122"/>
-                <a:ea typeface="DengXian" panose="02010600030101010101" pitchFamily="2" charset="-122"/>
-              </a:rPr>
-              <a:t>.timestamp</a:t>
-            </a:r>
-            <a:r>
-              <a:rPr kumimoji="1" lang="zh-CN" altLang="en-US" sz="1200" dirty="0">
-                <a:latin typeface="DengXian" panose="02010600030101010101" pitchFamily="2" charset="-122"/>
-                <a:ea typeface="DengXian" panose="02010600030101010101" pitchFamily="2" charset="-122"/>
-              </a:rPr>
-              <a:t> </a:t>
-            </a:r>
-            <a:r>
-              <a:rPr kumimoji="1" lang="en-US" altLang="zh-CN" sz="1200" dirty="0">
-                <a:latin typeface="DengXian" panose="02010600030101010101" pitchFamily="2" charset="-122"/>
-                <a:ea typeface="DengXian" panose="02010600030101010101" pitchFamily="2" charset="-122"/>
-              </a:rPr>
-              <a:t>&lt;</a:t>
-            </a:r>
-            <a:r>
-              <a:rPr kumimoji="1" lang="zh-CN" altLang="en-US" sz="1200" dirty="0">
-                <a:latin typeface="DengXian" panose="02010600030101010101" pitchFamily="2" charset="-122"/>
-                <a:ea typeface="DengXian" panose="02010600030101010101" pitchFamily="2" charset="-122"/>
-              </a:rPr>
-              <a:t> </a:t>
-            </a:r>
-            <a:r>
-              <a:rPr kumimoji="1" lang="en-US" altLang="zh-CN" sz="1200" dirty="0">
-                <a:latin typeface="DengXian" panose="02010600030101010101" pitchFamily="2" charset="-122"/>
-                <a:ea typeface="DengXian" panose="02010600030101010101" pitchFamily="2" charset="-122"/>
-              </a:rPr>
-              <a:t>${</a:t>
-            </a:r>
-            <a:r>
-              <a:rPr kumimoji="1" lang="en-US" altLang="zh-CN" sz="1200" dirty="0" err="1">
-                <a:latin typeface="DengXian" panose="02010600030101010101" pitchFamily="2" charset="-122"/>
-                <a:ea typeface="DengXian" panose="02010600030101010101" pitchFamily="2" charset="-122"/>
-              </a:rPr>
-              <a:t>end_time</a:t>
-            </a:r>
-            <a:r>
-              <a:rPr kumimoji="1" lang="en-US" altLang="zh-CN" sz="1200" dirty="0">
-                <a:latin typeface="DengXian" panose="02010600030101010101" pitchFamily="2" charset="-122"/>
-                <a:ea typeface="DengXian" panose="02010600030101010101" pitchFamily="2" charset="-122"/>
-              </a:rPr>
-              <a:t>}</a:t>
-            </a:r>
-          </a:p>
-        </p:txBody>
-      </p:sp>
-      <p:sp>
-        <p:nvSpPr>
-          <p:cNvPr id="5" name="矩形 4">
-            <a:extLst>
-              <a:ext uri="{FF2B5EF4-FFF2-40B4-BE49-F238E27FC236}">
-                <a16:creationId xmlns:a16="http://schemas.microsoft.com/office/drawing/2014/main" id="{95C53FD7-0C8A-F142-B1DE-2FC79CF3A4AF}"/>
-              </a:ext>
-            </a:extLst>
-          </p:cNvPr>
-          <p:cNvSpPr/>
-          <p:nvPr/>
-        </p:nvSpPr>
-        <p:spPr>
-          <a:xfrm>
-            <a:off x="4823661" y="1484651"/>
-            <a:ext cx="1865172" cy="394852"/>
-          </a:xfrm>
-          <a:prstGeom prst="rect">
-            <a:avLst/>
-          </a:prstGeom>
-          <a:solidFill>
-            <a:schemeClr val="accent5">
-              <a:lumMod val="60000"/>
-              <a:lumOff val="40000"/>
-            </a:schemeClr>
-          </a:solidFill>
-          <a:ln w="25400">
-            <a:solidFill>
-              <a:schemeClr val="tx1"/>
-            </a:solidFill>
-          </a:ln>
-        </p:spPr>
-        <p:style>
-          <a:lnRef idx="2">
-            <a:schemeClr val="accent2">
-              <a:shade val="50000"/>
-            </a:schemeClr>
-          </a:lnRef>
-          <a:fillRef idx="1">
-            <a:schemeClr val="accent2"/>
-          </a:fillRef>
-          <a:effectRef idx="0">
-            <a:schemeClr val="accent2"/>
-          </a:effectRef>
-          <a:fontRef idx="minor">
-            <a:schemeClr val="lt1"/>
-          </a:fontRef>
-        </p:style>
-        <p:txBody>
-          <a:bodyPr rtlCol="0" anchor="ctr"/>
-          <a:lstStyle/>
-          <a:p>
-            <a:pPr algn="ctr"/>
-            <a:r>
-              <a:rPr kumimoji="1" lang="en-US" altLang="zh-CN" sz="1200" b="1" dirty="0">
-                <a:solidFill>
-                  <a:sysClr val="windowText" lastClr="000000"/>
-                </a:solidFill>
-              </a:rPr>
-              <a:t>other</a:t>
-            </a:r>
-            <a:r>
-              <a:rPr kumimoji="1" lang="zh-CN" altLang="en-US" sz="1200" dirty="0">
-                <a:solidFill>
-                  <a:sysClr val="windowText" lastClr="000000"/>
-                </a:solidFill>
-              </a:rPr>
-              <a:t> </a:t>
-            </a:r>
-            <a:r>
-              <a:rPr kumimoji="1" lang="en-US" altLang="zh-CN" sz="1200" dirty="0">
-                <a:solidFill>
-                  <a:sysClr val="windowText" lastClr="000000"/>
-                </a:solidFill>
-              </a:rPr>
-              <a:t>:</a:t>
-            </a:r>
-            <a:r>
-              <a:rPr kumimoji="1" lang="zh-CN" altLang="en-US" sz="1200" dirty="0">
-                <a:solidFill>
-                  <a:sysClr val="windowText" lastClr="000000"/>
-                </a:solidFill>
-              </a:rPr>
-              <a:t> </a:t>
-            </a:r>
-            <a:r>
-              <a:rPr kumimoji="1" lang="en-US" altLang="zh-CN" sz="1200" dirty="0">
-                <a:solidFill>
-                  <a:sysClr val="windowText" lastClr="000000"/>
-                </a:solidFill>
-              </a:rPr>
-              <a:t>Account</a:t>
-            </a:r>
-            <a:endParaRPr kumimoji="1" lang="zh-CN" altLang="en-US" sz="1200" dirty="0">
-              <a:solidFill>
-                <a:sysClr val="windowText" lastClr="000000"/>
-              </a:solidFill>
-            </a:endParaRPr>
-          </a:p>
-        </p:txBody>
-      </p:sp>
-      <p:cxnSp>
-        <p:nvCxnSpPr>
-          <p:cNvPr id="6" name="直线箭头连接符 5" descr="jytjh">
-            <a:extLst>
-              <a:ext uri="{FF2B5EF4-FFF2-40B4-BE49-F238E27FC236}">
-                <a16:creationId xmlns:a16="http://schemas.microsoft.com/office/drawing/2014/main" id="{486AC079-4C75-A04A-B1D5-D8C4C703B420}"/>
-              </a:ext>
-            </a:extLst>
-          </p:cNvPr>
-          <p:cNvCxnSpPr>
-            <a:cxnSpLocks/>
-            <a:stCxn id="11" idx="3"/>
-            <a:endCxn id="5" idx="1"/>
-          </p:cNvCxnSpPr>
-          <p:nvPr/>
-        </p:nvCxnSpPr>
-        <p:spPr>
-          <a:xfrm flipV="1">
-            <a:off x="3468866" y="1682077"/>
-            <a:ext cx="1354795" cy="1225713"/>
-          </a:xfrm>
-          <a:prstGeom prst="straightConnector1">
-            <a:avLst/>
-          </a:prstGeom>
-          <a:ln w="25400">
-            <a:solidFill>
-              <a:schemeClr val="tx1"/>
-            </a:solidFill>
-            <a:headEnd type="none" w="sm" len="lg"/>
-            <a:tailEnd type="arrow" w="sm" len="lg"/>
-          </a:ln>
-        </p:spPr>
-        <p:style>
-          <a:lnRef idx="1">
-            <a:schemeClr val="accent1"/>
-          </a:lnRef>
-          <a:fillRef idx="0">
-            <a:schemeClr val="accent1"/>
-          </a:fillRef>
-          <a:effectRef idx="0">
-            <a:schemeClr val="accent1"/>
-          </a:effectRef>
-          <a:fontRef idx="minor">
-            <a:schemeClr val="tx1"/>
-          </a:fontRef>
-        </p:style>
-      </p:cxnSp>
-      <p:cxnSp>
-        <p:nvCxnSpPr>
-          <p:cNvPr id="8" name="直线箭头连接符 7" descr="jytjh">
-            <a:extLst>
-              <a:ext uri="{FF2B5EF4-FFF2-40B4-BE49-F238E27FC236}">
-                <a16:creationId xmlns:a16="http://schemas.microsoft.com/office/drawing/2014/main" id="{714BCD85-685B-1040-9D68-010210F3ECF7}"/>
-              </a:ext>
-            </a:extLst>
-          </p:cNvPr>
-          <p:cNvCxnSpPr>
-            <a:cxnSpLocks/>
-            <a:stCxn id="10" idx="1"/>
-            <a:endCxn id="5" idx="3"/>
-          </p:cNvCxnSpPr>
-          <p:nvPr/>
-        </p:nvCxnSpPr>
-        <p:spPr>
-          <a:xfrm flipH="1">
-            <a:off x="6688833" y="1682077"/>
-            <a:ext cx="1537797" cy="0"/>
-          </a:xfrm>
-          <a:prstGeom prst="straightConnector1">
-            <a:avLst/>
-          </a:prstGeom>
-          <a:ln w="25400">
-            <a:solidFill>
-              <a:schemeClr val="tx1"/>
-            </a:solidFill>
-            <a:headEnd type="none" w="lg" len="med"/>
-            <a:tailEnd type="arrow" w="sm" len="lg"/>
-          </a:ln>
-        </p:spPr>
-        <p:style>
-          <a:lnRef idx="1">
-            <a:schemeClr val="accent1"/>
-          </a:lnRef>
-          <a:fillRef idx="0">
-            <a:schemeClr val="accent1"/>
-          </a:fillRef>
-          <a:effectRef idx="0">
-            <a:schemeClr val="accent1"/>
-          </a:effectRef>
-          <a:fontRef idx="minor">
-            <a:schemeClr val="tx1"/>
-          </a:fontRef>
-        </p:style>
-      </p:cxnSp>
-      <p:grpSp>
-        <p:nvGrpSpPr>
-          <p:cNvPr id="3" name="Group 2">
-            <a:extLst>
-              <a:ext uri="{FF2B5EF4-FFF2-40B4-BE49-F238E27FC236}">
-                <a16:creationId xmlns:a16="http://schemas.microsoft.com/office/drawing/2014/main" id="{319FBE0C-DED4-FE40-2A1A-B7D26CC9D9DA}"/>
+                <a16:creationId xmlns:a16="http://schemas.microsoft.com/office/drawing/2014/main" id="{9EF7B857-ED29-AFBC-E4EA-5F464A103AF8}"/>
               </a:ext>
             </a:extLst>
           </p:cNvPr>
@@ -3101,18 +2514,410 @@
         </p:nvGrpSpPr>
         <p:grpSpPr>
           <a:xfrm>
-            <a:off x="1814507" y="2710364"/>
-            <a:ext cx="1654359" cy="789704"/>
-            <a:chOff x="987328" y="2902427"/>
-            <a:chExt cx="1654359" cy="789704"/>
+            <a:off x="1814507" y="608473"/>
+            <a:ext cx="8562985" cy="5502612"/>
+            <a:chOff x="1814507" y="608473"/>
+            <a:chExt cx="8562985" cy="5502612"/>
           </a:xfrm>
         </p:grpSpPr>
         <p:sp>
           <p:nvSpPr>
-            <p:cNvPr id="11" name="矩形 10">
+            <p:cNvPr id="13" name="文本框 12">
               <a:extLst>
                 <a:ext uri="{FF2B5EF4-FFF2-40B4-BE49-F238E27FC236}">
-                  <a16:creationId xmlns:a16="http://schemas.microsoft.com/office/drawing/2014/main" id="{6E897511-B61B-2B48-8F2E-6BEB89BF6B59}"/>
+                  <a16:creationId xmlns:a16="http://schemas.microsoft.com/office/drawing/2014/main" id="{7BD87ED3-36EC-9647-9846-B9494C64D391}"/>
+                </a:ext>
+              </a:extLst>
+            </p:cNvPr>
+            <p:cNvSpPr txBox="1"/>
+            <p:nvPr/>
+          </p:nvSpPr>
+          <p:spPr>
+            <a:xfrm>
+              <a:off x="6315061" y="608473"/>
+              <a:ext cx="2321796" cy="646331"/>
+            </a:xfrm>
+            <a:prstGeom prst="rect">
+              <a:avLst/>
+            </a:prstGeom>
+            <a:noFill/>
+          </p:spPr>
+          <p:txBody>
+            <a:bodyPr wrap="square" rtlCol="0">
+              <a:spAutoFit/>
+            </a:bodyPr>
+            <a:lstStyle/>
+            <a:p>
+              <a:pPr algn="ctr"/>
+              <a:r>
+                <a:rPr kumimoji="1" lang="en-US" altLang="zh-CN" sz="1200" b="1" dirty="0">
+                  <a:latin typeface="DengXian" panose="02010600030101010101" pitchFamily="2" charset="-122"/>
+                  <a:ea typeface="DengXian" panose="02010600030101010101" pitchFamily="2" charset="-122"/>
+                </a:rPr>
+                <a:t>edge2</a:t>
+              </a:r>
+              <a:r>
+                <a:rPr kumimoji="1" lang="zh-CN" altLang="en-US" sz="1200" dirty="0">
+                  <a:latin typeface="DengXian" panose="02010600030101010101" pitchFamily="2" charset="-122"/>
+                  <a:ea typeface="DengXian" panose="02010600030101010101" pitchFamily="2" charset="-122"/>
+                </a:rPr>
+                <a:t> </a:t>
+              </a:r>
+              <a:r>
+                <a:rPr kumimoji="1" lang="en-US" altLang="zh-CN" sz="1200" dirty="0">
+                  <a:latin typeface="DengXian" panose="02010600030101010101" pitchFamily="2" charset="-122"/>
+                  <a:ea typeface="DengXian" panose="02010600030101010101" pitchFamily="2" charset="-122"/>
+                </a:rPr>
+                <a:t>:</a:t>
+              </a:r>
+              <a:r>
+                <a:rPr kumimoji="1" lang="zh-CN" altLang="en-US" sz="1200" dirty="0">
+                  <a:latin typeface="DengXian" panose="02010600030101010101" pitchFamily="2" charset="-122"/>
+                  <a:ea typeface="DengXian" panose="02010600030101010101" pitchFamily="2" charset="-122"/>
+                </a:rPr>
+                <a:t> </a:t>
+              </a:r>
+              <a:r>
+                <a:rPr kumimoji="1" lang="en-US" altLang="zh-CN" sz="1200" dirty="0" err="1">
+                  <a:latin typeface="DengXian" panose="02010600030101010101" pitchFamily="2" charset="-122"/>
+                  <a:ea typeface="DengXian" panose="02010600030101010101" pitchFamily="2" charset="-122"/>
+                </a:rPr>
+                <a:t>signIn</a:t>
+              </a:r>
+              <a:endParaRPr kumimoji="1" lang="en-US" altLang="zh-CN" sz="1200" b="1" dirty="0">
+                <a:latin typeface="DengXian" panose="02010600030101010101" pitchFamily="2" charset="-122"/>
+                <a:ea typeface="DengXian" panose="02010600030101010101" pitchFamily="2" charset="-122"/>
+              </a:endParaRPr>
+            </a:p>
+            <a:p>
+              <a:pPr algn="ctr"/>
+              <a:r>
+                <a:rPr kumimoji="1" lang="en-US" altLang="zh-CN" sz="1200" b="1" dirty="0">
+                  <a:latin typeface="DengXian" panose="02010600030101010101" pitchFamily="2" charset="-122"/>
+                  <a:ea typeface="DengXian" panose="02010600030101010101" pitchFamily="2" charset="-122"/>
+                </a:rPr>
+                <a:t>edge2</a:t>
+              </a:r>
+              <a:r>
+                <a:rPr kumimoji="1" lang="en-US" altLang="zh-CN" sz="1200" dirty="0">
+                  <a:latin typeface="DengXian" panose="02010600030101010101" pitchFamily="2" charset="-122"/>
+                  <a:ea typeface="DengXian" panose="02010600030101010101" pitchFamily="2" charset="-122"/>
+                </a:rPr>
+                <a:t>.timestamp</a:t>
+              </a:r>
+              <a:r>
+                <a:rPr kumimoji="1" lang="zh-CN" altLang="en-US" sz="1200" dirty="0">
+                  <a:latin typeface="DengXian" panose="02010600030101010101" pitchFamily="2" charset="-122"/>
+                  <a:ea typeface="DengXian" panose="02010600030101010101" pitchFamily="2" charset="-122"/>
+                </a:rPr>
+                <a:t> </a:t>
+              </a:r>
+              <a:r>
+                <a:rPr kumimoji="1" lang="en-US" altLang="zh-CN" sz="1200" dirty="0">
+                  <a:latin typeface="DengXian" panose="02010600030101010101" pitchFamily="2" charset="-122"/>
+                  <a:ea typeface="DengXian" panose="02010600030101010101" pitchFamily="2" charset="-122"/>
+                </a:rPr>
+                <a:t>&gt;</a:t>
+              </a:r>
+              <a:r>
+                <a:rPr kumimoji="1" lang="zh-CN" altLang="en-US" sz="1200" dirty="0">
+                  <a:latin typeface="DengXian" panose="02010600030101010101" pitchFamily="2" charset="-122"/>
+                  <a:ea typeface="DengXian" panose="02010600030101010101" pitchFamily="2" charset="-122"/>
+                </a:rPr>
+                <a:t> </a:t>
+              </a:r>
+              <a:r>
+                <a:rPr kumimoji="1" lang="en-US" altLang="zh-CN" sz="1200" dirty="0">
+                  <a:latin typeface="DengXian" panose="02010600030101010101" pitchFamily="2" charset="-122"/>
+                  <a:ea typeface="DengXian" panose="02010600030101010101" pitchFamily="2" charset="-122"/>
+                </a:rPr>
+                <a:t>${</a:t>
+              </a:r>
+              <a:r>
+                <a:rPr kumimoji="1" lang="en-US" altLang="zh-CN" sz="1200" dirty="0" err="1">
+                  <a:latin typeface="DengXian" panose="02010600030101010101" pitchFamily="2" charset="-122"/>
+                  <a:ea typeface="DengXian" panose="02010600030101010101" pitchFamily="2" charset="-122"/>
+                </a:rPr>
+                <a:t>start_time</a:t>
+              </a:r>
+              <a:r>
+                <a:rPr kumimoji="1" lang="en-US" altLang="zh-CN" sz="1200" dirty="0">
+                  <a:latin typeface="DengXian" panose="02010600030101010101" pitchFamily="2" charset="-122"/>
+                  <a:ea typeface="DengXian" panose="02010600030101010101" pitchFamily="2" charset="-122"/>
+                </a:rPr>
+                <a:t>}</a:t>
+              </a:r>
+            </a:p>
+            <a:p>
+              <a:pPr algn="ctr"/>
+              <a:r>
+                <a:rPr kumimoji="1" lang="en-US" altLang="zh-CN" sz="1200" b="1" dirty="0">
+                  <a:latin typeface="DengXian" panose="02010600030101010101" pitchFamily="2" charset="-122"/>
+                  <a:ea typeface="DengXian" panose="02010600030101010101" pitchFamily="2" charset="-122"/>
+                </a:rPr>
+                <a:t>edge2</a:t>
+              </a:r>
+              <a:r>
+                <a:rPr kumimoji="1" lang="en-US" altLang="zh-CN" sz="1200" dirty="0">
+                  <a:latin typeface="DengXian" panose="02010600030101010101" pitchFamily="2" charset="-122"/>
+                  <a:ea typeface="DengXian" panose="02010600030101010101" pitchFamily="2" charset="-122"/>
+                </a:rPr>
+                <a:t>.timestamp</a:t>
+              </a:r>
+              <a:r>
+                <a:rPr kumimoji="1" lang="zh-CN" altLang="en-US" sz="1200" dirty="0">
+                  <a:latin typeface="DengXian" panose="02010600030101010101" pitchFamily="2" charset="-122"/>
+                  <a:ea typeface="DengXian" panose="02010600030101010101" pitchFamily="2" charset="-122"/>
+                </a:rPr>
+                <a:t> </a:t>
+              </a:r>
+              <a:r>
+                <a:rPr kumimoji="1" lang="en-US" altLang="zh-CN" sz="1200" dirty="0">
+                  <a:latin typeface="DengXian" panose="02010600030101010101" pitchFamily="2" charset="-122"/>
+                  <a:ea typeface="DengXian" panose="02010600030101010101" pitchFamily="2" charset="-122"/>
+                </a:rPr>
+                <a:t>&lt;</a:t>
+              </a:r>
+              <a:r>
+                <a:rPr kumimoji="1" lang="zh-CN" altLang="en-US" sz="1200" dirty="0">
+                  <a:latin typeface="DengXian" panose="02010600030101010101" pitchFamily="2" charset="-122"/>
+                  <a:ea typeface="DengXian" panose="02010600030101010101" pitchFamily="2" charset="-122"/>
+                </a:rPr>
+                <a:t> </a:t>
+              </a:r>
+              <a:r>
+                <a:rPr kumimoji="1" lang="en-US" altLang="zh-CN" sz="1200" dirty="0">
+                  <a:latin typeface="DengXian" panose="02010600030101010101" pitchFamily="2" charset="-122"/>
+                  <a:ea typeface="DengXian" panose="02010600030101010101" pitchFamily="2" charset="-122"/>
+                </a:rPr>
+                <a:t>${</a:t>
+              </a:r>
+              <a:r>
+                <a:rPr kumimoji="1" lang="en-US" altLang="zh-CN" sz="1200" dirty="0" err="1">
+                  <a:latin typeface="DengXian" panose="02010600030101010101" pitchFamily="2" charset="-122"/>
+                  <a:ea typeface="DengXian" panose="02010600030101010101" pitchFamily="2" charset="-122"/>
+                </a:rPr>
+                <a:t>end_time</a:t>
+              </a:r>
+              <a:r>
+                <a:rPr kumimoji="1" lang="en-US" altLang="zh-CN" sz="1200" dirty="0">
+                  <a:latin typeface="DengXian" panose="02010600030101010101" pitchFamily="2" charset="-122"/>
+                  <a:ea typeface="DengXian" panose="02010600030101010101" pitchFamily="2" charset="-122"/>
+                </a:rPr>
+                <a:t>}</a:t>
+              </a:r>
+            </a:p>
+          </p:txBody>
+        </p:sp>
+        <p:sp>
+          <p:nvSpPr>
+            <p:cNvPr id="7" name="文本框 6">
+              <a:extLst>
+                <a:ext uri="{FF2B5EF4-FFF2-40B4-BE49-F238E27FC236}">
+                  <a16:creationId xmlns:a16="http://schemas.microsoft.com/office/drawing/2014/main" id="{0C070550-81EF-2745-A5EA-019C75F6F423}"/>
+                </a:ext>
+              </a:extLst>
+            </p:cNvPr>
+            <p:cNvSpPr txBox="1"/>
+            <p:nvPr/>
+          </p:nvSpPr>
+          <p:spPr>
+            <a:xfrm>
+              <a:off x="1819656" y="1620185"/>
+              <a:ext cx="2420289" cy="646331"/>
+            </a:xfrm>
+            <a:prstGeom prst="rect">
+              <a:avLst/>
+            </a:prstGeom>
+            <a:noFill/>
+          </p:spPr>
+          <p:txBody>
+            <a:bodyPr wrap="square" rtlCol="0">
+              <a:spAutoFit/>
+            </a:bodyPr>
+            <a:lstStyle/>
+            <a:p>
+              <a:pPr algn="ctr"/>
+              <a:r>
+                <a:rPr kumimoji="1" lang="en-US" altLang="zh-CN" sz="1200" b="1" dirty="0">
+                  <a:latin typeface="DengXian" panose="02010600030101010101" pitchFamily="2" charset="-122"/>
+                  <a:ea typeface="DengXian" panose="02010600030101010101" pitchFamily="2" charset="-122"/>
+                </a:rPr>
+                <a:t>edge1</a:t>
+              </a:r>
+              <a:r>
+                <a:rPr kumimoji="1" lang="zh-CN" altLang="en-US" sz="1200" dirty="0">
+                  <a:latin typeface="DengXian" panose="02010600030101010101" pitchFamily="2" charset="-122"/>
+                  <a:ea typeface="DengXian" panose="02010600030101010101" pitchFamily="2" charset="-122"/>
+                </a:rPr>
+                <a:t> </a:t>
+              </a:r>
+              <a:r>
+                <a:rPr kumimoji="1" lang="en-US" altLang="zh-CN" sz="1200" dirty="0">
+                  <a:latin typeface="DengXian" panose="02010600030101010101" pitchFamily="2" charset="-122"/>
+                  <a:ea typeface="DengXian" panose="02010600030101010101" pitchFamily="2" charset="-122"/>
+                </a:rPr>
+                <a:t>:</a:t>
+              </a:r>
+              <a:r>
+                <a:rPr kumimoji="1" lang="zh-CN" altLang="en-US" sz="1200" dirty="0">
+                  <a:latin typeface="DengXian" panose="02010600030101010101" pitchFamily="2" charset="-122"/>
+                  <a:ea typeface="DengXian" panose="02010600030101010101" pitchFamily="2" charset="-122"/>
+                </a:rPr>
+                <a:t> </a:t>
+              </a:r>
+              <a:r>
+                <a:rPr kumimoji="1" lang="en-US" altLang="zh-CN" sz="1200" dirty="0">
+                  <a:latin typeface="DengXian" panose="02010600030101010101" pitchFamily="2" charset="-122"/>
+                  <a:ea typeface="DengXian" panose="02010600030101010101" pitchFamily="2" charset="-122"/>
+                </a:rPr>
+                <a:t>transfer</a:t>
+              </a:r>
+              <a:r>
+                <a:rPr kumimoji="1" lang="zh-CN" altLang="en-US" sz="1200" b="1" dirty="0">
+                  <a:latin typeface="DengXian" panose="02010600030101010101" pitchFamily="2" charset="-122"/>
+                  <a:ea typeface="DengXian" panose="02010600030101010101" pitchFamily="2" charset="-122"/>
+                </a:rPr>
+                <a:t> *</a:t>
+              </a:r>
+              <a:r>
+                <a:rPr kumimoji="1" lang="en-US" altLang="zh-CN" sz="1200" b="1" dirty="0">
+                  <a:latin typeface="DengXian" panose="02010600030101010101" pitchFamily="2" charset="-122"/>
+                  <a:ea typeface="DengXian" panose="02010600030101010101" pitchFamily="2" charset="-122"/>
+                </a:rPr>
+                <a:t>..3</a:t>
+              </a:r>
+              <a:endParaRPr kumimoji="1" lang="en-US" altLang="zh-CN" sz="1200" dirty="0">
+                <a:latin typeface="DengXian" panose="02010600030101010101" pitchFamily="2" charset="-122"/>
+                <a:ea typeface="DengXian" panose="02010600030101010101" pitchFamily="2" charset="-122"/>
+              </a:endParaRPr>
+            </a:p>
+            <a:p>
+              <a:pPr algn="ctr"/>
+              <a:r>
+                <a:rPr kumimoji="1" lang="en-US" altLang="zh-CN" sz="1200" b="1" dirty="0">
+                  <a:latin typeface="DengXian" panose="02010600030101010101" pitchFamily="2" charset="-122"/>
+                  <a:ea typeface="DengXian" panose="02010600030101010101" pitchFamily="2" charset="-122"/>
+                </a:rPr>
+                <a:t>edge1</a:t>
+              </a:r>
+              <a:r>
+                <a:rPr kumimoji="1" lang="en-US" altLang="zh-CN" sz="1200" dirty="0">
+                  <a:latin typeface="DengXian" panose="02010600030101010101" pitchFamily="2" charset="-122"/>
+                  <a:ea typeface="DengXian" panose="02010600030101010101" pitchFamily="2" charset="-122"/>
+                </a:rPr>
+                <a:t>.timestamp</a:t>
+              </a:r>
+              <a:r>
+                <a:rPr kumimoji="1" lang="zh-CN" altLang="en-US" sz="1200" dirty="0">
+                  <a:latin typeface="DengXian" panose="02010600030101010101" pitchFamily="2" charset="-122"/>
+                  <a:ea typeface="DengXian" panose="02010600030101010101" pitchFamily="2" charset="-122"/>
+                </a:rPr>
+                <a:t> </a:t>
+              </a:r>
+              <a:r>
+                <a:rPr kumimoji="1" lang="en-US" altLang="zh-CN" sz="1200" dirty="0">
+                  <a:latin typeface="DengXian" panose="02010600030101010101" pitchFamily="2" charset="-122"/>
+                  <a:ea typeface="DengXian" panose="02010600030101010101" pitchFamily="2" charset="-122"/>
+                </a:rPr>
+                <a:t>&gt;</a:t>
+              </a:r>
+              <a:r>
+                <a:rPr kumimoji="1" lang="zh-CN" altLang="en-US" sz="1200" dirty="0">
+                  <a:latin typeface="DengXian" panose="02010600030101010101" pitchFamily="2" charset="-122"/>
+                  <a:ea typeface="DengXian" panose="02010600030101010101" pitchFamily="2" charset="-122"/>
+                </a:rPr>
+                <a:t> </a:t>
+              </a:r>
+              <a:r>
+                <a:rPr kumimoji="1" lang="en-US" altLang="zh-CN" sz="1200" dirty="0">
+                  <a:latin typeface="DengXian" panose="02010600030101010101" pitchFamily="2" charset="-122"/>
+                  <a:ea typeface="DengXian" panose="02010600030101010101" pitchFamily="2" charset="-122"/>
+                </a:rPr>
+                <a:t>${</a:t>
+              </a:r>
+              <a:r>
+                <a:rPr kumimoji="1" lang="en-US" altLang="zh-CN" sz="1200" dirty="0" err="1">
+                  <a:latin typeface="DengXian" panose="02010600030101010101" pitchFamily="2" charset="-122"/>
+                  <a:ea typeface="DengXian" panose="02010600030101010101" pitchFamily="2" charset="-122"/>
+                </a:rPr>
+                <a:t>start_time</a:t>
+              </a:r>
+              <a:r>
+                <a:rPr kumimoji="1" lang="en-US" altLang="zh-CN" sz="1200" dirty="0">
+                  <a:latin typeface="DengXian" panose="02010600030101010101" pitchFamily="2" charset="-122"/>
+                  <a:ea typeface="DengXian" panose="02010600030101010101" pitchFamily="2" charset="-122"/>
+                </a:rPr>
+                <a:t>}</a:t>
+              </a:r>
+            </a:p>
+            <a:p>
+              <a:pPr algn="ctr"/>
+              <a:r>
+                <a:rPr kumimoji="1" lang="en-US" altLang="zh-CN" sz="1200" b="1" dirty="0">
+                  <a:latin typeface="DengXian" panose="02010600030101010101" pitchFamily="2" charset="-122"/>
+                  <a:ea typeface="DengXian" panose="02010600030101010101" pitchFamily="2" charset="-122"/>
+                </a:rPr>
+                <a:t>edge1</a:t>
+              </a:r>
+              <a:r>
+                <a:rPr kumimoji="1" lang="en-US" altLang="zh-CN" sz="1200" dirty="0">
+                  <a:latin typeface="DengXian" panose="02010600030101010101" pitchFamily="2" charset="-122"/>
+                  <a:ea typeface="DengXian" panose="02010600030101010101" pitchFamily="2" charset="-122"/>
+                </a:rPr>
+                <a:t>.timestamp</a:t>
+              </a:r>
+              <a:r>
+                <a:rPr kumimoji="1" lang="zh-CN" altLang="en-US" sz="1200" dirty="0">
+                  <a:latin typeface="DengXian" panose="02010600030101010101" pitchFamily="2" charset="-122"/>
+                  <a:ea typeface="DengXian" panose="02010600030101010101" pitchFamily="2" charset="-122"/>
+                </a:rPr>
+                <a:t> </a:t>
+              </a:r>
+              <a:r>
+                <a:rPr kumimoji="1" lang="en-US" altLang="zh-CN" sz="1200" dirty="0">
+                  <a:latin typeface="DengXian" panose="02010600030101010101" pitchFamily="2" charset="-122"/>
+                  <a:ea typeface="DengXian" panose="02010600030101010101" pitchFamily="2" charset="-122"/>
+                </a:rPr>
+                <a:t>&lt;</a:t>
+              </a:r>
+              <a:r>
+                <a:rPr kumimoji="1" lang="zh-CN" altLang="en-US" sz="1200" dirty="0">
+                  <a:latin typeface="DengXian" panose="02010600030101010101" pitchFamily="2" charset="-122"/>
+                  <a:ea typeface="DengXian" panose="02010600030101010101" pitchFamily="2" charset="-122"/>
+                </a:rPr>
+                <a:t> </a:t>
+              </a:r>
+              <a:r>
+                <a:rPr kumimoji="1" lang="en-US" altLang="zh-CN" sz="1200" dirty="0">
+                  <a:latin typeface="DengXian" panose="02010600030101010101" pitchFamily="2" charset="-122"/>
+                  <a:ea typeface="DengXian" panose="02010600030101010101" pitchFamily="2" charset="-122"/>
+                </a:rPr>
+                <a:t>${</a:t>
+              </a:r>
+              <a:r>
+                <a:rPr kumimoji="1" lang="en-US" altLang="zh-CN" sz="1200" dirty="0" err="1">
+                  <a:latin typeface="DengXian" panose="02010600030101010101" pitchFamily="2" charset="-122"/>
+                  <a:ea typeface="DengXian" panose="02010600030101010101" pitchFamily="2" charset="-122"/>
+                </a:rPr>
+                <a:t>end_time</a:t>
+              </a:r>
+              <a:r>
+                <a:rPr kumimoji="1" lang="en-US" altLang="zh-CN" sz="1200" dirty="0">
+                  <a:latin typeface="DengXian" panose="02010600030101010101" pitchFamily="2" charset="-122"/>
+                  <a:ea typeface="DengXian" panose="02010600030101010101" pitchFamily="2" charset="-122"/>
+                </a:rPr>
+                <a:t>}</a:t>
+              </a:r>
+            </a:p>
+          </p:txBody>
+        </p:sp>
+        <p:sp>
+          <p:nvSpPr>
+            <p:cNvPr id="5" name="矩形 4">
+              <a:extLst>
+                <a:ext uri="{FF2B5EF4-FFF2-40B4-BE49-F238E27FC236}">
+                  <a16:creationId xmlns:a16="http://schemas.microsoft.com/office/drawing/2014/main" id="{95C53FD7-0C8A-F142-B1DE-2FC79CF3A4AF}"/>
                 </a:ext>
               </a:extLst>
             </p:cNvPr>
@@ -3121,8 +2926,8 @@
           </p:nvSpPr>
           <p:spPr>
             <a:xfrm>
-              <a:off x="987328" y="2902427"/>
-              <a:ext cx="1654359" cy="394852"/>
+              <a:off x="5765493" y="1484651"/>
+              <a:ext cx="1865172" cy="394852"/>
             </a:xfrm>
             <a:prstGeom prst="rect">
               <a:avLst/>
@@ -3166,7 +2971,7 @@
                     <a:sysClr val="windowText" lastClr="000000"/>
                   </a:solidFill>
                 </a:rPr>
-                <a:t>account</a:t>
+                <a:t>other</a:t>
               </a:r>
               <a:r>
                 <a:rPr kumimoji="1" lang="zh-CN" altLang="en-US" sz="1200" dirty="0">
@@ -3208,12 +3013,106 @@
             </a:p>
           </p:txBody>
         </p:sp>
+        <p:cxnSp>
+          <p:nvCxnSpPr>
+            <p:cNvPr id="6" name="直线箭头连接符 5" descr="jytjh">
+              <a:extLst>
+                <a:ext uri="{FF2B5EF4-FFF2-40B4-BE49-F238E27FC236}">
+                  <a16:creationId xmlns:a16="http://schemas.microsoft.com/office/drawing/2014/main" id="{486AC079-4C75-A04A-B1D5-D8C4C703B420}"/>
+                </a:ext>
+              </a:extLst>
+            </p:cNvPr>
+            <p:cNvCxnSpPr>
+              <a:cxnSpLocks/>
+              <a:stCxn id="11" idx="3"/>
+              <a:endCxn id="5" idx="1"/>
+            </p:cNvCxnSpPr>
+            <p:nvPr/>
+          </p:nvCxnSpPr>
+          <p:spPr>
+            <a:xfrm flipV="1">
+              <a:off x="3468866" y="1682077"/>
+              <a:ext cx="2296627" cy="1225713"/>
+            </a:xfrm>
+            <a:prstGeom prst="straightConnector1">
+              <a:avLst/>
+            </a:prstGeom>
+            <a:ln w="25400">
+              <a:solidFill>
+                <a:schemeClr val="tx1"/>
+              </a:solidFill>
+              <a:headEnd type="none" w="sm" len="lg"/>
+              <a:tailEnd type="arrow" w="sm" len="lg"/>
+            </a:ln>
+          </p:spPr>
+          <p:style>
+            <a:lnRef idx="1">
+              <a:schemeClr val="accent1"/>
+            </a:lnRef>
+            <a:fillRef idx="0">
+              <a:schemeClr val="accent1"/>
+            </a:fillRef>
+            <a:effectRef idx="0">
+              <a:schemeClr val="accent1"/>
+            </a:effectRef>
+            <a:fontRef idx="minor">
+              <a:schemeClr val="tx1"/>
+            </a:fontRef>
+          </p:style>
+        </p:cxnSp>
+        <p:cxnSp>
+          <p:nvCxnSpPr>
+            <p:cNvPr id="8" name="直线箭头连接符 7" descr="jytjh">
+              <a:extLst>
+                <a:ext uri="{FF2B5EF4-FFF2-40B4-BE49-F238E27FC236}">
+                  <a16:creationId xmlns:a16="http://schemas.microsoft.com/office/drawing/2014/main" id="{714BCD85-685B-1040-9D68-010210F3ECF7}"/>
+                </a:ext>
+              </a:extLst>
+            </p:cNvPr>
+            <p:cNvCxnSpPr>
+              <a:cxnSpLocks/>
+              <a:stCxn id="10" idx="1"/>
+              <a:endCxn id="5" idx="3"/>
+            </p:cNvCxnSpPr>
+            <p:nvPr/>
+          </p:nvCxnSpPr>
+          <p:spPr>
+            <a:xfrm flipH="1">
+              <a:off x="7630665" y="1682077"/>
+              <a:ext cx="595965" cy="0"/>
+            </a:xfrm>
+            <a:prstGeom prst="straightConnector1">
+              <a:avLst/>
+            </a:prstGeom>
+            <a:ln w="25400">
+              <a:solidFill>
+                <a:schemeClr val="tx1"/>
+              </a:solidFill>
+              <a:headEnd type="none" w="lg" len="med"/>
+              <a:tailEnd type="arrow" w="sm" len="lg"/>
+            </a:ln>
+          </p:spPr>
+          <p:style>
+            <a:lnRef idx="1">
+              <a:schemeClr val="accent1"/>
+            </a:lnRef>
+            <a:fillRef idx="0">
+              <a:schemeClr val="accent1"/>
+            </a:fillRef>
+            <a:effectRef idx="0">
+              <a:schemeClr val="accent1"/>
+            </a:effectRef>
+            <a:fontRef idx="minor">
+              <a:schemeClr val="tx1"/>
+            </a:fontRef>
+          </p:style>
+        </p:cxnSp>
         <p:sp>
           <p:nvSpPr>
-            <p:cNvPr id="12" name="矩形 11">
+            <p:cNvPr id="9" name="矩形 8">
               <a:extLst>
                 <a:ext uri="{FF2B5EF4-FFF2-40B4-BE49-F238E27FC236}">
-                  <a16:creationId xmlns:a16="http://schemas.microsoft.com/office/drawing/2014/main" id="{FCC77EE0-06A3-974B-995B-A18597BE8CA8}"/>
+                  <a16:creationId xmlns:a16="http://schemas.microsoft.com/office/drawing/2014/main" id="{925CC109-EC9A-7649-93C4-1BFF852F00EE}"/>
                 </a:ext>
               </a:extLst>
             </p:cNvPr>
@@ -3222,8 +3121,8 @@
           </p:nvSpPr>
           <p:spPr>
             <a:xfrm>
-              <a:off x="987328" y="3297279"/>
-              <a:ext cx="1654359" cy="394852"/>
+              <a:off x="7936523" y="1316631"/>
+              <a:ext cx="2440969" cy="4794454"/>
             </a:xfrm>
             <a:prstGeom prst="rect">
               <a:avLst/>
@@ -3233,6 +3132,7 @@
               <a:solidFill>
                 <a:schemeClr val="tx1"/>
               </a:solidFill>
+              <a:prstDash val="lgDash"/>
             </a:ln>
           </p:spPr>
           <p:style>
@@ -3252,20 +3152,61 @@
             </a:fontRef>
           </p:style>
           <p:txBody>
-            <a:bodyPr rtlCol="0" anchor="ctr"/>
+            <a:bodyPr rtlCol="0" anchor="b"/>
             <a:lstStyle/>
             <a:p>
-              <a:pPr algn="ctr"/>
-              <a:r>
-                <a:rPr kumimoji="1" lang="en-US" altLang="zh-CN" sz="1200" b="1" dirty="0" err="1">
-                  <a:solidFill>
-                    <a:sysClr val="windowText" lastClr="000000"/>
-                  </a:solidFill>
-                  <a:latin typeface="DengXian" panose="02010600030101010101" pitchFamily="2" charset="-122"/>
-                  <a:ea typeface="DengXian" panose="02010600030101010101" pitchFamily="2" charset="-122"/>
-                </a:rPr>
-                <a:t>account</a:t>
-              </a:r>
+              <a:r>
+                <a:rPr kumimoji="1" lang="en-US" altLang="zh-CN" sz="1200" b="1" dirty="0">
+                  <a:solidFill>
+                    <a:srgbClr val="FF0000"/>
+                  </a:solidFill>
+                  <a:latin typeface="DengXian" panose="02010600030101010101" pitchFamily="2" charset="-122"/>
+                  <a:ea typeface="DengXian" panose="02010600030101010101" pitchFamily="2" charset="-122"/>
+                </a:rPr>
+                <a:t>RESULT</a:t>
+              </a:r>
+            </a:p>
+            <a:p>
+              <a:r>
+                <a:rPr kumimoji="1" lang="en-US" altLang="zh-CN" sz="1200" dirty="0">
+                  <a:solidFill>
+                    <a:sysClr val="windowText" lastClr="000000"/>
+                  </a:solidFill>
+                  <a:latin typeface="DengXian" panose="02010600030101010101" pitchFamily="2" charset="-122"/>
+                  <a:ea typeface="DengXian" panose="02010600030101010101" pitchFamily="2" charset="-122"/>
+                </a:rPr>
+                <a:t>COUNT(DISTINCT</a:t>
+              </a:r>
+              <a:r>
+                <a:rPr kumimoji="1" lang="zh-CN" altLang="en-US" sz="1200" dirty="0">
+                  <a:solidFill>
+                    <a:sysClr val="windowText" lastClr="000000"/>
+                  </a:solidFill>
+                  <a:latin typeface="DengXian" panose="02010600030101010101" pitchFamily="2" charset="-122"/>
+                  <a:ea typeface="DengXian" panose="02010600030101010101" pitchFamily="2" charset="-122"/>
+                </a:rPr>
+                <a:t> </a:t>
+              </a:r>
+              <a:r>
+                <a:rPr kumimoji="1" lang="en-US" altLang="zh-CN" sz="1200" b="1" dirty="0">
+                  <a:solidFill>
+                    <a:sysClr val="windowText" lastClr="000000"/>
+                  </a:solidFill>
+                </a:rPr>
+                <a:t>medium</a:t>
+              </a:r>
+              <a:r>
+                <a:rPr kumimoji="1" lang="en-US" altLang="zh-CN" sz="1200" dirty="0">
+                  <a:solidFill>
+                    <a:sysClr val="windowText" lastClr="000000"/>
+                  </a:solidFill>
+                  <a:latin typeface="DengXian" panose="02010600030101010101" pitchFamily="2" charset="-122"/>
+                  <a:ea typeface="DengXian" panose="02010600030101010101" pitchFamily="2" charset="-122"/>
+                </a:rPr>
+                <a:t>),</a:t>
+              </a:r>
+            </a:p>
+            <a:p>
               <a:r>
                 <a:rPr kumimoji="1" lang="en-US" altLang="zh-CN" sz="1200" dirty="0" err="1">
                   <a:solidFill>
@@ -3274,7 +3215,17 @@
                   <a:latin typeface="DengXian" panose="02010600030101010101" pitchFamily="2" charset="-122"/>
                   <a:ea typeface="DengXian" panose="02010600030101010101" pitchFamily="2" charset="-122"/>
                 </a:rPr>
-                <a:t>.id</a:t>
+                <a:t>medium.type</a:t>
+              </a:r>
+              <a:r>
+                <a:rPr kumimoji="1" lang="en-US" altLang="zh-CN" sz="1200" dirty="0">
+                  <a:solidFill>
+                    <a:sysClr val="windowText" lastClr="000000"/>
+                  </a:solidFill>
+                  <a:latin typeface="DengXian" panose="02010600030101010101" pitchFamily="2" charset="-122"/>
+                  <a:ea typeface="DengXian" panose="02010600030101010101" pitchFamily="2" charset="-122"/>
+                </a:rPr>
+                <a:t>,</a:t>
               </a:r>
               <a:r>
                 <a:rPr kumimoji="1" lang="zh-CN" altLang="en-US" sz="1200" dirty="0">
@@ -3287,36 +3238,16 @@
                 <a:t> </a:t>
               </a:r>
               <a:r>
-                <a:rPr kumimoji="1" lang="en-US" altLang="zh-CN" sz="1200" dirty="0">
-                  <a:solidFill>
-                    <a:sysClr val="windowText" lastClr="000000"/>
-                  </a:solidFill>
-                  <a:latin typeface="DengXian" panose="02010600030101010101" pitchFamily="2" charset="-122"/>
-                  <a:ea typeface="DengXian" panose="02010600030101010101" pitchFamily="2" charset="-122"/>
-                </a:rPr>
-                <a:t>=</a:t>
-              </a:r>
-              <a:r>
-                <a:rPr kumimoji="1" lang="zh-CN" altLang="en-US" sz="1200" dirty="0">
-                  <a:solidFill>
-                    <a:sysClr val="windowText" lastClr="000000"/>
-                  </a:solidFill>
-                  <a:latin typeface="DengXian" panose="02010600030101010101" pitchFamily="2" charset="-122"/>
-                  <a:ea typeface="DengXian" panose="02010600030101010101" pitchFamily="2" charset="-122"/>
-                </a:rPr>
-                <a:t> </a:t>
-              </a:r>
-              <a:r>
-                <a:rPr kumimoji="1" lang="en-US" altLang="zh-CN" sz="1200" dirty="0">
-                  <a:solidFill>
-                    <a:sysClr val="windowText" lastClr="000000"/>
-                  </a:solidFill>
-                  <a:latin typeface="DengXian" panose="02010600030101010101" pitchFamily="2" charset="-122"/>
-                  <a:ea typeface="DengXian" panose="02010600030101010101" pitchFamily="2" charset="-122"/>
-                </a:rPr>
-                <a:t>${id}</a:t>
-              </a:r>
-              <a:endParaRPr kumimoji="1" lang="zh-CN" altLang="en-US" sz="1200" dirty="0">
+                <a:rPr kumimoji="1" lang="en-US" altLang="zh-CN" sz="1200" dirty="0" err="1">
+                  <a:solidFill>
+                    <a:sysClr val="windowText" lastClr="000000"/>
+                  </a:solidFill>
+                  <a:latin typeface="DengXian" panose="02010600030101010101" pitchFamily="2" charset="-122"/>
+                  <a:ea typeface="DengXian" panose="02010600030101010101" pitchFamily="2" charset="-122"/>
+                </a:rPr>
+                <a:t>medium.id</a:t>
+              </a:r>
+              <a:endParaRPr kumimoji="1" lang="en-US" altLang="zh-CN" sz="1200" dirty="0">
                 <a:solidFill>
                   <a:sysClr val="windowText" lastClr="000000"/>
                 </a:solidFill>
@@ -3326,134 +3257,12 @@
             </a:p>
           </p:txBody>
         </p:sp>
-      </p:grpSp>
-      <p:sp>
-        <p:nvSpPr>
-          <p:cNvPr id="9" name="矩形 8">
-            <a:extLst>
-              <a:ext uri="{FF2B5EF4-FFF2-40B4-BE49-F238E27FC236}">
-                <a16:creationId xmlns:a16="http://schemas.microsoft.com/office/drawing/2014/main" id="{925CC109-EC9A-7649-93C4-1BFF852F00EE}"/>
-              </a:ext>
-            </a:extLst>
-          </p:cNvPr>
-          <p:cNvSpPr/>
-          <p:nvPr/>
-        </p:nvSpPr>
-        <p:spPr>
-          <a:xfrm>
-            <a:off x="7936523" y="1316631"/>
-            <a:ext cx="2440969" cy="5004582"/>
-          </a:xfrm>
-          <a:prstGeom prst="rect">
-            <a:avLst/>
-          </a:prstGeom>
-          <a:noFill/>
-          <a:ln w="25400">
-            <a:solidFill>
-              <a:schemeClr val="tx1"/>
-            </a:solidFill>
-            <a:prstDash val="lgDash"/>
-          </a:ln>
-        </p:spPr>
-        <p:style>
-          <a:lnRef idx="2">
-            <a:schemeClr val="accent2">
-              <a:shade val="50000"/>
-            </a:schemeClr>
-          </a:lnRef>
-          <a:fillRef idx="1">
-            <a:schemeClr val="accent2"/>
-          </a:fillRef>
-          <a:effectRef idx="0">
-            <a:schemeClr val="accent2"/>
-          </a:effectRef>
-          <a:fontRef idx="minor">
-            <a:schemeClr val="lt1"/>
-          </a:fontRef>
-        </p:style>
-        <p:txBody>
-          <a:bodyPr rtlCol="0" anchor="b"/>
-          <a:lstStyle/>
-          <a:p>
-            <a:r>
-              <a:rPr kumimoji="1" lang="en-US" altLang="zh-CN" sz="1200" b="1" dirty="0">
-                <a:solidFill>
-                  <a:srgbClr val="FF0000"/>
-                </a:solidFill>
-                <a:latin typeface="DengXian" panose="02010600030101010101" pitchFamily="2" charset="-122"/>
-                <a:ea typeface="DengXian" panose="02010600030101010101" pitchFamily="2" charset="-122"/>
-              </a:rPr>
-              <a:t>RESULT</a:t>
-            </a:r>
-          </a:p>
-          <a:p>
-            <a:r>
-              <a:rPr kumimoji="1" lang="en-US" altLang="zh-CN" sz="1200" dirty="0">
-                <a:solidFill>
-                  <a:sysClr val="windowText" lastClr="000000"/>
-                </a:solidFill>
-                <a:latin typeface="DengXian" panose="02010600030101010101" pitchFamily="2" charset="-122"/>
-                <a:ea typeface="DengXian" panose="02010600030101010101" pitchFamily="2" charset="-122"/>
-              </a:rPr>
-              <a:t>COUNT(DISTINCT</a:t>
-            </a:r>
-            <a:r>
-              <a:rPr kumimoji="1" lang="zh-CN" altLang="en-US" sz="1200" dirty="0">
-                <a:solidFill>
-                  <a:sysClr val="windowText" lastClr="000000"/>
-                </a:solidFill>
-                <a:latin typeface="DengXian" panose="02010600030101010101" pitchFamily="2" charset="-122"/>
-                <a:ea typeface="DengXian" panose="02010600030101010101" pitchFamily="2" charset="-122"/>
-              </a:rPr>
-              <a:t> </a:t>
-            </a:r>
-            <a:r>
-              <a:rPr kumimoji="1" lang="en-US" altLang="zh-CN" sz="1200" b="1" dirty="0">
-                <a:solidFill>
-                  <a:sysClr val="windowText" lastClr="000000"/>
-                </a:solidFill>
-              </a:rPr>
-              <a:t>medium</a:t>
-            </a:r>
-            <a:r>
-              <a:rPr kumimoji="1" lang="en-US" altLang="zh-CN" sz="1200" dirty="0">
-                <a:solidFill>
-                  <a:sysClr val="windowText" lastClr="000000"/>
-                </a:solidFill>
-                <a:latin typeface="DengXian" panose="02010600030101010101" pitchFamily="2" charset="-122"/>
-                <a:ea typeface="DengXian" panose="02010600030101010101" pitchFamily="2" charset="-122"/>
-              </a:rPr>
-              <a:t>)</a:t>
-            </a:r>
-          </a:p>
-        </p:txBody>
-      </p:sp>
-      <p:grpSp>
-        <p:nvGrpSpPr>
-          <p:cNvPr id="19" name="Group 18">
-            <a:extLst>
-              <a:ext uri="{FF2B5EF4-FFF2-40B4-BE49-F238E27FC236}">
-                <a16:creationId xmlns:a16="http://schemas.microsoft.com/office/drawing/2014/main" id="{CACD23BD-35D4-F5FA-965D-179EEBF8355F}"/>
-              </a:ext>
-            </a:extLst>
-          </p:cNvPr>
-          <p:cNvGrpSpPr/>
-          <p:nvPr/>
-        </p:nvGrpSpPr>
-        <p:grpSpPr>
-          <a:xfrm>
-            <a:off x="8226629" y="1484651"/>
-            <a:ext cx="1969609" cy="789704"/>
-            <a:chOff x="8972091" y="3120769"/>
-            <a:chExt cx="1969609" cy="789704"/>
-          </a:xfrm>
-        </p:grpSpPr>
         <p:sp>
           <p:nvSpPr>
-            <p:cNvPr id="10" name="矩形 9">
+            <p:cNvPr id="21" name="矩形 4">
               <a:extLst>
                 <a:ext uri="{FF2B5EF4-FFF2-40B4-BE49-F238E27FC236}">
-                  <a16:creationId xmlns:a16="http://schemas.microsoft.com/office/drawing/2014/main" id="{71B50ED6-58B5-524F-81D9-6C86F8294A34}"/>
+                  <a16:creationId xmlns:a16="http://schemas.microsoft.com/office/drawing/2014/main" id="{C23D7206-DC6D-C461-94A3-2B17750C172F}"/>
                 </a:ext>
               </a:extLst>
             </p:cNvPr>
@@ -3462,14 +3271,14 @@
           </p:nvSpPr>
           <p:spPr>
             <a:xfrm>
-              <a:off x="8972092" y="3120769"/>
-              <a:ext cx="1969608" cy="394852"/>
+              <a:off x="5765493" y="2526308"/>
+              <a:ext cx="1865172" cy="394852"/>
             </a:xfrm>
             <a:prstGeom prst="rect">
               <a:avLst/>
             </a:prstGeom>
             <a:solidFill>
-              <a:schemeClr val="accent4">
+              <a:schemeClr val="accent5">
                 <a:lumMod val="60000"/>
                 <a:lumOff val="40000"/>
               </a:schemeClr>
@@ -3507,7 +3316,7 @@
                     <a:sysClr val="windowText" lastClr="000000"/>
                   </a:solidFill>
                 </a:rPr>
-                <a:t>medium</a:t>
+                <a:t>other</a:t>
               </a:r>
               <a:r>
                 <a:rPr kumimoji="1" lang="zh-CN" altLang="en-US" sz="1200" dirty="0">
@@ -3539,7 +3348,7 @@
                     <a:sysClr val="windowText" lastClr="000000"/>
                   </a:solidFill>
                 </a:rPr>
-                <a:t>Medium</a:t>
+                <a:t>Account</a:t>
               </a:r>
               <a:endParaRPr kumimoji="1" lang="zh-CN" altLang="en-US" sz="1200" dirty="0">
                 <a:solidFill>
@@ -3549,12 +3358,59 @@
             </a:p>
           </p:txBody>
         </p:sp>
+        <p:cxnSp>
+          <p:nvCxnSpPr>
+            <p:cNvPr id="25" name="直线箭头连接符 5" descr="jytjh">
+              <a:extLst>
+                <a:ext uri="{FF2B5EF4-FFF2-40B4-BE49-F238E27FC236}">
+                  <a16:creationId xmlns:a16="http://schemas.microsoft.com/office/drawing/2014/main" id="{FAAC16AD-07E6-FE6E-79E5-1E1D9822E447}"/>
+                </a:ext>
+              </a:extLst>
+            </p:cNvPr>
+            <p:cNvCxnSpPr>
+              <a:cxnSpLocks/>
+              <a:stCxn id="11" idx="3"/>
+              <a:endCxn id="21" idx="1"/>
+            </p:cNvCxnSpPr>
+            <p:nvPr/>
+          </p:nvCxnSpPr>
+          <p:spPr>
+            <a:xfrm flipV="1">
+              <a:off x="3468866" y="2723734"/>
+              <a:ext cx="2296627" cy="184056"/>
+            </a:xfrm>
+            <a:prstGeom prst="straightConnector1">
+              <a:avLst/>
+            </a:prstGeom>
+            <a:ln w="25400">
+              <a:solidFill>
+                <a:schemeClr val="tx1"/>
+              </a:solidFill>
+              <a:headEnd type="none" w="sm" len="lg"/>
+              <a:tailEnd type="arrow" w="sm" len="lg"/>
+            </a:ln>
+          </p:spPr>
+          <p:style>
+            <a:lnRef idx="1">
+              <a:schemeClr val="accent1"/>
+            </a:lnRef>
+            <a:fillRef idx="0">
+              <a:schemeClr val="accent1"/>
+            </a:fillRef>
+            <a:effectRef idx="0">
+              <a:schemeClr val="accent1"/>
+            </a:effectRef>
+            <a:fontRef idx="minor">
+              <a:schemeClr val="tx1"/>
+            </a:fontRef>
+          </p:style>
+        </p:cxnSp>
         <p:sp>
           <p:nvSpPr>
-            <p:cNvPr id="14" name="矩形 13">
+            <p:cNvPr id="29" name="矩形 4">
               <a:extLst>
                 <a:ext uri="{FF2B5EF4-FFF2-40B4-BE49-F238E27FC236}">
-                  <a16:creationId xmlns:a16="http://schemas.microsoft.com/office/drawing/2014/main" id="{987DB192-2089-434A-9AF8-7E48F63B7A53}"/>
+                  <a16:creationId xmlns:a16="http://schemas.microsoft.com/office/drawing/2014/main" id="{180FA1C2-C28D-24A0-2715-94860A81388F}"/>
                 </a:ext>
               </a:extLst>
             </p:cNvPr>
@@ -3563,252 +3419,14 @@
           </p:nvSpPr>
           <p:spPr>
             <a:xfrm>
-              <a:off x="8972091" y="3515621"/>
-              <a:ext cx="1969608" cy="394852"/>
-            </a:xfrm>
-            <a:prstGeom prst="rect">
-              <a:avLst/>
-            </a:prstGeom>
-            <a:noFill/>
-            <a:ln w="25400">
-              <a:solidFill>
-                <a:schemeClr val="tx1"/>
-              </a:solidFill>
-            </a:ln>
-          </p:spPr>
-          <p:style>
-            <a:lnRef idx="2">
-              <a:schemeClr val="accent2">
-                <a:shade val="50000"/>
-              </a:schemeClr>
-            </a:lnRef>
-            <a:fillRef idx="1">
-              <a:schemeClr val="accent2"/>
-            </a:fillRef>
-            <a:effectRef idx="0">
-              <a:schemeClr val="accent2"/>
-            </a:effectRef>
-            <a:fontRef idx="minor">
-              <a:schemeClr val="lt1"/>
-            </a:fontRef>
-          </p:style>
-          <p:txBody>
-            <a:bodyPr rtlCol="0" anchor="ctr"/>
-            <a:lstStyle/>
-            <a:p>
-              <a:pPr algn="ctr"/>
-              <a:r>
-                <a:rPr kumimoji="1" lang="en-US" altLang="zh-CN" sz="1200" b="1" dirty="0" err="1">
-                  <a:solidFill>
-                    <a:sysClr val="windowText" lastClr="000000"/>
-                  </a:solidFill>
-                </a:rPr>
-                <a:t>medium</a:t>
-              </a:r>
-              <a:r>
-                <a:rPr kumimoji="1" lang="en-US" altLang="zh-CN" sz="1200" dirty="0" err="1">
-                  <a:solidFill>
-                    <a:sysClr val="windowText" lastClr="000000"/>
-                  </a:solidFill>
-                  <a:latin typeface="DengXian" panose="02010600030101010101" pitchFamily="2" charset="-122"/>
-                  <a:ea typeface="DengXian" panose="02010600030101010101" pitchFamily="2" charset="-122"/>
-                </a:rPr>
-                <a:t>.isBlocked</a:t>
-              </a:r>
-              <a:r>
-                <a:rPr kumimoji="1" lang="zh-CN" altLang="en-US" sz="1200" dirty="0">
-                  <a:solidFill>
-                    <a:sysClr val="windowText" lastClr="000000"/>
-                  </a:solidFill>
-                  <a:latin typeface="DengXian" panose="02010600030101010101" pitchFamily="2" charset="-122"/>
-                  <a:ea typeface="DengXian" panose="02010600030101010101" pitchFamily="2" charset="-122"/>
-                </a:rPr>
-                <a:t> </a:t>
-              </a:r>
-              <a:r>
-                <a:rPr kumimoji="1" lang="en-US" altLang="zh-CN" sz="1200" dirty="0">
-                  <a:solidFill>
-                    <a:sysClr val="windowText" lastClr="000000"/>
-                  </a:solidFill>
-                  <a:latin typeface="DengXian" panose="02010600030101010101" pitchFamily="2" charset="-122"/>
-                  <a:ea typeface="DengXian" panose="02010600030101010101" pitchFamily="2" charset="-122"/>
-                </a:rPr>
-                <a:t>=</a:t>
-              </a:r>
-              <a:r>
-                <a:rPr kumimoji="1" lang="zh-CN" altLang="en-US" sz="1200" dirty="0">
-                  <a:solidFill>
-                    <a:sysClr val="windowText" lastClr="000000"/>
-                  </a:solidFill>
-                  <a:latin typeface="DengXian" panose="02010600030101010101" pitchFamily="2" charset="-122"/>
-                  <a:ea typeface="DengXian" panose="02010600030101010101" pitchFamily="2" charset="-122"/>
-                </a:rPr>
-                <a:t> </a:t>
-              </a:r>
-              <a:r>
-                <a:rPr kumimoji="1" lang="en-US" altLang="zh-CN" sz="1200" dirty="0">
-                  <a:solidFill>
-                    <a:sysClr val="windowText" lastClr="000000"/>
-                  </a:solidFill>
-                  <a:latin typeface="DengXian" panose="02010600030101010101" pitchFamily="2" charset="-122"/>
-                  <a:ea typeface="DengXian" panose="02010600030101010101" pitchFamily="2" charset="-122"/>
-                </a:rPr>
-                <a:t>True</a:t>
-              </a:r>
-              <a:endParaRPr kumimoji="1" lang="zh-CN" altLang="en-US" sz="1200" dirty="0">
-                <a:solidFill>
-                  <a:sysClr val="windowText" lastClr="000000"/>
-                </a:solidFill>
-                <a:latin typeface="DengXian" panose="02010600030101010101" pitchFamily="2" charset="-122"/>
-                <a:ea typeface="DengXian" panose="02010600030101010101" pitchFamily="2" charset="-122"/>
-              </a:endParaRPr>
-            </a:p>
-          </p:txBody>
-        </p:sp>
-      </p:grpSp>
-      <p:sp>
-        <p:nvSpPr>
-          <p:cNvPr id="21" name="矩形 4">
-            <a:extLst>
-              <a:ext uri="{FF2B5EF4-FFF2-40B4-BE49-F238E27FC236}">
-                <a16:creationId xmlns:a16="http://schemas.microsoft.com/office/drawing/2014/main" id="{C23D7206-DC6D-C461-94A3-2B17750C172F}"/>
-              </a:ext>
-            </a:extLst>
-          </p:cNvPr>
-          <p:cNvSpPr/>
-          <p:nvPr/>
-        </p:nvSpPr>
-        <p:spPr>
-          <a:xfrm>
-            <a:off x="4823661" y="2710364"/>
-            <a:ext cx="1865172" cy="394852"/>
-          </a:xfrm>
-          <a:prstGeom prst="rect">
-            <a:avLst/>
-          </a:prstGeom>
-          <a:solidFill>
-            <a:schemeClr val="accent5">
-              <a:lumMod val="60000"/>
-              <a:lumOff val="40000"/>
-            </a:schemeClr>
-          </a:solidFill>
-          <a:ln w="25400">
-            <a:solidFill>
-              <a:schemeClr val="tx1"/>
-            </a:solidFill>
-          </a:ln>
-        </p:spPr>
-        <p:style>
-          <a:lnRef idx="2">
-            <a:schemeClr val="accent2">
-              <a:shade val="50000"/>
-            </a:schemeClr>
-          </a:lnRef>
-          <a:fillRef idx="1">
-            <a:schemeClr val="accent2"/>
-          </a:fillRef>
-          <a:effectRef idx="0">
-            <a:schemeClr val="accent2"/>
-          </a:effectRef>
-          <a:fontRef idx="minor">
-            <a:schemeClr val="lt1"/>
-          </a:fontRef>
-        </p:style>
-        <p:txBody>
-          <a:bodyPr rtlCol="0" anchor="ctr"/>
-          <a:lstStyle/>
-          <a:p>
-            <a:pPr algn="ctr"/>
-            <a:r>
-              <a:rPr kumimoji="1" lang="en-US" altLang="zh-CN" sz="1200" b="1" dirty="0">
-                <a:solidFill>
-                  <a:sysClr val="windowText" lastClr="000000"/>
-                </a:solidFill>
-              </a:rPr>
-              <a:t>other</a:t>
-            </a:r>
-            <a:r>
-              <a:rPr kumimoji="1" lang="zh-CN" altLang="en-US" sz="1200" dirty="0">
-                <a:solidFill>
-                  <a:sysClr val="windowText" lastClr="000000"/>
-                </a:solidFill>
-              </a:rPr>
-              <a:t> </a:t>
-            </a:r>
-            <a:r>
-              <a:rPr kumimoji="1" lang="en-US" altLang="zh-CN" sz="1200" dirty="0">
-                <a:solidFill>
-                  <a:sysClr val="windowText" lastClr="000000"/>
-                </a:solidFill>
-              </a:rPr>
-              <a:t>:</a:t>
-            </a:r>
-            <a:r>
-              <a:rPr kumimoji="1" lang="zh-CN" altLang="en-US" sz="1200" dirty="0">
-                <a:solidFill>
-                  <a:sysClr val="windowText" lastClr="000000"/>
-                </a:solidFill>
-              </a:rPr>
-              <a:t> </a:t>
-            </a:r>
-            <a:r>
-              <a:rPr kumimoji="1" lang="en-US" altLang="zh-CN" sz="1200" dirty="0">
-                <a:solidFill>
-                  <a:sysClr val="windowText" lastClr="000000"/>
-                </a:solidFill>
-              </a:rPr>
-              <a:t>Account</a:t>
-            </a:r>
-            <a:endParaRPr kumimoji="1" lang="zh-CN" altLang="en-US" sz="1200" dirty="0">
-              <a:solidFill>
-                <a:sysClr val="windowText" lastClr="000000"/>
-              </a:solidFill>
-            </a:endParaRPr>
-          </a:p>
-        </p:txBody>
-      </p:sp>
-      <p:grpSp>
-        <p:nvGrpSpPr>
-          <p:cNvPr id="22" name="Group 21">
-            <a:extLst>
-              <a:ext uri="{FF2B5EF4-FFF2-40B4-BE49-F238E27FC236}">
-                <a16:creationId xmlns:a16="http://schemas.microsoft.com/office/drawing/2014/main" id="{CEFC8031-B244-3217-0AB1-7D0E41B3F8B0}"/>
-              </a:ext>
-            </a:extLst>
-          </p:cNvPr>
-          <p:cNvGrpSpPr/>
-          <p:nvPr/>
-        </p:nvGrpSpPr>
-        <p:grpSpPr>
-          <a:xfrm>
-            <a:off x="8226629" y="2710364"/>
-            <a:ext cx="1969609" cy="789704"/>
-            <a:chOff x="8972091" y="3120769"/>
-            <a:chExt cx="1969609" cy="789704"/>
-          </a:xfrm>
-        </p:grpSpPr>
-        <p:sp>
-          <p:nvSpPr>
-            <p:cNvPr id="23" name="矩形 9">
-              <a:extLst>
-                <a:ext uri="{FF2B5EF4-FFF2-40B4-BE49-F238E27FC236}">
-                  <a16:creationId xmlns:a16="http://schemas.microsoft.com/office/drawing/2014/main" id="{06AE1470-806A-E97F-7F5D-EC4B097AFD95}"/>
-                </a:ext>
-              </a:extLst>
-            </p:cNvPr>
-            <p:cNvSpPr/>
-            <p:nvPr/>
-          </p:nvSpPr>
-          <p:spPr>
-            <a:xfrm>
-              <a:off x="8972092" y="3120769"/>
-              <a:ext cx="1969608" cy="394852"/>
+              <a:off x="5765493" y="4614880"/>
+              <a:ext cx="1865172" cy="394852"/>
             </a:xfrm>
             <a:prstGeom prst="rect">
               <a:avLst/>
             </a:prstGeom>
             <a:solidFill>
-              <a:schemeClr val="accent4">
+              <a:schemeClr val="accent5">
                 <a:lumMod val="60000"/>
                 <a:lumOff val="40000"/>
               </a:schemeClr>
@@ -3846,7 +3464,7 @@
                     <a:sysClr val="windowText" lastClr="000000"/>
                   </a:solidFill>
                 </a:rPr>
-                <a:t>medium</a:t>
+                <a:t>other</a:t>
               </a:r>
               <a:r>
                 <a:rPr kumimoji="1" lang="zh-CN" altLang="en-US" sz="1200" dirty="0">
@@ -3878,7 +3496,7 @@
                     <a:sysClr val="windowText" lastClr="000000"/>
                   </a:solidFill>
                 </a:rPr>
-                <a:t>Medium</a:t>
+                <a:t>Account</a:t>
               </a:r>
               <a:endParaRPr kumimoji="1" lang="zh-CN" altLang="en-US" sz="1200" dirty="0">
                 <a:solidFill>
@@ -3888,116 +3506,1251 @@
             </a:p>
           </p:txBody>
         </p:sp>
-        <p:sp>
-          <p:nvSpPr>
-            <p:cNvPr id="24" name="矩形 13">
+        <p:cxnSp>
+          <p:nvCxnSpPr>
+            <p:cNvPr id="35" name="直线箭头连接符 5" descr="jytjh">
               <a:extLst>
                 <a:ext uri="{FF2B5EF4-FFF2-40B4-BE49-F238E27FC236}">
-                  <a16:creationId xmlns:a16="http://schemas.microsoft.com/office/drawing/2014/main" id="{BD524A92-E22B-D3D3-3DAD-B740943BDE87}"/>
+                  <a16:creationId xmlns:a16="http://schemas.microsoft.com/office/drawing/2014/main" id="{0046535A-CF85-4953-1290-6E9A255DBF61}"/>
                 </a:ext>
               </a:extLst>
             </p:cNvPr>
-            <p:cNvSpPr/>
+            <p:cNvCxnSpPr>
+              <a:cxnSpLocks/>
+              <a:stCxn id="11" idx="3"/>
+              <a:endCxn id="29" idx="1"/>
+            </p:cNvCxnSpPr>
+            <p:nvPr/>
+          </p:nvCxnSpPr>
+          <p:spPr>
+            <a:xfrm>
+              <a:off x="3468866" y="2907790"/>
+              <a:ext cx="2296627" cy="1904516"/>
+            </a:xfrm>
+            <a:prstGeom prst="straightConnector1">
+              <a:avLst/>
+            </a:prstGeom>
+            <a:ln w="25400">
+              <a:solidFill>
+                <a:schemeClr val="tx1"/>
+              </a:solidFill>
+              <a:headEnd type="none" w="sm" len="lg"/>
+              <a:tailEnd type="arrow" w="sm" len="lg"/>
+            </a:ln>
+          </p:spPr>
+          <p:style>
+            <a:lnRef idx="1">
+              <a:schemeClr val="accent1"/>
+            </a:lnRef>
+            <a:fillRef idx="0">
+              <a:schemeClr val="accent1"/>
+            </a:fillRef>
+            <a:effectRef idx="0">
+              <a:schemeClr val="accent1"/>
+            </a:effectRef>
+            <a:fontRef idx="minor">
+              <a:schemeClr val="tx1"/>
+            </a:fontRef>
+          </p:style>
+        </p:cxnSp>
+        <p:sp>
+          <p:nvSpPr>
+            <p:cNvPr id="38" name="文本框 12">
+              <a:extLst>
+                <a:ext uri="{FF2B5EF4-FFF2-40B4-BE49-F238E27FC236}">
+                  <a16:creationId xmlns:a16="http://schemas.microsoft.com/office/drawing/2014/main" id="{13CFC30A-9B14-12FA-532F-D51FC71E4CED}"/>
+                </a:ext>
+              </a:extLst>
+            </p:cNvPr>
+            <p:cNvSpPr txBox="1"/>
             <p:nvPr/>
           </p:nvSpPr>
           <p:spPr>
             <a:xfrm>
-              <a:off x="8972091" y="3515621"/>
-              <a:ext cx="1969608" cy="394852"/>
+              <a:off x="5765492" y="3567965"/>
+              <a:ext cx="1865173" cy="400110"/>
             </a:xfrm>
             <a:prstGeom prst="rect">
               <a:avLst/>
             </a:prstGeom>
             <a:noFill/>
+          </p:spPr>
+          <p:txBody>
+            <a:bodyPr wrap="square" rtlCol="0">
+              <a:spAutoFit/>
+            </a:bodyPr>
+            <a:lstStyle/>
+            <a:p>
+              <a:pPr algn="ctr"/>
+              <a:r>
+                <a:rPr kumimoji="1" lang="en-US" altLang="zh-CN" sz="2000" b="1" dirty="0">
+                  <a:latin typeface="DengXian" panose="02010600030101010101" pitchFamily="2" charset="-122"/>
+                  <a:ea typeface="DengXian" panose="02010600030101010101" pitchFamily="2" charset="-122"/>
+                </a:rPr>
+                <a:t>…</a:t>
+              </a:r>
+              <a:endParaRPr kumimoji="1" lang="en-US" altLang="zh-CN" sz="2000" dirty="0">
+                <a:latin typeface="DengXian" panose="02010600030101010101" pitchFamily="2" charset="-122"/>
+                <a:ea typeface="DengXian" panose="02010600030101010101" pitchFamily="2" charset="-122"/>
+              </a:endParaRPr>
+            </a:p>
+          </p:txBody>
+        </p:sp>
+        <p:cxnSp>
+          <p:nvCxnSpPr>
+            <p:cNvPr id="39" name="直线箭头连接符 5" descr="jytjh">
+              <a:extLst>
+                <a:ext uri="{FF2B5EF4-FFF2-40B4-BE49-F238E27FC236}">
+                  <a16:creationId xmlns:a16="http://schemas.microsoft.com/office/drawing/2014/main" id="{BB609E75-A6DA-77F3-4924-5B376B88C063}"/>
+                </a:ext>
+              </a:extLst>
+            </p:cNvPr>
+            <p:cNvCxnSpPr>
+              <a:cxnSpLocks/>
+              <a:stCxn id="11" idx="3"/>
+              <a:endCxn id="38" idx="1"/>
+            </p:cNvCxnSpPr>
+            <p:nvPr/>
+          </p:nvCxnSpPr>
+          <p:spPr>
+            <a:xfrm>
+              <a:off x="3468866" y="2907790"/>
+              <a:ext cx="2296626" cy="860230"/>
+            </a:xfrm>
+            <a:prstGeom prst="straightConnector1">
+              <a:avLst/>
+            </a:prstGeom>
             <a:ln w="25400">
               <a:solidFill>
                 <a:schemeClr val="tx1"/>
               </a:solidFill>
+              <a:headEnd type="none" w="sm" len="lg"/>
+              <a:tailEnd type="arrow" w="sm" len="lg"/>
             </a:ln>
           </p:spPr>
           <p:style>
-            <a:lnRef idx="2">
-              <a:schemeClr val="accent2">
-                <a:shade val="50000"/>
-              </a:schemeClr>
+            <a:lnRef idx="1">
+              <a:schemeClr val="accent1"/>
             </a:lnRef>
-            <a:fillRef idx="1">
-              <a:schemeClr val="accent2"/>
+            <a:fillRef idx="0">
+              <a:schemeClr val="accent1"/>
             </a:fillRef>
             <a:effectRef idx="0">
-              <a:schemeClr val="accent2"/>
+              <a:schemeClr val="accent1"/>
             </a:effectRef>
             <a:fontRef idx="minor">
-              <a:schemeClr val="lt1"/>
+              <a:schemeClr val="tx1"/>
             </a:fontRef>
           </p:style>
+        </p:cxnSp>
+        <p:grpSp>
+          <p:nvGrpSpPr>
+            <p:cNvPr id="3" name="Group 2">
+              <a:extLst>
+                <a:ext uri="{FF2B5EF4-FFF2-40B4-BE49-F238E27FC236}">
+                  <a16:creationId xmlns:a16="http://schemas.microsoft.com/office/drawing/2014/main" id="{319FBE0C-DED4-FE40-2A1A-B7D26CC9D9DA}"/>
+                </a:ext>
+              </a:extLst>
+            </p:cNvPr>
+            <p:cNvGrpSpPr/>
+            <p:nvPr/>
+          </p:nvGrpSpPr>
+          <p:grpSpPr>
+            <a:xfrm>
+              <a:off x="1814507" y="2710364"/>
+              <a:ext cx="1654359" cy="789704"/>
+              <a:chOff x="987328" y="2902427"/>
+              <a:chExt cx="1654359" cy="789704"/>
+            </a:xfrm>
+          </p:grpSpPr>
+          <p:sp>
+            <p:nvSpPr>
+              <p:cNvPr id="11" name="矩形 10">
+                <a:extLst>
+                  <a:ext uri="{FF2B5EF4-FFF2-40B4-BE49-F238E27FC236}">
+                    <a16:creationId xmlns:a16="http://schemas.microsoft.com/office/drawing/2014/main" id="{6E897511-B61B-2B48-8F2E-6BEB89BF6B59}"/>
+                  </a:ext>
+                </a:extLst>
+              </p:cNvPr>
+              <p:cNvSpPr/>
+              <p:nvPr/>
+            </p:nvSpPr>
+            <p:spPr>
+              <a:xfrm>
+                <a:off x="987328" y="2902427"/>
+                <a:ext cx="1654359" cy="394852"/>
+              </a:xfrm>
+              <a:prstGeom prst="rect">
+                <a:avLst/>
+              </a:prstGeom>
+              <a:solidFill>
+                <a:schemeClr val="accent5">
+                  <a:lumMod val="60000"/>
+                  <a:lumOff val="40000"/>
+                </a:schemeClr>
+              </a:solidFill>
+              <a:ln w="25400">
+                <a:solidFill>
+                  <a:schemeClr val="tx1"/>
+                </a:solidFill>
+              </a:ln>
+            </p:spPr>
+            <p:style>
+              <a:lnRef idx="2">
+                <a:schemeClr val="accent2">
+                  <a:shade val="50000"/>
+                </a:schemeClr>
+              </a:lnRef>
+              <a:fillRef idx="1">
+                <a:schemeClr val="accent2"/>
+              </a:fillRef>
+              <a:effectRef idx="0">
+                <a:schemeClr val="accent2"/>
+              </a:effectRef>
+              <a:fontRef idx="minor">
+                <a:schemeClr val="lt1"/>
+              </a:fontRef>
+            </p:style>
+            <p:txBody>
+              <a:bodyPr rtlCol="0" anchor="ctr"/>
+              <a:lstStyle/>
+              <a:p>
+                <a:pPr algn="ctr"/>
+                <a:r>
+                  <a:rPr kumimoji="1" lang="en-US" altLang="zh-CN" sz="1200" b="1" dirty="0">
+                    <a:solidFill>
+                      <a:sysClr val="windowText" lastClr="000000"/>
+                    </a:solidFill>
+                  </a:rPr>
+                  <a:t>account</a:t>
+                </a:r>
+                <a:r>
+                  <a:rPr kumimoji="1" lang="zh-CN" altLang="en-US" sz="1200" dirty="0">
+                    <a:solidFill>
+                      <a:sysClr val="windowText" lastClr="000000"/>
+                    </a:solidFill>
+                  </a:rPr>
+                  <a:t> </a:t>
+                </a:r>
+                <a:r>
+                  <a:rPr kumimoji="1" lang="en-US" altLang="zh-CN" sz="1200" dirty="0">
+                    <a:solidFill>
+                      <a:sysClr val="windowText" lastClr="000000"/>
+                    </a:solidFill>
+                  </a:rPr>
+                  <a:t>:</a:t>
+                </a:r>
+                <a:r>
+                  <a:rPr kumimoji="1" lang="zh-CN" altLang="en-US" sz="1200" dirty="0">
+                    <a:solidFill>
+                      <a:sysClr val="windowText" lastClr="000000"/>
+                    </a:solidFill>
+                  </a:rPr>
+                  <a:t> </a:t>
+                </a:r>
+                <a:r>
+                  <a:rPr kumimoji="1" lang="en-US" altLang="zh-CN" sz="1200" dirty="0">
+                    <a:solidFill>
+                      <a:sysClr val="windowText" lastClr="000000"/>
+                    </a:solidFill>
+                  </a:rPr>
+                  <a:t>Account</a:t>
+                </a:r>
+                <a:endParaRPr kumimoji="1" lang="zh-CN" altLang="en-US" sz="1200" dirty="0">
+                  <a:solidFill>
+                    <a:sysClr val="windowText" lastClr="000000"/>
+                  </a:solidFill>
+                </a:endParaRPr>
+              </a:p>
+            </p:txBody>
+          </p:sp>
+          <p:sp>
+            <p:nvSpPr>
+              <p:cNvPr id="12" name="矩形 11">
+                <a:extLst>
+                  <a:ext uri="{FF2B5EF4-FFF2-40B4-BE49-F238E27FC236}">
+                    <a16:creationId xmlns:a16="http://schemas.microsoft.com/office/drawing/2014/main" id="{FCC77EE0-06A3-974B-995B-A18597BE8CA8}"/>
+                  </a:ext>
+                </a:extLst>
+              </p:cNvPr>
+              <p:cNvSpPr/>
+              <p:nvPr/>
+            </p:nvSpPr>
+            <p:spPr>
+              <a:xfrm>
+                <a:off x="987328" y="3297279"/>
+                <a:ext cx="1654359" cy="394852"/>
+              </a:xfrm>
+              <a:prstGeom prst="rect">
+                <a:avLst/>
+              </a:prstGeom>
+              <a:noFill/>
+              <a:ln w="25400">
+                <a:solidFill>
+                  <a:schemeClr val="tx1"/>
+                </a:solidFill>
+              </a:ln>
+            </p:spPr>
+            <p:style>
+              <a:lnRef idx="2">
+                <a:schemeClr val="accent2">
+                  <a:shade val="50000"/>
+                </a:schemeClr>
+              </a:lnRef>
+              <a:fillRef idx="1">
+                <a:schemeClr val="accent2"/>
+              </a:fillRef>
+              <a:effectRef idx="0">
+                <a:schemeClr val="accent2"/>
+              </a:effectRef>
+              <a:fontRef idx="minor">
+                <a:schemeClr val="lt1"/>
+              </a:fontRef>
+            </p:style>
+            <p:txBody>
+              <a:bodyPr rtlCol="0" anchor="ctr"/>
+              <a:lstStyle/>
+              <a:p>
+                <a:pPr algn="ctr"/>
+                <a:r>
+                  <a:rPr kumimoji="1" lang="en-US" altLang="zh-CN" sz="1200" b="1" dirty="0" err="1">
+                    <a:solidFill>
+                      <a:sysClr val="windowText" lastClr="000000"/>
+                    </a:solidFill>
+                    <a:latin typeface="DengXian" panose="02010600030101010101" pitchFamily="2" charset="-122"/>
+                    <a:ea typeface="DengXian" panose="02010600030101010101" pitchFamily="2" charset="-122"/>
+                  </a:rPr>
+                  <a:t>account</a:t>
+                </a:r>
+                <a:r>
+                  <a:rPr kumimoji="1" lang="en-US" altLang="zh-CN" sz="1200" dirty="0" err="1">
+                    <a:solidFill>
+                      <a:sysClr val="windowText" lastClr="000000"/>
+                    </a:solidFill>
+                    <a:latin typeface="DengXian" panose="02010600030101010101" pitchFamily="2" charset="-122"/>
+                    <a:ea typeface="DengXian" panose="02010600030101010101" pitchFamily="2" charset="-122"/>
+                  </a:rPr>
+                  <a:t>.id</a:t>
+                </a:r>
+                <a:r>
+                  <a:rPr kumimoji="1" lang="zh-CN" altLang="en-US" sz="1200" dirty="0">
+                    <a:solidFill>
+                      <a:sysClr val="windowText" lastClr="000000"/>
+                    </a:solidFill>
+                    <a:latin typeface="DengXian" panose="02010600030101010101" pitchFamily="2" charset="-122"/>
+                    <a:ea typeface="DengXian" panose="02010600030101010101" pitchFamily="2" charset="-122"/>
+                  </a:rPr>
+                  <a:t> </a:t>
+                </a:r>
+                <a:r>
+                  <a:rPr kumimoji="1" lang="en-US" altLang="zh-CN" sz="1200" dirty="0">
+                    <a:solidFill>
+                      <a:sysClr val="windowText" lastClr="000000"/>
+                    </a:solidFill>
+                    <a:latin typeface="DengXian" panose="02010600030101010101" pitchFamily="2" charset="-122"/>
+                    <a:ea typeface="DengXian" panose="02010600030101010101" pitchFamily="2" charset="-122"/>
+                  </a:rPr>
+                  <a:t>=</a:t>
+                </a:r>
+                <a:r>
+                  <a:rPr kumimoji="1" lang="zh-CN" altLang="en-US" sz="1200" dirty="0">
+                    <a:solidFill>
+                      <a:sysClr val="windowText" lastClr="000000"/>
+                    </a:solidFill>
+                    <a:latin typeface="DengXian" panose="02010600030101010101" pitchFamily="2" charset="-122"/>
+                    <a:ea typeface="DengXian" panose="02010600030101010101" pitchFamily="2" charset="-122"/>
+                  </a:rPr>
+                  <a:t> </a:t>
+                </a:r>
+                <a:r>
+                  <a:rPr kumimoji="1" lang="en-US" altLang="zh-CN" sz="1200" dirty="0">
+                    <a:solidFill>
+                      <a:sysClr val="windowText" lastClr="000000"/>
+                    </a:solidFill>
+                    <a:latin typeface="DengXian" panose="02010600030101010101" pitchFamily="2" charset="-122"/>
+                    <a:ea typeface="DengXian" panose="02010600030101010101" pitchFamily="2" charset="-122"/>
+                  </a:rPr>
+                  <a:t>${id}</a:t>
+                </a:r>
+                <a:endParaRPr kumimoji="1" lang="zh-CN" altLang="en-US" sz="1200" dirty="0">
+                  <a:solidFill>
+                    <a:sysClr val="windowText" lastClr="000000"/>
+                  </a:solidFill>
+                  <a:latin typeface="DengXian" panose="02010600030101010101" pitchFamily="2" charset="-122"/>
+                  <a:ea typeface="DengXian" panose="02010600030101010101" pitchFamily="2" charset="-122"/>
+                </a:endParaRPr>
+              </a:p>
+            </p:txBody>
+          </p:sp>
+        </p:grpSp>
+        <p:grpSp>
+          <p:nvGrpSpPr>
+            <p:cNvPr id="19" name="Group 18">
+              <a:extLst>
+                <a:ext uri="{FF2B5EF4-FFF2-40B4-BE49-F238E27FC236}">
+                  <a16:creationId xmlns:a16="http://schemas.microsoft.com/office/drawing/2014/main" id="{CACD23BD-35D4-F5FA-965D-179EEBF8355F}"/>
+                </a:ext>
+              </a:extLst>
+            </p:cNvPr>
+            <p:cNvGrpSpPr/>
+            <p:nvPr/>
+          </p:nvGrpSpPr>
+          <p:grpSpPr>
+            <a:xfrm>
+              <a:off x="8226629" y="1484651"/>
+              <a:ext cx="1969609" cy="789704"/>
+              <a:chOff x="8972091" y="3120769"/>
+              <a:chExt cx="1969609" cy="789704"/>
+            </a:xfrm>
+          </p:grpSpPr>
+          <p:sp>
+            <p:nvSpPr>
+              <p:cNvPr id="10" name="矩形 9">
+                <a:extLst>
+                  <a:ext uri="{FF2B5EF4-FFF2-40B4-BE49-F238E27FC236}">
+                    <a16:creationId xmlns:a16="http://schemas.microsoft.com/office/drawing/2014/main" id="{71B50ED6-58B5-524F-81D9-6C86F8294A34}"/>
+                  </a:ext>
+                </a:extLst>
+              </p:cNvPr>
+              <p:cNvSpPr/>
+              <p:nvPr/>
+            </p:nvSpPr>
+            <p:spPr>
+              <a:xfrm>
+                <a:off x="8972092" y="3120769"/>
+                <a:ext cx="1969608" cy="394852"/>
+              </a:xfrm>
+              <a:prstGeom prst="rect">
+                <a:avLst/>
+              </a:prstGeom>
+              <a:solidFill>
+                <a:schemeClr val="accent4">
+                  <a:lumMod val="60000"/>
+                  <a:lumOff val="40000"/>
+                </a:schemeClr>
+              </a:solidFill>
+              <a:ln w="25400">
+                <a:solidFill>
+                  <a:schemeClr val="tx1"/>
+                </a:solidFill>
+              </a:ln>
+            </p:spPr>
+            <p:style>
+              <a:lnRef idx="2">
+                <a:schemeClr val="accent2">
+                  <a:shade val="50000"/>
+                </a:schemeClr>
+              </a:lnRef>
+              <a:fillRef idx="1">
+                <a:schemeClr val="accent2"/>
+              </a:fillRef>
+              <a:effectRef idx="0">
+                <a:schemeClr val="accent2"/>
+              </a:effectRef>
+              <a:fontRef idx="minor">
+                <a:schemeClr val="lt1"/>
+              </a:fontRef>
+            </p:style>
+            <p:txBody>
+              <a:bodyPr rtlCol="0" anchor="ctr"/>
+              <a:lstStyle/>
+              <a:p>
+                <a:pPr algn="ctr"/>
+                <a:r>
+                  <a:rPr kumimoji="1" lang="en-US" altLang="zh-CN" sz="1200" b="1" dirty="0">
+                    <a:solidFill>
+                      <a:sysClr val="windowText" lastClr="000000"/>
+                    </a:solidFill>
+                  </a:rPr>
+                  <a:t>medium</a:t>
+                </a:r>
+                <a:r>
+                  <a:rPr kumimoji="1" lang="zh-CN" altLang="en-US" sz="1200" dirty="0">
+                    <a:solidFill>
+                      <a:sysClr val="windowText" lastClr="000000"/>
+                    </a:solidFill>
+                  </a:rPr>
+                  <a:t> </a:t>
+                </a:r>
+                <a:r>
+                  <a:rPr kumimoji="1" lang="en-US" altLang="zh-CN" sz="1200" dirty="0">
+                    <a:solidFill>
+                      <a:sysClr val="windowText" lastClr="000000"/>
+                    </a:solidFill>
+                  </a:rPr>
+                  <a:t>:</a:t>
+                </a:r>
+                <a:r>
+                  <a:rPr kumimoji="1" lang="zh-CN" altLang="en-US" sz="1200" dirty="0">
+                    <a:solidFill>
+                      <a:sysClr val="windowText" lastClr="000000"/>
+                    </a:solidFill>
+                  </a:rPr>
+                  <a:t> </a:t>
+                </a:r>
+                <a:r>
+                  <a:rPr kumimoji="1" lang="en-US" altLang="zh-CN" sz="1200" dirty="0">
+                    <a:solidFill>
+                      <a:sysClr val="windowText" lastClr="000000"/>
+                    </a:solidFill>
+                  </a:rPr>
+                  <a:t>Medium</a:t>
+                </a:r>
+                <a:endParaRPr kumimoji="1" lang="zh-CN" altLang="en-US" sz="1200" dirty="0">
+                  <a:solidFill>
+                    <a:sysClr val="windowText" lastClr="000000"/>
+                  </a:solidFill>
+                </a:endParaRPr>
+              </a:p>
+            </p:txBody>
+          </p:sp>
+          <p:sp>
+            <p:nvSpPr>
+              <p:cNvPr id="14" name="矩形 13">
+                <a:extLst>
+                  <a:ext uri="{FF2B5EF4-FFF2-40B4-BE49-F238E27FC236}">
+                    <a16:creationId xmlns:a16="http://schemas.microsoft.com/office/drawing/2014/main" id="{987DB192-2089-434A-9AF8-7E48F63B7A53}"/>
+                  </a:ext>
+                </a:extLst>
+              </p:cNvPr>
+              <p:cNvSpPr/>
+              <p:nvPr/>
+            </p:nvSpPr>
+            <p:spPr>
+              <a:xfrm>
+                <a:off x="8972091" y="3515621"/>
+                <a:ext cx="1969608" cy="394852"/>
+              </a:xfrm>
+              <a:prstGeom prst="rect">
+                <a:avLst/>
+              </a:prstGeom>
+              <a:noFill/>
+              <a:ln w="25400">
+                <a:solidFill>
+                  <a:schemeClr val="tx1"/>
+                </a:solidFill>
+              </a:ln>
+            </p:spPr>
+            <p:style>
+              <a:lnRef idx="2">
+                <a:schemeClr val="accent2">
+                  <a:shade val="50000"/>
+                </a:schemeClr>
+              </a:lnRef>
+              <a:fillRef idx="1">
+                <a:schemeClr val="accent2"/>
+              </a:fillRef>
+              <a:effectRef idx="0">
+                <a:schemeClr val="accent2"/>
+              </a:effectRef>
+              <a:fontRef idx="minor">
+                <a:schemeClr val="lt1"/>
+              </a:fontRef>
+            </p:style>
+            <p:txBody>
+              <a:bodyPr rtlCol="0" anchor="ctr"/>
+              <a:lstStyle/>
+              <a:p>
+                <a:pPr algn="ctr"/>
+                <a:r>
+                  <a:rPr kumimoji="1" lang="en-US" altLang="zh-CN" sz="1200" b="1" dirty="0" err="1">
+                    <a:solidFill>
+                      <a:sysClr val="windowText" lastClr="000000"/>
+                    </a:solidFill>
+                  </a:rPr>
+                  <a:t>medium</a:t>
+                </a:r>
+                <a:r>
+                  <a:rPr kumimoji="1" lang="en-US" altLang="zh-CN" sz="1200" dirty="0" err="1">
+                    <a:solidFill>
+                      <a:sysClr val="windowText" lastClr="000000"/>
+                    </a:solidFill>
+                    <a:latin typeface="DengXian" panose="02010600030101010101" pitchFamily="2" charset="-122"/>
+                    <a:ea typeface="DengXian" panose="02010600030101010101" pitchFamily="2" charset="-122"/>
+                  </a:rPr>
+                  <a:t>.isBlocked</a:t>
+                </a:r>
+                <a:r>
+                  <a:rPr kumimoji="1" lang="zh-CN" altLang="en-US" sz="1200" dirty="0">
+                    <a:solidFill>
+                      <a:sysClr val="windowText" lastClr="000000"/>
+                    </a:solidFill>
+                    <a:latin typeface="DengXian" panose="02010600030101010101" pitchFamily="2" charset="-122"/>
+                    <a:ea typeface="DengXian" panose="02010600030101010101" pitchFamily="2" charset="-122"/>
+                  </a:rPr>
+                  <a:t> </a:t>
+                </a:r>
+                <a:r>
+                  <a:rPr kumimoji="1" lang="en-US" altLang="zh-CN" sz="1200" dirty="0">
+                    <a:solidFill>
+                      <a:sysClr val="windowText" lastClr="000000"/>
+                    </a:solidFill>
+                    <a:latin typeface="DengXian" panose="02010600030101010101" pitchFamily="2" charset="-122"/>
+                    <a:ea typeface="DengXian" panose="02010600030101010101" pitchFamily="2" charset="-122"/>
+                  </a:rPr>
+                  <a:t>=</a:t>
+                </a:r>
+                <a:r>
+                  <a:rPr kumimoji="1" lang="zh-CN" altLang="en-US" sz="1200" dirty="0">
+                    <a:solidFill>
+                      <a:sysClr val="windowText" lastClr="000000"/>
+                    </a:solidFill>
+                    <a:latin typeface="DengXian" panose="02010600030101010101" pitchFamily="2" charset="-122"/>
+                    <a:ea typeface="DengXian" panose="02010600030101010101" pitchFamily="2" charset="-122"/>
+                  </a:rPr>
+                  <a:t> </a:t>
+                </a:r>
+                <a:r>
+                  <a:rPr kumimoji="1" lang="en-US" altLang="zh-CN" sz="1200" dirty="0">
+                    <a:solidFill>
+                      <a:sysClr val="windowText" lastClr="000000"/>
+                    </a:solidFill>
+                    <a:latin typeface="DengXian" panose="02010600030101010101" pitchFamily="2" charset="-122"/>
+                    <a:ea typeface="DengXian" panose="02010600030101010101" pitchFamily="2" charset="-122"/>
+                  </a:rPr>
+                  <a:t>True</a:t>
+                </a:r>
+                <a:endParaRPr kumimoji="1" lang="zh-CN" altLang="en-US" sz="1200" dirty="0">
+                  <a:solidFill>
+                    <a:sysClr val="windowText" lastClr="000000"/>
+                  </a:solidFill>
+                  <a:latin typeface="DengXian" panose="02010600030101010101" pitchFamily="2" charset="-122"/>
+                  <a:ea typeface="DengXian" panose="02010600030101010101" pitchFamily="2" charset="-122"/>
+                </a:endParaRPr>
+              </a:p>
+            </p:txBody>
+          </p:sp>
+        </p:grpSp>
+        <p:grpSp>
+          <p:nvGrpSpPr>
+            <p:cNvPr id="22" name="Group 21">
+              <a:extLst>
+                <a:ext uri="{FF2B5EF4-FFF2-40B4-BE49-F238E27FC236}">
+                  <a16:creationId xmlns:a16="http://schemas.microsoft.com/office/drawing/2014/main" id="{CEFC8031-B244-3217-0AB1-7D0E41B3F8B0}"/>
+                </a:ext>
+              </a:extLst>
+            </p:cNvPr>
+            <p:cNvGrpSpPr/>
+            <p:nvPr/>
+          </p:nvGrpSpPr>
+          <p:grpSpPr>
+            <a:xfrm>
+              <a:off x="8226629" y="2526308"/>
+              <a:ext cx="1969609" cy="789704"/>
+              <a:chOff x="8972091" y="3120769"/>
+              <a:chExt cx="1969609" cy="789704"/>
+            </a:xfrm>
+          </p:grpSpPr>
+          <p:sp>
+            <p:nvSpPr>
+              <p:cNvPr id="23" name="矩形 9">
+                <a:extLst>
+                  <a:ext uri="{FF2B5EF4-FFF2-40B4-BE49-F238E27FC236}">
+                    <a16:creationId xmlns:a16="http://schemas.microsoft.com/office/drawing/2014/main" id="{06AE1470-806A-E97F-7F5D-EC4B097AFD95}"/>
+                  </a:ext>
+                </a:extLst>
+              </p:cNvPr>
+              <p:cNvSpPr/>
+              <p:nvPr/>
+            </p:nvSpPr>
+            <p:spPr>
+              <a:xfrm>
+                <a:off x="8972092" y="3120769"/>
+                <a:ext cx="1969608" cy="394852"/>
+              </a:xfrm>
+              <a:prstGeom prst="rect">
+                <a:avLst/>
+              </a:prstGeom>
+              <a:solidFill>
+                <a:schemeClr val="accent4">
+                  <a:lumMod val="60000"/>
+                  <a:lumOff val="40000"/>
+                </a:schemeClr>
+              </a:solidFill>
+              <a:ln w="25400">
+                <a:solidFill>
+                  <a:schemeClr val="tx1"/>
+                </a:solidFill>
+              </a:ln>
+            </p:spPr>
+            <p:style>
+              <a:lnRef idx="2">
+                <a:schemeClr val="accent2">
+                  <a:shade val="50000"/>
+                </a:schemeClr>
+              </a:lnRef>
+              <a:fillRef idx="1">
+                <a:schemeClr val="accent2"/>
+              </a:fillRef>
+              <a:effectRef idx="0">
+                <a:schemeClr val="accent2"/>
+              </a:effectRef>
+              <a:fontRef idx="minor">
+                <a:schemeClr val="lt1"/>
+              </a:fontRef>
+            </p:style>
+            <p:txBody>
+              <a:bodyPr rtlCol="0" anchor="ctr"/>
+              <a:lstStyle/>
+              <a:p>
+                <a:pPr algn="ctr"/>
+                <a:r>
+                  <a:rPr kumimoji="1" lang="en-US" altLang="zh-CN" sz="1200" b="1" dirty="0">
+                    <a:solidFill>
+                      <a:sysClr val="windowText" lastClr="000000"/>
+                    </a:solidFill>
+                  </a:rPr>
+                  <a:t>medium</a:t>
+                </a:r>
+                <a:r>
+                  <a:rPr kumimoji="1" lang="zh-CN" altLang="en-US" sz="1200" dirty="0">
+                    <a:solidFill>
+                      <a:sysClr val="windowText" lastClr="000000"/>
+                    </a:solidFill>
+                  </a:rPr>
+                  <a:t> </a:t>
+                </a:r>
+                <a:r>
+                  <a:rPr kumimoji="1" lang="en-US" altLang="zh-CN" sz="1200" dirty="0">
+                    <a:solidFill>
+                      <a:sysClr val="windowText" lastClr="000000"/>
+                    </a:solidFill>
+                  </a:rPr>
+                  <a:t>:</a:t>
+                </a:r>
+                <a:r>
+                  <a:rPr kumimoji="1" lang="zh-CN" altLang="en-US" sz="1200" dirty="0">
+                    <a:solidFill>
+                      <a:sysClr val="windowText" lastClr="000000"/>
+                    </a:solidFill>
+                  </a:rPr>
+                  <a:t> </a:t>
+                </a:r>
+                <a:r>
+                  <a:rPr kumimoji="1" lang="en-US" altLang="zh-CN" sz="1200" dirty="0">
+                    <a:solidFill>
+                      <a:sysClr val="windowText" lastClr="000000"/>
+                    </a:solidFill>
+                  </a:rPr>
+                  <a:t>Medium</a:t>
+                </a:r>
+                <a:endParaRPr kumimoji="1" lang="zh-CN" altLang="en-US" sz="1200" dirty="0">
+                  <a:solidFill>
+                    <a:sysClr val="windowText" lastClr="000000"/>
+                  </a:solidFill>
+                </a:endParaRPr>
+              </a:p>
+            </p:txBody>
+          </p:sp>
+          <p:sp>
+            <p:nvSpPr>
+              <p:cNvPr id="24" name="矩形 13">
+                <a:extLst>
+                  <a:ext uri="{FF2B5EF4-FFF2-40B4-BE49-F238E27FC236}">
+                    <a16:creationId xmlns:a16="http://schemas.microsoft.com/office/drawing/2014/main" id="{BD524A92-E22B-D3D3-3DAD-B740943BDE87}"/>
+                  </a:ext>
+                </a:extLst>
+              </p:cNvPr>
+              <p:cNvSpPr/>
+              <p:nvPr/>
+            </p:nvSpPr>
+            <p:spPr>
+              <a:xfrm>
+                <a:off x="8972091" y="3515621"/>
+                <a:ext cx="1969608" cy="394852"/>
+              </a:xfrm>
+              <a:prstGeom prst="rect">
+                <a:avLst/>
+              </a:prstGeom>
+              <a:noFill/>
+              <a:ln w="25400">
+                <a:solidFill>
+                  <a:schemeClr val="tx1"/>
+                </a:solidFill>
+              </a:ln>
+            </p:spPr>
+            <p:style>
+              <a:lnRef idx="2">
+                <a:schemeClr val="accent2">
+                  <a:shade val="50000"/>
+                </a:schemeClr>
+              </a:lnRef>
+              <a:fillRef idx="1">
+                <a:schemeClr val="accent2"/>
+              </a:fillRef>
+              <a:effectRef idx="0">
+                <a:schemeClr val="accent2"/>
+              </a:effectRef>
+              <a:fontRef idx="minor">
+                <a:schemeClr val="lt1"/>
+              </a:fontRef>
+            </p:style>
+            <p:txBody>
+              <a:bodyPr rtlCol="0" anchor="ctr"/>
+              <a:lstStyle/>
+              <a:p>
+                <a:pPr algn="ctr"/>
+                <a:r>
+                  <a:rPr kumimoji="1" lang="en-US" altLang="zh-CN" sz="1200" b="1" dirty="0" err="1">
+                    <a:solidFill>
+                      <a:sysClr val="windowText" lastClr="000000"/>
+                    </a:solidFill>
+                  </a:rPr>
+                  <a:t>medium</a:t>
+                </a:r>
+                <a:r>
+                  <a:rPr kumimoji="1" lang="en-US" altLang="zh-CN" sz="1200" dirty="0" err="1">
+                    <a:solidFill>
+                      <a:sysClr val="windowText" lastClr="000000"/>
+                    </a:solidFill>
+                    <a:latin typeface="DengXian" panose="02010600030101010101" pitchFamily="2" charset="-122"/>
+                    <a:ea typeface="DengXian" panose="02010600030101010101" pitchFamily="2" charset="-122"/>
+                  </a:rPr>
+                  <a:t>.isBlocked</a:t>
+                </a:r>
+                <a:r>
+                  <a:rPr kumimoji="1" lang="zh-CN" altLang="en-US" sz="1200" dirty="0">
+                    <a:solidFill>
+                      <a:sysClr val="windowText" lastClr="000000"/>
+                    </a:solidFill>
+                    <a:latin typeface="DengXian" panose="02010600030101010101" pitchFamily="2" charset="-122"/>
+                    <a:ea typeface="DengXian" panose="02010600030101010101" pitchFamily="2" charset="-122"/>
+                  </a:rPr>
+                  <a:t> </a:t>
+                </a:r>
+                <a:r>
+                  <a:rPr kumimoji="1" lang="en-US" altLang="zh-CN" sz="1200" dirty="0">
+                    <a:solidFill>
+                      <a:sysClr val="windowText" lastClr="000000"/>
+                    </a:solidFill>
+                    <a:latin typeface="DengXian" panose="02010600030101010101" pitchFamily="2" charset="-122"/>
+                    <a:ea typeface="DengXian" panose="02010600030101010101" pitchFamily="2" charset="-122"/>
+                  </a:rPr>
+                  <a:t>=</a:t>
+                </a:r>
+                <a:r>
+                  <a:rPr kumimoji="1" lang="zh-CN" altLang="en-US" sz="1200" dirty="0">
+                    <a:solidFill>
+                      <a:sysClr val="windowText" lastClr="000000"/>
+                    </a:solidFill>
+                    <a:latin typeface="DengXian" panose="02010600030101010101" pitchFamily="2" charset="-122"/>
+                    <a:ea typeface="DengXian" panose="02010600030101010101" pitchFamily="2" charset="-122"/>
+                  </a:rPr>
+                  <a:t> </a:t>
+                </a:r>
+                <a:r>
+                  <a:rPr kumimoji="1" lang="en-US" altLang="zh-CN" sz="1200" dirty="0">
+                    <a:solidFill>
+                      <a:sysClr val="windowText" lastClr="000000"/>
+                    </a:solidFill>
+                    <a:latin typeface="DengXian" panose="02010600030101010101" pitchFamily="2" charset="-122"/>
+                    <a:ea typeface="DengXian" panose="02010600030101010101" pitchFamily="2" charset="-122"/>
+                  </a:rPr>
+                  <a:t>True</a:t>
+                </a:r>
+                <a:endParaRPr kumimoji="1" lang="zh-CN" altLang="en-US" sz="1200" dirty="0">
+                  <a:solidFill>
+                    <a:sysClr val="windowText" lastClr="000000"/>
+                  </a:solidFill>
+                  <a:latin typeface="DengXian" panose="02010600030101010101" pitchFamily="2" charset="-122"/>
+                  <a:ea typeface="DengXian" panose="02010600030101010101" pitchFamily="2" charset="-122"/>
+                </a:endParaRPr>
+              </a:p>
+            </p:txBody>
+          </p:sp>
+        </p:grpSp>
+        <p:grpSp>
+          <p:nvGrpSpPr>
+            <p:cNvPr id="42" name="Group 41">
+              <a:extLst>
+                <a:ext uri="{FF2B5EF4-FFF2-40B4-BE49-F238E27FC236}">
+                  <a16:creationId xmlns:a16="http://schemas.microsoft.com/office/drawing/2014/main" id="{4D4A34C9-1849-6728-D4DB-CE6206B25C1C}"/>
+                </a:ext>
+              </a:extLst>
+            </p:cNvPr>
+            <p:cNvGrpSpPr/>
+            <p:nvPr/>
+          </p:nvGrpSpPr>
+          <p:grpSpPr>
+            <a:xfrm>
+              <a:off x="8226629" y="4614880"/>
+              <a:ext cx="1969609" cy="789704"/>
+              <a:chOff x="8972091" y="3120769"/>
+              <a:chExt cx="1969609" cy="789704"/>
+            </a:xfrm>
+          </p:grpSpPr>
+          <p:sp>
+            <p:nvSpPr>
+              <p:cNvPr id="43" name="矩形 9">
+                <a:extLst>
+                  <a:ext uri="{FF2B5EF4-FFF2-40B4-BE49-F238E27FC236}">
+                    <a16:creationId xmlns:a16="http://schemas.microsoft.com/office/drawing/2014/main" id="{F7FDC6B7-A5EC-F8C6-C4CB-6EF83629F3B4}"/>
+                  </a:ext>
+                </a:extLst>
+              </p:cNvPr>
+              <p:cNvSpPr/>
+              <p:nvPr/>
+            </p:nvSpPr>
+            <p:spPr>
+              <a:xfrm>
+                <a:off x="8972092" y="3120769"/>
+                <a:ext cx="1969608" cy="394852"/>
+              </a:xfrm>
+              <a:prstGeom prst="rect">
+                <a:avLst/>
+              </a:prstGeom>
+              <a:solidFill>
+                <a:schemeClr val="accent4">
+                  <a:lumMod val="60000"/>
+                  <a:lumOff val="40000"/>
+                </a:schemeClr>
+              </a:solidFill>
+              <a:ln w="25400">
+                <a:solidFill>
+                  <a:schemeClr val="tx1"/>
+                </a:solidFill>
+              </a:ln>
+            </p:spPr>
+            <p:style>
+              <a:lnRef idx="2">
+                <a:schemeClr val="accent2">
+                  <a:shade val="50000"/>
+                </a:schemeClr>
+              </a:lnRef>
+              <a:fillRef idx="1">
+                <a:schemeClr val="accent2"/>
+              </a:fillRef>
+              <a:effectRef idx="0">
+                <a:schemeClr val="accent2"/>
+              </a:effectRef>
+              <a:fontRef idx="minor">
+                <a:schemeClr val="lt1"/>
+              </a:fontRef>
+            </p:style>
+            <p:txBody>
+              <a:bodyPr rtlCol="0" anchor="ctr"/>
+              <a:lstStyle/>
+              <a:p>
+                <a:pPr algn="ctr"/>
+                <a:r>
+                  <a:rPr kumimoji="1" lang="en-US" altLang="zh-CN" sz="1200" b="1" dirty="0">
+                    <a:solidFill>
+                      <a:sysClr val="windowText" lastClr="000000"/>
+                    </a:solidFill>
+                  </a:rPr>
+                  <a:t>medium</a:t>
+                </a:r>
+                <a:r>
+                  <a:rPr kumimoji="1" lang="zh-CN" altLang="en-US" sz="1200" dirty="0">
+                    <a:solidFill>
+                      <a:sysClr val="windowText" lastClr="000000"/>
+                    </a:solidFill>
+                  </a:rPr>
+                  <a:t> </a:t>
+                </a:r>
+                <a:r>
+                  <a:rPr kumimoji="1" lang="en-US" altLang="zh-CN" sz="1200" dirty="0">
+                    <a:solidFill>
+                      <a:sysClr val="windowText" lastClr="000000"/>
+                    </a:solidFill>
+                  </a:rPr>
+                  <a:t>:</a:t>
+                </a:r>
+                <a:r>
+                  <a:rPr kumimoji="1" lang="zh-CN" altLang="en-US" sz="1200" dirty="0">
+                    <a:solidFill>
+                      <a:sysClr val="windowText" lastClr="000000"/>
+                    </a:solidFill>
+                  </a:rPr>
+                  <a:t> </a:t>
+                </a:r>
+                <a:r>
+                  <a:rPr kumimoji="1" lang="en-US" altLang="zh-CN" sz="1200" dirty="0">
+                    <a:solidFill>
+                      <a:sysClr val="windowText" lastClr="000000"/>
+                    </a:solidFill>
+                  </a:rPr>
+                  <a:t>Medium</a:t>
+                </a:r>
+                <a:endParaRPr kumimoji="1" lang="zh-CN" altLang="en-US" sz="1200" dirty="0">
+                  <a:solidFill>
+                    <a:sysClr val="windowText" lastClr="000000"/>
+                  </a:solidFill>
+                </a:endParaRPr>
+              </a:p>
+            </p:txBody>
+          </p:sp>
+          <p:sp>
+            <p:nvSpPr>
+              <p:cNvPr id="44" name="矩形 13">
+                <a:extLst>
+                  <a:ext uri="{FF2B5EF4-FFF2-40B4-BE49-F238E27FC236}">
+                    <a16:creationId xmlns:a16="http://schemas.microsoft.com/office/drawing/2014/main" id="{8E1431ED-CBAE-173C-4E1C-C502B51A7ED9}"/>
+                  </a:ext>
+                </a:extLst>
+              </p:cNvPr>
+              <p:cNvSpPr/>
+              <p:nvPr/>
+            </p:nvSpPr>
+            <p:spPr>
+              <a:xfrm>
+                <a:off x="8972091" y="3515621"/>
+                <a:ext cx="1969608" cy="394852"/>
+              </a:xfrm>
+              <a:prstGeom prst="rect">
+                <a:avLst/>
+              </a:prstGeom>
+              <a:noFill/>
+              <a:ln w="25400">
+                <a:solidFill>
+                  <a:schemeClr val="tx1"/>
+                </a:solidFill>
+              </a:ln>
+            </p:spPr>
+            <p:style>
+              <a:lnRef idx="2">
+                <a:schemeClr val="accent2">
+                  <a:shade val="50000"/>
+                </a:schemeClr>
+              </a:lnRef>
+              <a:fillRef idx="1">
+                <a:schemeClr val="accent2"/>
+              </a:fillRef>
+              <a:effectRef idx="0">
+                <a:schemeClr val="accent2"/>
+              </a:effectRef>
+              <a:fontRef idx="minor">
+                <a:schemeClr val="lt1"/>
+              </a:fontRef>
+            </p:style>
+            <p:txBody>
+              <a:bodyPr rtlCol="0" anchor="ctr"/>
+              <a:lstStyle/>
+              <a:p>
+                <a:pPr algn="ctr"/>
+                <a:r>
+                  <a:rPr kumimoji="1" lang="en-US" altLang="zh-CN" sz="1200" b="1" dirty="0" err="1">
+                    <a:solidFill>
+                      <a:sysClr val="windowText" lastClr="000000"/>
+                    </a:solidFill>
+                  </a:rPr>
+                  <a:t>medium</a:t>
+                </a:r>
+                <a:r>
+                  <a:rPr kumimoji="1" lang="en-US" altLang="zh-CN" sz="1200" dirty="0" err="1">
+                    <a:solidFill>
+                      <a:sysClr val="windowText" lastClr="000000"/>
+                    </a:solidFill>
+                    <a:latin typeface="DengXian" panose="02010600030101010101" pitchFamily="2" charset="-122"/>
+                    <a:ea typeface="DengXian" panose="02010600030101010101" pitchFamily="2" charset="-122"/>
+                  </a:rPr>
+                  <a:t>.isBlocked</a:t>
+                </a:r>
+                <a:r>
+                  <a:rPr kumimoji="1" lang="zh-CN" altLang="en-US" sz="1200" dirty="0">
+                    <a:solidFill>
+                      <a:sysClr val="windowText" lastClr="000000"/>
+                    </a:solidFill>
+                    <a:latin typeface="DengXian" panose="02010600030101010101" pitchFamily="2" charset="-122"/>
+                    <a:ea typeface="DengXian" panose="02010600030101010101" pitchFamily="2" charset="-122"/>
+                  </a:rPr>
+                  <a:t> </a:t>
+                </a:r>
+                <a:r>
+                  <a:rPr kumimoji="1" lang="en-US" altLang="zh-CN" sz="1200" dirty="0">
+                    <a:solidFill>
+                      <a:sysClr val="windowText" lastClr="000000"/>
+                    </a:solidFill>
+                    <a:latin typeface="DengXian" panose="02010600030101010101" pitchFamily="2" charset="-122"/>
+                    <a:ea typeface="DengXian" panose="02010600030101010101" pitchFamily="2" charset="-122"/>
+                  </a:rPr>
+                  <a:t>=</a:t>
+                </a:r>
+                <a:r>
+                  <a:rPr kumimoji="1" lang="zh-CN" altLang="en-US" sz="1200" dirty="0">
+                    <a:solidFill>
+                      <a:sysClr val="windowText" lastClr="000000"/>
+                    </a:solidFill>
+                    <a:latin typeface="DengXian" panose="02010600030101010101" pitchFamily="2" charset="-122"/>
+                    <a:ea typeface="DengXian" panose="02010600030101010101" pitchFamily="2" charset="-122"/>
+                  </a:rPr>
+                  <a:t> </a:t>
+                </a:r>
+                <a:r>
+                  <a:rPr kumimoji="1" lang="en-US" altLang="zh-CN" sz="1200" dirty="0">
+                    <a:solidFill>
+                      <a:sysClr val="windowText" lastClr="000000"/>
+                    </a:solidFill>
+                    <a:latin typeface="DengXian" panose="02010600030101010101" pitchFamily="2" charset="-122"/>
+                    <a:ea typeface="DengXian" panose="02010600030101010101" pitchFamily="2" charset="-122"/>
+                  </a:rPr>
+                  <a:t>True</a:t>
+                </a:r>
+                <a:endParaRPr kumimoji="1" lang="zh-CN" altLang="en-US" sz="1200" dirty="0">
+                  <a:solidFill>
+                    <a:sysClr val="windowText" lastClr="000000"/>
+                  </a:solidFill>
+                  <a:latin typeface="DengXian" panose="02010600030101010101" pitchFamily="2" charset="-122"/>
+                  <a:ea typeface="DengXian" panose="02010600030101010101" pitchFamily="2" charset="-122"/>
+                </a:endParaRPr>
+              </a:p>
+            </p:txBody>
+          </p:sp>
+        </p:grpSp>
+        <p:cxnSp>
+          <p:nvCxnSpPr>
+            <p:cNvPr id="45" name="直线箭头连接符 7" descr="jytjh">
+              <a:extLst>
+                <a:ext uri="{FF2B5EF4-FFF2-40B4-BE49-F238E27FC236}">
+                  <a16:creationId xmlns:a16="http://schemas.microsoft.com/office/drawing/2014/main" id="{0812CFAB-1E70-9AEF-7AB1-47F4CB31903C}"/>
+                </a:ext>
+              </a:extLst>
+            </p:cNvPr>
+            <p:cNvCxnSpPr>
+              <a:cxnSpLocks/>
+              <a:stCxn id="23" idx="1"/>
+              <a:endCxn id="21" idx="3"/>
+            </p:cNvCxnSpPr>
+            <p:nvPr/>
+          </p:nvCxnSpPr>
+          <p:spPr>
+            <a:xfrm flipH="1">
+              <a:off x="7630665" y="2723734"/>
+              <a:ext cx="595965" cy="0"/>
+            </a:xfrm>
+            <a:prstGeom prst="straightConnector1">
+              <a:avLst/>
+            </a:prstGeom>
+            <a:ln w="25400">
+              <a:solidFill>
+                <a:schemeClr val="tx1"/>
+              </a:solidFill>
+              <a:headEnd type="none" w="lg" len="med"/>
+              <a:tailEnd type="arrow" w="sm" len="lg"/>
+            </a:ln>
+          </p:spPr>
+          <p:style>
+            <a:lnRef idx="1">
+              <a:schemeClr val="accent1"/>
+            </a:lnRef>
+            <a:fillRef idx="0">
+              <a:schemeClr val="accent1"/>
+            </a:fillRef>
+            <a:effectRef idx="0">
+              <a:schemeClr val="accent1"/>
+            </a:effectRef>
+            <a:fontRef idx="minor">
+              <a:schemeClr val="tx1"/>
+            </a:fontRef>
+          </p:style>
+        </p:cxnSp>
+        <p:cxnSp>
+          <p:nvCxnSpPr>
+            <p:cNvPr id="48" name="直线箭头连接符 7" descr="jytjh">
+              <a:extLst>
+                <a:ext uri="{FF2B5EF4-FFF2-40B4-BE49-F238E27FC236}">
+                  <a16:creationId xmlns:a16="http://schemas.microsoft.com/office/drawing/2014/main" id="{F5C5289D-450A-29C3-F786-AAFA3604C395}"/>
+                </a:ext>
+              </a:extLst>
+            </p:cNvPr>
+            <p:cNvCxnSpPr>
+              <a:cxnSpLocks/>
+              <a:stCxn id="43" idx="1"/>
+              <a:endCxn id="29" idx="3"/>
+            </p:cNvCxnSpPr>
+            <p:nvPr/>
+          </p:nvCxnSpPr>
+          <p:spPr>
+            <a:xfrm flipH="1">
+              <a:off x="7630665" y="4812306"/>
+              <a:ext cx="595965" cy="0"/>
+            </a:xfrm>
+            <a:prstGeom prst="straightConnector1">
+              <a:avLst/>
+            </a:prstGeom>
+            <a:ln w="25400">
+              <a:solidFill>
+                <a:schemeClr val="tx1"/>
+              </a:solidFill>
+              <a:headEnd type="none" w="lg" len="med"/>
+              <a:tailEnd type="arrow" w="sm" len="lg"/>
+            </a:ln>
+          </p:spPr>
+          <p:style>
+            <a:lnRef idx="1">
+              <a:schemeClr val="accent1"/>
+            </a:lnRef>
+            <a:fillRef idx="0">
+              <a:schemeClr val="accent1"/>
+            </a:fillRef>
+            <a:effectRef idx="0">
+              <a:schemeClr val="accent1"/>
+            </a:effectRef>
+            <a:fontRef idx="minor">
+              <a:schemeClr val="tx1"/>
+            </a:fontRef>
+          </p:style>
+        </p:cxnSp>
+        <p:sp>
+          <p:nvSpPr>
+            <p:cNvPr id="17" name="文本框 12">
+              <a:extLst>
+                <a:ext uri="{FF2B5EF4-FFF2-40B4-BE49-F238E27FC236}">
+                  <a16:creationId xmlns:a16="http://schemas.microsoft.com/office/drawing/2014/main" id="{8E8A6D44-C164-CA15-88E0-446B3E5AA319}"/>
+                </a:ext>
+              </a:extLst>
+            </p:cNvPr>
+            <p:cNvSpPr txBox="1"/>
+            <p:nvPr/>
+          </p:nvSpPr>
+          <p:spPr>
+            <a:xfrm>
+              <a:off x="4470572" y="2757742"/>
+              <a:ext cx="647504" cy="276999"/>
+            </a:xfrm>
+            <a:prstGeom prst="rect">
+              <a:avLst/>
+            </a:prstGeom>
+            <a:solidFill>
+              <a:schemeClr val="bg1"/>
+            </a:solidFill>
+          </p:spPr>
           <p:txBody>
-            <a:bodyPr rtlCol="0" anchor="ctr"/>
+            <a:bodyPr wrap="square" rtlCol="0">
+              <a:spAutoFit/>
+            </a:bodyPr>
             <a:lstStyle/>
             <a:p>
               <a:pPr algn="ctr"/>
               <a:r>
-                <a:rPr kumimoji="1" lang="en-US" altLang="zh-CN" sz="1200" b="1" dirty="0" err="1">
-                  <a:solidFill>
-                    <a:sysClr val="windowText" lastClr="000000"/>
-                  </a:solidFill>
-                </a:rPr>
-                <a:t>medium</a:t>
-              </a:r>
-              <a:r>
-                <a:rPr kumimoji="1" lang="en-US" altLang="zh-CN" sz="1200" dirty="0" err="1">
-                  <a:solidFill>
-                    <a:sysClr val="windowText" lastClr="000000"/>
-                  </a:solidFill>
-                  <a:latin typeface="DengXian" panose="02010600030101010101" pitchFamily="2" charset="-122"/>
-                  <a:ea typeface="DengXian" panose="02010600030101010101" pitchFamily="2" charset="-122"/>
-                </a:rPr>
-                <a:t>.isBlocked</a:t>
-              </a:r>
-              <a:r>
-                <a:rPr kumimoji="1" lang="zh-CN" altLang="en-US" sz="1200" dirty="0">
-                  <a:solidFill>
-                    <a:sysClr val="windowText" lastClr="000000"/>
-                  </a:solidFill>
-                  <a:latin typeface="DengXian" panose="02010600030101010101" pitchFamily="2" charset="-122"/>
-                  <a:ea typeface="DengXian" panose="02010600030101010101" pitchFamily="2" charset="-122"/>
-                </a:rPr>
-                <a:t> </a:t>
-              </a:r>
-              <a:r>
-                <a:rPr kumimoji="1" lang="en-US" altLang="zh-CN" sz="1200" dirty="0">
-                  <a:solidFill>
-                    <a:sysClr val="windowText" lastClr="000000"/>
-                  </a:solidFill>
-                  <a:latin typeface="DengXian" panose="02010600030101010101" pitchFamily="2" charset="-122"/>
-                  <a:ea typeface="DengXian" panose="02010600030101010101" pitchFamily="2" charset="-122"/>
-                </a:rPr>
-                <a:t>=</a:t>
-              </a:r>
-              <a:r>
-                <a:rPr kumimoji="1" lang="zh-CN" altLang="en-US" sz="1200" dirty="0">
-                  <a:solidFill>
-                    <a:sysClr val="windowText" lastClr="000000"/>
-                  </a:solidFill>
-                  <a:latin typeface="DengXian" panose="02010600030101010101" pitchFamily="2" charset="-122"/>
-                  <a:ea typeface="DengXian" panose="02010600030101010101" pitchFamily="2" charset="-122"/>
-                </a:rPr>
-                <a:t> </a:t>
-              </a:r>
-              <a:r>
-                <a:rPr kumimoji="1" lang="en-US" altLang="zh-CN" sz="1200" dirty="0">
-                  <a:solidFill>
-                    <a:sysClr val="windowText" lastClr="000000"/>
-                  </a:solidFill>
-                  <a:latin typeface="DengXian" panose="02010600030101010101" pitchFamily="2" charset="-122"/>
-                  <a:ea typeface="DengXian" panose="02010600030101010101" pitchFamily="2" charset="-122"/>
-                </a:rPr>
-                <a:t>True</a:t>
-              </a:r>
-              <a:endParaRPr kumimoji="1" lang="zh-CN" altLang="en-US" sz="1200" dirty="0">
-                <a:solidFill>
-                  <a:sysClr val="windowText" lastClr="000000"/>
-                </a:solidFill>
+                <a:rPr kumimoji="1" lang="zh-CN" altLang="en-US" sz="1200" b="1" dirty="0">
+                  <a:latin typeface="DengXian" panose="02010600030101010101" pitchFamily="2" charset="-122"/>
+                  <a:ea typeface="DengXian" panose="02010600030101010101" pitchFamily="2" charset="-122"/>
+                </a:rPr>
+                <a:t>* </a:t>
+              </a:r>
+              <a:r>
+                <a:rPr kumimoji="1" lang="en-US" altLang="zh-CN" sz="1200" b="1" dirty="0">
+                  <a:latin typeface="DengXian" panose="02010600030101010101" pitchFamily="2" charset="-122"/>
+                  <a:ea typeface="DengXian" panose="02010600030101010101" pitchFamily="2" charset="-122"/>
+                </a:rPr>
+                <a:t>..</a:t>
+              </a:r>
+              <a:r>
+                <a:rPr kumimoji="1" lang="zh-CN" altLang="en-US" sz="1200" b="1" dirty="0">
+                  <a:latin typeface="DengXian" panose="02010600030101010101" pitchFamily="2" charset="-122"/>
+                  <a:ea typeface="DengXian" panose="02010600030101010101" pitchFamily="2" charset="-122"/>
+                </a:rPr>
+                <a:t> </a:t>
+              </a:r>
+              <a:r>
+                <a:rPr kumimoji="1" lang="en-US" altLang="zh-CN" sz="1200" b="1" dirty="0">
+                  <a:latin typeface="DengXian" panose="02010600030101010101" pitchFamily="2" charset="-122"/>
+                  <a:ea typeface="DengXian" panose="02010600030101010101" pitchFamily="2" charset="-122"/>
+                </a:rPr>
+                <a:t>3</a:t>
+              </a:r>
+              <a:endParaRPr kumimoji="1" lang="en-US" altLang="zh-CN" sz="1200" dirty="0">
                 <a:latin typeface="DengXian" panose="02010600030101010101" pitchFamily="2" charset="-122"/>
                 <a:ea typeface="DengXian" panose="02010600030101010101" pitchFamily="2" charset="-122"/>
               </a:endParaRPr>
@@ -4005,623 +4758,6 @@
           </p:txBody>
         </p:sp>
       </p:grpSp>
-      <p:cxnSp>
-        <p:nvCxnSpPr>
-          <p:cNvPr id="25" name="直线箭头连接符 5" descr="jytjh">
-            <a:extLst>
-              <a:ext uri="{FF2B5EF4-FFF2-40B4-BE49-F238E27FC236}">
-                <a16:creationId xmlns:a16="http://schemas.microsoft.com/office/drawing/2014/main" id="{FAAC16AD-07E6-FE6E-79E5-1E1D9822E447}"/>
-              </a:ext>
-            </a:extLst>
-          </p:cNvPr>
-          <p:cNvCxnSpPr>
-            <a:cxnSpLocks/>
-            <a:stCxn id="11" idx="3"/>
-            <a:endCxn id="21" idx="1"/>
-          </p:cNvCxnSpPr>
-          <p:nvPr/>
-        </p:nvCxnSpPr>
-        <p:spPr>
-          <a:xfrm>
-            <a:off x="3468866" y="2907790"/>
-            <a:ext cx="1354795" cy="0"/>
-          </a:xfrm>
-          <a:prstGeom prst="straightConnector1">
-            <a:avLst/>
-          </a:prstGeom>
-          <a:ln w="25400">
-            <a:solidFill>
-              <a:schemeClr val="tx1"/>
-            </a:solidFill>
-            <a:headEnd type="none" w="sm" len="lg"/>
-            <a:tailEnd type="arrow" w="sm" len="lg"/>
-          </a:ln>
-        </p:spPr>
-        <p:style>
-          <a:lnRef idx="1">
-            <a:schemeClr val="accent1"/>
-          </a:lnRef>
-          <a:fillRef idx="0">
-            <a:schemeClr val="accent1"/>
-          </a:fillRef>
-          <a:effectRef idx="0">
-            <a:schemeClr val="accent1"/>
-          </a:effectRef>
-          <a:fontRef idx="minor">
-            <a:schemeClr val="tx1"/>
-          </a:fontRef>
-        </p:style>
-      </p:cxnSp>
-      <p:sp>
-        <p:nvSpPr>
-          <p:cNvPr id="29" name="矩形 4">
-            <a:extLst>
-              <a:ext uri="{FF2B5EF4-FFF2-40B4-BE49-F238E27FC236}">
-                <a16:creationId xmlns:a16="http://schemas.microsoft.com/office/drawing/2014/main" id="{180FA1C2-C28D-24A0-2715-94860A81388F}"/>
-              </a:ext>
-            </a:extLst>
-          </p:cNvPr>
-          <p:cNvSpPr/>
-          <p:nvPr/>
-        </p:nvSpPr>
-        <p:spPr>
-          <a:xfrm>
-            <a:off x="4823661" y="5040389"/>
-            <a:ext cx="1865172" cy="394852"/>
-          </a:xfrm>
-          <a:prstGeom prst="rect">
-            <a:avLst/>
-          </a:prstGeom>
-          <a:solidFill>
-            <a:schemeClr val="accent5">
-              <a:lumMod val="60000"/>
-              <a:lumOff val="40000"/>
-            </a:schemeClr>
-          </a:solidFill>
-          <a:ln w="25400">
-            <a:solidFill>
-              <a:schemeClr val="tx1"/>
-            </a:solidFill>
-          </a:ln>
-        </p:spPr>
-        <p:style>
-          <a:lnRef idx="2">
-            <a:schemeClr val="accent2">
-              <a:shade val="50000"/>
-            </a:schemeClr>
-          </a:lnRef>
-          <a:fillRef idx="1">
-            <a:schemeClr val="accent2"/>
-          </a:fillRef>
-          <a:effectRef idx="0">
-            <a:schemeClr val="accent2"/>
-          </a:effectRef>
-          <a:fontRef idx="minor">
-            <a:schemeClr val="lt1"/>
-          </a:fontRef>
-        </p:style>
-        <p:txBody>
-          <a:bodyPr rtlCol="0" anchor="ctr"/>
-          <a:lstStyle/>
-          <a:p>
-            <a:pPr algn="ctr"/>
-            <a:r>
-              <a:rPr kumimoji="1" lang="en-US" altLang="zh-CN" sz="1200" b="1" dirty="0">
-                <a:solidFill>
-                  <a:sysClr val="windowText" lastClr="000000"/>
-                </a:solidFill>
-              </a:rPr>
-              <a:t>other</a:t>
-            </a:r>
-            <a:r>
-              <a:rPr kumimoji="1" lang="zh-CN" altLang="en-US" sz="1200" dirty="0">
-                <a:solidFill>
-                  <a:sysClr val="windowText" lastClr="000000"/>
-                </a:solidFill>
-              </a:rPr>
-              <a:t> </a:t>
-            </a:r>
-            <a:r>
-              <a:rPr kumimoji="1" lang="en-US" altLang="zh-CN" sz="1200" dirty="0">
-                <a:solidFill>
-                  <a:sysClr val="windowText" lastClr="000000"/>
-                </a:solidFill>
-              </a:rPr>
-              <a:t>:</a:t>
-            </a:r>
-            <a:r>
-              <a:rPr kumimoji="1" lang="zh-CN" altLang="en-US" sz="1200" dirty="0">
-                <a:solidFill>
-                  <a:sysClr val="windowText" lastClr="000000"/>
-                </a:solidFill>
-              </a:rPr>
-              <a:t> </a:t>
-            </a:r>
-            <a:r>
-              <a:rPr kumimoji="1" lang="en-US" altLang="zh-CN" sz="1200" dirty="0">
-                <a:solidFill>
-                  <a:sysClr val="windowText" lastClr="000000"/>
-                </a:solidFill>
-              </a:rPr>
-              <a:t>Account</a:t>
-            </a:r>
-            <a:endParaRPr kumimoji="1" lang="zh-CN" altLang="en-US" sz="1200" dirty="0">
-              <a:solidFill>
-                <a:sysClr val="windowText" lastClr="000000"/>
-              </a:solidFill>
-            </a:endParaRPr>
-          </a:p>
-        </p:txBody>
-      </p:sp>
-      <p:cxnSp>
-        <p:nvCxnSpPr>
-          <p:cNvPr id="35" name="直线箭头连接符 5" descr="jytjh">
-            <a:extLst>
-              <a:ext uri="{FF2B5EF4-FFF2-40B4-BE49-F238E27FC236}">
-                <a16:creationId xmlns:a16="http://schemas.microsoft.com/office/drawing/2014/main" id="{0046535A-CF85-4953-1290-6E9A255DBF61}"/>
-              </a:ext>
-            </a:extLst>
-          </p:cNvPr>
-          <p:cNvCxnSpPr>
-            <a:cxnSpLocks/>
-            <a:stCxn id="11" idx="3"/>
-            <a:endCxn id="29" idx="1"/>
-          </p:cNvCxnSpPr>
-          <p:nvPr/>
-        </p:nvCxnSpPr>
-        <p:spPr>
-          <a:xfrm>
-            <a:off x="3468866" y="2907790"/>
-            <a:ext cx="1354795" cy="2330025"/>
-          </a:xfrm>
-          <a:prstGeom prst="straightConnector1">
-            <a:avLst/>
-          </a:prstGeom>
-          <a:ln w="25400">
-            <a:solidFill>
-              <a:schemeClr val="tx1"/>
-            </a:solidFill>
-            <a:headEnd type="none" w="sm" len="lg"/>
-            <a:tailEnd type="arrow" w="sm" len="lg"/>
-          </a:ln>
-        </p:spPr>
-        <p:style>
-          <a:lnRef idx="1">
-            <a:schemeClr val="accent1"/>
-          </a:lnRef>
-          <a:fillRef idx="0">
-            <a:schemeClr val="accent1"/>
-          </a:fillRef>
-          <a:effectRef idx="0">
-            <a:schemeClr val="accent1"/>
-          </a:effectRef>
-          <a:fontRef idx="minor">
-            <a:schemeClr val="tx1"/>
-          </a:fontRef>
-        </p:style>
-      </p:cxnSp>
-      <p:sp>
-        <p:nvSpPr>
-          <p:cNvPr id="38" name="文本框 12">
-            <a:extLst>
-              <a:ext uri="{FF2B5EF4-FFF2-40B4-BE49-F238E27FC236}">
-                <a16:creationId xmlns:a16="http://schemas.microsoft.com/office/drawing/2014/main" id="{13CFC30A-9B14-12FA-532F-D51FC71E4CED}"/>
-              </a:ext>
-            </a:extLst>
-          </p:cNvPr>
-          <p:cNvSpPr txBox="1"/>
-          <p:nvPr/>
-        </p:nvSpPr>
-        <p:spPr>
-          <a:xfrm>
-            <a:off x="4823660" y="3787625"/>
-            <a:ext cx="1865173" cy="400110"/>
-          </a:xfrm>
-          <a:prstGeom prst="rect">
-            <a:avLst/>
-          </a:prstGeom>
-          <a:noFill/>
-        </p:spPr>
-        <p:txBody>
-          <a:bodyPr wrap="square" rtlCol="0">
-            <a:spAutoFit/>
-          </a:bodyPr>
-          <a:lstStyle/>
-          <a:p>
-            <a:pPr algn="ctr"/>
-            <a:r>
-              <a:rPr kumimoji="1" lang="en-US" altLang="zh-CN" sz="2000" b="1" dirty="0">
-                <a:latin typeface="DengXian" panose="02010600030101010101" pitchFamily="2" charset="-122"/>
-                <a:ea typeface="DengXian" panose="02010600030101010101" pitchFamily="2" charset="-122"/>
-              </a:rPr>
-              <a:t>…</a:t>
-            </a:r>
-            <a:endParaRPr kumimoji="1" lang="en-US" altLang="zh-CN" sz="2000" dirty="0">
-              <a:latin typeface="DengXian" panose="02010600030101010101" pitchFamily="2" charset="-122"/>
-              <a:ea typeface="DengXian" panose="02010600030101010101" pitchFamily="2" charset="-122"/>
-            </a:endParaRPr>
-          </a:p>
-        </p:txBody>
-      </p:sp>
-      <p:cxnSp>
-        <p:nvCxnSpPr>
-          <p:cNvPr id="39" name="直线箭头连接符 5" descr="jytjh">
-            <a:extLst>
-              <a:ext uri="{FF2B5EF4-FFF2-40B4-BE49-F238E27FC236}">
-                <a16:creationId xmlns:a16="http://schemas.microsoft.com/office/drawing/2014/main" id="{BB609E75-A6DA-77F3-4924-5B376B88C063}"/>
-              </a:ext>
-            </a:extLst>
-          </p:cNvPr>
-          <p:cNvCxnSpPr>
-            <a:cxnSpLocks/>
-            <a:stCxn id="11" idx="3"/>
-            <a:endCxn id="38" idx="1"/>
-          </p:cNvCxnSpPr>
-          <p:nvPr/>
-        </p:nvCxnSpPr>
-        <p:spPr>
-          <a:xfrm>
-            <a:off x="3468866" y="2907790"/>
-            <a:ext cx="1354794" cy="1079890"/>
-          </a:xfrm>
-          <a:prstGeom prst="straightConnector1">
-            <a:avLst/>
-          </a:prstGeom>
-          <a:ln w="25400">
-            <a:solidFill>
-              <a:schemeClr val="tx1"/>
-            </a:solidFill>
-            <a:headEnd type="none" w="sm" len="lg"/>
-            <a:tailEnd type="arrow" w="sm" len="lg"/>
-          </a:ln>
-        </p:spPr>
-        <p:style>
-          <a:lnRef idx="1">
-            <a:schemeClr val="accent1"/>
-          </a:lnRef>
-          <a:fillRef idx="0">
-            <a:schemeClr val="accent1"/>
-          </a:fillRef>
-          <a:effectRef idx="0">
-            <a:schemeClr val="accent1"/>
-          </a:effectRef>
-          <a:fontRef idx="minor">
-            <a:schemeClr val="tx1"/>
-          </a:fontRef>
-        </p:style>
-      </p:cxnSp>
-      <p:grpSp>
-        <p:nvGrpSpPr>
-          <p:cNvPr id="42" name="Group 41">
-            <a:extLst>
-              <a:ext uri="{FF2B5EF4-FFF2-40B4-BE49-F238E27FC236}">
-                <a16:creationId xmlns:a16="http://schemas.microsoft.com/office/drawing/2014/main" id="{4D4A34C9-1849-6728-D4DB-CE6206B25C1C}"/>
-              </a:ext>
-            </a:extLst>
-          </p:cNvPr>
-          <p:cNvGrpSpPr/>
-          <p:nvPr/>
-        </p:nvGrpSpPr>
-        <p:grpSpPr>
-          <a:xfrm>
-            <a:off x="8226629" y="5040389"/>
-            <a:ext cx="1969609" cy="789704"/>
-            <a:chOff x="8972091" y="3120769"/>
-            <a:chExt cx="1969609" cy="789704"/>
-          </a:xfrm>
-        </p:grpSpPr>
-        <p:sp>
-          <p:nvSpPr>
-            <p:cNvPr id="43" name="矩形 9">
-              <a:extLst>
-                <a:ext uri="{FF2B5EF4-FFF2-40B4-BE49-F238E27FC236}">
-                  <a16:creationId xmlns:a16="http://schemas.microsoft.com/office/drawing/2014/main" id="{F7FDC6B7-A5EC-F8C6-C4CB-6EF83629F3B4}"/>
-                </a:ext>
-              </a:extLst>
-            </p:cNvPr>
-            <p:cNvSpPr/>
-            <p:nvPr/>
-          </p:nvSpPr>
-          <p:spPr>
-            <a:xfrm>
-              <a:off x="8972092" y="3120769"/>
-              <a:ext cx="1969608" cy="394852"/>
-            </a:xfrm>
-            <a:prstGeom prst="rect">
-              <a:avLst/>
-            </a:prstGeom>
-            <a:solidFill>
-              <a:schemeClr val="accent4">
-                <a:lumMod val="60000"/>
-                <a:lumOff val="40000"/>
-              </a:schemeClr>
-            </a:solidFill>
-            <a:ln w="25400">
-              <a:solidFill>
-                <a:schemeClr val="tx1"/>
-              </a:solidFill>
-            </a:ln>
-          </p:spPr>
-          <p:style>
-            <a:lnRef idx="2">
-              <a:schemeClr val="accent2">
-                <a:shade val="50000"/>
-              </a:schemeClr>
-            </a:lnRef>
-            <a:fillRef idx="1">
-              <a:schemeClr val="accent2"/>
-            </a:fillRef>
-            <a:effectRef idx="0">
-              <a:schemeClr val="accent2"/>
-            </a:effectRef>
-            <a:fontRef idx="minor">
-              <a:schemeClr val="lt1"/>
-            </a:fontRef>
-          </p:style>
-          <p:txBody>
-            <a:bodyPr rtlCol="0" anchor="ctr"/>
-            <a:lstStyle/>
-            <a:p>
-              <a:pPr algn="ctr"/>
-              <a:r>
-                <a:rPr kumimoji="1" lang="en-US" altLang="zh-CN" sz="1200" b="1" dirty="0">
-                  <a:solidFill>
-                    <a:sysClr val="windowText" lastClr="000000"/>
-                  </a:solidFill>
-                </a:rPr>
-                <a:t>medium</a:t>
-              </a:r>
-              <a:r>
-                <a:rPr kumimoji="1" lang="zh-CN" altLang="en-US" sz="1200" dirty="0">
-                  <a:solidFill>
-                    <a:sysClr val="windowText" lastClr="000000"/>
-                  </a:solidFill>
-                </a:rPr>
-                <a:t> </a:t>
-              </a:r>
-              <a:r>
-                <a:rPr kumimoji="1" lang="en-US" altLang="zh-CN" sz="1200" dirty="0">
-                  <a:solidFill>
-                    <a:sysClr val="windowText" lastClr="000000"/>
-                  </a:solidFill>
-                </a:rPr>
-                <a:t>:</a:t>
-              </a:r>
-              <a:r>
-                <a:rPr kumimoji="1" lang="zh-CN" altLang="en-US" sz="1200" dirty="0">
-                  <a:solidFill>
-                    <a:sysClr val="windowText" lastClr="000000"/>
-                  </a:solidFill>
-                </a:rPr>
-                <a:t> </a:t>
-              </a:r>
-              <a:r>
-                <a:rPr kumimoji="1" lang="en-US" altLang="zh-CN" sz="1200" dirty="0">
-                  <a:solidFill>
-                    <a:sysClr val="windowText" lastClr="000000"/>
-                  </a:solidFill>
-                </a:rPr>
-                <a:t>Medium</a:t>
-              </a:r>
-              <a:endParaRPr kumimoji="1" lang="zh-CN" altLang="en-US" sz="1200" dirty="0">
-                <a:solidFill>
-                  <a:sysClr val="windowText" lastClr="000000"/>
-                </a:solidFill>
-              </a:endParaRPr>
-            </a:p>
-          </p:txBody>
-        </p:sp>
-        <p:sp>
-          <p:nvSpPr>
-            <p:cNvPr id="44" name="矩形 13">
-              <a:extLst>
-                <a:ext uri="{FF2B5EF4-FFF2-40B4-BE49-F238E27FC236}">
-                  <a16:creationId xmlns:a16="http://schemas.microsoft.com/office/drawing/2014/main" id="{8E1431ED-CBAE-173C-4E1C-C502B51A7ED9}"/>
-                </a:ext>
-              </a:extLst>
-            </p:cNvPr>
-            <p:cNvSpPr/>
-            <p:nvPr/>
-          </p:nvSpPr>
-          <p:spPr>
-            <a:xfrm>
-              <a:off x="8972091" y="3515621"/>
-              <a:ext cx="1969608" cy="394852"/>
-            </a:xfrm>
-            <a:prstGeom prst="rect">
-              <a:avLst/>
-            </a:prstGeom>
-            <a:noFill/>
-            <a:ln w="25400">
-              <a:solidFill>
-                <a:schemeClr val="tx1"/>
-              </a:solidFill>
-            </a:ln>
-          </p:spPr>
-          <p:style>
-            <a:lnRef idx="2">
-              <a:schemeClr val="accent2">
-                <a:shade val="50000"/>
-              </a:schemeClr>
-            </a:lnRef>
-            <a:fillRef idx="1">
-              <a:schemeClr val="accent2"/>
-            </a:fillRef>
-            <a:effectRef idx="0">
-              <a:schemeClr val="accent2"/>
-            </a:effectRef>
-            <a:fontRef idx="minor">
-              <a:schemeClr val="lt1"/>
-            </a:fontRef>
-          </p:style>
-          <p:txBody>
-            <a:bodyPr rtlCol="0" anchor="ctr"/>
-            <a:lstStyle/>
-            <a:p>
-              <a:pPr algn="ctr"/>
-              <a:r>
-                <a:rPr kumimoji="1" lang="en-US" altLang="zh-CN" sz="1200" b="1" dirty="0" err="1">
-                  <a:solidFill>
-                    <a:sysClr val="windowText" lastClr="000000"/>
-                  </a:solidFill>
-                </a:rPr>
-                <a:t>medium</a:t>
-              </a:r>
-              <a:r>
-                <a:rPr kumimoji="1" lang="en-US" altLang="zh-CN" sz="1200" dirty="0" err="1">
-                  <a:solidFill>
-                    <a:sysClr val="windowText" lastClr="000000"/>
-                  </a:solidFill>
-                  <a:latin typeface="DengXian" panose="02010600030101010101" pitchFamily="2" charset="-122"/>
-                  <a:ea typeface="DengXian" panose="02010600030101010101" pitchFamily="2" charset="-122"/>
-                </a:rPr>
-                <a:t>.isBlocked</a:t>
-              </a:r>
-              <a:r>
-                <a:rPr kumimoji="1" lang="zh-CN" altLang="en-US" sz="1200" dirty="0">
-                  <a:solidFill>
-                    <a:sysClr val="windowText" lastClr="000000"/>
-                  </a:solidFill>
-                  <a:latin typeface="DengXian" panose="02010600030101010101" pitchFamily="2" charset="-122"/>
-                  <a:ea typeface="DengXian" panose="02010600030101010101" pitchFamily="2" charset="-122"/>
-                </a:rPr>
-                <a:t> </a:t>
-              </a:r>
-              <a:r>
-                <a:rPr kumimoji="1" lang="en-US" altLang="zh-CN" sz="1200" dirty="0">
-                  <a:solidFill>
-                    <a:sysClr val="windowText" lastClr="000000"/>
-                  </a:solidFill>
-                  <a:latin typeface="DengXian" panose="02010600030101010101" pitchFamily="2" charset="-122"/>
-                  <a:ea typeface="DengXian" panose="02010600030101010101" pitchFamily="2" charset="-122"/>
-                </a:rPr>
-                <a:t>=</a:t>
-              </a:r>
-              <a:r>
-                <a:rPr kumimoji="1" lang="zh-CN" altLang="en-US" sz="1200" dirty="0">
-                  <a:solidFill>
-                    <a:sysClr val="windowText" lastClr="000000"/>
-                  </a:solidFill>
-                  <a:latin typeface="DengXian" panose="02010600030101010101" pitchFamily="2" charset="-122"/>
-                  <a:ea typeface="DengXian" panose="02010600030101010101" pitchFamily="2" charset="-122"/>
-                </a:rPr>
-                <a:t> </a:t>
-              </a:r>
-              <a:r>
-                <a:rPr kumimoji="1" lang="en-US" altLang="zh-CN" sz="1200" dirty="0">
-                  <a:solidFill>
-                    <a:sysClr val="windowText" lastClr="000000"/>
-                  </a:solidFill>
-                  <a:latin typeface="DengXian" panose="02010600030101010101" pitchFamily="2" charset="-122"/>
-                  <a:ea typeface="DengXian" panose="02010600030101010101" pitchFamily="2" charset="-122"/>
-                </a:rPr>
-                <a:t>True</a:t>
-              </a:r>
-              <a:endParaRPr kumimoji="1" lang="zh-CN" altLang="en-US" sz="1200" dirty="0">
-                <a:solidFill>
-                  <a:sysClr val="windowText" lastClr="000000"/>
-                </a:solidFill>
-                <a:latin typeface="DengXian" panose="02010600030101010101" pitchFamily="2" charset="-122"/>
-                <a:ea typeface="DengXian" panose="02010600030101010101" pitchFamily="2" charset="-122"/>
-              </a:endParaRPr>
-            </a:p>
-          </p:txBody>
-        </p:sp>
-      </p:grpSp>
-      <p:cxnSp>
-        <p:nvCxnSpPr>
-          <p:cNvPr id="45" name="直线箭头连接符 7" descr="jytjh">
-            <a:extLst>
-              <a:ext uri="{FF2B5EF4-FFF2-40B4-BE49-F238E27FC236}">
-                <a16:creationId xmlns:a16="http://schemas.microsoft.com/office/drawing/2014/main" id="{0812CFAB-1E70-9AEF-7AB1-47F4CB31903C}"/>
-              </a:ext>
-            </a:extLst>
-          </p:cNvPr>
-          <p:cNvCxnSpPr>
-            <a:cxnSpLocks/>
-            <a:stCxn id="23" idx="1"/>
-            <a:endCxn id="21" idx="3"/>
-          </p:cNvCxnSpPr>
-          <p:nvPr/>
-        </p:nvCxnSpPr>
-        <p:spPr>
-          <a:xfrm flipH="1">
-            <a:off x="6688833" y="2907790"/>
-            <a:ext cx="1537797" cy="0"/>
-          </a:xfrm>
-          <a:prstGeom prst="straightConnector1">
-            <a:avLst/>
-          </a:prstGeom>
-          <a:ln w="25400">
-            <a:solidFill>
-              <a:schemeClr val="tx1"/>
-            </a:solidFill>
-            <a:headEnd type="none" w="lg" len="med"/>
-            <a:tailEnd type="arrow" w="sm" len="lg"/>
-          </a:ln>
-        </p:spPr>
-        <p:style>
-          <a:lnRef idx="1">
-            <a:schemeClr val="accent1"/>
-          </a:lnRef>
-          <a:fillRef idx="0">
-            <a:schemeClr val="accent1"/>
-          </a:fillRef>
-          <a:effectRef idx="0">
-            <a:schemeClr val="accent1"/>
-          </a:effectRef>
-          <a:fontRef idx="minor">
-            <a:schemeClr val="tx1"/>
-          </a:fontRef>
-        </p:style>
-      </p:cxnSp>
-      <p:cxnSp>
-        <p:nvCxnSpPr>
-          <p:cNvPr id="48" name="直线箭头连接符 7" descr="jytjh">
-            <a:extLst>
-              <a:ext uri="{FF2B5EF4-FFF2-40B4-BE49-F238E27FC236}">
-                <a16:creationId xmlns:a16="http://schemas.microsoft.com/office/drawing/2014/main" id="{F5C5289D-450A-29C3-F786-AAFA3604C395}"/>
-              </a:ext>
-            </a:extLst>
-          </p:cNvPr>
-          <p:cNvCxnSpPr>
-            <a:cxnSpLocks/>
-            <a:stCxn id="43" idx="1"/>
-            <a:endCxn id="29" idx="3"/>
-          </p:cNvCxnSpPr>
-          <p:nvPr/>
-        </p:nvCxnSpPr>
-        <p:spPr>
-          <a:xfrm flipH="1">
-            <a:off x="6688833" y="5237815"/>
-            <a:ext cx="1537797" cy="0"/>
-          </a:xfrm>
-          <a:prstGeom prst="straightConnector1">
-            <a:avLst/>
-          </a:prstGeom>
-          <a:ln w="25400">
-            <a:solidFill>
-              <a:schemeClr val="tx1"/>
-            </a:solidFill>
-            <a:headEnd type="none" w="lg" len="med"/>
-            <a:tailEnd type="arrow" w="sm" len="lg"/>
-          </a:ln>
-        </p:spPr>
-        <p:style>
-          <a:lnRef idx="1">
-            <a:schemeClr val="accent1"/>
-          </a:lnRef>
-          <a:fillRef idx="0">
-            <a:schemeClr val="accent1"/>
-          </a:fillRef>
-          <a:effectRef idx="0">
-            <a:schemeClr val="accent1"/>
-          </a:effectRef>
-          <a:fontRef idx="minor">
-            <a:schemeClr val="tx1"/>
-          </a:fontRef>
-        </p:style>
-      </p:cxnSp>
     </p:spTree>
     <p:extLst>
       <p:ext uri="{BB962C8B-B14F-4D97-AF65-F5344CB8AC3E}">
@@ -7045,7 +7181,7 @@
                   <a:latin typeface="DengXian" panose="02010600030101010101" pitchFamily="2" charset="-122"/>
                   <a:ea typeface="DengXian" panose="02010600030101010101" pitchFamily="2" charset="-122"/>
                 </a:rPr>
-                <a:t>COLLECT(final</a:t>
+                <a:t>Final</a:t>
               </a:r>
               <a:r>
                 <a:rPr kumimoji="1" lang="zh-CN" altLang="en-US" sz="1200" dirty="0">
@@ -7065,45 +7201,40 @@
                   <a:latin typeface="DengXian" panose="02010600030101010101" pitchFamily="2" charset="-122"/>
                   <a:ea typeface="DengXian" panose="02010600030101010101" pitchFamily="2" charset="-122"/>
                 </a:rPr>
-                <a:t>invest</a:t>
-              </a:r>
-              <a:r>
-                <a:rPr kumimoji="1" lang="zh-CN" altLang="en-US" sz="1200" dirty="0">
-                  <a:solidFill>
-                    <a:sysClr val="windowText" lastClr="000000"/>
-                  </a:solidFill>
-                  <a:latin typeface="DengXian" panose="02010600030101010101" pitchFamily="2" charset="-122"/>
-                  <a:ea typeface="DengXian" panose="02010600030101010101" pitchFamily="2" charset="-122"/>
-                </a:rPr>
-                <a:t> </a:t>
-              </a:r>
-              <a:r>
-                <a:rPr kumimoji="1" lang="en-US" altLang="zh-CN" sz="1200" dirty="0">
-                  <a:solidFill>
-                    <a:sysClr val="windowText" lastClr="000000"/>
-                  </a:solidFill>
-                  <a:latin typeface="DengXian" panose="02010600030101010101" pitchFamily="2" charset="-122"/>
-                  <a:ea typeface="DengXian" panose="02010600030101010101" pitchFamily="2" charset="-122"/>
-                </a:rPr>
-                <a:t>ratio)</a:t>
-              </a:r>
-              <a:r>
-                <a:rPr kumimoji="1" lang="zh-CN" altLang="en-US" sz="1200" dirty="0">
-                  <a:solidFill>
-                    <a:sysClr val="windowText" lastClr="000000"/>
-                  </a:solidFill>
-                  <a:latin typeface="DengXian" panose="02010600030101010101" pitchFamily="2" charset="-122"/>
-                  <a:ea typeface="DengXian" panose="02010600030101010101" pitchFamily="2" charset="-122"/>
-                </a:rPr>
-                <a:t> </a:t>
-              </a:r>
-              <a:endParaRPr kumimoji="1" lang="en-US" altLang="zh-CN" sz="1200" dirty="0">
-                <a:solidFill>
-                  <a:sysClr val="windowText" lastClr="000000"/>
-                </a:solidFill>
-                <a:latin typeface="DengXian" panose="02010600030101010101" pitchFamily="2" charset="-122"/>
-                <a:ea typeface="DengXian" panose="02010600030101010101" pitchFamily="2" charset="-122"/>
-              </a:endParaRPr>
+                <a:t>share</a:t>
+              </a:r>
+            </a:p>
+            <a:p>
+              <a:r>
+                <a:rPr kumimoji="1" lang="en-US" altLang="zh-CN" sz="1200" b="1" dirty="0" err="1">
+                  <a:solidFill>
+                    <a:srgbClr val="FF0000"/>
+                  </a:solidFill>
+                  <a:latin typeface="DengXian" panose="02010600030101010101" pitchFamily="2" charset="-122"/>
+                  <a:ea typeface="DengXian" panose="02010600030101010101" pitchFamily="2" charset="-122"/>
+                </a:rPr>
+                <a:t>Groupby</a:t>
+              </a:r>
+              <a:r>
+                <a:rPr kumimoji="1" lang="zh-CN" altLang="en-US" sz="1200" b="1" dirty="0">
+                  <a:solidFill>
+                    <a:srgbClr val="FF0000"/>
+                  </a:solidFill>
+                  <a:latin typeface="DengXian" panose="02010600030101010101" pitchFamily="2" charset="-122"/>
+                  <a:ea typeface="DengXian" panose="02010600030101010101" pitchFamily="2" charset="-122"/>
+                </a:rPr>
+                <a:t> </a:t>
+              </a:r>
+              <a:r>
+                <a:rPr kumimoji="1" lang="en-US" altLang="zh-CN" sz="1200" dirty="0">
+                  <a:solidFill>
+                    <a:sysClr val="windowText" lastClr="000000"/>
+                  </a:solidFill>
+                  <a:latin typeface="DengXian" panose="02010600030101010101" pitchFamily="2" charset="-122"/>
+                  <a:ea typeface="DengXian" panose="02010600030101010101" pitchFamily="2" charset="-122"/>
+                </a:rPr>
+                <a:t>investor</a:t>
+              </a:r>
             </a:p>
           </p:txBody>
         </p:sp>
@@ -9174,10 +9305,10 @@
       </p:grpSpPr>
       <p:grpSp>
         <p:nvGrpSpPr>
-          <p:cNvPr id="21" name="Group 20">
+          <p:cNvPr id="17" name="Group 16">
             <a:extLst>
               <a:ext uri="{FF2B5EF4-FFF2-40B4-BE49-F238E27FC236}">
-                <a16:creationId xmlns:a16="http://schemas.microsoft.com/office/drawing/2014/main" id="{E5FB81EC-B11A-A5A1-752A-2F220063D9C6}"/>
+                <a16:creationId xmlns:a16="http://schemas.microsoft.com/office/drawing/2014/main" id="{0883B488-BAF6-8FF0-196C-6B326EDD5D7E}"/>
               </a:ext>
             </a:extLst>
           </p:cNvPr>
@@ -9187,9 +9318,9 @@
         <p:grpSpPr>
           <a:xfrm>
             <a:off x="1992999" y="2447434"/>
-            <a:ext cx="8206001" cy="1963132"/>
-            <a:chOff x="2428470" y="1362456"/>
-            <a:chExt cx="8206001" cy="1963132"/>
+            <a:ext cx="8206001" cy="2943767"/>
+            <a:chOff x="1992999" y="2447434"/>
+            <a:chExt cx="8206001" cy="2943767"/>
           </a:xfrm>
         </p:grpSpPr>
         <p:sp>
@@ -9206,7 +9337,7 @@
           </p:nvSpPr>
           <p:spPr>
             <a:xfrm>
-              <a:off x="2428470" y="2796016"/>
+              <a:off x="1992999" y="3880994"/>
               <a:ext cx="1428081" cy="505147"/>
             </a:xfrm>
             <a:prstGeom prst="rect">
@@ -9311,7 +9442,7 @@
           </p:nvCxnSpPr>
           <p:spPr>
             <a:xfrm>
-              <a:off x="3856551" y="3048590"/>
+              <a:off x="3421080" y="4133568"/>
               <a:ext cx="735170" cy="0"/>
             </a:xfrm>
             <a:prstGeom prst="straightConnector1">
@@ -9354,7 +9485,7 @@
           </p:nvSpPr>
           <p:spPr>
             <a:xfrm>
-              <a:off x="3929754" y="2749604"/>
+              <a:off x="3494283" y="3834582"/>
               <a:ext cx="588763" cy="276999"/>
             </a:xfrm>
             <a:prstGeom prst="rect">
@@ -9397,7 +9528,7 @@
           </p:nvSpPr>
           <p:spPr>
             <a:xfrm>
-              <a:off x="4327048" y="1362456"/>
+              <a:off x="3891577" y="2447434"/>
               <a:ext cx="6307423" cy="1180978"/>
             </a:xfrm>
             <a:prstGeom prst="rect">
@@ -9518,7 +9649,7 @@
           </p:nvSpPr>
           <p:spPr>
             <a:xfrm>
-              <a:off x="4591721" y="2796016"/>
+              <a:off x="4156250" y="3880994"/>
               <a:ext cx="1428080" cy="505147"/>
             </a:xfrm>
             <a:prstGeom prst="rect">
@@ -9619,7 +9750,7 @@
           </p:nvSpPr>
           <p:spPr>
             <a:xfrm>
-              <a:off x="6754971" y="2796016"/>
+              <a:off x="6319500" y="3880994"/>
               <a:ext cx="1428080" cy="505147"/>
             </a:xfrm>
             <a:prstGeom prst="rect">
@@ -9681,7 +9812,7 @@
           </p:nvSpPr>
           <p:spPr>
             <a:xfrm>
-              <a:off x="8918221" y="2796016"/>
+              <a:off x="8482750" y="3880994"/>
               <a:ext cx="1428080" cy="505147"/>
             </a:xfrm>
             <a:prstGeom prst="rect">
@@ -9786,7 +9917,7 @@
           </p:nvCxnSpPr>
           <p:spPr>
             <a:xfrm>
-              <a:off x="6019801" y="3048590"/>
+              <a:off x="5584330" y="4133568"/>
               <a:ext cx="735170" cy="0"/>
             </a:xfrm>
             <a:prstGeom prst="straightConnector1">
@@ -9833,7 +9964,7 @@
           </p:nvCxnSpPr>
           <p:spPr>
             <a:xfrm>
-              <a:off x="8183051" y="3048590"/>
+              <a:off x="7747580" y="4133568"/>
               <a:ext cx="735170" cy="0"/>
             </a:xfrm>
             <a:prstGeom prst="straightConnector1">
@@ -9876,7 +10007,7 @@
           </p:nvSpPr>
           <p:spPr>
             <a:xfrm>
-              <a:off x="3824455" y="3048589"/>
+              <a:off x="3388984" y="4133567"/>
               <a:ext cx="799362" cy="276999"/>
             </a:xfrm>
             <a:prstGeom prst="rect">
@@ -9919,7 +10050,7 @@
           </p:nvSpPr>
           <p:spPr>
             <a:xfrm>
-              <a:off x="4591720" y="1733395"/>
+              <a:off x="4156249" y="2818373"/>
               <a:ext cx="1428079" cy="505147"/>
             </a:xfrm>
             <a:prstGeom prst="rect">
@@ -10020,7 +10151,7 @@
           </p:nvSpPr>
           <p:spPr>
             <a:xfrm>
-              <a:off x="6093004" y="2749603"/>
+              <a:off x="5657533" y="3834581"/>
               <a:ext cx="588763" cy="276999"/>
             </a:xfrm>
             <a:prstGeom prst="rect">
@@ -10063,7 +10194,7 @@
           </p:nvSpPr>
           <p:spPr>
             <a:xfrm>
-              <a:off x="8256254" y="2749602"/>
+              <a:off x="7820783" y="3834580"/>
               <a:ext cx="588763" cy="276999"/>
             </a:xfrm>
             <a:prstGeom prst="rect">
@@ -10110,7 +10241,7 @@
           </p:nvCxnSpPr>
           <p:spPr>
             <a:xfrm flipH="1" flipV="1">
-              <a:off x="5305760" y="2238542"/>
+              <a:off x="4870289" y="3323520"/>
               <a:ext cx="1" cy="557474"/>
             </a:xfrm>
             <a:prstGeom prst="straightConnector1">
@@ -10153,7 +10284,7 @@
           </p:nvSpPr>
           <p:spPr>
             <a:xfrm>
-              <a:off x="8918222" y="1733395"/>
+              <a:off x="8482751" y="2818373"/>
               <a:ext cx="1428079" cy="505147"/>
             </a:xfrm>
             <a:prstGeom prst="rect">
@@ -10258,7 +10389,7 @@
           </p:nvCxnSpPr>
           <p:spPr>
             <a:xfrm flipV="1">
-              <a:off x="9632261" y="2238542"/>
+              <a:off x="9196790" y="3323520"/>
               <a:ext cx="1" cy="557474"/>
             </a:xfrm>
             <a:prstGeom prst="straightConnector1">
@@ -10301,7 +10432,7 @@
           </p:nvSpPr>
           <p:spPr>
             <a:xfrm>
-              <a:off x="5987705" y="3048588"/>
+              <a:off x="5552234" y="4133566"/>
               <a:ext cx="799362" cy="276999"/>
             </a:xfrm>
             <a:prstGeom prst="rect">
@@ -10344,7 +10475,7 @@
           </p:nvSpPr>
           <p:spPr>
             <a:xfrm>
-              <a:off x="8152990" y="3046153"/>
+              <a:off x="7717519" y="4131131"/>
               <a:ext cx="799362" cy="276999"/>
             </a:xfrm>
             <a:prstGeom prst="rect">
@@ -10370,6 +10501,450 @@
                 <a:latin typeface="DengXian" panose="02010600030101010101" pitchFamily="2" charset="-122"/>
                 <a:ea typeface="DengXian" panose="02010600030101010101" pitchFamily="2" charset="-122"/>
               </a:endParaRPr>
+            </a:p>
+          </p:txBody>
+        </p:sp>
+        <p:sp>
+          <p:nvSpPr>
+            <p:cNvPr id="6" name="矩形 10">
+              <a:extLst>
+                <a:ext uri="{FF2B5EF4-FFF2-40B4-BE49-F238E27FC236}">
+                  <a16:creationId xmlns:a16="http://schemas.microsoft.com/office/drawing/2014/main" id="{4A0DDEF6-9883-5ACF-42AF-4BBF1981F219}"/>
+                </a:ext>
+              </a:extLst>
+            </p:cNvPr>
+            <p:cNvSpPr/>
+            <p:nvPr/>
+          </p:nvSpPr>
+          <p:spPr>
+            <a:xfrm>
+              <a:off x="1992999" y="4390024"/>
+              <a:ext cx="1428081" cy="338392"/>
+            </a:xfrm>
+            <a:prstGeom prst="rect">
+              <a:avLst/>
+            </a:prstGeom>
+            <a:noFill/>
+            <a:ln w="25400">
+              <a:solidFill>
+                <a:schemeClr val="tx1"/>
+              </a:solidFill>
+            </a:ln>
+          </p:spPr>
+          <p:style>
+            <a:lnRef idx="2">
+              <a:schemeClr val="accent2">
+                <a:shade val="50000"/>
+              </a:schemeClr>
+            </a:lnRef>
+            <a:fillRef idx="1">
+              <a:schemeClr val="accent2"/>
+            </a:fillRef>
+            <a:effectRef idx="0">
+              <a:schemeClr val="accent2"/>
+            </a:effectRef>
+            <a:fontRef idx="minor">
+              <a:schemeClr val="lt1"/>
+            </a:fontRef>
+          </p:style>
+          <p:txBody>
+            <a:bodyPr rtlCol="0" anchor="ctr"/>
+            <a:lstStyle/>
+            <a:p>
+              <a:pPr algn="ctr"/>
+              <a:r>
+                <a:rPr kumimoji="1" lang="en-US" altLang="zh-CN" sz="1200" b="1" dirty="0">
+                  <a:solidFill>
+                    <a:sysClr val="windowText" lastClr="000000"/>
+                  </a:solidFill>
+                  <a:latin typeface="DengXian" panose="02010600030101010101" pitchFamily="2" charset="-122"/>
+                  <a:ea typeface="DengXian" panose="02010600030101010101" pitchFamily="2" charset="-122"/>
+                </a:rPr>
+                <a:t>p1</a:t>
+              </a:r>
+              <a:r>
+                <a:rPr kumimoji="1" lang="en-US" altLang="zh-CN" sz="1200" dirty="0">
+                  <a:solidFill>
+                    <a:sysClr val="windowText" lastClr="000000"/>
+                  </a:solidFill>
+                  <a:latin typeface="DengXian" panose="02010600030101010101" pitchFamily="2" charset="-122"/>
+                  <a:ea typeface="DengXian" panose="02010600030101010101" pitchFamily="2" charset="-122"/>
+                </a:rPr>
+                <a:t>.id</a:t>
+              </a:r>
+              <a:r>
+                <a:rPr kumimoji="1" lang="zh-CN" altLang="en-US" sz="1200" dirty="0">
+                  <a:solidFill>
+                    <a:sysClr val="windowText" lastClr="000000"/>
+                  </a:solidFill>
+                  <a:latin typeface="DengXian" panose="02010600030101010101" pitchFamily="2" charset="-122"/>
+                  <a:ea typeface="DengXian" panose="02010600030101010101" pitchFamily="2" charset="-122"/>
+                </a:rPr>
+                <a:t> </a:t>
+              </a:r>
+              <a:r>
+                <a:rPr kumimoji="1" lang="en-US" altLang="zh-CN" sz="1200" dirty="0">
+                  <a:solidFill>
+                    <a:sysClr val="windowText" lastClr="000000"/>
+                  </a:solidFill>
+                  <a:latin typeface="DengXian" panose="02010600030101010101" pitchFamily="2" charset="-122"/>
+                  <a:ea typeface="DengXian" panose="02010600030101010101" pitchFamily="2" charset="-122"/>
+                </a:rPr>
+                <a:t>=</a:t>
+              </a:r>
+              <a:r>
+                <a:rPr kumimoji="1" lang="zh-CN" altLang="en-US" sz="1200" dirty="0">
+                  <a:solidFill>
+                    <a:sysClr val="windowText" lastClr="000000"/>
+                  </a:solidFill>
+                  <a:latin typeface="DengXian" panose="02010600030101010101" pitchFamily="2" charset="-122"/>
+                  <a:ea typeface="DengXian" panose="02010600030101010101" pitchFamily="2" charset="-122"/>
+                </a:rPr>
+                <a:t> </a:t>
+              </a:r>
+              <a:r>
+                <a:rPr kumimoji="1" lang="en-US" altLang="zh-CN" sz="1200" dirty="0">
+                  <a:solidFill>
+                    <a:sysClr val="windowText" lastClr="000000"/>
+                  </a:solidFill>
+                  <a:latin typeface="DengXian" panose="02010600030101010101" pitchFamily="2" charset="-122"/>
+                  <a:ea typeface="DengXian" panose="02010600030101010101" pitchFamily="2" charset="-122"/>
+                </a:rPr>
+                <a:t>${id}</a:t>
+              </a:r>
+              <a:endParaRPr kumimoji="1" lang="zh-CN" altLang="en-US" sz="1200" dirty="0">
+                <a:solidFill>
+                  <a:sysClr val="windowText" lastClr="000000"/>
+                </a:solidFill>
+                <a:latin typeface="DengXian" panose="02010600030101010101" pitchFamily="2" charset="-122"/>
+                <a:ea typeface="DengXian" panose="02010600030101010101" pitchFamily="2" charset="-122"/>
+              </a:endParaRPr>
+            </a:p>
+          </p:txBody>
+        </p:sp>
+        <p:sp>
+          <p:nvSpPr>
+            <p:cNvPr id="7" name="文本框 12">
+              <a:extLst>
+                <a:ext uri="{FF2B5EF4-FFF2-40B4-BE49-F238E27FC236}">
+                  <a16:creationId xmlns:a16="http://schemas.microsoft.com/office/drawing/2014/main" id="{F4A15F1B-7E9F-18B1-B534-F871F2501E70}"/>
+                </a:ext>
+              </a:extLst>
+            </p:cNvPr>
+            <p:cNvSpPr txBox="1"/>
+            <p:nvPr/>
+          </p:nvSpPr>
+          <p:spPr>
+            <a:xfrm>
+              <a:off x="4526628" y="4614298"/>
+              <a:ext cx="5013823" cy="776903"/>
+            </a:xfrm>
+            <a:prstGeom prst="rect">
+              <a:avLst/>
+            </a:prstGeom>
+            <a:noFill/>
+          </p:spPr>
+          <p:txBody>
+            <a:bodyPr wrap="square" lIns="90000" numCol="2" rtlCol="0" anchor="ctr">
+              <a:noAutofit/>
+            </a:bodyPr>
+            <a:lstStyle/>
+            <a:p>
+              <a:r>
+                <a:rPr kumimoji="1" lang="en-US" altLang="zh-CN" sz="1200" b="1" dirty="0">
+                  <a:latin typeface="DengXian" panose="02010600030101010101" pitchFamily="2" charset="-122"/>
+                  <a:ea typeface="DengXian" panose="02010600030101010101" pitchFamily="2" charset="-122"/>
+                </a:rPr>
+                <a:t>g1:</a:t>
+              </a:r>
+              <a:r>
+                <a:rPr kumimoji="1" lang="zh-CN" altLang="en-US" sz="1200" b="1" dirty="0">
+                  <a:latin typeface="DengXian" panose="02010600030101010101" pitchFamily="2" charset="-122"/>
+                  <a:ea typeface="DengXian" panose="02010600030101010101" pitchFamily="2" charset="-122"/>
+                </a:rPr>
+                <a:t> </a:t>
+              </a:r>
+              <a:r>
+                <a:rPr kumimoji="1" lang="en-US" altLang="zh-CN" sz="1200" dirty="0" err="1">
+                  <a:latin typeface="DengXian" panose="02010600030101010101" pitchFamily="2" charset="-122"/>
+                  <a:ea typeface="DengXian" panose="02010600030101010101" pitchFamily="2" charset="-122"/>
+                </a:rPr>
+                <a:t>gurantee</a:t>
+              </a:r>
+              <a:endParaRPr kumimoji="1" lang="en-US" altLang="zh-CN" sz="1200" dirty="0">
+                <a:latin typeface="DengXian" panose="02010600030101010101" pitchFamily="2" charset="-122"/>
+                <a:ea typeface="DengXian" panose="02010600030101010101" pitchFamily="2" charset="-122"/>
+              </a:endParaRPr>
+            </a:p>
+            <a:p>
+              <a:r>
+                <a:rPr kumimoji="1" lang="en-US" altLang="zh-CN" sz="1200" b="1" dirty="0">
+                  <a:latin typeface="DengXian" panose="02010600030101010101" pitchFamily="2" charset="-122"/>
+                  <a:ea typeface="DengXian" panose="02010600030101010101" pitchFamily="2" charset="-122"/>
+                </a:rPr>
+                <a:t>g1</a:t>
+              </a:r>
+              <a:r>
+                <a:rPr kumimoji="1" lang="en-US" altLang="zh-CN" sz="1200" dirty="0">
+                  <a:latin typeface="DengXian" panose="02010600030101010101" pitchFamily="2" charset="-122"/>
+                  <a:ea typeface="DengXian" panose="02010600030101010101" pitchFamily="2" charset="-122"/>
+                </a:rPr>
+                <a:t>.timestamp</a:t>
+              </a:r>
+              <a:r>
+                <a:rPr kumimoji="1" lang="zh-CN" altLang="en-US" sz="1200" dirty="0">
+                  <a:latin typeface="DengXian" panose="02010600030101010101" pitchFamily="2" charset="-122"/>
+                  <a:ea typeface="DengXian" panose="02010600030101010101" pitchFamily="2" charset="-122"/>
+                </a:rPr>
+                <a:t> </a:t>
+              </a:r>
+              <a:r>
+                <a:rPr kumimoji="1" lang="en-US" altLang="zh-CN" sz="1200" dirty="0">
+                  <a:latin typeface="DengXian" panose="02010600030101010101" pitchFamily="2" charset="-122"/>
+                  <a:ea typeface="DengXian" panose="02010600030101010101" pitchFamily="2" charset="-122"/>
+                </a:rPr>
+                <a:t>&gt;</a:t>
+              </a:r>
+              <a:r>
+                <a:rPr kumimoji="1" lang="zh-CN" altLang="en-US" sz="1200" dirty="0">
+                  <a:latin typeface="DengXian" panose="02010600030101010101" pitchFamily="2" charset="-122"/>
+                  <a:ea typeface="DengXian" panose="02010600030101010101" pitchFamily="2" charset="-122"/>
+                </a:rPr>
+                <a:t> </a:t>
+              </a:r>
+              <a:r>
+                <a:rPr kumimoji="1" lang="en-US" altLang="zh-CN" sz="1200" dirty="0">
+                  <a:latin typeface="DengXian" panose="02010600030101010101" pitchFamily="2" charset="-122"/>
+                  <a:ea typeface="DengXian" panose="02010600030101010101" pitchFamily="2" charset="-122"/>
+                </a:rPr>
+                <a:t>${</a:t>
+              </a:r>
+              <a:r>
+                <a:rPr kumimoji="1" lang="en-US" altLang="zh-CN" sz="1200" dirty="0" err="1">
+                  <a:latin typeface="DengXian" panose="02010600030101010101" pitchFamily="2" charset="-122"/>
+                  <a:ea typeface="DengXian" panose="02010600030101010101" pitchFamily="2" charset="-122"/>
+                </a:rPr>
+                <a:t>start_time</a:t>
+              </a:r>
+              <a:r>
+                <a:rPr kumimoji="1" lang="en-US" altLang="zh-CN" sz="1200" dirty="0">
+                  <a:latin typeface="DengXian" panose="02010600030101010101" pitchFamily="2" charset="-122"/>
+                  <a:ea typeface="DengXian" panose="02010600030101010101" pitchFamily="2" charset="-122"/>
+                </a:rPr>
+                <a:t>}</a:t>
+              </a:r>
+            </a:p>
+            <a:p>
+              <a:r>
+                <a:rPr kumimoji="1" lang="en-US" altLang="zh-CN" sz="1200" b="1" dirty="0">
+                  <a:latin typeface="DengXian" panose="02010600030101010101" pitchFamily="2" charset="-122"/>
+                  <a:ea typeface="DengXian" panose="02010600030101010101" pitchFamily="2" charset="-122"/>
+                </a:rPr>
+                <a:t>g1</a:t>
+              </a:r>
+              <a:r>
+                <a:rPr kumimoji="1" lang="en-US" altLang="zh-CN" sz="1200" dirty="0">
+                  <a:latin typeface="DengXian" panose="02010600030101010101" pitchFamily="2" charset="-122"/>
+                  <a:ea typeface="DengXian" panose="02010600030101010101" pitchFamily="2" charset="-122"/>
+                </a:rPr>
+                <a:t>.timestamp</a:t>
+              </a:r>
+              <a:r>
+                <a:rPr kumimoji="1" lang="zh-CN" altLang="en-US" sz="1200" dirty="0">
+                  <a:latin typeface="DengXian" panose="02010600030101010101" pitchFamily="2" charset="-122"/>
+                  <a:ea typeface="DengXian" panose="02010600030101010101" pitchFamily="2" charset="-122"/>
+                </a:rPr>
+                <a:t> </a:t>
+              </a:r>
+              <a:r>
+                <a:rPr kumimoji="1" lang="en-US" altLang="zh-CN" sz="1200" dirty="0">
+                  <a:latin typeface="DengXian" panose="02010600030101010101" pitchFamily="2" charset="-122"/>
+                  <a:ea typeface="DengXian" panose="02010600030101010101" pitchFamily="2" charset="-122"/>
+                </a:rPr>
+                <a:t>&lt;</a:t>
+              </a:r>
+              <a:r>
+                <a:rPr kumimoji="1" lang="zh-CN" altLang="en-US" sz="1200" dirty="0">
+                  <a:latin typeface="DengXian" panose="02010600030101010101" pitchFamily="2" charset="-122"/>
+                  <a:ea typeface="DengXian" panose="02010600030101010101" pitchFamily="2" charset="-122"/>
+                </a:rPr>
+                <a:t> </a:t>
+              </a:r>
+              <a:r>
+                <a:rPr kumimoji="1" lang="en-US" altLang="zh-CN" sz="1200" dirty="0">
+                  <a:latin typeface="DengXian" panose="02010600030101010101" pitchFamily="2" charset="-122"/>
+                  <a:ea typeface="DengXian" panose="02010600030101010101" pitchFamily="2" charset="-122"/>
+                </a:rPr>
+                <a:t>${</a:t>
+              </a:r>
+              <a:r>
+                <a:rPr kumimoji="1" lang="en-US" altLang="zh-CN" sz="1200" dirty="0" err="1">
+                  <a:latin typeface="DengXian" panose="02010600030101010101" pitchFamily="2" charset="-122"/>
+                  <a:ea typeface="DengXian" panose="02010600030101010101" pitchFamily="2" charset="-122"/>
+                </a:rPr>
+                <a:t>end_time</a:t>
+              </a:r>
+              <a:r>
+                <a:rPr kumimoji="1" lang="en-US" altLang="zh-CN" sz="1200" dirty="0">
+                  <a:latin typeface="DengXian" panose="02010600030101010101" pitchFamily="2" charset="-122"/>
+                  <a:ea typeface="DengXian" panose="02010600030101010101" pitchFamily="2" charset="-122"/>
+                </a:rPr>
+                <a:t>}</a:t>
+              </a:r>
+              <a:endParaRPr kumimoji="1" lang="en-US" altLang="zh-CN" sz="1200" b="1" dirty="0">
+                <a:latin typeface="DengXian" panose="02010600030101010101" pitchFamily="2" charset="-122"/>
+                <a:ea typeface="DengXian" panose="02010600030101010101" pitchFamily="2" charset="-122"/>
+              </a:endParaRPr>
+            </a:p>
+            <a:p>
+              <a:r>
+                <a:rPr kumimoji="1" lang="en-US" altLang="zh-CN" sz="1200" b="1" dirty="0" err="1">
+                  <a:latin typeface="DengXian" panose="02010600030101010101" pitchFamily="2" charset="-122"/>
+                  <a:ea typeface="DengXian" panose="02010600030101010101" pitchFamily="2" charset="-122"/>
+                </a:rPr>
+                <a:t>gN</a:t>
+              </a:r>
+              <a:r>
+                <a:rPr kumimoji="1" lang="en-US" altLang="zh-CN" sz="1200" b="1" dirty="0">
+                  <a:latin typeface="DengXian" panose="02010600030101010101" pitchFamily="2" charset="-122"/>
+                  <a:ea typeface="DengXian" panose="02010600030101010101" pitchFamily="2" charset="-122"/>
+                </a:rPr>
+                <a:t>:</a:t>
+              </a:r>
+              <a:r>
+                <a:rPr kumimoji="1" lang="zh-CN" altLang="en-US" sz="1200" b="1" dirty="0">
+                  <a:latin typeface="DengXian" panose="02010600030101010101" pitchFamily="2" charset="-122"/>
+                  <a:ea typeface="DengXian" panose="02010600030101010101" pitchFamily="2" charset="-122"/>
+                </a:rPr>
+                <a:t> </a:t>
+              </a:r>
+              <a:r>
+                <a:rPr kumimoji="1" lang="en-US" altLang="zh-CN" sz="1200" dirty="0" err="1">
+                  <a:latin typeface="DengXian" panose="02010600030101010101" pitchFamily="2" charset="-122"/>
+                  <a:ea typeface="DengXian" panose="02010600030101010101" pitchFamily="2" charset="-122"/>
+                </a:rPr>
+                <a:t>gurantee</a:t>
+              </a:r>
+              <a:endParaRPr kumimoji="1" lang="en-US" altLang="zh-CN" sz="1200" dirty="0">
+                <a:latin typeface="DengXian" panose="02010600030101010101" pitchFamily="2" charset="-122"/>
+                <a:ea typeface="DengXian" panose="02010600030101010101" pitchFamily="2" charset="-122"/>
+              </a:endParaRPr>
+            </a:p>
+            <a:p>
+              <a:r>
+                <a:rPr kumimoji="1" lang="en-US" altLang="zh-CN" sz="1200" b="1" dirty="0" err="1">
+                  <a:latin typeface="DengXian" panose="02010600030101010101" pitchFamily="2" charset="-122"/>
+                  <a:ea typeface="DengXian" panose="02010600030101010101" pitchFamily="2" charset="-122"/>
+                </a:rPr>
+                <a:t>gN</a:t>
+              </a:r>
+              <a:r>
+                <a:rPr kumimoji="1" lang="en-US" altLang="zh-CN" sz="1200" dirty="0" err="1">
+                  <a:latin typeface="DengXian" panose="02010600030101010101" pitchFamily="2" charset="-122"/>
+                  <a:ea typeface="DengXian" panose="02010600030101010101" pitchFamily="2" charset="-122"/>
+                </a:rPr>
+                <a:t>.timestamp</a:t>
+              </a:r>
+              <a:r>
+                <a:rPr kumimoji="1" lang="zh-CN" altLang="en-US" sz="1200" dirty="0">
+                  <a:latin typeface="DengXian" panose="02010600030101010101" pitchFamily="2" charset="-122"/>
+                  <a:ea typeface="DengXian" panose="02010600030101010101" pitchFamily="2" charset="-122"/>
+                </a:rPr>
+                <a:t> </a:t>
+              </a:r>
+              <a:r>
+                <a:rPr kumimoji="1" lang="en-US" altLang="zh-CN" sz="1200" dirty="0">
+                  <a:latin typeface="DengXian" panose="02010600030101010101" pitchFamily="2" charset="-122"/>
+                  <a:ea typeface="DengXian" panose="02010600030101010101" pitchFamily="2" charset="-122"/>
+                </a:rPr>
+                <a:t>&gt;</a:t>
+              </a:r>
+              <a:r>
+                <a:rPr kumimoji="1" lang="zh-CN" altLang="en-US" sz="1200" dirty="0">
+                  <a:latin typeface="DengXian" panose="02010600030101010101" pitchFamily="2" charset="-122"/>
+                  <a:ea typeface="DengXian" panose="02010600030101010101" pitchFamily="2" charset="-122"/>
+                </a:rPr>
+                <a:t> </a:t>
+              </a:r>
+              <a:r>
+                <a:rPr kumimoji="1" lang="en-US" altLang="zh-CN" sz="1200" dirty="0">
+                  <a:latin typeface="DengXian" panose="02010600030101010101" pitchFamily="2" charset="-122"/>
+                  <a:ea typeface="DengXian" panose="02010600030101010101" pitchFamily="2" charset="-122"/>
+                </a:rPr>
+                <a:t>${</a:t>
+              </a:r>
+              <a:r>
+                <a:rPr kumimoji="1" lang="en-US" altLang="zh-CN" sz="1200" dirty="0" err="1">
+                  <a:latin typeface="DengXian" panose="02010600030101010101" pitchFamily="2" charset="-122"/>
+                  <a:ea typeface="DengXian" panose="02010600030101010101" pitchFamily="2" charset="-122"/>
+                </a:rPr>
+                <a:t>start_time</a:t>
+              </a:r>
+              <a:r>
+                <a:rPr kumimoji="1" lang="en-US" altLang="zh-CN" sz="1200" dirty="0">
+                  <a:latin typeface="DengXian" panose="02010600030101010101" pitchFamily="2" charset="-122"/>
+                  <a:ea typeface="DengXian" panose="02010600030101010101" pitchFamily="2" charset="-122"/>
+                </a:rPr>
+                <a:t>}</a:t>
+              </a:r>
+            </a:p>
+            <a:p>
+              <a:r>
+                <a:rPr kumimoji="1" lang="en-US" altLang="zh-CN" sz="1200" b="1" dirty="0" err="1">
+                  <a:latin typeface="DengXian" panose="02010600030101010101" pitchFamily="2" charset="-122"/>
+                  <a:ea typeface="DengXian" panose="02010600030101010101" pitchFamily="2" charset="-122"/>
+                </a:rPr>
+                <a:t>gN</a:t>
+              </a:r>
+              <a:r>
+                <a:rPr kumimoji="1" lang="en-US" altLang="zh-CN" sz="1200" dirty="0" err="1">
+                  <a:latin typeface="DengXian" panose="02010600030101010101" pitchFamily="2" charset="-122"/>
+                  <a:ea typeface="DengXian" panose="02010600030101010101" pitchFamily="2" charset="-122"/>
+                </a:rPr>
+                <a:t>.timestamp</a:t>
+              </a:r>
+              <a:r>
+                <a:rPr kumimoji="1" lang="zh-CN" altLang="en-US" sz="1200" dirty="0">
+                  <a:latin typeface="DengXian" panose="02010600030101010101" pitchFamily="2" charset="-122"/>
+                  <a:ea typeface="DengXian" panose="02010600030101010101" pitchFamily="2" charset="-122"/>
+                </a:rPr>
+                <a:t> </a:t>
+              </a:r>
+              <a:r>
+                <a:rPr kumimoji="1" lang="en-US" altLang="zh-CN" sz="1200" dirty="0">
+                  <a:latin typeface="DengXian" panose="02010600030101010101" pitchFamily="2" charset="-122"/>
+                  <a:ea typeface="DengXian" panose="02010600030101010101" pitchFamily="2" charset="-122"/>
+                </a:rPr>
+                <a:t>&lt;</a:t>
+              </a:r>
+              <a:r>
+                <a:rPr kumimoji="1" lang="zh-CN" altLang="en-US" sz="1200" dirty="0">
+                  <a:latin typeface="DengXian" panose="02010600030101010101" pitchFamily="2" charset="-122"/>
+                  <a:ea typeface="DengXian" panose="02010600030101010101" pitchFamily="2" charset="-122"/>
+                </a:rPr>
+                <a:t> </a:t>
+              </a:r>
+              <a:r>
+                <a:rPr kumimoji="1" lang="en-US" altLang="zh-CN" sz="1200" dirty="0">
+                  <a:latin typeface="DengXian" panose="02010600030101010101" pitchFamily="2" charset="-122"/>
+                  <a:ea typeface="DengXian" panose="02010600030101010101" pitchFamily="2" charset="-122"/>
+                </a:rPr>
+                <a:t>${</a:t>
+              </a:r>
+              <a:r>
+                <a:rPr kumimoji="1" lang="en-US" altLang="zh-CN" sz="1200" dirty="0" err="1">
+                  <a:latin typeface="DengXian" panose="02010600030101010101" pitchFamily="2" charset="-122"/>
+                  <a:ea typeface="DengXian" panose="02010600030101010101" pitchFamily="2" charset="-122"/>
+                </a:rPr>
+                <a:t>end_time</a:t>
+              </a:r>
+              <a:r>
+                <a:rPr kumimoji="1" lang="en-US" altLang="zh-CN" sz="1200" dirty="0">
+                  <a:latin typeface="DengXian" panose="02010600030101010101" pitchFamily="2" charset="-122"/>
+                  <a:ea typeface="DengXian" panose="02010600030101010101" pitchFamily="2" charset="-122"/>
+                </a:rPr>
+                <a:t>}</a:t>
+              </a:r>
             </a:p>
           </p:txBody>
         </p:sp>
@@ -15546,10 +16121,10 @@
         </p:nvGrpSpPr>
         <p:grpSpPr>
           <a:xfrm>
-            <a:off x="880846" y="1369741"/>
-            <a:ext cx="10430308" cy="4611188"/>
-            <a:chOff x="600347" y="1416633"/>
-            <a:chExt cx="10430308" cy="4611188"/>
+            <a:off x="880846" y="1369740"/>
+            <a:ext cx="10430308" cy="4768503"/>
+            <a:chOff x="600347" y="1416632"/>
+            <a:chExt cx="10430308" cy="4768503"/>
           </a:xfrm>
         </p:grpSpPr>
         <p:sp>
@@ -15566,8 +16141,8 @@
           </p:nvSpPr>
           <p:spPr>
             <a:xfrm>
-              <a:off x="9111232" y="1416633"/>
-              <a:ext cx="1919423" cy="4611188"/>
+              <a:off x="9111232" y="1416632"/>
+              <a:ext cx="1919423" cy="4768503"/>
             </a:xfrm>
             <a:prstGeom prst="rect">
               <a:avLst/>
@@ -15641,6 +16216,48 @@
                   <a:ea typeface="DengXian" panose="02010600030101010101" pitchFamily="2" charset="-122"/>
                 </a:rPr>
                 <a:t>.loanAmount</a:t>
+              </a:r>
+              <a:r>
+                <a:rPr kumimoji="1" lang="en-US" altLang="zh-CN" sz="1200" dirty="0">
+                  <a:solidFill>
+                    <a:sysClr val="windowText" lastClr="000000"/>
+                  </a:solidFill>
+                  <a:latin typeface="DengXian" panose="02010600030101010101" pitchFamily="2" charset="-122"/>
+                  <a:ea typeface="DengXian" panose="02010600030101010101" pitchFamily="2" charset="-122"/>
+                </a:rPr>
+                <a:t>)</a:t>
+              </a:r>
+            </a:p>
+            <a:p>
+              <a:r>
+                <a:rPr kumimoji="1" lang="en-US" altLang="zh-CN" sz="1200" dirty="0">
+                  <a:solidFill>
+                    <a:sysClr val="windowText" lastClr="000000"/>
+                  </a:solidFill>
+                  <a:latin typeface="DengXian" panose="02010600030101010101" pitchFamily="2" charset="-122"/>
+                  <a:ea typeface="DengXian" panose="02010600030101010101" pitchFamily="2" charset="-122"/>
+                </a:rPr>
+                <a:t>SUM(</a:t>
+              </a:r>
+              <a:r>
+                <a:rPr kumimoji="1" lang="en-US" altLang="zh-CN" sz="1200" b="1" dirty="0" err="1">
+                  <a:solidFill>
+                    <a:sysClr val="windowText" lastClr="000000"/>
+                  </a:solidFill>
+                  <a:latin typeface="DengXian" panose="02010600030101010101" pitchFamily="2" charset="-122"/>
+                  <a:ea typeface="DengXian" panose="02010600030101010101" pitchFamily="2" charset="-122"/>
+                </a:rPr>
+                <a:t>loans</a:t>
+              </a:r>
+              <a:r>
+                <a:rPr kumimoji="1" lang="en-US" altLang="zh-CN" sz="1200" dirty="0" err="1">
+                  <a:solidFill>
+                    <a:sysClr val="windowText" lastClr="000000"/>
+                  </a:solidFill>
+                  <a:latin typeface="DengXian" panose="02010600030101010101" pitchFamily="2" charset="-122"/>
+                  <a:ea typeface="DengXian" panose="02010600030101010101" pitchFamily="2" charset="-122"/>
+                </a:rPr>
+                <a:t>.balance</a:t>
               </a:r>
               <a:r>
                 <a:rPr kumimoji="1" lang="en-US" altLang="zh-CN" sz="1200" dirty="0">
@@ -22263,2328 +22880,2349 @@
           <a:chExt cx="0" cy="0"/>
         </a:xfrm>
       </p:grpSpPr>
-      <p:sp>
-        <p:nvSpPr>
-          <p:cNvPr id="26" name="矩形 5">
+      <p:grpSp>
+        <p:nvGrpSpPr>
+          <p:cNvPr id="2" name="Group 1">
             <a:extLst>
               <a:ext uri="{FF2B5EF4-FFF2-40B4-BE49-F238E27FC236}">
-                <a16:creationId xmlns:a16="http://schemas.microsoft.com/office/drawing/2014/main" id="{157E59E4-5BB9-A94E-861A-107157A5301C}"/>
+                <a16:creationId xmlns:a16="http://schemas.microsoft.com/office/drawing/2014/main" id="{41925677-9669-8939-6D0E-5B568B0D4ACF}"/>
               </a:ext>
             </a:extLst>
           </p:cNvPr>
-          <p:cNvSpPr/>
+          <p:cNvGrpSpPr/>
           <p:nvPr/>
-        </p:nvSpPr>
-        <p:spPr>
+        </p:nvGrpSpPr>
+        <p:grpSpPr>
           <a:xfrm>
-            <a:off x="1484869" y="2675530"/>
-            <a:ext cx="1594681" cy="505147"/>
+            <a:off x="1484869" y="748410"/>
+            <a:ext cx="9077621" cy="5547666"/>
+            <a:chOff x="1484869" y="748410"/>
+            <a:chExt cx="9077621" cy="5547666"/>
           </a:xfrm>
-          <a:prstGeom prst="rect">
-            <a:avLst/>
-          </a:prstGeom>
-          <a:solidFill>
-            <a:srgbClr val="92D050"/>
-          </a:solidFill>
-          <a:ln w="25400">
+        </p:grpSpPr>
+        <p:sp>
+          <p:nvSpPr>
+            <p:cNvPr id="26" name="矩形 5">
+              <a:extLst>
+                <a:ext uri="{FF2B5EF4-FFF2-40B4-BE49-F238E27FC236}">
+                  <a16:creationId xmlns:a16="http://schemas.microsoft.com/office/drawing/2014/main" id="{157E59E4-5BB9-A94E-861A-107157A5301C}"/>
+                </a:ext>
+              </a:extLst>
+            </p:cNvPr>
+            <p:cNvSpPr/>
+            <p:nvPr/>
+          </p:nvSpPr>
+          <p:spPr>
+            <a:xfrm>
+              <a:off x="1484869" y="2675530"/>
+              <a:ext cx="1594681" cy="505147"/>
+            </a:xfrm>
+            <a:prstGeom prst="rect">
+              <a:avLst/>
+            </a:prstGeom>
             <a:solidFill>
-              <a:schemeClr val="tx1"/>
+              <a:srgbClr val="92D050"/>
             </a:solidFill>
-          </a:ln>
-        </p:spPr>
-        <p:style>
-          <a:lnRef idx="2">
-            <a:schemeClr val="accent2">
-              <a:shade val="50000"/>
-            </a:schemeClr>
-          </a:lnRef>
-          <a:fillRef idx="1">
-            <a:schemeClr val="accent2"/>
-          </a:fillRef>
-          <a:effectRef idx="0">
-            <a:schemeClr val="accent2"/>
-          </a:effectRef>
-          <a:fontRef idx="minor">
-            <a:schemeClr val="lt1"/>
-          </a:fontRef>
-        </p:style>
-        <p:txBody>
-          <a:bodyPr rtlCol="0" anchor="ctr"/>
-          <a:lstStyle/>
-          <a:p>
-            <a:pPr algn="ctr"/>
-            <a:r>
-              <a:rPr kumimoji="1" lang="en-US" altLang="zh-CN" sz="1200" b="1" dirty="0">
+            <a:ln w="25400">
+              <a:solidFill>
+                <a:schemeClr val="tx1"/>
+              </a:solidFill>
+            </a:ln>
+          </p:spPr>
+          <p:style>
+            <a:lnRef idx="2">
+              <a:schemeClr val="accent2">
+                <a:shade val="50000"/>
+              </a:schemeClr>
+            </a:lnRef>
+            <a:fillRef idx="1">
+              <a:schemeClr val="accent2"/>
+            </a:fillRef>
+            <a:effectRef idx="0">
+              <a:schemeClr val="accent2"/>
+            </a:effectRef>
+            <a:fontRef idx="minor">
+              <a:schemeClr val="lt1"/>
+            </a:fontRef>
+          </p:style>
+          <p:txBody>
+            <a:bodyPr rtlCol="0" anchor="ctr"/>
+            <a:lstStyle/>
+            <a:p>
+              <a:pPr algn="ctr"/>
+              <a:r>
+                <a:rPr kumimoji="1" lang="en-US" altLang="zh-CN" sz="1200" b="1" dirty="0">
+                  <a:solidFill>
+                    <a:sysClr val="windowText" lastClr="000000"/>
+                  </a:solidFill>
+                </a:rPr>
+                <a:t>person</a:t>
+              </a:r>
+              <a:r>
+                <a:rPr kumimoji="1" lang="zh-CN" altLang="en-US" sz="1200" dirty="0">
+                  <a:solidFill>
+                    <a:sysClr val="windowText" lastClr="000000"/>
+                  </a:solidFill>
+                </a:rPr>
+                <a:t> </a:t>
+              </a:r>
+              <a:r>
+                <a:rPr kumimoji="1" lang="en-US" altLang="zh-CN" sz="1200" dirty="0">
+                  <a:solidFill>
+                    <a:sysClr val="windowText" lastClr="000000"/>
+                  </a:solidFill>
+                </a:rPr>
+                <a:t>:</a:t>
+              </a:r>
+              <a:r>
+                <a:rPr kumimoji="1" lang="zh-CN" altLang="en-US" sz="1200" dirty="0">
+                  <a:solidFill>
+                    <a:sysClr val="windowText" lastClr="000000"/>
+                  </a:solidFill>
+                </a:rPr>
+                <a:t> </a:t>
+              </a:r>
+              <a:r>
+                <a:rPr kumimoji="1" lang="en-US" altLang="zh-CN" sz="1200" dirty="0">
+                  <a:solidFill>
+                    <a:sysClr val="windowText" lastClr="000000"/>
+                  </a:solidFill>
+                </a:rPr>
+                <a:t>Person</a:t>
+              </a:r>
+              <a:endParaRPr kumimoji="1" lang="zh-CN" altLang="en-US" sz="1200" dirty="0">
                 <a:solidFill>
                   <a:sysClr val="windowText" lastClr="000000"/>
                 </a:solidFill>
-              </a:rPr>
-              <a:t>person</a:t>
-            </a:r>
-            <a:r>
-              <a:rPr kumimoji="1" lang="zh-CN" altLang="en-US" sz="1200" dirty="0">
-                <a:solidFill>
-                  <a:sysClr val="windowText" lastClr="000000"/>
-                </a:solidFill>
-              </a:rPr>
-              <a:t> </a:t>
-            </a:r>
-            <a:r>
-              <a:rPr kumimoji="1" lang="en-US" altLang="zh-CN" sz="1200" dirty="0">
-                <a:solidFill>
-                  <a:sysClr val="windowText" lastClr="000000"/>
-                </a:solidFill>
-              </a:rPr>
-              <a:t>:</a:t>
-            </a:r>
-            <a:r>
-              <a:rPr kumimoji="1" lang="zh-CN" altLang="en-US" sz="1200" dirty="0">
-                <a:solidFill>
-                  <a:sysClr val="windowText" lastClr="000000"/>
-                </a:solidFill>
-              </a:rPr>
-              <a:t> </a:t>
-            </a:r>
-            <a:r>
-              <a:rPr kumimoji="1" lang="en-US" altLang="zh-CN" sz="1200" dirty="0">
-                <a:solidFill>
-                  <a:sysClr val="windowText" lastClr="000000"/>
-                </a:solidFill>
-              </a:rPr>
-              <a:t>Person</a:t>
-            </a:r>
-            <a:endParaRPr kumimoji="1" lang="zh-CN" altLang="en-US" sz="1200" dirty="0">
+              </a:endParaRPr>
+            </a:p>
+          </p:txBody>
+        </p:sp>
+        <p:sp>
+          <p:nvSpPr>
+            <p:cNvPr id="27" name="矩形 6">
+              <a:extLst>
+                <a:ext uri="{FF2B5EF4-FFF2-40B4-BE49-F238E27FC236}">
+                  <a16:creationId xmlns:a16="http://schemas.microsoft.com/office/drawing/2014/main" id="{C006D24A-9FC5-354F-A2ED-49B74266352F}"/>
+                </a:ext>
+              </a:extLst>
+            </p:cNvPr>
+            <p:cNvSpPr/>
+            <p:nvPr/>
+          </p:nvSpPr>
+          <p:spPr>
+            <a:xfrm>
+              <a:off x="1484870" y="3178411"/>
+              <a:ext cx="1594680" cy="369670"/>
+            </a:xfrm>
+            <a:prstGeom prst="rect">
+              <a:avLst/>
+            </a:prstGeom>
+            <a:noFill/>
+            <a:ln w="25400">
               <a:solidFill>
-                <a:sysClr val="windowText" lastClr="000000"/>
+                <a:schemeClr val="tx1"/>
               </a:solidFill>
-            </a:endParaRPr>
-          </a:p>
-        </p:txBody>
-      </p:sp>
-      <p:sp>
-        <p:nvSpPr>
-          <p:cNvPr id="27" name="矩形 6">
-            <a:extLst>
-              <a:ext uri="{FF2B5EF4-FFF2-40B4-BE49-F238E27FC236}">
-                <a16:creationId xmlns:a16="http://schemas.microsoft.com/office/drawing/2014/main" id="{C006D24A-9FC5-354F-A2ED-49B74266352F}"/>
-              </a:ext>
-            </a:extLst>
-          </p:cNvPr>
-          <p:cNvSpPr/>
-          <p:nvPr/>
-        </p:nvSpPr>
-        <p:spPr>
-          <a:xfrm>
-            <a:off x="1484870" y="3178411"/>
-            <a:ext cx="1594680" cy="369670"/>
-          </a:xfrm>
-          <a:prstGeom prst="rect">
-            <a:avLst/>
-          </a:prstGeom>
-          <a:noFill/>
-          <a:ln w="25400">
-            <a:solidFill>
-              <a:schemeClr val="tx1"/>
-            </a:solidFill>
-          </a:ln>
-        </p:spPr>
-        <p:style>
-          <a:lnRef idx="2">
-            <a:schemeClr val="accent2">
-              <a:shade val="50000"/>
-            </a:schemeClr>
-          </a:lnRef>
-          <a:fillRef idx="1">
-            <a:schemeClr val="accent2"/>
-          </a:fillRef>
-          <a:effectRef idx="0">
-            <a:schemeClr val="accent2"/>
-          </a:effectRef>
-          <a:fontRef idx="minor">
-            <a:schemeClr val="lt1"/>
-          </a:fontRef>
-        </p:style>
-        <p:txBody>
-          <a:bodyPr rtlCol="0" anchor="ctr"/>
-          <a:lstStyle/>
-          <a:p>
-            <a:pPr algn="ctr"/>
-            <a:r>
-              <a:rPr kumimoji="1" lang="en-US" altLang="zh-CN" sz="1200" b="1" dirty="0" err="1">
+            </a:ln>
+          </p:spPr>
+          <p:style>
+            <a:lnRef idx="2">
+              <a:schemeClr val="accent2">
+                <a:shade val="50000"/>
+              </a:schemeClr>
+            </a:lnRef>
+            <a:fillRef idx="1">
+              <a:schemeClr val="accent2"/>
+            </a:fillRef>
+            <a:effectRef idx="0">
+              <a:schemeClr val="accent2"/>
+            </a:effectRef>
+            <a:fontRef idx="minor">
+              <a:schemeClr val="lt1"/>
+            </a:fontRef>
+          </p:style>
+          <p:txBody>
+            <a:bodyPr rtlCol="0" anchor="ctr"/>
+            <a:lstStyle/>
+            <a:p>
+              <a:pPr algn="ctr"/>
+              <a:r>
+                <a:rPr kumimoji="1" lang="en-US" altLang="zh-CN" sz="1200" b="1" dirty="0" err="1">
+                  <a:solidFill>
+                    <a:sysClr val="windowText" lastClr="000000"/>
+                  </a:solidFill>
+                  <a:latin typeface="DengXian" panose="02010600030101010101" pitchFamily="2" charset="-122"/>
+                  <a:ea typeface="DengXian" panose="02010600030101010101" pitchFamily="2" charset="-122"/>
+                </a:rPr>
+                <a:t>person</a:t>
+              </a:r>
+              <a:r>
+                <a:rPr kumimoji="1" lang="en-US" altLang="zh-CN" sz="1200" dirty="0" err="1">
+                  <a:solidFill>
+                    <a:sysClr val="windowText" lastClr="000000"/>
+                  </a:solidFill>
+                  <a:latin typeface="DengXian" panose="02010600030101010101" pitchFamily="2" charset="-122"/>
+                  <a:ea typeface="DengXian" panose="02010600030101010101" pitchFamily="2" charset="-122"/>
+                </a:rPr>
+                <a:t>.id</a:t>
+              </a:r>
+              <a:r>
+                <a:rPr kumimoji="1" lang="zh-CN" altLang="en-US" sz="1200" dirty="0">
+                  <a:solidFill>
+                    <a:sysClr val="windowText" lastClr="000000"/>
+                  </a:solidFill>
+                  <a:latin typeface="DengXian" panose="02010600030101010101" pitchFamily="2" charset="-122"/>
+                  <a:ea typeface="DengXian" panose="02010600030101010101" pitchFamily="2" charset="-122"/>
+                </a:rPr>
+                <a:t> </a:t>
+              </a:r>
+              <a:r>
+                <a:rPr kumimoji="1" lang="en-US" altLang="zh-CN" sz="1200" dirty="0">
+                  <a:solidFill>
+                    <a:sysClr val="windowText" lastClr="000000"/>
+                  </a:solidFill>
+                  <a:latin typeface="DengXian" panose="02010600030101010101" pitchFamily="2" charset="-122"/>
+                  <a:ea typeface="DengXian" panose="02010600030101010101" pitchFamily="2" charset="-122"/>
+                </a:rPr>
+                <a:t>=</a:t>
+              </a:r>
+              <a:r>
+                <a:rPr kumimoji="1" lang="zh-CN" altLang="en-US" sz="1200" dirty="0">
+                  <a:solidFill>
+                    <a:sysClr val="windowText" lastClr="000000"/>
+                  </a:solidFill>
+                  <a:latin typeface="DengXian" panose="02010600030101010101" pitchFamily="2" charset="-122"/>
+                  <a:ea typeface="DengXian" panose="02010600030101010101" pitchFamily="2" charset="-122"/>
+                </a:rPr>
+                <a:t> </a:t>
+              </a:r>
+              <a:r>
+                <a:rPr kumimoji="1" lang="en-US" altLang="zh-CN" sz="1200" dirty="0">
+                  <a:solidFill>
+                    <a:sysClr val="windowText" lastClr="000000"/>
+                  </a:solidFill>
+                  <a:latin typeface="DengXian" panose="02010600030101010101" pitchFamily="2" charset="-122"/>
+                  <a:ea typeface="DengXian" panose="02010600030101010101" pitchFamily="2" charset="-122"/>
+                </a:rPr>
+                <a:t>${id}</a:t>
+              </a:r>
+              <a:endParaRPr kumimoji="1" lang="zh-CN" altLang="en-US" sz="1200" dirty="0">
                 <a:solidFill>
                   <a:sysClr val="windowText" lastClr="000000"/>
                 </a:solidFill>
                 <a:latin typeface="DengXian" panose="02010600030101010101" pitchFamily="2" charset="-122"/>
                 <a:ea typeface="DengXian" panose="02010600030101010101" pitchFamily="2" charset="-122"/>
-              </a:rPr>
-              <a:t>person</a:t>
-            </a:r>
-            <a:r>
-              <a:rPr kumimoji="1" lang="en-US" altLang="zh-CN" sz="1200" dirty="0" err="1">
+              </a:endParaRPr>
+            </a:p>
+          </p:txBody>
+        </p:sp>
+        <p:cxnSp>
+          <p:nvCxnSpPr>
+            <p:cNvPr id="28" name="直线箭头连接符 7" descr="jytjh">
+              <a:extLst>
+                <a:ext uri="{FF2B5EF4-FFF2-40B4-BE49-F238E27FC236}">
+                  <a16:creationId xmlns:a16="http://schemas.microsoft.com/office/drawing/2014/main" id="{D40DEA1C-42E9-7D49-88D9-1E238561C207}"/>
+                </a:ext>
+              </a:extLst>
+            </p:cNvPr>
+            <p:cNvCxnSpPr>
+              <a:cxnSpLocks/>
+              <a:stCxn id="26" idx="3"/>
+              <a:endCxn id="30" idx="1"/>
+            </p:cNvCxnSpPr>
+            <p:nvPr/>
+          </p:nvCxnSpPr>
+          <p:spPr>
+            <a:xfrm flipV="1">
+              <a:off x="3079550" y="1621510"/>
+              <a:ext cx="1205234" cy="1306594"/>
+            </a:xfrm>
+            <a:prstGeom prst="straightConnector1">
+              <a:avLst/>
+            </a:prstGeom>
+            <a:ln w="25400">
+              <a:solidFill>
+                <a:schemeClr val="tx1"/>
+              </a:solidFill>
+              <a:headEnd type="none" w="lg" len="med"/>
+              <a:tailEnd type="arrow" w="sm" len="lg"/>
+            </a:ln>
+          </p:spPr>
+          <p:style>
+            <a:lnRef idx="1">
+              <a:schemeClr val="accent1"/>
+            </a:lnRef>
+            <a:fillRef idx="0">
+              <a:schemeClr val="accent1"/>
+            </a:fillRef>
+            <a:effectRef idx="0">
+              <a:schemeClr val="accent1"/>
+            </a:effectRef>
+            <a:fontRef idx="minor">
+              <a:schemeClr val="tx1"/>
+            </a:fontRef>
+          </p:style>
+        </p:cxnSp>
+        <p:sp>
+          <p:nvSpPr>
+            <p:cNvPr id="29" name="文本框 8">
+              <a:extLst>
+                <a:ext uri="{FF2B5EF4-FFF2-40B4-BE49-F238E27FC236}">
+                  <a16:creationId xmlns:a16="http://schemas.microsoft.com/office/drawing/2014/main" id="{6AE6DB39-97D2-B247-B27D-5DE5C16A690F}"/>
+                </a:ext>
+              </a:extLst>
+            </p:cNvPr>
+            <p:cNvSpPr txBox="1"/>
+            <p:nvPr/>
+          </p:nvSpPr>
+          <p:spPr>
+            <a:xfrm>
+              <a:off x="2553592" y="2068569"/>
+              <a:ext cx="1182845" cy="276999"/>
+            </a:xfrm>
+            <a:prstGeom prst="rect">
+              <a:avLst/>
+            </a:prstGeom>
+            <a:noFill/>
+          </p:spPr>
+          <p:txBody>
+            <a:bodyPr wrap="square" rtlCol="0">
+              <a:spAutoFit/>
+            </a:bodyPr>
+            <a:lstStyle/>
+            <a:p>
+              <a:r>
+                <a:rPr kumimoji="1" lang="en-US" altLang="zh-CN" sz="1200" b="1" dirty="0">
+                  <a:latin typeface="DengXian" panose="02010600030101010101" pitchFamily="2" charset="-122"/>
+                  <a:ea typeface="DengXian" panose="02010600030101010101" pitchFamily="2" charset="-122"/>
+                </a:rPr>
+                <a:t>edge1</a:t>
+              </a:r>
+              <a:r>
+                <a:rPr kumimoji="1" lang="zh-CN" altLang="en-US" sz="1200" dirty="0">
+                  <a:latin typeface="DengXian" panose="02010600030101010101" pitchFamily="2" charset="-122"/>
+                  <a:ea typeface="DengXian" panose="02010600030101010101" pitchFamily="2" charset="-122"/>
+                </a:rPr>
+                <a:t> </a:t>
+              </a:r>
+              <a:r>
+                <a:rPr kumimoji="1" lang="en-US" altLang="zh-CN" sz="1200" dirty="0">
+                  <a:latin typeface="DengXian" panose="02010600030101010101" pitchFamily="2" charset="-122"/>
+                  <a:ea typeface="DengXian" panose="02010600030101010101" pitchFamily="2" charset="-122"/>
+                </a:rPr>
+                <a:t>:</a:t>
+              </a:r>
+              <a:r>
+                <a:rPr kumimoji="1" lang="zh-CN" altLang="en-US" sz="1200" dirty="0">
+                  <a:latin typeface="DengXian" panose="02010600030101010101" pitchFamily="2" charset="-122"/>
+                  <a:ea typeface="DengXian" panose="02010600030101010101" pitchFamily="2" charset="-122"/>
+                </a:rPr>
+                <a:t> </a:t>
+              </a:r>
+              <a:r>
+                <a:rPr kumimoji="1" lang="en-US" altLang="zh-CN" sz="1200" dirty="0">
+                  <a:latin typeface="DengXian" panose="02010600030101010101" pitchFamily="2" charset="-122"/>
+                  <a:ea typeface="DengXian" panose="02010600030101010101" pitchFamily="2" charset="-122"/>
+                </a:rPr>
+                <a:t>own</a:t>
+              </a:r>
+            </a:p>
+          </p:txBody>
+        </p:sp>
+        <p:sp>
+          <p:nvSpPr>
+            <p:cNvPr id="30" name="矩形 9">
+              <a:extLst>
+                <a:ext uri="{FF2B5EF4-FFF2-40B4-BE49-F238E27FC236}">
+                  <a16:creationId xmlns:a16="http://schemas.microsoft.com/office/drawing/2014/main" id="{5A8841F0-95B1-A34B-81DA-F74D6B693915}"/>
+                </a:ext>
+              </a:extLst>
+            </p:cNvPr>
+            <p:cNvSpPr/>
+            <p:nvPr/>
+          </p:nvSpPr>
+          <p:spPr>
+            <a:xfrm>
+              <a:off x="4284784" y="1368936"/>
+              <a:ext cx="1409134" cy="505147"/>
+            </a:xfrm>
+            <a:prstGeom prst="rect">
+              <a:avLst/>
+            </a:prstGeom>
+            <a:solidFill>
+              <a:schemeClr val="accent5">
+                <a:lumMod val="60000"/>
+                <a:lumOff val="40000"/>
+              </a:schemeClr>
+            </a:solidFill>
+            <a:ln w="25400">
+              <a:solidFill>
+                <a:schemeClr val="tx1"/>
+              </a:solidFill>
+            </a:ln>
+          </p:spPr>
+          <p:style>
+            <a:lnRef idx="2">
+              <a:schemeClr val="accent2">
+                <a:shade val="50000"/>
+              </a:schemeClr>
+            </a:lnRef>
+            <a:fillRef idx="1">
+              <a:schemeClr val="accent2"/>
+            </a:fillRef>
+            <a:effectRef idx="0">
+              <a:schemeClr val="accent2"/>
+            </a:effectRef>
+            <a:fontRef idx="minor">
+              <a:schemeClr val="lt1"/>
+            </a:fontRef>
+          </p:style>
+          <p:txBody>
+            <a:bodyPr rtlCol="0" anchor="ctr"/>
+            <a:lstStyle/>
+            <a:p>
+              <a:pPr algn="ctr"/>
+              <a:r>
+                <a:rPr kumimoji="1" lang="en-US" altLang="zh-CN" sz="1200" b="1" dirty="0" err="1">
+                  <a:solidFill>
+                    <a:sysClr val="windowText" lastClr="000000"/>
+                  </a:solidFill>
+                </a:rPr>
+                <a:t>src</a:t>
+              </a:r>
+              <a:r>
+                <a:rPr kumimoji="1" lang="zh-CN" altLang="en-US" sz="1200" dirty="0">
+                  <a:solidFill>
+                    <a:sysClr val="windowText" lastClr="000000"/>
+                  </a:solidFill>
+                </a:rPr>
+                <a:t> </a:t>
+              </a:r>
+              <a:r>
+                <a:rPr kumimoji="1" lang="en-US" altLang="zh-CN" sz="1200" dirty="0">
+                  <a:solidFill>
+                    <a:sysClr val="windowText" lastClr="000000"/>
+                  </a:solidFill>
+                </a:rPr>
+                <a:t>:</a:t>
+              </a:r>
+              <a:r>
+                <a:rPr kumimoji="1" lang="zh-CN" altLang="en-US" sz="1200" dirty="0">
+                  <a:solidFill>
+                    <a:sysClr val="windowText" lastClr="000000"/>
+                  </a:solidFill>
+                </a:rPr>
+                <a:t> </a:t>
+              </a:r>
+              <a:r>
+                <a:rPr kumimoji="1" lang="en-US" altLang="zh-CN" sz="1200" dirty="0">
+                  <a:solidFill>
+                    <a:sysClr val="windowText" lastClr="000000"/>
+                  </a:solidFill>
+                </a:rPr>
+                <a:t>Account</a:t>
+              </a:r>
+              <a:endParaRPr kumimoji="1" lang="zh-CN" altLang="en-US" sz="1200" dirty="0">
                 <a:solidFill>
                   <a:sysClr val="windowText" lastClr="000000"/>
                 </a:solidFill>
-                <a:latin typeface="DengXian" panose="02010600030101010101" pitchFamily="2" charset="-122"/>
-                <a:ea typeface="DengXian" panose="02010600030101010101" pitchFamily="2" charset="-122"/>
-              </a:rPr>
-              <a:t>.id</a:t>
-            </a:r>
-            <a:r>
-              <a:rPr kumimoji="1" lang="zh-CN" altLang="en-US" sz="1200" dirty="0">
+              </a:endParaRPr>
+            </a:p>
+          </p:txBody>
+        </p:sp>
+        <p:sp>
+          <p:nvSpPr>
+            <p:cNvPr id="31" name="矩形 10">
+              <a:extLst>
+                <a:ext uri="{FF2B5EF4-FFF2-40B4-BE49-F238E27FC236}">
+                  <a16:creationId xmlns:a16="http://schemas.microsoft.com/office/drawing/2014/main" id="{ECA9E5ED-8B98-2D4C-B179-148645608AA1}"/>
+                </a:ext>
+              </a:extLst>
+            </p:cNvPr>
+            <p:cNvSpPr/>
+            <p:nvPr/>
+          </p:nvSpPr>
+          <p:spPr>
+            <a:xfrm>
+              <a:off x="8547372" y="1368935"/>
+              <a:ext cx="1409134" cy="505147"/>
+            </a:xfrm>
+            <a:prstGeom prst="rect">
+              <a:avLst/>
+            </a:prstGeom>
+            <a:solidFill>
+              <a:schemeClr val="accent5">
+                <a:lumMod val="60000"/>
+                <a:lumOff val="40000"/>
+              </a:schemeClr>
+            </a:solidFill>
+            <a:ln w="25400">
+              <a:solidFill>
+                <a:schemeClr val="tx1"/>
+              </a:solidFill>
+            </a:ln>
+          </p:spPr>
+          <p:style>
+            <a:lnRef idx="2">
+              <a:schemeClr val="accent2">
+                <a:shade val="50000"/>
+              </a:schemeClr>
+            </a:lnRef>
+            <a:fillRef idx="1">
+              <a:schemeClr val="accent2"/>
+            </a:fillRef>
+            <a:effectRef idx="0">
+              <a:schemeClr val="accent2"/>
+            </a:effectRef>
+            <a:fontRef idx="minor">
+              <a:schemeClr val="lt1"/>
+            </a:fontRef>
+          </p:style>
+          <p:txBody>
+            <a:bodyPr rtlCol="0" anchor="ctr"/>
+            <a:lstStyle/>
+            <a:p>
+              <a:pPr algn="ctr"/>
+              <a:r>
+                <a:rPr kumimoji="1" lang="en-US" altLang="zh-CN" sz="1200" b="1" dirty="0" err="1">
+                  <a:solidFill>
+                    <a:sysClr val="windowText" lastClr="000000"/>
+                  </a:solidFill>
+                </a:rPr>
+                <a:t>dst</a:t>
+              </a:r>
+              <a:r>
+                <a:rPr kumimoji="1" lang="zh-CN" altLang="en-US" sz="1200" dirty="0">
+                  <a:solidFill>
+                    <a:sysClr val="windowText" lastClr="000000"/>
+                  </a:solidFill>
+                </a:rPr>
+                <a:t> </a:t>
+              </a:r>
+              <a:r>
+                <a:rPr kumimoji="1" lang="en-US" altLang="zh-CN" sz="1200" dirty="0">
+                  <a:solidFill>
+                    <a:sysClr val="windowText" lastClr="000000"/>
+                  </a:solidFill>
+                </a:rPr>
+                <a:t>:</a:t>
+              </a:r>
+              <a:r>
+                <a:rPr kumimoji="1" lang="zh-CN" altLang="en-US" sz="1200" dirty="0">
+                  <a:solidFill>
+                    <a:sysClr val="windowText" lastClr="000000"/>
+                  </a:solidFill>
+                </a:rPr>
+                <a:t> </a:t>
+              </a:r>
+              <a:r>
+                <a:rPr kumimoji="1" lang="en-US" altLang="zh-CN" sz="1200" dirty="0">
+                  <a:solidFill>
+                    <a:sysClr val="windowText" lastClr="000000"/>
+                  </a:solidFill>
+                </a:rPr>
+                <a:t>Account</a:t>
+              </a:r>
+              <a:endParaRPr kumimoji="1" lang="zh-CN" altLang="en-US" sz="1200" dirty="0">
                 <a:solidFill>
                   <a:sysClr val="windowText" lastClr="000000"/>
                 </a:solidFill>
+              </a:endParaRPr>
+            </a:p>
+          </p:txBody>
+        </p:sp>
+        <p:cxnSp>
+          <p:nvCxnSpPr>
+            <p:cNvPr id="32" name="直线箭头连接符 11" descr="jytjh">
+              <a:extLst>
+                <a:ext uri="{FF2B5EF4-FFF2-40B4-BE49-F238E27FC236}">
+                  <a16:creationId xmlns:a16="http://schemas.microsoft.com/office/drawing/2014/main" id="{07F7B8E7-DE4D-3745-86D9-5CBE4F2D0B7A}"/>
+                </a:ext>
+              </a:extLst>
+            </p:cNvPr>
+            <p:cNvCxnSpPr>
+              <a:cxnSpLocks/>
+              <a:stCxn id="31" idx="1"/>
+              <a:endCxn id="30" idx="3"/>
+            </p:cNvCxnSpPr>
+            <p:nvPr/>
+          </p:nvCxnSpPr>
+          <p:spPr>
+            <a:xfrm flipH="1">
+              <a:off x="5693918" y="1621509"/>
+              <a:ext cx="2853454" cy="1"/>
+            </a:xfrm>
+            <a:prstGeom prst="straightConnector1">
+              <a:avLst/>
+            </a:prstGeom>
+            <a:ln w="25400">
+              <a:solidFill>
+                <a:schemeClr val="tx1"/>
+              </a:solidFill>
+              <a:headEnd type="arrow" w="sm" len="lg"/>
+              <a:tailEnd type="none" w="lg" len="med"/>
+            </a:ln>
+          </p:spPr>
+          <p:style>
+            <a:lnRef idx="1">
+              <a:schemeClr val="accent1"/>
+            </a:lnRef>
+            <a:fillRef idx="0">
+              <a:schemeClr val="accent1"/>
+            </a:fillRef>
+            <a:effectRef idx="0">
+              <a:schemeClr val="accent1"/>
+            </a:effectRef>
+            <a:fontRef idx="minor">
+              <a:schemeClr val="tx1"/>
+            </a:fontRef>
+          </p:style>
+        </p:cxnSp>
+        <p:sp>
+          <p:nvSpPr>
+            <p:cNvPr id="33" name="文本框 12">
+              <a:extLst>
+                <a:ext uri="{FF2B5EF4-FFF2-40B4-BE49-F238E27FC236}">
+                  <a16:creationId xmlns:a16="http://schemas.microsoft.com/office/drawing/2014/main" id="{88967B24-E934-F741-AA98-4A8165900FD1}"/>
+                </a:ext>
+              </a:extLst>
+            </p:cNvPr>
+            <p:cNvSpPr txBox="1"/>
+            <p:nvPr/>
+          </p:nvSpPr>
+          <p:spPr>
+            <a:xfrm>
+              <a:off x="3955584" y="5633286"/>
+              <a:ext cx="2438998" cy="646331"/>
+            </a:xfrm>
+            <a:prstGeom prst="rect">
+              <a:avLst/>
+            </a:prstGeom>
+            <a:noFill/>
+          </p:spPr>
+          <p:txBody>
+            <a:bodyPr wrap="square" rtlCol="0">
+              <a:spAutoFit/>
+            </a:bodyPr>
+            <a:lstStyle/>
+            <a:p>
+              <a:r>
+                <a:rPr kumimoji="1" lang="en-US" altLang="zh-CN" sz="1200" b="1" dirty="0">
+                  <a:latin typeface="DengXian" panose="02010600030101010101" pitchFamily="2" charset="-122"/>
+                  <a:ea typeface="DengXian" panose="02010600030101010101" pitchFamily="2" charset="-122"/>
+                </a:rPr>
+                <a:t>edge2</a:t>
+              </a:r>
+              <a:r>
+                <a:rPr kumimoji="1" lang="en-US" altLang="zh-CN" sz="1200" dirty="0">
+                  <a:latin typeface="DengXian" panose="02010600030101010101" pitchFamily="2" charset="-122"/>
+                  <a:ea typeface="DengXian" panose="02010600030101010101" pitchFamily="2" charset="-122"/>
+                </a:rPr>
+                <a:t>:</a:t>
+              </a:r>
+              <a:r>
+                <a:rPr kumimoji="1" lang="zh-CN" altLang="en-US" sz="1200" dirty="0">
+                  <a:latin typeface="DengXian" panose="02010600030101010101" pitchFamily="2" charset="-122"/>
+                  <a:ea typeface="DengXian" panose="02010600030101010101" pitchFamily="2" charset="-122"/>
+                </a:rPr>
+                <a:t> </a:t>
+              </a:r>
+              <a:r>
+                <a:rPr kumimoji="1" lang="en-US" altLang="zh-CN" sz="1200" dirty="0">
+                  <a:latin typeface="DengXian" panose="02010600030101010101" pitchFamily="2" charset="-122"/>
+                  <a:ea typeface="DengXian" panose="02010600030101010101" pitchFamily="2" charset="-122"/>
+                </a:rPr>
+                <a:t>transfer</a:t>
+              </a:r>
+              <a:r>
+                <a:rPr kumimoji="1" lang="zh-CN" altLang="en-US" sz="1200" b="1" dirty="0">
+                  <a:latin typeface="DengXian" panose="02010600030101010101" pitchFamily="2" charset="-122"/>
+                  <a:ea typeface="DengXian" panose="02010600030101010101" pitchFamily="2" charset="-122"/>
+                </a:rPr>
+                <a:t> *</a:t>
+              </a:r>
+              <a:r>
+                <a:rPr kumimoji="1" lang="en-US" altLang="zh-CN" sz="1200" b="1" dirty="0">
+                  <a:latin typeface="DengXian" panose="02010600030101010101" pitchFamily="2" charset="-122"/>
+                  <a:ea typeface="DengXian" panose="02010600030101010101" pitchFamily="2" charset="-122"/>
+                </a:rPr>
+                <a:t>1..3</a:t>
+              </a:r>
+              <a:endParaRPr kumimoji="1" lang="en-US" altLang="zh-CN" sz="1200" dirty="0">
                 <a:latin typeface="DengXian" panose="02010600030101010101" pitchFamily="2" charset="-122"/>
                 <a:ea typeface="DengXian" panose="02010600030101010101" pitchFamily="2" charset="-122"/>
-              </a:rPr>
-              <a:t> </a:t>
-            </a:r>
-            <a:r>
-              <a:rPr kumimoji="1" lang="en-US" altLang="zh-CN" sz="1200" dirty="0">
+              </a:endParaRPr>
+            </a:p>
+            <a:p>
+              <a:r>
+                <a:rPr kumimoji="1" lang="en-US" altLang="zh-CN" sz="1200" b="1" dirty="0">
+                  <a:latin typeface="DengXian" panose="02010600030101010101" pitchFamily="2" charset="-122"/>
+                  <a:ea typeface="DengXian" panose="02010600030101010101" pitchFamily="2" charset="-122"/>
+                </a:rPr>
+                <a:t>edge2</a:t>
+              </a:r>
+              <a:r>
+                <a:rPr kumimoji="1" lang="en-US" altLang="zh-CN" sz="1200" dirty="0">
+                  <a:latin typeface="DengXian" panose="02010600030101010101" pitchFamily="2" charset="-122"/>
+                  <a:ea typeface="DengXian" panose="02010600030101010101" pitchFamily="2" charset="-122"/>
+                </a:rPr>
+                <a:t>.timestamp</a:t>
+              </a:r>
+              <a:r>
+                <a:rPr kumimoji="1" lang="zh-CN" altLang="en-US" sz="1200" dirty="0">
+                  <a:latin typeface="DengXian" panose="02010600030101010101" pitchFamily="2" charset="-122"/>
+                  <a:ea typeface="DengXian" panose="02010600030101010101" pitchFamily="2" charset="-122"/>
+                </a:rPr>
+                <a:t> </a:t>
+              </a:r>
+              <a:r>
+                <a:rPr kumimoji="1" lang="en-US" altLang="zh-CN" sz="1200" dirty="0">
+                  <a:latin typeface="DengXian" panose="02010600030101010101" pitchFamily="2" charset="-122"/>
+                  <a:ea typeface="DengXian" panose="02010600030101010101" pitchFamily="2" charset="-122"/>
+                </a:rPr>
+                <a:t>&gt;</a:t>
+              </a:r>
+              <a:r>
+                <a:rPr kumimoji="1" lang="zh-CN" altLang="en-US" sz="1200" dirty="0">
+                  <a:latin typeface="DengXian" panose="02010600030101010101" pitchFamily="2" charset="-122"/>
+                  <a:ea typeface="DengXian" panose="02010600030101010101" pitchFamily="2" charset="-122"/>
+                </a:rPr>
+                <a:t> </a:t>
+              </a:r>
+              <a:r>
+                <a:rPr kumimoji="1" lang="en-US" altLang="zh-CN" sz="1200" dirty="0">
+                  <a:latin typeface="DengXian" panose="02010600030101010101" pitchFamily="2" charset="-122"/>
+                  <a:ea typeface="DengXian" panose="02010600030101010101" pitchFamily="2" charset="-122"/>
+                </a:rPr>
+                <a:t>${</a:t>
+              </a:r>
+              <a:r>
+                <a:rPr kumimoji="1" lang="en-US" altLang="zh-CN" sz="1200" dirty="0" err="1">
+                  <a:latin typeface="DengXian" panose="02010600030101010101" pitchFamily="2" charset="-122"/>
+                  <a:ea typeface="DengXian" panose="02010600030101010101" pitchFamily="2" charset="-122"/>
+                </a:rPr>
+                <a:t>start_time</a:t>
+              </a:r>
+              <a:r>
+                <a:rPr kumimoji="1" lang="en-US" altLang="zh-CN" sz="1200" dirty="0">
+                  <a:latin typeface="DengXian" panose="02010600030101010101" pitchFamily="2" charset="-122"/>
+                  <a:ea typeface="DengXian" panose="02010600030101010101" pitchFamily="2" charset="-122"/>
+                </a:rPr>
+                <a:t>}</a:t>
+              </a:r>
+            </a:p>
+            <a:p>
+              <a:r>
+                <a:rPr kumimoji="1" lang="en-US" altLang="zh-CN" sz="1200" b="1" dirty="0">
+                  <a:latin typeface="DengXian" panose="02010600030101010101" pitchFamily="2" charset="-122"/>
+                  <a:ea typeface="DengXian" panose="02010600030101010101" pitchFamily="2" charset="-122"/>
+                </a:rPr>
+                <a:t>edge2</a:t>
+              </a:r>
+              <a:r>
+                <a:rPr kumimoji="1" lang="en-US" altLang="zh-CN" sz="1200" dirty="0">
+                  <a:latin typeface="DengXian" panose="02010600030101010101" pitchFamily="2" charset="-122"/>
+                  <a:ea typeface="DengXian" panose="02010600030101010101" pitchFamily="2" charset="-122"/>
+                </a:rPr>
+                <a:t>.timestamp</a:t>
+              </a:r>
+              <a:r>
+                <a:rPr kumimoji="1" lang="zh-CN" altLang="en-US" sz="1200" dirty="0">
+                  <a:latin typeface="DengXian" panose="02010600030101010101" pitchFamily="2" charset="-122"/>
+                  <a:ea typeface="DengXian" panose="02010600030101010101" pitchFamily="2" charset="-122"/>
+                </a:rPr>
+                <a:t> </a:t>
+              </a:r>
+              <a:r>
+                <a:rPr kumimoji="1" lang="en-US" altLang="zh-CN" sz="1200" dirty="0">
+                  <a:latin typeface="DengXian" panose="02010600030101010101" pitchFamily="2" charset="-122"/>
+                  <a:ea typeface="DengXian" panose="02010600030101010101" pitchFamily="2" charset="-122"/>
+                </a:rPr>
+                <a:t>&lt;</a:t>
+              </a:r>
+              <a:r>
+                <a:rPr kumimoji="1" lang="zh-CN" altLang="en-US" sz="1200" dirty="0">
+                  <a:latin typeface="DengXian" panose="02010600030101010101" pitchFamily="2" charset="-122"/>
+                  <a:ea typeface="DengXian" panose="02010600030101010101" pitchFamily="2" charset="-122"/>
+                </a:rPr>
+                <a:t> </a:t>
+              </a:r>
+              <a:r>
+                <a:rPr kumimoji="1" lang="en-US" altLang="zh-CN" sz="1200" dirty="0">
+                  <a:latin typeface="DengXian" panose="02010600030101010101" pitchFamily="2" charset="-122"/>
+                  <a:ea typeface="DengXian" panose="02010600030101010101" pitchFamily="2" charset="-122"/>
+                </a:rPr>
+                <a:t>${</a:t>
+              </a:r>
+              <a:r>
+                <a:rPr kumimoji="1" lang="en-US" altLang="zh-CN" sz="1200" dirty="0" err="1">
+                  <a:latin typeface="DengXian" panose="02010600030101010101" pitchFamily="2" charset="-122"/>
+                  <a:ea typeface="DengXian" panose="02010600030101010101" pitchFamily="2" charset="-122"/>
+                </a:rPr>
+                <a:t>end_time</a:t>
+              </a:r>
+              <a:r>
+                <a:rPr kumimoji="1" lang="en-US" altLang="zh-CN" sz="1200" dirty="0">
+                  <a:latin typeface="DengXian" panose="02010600030101010101" pitchFamily="2" charset="-122"/>
+                  <a:ea typeface="DengXian" panose="02010600030101010101" pitchFamily="2" charset="-122"/>
+                </a:rPr>
+                <a:t>}</a:t>
+              </a:r>
+            </a:p>
+          </p:txBody>
+        </p:sp>
+        <p:sp>
+          <p:nvSpPr>
+            <p:cNvPr id="40" name="矩形 13">
+              <a:extLst>
+                <a:ext uri="{FF2B5EF4-FFF2-40B4-BE49-F238E27FC236}">
+                  <a16:creationId xmlns:a16="http://schemas.microsoft.com/office/drawing/2014/main" id="{E1B0D771-7998-4A49-97E0-FF31B89BD9AB}"/>
+                </a:ext>
+              </a:extLst>
+            </p:cNvPr>
+            <p:cNvSpPr/>
+            <p:nvPr/>
+          </p:nvSpPr>
+          <p:spPr>
+            <a:xfrm>
+              <a:off x="3955584" y="748410"/>
+              <a:ext cx="6606906" cy="5547666"/>
+            </a:xfrm>
+            <a:prstGeom prst="rect">
+              <a:avLst/>
+            </a:prstGeom>
+            <a:noFill/>
+            <a:ln w="25400">
+              <a:solidFill>
+                <a:schemeClr val="tx1"/>
+              </a:solidFill>
+              <a:prstDash val="dash"/>
+            </a:ln>
+          </p:spPr>
+          <p:style>
+            <a:lnRef idx="2">
+              <a:schemeClr val="accent2">
+                <a:shade val="50000"/>
+              </a:schemeClr>
+            </a:lnRef>
+            <a:fillRef idx="1">
+              <a:schemeClr val="accent2"/>
+            </a:fillRef>
+            <a:effectRef idx="0">
+              <a:schemeClr val="accent2"/>
+            </a:effectRef>
+            <a:fontRef idx="minor">
+              <a:schemeClr val="lt1"/>
+            </a:fontRef>
+          </p:style>
+          <p:txBody>
+            <a:bodyPr rtlCol="0" anchor="b"/>
+            <a:lstStyle/>
+            <a:p>
+              <a:pPr algn="r"/>
+              <a:r>
+                <a:rPr kumimoji="1" lang="en-US" altLang="zh-CN" sz="1200" b="1" dirty="0">
+                  <a:solidFill>
+                    <a:srgbClr val="FF0000"/>
+                  </a:solidFill>
+                  <a:latin typeface="DengXian" panose="02010600030101010101" pitchFamily="2" charset="-122"/>
+                  <a:ea typeface="DengXian" panose="02010600030101010101" pitchFamily="2" charset="-122"/>
+                </a:rPr>
+                <a:t>RESULT</a:t>
+              </a:r>
+              <a:r>
+                <a:rPr kumimoji="1" lang="zh-CN" altLang="en-US" sz="1200" b="1" dirty="0">
+                  <a:solidFill>
+                    <a:srgbClr val="FF0000"/>
+                  </a:solidFill>
+                  <a:latin typeface="DengXian" panose="02010600030101010101" pitchFamily="2" charset="-122"/>
+                  <a:ea typeface="DengXian" panose="02010600030101010101" pitchFamily="2" charset="-122"/>
+                </a:rPr>
+                <a:t> </a:t>
+              </a:r>
+              <a:r>
+                <a:rPr kumimoji="1" lang="en-US" altLang="zh-CN" sz="1200" dirty="0">
+                  <a:solidFill>
+                    <a:sysClr val="windowText" lastClr="000000"/>
+                  </a:solidFill>
+                  <a:latin typeface="DengXian" panose="02010600030101010101" pitchFamily="2" charset="-122"/>
+                  <a:ea typeface="DengXian" panose="02010600030101010101" pitchFamily="2" charset="-122"/>
+                </a:rPr>
+                <a:t>paths</a:t>
+              </a:r>
+            </a:p>
+          </p:txBody>
+        </p:sp>
+        <p:sp>
+          <p:nvSpPr>
+            <p:cNvPr id="5" name="矩形 13">
+              <a:extLst>
+                <a:ext uri="{FF2B5EF4-FFF2-40B4-BE49-F238E27FC236}">
+                  <a16:creationId xmlns:a16="http://schemas.microsoft.com/office/drawing/2014/main" id="{1DDA4304-FDF5-F35D-DC1A-732A60B8796F}"/>
+                </a:ext>
+              </a:extLst>
+            </p:cNvPr>
+            <p:cNvSpPr/>
+            <p:nvPr/>
+          </p:nvSpPr>
+          <p:spPr>
+            <a:xfrm>
+              <a:off x="4157200" y="999267"/>
+              <a:ext cx="5948090" cy="991913"/>
+            </a:xfrm>
+            <a:prstGeom prst="rect">
+              <a:avLst/>
+            </a:prstGeom>
+            <a:noFill/>
+            <a:ln w="25400">
+              <a:solidFill>
+                <a:schemeClr val="tx1"/>
+              </a:solidFill>
+              <a:prstDash val="sysDot"/>
+            </a:ln>
+          </p:spPr>
+          <p:style>
+            <a:lnRef idx="2">
+              <a:schemeClr val="accent2">
+                <a:shade val="50000"/>
+              </a:schemeClr>
+            </a:lnRef>
+            <a:fillRef idx="1">
+              <a:schemeClr val="accent2"/>
+            </a:fillRef>
+            <a:effectRef idx="0">
+              <a:schemeClr val="accent2"/>
+            </a:effectRef>
+            <a:fontRef idx="minor">
+              <a:schemeClr val="lt1"/>
+            </a:fontRef>
+          </p:style>
+          <p:txBody>
+            <a:bodyPr rtlCol="0" anchor="t"/>
+            <a:lstStyle/>
+            <a:p>
+              <a:r>
+                <a:rPr kumimoji="1" lang="en-US" altLang="zh-CN" sz="1200" b="1" dirty="0">
+                  <a:solidFill>
+                    <a:sysClr val="windowText" lastClr="000000"/>
+                  </a:solidFill>
+                  <a:latin typeface="DengXian" panose="02010600030101010101" pitchFamily="2" charset="-122"/>
+                  <a:ea typeface="DengXian" panose="02010600030101010101" pitchFamily="2" charset="-122"/>
+                </a:rPr>
+                <a:t>Path</a:t>
+              </a:r>
+              <a:r>
+                <a:rPr kumimoji="1" lang="zh-CN" altLang="en-US" sz="1200" b="1" dirty="0">
+                  <a:solidFill>
+                    <a:sysClr val="windowText" lastClr="000000"/>
+                  </a:solidFill>
+                  <a:latin typeface="DengXian" panose="02010600030101010101" pitchFamily="2" charset="-122"/>
+                  <a:ea typeface="DengXian" panose="02010600030101010101" pitchFamily="2" charset="-122"/>
+                </a:rPr>
+                <a:t> </a:t>
+              </a:r>
+              <a:r>
+                <a:rPr kumimoji="1" lang="en-US" altLang="zh-CN" sz="1200" b="1" dirty="0">
+                  <a:solidFill>
+                    <a:sysClr val="windowText" lastClr="000000"/>
+                  </a:solidFill>
+                  <a:latin typeface="DengXian" panose="02010600030101010101" pitchFamily="2" charset="-122"/>
+                  <a:ea typeface="DengXian" panose="02010600030101010101" pitchFamily="2" charset="-122"/>
+                </a:rPr>
+                <a:t>1</a:t>
+              </a:r>
+            </a:p>
+          </p:txBody>
+        </p:sp>
+        <p:sp>
+          <p:nvSpPr>
+            <p:cNvPr id="7" name="矩形 9">
+              <a:extLst>
+                <a:ext uri="{FF2B5EF4-FFF2-40B4-BE49-F238E27FC236}">
+                  <a16:creationId xmlns:a16="http://schemas.microsoft.com/office/drawing/2014/main" id="{2E429AA4-BB66-7CAB-67EB-B08D100262B5}"/>
+                </a:ext>
+              </a:extLst>
+            </p:cNvPr>
+            <p:cNvSpPr/>
+            <p:nvPr/>
+          </p:nvSpPr>
+          <p:spPr>
+            <a:xfrm>
+              <a:off x="4284784" y="4766954"/>
+              <a:ext cx="1082475" cy="505147"/>
+            </a:xfrm>
+            <a:prstGeom prst="rect">
+              <a:avLst/>
+            </a:prstGeom>
+            <a:solidFill>
+              <a:schemeClr val="accent5">
+                <a:lumMod val="60000"/>
+                <a:lumOff val="40000"/>
+              </a:schemeClr>
+            </a:solidFill>
+            <a:ln w="25400">
+              <a:solidFill>
+                <a:schemeClr val="tx1"/>
+              </a:solidFill>
+            </a:ln>
+          </p:spPr>
+          <p:style>
+            <a:lnRef idx="2">
+              <a:schemeClr val="accent2">
+                <a:shade val="50000"/>
+              </a:schemeClr>
+            </a:lnRef>
+            <a:fillRef idx="1">
+              <a:schemeClr val="accent2"/>
+            </a:fillRef>
+            <a:effectRef idx="0">
+              <a:schemeClr val="accent2"/>
+            </a:effectRef>
+            <a:fontRef idx="minor">
+              <a:schemeClr val="lt1"/>
+            </a:fontRef>
+          </p:style>
+          <p:txBody>
+            <a:bodyPr rtlCol="0" anchor="ctr"/>
+            <a:lstStyle/>
+            <a:p>
+              <a:pPr algn="ctr"/>
+              <a:r>
+                <a:rPr kumimoji="1" lang="en-US" altLang="zh-CN" sz="1200" b="1" dirty="0" err="1">
+                  <a:solidFill>
+                    <a:sysClr val="windowText" lastClr="000000"/>
+                  </a:solidFill>
+                </a:rPr>
+                <a:t>src</a:t>
+              </a:r>
+              <a:r>
+                <a:rPr kumimoji="1" lang="zh-CN" altLang="en-US" sz="1200" dirty="0">
+                  <a:solidFill>
+                    <a:sysClr val="windowText" lastClr="000000"/>
+                  </a:solidFill>
+                </a:rPr>
+                <a:t> </a:t>
+              </a:r>
+              <a:r>
+                <a:rPr kumimoji="1" lang="en-US" altLang="zh-CN" sz="1200" dirty="0">
+                  <a:solidFill>
+                    <a:sysClr val="windowText" lastClr="000000"/>
+                  </a:solidFill>
+                </a:rPr>
+                <a:t>:</a:t>
+              </a:r>
+              <a:r>
+                <a:rPr kumimoji="1" lang="zh-CN" altLang="en-US" sz="1200" dirty="0">
+                  <a:solidFill>
+                    <a:sysClr val="windowText" lastClr="000000"/>
+                  </a:solidFill>
+                </a:rPr>
+                <a:t> </a:t>
+              </a:r>
+              <a:r>
+                <a:rPr kumimoji="1" lang="en-US" altLang="zh-CN" sz="1200" dirty="0">
+                  <a:solidFill>
+                    <a:sysClr val="windowText" lastClr="000000"/>
+                  </a:solidFill>
+                </a:rPr>
+                <a:t>Account</a:t>
+              </a:r>
+              <a:endParaRPr kumimoji="1" lang="zh-CN" altLang="en-US" sz="1200" dirty="0">
                 <a:solidFill>
                   <a:sysClr val="windowText" lastClr="000000"/>
                 </a:solidFill>
-                <a:latin typeface="DengXian" panose="02010600030101010101" pitchFamily="2" charset="-122"/>
-                <a:ea typeface="DengXian" panose="02010600030101010101" pitchFamily="2" charset="-122"/>
-              </a:rPr>
-              <a:t>=</a:t>
-            </a:r>
-            <a:r>
-              <a:rPr kumimoji="1" lang="zh-CN" altLang="en-US" sz="1200" dirty="0">
+              </a:endParaRPr>
+            </a:p>
+          </p:txBody>
+        </p:sp>
+        <p:sp>
+          <p:nvSpPr>
+            <p:cNvPr id="8" name="矩形 10">
+              <a:extLst>
+                <a:ext uri="{FF2B5EF4-FFF2-40B4-BE49-F238E27FC236}">
+                  <a16:creationId xmlns:a16="http://schemas.microsoft.com/office/drawing/2014/main" id="{94AC4ED8-6BCB-6186-C4D5-F4C5491C052C}"/>
+                </a:ext>
+              </a:extLst>
+            </p:cNvPr>
+            <p:cNvSpPr/>
+            <p:nvPr/>
+          </p:nvSpPr>
+          <p:spPr>
+            <a:xfrm>
+              <a:off x="8874030" y="4766954"/>
+              <a:ext cx="1082476" cy="505147"/>
+            </a:xfrm>
+            <a:prstGeom prst="rect">
+              <a:avLst/>
+            </a:prstGeom>
+            <a:solidFill>
+              <a:schemeClr val="accent5">
+                <a:lumMod val="60000"/>
+                <a:lumOff val="40000"/>
+              </a:schemeClr>
+            </a:solidFill>
+            <a:ln w="25400">
+              <a:solidFill>
+                <a:schemeClr val="tx1"/>
+              </a:solidFill>
+            </a:ln>
+          </p:spPr>
+          <p:style>
+            <a:lnRef idx="2">
+              <a:schemeClr val="accent2">
+                <a:shade val="50000"/>
+              </a:schemeClr>
+            </a:lnRef>
+            <a:fillRef idx="1">
+              <a:schemeClr val="accent2"/>
+            </a:fillRef>
+            <a:effectRef idx="0">
+              <a:schemeClr val="accent2"/>
+            </a:effectRef>
+            <a:fontRef idx="minor">
+              <a:schemeClr val="lt1"/>
+            </a:fontRef>
+          </p:style>
+          <p:txBody>
+            <a:bodyPr rtlCol="0" anchor="ctr"/>
+            <a:lstStyle/>
+            <a:p>
+              <a:pPr algn="ctr"/>
+              <a:r>
+                <a:rPr kumimoji="1" lang="en-US" altLang="zh-CN" sz="1200" b="1" dirty="0" err="1">
+                  <a:solidFill>
+                    <a:sysClr val="windowText" lastClr="000000"/>
+                  </a:solidFill>
+                </a:rPr>
+                <a:t>dst</a:t>
+              </a:r>
+              <a:r>
+                <a:rPr kumimoji="1" lang="zh-CN" altLang="en-US" sz="1200" dirty="0">
+                  <a:solidFill>
+                    <a:sysClr val="windowText" lastClr="000000"/>
+                  </a:solidFill>
+                </a:rPr>
+                <a:t> </a:t>
+              </a:r>
+              <a:r>
+                <a:rPr kumimoji="1" lang="en-US" altLang="zh-CN" sz="1200" dirty="0">
+                  <a:solidFill>
+                    <a:sysClr val="windowText" lastClr="000000"/>
+                  </a:solidFill>
+                </a:rPr>
+                <a:t>:</a:t>
+              </a:r>
+              <a:r>
+                <a:rPr kumimoji="1" lang="zh-CN" altLang="en-US" sz="1200" dirty="0">
+                  <a:solidFill>
+                    <a:sysClr val="windowText" lastClr="000000"/>
+                  </a:solidFill>
+                </a:rPr>
+                <a:t> </a:t>
+              </a:r>
+              <a:r>
+                <a:rPr kumimoji="1" lang="en-US" altLang="zh-CN" sz="1200" dirty="0">
+                  <a:solidFill>
+                    <a:sysClr val="windowText" lastClr="000000"/>
+                  </a:solidFill>
+                </a:rPr>
+                <a:t>Account</a:t>
+              </a:r>
+              <a:endParaRPr kumimoji="1" lang="zh-CN" altLang="en-US" sz="1200" dirty="0">
                 <a:solidFill>
                   <a:sysClr val="windowText" lastClr="000000"/>
                 </a:solidFill>
-                <a:latin typeface="DengXian" panose="02010600030101010101" pitchFamily="2" charset="-122"/>
-                <a:ea typeface="DengXian" panose="02010600030101010101" pitchFamily="2" charset="-122"/>
-              </a:rPr>
-              <a:t> </a:t>
-            </a:r>
-            <a:r>
-              <a:rPr kumimoji="1" lang="en-US" altLang="zh-CN" sz="1200" dirty="0">
+              </a:endParaRPr>
+            </a:p>
+          </p:txBody>
+        </p:sp>
+        <p:cxnSp>
+          <p:nvCxnSpPr>
+            <p:cNvPr id="9" name="直线箭头连接符 11" descr="jytjh">
+              <a:extLst>
+                <a:ext uri="{FF2B5EF4-FFF2-40B4-BE49-F238E27FC236}">
+                  <a16:creationId xmlns:a16="http://schemas.microsoft.com/office/drawing/2014/main" id="{3C0F8B5C-8252-7ACA-8163-E4D2B5B359FA}"/>
+                </a:ext>
+              </a:extLst>
+            </p:cNvPr>
+            <p:cNvCxnSpPr>
+              <a:cxnSpLocks/>
+              <a:stCxn id="54" idx="1"/>
+              <a:endCxn id="7" idx="3"/>
+            </p:cNvCxnSpPr>
+            <p:nvPr/>
+          </p:nvCxnSpPr>
+          <p:spPr>
+            <a:xfrm flipH="1">
+              <a:off x="5367259" y="5019528"/>
+              <a:ext cx="447273" cy="0"/>
+            </a:xfrm>
+            <a:prstGeom prst="straightConnector1">
+              <a:avLst/>
+            </a:prstGeom>
+            <a:ln w="25400">
+              <a:solidFill>
+                <a:schemeClr val="tx1"/>
+              </a:solidFill>
+              <a:headEnd type="arrow" w="sm" len="lg"/>
+              <a:tailEnd type="none" w="lg" len="med"/>
+            </a:ln>
+          </p:spPr>
+          <p:style>
+            <a:lnRef idx="1">
+              <a:schemeClr val="accent1"/>
+            </a:lnRef>
+            <a:fillRef idx="0">
+              <a:schemeClr val="accent1"/>
+            </a:fillRef>
+            <a:effectRef idx="0">
+              <a:schemeClr val="accent1"/>
+            </a:effectRef>
+            <a:fontRef idx="minor">
+              <a:schemeClr val="tx1"/>
+            </a:fontRef>
+          </p:style>
+        </p:cxnSp>
+        <p:sp>
+          <p:nvSpPr>
+            <p:cNvPr id="10" name="矩形 13">
+              <a:extLst>
+                <a:ext uri="{FF2B5EF4-FFF2-40B4-BE49-F238E27FC236}">
+                  <a16:creationId xmlns:a16="http://schemas.microsoft.com/office/drawing/2014/main" id="{64B8F2C2-8A92-9681-42C7-CF40BF93BA4C}"/>
+                </a:ext>
+              </a:extLst>
+            </p:cNvPr>
+            <p:cNvSpPr/>
+            <p:nvPr/>
+          </p:nvSpPr>
+          <p:spPr>
+            <a:xfrm>
+              <a:off x="4157200" y="4397285"/>
+              <a:ext cx="5948090" cy="991913"/>
+            </a:xfrm>
+            <a:prstGeom prst="rect">
+              <a:avLst/>
+            </a:prstGeom>
+            <a:noFill/>
+            <a:ln w="25400">
+              <a:solidFill>
+                <a:schemeClr val="tx1"/>
+              </a:solidFill>
+              <a:prstDash val="sysDot"/>
+            </a:ln>
+          </p:spPr>
+          <p:style>
+            <a:lnRef idx="2">
+              <a:schemeClr val="accent2">
+                <a:shade val="50000"/>
+              </a:schemeClr>
+            </a:lnRef>
+            <a:fillRef idx="1">
+              <a:schemeClr val="accent2"/>
+            </a:fillRef>
+            <a:effectRef idx="0">
+              <a:schemeClr val="accent2"/>
+            </a:effectRef>
+            <a:fontRef idx="minor">
+              <a:schemeClr val="lt1"/>
+            </a:fontRef>
+          </p:style>
+          <p:txBody>
+            <a:bodyPr rtlCol="0" anchor="t"/>
+            <a:lstStyle/>
+            <a:p>
+              <a:r>
+                <a:rPr kumimoji="1" lang="en-US" altLang="zh-CN" sz="1200" b="1" dirty="0">
+                  <a:solidFill>
+                    <a:sysClr val="windowText" lastClr="000000"/>
+                  </a:solidFill>
+                  <a:latin typeface="DengXian" panose="02010600030101010101" pitchFamily="2" charset="-122"/>
+                  <a:ea typeface="DengXian" panose="02010600030101010101" pitchFamily="2" charset="-122"/>
+                </a:rPr>
+                <a:t>Path</a:t>
+              </a:r>
+              <a:r>
+                <a:rPr kumimoji="1" lang="zh-CN" altLang="en-US" sz="1200" b="1" dirty="0">
+                  <a:solidFill>
+                    <a:sysClr val="windowText" lastClr="000000"/>
+                  </a:solidFill>
+                  <a:latin typeface="DengXian" panose="02010600030101010101" pitchFamily="2" charset="-122"/>
+                  <a:ea typeface="DengXian" panose="02010600030101010101" pitchFamily="2" charset="-122"/>
+                </a:rPr>
+                <a:t> </a:t>
+              </a:r>
+              <a:r>
+                <a:rPr kumimoji="1" lang="en-US" altLang="zh-CN" sz="1200" b="1" dirty="0">
+                  <a:solidFill>
+                    <a:sysClr val="windowText" lastClr="000000"/>
+                  </a:solidFill>
+                  <a:latin typeface="DengXian" panose="02010600030101010101" pitchFamily="2" charset="-122"/>
+                  <a:ea typeface="DengXian" panose="02010600030101010101" pitchFamily="2" charset="-122"/>
+                </a:rPr>
+                <a:t>N</a:t>
+              </a:r>
+            </a:p>
+          </p:txBody>
+        </p:sp>
+        <p:sp>
+          <p:nvSpPr>
+            <p:cNvPr id="11" name="矩形 9">
+              <a:extLst>
+                <a:ext uri="{FF2B5EF4-FFF2-40B4-BE49-F238E27FC236}">
+                  <a16:creationId xmlns:a16="http://schemas.microsoft.com/office/drawing/2014/main" id="{A984CFD2-105C-CCED-1791-F494394C2166}"/>
+                </a:ext>
+              </a:extLst>
+            </p:cNvPr>
+            <p:cNvSpPr/>
+            <p:nvPr/>
+          </p:nvSpPr>
+          <p:spPr>
+            <a:xfrm>
+              <a:off x="4284784" y="2684988"/>
+              <a:ext cx="1409134" cy="505147"/>
+            </a:xfrm>
+            <a:prstGeom prst="rect">
+              <a:avLst/>
+            </a:prstGeom>
+            <a:solidFill>
+              <a:schemeClr val="accent5">
+                <a:lumMod val="60000"/>
+                <a:lumOff val="40000"/>
+              </a:schemeClr>
+            </a:solidFill>
+            <a:ln w="25400">
+              <a:solidFill>
+                <a:schemeClr val="tx1"/>
+              </a:solidFill>
+            </a:ln>
+          </p:spPr>
+          <p:style>
+            <a:lnRef idx="2">
+              <a:schemeClr val="accent2">
+                <a:shade val="50000"/>
+              </a:schemeClr>
+            </a:lnRef>
+            <a:fillRef idx="1">
+              <a:schemeClr val="accent2"/>
+            </a:fillRef>
+            <a:effectRef idx="0">
+              <a:schemeClr val="accent2"/>
+            </a:effectRef>
+            <a:fontRef idx="minor">
+              <a:schemeClr val="lt1"/>
+            </a:fontRef>
+          </p:style>
+          <p:txBody>
+            <a:bodyPr rtlCol="0" anchor="ctr"/>
+            <a:lstStyle/>
+            <a:p>
+              <a:pPr algn="ctr"/>
+              <a:r>
+                <a:rPr kumimoji="1" lang="en-US" altLang="zh-CN" sz="1200" b="1" dirty="0" err="1">
+                  <a:solidFill>
+                    <a:sysClr val="windowText" lastClr="000000"/>
+                  </a:solidFill>
+                </a:rPr>
+                <a:t>src</a:t>
+              </a:r>
+              <a:r>
+                <a:rPr kumimoji="1" lang="zh-CN" altLang="en-US" sz="1200" dirty="0">
+                  <a:solidFill>
+                    <a:sysClr val="windowText" lastClr="000000"/>
+                  </a:solidFill>
+                </a:rPr>
+                <a:t> </a:t>
+              </a:r>
+              <a:r>
+                <a:rPr kumimoji="1" lang="en-US" altLang="zh-CN" sz="1200" dirty="0">
+                  <a:solidFill>
+                    <a:sysClr val="windowText" lastClr="000000"/>
+                  </a:solidFill>
+                </a:rPr>
+                <a:t>:</a:t>
+              </a:r>
+              <a:r>
+                <a:rPr kumimoji="1" lang="zh-CN" altLang="en-US" sz="1200" dirty="0">
+                  <a:solidFill>
+                    <a:sysClr val="windowText" lastClr="000000"/>
+                  </a:solidFill>
+                </a:rPr>
+                <a:t> </a:t>
+              </a:r>
+              <a:r>
+                <a:rPr kumimoji="1" lang="en-US" altLang="zh-CN" sz="1200" dirty="0">
+                  <a:solidFill>
+                    <a:sysClr val="windowText" lastClr="000000"/>
+                  </a:solidFill>
+                </a:rPr>
+                <a:t>Account</a:t>
+              </a:r>
+              <a:endParaRPr kumimoji="1" lang="zh-CN" altLang="en-US" sz="1200" dirty="0">
                 <a:solidFill>
                   <a:sysClr val="windowText" lastClr="000000"/>
                 </a:solidFill>
-                <a:latin typeface="DengXian" panose="02010600030101010101" pitchFamily="2" charset="-122"/>
-                <a:ea typeface="DengXian" panose="02010600030101010101" pitchFamily="2" charset="-122"/>
-              </a:rPr>
-              <a:t>${id}</a:t>
-            </a:r>
-            <a:endParaRPr kumimoji="1" lang="zh-CN" altLang="en-US" sz="1200" dirty="0">
+              </a:endParaRPr>
+            </a:p>
+          </p:txBody>
+        </p:sp>
+        <p:sp>
+          <p:nvSpPr>
+            <p:cNvPr id="12" name="矩形 10">
+              <a:extLst>
+                <a:ext uri="{FF2B5EF4-FFF2-40B4-BE49-F238E27FC236}">
+                  <a16:creationId xmlns:a16="http://schemas.microsoft.com/office/drawing/2014/main" id="{5D90DED5-8B1D-55DB-5DB8-DB3E71091474}"/>
+                </a:ext>
+              </a:extLst>
+            </p:cNvPr>
+            <p:cNvSpPr/>
+            <p:nvPr/>
+          </p:nvSpPr>
+          <p:spPr>
+            <a:xfrm>
+              <a:off x="8547372" y="2684988"/>
+              <a:ext cx="1409134" cy="505147"/>
+            </a:xfrm>
+            <a:prstGeom prst="rect">
+              <a:avLst/>
+            </a:prstGeom>
+            <a:solidFill>
+              <a:schemeClr val="accent5">
+                <a:lumMod val="60000"/>
+                <a:lumOff val="40000"/>
+              </a:schemeClr>
+            </a:solidFill>
+            <a:ln w="25400">
               <a:solidFill>
-                <a:sysClr val="windowText" lastClr="000000"/>
+                <a:schemeClr val="tx1"/>
               </a:solidFill>
-              <a:latin typeface="DengXian" panose="02010600030101010101" pitchFamily="2" charset="-122"/>
-              <a:ea typeface="DengXian" panose="02010600030101010101" pitchFamily="2" charset="-122"/>
-            </a:endParaRPr>
-          </a:p>
-        </p:txBody>
-      </p:sp>
-      <p:cxnSp>
-        <p:nvCxnSpPr>
-          <p:cNvPr id="28" name="直线箭头连接符 7" descr="jytjh">
-            <a:extLst>
-              <a:ext uri="{FF2B5EF4-FFF2-40B4-BE49-F238E27FC236}">
-                <a16:creationId xmlns:a16="http://schemas.microsoft.com/office/drawing/2014/main" id="{D40DEA1C-42E9-7D49-88D9-1E238561C207}"/>
-              </a:ext>
-            </a:extLst>
-          </p:cNvPr>
-          <p:cNvCxnSpPr>
-            <a:cxnSpLocks/>
-            <a:stCxn id="26" idx="3"/>
-            <a:endCxn id="30" idx="1"/>
-          </p:cNvCxnSpPr>
-          <p:nvPr/>
-        </p:nvCxnSpPr>
-        <p:spPr>
-          <a:xfrm flipV="1">
-            <a:off x="3079550" y="1621510"/>
-            <a:ext cx="1205234" cy="1306594"/>
-          </a:xfrm>
-          <a:prstGeom prst="straightConnector1">
-            <a:avLst/>
-          </a:prstGeom>
-          <a:ln w="25400">
-            <a:solidFill>
-              <a:schemeClr val="tx1"/>
-            </a:solidFill>
-            <a:headEnd type="none" w="lg" len="med"/>
-            <a:tailEnd type="arrow" w="sm" len="lg"/>
-          </a:ln>
-        </p:spPr>
-        <p:style>
-          <a:lnRef idx="1">
-            <a:schemeClr val="accent1"/>
-          </a:lnRef>
-          <a:fillRef idx="0">
-            <a:schemeClr val="accent1"/>
-          </a:fillRef>
-          <a:effectRef idx="0">
-            <a:schemeClr val="accent1"/>
-          </a:effectRef>
-          <a:fontRef idx="minor">
-            <a:schemeClr val="tx1"/>
-          </a:fontRef>
-        </p:style>
-      </p:cxnSp>
-      <p:sp>
-        <p:nvSpPr>
-          <p:cNvPr id="29" name="文本框 8">
-            <a:extLst>
-              <a:ext uri="{FF2B5EF4-FFF2-40B4-BE49-F238E27FC236}">
-                <a16:creationId xmlns:a16="http://schemas.microsoft.com/office/drawing/2014/main" id="{6AE6DB39-97D2-B247-B27D-5DE5C16A690F}"/>
-              </a:ext>
-            </a:extLst>
-          </p:cNvPr>
-          <p:cNvSpPr txBox="1"/>
-          <p:nvPr/>
-        </p:nvSpPr>
-        <p:spPr>
-          <a:xfrm>
-            <a:off x="2553592" y="2068569"/>
-            <a:ext cx="1182845" cy="276999"/>
-          </a:xfrm>
-          <a:prstGeom prst="rect">
-            <a:avLst/>
-          </a:prstGeom>
-          <a:noFill/>
-        </p:spPr>
-        <p:txBody>
-          <a:bodyPr wrap="square" rtlCol="0">
-            <a:spAutoFit/>
-          </a:bodyPr>
-          <a:lstStyle/>
-          <a:p>
-            <a:r>
-              <a:rPr kumimoji="1" lang="en-US" altLang="zh-CN" sz="1200" b="1" dirty="0">
-                <a:latin typeface="DengXian" panose="02010600030101010101" pitchFamily="2" charset="-122"/>
-                <a:ea typeface="DengXian" panose="02010600030101010101" pitchFamily="2" charset="-122"/>
-              </a:rPr>
-              <a:t>edge1</a:t>
-            </a:r>
-            <a:r>
-              <a:rPr kumimoji="1" lang="zh-CN" altLang="en-US" sz="1200" dirty="0">
-                <a:latin typeface="DengXian" panose="02010600030101010101" pitchFamily="2" charset="-122"/>
-                <a:ea typeface="DengXian" panose="02010600030101010101" pitchFamily="2" charset="-122"/>
-              </a:rPr>
-              <a:t> </a:t>
-            </a:r>
-            <a:r>
-              <a:rPr kumimoji="1" lang="en-US" altLang="zh-CN" sz="1200" dirty="0">
-                <a:latin typeface="DengXian" panose="02010600030101010101" pitchFamily="2" charset="-122"/>
-                <a:ea typeface="DengXian" panose="02010600030101010101" pitchFamily="2" charset="-122"/>
-              </a:rPr>
-              <a:t>:</a:t>
-            </a:r>
-            <a:r>
-              <a:rPr kumimoji="1" lang="zh-CN" altLang="en-US" sz="1200" dirty="0">
-                <a:latin typeface="DengXian" panose="02010600030101010101" pitchFamily="2" charset="-122"/>
-                <a:ea typeface="DengXian" panose="02010600030101010101" pitchFamily="2" charset="-122"/>
-              </a:rPr>
-              <a:t> </a:t>
-            </a:r>
-            <a:r>
-              <a:rPr kumimoji="1" lang="en-US" altLang="zh-CN" sz="1200" dirty="0">
-                <a:latin typeface="DengXian" panose="02010600030101010101" pitchFamily="2" charset="-122"/>
-                <a:ea typeface="DengXian" panose="02010600030101010101" pitchFamily="2" charset="-122"/>
-              </a:rPr>
-              <a:t>own</a:t>
-            </a:r>
-          </a:p>
-        </p:txBody>
-      </p:sp>
-      <p:sp>
-        <p:nvSpPr>
-          <p:cNvPr id="30" name="矩形 9">
-            <a:extLst>
-              <a:ext uri="{FF2B5EF4-FFF2-40B4-BE49-F238E27FC236}">
-                <a16:creationId xmlns:a16="http://schemas.microsoft.com/office/drawing/2014/main" id="{5A8841F0-95B1-A34B-81DA-F74D6B693915}"/>
-              </a:ext>
-            </a:extLst>
-          </p:cNvPr>
-          <p:cNvSpPr/>
-          <p:nvPr/>
-        </p:nvSpPr>
-        <p:spPr>
-          <a:xfrm>
-            <a:off x="4284784" y="1368936"/>
-            <a:ext cx="1409134" cy="505147"/>
-          </a:xfrm>
-          <a:prstGeom prst="rect">
-            <a:avLst/>
-          </a:prstGeom>
-          <a:solidFill>
-            <a:schemeClr val="accent5">
-              <a:lumMod val="60000"/>
-              <a:lumOff val="40000"/>
-            </a:schemeClr>
-          </a:solidFill>
-          <a:ln w="25400">
-            <a:solidFill>
-              <a:schemeClr val="tx1"/>
-            </a:solidFill>
-          </a:ln>
-        </p:spPr>
-        <p:style>
-          <a:lnRef idx="2">
-            <a:schemeClr val="accent2">
-              <a:shade val="50000"/>
-            </a:schemeClr>
-          </a:lnRef>
-          <a:fillRef idx="1">
-            <a:schemeClr val="accent2"/>
-          </a:fillRef>
-          <a:effectRef idx="0">
-            <a:schemeClr val="accent2"/>
-          </a:effectRef>
-          <a:fontRef idx="minor">
-            <a:schemeClr val="lt1"/>
-          </a:fontRef>
-        </p:style>
-        <p:txBody>
-          <a:bodyPr rtlCol="0" anchor="ctr"/>
-          <a:lstStyle/>
-          <a:p>
-            <a:pPr algn="ctr"/>
-            <a:r>
-              <a:rPr kumimoji="1" lang="en-US" altLang="zh-CN" sz="1200" b="1" dirty="0" err="1">
+            </a:ln>
+          </p:spPr>
+          <p:style>
+            <a:lnRef idx="2">
+              <a:schemeClr val="accent2">
+                <a:shade val="50000"/>
+              </a:schemeClr>
+            </a:lnRef>
+            <a:fillRef idx="1">
+              <a:schemeClr val="accent2"/>
+            </a:fillRef>
+            <a:effectRef idx="0">
+              <a:schemeClr val="accent2"/>
+            </a:effectRef>
+            <a:fontRef idx="minor">
+              <a:schemeClr val="lt1"/>
+            </a:fontRef>
+          </p:style>
+          <p:txBody>
+            <a:bodyPr rtlCol="0" anchor="ctr"/>
+            <a:lstStyle/>
+            <a:p>
+              <a:pPr algn="ctr"/>
+              <a:r>
+                <a:rPr kumimoji="1" lang="en-US" altLang="zh-CN" sz="1200" b="1" dirty="0" err="1">
+                  <a:solidFill>
+                    <a:sysClr val="windowText" lastClr="000000"/>
+                  </a:solidFill>
+                </a:rPr>
+                <a:t>dst</a:t>
+              </a:r>
+              <a:r>
+                <a:rPr kumimoji="1" lang="zh-CN" altLang="en-US" sz="1200" dirty="0">
+                  <a:solidFill>
+                    <a:sysClr val="windowText" lastClr="000000"/>
+                  </a:solidFill>
+                </a:rPr>
+                <a:t> </a:t>
+              </a:r>
+              <a:r>
+                <a:rPr kumimoji="1" lang="en-US" altLang="zh-CN" sz="1200" dirty="0">
+                  <a:solidFill>
+                    <a:sysClr val="windowText" lastClr="000000"/>
+                  </a:solidFill>
+                </a:rPr>
+                <a:t>:</a:t>
+              </a:r>
+              <a:r>
+                <a:rPr kumimoji="1" lang="zh-CN" altLang="en-US" sz="1200" dirty="0">
+                  <a:solidFill>
+                    <a:sysClr val="windowText" lastClr="000000"/>
+                  </a:solidFill>
+                </a:rPr>
+                <a:t> </a:t>
+              </a:r>
+              <a:r>
+                <a:rPr kumimoji="1" lang="en-US" altLang="zh-CN" sz="1200" dirty="0">
+                  <a:solidFill>
+                    <a:sysClr val="windowText" lastClr="000000"/>
+                  </a:solidFill>
+                </a:rPr>
+                <a:t>Account</a:t>
+              </a:r>
+              <a:endParaRPr kumimoji="1" lang="zh-CN" altLang="en-US" sz="1200" dirty="0">
                 <a:solidFill>
                   <a:sysClr val="windowText" lastClr="000000"/>
                 </a:solidFill>
-              </a:rPr>
-              <a:t>src</a:t>
-            </a:r>
-            <a:r>
-              <a:rPr kumimoji="1" lang="zh-CN" altLang="en-US" sz="1200" dirty="0">
+              </a:endParaRPr>
+            </a:p>
+          </p:txBody>
+        </p:sp>
+        <p:cxnSp>
+          <p:nvCxnSpPr>
+            <p:cNvPr id="13" name="直线箭头连接符 11" descr="jytjh">
+              <a:extLst>
+                <a:ext uri="{FF2B5EF4-FFF2-40B4-BE49-F238E27FC236}">
+                  <a16:creationId xmlns:a16="http://schemas.microsoft.com/office/drawing/2014/main" id="{AAA9BCB8-BEDD-AB64-1101-272C25D3290C}"/>
+                </a:ext>
+              </a:extLst>
+            </p:cNvPr>
+            <p:cNvCxnSpPr>
+              <a:cxnSpLocks/>
+              <a:stCxn id="43" idx="1"/>
+              <a:endCxn id="11" idx="3"/>
+            </p:cNvCxnSpPr>
+            <p:nvPr/>
+          </p:nvCxnSpPr>
+          <p:spPr>
+            <a:xfrm flipH="1">
+              <a:off x="5693918" y="2937562"/>
+              <a:ext cx="722160" cy="0"/>
+            </a:xfrm>
+            <a:prstGeom prst="straightConnector1">
+              <a:avLst/>
+            </a:prstGeom>
+            <a:ln w="25400">
+              <a:solidFill>
+                <a:schemeClr val="tx1"/>
+              </a:solidFill>
+              <a:headEnd type="arrow" w="sm" len="lg"/>
+              <a:tailEnd type="none" w="lg" len="med"/>
+            </a:ln>
+          </p:spPr>
+          <p:style>
+            <a:lnRef idx="1">
+              <a:schemeClr val="accent1"/>
+            </a:lnRef>
+            <a:fillRef idx="0">
+              <a:schemeClr val="accent1"/>
+            </a:fillRef>
+            <a:effectRef idx="0">
+              <a:schemeClr val="accent1"/>
+            </a:effectRef>
+            <a:fontRef idx="minor">
+              <a:schemeClr val="tx1"/>
+            </a:fontRef>
+          </p:style>
+        </p:cxnSp>
+        <p:cxnSp>
+          <p:nvCxnSpPr>
+            <p:cNvPr id="16" name="直线箭头连接符 7" descr="jytjh">
+              <a:extLst>
+                <a:ext uri="{FF2B5EF4-FFF2-40B4-BE49-F238E27FC236}">
+                  <a16:creationId xmlns:a16="http://schemas.microsoft.com/office/drawing/2014/main" id="{57A4E6A2-F1D7-09AC-A5C9-A728E3B8768E}"/>
+                </a:ext>
+              </a:extLst>
+            </p:cNvPr>
+            <p:cNvCxnSpPr>
+              <a:cxnSpLocks/>
+              <a:stCxn id="26" idx="3"/>
+              <a:endCxn id="11" idx="1"/>
+            </p:cNvCxnSpPr>
+            <p:nvPr/>
+          </p:nvCxnSpPr>
+          <p:spPr>
+            <a:xfrm>
+              <a:off x="3079550" y="2928104"/>
+              <a:ext cx="1205234" cy="9458"/>
+            </a:xfrm>
+            <a:prstGeom prst="straightConnector1">
+              <a:avLst/>
+            </a:prstGeom>
+            <a:ln w="25400">
+              <a:solidFill>
+                <a:schemeClr val="tx1"/>
+              </a:solidFill>
+              <a:headEnd type="none" w="lg" len="med"/>
+              <a:tailEnd type="arrow" w="sm" len="lg"/>
+            </a:ln>
+          </p:spPr>
+          <p:style>
+            <a:lnRef idx="1">
+              <a:schemeClr val="accent1"/>
+            </a:lnRef>
+            <a:fillRef idx="0">
+              <a:schemeClr val="accent1"/>
+            </a:fillRef>
+            <a:effectRef idx="0">
+              <a:schemeClr val="accent1"/>
+            </a:effectRef>
+            <a:fontRef idx="minor">
+              <a:schemeClr val="tx1"/>
+            </a:fontRef>
+          </p:style>
+        </p:cxnSp>
+        <p:cxnSp>
+          <p:nvCxnSpPr>
+            <p:cNvPr id="19" name="直线箭头连接符 7" descr="jytjh">
+              <a:extLst>
+                <a:ext uri="{FF2B5EF4-FFF2-40B4-BE49-F238E27FC236}">
+                  <a16:creationId xmlns:a16="http://schemas.microsoft.com/office/drawing/2014/main" id="{CC90E719-349C-9BE9-D8BC-301075D635ED}"/>
+                </a:ext>
+              </a:extLst>
+            </p:cNvPr>
+            <p:cNvCxnSpPr>
+              <a:cxnSpLocks/>
+              <a:stCxn id="26" idx="3"/>
+              <a:endCxn id="7" idx="1"/>
+            </p:cNvCxnSpPr>
+            <p:nvPr/>
+          </p:nvCxnSpPr>
+          <p:spPr>
+            <a:xfrm>
+              <a:off x="3079550" y="2928104"/>
+              <a:ext cx="1205234" cy="2091424"/>
+            </a:xfrm>
+            <a:prstGeom prst="straightConnector1">
+              <a:avLst/>
+            </a:prstGeom>
+            <a:ln w="25400">
+              <a:solidFill>
+                <a:schemeClr val="tx1"/>
+              </a:solidFill>
+              <a:headEnd type="none" w="lg" len="med"/>
+              <a:tailEnd type="arrow" w="sm" len="lg"/>
+            </a:ln>
+          </p:spPr>
+          <p:style>
+            <a:lnRef idx="1">
+              <a:schemeClr val="accent1"/>
+            </a:lnRef>
+            <a:fillRef idx="0">
+              <a:schemeClr val="accent1"/>
+            </a:fillRef>
+            <a:effectRef idx="0">
+              <a:schemeClr val="accent1"/>
+            </a:effectRef>
+            <a:fontRef idx="minor">
+              <a:schemeClr val="tx1"/>
+            </a:fontRef>
+          </p:style>
+        </p:cxnSp>
+        <p:sp>
+          <p:nvSpPr>
+            <p:cNvPr id="22" name="矩形 14">
+              <a:extLst>
+                <a:ext uri="{FF2B5EF4-FFF2-40B4-BE49-F238E27FC236}">
+                  <a16:creationId xmlns:a16="http://schemas.microsoft.com/office/drawing/2014/main" id="{3AFB2389-612B-1D58-15D9-B131B926F7EC}"/>
+                </a:ext>
+              </a:extLst>
+            </p:cNvPr>
+            <p:cNvSpPr/>
+            <p:nvPr/>
+          </p:nvSpPr>
+          <p:spPr>
+            <a:xfrm>
+              <a:off x="4157200" y="3631369"/>
+              <a:ext cx="5948090" cy="505147"/>
+            </a:xfrm>
+            <a:prstGeom prst="rect">
+              <a:avLst/>
+            </a:prstGeom>
+            <a:noFill/>
+            <a:ln w="28575">
+              <a:noFill/>
+            </a:ln>
+          </p:spPr>
+          <p:style>
+            <a:lnRef idx="2">
+              <a:schemeClr val="accent2">
+                <a:shade val="50000"/>
+              </a:schemeClr>
+            </a:lnRef>
+            <a:fillRef idx="1">
+              <a:schemeClr val="accent2"/>
+            </a:fillRef>
+            <a:effectRef idx="0">
+              <a:schemeClr val="accent2"/>
+            </a:effectRef>
+            <a:fontRef idx="minor">
+              <a:schemeClr val="lt1"/>
+            </a:fontRef>
+          </p:style>
+          <p:txBody>
+            <a:bodyPr rtlCol="0" anchor="ctr"/>
+            <a:lstStyle/>
+            <a:p>
+              <a:pPr algn="ctr"/>
+              <a:r>
+                <a:rPr kumimoji="1" lang="en-US" altLang="zh-CN" sz="1600" b="1" dirty="0">
+                  <a:solidFill>
+                    <a:sysClr val="windowText" lastClr="000000"/>
+                  </a:solidFill>
+                </a:rPr>
+                <a:t>…</a:t>
+              </a:r>
+              <a:endParaRPr kumimoji="1" lang="zh-CN" altLang="en-US" sz="1600" dirty="0">
                 <a:solidFill>
                   <a:sysClr val="windowText" lastClr="000000"/>
                 </a:solidFill>
-              </a:rPr>
-              <a:t> </a:t>
-            </a:r>
-            <a:r>
-              <a:rPr kumimoji="1" lang="en-US" altLang="zh-CN" sz="1200" dirty="0">
+              </a:endParaRPr>
+            </a:p>
+          </p:txBody>
+        </p:sp>
+        <p:cxnSp>
+          <p:nvCxnSpPr>
+            <p:cNvPr id="23" name="直线箭头连接符 7" descr="jytjh">
+              <a:extLst>
+                <a:ext uri="{FF2B5EF4-FFF2-40B4-BE49-F238E27FC236}">
+                  <a16:creationId xmlns:a16="http://schemas.microsoft.com/office/drawing/2014/main" id="{A1188DEF-6093-F2C7-3442-20DD37E28FB6}"/>
+                </a:ext>
+              </a:extLst>
+            </p:cNvPr>
+            <p:cNvCxnSpPr>
+              <a:cxnSpLocks/>
+              <a:stCxn id="26" idx="3"/>
+              <a:endCxn id="22" idx="1"/>
+            </p:cNvCxnSpPr>
+            <p:nvPr/>
+          </p:nvCxnSpPr>
+          <p:spPr>
+            <a:xfrm>
+              <a:off x="3079550" y="2928104"/>
+              <a:ext cx="1077650" cy="955839"/>
+            </a:xfrm>
+            <a:prstGeom prst="straightConnector1">
+              <a:avLst/>
+            </a:prstGeom>
+            <a:ln w="25400">
+              <a:solidFill>
+                <a:schemeClr val="tx1"/>
+              </a:solidFill>
+              <a:headEnd type="none" w="lg" len="med"/>
+              <a:tailEnd type="arrow" w="sm" len="lg"/>
+            </a:ln>
+          </p:spPr>
+          <p:style>
+            <a:lnRef idx="1">
+              <a:schemeClr val="accent1"/>
+            </a:lnRef>
+            <a:fillRef idx="0">
+              <a:schemeClr val="accent1"/>
+            </a:fillRef>
+            <a:effectRef idx="0">
+              <a:schemeClr val="accent1"/>
+            </a:effectRef>
+            <a:fontRef idx="minor">
+              <a:schemeClr val="tx1"/>
+            </a:fontRef>
+          </p:style>
+        </p:cxnSp>
+        <p:sp>
+          <p:nvSpPr>
+            <p:cNvPr id="42" name="文本框 8">
+              <a:extLst>
+                <a:ext uri="{FF2B5EF4-FFF2-40B4-BE49-F238E27FC236}">
+                  <a16:creationId xmlns:a16="http://schemas.microsoft.com/office/drawing/2014/main" id="{74AF70E1-B01F-1128-BCB3-72C9E56B441E}"/>
+                </a:ext>
+              </a:extLst>
+            </p:cNvPr>
+            <p:cNvSpPr txBox="1"/>
+            <p:nvPr/>
+          </p:nvSpPr>
+          <p:spPr>
+            <a:xfrm>
+              <a:off x="6416078" y="1298175"/>
+              <a:ext cx="1182845" cy="276999"/>
+            </a:xfrm>
+            <a:prstGeom prst="rect">
+              <a:avLst/>
+            </a:prstGeom>
+            <a:noFill/>
+          </p:spPr>
+          <p:txBody>
+            <a:bodyPr wrap="square" rtlCol="0">
+              <a:spAutoFit/>
+            </a:bodyPr>
+            <a:lstStyle/>
+            <a:p>
+              <a:pPr algn="ctr"/>
+              <a:r>
+                <a:rPr kumimoji="1" lang="en-US" altLang="zh-CN" sz="1200" b="1" dirty="0">
+                  <a:latin typeface="DengXian" panose="02010600030101010101" pitchFamily="2" charset="-122"/>
+                  <a:ea typeface="DengXian" panose="02010600030101010101" pitchFamily="2" charset="-122"/>
+                </a:rPr>
+                <a:t>edge2</a:t>
+              </a:r>
+              <a:endParaRPr kumimoji="1" lang="en-US" altLang="zh-CN" sz="1200" dirty="0">
+                <a:latin typeface="DengXian" panose="02010600030101010101" pitchFamily="2" charset="-122"/>
+                <a:ea typeface="DengXian" panose="02010600030101010101" pitchFamily="2" charset="-122"/>
+              </a:endParaRPr>
+            </a:p>
+          </p:txBody>
+        </p:sp>
+        <p:sp>
+          <p:nvSpPr>
+            <p:cNvPr id="43" name="矩形 10">
+              <a:extLst>
+                <a:ext uri="{FF2B5EF4-FFF2-40B4-BE49-F238E27FC236}">
+                  <a16:creationId xmlns:a16="http://schemas.microsoft.com/office/drawing/2014/main" id="{113F2D3A-4981-89B6-0EEC-FA09BE889A0F}"/>
+                </a:ext>
+              </a:extLst>
+            </p:cNvPr>
+            <p:cNvSpPr/>
+            <p:nvPr/>
+          </p:nvSpPr>
+          <p:spPr>
+            <a:xfrm>
+              <a:off x="6416078" y="2684988"/>
+              <a:ext cx="1409134" cy="505147"/>
+            </a:xfrm>
+            <a:prstGeom prst="rect">
+              <a:avLst/>
+            </a:prstGeom>
+            <a:solidFill>
+              <a:schemeClr val="accent5">
+                <a:lumMod val="60000"/>
+                <a:lumOff val="40000"/>
+              </a:schemeClr>
+            </a:solidFill>
+            <a:ln w="25400">
+              <a:solidFill>
+                <a:schemeClr val="tx1"/>
+              </a:solidFill>
+            </a:ln>
+          </p:spPr>
+          <p:style>
+            <a:lnRef idx="2">
+              <a:schemeClr val="accent2">
+                <a:shade val="50000"/>
+              </a:schemeClr>
+            </a:lnRef>
+            <a:fillRef idx="1">
+              <a:schemeClr val="accent2"/>
+            </a:fillRef>
+            <a:effectRef idx="0">
+              <a:schemeClr val="accent2"/>
+            </a:effectRef>
+            <a:fontRef idx="minor">
+              <a:schemeClr val="lt1"/>
+            </a:fontRef>
+          </p:style>
+          <p:txBody>
+            <a:bodyPr rtlCol="0" anchor="ctr"/>
+            <a:lstStyle/>
+            <a:p>
+              <a:pPr algn="ctr"/>
+              <a:r>
+                <a:rPr kumimoji="1" lang="en-US" altLang="zh-CN" sz="1200" b="1" dirty="0">
+                  <a:solidFill>
+                    <a:sysClr val="windowText" lastClr="000000"/>
+                  </a:solidFill>
+                </a:rPr>
+                <a:t>mid</a:t>
+              </a:r>
+              <a:r>
+                <a:rPr kumimoji="1" lang="zh-CN" altLang="en-US" sz="1200" dirty="0">
+                  <a:solidFill>
+                    <a:sysClr val="windowText" lastClr="000000"/>
+                  </a:solidFill>
+                </a:rPr>
+                <a:t> </a:t>
+              </a:r>
+              <a:r>
+                <a:rPr kumimoji="1" lang="en-US" altLang="zh-CN" sz="1200" dirty="0">
+                  <a:solidFill>
+                    <a:sysClr val="windowText" lastClr="000000"/>
+                  </a:solidFill>
+                </a:rPr>
+                <a:t>:</a:t>
+              </a:r>
+              <a:r>
+                <a:rPr kumimoji="1" lang="zh-CN" altLang="en-US" sz="1200" dirty="0">
+                  <a:solidFill>
+                    <a:sysClr val="windowText" lastClr="000000"/>
+                  </a:solidFill>
+                </a:rPr>
+                <a:t> </a:t>
+              </a:r>
+              <a:r>
+                <a:rPr kumimoji="1" lang="en-US" altLang="zh-CN" sz="1200" dirty="0">
+                  <a:solidFill>
+                    <a:sysClr val="windowText" lastClr="000000"/>
+                  </a:solidFill>
+                </a:rPr>
+                <a:t>Account</a:t>
+              </a:r>
+              <a:endParaRPr kumimoji="1" lang="zh-CN" altLang="en-US" sz="1200" dirty="0">
                 <a:solidFill>
                   <a:sysClr val="windowText" lastClr="000000"/>
                 </a:solidFill>
-              </a:rPr>
-              <a:t>:</a:t>
-            </a:r>
-            <a:r>
-              <a:rPr kumimoji="1" lang="zh-CN" altLang="en-US" sz="1200" dirty="0">
+              </a:endParaRPr>
+            </a:p>
+          </p:txBody>
+        </p:sp>
+        <p:cxnSp>
+          <p:nvCxnSpPr>
+            <p:cNvPr id="46" name="直线箭头连接符 11" descr="jytjh">
+              <a:extLst>
+                <a:ext uri="{FF2B5EF4-FFF2-40B4-BE49-F238E27FC236}">
+                  <a16:creationId xmlns:a16="http://schemas.microsoft.com/office/drawing/2014/main" id="{39ABE6A6-8789-C73D-DC53-4AE7C7A2954E}"/>
+                </a:ext>
+              </a:extLst>
+            </p:cNvPr>
+            <p:cNvCxnSpPr>
+              <a:cxnSpLocks/>
+              <a:stCxn id="12" idx="1"/>
+              <a:endCxn id="43" idx="3"/>
+            </p:cNvCxnSpPr>
+            <p:nvPr/>
+          </p:nvCxnSpPr>
+          <p:spPr>
+            <a:xfrm flipH="1">
+              <a:off x="7825212" y="2937562"/>
+              <a:ext cx="722160" cy="0"/>
+            </a:xfrm>
+            <a:prstGeom prst="straightConnector1">
+              <a:avLst/>
+            </a:prstGeom>
+            <a:ln w="25400">
+              <a:solidFill>
+                <a:schemeClr val="tx1"/>
+              </a:solidFill>
+              <a:headEnd type="arrow" w="sm" len="lg"/>
+              <a:tailEnd type="none" w="lg" len="med"/>
+            </a:ln>
+          </p:spPr>
+          <p:style>
+            <a:lnRef idx="1">
+              <a:schemeClr val="accent1"/>
+            </a:lnRef>
+            <a:fillRef idx="0">
+              <a:schemeClr val="accent1"/>
+            </a:fillRef>
+            <a:effectRef idx="0">
+              <a:schemeClr val="accent1"/>
+            </a:effectRef>
+            <a:fontRef idx="minor">
+              <a:schemeClr val="tx1"/>
+            </a:fontRef>
+          </p:style>
+        </p:cxnSp>
+        <p:sp>
+          <p:nvSpPr>
+            <p:cNvPr id="54" name="矩形 10">
+              <a:extLst>
+                <a:ext uri="{FF2B5EF4-FFF2-40B4-BE49-F238E27FC236}">
+                  <a16:creationId xmlns:a16="http://schemas.microsoft.com/office/drawing/2014/main" id="{2B4C3451-C29E-536A-E057-6FC1B8D5B363}"/>
+                </a:ext>
+              </a:extLst>
+            </p:cNvPr>
+            <p:cNvSpPr/>
+            <p:nvPr/>
+          </p:nvSpPr>
+          <p:spPr>
+            <a:xfrm>
+              <a:off x="5814532" y="4766954"/>
+              <a:ext cx="1082476" cy="505147"/>
+            </a:xfrm>
+            <a:prstGeom prst="rect">
+              <a:avLst/>
+            </a:prstGeom>
+            <a:solidFill>
+              <a:schemeClr val="accent5">
+                <a:lumMod val="60000"/>
+                <a:lumOff val="40000"/>
+              </a:schemeClr>
+            </a:solidFill>
+            <a:ln w="25400">
+              <a:solidFill>
+                <a:schemeClr val="tx1"/>
+              </a:solidFill>
+            </a:ln>
+          </p:spPr>
+          <p:style>
+            <a:lnRef idx="2">
+              <a:schemeClr val="accent2">
+                <a:shade val="50000"/>
+              </a:schemeClr>
+            </a:lnRef>
+            <a:fillRef idx="1">
+              <a:schemeClr val="accent2"/>
+            </a:fillRef>
+            <a:effectRef idx="0">
+              <a:schemeClr val="accent2"/>
+            </a:effectRef>
+            <a:fontRef idx="minor">
+              <a:schemeClr val="lt1"/>
+            </a:fontRef>
+          </p:style>
+          <p:txBody>
+            <a:bodyPr rtlCol="0" anchor="ctr"/>
+            <a:lstStyle/>
+            <a:p>
+              <a:pPr algn="ctr"/>
+              <a:r>
+                <a:rPr kumimoji="1" lang="en-US" altLang="zh-CN" sz="1200" b="1" dirty="0" err="1">
+                  <a:solidFill>
+                    <a:sysClr val="windowText" lastClr="000000"/>
+                  </a:solidFill>
+                </a:rPr>
+                <a:t>mid</a:t>
+              </a:r>
+              <a:r>
+                <a:rPr kumimoji="1" lang="en-US" altLang="zh-CN" sz="1200" dirty="0" err="1">
+                  <a:solidFill>
+                    <a:sysClr val="windowText" lastClr="000000"/>
+                  </a:solidFill>
+                </a:rPr>
+                <a:t>:Account</a:t>
+              </a:r>
+              <a:endParaRPr kumimoji="1" lang="zh-CN" altLang="en-US" sz="1200" dirty="0">
                 <a:solidFill>
                   <a:sysClr val="windowText" lastClr="000000"/>
                 </a:solidFill>
-              </a:rPr>
-              <a:t> </a:t>
-            </a:r>
-            <a:r>
-              <a:rPr kumimoji="1" lang="en-US" altLang="zh-CN" sz="1200" dirty="0">
+              </a:endParaRPr>
+            </a:p>
+          </p:txBody>
+        </p:sp>
+        <p:sp>
+          <p:nvSpPr>
+            <p:cNvPr id="56" name="矩形 10">
+              <a:extLst>
+                <a:ext uri="{FF2B5EF4-FFF2-40B4-BE49-F238E27FC236}">
+                  <a16:creationId xmlns:a16="http://schemas.microsoft.com/office/drawing/2014/main" id="{02ECD7A8-B366-7B82-E0FF-7A3A52985293}"/>
+                </a:ext>
+              </a:extLst>
+            </p:cNvPr>
+            <p:cNvSpPr/>
+            <p:nvPr/>
+          </p:nvSpPr>
+          <p:spPr>
+            <a:xfrm>
+              <a:off x="7344281" y="4766954"/>
+              <a:ext cx="1082476" cy="505147"/>
+            </a:xfrm>
+            <a:prstGeom prst="rect">
+              <a:avLst/>
+            </a:prstGeom>
+            <a:solidFill>
+              <a:schemeClr val="accent5">
+                <a:lumMod val="60000"/>
+                <a:lumOff val="40000"/>
+              </a:schemeClr>
+            </a:solidFill>
+            <a:ln w="25400">
+              <a:solidFill>
+                <a:schemeClr val="tx1"/>
+              </a:solidFill>
+            </a:ln>
+          </p:spPr>
+          <p:style>
+            <a:lnRef idx="2">
+              <a:schemeClr val="accent2">
+                <a:shade val="50000"/>
+              </a:schemeClr>
+            </a:lnRef>
+            <a:fillRef idx="1">
+              <a:schemeClr val="accent2"/>
+            </a:fillRef>
+            <a:effectRef idx="0">
+              <a:schemeClr val="accent2"/>
+            </a:effectRef>
+            <a:fontRef idx="minor">
+              <a:schemeClr val="lt1"/>
+            </a:fontRef>
+          </p:style>
+          <p:txBody>
+            <a:bodyPr rtlCol="0" anchor="ctr"/>
+            <a:lstStyle/>
+            <a:p>
+              <a:pPr algn="ctr"/>
+              <a:r>
+                <a:rPr kumimoji="1" lang="en-US" altLang="zh-CN" sz="1200" b="1" dirty="0" err="1">
+                  <a:solidFill>
+                    <a:sysClr val="windowText" lastClr="000000"/>
+                  </a:solidFill>
+                </a:rPr>
+                <a:t>mid</a:t>
+              </a:r>
+              <a:r>
+                <a:rPr kumimoji="1" lang="en-US" altLang="zh-CN" sz="1200" dirty="0" err="1">
+                  <a:solidFill>
+                    <a:sysClr val="windowText" lastClr="000000"/>
+                  </a:solidFill>
+                </a:rPr>
+                <a:t>:Account</a:t>
+              </a:r>
+              <a:endParaRPr kumimoji="1" lang="zh-CN" altLang="en-US" sz="1200" dirty="0">
                 <a:solidFill>
                   <a:sysClr val="windowText" lastClr="000000"/>
                 </a:solidFill>
-              </a:rPr>
-              <a:t>Account</a:t>
-            </a:r>
-            <a:endParaRPr kumimoji="1" lang="zh-CN" altLang="en-US" sz="1200" dirty="0">
+              </a:endParaRPr>
+            </a:p>
+          </p:txBody>
+        </p:sp>
+        <p:cxnSp>
+          <p:nvCxnSpPr>
+            <p:cNvPr id="63" name="直线箭头连接符 11" descr="jytjh">
+              <a:extLst>
+                <a:ext uri="{FF2B5EF4-FFF2-40B4-BE49-F238E27FC236}">
+                  <a16:creationId xmlns:a16="http://schemas.microsoft.com/office/drawing/2014/main" id="{32161D70-2591-8239-D441-F1A088C17148}"/>
+                </a:ext>
+              </a:extLst>
+            </p:cNvPr>
+            <p:cNvCxnSpPr>
+              <a:cxnSpLocks/>
+              <a:stCxn id="56" idx="1"/>
+              <a:endCxn id="54" idx="3"/>
+            </p:cNvCxnSpPr>
+            <p:nvPr/>
+          </p:nvCxnSpPr>
+          <p:spPr>
+            <a:xfrm flipH="1">
+              <a:off x="6897008" y="5019528"/>
+              <a:ext cx="447273" cy="0"/>
+            </a:xfrm>
+            <a:prstGeom prst="straightConnector1">
+              <a:avLst/>
+            </a:prstGeom>
+            <a:ln w="25400">
               <a:solidFill>
-                <a:sysClr val="windowText" lastClr="000000"/>
+                <a:schemeClr val="tx1"/>
               </a:solidFill>
-            </a:endParaRPr>
-          </a:p>
-        </p:txBody>
-      </p:sp>
-      <p:sp>
-        <p:nvSpPr>
-          <p:cNvPr id="31" name="矩形 10">
-            <a:extLst>
-              <a:ext uri="{FF2B5EF4-FFF2-40B4-BE49-F238E27FC236}">
-                <a16:creationId xmlns:a16="http://schemas.microsoft.com/office/drawing/2014/main" id="{ECA9E5ED-8B98-2D4C-B179-148645608AA1}"/>
-              </a:ext>
-            </a:extLst>
-          </p:cNvPr>
-          <p:cNvSpPr/>
-          <p:nvPr/>
-        </p:nvSpPr>
-        <p:spPr>
-          <a:xfrm>
-            <a:off x="8547372" y="1368935"/>
-            <a:ext cx="1409134" cy="505147"/>
-          </a:xfrm>
-          <a:prstGeom prst="rect">
-            <a:avLst/>
-          </a:prstGeom>
-          <a:solidFill>
-            <a:schemeClr val="accent5">
-              <a:lumMod val="60000"/>
-              <a:lumOff val="40000"/>
-            </a:schemeClr>
-          </a:solidFill>
-          <a:ln w="25400">
-            <a:solidFill>
+              <a:headEnd type="arrow" w="sm" len="lg"/>
+              <a:tailEnd type="none" w="lg" len="med"/>
+            </a:ln>
+          </p:spPr>
+          <p:style>
+            <a:lnRef idx="1">
+              <a:schemeClr val="accent1"/>
+            </a:lnRef>
+            <a:fillRef idx="0">
+              <a:schemeClr val="accent1"/>
+            </a:fillRef>
+            <a:effectRef idx="0">
+              <a:schemeClr val="accent1"/>
+            </a:effectRef>
+            <a:fontRef idx="minor">
               <a:schemeClr val="tx1"/>
-            </a:solidFill>
-          </a:ln>
-        </p:spPr>
-        <p:style>
-          <a:lnRef idx="2">
-            <a:schemeClr val="accent2">
-              <a:shade val="50000"/>
-            </a:schemeClr>
-          </a:lnRef>
-          <a:fillRef idx="1">
-            <a:schemeClr val="accent2"/>
-          </a:fillRef>
-          <a:effectRef idx="0">
-            <a:schemeClr val="accent2"/>
-          </a:effectRef>
-          <a:fontRef idx="minor">
-            <a:schemeClr val="lt1"/>
-          </a:fontRef>
-        </p:style>
-        <p:txBody>
-          <a:bodyPr rtlCol="0" anchor="ctr"/>
-          <a:lstStyle/>
-          <a:p>
-            <a:pPr algn="ctr"/>
-            <a:r>
-              <a:rPr kumimoji="1" lang="en-US" altLang="zh-CN" sz="1200" b="1" dirty="0" err="1">
-                <a:solidFill>
-                  <a:sysClr val="windowText" lastClr="000000"/>
-                </a:solidFill>
-              </a:rPr>
-              <a:t>dst</a:t>
-            </a:r>
-            <a:r>
-              <a:rPr kumimoji="1" lang="zh-CN" altLang="en-US" sz="1200" dirty="0">
-                <a:solidFill>
-                  <a:sysClr val="windowText" lastClr="000000"/>
-                </a:solidFill>
-              </a:rPr>
-              <a:t> </a:t>
-            </a:r>
-            <a:r>
-              <a:rPr kumimoji="1" lang="en-US" altLang="zh-CN" sz="1200" dirty="0">
-                <a:solidFill>
-                  <a:sysClr val="windowText" lastClr="000000"/>
-                </a:solidFill>
-              </a:rPr>
-              <a:t>:</a:t>
-            </a:r>
-            <a:r>
-              <a:rPr kumimoji="1" lang="zh-CN" altLang="en-US" sz="1200" dirty="0">
-                <a:solidFill>
-                  <a:sysClr val="windowText" lastClr="000000"/>
-                </a:solidFill>
-              </a:rPr>
-              <a:t> </a:t>
-            </a:r>
-            <a:r>
-              <a:rPr kumimoji="1" lang="en-US" altLang="zh-CN" sz="1200" dirty="0">
-                <a:solidFill>
-                  <a:sysClr val="windowText" lastClr="000000"/>
-                </a:solidFill>
-              </a:rPr>
-              <a:t>Account</a:t>
-            </a:r>
-            <a:endParaRPr kumimoji="1" lang="zh-CN" altLang="en-US" sz="1200" dirty="0">
+            </a:fontRef>
+          </p:style>
+        </p:cxnSp>
+        <p:cxnSp>
+          <p:nvCxnSpPr>
+            <p:cNvPr id="66" name="直线箭头连接符 11" descr="jytjh">
+              <a:extLst>
+                <a:ext uri="{FF2B5EF4-FFF2-40B4-BE49-F238E27FC236}">
+                  <a16:creationId xmlns:a16="http://schemas.microsoft.com/office/drawing/2014/main" id="{36CDF4A1-42D2-3514-E2C7-03E44C9C53B8}"/>
+                </a:ext>
+              </a:extLst>
+            </p:cNvPr>
+            <p:cNvCxnSpPr>
+              <a:cxnSpLocks/>
+              <a:stCxn id="8" idx="1"/>
+              <a:endCxn id="56" idx="3"/>
+            </p:cNvCxnSpPr>
+            <p:nvPr/>
+          </p:nvCxnSpPr>
+          <p:spPr>
+            <a:xfrm flipH="1">
+              <a:off x="8426757" y="5019528"/>
+              <a:ext cx="447273" cy="0"/>
+            </a:xfrm>
+            <a:prstGeom prst="straightConnector1">
+              <a:avLst/>
+            </a:prstGeom>
+            <a:ln w="25400">
               <a:solidFill>
-                <a:sysClr val="windowText" lastClr="000000"/>
+                <a:schemeClr val="tx1"/>
               </a:solidFill>
-            </a:endParaRPr>
-          </a:p>
-        </p:txBody>
-      </p:sp>
-      <p:cxnSp>
-        <p:nvCxnSpPr>
-          <p:cNvPr id="32" name="直线箭头连接符 11" descr="jytjh">
-            <a:extLst>
-              <a:ext uri="{FF2B5EF4-FFF2-40B4-BE49-F238E27FC236}">
-                <a16:creationId xmlns:a16="http://schemas.microsoft.com/office/drawing/2014/main" id="{07F7B8E7-DE4D-3745-86D9-5CBE4F2D0B7A}"/>
-              </a:ext>
-            </a:extLst>
-          </p:cNvPr>
-          <p:cNvCxnSpPr>
-            <a:cxnSpLocks/>
-            <a:stCxn id="31" idx="1"/>
-            <a:endCxn id="30" idx="3"/>
-          </p:cNvCxnSpPr>
-          <p:nvPr/>
-        </p:nvCxnSpPr>
-        <p:spPr>
-          <a:xfrm flipH="1">
-            <a:off x="5693918" y="1621509"/>
-            <a:ext cx="2853454" cy="1"/>
-          </a:xfrm>
-          <a:prstGeom prst="straightConnector1">
-            <a:avLst/>
-          </a:prstGeom>
-          <a:ln w="25400">
-            <a:solidFill>
+              <a:headEnd type="arrow" w="sm" len="lg"/>
+              <a:tailEnd type="none" w="lg" len="med"/>
+            </a:ln>
+          </p:spPr>
+          <p:style>
+            <a:lnRef idx="1">
+              <a:schemeClr val="accent1"/>
+            </a:lnRef>
+            <a:fillRef idx="0">
+              <a:schemeClr val="accent1"/>
+            </a:fillRef>
+            <a:effectRef idx="0">
+              <a:schemeClr val="accent1"/>
+            </a:effectRef>
+            <a:fontRef idx="minor">
               <a:schemeClr val="tx1"/>
-            </a:solidFill>
-            <a:headEnd type="arrow" w="sm" len="lg"/>
-            <a:tailEnd type="none" w="lg" len="med"/>
-          </a:ln>
-        </p:spPr>
-        <p:style>
-          <a:lnRef idx="1">
-            <a:schemeClr val="accent1"/>
-          </a:lnRef>
-          <a:fillRef idx="0">
-            <a:schemeClr val="accent1"/>
-          </a:fillRef>
-          <a:effectRef idx="0">
-            <a:schemeClr val="accent1"/>
-          </a:effectRef>
-          <a:fontRef idx="minor">
-            <a:schemeClr val="tx1"/>
-          </a:fontRef>
-        </p:style>
-      </p:cxnSp>
-      <p:sp>
-        <p:nvSpPr>
-          <p:cNvPr id="33" name="文本框 12">
-            <a:extLst>
-              <a:ext uri="{FF2B5EF4-FFF2-40B4-BE49-F238E27FC236}">
-                <a16:creationId xmlns:a16="http://schemas.microsoft.com/office/drawing/2014/main" id="{88967B24-E934-F741-AA98-4A8165900FD1}"/>
-              </a:ext>
-            </a:extLst>
-          </p:cNvPr>
-          <p:cNvSpPr txBox="1"/>
-          <p:nvPr/>
-        </p:nvSpPr>
-        <p:spPr>
-          <a:xfrm>
-            <a:off x="3955584" y="5633286"/>
-            <a:ext cx="2438998" cy="646331"/>
-          </a:xfrm>
-          <a:prstGeom prst="rect">
-            <a:avLst/>
-          </a:prstGeom>
-          <a:noFill/>
-        </p:spPr>
-        <p:txBody>
-          <a:bodyPr wrap="square" rtlCol="0">
-            <a:spAutoFit/>
-          </a:bodyPr>
-          <a:lstStyle/>
-          <a:p>
-            <a:r>
-              <a:rPr kumimoji="1" lang="en-US" altLang="zh-CN" sz="1200" b="1" dirty="0">
+            </a:fontRef>
+          </p:style>
+        </p:cxnSp>
+        <p:sp>
+          <p:nvSpPr>
+            <p:cNvPr id="70" name="矩形 13">
+              <a:extLst>
+                <a:ext uri="{FF2B5EF4-FFF2-40B4-BE49-F238E27FC236}">
+                  <a16:creationId xmlns:a16="http://schemas.microsoft.com/office/drawing/2014/main" id="{E039C52F-412D-4C08-9C80-2E5848CBD3AD}"/>
+                </a:ext>
+              </a:extLst>
+            </p:cNvPr>
+            <p:cNvSpPr/>
+            <p:nvPr/>
+          </p:nvSpPr>
+          <p:spPr>
+            <a:xfrm>
+              <a:off x="4157200" y="2382785"/>
+              <a:ext cx="5948090" cy="991913"/>
+            </a:xfrm>
+            <a:prstGeom prst="rect">
+              <a:avLst/>
+            </a:prstGeom>
+            <a:noFill/>
+            <a:ln w="25400">
+              <a:solidFill>
+                <a:schemeClr val="tx1"/>
+              </a:solidFill>
+              <a:prstDash val="sysDot"/>
+            </a:ln>
+          </p:spPr>
+          <p:style>
+            <a:lnRef idx="2">
+              <a:schemeClr val="accent2">
+                <a:shade val="50000"/>
+              </a:schemeClr>
+            </a:lnRef>
+            <a:fillRef idx="1">
+              <a:schemeClr val="accent2"/>
+            </a:fillRef>
+            <a:effectRef idx="0">
+              <a:schemeClr val="accent2"/>
+            </a:effectRef>
+            <a:fontRef idx="minor">
+              <a:schemeClr val="lt1"/>
+            </a:fontRef>
+          </p:style>
+          <p:txBody>
+            <a:bodyPr rtlCol="0" anchor="t"/>
+            <a:lstStyle/>
+            <a:p>
+              <a:r>
+                <a:rPr kumimoji="1" lang="en-US" altLang="zh-CN" sz="1200" b="1" dirty="0">
+                  <a:solidFill>
+                    <a:sysClr val="windowText" lastClr="000000"/>
+                  </a:solidFill>
+                  <a:latin typeface="DengXian" panose="02010600030101010101" pitchFamily="2" charset="-122"/>
+                  <a:ea typeface="DengXian" panose="02010600030101010101" pitchFamily="2" charset="-122"/>
+                </a:rPr>
+                <a:t>Path</a:t>
+              </a:r>
+              <a:r>
+                <a:rPr kumimoji="1" lang="zh-CN" altLang="en-US" sz="1200" b="1" dirty="0">
+                  <a:solidFill>
+                    <a:sysClr val="windowText" lastClr="000000"/>
+                  </a:solidFill>
+                  <a:latin typeface="DengXian" panose="02010600030101010101" pitchFamily="2" charset="-122"/>
+                  <a:ea typeface="DengXian" panose="02010600030101010101" pitchFamily="2" charset="-122"/>
+                </a:rPr>
+                <a:t> </a:t>
+              </a:r>
+              <a:r>
+                <a:rPr kumimoji="1" lang="en-US" altLang="zh-CN" sz="1200" b="1" dirty="0">
+                  <a:solidFill>
+                    <a:sysClr val="windowText" lastClr="000000"/>
+                  </a:solidFill>
+                  <a:latin typeface="DengXian" panose="02010600030101010101" pitchFamily="2" charset="-122"/>
+                  <a:ea typeface="DengXian" panose="02010600030101010101" pitchFamily="2" charset="-122"/>
+                </a:rPr>
+                <a:t>2</a:t>
+              </a:r>
+            </a:p>
+          </p:txBody>
+        </p:sp>
+        <p:sp>
+          <p:nvSpPr>
+            <p:cNvPr id="71" name="文本框 8">
+              <a:extLst>
+                <a:ext uri="{FF2B5EF4-FFF2-40B4-BE49-F238E27FC236}">
+                  <a16:creationId xmlns:a16="http://schemas.microsoft.com/office/drawing/2014/main" id="{A320A93D-A487-856B-C164-174D14200539}"/>
+                </a:ext>
+              </a:extLst>
+            </p:cNvPr>
+            <p:cNvSpPr txBox="1"/>
+            <p:nvPr/>
+          </p:nvSpPr>
+          <p:spPr>
+            <a:xfrm>
+              <a:off x="5463576" y="2644104"/>
+              <a:ext cx="1182845" cy="276999"/>
+            </a:xfrm>
+            <a:prstGeom prst="rect">
+              <a:avLst/>
+            </a:prstGeom>
+            <a:noFill/>
+          </p:spPr>
+          <p:txBody>
+            <a:bodyPr wrap="square" rtlCol="0">
+              <a:spAutoFit/>
+            </a:bodyPr>
+            <a:lstStyle/>
+            <a:p>
+              <a:pPr algn="ctr"/>
+              <a:r>
+                <a:rPr kumimoji="1" lang="en-US" altLang="zh-CN" sz="1200" b="1" dirty="0">
+                  <a:latin typeface="DengXian" panose="02010600030101010101" pitchFamily="2" charset="-122"/>
+                  <a:ea typeface="DengXian" panose="02010600030101010101" pitchFamily="2" charset="-122"/>
+                </a:rPr>
+                <a:t>edge2</a:t>
+              </a:r>
+              <a:endParaRPr kumimoji="1" lang="en-US" altLang="zh-CN" sz="1200" dirty="0">
                 <a:latin typeface="DengXian" panose="02010600030101010101" pitchFamily="2" charset="-122"/>
                 <a:ea typeface="DengXian" panose="02010600030101010101" pitchFamily="2" charset="-122"/>
-              </a:rPr>
-              <a:t>edge2</a:t>
-            </a:r>
-            <a:r>
-              <a:rPr kumimoji="1" lang="en-US" altLang="zh-CN" sz="1200" dirty="0">
+              </a:endParaRPr>
+            </a:p>
+          </p:txBody>
+        </p:sp>
+        <p:sp>
+          <p:nvSpPr>
+            <p:cNvPr id="72" name="文本框 8">
+              <a:extLst>
+                <a:ext uri="{FF2B5EF4-FFF2-40B4-BE49-F238E27FC236}">
+                  <a16:creationId xmlns:a16="http://schemas.microsoft.com/office/drawing/2014/main" id="{4D5B02F7-0038-9BC1-A84C-D16E9E0B5DFC}"/>
+                </a:ext>
+              </a:extLst>
+            </p:cNvPr>
+            <p:cNvSpPr txBox="1"/>
+            <p:nvPr/>
+          </p:nvSpPr>
+          <p:spPr>
+            <a:xfrm>
+              <a:off x="6542807" y="4498070"/>
+              <a:ext cx="1182845" cy="276999"/>
+            </a:xfrm>
+            <a:prstGeom prst="rect">
+              <a:avLst/>
+            </a:prstGeom>
+            <a:noFill/>
+          </p:spPr>
+          <p:txBody>
+            <a:bodyPr wrap="square" rtlCol="0">
+              <a:spAutoFit/>
+            </a:bodyPr>
+            <a:lstStyle/>
+            <a:p>
+              <a:pPr algn="ctr"/>
+              <a:r>
+                <a:rPr kumimoji="1" lang="en-US" altLang="zh-CN" sz="1200" b="1" dirty="0">
+                  <a:latin typeface="DengXian" panose="02010600030101010101" pitchFamily="2" charset="-122"/>
+                  <a:ea typeface="DengXian" panose="02010600030101010101" pitchFamily="2" charset="-122"/>
+                </a:rPr>
+                <a:t>edge2</a:t>
+              </a:r>
+              <a:endParaRPr kumimoji="1" lang="en-US" altLang="zh-CN" sz="1200" dirty="0">
                 <a:latin typeface="DengXian" panose="02010600030101010101" pitchFamily="2" charset="-122"/>
                 <a:ea typeface="DengXian" panose="02010600030101010101" pitchFamily="2" charset="-122"/>
-              </a:rPr>
-              <a:t>:</a:t>
-            </a:r>
-            <a:r>
-              <a:rPr kumimoji="1" lang="zh-CN" altLang="en-US" sz="1200" dirty="0">
-                <a:latin typeface="DengXian" panose="02010600030101010101" pitchFamily="2" charset="-122"/>
-                <a:ea typeface="DengXian" panose="02010600030101010101" pitchFamily="2" charset="-122"/>
-              </a:rPr>
-              <a:t> </a:t>
-            </a:r>
-            <a:r>
-              <a:rPr kumimoji="1" lang="en-US" altLang="zh-CN" sz="1200" dirty="0">
-                <a:latin typeface="DengXian" panose="02010600030101010101" pitchFamily="2" charset="-122"/>
-                <a:ea typeface="DengXian" panose="02010600030101010101" pitchFamily="2" charset="-122"/>
-              </a:rPr>
-              <a:t>transfer</a:t>
-            </a:r>
-            <a:r>
-              <a:rPr kumimoji="1" lang="zh-CN" altLang="en-US" sz="1200" b="1" dirty="0">
-                <a:latin typeface="DengXian" panose="02010600030101010101" pitchFamily="2" charset="-122"/>
-                <a:ea typeface="DengXian" panose="02010600030101010101" pitchFamily="2" charset="-122"/>
-              </a:rPr>
-              <a:t> *</a:t>
-            </a:r>
-            <a:r>
-              <a:rPr kumimoji="1" lang="en-US" altLang="zh-CN" sz="1200" b="1" dirty="0">
-                <a:latin typeface="DengXian" panose="02010600030101010101" pitchFamily="2" charset="-122"/>
-                <a:ea typeface="DengXian" panose="02010600030101010101" pitchFamily="2" charset="-122"/>
-              </a:rPr>
-              <a:t>1..3</a:t>
-            </a:r>
-            <a:endParaRPr kumimoji="1" lang="en-US" altLang="zh-CN" sz="1200" dirty="0">
-              <a:latin typeface="DengXian" panose="02010600030101010101" pitchFamily="2" charset="-122"/>
-              <a:ea typeface="DengXian" panose="02010600030101010101" pitchFamily="2" charset="-122"/>
-            </a:endParaRPr>
-          </a:p>
-          <a:p>
-            <a:r>
-              <a:rPr kumimoji="1" lang="en-US" altLang="zh-CN" sz="1200" b="1" dirty="0">
-                <a:latin typeface="DengXian" panose="02010600030101010101" pitchFamily="2" charset="-122"/>
-                <a:ea typeface="DengXian" panose="02010600030101010101" pitchFamily="2" charset="-122"/>
-              </a:rPr>
-              <a:t>edge2</a:t>
-            </a:r>
-            <a:r>
-              <a:rPr kumimoji="1" lang="en-US" altLang="zh-CN" sz="1200" dirty="0">
-                <a:latin typeface="DengXian" panose="02010600030101010101" pitchFamily="2" charset="-122"/>
-                <a:ea typeface="DengXian" panose="02010600030101010101" pitchFamily="2" charset="-122"/>
-              </a:rPr>
-              <a:t>.timestamp</a:t>
-            </a:r>
-            <a:r>
-              <a:rPr kumimoji="1" lang="zh-CN" altLang="en-US" sz="1200" dirty="0">
-                <a:latin typeface="DengXian" panose="02010600030101010101" pitchFamily="2" charset="-122"/>
-                <a:ea typeface="DengXian" panose="02010600030101010101" pitchFamily="2" charset="-122"/>
-              </a:rPr>
-              <a:t> </a:t>
-            </a:r>
-            <a:r>
-              <a:rPr kumimoji="1" lang="en-US" altLang="zh-CN" sz="1200" dirty="0">
-                <a:latin typeface="DengXian" panose="02010600030101010101" pitchFamily="2" charset="-122"/>
-                <a:ea typeface="DengXian" panose="02010600030101010101" pitchFamily="2" charset="-122"/>
-              </a:rPr>
-              <a:t>&gt;</a:t>
-            </a:r>
-            <a:r>
-              <a:rPr kumimoji="1" lang="zh-CN" altLang="en-US" sz="1200" dirty="0">
-                <a:latin typeface="DengXian" panose="02010600030101010101" pitchFamily="2" charset="-122"/>
-                <a:ea typeface="DengXian" panose="02010600030101010101" pitchFamily="2" charset="-122"/>
-              </a:rPr>
-              <a:t> </a:t>
-            </a:r>
-            <a:r>
-              <a:rPr kumimoji="1" lang="en-US" altLang="zh-CN" sz="1200" dirty="0">
-                <a:latin typeface="DengXian" panose="02010600030101010101" pitchFamily="2" charset="-122"/>
-                <a:ea typeface="DengXian" panose="02010600030101010101" pitchFamily="2" charset="-122"/>
-              </a:rPr>
-              <a:t>${</a:t>
-            </a:r>
-            <a:r>
-              <a:rPr kumimoji="1" lang="en-US" altLang="zh-CN" sz="1200" dirty="0" err="1">
-                <a:latin typeface="DengXian" panose="02010600030101010101" pitchFamily="2" charset="-122"/>
-                <a:ea typeface="DengXian" panose="02010600030101010101" pitchFamily="2" charset="-122"/>
-              </a:rPr>
-              <a:t>start_time</a:t>
-            </a:r>
-            <a:r>
-              <a:rPr kumimoji="1" lang="en-US" altLang="zh-CN" sz="1200" dirty="0">
-                <a:latin typeface="DengXian" panose="02010600030101010101" pitchFamily="2" charset="-122"/>
-                <a:ea typeface="DengXian" panose="02010600030101010101" pitchFamily="2" charset="-122"/>
-              </a:rPr>
-              <a:t>}</a:t>
-            </a:r>
-          </a:p>
-          <a:p>
-            <a:r>
-              <a:rPr kumimoji="1" lang="en-US" altLang="zh-CN" sz="1200" b="1" dirty="0">
-                <a:latin typeface="DengXian" panose="02010600030101010101" pitchFamily="2" charset="-122"/>
-                <a:ea typeface="DengXian" panose="02010600030101010101" pitchFamily="2" charset="-122"/>
-              </a:rPr>
-              <a:t>edge2</a:t>
-            </a:r>
-            <a:r>
-              <a:rPr kumimoji="1" lang="en-US" altLang="zh-CN" sz="1200" dirty="0">
-                <a:latin typeface="DengXian" panose="02010600030101010101" pitchFamily="2" charset="-122"/>
-                <a:ea typeface="DengXian" panose="02010600030101010101" pitchFamily="2" charset="-122"/>
-              </a:rPr>
-              <a:t>.timestamp</a:t>
-            </a:r>
-            <a:r>
-              <a:rPr kumimoji="1" lang="zh-CN" altLang="en-US" sz="1200" dirty="0">
-                <a:latin typeface="DengXian" panose="02010600030101010101" pitchFamily="2" charset="-122"/>
-                <a:ea typeface="DengXian" panose="02010600030101010101" pitchFamily="2" charset="-122"/>
-              </a:rPr>
-              <a:t> </a:t>
-            </a:r>
-            <a:r>
-              <a:rPr kumimoji="1" lang="en-US" altLang="zh-CN" sz="1200" dirty="0">
-                <a:latin typeface="DengXian" panose="02010600030101010101" pitchFamily="2" charset="-122"/>
-                <a:ea typeface="DengXian" panose="02010600030101010101" pitchFamily="2" charset="-122"/>
-              </a:rPr>
-              <a:t>&lt;</a:t>
-            </a:r>
-            <a:r>
-              <a:rPr kumimoji="1" lang="zh-CN" altLang="en-US" sz="1200" dirty="0">
-                <a:latin typeface="DengXian" panose="02010600030101010101" pitchFamily="2" charset="-122"/>
-                <a:ea typeface="DengXian" panose="02010600030101010101" pitchFamily="2" charset="-122"/>
-              </a:rPr>
-              <a:t> </a:t>
-            </a:r>
-            <a:r>
-              <a:rPr kumimoji="1" lang="en-US" altLang="zh-CN" sz="1200" dirty="0">
-                <a:latin typeface="DengXian" panose="02010600030101010101" pitchFamily="2" charset="-122"/>
-                <a:ea typeface="DengXian" panose="02010600030101010101" pitchFamily="2" charset="-122"/>
-              </a:rPr>
-              <a:t>${</a:t>
-            </a:r>
-            <a:r>
-              <a:rPr kumimoji="1" lang="en-US" altLang="zh-CN" sz="1200" dirty="0" err="1">
-                <a:latin typeface="DengXian" panose="02010600030101010101" pitchFamily="2" charset="-122"/>
-                <a:ea typeface="DengXian" panose="02010600030101010101" pitchFamily="2" charset="-122"/>
-              </a:rPr>
-              <a:t>end_time</a:t>
-            </a:r>
-            <a:r>
-              <a:rPr kumimoji="1" lang="en-US" altLang="zh-CN" sz="1200" dirty="0">
-                <a:latin typeface="DengXian" panose="02010600030101010101" pitchFamily="2" charset="-122"/>
-                <a:ea typeface="DengXian" panose="02010600030101010101" pitchFamily="2" charset="-122"/>
-              </a:rPr>
-              <a:t>}</a:t>
-            </a:r>
-          </a:p>
-        </p:txBody>
-      </p:sp>
-      <p:sp>
-        <p:nvSpPr>
-          <p:cNvPr id="40" name="矩形 13">
-            <a:extLst>
-              <a:ext uri="{FF2B5EF4-FFF2-40B4-BE49-F238E27FC236}">
-                <a16:creationId xmlns:a16="http://schemas.microsoft.com/office/drawing/2014/main" id="{E1B0D771-7998-4A49-97E0-FF31B89BD9AB}"/>
-              </a:ext>
-            </a:extLst>
-          </p:cNvPr>
-          <p:cNvSpPr/>
-          <p:nvPr/>
-        </p:nvSpPr>
-        <p:spPr>
-          <a:xfrm>
-            <a:off x="3955584" y="748410"/>
-            <a:ext cx="6606906" cy="5547666"/>
-          </a:xfrm>
-          <a:prstGeom prst="rect">
-            <a:avLst/>
-          </a:prstGeom>
-          <a:noFill/>
-          <a:ln w="25400">
-            <a:solidFill>
-              <a:schemeClr val="tx1"/>
-            </a:solidFill>
-            <a:prstDash val="dash"/>
-          </a:ln>
-        </p:spPr>
-        <p:style>
-          <a:lnRef idx="2">
-            <a:schemeClr val="accent2">
-              <a:shade val="50000"/>
-            </a:schemeClr>
-          </a:lnRef>
-          <a:fillRef idx="1">
-            <a:schemeClr val="accent2"/>
-          </a:fillRef>
-          <a:effectRef idx="0">
-            <a:schemeClr val="accent2"/>
-          </a:effectRef>
-          <a:fontRef idx="minor">
-            <a:schemeClr val="lt1"/>
-          </a:fontRef>
-        </p:style>
-        <p:txBody>
-          <a:bodyPr rtlCol="0" anchor="b"/>
-          <a:lstStyle/>
-          <a:p>
-            <a:pPr algn="r"/>
-            <a:r>
-              <a:rPr kumimoji="1" lang="en-US" altLang="zh-CN" sz="1200" b="1" dirty="0">
-                <a:solidFill>
-                  <a:srgbClr val="FF0000"/>
-                </a:solidFill>
-                <a:latin typeface="DengXian" panose="02010600030101010101" pitchFamily="2" charset="-122"/>
-                <a:ea typeface="DengXian" panose="02010600030101010101" pitchFamily="2" charset="-122"/>
-              </a:rPr>
-              <a:t>RESULT</a:t>
-            </a:r>
-            <a:r>
-              <a:rPr kumimoji="1" lang="zh-CN" altLang="en-US" sz="1200" b="1" dirty="0">
-                <a:solidFill>
-                  <a:srgbClr val="FF0000"/>
-                </a:solidFill>
-                <a:latin typeface="DengXian" panose="02010600030101010101" pitchFamily="2" charset="-122"/>
-                <a:ea typeface="DengXian" panose="02010600030101010101" pitchFamily="2" charset="-122"/>
-              </a:rPr>
-              <a:t> </a:t>
-            </a:r>
-            <a:r>
-              <a:rPr kumimoji="1" lang="en-US" altLang="zh-CN" sz="1200" dirty="0">
-                <a:solidFill>
-                  <a:sysClr val="windowText" lastClr="000000"/>
-                </a:solidFill>
-                <a:latin typeface="DengXian" panose="02010600030101010101" pitchFamily="2" charset="-122"/>
-                <a:ea typeface="DengXian" panose="02010600030101010101" pitchFamily="2" charset="-122"/>
-              </a:rPr>
-              <a:t>Collect(paths)</a:t>
-            </a:r>
-          </a:p>
-        </p:txBody>
-      </p:sp>
-      <p:sp>
-        <p:nvSpPr>
-          <p:cNvPr id="5" name="矩形 13">
-            <a:extLst>
-              <a:ext uri="{FF2B5EF4-FFF2-40B4-BE49-F238E27FC236}">
-                <a16:creationId xmlns:a16="http://schemas.microsoft.com/office/drawing/2014/main" id="{1DDA4304-FDF5-F35D-DC1A-732A60B8796F}"/>
-              </a:ext>
-            </a:extLst>
-          </p:cNvPr>
-          <p:cNvSpPr/>
-          <p:nvPr/>
-        </p:nvSpPr>
-        <p:spPr>
-          <a:xfrm>
-            <a:off x="4157200" y="999267"/>
-            <a:ext cx="5948090" cy="991913"/>
-          </a:xfrm>
-          <a:prstGeom prst="rect">
-            <a:avLst/>
-          </a:prstGeom>
-          <a:noFill/>
-          <a:ln w="25400">
-            <a:solidFill>
-              <a:schemeClr val="tx1"/>
-            </a:solidFill>
-            <a:prstDash val="sysDot"/>
-          </a:ln>
-        </p:spPr>
-        <p:style>
-          <a:lnRef idx="2">
-            <a:schemeClr val="accent2">
-              <a:shade val="50000"/>
-            </a:schemeClr>
-          </a:lnRef>
-          <a:fillRef idx="1">
-            <a:schemeClr val="accent2"/>
-          </a:fillRef>
-          <a:effectRef idx="0">
-            <a:schemeClr val="accent2"/>
-          </a:effectRef>
-          <a:fontRef idx="minor">
-            <a:schemeClr val="lt1"/>
-          </a:fontRef>
-        </p:style>
-        <p:txBody>
-          <a:bodyPr rtlCol="0" anchor="t"/>
-          <a:lstStyle/>
-          <a:p>
-            <a:r>
-              <a:rPr kumimoji="1" lang="en-US" altLang="zh-CN" sz="1200" b="1" dirty="0">
-                <a:solidFill>
-                  <a:sysClr val="windowText" lastClr="000000"/>
-                </a:solidFill>
-                <a:latin typeface="DengXian" panose="02010600030101010101" pitchFamily="2" charset="-122"/>
-                <a:ea typeface="DengXian" panose="02010600030101010101" pitchFamily="2" charset="-122"/>
-              </a:rPr>
-              <a:t>Path</a:t>
-            </a:r>
-            <a:r>
-              <a:rPr kumimoji="1" lang="zh-CN" altLang="en-US" sz="1200" b="1" dirty="0">
-                <a:solidFill>
-                  <a:sysClr val="windowText" lastClr="000000"/>
-                </a:solidFill>
-                <a:latin typeface="DengXian" panose="02010600030101010101" pitchFamily="2" charset="-122"/>
-                <a:ea typeface="DengXian" panose="02010600030101010101" pitchFamily="2" charset="-122"/>
-              </a:rPr>
-              <a:t> </a:t>
-            </a:r>
-            <a:r>
-              <a:rPr kumimoji="1" lang="en-US" altLang="zh-CN" sz="1200" b="1" dirty="0">
-                <a:solidFill>
-                  <a:sysClr val="windowText" lastClr="000000"/>
-                </a:solidFill>
-                <a:latin typeface="DengXian" panose="02010600030101010101" pitchFamily="2" charset="-122"/>
-                <a:ea typeface="DengXian" panose="02010600030101010101" pitchFamily="2" charset="-122"/>
-              </a:rPr>
-              <a:t>1</a:t>
-            </a:r>
-          </a:p>
-        </p:txBody>
-      </p:sp>
-      <p:sp>
-        <p:nvSpPr>
-          <p:cNvPr id="7" name="矩形 9">
-            <a:extLst>
-              <a:ext uri="{FF2B5EF4-FFF2-40B4-BE49-F238E27FC236}">
-                <a16:creationId xmlns:a16="http://schemas.microsoft.com/office/drawing/2014/main" id="{2E429AA4-BB66-7CAB-67EB-B08D100262B5}"/>
-              </a:ext>
-            </a:extLst>
-          </p:cNvPr>
-          <p:cNvSpPr/>
-          <p:nvPr/>
-        </p:nvSpPr>
-        <p:spPr>
-          <a:xfrm>
-            <a:off x="4284784" y="4766954"/>
-            <a:ext cx="1082475" cy="505147"/>
-          </a:xfrm>
-          <a:prstGeom prst="rect">
-            <a:avLst/>
-          </a:prstGeom>
-          <a:solidFill>
-            <a:schemeClr val="accent5">
-              <a:lumMod val="60000"/>
-              <a:lumOff val="40000"/>
-            </a:schemeClr>
-          </a:solidFill>
-          <a:ln w="25400">
-            <a:solidFill>
-              <a:schemeClr val="tx1"/>
-            </a:solidFill>
-          </a:ln>
-        </p:spPr>
-        <p:style>
-          <a:lnRef idx="2">
-            <a:schemeClr val="accent2">
-              <a:shade val="50000"/>
-            </a:schemeClr>
-          </a:lnRef>
-          <a:fillRef idx="1">
-            <a:schemeClr val="accent2"/>
-          </a:fillRef>
-          <a:effectRef idx="0">
-            <a:schemeClr val="accent2"/>
-          </a:effectRef>
-          <a:fontRef idx="minor">
-            <a:schemeClr val="lt1"/>
-          </a:fontRef>
-        </p:style>
-        <p:txBody>
-          <a:bodyPr rtlCol="0" anchor="ctr"/>
-          <a:lstStyle/>
-          <a:p>
-            <a:pPr algn="ctr"/>
-            <a:r>
-              <a:rPr kumimoji="1" lang="en-US" altLang="zh-CN" sz="1200" b="1" dirty="0" err="1">
-                <a:solidFill>
-                  <a:sysClr val="windowText" lastClr="000000"/>
-                </a:solidFill>
-              </a:rPr>
-              <a:t>src</a:t>
-            </a:r>
-            <a:r>
-              <a:rPr kumimoji="1" lang="zh-CN" altLang="en-US" sz="1200" dirty="0">
-                <a:solidFill>
-                  <a:sysClr val="windowText" lastClr="000000"/>
-                </a:solidFill>
-              </a:rPr>
-              <a:t> </a:t>
-            </a:r>
-            <a:r>
-              <a:rPr kumimoji="1" lang="en-US" altLang="zh-CN" sz="1200" dirty="0">
-                <a:solidFill>
-                  <a:sysClr val="windowText" lastClr="000000"/>
-                </a:solidFill>
-              </a:rPr>
-              <a:t>:</a:t>
-            </a:r>
-            <a:r>
-              <a:rPr kumimoji="1" lang="zh-CN" altLang="en-US" sz="1200" dirty="0">
-                <a:solidFill>
-                  <a:sysClr val="windowText" lastClr="000000"/>
-                </a:solidFill>
-              </a:rPr>
-              <a:t> </a:t>
-            </a:r>
-            <a:r>
-              <a:rPr kumimoji="1" lang="en-US" altLang="zh-CN" sz="1200" dirty="0">
-                <a:solidFill>
-                  <a:sysClr val="windowText" lastClr="000000"/>
-                </a:solidFill>
-              </a:rPr>
-              <a:t>Account</a:t>
-            </a:r>
-            <a:endParaRPr kumimoji="1" lang="zh-CN" altLang="en-US" sz="1200" dirty="0">
-              <a:solidFill>
-                <a:sysClr val="windowText" lastClr="000000"/>
-              </a:solidFill>
-            </a:endParaRPr>
-          </a:p>
-        </p:txBody>
-      </p:sp>
-      <p:sp>
-        <p:nvSpPr>
-          <p:cNvPr id="8" name="矩形 10">
-            <a:extLst>
-              <a:ext uri="{FF2B5EF4-FFF2-40B4-BE49-F238E27FC236}">
-                <a16:creationId xmlns:a16="http://schemas.microsoft.com/office/drawing/2014/main" id="{94AC4ED8-6BCB-6186-C4D5-F4C5491C052C}"/>
-              </a:ext>
-            </a:extLst>
-          </p:cNvPr>
-          <p:cNvSpPr/>
-          <p:nvPr/>
-        </p:nvSpPr>
-        <p:spPr>
-          <a:xfrm>
-            <a:off x="8874030" y="4766954"/>
-            <a:ext cx="1082476" cy="505147"/>
-          </a:xfrm>
-          <a:prstGeom prst="rect">
-            <a:avLst/>
-          </a:prstGeom>
-          <a:solidFill>
-            <a:schemeClr val="accent5">
-              <a:lumMod val="60000"/>
-              <a:lumOff val="40000"/>
-            </a:schemeClr>
-          </a:solidFill>
-          <a:ln w="25400">
-            <a:solidFill>
-              <a:schemeClr val="tx1"/>
-            </a:solidFill>
-          </a:ln>
-        </p:spPr>
-        <p:style>
-          <a:lnRef idx="2">
-            <a:schemeClr val="accent2">
-              <a:shade val="50000"/>
-            </a:schemeClr>
-          </a:lnRef>
-          <a:fillRef idx="1">
-            <a:schemeClr val="accent2"/>
-          </a:fillRef>
-          <a:effectRef idx="0">
-            <a:schemeClr val="accent2"/>
-          </a:effectRef>
-          <a:fontRef idx="minor">
-            <a:schemeClr val="lt1"/>
-          </a:fontRef>
-        </p:style>
-        <p:txBody>
-          <a:bodyPr rtlCol="0" anchor="ctr"/>
-          <a:lstStyle/>
-          <a:p>
-            <a:pPr algn="ctr"/>
-            <a:r>
-              <a:rPr kumimoji="1" lang="en-US" altLang="zh-CN" sz="1200" b="1" dirty="0" err="1">
-                <a:solidFill>
-                  <a:sysClr val="windowText" lastClr="000000"/>
-                </a:solidFill>
-              </a:rPr>
-              <a:t>dst</a:t>
-            </a:r>
-            <a:r>
-              <a:rPr kumimoji="1" lang="zh-CN" altLang="en-US" sz="1200" dirty="0">
-                <a:solidFill>
-                  <a:sysClr val="windowText" lastClr="000000"/>
-                </a:solidFill>
-              </a:rPr>
-              <a:t> </a:t>
-            </a:r>
-            <a:r>
-              <a:rPr kumimoji="1" lang="en-US" altLang="zh-CN" sz="1200" dirty="0">
-                <a:solidFill>
-                  <a:sysClr val="windowText" lastClr="000000"/>
-                </a:solidFill>
-              </a:rPr>
-              <a:t>:</a:t>
-            </a:r>
-            <a:r>
-              <a:rPr kumimoji="1" lang="zh-CN" altLang="en-US" sz="1200" dirty="0">
-                <a:solidFill>
-                  <a:sysClr val="windowText" lastClr="000000"/>
-                </a:solidFill>
-              </a:rPr>
-              <a:t> </a:t>
-            </a:r>
-            <a:r>
-              <a:rPr kumimoji="1" lang="en-US" altLang="zh-CN" sz="1200" dirty="0">
-                <a:solidFill>
-                  <a:sysClr val="windowText" lastClr="000000"/>
-                </a:solidFill>
-              </a:rPr>
-              <a:t>Account</a:t>
-            </a:r>
-            <a:endParaRPr kumimoji="1" lang="zh-CN" altLang="en-US" sz="1200" dirty="0">
-              <a:solidFill>
-                <a:sysClr val="windowText" lastClr="000000"/>
-              </a:solidFill>
-            </a:endParaRPr>
-          </a:p>
-        </p:txBody>
-      </p:sp>
-      <p:cxnSp>
-        <p:nvCxnSpPr>
-          <p:cNvPr id="9" name="直线箭头连接符 11" descr="jytjh">
-            <a:extLst>
-              <a:ext uri="{FF2B5EF4-FFF2-40B4-BE49-F238E27FC236}">
-                <a16:creationId xmlns:a16="http://schemas.microsoft.com/office/drawing/2014/main" id="{3C0F8B5C-8252-7ACA-8163-E4D2B5B359FA}"/>
-              </a:ext>
-            </a:extLst>
-          </p:cNvPr>
-          <p:cNvCxnSpPr>
-            <a:cxnSpLocks/>
-            <a:stCxn id="54" idx="1"/>
-            <a:endCxn id="7" idx="3"/>
-          </p:cNvCxnSpPr>
-          <p:nvPr/>
-        </p:nvCxnSpPr>
-        <p:spPr>
-          <a:xfrm flipH="1">
-            <a:off x="5367259" y="5019528"/>
-            <a:ext cx="447273" cy="0"/>
-          </a:xfrm>
-          <a:prstGeom prst="straightConnector1">
-            <a:avLst/>
-          </a:prstGeom>
-          <a:ln w="25400">
-            <a:solidFill>
-              <a:schemeClr val="tx1"/>
-            </a:solidFill>
-            <a:headEnd type="arrow" w="sm" len="lg"/>
-            <a:tailEnd type="none" w="lg" len="med"/>
-          </a:ln>
-        </p:spPr>
-        <p:style>
-          <a:lnRef idx="1">
-            <a:schemeClr val="accent1"/>
-          </a:lnRef>
-          <a:fillRef idx="0">
-            <a:schemeClr val="accent1"/>
-          </a:fillRef>
-          <a:effectRef idx="0">
-            <a:schemeClr val="accent1"/>
-          </a:effectRef>
-          <a:fontRef idx="minor">
-            <a:schemeClr val="tx1"/>
-          </a:fontRef>
-        </p:style>
-      </p:cxnSp>
-      <p:sp>
-        <p:nvSpPr>
-          <p:cNvPr id="10" name="矩形 13">
-            <a:extLst>
-              <a:ext uri="{FF2B5EF4-FFF2-40B4-BE49-F238E27FC236}">
-                <a16:creationId xmlns:a16="http://schemas.microsoft.com/office/drawing/2014/main" id="{64B8F2C2-8A92-9681-42C7-CF40BF93BA4C}"/>
-              </a:ext>
-            </a:extLst>
-          </p:cNvPr>
-          <p:cNvSpPr/>
-          <p:nvPr/>
-        </p:nvSpPr>
-        <p:spPr>
-          <a:xfrm>
-            <a:off x="4157200" y="4397285"/>
-            <a:ext cx="5948090" cy="991913"/>
-          </a:xfrm>
-          <a:prstGeom prst="rect">
-            <a:avLst/>
-          </a:prstGeom>
-          <a:noFill/>
-          <a:ln w="25400">
-            <a:solidFill>
-              <a:schemeClr val="tx1"/>
-            </a:solidFill>
-            <a:prstDash val="sysDot"/>
-          </a:ln>
-        </p:spPr>
-        <p:style>
-          <a:lnRef idx="2">
-            <a:schemeClr val="accent2">
-              <a:shade val="50000"/>
-            </a:schemeClr>
-          </a:lnRef>
-          <a:fillRef idx="1">
-            <a:schemeClr val="accent2"/>
-          </a:fillRef>
-          <a:effectRef idx="0">
-            <a:schemeClr val="accent2"/>
-          </a:effectRef>
-          <a:fontRef idx="minor">
-            <a:schemeClr val="lt1"/>
-          </a:fontRef>
-        </p:style>
-        <p:txBody>
-          <a:bodyPr rtlCol="0" anchor="t"/>
-          <a:lstStyle/>
-          <a:p>
-            <a:r>
-              <a:rPr kumimoji="1" lang="en-US" altLang="zh-CN" sz="1200" b="1" dirty="0">
-                <a:solidFill>
-                  <a:sysClr val="windowText" lastClr="000000"/>
-                </a:solidFill>
-                <a:latin typeface="DengXian" panose="02010600030101010101" pitchFamily="2" charset="-122"/>
-                <a:ea typeface="DengXian" panose="02010600030101010101" pitchFamily="2" charset="-122"/>
-              </a:rPr>
-              <a:t>Path</a:t>
-            </a:r>
-            <a:r>
-              <a:rPr kumimoji="1" lang="zh-CN" altLang="en-US" sz="1200" b="1" dirty="0">
-                <a:solidFill>
-                  <a:sysClr val="windowText" lastClr="000000"/>
-                </a:solidFill>
-                <a:latin typeface="DengXian" panose="02010600030101010101" pitchFamily="2" charset="-122"/>
-                <a:ea typeface="DengXian" panose="02010600030101010101" pitchFamily="2" charset="-122"/>
-              </a:rPr>
-              <a:t> </a:t>
-            </a:r>
-            <a:r>
-              <a:rPr kumimoji="1" lang="en-US" altLang="zh-CN" sz="1200" b="1" dirty="0">
-                <a:solidFill>
-                  <a:sysClr val="windowText" lastClr="000000"/>
-                </a:solidFill>
-                <a:latin typeface="DengXian" panose="02010600030101010101" pitchFamily="2" charset="-122"/>
-                <a:ea typeface="DengXian" panose="02010600030101010101" pitchFamily="2" charset="-122"/>
-              </a:rPr>
-              <a:t>N</a:t>
-            </a:r>
-          </a:p>
-        </p:txBody>
-      </p:sp>
-      <p:sp>
-        <p:nvSpPr>
-          <p:cNvPr id="11" name="矩形 9">
-            <a:extLst>
-              <a:ext uri="{FF2B5EF4-FFF2-40B4-BE49-F238E27FC236}">
-                <a16:creationId xmlns:a16="http://schemas.microsoft.com/office/drawing/2014/main" id="{A984CFD2-105C-CCED-1791-F494394C2166}"/>
-              </a:ext>
-            </a:extLst>
-          </p:cNvPr>
-          <p:cNvSpPr/>
-          <p:nvPr/>
-        </p:nvSpPr>
-        <p:spPr>
-          <a:xfrm>
-            <a:off x="4284784" y="2684988"/>
-            <a:ext cx="1409134" cy="505147"/>
-          </a:xfrm>
-          <a:prstGeom prst="rect">
-            <a:avLst/>
-          </a:prstGeom>
-          <a:solidFill>
-            <a:schemeClr val="accent5">
-              <a:lumMod val="60000"/>
-              <a:lumOff val="40000"/>
-            </a:schemeClr>
-          </a:solidFill>
-          <a:ln w="25400">
-            <a:solidFill>
-              <a:schemeClr val="tx1"/>
-            </a:solidFill>
-          </a:ln>
-        </p:spPr>
-        <p:style>
-          <a:lnRef idx="2">
-            <a:schemeClr val="accent2">
-              <a:shade val="50000"/>
-            </a:schemeClr>
-          </a:lnRef>
-          <a:fillRef idx="1">
-            <a:schemeClr val="accent2"/>
-          </a:fillRef>
-          <a:effectRef idx="0">
-            <a:schemeClr val="accent2"/>
-          </a:effectRef>
-          <a:fontRef idx="minor">
-            <a:schemeClr val="lt1"/>
-          </a:fontRef>
-        </p:style>
-        <p:txBody>
-          <a:bodyPr rtlCol="0" anchor="ctr"/>
-          <a:lstStyle/>
-          <a:p>
-            <a:pPr algn="ctr"/>
-            <a:r>
-              <a:rPr kumimoji="1" lang="en-US" altLang="zh-CN" sz="1200" b="1" dirty="0" err="1">
-                <a:solidFill>
-                  <a:sysClr val="windowText" lastClr="000000"/>
-                </a:solidFill>
-              </a:rPr>
-              <a:t>src</a:t>
-            </a:r>
-            <a:r>
-              <a:rPr kumimoji="1" lang="zh-CN" altLang="en-US" sz="1200" dirty="0">
-                <a:solidFill>
-                  <a:sysClr val="windowText" lastClr="000000"/>
-                </a:solidFill>
-              </a:rPr>
-              <a:t> </a:t>
-            </a:r>
-            <a:r>
-              <a:rPr kumimoji="1" lang="en-US" altLang="zh-CN" sz="1200" dirty="0">
-                <a:solidFill>
-                  <a:sysClr val="windowText" lastClr="000000"/>
-                </a:solidFill>
-              </a:rPr>
-              <a:t>:</a:t>
-            </a:r>
-            <a:r>
-              <a:rPr kumimoji="1" lang="zh-CN" altLang="en-US" sz="1200" dirty="0">
-                <a:solidFill>
-                  <a:sysClr val="windowText" lastClr="000000"/>
-                </a:solidFill>
-              </a:rPr>
-              <a:t> </a:t>
-            </a:r>
-            <a:r>
-              <a:rPr kumimoji="1" lang="en-US" altLang="zh-CN" sz="1200" dirty="0">
-                <a:solidFill>
-                  <a:sysClr val="windowText" lastClr="000000"/>
-                </a:solidFill>
-              </a:rPr>
-              <a:t>Account</a:t>
-            </a:r>
-            <a:endParaRPr kumimoji="1" lang="zh-CN" altLang="en-US" sz="1200" dirty="0">
-              <a:solidFill>
-                <a:sysClr val="windowText" lastClr="000000"/>
-              </a:solidFill>
-            </a:endParaRPr>
-          </a:p>
-        </p:txBody>
-      </p:sp>
-      <p:sp>
-        <p:nvSpPr>
-          <p:cNvPr id="12" name="矩形 10">
-            <a:extLst>
-              <a:ext uri="{FF2B5EF4-FFF2-40B4-BE49-F238E27FC236}">
-                <a16:creationId xmlns:a16="http://schemas.microsoft.com/office/drawing/2014/main" id="{5D90DED5-8B1D-55DB-5DB8-DB3E71091474}"/>
-              </a:ext>
-            </a:extLst>
-          </p:cNvPr>
-          <p:cNvSpPr/>
-          <p:nvPr/>
-        </p:nvSpPr>
-        <p:spPr>
-          <a:xfrm>
-            <a:off x="8547372" y="2684988"/>
-            <a:ext cx="1409134" cy="505147"/>
-          </a:xfrm>
-          <a:prstGeom prst="rect">
-            <a:avLst/>
-          </a:prstGeom>
-          <a:solidFill>
-            <a:schemeClr val="accent5">
-              <a:lumMod val="60000"/>
-              <a:lumOff val="40000"/>
-            </a:schemeClr>
-          </a:solidFill>
-          <a:ln w="25400">
-            <a:solidFill>
-              <a:schemeClr val="tx1"/>
-            </a:solidFill>
-          </a:ln>
-        </p:spPr>
-        <p:style>
-          <a:lnRef idx="2">
-            <a:schemeClr val="accent2">
-              <a:shade val="50000"/>
-            </a:schemeClr>
-          </a:lnRef>
-          <a:fillRef idx="1">
-            <a:schemeClr val="accent2"/>
-          </a:fillRef>
-          <a:effectRef idx="0">
-            <a:schemeClr val="accent2"/>
-          </a:effectRef>
-          <a:fontRef idx="minor">
-            <a:schemeClr val="lt1"/>
-          </a:fontRef>
-        </p:style>
-        <p:txBody>
-          <a:bodyPr rtlCol="0" anchor="ctr"/>
-          <a:lstStyle/>
-          <a:p>
-            <a:pPr algn="ctr"/>
-            <a:r>
-              <a:rPr kumimoji="1" lang="en-US" altLang="zh-CN" sz="1200" b="1" dirty="0" err="1">
-                <a:solidFill>
-                  <a:sysClr val="windowText" lastClr="000000"/>
-                </a:solidFill>
-              </a:rPr>
-              <a:t>dst</a:t>
-            </a:r>
-            <a:r>
-              <a:rPr kumimoji="1" lang="zh-CN" altLang="en-US" sz="1200" dirty="0">
-                <a:solidFill>
-                  <a:sysClr val="windowText" lastClr="000000"/>
-                </a:solidFill>
-              </a:rPr>
-              <a:t> </a:t>
-            </a:r>
-            <a:r>
-              <a:rPr kumimoji="1" lang="en-US" altLang="zh-CN" sz="1200" dirty="0">
-                <a:solidFill>
-                  <a:sysClr val="windowText" lastClr="000000"/>
-                </a:solidFill>
-              </a:rPr>
-              <a:t>:</a:t>
-            </a:r>
-            <a:r>
-              <a:rPr kumimoji="1" lang="zh-CN" altLang="en-US" sz="1200" dirty="0">
-                <a:solidFill>
-                  <a:sysClr val="windowText" lastClr="000000"/>
-                </a:solidFill>
-              </a:rPr>
-              <a:t> </a:t>
-            </a:r>
-            <a:r>
-              <a:rPr kumimoji="1" lang="en-US" altLang="zh-CN" sz="1200" dirty="0">
-                <a:solidFill>
-                  <a:sysClr val="windowText" lastClr="000000"/>
-                </a:solidFill>
-              </a:rPr>
-              <a:t>Account</a:t>
-            </a:r>
-            <a:endParaRPr kumimoji="1" lang="zh-CN" altLang="en-US" sz="1200" dirty="0">
-              <a:solidFill>
-                <a:sysClr val="windowText" lastClr="000000"/>
-              </a:solidFill>
-            </a:endParaRPr>
-          </a:p>
-        </p:txBody>
-      </p:sp>
-      <p:cxnSp>
-        <p:nvCxnSpPr>
-          <p:cNvPr id="13" name="直线箭头连接符 11" descr="jytjh">
-            <a:extLst>
-              <a:ext uri="{FF2B5EF4-FFF2-40B4-BE49-F238E27FC236}">
-                <a16:creationId xmlns:a16="http://schemas.microsoft.com/office/drawing/2014/main" id="{AAA9BCB8-BEDD-AB64-1101-272C25D3290C}"/>
-              </a:ext>
-            </a:extLst>
-          </p:cNvPr>
-          <p:cNvCxnSpPr>
-            <a:cxnSpLocks/>
-            <a:stCxn id="43" idx="1"/>
-            <a:endCxn id="11" idx="3"/>
-          </p:cNvCxnSpPr>
-          <p:nvPr/>
-        </p:nvCxnSpPr>
-        <p:spPr>
-          <a:xfrm flipH="1">
-            <a:off x="5693918" y="2937562"/>
-            <a:ext cx="722160" cy="0"/>
-          </a:xfrm>
-          <a:prstGeom prst="straightConnector1">
-            <a:avLst/>
-          </a:prstGeom>
-          <a:ln w="25400">
-            <a:solidFill>
-              <a:schemeClr val="tx1"/>
-            </a:solidFill>
-            <a:headEnd type="arrow" w="sm" len="lg"/>
-            <a:tailEnd type="none" w="lg" len="med"/>
-          </a:ln>
-        </p:spPr>
-        <p:style>
-          <a:lnRef idx="1">
-            <a:schemeClr val="accent1"/>
-          </a:lnRef>
-          <a:fillRef idx="0">
-            <a:schemeClr val="accent1"/>
-          </a:fillRef>
-          <a:effectRef idx="0">
-            <a:schemeClr val="accent1"/>
-          </a:effectRef>
-          <a:fontRef idx="minor">
-            <a:schemeClr val="tx1"/>
-          </a:fontRef>
-        </p:style>
-      </p:cxnSp>
-      <p:cxnSp>
-        <p:nvCxnSpPr>
-          <p:cNvPr id="16" name="直线箭头连接符 7" descr="jytjh">
-            <a:extLst>
-              <a:ext uri="{FF2B5EF4-FFF2-40B4-BE49-F238E27FC236}">
-                <a16:creationId xmlns:a16="http://schemas.microsoft.com/office/drawing/2014/main" id="{57A4E6A2-F1D7-09AC-A5C9-A728E3B8768E}"/>
-              </a:ext>
-            </a:extLst>
-          </p:cNvPr>
-          <p:cNvCxnSpPr>
-            <a:cxnSpLocks/>
-            <a:stCxn id="26" idx="3"/>
-            <a:endCxn id="11" idx="1"/>
-          </p:cNvCxnSpPr>
-          <p:nvPr/>
-        </p:nvCxnSpPr>
-        <p:spPr>
-          <a:xfrm>
-            <a:off x="3079550" y="2928104"/>
-            <a:ext cx="1205234" cy="9458"/>
-          </a:xfrm>
-          <a:prstGeom prst="straightConnector1">
-            <a:avLst/>
-          </a:prstGeom>
-          <a:ln w="25400">
-            <a:solidFill>
-              <a:schemeClr val="tx1"/>
-            </a:solidFill>
-            <a:headEnd type="none" w="lg" len="med"/>
-            <a:tailEnd type="arrow" w="sm" len="lg"/>
-          </a:ln>
-        </p:spPr>
-        <p:style>
-          <a:lnRef idx="1">
-            <a:schemeClr val="accent1"/>
-          </a:lnRef>
-          <a:fillRef idx="0">
-            <a:schemeClr val="accent1"/>
-          </a:fillRef>
-          <a:effectRef idx="0">
-            <a:schemeClr val="accent1"/>
-          </a:effectRef>
-          <a:fontRef idx="minor">
-            <a:schemeClr val="tx1"/>
-          </a:fontRef>
-        </p:style>
-      </p:cxnSp>
-      <p:cxnSp>
-        <p:nvCxnSpPr>
-          <p:cNvPr id="19" name="直线箭头连接符 7" descr="jytjh">
-            <a:extLst>
-              <a:ext uri="{FF2B5EF4-FFF2-40B4-BE49-F238E27FC236}">
-                <a16:creationId xmlns:a16="http://schemas.microsoft.com/office/drawing/2014/main" id="{CC90E719-349C-9BE9-D8BC-301075D635ED}"/>
-              </a:ext>
-            </a:extLst>
-          </p:cNvPr>
-          <p:cNvCxnSpPr>
-            <a:cxnSpLocks/>
-            <a:stCxn id="26" idx="3"/>
-            <a:endCxn id="7" idx="1"/>
-          </p:cNvCxnSpPr>
-          <p:nvPr/>
-        </p:nvCxnSpPr>
-        <p:spPr>
-          <a:xfrm>
-            <a:off x="3079550" y="2928104"/>
-            <a:ext cx="1205234" cy="2091424"/>
-          </a:xfrm>
-          <a:prstGeom prst="straightConnector1">
-            <a:avLst/>
-          </a:prstGeom>
-          <a:ln w="25400">
-            <a:solidFill>
-              <a:schemeClr val="tx1"/>
-            </a:solidFill>
-            <a:headEnd type="none" w="lg" len="med"/>
-            <a:tailEnd type="arrow" w="sm" len="lg"/>
-          </a:ln>
-        </p:spPr>
-        <p:style>
-          <a:lnRef idx="1">
-            <a:schemeClr val="accent1"/>
-          </a:lnRef>
-          <a:fillRef idx="0">
-            <a:schemeClr val="accent1"/>
-          </a:fillRef>
-          <a:effectRef idx="0">
-            <a:schemeClr val="accent1"/>
-          </a:effectRef>
-          <a:fontRef idx="minor">
-            <a:schemeClr val="tx1"/>
-          </a:fontRef>
-        </p:style>
-      </p:cxnSp>
-      <p:sp>
-        <p:nvSpPr>
-          <p:cNvPr id="22" name="矩形 14">
-            <a:extLst>
-              <a:ext uri="{FF2B5EF4-FFF2-40B4-BE49-F238E27FC236}">
-                <a16:creationId xmlns:a16="http://schemas.microsoft.com/office/drawing/2014/main" id="{3AFB2389-612B-1D58-15D9-B131B926F7EC}"/>
-              </a:ext>
-            </a:extLst>
-          </p:cNvPr>
-          <p:cNvSpPr/>
-          <p:nvPr/>
-        </p:nvSpPr>
-        <p:spPr>
-          <a:xfrm>
-            <a:off x="4157200" y="3631369"/>
-            <a:ext cx="5948090" cy="505147"/>
-          </a:xfrm>
-          <a:prstGeom prst="rect">
-            <a:avLst/>
-          </a:prstGeom>
-          <a:noFill/>
-          <a:ln w="28575">
-            <a:noFill/>
-          </a:ln>
-        </p:spPr>
-        <p:style>
-          <a:lnRef idx="2">
-            <a:schemeClr val="accent2">
-              <a:shade val="50000"/>
-            </a:schemeClr>
-          </a:lnRef>
-          <a:fillRef idx="1">
-            <a:schemeClr val="accent2"/>
-          </a:fillRef>
-          <a:effectRef idx="0">
-            <a:schemeClr val="accent2"/>
-          </a:effectRef>
-          <a:fontRef idx="minor">
-            <a:schemeClr val="lt1"/>
-          </a:fontRef>
-        </p:style>
-        <p:txBody>
-          <a:bodyPr rtlCol="0" anchor="ctr"/>
-          <a:lstStyle/>
-          <a:p>
-            <a:pPr algn="ctr"/>
-            <a:r>
-              <a:rPr kumimoji="1" lang="en-US" altLang="zh-CN" sz="1600" b="1" dirty="0">
-                <a:solidFill>
-                  <a:sysClr val="windowText" lastClr="000000"/>
-                </a:solidFill>
-              </a:rPr>
-              <a:t>…</a:t>
-            </a:r>
-            <a:endParaRPr kumimoji="1" lang="zh-CN" altLang="en-US" sz="1600" dirty="0">
-              <a:solidFill>
-                <a:sysClr val="windowText" lastClr="000000"/>
-              </a:solidFill>
-            </a:endParaRPr>
-          </a:p>
-        </p:txBody>
-      </p:sp>
-      <p:cxnSp>
-        <p:nvCxnSpPr>
-          <p:cNvPr id="23" name="直线箭头连接符 7" descr="jytjh">
-            <a:extLst>
-              <a:ext uri="{FF2B5EF4-FFF2-40B4-BE49-F238E27FC236}">
-                <a16:creationId xmlns:a16="http://schemas.microsoft.com/office/drawing/2014/main" id="{A1188DEF-6093-F2C7-3442-20DD37E28FB6}"/>
-              </a:ext>
-            </a:extLst>
-          </p:cNvPr>
-          <p:cNvCxnSpPr>
-            <a:cxnSpLocks/>
-            <a:stCxn id="26" idx="3"/>
-            <a:endCxn id="22" idx="1"/>
-          </p:cNvCxnSpPr>
-          <p:nvPr/>
-        </p:nvCxnSpPr>
-        <p:spPr>
-          <a:xfrm>
-            <a:off x="3079550" y="2928104"/>
-            <a:ext cx="1077650" cy="955839"/>
-          </a:xfrm>
-          <a:prstGeom prst="straightConnector1">
-            <a:avLst/>
-          </a:prstGeom>
-          <a:ln w="25400">
-            <a:solidFill>
-              <a:schemeClr val="tx1"/>
-            </a:solidFill>
-            <a:headEnd type="none" w="lg" len="med"/>
-            <a:tailEnd type="arrow" w="sm" len="lg"/>
-          </a:ln>
-        </p:spPr>
-        <p:style>
-          <a:lnRef idx="1">
-            <a:schemeClr val="accent1"/>
-          </a:lnRef>
-          <a:fillRef idx="0">
-            <a:schemeClr val="accent1"/>
-          </a:fillRef>
-          <a:effectRef idx="0">
-            <a:schemeClr val="accent1"/>
-          </a:effectRef>
-          <a:fontRef idx="minor">
-            <a:schemeClr val="tx1"/>
-          </a:fontRef>
-        </p:style>
-      </p:cxnSp>
-      <p:sp>
-        <p:nvSpPr>
-          <p:cNvPr id="42" name="文本框 8">
-            <a:extLst>
-              <a:ext uri="{FF2B5EF4-FFF2-40B4-BE49-F238E27FC236}">
-                <a16:creationId xmlns:a16="http://schemas.microsoft.com/office/drawing/2014/main" id="{74AF70E1-B01F-1128-BCB3-72C9E56B441E}"/>
-              </a:ext>
-            </a:extLst>
-          </p:cNvPr>
-          <p:cNvSpPr txBox="1"/>
-          <p:nvPr/>
-        </p:nvSpPr>
-        <p:spPr>
-          <a:xfrm>
-            <a:off x="6416078" y="1298175"/>
-            <a:ext cx="1182845" cy="276999"/>
-          </a:xfrm>
-          <a:prstGeom prst="rect">
-            <a:avLst/>
-          </a:prstGeom>
-          <a:noFill/>
-        </p:spPr>
-        <p:txBody>
-          <a:bodyPr wrap="square" rtlCol="0">
-            <a:spAutoFit/>
-          </a:bodyPr>
-          <a:lstStyle/>
-          <a:p>
-            <a:pPr algn="ctr"/>
-            <a:r>
-              <a:rPr kumimoji="1" lang="en-US" altLang="zh-CN" sz="1200" b="1" dirty="0">
-                <a:latin typeface="DengXian" panose="02010600030101010101" pitchFamily="2" charset="-122"/>
-                <a:ea typeface="DengXian" panose="02010600030101010101" pitchFamily="2" charset="-122"/>
-              </a:rPr>
-              <a:t>edge2</a:t>
-            </a:r>
-            <a:endParaRPr kumimoji="1" lang="en-US" altLang="zh-CN" sz="1200" dirty="0">
-              <a:latin typeface="DengXian" panose="02010600030101010101" pitchFamily="2" charset="-122"/>
-              <a:ea typeface="DengXian" panose="02010600030101010101" pitchFamily="2" charset="-122"/>
-            </a:endParaRPr>
-          </a:p>
-        </p:txBody>
-      </p:sp>
-      <p:sp>
-        <p:nvSpPr>
-          <p:cNvPr id="43" name="矩形 10">
-            <a:extLst>
-              <a:ext uri="{FF2B5EF4-FFF2-40B4-BE49-F238E27FC236}">
-                <a16:creationId xmlns:a16="http://schemas.microsoft.com/office/drawing/2014/main" id="{113F2D3A-4981-89B6-0EEC-FA09BE889A0F}"/>
-              </a:ext>
-            </a:extLst>
-          </p:cNvPr>
-          <p:cNvSpPr/>
-          <p:nvPr/>
-        </p:nvSpPr>
-        <p:spPr>
-          <a:xfrm>
-            <a:off x="6416078" y="2684988"/>
-            <a:ext cx="1409134" cy="505147"/>
-          </a:xfrm>
-          <a:prstGeom prst="rect">
-            <a:avLst/>
-          </a:prstGeom>
-          <a:solidFill>
-            <a:schemeClr val="accent5">
-              <a:lumMod val="60000"/>
-              <a:lumOff val="40000"/>
-            </a:schemeClr>
-          </a:solidFill>
-          <a:ln w="25400">
-            <a:solidFill>
-              <a:schemeClr val="tx1"/>
-            </a:solidFill>
-          </a:ln>
-        </p:spPr>
-        <p:style>
-          <a:lnRef idx="2">
-            <a:schemeClr val="accent2">
-              <a:shade val="50000"/>
-            </a:schemeClr>
-          </a:lnRef>
-          <a:fillRef idx="1">
-            <a:schemeClr val="accent2"/>
-          </a:fillRef>
-          <a:effectRef idx="0">
-            <a:schemeClr val="accent2"/>
-          </a:effectRef>
-          <a:fontRef idx="minor">
-            <a:schemeClr val="lt1"/>
-          </a:fontRef>
-        </p:style>
-        <p:txBody>
-          <a:bodyPr rtlCol="0" anchor="ctr"/>
-          <a:lstStyle/>
-          <a:p>
-            <a:pPr algn="ctr"/>
-            <a:r>
-              <a:rPr kumimoji="1" lang="en-US" altLang="zh-CN" sz="1200" b="1" dirty="0">
-                <a:solidFill>
-                  <a:sysClr val="windowText" lastClr="000000"/>
-                </a:solidFill>
-              </a:rPr>
-              <a:t>mid</a:t>
-            </a:r>
-            <a:r>
-              <a:rPr kumimoji="1" lang="zh-CN" altLang="en-US" sz="1200" dirty="0">
-                <a:solidFill>
-                  <a:sysClr val="windowText" lastClr="000000"/>
-                </a:solidFill>
-              </a:rPr>
-              <a:t> </a:t>
-            </a:r>
-            <a:r>
-              <a:rPr kumimoji="1" lang="en-US" altLang="zh-CN" sz="1200" dirty="0">
-                <a:solidFill>
-                  <a:sysClr val="windowText" lastClr="000000"/>
-                </a:solidFill>
-              </a:rPr>
-              <a:t>:</a:t>
-            </a:r>
-            <a:r>
-              <a:rPr kumimoji="1" lang="zh-CN" altLang="en-US" sz="1200" dirty="0">
-                <a:solidFill>
-                  <a:sysClr val="windowText" lastClr="000000"/>
-                </a:solidFill>
-              </a:rPr>
-              <a:t> </a:t>
-            </a:r>
-            <a:r>
-              <a:rPr kumimoji="1" lang="en-US" altLang="zh-CN" sz="1200" dirty="0">
-                <a:solidFill>
-                  <a:sysClr val="windowText" lastClr="000000"/>
-                </a:solidFill>
-              </a:rPr>
-              <a:t>Account</a:t>
-            </a:r>
-            <a:endParaRPr kumimoji="1" lang="zh-CN" altLang="en-US" sz="1200" dirty="0">
-              <a:solidFill>
-                <a:sysClr val="windowText" lastClr="000000"/>
-              </a:solidFill>
-            </a:endParaRPr>
-          </a:p>
-        </p:txBody>
-      </p:sp>
-      <p:cxnSp>
-        <p:nvCxnSpPr>
-          <p:cNvPr id="46" name="直线箭头连接符 11" descr="jytjh">
-            <a:extLst>
-              <a:ext uri="{FF2B5EF4-FFF2-40B4-BE49-F238E27FC236}">
-                <a16:creationId xmlns:a16="http://schemas.microsoft.com/office/drawing/2014/main" id="{39ABE6A6-8789-C73D-DC53-4AE7C7A2954E}"/>
-              </a:ext>
-            </a:extLst>
-          </p:cNvPr>
-          <p:cNvCxnSpPr>
-            <a:cxnSpLocks/>
-            <a:stCxn id="12" idx="1"/>
-            <a:endCxn id="43" idx="3"/>
-          </p:cNvCxnSpPr>
-          <p:nvPr/>
-        </p:nvCxnSpPr>
-        <p:spPr>
-          <a:xfrm flipH="1">
-            <a:off x="7825212" y="2937562"/>
-            <a:ext cx="722160" cy="0"/>
-          </a:xfrm>
-          <a:prstGeom prst="straightConnector1">
-            <a:avLst/>
-          </a:prstGeom>
-          <a:ln w="25400">
-            <a:solidFill>
-              <a:schemeClr val="tx1"/>
-            </a:solidFill>
-            <a:headEnd type="arrow" w="sm" len="lg"/>
-            <a:tailEnd type="none" w="lg" len="med"/>
-          </a:ln>
-        </p:spPr>
-        <p:style>
-          <a:lnRef idx="1">
-            <a:schemeClr val="accent1"/>
-          </a:lnRef>
-          <a:fillRef idx="0">
-            <a:schemeClr val="accent1"/>
-          </a:fillRef>
-          <a:effectRef idx="0">
-            <a:schemeClr val="accent1"/>
-          </a:effectRef>
-          <a:fontRef idx="minor">
-            <a:schemeClr val="tx1"/>
-          </a:fontRef>
-        </p:style>
-      </p:cxnSp>
-      <p:sp>
-        <p:nvSpPr>
-          <p:cNvPr id="54" name="矩形 10">
-            <a:extLst>
-              <a:ext uri="{FF2B5EF4-FFF2-40B4-BE49-F238E27FC236}">
-                <a16:creationId xmlns:a16="http://schemas.microsoft.com/office/drawing/2014/main" id="{2B4C3451-C29E-536A-E057-6FC1B8D5B363}"/>
-              </a:ext>
-            </a:extLst>
-          </p:cNvPr>
-          <p:cNvSpPr/>
-          <p:nvPr/>
-        </p:nvSpPr>
-        <p:spPr>
-          <a:xfrm>
-            <a:off x="5814532" y="4766954"/>
-            <a:ext cx="1082476" cy="505147"/>
-          </a:xfrm>
-          <a:prstGeom prst="rect">
-            <a:avLst/>
-          </a:prstGeom>
-          <a:solidFill>
-            <a:schemeClr val="accent5">
-              <a:lumMod val="60000"/>
-              <a:lumOff val="40000"/>
-            </a:schemeClr>
-          </a:solidFill>
-          <a:ln w="25400">
-            <a:solidFill>
-              <a:schemeClr val="tx1"/>
-            </a:solidFill>
-          </a:ln>
-        </p:spPr>
-        <p:style>
-          <a:lnRef idx="2">
-            <a:schemeClr val="accent2">
-              <a:shade val="50000"/>
-            </a:schemeClr>
-          </a:lnRef>
-          <a:fillRef idx="1">
-            <a:schemeClr val="accent2"/>
-          </a:fillRef>
-          <a:effectRef idx="0">
-            <a:schemeClr val="accent2"/>
-          </a:effectRef>
-          <a:fontRef idx="minor">
-            <a:schemeClr val="lt1"/>
-          </a:fontRef>
-        </p:style>
-        <p:txBody>
-          <a:bodyPr rtlCol="0" anchor="ctr"/>
-          <a:lstStyle/>
-          <a:p>
-            <a:pPr algn="ctr"/>
-            <a:r>
-              <a:rPr kumimoji="1" lang="en-US" altLang="zh-CN" sz="1200" b="1" dirty="0" err="1">
-                <a:solidFill>
-                  <a:sysClr val="windowText" lastClr="000000"/>
-                </a:solidFill>
-              </a:rPr>
-              <a:t>mid</a:t>
-            </a:r>
-            <a:r>
-              <a:rPr kumimoji="1" lang="en-US" altLang="zh-CN" sz="1200" dirty="0" err="1">
-                <a:solidFill>
-                  <a:sysClr val="windowText" lastClr="000000"/>
-                </a:solidFill>
-              </a:rPr>
-              <a:t>:Account</a:t>
-            </a:r>
-            <a:endParaRPr kumimoji="1" lang="zh-CN" altLang="en-US" sz="1200" dirty="0">
-              <a:solidFill>
-                <a:sysClr val="windowText" lastClr="000000"/>
-              </a:solidFill>
-            </a:endParaRPr>
-          </a:p>
-        </p:txBody>
-      </p:sp>
-      <p:sp>
-        <p:nvSpPr>
-          <p:cNvPr id="56" name="矩形 10">
-            <a:extLst>
-              <a:ext uri="{FF2B5EF4-FFF2-40B4-BE49-F238E27FC236}">
-                <a16:creationId xmlns:a16="http://schemas.microsoft.com/office/drawing/2014/main" id="{02ECD7A8-B366-7B82-E0FF-7A3A52985293}"/>
-              </a:ext>
-            </a:extLst>
-          </p:cNvPr>
-          <p:cNvSpPr/>
-          <p:nvPr/>
-        </p:nvSpPr>
-        <p:spPr>
-          <a:xfrm>
-            <a:off x="7344281" y="4766954"/>
-            <a:ext cx="1082476" cy="505147"/>
-          </a:xfrm>
-          <a:prstGeom prst="rect">
-            <a:avLst/>
-          </a:prstGeom>
-          <a:solidFill>
-            <a:schemeClr val="accent5">
-              <a:lumMod val="60000"/>
-              <a:lumOff val="40000"/>
-            </a:schemeClr>
-          </a:solidFill>
-          <a:ln w="25400">
-            <a:solidFill>
-              <a:schemeClr val="tx1"/>
-            </a:solidFill>
-          </a:ln>
-        </p:spPr>
-        <p:style>
-          <a:lnRef idx="2">
-            <a:schemeClr val="accent2">
-              <a:shade val="50000"/>
-            </a:schemeClr>
-          </a:lnRef>
-          <a:fillRef idx="1">
-            <a:schemeClr val="accent2"/>
-          </a:fillRef>
-          <a:effectRef idx="0">
-            <a:schemeClr val="accent2"/>
-          </a:effectRef>
-          <a:fontRef idx="minor">
-            <a:schemeClr val="lt1"/>
-          </a:fontRef>
-        </p:style>
-        <p:txBody>
-          <a:bodyPr rtlCol="0" anchor="ctr"/>
-          <a:lstStyle/>
-          <a:p>
-            <a:pPr algn="ctr"/>
-            <a:r>
-              <a:rPr kumimoji="1" lang="en-US" altLang="zh-CN" sz="1200" b="1" dirty="0" err="1">
-                <a:solidFill>
-                  <a:sysClr val="windowText" lastClr="000000"/>
-                </a:solidFill>
-              </a:rPr>
-              <a:t>mid</a:t>
-            </a:r>
-            <a:r>
-              <a:rPr kumimoji="1" lang="en-US" altLang="zh-CN" sz="1200" dirty="0" err="1">
-                <a:solidFill>
-                  <a:sysClr val="windowText" lastClr="000000"/>
-                </a:solidFill>
-              </a:rPr>
-              <a:t>:Account</a:t>
-            </a:r>
-            <a:endParaRPr kumimoji="1" lang="zh-CN" altLang="en-US" sz="1200" dirty="0">
-              <a:solidFill>
-                <a:sysClr val="windowText" lastClr="000000"/>
-              </a:solidFill>
-            </a:endParaRPr>
-          </a:p>
-        </p:txBody>
-      </p:sp>
-      <p:cxnSp>
-        <p:nvCxnSpPr>
-          <p:cNvPr id="63" name="直线箭头连接符 11" descr="jytjh">
-            <a:extLst>
-              <a:ext uri="{FF2B5EF4-FFF2-40B4-BE49-F238E27FC236}">
-                <a16:creationId xmlns:a16="http://schemas.microsoft.com/office/drawing/2014/main" id="{32161D70-2591-8239-D441-F1A088C17148}"/>
-              </a:ext>
-            </a:extLst>
-          </p:cNvPr>
-          <p:cNvCxnSpPr>
-            <a:cxnSpLocks/>
-            <a:stCxn id="56" idx="1"/>
-            <a:endCxn id="54" idx="3"/>
-          </p:cNvCxnSpPr>
-          <p:nvPr/>
-        </p:nvCxnSpPr>
-        <p:spPr>
-          <a:xfrm flipH="1">
-            <a:off x="6897008" y="5019528"/>
-            <a:ext cx="447273" cy="0"/>
-          </a:xfrm>
-          <a:prstGeom prst="straightConnector1">
-            <a:avLst/>
-          </a:prstGeom>
-          <a:ln w="25400">
-            <a:solidFill>
-              <a:schemeClr val="tx1"/>
-            </a:solidFill>
-            <a:headEnd type="arrow" w="sm" len="lg"/>
-            <a:tailEnd type="none" w="lg" len="med"/>
-          </a:ln>
-        </p:spPr>
-        <p:style>
-          <a:lnRef idx="1">
-            <a:schemeClr val="accent1"/>
-          </a:lnRef>
-          <a:fillRef idx="0">
-            <a:schemeClr val="accent1"/>
-          </a:fillRef>
-          <a:effectRef idx="0">
-            <a:schemeClr val="accent1"/>
-          </a:effectRef>
-          <a:fontRef idx="minor">
-            <a:schemeClr val="tx1"/>
-          </a:fontRef>
-        </p:style>
-      </p:cxnSp>
-      <p:cxnSp>
-        <p:nvCxnSpPr>
-          <p:cNvPr id="66" name="直线箭头连接符 11" descr="jytjh">
-            <a:extLst>
-              <a:ext uri="{FF2B5EF4-FFF2-40B4-BE49-F238E27FC236}">
-                <a16:creationId xmlns:a16="http://schemas.microsoft.com/office/drawing/2014/main" id="{36CDF4A1-42D2-3514-E2C7-03E44C9C53B8}"/>
-              </a:ext>
-            </a:extLst>
-          </p:cNvPr>
-          <p:cNvCxnSpPr>
-            <a:cxnSpLocks/>
-            <a:stCxn id="8" idx="1"/>
-            <a:endCxn id="56" idx="3"/>
-          </p:cNvCxnSpPr>
-          <p:nvPr/>
-        </p:nvCxnSpPr>
-        <p:spPr>
-          <a:xfrm flipH="1">
-            <a:off x="8426757" y="5019528"/>
-            <a:ext cx="447273" cy="0"/>
-          </a:xfrm>
-          <a:prstGeom prst="straightConnector1">
-            <a:avLst/>
-          </a:prstGeom>
-          <a:ln w="25400">
-            <a:solidFill>
-              <a:schemeClr val="tx1"/>
-            </a:solidFill>
-            <a:headEnd type="arrow" w="sm" len="lg"/>
-            <a:tailEnd type="none" w="lg" len="med"/>
-          </a:ln>
-        </p:spPr>
-        <p:style>
-          <a:lnRef idx="1">
-            <a:schemeClr val="accent1"/>
-          </a:lnRef>
-          <a:fillRef idx="0">
-            <a:schemeClr val="accent1"/>
-          </a:fillRef>
-          <a:effectRef idx="0">
-            <a:schemeClr val="accent1"/>
-          </a:effectRef>
-          <a:fontRef idx="minor">
-            <a:schemeClr val="tx1"/>
-          </a:fontRef>
-        </p:style>
-      </p:cxnSp>
-      <p:sp>
-        <p:nvSpPr>
-          <p:cNvPr id="70" name="矩形 13">
-            <a:extLst>
-              <a:ext uri="{FF2B5EF4-FFF2-40B4-BE49-F238E27FC236}">
-                <a16:creationId xmlns:a16="http://schemas.microsoft.com/office/drawing/2014/main" id="{E039C52F-412D-4C08-9C80-2E5848CBD3AD}"/>
-              </a:ext>
-            </a:extLst>
-          </p:cNvPr>
-          <p:cNvSpPr/>
-          <p:nvPr/>
-        </p:nvSpPr>
-        <p:spPr>
-          <a:xfrm>
-            <a:off x="4157200" y="2382785"/>
-            <a:ext cx="5948090" cy="991913"/>
-          </a:xfrm>
-          <a:prstGeom prst="rect">
-            <a:avLst/>
-          </a:prstGeom>
-          <a:noFill/>
-          <a:ln w="25400">
-            <a:solidFill>
-              <a:schemeClr val="tx1"/>
-            </a:solidFill>
-            <a:prstDash val="sysDot"/>
-          </a:ln>
-        </p:spPr>
-        <p:style>
-          <a:lnRef idx="2">
-            <a:schemeClr val="accent2">
-              <a:shade val="50000"/>
-            </a:schemeClr>
-          </a:lnRef>
-          <a:fillRef idx="1">
-            <a:schemeClr val="accent2"/>
-          </a:fillRef>
-          <a:effectRef idx="0">
-            <a:schemeClr val="accent2"/>
-          </a:effectRef>
-          <a:fontRef idx="minor">
-            <a:schemeClr val="lt1"/>
-          </a:fontRef>
-        </p:style>
-        <p:txBody>
-          <a:bodyPr rtlCol="0" anchor="t"/>
-          <a:lstStyle/>
-          <a:p>
-            <a:r>
-              <a:rPr kumimoji="1" lang="en-US" altLang="zh-CN" sz="1200" b="1" dirty="0">
-                <a:solidFill>
-                  <a:sysClr val="windowText" lastClr="000000"/>
-                </a:solidFill>
-                <a:latin typeface="DengXian" panose="02010600030101010101" pitchFamily="2" charset="-122"/>
-                <a:ea typeface="DengXian" panose="02010600030101010101" pitchFamily="2" charset="-122"/>
-              </a:rPr>
-              <a:t>Path</a:t>
-            </a:r>
-            <a:r>
-              <a:rPr kumimoji="1" lang="zh-CN" altLang="en-US" sz="1200" b="1" dirty="0">
-                <a:solidFill>
-                  <a:sysClr val="windowText" lastClr="000000"/>
-                </a:solidFill>
-                <a:latin typeface="DengXian" panose="02010600030101010101" pitchFamily="2" charset="-122"/>
-                <a:ea typeface="DengXian" panose="02010600030101010101" pitchFamily="2" charset="-122"/>
-              </a:rPr>
-              <a:t> </a:t>
-            </a:r>
-            <a:r>
-              <a:rPr kumimoji="1" lang="en-US" altLang="zh-CN" sz="1200" b="1" dirty="0">
-                <a:solidFill>
-                  <a:sysClr val="windowText" lastClr="000000"/>
-                </a:solidFill>
-                <a:latin typeface="DengXian" panose="02010600030101010101" pitchFamily="2" charset="-122"/>
-                <a:ea typeface="DengXian" panose="02010600030101010101" pitchFamily="2" charset="-122"/>
-              </a:rPr>
-              <a:t>2</a:t>
-            </a:r>
-          </a:p>
-        </p:txBody>
-      </p:sp>
-      <p:sp>
-        <p:nvSpPr>
-          <p:cNvPr id="71" name="文本框 8">
-            <a:extLst>
-              <a:ext uri="{FF2B5EF4-FFF2-40B4-BE49-F238E27FC236}">
-                <a16:creationId xmlns:a16="http://schemas.microsoft.com/office/drawing/2014/main" id="{A320A93D-A487-856B-C164-174D14200539}"/>
-              </a:ext>
-            </a:extLst>
-          </p:cNvPr>
-          <p:cNvSpPr txBox="1"/>
-          <p:nvPr/>
-        </p:nvSpPr>
-        <p:spPr>
-          <a:xfrm>
-            <a:off x="5463576" y="2644104"/>
-            <a:ext cx="1182845" cy="276999"/>
-          </a:xfrm>
-          <a:prstGeom prst="rect">
-            <a:avLst/>
-          </a:prstGeom>
-          <a:noFill/>
-        </p:spPr>
-        <p:txBody>
-          <a:bodyPr wrap="square" rtlCol="0">
-            <a:spAutoFit/>
-          </a:bodyPr>
-          <a:lstStyle/>
-          <a:p>
-            <a:pPr algn="ctr"/>
-            <a:r>
-              <a:rPr kumimoji="1" lang="en-US" altLang="zh-CN" sz="1200" b="1" dirty="0">
-                <a:latin typeface="DengXian" panose="02010600030101010101" pitchFamily="2" charset="-122"/>
-                <a:ea typeface="DengXian" panose="02010600030101010101" pitchFamily="2" charset="-122"/>
-              </a:rPr>
-              <a:t>edge2</a:t>
-            </a:r>
-            <a:endParaRPr kumimoji="1" lang="en-US" altLang="zh-CN" sz="1200" dirty="0">
-              <a:latin typeface="DengXian" panose="02010600030101010101" pitchFamily="2" charset="-122"/>
-              <a:ea typeface="DengXian" panose="02010600030101010101" pitchFamily="2" charset="-122"/>
-            </a:endParaRPr>
-          </a:p>
-        </p:txBody>
-      </p:sp>
-      <p:sp>
-        <p:nvSpPr>
-          <p:cNvPr id="72" name="文本框 8">
-            <a:extLst>
-              <a:ext uri="{FF2B5EF4-FFF2-40B4-BE49-F238E27FC236}">
-                <a16:creationId xmlns:a16="http://schemas.microsoft.com/office/drawing/2014/main" id="{4D5B02F7-0038-9BC1-A84C-D16E9E0B5DFC}"/>
-              </a:ext>
-            </a:extLst>
-          </p:cNvPr>
-          <p:cNvSpPr txBox="1"/>
-          <p:nvPr/>
-        </p:nvSpPr>
-        <p:spPr>
-          <a:xfrm>
-            <a:off x="6542807" y="4498070"/>
-            <a:ext cx="1182845" cy="276999"/>
-          </a:xfrm>
-          <a:prstGeom prst="rect">
-            <a:avLst/>
-          </a:prstGeom>
-          <a:noFill/>
-        </p:spPr>
-        <p:txBody>
-          <a:bodyPr wrap="square" rtlCol="0">
-            <a:spAutoFit/>
-          </a:bodyPr>
-          <a:lstStyle/>
-          <a:p>
-            <a:pPr algn="ctr"/>
-            <a:r>
-              <a:rPr kumimoji="1" lang="en-US" altLang="zh-CN" sz="1200" b="1" dirty="0">
-                <a:latin typeface="DengXian" panose="02010600030101010101" pitchFamily="2" charset="-122"/>
-                <a:ea typeface="DengXian" panose="02010600030101010101" pitchFamily="2" charset="-122"/>
-              </a:rPr>
-              <a:t>edge2</a:t>
-            </a:r>
-            <a:endParaRPr kumimoji="1" lang="en-US" altLang="zh-CN" sz="1200" dirty="0">
-              <a:latin typeface="DengXian" panose="02010600030101010101" pitchFamily="2" charset="-122"/>
-              <a:ea typeface="DengXian" panose="02010600030101010101" pitchFamily="2" charset="-122"/>
-            </a:endParaRPr>
-          </a:p>
-        </p:txBody>
-      </p:sp>
+              </a:endParaRPr>
+            </a:p>
+          </p:txBody>
+        </p:sp>
+      </p:grpSp>
     </p:spTree>
     <p:extLst>
       <p:ext uri="{BB962C8B-B14F-4D97-AF65-F5344CB8AC3E}">
@@ -25064,7 +25702,17 @@
                 <a:t> </a:t>
               </a:r>
               <a:r>
-                <a:rPr kumimoji="1" lang="en-US" altLang="zh-CN" sz="1200" b="1" dirty="0">
+                <a:rPr kumimoji="1" lang="en-US" altLang="zh-CN" sz="1200">
+                  <a:solidFill>
+                    <a:schemeClr val="tx1"/>
+                  </a:solidFill>
+                  <a:latin typeface="DengXian" panose="02010600030101010101" pitchFamily="2" charset="-122"/>
+                  <a:ea typeface="DengXian" panose="02010600030101010101" pitchFamily="2" charset="-122"/>
+                </a:rPr>
+                <a:t>SUM(</a:t>
+              </a:r>
+              <a:r>
+                <a:rPr kumimoji="1" lang="en-US" altLang="zh-CN" sz="1200" b="1">
                   <a:solidFill>
                     <a:sysClr val="windowText" lastClr="000000"/>
                   </a:solidFill>
@@ -25074,17 +25722,17 @@
                 <a:t>edge2.</a:t>
               </a:r>
               <a:r>
-                <a:rPr kumimoji="1" lang="en-US" altLang="zh-CN" sz="1200" dirty="0">
-                  <a:solidFill>
-                    <a:sysClr val="windowText" lastClr="000000"/>
-                  </a:solidFill>
-                  <a:latin typeface="DengXian" panose="02010600030101010101" pitchFamily="2" charset="-122"/>
-                  <a:ea typeface="DengXian" panose="02010600030101010101" pitchFamily="2" charset="-122"/>
-                </a:rPr>
-                <a:t>amount</a:t>
-              </a:r>
-              <a:r>
-                <a:rPr kumimoji="1" lang="zh-CN" altLang="en-US" sz="1200" dirty="0">
+                <a:rPr kumimoji="1" lang="en-US" altLang="zh-CN" sz="1200">
+                  <a:solidFill>
+                    <a:sysClr val="windowText" lastClr="000000"/>
+                  </a:solidFill>
+                  <a:latin typeface="DengXian" panose="02010600030101010101" pitchFamily="2" charset="-122"/>
+                  <a:ea typeface="DengXian" panose="02010600030101010101" pitchFamily="2" charset="-122"/>
+                </a:rPr>
+                <a:t>amount)</a:t>
+              </a:r>
+              <a:r>
+                <a:rPr kumimoji="1" lang="zh-CN" altLang="en-US" sz="1200">
                   <a:solidFill>
                     <a:sysClr val="windowText" lastClr="000000"/>
                   </a:solidFill>
@@ -32299,7 +32947,7 @@
                   <a:latin typeface="DengXian" panose="02010600030101010101" pitchFamily="2" charset="-122"/>
                   <a:ea typeface="DengXian" panose="02010600030101010101" pitchFamily="2" charset="-122"/>
                 </a:rPr>
-                <a:t>SUM(edge3)/SUM(edge4),</a:t>
+                <a:t>SUM(edge3.amount)/SUM(edge4.amount),</a:t>
               </a:r>
             </a:p>
             <a:p>
@@ -32312,7 +32960,7 @@
                   <a:latin typeface="DengXian" panose="02010600030101010101" pitchFamily="2" charset="-122"/>
                   <a:ea typeface="DengXian" panose="02010600030101010101" pitchFamily="2" charset="-122"/>
                 </a:rPr>
-                <a:t>SUM(edge1)/SUM(edge2),</a:t>
+                <a:t>SUM(edge1 .amount)/SUM(edge2 .amount),</a:t>
               </a:r>
             </a:p>
             <a:p>
@@ -32325,8 +32973,45 @@
                   <a:latin typeface="DengXian" panose="02010600030101010101" pitchFamily="2" charset="-122"/>
                   <a:ea typeface="DengXian" panose="02010600030101010101" pitchFamily="2" charset="-122"/>
                 </a:rPr>
-                <a:t>SUM(edge1)/SUM(edge4)</a:t>
-              </a:r>
+                <a:t>SUM</a:t>
+              </a:r>
+              <a:r>
+                <a:rPr kumimoji="1" lang="en-US" altLang="zh-CN" sz="1200">
+                  <a:solidFill>
+                    <a:schemeClr val="tx1"/>
+                  </a:solidFill>
+                  <a:latin typeface="DengXian" panose="02010600030101010101" pitchFamily="2" charset="-122"/>
+                  <a:ea typeface="DengXian" panose="02010600030101010101" pitchFamily="2" charset="-122"/>
+                </a:rPr>
+                <a:t>(edge1 .amount)/</a:t>
+              </a:r>
+              <a:r>
+                <a:rPr kumimoji="1" lang="en-US" altLang="zh-CN" sz="1200" dirty="0">
+                  <a:solidFill>
+                    <a:schemeClr val="tx1"/>
+                  </a:solidFill>
+                  <a:latin typeface="DengXian" panose="02010600030101010101" pitchFamily="2" charset="-122"/>
+                  <a:ea typeface="DengXian" panose="02010600030101010101" pitchFamily="2" charset="-122"/>
+                </a:rPr>
+                <a:t>SUM</a:t>
+              </a:r>
+              <a:r>
+                <a:rPr kumimoji="1" lang="en-US" altLang="zh-CN" sz="1200">
+                  <a:solidFill>
+                    <a:schemeClr val="tx1"/>
+                  </a:solidFill>
+                  <a:latin typeface="DengXian" panose="02010600030101010101" pitchFamily="2" charset="-122"/>
+                  <a:ea typeface="DengXian" panose="02010600030101010101" pitchFamily="2" charset="-122"/>
+                </a:rPr>
+                <a:t>(edge4 .amount)</a:t>
+              </a:r>
+              <a:endParaRPr kumimoji="1" lang="en-US" altLang="zh-CN" sz="1200" dirty="0">
+                <a:solidFill>
+                  <a:schemeClr val="tx1"/>
+                </a:solidFill>
+                <a:latin typeface="DengXian" panose="02010600030101010101" pitchFamily="2" charset="-122"/>
+                <a:ea typeface="DengXian" panose="02010600030101010101" pitchFamily="2" charset="-122"/>
+              </a:endParaRPr>
             </a:p>
           </p:txBody>
         </p:sp>

--- a/patterns/transaction-complex-read.pptx
+++ b/patterns/transaction-complex-read.pptx
@@ -211,7 +211,7 @@
           <a:p>
             <a:fld id="{CAD4BD24-A097-4F9D-85E9-6A2A24CA2D98}" type="datetimeFigureOut">
               <a:rPr lang="zh-CN" altLang="en-US" smtClean="0"/>
-              <a:t>2022/11/20</a:t>
+              <a:t>2023/1/2</a:t>
             </a:fld>
             <a:endParaRPr lang="zh-CN" altLang="en-US"/>
           </a:p>
@@ -32947,7 +32947,7 @@
                   <a:latin typeface="DengXian" panose="02010600030101010101" pitchFamily="2" charset="-122"/>
                   <a:ea typeface="DengXian" panose="02010600030101010101" pitchFamily="2" charset="-122"/>
                 </a:rPr>
-                <a:t>SUM(edge3.amount)/SUM(edge4.amount),</a:t>
+                <a:t>SUM(edge1.amount)/SUM(edge2.amount),</a:t>
               </a:r>
             </a:p>
             <a:p>
@@ -32960,7 +32960,7 @@
                   <a:latin typeface="DengXian" panose="02010600030101010101" pitchFamily="2" charset="-122"/>
                   <a:ea typeface="DengXian" panose="02010600030101010101" pitchFamily="2" charset="-122"/>
                 </a:rPr>
-                <a:t>SUM(edge1 .amount)/SUM(edge2 .amount),</a:t>
+                <a:t>SUM(edge1.amount)/SUM(edge4.amount),</a:t>
               </a:r>
             </a:p>
             <a:p>
@@ -32973,45 +32973,8 @@
                   <a:latin typeface="DengXian" panose="02010600030101010101" pitchFamily="2" charset="-122"/>
                   <a:ea typeface="DengXian" panose="02010600030101010101" pitchFamily="2" charset="-122"/>
                 </a:rPr>
-                <a:t>SUM</a:t>
-              </a:r>
-              <a:r>
-                <a:rPr kumimoji="1" lang="en-US" altLang="zh-CN" sz="1200">
-                  <a:solidFill>
-                    <a:schemeClr val="tx1"/>
-                  </a:solidFill>
-                  <a:latin typeface="DengXian" panose="02010600030101010101" pitchFamily="2" charset="-122"/>
-                  <a:ea typeface="DengXian" panose="02010600030101010101" pitchFamily="2" charset="-122"/>
-                </a:rPr>
-                <a:t>(edge1 .amount)/</a:t>
-              </a:r>
-              <a:r>
-                <a:rPr kumimoji="1" lang="en-US" altLang="zh-CN" sz="1200" dirty="0">
-                  <a:solidFill>
-                    <a:schemeClr val="tx1"/>
-                  </a:solidFill>
-                  <a:latin typeface="DengXian" panose="02010600030101010101" pitchFamily="2" charset="-122"/>
-                  <a:ea typeface="DengXian" panose="02010600030101010101" pitchFamily="2" charset="-122"/>
-                </a:rPr>
-                <a:t>SUM</a:t>
-              </a:r>
-              <a:r>
-                <a:rPr kumimoji="1" lang="en-US" altLang="zh-CN" sz="1200">
-                  <a:solidFill>
-                    <a:schemeClr val="tx1"/>
-                  </a:solidFill>
-                  <a:latin typeface="DengXian" panose="02010600030101010101" pitchFamily="2" charset="-122"/>
-                  <a:ea typeface="DengXian" panose="02010600030101010101" pitchFamily="2" charset="-122"/>
-                </a:rPr>
-                <a:t>(edge4 .amount)</a:t>
-              </a:r>
-              <a:endParaRPr kumimoji="1" lang="en-US" altLang="zh-CN" sz="1200" dirty="0">
-                <a:solidFill>
-                  <a:schemeClr val="tx1"/>
-                </a:solidFill>
-                <a:latin typeface="DengXian" panose="02010600030101010101" pitchFamily="2" charset="-122"/>
-                <a:ea typeface="DengXian" panose="02010600030101010101" pitchFamily="2" charset="-122"/>
-              </a:endParaRPr>
+                <a:t>SUM(edge3.amount)/SUM(edge4.amount)</a:t>
+              </a:r>
             </a:p>
           </p:txBody>
         </p:sp>

--- a/patterns/transaction-complex-read.pptx
+++ b/patterns/transaction-complex-read.pptx
@@ -211,7 +211,7 @@
           <a:p>
             <a:fld id="{CAD4BD24-A097-4F9D-85E9-6A2A24CA2D98}" type="datetimeFigureOut">
               <a:rPr lang="zh-CN" altLang="en-US" smtClean="0"/>
-              <a:t>2023/1/2</a:t>
+              <a:t>2023/1/12</a:t>
             </a:fld>
             <a:endParaRPr lang="zh-CN" altLang="en-US"/>
           </a:p>
@@ -27332,8 +27332,8 @@
           </p:nvSpPr>
           <p:spPr>
             <a:xfrm>
-              <a:off x="6327086" y="1268150"/>
-              <a:ext cx="2453498" cy="954107"/>
+              <a:off x="6096000" y="1268150"/>
+              <a:ext cx="2684584" cy="954107"/>
             </a:xfrm>
             <a:prstGeom prst="rect">
               <a:avLst/>
@@ -27351,7 +27351,7 @@
                   <a:latin typeface="DengXian" panose="02010600030101010101" pitchFamily="2" charset="-122"/>
                   <a:ea typeface="DengXian" panose="02010600030101010101" pitchFamily="2" charset="-122"/>
                 </a:rPr>
-                <a:t>e2</a:t>
+                <a:t>edge2</a:t>
               </a:r>
               <a:r>
                 <a:rPr kumimoji="1" lang="zh-CN" altLang="en-US" sz="1400" b="1" dirty="0">
@@ -27402,7 +27402,7 @@
                   <a:latin typeface="DengXian" panose="02010600030101010101" pitchFamily="2" charset="-122"/>
                   <a:ea typeface="DengXian" panose="02010600030101010101" pitchFamily="2" charset="-122"/>
                 </a:rPr>
-                <a:t>e2</a:t>
+                <a:t>edge2</a:t>
               </a:r>
               <a:r>
                 <a:rPr kumimoji="1" lang="en-US" altLang="zh-CN" sz="1400" dirty="0">
@@ -27460,7 +27460,7 @@
                   <a:latin typeface="DengXian" panose="02010600030101010101" pitchFamily="2" charset="-122"/>
                   <a:ea typeface="DengXian" panose="02010600030101010101" pitchFamily="2" charset="-122"/>
                 </a:rPr>
-                <a:t>e2</a:t>
+                <a:t>edge2</a:t>
               </a:r>
               <a:r>
                 <a:rPr kumimoji="1" lang="en-US" altLang="zh-CN" sz="1400" dirty="0">
@@ -27518,7 +27518,7 @@
                   <a:latin typeface="DengXian" panose="02010600030101010101" pitchFamily="2" charset="-122"/>
                   <a:ea typeface="DengXian" panose="02010600030101010101" pitchFamily="2" charset="-122"/>
                 </a:rPr>
-                <a:t>e2</a:t>
+                <a:t>edge2</a:t>
               </a:r>
               <a:r>
                 <a:rPr kumimoji="1" lang="en-US" altLang="zh-CN" sz="1400" dirty="0">
@@ -28554,8 +28554,8 @@
           </p:nvSpPr>
           <p:spPr>
             <a:xfrm>
-              <a:off x="3532723" y="1270166"/>
-              <a:ext cx="2606915" cy="954107"/>
+              <a:off x="3411417" y="1270166"/>
+              <a:ext cx="2728221" cy="954107"/>
             </a:xfrm>
             <a:prstGeom prst="rect">
               <a:avLst/>
@@ -28573,7 +28573,7 @@
                   <a:latin typeface="DengXian" panose="02010600030101010101" pitchFamily="2" charset="-122"/>
                   <a:ea typeface="DengXian" panose="02010600030101010101" pitchFamily="2" charset="-122"/>
                 </a:rPr>
-                <a:t>e1</a:t>
+                <a:t>edge1</a:t>
               </a:r>
               <a:r>
                 <a:rPr kumimoji="1" lang="zh-CN" altLang="en-US" sz="1400" b="1" dirty="0">
@@ -28624,7 +28624,7 @@
                   <a:latin typeface="DengXian" panose="02010600030101010101" pitchFamily="2" charset="-122"/>
                   <a:ea typeface="DengXian" panose="02010600030101010101" pitchFamily="2" charset="-122"/>
                 </a:rPr>
-                <a:t>e1</a:t>
+                <a:t>edge1</a:t>
               </a:r>
               <a:r>
                 <a:rPr kumimoji="1" lang="en-US" altLang="zh-CN" sz="1400" dirty="0">
@@ -28682,7 +28682,7 @@
                   <a:latin typeface="DengXian" panose="02010600030101010101" pitchFamily="2" charset="-122"/>
                   <a:ea typeface="DengXian" panose="02010600030101010101" pitchFamily="2" charset="-122"/>
                 </a:rPr>
-                <a:t>e1</a:t>
+                <a:t>edge1</a:t>
               </a:r>
               <a:r>
                 <a:rPr kumimoji="1" lang="en-US" altLang="zh-CN" sz="1400" dirty="0">
@@ -28740,7 +28740,7 @@
                   <a:latin typeface="DengXian" panose="02010600030101010101" pitchFamily="2" charset="-122"/>
                   <a:ea typeface="DengXian" panose="02010600030101010101" pitchFamily="2" charset="-122"/>
                 </a:rPr>
-                <a:t>e1</a:t>
+                <a:t>edge1</a:t>
               </a:r>
               <a:r>
                 <a:rPr kumimoji="1" lang="en-US" altLang="zh-CN" sz="1400" dirty="0">
@@ -28936,7 +28936,7 @@
                   <a:latin typeface="DengXian" panose="02010600030101010101" pitchFamily="2" charset="-122"/>
                   <a:ea typeface="DengXian" panose="02010600030101010101" pitchFamily="2" charset="-122"/>
                 </a:rPr>
-                <a:t>SUM(e1.amount)/SUM(e2.amount)</a:t>
+                <a:t>SUM(edge1.amount)/SUM(edge2.amount)</a:t>
               </a:r>
             </a:p>
           </p:txBody>
@@ -29080,7 +29080,7 @@
           <p:spPr>
             <a:xfrm>
               <a:off x="3808167" y="3100103"/>
-              <a:ext cx="658669" cy="505147"/>
+              <a:ext cx="809100" cy="505147"/>
             </a:xfrm>
             <a:prstGeom prst="rect">
               <a:avLst/>
@@ -29117,7 +29117,7 @@
                     <a:sysClr val="windowText" lastClr="000000"/>
                   </a:solidFill>
                 </a:rPr>
-                <a:t>e1</a:t>
+                <a:t>edge1</a:t>
               </a:r>
               <a:endParaRPr kumimoji="1" lang="zh-CN" altLang="en-US" sz="1400" dirty="0">
                 <a:solidFill>
@@ -29142,7 +29142,7 @@
           <p:spPr>
             <a:xfrm>
               <a:off x="7752392" y="3100103"/>
-              <a:ext cx="658669" cy="505147"/>
+              <a:ext cx="812403" cy="505147"/>
             </a:xfrm>
             <a:prstGeom prst="rect">
               <a:avLst/>
@@ -29179,7 +29179,7 @@
                     <a:sysClr val="windowText" lastClr="000000"/>
                   </a:solidFill>
                 </a:rPr>
-                <a:t>e2</a:t>
+                <a:t>edge2</a:t>
               </a:r>
               <a:endParaRPr kumimoji="1" lang="zh-CN" altLang="en-US" sz="1400" dirty="0">
                 <a:solidFill>

--- a/patterns/transaction-complex-read.pptx
+++ b/patterns/transaction-complex-read.pptx
@@ -211,7 +211,7 @@
           <a:p>
             <a:fld id="{CAD4BD24-A097-4F9D-85E9-6A2A24CA2D98}" type="datetimeFigureOut">
               <a:rPr lang="zh-CN" altLang="en-US" smtClean="0"/>
-              <a:t>2023/1/12</a:t>
+              <a:t>2023/2/23</a:t>
             </a:fld>
             <a:endParaRPr lang="zh-CN" altLang="en-US"/>
           </a:p>
@@ -3164,46 +3164,6 @@
                   <a:ea typeface="DengXian" panose="02010600030101010101" pitchFamily="2" charset="-122"/>
                 </a:rPr>
                 <a:t>RESULT</a:t>
-              </a:r>
-            </a:p>
-            <a:p>
-              <a:r>
-                <a:rPr kumimoji="1" lang="en-US" altLang="zh-CN" sz="1200" dirty="0">
-                  <a:solidFill>
-                    <a:sysClr val="windowText" lastClr="000000"/>
-                  </a:solidFill>
-                  <a:latin typeface="DengXian" panose="02010600030101010101" pitchFamily="2" charset="-122"/>
-                  <a:ea typeface="DengXian" panose="02010600030101010101" pitchFamily="2" charset="-122"/>
-                </a:rPr>
-                <a:t>COUNT(DISTINCT</a:t>
-              </a:r>
-              <a:r>
-                <a:rPr kumimoji="1" lang="zh-CN" altLang="en-US" sz="1200" dirty="0">
-                  <a:solidFill>
-                    <a:sysClr val="windowText" lastClr="000000"/>
-                  </a:solidFill>
-                  <a:latin typeface="DengXian" panose="02010600030101010101" pitchFamily="2" charset="-122"/>
-                  <a:ea typeface="DengXian" panose="02010600030101010101" pitchFamily="2" charset="-122"/>
-                </a:rPr>
-                <a:t> </a:t>
-              </a:r>
-              <a:r>
-                <a:rPr kumimoji="1" lang="en-US" altLang="zh-CN" sz="1200" b="1" dirty="0">
-                  <a:solidFill>
-                    <a:sysClr val="windowText" lastClr="000000"/>
-                  </a:solidFill>
-                </a:rPr>
-                <a:t>medium</a:t>
-              </a:r>
-              <a:r>
-                <a:rPr kumimoji="1" lang="en-US" altLang="zh-CN" sz="1200" dirty="0">
-                  <a:solidFill>
-                    <a:sysClr val="windowText" lastClr="000000"/>
-                  </a:solidFill>
-                  <a:latin typeface="DengXian" panose="02010600030101010101" pitchFamily="2" charset="-122"/>
-                  <a:ea typeface="DengXian" panose="02010600030101010101" pitchFamily="2" charset="-122"/>
-                </a:rPr>
-                <a:t>),</a:t>
               </a:r>
             </a:p>
             <a:p>

--- a/patterns/transaction-complex-read.pptx
+++ b/patterns/transaction-complex-read.pptx
@@ -211,7 +211,7 @@
           <a:p>
             <a:fld id="{CAD4BD24-A097-4F9D-85E9-6A2A24CA2D98}" type="datetimeFigureOut">
               <a:rPr lang="zh-CN" altLang="en-US" smtClean="0"/>
-              <a:t>2023/2/23</a:t>
+              <a:t>2023/2/24</a:t>
             </a:fld>
             <a:endParaRPr lang="zh-CN" altLang="en-US"/>
           </a:p>
@@ -6631,9 +6631,9 @@
         <p:grpSpPr>
           <a:xfrm>
             <a:off x="1723060" y="856049"/>
-            <a:ext cx="8581526" cy="4524843"/>
+            <a:ext cx="8581526" cy="4422121"/>
             <a:chOff x="1723060" y="856049"/>
-            <a:chExt cx="8581526" cy="4524843"/>
+            <a:chExt cx="8581526" cy="4422121"/>
           </a:xfrm>
         </p:grpSpPr>
         <p:grpSp>
@@ -7080,7 +7080,7 @@
           <p:spPr>
             <a:xfrm>
               <a:off x="4454466" y="856049"/>
-              <a:ext cx="5850120" cy="4524843"/>
+              <a:ext cx="5850120" cy="4422121"/>
             </a:xfrm>
             <a:prstGeom prst="rect">
               <a:avLst/>
@@ -7141,7 +7141,7 @@
                   <a:latin typeface="DengXian" panose="02010600030101010101" pitchFamily="2" charset="-122"/>
                   <a:ea typeface="DengXian" panose="02010600030101010101" pitchFamily="2" charset="-122"/>
                 </a:rPr>
-                <a:t>Final</a:t>
+                <a:t>ratio</a:t>
               </a:r>
               <a:r>
                 <a:rPr kumimoji="1" lang="zh-CN" altLang="en-US" sz="1200" dirty="0">
@@ -7153,18 +7153,6 @@
                 </a:rPr>
                 <a:t> </a:t>
               </a:r>
-              <a:r>
-                <a:rPr kumimoji="1" lang="en-US" altLang="zh-CN" sz="1200" dirty="0">
-                  <a:solidFill>
-                    <a:sysClr val="windowText" lastClr="000000"/>
-                  </a:solidFill>
-                  <a:latin typeface="DengXian" panose="02010600030101010101" pitchFamily="2" charset="-122"/>
-                  <a:ea typeface="DengXian" panose="02010600030101010101" pitchFamily="2" charset="-122"/>
-                </a:rPr>
-                <a:t>share</a:t>
-              </a:r>
-            </a:p>
-            <a:p>
               <a:r>
                 <a:rPr kumimoji="1" lang="en-US" altLang="zh-CN" sz="1200" b="1" dirty="0" err="1">
                   <a:solidFill>
@@ -25215,10 +25203,10 @@
       </p:grpSpPr>
       <p:grpSp>
         <p:nvGrpSpPr>
-          <p:cNvPr id="51" name="Group 50">
+          <p:cNvPr id="24" name="Group 23">
             <a:extLst>
               <a:ext uri="{FF2B5EF4-FFF2-40B4-BE49-F238E27FC236}">
-                <a16:creationId xmlns:a16="http://schemas.microsoft.com/office/drawing/2014/main" id="{48BE747D-A6B8-DEBE-C5FD-B0EE55997198}"/>
+                <a16:creationId xmlns:a16="http://schemas.microsoft.com/office/drawing/2014/main" id="{D58CA536-D895-ED89-B727-E50186FA2D2C}"/>
               </a:ext>
             </a:extLst>
           </p:cNvPr>
@@ -25227,10 +25215,10 @@
         </p:nvGrpSpPr>
         <p:grpSpPr>
           <a:xfrm>
-            <a:off x="1594339" y="1336431"/>
-            <a:ext cx="9015573" cy="4290646"/>
-            <a:chOff x="1512278" y="1336431"/>
-            <a:chExt cx="9015573" cy="4290646"/>
+            <a:off x="2408219" y="1336431"/>
+            <a:ext cx="8129269" cy="4290646"/>
+            <a:chOff x="1828800" y="1336431"/>
+            <a:chExt cx="8129269" cy="4290646"/>
           </a:xfrm>
         </p:grpSpPr>
         <p:sp>
@@ -25247,7 +25235,7 @@
           </p:nvSpPr>
           <p:spPr>
             <a:xfrm>
-              <a:off x="1633416" y="1435005"/>
+              <a:off x="1923704" y="1362581"/>
               <a:ext cx="2397868" cy="830997"/>
             </a:xfrm>
             <a:prstGeom prst="rect">
@@ -25466,8 +25454,8 @@
           </p:nvSpPr>
           <p:spPr>
             <a:xfrm>
-              <a:off x="4281616" y="3184544"/>
-              <a:ext cx="1614425" cy="505147"/>
+              <a:off x="4653385" y="3184544"/>
+              <a:ext cx="1315581" cy="505147"/>
             </a:xfrm>
             <a:prstGeom prst="rect">
               <a:avLst/>
@@ -25567,8 +25555,8 @@
           </p:nvSpPr>
           <p:spPr>
             <a:xfrm>
-              <a:off x="1512278" y="1336431"/>
-              <a:ext cx="7102308" cy="4290646"/>
+              <a:off x="1828800" y="1336431"/>
+              <a:ext cx="6129196" cy="4290646"/>
             </a:xfrm>
             <a:prstGeom prst="rect">
               <a:avLst/>
@@ -25662,7 +25650,7 @@
                 <a:t> </a:t>
               </a:r>
               <a:r>
-                <a:rPr kumimoji="1" lang="en-US" altLang="zh-CN" sz="1200">
+                <a:rPr kumimoji="1" lang="en-US" altLang="zh-CN" sz="1200" dirty="0">
                   <a:solidFill>
                     <a:schemeClr val="tx1"/>
                   </a:solidFill>
@@ -25672,7 +25660,7 @@
                 <a:t>SUM(</a:t>
               </a:r>
               <a:r>
-                <a:rPr kumimoji="1" lang="en-US" altLang="zh-CN" sz="1200" b="1">
+                <a:rPr kumimoji="1" lang="en-US" altLang="zh-CN" sz="1200" b="1" dirty="0">
                   <a:solidFill>
                     <a:sysClr val="windowText" lastClr="000000"/>
                   </a:solidFill>
@@ -25682,7 +25670,7 @@
                 <a:t>edge2.</a:t>
               </a:r>
               <a:r>
-                <a:rPr kumimoji="1" lang="en-US" altLang="zh-CN" sz="1200">
+                <a:rPr kumimoji="1" lang="en-US" altLang="zh-CN" sz="1200" dirty="0">
                   <a:solidFill>
                     <a:sysClr val="windowText" lastClr="000000"/>
                   </a:solidFill>
@@ -25692,7 +25680,7 @@
                 <a:t>amount)</a:t>
               </a:r>
               <a:r>
-                <a:rPr kumimoji="1" lang="zh-CN" altLang="en-US" sz="1200">
+                <a:rPr kumimoji="1" lang="zh-CN" altLang="en-US" sz="1200" dirty="0">
                   <a:solidFill>
                     <a:sysClr val="windowText" lastClr="000000"/>
                   </a:solidFill>
@@ -25765,7 +25753,7 @@
           </p:nvSpPr>
           <p:spPr>
             <a:xfrm>
-              <a:off x="1633416" y="2525750"/>
+              <a:off x="1923704" y="2263213"/>
               <a:ext cx="1248923" cy="505147"/>
             </a:xfrm>
             <a:prstGeom prst="rect">
@@ -25866,7 +25854,7 @@
           </p:nvSpPr>
           <p:spPr>
             <a:xfrm>
-              <a:off x="1633416" y="3828414"/>
+              <a:off x="1923704" y="4127187"/>
               <a:ext cx="1248923" cy="505147"/>
             </a:xfrm>
             <a:prstGeom prst="rect">
@@ -25971,8 +25959,8 @@
           </p:nvCxnSpPr>
           <p:spPr>
             <a:xfrm>
-              <a:off x="2882339" y="2778324"/>
-              <a:ext cx="1399277" cy="658794"/>
+              <a:off x="3172627" y="2515787"/>
+              <a:ext cx="1480758" cy="921331"/>
             </a:xfrm>
             <a:prstGeom prst="straightConnector1">
               <a:avLst/>
@@ -26018,8 +26006,8 @@
           </p:nvCxnSpPr>
           <p:spPr>
             <a:xfrm>
-              <a:off x="2882338" y="3429656"/>
-              <a:ext cx="1399278" cy="7462"/>
+              <a:off x="3172626" y="3137112"/>
+              <a:ext cx="1480759" cy="300006"/>
             </a:xfrm>
             <a:prstGeom prst="straightConnector1">
               <a:avLst/>
@@ -26065,8 +26053,8 @@
           </p:nvCxnSpPr>
           <p:spPr>
             <a:xfrm flipV="1">
-              <a:off x="2882339" y="3437118"/>
-              <a:ext cx="1399277" cy="643870"/>
+              <a:off x="3172627" y="3437118"/>
+              <a:ext cx="1480758" cy="942643"/>
             </a:xfrm>
             <a:prstGeom prst="straightConnector1">
               <a:avLst/>
@@ -26108,7 +26096,7 @@
           </p:nvSpPr>
           <p:spPr>
             <a:xfrm>
-              <a:off x="5976048" y="1435005"/>
+              <a:off x="5469640" y="1353528"/>
               <a:ext cx="2638537" cy="830997"/>
             </a:xfrm>
             <a:prstGeom prst="rect">
@@ -26306,274 +26294,295 @@
             </a:p>
           </p:txBody>
         </p:sp>
-        <p:sp>
-          <p:nvSpPr>
-            <p:cNvPr id="28" name="矩形 9">
+        <p:grpSp>
+          <p:nvGrpSpPr>
+            <p:cNvPr id="19" name="Group 18">
               <a:extLst>
                 <a:ext uri="{FF2B5EF4-FFF2-40B4-BE49-F238E27FC236}">
-                  <a16:creationId xmlns:a16="http://schemas.microsoft.com/office/drawing/2014/main" id="{725BA4AE-652E-D146-AA52-18CF5A110442}"/>
+                  <a16:creationId xmlns:a16="http://schemas.microsoft.com/office/drawing/2014/main" id="{CAAFAD6A-BC29-242B-A482-4801E9256870}"/>
                 </a:ext>
               </a:extLst>
             </p:cNvPr>
-            <p:cNvSpPr/>
+            <p:cNvGrpSpPr/>
             <p:nvPr/>
-          </p:nvSpPr>
-          <p:spPr>
+          </p:nvGrpSpPr>
+          <p:grpSpPr>
             <a:xfrm>
-              <a:off x="8913430" y="3176426"/>
-              <a:ext cx="1614421" cy="505147"/>
+              <a:off x="8343648" y="3176426"/>
+              <a:ext cx="1614421" cy="1000068"/>
+              <a:chOff x="8995491" y="3176426"/>
+              <a:chExt cx="1614421" cy="1000068"/>
             </a:xfrm>
-            <a:prstGeom prst="rect">
-              <a:avLst/>
-            </a:prstGeom>
-            <a:solidFill>
-              <a:schemeClr val="accent5">
-                <a:lumMod val="60000"/>
-                <a:lumOff val="40000"/>
-              </a:schemeClr>
-            </a:solidFill>
-            <a:ln w="25400">
+          </p:grpSpPr>
+          <p:sp>
+            <p:nvSpPr>
+              <p:cNvPr id="28" name="矩形 9">
+                <a:extLst>
+                  <a:ext uri="{FF2B5EF4-FFF2-40B4-BE49-F238E27FC236}">
+                    <a16:creationId xmlns:a16="http://schemas.microsoft.com/office/drawing/2014/main" id="{725BA4AE-652E-D146-AA52-18CF5A110442}"/>
+                  </a:ext>
+                </a:extLst>
+              </p:cNvPr>
+              <p:cNvSpPr/>
+              <p:nvPr/>
+            </p:nvSpPr>
+            <p:spPr>
+              <a:xfrm>
+                <a:off x="8995491" y="3176426"/>
+                <a:ext cx="1614421" cy="505147"/>
+              </a:xfrm>
+              <a:prstGeom prst="rect">
+                <a:avLst/>
+              </a:prstGeom>
               <a:solidFill>
-                <a:schemeClr val="tx1"/>
+                <a:schemeClr val="accent5">
+                  <a:lumMod val="60000"/>
+                  <a:lumOff val="40000"/>
+                </a:schemeClr>
               </a:solidFill>
-            </a:ln>
-          </p:spPr>
-          <p:style>
-            <a:lnRef idx="2">
-              <a:schemeClr val="accent2">
-                <a:shade val="50000"/>
-              </a:schemeClr>
-            </a:lnRef>
-            <a:fillRef idx="1">
-              <a:schemeClr val="accent2"/>
-            </a:fillRef>
-            <a:effectRef idx="0">
-              <a:schemeClr val="accent2"/>
-            </a:effectRef>
-            <a:fontRef idx="minor">
-              <a:schemeClr val="lt1"/>
-            </a:fontRef>
-          </p:style>
-          <p:txBody>
-            <a:bodyPr rtlCol="0" anchor="ctr"/>
-            <a:lstStyle/>
-            <a:p>
-              <a:pPr algn="ctr"/>
-              <a:r>
-                <a:rPr kumimoji="1" lang="en-US" altLang="zh-CN" sz="1200" b="1" dirty="0" err="1">
-                  <a:solidFill>
-                    <a:sysClr val="windowText" lastClr="000000"/>
-                  </a:solidFill>
-                </a:rPr>
-                <a:t>dstCard</a:t>
-              </a:r>
-              <a:r>
-                <a:rPr kumimoji="1" lang="zh-CN" altLang="en-US" sz="1200" dirty="0">
-                  <a:solidFill>
-                    <a:sysClr val="windowText" lastClr="000000"/>
-                  </a:solidFill>
-                </a:rPr>
-                <a:t> </a:t>
-              </a:r>
-              <a:r>
-                <a:rPr kumimoji="1" lang="en-US" altLang="zh-CN" sz="1200" dirty="0">
-                  <a:solidFill>
-                    <a:sysClr val="windowText" lastClr="000000"/>
-                  </a:solidFill>
-                </a:rPr>
-                <a:t>:</a:t>
-              </a:r>
-              <a:r>
-                <a:rPr kumimoji="1" lang="zh-CN" altLang="en-US" sz="1200" dirty="0">
-                  <a:solidFill>
-                    <a:sysClr val="windowText" lastClr="000000"/>
-                  </a:solidFill>
-                </a:rPr>
-                <a:t> </a:t>
-              </a:r>
-              <a:r>
-                <a:rPr kumimoji="1" lang="en-US" altLang="zh-CN" sz="1200" dirty="0">
-                  <a:solidFill>
-                    <a:sysClr val="windowText" lastClr="000000"/>
-                  </a:solidFill>
-                </a:rPr>
-                <a:t>Account</a:t>
-              </a:r>
-              <a:endParaRPr kumimoji="1" lang="zh-CN" altLang="en-US" sz="1200" dirty="0">
+              <a:ln w="25400">
                 <a:solidFill>
-                  <a:sysClr val="windowText" lastClr="000000"/>
+                  <a:schemeClr val="tx1"/>
                 </a:solidFill>
-              </a:endParaRPr>
-            </a:p>
-          </p:txBody>
-        </p:sp>
-        <p:sp>
-          <p:nvSpPr>
-            <p:cNvPr id="29" name="矩形 10">
-              <a:extLst>
-                <a:ext uri="{FF2B5EF4-FFF2-40B4-BE49-F238E27FC236}">
-                  <a16:creationId xmlns:a16="http://schemas.microsoft.com/office/drawing/2014/main" id="{99C2C467-69CF-FA45-9FB7-0C408BBC5F57}"/>
-                </a:ext>
-              </a:extLst>
-            </p:cNvPr>
-            <p:cNvSpPr/>
-            <p:nvPr/>
-          </p:nvSpPr>
-          <p:spPr>
-            <a:xfrm>
-              <a:off x="8913431" y="3679465"/>
-              <a:ext cx="1614420" cy="497029"/>
-            </a:xfrm>
-            <a:prstGeom prst="rect">
-              <a:avLst/>
-            </a:prstGeom>
-            <a:noFill/>
-            <a:ln w="25400">
-              <a:solidFill>
-                <a:schemeClr val="tx1"/>
-              </a:solidFill>
-            </a:ln>
-          </p:spPr>
-          <p:style>
-            <a:lnRef idx="2">
-              <a:schemeClr val="accent2">
-                <a:shade val="50000"/>
-              </a:schemeClr>
-            </a:lnRef>
-            <a:fillRef idx="1">
-              <a:schemeClr val="accent2"/>
-            </a:fillRef>
-            <a:effectRef idx="0">
-              <a:schemeClr val="accent2"/>
-            </a:effectRef>
-            <a:fontRef idx="minor">
-              <a:schemeClr val="lt1"/>
-            </a:fontRef>
-          </p:style>
-          <p:txBody>
-            <a:bodyPr rtlCol="0" anchor="ctr"/>
-            <a:lstStyle/>
-            <a:p>
-              <a:pPr algn="ctr"/>
-              <a:r>
-                <a:rPr kumimoji="1" lang="en-US" altLang="zh-CN" sz="1200" b="1" dirty="0" err="1">
-                  <a:solidFill>
-                    <a:sysClr val="windowText" lastClr="000000"/>
-                  </a:solidFill>
-                  <a:latin typeface="DengXian" panose="02010600030101010101" pitchFamily="2" charset="-122"/>
-                  <a:ea typeface="DengXian" panose="02010600030101010101" pitchFamily="2" charset="-122"/>
-                </a:rPr>
-                <a:t>dstCard</a:t>
-              </a:r>
-              <a:r>
-                <a:rPr kumimoji="1" lang="en-US" altLang="zh-CN" sz="1200" dirty="0" err="1">
-                  <a:solidFill>
-                    <a:sysClr val="windowText" lastClr="000000"/>
-                  </a:solidFill>
-                  <a:latin typeface="DengXian" panose="02010600030101010101" pitchFamily="2" charset="-122"/>
-                  <a:ea typeface="DengXian" panose="02010600030101010101" pitchFamily="2" charset="-122"/>
-                </a:rPr>
-                <a:t>.id</a:t>
-              </a:r>
-              <a:r>
-                <a:rPr kumimoji="1" lang="zh-CN" altLang="en-US" sz="1200" dirty="0">
-                  <a:solidFill>
-                    <a:sysClr val="windowText" lastClr="000000"/>
-                  </a:solidFill>
-                  <a:latin typeface="DengXian" panose="02010600030101010101" pitchFamily="2" charset="-122"/>
-                  <a:ea typeface="DengXian" panose="02010600030101010101" pitchFamily="2" charset="-122"/>
-                </a:rPr>
-                <a:t> </a:t>
-              </a:r>
-              <a:r>
-                <a:rPr kumimoji="1" lang="en-US" altLang="zh-CN" sz="1200" dirty="0">
-                  <a:solidFill>
-                    <a:sysClr val="windowText" lastClr="000000"/>
-                  </a:solidFill>
-                  <a:latin typeface="DengXian" panose="02010600030101010101" pitchFamily="2" charset="-122"/>
-                  <a:ea typeface="DengXian" panose="02010600030101010101" pitchFamily="2" charset="-122"/>
-                </a:rPr>
-                <a:t>=</a:t>
-              </a:r>
-              <a:r>
-                <a:rPr kumimoji="1" lang="zh-CN" altLang="en-US" sz="1200" dirty="0">
-                  <a:solidFill>
-                    <a:sysClr val="windowText" lastClr="000000"/>
-                  </a:solidFill>
-                  <a:latin typeface="DengXian" panose="02010600030101010101" pitchFamily="2" charset="-122"/>
-                  <a:ea typeface="DengXian" panose="02010600030101010101" pitchFamily="2" charset="-122"/>
-                </a:rPr>
-                <a:t> </a:t>
-              </a:r>
-              <a:r>
-                <a:rPr kumimoji="1" lang="en-US" altLang="zh-CN" sz="1200" dirty="0">
-                  <a:solidFill>
-                    <a:sysClr val="windowText" lastClr="000000"/>
-                  </a:solidFill>
-                  <a:latin typeface="DengXian" panose="02010600030101010101" pitchFamily="2" charset="-122"/>
-                  <a:ea typeface="DengXian" panose="02010600030101010101" pitchFamily="2" charset="-122"/>
-                </a:rPr>
-                <a:t>${id}</a:t>
-              </a:r>
-              <a:endParaRPr kumimoji="1" lang="en-US" altLang="zh-CN" sz="1200" dirty="0">
+              </a:ln>
+            </p:spPr>
+            <p:style>
+              <a:lnRef idx="2">
+                <a:schemeClr val="accent2">
+                  <a:shade val="50000"/>
+                </a:schemeClr>
+              </a:lnRef>
+              <a:fillRef idx="1">
+                <a:schemeClr val="accent2"/>
+              </a:fillRef>
+              <a:effectRef idx="0">
+                <a:schemeClr val="accent2"/>
+              </a:effectRef>
+              <a:fontRef idx="minor">
+                <a:schemeClr val="lt1"/>
+              </a:fontRef>
+            </p:style>
+            <p:txBody>
+              <a:bodyPr rtlCol="0" anchor="ctr"/>
+              <a:lstStyle/>
+              <a:p>
+                <a:pPr algn="ctr"/>
+                <a:r>
+                  <a:rPr kumimoji="1" lang="en-US" altLang="zh-CN" sz="1200" b="1" dirty="0" err="1">
+                    <a:solidFill>
+                      <a:sysClr val="windowText" lastClr="000000"/>
+                    </a:solidFill>
+                  </a:rPr>
+                  <a:t>dstCard</a:t>
+                </a:r>
+                <a:r>
+                  <a:rPr kumimoji="1" lang="zh-CN" altLang="en-US" sz="1200" dirty="0">
+                    <a:solidFill>
+                      <a:sysClr val="windowText" lastClr="000000"/>
+                    </a:solidFill>
+                  </a:rPr>
+                  <a:t> </a:t>
+                </a:r>
+                <a:r>
+                  <a:rPr kumimoji="1" lang="en-US" altLang="zh-CN" sz="1200" dirty="0">
+                    <a:solidFill>
+                      <a:sysClr val="windowText" lastClr="000000"/>
+                    </a:solidFill>
+                  </a:rPr>
+                  <a:t>:</a:t>
+                </a:r>
+                <a:r>
+                  <a:rPr kumimoji="1" lang="zh-CN" altLang="en-US" sz="1200" dirty="0">
+                    <a:solidFill>
+                      <a:sysClr val="windowText" lastClr="000000"/>
+                    </a:solidFill>
+                  </a:rPr>
+                  <a:t> </a:t>
+                </a:r>
+                <a:r>
+                  <a:rPr kumimoji="1" lang="en-US" altLang="zh-CN" sz="1200" dirty="0">
+                    <a:solidFill>
+                      <a:sysClr val="windowText" lastClr="000000"/>
+                    </a:solidFill>
+                  </a:rPr>
+                  <a:t>Account</a:t>
+                </a:r>
+                <a:endParaRPr kumimoji="1" lang="zh-CN" altLang="en-US" sz="1200" dirty="0">
+                  <a:solidFill>
+                    <a:sysClr val="windowText" lastClr="000000"/>
+                  </a:solidFill>
+                </a:endParaRPr>
+              </a:p>
+            </p:txBody>
+          </p:sp>
+          <p:sp>
+            <p:nvSpPr>
+              <p:cNvPr id="29" name="矩形 10">
+                <a:extLst>
+                  <a:ext uri="{FF2B5EF4-FFF2-40B4-BE49-F238E27FC236}">
+                    <a16:creationId xmlns:a16="http://schemas.microsoft.com/office/drawing/2014/main" id="{99C2C467-69CF-FA45-9FB7-0C408BBC5F57}"/>
+                  </a:ext>
+                </a:extLst>
+              </p:cNvPr>
+              <p:cNvSpPr/>
+              <p:nvPr/>
+            </p:nvSpPr>
+            <p:spPr>
+              <a:xfrm>
+                <a:off x="8995492" y="3679465"/>
+                <a:ext cx="1614420" cy="497029"/>
+              </a:xfrm>
+              <a:prstGeom prst="rect">
+                <a:avLst/>
+              </a:prstGeom>
+              <a:noFill/>
+              <a:ln w="25400">
                 <a:solidFill>
-                  <a:sysClr val="windowText" lastClr="000000"/>
+                  <a:schemeClr val="tx1"/>
                 </a:solidFill>
-              </a:endParaRPr>
-            </a:p>
-            <a:p>
-              <a:pPr algn="ctr"/>
-              <a:r>
-                <a:rPr kumimoji="1" lang="en-US" altLang="zh-CN" sz="1200" b="1" dirty="0" err="1">
-                  <a:solidFill>
-                    <a:sysClr val="windowText" lastClr="000000"/>
-                  </a:solidFill>
-                </a:rPr>
-                <a:t>dstCard</a:t>
-              </a:r>
-              <a:r>
-                <a:rPr kumimoji="1" lang="en-US" altLang="zh-CN" sz="1200" dirty="0" err="1">
-                  <a:solidFill>
-                    <a:sysClr val="windowText" lastClr="000000"/>
-                  </a:solidFill>
-                </a:rPr>
-                <a:t>.type</a:t>
-              </a:r>
-              <a:r>
-                <a:rPr kumimoji="1" lang="zh-CN" altLang="en-US" sz="1200" dirty="0">
-                  <a:solidFill>
-                    <a:sysClr val="windowText" lastClr="000000"/>
-                  </a:solidFill>
-                </a:rPr>
-                <a:t> </a:t>
-              </a:r>
-              <a:r>
-                <a:rPr kumimoji="1" lang="en-US" altLang="zh-CN" sz="1200" dirty="0">
-                  <a:solidFill>
-                    <a:sysClr val="windowText" lastClr="000000"/>
-                  </a:solidFill>
-                </a:rPr>
-                <a:t>=</a:t>
-              </a:r>
-              <a:r>
-                <a:rPr kumimoji="1" lang="zh-CN" altLang="en-US" sz="1200" dirty="0">
-                  <a:solidFill>
-                    <a:sysClr val="windowText" lastClr="000000"/>
-                  </a:solidFill>
-                </a:rPr>
-                <a:t> </a:t>
-              </a:r>
-              <a:r>
-                <a:rPr kumimoji="1" lang="en-US" altLang="zh-CN" sz="1200" dirty="0">
-                  <a:solidFill>
-                    <a:sysClr val="windowText" lastClr="000000"/>
-                  </a:solidFill>
-                </a:rPr>
-                <a:t>card</a:t>
-              </a:r>
-            </a:p>
-          </p:txBody>
-        </p:sp>
+              </a:ln>
+            </p:spPr>
+            <p:style>
+              <a:lnRef idx="2">
+                <a:schemeClr val="accent2">
+                  <a:shade val="50000"/>
+                </a:schemeClr>
+              </a:lnRef>
+              <a:fillRef idx="1">
+                <a:schemeClr val="accent2"/>
+              </a:fillRef>
+              <a:effectRef idx="0">
+                <a:schemeClr val="accent2"/>
+              </a:effectRef>
+              <a:fontRef idx="minor">
+                <a:schemeClr val="lt1"/>
+              </a:fontRef>
+            </p:style>
+            <p:txBody>
+              <a:bodyPr rtlCol="0" anchor="ctr"/>
+              <a:lstStyle/>
+              <a:p>
+                <a:pPr algn="ctr"/>
+                <a:r>
+                  <a:rPr kumimoji="1" lang="en-US" altLang="zh-CN" sz="1200" b="1" dirty="0" err="1">
+                    <a:solidFill>
+                      <a:sysClr val="windowText" lastClr="000000"/>
+                    </a:solidFill>
+                    <a:latin typeface="DengXian" panose="02010600030101010101" pitchFamily="2" charset="-122"/>
+                    <a:ea typeface="DengXian" panose="02010600030101010101" pitchFamily="2" charset="-122"/>
+                  </a:rPr>
+                  <a:t>dstCard</a:t>
+                </a:r>
+                <a:r>
+                  <a:rPr kumimoji="1" lang="en-US" altLang="zh-CN" sz="1200" dirty="0" err="1">
+                    <a:solidFill>
+                      <a:sysClr val="windowText" lastClr="000000"/>
+                    </a:solidFill>
+                    <a:latin typeface="DengXian" panose="02010600030101010101" pitchFamily="2" charset="-122"/>
+                    <a:ea typeface="DengXian" panose="02010600030101010101" pitchFamily="2" charset="-122"/>
+                  </a:rPr>
+                  <a:t>.id</a:t>
+                </a:r>
+                <a:r>
+                  <a:rPr kumimoji="1" lang="zh-CN" altLang="en-US" sz="1200" dirty="0">
+                    <a:solidFill>
+                      <a:sysClr val="windowText" lastClr="000000"/>
+                    </a:solidFill>
+                    <a:latin typeface="DengXian" panose="02010600030101010101" pitchFamily="2" charset="-122"/>
+                    <a:ea typeface="DengXian" panose="02010600030101010101" pitchFamily="2" charset="-122"/>
+                  </a:rPr>
+                  <a:t> </a:t>
+                </a:r>
+                <a:r>
+                  <a:rPr kumimoji="1" lang="en-US" altLang="zh-CN" sz="1200" dirty="0">
+                    <a:solidFill>
+                      <a:sysClr val="windowText" lastClr="000000"/>
+                    </a:solidFill>
+                    <a:latin typeface="DengXian" panose="02010600030101010101" pitchFamily="2" charset="-122"/>
+                    <a:ea typeface="DengXian" panose="02010600030101010101" pitchFamily="2" charset="-122"/>
+                  </a:rPr>
+                  <a:t>=</a:t>
+                </a:r>
+                <a:r>
+                  <a:rPr kumimoji="1" lang="zh-CN" altLang="en-US" sz="1200" dirty="0">
+                    <a:solidFill>
+                      <a:sysClr val="windowText" lastClr="000000"/>
+                    </a:solidFill>
+                    <a:latin typeface="DengXian" panose="02010600030101010101" pitchFamily="2" charset="-122"/>
+                    <a:ea typeface="DengXian" panose="02010600030101010101" pitchFamily="2" charset="-122"/>
+                  </a:rPr>
+                  <a:t> </a:t>
+                </a:r>
+                <a:r>
+                  <a:rPr kumimoji="1" lang="en-US" altLang="zh-CN" sz="1200" dirty="0">
+                    <a:solidFill>
+                      <a:sysClr val="windowText" lastClr="000000"/>
+                    </a:solidFill>
+                    <a:latin typeface="DengXian" panose="02010600030101010101" pitchFamily="2" charset="-122"/>
+                    <a:ea typeface="DengXian" panose="02010600030101010101" pitchFamily="2" charset="-122"/>
+                  </a:rPr>
+                  <a:t>${id}</a:t>
+                </a:r>
+                <a:endParaRPr kumimoji="1" lang="en-US" altLang="zh-CN" sz="1200" dirty="0">
+                  <a:solidFill>
+                    <a:sysClr val="windowText" lastClr="000000"/>
+                  </a:solidFill>
+                </a:endParaRPr>
+              </a:p>
+              <a:p>
+                <a:pPr algn="ctr"/>
+                <a:r>
+                  <a:rPr kumimoji="1" lang="en-US" altLang="zh-CN" sz="1200" b="1" dirty="0" err="1">
+                    <a:solidFill>
+                      <a:sysClr val="windowText" lastClr="000000"/>
+                    </a:solidFill>
+                  </a:rPr>
+                  <a:t>dstCard</a:t>
+                </a:r>
+                <a:r>
+                  <a:rPr kumimoji="1" lang="en-US" altLang="zh-CN" sz="1200" dirty="0" err="1">
+                    <a:solidFill>
+                      <a:sysClr val="windowText" lastClr="000000"/>
+                    </a:solidFill>
+                  </a:rPr>
+                  <a:t>.type</a:t>
+                </a:r>
+                <a:r>
+                  <a:rPr kumimoji="1" lang="zh-CN" altLang="en-US" sz="1200" dirty="0">
+                    <a:solidFill>
+                      <a:sysClr val="windowText" lastClr="000000"/>
+                    </a:solidFill>
+                  </a:rPr>
+                  <a:t> </a:t>
+                </a:r>
+                <a:r>
+                  <a:rPr kumimoji="1" lang="en-US" altLang="zh-CN" sz="1200" dirty="0">
+                    <a:solidFill>
+                      <a:sysClr val="windowText" lastClr="000000"/>
+                    </a:solidFill>
+                  </a:rPr>
+                  <a:t>=</a:t>
+                </a:r>
+                <a:r>
+                  <a:rPr kumimoji="1" lang="zh-CN" altLang="en-US" sz="1200" dirty="0">
+                    <a:solidFill>
+                      <a:sysClr val="windowText" lastClr="000000"/>
+                    </a:solidFill>
+                  </a:rPr>
+                  <a:t> </a:t>
+                </a:r>
+                <a:r>
+                  <a:rPr kumimoji="1" lang="en-US" altLang="zh-CN" sz="1200" dirty="0">
+                    <a:solidFill>
+                      <a:sysClr val="windowText" lastClr="000000"/>
+                    </a:solidFill>
+                  </a:rPr>
+                  <a:t>card</a:t>
+                </a:r>
+              </a:p>
+            </p:txBody>
+          </p:sp>
+        </p:grpSp>
         <p:cxnSp>
           <p:nvCxnSpPr>
             <p:cNvPr id="36" name="直线箭头连接符 11" descr="jytjh">
@@ -26592,8 +26601,8 @@
           </p:nvCxnSpPr>
           <p:spPr>
             <a:xfrm flipV="1">
-              <a:off x="5896041" y="3429000"/>
-              <a:ext cx="3017389" cy="8118"/>
+              <a:off x="5968966" y="3429000"/>
+              <a:ext cx="2374682" cy="8118"/>
             </a:xfrm>
             <a:prstGeom prst="straightConnector1">
               <a:avLst/>
@@ -26635,7 +26644,7 @@
           </p:nvSpPr>
           <p:spPr>
             <a:xfrm>
-              <a:off x="1633416" y="3177082"/>
+              <a:off x="1923704" y="2884538"/>
               <a:ext cx="1248922" cy="505147"/>
             </a:xfrm>
             <a:prstGeom prst="rect">
@@ -26701,8 +26710,8 @@
           </p:nvCxnSpPr>
           <p:spPr>
             <a:xfrm flipV="1">
-              <a:off x="5896041" y="3429000"/>
-              <a:ext cx="3017389" cy="1553084"/>
+              <a:off x="5978102" y="3429000"/>
+              <a:ext cx="2365546" cy="1553084"/>
             </a:xfrm>
             <a:prstGeom prst="straightConnector1">
               <a:avLst/>
@@ -26744,8 +26753,8 @@
           </p:nvSpPr>
           <p:spPr>
             <a:xfrm>
-              <a:off x="4281616" y="4729510"/>
-              <a:ext cx="1614425" cy="505147"/>
+              <a:off x="4734962" y="4729510"/>
+              <a:ext cx="1243140" cy="505147"/>
             </a:xfrm>
             <a:prstGeom prst="rect">
               <a:avLst/>
@@ -26806,8 +26815,8 @@
           </p:nvSpPr>
           <p:spPr>
             <a:xfrm>
-              <a:off x="4281616" y="1975610"/>
-              <a:ext cx="1614425" cy="505147"/>
+              <a:off x="4662521" y="1975610"/>
+              <a:ext cx="1315581" cy="505147"/>
             </a:xfrm>
             <a:prstGeom prst="rect">
               <a:avLst/>
@@ -26872,8 +26881,8 @@
           </p:nvCxnSpPr>
           <p:spPr>
             <a:xfrm>
-              <a:off x="5896041" y="2228184"/>
-              <a:ext cx="3017389" cy="1200816"/>
+              <a:off x="5978102" y="2228184"/>
+              <a:ext cx="2365546" cy="1200816"/>
             </a:xfrm>
             <a:prstGeom prst="straightConnector1">
               <a:avLst/>
@@ -26915,7 +26924,7 @@
           </p:nvSpPr>
           <p:spPr>
             <a:xfrm>
-              <a:off x="2813133" y="3102971"/>
+              <a:off x="3054507" y="3253290"/>
               <a:ext cx="815840" cy="276999"/>
             </a:xfrm>
             <a:prstGeom prst="rect">
@@ -26958,7 +26967,7 @@
           </p:nvSpPr>
           <p:spPr>
             <a:xfrm>
-              <a:off x="6643166" y="3102971"/>
+              <a:off x="5913383" y="3112305"/>
               <a:ext cx="815840" cy="276999"/>
             </a:xfrm>
             <a:prstGeom prst="rect">
@@ -26987,6 +26996,115 @@
             </a:p>
           </p:txBody>
         </p:sp>
+        <p:sp>
+          <p:nvSpPr>
+            <p:cNvPr id="2" name="矩形 14">
+              <a:extLst>
+                <a:ext uri="{FF2B5EF4-FFF2-40B4-BE49-F238E27FC236}">
+                  <a16:creationId xmlns:a16="http://schemas.microsoft.com/office/drawing/2014/main" id="{B77C5AF4-8066-B1BC-EF2A-65CDE3FFCA3E}"/>
+                </a:ext>
+              </a:extLst>
+            </p:cNvPr>
+            <p:cNvSpPr/>
+            <p:nvPr/>
+          </p:nvSpPr>
+          <p:spPr>
+            <a:xfrm>
+              <a:off x="1927540" y="3505863"/>
+              <a:ext cx="1248922" cy="505147"/>
+            </a:xfrm>
+            <a:prstGeom prst="rect">
+              <a:avLst/>
+            </a:prstGeom>
+            <a:noFill/>
+            <a:ln w="28575">
+              <a:noFill/>
+            </a:ln>
+          </p:spPr>
+          <p:style>
+            <a:lnRef idx="2">
+              <a:schemeClr val="accent2">
+                <a:shade val="50000"/>
+              </a:schemeClr>
+            </a:lnRef>
+            <a:fillRef idx="1">
+              <a:schemeClr val="accent2"/>
+            </a:fillRef>
+            <a:effectRef idx="0">
+              <a:schemeClr val="accent2"/>
+            </a:effectRef>
+            <a:fontRef idx="minor">
+              <a:schemeClr val="lt1"/>
+            </a:fontRef>
+          </p:style>
+          <p:txBody>
+            <a:bodyPr rtlCol="0" anchor="ctr"/>
+            <a:lstStyle/>
+            <a:p>
+              <a:pPr algn="ctr"/>
+              <a:r>
+                <a:rPr kumimoji="1" lang="en-US" altLang="zh-CN" sz="1600" b="1" dirty="0">
+                  <a:solidFill>
+                    <a:sysClr val="windowText" lastClr="000000"/>
+                  </a:solidFill>
+                </a:rPr>
+                <a:t>…</a:t>
+              </a:r>
+              <a:endParaRPr kumimoji="1" lang="zh-CN" altLang="en-US" sz="1600" dirty="0">
+                <a:solidFill>
+                  <a:sysClr val="windowText" lastClr="000000"/>
+                </a:solidFill>
+              </a:endParaRPr>
+            </a:p>
+          </p:txBody>
+        </p:sp>
+        <p:cxnSp>
+          <p:nvCxnSpPr>
+            <p:cNvPr id="3" name="直线箭头连接符 11" descr="jytjh">
+              <a:extLst>
+                <a:ext uri="{FF2B5EF4-FFF2-40B4-BE49-F238E27FC236}">
+                  <a16:creationId xmlns:a16="http://schemas.microsoft.com/office/drawing/2014/main" id="{8A6BE534-34B6-8902-083F-E9CB036CAA47}"/>
+                </a:ext>
+              </a:extLst>
+            </p:cNvPr>
+            <p:cNvCxnSpPr>
+              <a:cxnSpLocks/>
+              <a:stCxn id="2" idx="3"/>
+              <a:endCxn id="22" idx="1"/>
+            </p:cNvCxnSpPr>
+            <p:nvPr/>
+          </p:nvCxnSpPr>
+          <p:spPr>
+            <a:xfrm flipV="1">
+              <a:off x="3176462" y="3437118"/>
+              <a:ext cx="1476923" cy="321319"/>
+            </a:xfrm>
+            <a:prstGeom prst="straightConnector1">
+              <a:avLst/>
+            </a:prstGeom>
+            <a:ln w="25400">
+              <a:solidFill>
+                <a:schemeClr val="tx1"/>
+              </a:solidFill>
+              <a:headEnd type="none" w="sm" len="sm"/>
+              <a:tailEnd type="arrow" w="sm" len="sm"/>
+            </a:ln>
+          </p:spPr>
+          <p:style>
+            <a:lnRef idx="1">
+              <a:schemeClr val="accent1"/>
+            </a:lnRef>
+            <a:fillRef idx="0">
+              <a:schemeClr val="accent1"/>
+            </a:fillRef>
+            <a:effectRef idx="0">
+              <a:schemeClr val="accent1"/>
+            </a:effectRef>
+            <a:fontRef idx="minor">
+              <a:schemeClr val="tx1"/>
+            </a:fontRef>
+          </p:style>
+        </p:cxnSp>
       </p:grpSp>
     </p:spTree>
     <p:extLst>

--- a/patterns/transaction-complex-read.pptx
+++ b/patterns/transaction-complex-read.pptx
@@ -211,7 +211,7 @@
           <a:p>
             <a:fld id="{CAD4BD24-A097-4F9D-85E9-6A2A24CA2D98}" type="datetimeFigureOut">
               <a:rPr lang="zh-CN" altLang="en-US" smtClean="0"/>
-              <a:t>2023/2/24</a:t>
+              <a:t>2023/3/1</a:t>
             </a:fld>
             <a:endParaRPr lang="zh-CN" altLang="en-US"/>
           </a:p>
@@ -3121,8 +3121,8 @@
           </p:nvSpPr>
           <p:spPr>
             <a:xfrm>
-              <a:off x="7936523" y="1316631"/>
-              <a:ext cx="2440969" cy="4794454"/>
+              <a:off x="5495453" y="1316631"/>
+              <a:ext cx="4882039" cy="4794454"/>
             </a:xfrm>
             <a:prstGeom prst="rect">
               <a:avLst/>
@@ -3175,6 +3175,36 @@
                   <a:latin typeface="DengXian" panose="02010600030101010101" pitchFamily="2" charset="-122"/>
                   <a:ea typeface="DengXian" panose="02010600030101010101" pitchFamily="2" charset="-122"/>
                 </a:rPr>
+                <a:t>other.id</a:t>
+              </a:r>
+              <a:r>
+                <a:rPr kumimoji="1" lang="en-US" altLang="zh-CN" sz="1200" dirty="0">
+                  <a:solidFill>
+                    <a:sysClr val="windowText" lastClr="000000"/>
+                  </a:solidFill>
+                  <a:latin typeface="DengXian" panose="02010600030101010101" pitchFamily="2" charset="-122"/>
+                  <a:ea typeface="DengXian" panose="02010600030101010101" pitchFamily="2" charset="-122"/>
+                </a:rPr>
+                <a:t>,</a:t>
+              </a:r>
+              <a:r>
+                <a:rPr kumimoji="1" lang="zh-CN" altLang="en-US" sz="1200" dirty="0">
+                  <a:solidFill>
+                    <a:sysClr val="windowText" lastClr="000000"/>
+                  </a:solidFill>
+                  <a:latin typeface="DengXian" panose="02010600030101010101" pitchFamily="2" charset="-122"/>
+                  <a:ea typeface="DengXian" panose="02010600030101010101" pitchFamily="2" charset="-122"/>
+                </a:rPr>
+                <a:t> </a:t>
+              </a:r>
+              <a:r>
+                <a:rPr kumimoji="1" lang="en-US" altLang="zh-CN" sz="1200" dirty="0" err="1">
+                  <a:solidFill>
+                    <a:sysClr val="windowText" lastClr="000000"/>
+                  </a:solidFill>
+                  <a:latin typeface="DengXian" panose="02010600030101010101" pitchFamily="2" charset="-122"/>
+                  <a:ea typeface="DengXian" panose="02010600030101010101" pitchFamily="2" charset="-122"/>
+                </a:rPr>
                 <a:t>medium.type</a:t>
               </a:r>
               <a:r>
@@ -3206,6 +3236,36 @@
                   <a:ea typeface="DengXian" panose="02010600030101010101" pitchFamily="2" charset="-122"/>
                 </a:rPr>
                 <a:t>medium.id</a:t>
+              </a:r>
+              <a:r>
+                <a:rPr kumimoji="1" lang="en-US" altLang="zh-CN" sz="1200" dirty="0">
+                  <a:solidFill>
+                    <a:sysClr val="windowText" lastClr="000000"/>
+                  </a:solidFill>
+                  <a:latin typeface="DengXian" panose="02010600030101010101" pitchFamily="2" charset="-122"/>
+                  <a:ea typeface="DengXian" panose="02010600030101010101" pitchFamily="2" charset="-122"/>
+                </a:rPr>
+                <a:t>,</a:t>
+              </a:r>
+              <a:r>
+                <a:rPr kumimoji="1" lang="zh-CN" altLang="en-US" sz="1200" dirty="0">
+                  <a:solidFill>
+                    <a:sysClr val="windowText" lastClr="000000"/>
+                  </a:solidFill>
+                  <a:latin typeface="DengXian" panose="02010600030101010101" pitchFamily="2" charset="-122"/>
+                  <a:ea typeface="DengXian" panose="02010600030101010101" pitchFamily="2" charset="-122"/>
+                </a:rPr>
+                <a:t> </a:t>
+              </a:r>
+              <a:r>
+                <a:rPr kumimoji="1" lang="en-US" altLang="zh-CN" sz="1200" dirty="0" err="1">
+                  <a:solidFill>
+                    <a:sysClr val="windowText" lastClr="000000"/>
+                  </a:solidFill>
+                  <a:latin typeface="DengXian" panose="02010600030101010101" pitchFamily="2" charset="-122"/>
+                  <a:ea typeface="DengXian" panose="02010600030101010101" pitchFamily="2" charset="-122"/>
+                </a:rPr>
+                <a:t>accountDistance</a:t>
               </a:r>
               <a:endParaRPr kumimoji="1" lang="en-US" altLang="zh-CN" sz="1200" dirty="0">
                 <a:solidFill>
@@ -6630,7 +6690,7 @@
         </p:nvGrpSpPr>
         <p:grpSpPr>
           <a:xfrm>
-            <a:off x="1723060" y="856049"/>
+            <a:off x="1723060" y="1381147"/>
             <a:ext cx="8581526" cy="4422121"/>
             <a:chOff x="1723060" y="856049"/>
             <a:chExt cx="8581526" cy="4422121"/>
@@ -7141,6 +7201,46 @@
                   <a:latin typeface="DengXian" panose="02010600030101010101" pitchFamily="2" charset="-122"/>
                   <a:ea typeface="DengXian" panose="02010600030101010101" pitchFamily="2" charset="-122"/>
                 </a:rPr>
+                <a:t>id,</a:t>
+              </a:r>
+              <a:r>
+                <a:rPr kumimoji="1" lang="zh-CN" altLang="en-US" sz="1200" dirty="0">
+                  <a:solidFill>
+                    <a:sysClr val="windowText" lastClr="000000"/>
+                  </a:solidFill>
+                  <a:latin typeface="DengXian" panose="02010600030101010101" pitchFamily="2" charset="-122"/>
+                  <a:ea typeface="DengXian" panose="02010600030101010101" pitchFamily="2" charset="-122"/>
+                </a:rPr>
+                <a:t> </a:t>
+              </a:r>
+              <a:r>
+                <a:rPr kumimoji="1" lang="en-US" altLang="zh-CN" sz="1200" dirty="0">
+                  <a:solidFill>
+                    <a:sysClr val="windowText" lastClr="000000"/>
+                  </a:solidFill>
+                  <a:latin typeface="DengXian" panose="02010600030101010101" pitchFamily="2" charset="-122"/>
+                  <a:ea typeface="DengXian" panose="02010600030101010101" pitchFamily="2" charset="-122"/>
+                </a:rPr>
+                <a:t>type,</a:t>
+              </a:r>
+              <a:r>
+                <a:rPr kumimoji="1" lang="zh-CN" altLang="en-US" sz="1200" dirty="0">
+                  <a:solidFill>
+                    <a:sysClr val="windowText" lastClr="000000"/>
+                  </a:solidFill>
+                  <a:latin typeface="DengXian" panose="02010600030101010101" pitchFamily="2" charset="-122"/>
+                  <a:ea typeface="DengXian" panose="02010600030101010101" pitchFamily="2" charset="-122"/>
+                </a:rPr>
+                <a:t> </a:t>
+              </a:r>
+              <a:r>
+                <a:rPr kumimoji="1" lang="en-US" altLang="zh-CN" sz="1200" dirty="0">
+                  <a:solidFill>
+                    <a:sysClr val="windowText" lastClr="000000"/>
+                  </a:solidFill>
+                  <a:latin typeface="DengXian" panose="02010600030101010101" pitchFamily="2" charset="-122"/>
+                  <a:ea typeface="DengXian" panose="02010600030101010101" pitchFamily="2" charset="-122"/>
+                </a:rPr>
                 <a:t>ratio</a:t>
               </a:r>
               <a:r>
@@ -7153,36 +7253,13 @@
                 </a:rPr>
                 <a:t> </a:t>
               </a:r>
-              <a:r>
-                <a:rPr kumimoji="1" lang="en-US" altLang="zh-CN" sz="1200" b="1" dirty="0" err="1">
-                  <a:solidFill>
-                    <a:srgbClr val="FF0000"/>
-                  </a:solidFill>
-                  <a:latin typeface="DengXian" panose="02010600030101010101" pitchFamily="2" charset="-122"/>
-                  <a:ea typeface="DengXian" panose="02010600030101010101" pitchFamily="2" charset="-122"/>
-                </a:rPr>
-                <a:t>Groupby</a:t>
-              </a:r>
-              <a:r>
-                <a:rPr kumimoji="1" lang="zh-CN" altLang="en-US" sz="1200" b="1" dirty="0">
-                  <a:solidFill>
-                    <a:srgbClr val="FF0000"/>
-                  </a:solidFill>
-                  <a:latin typeface="DengXian" panose="02010600030101010101" pitchFamily="2" charset="-122"/>
-                  <a:ea typeface="DengXian" panose="02010600030101010101" pitchFamily="2" charset="-122"/>
-                </a:rPr>
-                <a:t> </a:t>
-              </a:r>
-              <a:r>
-                <a:rPr kumimoji="1" lang="en-US" altLang="zh-CN" sz="1200" dirty="0">
-                  <a:solidFill>
-                    <a:sysClr val="windowText" lastClr="000000"/>
-                  </a:solidFill>
-                  <a:latin typeface="DengXian" panose="02010600030101010101" pitchFamily="2" charset="-122"/>
-                  <a:ea typeface="DengXian" panose="02010600030101010101" pitchFamily="2" charset="-122"/>
-                </a:rPr>
-                <a:t>investor</a:t>
-              </a:r>
+              <a:endParaRPr kumimoji="1" lang="en-US" altLang="zh-CN" sz="1200" dirty="0">
+                <a:solidFill>
+                  <a:sysClr val="windowText" lastClr="000000"/>
+                </a:solidFill>
+                <a:latin typeface="DengXian" panose="02010600030101010101" pitchFamily="2" charset="-122"/>
+                <a:ea typeface="DengXian" panose="02010600030101010101" pitchFamily="2" charset="-122"/>
+              </a:endParaRPr>
             </a:p>
           </p:txBody>
         </p:sp>
@@ -11470,6 +11547,36 @@
             </a:p>
             <a:p>
               <a:r>
+                <a:rPr kumimoji="1" lang="en-US" altLang="zh-CN" sz="1200" dirty="0" err="1">
+                  <a:solidFill>
+                    <a:sysClr val="windowText" lastClr="000000"/>
+                  </a:solidFill>
+                  <a:latin typeface="DengXian" panose="02010600030101010101" pitchFamily="2" charset="-122"/>
+                  <a:ea typeface="DengXian" panose="02010600030101010101" pitchFamily="2" charset="-122"/>
+                </a:rPr>
+                <a:t>compAccountId</a:t>
+              </a:r>
+              <a:r>
+                <a:rPr kumimoji="1" lang="en-US" altLang="zh-CN" sz="1200" dirty="0">
+                  <a:solidFill>
+                    <a:sysClr val="windowText" lastClr="000000"/>
+                  </a:solidFill>
+                  <a:latin typeface="DengXian" panose="02010600030101010101" pitchFamily="2" charset="-122"/>
+                  <a:ea typeface="DengXian" panose="02010600030101010101" pitchFamily="2" charset="-122"/>
+                </a:rPr>
+                <a:t>,</a:t>
+              </a:r>
+              <a:r>
+                <a:rPr kumimoji="1" lang="zh-CN" altLang="en-US" sz="1200" dirty="0">
+                  <a:solidFill>
+                    <a:sysClr val="windowText" lastClr="000000"/>
+                  </a:solidFill>
+                  <a:latin typeface="DengXian" panose="02010600030101010101" pitchFamily="2" charset="-122"/>
+                  <a:ea typeface="DengXian" panose="02010600030101010101" pitchFamily="2" charset="-122"/>
+                </a:rPr>
+                <a:t> </a:t>
+              </a:r>
+              <a:r>
                 <a:rPr kumimoji="1" lang="en-US" altLang="zh-CN" sz="1200" dirty="0">
                   <a:solidFill>
                     <a:sysClr val="windowText" lastClr="000000"/>
@@ -11479,53 +11586,6 @@
                 </a:rPr>
                 <a:t>SUM(edge2.amount)</a:t>
               </a:r>
-              <a:r>
-                <a:rPr kumimoji="1" lang="zh-CN" altLang="en-US" sz="1200" dirty="0">
-                  <a:solidFill>
-                    <a:sysClr val="windowText" lastClr="000000"/>
-                  </a:solidFill>
-                  <a:latin typeface="DengXian" panose="02010600030101010101" pitchFamily="2" charset="-122"/>
-                  <a:ea typeface="DengXian" panose="02010600030101010101" pitchFamily="2" charset="-122"/>
-                </a:rPr>
-                <a:t> </a:t>
-              </a:r>
-              <a:r>
-                <a:rPr kumimoji="1" lang="en-US" altLang="zh-CN" sz="1200" b="1" dirty="0" err="1">
-                  <a:solidFill>
-                    <a:srgbClr val="FF0000"/>
-                  </a:solidFill>
-                  <a:latin typeface="DengXian" panose="02010600030101010101" pitchFamily="2" charset="-122"/>
-                  <a:ea typeface="DengXian" panose="02010600030101010101" pitchFamily="2" charset="-122"/>
-                </a:rPr>
-                <a:t>Groupby</a:t>
-              </a:r>
-              <a:r>
-                <a:rPr kumimoji="1" lang="zh-CN" altLang="en-US" sz="1200" dirty="0">
-                  <a:solidFill>
-                    <a:sysClr val="windowText" lastClr="000000"/>
-                  </a:solidFill>
-                  <a:latin typeface="DengXian" panose="02010600030101010101" pitchFamily="2" charset="-122"/>
-                  <a:ea typeface="DengXian" panose="02010600030101010101" pitchFamily="2" charset="-122"/>
-                </a:rPr>
-                <a:t> </a:t>
-              </a:r>
-              <a:r>
-                <a:rPr kumimoji="1" lang="en-US" altLang="zh-CN" sz="1200" dirty="0" err="1">
-                  <a:solidFill>
-                    <a:sysClr val="windowText" lastClr="000000"/>
-                  </a:solidFill>
-                  <a:latin typeface="DengXian" panose="02010600030101010101" pitchFamily="2" charset="-122"/>
-                  <a:ea typeface="DengXian" panose="02010600030101010101" pitchFamily="2" charset="-122"/>
-                </a:rPr>
-                <a:t>compAcc</a:t>
-              </a:r>
-              <a:endParaRPr kumimoji="1" lang="en-US" altLang="zh-CN" sz="1200" dirty="0">
-                <a:solidFill>
-                  <a:sysClr val="windowText" lastClr="000000"/>
-                </a:solidFill>
-                <a:latin typeface="DengXian" panose="02010600030101010101" pitchFamily="2" charset="-122"/>
-                <a:ea typeface="DengXian" panose="02010600030101010101" pitchFamily="2" charset="-122"/>
-              </a:endParaRPr>
             </a:p>
           </p:txBody>
         </p:sp>
@@ -16069,10 +16129,10 @@
         </p:nvGrpSpPr>
         <p:grpSpPr>
           <a:xfrm>
-            <a:off x="880846" y="1369740"/>
-            <a:ext cx="10430308" cy="4768503"/>
-            <a:chOff x="600347" y="1416632"/>
-            <a:chExt cx="10430308" cy="4768503"/>
+            <a:off x="880846" y="1369741"/>
+            <a:ext cx="10430308" cy="4605546"/>
+            <a:chOff x="600347" y="1416633"/>
+            <a:chExt cx="10430308" cy="4605546"/>
           </a:xfrm>
         </p:grpSpPr>
         <p:sp>
@@ -16089,8 +16149,8 @@
           </p:nvSpPr>
           <p:spPr>
             <a:xfrm>
-              <a:off x="9111232" y="1416632"/>
-              <a:ext cx="1919423" cy="4768503"/>
+              <a:off x="6301370" y="1416633"/>
+              <a:ext cx="4729285" cy="4605546"/>
             </a:xfrm>
             <a:prstGeom prst="rect">
               <a:avLst/>
@@ -16136,6 +16196,36 @@
             </a:p>
             <a:p>
               <a:r>
+                <a:rPr kumimoji="1" lang="en-US" altLang="zh-CN" sz="1200" dirty="0" err="1">
+                  <a:solidFill>
+                    <a:sysClr val="windowText" lastClr="000000"/>
+                  </a:solidFill>
+                  <a:latin typeface="DengXian" panose="02010600030101010101" pitchFamily="2" charset="-122"/>
+                  <a:ea typeface="DengXian" panose="02010600030101010101" pitchFamily="2" charset="-122"/>
+                </a:rPr>
+                <a:t>other.Id</a:t>
+              </a:r>
+              <a:r>
+                <a:rPr kumimoji="1" lang="en-US" altLang="zh-CN" sz="1200" dirty="0">
+                  <a:solidFill>
+                    <a:sysClr val="windowText" lastClr="000000"/>
+                  </a:solidFill>
+                  <a:latin typeface="DengXian" panose="02010600030101010101" pitchFamily="2" charset="-122"/>
+                  <a:ea typeface="DengXian" panose="02010600030101010101" pitchFamily="2" charset="-122"/>
+                </a:rPr>
+                <a:t>,</a:t>
+              </a:r>
+              <a:r>
+                <a:rPr kumimoji="1" lang="zh-CN" altLang="en-US" sz="1200" dirty="0">
+                  <a:solidFill>
+                    <a:sysClr val="windowText" lastClr="000000"/>
+                  </a:solidFill>
+                  <a:latin typeface="DengXian" panose="02010600030101010101" pitchFamily="2" charset="-122"/>
+                  <a:ea typeface="DengXian" panose="02010600030101010101" pitchFamily="2" charset="-122"/>
+                </a:rPr>
+                <a:t> </a:t>
+              </a:r>
+              <a:r>
                 <a:rPr kumimoji="1" lang="en-US" altLang="zh-CN" sz="1200" dirty="0">
                   <a:solidFill>
                     <a:sysClr val="windowText" lastClr="000000"/>
@@ -16146,16 +16236,6 @@
                 <a:t>SUM(</a:t>
               </a:r>
               <a:r>
-                <a:rPr kumimoji="1" lang="en-US" altLang="zh-CN" sz="1200" b="1" dirty="0" err="1">
-                  <a:solidFill>
-                    <a:sysClr val="windowText" lastClr="000000"/>
-                  </a:solidFill>
-                  <a:latin typeface="DengXian" panose="02010600030101010101" pitchFamily="2" charset="-122"/>
-                  <a:ea typeface="DengXian" panose="02010600030101010101" pitchFamily="2" charset="-122"/>
-                </a:rPr>
-                <a:t>loans</a:t>
-              </a:r>
-              <a:r>
                 <a:rPr kumimoji="1" lang="en-US" altLang="zh-CN" sz="1200" dirty="0" err="1">
                   <a:solidFill>
                     <a:sysClr val="windowText" lastClr="000000"/>
@@ -16163,20 +16243,28 @@
                   <a:latin typeface="DengXian" panose="02010600030101010101" pitchFamily="2" charset="-122"/>
                   <a:ea typeface="DengXian" panose="02010600030101010101" pitchFamily="2" charset="-122"/>
                 </a:rPr>
-                <a:t>.loanAmount</a:t>
-              </a:r>
-              <a:r>
-                <a:rPr kumimoji="1" lang="en-US" altLang="zh-CN" sz="1200" dirty="0">
-                  <a:solidFill>
-                    <a:sysClr val="windowText" lastClr="000000"/>
-                  </a:solidFill>
-                  <a:latin typeface="DengXian" panose="02010600030101010101" pitchFamily="2" charset="-122"/>
-                  <a:ea typeface="DengXian" panose="02010600030101010101" pitchFamily="2" charset="-122"/>
-                </a:rPr>
-                <a:t>)</a:t>
-              </a:r>
-            </a:p>
-            <a:p>
+                <a:t>loanAmount</a:t>
+              </a:r>
+              <a:r>
+                <a:rPr kumimoji="1" lang="en-US" altLang="zh-CN" sz="1200" dirty="0">
+                  <a:solidFill>
+                    <a:sysClr val="windowText" lastClr="000000"/>
+                  </a:solidFill>
+                  <a:latin typeface="DengXian" panose="02010600030101010101" pitchFamily="2" charset="-122"/>
+                  <a:ea typeface="DengXian" panose="02010600030101010101" pitchFamily="2" charset="-122"/>
+                </a:rPr>
+                <a:t>),</a:t>
+              </a:r>
+              <a:r>
+                <a:rPr kumimoji="1" lang="zh-CN" altLang="en-US" sz="1200" dirty="0">
+                  <a:solidFill>
+                    <a:sysClr val="windowText" lastClr="000000"/>
+                  </a:solidFill>
+                  <a:latin typeface="DengXian" panose="02010600030101010101" pitchFamily="2" charset="-122"/>
+                  <a:ea typeface="DengXian" panose="02010600030101010101" pitchFamily="2" charset="-122"/>
+                </a:rPr>
+                <a:t> </a:t>
+              </a:r>
               <a:r>
                 <a:rPr kumimoji="1" lang="en-US" altLang="zh-CN" sz="1200" dirty="0">
                   <a:solidFill>
@@ -16188,16 +16276,6 @@
                 <a:t>SUM(</a:t>
               </a:r>
               <a:r>
-                <a:rPr kumimoji="1" lang="en-US" altLang="zh-CN" sz="1200" b="1" dirty="0" err="1">
-                  <a:solidFill>
-                    <a:sysClr val="windowText" lastClr="000000"/>
-                  </a:solidFill>
-                  <a:latin typeface="DengXian" panose="02010600030101010101" pitchFamily="2" charset="-122"/>
-                  <a:ea typeface="DengXian" panose="02010600030101010101" pitchFamily="2" charset="-122"/>
-                </a:rPr>
-                <a:t>loans</a:t>
-              </a:r>
-              <a:r>
                 <a:rPr kumimoji="1" lang="en-US" altLang="zh-CN" sz="1200" dirty="0" err="1">
                   <a:solidFill>
                     <a:sysClr val="windowText" lastClr="000000"/>
@@ -16205,49 +16283,7 @@
                   <a:latin typeface="DengXian" panose="02010600030101010101" pitchFamily="2" charset="-122"/>
                   <a:ea typeface="DengXian" panose="02010600030101010101" pitchFamily="2" charset="-122"/>
                 </a:rPr>
-                <a:t>.balance</a:t>
-              </a:r>
-              <a:r>
-                <a:rPr kumimoji="1" lang="en-US" altLang="zh-CN" sz="1200" dirty="0">
-                  <a:solidFill>
-                    <a:sysClr val="windowText" lastClr="000000"/>
-                  </a:solidFill>
-                  <a:latin typeface="DengXian" panose="02010600030101010101" pitchFamily="2" charset="-122"/>
-                  <a:ea typeface="DengXian" panose="02010600030101010101" pitchFamily="2" charset="-122"/>
-                </a:rPr>
-                <a:t>)</a:t>
-              </a:r>
-            </a:p>
-            <a:p>
-              <a:r>
-                <a:rPr kumimoji="1" lang="en-US" altLang="zh-CN" sz="1200" dirty="0">
-                  <a:solidFill>
-                    <a:sysClr val="windowText" lastClr="000000"/>
-                  </a:solidFill>
-                  <a:latin typeface="DengXian" panose="02010600030101010101" pitchFamily="2" charset="-122"/>
-                  <a:ea typeface="DengXian" panose="02010600030101010101" pitchFamily="2" charset="-122"/>
-                </a:rPr>
-                <a:t>COUNT(DISTINCT</a:t>
-              </a:r>
-              <a:r>
-                <a:rPr kumimoji="1" lang="zh-CN" altLang="en-US" sz="1200" dirty="0">
-                  <a:solidFill>
-                    <a:sysClr val="windowText" lastClr="000000"/>
-                  </a:solidFill>
-                  <a:latin typeface="DengXian" panose="02010600030101010101" pitchFamily="2" charset="-122"/>
-                  <a:ea typeface="DengXian" panose="02010600030101010101" pitchFamily="2" charset="-122"/>
-                </a:rPr>
-                <a:t> </a:t>
-              </a:r>
-              <a:r>
-                <a:rPr kumimoji="1" lang="en-US" altLang="zh-CN" sz="1200" b="1" dirty="0">
-                  <a:solidFill>
-                    <a:sysClr val="windowText" lastClr="000000"/>
-                  </a:solidFill>
-                  <a:latin typeface="DengXian" panose="02010600030101010101" pitchFamily="2" charset="-122"/>
-                  <a:ea typeface="DengXian" panose="02010600030101010101" pitchFamily="2" charset="-122"/>
-                </a:rPr>
-                <a:t>loans</a:t>
+                <a:t>loanBalance</a:t>
               </a:r>
               <a:r>
                 <a:rPr kumimoji="1" lang="en-US" altLang="zh-CN" sz="1200" dirty="0">
@@ -18416,7 +18452,7 @@
           <p:spPr>
             <a:xfrm>
               <a:off x="5274819" y="1538302"/>
-              <a:ext cx="1182845" cy="276999"/>
+              <a:ext cx="1182845" cy="461665"/>
             </a:xfrm>
             <a:prstGeom prst="rect">
               <a:avLst/>
@@ -18435,8 +18471,43 @@
                   <a:latin typeface="DengXian" panose="02010600030101010101" pitchFamily="2" charset="-122"/>
                   <a:ea typeface="DengXian" panose="02010600030101010101" pitchFamily="2" charset="-122"/>
                 </a:rPr>
-                <a:t>edge2</a:t>
-              </a:r>
+                <a:t>edge2:</a:t>
+              </a:r>
+              <a:r>
+                <a:rPr kumimoji="1" lang="zh-CN" altLang="en-US" sz="1200" b="1" dirty="0">
+                  <a:latin typeface="DengXian" panose="02010600030101010101" pitchFamily="2" charset="-122"/>
+                  <a:ea typeface="DengXian" panose="02010600030101010101" pitchFamily="2" charset="-122"/>
+                </a:rPr>
+                <a:t> * </a:t>
+              </a:r>
+              <a:r>
+                <a:rPr kumimoji="1" lang="en-US" altLang="zh-CN" sz="1200" b="1" dirty="0">
+                  <a:latin typeface="DengXian" panose="02010600030101010101" pitchFamily="2" charset="-122"/>
+                  <a:ea typeface="DengXian" panose="02010600030101010101" pitchFamily="2" charset="-122"/>
+                </a:rPr>
+                <a:t>..</a:t>
+              </a:r>
+              <a:r>
+                <a:rPr kumimoji="1" lang="zh-CN" altLang="en-US" sz="1200" b="1" dirty="0">
+                  <a:latin typeface="DengXian" panose="02010600030101010101" pitchFamily="2" charset="-122"/>
+                  <a:ea typeface="DengXian" panose="02010600030101010101" pitchFamily="2" charset="-122"/>
+                </a:rPr>
+                <a:t> </a:t>
+              </a:r>
+              <a:r>
+                <a:rPr kumimoji="1" lang="en-US" altLang="zh-CN" sz="1200" b="1" dirty="0">
+                  <a:latin typeface="DengXian" panose="02010600030101010101" pitchFamily="2" charset="-122"/>
+                  <a:ea typeface="DengXian" panose="02010600030101010101" pitchFamily="2" charset="-122"/>
+                </a:rPr>
+                <a:t>3</a:t>
+              </a:r>
+              <a:endParaRPr kumimoji="1" lang="en-US" altLang="zh-CN" sz="1200" dirty="0">
+                <a:latin typeface="DengXian" panose="02010600030101010101" pitchFamily="2" charset="-122"/>
+                <a:ea typeface="DengXian" panose="02010600030101010101" pitchFamily="2" charset="-122"/>
+              </a:endParaRPr>
+            </a:p>
+            <a:p>
+              <a:pPr algn="ctr"/>
               <a:endParaRPr kumimoji="1" lang="en-US" altLang="zh-CN" sz="1200" dirty="0">
                 <a:latin typeface="DengXian" panose="02010600030101010101" pitchFamily="2" charset="-122"/>
                 <a:ea typeface="DengXian" panose="02010600030101010101" pitchFamily="2" charset="-122"/>
@@ -20703,2101 +20774,1993 @@
           <a:chExt cx="0" cy="0"/>
         </a:xfrm>
       </p:grpSpPr>
-      <p:sp>
-        <p:nvSpPr>
-          <p:cNvPr id="10" name="矩形 9">
+      <p:grpSp>
+        <p:nvGrpSpPr>
+          <p:cNvPr id="2" name="Group 1">
             <a:extLst>
               <a:ext uri="{FF2B5EF4-FFF2-40B4-BE49-F238E27FC236}">
-                <a16:creationId xmlns:a16="http://schemas.microsoft.com/office/drawing/2014/main" id="{24810318-AAD3-7A42-B7F4-FF41B7479D10}"/>
+                <a16:creationId xmlns:a16="http://schemas.microsoft.com/office/drawing/2014/main" id="{E2D95A53-15B5-0507-509D-5E0D34E0F85E}"/>
               </a:ext>
             </a:extLst>
           </p:cNvPr>
-          <p:cNvSpPr/>
+          <p:cNvGrpSpPr/>
           <p:nvPr/>
-        </p:nvSpPr>
-        <p:spPr>
+        </p:nvGrpSpPr>
+        <p:grpSpPr>
           <a:xfrm>
-            <a:off x="2366498" y="1589348"/>
-            <a:ext cx="1743301" cy="329012"/>
+            <a:off x="1415722" y="1589348"/>
+            <a:ext cx="9360556" cy="4214572"/>
+            <a:chOff x="1415722" y="1589348"/>
+            <a:chExt cx="9360556" cy="4214572"/>
           </a:xfrm>
-          <a:prstGeom prst="rect">
-            <a:avLst/>
-          </a:prstGeom>
-          <a:solidFill>
-            <a:schemeClr val="accent5">
-              <a:lumMod val="60000"/>
-              <a:lumOff val="40000"/>
-            </a:schemeClr>
-          </a:solidFill>
-          <a:ln w="25400">
+        </p:grpSpPr>
+        <p:sp>
+          <p:nvSpPr>
+            <p:cNvPr id="10" name="矩形 9">
+              <a:extLst>
+                <a:ext uri="{FF2B5EF4-FFF2-40B4-BE49-F238E27FC236}">
+                  <a16:creationId xmlns:a16="http://schemas.microsoft.com/office/drawing/2014/main" id="{24810318-AAD3-7A42-B7F4-FF41B7479D10}"/>
+                </a:ext>
+              </a:extLst>
+            </p:cNvPr>
+            <p:cNvSpPr/>
+            <p:nvPr/>
+          </p:nvSpPr>
+          <p:spPr>
+            <a:xfrm>
+              <a:off x="2366498" y="1589348"/>
+              <a:ext cx="1743301" cy="329012"/>
+            </a:xfrm>
+            <a:prstGeom prst="rect">
+              <a:avLst/>
+            </a:prstGeom>
             <a:solidFill>
-              <a:schemeClr val="tx1"/>
+              <a:schemeClr val="accent5">
+                <a:lumMod val="60000"/>
+                <a:lumOff val="40000"/>
+              </a:schemeClr>
             </a:solidFill>
-          </a:ln>
-        </p:spPr>
-        <p:style>
-          <a:lnRef idx="2">
-            <a:schemeClr val="accent2">
-              <a:shade val="50000"/>
-            </a:schemeClr>
-          </a:lnRef>
-          <a:fillRef idx="1">
-            <a:schemeClr val="accent2"/>
-          </a:fillRef>
-          <a:effectRef idx="0">
-            <a:schemeClr val="accent2"/>
-          </a:effectRef>
-          <a:fontRef idx="minor">
-            <a:schemeClr val="lt1"/>
-          </a:fontRef>
-        </p:style>
-        <p:txBody>
-          <a:bodyPr rtlCol="0" anchor="ctr"/>
-          <a:lstStyle/>
-          <a:p>
-            <a:pPr algn="ctr"/>
-            <a:r>
-              <a:rPr kumimoji="1" lang="en-US" altLang="zh-CN" sz="1200" b="1" dirty="0" err="1">
+            <a:ln w="25400">
+              <a:solidFill>
+                <a:schemeClr val="tx1"/>
+              </a:solidFill>
+            </a:ln>
+          </p:spPr>
+          <p:style>
+            <a:lnRef idx="2">
+              <a:schemeClr val="accent2">
+                <a:shade val="50000"/>
+              </a:schemeClr>
+            </a:lnRef>
+            <a:fillRef idx="1">
+              <a:schemeClr val="accent2"/>
+            </a:fillRef>
+            <a:effectRef idx="0">
+              <a:schemeClr val="accent2"/>
+            </a:effectRef>
+            <a:fontRef idx="minor">
+              <a:schemeClr val="lt1"/>
+            </a:fontRef>
+          </p:style>
+          <p:txBody>
+            <a:bodyPr rtlCol="0" anchor="ctr"/>
+            <a:lstStyle/>
+            <a:p>
+              <a:pPr algn="ctr"/>
+              <a:r>
+                <a:rPr kumimoji="1" lang="en-US" altLang="zh-CN" sz="1200" b="1" dirty="0" err="1">
+                  <a:solidFill>
+                    <a:sysClr val="windowText" lastClr="000000"/>
+                  </a:solidFill>
+                </a:rPr>
+                <a:t>src</a:t>
+              </a:r>
+              <a:r>
+                <a:rPr kumimoji="1" lang="zh-CN" altLang="en-US" sz="1200" dirty="0">
+                  <a:solidFill>
+                    <a:sysClr val="windowText" lastClr="000000"/>
+                  </a:solidFill>
+                </a:rPr>
+                <a:t> </a:t>
+              </a:r>
+              <a:r>
+                <a:rPr kumimoji="1" lang="en-US" altLang="zh-CN" sz="1200" dirty="0">
+                  <a:solidFill>
+                    <a:sysClr val="windowText" lastClr="000000"/>
+                  </a:solidFill>
+                </a:rPr>
+                <a:t>:</a:t>
+              </a:r>
+              <a:r>
+                <a:rPr kumimoji="1" lang="zh-CN" altLang="en-US" sz="1200" dirty="0">
+                  <a:solidFill>
+                    <a:sysClr val="windowText" lastClr="000000"/>
+                  </a:solidFill>
+                </a:rPr>
+                <a:t> </a:t>
+              </a:r>
+              <a:r>
+                <a:rPr kumimoji="1" lang="en-US" altLang="zh-CN" sz="1200" dirty="0">
+                  <a:solidFill>
+                    <a:sysClr val="windowText" lastClr="000000"/>
+                  </a:solidFill>
+                </a:rPr>
+                <a:t>Account</a:t>
+              </a:r>
+              <a:endParaRPr kumimoji="1" lang="zh-CN" altLang="en-US" sz="1200" dirty="0">
                 <a:solidFill>
                   <a:sysClr val="windowText" lastClr="000000"/>
                 </a:solidFill>
-              </a:rPr>
-              <a:t>src</a:t>
-            </a:r>
-            <a:r>
-              <a:rPr kumimoji="1" lang="zh-CN" altLang="en-US" sz="1200" dirty="0">
-                <a:solidFill>
-                  <a:sysClr val="windowText" lastClr="000000"/>
-                </a:solidFill>
-              </a:rPr>
-              <a:t> </a:t>
-            </a:r>
-            <a:r>
-              <a:rPr kumimoji="1" lang="en-US" altLang="zh-CN" sz="1200" dirty="0">
-                <a:solidFill>
-                  <a:sysClr val="windowText" lastClr="000000"/>
-                </a:solidFill>
-              </a:rPr>
-              <a:t>:</a:t>
-            </a:r>
-            <a:r>
-              <a:rPr kumimoji="1" lang="zh-CN" altLang="en-US" sz="1200" dirty="0">
-                <a:solidFill>
-                  <a:sysClr val="windowText" lastClr="000000"/>
-                </a:solidFill>
-              </a:rPr>
-              <a:t> </a:t>
-            </a:r>
-            <a:r>
-              <a:rPr kumimoji="1" lang="en-US" altLang="zh-CN" sz="1200" dirty="0">
-                <a:solidFill>
-                  <a:sysClr val="windowText" lastClr="000000"/>
-                </a:solidFill>
-              </a:rPr>
-              <a:t>Account</a:t>
-            </a:r>
-            <a:endParaRPr kumimoji="1" lang="zh-CN" altLang="en-US" sz="1200" dirty="0">
+              </a:endParaRPr>
+            </a:p>
+          </p:txBody>
+        </p:sp>
+        <p:sp>
+          <p:nvSpPr>
+            <p:cNvPr id="11" name="矩形 10">
+              <a:extLst>
+                <a:ext uri="{FF2B5EF4-FFF2-40B4-BE49-F238E27FC236}">
+                  <a16:creationId xmlns:a16="http://schemas.microsoft.com/office/drawing/2014/main" id="{305B820A-80A6-7345-9CF8-0761EC0A6BBD}"/>
+                </a:ext>
+              </a:extLst>
+            </p:cNvPr>
+            <p:cNvSpPr/>
+            <p:nvPr/>
+          </p:nvSpPr>
+          <p:spPr>
+            <a:xfrm>
+              <a:off x="2366499" y="1917209"/>
+              <a:ext cx="1743300" cy="329012"/>
+            </a:xfrm>
+            <a:prstGeom prst="rect">
+              <a:avLst/>
+            </a:prstGeom>
+            <a:noFill/>
+            <a:ln w="25400">
               <a:solidFill>
-                <a:sysClr val="windowText" lastClr="000000"/>
+                <a:schemeClr val="tx1"/>
               </a:solidFill>
-            </a:endParaRPr>
-          </a:p>
-        </p:txBody>
-      </p:sp>
-      <p:sp>
-        <p:nvSpPr>
-          <p:cNvPr id="11" name="矩形 10">
-            <a:extLst>
-              <a:ext uri="{FF2B5EF4-FFF2-40B4-BE49-F238E27FC236}">
-                <a16:creationId xmlns:a16="http://schemas.microsoft.com/office/drawing/2014/main" id="{305B820A-80A6-7345-9CF8-0761EC0A6BBD}"/>
-              </a:ext>
-            </a:extLst>
-          </p:cNvPr>
-          <p:cNvSpPr/>
-          <p:nvPr/>
-        </p:nvSpPr>
-        <p:spPr>
-          <a:xfrm>
-            <a:off x="2366499" y="1917209"/>
-            <a:ext cx="1743300" cy="329012"/>
-          </a:xfrm>
-          <a:prstGeom prst="rect">
-            <a:avLst/>
-          </a:prstGeom>
-          <a:noFill/>
-          <a:ln w="25400">
-            <a:solidFill>
-              <a:schemeClr val="tx1"/>
-            </a:solidFill>
-          </a:ln>
-        </p:spPr>
-        <p:style>
-          <a:lnRef idx="2">
-            <a:schemeClr val="accent2">
-              <a:shade val="50000"/>
-            </a:schemeClr>
-          </a:lnRef>
-          <a:fillRef idx="1">
-            <a:schemeClr val="accent2"/>
-          </a:fillRef>
-          <a:effectRef idx="0">
-            <a:schemeClr val="accent2"/>
-          </a:effectRef>
-          <a:fontRef idx="minor">
-            <a:schemeClr val="lt1"/>
-          </a:fontRef>
-        </p:style>
-        <p:txBody>
-          <a:bodyPr rtlCol="0" anchor="ctr"/>
-          <a:lstStyle/>
-          <a:p>
-            <a:pPr algn="ctr"/>
-            <a:r>
-              <a:rPr kumimoji="1" lang="en-US" altLang="zh-CN" sz="1200" b="1" dirty="0" err="1">
+            </a:ln>
+          </p:spPr>
+          <p:style>
+            <a:lnRef idx="2">
+              <a:schemeClr val="accent2">
+                <a:shade val="50000"/>
+              </a:schemeClr>
+            </a:lnRef>
+            <a:fillRef idx="1">
+              <a:schemeClr val="accent2"/>
+            </a:fillRef>
+            <a:effectRef idx="0">
+              <a:schemeClr val="accent2"/>
+            </a:effectRef>
+            <a:fontRef idx="minor">
+              <a:schemeClr val="lt1"/>
+            </a:fontRef>
+          </p:style>
+          <p:txBody>
+            <a:bodyPr rtlCol="0" anchor="ctr"/>
+            <a:lstStyle/>
+            <a:p>
+              <a:pPr algn="ctr"/>
+              <a:r>
+                <a:rPr kumimoji="1" lang="en-US" altLang="zh-CN" sz="1200" b="1" dirty="0" err="1">
+                  <a:solidFill>
+                    <a:sysClr val="windowText" lastClr="000000"/>
+                  </a:solidFill>
+                  <a:latin typeface="DengXian" panose="02010600030101010101" pitchFamily="2" charset="-122"/>
+                  <a:ea typeface="DengXian" panose="02010600030101010101" pitchFamily="2" charset="-122"/>
+                </a:rPr>
+                <a:t>src</a:t>
+              </a:r>
+              <a:r>
+                <a:rPr kumimoji="1" lang="en-US" altLang="zh-CN" sz="1200" dirty="0" err="1">
+                  <a:solidFill>
+                    <a:sysClr val="windowText" lastClr="000000"/>
+                  </a:solidFill>
+                  <a:latin typeface="DengXian" panose="02010600030101010101" pitchFamily="2" charset="-122"/>
+                  <a:ea typeface="DengXian" panose="02010600030101010101" pitchFamily="2" charset="-122"/>
+                </a:rPr>
+                <a:t>.id</a:t>
+              </a:r>
+              <a:r>
+                <a:rPr kumimoji="1" lang="zh-CN" altLang="en-US" sz="1200" dirty="0">
+                  <a:solidFill>
+                    <a:sysClr val="windowText" lastClr="000000"/>
+                  </a:solidFill>
+                  <a:latin typeface="DengXian" panose="02010600030101010101" pitchFamily="2" charset="-122"/>
+                  <a:ea typeface="DengXian" panose="02010600030101010101" pitchFamily="2" charset="-122"/>
+                </a:rPr>
+                <a:t> </a:t>
+              </a:r>
+              <a:r>
+                <a:rPr kumimoji="1" lang="en-US" altLang="zh-CN" sz="1200" dirty="0">
+                  <a:solidFill>
+                    <a:sysClr val="windowText" lastClr="000000"/>
+                  </a:solidFill>
+                  <a:latin typeface="DengXian" panose="02010600030101010101" pitchFamily="2" charset="-122"/>
+                  <a:ea typeface="DengXian" panose="02010600030101010101" pitchFamily="2" charset="-122"/>
+                </a:rPr>
+                <a:t>=</a:t>
+              </a:r>
+              <a:r>
+                <a:rPr kumimoji="1" lang="zh-CN" altLang="en-US" sz="1200" dirty="0">
+                  <a:solidFill>
+                    <a:sysClr val="windowText" lastClr="000000"/>
+                  </a:solidFill>
+                  <a:latin typeface="DengXian" panose="02010600030101010101" pitchFamily="2" charset="-122"/>
+                  <a:ea typeface="DengXian" panose="02010600030101010101" pitchFamily="2" charset="-122"/>
+                </a:rPr>
+                <a:t> </a:t>
+              </a:r>
+              <a:r>
+                <a:rPr kumimoji="1" lang="en-US" altLang="zh-CN" sz="1200" dirty="0">
+                  <a:solidFill>
+                    <a:sysClr val="windowText" lastClr="000000"/>
+                  </a:solidFill>
+                  <a:latin typeface="DengXian" panose="02010600030101010101" pitchFamily="2" charset="-122"/>
+                  <a:ea typeface="DengXian" panose="02010600030101010101" pitchFamily="2" charset="-122"/>
+                </a:rPr>
+                <a:t>${id1}</a:t>
+              </a:r>
+              <a:endParaRPr kumimoji="1" lang="zh-CN" altLang="en-US" sz="1200" dirty="0">
                 <a:solidFill>
                   <a:sysClr val="windowText" lastClr="000000"/>
                 </a:solidFill>
                 <a:latin typeface="DengXian" panose="02010600030101010101" pitchFamily="2" charset="-122"/>
                 <a:ea typeface="DengXian" panose="02010600030101010101" pitchFamily="2" charset="-122"/>
-              </a:rPr>
-              <a:t>src</a:t>
-            </a:r>
-            <a:r>
-              <a:rPr kumimoji="1" lang="en-US" altLang="zh-CN" sz="1200" dirty="0" err="1">
+              </a:endParaRPr>
+            </a:p>
+          </p:txBody>
+        </p:sp>
+        <p:cxnSp>
+          <p:nvCxnSpPr>
+            <p:cNvPr id="12" name="直线箭头连接符 11" descr="jytjh">
+              <a:extLst>
+                <a:ext uri="{FF2B5EF4-FFF2-40B4-BE49-F238E27FC236}">
+                  <a16:creationId xmlns:a16="http://schemas.microsoft.com/office/drawing/2014/main" id="{09AE23C5-CAD8-4A44-901C-19EF9EEF4E07}"/>
+                </a:ext>
+              </a:extLst>
+            </p:cNvPr>
+            <p:cNvCxnSpPr>
+              <a:cxnSpLocks/>
+              <a:stCxn id="10" idx="3"/>
+              <a:endCxn id="15" idx="1"/>
+            </p:cNvCxnSpPr>
+            <p:nvPr/>
+          </p:nvCxnSpPr>
+          <p:spPr>
+            <a:xfrm>
+              <a:off x="4109799" y="1753854"/>
+              <a:ext cx="3620349" cy="3191"/>
+            </a:xfrm>
+            <a:prstGeom prst="straightConnector1">
+              <a:avLst/>
+            </a:prstGeom>
+            <a:ln w="25400">
+              <a:solidFill>
+                <a:schemeClr val="tx1"/>
+              </a:solidFill>
+              <a:headEnd type="none" w="sm" len="lg"/>
+              <a:tailEnd type="arrow" w="sm" len="lg"/>
+            </a:ln>
+          </p:spPr>
+          <p:style>
+            <a:lnRef idx="1">
+              <a:schemeClr val="accent1"/>
+            </a:lnRef>
+            <a:fillRef idx="0">
+              <a:schemeClr val="accent1"/>
+            </a:fillRef>
+            <a:effectRef idx="0">
+              <a:schemeClr val="accent1"/>
+            </a:effectRef>
+            <a:fontRef idx="minor">
+              <a:schemeClr val="tx1"/>
+            </a:fontRef>
+          </p:style>
+        </p:cxnSp>
+        <p:sp>
+          <p:nvSpPr>
+            <p:cNvPr id="13" name="文本框 12">
+              <a:extLst>
+                <a:ext uri="{FF2B5EF4-FFF2-40B4-BE49-F238E27FC236}">
+                  <a16:creationId xmlns:a16="http://schemas.microsoft.com/office/drawing/2014/main" id="{C01EB9BA-4C30-0E4A-AB93-A7E9671D09E8}"/>
+                </a:ext>
+              </a:extLst>
+            </p:cNvPr>
+            <p:cNvSpPr txBox="1"/>
+            <p:nvPr/>
+          </p:nvSpPr>
+          <p:spPr>
+            <a:xfrm>
+              <a:off x="4472449" y="1885944"/>
+              <a:ext cx="2743269" cy="646331"/>
+            </a:xfrm>
+            <a:prstGeom prst="rect">
+              <a:avLst/>
+            </a:prstGeom>
+            <a:noFill/>
+          </p:spPr>
+          <p:txBody>
+            <a:bodyPr wrap="square" rtlCol="0">
+              <a:spAutoFit/>
+            </a:bodyPr>
+            <a:lstStyle/>
+            <a:p>
+              <a:pPr algn="ctr"/>
+              <a:r>
+                <a:rPr kumimoji="1" lang="en-US" altLang="zh-CN" sz="1200" b="1" dirty="0">
+                  <a:latin typeface="DengXian" panose="02010600030101010101" pitchFamily="2" charset="-122"/>
+                  <a:ea typeface="DengXian" panose="02010600030101010101" pitchFamily="2" charset="-122"/>
+                </a:rPr>
+                <a:t>edge1</a:t>
+              </a:r>
+              <a:r>
+                <a:rPr kumimoji="1" lang="zh-CN" altLang="en-US" sz="1200" dirty="0">
+                  <a:latin typeface="DengXian" panose="02010600030101010101" pitchFamily="2" charset="-122"/>
+                  <a:ea typeface="DengXian" panose="02010600030101010101" pitchFamily="2" charset="-122"/>
+                </a:rPr>
+                <a:t> </a:t>
+              </a:r>
+              <a:r>
+                <a:rPr kumimoji="1" lang="en-US" altLang="zh-CN" sz="1200" dirty="0">
+                  <a:latin typeface="DengXian" panose="02010600030101010101" pitchFamily="2" charset="-122"/>
+                  <a:ea typeface="DengXian" panose="02010600030101010101" pitchFamily="2" charset="-122"/>
+                </a:rPr>
+                <a:t>:</a:t>
+              </a:r>
+              <a:r>
+                <a:rPr kumimoji="1" lang="zh-CN" altLang="en-US" sz="1200" dirty="0">
+                  <a:latin typeface="DengXian" panose="02010600030101010101" pitchFamily="2" charset="-122"/>
+                  <a:ea typeface="DengXian" panose="02010600030101010101" pitchFamily="2" charset="-122"/>
+                </a:rPr>
+                <a:t> </a:t>
+              </a:r>
+              <a:r>
+                <a:rPr kumimoji="1" lang="en-US" altLang="zh-CN" sz="1200" dirty="0">
+                  <a:latin typeface="DengXian" panose="02010600030101010101" pitchFamily="2" charset="-122"/>
+                  <a:ea typeface="DengXian" panose="02010600030101010101" pitchFamily="2" charset="-122"/>
+                </a:rPr>
+                <a:t>transfer</a:t>
+              </a:r>
+            </a:p>
+            <a:p>
+              <a:pPr algn="ctr"/>
+              <a:r>
+                <a:rPr kumimoji="1" lang="en-US" altLang="zh-CN" sz="1200" b="1" dirty="0">
+                  <a:latin typeface="DengXian" panose="02010600030101010101" pitchFamily="2" charset="-122"/>
+                  <a:ea typeface="DengXian" panose="02010600030101010101" pitchFamily="2" charset="-122"/>
+                </a:rPr>
+                <a:t>edge1</a:t>
+              </a:r>
+              <a:r>
+                <a:rPr kumimoji="1" lang="en-US" altLang="zh-CN" sz="1200" dirty="0">
+                  <a:latin typeface="DengXian" panose="02010600030101010101" pitchFamily="2" charset="-122"/>
+                  <a:ea typeface="DengXian" panose="02010600030101010101" pitchFamily="2" charset="-122"/>
+                </a:rPr>
+                <a:t>.timestamp</a:t>
+              </a:r>
+              <a:r>
+                <a:rPr kumimoji="1" lang="zh-CN" altLang="en-US" sz="1200" dirty="0">
+                  <a:latin typeface="DengXian" panose="02010600030101010101" pitchFamily="2" charset="-122"/>
+                  <a:ea typeface="DengXian" panose="02010600030101010101" pitchFamily="2" charset="-122"/>
+                </a:rPr>
+                <a:t> </a:t>
+              </a:r>
+              <a:r>
+                <a:rPr kumimoji="1" lang="en-US" altLang="zh-CN" sz="1200" dirty="0">
+                  <a:latin typeface="DengXian" panose="02010600030101010101" pitchFamily="2" charset="-122"/>
+                  <a:ea typeface="DengXian" panose="02010600030101010101" pitchFamily="2" charset="-122"/>
+                </a:rPr>
+                <a:t>&gt;</a:t>
+              </a:r>
+              <a:r>
+                <a:rPr kumimoji="1" lang="zh-CN" altLang="en-US" sz="1200" dirty="0">
+                  <a:latin typeface="DengXian" panose="02010600030101010101" pitchFamily="2" charset="-122"/>
+                  <a:ea typeface="DengXian" panose="02010600030101010101" pitchFamily="2" charset="-122"/>
+                </a:rPr>
+                <a:t> </a:t>
+              </a:r>
+              <a:r>
+                <a:rPr kumimoji="1" lang="en-US" altLang="zh-CN" sz="1200" dirty="0">
+                  <a:latin typeface="DengXian" panose="02010600030101010101" pitchFamily="2" charset="-122"/>
+                  <a:ea typeface="DengXian" panose="02010600030101010101" pitchFamily="2" charset="-122"/>
+                </a:rPr>
+                <a:t>${</a:t>
+              </a:r>
+              <a:r>
+                <a:rPr kumimoji="1" lang="en-US" altLang="zh-CN" sz="1200" dirty="0" err="1">
+                  <a:latin typeface="DengXian" panose="02010600030101010101" pitchFamily="2" charset="-122"/>
+                  <a:ea typeface="DengXian" panose="02010600030101010101" pitchFamily="2" charset="-122"/>
+                </a:rPr>
+                <a:t>start_time</a:t>
+              </a:r>
+              <a:r>
+                <a:rPr kumimoji="1" lang="en-US" altLang="zh-CN" sz="1200" dirty="0">
+                  <a:latin typeface="DengXian" panose="02010600030101010101" pitchFamily="2" charset="-122"/>
+                  <a:ea typeface="DengXian" panose="02010600030101010101" pitchFamily="2" charset="-122"/>
+                </a:rPr>
+                <a:t>}</a:t>
+              </a:r>
+            </a:p>
+            <a:p>
+              <a:pPr algn="ctr"/>
+              <a:r>
+                <a:rPr kumimoji="1" lang="en-US" altLang="zh-CN" sz="1200" b="1" dirty="0">
+                  <a:latin typeface="DengXian" panose="02010600030101010101" pitchFamily="2" charset="-122"/>
+                  <a:ea typeface="DengXian" panose="02010600030101010101" pitchFamily="2" charset="-122"/>
+                </a:rPr>
+                <a:t>edge1</a:t>
+              </a:r>
+              <a:r>
+                <a:rPr kumimoji="1" lang="en-US" altLang="zh-CN" sz="1200" dirty="0">
+                  <a:latin typeface="DengXian" panose="02010600030101010101" pitchFamily="2" charset="-122"/>
+                  <a:ea typeface="DengXian" panose="02010600030101010101" pitchFamily="2" charset="-122"/>
+                </a:rPr>
+                <a:t>.timestamp</a:t>
+              </a:r>
+              <a:r>
+                <a:rPr kumimoji="1" lang="zh-CN" altLang="en-US" sz="1200" dirty="0">
+                  <a:latin typeface="DengXian" panose="02010600030101010101" pitchFamily="2" charset="-122"/>
+                  <a:ea typeface="DengXian" panose="02010600030101010101" pitchFamily="2" charset="-122"/>
+                </a:rPr>
+                <a:t> </a:t>
+              </a:r>
+              <a:r>
+                <a:rPr kumimoji="1" lang="en-US" altLang="zh-CN" sz="1200" dirty="0">
+                  <a:latin typeface="DengXian" panose="02010600030101010101" pitchFamily="2" charset="-122"/>
+                  <a:ea typeface="DengXian" panose="02010600030101010101" pitchFamily="2" charset="-122"/>
+                </a:rPr>
+                <a:t>&lt;</a:t>
+              </a:r>
+              <a:r>
+                <a:rPr kumimoji="1" lang="zh-CN" altLang="en-US" sz="1200" dirty="0">
+                  <a:latin typeface="DengXian" panose="02010600030101010101" pitchFamily="2" charset="-122"/>
+                  <a:ea typeface="DengXian" panose="02010600030101010101" pitchFamily="2" charset="-122"/>
+                </a:rPr>
+                <a:t> </a:t>
+              </a:r>
+              <a:r>
+                <a:rPr kumimoji="1" lang="en-US" altLang="zh-CN" sz="1200" dirty="0">
+                  <a:latin typeface="DengXian" panose="02010600030101010101" pitchFamily="2" charset="-122"/>
+                  <a:ea typeface="DengXian" panose="02010600030101010101" pitchFamily="2" charset="-122"/>
+                </a:rPr>
+                <a:t>${</a:t>
+              </a:r>
+              <a:r>
+                <a:rPr kumimoji="1" lang="en-US" altLang="zh-CN" sz="1200" dirty="0" err="1">
+                  <a:latin typeface="DengXian" panose="02010600030101010101" pitchFamily="2" charset="-122"/>
+                  <a:ea typeface="DengXian" panose="02010600030101010101" pitchFamily="2" charset="-122"/>
+                </a:rPr>
+                <a:t>end_time</a:t>
+              </a:r>
+              <a:r>
+                <a:rPr kumimoji="1" lang="en-US" altLang="zh-CN" sz="1200" dirty="0">
+                  <a:latin typeface="DengXian" panose="02010600030101010101" pitchFamily="2" charset="-122"/>
+                  <a:ea typeface="DengXian" panose="02010600030101010101" pitchFamily="2" charset="-122"/>
+                </a:rPr>
+                <a:t>}</a:t>
+              </a:r>
+            </a:p>
+          </p:txBody>
+        </p:sp>
+        <p:sp>
+          <p:nvSpPr>
+            <p:cNvPr id="14" name="矩形 13">
+              <a:extLst>
+                <a:ext uri="{FF2B5EF4-FFF2-40B4-BE49-F238E27FC236}">
+                  <a16:creationId xmlns:a16="http://schemas.microsoft.com/office/drawing/2014/main" id="{18A32DE8-A3AC-9641-899A-065137B8C144}"/>
+                </a:ext>
+              </a:extLst>
+            </p:cNvPr>
+            <p:cNvSpPr/>
+            <p:nvPr/>
+          </p:nvSpPr>
+          <p:spPr>
+            <a:xfrm>
+              <a:off x="1415722" y="3328440"/>
+              <a:ext cx="9360556" cy="2475480"/>
+            </a:xfrm>
+            <a:prstGeom prst="rect">
+              <a:avLst/>
+            </a:prstGeom>
+            <a:noFill/>
+            <a:ln w="25400">
+              <a:solidFill>
+                <a:schemeClr val="tx1"/>
+              </a:solidFill>
+              <a:prstDash val="dash"/>
+            </a:ln>
+          </p:spPr>
+          <p:style>
+            <a:lnRef idx="2">
+              <a:schemeClr val="accent2">
+                <a:shade val="50000"/>
+              </a:schemeClr>
+            </a:lnRef>
+            <a:fillRef idx="1">
+              <a:schemeClr val="accent2"/>
+            </a:fillRef>
+            <a:effectRef idx="0">
+              <a:schemeClr val="accent2"/>
+            </a:effectRef>
+            <a:fontRef idx="minor">
+              <a:schemeClr val="lt1"/>
+            </a:fontRef>
+          </p:style>
+          <p:txBody>
+            <a:bodyPr rtlCol="0" anchor="b"/>
+            <a:lstStyle/>
+            <a:p>
+              <a:r>
+                <a:rPr kumimoji="1" lang="en-US" altLang="zh-CN" sz="1200" b="1" dirty="0">
+                  <a:solidFill>
+                    <a:srgbClr val="FF0000"/>
+                  </a:solidFill>
+                  <a:latin typeface="DengXian" panose="02010600030101010101" pitchFamily="2" charset="-122"/>
+                  <a:ea typeface="DengXian" panose="02010600030101010101" pitchFamily="2" charset="-122"/>
+                </a:rPr>
+                <a:t>RESULT</a:t>
+              </a:r>
+              <a:endParaRPr kumimoji="1" lang="en-US" altLang="zh-CN" sz="1200" dirty="0">
+                <a:solidFill>
+                  <a:srgbClr val="FF0000"/>
+                </a:solidFill>
+                <a:latin typeface="DengXian" panose="02010600030101010101" pitchFamily="2" charset="-122"/>
+                <a:ea typeface="DengXian" panose="02010600030101010101" pitchFamily="2" charset="-122"/>
+              </a:endParaRPr>
+            </a:p>
+            <a:p>
+              <a:r>
+                <a:rPr kumimoji="1" lang="en-US" altLang="zh-CN" sz="1200" dirty="0" err="1">
+                  <a:solidFill>
+                    <a:sysClr val="windowText" lastClr="000000"/>
+                  </a:solidFill>
+                  <a:latin typeface="DengXian" panose="02010600030101010101" pitchFamily="2" charset="-122"/>
+                  <a:ea typeface="DengXian" panose="02010600030101010101" pitchFamily="2" charset="-122"/>
+                </a:rPr>
+                <a:t>other.id</a:t>
+              </a:r>
+              <a:r>
+                <a:rPr kumimoji="1" lang="en-US" altLang="zh-CN" sz="1200" dirty="0">
+                  <a:solidFill>
+                    <a:sysClr val="windowText" lastClr="000000"/>
+                  </a:solidFill>
+                  <a:latin typeface="DengXian" panose="02010600030101010101" pitchFamily="2" charset="-122"/>
+                  <a:ea typeface="DengXian" panose="02010600030101010101" pitchFamily="2" charset="-122"/>
+                </a:rPr>
+                <a:t>,</a:t>
+              </a:r>
+              <a:r>
+                <a:rPr kumimoji="1" lang="zh-CN" altLang="en-US" sz="1200" dirty="0">
+                  <a:solidFill>
+                    <a:sysClr val="windowText" lastClr="000000"/>
+                  </a:solidFill>
+                  <a:latin typeface="DengXian" panose="02010600030101010101" pitchFamily="2" charset="-122"/>
+                  <a:ea typeface="DengXian" panose="02010600030101010101" pitchFamily="2" charset="-122"/>
+                </a:rPr>
+                <a:t> </a:t>
+              </a:r>
+              <a:r>
+                <a:rPr kumimoji="1" lang="en-US" altLang="zh-CN" sz="1200" dirty="0">
+                  <a:solidFill>
+                    <a:sysClr val="windowText" lastClr="000000"/>
+                  </a:solidFill>
+                  <a:latin typeface="DengXian" panose="02010600030101010101" pitchFamily="2" charset="-122"/>
+                  <a:ea typeface="DengXian" panose="02010600030101010101" pitchFamily="2" charset="-122"/>
+                </a:rPr>
+                <a:t>COUNT(edge2),</a:t>
+              </a:r>
+              <a:r>
+                <a:rPr kumimoji="1" lang="zh-CN" altLang="en-US" sz="1200" dirty="0">
+                  <a:solidFill>
+                    <a:sysClr val="windowText" lastClr="000000"/>
+                  </a:solidFill>
+                  <a:latin typeface="DengXian" panose="02010600030101010101" pitchFamily="2" charset="-122"/>
+                  <a:ea typeface="DengXian" panose="02010600030101010101" pitchFamily="2" charset="-122"/>
+                </a:rPr>
+                <a:t> </a:t>
+              </a:r>
+              <a:r>
+                <a:rPr kumimoji="1" lang="en-US" altLang="zh-CN" sz="1200" dirty="0">
+                  <a:solidFill>
+                    <a:sysClr val="windowText" lastClr="000000"/>
+                  </a:solidFill>
+                  <a:latin typeface="DengXian" panose="02010600030101010101" pitchFamily="2" charset="-122"/>
+                  <a:ea typeface="DengXian" panose="02010600030101010101" pitchFamily="2" charset="-122"/>
+                </a:rPr>
+                <a:t>SUM(edge2.amount),</a:t>
+              </a:r>
+              <a:r>
+                <a:rPr kumimoji="1" lang="zh-CN" altLang="en-US" sz="1200" dirty="0">
+                  <a:solidFill>
+                    <a:sysClr val="windowText" lastClr="000000"/>
+                  </a:solidFill>
+                  <a:latin typeface="DengXian" panose="02010600030101010101" pitchFamily="2" charset="-122"/>
+                  <a:ea typeface="DengXian" panose="02010600030101010101" pitchFamily="2" charset="-122"/>
+                </a:rPr>
+                <a:t> </a:t>
+              </a:r>
+              <a:r>
+                <a:rPr kumimoji="1" lang="en-US" altLang="zh-CN" sz="1200" dirty="0">
+                  <a:solidFill>
+                    <a:sysClr val="windowText" lastClr="000000"/>
+                  </a:solidFill>
+                  <a:latin typeface="DengXian" panose="02010600030101010101" pitchFamily="2" charset="-122"/>
+                  <a:ea typeface="DengXian" panose="02010600030101010101" pitchFamily="2" charset="-122"/>
+                </a:rPr>
+                <a:t>MAX(edge2.amount),</a:t>
+              </a:r>
+              <a:r>
+                <a:rPr kumimoji="1" lang="zh-CN" altLang="en-US" sz="1200" dirty="0">
+                  <a:solidFill>
+                    <a:sysClr val="windowText" lastClr="000000"/>
+                  </a:solidFill>
+                  <a:latin typeface="DengXian" panose="02010600030101010101" pitchFamily="2" charset="-122"/>
+                  <a:ea typeface="DengXian" panose="02010600030101010101" pitchFamily="2" charset="-122"/>
+                </a:rPr>
+                <a:t> </a:t>
+              </a:r>
+              <a:r>
+                <a:rPr kumimoji="1" lang="en-US" altLang="zh-CN" sz="1200" dirty="0">
+                  <a:solidFill>
+                    <a:sysClr val="windowText" lastClr="000000"/>
+                  </a:solidFill>
+                  <a:latin typeface="DengXian" panose="02010600030101010101" pitchFamily="2" charset="-122"/>
+                  <a:ea typeface="DengXian" panose="02010600030101010101" pitchFamily="2" charset="-122"/>
+                </a:rPr>
+                <a:t>COUNT(edge3),</a:t>
+              </a:r>
+              <a:r>
+                <a:rPr kumimoji="1" lang="zh-CN" altLang="en-US" sz="1200" dirty="0">
+                  <a:solidFill>
+                    <a:sysClr val="windowText" lastClr="000000"/>
+                  </a:solidFill>
+                  <a:latin typeface="DengXian" panose="02010600030101010101" pitchFamily="2" charset="-122"/>
+                  <a:ea typeface="DengXian" panose="02010600030101010101" pitchFamily="2" charset="-122"/>
+                </a:rPr>
+                <a:t> </a:t>
+              </a:r>
+              <a:r>
+                <a:rPr kumimoji="1" lang="en-US" altLang="zh-CN" sz="1200" dirty="0">
+                  <a:solidFill>
+                    <a:sysClr val="windowText" lastClr="000000"/>
+                  </a:solidFill>
+                  <a:latin typeface="DengXian" panose="02010600030101010101" pitchFamily="2" charset="-122"/>
+                  <a:ea typeface="DengXian" panose="02010600030101010101" pitchFamily="2" charset="-122"/>
+                </a:rPr>
+                <a:t>SUM(edge3.amount),</a:t>
+              </a:r>
+              <a:r>
+                <a:rPr kumimoji="1" lang="zh-CN" altLang="en-US" sz="1200" dirty="0">
+                  <a:solidFill>
+                    <a:sysClr val="windowText" lastClr="000000"/>
+                  </a:solidFill>
+                  <a:latin typeface="DengXian" panose="02010600030101010101" pitchFamily="2" charset="-122"/>
+                  <a:ea typeface="DengXian" panose="02010600030101010101" pitchFamily="2" charset="-122"/>
+                </a:rPr>
+                <a:t> </a:t>
+              </a:r>
+              <a:r>
+                <a:rPr kumimoji="1" lang="en-US" altLang="zh-CN" sz="1200" dirty="0">
+                  <a:solidFill>
+                    <a:sysClr val="windowText" lastClr="000000"/>
+                  </a:solidFill>
+                  <a:latin typeface="DengXian" panose="02010600030101010101" pitchFamily="2" charset="-122"/>
+                  <a:ea typeface="DengXian" panose="02010600030101010101" pitchFamily="2" charset="-122"/>
+                </a:rPr>
+                <a:t>MAX(edge3.amount)</a:t>
+              </a:r>
+            </a:p>
+          </p:txBody>
+        </p:sp>
+        <p:sp>
+          <p:nvSpPr>
+            <p:cNvPr id="15" name="矩形 14">
+              <a:extLst>
+                <a:ext uri="{FF2B5EF4-FFF2-40B4-BE49-F238E27FC236}">
+                  <a16:creationId xmlns:a16="http://schemas.microsoft.com/office/drawing/2014/main" id="{B993AA98-A2DF-AD40-AB46-03247B30E235}"/>
+                </a:ext>
+              </a:extLst>
+            </p:cNvPr>
+            <p:cNvSpPr/>
+            <p:nvPr/>
+          </p:nvSpPr>
+          <p:spPr>
+            <a:xfrm>
+              <a:off x="7730148" y="1592539"/>
+              <a:ext cx="1847395" cy="329012"/>
+            </a:xfrm>
+            <a:prstGeom prst="rect">
+              <a:avLst/>
+            </a:prstGeom>
+            <a:solidFill>
+              <a:schemeClr val="accent5">
+                <a:lumMod val="60000"/>
+                <a:lumOff val="40000"/>
+              </a:schemeClr>
+            </a:solidFill>
+            <a:ln w="25400">
+              <a:solidFill>
+                <a:schemeClr val="tx1"/>
+              </a:solidFill>
+            </a:ln>
+          </p:spPr>
+          <p:style>
+            <a:lnRef idx="2">
+              <a:schemeClr val="accent2">
+                <a:shade val="50000"/>
+              </a:schemeClr>
+            </a:lnRef>
+            <a:fillRef idx="1">
+              <a:schemeClr val="accent2"/>
+            </a:fillRef>
+            <a:effectRef idx="0">
+              <a:schemeClr val="accent2"/>
+            </a:effectRef>
+            <a:fontRef idx="minor">
+              <a:schemeClr val="lt1"/>
+            </a:fontRef>
+          </p:style>
+          <p:txBody>
+            <a:bodyPr rtlCol="0" anchor="ctr"/>
+            <a:lstStyle/>
+            <a:p>
+              <a:pPr algn="ctr"/>
+              <a:r>
+                <a:rPr kumimoji="1" lang="en-US" altLang="zh-CN" sz="1200" b="1" dirty="0" err="1">
+                  <a:solidFill>
+                    <a:sysClr val="windowText" lastClr="000000"/>
+                  </a:solidFill>
+                </a:rPr>
+                <a:t>dst</a:t>
+              </a:r>
+              <a:r>
+                <a:rPr kumimoji="1" lang="zh-CN" altLang="en-US" sz="1200" dirty="0">
+                  <a:solidFill>
+                    <a:sysClr val="windowText" lastClr="000000"/>
+                  </a:solidFill>
+                </a:rPr>
+                <a:t> </a:t>
+              </a:r>
+              <a:r>
+                <a:rPr kumimoji="1" lang="en-US" altLang="zh-CN" sz="1200" dirty="0">
+                  <a:solidFill>
+                    <a:sysClr val="windowText" lastClr="000000"/>
+                  </a:solidFill>
+                </a:rPr>
+                <a:t>:</a:t>
+              </a:r>
+              <a:r>
+                <a:rPr kumimoji="1" lang="zh-CN" altLang="en-US" sz="1200" dirty="0">
+                  <a:solidFill>
+                    <a:sysClr val="windowText" lastClr="000000"/>
+                  </a:solidFill>
+                </a:rPr>
+                <a:t> </a:t>
+              </a:r>
+              <a:r>
+                <a:rPr kumimoji="1" lang="en-US" altLang="zh-CN" sz="1200" dirty="0">
+                  <a:solidFill>
+                    <a:sysClr val="windowText" lastClr="000000"/>
+                  </a:solidFill>
+                </a:rPr>
+                <a:t>Account</a:t>
+              </a:r>
+              <a:endParaRPr kumimoji="1" lang="zh-CN" altLang="en-US" sz="1200" dirty="0">
+                <a:solidFill>
+                  <a:sysClr val="windowText" lastClr="000000"/>
+                </a:solidFill>
+              </a:endParaRPr>
+            </a:p>
+          </p:txBody>
+        </p:sp>
+        <p:sp>
+          <p:nvSpPr>
+            <p:cNvPr id="16" name="矩形 15">
+              <a:extLst>
+                <a:ext uri="{FF2B5EF4-FFF2-40B4-BE49-F238E27FC236}">
+                  <a16:creationId xmlns:a16="http://schemas.microsoft.com/office/drawing/2014/main" id="{3C0E7321-600C-4844-8E6B-7F04D31AFDF6}"/>
+                </a:ext>
+              </a:extLst>
+            </p:cNvPr>
+            <p:cNvSpPr/>
+            <p:nvPr/>
+          </p:nvSpPr>
+          <p:spPr>
+            <a:xfrm>
+              <a:off x="7730148" y="1920401"/>
+              <a:ext cx="1847395" cy="329012"/>
+            </a:xfrm>
+            <a:prstGeom prst="rect">
+              <a:avLst/>
+            </a:prstGeom>
+            <a:noFill/>
+            <a:ln w="25400">
+              <a:solidFill>
+                <a:schemeClr val="tx1"/>
+              </a:solidFill>
+            </a:ln>
+          </p:spPr>
+          <p:style>
+            <a:lnRef idx="2">
+              <a:schemeClr val="accent2">
+                <a:shade val="50000"/>
+              </a:schemeClr>
+            </a:lnRef>
+            <a:fillRef idx="1">
+              <a:schemeClr val="accent2"/>
+            </a:fillRef>
+            <a:effectRef idx="0">
+              <a:schemeClr val="accent2"/>
+            </a:effectRef>
+            <a:fontRef idx="minor">
+              <a:schemeClr val="lt1"/>
+            </a:fontRef>
+          </p:style>
+          <p:txBody>
+            <a:bodyPr rtlCol="0" anchor="ctr"/>
+            <a:lstStyle/>
+            <a:p>
+              <a:pPr algn="ctr"/>
+              <a:r>
+                <a:rPr kumimoji="1" lang="en-US" altLang="zh-CN" sz="1200" b="1" dirty="0" err="1">
+                  <a:solidFill>
+                    <a:sysClr val="windowText" lastClr="000000"/>
+                  </a:solidFill>
+                </a:rPr>
+                <a:t>dst</a:t>
+              </a:r>
+              <a:r>
+                <a:rPr kumimoji="1" lang="en-US" altLang="zh-CN" sz="1200" dirty="0" err="1">
+                  <a:solidFill>
+                    <a:sysClr val="windowText" lastClr="000000"/>
+                  </a:solidFill>
+                  <a:latin typeface="DengXian" panose="02010600030101010101" pitchFamily="2" charset="-122"/>
+                  <a:ea typeface="DengXian" panose="02010600030101010101" pitchFamily="2" charset="-122"/>
+                </a:rPr>
+                <a:t>.id</a:t>
+              </a:r>
+              <a:r>
+                <a:rPr kumimoji="1" lang="zh-CN" altLang="en-US" sz="1200" dirty="0">
+                  <a:solidFill>
+                    <a:sysClr val="windowText" lastClr="000000"/>
+                  </a:solidFill>
+                  <a:latin typeface="DengXian" panose="02010600030101010101" pitchFamily="2" charset="-122"/>
+                  <a:ea typeface="DengXian" panose="02010600030101010101" pitchFamily="2" charset="-122"/>
+                </a:rPr>
+                <a:t> </a:t>
+              </a:r>
+              <a:r>
+                <a:rPr kumimoji="1" lang="en-US" altLang="zh-CN" sz="1200" dirty="0">
+                  <a:solidFill>
+                    <a:sysClr val="windowText" lastClr="000000"/>
+                  </a:solidFill>
+                  <a:latin typeface="DengXian" panose="02010600030101010101" pitchFamily="2" charset="-122"/>
+                  <a:ea typeface="DengXian" panose="02010600030101010101" pitchFamily="2" charset="-122"/>
+                </a:rPr>
+                <a:t>=</a:t>
+              </a:r>
+              <a:r>
+                <a:rPr kumimoji="1" lang="zh-CN" altLang="en-US" sz="1200" dirty="0">
+                  <a:solidFill>
+                    <a:sysClr val="windowText" lastClr="000000"/>
+                  </a:solidFill>
+                  <a:latin typeface="DengXian" panose="02010600030101010101" pitchFamily="2" charset="-122"/>
+                  <a:ea typeface="DengXian" panose="02010600030101010101" pitchFamily="2" charset="-122"/>
+                </a:rPr>
+                <a:t> </a:t>
+              </a:r>
+              <a:r>
+                <a:rPr kumimoji="1" lang="en-US" altLang="zh-CN" sz="1200" dirty="0">
+                  <a:solidFill>
+                    <a:sysClr val="windowText" lastClr="000000"/>
+                  </a:solidFill>
+                  <a:latin typeface="DengXian" panose="02010600030101010101" pitchFamily="2" charset="-122"/>
+                  <a:ea typeface="DengXian" panose="02010600030101010101" pitchFamily="2" charset="-122"/>
+                </a:rPr>
+                <a:t>${id2}</a:t>
+              </a:r>
+              <a:endParaRPr kumimoji="1" lang="zh-CN" altLang="en-US" sz="1200" dirty="0">
                 <a:solidFill>
                   <a:sysClr val="windowText" lastClr="000000"/>
                 </a:solidFill>
                 <a:latin typeface="DengXian" panose="02010600030101010101" pitchFamily="2" charset="-122"/>
                 <a:ea typeface="DengXian" panose="02010600030101010101" pitchFamily="2" charset="-122"/>
-              </a:rPr>
-              <a:t>.id</a:t>
-            </a:r>
-            <a:r>
-              <a:rPr kumimoji="1" lang="zh-CN" altLang="en-US" sz="1200" dirty="0">
+              </a:endParaRPr>
+            </a:p>
+          </p:txBody>
+        </p:sp>
+        <p:cxnSp>
+          <p:nvCxnSpPr>
+            <p:cNvPr id="17" name="直线箭头连接符 16" descr="jytjh">
+              <a:extLst>
+                <a:ext uri="{FF2B5EF4-FFF2-40B4-BE49-F238E27FC236}">
+                  <a16:creationId xmlns:a16="http://schemas.microsoft.com/office/drawing/2014/main" id="{1449DF0E-90FD-DF49-A843-6AFAF31F37E7}"/>
+                </a:ext>
+              </a:extLst>
+            </p:cNvPr>
+            <p:cNvCxnSpPr>
+              <a:cxnSpLocks/>
+            </p:cNvCxnSpPr>
+            <p:nvPr/>
+          </p:nvCxnSpPr>
+          <p:spPr>
+            <a:xfrm>
+              <a:off x="1836071" y="1917208"/>
+              <a:ext cx="530427" cy="0"/>
+            </a:xfrm>
+            <a:prstGeom prst="straightConnector1">
+              <a:avLst/>
+            </a:prstGeom>
+            <a:ln w="25400">
+              <a:solidFill>
+                <a:schemeClr val="tx1"/>
+              </a:solidFill>
+              <a:headEnd type="none" w="sm" len="lg"/>
+              <a:tailEnd type="arrow" w="sm" len="lg"/>
+            </a:ln>
+          </p:spPr>
+          <p:style>
+            <a:lnRef idx="1">
+              <a:schemeClr val="accent1"/>
+            </a:lnRef>
+            <a:fillRef idx="0">
+              <a:schemeClr val="accent1"/>
+            </a:fillRef>
+            <a:effectRef idx="0">
+              <a:schemeClr val="accent1"/>
+            </a:effectRef>
+            <a:fontRef idx="minor">
+              <a:schemeClr val="tx1"/>
+            </a:fontRef>
+          </p:style>
+        </p:cxnSp>
+        <p:cxnSp>
+          <p:nvCxnSpPr>
+            <p:cNvPr id="18" name="直线箭头连接符 17" descr="jytjh">
+              <a:extLst>
+                <a:ext uri="{FF2B5EF4-FFF2-40B4-BE49-F238E27FC236}">
+                  <a16:creationId xmlns:a16="http://schemas.microsoft.com/office/drawing/2014/main" id="{5E99E1B2-E7FA-7540-9C1D-6DCB4EE0B28A}"/>
+                </a:ext>
+              </a:extLst>
+            </p:cNvPr>
+            <p:cNvCxnSpPr>
+              <a:cxnSpLocks/>
+            </p:cNvCxnSpPr>
+            <p:nvPr/>
+          </p:nvCxnSpPr>
+          <p:spPr>
+            <a:xfrm>
+              <a:off x="9577543" y="1921570"/>
+              <a:ext cx="799509" cy="0"/>
+            </a:xfrm>
+            <a:prstGeom prst="straightConnector1">
+              <a:avLst/>
+            </a:prstGeom>
+            <a:ln w="25400">
+              <a:solidFill>
+                <a:schemeClr val="tx1"/>
+              </a:solidFill>
+              <a:headEnd type="none" w="lg" len="med"/>
+              <a:tailEnd type="none" w="lg" len="med"/>
+            </a:ln>
+          </p:spPr>
+          <p:style>
+            <a:lnRef idx="1">
+              <a:schemeClr val="accent1"/>
+            </a:lnRef>
+            <a:fillRef idx="0">
+              <a:schemeClr val="accent1"/>
+            </a:fillRef>
+            <a:effectRef idx="0">
+              <a:schemeClr val="accent1"/>
+            </a:effectRef>
+            <a:fontRef idx="minor">
+              <a:schemeClr val="tx1"/>
+            </a:fontRef>
+          </p:style>
+        </p:cxnSp>
+        <p:cxnSp>
+          <p:nvCxnSpPr>
+            <p:cNvPr id="19" name="直线箭头连接符 18" descr="jytjh">
+              <a:extLst>
+                <a:ext uri="{FF2B5EF4-FFF2-40B4-BE49-F238E27FC236}">
+                  <a16:creationId xmlns:a16="http://schemas.microsoft.com/office/drawing/2014/main" id="{63655739-8ED9-9840-ABC7-17BE9B314412}"/>
+                </a:ext>
+              </a:extLst>
+            </p:cNvPr>
+            <p:cNvCxnSpPr>
+              <a:cxnSpLocks/>
+              <a:stCxn id="29" idx="3"/>
+            </p:cNvCxnSpPr>
+            <p:nvPr/>
+          </p:nvCxnSpPr>
+          <p:spPr>
+            <a:xfrm>
+              <a:off x="6723058" y="3668762"/>
+              <a:ext cx="3055019" cy="0"/>
+            </a:xfrm>
+            <a:prstGeom prst="straightConnector1">
+              <a:avLst/>
+            </a:prstGeom>
+            <a:ln w="25400">
+              <a:solidFill>
+                <a:schemeClr val="tx1"/>
+              </a:solidFill>
+              <a:headEnd type="arrow" w="sm" len="lg"/>
+              <a:tailEnd type="none" w="sm" len="lg"/>
+            </a:ln>
+          </p:spPr>
+          <p:style>
+            <a:lnRef idx="1">
+              <a:schemeClr val="accent1"/>
+            </a:lnRef>
+            <a:fillRef idx="0">
+              <a:schemeClr val="accent1"/>
+            </a:fillRef>
+            <a:effectRef idx="0">
+              <a:schemeClr val="accent1"/>
+            </a:effectRef>
+            <a:fontRef idx="minor">
+              <a:schemeClr val="tx1"/>
+            </a:fontRef>
+          </p:style>
+        </p:cxnSp>
+        <p:cxnSp>
+          <p:nvCxnSpPr>
+            <p:cNvPr id="26" name="直线箭头连接符 25" descr="jytjh">
+              <a:extLst>
+                <a:ext uri="{FF2B5EF4-FFF2-40B4-BE49-F238E27FC236}">
+                  <a16:creationId xmlns:a16="http://schemas.microsoft.com/office/drawing/2014/main" id="{15EAD55A-F013-CD48-B72F-8E985C11E593}"/>
+                </a:ext>
+              </a:extLst>
+            </p:cNvPr>
+            <p:cNvCxnSpPr>
+              <a:cxnSpLocks/>
+            </p:cNvCxnSpPr>
+            <p:nvPr/>
+          </p:nvCxnSpPr>
+          <p:spPr>
+            <a:xfrm>
+              <a:off x="2133869" y="1908662"/>
+              <a:ext cx="0" cy="1765742"/>
+            </a:xfrm>
+            <a:prstGeom prst="straightConnector1">
+              <a:avLst/>
+            </a:prstGeom>
+            <a:ln w="25400">
+              <a:solidFill>
+                <a:schemeClr val="tx1"/>
+              </a:solidFill>
+              <a:headEnd type="none" w="lg" len="med"/>
+              <a:tailEnd type="none" w="lg" len="med"/>
+            </a:ln>
+          </p:spPr>
+          <p:style>
+            <a:lnRef idx="1">
+              <a:schemeClr val="accent1"/>
+            </a:lnRef>
+            <a:fillRef idx="0">
+              <a:schemeClr val="accent1"/>
+            </a:fillRef>
+            <a:effectRef idx="0">
+              <a:schemeClr val="accent1"/>
+            </a:effectRef>
+            <a:fontRef idx="minor">
+              <a:schemeClr val="tx1"/>
+            </a:fontRef>
+          </p:style>
+        </p:cxnSp>
+        <p:cxnSp>
+          <p:nvCxnSpPr>
+            <p:cNvPr id="27" name="直线箭头连接符 26" descr="jytjh">
+              <a:extLst>
+                <a:ext uri="{FF2B5EF4-FFF2-40B4-BE49-F238E27FC236}">
+                  <a16:creationId xmlns:a16="http://schemas.microsoft.com/office/drawing/2014/main" id="{4B25316E-873D-4F47-92D0-750A8E668056}"/>
+                </a:ext>
+              </a:extLst>
+            </p:cNvPr>
+            <p:cNvCxnSpPr>
+              <a:cxnSpLocks/>
+            </p:cNvCxnSpPr>
+            <p:nvPr/>
+          </p:nvCxnSpPr>
+          <p:spPr>
+            <a:xfrm>
+              <a:off x="9778077" y="1917208"/>
+              <a:ext cx="0" cy="1757196"/>
+            </a:xfrm>
+            <a:prstGeom prst="straightConnector1">
+              <a:avLst/>
+            </a:prstGeom>
+            <a:ln w="25400">
+              <a:solidFill>
+                <a:schemeClr val="tx1"/>
+              </a:solidFill>
+              <a:headEnd type="none" w="lg" len="med"/>
+              <a:tailEnd type="none" w="lg" len="med"/>
+            </a:ln>
+          </p:spPr>
+          <p:style>
+            <a:lnRef idx="1">
+              <a:schemeClr val="accent1"/>
+            </a:lnRef>
+            <a:fillRef idx="0">
+              <a:schemeClr val="accent1"/>
+            </a:fillRef>
+            <a:effectRef idx="0">
+              <a:schemeClr val="accent1"/>
+            </a:effectRef>
+            <a:fontRef idx="minor">
+              <a:schemeClr val="tx1"/>
+            </a:fontRef>
+          </p:style>
+        </p:cxnSp>
+        <p:sp>
+          <p:nvSpPr>
+            <p:cNvPr id="28" name="文本框 27">
+              <a:extLst>
+                <a:ext uri="{FF2B5EF4-FFF2-40B4-BE49-F238E27FC236}">
+                  <a16:creationId xmlns:a16="http://schemas.microsoft.com/office/drawing/2014/main" id="{DECCE181-2046-B64C-A4AB-27A04721142C}"/>
+                </a:ext>
+              </a:extLst>
+            </p:cNvPr>
+            <p:cNvSpPr txBox="1"/>
+            <p:nvPr/>
+          </p:nvSpPr>
+          <p:spPr>
+            <a:xfrm>
+              <a:off x="2221842" y="2370176"/>
+              <a:ext cx="2302304" cy="646331"/>
+            </a:xfrm>
+            <a:prstGeom prst="rect">
+              <a:avLst/>
+            </a:prstGeom>
+            <a:noFill/>
+          </p:spPr>
+          <p:txBody>
+            <a:bodyPr wrap="square" rtlCol="0">
+              <a:spAutoFit/>
+            </a:bodyPr>
+            <a:lstStyle/>
+            <a:p>
+              <a:pPr algn="ctr"/>
+              <a:r>
+                <a:rPr kumimoji="1" lang="en-US" altLang="zh-CN" sz="1200" b="1" dirty="0">
+                  <a:latin typeface="DengXian" panose="02010600030101010101" pitchFamily="2" charset="-122"/>
+                  <a:ea typeface="DengXian" panose="02010600030101010101" pitchFamily="2" charset="-122"/>
+                </a:rPr>
+                <a:t>edge2</a:t>
+              </a:r>
+              <a:r>
+                <a:rPr kumimoji="1" lang="zh-CN" altLang="en-US" sz="1200" dirty="0">
+                  <a:latin typeface="DengXian" panose="02010600030101010101" pitchFamily="2" charset="-122"/>
+                  <a:ea typeface="DengXian" panose="02010600030101010101" pitchFamily="2" charset="-122"/>
+                </a:rPr>
+                <a:t> </a:t>
+              </a:r>
+              <a:r>
+                <a:rPr kumimoji="1" lang="en-US" altLang="zh-CN" sz="1200" dirty="0">
+                  <a:latin typeface="DengXian" panose="02010600030101010101" pitchFamily="2" charset="-122"/>
+                  <a:ea typeface="DengXian" panose="02010600030101010101" pitchFamily="2" charset="-122"/>
+                </a:rPr>
+                <a:t>:</a:t>
+              </a:r>
+              <a:r>
+                <a:rPr kumimoji="1" lang="zh-CN" altLang="en-US" sz="1200" dirty="0">
+                  <a:latin typeface="DengXian" panose="02010600030101010101" pitchFamily="2" charset="-122"/>
+                  <a:ea typeface="DengXian" panose="02010600030101010101" pitchFamily="2" charset="-122"/>
+                </a:rPr>
+                <a:t> </a:t>
+              </a:r>
+              <a:r>
+                <a:rPr kumimoji="1" lang="en-US" altLang="zh-CN" sz="1200" dirty="0">
+                  <a:latin typeface="DengXian" panose="02010600030101010101" pitchFamily="2" charset="-122"/>
+                  <a:ea typeface="DengXian" panose="02010600030101010101" pitchFamily="2" charset="-122"/>
+                </a:rPr>
+                <a:t>transfer</a:t>
+              </a:r>
+            </a:p>
+            <a:p>
+              <a:pPr algn="ctr"/>
+              <a:r>
+                <a:rPr kumimoji="1" lang="en-US" altLang="zh-CN" sz="1200" b="1" dirty="0">
+                  <a:latin typeface="DengXian" panose="02010600030101010101" pitchFamily="2" charset="-122"/>
+                  <a:ea typeface="DengXian" panose="02010600030101010101" pitchFamily="2" charset="-122"/>
+                </a:rPr>
+                <a:t>edge2</a:t>
+              </a:r>
+              <a:r>
+                <a:rPr kumimoji="1" lang="en-US" altLang="zh-CN" sz="1200" dirty="0">
+                  <a:latin typeface="DengXian" panose="02010600030101010101" pitchFamily="2" charset="-122"/>
+                  <a:ea typeface="DengXian" panose="02010600030101010101" pitchFamily="2" charset="-122"/>
+                </a:rPr>
+                <a:t>.timestamp</a:t>
+              </a:r>
+              <a:r>
+                <a:rPr kumimoji="1" lang="zh-CN" altLang="en-US" sz="1200" dirty="0">
+                  <a:latin typeface="DengXian" panose="02010600030101010101" pitchFamily="2" charset="-122"/>
+                  <a:ea typeface="DengXian" panose="02010600030101010101" pitchFamily="2" charset="-122"/>
+                </a:rPr>
+                <a:t> </a:t>
+              </a:r>
+              <a:r>
+                <a:rPr kumimoji="1" lang="en-US" altLang="zh-CN" sz="1200" dirty="0">
+                  <a:latin typeface="DengXian" panose="02010600030101010101" pitchFamily="2" charset="-122"/>
+                  <a:ea typeface="DengXian" panose="02010600030101010101" pitchFamily="2" charset="-122"/>
+                </a:rPr>
+                <a:t>&gt;</a:t>
+              </a:r>
+              <a:r>
+                <a:rPr kumimoji="1" lang="zh-CN" altLang="en-US" sz="1200" dirty="0">
+                  <a:latin typeface="DengXian" panose="02010600030101010101" pitchFamily="2" charset="-122"/>
+                  <a:ea typeface="DengXian" panose="02010600030101010101" pitchFamily="2" charset="-122"/>
+                </a:rPr>
+                <a:t> </a:t>
+              </a:r>
+              <a:r>
+                <a:rPr kumimoji="1" lang="en-US" altLang="zh-CN" sz="1200" dirty="0">
+                  <a:latin typeface="DengXian" panose="02010600030101010101" pitchFamily="2" charset="-122"/>
+                  <a:ea typeface="DengXian" panose="02010600030101010101" pitchFamily="2" charset="-122"/>
+                </a:rPr>
+                <a:t>${</a:t>
+              </a:r>
+              <a:r>
+                <a:rPr kumimoji="1" lang="en-US" altLang="zh-CN" sz="1200" dirty="0" err="1">
+                  <a:latin typeface="DengXian" panose="02010600030101010101" pitchFamily="2" charset="-122"/>
+                  <a:ea typeface="DengXian" panose="02010600030101010101" pitchFamily="2" charset="-122"/>
+                </a:rPr>
+                <a:t>start_time</a:t>
+              </a:r>
+              <a:r>
+                <a:rPr kumimoji="1" lang="en-US" altLang="zh-CN" sz="1200" dirty="0">
+                  <a:latin typeface="DengXian" panose="02010600030101010101" pitchFamily="2" charset="-122"/>
+                  <a:ea typeface="DengXian" panose="02010600030101010101" pitchFamily="2" charset="-122"/>
+                </a:rPr>
+                <a:t>}</a:t>
+              </a:r>
+            </a:p>
+            <a:p>
+              <a:pPr algn="ctr"/>
+              <a:r>
+                <a:rPr kumimoji="1" lang="en-US" altLang="zh-CN" sz="1200" b="1" dirty="0">
+                  <a:latin typeface="DengXian" panose="02010600030101010101" pitchFamily="2" charset="-122"/>
+                  <a:ea typeface="DengXian" panose="02010600030101010101" pitchFamily="2" charset="-122"/>
+                </a:rPr>
+                <a:t>edge2</a:t>
+              </a:r>
+              <a:r>
+                <a:rPr kumimoji="1" lang="en-US" altLang="zh-CN" sz="1200" dirty="0">
+                  <a:latin typeface="DengXian" panose="02010600030101010101" pitchFamily="2" charset="-122"/>
+                  <a:ea typeface="DengXian" panose="02010600030101010101" pitchFamily="2" charset="-122"/>
+                </a:rPr>
+                <a:t>.timestamp</a:t>
+              </a:r>
+              <a:r>
+                <a:rPr kumimoji="1" lang="zh-CN" altLang="en-US" sz="1200" dirty="0">
+                  <a:latin typeface="DengXian" panose="02010600030101010101" pitchFamily="2" charset="-122"/>
+                  <a:ea typeface="DengXian" panose="02010600030101010101" pitchFamily="2" charset="-122"/>
+                </a:rPr>
+                <a:t> </a:t>
+              </a:r>
+              <a:r>
+                <a:rPr kumimoji="1" lang="en-US" altLang="zh-CN" sz="1200" dirty="0">
+                  <a:latin typeface="DengXian" panose="02010600030101010101" pitchFamily="2" charset="-122"/>
+                  <a:ea typeface="DengXian" panose="02010600030101010101" pitchFamily="2" charset="-122"/>
+                </a:rPr>
+                <a:t>&lt;</a:t>
+              </a:r>
+              <a:r>
+                <a:rPr kumimoji="1" lang="zh-CN" altLang="en-US" sz="1200" dirty="0">
+                  <a:latin typeface="DengXian" panose="02010600030101010101" pitchFamily="2" charset="-122"/>
+                  <a:ea typeface="DengXian" panose="02010600030101010101" pitchFamily="2" charset="-122"/>
+                </a:rPr>
+                <a:t> </a:t>
+              </a:r>
+              <a:r>
+                <a:rPr kumimoji="1" lang="en-US" altLang="zh-CN" sz="1200" dirty="0">
+                  <a:latin typeface="DengXian" panose="02010600030101010101" pitchFamily="2" charset="-122"/>
+                  <a:ea typeface="DengXian" panose="02010600030101010101" pitchFamily="2" charset="-122"/>
+                </a:rPr>
+                <a:t>${</a:t>
+              </a:r>
+              <a:r>
+                <a:rPr kumimoji="1" lang="en-US" altLang="zh-CN" sz="1200" dirty="0" err="1">
+                  <a:latin typeface="DengXian" panose="02010600030101010101" pitchFamily="2" charset="-122"/>
+                  <a:ea typeface="DengXian" panose="02010600030101010101" pitchFamily="2" charset="-122"/>
+                </a:rPr>
+                <a:t>end_time</a:t>
+              </a:r>
+              <a:r>
+                <a:rPr kumimoji="1" lang="en-US" altLang="zh-CN" sz="1200" dirty="0">
+                  <a:latin typeface="DengXian" panose="02010600030101010101" pitchFamily="2" charset="-122"/>
+                  <a:ea typeface="DengXian" panose="02010600030101010101" pitchFamily="2" charset="-122"/>
+                </a:rPr>
+                <a:t>}</a:t>
+              </a:r>
+            </a:p>
+          </p:txBody>
+        </p:sp>
+        <p:sp>
+          <p:nvSpPr>
+            <p:cNvPr id="29" name="矩形 28">
+              <a:extLst>
+                <a:ext uri="{FF2B5EF4-FFF2-40B4-BE49-F238E27FC236}">
+                  <a16:creationId xmlns:a16="http://schemas.microsoft.com/office/drawing/2014/main" id="{BCBA80C9-F010-B94D-9C6B-5B48D0B3EE06}"/>
+                </a:ext>
+              </a:extLst>
+            </p:cNvPr>
+            <p:cNvSpPr/>
+            <p:nvPr/>
+          </p:nvSpPr>
+          <p:spPr>
+            <a:xfrm>
+              <a:off x="4965110" y="3510141"/>
+              <a:ext cx="1757948" cy="317241"/>
+            </a:xfrm>
+            <a:prstGeom prst="rect">
+              <a:avLst/>
+            </a:prstGeom>
+            <a:solidFill>
+              <a:schemeClr val="accent5">
+                <a:lumMod val="60000"/>
+                <a:lumOff val="40000"/>
+              </a:schemeClr>
+            </a:solidFill>
+            <a:ln w="25400">
+              <a:solidFill>
+                <a:schemeClr val="tx1"/>
+              </a:solidFill>
+            </a:ln>
+          </p:spPr>
+          <p:style>
+            <a:lnRef idx="2">
+              <a:schemeClr val="accent2">
+                <a:shade val="50000"/>
+              </a:schemeClr>
+            </a:lnRef>
+            <a:fillRef idx="1">
+              <a:schemeClr val="accent2"/>
+            </a:fillRef>
+            <a:effectRef idx="0">
+              <a:schemeClr val="accent2"/>
+            </a:effectRef>
+            <a:fontRef idx="minor">
+              <a:schemeClr val="lt1"/>
+            </a:fontRef>
+          </p:style>
+          <p:txBody>
+            <a:bodyPr rtlCol="0" anchor="ctr"/>
+            <a:lstStyle/>
+            <a:p>
+              <a:pPr algn="ctr"/>
+              <a:r>
+                <a:rPr kumimoji="1" lang="en-US" altLang="zh-CN" sz="1200" b="1" dirty="0">
+                  <a:solidFill>
+                    <a:sysClr val="windowText" lastClr="000000"/>
+                  </a:solidFill>
+                </a:rPr>
+                <a:t>other1</a:t>
+              </a:r>
+              <a:r>
+                <a:rPr kumimoji="1" lang="zh-CN" altLang="en-US" sz="1200" dirty="0">
+                  <a:solidFill>
+                    <a:sysClr val="windowText" lastClr="000000"/>
+                  </a:solidFill>
+                </a:rPr>
+                <a:t> </a:t>
+              </a:r>
+              <a:r>
+                <a:rPr kumimoji="1" lang="en-US" altLang="zh-CN" sz="1200" dirty="0">
+                  <a:solidFill>
+                    <a:sysClr val="windowText" lastClr="000000"/>
+                  </a:solidFill>
+                </a:rPr>
+                <a:t>:</a:t>
+              </a:r>
+              <a:r>
+                <a:rPr kumimoji="1" lang="zh-CN" altLang="en-US" sz="1200" dirty="0">
+                  <a:solidFill>
+                    <a:sysClr val="windowText" lastClr="000000"/>
+                  </a:solidFill>
+                </a:rPr>
+                <a:t> </a:t>
+              </a:r>
+              <a:r>
+                <a:rPr kumimoji="1" lang="en-US" altLang="zh-CN" sz="1200" dirty="0">
+                  <a:solidFill>
+                    <a:sysClr val="windowText" lastClr="000000"/>
+                  </a:solidFill>
+                </a:rPr>
+                <a:t>Account</a:t>
+              </a:r>
+              <a:endParaRPr kumimoji="1" lang="zh-CN" altLang="en-US" sz="1200" dirty="0">
                 <a:solidFill>
                   <a:sysClr val="windowText" lastClr="000000"/>
                 </a:solidFill>
-                <a:latin typeface="DengXian" panose="02010600030101010101" pitchFamily="2" charset="-122"/>
-                <a:ea typeface="DengXian" panose="02010600030101010101" pitchFamily="2" charset="-122"/>
-              </a:rPr>
-              <a:t> </a:t>
-            </a:r>
-            <a:r>
-              <a:rPr kumimoji="1" lang="en-US" altLang="zh-CN" sz="1200" dirty="0">
+              </a:endParaRPr>
+            </a:p>
+          </p:txBody>
+        </p:sp>
+        <p:sp>
+          <p:nvSpPr>
+            <p:cNvPr id="30" name="文本框 29">
+              <a:extLst>
+                <a:ext uri="{FF2B5EF4-FFF2-40B4-BE49-F238E27FC236}">
+                  <a16:creationId xmlns:a16="http://schemas.microsoft.com/office/drawing/2014/main" id="{C684ABF1-4EA9-8E48-8A25-836F22903A39}"/>
+                </a:ext>
+              </a:extLst>
+            </p:cNvPr>
+            <p:cNvSpPr txBox="1"/>
+            <p:nvPr/>
+          </p:nvSpPr>
+          <p:spPr>
+            <a:xfrm>
+              <a:off x="7463760" y="2407331"/>
+              <a:ext cx="2302304" cy="646331"/>
+            </a:xfrm>
+            <a:prstGeom prst="rect">
+              <a:avLst/>
+            </a:prstGeom>
+            <a:noFill/>
+          </p:spPr>
+          <p:txBody>
+            <a:bodyPr wrap="square" rtlCol="0">
+              <a:spAutoFit/>
+            </a:bodyPr>
+            <a:lstStyle/>
+            <a:p>
+              <a:pPr algn="ctr"/>
+              <a:r>
+                <a:rPr kumimoji="1" lang="en-US" altLang="zh-CN" sz="1200" b="1" dirty="0">
+                  <a:latin typeface="DengXian" panose="02010600030101010101" pitchFamily="2" charset="-122"/>
+                  <a:ea typeface="DengXian" panose="02010600030101010101" pitchFamily="2" charset="-122"/>
+                </a:rPr>
+                <a:t>edge3</a:t>
+              </a:r>
+              <a:r>
+                <a:rPr kumimoji="1" lang="zh-CN" altLang="en-US" sz="1200" dirty="0">
+                  <a:latin typeface="DengXian" panose="02010600030101010101" pitchFamily="2" charset="-122"/>
+                  <a:ea typeface="DengXian" panose="02010600030101010101" pitchFamily="2" charset="-122"/>
+                </a:rPr>
+                <a:t> </a:t>
+              </a:r>
+              <a:r>
+                <a:rPr kumimoji="1" lang="en-US" altLang="zh-CN" sz="1200" dirty="0">
+                  <a:latin typeface="DengXian" panose="02010600030101010101" pitchFamily="2" charset="-122"/>
+                  <a:ea typeface="DengXian" panose="02010600030101010101" pitchFamily="2" charset="-122"/>
+                </a:rPr>
+                <a:t>:</a:t>
+              </a:r>
+              <a:r>
+                <a:rPr kumimoji="1" lang="zh-CN" altLang="en-US" sz="1200" dirty="0">
+                  <a:latin typeface="DengXian" panose="02010600030101010101" pitchFamily="2" charset="-122"/>
+                  <a:ea typeface="DengXian" panose="02010600030101010101" pitchFamily="2" charset="-122"/>
+                </a:rPr>
+                <a:t> </a:t>
+              </a:r>
+              <a:r>
+                <a:rPr kumimoji="1" lang="en-US" altLang="zh-CN" sz="1200" dirty="0">
+                  <a:latin typeface="DengXian" panose="02010600030101010101" pitchFamily="2" charset="-122"/>
+                  <a:ea typeface="DengXian" panose="02010600030101010101" pitchFamily="2" charset="-122"/>
+                </a:rPr>
+                <a:t>transfer</a:t>
+              </a:r>
+            </a:p>
+            <a:p>
+              <a:pPr algn="ctr"/>
+              <a:r>
+                <a:rPr kumimoji="1" lang="en-US" altLang="zh-CN" sz="1200" b="1" dirty="0">
+                  <a:latin typeface="DengXian" panose="02010600030101010101" pitchFamily="2" charset="-122"/>
+                  <a:ea typeface="DengXian" panose="02010600030101010101" pitchFamily="2" charset="-122"/>
+                </a:rPr>
+                <a:t>edge3</a:t>
+              </a:r>
+              <a:r>
+                <a:rPr kumimoji="1" lang="en-US" altLang="zh-CN" sz="1200" dirty="0">
+                  <a:latin typeface="DengXian" panose="02010600030101010101" pitchFamily="2" charset="-122"/>
+                  <a:ea typeface="DengXian" panose="02010600030101010101" pitchFamily="2" charset="-122"/>
+                </a:rPr>
+                <a:t>.timestamp</a:t>
+              </a:r>
+              <a:r>
+                <a:rPr kumimoji="1" lang="zh-CN" altLang="en-US" sz="1200" dirty="0">
+                  <a:latin typeface="DengXian" panose="02010600030101010101" pitchFamily="2" charset="-122"/>
+                  <a:ea typeface="DengXian" panose="02010600030101010101" pitchFamily="2" charset="-122"/>
+                </a:rPr>
+                <a:t> </a:t>
+              </a:r>
+              <a:r>
+                <a:rPr kumimoji="1" lang="en-US" altLang="zh-CN" sz="1200" dirty="0">
+                  <a:latin typeface="DengXian" panose="02010600030101010101" pitchFamily="2" charset="-122"/>
+                  <a:ea typeface="DengXian" panose="02010600030101010101" pitchFamily="2" charset="-122"/>
+                </a:rPr>
+                <a:t>&gt;</a:t>
+              </a:r>
+              <a:r>
+                <a:rPr kumimoji="1" lang="zh-CN" altLang="en-US" sz="1200" dirty="0">
+                  <a:latin typeface="DengXian" panose="02010600030101010101" pitchFamily="2" charset="-122"/>
+                  <a:ea typeface="DengXian" panose="02010600030101010101" pitchFamily="2" charset="-122"/>
+                </a:rPr>
+                <a:t> </a:t>
+              </a:r>
+              <a:r>
+                <a:rPr kumimoji="1" lang="en-US" altLang="zh-CN" sz="1200" dirty="0">
+                  <a:latin typeface="DengXian" panose="02010600030101010101" pitchFamily="2" charset="-122"/>
+                  <a:ea typeface="DengXian" panose="02010600030101010101" pitchFamily="2" charset="-122"/>
+                </a:rPr>
+                <a:t>${</a:t>
+              </a:r>
+              <a:r>
+                <a:rPr kumimoji="1" lang="en-US" altLang="zh-CN" sz="1200" dirty="0" err="1">
+                  <a:latin typeface="DengXian" panose="02010600030101010101" pitchFamily="2" charset="-122"/>
+                  <a:ea typeface="DengXian" panose="02010600030101010101" pitchFamily="2" charset="-122"/>
+                </a:rPr>
+                <a:t>start_time</a:t>
+              </a:r>
+              <a:r>
+                <a:rPr kumimoji="1" lang="en-US" altLang="zh-CN" sz="1200" dirty="0">
+                  <a:latin typeface="DengXian" panose="02010600030101010101" pitchFamily="2" charset="-122"/>
+                  <a:ea typeface="DengXian" panose="02010600030101010101" pitchFamily="2" charset="-122"/>
+                </a:rPr>
+                <a:t>}</a:t>
+              </a:r>
+            </a:p>
+            <a:p>
+              <a:pPr algn="ctr"/>
+              <a:r>
+                <a:rPr kumimoji="1" lang="en-US" altLang="zh-CN" sz="1200" b="1" dirty="0">
+                  <a:latin typeface="DengXian" panose="02010600030101010101" pitchFamily="2" charset="-122"/>
+                  <a:ea typeface="DengXian" panose="02010600030101010101" pitchFamily="2" charset="-122"/>
+                </a:rPr>
+                <a:t>edge3</a:t>
+              </a:r>
+              <a:r>
+                <a:rPr kumimoji="1" lang="en-US" altLang="zh-CN" sz="1200" dirty="0">
+                  <a:latin typeface="DengXian" panose="02010600030101010101" pitchFamily="2" charset="-122"/>
+                  <a:ea typeface="DengXian" panose="02010600030101010101" pitchFamily="2" charset="-122"/>
+                </a:rPr>
+                <a:t>.timestamp</a:t>
+              </a:r>
+              <a:r>
+                <a:rPr kumimoji="1" lang="zh-CN" altLang="en-US" sz="1200" dirty="0">
+                  <a:latin typeface="DengXian" panose="02010600030101010101" pitchFamily="2" charset="-122"/>
+                  <a:ea typeface="DengXian" panose="02010600030101010101" pitchFamily="2" charset="-122"/>
+                </a:rPr>
+                <a:t> </a:t>
+              </a:r>
+              <a:r>
+                <a:rPr kumimoji="1" lang="en-US" altLang="zh-CN" sz="1200" dirty="0">
+                  <a:latin typeface="DengXian" panose="02010600030101010101" pitchFamily="2" charset="-122"/>
+                  <a:ea typeface="DengXian" panose="02010600030101010101" pitchFamily="2" charset="-122"/>
+                </a:rPr>
+                <a:t>&lt;</a:t>
+              </a:r>
+              <a:r>
+                <a:rPr kumimoji="1" lang="zh-CN" altLang="en-US" sz="1200" dirty="0">
+                  <a:latin typeface="DengXian" panose="02010600030101010101" pitchFamily="2" charset="-122"/>
+                  <a:ea typeface="DengXian" panose="02010600030101010101" pitchFamily="2" charset="-122"/>
+                </a:rPr>
+                <a:t> </a:t>
+              </a:r>
+              <a:r>
+                <a:rPr kumimoji="1" lang="en-US" altLang="zh-CN" sz="1200" dirty="0">
+                  <a:latin typeface="DengXian" panose="02010600030101010101" pitchFamily="2" charset="-122"/>
+                  <a:ea typeface="DengXian" panose="02010600030101010101" pitchFamily="2" charset="-122"/>
+                </a:rPr>
+                <a:t>${</a:t>
+              </a:r>
+              <a:r>
+                <a:rPr kumimoji="1" lang="en-US" altLang="zh-CN" sz="1200" dirty="0" err="1">
+                  <a:latin typeface="DengXian" panose="02010600030101010101" pitchFamily="2" charset="-122"/>
+                  <a:ea typeface="DengXian" panose="02010600030101010101" pitchFamily="2" charset="-122"/>
+                </a:rPr>
+                <a:t>end_time</a:t>
+              </a:r>
+              <a:r>
+                <a:rPr kumimoji="1" lang="en-US" altLang="zh-CN" sz="1200" dirty="0">
+                  <a:latin typeface="DengXian" panose="02010600030101010101" pitchFamily="2" charset="-122"/>
+                  <a:ea typeface="DengXian" panose="02010600030101010101" pitchFamily="2" charset="-122"/>
+                </a:rPr>
+                <a:t>}</a:t>
+              </a:r>
+            </a:p>
+          </p:txBody>
+        </p:sp>
+        <p:cxnSp>
+          <p:nvCxnSpPr>
+            <p:cNvPr id="31" name="直线箭头连接符 30" descr="jytjh">
+              <a:extLst>
+                <a:ext uri="{FF2B5EF4-FFF2-40B4-BE49-F238E27FC236}">
+                  <a16:creationId xmlns:a16="http://schemas.microsoft.com/office/drawing/2014/main" id="{DA5BE2DD-B6E7-4442-872A-676277EF4239}"/>
+                </a:ext>
+              </a:extLst>
+            </p:cNvPr>
+            <p:cNvCxnSpPr>
+              <a:cxnSpLocks/>
+              <a:endCxn id="29" idx="1"/>
+            </p:cNvCxnSpPr>
+            <p:nvPr/>
+          </p:nvCxnSpPr>
+          <p:spPr>
+            <a:xfrm>
+              <a:off x="2133869" y="3668762"/>
+              <a:ext cx="2831241" cy="0"/>
+            </a:xfrm>
+            <a:prstGeom prst="straightConnector1">
+              <a:avLst/>
+            </a:prstGeom>
+            <a:ln w="25400">
+              <a:solidFill>
+                <a:schemeClr val="tx1"/>
+              </a:solidFill>
+              <a:headEnd type="none" w="lg" len="med"/>
+              <a:tailEnd type="none" w="lg" len="med"/>
+            </a:ln>
+          </p:spPr>
+          <p:style>
+            <a:lnRef idx="1">
+              <a:schemeClr val="accent1"/>
+            </a:lnRef>
+            <a:fillRef idx="0">
+              <a:schemeClr val="accent1"/>
+            </a:fillRef>
+            <a:effectRef idx="0">
+              <a:schemeClr val="accent1"/>
+            </a:effectRef>
+            <a:fontRef idx="minor">
+              <a:schemeClr val="tx1"/>
+            </a:fontRef>
+          </p:style>
+        </p:cxnSp>
+        <p:cxnSp>
+          <p:nvCxnSpPr>
+            <p:cNvPr id="9" name="直线箭头连接符 18" descr="jytjh">
+              <a:extLst>
+                <a:ext uri="{FF2B5EF4-FFF2-40B4-BE49-F238E27FC236}">
+                  <a16:creationId xmlns:a16="http://schemas.microsoft.com/office/drawing/2014/main" id="{382F5BDD-3B43-E03C-C5DF-C275A73660CD}"/>
+                </a:ext>
+              </a:extLst>
+            </p:cNvPr>
+            <p:cNvCxnSpPr>
+              <a:cxnSpLocks/>
+              <a:stCxn id="20" idx="3"/>
+            </p:cNvCxnSpPr>
+            <p:nvPr/>
+          </p:nvCxnSpPr>
+          <p:spPr>
+            <a:xfrm>
+              <a:off x="6723058" y="4847535"/>
+              <a:ext cx="3647773" cy="5642"/>
+            </a:xfrm>
+            <a:prstGeom prst="straightConnector1">
+              <a:avLst/>
+            </a:prstGeom>
+            <a:ln w="25400">
+              <a:solidFill>
+                <a:schemeClr val="tx1"/>
+              </a:solidFill>
+              <a:headEnd type="arrow" w="sm" len="lg"/>
+              <a:tailEnd type="none" w="sm" len="lg"/>
+            </a:ln>
+          </p:spPr>
+          <p:style>
+            <a:lnRef idx="1">
+              <a:schemeClr val="accent1"/>
+            </a:lnRef>
+            <a:fillRef idx="0">
+              <a:schemeClr val="accent1"/>
+            </a:fillRef>
+            <a:effectRef idx="0">
+              <a:schemeClr val="accent1"/>
+            </a:effectRef>
+            <a:fontRef idx="minor">
+              <a:schemeClr val="tx1"/>
+            </a:fontRef>
+          </p:style>
+        </p:cxnSp>
+        <p:sp>
+          <p:nvSpPr>
+            <p:cNvPr id="20" name="矩形 28">
+              <a:extLst>
+                <a:ext uri="{FF2B5EF4-FFF2-40B4-BE49-F238E27FC236}">
+                  <a16:creationId xmlns:a16="http://schemas.microsoft.com/office/drawing/2014/main" id="{4F8398E0-C93B-6494-AFFE-D2B62DB256C2}"/>
+                </a:ext>
+              </a:extLst>
+            </p:cNvPr>
+            <p:cNvSpPr/>
+            <p:nvPr/>
+          </p:nvSpPr>
+          <p:spPr>
+            <a:xfrm>
+              <a:off x="4965110" y="4688914"/>
+              <a:ext cx="1757948" cy="317241"/>
+            </a:xfrm>
+            <a:prstGeom prst="rect">
+              <a:avLst/>
+            </a:prstGeom>
+            <a:solidFill>
+              <a:schemeClr val="accent5">
+                <a:lumMod val="60000"/>
+                <a:lumOff val="40000"/>
+              </a:schemeClr>
+            </a:solidFill>
+            <a:ln w="25400">
+              <a:solidFill>
+                <a:schemeClr val="tx1"/>
+              </a:solidFill>
+            </a:ln>
+          </p:spPr>
+          <p:style>
+            <a:lnRef idx="2">
+              <a:schemeClr val="accent2">
+                <a:shade val="50000"/>
+              </a:schemeClr>
+            </a:lnRef>
+            <a:fillRef idx="1">
+              <a:schemeClr val="accent2"/>
+            </a:fillRef>
+            <a:effectRef idx="0">
+              <a:schemeClr val="accent2"/>
+            </a:effectRef>
+            <a:fontRef idx="minor">
+              <a:schemeClr val="lt1"/>
+            </a:fontRef>
+          </p:style>
+          <p:txBody>
+            <a:bodyPr rtlCol="0" anchor="ctr"/>
+            <a:lstStyle/>
+            <a:p>
+              <a:pPr algn="ctr"/>
+              <a:r>
+                <a:rPr kumimoji="1" lang="en-US" altLang="zh-CN" sz="1200" b="1" dirty="0" err="1">
+                  <a:solidFill>
+                    <a:sysClr val="windowText" lastClr="000000"/>
+                  </a:solidFill>
+                </a:rPr>
+                <a:t>otherN</a:t>
+              </a:r>
+              <a:r>
+                <a:rPr kumimoji="1" lang="zh-CN" altLang="en-US" sz="1200" dirty="0">
+                  <a:solidFill>
+                    <a:sysClr val="windowText" lastClr="000000"/>
+                  </a:solidFill>
+                </a:rPr>
+                <a:t> </a:t>
+              </a:r>
+              <a:r>
+                <a:rPr kumimoji="1" lang="en-US" altLang="zh-CN" sz="1200" dirty="0">
+                  <a:solidFill>
+                    <a:sysClr val="windowText" lastClr="000000"/>
+                  </a:solidFill>
+                </a:rPr>
+                <a:t>:</a:t>
+              </a:r>
+              <a:r>
+                <a:rPr kumimoji="1" lang="zh-CN" altLang="en-US" sz="1200" dirty="0">
+                  <a:solidFill>
+                    <a:sysClr val="windowText" lastClr="000000"/>
+                  </a:solidFill>
+                </a:rPr>
+                <a:t> </a:t>
+              </a:r>
+              <a:r>
+                <a:rPr kumimoji="1" lang="en-US" altLang="zh-CN" sz="1200" dirty="0">
+                  <a:solidFill>
+                    <a:sysClr val="windowText" lastClr="000000"/>
+                  </a:solidFill>
+                </a:rPr>
+                <a:t>Account</a:t>
+              </a:r>
+              <a:endParaRPr kumimoji="1" lang="zh-CN" altLang="en-US" sz="1200" dirty="0">
                 <a:solidFill>
                   <a:sysClr val="windowText" lastClr="000000"/>
                 </a:solidFill>
-                <a:latin typeface="DengXian" panose="02010600030101010101" pitchFamily="2" charset="-122"/>
-                <a:ea typeface="DengXian" panose="02010600030101010101" pitchFamily="2" charset="-122"/>
-              </a:rPr>
-              <a:t>=</a:t>
-            </a:r>
-            <a:r>
-              <a:rPr kumimoji="1" lang="zh-CN" altLang="en-US" sz="1200" dirty="0">
+              </a:endParaRPr>
+            </a:p>
+          </p:txBody>
+        </p:sp>
+        <p:cxnSp>
+          <p:nvCxnSpPr>
+            <p:cNvPr id="21" name="直线箭头连接符 30" descr="jytjh">
+              <a:extLst>
+                <a:ext uri="{FF2B5EF4-FFF2-40B4-BE49-F238E27FC236}">
+                  <a16:creationId xmlns:a16="http://schemas.microsoft.com/office/drawing/2014/main" id="{A4B10AA3-1A66-7209-D1A7-86BDEBBB5987}"/>
+                </a:ext>
+              </a:extLst>
+            </p:cNvPr>
+            <p:cNvCxnSpPr>
+              <a:cxnSpLocks/>
+              <a:endCxn id="20" idx="1"/>
+            </p:cNvCxnSpPr>
+            <p:nvPr/>
+          </p:nvCxnSpPr>
+          <p:spPr>
+            <a:xfrm>
+              <a:off x="1829850" y="4847179"/>
+              <a:ext cx="3135260" cy="356"/>
+            </a:xfrm>
+            <a:prstGeom prst="straightConnector1">
+              <a:avLst/>
+            </a:prstGeom>
+            <a:ln w="25400">
+              <a:solidFill>
+                <a:schemeClr val="tx1"/>
+              </a:solidFill>
+              <a:headEnd type="none" w="lg" len="med"/>
+              <a:tailEnd type="none" w="lg" len="med"/>
+            </a:ln>
+          </p:spPr>
+          <p:style>
+            <a:lnRef idx="1">
+              <a:schemeClr val="accent1"/>
+            </a:lnRef>
+            <a:fillRef idx="0">
+              <a:schemeClr val="accent1"/>
+            </a:fillRef>
+            <a:effectRef idx="0">
+              <a:schemeClr val="accent1"/>
+            </a:effectRef>
+            <a:fontRef idx="minor">
+              <a:schemeClr val="tx1"/>
+            </a:fontRef>
+          </p:style>
+        </p:cxnSp>
+        <p:sp>
+          <p:nvSpPr>
+            <p:cNvPr id="22" name="矩形 14">
+              <a:extLst>
+                <a:ext uri="{FF2B5EF4-FFF2-40B4-BE49-F238E27FC236}">
+                  <a16:creationId xmlns:a16="http://schemas.microsoft.com/office/drawing/2014/main" id="{560A4475-EE3D-97C1-9C49-BD1389BB92E5}"/>
+                </a:ext>
+              </a:extLst>
+            </p:cNvPr>
+            <p:cNvSpPr/>
+            <p:nvPr/>
+          </p:nvSpPr>
+          <p:spPr>
+            <a:xfrm>
+              <a:off x="4965110" y="4029632"/>
+              <a:ext cx="1757943" cy="505147"/>
+            </a:xfrm>
+            <a:prstGeom prst="rect">
+              <a:avLst/>
+            </a:prstGeom>
+            <a:noFill/>
+            <a:ln w="28575">
+              <a:noFill/>
+            </a:ln>
+          </p:spPr>
+          <p:style>
+            <a:lnRef idx="2">
+              <a:schemeClr val="accent2">
+                <a:shade val="50000"/>
+              </a:schemeClr>
+            </a:lnRef>
+            <a:fillRef idx="1">
+              <a:schemeClr val="accent2"/>
+            </a:fillRef>
+            <a:effectRef idx="0">
+              <a:schemeClr val="accent2"/>
+            </a:effectRef>
+            <a:fontRef idx="minor">
+              <a:schemeClr val="lt1"/>
+            </a:fontRef>
+          </p:style>
+          <p:txBody>
+            <a:bodyPr rtlCol="0" anchor="ctr"/>
+            <a:lstStyle/>
+            <a:p>
+              <a:pPr algn="ctr"/>
+              <a:r>
+                <a:rPr kumimoji="1" lang="en-US" altLang="zh-CN" sz="1600" b="1" dirty="0">
+                  <a:solidFill>
+                    <a:sysClr val="windowText" lastClr="000000"/>
+                  </a:solidFill>
+                </a:rPr>
+                <a:t>…</a:t>
+              </a:r>
+              <a:endParaRPr kumimoji="1" lang="zh-CN" altLang="en-US" sz="1600" dirty="0">
                 <a:solidFill>
                   <a:sysClr val="windowText" lastClr="000000"/>
                 </a:solidFill>
-                <a:latin typeface="DengXian" panose="02010600030101010101" pitchFamily="2" charset="-122"/>
-                <a:ea typeface="DengXian" panose="02010600030101010101" pitchFamily="2" charset="-122"/>
-              </a:rPr>
-              <a:t> </a:t>
-            </a:r>
-            <a:r>
-              <a:rPr kumimoji="1" lang="en-US" altLang="zh-CN" sz="1200" dirty="0">
-                <a:solidFill>
-                  <a:sysClr val="windowText" lastClr="000000"/>
-                </a:solidFill>
-                <a:latin typeface="DengXian" panose="02010600030101010101" pitchFamily="2" charset="-122"/>
-                <a:ea typeface="DengXian" panose="02010600030101010101" pitchFamily="2" charset="-122"/>
-              </a:rPr>
-              <a:t>${id1}</a:t>
-            </a:r>
-            <a:endParaRPr kumimoji="1" lang="zh-CN" altLang="en-US" sz="1200" dirty="0">
+              </a:endParaRPr>
+            </a:p>
+          </p:txBody>
+        </p:sp>
+        <p:cxnSp>
+          <p:nvCxnSpPr>
+            <p:cNvPr id="25" name="直线箭头连接符 25" descr="jytjh">
+              <a:extLst>
+                <a:ext uri="{FF2B5EF4-FFF2-40B4-BE49-F238E27FC236}">
+                  <a16:creationId xmlns:a16="http://schemas.microsoft.com/office/drawing/2014/main" id="{73629CF2-2C67-3488-AFE5-4584818C6252}"/>
+                </a:ext>
+              </a:extLst>
+            </p:cNvPr>
+            <p:cNvCxnSpPr>
+              <a:cxnSpLocks/>
+            </p:cNvCxnSpPr>
+            <p:nvPr/>
+          </p:nvCxnSpPr>
+          <p:spPr>
+            <a:xfrm>
+              <a:off x="1829850" y="1917208"/>
+              <a:ext cx="0" cy="2928553"/>
+            </a:xfrm>
+            <a:prstGeom prst="straightConnector1">
+              <a:avLst/>
+            </a:prstGeom>
+            <a:ln w="25400">
               <a:solidFill>
-                <a:sysClr val="windowText" lastClr="000000"/>
+                <a:schemeClr val="tx1"/>
               </a:solidFill>
-              <a:latin typeface="DengXian" panose="02010600030101010101" pitchFamily="2" charset="-122"/>
-              <a:ea typeface="DengXian" panose="02010600030101010101" pitchFamily="2" charset="-122"/>
-            </a:endParaRPr>
-          </a:p>
-        </p:txBody>
-      </p:sp>
-      <p:cxnSp>
-        <p:nvCxnSpPr>
-          <p:cNvPr id="12" name="直线箭头连接符 11" descr="jytjh">
-            <a:extLst>
-              <a:ext uri="{FF2B5EF4-FFF2-40B4-BE49-F238E27FC236}">
-                <a16:creationId xmlns:a16="http://schemas.microsoft.com/office/drawing/2014/main" id="{09AE23C5-CAD8-4A44-901C-19EF9EEF4E07}"/>
-              </a:ext>
-            </a:extLst>
-          </p:cNvPr>
-          <p:cNvCxnSpPr>
-            <a:cxnSpLocks/>
-            <a:stCxn id="10" idx="3"/>
-            <a:endCxn id="15" idx="1"/>
-          </p:cNvCxnSpPr>
-          <p:nvPr/>
-        </p:nvCxnSpPr>
-        <p:spPr>
-          <a:xfrm>
-            <a:off x="4109799" y="1753854"/>
-            <a:ext cx="3620349" cy="3191"/>
-          </a:xfrm>
-          <a:prstGeom prst="straightConnector1">
-            <a:avLst/>
-          </a:prstGeom>
-          <a:ln w="25400">
-            <a:solidFill>
+              <a:headEnd type="none" w="lg" len="med"/>
+              <a:tailEnd type="none" w="lg" len="med"/>
+            </a:ln>
+          </p:spPr>
+          <p:style>
+            <a:lnRef idx="1">
+              <a:schemeClr val="accent1"/>
+            </a:lnRef>
+            <a:fillRef idx="0">
+              <a:schemeClr val="accent1"/>
+            </a:fillRef>
+            <a:effectRef idx="0">
+              <a:schemeClr val="accent1"/>
+            </a:effectRef>
+            <a:fontRef idx="minor">
               <a:schemeClr val="tx1"/>
-            </a:solidFill>
-            <a:headEnd type="none" w="sm" len="lg"/>
-            <a:tailEnd type="arrow" w="sm" len="lg"/>
-          </a:ln>
-        </p:spPr>
-        <p:style>
-          <a:lnRef idx="1">
-            <a:schemeClr val="accent1"/>
-          </a:lnRef>
-          <a:fillRef idx="0">
-            <a:schemeClr val="accent1"/>
-          </a:fillRef>
-          <a:effectRef idx="0">
-            <a:schemeClr val="accent1"/>
-          </a:effectRef>
-          <a:fontRef idx="minor">
-            <a:schemeClr val="tx1"/>
-          </a:fontRef>
-        </p:style>
-      </p:cxnSp>
-      <p:sp>
-        <p:nvSpPr>
-          <p:cNvPr id="13" name="文本框 12">
-            <a:extLst>
-              <a:ext uri="{FF2B5EF4-FFF2-40B4-BE49-F238E27FC236}">
-                <a16:creationId xmlns:a16="http://schemas.microsoft.com/office/drawing/2014/main" id="{C01EB9BA-4C30-0E4A-AB93-A7E9671D09E8}"/>
-              </a:ext>
-            </a:extLst>
-          </p:cNvPr>
-          <p:cNvSpPr txBox="1"/>
-          <p:nvPr/>
-        </p:nvSpPr>
-        <p:spPr>
-          <a:xfrm>
-            <a:off x="4472449" y="1885944"/>
-            <a:ext cx="2743269" cy="646331"/>
-          </a:xfrm>
-          <a:prstGeom prst="rect">
-            <a:avLst/>
-          </a:prstGeom>
-          <a:noFill/>
-        </p:spPr>
-        <p:txBody>
-          <a:bodyPr wrap="square" rtlCol="0">
-            <a:spAutoFit/>
-          </a:bodyPr>
-          <a:lstStyle/>
-          <a:p>
-            <a:pPr algn="ctr"/>
-            <a:r>
-              <a:rPr kumimoji="1" lang="en-US" altLang="zh-CN" sz="1200" b="1" dirty="0">
-                <a:latin typeface="DengXian" panose="02010600030101010101" pitchFamily="2" charset="-122"/>
-                <a:ea typeface="DengXian" panose="02010600030101010101" pitchFamily="2" charset="-122"/>
-              </a:rPr>
-              <a:t>edge1</a:t>
-            </a:r>
-            <a:r>
-              <a:rPr kumimoji="1" lang="zh-CN" altLang="en-US" sz="1200" dirty="0">
-                <a:latin typeface="DengXian" panose="02010600030101010101" pitchFamily="2" charset="-122"/>
-                <a:ea typeface="DengXian" panose="02010600030101010101" pitchFamily="2" charset="-122"/>
-              </a:rPr>
-              <a:t> </a:t>
-            </a:r>
-            <a:r>
-              <a:rPr kumimoji="1" lang="en-US" altLang="zh-CN" sz="1200" dirty="0">
-                <a:latin typeface="DengXian" panose="02010600030101010101" pitchFamily="2" charset="-122"/>
-                <a:ea typeface="DengXian" panose="02010600030101010101" pitchFamily="2" charset="-122"/>
-              </a:rPr>
-              <a:t>:</a:t>
-            </a:r>
-            <a:r>
-              <a:rPr kumimoji="1" lang="zh-CN" altLang="en-US" sz="1200" dirty="0">
-                <a:latin typeface="DengXian" panose="02010600030101010101" pitchFamily="2" charset="-122"/>
-                <a:ea typeface="DengXian" panose="02010600030101010101" pitchFamily="2" charset="-122"/>
-              </a:rPr>
-              <a:t> </a:t>
-            </a:r>
-            <a:r>
-              <a:rPr kumimoji="1" lang="en-US" altLang="zh-CN" sz="1200" dirty="0">
-                <a:latin typeface="DengXian" panose="02010600030101010101" pitchFamily="2" charset="-122"/>
-                <a:ea typeface="DengXian" panose="02010600030101010101" pitchFamily="2" charset="-122"/>
-              </a:rPr>
-              <a:t>transfer</a:t>
-            </a:r>
-          </a:p>
-          <a:p>
-            <a:pPr algn="ctr"/>
-            <a:r>
-              <a:rPr kumimoji="1" lang="en-US" altLang="zh-CN" sz="1200" b="1" dirty="0">
-                <a:latin typeface="DengXian" panose="02010600030101010101" pitchFamily="2" charset="-122"/>
-                <a:ea typeface="DengXian" panose="02010600030101010101" pitchFamily="2" charset="-122"/>
-              </a:rPr>
-              <a:t>edge1</a:t>
-            </a:r>
-            <a:r>
-              <a:rPr kumimoji="1" lang="en-US" altLang="zh-CN" sz="1200" dirty="0">
-                <a:latin typeface="DengXian" panose="02010600030101010101" pitchFamily="2" charset="-122"/>
-                <a:ea typeface="DengXian" panose="02010600030101010101" pitchFamily="2" charset="-122"/>
-              </a:rPr>
-              <a:t>.timestamp</a:t>
-            </a:r>
-            <a:r>
-              <a:rPr kumimoji="1" lang="zh-CN" altLang="en-US" sz="1200" dirty="0">
-                <a:latin typeface="DengXian" panose="02010600030101010101" pitchFamily="2" charset="-122"/>
-                <a:ea typeface="DengXian" panose="02010600030101010101" pitchFamily="2" charset="-122"/>
-              </a:rPr>
-              <a:t> </a:t>
-            </a:r>
-            <a:r>
-              <a:rPr kumimoji="1" lang="en-US" altLang="zh-CN" sz="1200" dirty="0">
-                <a:latin typeface="DengXian" panose="02010600030101010101" pitchFamily="2" charset="-122"/>
-                <a:ea typeface="DengXian" panose="02010600030101010101" pitchFamily="2" charset="-122"/>
-              </a:rPr>
-              <a:t>&gt;</a:t>
-            </a:r>
-            <a:r>
-              <a:rPr kumimoji="1" lang="zh-CN" altLang="en-US" sz="1200" dirty="0">
-                <a:latin typeface="DengXian" panose="02010600030101010101" pitchFamily="2" charset="-122"/>
-                <a:ea typeface="DengXian" panose="02010600030101010101" pitchFamily="2" charset="-122"/>
-              </a:rPr>
-              <a:t> </a:t>
-            </a:r>
-            <a:r>
-              <a:rPr kumimoji="1" lang="en-US" altLang="zh-CN" sz="1200" dirty="0">
-                <a:latin typeface="DengXian" panose="02010600030101010101" pitchFamily="2" charset="-122"/>
-                <a:ea typeface="DengXian" panose="02010600030101010101" pitchFamily="2" charset="-122"/>
-              </a:rPr>
-              <a:t>${</a:t>
-            </a:r>
-            <a:r>
-              <a:rPr kumimoji="1" lang="en-US" altLang="zh-CN" sz="1200" dirty="0" err="1">
-                <a:latin typeface="DengXian" panose="02010600030101010101" pitchFamily="2" charset="-122"/>
-                <a:ea typeface="DengXian" panose="02010600030101010101" pitchFamily="2" charset="-122"/>
-              </a:rPr>
-              <a:t>start_time</a:t>
-            </a:r>
-            <a:r>
-              <a:rPr kumimoji="1" lang="en-US" altLang="zh-CN" sz="1200" dirty="0">
-                <a:latin typeface="DengXian" panose="02010600030101010101" pitchFamily="2" charset="-122"/>
-                <a:ea typeface="DengXian" panose="02010600030101010101" pitchFamily="2" charset="-122"/>
-              </a:rPr>
-              <a:t>}</a:t>
-            </a:r>
-          </a:p>
-          <a:p>
-            <a:pPr algn="ctr"/>
-            <a:r>
-              <a:rPr kumimoji="1" lang="en-US" altLang="zh-CN" sz="1200" b="1" dirty="0">
-                <a:latin typeface="DengXian" panose="02010600030101010101" pitchFamily="2" charset="-122"/>
-                <a:ea typeface="DengXian" panose="02010600030101010101" pitchFamily="2" charset="-122"/>
-              </a:rPr>
-              <a:t>edge1</a:t>
-            </a:r>
-            <a:r>
-              <a:rPr kumimoji="1" lang="en-US" altLang="zh-CN" sz="1200" dirty="0">
-                <a:latin typeface="DengXian" panose="02010600030101010101" pitchFamily="2" charset="-122"/>
-                <a:ea typeface="DengXian" panose="02010600030101010101" pitchFamily="2" charset="-122"/>
-              </a:rPr>
-              <a:t>.timestamp</a:t>
-            </a:r>
-            <a:r>
-              <a:rPr kumimoji="1" lang="zh-CN" altLang="en-US" sz="1200" dirty="0">
-                <a:latin typeface="DengXian" panose="02010600030101010101" pitchFamily="2" charset="-122"/>
-                <a:ea typeface="DengXian" panose="02010600030101010101" pitchFamily="2" charset="-122"/>
-              </a:rPr>
-              <a:t> </a:t>
-            </a:r>
-            <a:r>
-              <a:rPr kumimoji="1" lang="en-US" altLang="zh-CN" sz="1200" dirty="0">
-                <a:latin typeface="DengXian" panose="02010600030101010101" pitchFamily="2" charset="-122"/>
-                <a:ea typeface="DengXian" panose="02010600030101010101" pitchFamily="2" charset="-122"/>
-              </a:rPr>
-              <a:t>&lt;</a:t>
-            </a:r>
-            <a:r>
-              <a:rPr kumimoji="1" lang="zh-CN" altLang="en-US" sz="1200" dirty="0">
-                <a:latin typeface="DengXian" panose="02010600030101010101" pitchFamily="2" charset="-122"/>
-                <a:ea typeface="DengXian" panose="02010600030101010101" pitchFamily="2" charset="-122"/>
-              </a:rPr>
-              <a:t> </a:t>
-            </a:r>
-            <a:r>
-              <a:rPr kumimoji="1" lang="en-US" altLang="zh-CN" sz="1200" dirty="0">
-                <a:latin typeface="DengXian" panose="02010600030101010101" pitchFamily="2" charset="-122"/>
-                <a:ea typeface="DengXian" panose="02010600030101010101" pitchFamily="2" charset="-122"/>
-              </a:rPr>
-              <a:t>${</a:t>
-            </a:r>
-            <a:r>
-              <a:rPr kumimoji="1" lang="en-US" altLang="zh-CN" sz="1200" dirty="0" err="1">
-                <a:latin typeface="DengXian" panose="02010600030101010101" pitchFamily="2" charset="-122"/>
-                <a:ea typeface="DengXian" panose="02010600030101010101" pitchFamily="2" charset="-122"/>
-              </a:rPr>
-              <a:t>end_time</a:t>
-            </a:r>
-            <a:r>
-              <a:rPr kumimoji="1" lang="en-US" altLang="zh-CN" sz="1200" dirty="0">
-                <a:latin typeface="DengXian" panose="02010600030101010101" pitchFamily="2" charset="-122"/>
-                <a:ea typeface="DengXian" panose="02010600030101010101" pitchFamily="2" charset="-122"/>
-              </a:rPr>
-              <a:t>}</a:t>
-            </a:r>
-          </a:p>
-        </p:txBody>
-      </p:sp>
-      <p:sp>
-        <p:nvSpPr>
-          <p:cNvPr id="14" name="矩形 13">
-            <a:extLst>
-              <a:ext uri="{FF2B5EF4-FFF2-40B4-BE49-F238E27FC236}">
-                <a16:creationId xmlns:a16="http://schemas.microsoft.com/office/drawing/2014/main" id="{18A32DE8-A3AC-9641-899A-065137B8C144}"/>
-              </a:ext>
-            </a:extLst>
-          </p:cNvPr>
-          <p:cNvSpPr/>
-          <p:nvPr/>
-        </p:nvSpPr>
-        <p:spPr>
-          <a:xfrm>
-            <a:off x="1415722" y="3328440"/>
-            <a:ext cx="9360556" cy="2475480"/>
-          </a:xfrm>
-          <a:prstGeom prst="rect">
-            <a:avLst/>
-          </a:prstGeom>
-          <a:noFill/>
-          <a:ln w="25400">
-            <a:solidFill>
+            </a:fontRef>
+          </p:style>
+        </p:cxnSp>
+        <p:cxnSp>
+          <p:nvCxnSpPr>
+            <p:cNvPr id="34" name="直线箭头连接符 25" descr="jytjh">
+              <a:extLst>
+                <a:ext uri="{FF2B5EF4-FFF2-40B4-BE49-F238E27FC236}">
+                  <a16:creationId xmlns:a16="http://schemas.microsoft.com/office/drawing/2014/main" id="{AC77770B-31EA-6A2A-D470-404CEB0F6914}"/>
+                </a:ext>
+              </a:extLst>
+            </p:cNvPr>
+            <p:cNvCxnSpPr>
+              <a:cxnSpLocks/>
+            </p:cNvCxnSpPr>
+            <p:nvPr/>
+          </p:nvCxnSpPr>
+          <p:spPr>
+            <a:xfrm>
+              <a:off x="10370831" y="1917208"/>
+              <a:ext cx="0" cy="2935969"/>
+            </a:xfrm>
+            <a:prstGeom prst="straightConnector1">
+              <a:avLst/>
+            </a:prstGeom>
+            <a:ln w="25400">
+              <a:solidFill>
+                <a:schemeClr val="tx1"/>
+              </a:solidFill>
+              <a:headEnd type="none" w="lg" len="med"/>
+              <a:tailEnd type="none" w="lg" len="med"/>
+            </a:ln>
+          </p:spPr>
+          <p:style>
+            <a:lnRef idx="1">
+              <a:schemeClr val="accent1"/>
+            </a:lnRef>
+            <a:fillRef idx="0">
+              <a:schemeClr val="accent1"/>
+            </a:fillRef>
+            <a:effectRef idx="0">
+              <a:schemeClr val="accent1"/>
+            </a:effectRef>
+            <a:fontRef idx="minor">
               <a:schemeClr val="tx1"/>
-            </a:solidFill>
-            <a:prstDash val="dash"/>
-          </a:ln>
-        </p:spPr>
-        <p:style>
-          <a:lnRef idx="2">
-            <a:schemeClr val="accent2">
-              <a:shade val="50000"/>
-            </a:schemeClr>
-          </a:lnRef>
-          <a:fillRef idx="1">
-            <a:schemeClr val="accent2"/>
-          </a:fillRef>
-          <a:effectRef idx="0">
-            <a:schemeClr val="accent2"/>
-          </a:effectRef>
-          <a:fontRef idx="minor">
-            <a:schemeClr val="lt1"/>
-          </a:fontRef>
-        </p:style>
-        <p:txBody>
-          <a:bodyPr rtlCol="0" anchor="b"/>
-          <a:lstStyle/>
-          <a:p>
-            <a:r>
-              <a:rPr kumimoji="1" lang="en-US" altLang="zh-CN" sz="1200" b="1" dirty="0">
-                <a:solidFill>
-                  <a:srgbClr val="FF0000"/>
-                </a:solidFill>
-                <a:latin typeface="DengXian" panose="02010600030101010101" pitchFamily="2" charset="-122"/>
-                <a:ea typeface="DengXian" panose="02010600030101010101" pitchFamily="2" charset="-122"/>
-              </a:rPr>
-              <a:t>RESULT</a:t>
-            </a:r>
-            <a:endParaRPr kumimoji="1" lang="en-US" altLang="zh-CN" sz="1200" dirty="0">
-              <a:solidFill>
-                <a:srgbClr val="FF0000"/>
-              </a:solidFill>
-              <a:latin typeface="DengXian" panose="02010600030101010101" pitchFamily="2" charset="-122"/>
-              <a:ea typeface="DengXian" panose="02010600030101010101" pitchFamily="2" charset="-122"/>
-            </a:endParaRPr>
-          </a:p>
-          <a:p>
-            <a:r>
-              <a:rPr kumimoji="1" lang="en-US" altLang="zh-CN" sz="1200" dirty="0">
-                <a:solidFill>
-                  <a:sysClr val="windowText" lastClr="000000"/>
-                </a:solidFill>
-                <a:latin typeface="DengXian" panose="02010600030101010101" pitchFamily="2" charset="-122"/>
-                <a:ea typeface="DengXian" panose="02010600030101010101" pitchFamily="2" charset="-122"/>
-              </a:rPr>
-              <a:t>COUNT(</a:t>
-            </a:r>
-            <a:r>
-              <a:rPr kumimoji="1" lang="en-US" altLang="zh-CN" sz="1200" b="1" dirty="0">
-                <a:solidFill>
-                  <a:sysClr val="windowText" lastClr="000000"/>
-                </a:solidFill>
-                <a:latin typeface="DengXian" panose="02010600030101010101" pitchFamily="2" charset="-122"/>
-                <a:ea typeface="DengXian" panose="02010600030101010101" pitchFamily="2" charset="-122"/>
-              </a:rPr>
-              <a:t>edge2</a:t>
-            </a:r>
-            <a:r>
-              <a:rPr kumimoji="1" lang="en-US" altLang="zh-CN" sz="1200" dirty="0">
-                <a:solidFill>
-                  <a:sysClr val="windowText" lastClr="000000"/>
-                </a:solidFill>
-                <a:latin typeface="DengXian" panose="02010600030101010101" pitchFamily="2" charset="-122"/>
-                <a:ea typeface="DengXian" panose="02010600030101010101" pitchFamily="2" charset="-122"/>
-              </a:rPr>
-              <a:t>),</a:t>
-            </a:r>
-            <a:r>
-              <a:rPr kumimoji="1" lang="zh-CN" altLang="en-US" sz="1200" dirty="0">
-                <a:solidFill>
-                  <a:sysClr val="windowText" lastClr="000000"/>
-                </a:solidFill>
-                <a:latin typeface="DengXian" panose="02010600030101010101" pitchFamily="2" charset="-122"/>
-                <a:ea typeface="DengXian" panose="02010600030101010101" pitchFamily="2" charset="-122"/>
-              </a:rPr>
-              <a:t> </a:t>
-            </a:r>
-            <a:r>
-              <a:rPr kumimoji="1" lang="en-US" altLang="zh-CN" sz="1200" dirty="0">
-                <a:solidFill>
-                  <a:sysClr val="windowText" lastClr="000000"/>
-                </a:solidFill>
-                <a:latin typeface="DengXian" panose="02010600030101010101" pitchFamily="2" charset="-122"/>
-                <a:ea typeface="DengXian" panose="02010600030101010101" pitchFamily="2" charset="-122"/>
-              </a:rPr>
-              <a:t>SUM(</a:t>
-            </a:r>
-            <a:r>
-              <a:rPr kumimoji="1" lang="en-US" altLang="zh-CN" sz="1200" b="1" dirty="0">
-                <a:solidFill>
-                  <a:sysClr val="windowText" lastClr="000000"/>
-                </a:solidFill>
-                <a:latin typeface="DengXian" panose="02010600030101010101" pitchFamily="2" charset="-122"/>
-                <a:ea typeface="DengXian" panose="02010600030101010101" pitchFamily="2" charset="-122"/>
-              </a:rPr>
-              <a:t>edge2</a:t>
-            </a:r>
-            <a:r>
-              <a:rPr kumimoji="1" lang="en-US" altLang="zh-CN" sz="1200" dirty="0">
-                <a:solidFill>
-                  <a:sysClr val="windowText" lastClr="000000"/>
-                </a:solidFill>
-                <a:latin typeface="DengXian" panose="02010600030101010101" pitchFamily="2" charset="-122"/>
-                <a:ea typeface="DengXian" panose="02010600030101010101" pitchFamily="2" charset="-122"/>
-              </a:rPr>
-              <a:t>.amount),</a:t>
-            </a:r>
-            <a:r>
-              <a:rPr kumimoji="1" lang="zh-CN" altLang="en-US" sz="1200" dirty="0">
-                <a:solidFill>
-                  <a:sysClr val="windowText" lastClr="000000"/>
-                </a:solidFill>
-                <a:latin typeface="DengXian" panose="02010600030101010101" pitchFamily="2" charset="-122"/>
-                <a:ea typeface="DengXian" panose="02010600030101010101" pitchFamily="2" charset="-122"/>
-              </a:rPr>
-              <a:t> </a:t>
-            </a:r>
-            <a:r>
-              <a:rPr kumimoji="1" lang="en-US" altLang="zh-CN" sz="1200" dirty="0">
-                <a:solidFill>
-                  <a:sysClr val="windowText" lastClr="000000"/>
-                </a:solidFill>
-                <a:latin typeface="DengXian" panose="02010600030101010101" pitchFamily="2" charset="-122"/>
-                <a:ea typeface="DengXian" panose="02010600030101010101" pitchFamily="2" charset="-122"/>
-              </a:rPr>
-              <a:t>MAX(</a:t>
-            </a:r>
-            <a:r>
-              <a:rPr kumimoji="1" lang="en-US" altLang="zh-CN" sz="1200" b="1" dirty="0">
-                <a:solidFill>
-                  <a:sysClr val="windowText" lastClr="000000"/>
-                </a:solidFill>
-                <a:latin typeface="DengXian" panose="02010600030101010101" pitchFamily="2" charset="-122"/>
-                <a:ea typeface="DengXian" panose="02010600030101010101" pitchFamily="2" charset="-122"/>
-              </a:rPr>
-              <a:t>edge2</a:t>
-            </a:r>
-            <a:r>
-              <a:rPr kumimoji="1" lang="en-US" altLang="zh-CN" sz="1200" dirty="0">
-                <a:solidFill>
-                  <a:sysClr val="windowText" lastClr="000000"/>
-                </a:solidFill>
-                <a:latin typeface="DengXian" panose="02010600030101010101" pitchFamily="2" charset="-122"/>
-                <a:ea typeface="DengXian" panose="02010600030101010101" pitchFamily="2" charset="-122"/>
-              </a:rPr>
-              <a:t>.amount),</a:t>
-            </a:r>
-            <a:r>
-              <a:rPr kumimoji="1" lang="zh-CN" altLang="en-US" sz="1200" dirty="0">
-                <a:solidFill>
-                  <a:sysClr val="windowText" lastClr="000000"/>
-                </a:solidFill>
-                <a:latin typeface="DengXian" panose="02010600030101010101" pitchFamily="2" charset="-122"/>
-                <a:ea typeface="DengXian" panose="02010600030101010101" pitchFamily="2" charset="-122"/>
-              </a:rPr>
-              <a:t> </a:t>
-            </a:r>
-            <a:r>
-              <a:rPr kumimoji="1" lang="en-US" altLang="zh-CN" sz="1200" dirty="0">
-                <a:solidFill>
-                  <a:sysClr val="windowText" lastClr="000000"/>
-                </a:solidFill>
-                <a:latin typeface="DengXian" panose="02010600030101010101" pitchFamily="2" charset="-122"/>
-                <a:ea typeface="DengXian" panose="02010600030101010101" pitchFamily="2" charset="-122"/>
-              </a:rPr>
-              <a:t>COUNT(</a:t>
-            </a:r>
-            <a:r>
-              <a:rPr kumimoji="1" lang="en-US" altLang="zh-CN" sz="1200" b="1" dirty="0">
-                <a:solidFill>
-                  <a:sysClr val="windowText" lastClr="000000"/>
-                </a:solidFill>
-                <a:latin typeface="DengXian" panose="02010600030101010101" pitchFamily="2" charset="-122"/>
-                <a:ea typeface="DengXian" panose="02010600030101010101" pitchFamily="2" charset="-122"/>
-              </a:rPr>
-              <a:t>edge3</a:t>
-            </a:r>
-            <a:r>
-              <a:rPr kumimoji="1" lang="en-US" altLang="zh-CN" sz="1200" dirty="0">
-                <a:solidFill>
-                  <a:sysClr val="windowText" lastClr="000000"/>
-                </a:solidFill>
-                <a:latin typeface="DengXian" panose="02010600030101010101" pitchFamily="2" charset="-122"/>
-                <a:ea typeface="DengXian" panose="02010600030101010101" pitchFamily="2" charset="-122"/>
-              </a:rPr>
-              <a:t>),</a:t>
-            </a:r>
-            <a:r>
-              <a:rPr kumimoji="1" lang="zh-CN" altLang="en-US" sz="1200" dirty="0">
-                <a:solidFill>
-                  <a:sysClr val="windowText" lastClr="000000"/>
-                </a:solidFill>
-                <a:latin typeface="DengXian" panose="02010600030101010101" pitchFamily="2" charset="-122"/>
-                <a:ea typeface="DengXian" panose="02010600030101010101" pitchFamily="2" charset="-122"/>
-              </a:rPr>
-              <a:t> </a:t>
-            </a:r>
-            <a:r>
-              <a:rPr kumimoji="1" lang="en-US" altLang="zh-CN" sz="1200" dirty="0">
-                <a:solidFill>
-                  <a:sysClr val="windowText" lastClr="000000"/>
-                </a:solidFill>
-                <a:latin typeface="DengXian" panose="02010600030101010101" pitchFamily="2" charset="-122"/>
-                <a:ea typeface="DengXian" panose="02010600030101010101" pitchFamily="2" charset="-122"/>
-              </a:rPr>
-              <a:t>SUM(</a:t>
-            </a:r>
-            <a:r>
-              <a:rPr kumimoji="1" lang="en-US" altLang="zh-CN" sz="1200" b="1" dirty="0">
-                <a:solidFill>
-                  <a:sysClr val="windowText" lastClr="000000"/>
-                </a:solidFill>
-                <a:latin typeface="DengXian" panose="02010600030101010101" pitchFamily="2" charset="-122"/>
-                <a:ea typeface="DengXian" panose="02010600030101010101" pitchFamily="2" charset="-122"/>
-              </a:rPr>
-              <a:t>edge3</a:t>
-            </a:r>
-            <a:r>
-              <a:rPr kumimoji="1" lang="en-US" altLang="zh-CN" sz="1200" dirty="0">
-                <a:solidFill>
-                  <a:sysClr val="windowText" lastClr="000000"/>
-                </a:solidFill>
-                <a:latin typeface="DengXian" panose="02010600030101010101" pitchFamily="2" charset="-122"/>
-                <a:ea typeface="DengXian" panose="02010600030101010101" pitchFamily="2" charset="-122"/>
-              </a:rPr>
-              <a:t>.amount),</a:t>
-            </a:r>
-            <a:r>
-              <a:rPr kumimoji="1" lang="zh-CN" altLang="en-US" sz="1200" dirty="0">
-                <a:solidFill>
-                  <a:sysClr val="windowText" lastClr="000000"/>
-                </a:solidFill>
-                <a:latin typeface="DengXian" panose="02010600030101010101" pitchFamily="2" charset="-122"/>
-                <a:ea typeface="DengXian" panose="02010600030101010101" pitchFamily="2" charset="-122"/>
-              </a:rPr>
-              <a:t> </a:t>
-            </a:r>
-            <a:r>
-              <a:rPr kumimoji="1" lang="en-US" altLang="zh-CN" sz="1200" dirty="0">
-                <a:solidFill>
-                  <a:sysClr val="windowText" lastClr="000000"/>
-                </a:solidFill>
-                <a:latin typeface="DengXian" panose="02010600030101010101" pitchFamily="2" charset="-122"/>
-                <a:ea typeface="DengXian" panose="02010600030101010101" pitchFamily="2" charset="-122"/>
-              </a:rPr>
-              <a:t>MAX(</a:t>
-            </a:r>
-            <a:r>
-              <a:rPr kumimoji="1" lang="en-US" altLang="zh-CN" sz="1200" b="1" dirty="0">
-                <a:solidFill>
-                  <a:sysClr val="windowText" lastClr="000000"/>
-                </a:solidFill>
-                <a:latin typeface="DengXian" panose="02010600030101010101" pitchFamily="2" charset="-122"/>
-                <a:ea typeface="DengXian" panose="02010600030101010101" pitchFamily="2" charset="-122"/>
-              </a:rPr>
-              <a:t>edge3</a:t>
-            </a:r>
-            <a:r>
-              <a:rPr kumimoji="1" lang="en-US" altLang="zh-CN" sz="1200" dirty="0">
-                <a:solidFill>
-                  <a:sysClr val="windowText" lastClr="000000"/>
-                </a:solidFill>
-                <a:latin typeface="DengXian" panose="02010600030101010101" pitchFamily="2" charset="-122"/>
-                <a:ea typeface="DengXian" panose="02010600030101010101" pitchFamily="2" charset="-122"/>
-              </a:rPr>
-              <a:t>.amount)</a:t>
-            </a:r>
-          </a:p>
-          <a:p>
-            <a:r>
-              <a:rPr kumimoji="1" lang="en-US" altLang="zh-CN" sz="1200" b="1" dirty="0" err="1">
-                <a:solidFill>
-                  <a:srgbClr val="FF0000"/>
-                </a:solidFill>
-                <a:latin typeface="DengXian" panose="02010600030101010101" pitchFamily="2" charset="-122"/>
-                <a:ea typeface="DengXian" panose="02010600030101010101" pitchFamily="2" charset="-122"/>
-              </a:rPr>
-              <a:t>Groupby</a:t>
-            </a:r>
-            <a:r>
-              <a:rPr kumimoji="1" lang="zh-CN" altLang="en-US" sz="1200" b="1" dirty="0">
-                <a:solidFill>
-                  <a:sysClr val="windowText" lastClr="000000"/>
-                </a:solidFill>
-                <a:latin typeface="DengXian" panose="02010600030101010101" pitchFamily="2" charset="-122"/>
-                <a:ea typeface="DengXian" panose="02010600030101010101" pitchFamily="2" charset="-122"/>
-              </a:rPr>
-              <a:t> </a:t>
-            </a:r>
-            <a:r>
-              <a:rPr kumimoji="1" lang="en-US" altLang="zh-CN" sz="1200" b="1" dirty="0">
-                <a:solidFill>
-                  <a:sysClr val="windowText" lastClr="000000"/>
-                </a:solidFill>
-                <a:latin typeface="DengXian" panose="02010600030101010101" pitchFamily="2" charset="-122"/>
-                <a:ea typeface="DengXian" panose="02010600030101010101" pitchFamily="2" charset="-122"/>
-              </a:rPr>
-              <a:t>other</a:t>
-            </a:r>
-            <a:endParaRPr kumimoji="1" lang="en-US" altLang="zh-CN" sz="1200" dirty="0">
-              <a:solidFill>
-                <a:sysClr val="windowText" lastClr="000000"/>
-              </a:solidFill>
-              <a:latin typeface="DengXian" panose="02010600030101010101" pitchFamily="2" charset="-122"/>
-              <a:ea typeface="DengXian" panose="02010600030101010101" pitchFamily="2" charset="-122"/>
-            </a:endParaRPr>
-          </a:p>
-        </p:txBody>
-      </p:sp>
-      <p:sp>
-        <p:nvSpPr>
-          <p:cNvPr id="15" name="矩形 14">
-            <a:extLst>
-              <a:ext uri="{FF2B5EF4-FFF2-40B4-BE49-F238E27FC236}">
-                <a16:creationId xmlns:a16="http://schemas.microsoft.com/office/drawing/2014/main" id="{B993AA98-A2DF-AD40-AB46-03247B30E235}"/>
-              </a:ext>
-            </a:extLst>
-          </p:cNvPr>
-          <p:cNvSpPr/>
-          <p:nvPr/>
-        </p:nvSpPr>
-        <p:spPr>
-          <a:xfrm>
-            <a:off x="7730148" y="1592539"/>
-            <a:ext cx="1847395" cy="329012"/>
-          </a:xfrm>
-          <a:prstGeom prst="rect">
-            <a:avLst/>
-          </a:prstGeom>
-          <a:solidFill>
-            <a:schemeClr val="accent5">
-              <a:lumMod val="60000"/>
-              <a:lumOff val="40000"/>
-            </a:schemeClr>
-          </a:solidFill>
-          <a:ln w="25400">
-            <a:solidFill>
-              <a:schemeClr val="tx1"/>
-            </a:solidFill>
-          </a:ln>
-        </p:spPr>
-        <p:style>
-          <a:lnRef idx="2">
-            <a:schemeClr val="accent2">
-              <a:shade val="50000"/>
-            </a:schemeClr>
-          </a:lnRef>
-          <a:fillRef idx="1">
-            <a:schemeClr val="accent2"/>
-          </a:fillRef>
-          <a:effectRef idx="0">
-            <a:schemeClr val="accent2"/>
-          </a:effectRef>
-          <a:fontRef idx="minor">
-            <a:schemeClr val="lt1"/>
-          </a:fontRef>
-        </p:style>
-        <p:txBody>
-          <a:bodyPr rtlCol="0" anchor="ctr"/>
-          <a:lstStyle/>
-          <a:p>
-            <a:pPr algn="ctr"/>
-            <a:r>
-              <a:rPr kumimoji="1" lang="en-US" altLang="zh-CN" sz="1200" b="1" dirty="0" err="1">
-                <a:solidFill>
-                  <a:sysClr val="windowText" lastClr="000000"/>
-                </a:solidFill>
-              </a:rPr>
-              <a:t>dst</a:t>
-            </a:r>
-            <a:r>
-              <a:rPr kumimoji="1" lang="zh-CN" altLang="en-US" sz="1200" dirty="0">
-                <a:solidFill>
-                  <a:sysClr val="windowText" lastClr="000000"/>
-                </a:solidFill>
-              </a:rPr>
-              <a:t> </a:t>
-            </a:r>
-            <a:r>
-              <a:rPr kumimoji="1" lang="en-US" altLang="zh-CN" sz="1200" dirty="0">
-                <a:solidFill>
-                  <a:sysClr val="windowText" lastClr="000000"/>
-                </a:solidFill>
-              </a:rPr>
-              <a:t>:</a:t>
-            </a:r>
-            <a:r>
-              <a:rPr kumimoji="1" lang="zh-CN" altLang="en-US" sz="1200" dirty="0">
-                <a:solidFill>
-                  <a:sysClr val="windowText" lastClr="000000"/>
-                </a:solidFill>
-              </a:rPr>
-              <a:t> </a:t>
-            </a:r>
-            <a:r>
-              <a:rPr kumimoji="1" lang="en-US" altLang="zh-CN" sz="1200" dirty="0">
-                <a:solidFill>
-                  <a:sysClr val="windowText" lastClr="000000"/>
-                </a:solidFill>
-              </a:rPr>
-              <a:t>Account</a:t>
-            </a:r>
-            <a:endParaRPr kumimoji="1" lang="zh-CN" altLang="en-US" sz="1200" dirty="0">
-              <a:solidFill>
-                <a:sysClr val="windowText" lastClr="000000"/>
-              </a:solidFill>
-            </a:endParaRPr>
-          </a:p>
-        </p:txBody>
-      </p:sp>
-      <p:sp>
-        <p:nvSpPr>
-          <p:cNvPr id="16" name="矩形 15">
-            <a:extLst>
-              <a:ext uri="{FF2B5EF4-FFF2-40B4-BE49-F238E27FC236}">
-                <a16:creationId xmlns:a16="http://schemas.microsoft.com/office/drawing/2014/main" id="{3C0E7321-600C-4844-8E6B-7F04D31AFDF6}"/>
-              </a:ext>
-            </a:extLst>
-          </p:cNvPr>
-          <p:cNvSpPr/>
-          <p:nvPr/>
-        </p:nvSpPr>
-        <p:spPr>
-          <a:xfrm>
-            <a:off x="7730148" y="1920401"/>
-            <a:ext cx="1847395" cy="329012"/>
-          </a:xfrm>
-          <a:prstGeom prst="rect">
-            <a:avLst/>
-          </a:prstGeom>
-          <a:noFill/>
-          <a:ln w="25400">
-            <a:solidFill>
-              <a:schemeClr val="tx1"/>
-            </a:solidFill>
-          </a:ln>
-        </p:spPr>
-        <p:style>
-          <a:lnRef idx="2">
-            <a:schemeClr val="accent2">
-              <a:shade val="50000"/>
-            </a:schemeClr>
-          </a:lnRef>
-          <a:fillRef idx="1">
-            <a:schemeClr val="accent2"/>
-          </a:fillRef>
-          <a:effectRef idx="0">
-            <a:schemeClr val="accent2"/>
-          </a:effectRef>
-          <a:fontRef idx="minor">
-            <a:schemeClr val="lt1"/>
-          </a:fontRef>
-        </p:style>
-        <p:txBody>
-          <a:bodyPr rtlCol="0" anchor="ctr"/>
-          <a:lstStyle/>
-          <a:p>
-            <a:pPr algn="ctr"/>
-            <a:r>
-              <a:rPr kumimoji="1" lang="en-US" altLang="zh-CN" sz="1200" b="1" dirty="0" err="1">
-                <a:solidFill>
-                  <a:sysClr val="windowText" lastClr="000000"/>
-                </a:solidFill>
-              </a:rPr>
-              <a:t>dst</a:t>
-            </a:r>
-            <a:r>
-              <a:rPr kumimoji="1" lang="en-US" altLang="zh-CN" sz="1200" dirty="0" err="1">
-                <a:solidFill>
-                  <a:sysClr val="windowText" lastClr="000000"/>
-                </a:solidFill>
-                <a:latin typeface="DengXian" panose="02010600030101010101" pitchFamily="2" charset="-122"/>
-                <a:ea typeface="DengXian" panose="02010600030101010101" pitchFamily="2" charset="-122"/>
-              </a:rPr>
-              <a:t>.id</a:t>
-            </a:r>
-            <a:r>
-              <a:rPr kumimoji="1" lang="zh-CN" altLang="en-US" sz="1200" dirty="0">
-                <a:solidFill>
-                  <a:sysClr val="windowText" lastClr="000000"/>
-                </a:solidFill>
-                <a:latin typeface="DengXian" panose="02010600030101010101" pitchFamily="2" charset="-122"/>
-                <a:ea typeface="DengXian" panose="02010600030101010101" pitchFamily="2" charset="-122"/>
-              </a:rPr>
-              <a:t> </a:t>
-            </a:r>
-            <a:r>
-              <a:rPr kumimoji="1" lang="en-US" altLang="zh-CN" sz="1200" dirty="0">
-                <a:solidFill>
-                  <a:sysClr val="windowText" lastClr="000000"/>
-                </a:solidFill>
-                <a:latin typeface="DengXian" panose="02010600030101010101" pitchFamily="2" charset="-122"/>
-                <a:ea typeface="DengXian" panose="02010600030101010101" pitchFamily="2" charset="-122"/>
-              </a:rPr>
-              <a:t>=</a:t>
-            </a:r>
-            <a:r>
-              <a:rPr kumimoji="1" lang="zh-CN" altLang="en-US" sz="1200" dirty="0">
-                <a:solidFill>
-                  <a:sysClr val="windowText" lastClr="000000"/>
-                </a:solidFill>
-                <a:latin typeface="DengXian" panose="02010600030101010101" pitchFamily="2" charset="-122"/>
-                <a:ea typeface="DengXian" panose="02010600030101010101" pitchFamily="2" charset="-122"/>
-              </a:rPr>
-              <a:t> </a:t>
-            </a:r>
-            <a:r>
-              <a:rPr kumimoji="1" lang="en-US" altLang="zh-CN" sz="1200" dirty="0">
-                <a:solidFill>
-                  <a:sysClr val="windowText" lastClr="000000"/>
-                </a:solidFill>
-                <a:latin typeface="DengXian" panose="02010600030101010101" pitchFamily="2" charset="-122"/>
-                <a:ea typeface="DengXian" panose="02010600030101010101" pitchFamily="2" charset="-122"/>
-              </a:rPr>
-              <a:t>${id2}</a:t>
-            </a:r>
-            <a:endParaRPr kumimoji="1" lang="zh-CN" altLang="en-US" sz="1200" dirty="0">
-              <a:solidFill>
-                <a:sysClr val="windowText" lastClr="000000"/>
-              </a:solidFill>
-              <a:latin typeface="DengXian" panose="02010600030101010101" pitchFamily="2" charset="-122"/>
-              <a:ea typeface="DengXian" panose="02010600030101010101" pitchFamily="2" charset="-122"/>
-            </a:endParaRPr>
-          </a:p>
-        </p:txBody>
-      </p:sp>
-      <p:cxnSp>
-        <p:nvCxnSpPr>
-          <p:cNvPr id="17" name="直线箭头连接符 16" descr="jytjh">
-            <a:extLst>
-              <a:ext uri="{FF2B5EF4-FFF2-40B4-BE49-F238E27FC236}">
-                <a16:creationId xmlns:a16="http://schemas.microsoft.com/office/drawing/2014/main" id="{1449DF0E-90FD-DF49-A843-6AFAF31F37E7}"/>
-              </a:ext>
-            </a:extLst>
-          </p:cNvPr>
-          <p:cNvCxnSpPr>
-            <a:cxnSpLocks/>
-          </p:cNvCxnSpPr>
-          <p:nvPr/>
-        </p:nvCxnSpPr>
-        <p:spPr>
-          <a:xfrm>
-            <a:off x="1836071" y="1917208"/>
-            <a:ext cx="530427" cy="0"/>
-          </a:xfrm>
-          <a:prstGeom prst="straightConnector1">
-            <a:avLst/>
-          </a:prstGeom>
-          <a:ln w="25400">
-            <a:solidFill>
-              <a:schemeClr val="tx1"/>
-            </a:solidFill>
-            <a:headEnd type="none" w="sm" len="lg"/>
-            <a:tailEnd type="arrow" w="sm" len="lg"/>
-          </a:ln>
-        </p:spPr>
-        <p:style>
-          <a:lnRef idx="1">
-            <a:schemeClr val="accent1"/>
-          </a:lnRef>
-          <a:fillRef idx="0">
-            <a:schemeClr val="accent1"/>
-          </a:fillRef>
-          <a:effectRef idx="0">
-            <a:schemeClr val="accent1"/>
-          </a:effectRef>
-          <a:fontRef idx="minor">
-            <a:schemeClr val="tx1"/>
-          </a:fontRef>
-        </p:style>
-      </p:cxnSp>
-      <p:cxnSp>
-        <p:nvCxnSpPr>
-          <p:cNvPr id="18" name="直线箭头连接符 17" descr="jytjh">
-            <a:extLst>
-              <a:ext uri="{FF2B5EF4-FFF2-40B4-BE49-F238E27FC236}">
-                <a16:creationId xmlns:a16="http://schemas.microsoft.com/office/drawing/2014/main" id="{5E99E1B2-E7FA-7540-9C1D-6DCB4EE0B28A}"/>
-              </a:ext>
-            </a:extLst>
-          </p:cNvPr>
-          <p:cNvCxnSpPr>
-            <a:cxnSpLocks/>
-          </p:cNvCxnSpPr>
-          <p:nvPr/>
-        </p:nvCxnSpPr>
-        <p:spPr>
-          <a:xfrm>
-            <a:off x="9577543" y="1921570"/>
-            <a:ext cx="799509" cy="0"/>
-          </a:xfrm>
-          <a:prstGeom prst="straightConnector1">
-            <a:avLst/>
-          </a:prstGeom>
-          <a:ln w="25400">
-            <a:solidFill>
-              <a:schemeClr val="tx1"/>
-            </a:solidFill>
-            <a:headEnd type="none" w="lg" len="med"/>
-            <a:tailEnd type="none" w="lg" len="med"/>
-          </a:ln>
-        </p:spPr>
-        <p:style>
-          <a:lnRef idx="1">
-            <a:schemeClr val="accent1"/>
-          </a:lnRef>
-          <a:fillRef idx="0">
-            <a:schemeClr val="accent1"/>
-          </a:fillRef>
-          <a:effectRef idx="0">
-            <a:schemeClr val="accent1"/>
-          </a:effectRef>
-          <a:fontRef idx="minor">
-            <a:schemeClr val="tx1"/>
-          </a:fontRef>
-        </p:style>
-      </p:cxnSp>
-      <p:cxnSp>
-        <p:nvCxnSpPr>
-          <p:cNvPr id="19" name="直线箭头连接符 18" descr="jytjh">
-            <a:extLst>
-              <a:ext uri="{FF2B5EF4-FFF2-40B4-BE49-F238E27FC236}">
-                <a16:creationId xmlns:a16="http://schemas.microsoft.com/office/drawing/2014/main" id="{63655739-8ED9-9840-ABC7-17BE9B314412}"/>
-              </a:ext>
-            </a:extLst>
-          </p:cNvPr>
-          <p:cNvCxnSpPr>
-            <a:cxnSpLocks/>
-            <a:stCxn id="29" idx="3"/>
-          </p:cNvCxnSpPr>
-          <p:nvPr/>
-        </p:nvCxnSpPr>
-        <p:spPr>
-          <a:xfrm>
-            <a:off x="6723058" y="3668762"/>
-            <a:ext cx="3055019" cy="0"/>
-          </a:xfrm>
-          <a:prstGeom prst="straightConnector1">
-            <a:avLst/>
-          </a:prstGeom>
-          <a:ln w="25400">
-            <a:solidFill>
-              <a:schemeClr val="tx1"/>
-            </a:solidFill>
-            <a:headEnd type="arrow" w="sm" len="lg"/>
-            <a:tailEnd type="none" w="sm" len="lg"/>
-          </a:ln>
-        </p:spPr>
-        <p:style>
-          <a:lnRef idx="1">
-            <a:schemeClr val="accent1"/>
-          </a:lnRef>
-          <a:fillRef idx="0">
-            <a:schemeClr val="accent1"/>
-          </a:fillRef>
-          <a:effectRef idx="0">
-            <a:schemeClr val="accent1"/>
-          </a:effectRef>
-          <a:fontRef idx="minor">
-            <a:schemeClr val="tx1"/>
-          </a:fontRef>
-        </p:style>
-      </p:cxnSp>
-      <p:cxnSp>
-        <p:nvCxnSpPr>
-          <p:cNvPr id="26" name="直线箭头连接符 25" descr="jytjh">
-            <a:extLst>
-              <a:ext uri="{FF2B5EF4-FFF2-40B4-BE49-F238E27FC236}">
-                <a16:creationId xmlns:a16="http://schemas.microsoft.com/office/drawing/2014/main" id="{15EAD55A-F013-CD48-B72F-8E985C11E593}"/>
-              </a:ext>
-            </a:extLst>
-          </p:cNvPr>
-          <p:cNvCxnSpPr>
-            <a:cxnSpLocks/>
-          </p:cNvCxnSpPr>
-          <p:nvPr/>
-        </p:nvCxnSpPr>
-        <p:spPr>
-          <a:xfrm>
-            <a:off x="2133869" y="1908662"/>
-            <a:ext cx="0" cy="1765742"/>
-          </a:xfrm>
-          <a:prstGeom prst="straightConnector1">
-            <a:avLst/>
-          </a:prstGeom>
-          <a:ln w="25400">
-            <a:solidFill>
-              <a:schemeClr val="tx1"/>
-            </a:solidFill>
-            <a:headEnd type="none" w="lg" len="med"/>
-            <a:tailEnd type="none" w="lg" len="med"/>
-          </a:ln>
-        </p:spPr>
-        <p:style>
-          <a:lnRef idx="1">
-            <a:schemeClr val="accent1"/>
-          </a:lnRef>
-          <a:fillRef idx="0">
-            <a:schemeClr val="accent1"/>
-          </a:fillRef>
-          <a:effectRef idx="0">
-            <a:schemeClr val="accent1"/>
-          </a:effectRef>
-          <a:fontRef idx="minor">
-            <a:schemeClr val="tx1"/>
-          </a:fontRef>
-        </p:style>
-      </p:cxnSp>
-      <p:cxnSp>
-        <p:nvCxnSpPr>
-          <p:cNvPr id="27" name="直线箭头连接符 26" descr="jytjh">
-            <a:extLst>
-              <a:ext uri="{FF2B5EF4-FFF2-40B4-BE49-F238E27FC236}">
-                <a16:creationId xmlns:a16="http://schemas.microsoft.com/office/drawing/2014/main" id="{4B25316E-873D-4F47-92D0-750A8E668056}"/>
-              </a:ext>
-            </a:extLst>
-          </p:cNvPr>
-          <p:cNvCxnSpPr>
-            <a:cxnSpLocks/>
-          </p:cNvCxnSpPr>
-          <p:nvPr/>
-        </p:nvCxnSpPr>
-        <p:spPr>
-          <a:xfrm>
-            <a:off x="9778077" y="1917208"/>
-            <a:ext cx="0" cy="1757196"/>
-          </a:xfrm>
-          <a:prstGeom prst="straightConnector1">
-            <a:avLst/>
-          </a:prstGeom>
-          <a:ln w="25400">
-            <a:solidFill>
-              <a:schemeClr val="tx1"/>
-            </a:solidFill>
-            <a:headEnd type="none" w="lg" len="med"/>
-            <a:tailEnd type="none" w="lg" len="med"/>
-          </a:ln>
-        </p:spPr>
-        <p:style>
-          <a:lnRef idx="1">
-            <a:schemeClr val="accent1"/>
-          </a:lnRef>
-          <a:fillRef idx="0">
-            <a:schemeClr val="accent1"/>
-          </a:fillRef>
-          <a:effectRef idx="0">
-            <a:schemeClr val="accent1"/>
-          </a:effectRef>
-          <a:fontRef idx="minor">
-            <a:schemeClr val="tx1"/>
-          </a:fontRef>
-        </p:style>
-      </p:cxnSp>
-      <p:sp>
-        <p:nvSpPr>
-          <p:cNvPr id="28" name="文本框 27">
-            <a:extLst>
-              <a:ext uri="{FF2B5EF4-FFF2-40B4-BE49-F238E27FC236}">
-                <a16:creationId xmlns:a16="http://schemas.microsoft.com/office/drawing/2014/main" id="{DECCE181-2046-B64C-A4AB-27A04721142C}"/>
-              </a:ext>
-            </a:extLst>
-          </p:cNvPr>
-          <p:cNvSpPr txBox="1"/>
-          <p:nvPr/>
-        </p:nvSpPr>
-        <p:spPr>
-          <a:xfrm>
-            <a:off x="2221842" y="2370176"/>
-            <a:ext cx="2302304" cy="646331"/>
-          </a:xfrm>
-          <a:prstGeom prst="rect">
-            <a:avLst/>
-          </a:prstGeom>
-          <a:noFill/>
-        </p:spPr>
-        <p:txBody>
-          <a:bodyPr wrap="square" rtlCol="0">
-            <a:spAutoFit/>
-          </a:bodyPr>
-          <a:lstStyle/>
-          <a:p>
-            <a:pPr algn="ctr"/>
-            <a:r>
-              <a:rPr kumimoji="1" lang="en-US" altLang="zh-CN" sz="1200" b="1" dirty="0">
-                <a:latin typeface="DengXian" panose="02010600030101010101" pitchFamily="2" charset="-122"/>
-                <a:ea typeface="DengXian" panose="02010600030101010101" pitchFamily="2" charset="-122"/>
-              </a:rPr>
-              <a:t>edge2</a:t>
-            </a:r>
-            <a:r>
-              <a:rPr kumimoji="1" lang="zh-CN" altLang="en-US" sz="1200" dirty="0">
-                <a:latin typeface="DengXian" panose="02010600030101010101" pitchFamily="2" charset="-122"/>
-                <a:ea typeface="DengXian" panose="02010600030101010101" pitchFamily="2" charset="-122"/>
-              </a:rPr>
-              <a:t> </a:t>
-            </a:r>
-            <a:r>
-              <a:rPr kumimoji="1" lang="en-US" altLang="zh-CN" sz="1200" dirty="0">
-                <a:latin typeface="DengXian" panose="02010600030101010101" pitchFamily="2" charset="-122"/>
-                <a:ea typeface="DengXian" panose="02010600030101010101" pitchFamily="2" charset="-122"/>
-              </a:rPr>
-              <a:t>:</a:t>
-            </a:r>
-            <a:r>
-              <a:rPr kumimoji="1" lang="zh-CN" altLang="en-US" sz="1200" dirty="0">
-                <a:latin typeface="DengXian" panose="02010600030101010101" pitchFamily="2" charset="-122"/>
-                <a:ea typeface="DengXian" panose="02010600030101010101" pitchFamily="2" charset="-122"/>
-              </a:rPr>
-              <a:t> </a:t>
-            </a:r>
-            <a:r>
-              <a:rPr kumimoji="1" lang="en-US" altLang="zh-CN" sz="1200" dirty="0">
-                <a:latin typeface="DengXian" panose="02010600030101010101" pitchFamily="2" charset="-122"/>
-                <a:ea typeface="DengXian" panose="02010600030101010101" pitchFamily="2" charset="-122"/>
-              </a:rPr>
-              <a:t>transfer</a:t>
-            </a:r>
-          </a:p>
-          <a:p>
-            <a:pPr algn="ctr"/>
-            <a:r>
-              <a:rPr kumimoji="1" lang="en-US" altLang="zh-CN" sz="1200" b="1" dirty="0">
-                <a:latin typeface="DengXian" panose="02010600030101010101" pitchFamily="2" charset="-122"/>
-                <a:ea typeface="DengXian" panose="02010600030101010101" pitchFamily="2" charset="-122"/>
-              </a:rPr>
-              <a:t>edge2</a:t>
-            </a:r>
-            <a:r>
-              <a:rPr kumimoji="1" lang="en-US" altLang="zh-CN" sz="1200" dirty="0">
-                <a:latin typeface="DengXian" panose="02010600030101010101" pitchFamily="2" charset="-122"/>
-                <a:ea typeface="DengXian" panose="02010600030101010101" pitchFamily="2" charset="-122"/>
-              </a:rPr>
-              <a:t>.timestamp</a:t>
-            </a:r>
-            <a:r>
-              <a:rPr kumimoji="1" lang="zh-CN" altLang="en-US" sz="1200" dirty="0">
-                <a:latin typeface="DengXian" panose="02010600030101010101" pitchFamily="2" charset="-122"/>
-                <a:ea typeface="DengXian" panose="02010600030101010101" pitchFamily="2" charset="-122"/>
-              </a:rPr>
-              <a:t> </a:t>
-            </a:r>
-            <a:r>
-              <a:rPr kumimoji="1" lang="en-US" altLang="zh-CN" sz="1200" dirty="0">
-                <a:latin typeface="DengXian" panose="02010600030101010101" pitchFamily="2" charset="-122"/>
-                <a:ea typeface="DengXian" panose="02010600030101010101" pitchFamily="2" charset="-122"/>
-              </a:rPr>
-              <a:t>&gt;</a:t>
-            </a:r>
-            <a:r>
-              <a:rPr kumimoji="1" lang="zh-CN" altLang="en-US" sz="1200" dirty="0">
-                <a:latin typeface="DengXian" panose="02010600030101010101" pitchFamily="2" charset="-122"/>
-                <a:ea typeface="DengXian" panose="02010600030101010101" pitchFamily="2" charset="-122"/>
-              </a:rPr>
-              <a:t> </a:t>
-            </a:r>
-            <a:r>
-              <a:rPr kumimoji="1" lang="en-US" altLang="zh-CN" sz="1200" dirty="0">
-                <a:latin typeface="DengXian" panose="02010600030101010101" pitchFamily="2" charset="-122"/>
-                <a:ea typeface="DengXian" panose="02010600030101010101" pitchFamily="2" charset="-122"/>
-              </a:rPr>
-              <a:t>${</a:t>
-            </a:r>
-            <a:r>
-              <a:rPr kumimoji="1" lang="en-US" altLang="zh-CN" sz="1200" dirty="0" err="1">
-                <a:latin typeface="DengXian" panose="02010600030101010101" pitchFamily="2" charset="-122"/>
-                <a:ea typeface="DengXian" panose="02010600030101010101" pitchFamily="2" charset="-122"/>
-              </a:rPr>
-              <a:t>start_time</a:t>
-            </a:r>
-            <a:r>
-              <a:rPr kumimoji="1" lang="en-US" altLang="zh-CN" sz="1200" dirty="0">
-                <a:latin typeface="DengXian" panose="02010600030101010101" pitchFamily="2" charset="-122"/>
-                <a:ea typeface="DengXian" panose="02010600030101010101" pitchFamily="2" charset="-122"/>
-              </a:rPr>
-              <a:t>}</a:t>
-            </a:r>
-          </a:p>
-          <a:p>
-            <a:pPr algn="ctr"/>
-            <a:r>
-              <a:rPr kumimoji="1" lang="en-US" altLang="zh-CN" sz="1200" b="1" dirty="0">
-                <a:latin typeface="DengXian" panose="02010600030101010101" pitchFamily="2" charset="-122"/>
-                <a:ea typeface="DengXian" panose="02010600030101010101" pitchFamily="2" charset="-122"/>
-              </a:rPr>
-              <a:t>edge2</a:t>
-            </a:r>
-            <a:r>
-              <a:rPr kumimoji="1" lang="en-US" altLang="zh-CN" sz="1200" dirty="0">
-                <a:latin typeface="DengXian" panose="02010600030101010101" pitchFamily="2" charset="-122"/>
-                <a:ea typeface="DengXian" panose="02010600030101010101" pitchFamily="2" charset="-122"/>
-              </a:rPr>
-              <a:t>.timestamp</a:t>
-            </a:r>
-            <a:r>
-              <a:rPr kumimoji="1" lang="zh-CN" altLang="en-US" sz="1200" dirty="0">
-                <a:latin typeface="DengXian" panose="02010600030101010101" pitchFamily="2" charset="-122"/>
-                <a:ea typeface="DengXian" panose="02010600030101010101" pitchFamily="2" charset="-122"/>
-              </a:rPr>
-              <a:t> </a:t>
-            </a:r>
-            <a:r>
-              <a:rPr kumimoji="1" lang="en-US" altLang="zh-CN" sz="1200" dirty="0">
-                <a:latin typeface="DengXian" panose="02010600030101010101" pitchFamily="2" charset="-122"/>
-                <a:ea typeface="DengXian" panose="02010600030101010101" pitchFamily="2" charset="-122"/>
-              </a:rPr>
-              <a:t>&lt;</a:t>
-            </a:r>
-            <a:r>
-              <a:rPr kumimoji="1" lang="zh-CN" altLang="en-US" sz="1200" dirty="0">
-                <a:latin typeface="DengXian" panose="02010600030101010101" pitchFamily="2" charset="-122"/>
-                <a:ea typeface="DengXian" panose="02010600030101010101" pitchFamily="2" charset="-122"/>
-              </a:rPr>
-              <a:t> </a:t>
-            </a:r>
-            <a:r>
-              <a:rPr kumimoji="1" lang="en-US" altLang="zh-CN" sz="1200" dirty="0">
-                <a:latin typeface="DengXian" panose="02010600030101010101" pitchFamily="2" charset="-122"/>
-                <a:ea typeface="DengXian" panose="02010600030101010101" pitchFamily="2" charset="-122"/>
-              </a:rPr>
-              <a:t>${</a:t>
-            </a:r>
-            <a:r>
-              <a:rPr kumimoji="1" lang="en-US" altLang="zh-CN" sz="1200" dirty="0" err="1">
-                <a:latin typeface="DengXian" panose="02010600030101010101" pitchFamily="2" charset="-122"/>
-                <a:ea typeface="DengXian" panose="02010600030101010101" pitchFamily="2" charset="-122"/>
-              </a:rPr>
-              <a:t>end_time</a:t>
-            </a:r>
-            <a:r>
-              <a:rPr kumimoji="1" lang="en-US" altLang="zh-CN" sz="1200" dirty="0">
-                <a:latin typeface="DengXian" panose="02010600030101010101" pitchFamily="2" charset="-122"/>
-                <a:ea typeface="DengXian" panose="02010600030101010101" pitchFamily="2" charset="-122"/>
-              </a:rPr>
-              <a:t>}</a:t>
-            </a:r>
-          </a:p>
-        </p:txBody>
-      </p:sp>
-      <p:sp>
-        <p:nvSpPr>
-          <p:cNvPr id="29" name="矩形 28">
-            <a:extLst>
-              <a:ext uri="{FF2B5EF4-FFF2-40B4-BE49-F238E27FC236}">
-                <a16:creationId xmlns:a16="http://schemas.microsoft.com/office/drawing/2014/main" id="{BCBA80C9-F010-B94D-9C6B-5B48D0B3EE06}"/>
-              </a:ext>
-            </a:extLst>
-          </p:cNvPr>
-          <p:cNvSpPr/>
-          <p:nvPr/>
-        </p:nvSpPr>
-        <p:spPr>
-          <a:xfrm>
-            <a:off x="4965110" y="3510141"/>
-            <a:ext cx="1757948" cy="317241"/>
-          </a:xfrm>
-          <a:prstGeom prst="rect">
-            <a:avLst/>
-          </a:prstGeom>
-          <a:solidFill>
-            <a:schemeClr val="accent5">
-              <a:lumMod val="60000"/>
-              <a:lumOff val="40000"/>
-            </a:schemeClr>
-          </a:solidFill>
-          <a:ln w="25400">
-            <a:solidFill>
-              <a:schemeClr val="tx1"/>
-            </a:solidFill>
-          </a:ln>
-        </p:spPr>
-        <p:style>
-          <a:lnRef idx="2">
-            <a:schemeClr val="accent2">
-              <a:shade val="50000"/>
-            </a:schemeClr>
-          </a:lnRef>
-          <a:fillRef idx="1">
-            <a:schemeClr val="accent2"/>
-          </a:fillRef>
-          <a:effectRef idx="0">
-            <a:schemeClr val="accent2"/>
-          </a:effectRef>
-          <a:fontRef idx="minor">
-            <a:schemeClr val="lt1"/>
-          </a:fontRef>
-        </p:style>
-        <p:txBody>
-          <a:bodyPr rtlCol="0" anchor="ctr"/>
-          <a:lstStyle/>
-          <a:p>
-            <a:pPr algn="ctr"/>
-            <a:r>
-              <a:rPr kumimoji="1" lang="en-US" altLang="zh-CN" sz="1200" b="1" dirty="0">
-                <a:solidFill>
-                  <a:sysClr val="windowText" lastClr="000000"/>
-                </a:solidFill>
-              </a:rPr>
-              <a:t>other1</a:t>
-            </a:r>
-            <a:r>
-              <a:rPr kumimoji="1" lang="zh-CN" altLang="en-US" sz="1200" dirty="0">
-                <a:solidFill>
-                  <a:sysClr val="windowText" lastClr="000000"/>
-                </a:solidFill>
-              </a:rPr>
-              <a:t> </a:t>
-            </a:r>
-            <a:r>
-              <a:rPr kumimoji="1" lang="en-US" altLang="zh-CN" sz="1200" dirty="0">
-                <a:solidFill>
-                  <a:sysClr val="windowText" lastClr="000000"/>
-                </a:solidFill>
-              </a:rPr>
-              <a:t>:</a:t>
-            </a:r>
-            <a:r>
-              <a:rPr kumimoji="1" lang="zh-CN" altLang="en-US" sz="1200" dirty="0">
-                <a:solidFill>
-                  <a:sysClr val="windowText" lastClr="000000"/>
-                </a:solidFill>
-              </a:rPr>
-              <a:t> </a:t>
-            </a:r>
-            <a:r>
-              <a:rPr kumimoji="1" lang="en-US" altLang="zh-CN" sz="1200" dirty="0">
-                <a:solidFill>
-                  <a:sysClr val="windowText" lastClr="000000"/>
-                </a:solidFill>
-              </a:rPr>
-              <a:t>Account</a:t>
-            </a:r>
-            <a:endParaRPr kumimoji="1" lang="zh-CN" altLang="en-US" sz="1200" dirty="0">
-              <a:solidFill>
-                <a:sysClr val="windowText" lastClr="000000"/>
-              </a:solidFill>
-            </a:endParaRPr>
-          </a:p>
-        </p:txBody>
-      </p:sp>
-      <p:sp>
-        <p:nvSpPr>
-          <p:cNvPr id="30" name="文本框 29">
-            <a:extLst>
-              <a:ext uri="{FF2B5EF4-FFF2-40B4-BE49-F238E27FC236}">
-                <a16:creationId xmlns:a16="http://schemas.microsoft.com/office/drawing/2014/main" id="{C684ABF1-4EA9-8E48-8A25-836F22903A39}"/>
-              </a:ext>
-            </a:extLst>
-          </p:cNvPr>
-          <p:cNvSpPr txBox="1"/>
-          <p:nvPr/>
-        </p:nvSpPr>
-        <p:spPr>
-          <a:xfrm>
-            <a:off x="7463760" y="2407331"/>
-            <a:ext cx="2302304" cy="646331"/>
-          </a:xfrm>
-          <a:prstGeom prst="rect">
-            <a:avLst/>
-          </a:prstGeom>
-          <a:noFill/>
-        </p:spPr>
-        <p:txBody>
-          <a:bodyPr wrap="square" rtlCol="0">
-            <a:spAutoFit/>
-          </a:bodyPr>
-          <a:lstStyle/>
-          <a:p>
-            <a:pPr algn="ctr"/>
-            <a:r>
-              <a:rPr kumimoji="1" lang="en-US" altLang="zh-CN" sz="1200" b="1" dirty="0">
-                <a:latin typeface="DengXian" panose="02010600030101010101" pitchFamily="2" charset="-122"/>
-                <a:ea typeface="DengXian" panose="02010600030101010101" pitchFamily="2" charset="-122"/>
-              </a:rPr>
-              <a:t>edge3</a:t>
-            </a:r>
-            <a:r>
-              <a:rPr kumimoji="1" lang="zh-CN" altLang="en-US" sz="1200" dirty="0">
-                <a:latin typeface="DengXian" panose="02010600030101010101" pitchFamily="2" charset="-122"/>
-                <a:ea typeface="DengXian" panose="02010600030101010101" pitchFamily="2" charset="-122"/>
-              </a:rPr>
-              <a:t> </a:t>
-            </a:r>
-            <a:r>
-              <a:rPr kumimoji="1" lang="en-US" altLang="zh-CN" sz="1200" dirty="0">
-                <a:latin typeface="DengXian" panose="02010600030101010101" pitchFamily="2" charset="-122"/>
-                <a:ea typeface="DengXian" panose="02010600030101010101" pitchFamily="2" charset="-122"/>
-              </a:rPr>
-              <a:t>:</a:t>
-            </a:r>
-            <a:r>
-              <a:rPr kumimoji="1" lang="zh-CN" altLang="en-US" sz="1200" dirty="0">
-                <a:latin typeface="DengXian" panose="02010600030101010101" pitchFamily="2" charset="-122"/>
-                <a:ea typeface="DengXian" panose="02010600030101010101" pitchFamily="2" charset="-122"/>
-              </a:rPr>
-              <a:t> </a:t>
-            </a:r>
-            <a:r>
-              <a:rPr kumimoji="1" lang="en-US" altLang="zh-CN" sz="1200" dirty="0">
-                <a:latin typeface="DengXian" panose="02010600030101010101" pitchFamily="2" charset="-122"/>
-                <a:ea typeface="DengXian" panose="02010600030101010101" pitchFamily="2" charset="-122"/>
-              </a:rPr>
-              <a:t>transfer</a:t>
-            </a:r>
-          </a:p>
-          <a:p>
-            <a:pPr algn="ctr"/>
-            <a:r>
-              <a:rPr kumimoji="1" lang="en-US" altLang="zh-CN" sz="1200" b="1" dirty="0">
-                <a:latin typeface="DengXian" panose="02010600030101010101" pitchFamily="2" charset="-122"/>
-                <a:ea typeface="DengXian" panose="02010600030101010101" pitchFamily="2" charset="-122"/>
-              </a:rPr>
-              <a:t>edge3</a:t>
-            </a:r>
-            <a:r>
-              <a:rPr kumimoji="1" lang="en-US" altLang="zh-CN" sz="1200" dirty="0">
-                <a:latin typeface="DengXian" panose="02010600030101010101" pitchFamily="2" charset="-122"/>
-                <a:ea typeface="DengXian" panose="02010600030101010101" pitchFamily="2" charset="-122"/>
-              </a:rPr>
-              <a:t>.timestamp</a:t>
-            </a:r>
-            <a:r>
-              <a:rPr kumimoji="1" lang="zh-CN" altLang="en-US" sz="1200" dirty="0">
-                <a:latin typeface="DengXian" panose="02010600030101010101" pitchFamily="2" charset="-122"/>
-                <a:ea typeface="DengXian" panose="02010600030101010101" pitchFamily="2" charset="-122"/>
-              </a:rPr>
-              <a:t> </a:t>
-            </a:r>
-            <a:r>
-              <a:rPr kumimoji="1" lang="en-US" altLang="zh-CN" sz="1200" dirty="0">
-                <a:latin typeface="DengXian" panose="02010600030101010101" pitchFamily="2" charset="-122"/>
-                <a:ea typeface="DengXian" panose="02010600030101010101" pitchFamily="2" charset="-122"/>
-              </a:rPr>
-              <a:t>&gt;</a:t>
-            </a:r>
-            <a:r>
-              <a:rPr kumimoji="1" lang="zh-CN" altLang="en-US" sz="1200" dirty="0">
-                <a:latin typeface="DengXian" panose="02010600030101010101" pitchFamily="2" charset="-122"/>
-                <a:ea typeface="DengXian" panose="02010600030101010101" pitchFamily="2" charset="-122"/>
-              </a:rPr>
-              <a:t> </a:t>
-            </a:r>
-            <a:r>
-              <a:rPr kumimoji="1" lang="en-US" altLang="zh-CN" sz="1200" dirty="0">
-                <a:latin typeface="DengXian" panose="02010600030101010101" pitchFamily="2" charset="-122"/>
-                <a:ea typeface="DengXian" panose="02010600030101010101" pitchFamily="2" charset="-122"/>
-              </a:rPr>
-              <a:t>${</a:t>
-            </a:r>
-            <a:r>
-              <a:rPr kumimoji="1" lang="en-US" altLang="zh-CN" sz="1200" dirty="0" err="1">
-                <a:latin typeface="DengXian" panose="02010600030101010101" pitchFamily="2" charset="-122"/>
-                <a:ea typeface="DengXian" panose="02010600030101010101" pitchFamily="2" charset="-122"/>
-              </a:rPr>
-              <a:t>start_time</a:t>
-            </a:r>
-            <a:r>
-              <a:rPr kumimoji="1" lang="en-US" altLang="zh-CN" sz="1200" dirty="0">
-                <a:latin typeface="DengXian" panose="02010600030101010101" pitchFamily="2" charset="-122"/>
-                <a:ea typeface="DengXian" panose="02010600030101010101" pitchFamily="2" charset="-122"/>
-              </a:rPr>
-              <a:t>}</a:t>
-            </a:r>
-          </a:p>
-          <a:p>
-            <a:pPr algn="ctr"/>
-            <a:r>
-              <a:rPr kumimoji="1" lang="en-US" altLang="zh-CN" sz="1200" b="1" dirty="0">
-                <a:latin typeface="DengXian" panose="02010600030101010101" pitchFamily="2" charset="-122"/>
-                <a:ea typeface="DengXian" panose="02010600030101010101" pitchFamily="2" charset="-122"/>
-              </a:rPr>
-              <a:t>edge3</a:t>
-            </a:r>
-            <a:r>
-              <a:rPr kumimoji="1" lang="en-US" altLang="zh-CN" sz="1200" dirty="0">
-                <a:latin typeface="DengXian" panose="02010600030101010101" pitchFamily="2" charset="-122"/>
-                <a:ea typeface="DengXian" panose="02010600030101010101" pitchFamily="2" charset="-122"/>
-              </a:rPr>
-              <a:t>.timestamp</a:t>
-            </a:r>
-            <a:r>
-              <a:rPr kumimoji="1" lang="zh-CN" altLang="en-US" sz="1200" dirty="0">
-                <a:latin typeface="DengXian" panose="02010600030101010101" pitchFamily="2" charset="-122"/>
-                <a:ea typeface="DengXian" panose="02010600030101010101" pitchFamily="2" charset="-122"/>
-              </a:rPr>
-              <a:t> </a:t>
-            </a:r>
-            <a:r>
-              <a:rPr kumimoji="1" lang="en-US" altLang="zh-CN" sz="1200" dirty="0">
-                <a:latin typeface="DengXian" panose="02010600030101010101" pitchFamily="2" charset="-122"/>
-                <a:ea typeface="DengXian" panose="02010600030101010101" pitchFamily="2" charset="-122"/>
-              </a:rPr>
-              <a:t>&lt;</a:t>
-            </a:r>
-            <a:r>
-              <a:rPr kumimoji="1" lang="zh-CN" altLang="en-US" sz="1200" dirty="0">
-                <a:latin typeface="DengXian" panose="02010600030101010101" pitchFamily="2" charset="-122"/>
-                <a:ea typeface="DengXian" panose="02010600030101010101" pitchFamily="2" charset="-122"/>
-              </a:rPr>
-              <a:t> </a:t>
-            </a:r>
-            <a:r>
-              <a:rPr kumimoji="1" lang="en-US" altLang="zh-CN" sz="1200" dirty="0">
-                <a:latin typeface="DengXian" panose="02010600030101010101" pitchFamily="2" charset="-122"/>
-                <a:ea typeface="DengXian" panose="02010600030101010101" pitchFamily="2" charset="-122"/>
-              </a:rPr>
-              <a:t>${</a:t>
-            </a:r>
-            <a:r>
-              <a:rPr kumimoji="1" lang="en-US" altLang="zh-CN" sz="1200" dirty="0" err="1">
-                <a:latin typeface="DengXian" panose="02010600030101010101" pitchFamily="2" charset="-122"/>
-                <a:ea typeface="DengXian" panose="02010600030101010101" pitchFamily="2" charset="-122"/>
-              </a:rPr>
-              <a:t>end_time</a:t>
-            </a:r>
-            <a:r>
-              <a:rPr kumimoji="1" lang="en-US" altLang="zh-CN" sz="1200" dirty="0">
-                <a:latin typeface="DengXian" panose="02010600030101010101" pitchFamily="2" charset="-122"/>
-                <a:ea typeface="DengXian" panose="02010600030101010101" pitchFamily="2" charset="-122"/>
-              </a:rPr>
-              <a:t>}</a:t>
-            </a:r>
-          </a:p>
-        </p:txBody>
-      </p:sp>
-      <p:cxnSp>
-        <p:nvCxnSpPr>
-          <p:cNvPr id="31" name="直线箭头连接符 30" descr="jytjh">
-            <a:extLst>
-              <a:ext uri="{FF2B5EF4-FFF2-40B4-BE49-F238E27FC236}">
-                <a16:creationId xmlns:a16="http://schemas.microsoft.com/office/drawing/2014/main" id="{DA5BE2DD-B6E7-4442-872A-676277EF4239}"/>
-              </a:ext>
-            </a:extLst>
-          </p:cNvPr>
-          <p:cNvCxnSpPr>
-            <a:cxnSpLocks/>
-            <a:endCxn id="29" idx="1"/>
-          </p:cNvCxnSpPr>
-          <p:nvPr/>
-        </p:nvCxnSpPr>
-        <p:spPr>
-          <a:xfrm>
-            <a:off x="2133869" y="3668762"/>
-            <a:ext cx="2831241" cy="0"/>
-          </a:xfrm>
-          <a:prstGeom prst="straightConnector1">
-            <a:avLst/>
-          </a:prstGeom>
-          <a:ln w="25400">
-            <a:solidFill>
-              <a:schemeClr val="tx1"/>
-            </a:solidFill>
-            <a:headEnd type="none" w="lg" len="med"/>
-            <a:tailEnd type="none" w="lg" len="med"/>
-          </a:ln>
-        </p:spPr>
-        <p:style>
-          <a:lnRef idx="1">
-            <a:schemeClr val="accent1"/>
-          </a:lnRef>
-          <a:fillRef idx="0">
-            <a:schemeClr val="accent1"/>
-          </a:fillRef>
-          <a:effectRef idx="0">
-            <a:schemeClr val="accent1"/>
-          </a:effectRef>
-          <a:fontRef idx="minor">
-            <a:schemeClr val="tx1"/>
-          </a:fontRef>
-        </p:style>
-      </p:cxnSp>
-      <p:cxnSp>
-        <p:nvCxnSpPr>
-          <p:cNvPr id="9" name="直线箭头连接符 18" descr="jytjh">
-            <a:extLst>
-              <a:ext uri="{FF2B5EF4-FFF2-40B4-BE49-F238E27FC236}">
-                <a16:creationId xmlns:a16="http://schemas.microsoft.com/office/drawing/2014/main" id="{382F5BDD-3B43-E03C-C5DF-C275A73660CD}"/>
-              </a:ext>
-            </a:extLst>
-          </p:cNvPr>
-          <p:cNvCxnSpPr>
-            <a:cxnSpLocks/>
-            <a:stCxn id="20" idx="3"/>
-          </p:cNvCxnSpPr>
-          <p:nvPr/>
-        </p:nvCxnSpPr>
-        <p:spPr>
-          <a:xfrm>
-            <a:off x="6723058" y="4847535"/>
-            <a:ext cx="3647773" cy="5642"/>
-          </a:xfrm>
-          <a:prstGeom prst="straightConnector1">
-            <a:avLst/>
-          </a:prstGeom>
-          <a:ln w="25400">
-            <a:solidFill>
-              <a:schemeClr val="tx1"/>
-            </a:solidFill>
-            <a:headEnd type="arrow" w="sm" len="lg"/>
-            <a:tailEnd type="none" w="sm" len="lg"/>
-          </a:ln>
-        </p:spPr>
-        <p:style>
-          <a:lnRef idx="1">
-            <a:schemeClr val="accent1"/>
-          </a:lnRef>
-          <a:fillRef idx="0">
-            <a:schemeClr val="accent1"/>
-          </a:fillRef>
-          <a:effectRef idx="0">
-            <a:schemeClr val="accent1"/>
-          </a:effectRef>
-          <a:fontRef idx="minor">
-            <a:schemeClr val="tx1"/>
-          </a:fontRef>
-        </p:style>
-      </p:cxnSp>
-      <p:sp>
-        <p:nvSpPr>
-          <p:cNvPr id="20" name="矩形 28">
-            <a:extLst>
-              <a:ext uri="{FF2B5EF4-FFF2-40B4-BE49-F238E27FC236}">
-                <a16:creationId xmlns:a16="http://schemas.microsoft.com/office/drawing/2014/main" id="{4F8398E0-C93B-6494-AFFE-D2B62DB256C2}"/>
-              </a:ext>
-            </a:extLst>
-          </p:cNvPr>
-          <p:cNvSpPr/>
-          <p:nvPr/>
-        </p:nvSpPr>
-        <p:spPr>
-          <a:xfrm>
-            <a:off x="4965110" y="4688914"/>
-            <a:ext cx="1757948" cy="317241"/>
-          </a:xfrm>
-          <a:prstGeom prst="rect">
-            <a:avLst/>
-          </a:prstGeom>
-          <a:solidFill>
-            <a:schemeClr val="accent5">
-              <a:lumMod val="60000"/>
-              <a:lumOff val="40000"/>
-            </a:schemeClr>
-          </a:solidFill>
-          <a:ln w="25400">
-            <a:solidFill>
-              <a:schemeClr val="tx1"/>
-            </a:solidFill>
-          </a:ln>
-        </p:spPr>
-        <p:style>
-          <a:lnRef idx="2">
-            <a:schemeClr val="accent2">
-              <a:shade val="50000"/>
-            </a:schemeClr>
-          </a:lnRef>
-          <a:fillRef idx="1">
-            <a:schemeClr val="accent2"/>
-          </a:fillRef>
-          <a:effectRef idx="0">
-            <a:schemeClr val="accent2"/>
-          </a:effectRef>
-          <a:fontRef idx="minor">
-            <a:schemeClr val="lt1"/>
-          </a:fontRef>
-        </p:style>
-        <p:txBody>
-          <a:bodyPr rtlCol="0" anchor="ctr"/>
-          <a:lstStyle/>
-          <a:p>
-            <a:pPr algn="ctr"/>
-            <a:r>
-              <a:rPr kumimoji="1" lang="en-US" altLang="zh-CN" sz="1200" b="1" dirty="0" err="1">
-                <a:solidFill>
-                  <a:sysClr val="windowText" lastClr="000000"/>
-                </a:solidFill>
-              </a:rPr>
-              <a:t>otherN</a:t>
-            </a:r>
-            <a:r>
-              <a:rPr kumimoji="1" lang="zh-CN" altLang="en-US" sz="1200" dirty="0">
-                <a:solidFill>
-                  <a:sysClr val="windowText" lastClr="000000"/>
-                </a:solidFill>
-              </a:rPr>
-              <a:t> </a:t>
-            </a:r>
-            <a:r>
-              <a:rPr kumimoji="1" lang="en-US" altLang="zh-CN" sz="1200" dirty="0">
-                <a:solidFill>
-                  <a:sysClr val="windowText" lastClr="000000"/>
-                </a:solidFill>
-              </a:rPr>
-              <a:t>:</a:t>
-            </a:r>
-            <a:r>
-              <a:rPr kumimoji="1" lang="zh-CN" altLang="en-US" sz="1200" dirty="0">
-                <a:solidFill>
-                  <a:sysClr val="windowText" lastClr="000000"/>
-                </a:solidFill>
-              </a:rPr>
-              <a:t> </a:t>
-            </a:r>
-            <a:r>
-              <a:rPr kumimoji="1" lang="en-US" altLang="zh-CN" sz="1200" dirty="0">
-                <a:solidFill>
-                  <a:sysClr val="windowText" lastClr="000000"/>
-                </a:solidFill>
-              </a:rPr>
-              <a:t>Account</a:t>
-            </a:r>
-            <a:endParaRPr kumimoji="1" lang="zh-CN" altLang="en-US" sz="1200" dirty="0">
-              <a:solidFill>
-                <a:sysClr val="windowText" lastClr="000000"/>
-              </a:solidFill>
-            </a:endParaRPr>
-          </a:p>
-        </p:txBody>
-      </p:sp>
-      <p:cxnSp>
-        <p:nvCxnSpPr>
-          <p:cNvPr id="21" name="直线箭头连接符 30" descr="jytjh">
-            <a:extLst>
-              <a:ext uri="{FF2B5EF4-FFF2-40B4-BE49-F238E27FC236}">
-                <a16:creationId xmlns:a16="http://schemas.microsoft.com/office/drawing/2014/main" id="{A4B10AA3-1A66-7209-D1A7-86BDEBBB5987}"/>
-              </a:ext>
-            </a:extLst>
-          </p:cNvPr>
-          <p:cNvCxnSpPr>
-            <a:cxnSpLocks/>
-            <a:endCxn id="20" idx="1"/>
-          </p:cNvCxnSpPr>
-          <p:nvPr/>
-        </p:nvCxnSpPr>
-        <p:spPr>
-          <a:xfrm>
-            <a:off x="1829850" y="4847179"/>
-            <a:ext cx="3135260" cy="356"/>
-          </a:xfrm>
-          <a:prstGeom prst="straightConnector1">
-            <a:avLst/>
-          </a:prstGeom>
-          <a:ln w="25400">
-            <a:solidFill>
-              <a:schemeClr val="tx1"/>
-            </a:solidFill>
-            <a:headEnd type="none" w="lg" len="med"/>
-            <a:tailEnd type="none" w="lg" len="med"/>
-          </a:ln>
-        </p:spPr>
-        <p:style>
-          <a:lnRef idx="1">
-            <a:schemeClr val="accent1"/>
-          </a:lnRef>
-          <a:fillRef idx="0">
-            <a:schemeClr val="accent1"/>
-          </a:fillRef>
-          <a:effectRef idx="0">
-            <a:schemeClr val="accent1"/>
-          </a:effectRef>
-          <a:fontRef idx="minor">
-            <a:schemeClr val="tx1"/>
-          </a:fontRef>
-        </p:style>
-      </p:cxnSp>
-      <p:sp>
-        <p:nvSpPr>
-          <p:cNvPr id="22" name="矩形 14">
-            <a:extLst>
-              <a:ext uri="{FF2B5EF4-FFF2-40B4-BE49-F238E27FC236}">
-                <a16:creationId xmlns:a16="http://schemas.microsoft.com/office/drawing/2014/main" id="{560A4475-EE3D-97C1-9C49-BD1389BB92E5}"/>
-              </a:ext>
-            </a:extLst>
-          </p:cNvPr>
-          <p:cNvSpPr/>
-          <p:nvPr/>
-        </p:nvSpPr>
-        <p:spPr>
-          <a:xfrm>
-            <a:off x="4965110" y="4029632"/>
-            <a:ext cx="1757943" cy="505147"/>
-          </a:xfrm>
-          <a:prstGeom prst="rect">
-            <a:avLst/>
-          </a:prstGeom>
-          <a:noFill/>
-          <a:ln w="28575">
-            <a:noFill/>
-          </a:ln>
-        </p:spPr>
-        <p:style>
-          <a:lnRef idx="2">
-            <a:schemeClr val="accent2">
-              <a:shade val="50000"/>
-            </a:schemeClr>
-          </a:lnRef>
-          <a:fillRef idx="1">
-            <a:schemeClr val="accent2"/>
-          </a:fillRef>
-          <a:effectRef idx="0">
-            <a:schemeClr val="accent2"/>
-          </a:effectRef>
-          <a:fontRef idx="minor">
-            <a:schemeClr val="lt1"/>
-          </a:fontRef>
-        </p:style>
-        <p:txBody>
-          <a:bodyPr rtlCol="0" anchor="ctr"/>
-          <a:lstStyle/>
-          <a:p>
-            <a:pPr algn="ctr"/>
-            <a:r>
-              <a:rPr kumimoji="1" lang="en-US" altLang="zh-CN" sz="1600" b="1" dirty="0">
-                <a:solidFill>
-                  <a:sysClr val="windowText" lastClr="000000"/>
-                </a:solidFill>
-              </a:rPr>
-              <a:t>…</a:t>
-            </a:r>
-            <a:endParaRPr kumimoji="1" lang="zh-CN" altLang="en-US" sz="1600" dirty="0">
-              <a:solidFill>
-                <a:sysClr val="windowText" lastClr="000000"/>
-              </a:solidFill>
-            </a:endParaRPr>
-          </a:p>
-        </p:txBody>
-      </p:sp>
-      <p:cxnSp>
-        <p:nvCxnSpPr>
-          <p:cNvPr id="25" name="直线箭头连接符 25" descr="jytjh">
-            <a:extLst>
-              <a:ext uri="{FF2B5EF4-FFF2-40B4-BE49-F238E27FC236}">
-                <a16:creationId xmlns:a16="http://schemas.microsoft.com/office/drawing/2014/main" id="{73629CF2-2C67-3488-AFE5-4584818C6252}"/>
-              </a:ext>
-            </a:extLst>
-          </p:cNvPr>
-          <p:cNvCxnSpPr>
-            <a:cxnSpLocks/>
-          </p:cNvCxnSpPr>
-          <p:nvPr/>
-        </p:nvCxnSpPr>
-        <p:spPr>
-          <a:xfrm>
-            <a:off x="1829850" y="1917208"/>
-            <a:ext cx="0" cy="2928553"/>
-          </a:xfrm>
-          <a:prstGeom prst="straightConnector1">
-            <a:avLst/>
-          </a:prstGeom>
-          <a:ln w="25400">
-            <a:solidFill>
-              <a:schemeClr val="tx1"/>
-            </a:solidFill>
-            <a:headEnd type="none" w="lg" len="med"/>
-            <a:tailEnd type="none" w="lg" len="med"/>
-          </a:ln>
-        </p:spPr>
-        <p:style>
-          <a:lnRef idx="1">
-            <a:schemeClr val="accent1"/>
-          </a:lnRef>
-          <a:fillRef idx="0">
-            <a:schemeClr val="accent1"/>
-          </a:fillRef>
-          <a:effectRef idx="0">
-            <a:schemeClr val="accent1"/>
-          </a:effectRef>
-          <a:fontRef idx="minor">
-            <a:schemeClr val="tx1"/>
-          </a:fontRef>
-        </p:style>
-      </p:cxnSp>
-      <p:cxnSp>
-        <p:nvCxnSpPr>
-          <p:cNvPr id="34" name="直线箭头连接符 25" descr="jytjh">
-            <a:extLst>
-              <a:ext uri="{FF2B5EF4-FFF2-40B4-BE49-F238E27FC236}">
-                <a16:creationId xmlns:a16="http://schemas.microsoft.com/office/drawing/2014/main" id="{AC77770B-31EA-6A2A-D470-404CEB0F6914}"/>
-              </a:ext>
-            </a:extLst>
-          </p:cNvPr>
-          <p:cNvCxnSpPr>
-            <a:cxnSpLocks/>
-          </p:cNvCxnSpPr>
-          <p:nvPr/>
-        </p:nvCxnSpPr>
-        <p:spPr>
-          <a:xfrm>
-            <a:off x="10370831" y="1917208"/>
-            <a:ext cx="0" cy="2935969"/>
-          </a:xfrm>
-          <a:prstGeom prst="straightConnector1">
-            <a:avLst/>
-          </a:prstGeom>
-          <a:ln w="25400">
-            <a:solidFill>
-              <a:schemeClr val="tx1"/>
-            </a:solidFill>
-            <a:headEnd type="none" w="lg" len="med"/>
-            <a:tailEnd type="none" w="lg" len="med"/>
-          </a:ln>
-        </p:spPr>
-        <p:style>
-          <a:lnRef idx="1">
-            <a:schemeClr val="accent1"/>
-          </a:lnRef>
-          <a:fillRef idx="0">
-            <a:schemeClr val="accent1"/>
-          </a:fillRef>
-          <a:effectRef idx="0">
-            <a:schemeClr val="accent1"/>
-          </a:effectRef>
-          <a:fontRef idx="minor">
-            <a:schemeClr val="tx1"/>
-          </a:fontRef>
-        </p:style>
-      </p:cxnSp>
+            </a:fontRef>
+          </p:style>
+        </p:cxnSp>
+      </p:grpSp>
     </p:spTree>
     <p:extLst>
       <p:ext uri="{BB962C8B-B14F-4D97-AF65-F5344CB8AC3E}">
@@ -25610,6 +25573,36 @@
                 <a:t> </a:t>
               </a:r>
               <a:r>
+                <a:rPr kumimoji="1" lang="en-US" altLang="zh-CN" sz="1200" dirty="0" err="1">
+                  <a:solidFill>
+                    <a:sysClr val="windowText" lastClr="000000"/>
+                  </a:solidFill>
+                  <a:latin typeface="DengXian" panose="02010600030101010101" pitchFamily="2" charset="-122"/>
+                  <a:ea typeface="DengXian" panose="02010600030101010101" pitchFamily="2" charset="-122"/>
+                </a:rPr>
+                <a:t>mid.id</a:t>
+              </a:r>
+              <a:r>
+                <a:rPr kumimoji="1" lang="en-US" altLang="zh-CN" sz="1200" dirty="0">
+                  <a:solidFill>
+                    <a:sysClr val="windowText" lastClr="000000"/>
+                  </a:solidFill>
+                  <a:latin typeface="DengXian" panose="02010600030101010101" pitchFamily="2" charset="-122"/>
+                  <a:ea typeface="DengXian" panose="02010600030101010101" pitchFamily="2" charset="-122"/>
+                </a:rPr>
+                <a:t>,</a:t>
+              </a:r>
+              <a:r>
+                <a:rPr kumimoji="1" lang="zh-CN" altLang="en-US" sz="1200" dirty="0">
+                  <a:solidFill>
+                    <a:sysClr val="windowText" lastClr="000000"/>
+                  </a:solidFill>
+                  <a:latin typeface="DengXian" panose="02010600030101010101" pitchFamily="2" charset="-122"/>
+                  <a:ea typeface="DengXian" panose="02010600030101010101" pitchFamily="2" charset="-122"/>
+                </a:rPr>
+                <a:t> </a:t>
+              </a:r>
+              <a:r>
                 <a:rPr kumimoji="1" lang="en-US" altLang="zh-CN" sz="1200" dirty="0">
                   <a:solidFill>
                     <a:schemeClr val="tx1"/>
@@ -25617,125 +25610,38 @@
                   <a:latin typeface="DengXian" panose="02010600030101010101" pitchFamily="2" charset="-122"/>
                   <a:ea typeface="DengXian" panose="02010600030101010101" pitchFamily="2" charset="-122"/>
                 </a:rPr>
+                <a:t>SUM(edge1.amount),</a:t>
+              </a:r>
+              <a:r>
+                <a:rPr kumimoji="1" lang="zh-CN" altLang="en-US" sz="1200" dirty="0">
+                  <a:solidFill>
+                    <a:schemeClr val="tx1"/>
+                  </a:solidFill>
+                  <a:latin typeface="DengXian" panose="02010600030101010101" pitchFamily="2" charset="-122"/>
+                  <a:ea typeface="DengXian" panose="02010600030101010101" pitchFamily="2" charset="-122"/>
+                </a:rPr>
+                <a:t> </a:t>
+              </a:r>
+              <a:r>
+                <a:rPr kumimoji="1" lang="en-US" altLang="zh-CN" sz="1200" dirty="0">
+                  <a:solidFill>
+                    <a:schemeClr val="tx1"/>
+                  </a:solidFill>
+                  <a:latin typeface="DengXian" panose="02010600030101010101" pitchFamily="2" charset="-122"/>
+                  <a:ea typeface="DengXian" panose="02010600030101010101" pitchFamily="2" charset="-122"/>
+                </a:rPr>
                 <a:t>SUM(</a:t>
               </a:r>
               <a:r>
-                <a:rPr kumimoji="1" lang="en-US" altLang="zh-CN" sz="1200" b="1" dirty="0">
-                  <a:solidFill>
-                    <a:schemeClr val="tx1"/>
-                  </a:solidFill>
-                  <a:latin typeface="DengXian" panose="02010600030101010101" pitchFamily="2" charset="-122"/>
-                  <a:ea typeface="DengXian" panose="02010600030101010101" pitchFamily="2" charset="-122"/>
-                </a:rPr>
-                <a:t>edge1</a:t>
-              </a:r>
-              <a:r>
-                <a:rPr kumimoji="1" lang="en-US" altLang="zh-CN" sz="1200" dirty="0">
-                  <a:solidFill>
-                    <a:schemeClr val="tx1"/>
-                  </a:solidFill>
-                  <a:latin typeface="DengXian" panose="02010600030101010101" pitchFamily="2" charset="-122"/>
-                  <a:ea typeface="DengXian" panose="02010600030101010101" pitchFamily="2" charset="-122"/>
-                </a:rPr>
-                <a:t>.amount),</a:t>
-              </a:r>
-              <a:r>
-                <a:rPr kumimoji="1" lang="zh-CN" altLang="en-US" sz="1200" dirty="0">
-                  <a:solidFill>
-                    <a:schemeClr val="tx1"/>
-                  </a:solidFill>
-                  <a:latin typeface="DengXian" panose="02010600030101010101" pitchFamily="2" charset="-122"/>
-                  <a:ea typeface="DengXian" panose="02010600030101010101" pitchFamily="2" charset="-122"/>
-                </a:rPr>
-                <a:t> </a:t>
-              </a:r>
-              <a:r>
-                <a:rPr kumimoji="1" lang="en-US" altLang="zh-CN" sz="1200" dirty="0">
-                  <a:solidFill>
-                    <a:schemeClr val="tx1"/>
-                  </a:solidFill>
-                  <a:latin typeface="DengXian" panose="02010600030101010101" pitchFamily="2" charset="-122"/>
-                  <a:ea typeface="DengXian" panose="02010600030101010101" pitchFamily="2" charset="-122"/>
-                </a:rPr>
-                <a:t>SUM(</a:t>
-              </a:r>
-              <a:r>
-                <a:rPr kumimoji="1" lang="en-US" altLang="zh-CN" sz="1200" b="1" dirty="0">
-                  <a:solidFill>
-                    <a:sysClr val="windowText" lastClr="000000"/>
-                  </a:solidFill>
-                  <a:latin typeface="DengXian" panose="02010600030101010101" pitchFamily="2" charset="-122"/>
-                  <a:ea typeface="DengXian" panose="02010600030101010101" pitchFamily="2" charset="-122"/>
-                </a:rPr>
-                <a:t>edge2.</a:t>
-              </a:r>
-              <a:r>
-                <a:rPr kumimoji="1" lang="en-US" altLang="zh-CN" sz="1200" dirty="0">
-                  <a:solidFill>
-                    <a:sysClr val="windowText" lastClr="000000"/>
-                  </a:solidFill>
-                  <a:latin typeface="DengXian" panose="02010600030101010101" pitchFamily="2" charset="-122"/>
-                  <a:ea typeface="DengXian" panose="02010600030101010101" pitchFamily="2" charset="-122"/>
-                </a:rPr>
-                <a:t>amount)</a:t>
-              </a:r>
-              <a:r>
-                <a:rPr kumimoji="1" lang="zh-CN" altLang="en-US" sz="1200" dirty="0">
-                  <a:solidFill>
-                    <a:sysClr val="windowText" lastClr="000000"/>
-                  </a:solidFill>
-                  <a:latin typeface="DengXian" panose="02010600030101010101" pitchFamily="2" charset="-122"/>
-                  <a:ea typeface="DengXian" panose="02010600030101010101" pitchFamily="2" charset="-122"/>
-                </a:rPr>
-                <a:t> </a:t>
-              </a:r>
-              <a:r>
-                <a:rPr kumimoji="1" lang="en-US" altLang="zh-CN" sz="1200" b="1" dirty="0" err="1">
-                  <a:solidFill>
-                    <a:srgbClr val="FF0000"/>
-                  </a:solidFill>
-                  <a:latin typeface="DengXian" panose="02010600030101010101" pitchFamily="2" charset="-122"/>
-                  <a:ea typeface="DengXian" panose="02010600030101010101" pitchFamily="2" charset="-122"/>
-                </a:rPr>
-                <a:t>Groupby</a:t>
-              </a:r>
-              <a:r>
-                <a:rPr kumimoji="1" lang="zh-CN" altLang="en-US" sz="1200" b="1" dirty="0">
-                  <a:solidFill>
-                    <a:sysClr val="windowText" lastClr="000000"/>
-                  </a:solidFill>
-                  <a:latin typeface="DengXian" panose="02010600030101010101" pitchFamily="2" charset="-122"/>
-                  <a:ea typeface="DengXian" panose="02010600030101010101" pitchFamily="2" charset="-122"/>
-                </a:rPr>
-                <a:t> </a:t>
-              </a:r>
-              <a:r>
-                <a:rPr kumimoji="1" lang="en-US" altLang="zh-CN" sz="1200" b="1" dirty="0">
-                  <a:solidFill>
-                    <a:sysClr val="windowText" lastClr="000000"/>
-                  </a:solidFill>
-                  <a:latin typeface="DengXian" panose="02010600030101010101" pitchFamily="2" charset="-122"/>
-                  <a:ea typeface="DengXian" panose="02010600030101010101" pitchFamily="2" charset="-122"/>
-                </a:rPr>
-                <a:t>mid</a:t>
-              </a:r>
-              <a:r>
-                <a:rPr kumimoji="1" lang="zh-CN" altLang="en-US" sz="1200" b="1" dirty="0">
-                  <a:solidFill>
-                    <a:sysClr val="windowText" lastClr="000000"/>
-                  </a:solidFill>
-                  <a:latin typeface="DengXian" panose="02010600030101010101" pitchFamily="2" charset="-122"/>
-                  <a:ea typeface="DengXian" panose="02010600030101010101" pitchFamily="2" charset="-122"/>
-                </a:rPr>
-                <a:t> </a:t>
-              </a:r>
-              <a:endParaRPr kumimoji="1" lang="en-US" altLang="zh-CN" sz="1200" b="1" dirty="0">
-                <a:solidFill>
-                  <a:sysClr val="windowText" lastClr="000000"/>
-                </a:solidFill>
-                <a:latin typeface="DengXian" panose="02010600030101010101" pitchFamily="2" charset="-122"/>
-                <a:ea typeface="DengXian" panose="02010600030101010101" pitchFamily="2" charset="-122"/>
-              </a:endParaRPr>
+                <a:rPr kumimoji="1" lang="en-US" altLang="zh-CN" sz="1200" dirty="0">
+                  <a:solidFill>
+                    <a:sysClr val="windowText" lastClr="000000"/>
+                  </a:solidFill>
+                  <a:latin typeface="DengXian" panose="02010600030101010101" pitchFamily="2" charset="-122"/>
+                  <a:ea typeface="DengXian" panose="02010600030101010101" pitchFamily="2" charset="-122"/>
+                </a:rPr>
+                <a:t>edge2.amount)</a:t>
+              </a:r>
             </a:p>
           </p:txBody>
         </p:sp>
@@ -29313,9 +29219,9 @@
         <p:grpSpPr>
           <a:xfrm>
             <a:off x="679935" y="1289537"/>
-            <a:ext cx="10632834" cy="4668528"/>
+            <a:ext cx="10632834" cy="3929864"/>
             <a:chOff x="679935" y="1289537"/>
-            <a:chExt cx="10632834" cy="4668528"/>
+            <a:chExt cx="10632834" cy="3929864"/>
           </a:xfrm>
         </p:grpSpPr>
         <p:sp>
@@ -29434,7 +29340,7 @@
           <p:spPr>
             <a:xfrm>
               <a:off x="679935" y="2541745"/>
-              <a:ext cx="3294188" cy="3416320"/>
+              <a:ext cx="3294188" cy="2677656"/>
             </a:xfrm>
             <a:prstGeom prst="rect">
               <a:avLst/>
@@ -29471,18 +29377,11 @@
             </a:p>
             <a:p>
               <a:r>
-                <a:rPr kumimoji="1" lang="en-US" altLang="zh-CN" sz="1200" b="1" dirty="0">
-                  <a:latin typeface="DengXian" panose="02010600030101010101" pitchFamily="2" charset="-122"/>
-                  <a:ea typeface="DengXian" panose="02010600030101010101" pitchFamily="2" charset="-122"/>
-                </a:rPr>
-                <a:t>edge1</a:t>
-              </a:r>
-              <a:r>
-                <a:rPr kumimoji="1" lang="en-US" altLang="zh-CN" sz="1200" dirty="0">
-                  <a:latin typeface="DengXian" panose="02010600030101010101" pitchFamily="2" charset="-122"/>
-                  <a:ea typeface="DengXian" panose="02010600030101010101" pitchFamily="2" charset="-122"/>
-                </a:rPr>
-                <a:t>.timestamp</a:t>
+                <a:rPr kumimoji="1" lang="en-US" altLang="zh-CN" sz="1200" dirty="0">
+                  <a:latin typeface="DengXian" panose="02010600030101010101" pitchFamily="2" charset="-122"/>
+                  <a:ea typeface="DengXian" panose="02010600030101010101" pitchFamily="2" charset="-122"/>
+                </a:rPr>
+                <a:t>${start _time}</a:t>
               </a:r>
               <a:r>
                 <a:rPr kumimoji="1" lang="zh-CN" altLang="en-US" sz="1200" dirty="0">
@@ -29496,38 +29395,8 @@
                   <a:latin typeface="DengXian" panose="02010600030101010101" pitchFamily="2" charset="-122"/>
                   <a:ea typeface="DengXian" panose="02010600030101010101" pitchFamily="2" charset="-122"/>
                 </a:rPr>
-                <a:t>&gt;</a:t>
-              </a:r>
-              <a:r>
-                <a:rPr kumimoji="1" lang="zh-CN" altLang="en-US" sz="1200" dirty="0">
-                  <a:latin typeface="DengXian" panose="02010600030101010101" pitchFamily="2" charset="-122"/>
-                  <a:ea typeface="DengXian" panose="02010600030101010101" pitchFamily="2" charset="-122"/>
-                </a:rPr>
-                <a:t> </a:t>
-              </a:r>
-              <a:r>
-                <a:rPr kumimoji="1" lang="en-US" altLang="zh-CN" sz="1200" dirty="0">
-                  <a:latin typeface="DengXian" panose="02010600030101010101" pitchFamily="2" charset="-122"/>
-                  <a:ea typeface="DengXian" panose="02010600030101010101" pitchFamily="2" charset="-122"/>
-                </a:rPr>
-                <a:t>${</a:t>
-              </a:r>
-              <a:r>
-                <a:rPr kumimoji="1" lang="en-US" altLang="zh-CN" sz="1200" dirty="0" err="1">
-                  <a:latin typeface="DengXian" panose="02010600030101010101" pitchFamily="2" charset="-122"/>
-                  <a:ea typeface="DengXian" panose="02010600030101010101" pitchFamily="2" charset="-122"/>
-                </a:rPr>
-                <a:t>start_time</a:t>
-              </a:r>
-              <a:r>
-                <a:rPr kumimoji="1" lang="en-US" altLang="zh-CN" sz="1200" dirty="0">
-                  <a:latin typeface="DengXian" panose="02010600030101010101" pitchFamily="2" charset="-122"/>
-                  <a:ea typeface="DengXian" panose="02010600030101010101" pitchFamily="2" charset="-122"/>
-                </a:rPr>
-                <a:t>}</a:t>
-              </a:r>
-            </a:p>
-            <a:p>
+                <a:t>&lt; </a:t>
+              </a:r>
               <a:r>
                 <a:rPr kumimoji="1" lang="en-US" altLang="zh-CN" sz="1200" b="1" dirty="0">
                   <a:latin typeface="DengXian" panose="02010600030101010101" pitchFamily="2" charset="-122"/>
@@ -29697,23 +29566,16 @@
                   <a:latin typeface="DengXian" panose="02010600030101010101" pitchFamily="2" charset="-122"/>
                   <a:ea typeface="DengXian" panose="02010600030101010101" pitchFamily="2" charset="-122"/>
                 </a:rPr>
-                <a:t>${ratio}</a:t>
+                <a:t>${threshold}</a:t>
               </a:r>
             </a:p>
             <a:p>
               <a:r>
-                <a:rPr kumimoji="1" lang="en-US" altLang="zh-CN" sz="1200" b="1" dirty="0">
-                  <a:latin typeface="DengXian" panose="02010600030101010101" pitchFamily="2" charset="-122"/>
-                  <a:ea typeface="DengXian" panose="02010600030101010101" pitchFamily="2" charset="-122"/>
-                </a:rPr>
-                <a:t>edge2</a:t>
-              </a:r>
-              <a:r>
-                <a:rPr kumimoji="1" lang="en-US" altLang="zh-CN" sz="1200" dirty="0">
-                  <a:latin typeface="DengXian" panose="02010600030101010101" pitchFamily="2" charset="-122"/>
-                  <a:ea typeface="DengXian" panose="02010600030101010101" pitchFamily="2" charset="-122"/>
-                </a:rPr>
-                <a:t>.timestamp</a:t>
+                <a:rPr kumimoji="1" lang="en-US" altLang="zh-CN" sz="1200" dirty="0">
+                  <a:latin typeface="DengXian" panose="02010600030101010101" pitchFamily="2" charset="-122"/>
+                  <a:ea typeface="DengXian" panose="02010600030101010101" pitchFamily="2" charset="-122"/>
+                </a:rPr>
+                <a:t>${start _time}</a:t>
               </a:r>
               <a:r>
                 <a:rPr kumimoji="1" lang="zh-CN" altLang="en-US" sz="1200" dirty="0">
@@ -29727,38 +29589,8 @@
                   <a:latin typeface="DengXian" panose="02010600030101010101" pitchFamily="2" charset="-122"/>
                   <a:ea typeface="DengXian" panose="02010600030101010101" pitchFamily="2" charset="-122"/>
                 </a:rPr>
-                <a:t>&gt;</a:t>
-              </a:r>
-              <a:r>
-                <a:rPr kumimoji="1" lang="zh-CN" altLang="en-US" sz="1200" dirty="0">
-                  <a:latin typeface="DengXian" panose="02010600030101010101" pitchFamily="2" charset="-122"/>
-                  <a:ea typeface="DengXian" panose="02010600030101010101" pitchFamily="2" charset="-122"/>
-                </a:rPr>
-                <a:t> </a:t>
-              </a:r>
-              <a:r>
-                <a:rPr kumimoji="1" lang="en-US" altLang="zh-CN" sz="1200" dirty="0">
-                  <a:latin typeface="DengXian" panose="02010600030101010101" pitchFamily="2" charset="-122"/>
-                  <a:ea typeface="DengXian" panose="02010600030101010101" pitchFamily="2" charset="-122"/>
-                </a:rPr>
-                <a:t>${</a:t>
-              </a:r>
-              <a:r>
-                <a:rPr kumimoji="1" lang="en-US" altLang="zh-CN" sz="1200" dirty="0" err="1">
-                  <a:latin typeface="DengXian" panose="02010600030101010101" pitchFamily="2" charset="-122"/>
-                  <a:ea typeface="DengXian" panose="02010600030101010101" pitchFamily="2" charset="-122"/>
-                </a:rPr>
-                <a:t>start_time</a:t>
-              </a:r>
-              <a:r>
-                <a:rPr kumimoji="1" lang="en-US" altLang="zh-CN" sz="1200" dirty="0">
-                  <a:latin typeface="DengXian" panose="02010600030101010101" pitchFamily="2" charset="-122"/>
-                  <a:ea typeface="DengXian" panose="02010600030101010101" pitchFamily="2" charset="-122"/>
-                </a:rPr>
-                <a:t>}</a:t>
-              </a:r>
-            </a:p>
-            <a:p>
+                <a:t>&lt; </a:t>
+              </a:r>
               <a:r>
                 <a:rPr kumimoji="1" lang="en-US" altLang="zh-CN" sz="1200" b="1" dirty="0">
                   <a:latin typeface="DengXian" panose="02010600030101010101" pitchFamily="2" charset="-122"/>
@@ -29928,23 +29760,16 @@
                   <a:latin typeface="DengXian" panose="02010600030101010101" pitchFamily="2" charset="-122"/>
                   <a:ea typeface="DengXian" panose="02010600030101010101" pitchFamily="2" charset="-122"/>
                 </a:rPr>
-                <a:t>${ratio}</a:t>
+                <a:t>${threshold}</a:t>
               </a:r>
             </a:p>
             <a:p>
               <a:r>
-                <a:rPr kumimoji="1" lang="en-US" altLang="zh-CN" sz="1200" b="1" dirty="0">
-                  <a:latin typeface="DengXian" panose="02010600030101010101" pitchFamily="2" charset="-122"/>
-                  <a:ea typeface="DengXian" panose="02010600030101010101" pitchFamily="2" charset="-122"/>
-                </a:rPr>
-                <a:t>edge3</a:t>
-              </a:r>
-              <a:r>
-                <a:rPr kumimoji="1" lang="en-US" altLang="zh-CN" sz="1200" dirty="0">
-                  <a:latin typeface="DengXian" panose="02010600030101010101" pitchFamily="2" charset="-122"/>
-                  <a:ea typeface="DengXian" panose="02010600030101010101" pitchFamily="2" charset="-122"/>
-                </a:rPr>
-                <a:t>.timestamp</a:t>
+                <a:rPr kumimoji="1" lang="en-US" altLang="zh-CN" sz="1200" dirty="0">
+                  <a:latin typeface="DengXian" panose="02010600030101010101" pitchFamily="2" charset="-122"/>
+                  <a:ea typeface="DengXian" panose="02010600030101010101" pitchFamily="2" charset="-122"/>
+                </a:rPr>
+                <a:t>${start _time}</a:t>
               </a:r>
               <a:r>
                 <a:rPr kumimoji="1" lang="zh-CN" altLang="en-US" sz="1200" dirty="0">
@@ -29958,38 +29783,8 @@
                   <a:latin typeface="DengXian" panose="02010600030101010101" pitchFamily="2" charset="-122"/>
                   <a:ea typeface="DengXian" panose="02010600030101010101" pitchFamily="2" charset="-122"/>
                 </a:rPr>
-                <a:t>&gt;</a:t>
-              </a:r>
-              <a:r>
-                <a:rPr kumimoji="1" lang="zh-CN" altLang="en-US" sz="1200" dirty="0">
-                  <a:latin typeface="DengXian" panose="02010600030101010101" pitchFamily="2" charset="-122"/>
-                  <a:ea typeface="DengXian" panose="02010600030101010101" pitchFamily="2" charset="-122"/>
-                </a:rPr>
-                <a:t> </a:t>
-              </a:r>
-              <a:r>
-                <a:rPr kumimoji="1" lang="en-US" altLang="zh-CN" sz="1200" dirty="0">
-                  <a:latin typeface="DengXian" panose="02010600030101010101" pitchFamily="2" charset="-122"/>
-                  <a:ea typeface="DengXian" panose="02010600030101010101" pitchFamily="2" charset="-122"/>
-                </a:rPr>
-                <a:t>${</a:t>
-              </a:r>
-              <a:r>
-                <a:rPr kumimoji="1" lang="en-US" altLang="zh-CN" sz="1200" dirty="0" err="1">
-                  <a:latin typeface="DengXian" panose="02010600030101010101" pitchFamily="2" charset="-122"/>
-                  <a:ea typeface="DengXian" panose="02010600030101010101" pitchFamily="2" charset="-122"/>
-                </a:rPr>
-                <a:t>start_time</a:t>
-              </a:r>
-              <a:r>
-                <a:rPr kumimoji="1" lang="en-US" altLang="zh-CN" sz="1200" dirty="0">
-                  <a:latin typeface="DengXian" panose="02010600030101010101" pitchFamily="2" charset="-122"/>
-                  <a:ea typeface="DengXian" panose="02010600030101010101" pitchFamily="2" charset="-122"/>
-                </a:rPr>
-                <a:t>}</a:t>
-              </a:r>
-            </a:p>
-            <a:p>
+                <a:t>&lt; </a:t>
+              </a:r>
               <a:r>
                 <a:rPr kumimoji="1" lang="en-US" altLang="zh-CN" sz="1200" b="1" dirty="0">
                   <a:latin typeface="DengXian" panose="02010600030101010101" pitchFamily="2" charset="-122"/>
@@ -30159,23 +29954,16 @@
                   <a:latin typeface="DengXian" panose="02010600030101010101" pitchFamily="2" charset="-122"/>
                   <a:ea typeface="DengXian" panose="02010600030101010101" pitchFamily="2" charset="-122"/>
                 </a:rPr>
-                <a:t>${ratio}</a:t>
+                <a:t>${threshold}</a:t>
               </a:r>
             </a:p>
             <a:p>
               <a:r>
-                <a:rPr kumimoji="1" lang="en-US" altLang="zh-CN" sz="1200" b="1" dirty="0">
-                  <a:latin typeface="DengXian" panose="02010600030101010101" pitchFamily="2" charset="-122"/>
-                  <a:ea typeface="DengXian" panose="02010600030101010101" pitchFamily="2" charset="-122"/>
-                </a:rPr>
-                <a:t>edge4</a:t>
-              </a:r>
-              <a:r>
-                <a:rPr kumimoji="1" lang="en-US" altLang="zh-CN" sz="1200" dirty="0">
-                  <a:latin typeface="DengXian" panose="02010600030101010101" pitchFamily="2" charset="-122"/>
-                  <a:ea typeface="DengXian" panose="02010600030101010101" pitchFamily="2" charset="-122"/>
-                </a:rPr>
-                <a:t>.timestamp</a:t>
+                <a:rPr kumimoji="1" lang="en-US" altLang="zh-CN" sz="1200" dirty="0">
+                  <a:latin typeface="DengXian" panose="02010600030101010101" pitchFamily="2" charset="-122"/>
+                  <a:ea typeface="DengXian" panose="02010600030101010101" pitchFamily="2" charset="-122"/>
+                </a:rPr>
+                <a:t>${start _time}</a:t>
               </a:r>
               <a:r>
                 <a:rPr kumimoji="1" lang="zh-CN" altLang="en-US" sz="1200" dirty="0">
@@ -30189,38 +29977,8 @@
                   <a:latin typeface="DengXian" panose="02010600030101010101" pitchFamily="2" charset="-122"/>
                   <a:ea typeface="DengXian" panose="02010600030101010101" pitchFamily="2" charset="-122"/>
                 </a:rPr>
-                <a:t>&gt;</a:t>
-              </a:r>
-              <a:r>
-                <a:rPr kumimoji="1" lang="zh-CN" altLang="en-US" sz="1200" dirty="0">
-                  <a:latin typeface="DengXian" panose="02010600030101010101" pitchFamily="2" charset="-122"/>
-                  <a:ea typeface="DengXian" panose="02010600030101010101" pitchFamily="2" charset="-122"/>
-                </a:rPr>
-                <a:t> </a:t>
-              </a:r>
-              <a:r>
-                <a:rPr kumimoji="1" lang="en-US" altLang="zh-CN" sz="1200" dirty="0">
-                  <a:latin typeface="DengXian" panose="02010600030101010101" pitchFamily="2" charset="-122"/>
-                  <a:ea typeface="DengXian" panose="02010600030101010101" pitchFamily="2" charset="-122"/>
-                </a:rPr>
-                <a:t>${</a:t>
-              </a:r>
-              <a:r>
-                <a:rPr kumimoji="1" lang="en-US" altLang="zh-CN" sz="1200" dirty="0" err="1">
-                  <a:latin typeface="DengXian" panose="02010600030101010101" pitchFamily="2" charset="-122"/>
-                  <a:ea typeface="DengXian" panose="02010600030101010101" pitchFamily="2" charset="-122"/>
-                </a:rPr>
-                <a:t>start_time</a:t>
-              </a:r>
-              <a:r>
-                <a:rPr kumimoji="1" lang="en-US" altLang="zh-CN" sz="1200" dirty="0">
-                  <a:latin typeface="DengXian" panose="02010600030101010101" pitchFamily="2" charset="-122"/>
-                  <a:ea typeface="DengXian" panose="02010600030101010101" pitchFamily="2" charset="-122"/>
-                </a:rPr>
-                <a:t>}</a:t>
-              </a:r>
-            </a:p>
-            <a:p>
+                <a:t>&lt; </a:t>
+              </a:r>
               <a:r>
                 <a:rPr kumimoji="1" lang="en-US" altLang="zh-CN" sz="1200" b="1" dirty="0">
                   <a:latin typeface="DengXian" panose="02010600030101010101" pitchFamily="2" charset="-122"/>
@@ -32239,7 +31997,7 @@
           <p:spPr>
             <a:xfrm>
               <a:off x="4300749" y="1289537"/>
-              <a:ext cx="7012020" cy="4668527"/>
+              <a:ext cx="7012020" cy="3830435"/>
             </a:xfrm>
             <a:prstGeom prst="rect">
               <a:avLst/>
@@ -32283,18 +32041,45 @@
                 </a:rPr>
                 <a:t>RESULT</a:t>
               </a:r>
-            </a:p>
-            <a:p>
-              <a:pPr algn="just"/>
-              <a:r>
-                <a:rPr kumimoji="1" lang="en-US" altLang="zh-CN" sz="1200" dirty="0">
-                  <a:solidFill>
-                    <a:sysClr val="windowText" lastClr="000000"/>
-                  </a:solidFill>
-                  <a:latin typeface="DengXian" panose="02010600030101010101" pitchFamily="2" charset="-122"/>
-                  <a:ea typeface="DengXian" panose="02010600030101010101" pitchFamily="2" charset="-122"/>
-                </a:rPr>
-                <a:t>ratio1</a:t>
+              <a:r>
+                <a:rPr kumimoji="1" lang="zh-CN" altLang="en-US" sz="1200" b="1" dirty="0">
+                  <a:solidFill>
+                    <a:srgbClr val="FF0000"/>
+                  </a:solidFill>
+                  <a:latin typeface="DengXian" panose="02010600030101010101" pitchFamily="2" charset="-122"/>
+                  <a:ea typeface="DengXian" panose="02010600030101010101" pitchFamily="2" charset="-122"/>
+                </a:rPr>
+                <a:t> </a:t>
+              </a:r>
+              <a:r>
+                <a:rPr kumimoji="1" lang="en-US" altLang="zh-CN" sz="1200" dirty="0">
+                  <a:solidFill>
+                    <a:sysClr val="windowText" lastClr="000000"/>
+                  </a:solidFill>
+                  <a:latin typeface="DengXian" panose="02010600030101010101" pitchFamily="2" charset="-122"/>
+                  <a:ea typeface="DengXian" panose="02010600030101010101" pitchFamily="2" charset="-122"/>
+                </a:rPr>
+                <a:t>d</a:t>
+              </a:r>
+              <a:r>
+                <a:rPr kumimoji="1" lang="en-CN" altLang="zh-CN" sz="1200" dirty="0">
+                  <a:solidFill>
+                    <a:sysClr val="windowText" lastClr="000000"/>
+                  </a:solidFill>
+                  <a:latin typeface="DengXian" panose="02010600030101010101" pitchFamily="2" charset="-122"/>
+                  <a:ea typeface="DengXian" panose="02010600030101010101" pitchFamily="2" charset="-122"/>
+                </a:rPr>
+                <a:t>st</a:t>
+              </a:r>
+              <a:r>
+                <a:rPr kumimoji="1" lang="en-US" altLang="zh-CN" sz="1200" dirty="0">
+                  <a:solidFill>
+                    <a:sysClr val="windowText" lastClr="000000"/>
+                  </a:solidFill>
+                  <a:latin typeface="DengXian" panose="02010600030101010101" pitchFamily="2" charset="-122"/>
+                  <a:ea typeface="DengXian" panose="02010600030101010101" pitchFamily="2" charset="-122"/>
+                </a:rPr>
+                <a:t>.id,</a:t>
               </a:r>
               <a:r>
                 <a:rPr kumimoji="1" lang="zh-CN" altLang="en-US" sz="1200" dirty="0">
@@ -32314,7 +32099,7 @@
                   <a:latin typeface="DengXian" panose="02010600030101010101" pitchFamily="2" charset="-122"/>
                   <a:ea typeface="DengXian" panose="02010600030101010101" pitchFamily="2" charset="-122"/>
                 </a:rPr>
-                <a:t>=</a:t>
+                <a:t>ratio,</a:t>
               </a:r>
               <a:r>
                 <a:rPr kumimoji="1" lang="zh-CN" altLang="en-US" sz="1200" dirty="0">
@@ -32327,14 +32112,14 @@
                 <a:t> </a:t>
               </a:r>
               <a:r>
-                <a:rPr kumimoji="1" lang="en-US" altLang="zh-CN" sz="1200" dirty="0">
-                  <a:solidFill>
-                    <a:sysClr val="windowText" lastClr="000000"/>
-                  </a:solidFill>
-                  <a:latin typeface="DengXian" panose="02010600030101010101" pitchFamily="2" charset="-122"/>
-                  <a:ea typeface="DengXian" panose="02010600030101010101" pitchFamily="2" charset="-122"/>
-                </a:rPr>
-                <a:t>SUM(edge2.amount)</a:t>
+                <a:rPr kumimoji="1" lang="en-US" altLang="zh-CN" sz="1200" dirty="0" err="1">
+                  <a:solidFill>
+                    <a:sysClr val="windowText" lastClr="000000"/>
+                  </a:solidFill>
+                  <a:latin typeface="DengXian" panose="02010600030101010101" pitchFamily="2" charset="-122"/>
+                  <a:ea typeface="DengXian" panose="02010600030101010101" pitchFamily="2" charset="-122"/>
+                </a:rPr>
+                <a:t>distanceFromLoan</a:t>
               </a:r>
               <a:r>
                 <a:rPr kumimoji="1" lang="zh-CN" altLang="en-US" sz="1200" dirty="0">
@@ -32346,382 +32131,13 @@
                 </a:rPr>
                 <a:t> </a:t>
               </a:r>
-              <a:r>
-                <a:rPr kumimoji="1" lang="en-US" altLang="zh-CN" sz="1200" dirty="0">
-                  <a:solidFill>
-                    <a:sysClr val="windowText" lastClr="000000"/>
-                  </a:solidFill>
-                  <a:latin typeface="DengXian" panose="02010600030101010101" pitchFamily="2" charset="-122"/>
-                  <a:ea typeface="DengXian" panose="02010600030101010101" pitchFamily="2" charset="-122"/>
-                </a:rPr>
-                <a:t>/</a:t>
-              </a:r>
-              <a:r>
-                <a:rPr kumimoji="1" lang="zh-CN" altLang="en-US" sz="1200" dirty="0">
-                  <a:solidFill>
-                    <a:sysClr val="windowText" lastClr="000000"/>
-                  </a:solidFill>
-                  <a:latin typeface="DengXian" panose="02010600030101010101" pitchFamily="2" charset="-122"/>
-                  <a:ea typeface="DengXian" panose="02010600030101010101" pitchFamily="2" charset="-122"/>
-                </a:rPr>
-                <a:t> </a:t>
-              </a:r>
-              <a:r>
-                <a:rPr kumimoji="1" lang="en-US" altLang="zh-CN" sz="1200" dirty="0">
-                  <a:solidFill>
-                    <a:sysClr val="windowText" lastClr="000000"/>
-                  </a:solidFill>
-                  <a:latin typeface="DengXian" panose="02010600030101010101" pitchFamily="2" charset="-122"/>
-                  <a:ea typeface="DengXian" panose="02010600030101010101" pitchFamily="2" charset="-122"/>
-                </a:rPr>
-                <a:t>(UPSTREAM edge1.amount)</a:t>
-              </a:r>
-              <a:r>
-                <a:rPr kumimoji="1" lang="zh-CN" altLang="en-US" sz="1200" dirty="0">
-                  <a:solidFill>
-                    <a:sysClr val="windowText" lastClr="000000"/>
-                  </a:solidFill>
-                  <a:latin typeface="DengXian" panose="02010600030101010101" pitchFamily="2" charset="-122"/>
-                  <a:ea typeface="DengXian" panose="02010600030101010101" pitchFamily="2" charset="-122"/>
-                </a:rPr>
-                <a:t> </a:t>
-              </a:r>
-              <a:r>
-                <a:rPr kumimoji="1" lang="en-US" altLang="zh-CN" sz="1200" b="1" dirty="0" err="1">
-                  <a:solidFill>
-                    <a:srgbClr val="FF0000"/>
-                  </a:solidFill>
-                  <a:latin typeface="DengXian" panose="02010600030101010101" pitchFamily="2" charset="-122"/>
-                  <a:ea typeface="DengXian" panose="02010600030101010101" pitchFamily="2" charset="-122"/>
-                </a:rPr>
-                <a:t>Groupby</a:t>
-              </a:r>
-              <a:r>
-                <a:rPr kumimoji="1" lang="zh-CN" altLang="en-US" sz="1200" dirty="0">
-                  <a:solidFill>
-                    <a:sysClr val="windowText" lastClr="000000"/>
-                  </a:solidFill>
-                  <a:latin typeface="DengXian" panose="02010600030101010101" pitchFamily="2" charset="-122"/>
-                  <a:ea typeface="DengXian" panose="02010600030101010101" pitchFamily="2" charset="-122"/>
-                </a:rPr>
-                <a:t> </a:t>
-              </a:r>
-              <a:r>
-                <a:rPr kumimoji="1" lang="en-US" altLang="zh-CN" sz="1200" dirty="0">
-                  <a:solidFill>
-                    <a:sysClr val="windowText" lastClr="000000"/>
-                  </a:solidFill>
-                  <a:latin typeface="DengXian" panose="02010600030101010101" pitchFamily="2" charset="-122"/>
-                  <a:ea typeface="DengXian" panose="02010600030101010101" pitchFamily="2" charset="-122"/>
-                </a:rPr>
-                <a:t>dst1,</a:t>
-              </a:r>
-            </a:p>
-            <a:p>
-              <a:pPr algn="just"/>
-              <a:r>
-                <a:rPr kumimoji="1" lang="en-US" altLang="zh-CN" sz="1200" dirty="0">
-                  <a:solidFill>
-                    <a:sysClr val="windowText" lastClr="000000"/>
-                  </a:solidFill>
-                  <a:latin typeface="DengXian" panose="02010600030101010101" pitchFamily="2" charset="-122"/>
-                  <a:ea typeface="DengXian" panose="02010600030101010101" pitchFamily="2" charset="-122"/>
-                </a:rPr>
-                <a:t>ratio2</a:t>
-              </a:r>
-              <a:r>
-                <a:rPr kumimoji="1" lang="zh-CN" altLang="en-US" sz="1200" dirty="0">
-                  <a:solidFill>
-                    <a:sysClr val="windowText" lastClr="000000"/>
-                  </a:solidFill>
-                  <a:latin typeface="DengXian" panose="02010600030101010101" pitchFamily="2" charset="-122"/>
-                  <a:ea typeface="DengXian" panose="02010600030101010101" pitchFamily="2" charset="-122"/>
-                </a:rPr>
-                <a:t> </a:t>
-              </a:r>
-              <a:r>
-                <a:rPr kumimoji="1" lang="en-US" altLang="zh-CN" sz="1200" dirty="0">
-                  <a:solidFill>
-                    <a:sysClr val="windowText" lastClr="000000"/>
-                  </a:solidFill>
-                  <a:latin typeface="DengXian" panose="02010600030101010101" pitchFamily="2" charset="-122"/>
-                  <a:ea typeface="DengXian" panose="02010600030101010101" pitchFamily="2" charset="-122"/>
-                </a:rPr>
-                <a:t>=</a:t>
-              </a:r>
-              <a:r>
-                <a:rPr kumimoji="1" lang="zh-CN" altLang="en-US" sz="1200" dirty="0">
-                  <a:solidFill>
-                    <a:sysClr val="windowText" lastClr="000000"/>
-                  </a:solidFill>
-                  <a:latin typeface="DengXian" panose="02010600030101010101" pitchFamily="2" charset="-122"/>
-                  <a:ea typeface="DengXian" panose="02010600030101010101" pitchFamily="2" charset="-122"/>
-                </a:rPr>
-                <a:t> </a:t>
-              </a:r>
-              <a:r>
-                <a:rPr kumimoji="1" lang="en-US" altLang="zh-CN" sz="1200" dirty="0">
-                  <a:solidFill>
-                    <a:sysClr val="windowText" lastClr="000000"/>
-                  </a:solidFill>
-                  <a:latin typeface="DengXian" panose="02010600030101010101" pitchFamily="2" charset="-122"/>
-                  <a:ea typeface="DengXian" panose="02010600030101010101" pitchFamily="2" charset="-122"/>
-                </a:rPr>
-                <a:t>SUM(edge3.amount)</a:t>
-              </a:r>
-              <a:r>
-                <a:rPr kumimoji="1" lang="zh-CN" altLang="en-US" sz="1200" dirty="0">
-                  <a:solidFill>
-                    <a:sysClr val="windowText" lastClr="000000"/>
-                  </a:solidFill>
-                  <a:latin typeface="DengXian" panose="02010600030101010101" pitchFamily="2" charset="-122"/>
-                  <a:ea typeface="DengXian" panose="02010600030101010101" pitchFamily="2" charset="-122"/>
-                </a:rPr>
-                <a:t> </a:t>
-              </a:r>
-              <a:r>
-                <a:rPr kumimoji="1" lang="en-US" altLang="zh-CN" sz="1200" dirty="0">
-                  <a:solidFill>
-                    <a:sysClr val="windowText" lastClr="000000"/>
-                  </a:solidFill>
-                  <a:latin typeface="DengXian" panose="02010600030101010101" pitchFamily="2" charset="-122"/>
-                  <a:ea typeface="DengXian" panose="02010600030101010101" pitchFamily="2" charset="-122"/>
-                </a:rPr>
-                <a:t>/</a:t>
-              </a:r>
-              <a:r>
-                <a:rPr kumimoji="1" lang="zh-CN" altLang="en-US" sz="1200" dirty="0">
-                  <a:solidFill>
-                    <a:sysClr val="windowText" lastClr="000000"/>
-                  </a:solidFill>
-                  <a:latin typeface="DengXian" panose="02010600030101010101" pitchFamily="2" charset="-122"/>
-                  <a:ea typeface="DengXian" panose="02010600030101010101" pitchFamily="2" charset="-122"/>
-                </a:rPr>
-                <a:t> </a:t>
-              </a:r>
-              <a:r>
-                <a:rPr kumimoji="1" lang="en-US" altLang="zh-CN" sz="1200" dirty="0">
-                  <a:solidFill>
-                    <a:sysClr val="windowText" lastClr="000000"/>
-                  </a:solidFill>
-                  <a:latin typeface="DengXian" panose="02010600030101010101" pitchFamily="2" charset="-122"/>
-                  <a:ea typeface="DengXian" panose="02010600030101010101" pitchFamily="2" charset="-122"/>
-                </a:rPr>
-                <a:t>(UPSTREAM</a:t>
-              </a:r>
-              <a:r>
-                <a:rPr kumimoji="1" lang="zh-CN" altLang="en-US" sz="1200" dirty="0">
-                  <a:solidFill>
-                    <a:sysClr val="windowText" lastClr="000000"/>
-                  </a:solidFill>
-                  <a:latin typeface="DengXian" panose="02010600030101010101" pitchFamily="2" charset="-122"/>
-                  <a:ea typeface="DengXian" panose="02010600030101010101" pitchFamily="2" charset="-122"/>
-                </a:rPr>
-                <a:t> </a:t>
-              </a:r>
-              <a:r>
-                <a:rPr kumimoji="1" lang="en-US" altLang="zh-CN" sz="1200" dirty="0">
-                  <a:solidFill>
-                    <a:sysClr val="windowText" lastClr="000000"/>
-                  </a:solidFill>
-                  <a:latin typeface="DengXian" panose="02010600030101010101" pitchFamily="2" charset="-122"/>
-                  <a:ea typeface="DengXian" panose="02010600030101010101" pitchFamily="2" charset="-122"/>
-                </a:rPr>
-                <a:t>edge2.amount)</a:t>
-              </a:r>
-              <a:r>
-                <a:rPr kumimoji="1" lang="zh-CN" altLang="en-US" sz="1200" dirty="0">
-                  <a:solidFill>
-                    <a:sysClr val="windowText" lastClr="000000"/>
-                  </a:solidFill>
-                  <a:latin typeface="DengXian" panose="02010600030101010101" pitchFamily="2" charset="-122"/>
-                  <a:ea typeface="DengXian" panose="02010600030101010101" pitchFamily="2" charset="-122"/>
-                </a:rPr>
-                <a:t> </a:t>
-              </a:r>
-              <a:r>
-                <a:rPr kumimoji="1" lang="en-US" altLang="zh-CN" sz="1200" b="1" dirty="0" err="1">
-                  <a:solidFill>
-                    <a:srgbClr val="FF0000"/>
-                  </a:solidFill>
-                  <a:latin typeface="DengXian" panose="02010600030101010101" pitchFamily="2" charset="-122"/>
-                  <a:ea typeface="DengXian" panose="02010600030101010101" pitchFamily="2" charset="-122"/>
-                </a:rPr>
-                <a:t>Groupby</a:t>
-              </a:r>
-              <a:r>
-                <a:rPr kumimoji="1" lang="zh-CN" altLang="en-US" sz="1200" dirty="0">
-                  <a:solidFill>
-                    <a:sysClr val="windowText" lastClr="000000"/>
-                  </a:solidFill>
-                  <a:latin typeface="DengXian" panose="02010600030101010101" pitchFamily="2" charset="-122"/>
-                  <a:ea typeface="DengXian" panose="02010600030101010101" pitchFamily="2" charset="-122"/>
-                </a:rPr>
-                <a:t> </a:t>
-              </a:r>
-              <a:r>
-                <a:rPr kumimoji="1" lang="en-US" altLang="zh-CN" sz="1200" dirty="0">
-                  <a:solidFill>
-                    <a:sysClr val="windowText" lastClr="000000"/>
-                  </a:solidFill>
-                  <a:latin typeface="DengXian" panose="02010600030101010101" pitchFamily="2" charset="-122"/>
-                  <a:ea typeface="DengXian" panose="02010600030101010101" pitchFamily="2" charset="-122"/>
-                </a:rPr>
-                <a:t>dst2,</a:t>
-              </a:r>
-            </a:p>
-            <a:p>
-              <a:pPr algn="just"/>
-              <a:r>
-                <a:rPr kumimoji="1" lang="en-US" altLang="zh-CN" sz="1200" dirty="0">
-                  <a:solidFill>
-                    <a:sysClr val="windowText" lastClr="000000"/>
-                  </a:solidFill>
-                  <a:latin typeface="DengXian" panose="02010600030101010101" pitchFamily="2" charset="-122"/>
-                  <a:ea typeface="DengXian" panose="02010600030101010101" pitchFamily="2" charset="-122"/>
-                </a:rPr>
-                <a:t>ratio3</a:t>
-              </a:r>
-              <a:r>
-                <a:rPr kumimoji="1" lang="zh-CN" altLang="en-US" sz="1200" dirty="0">
-                  <a:solidFill>
-                    <a:sysClr val="windowText" lastClr="000000"/>
-                  </a:solidFill>
-                  <a:latin typeface="DengXian" panose="02010600030101010101" pitchFamily="2" charset="-122"/>
-                  <a:ea typeface="DengXian" panose="02010600030101010101" pitchFamily="2" charset="-122"/>
-                </a:rPr>
-                <a:t> </a:t>
-              </a:r>
-              <a:r>
-                <a:rPr kumimoji="1" lang="en-US" altLang="zh-CN" sz="1200" dirty="0">
-                  <a:solidFill>
-                    <a:sysClr val="windowText" lastClr="000000"/>
-                  </a:solidFill>
-                  <a:latin typeface="DengXian" panose="02010600030101010101" pitchFamily="2" charset="-122"/>
-                  <a:ea typeface="DengXian" panose="02010600030101010101" pitchFamily="2" charset="-122"/>
-                </a:rPr>
-                <a:t>=</a:t>
-              </a:r>
-              <a:r>
-                <a:rPr kumimoji="1" lang="zh-CN" altLang="en-US" sz="1200" dirty="0">
-                  <a:solidFill>
-                    <a:sysClr val="windowText" lastClr="000000"/>
-                  </a:solidFill>
-                  <a:latin typeface="DengXian" panose="02010600030101010101" pitchFamily="2" charset="-122"/>
-                  <a:ea typeface="DengXian" panose="02010600030101010101" pitchFamily="2" charset="-122"/>
-                </a:rPr>
-                <a:t> </a:t>
-              </a:r>
-              <a:r>
-                <a:rPr kumimoji="1" lang="en-US" altLang="zh-CN" sz="1200" dirty="0">
-                  <a:solidFill>
-                    <a:sysClr val="windowText" lastClr="000000"/>
-                  </a:solidFill>
-                  <a:latin typeface="DengXian" panose="02010600030101010101" pitchFamily="2" charset="-122"/>
-                  <a:ea typeface="DengXian" panose="02010600030101010101" pitchFamily="2" charset="-122"/>
-                </a:rPr>
-                <a:t>SUM(edge4.amount)</a:t>
-              </a:r>
-              <a:r>
-                <a:rPr kumimoji="1" lang="zh-CN" altLang="en-US" sz="1200" dirty="0">
-                  <a:solidFill>
-                    <a:sysClr val="windowText" lastClr="000000"/>
-                  </a:solidFill>
-                  <a:latin typeface="DengXian" panose="02010600030101010101" pitchFamily="2" charset="-122"/>
-                  <a:ea typeface="DengXian" panose="02010600030101010101" pitchFamily="2" charset="-122"/>
-                </a:rPr>
-                <a:t> </a:t>
-              </a:r>
-              <a:r>
-                <a:rPr kumimoji="1" lang="en-US" altLang="zh-CN" sz="1200" dirty="0">
-                  <a:solidFill>
-                    <a:sysClr val="windowText" lastClr="000000"/>
-                  </a:solidFill>
-                  <a:latin typeface="DengXian" panose="02010600030101010101" pitchFamily="2" charset="-122"/>
-                  <a:ea typeface="DengXian" panose="02010600030101010101" pitchFamily="2" charset="-122"/>
-                </a:rPr>
-                <a:t>/</a:t>
-              </a:r>
-              <a:r>
-                <a:rPr kumimoji="1" lang="zh-CN" altLang="en-US" sz="1200" dirty="0">
-                  <a:solidFill>
-                    <a:sysClr val="windowText" lastClr="000000"/>
-                  </a:solidFill>
-                  <a:latin typeface="DengXian" panose="02010600030101010101" pitchFamily="2" charset="-122"/>
-                  <a:ea typeface="DengXian" panose="02010600030101010101" pitchFamily="2" charset="-122"/>
-                </a:rPr>
-                <a:t> </a:t>
-              </a:r>
-              <a:r>
-                <a:rPr kumimoji="1" lang="en-US" altLang="zh-CN" sz="1200" dirty="0">
-                  <a:solidFill>
-                    <a:sysClr val="windowText" lastClr="000000"/>
-                  </a:solidFill>
-                  <a:latin typeface="DengXian" panose="02010600030101010101" pitchFamily="2" charset="-122"/>
-                  <a:ea typeface="DengXian" panose="02010600030101010101" pitchFamily="2" charset="-122"/>
-                </a:rPr>
-                <a:t>(UPSTREAM</a:t>
-              </a:r>
-              <a:r>
-                <a:rPr kumimoji="1" lang="zh-CN" altLang="en-US" sz="1200" dirty="0">
-                  <a:solidFill>
-                    <a:sysClr val="windowText" lastClr="000000"/>
-                  </a:solidFill>
-                  <a:latin typeface="DengXian" panose="02010600030101010101" pitchFamily="2" charset="-122"/>
-                  <a:ea typeface="DengXian" panose="02010600030101010101" pitchFamily="2" charset="-122"/>
-                </a:rPr>
-                <a:t> </a:t>
-              </a:r>
-              <a:r>
-                <a:rPr kumimoji="1" lang="en-US" altLang="zh-CN" sz="1200" dirty="0">
-                  <a:solidFill>
-                    <a:sysClr val="windowText" lastClr="000000"/>
-                  </a:solidFill>
-                  <a:latin typeface="DengXian" panose="02010600030101010101" pitchFamily="2" charset="-122"/>
-                  <a:ea typeface="DengXian" panose="02010600030101010101" pitchFamily="2" charset="-122"/>
-                </a:rPr>
-                <a:t>edge3.amount)</a:t>
-              </a:r>
-              <a:r>
-                <a:rPr kumimoji="1" lang="zh-CN" altLang="en-US" sz="1200" dirty="0">
-                  <a:solidFill>
-                    <a:sysClr val="windowText" lastClr="000000"/>
-                  </a:solidFill>
-                  <a:latin typeface="DengXian" panose="02010600030101010101" pitchFamily="2" charset="-122"/>
-                  <a:ea typeface="DengXian" panose="02010600030101010101" pitchFamily="2" charset="-122"/>
-                </a:rPr>
-                <a:t> </a:t>
-              </a:r>
-              <a:r>
-                <a:rPr kumimoji="1" lang="en-US" altLang="zh-CN" sz="1200" b="1" dirty="0" err="1">
-                  <a:solidFill>
-                    <a:srgbClr val="FF0000"/>
-                  </a:solidFill>
-                  <a:latin typeface="DengXian" panose="02010600030101010101" pitchFamily="2" charset="-122"/>
-                  <a:ea typeface="DengXian" panose="02010600030101010101" pitchFamily="2" charset="-122"/>
-                </a:rPr>
-                <a:t>Groupby</a:t>
-              </a:r>
-              <a:r>
-                <a:rPr kumimoji="1" lang="zh-CN" altLang="en-US" sz="1200" dirty="0">
-                  <a:solidFill>
-                    <a:sysClr val="windowText" lastClr="000000"/>
-                  </a:solidFill>
-                  <a:latin typeface="DengXian" panose="02010600030101010101" pitchFamily="2" charset="-122"/>
-                  <a:ea typeface="DengXian" panose="02010600030101010101" pitchFamily="2" charset="-122"/>
-                </a:rPr>
-                <a:t> </a:t>
-              </a:r>
-              <a:r>
-                <a:rPr kumimoji="1" lang="en-US" altLang="zh-CN" sz="1200" dirty="0">
-                  <a:solidFill>
-                    <a:sysClr val="windowText" lastClr="000000"/>
-                  </a:solidFill>
-                  <a:latin typeface="DengXian" panose="02010600030101010101" pitchFamily="2" charset="-122"/>
-                  <a:ea typeface="DengXian" panose="02010600030101010101" pitchFamily="2" charset="-122"/>
-                </a:rPr>
-                <a:t>dst3</a:t>
-              </a:r>
+              <a:endParaRPr kumimoji="1" lang="en-US" altLang="zh-CN" sz="1200" dirty="0">
+                <a:solidFill>
+                  <a:sysClr val="windowText" lastClr="000000"/>
+                </a:solidFill>
+                <a:latin typeface="DengXian" panose="02010600030101010101" pitchFamily="2" charset="-122"/>
+                <a:ea typeface="DengXian" panose="02010600030101010101" pitchFamily="2" charset="-122"/>
+              </a:endParaRPr>
             </a:p>
           </p:txBody>
         </p:sp>

--- a/patterns/transaction-complex-read.pptx
+++ b/patterns/transaction-complex-read.pptx
@@ -211,7 +211,7 @@
           <a:p>
             <a:fld id="{CAD4BD24-A097-4F9D-85E9-6A2A24CA2D98}" type="datetimeFigureOut">
               <a:rPr lang="zh-CN" altLang="en-US" smtClean="0"/>
-              <a:t>2023/3/1</a:t>
+              <a:t>2023/4/27</a:t>
             </a:fld>
             <a:endParaRPr lang="zh-CN" altLang="en-US"/>
           </a:p>
@@ -2638,7 +2638,7 @@
                   <a:latin typeface="DengXian" panose="02010600030101010101" pitchFamily="2" charset="-122"/>
                   <a:ea typeface="DengXian" panose="02010600030101010101" pitchFamily="2" charset="-122"/>
                 </a:rPr>
-                <a:t>start_time</a:t>
+                <a:t>startTime</a:t>
               </a:r>
               <a:r>
                 <a:rPr kumimoji="1" lang="en-US" altLang="zh-CN" sz="1200" dirty="0">
@@ -2697,7 +2697,7 @@
                   <a:latin typeface="DengXian" panose="02010600030101010101" pitchFamily="2" charset="-122"/>
                   <a:ea typeface="DengXian" panose="02010600030101010101" pitchFamily="2" charset="-122"/>
                 </a:rPr>
-                <a:t>end_time</a:t>
+                <a:t>endTime</a:t>
               </a:r>
               <a:r>
                 <a:rPr kumimoji="1" lang="en-US" altLang="zh-CN" sz="1200" dirty="0">
@@ -2841,7 +2841,7 @@
                   <a:latin typeface="DengXian" panose="02010600030101010101" pitchFamily="2" charset="-122"/>
                   <a:ea typeface="DengXian" panose="02010600030101010101" pitchFamily="2" charset="-122"/>
                 </a:rPr>
-                <a:t>start_time</a:t>
+                <a:t>startTime</a:t>
               </a:r>
               <a:r>
                 <a:rPr kumimoji="1" lang="en-US" altLang="zh-CN" sz="1200" dirty="0">
@@ -2900,7 +2900,7 @@
                   <a:latin typeface="DengXian" panose="02010600030101010101" pitchFamily="2" charset="-122"/>
                   <a:ea typeface="DengXian" panose="02010600030101010101" pitchFamily="2" charset="-122"/>
                 </a:rPr>
-                <a:t>end_time</a:t>
+                <a:t>endTime</a:t>
               </a:r>
               <a:r>
                 <a:rPr kumimoji="1" lang="en-US" altLang="zh-CN" sz="1200" dirty="0">
@@ -6430,7 +6430,7 @@
                   <a:latin typeface="DengXian" panose="02010600030101010101" pitchFamily="2" charset="-122"/>
                   <a:ea typeface="DengXian" panose="02010600030101010101" pitchFamily="2" charset="-122"/>
                 </a:rPr>
-                <a:t>start_time</a:t>
+                <a:t>startTime</a:t>
               </a:r>
               <a:r>
                 <a:rPr kumimoji="1" lang="en-US" altLang="zh-CN" sz="1200" dirty="0">
@@ -6488,7 +6488,7 @@
                   <a:latin typeface="DengXian" panose="02010600030101010101" pitchFamily="2" charset="-122"/>
                   <a:ea typeface="DengXian" panose="02010600030101010101" pitchFamily="2" charset="-122"/>
                 </a:rPr>
-                <a:t>end_time</a:t>
+                <a:t>endTime</a:t>
               </a:r>
               <a:r>
                 <a:rPr kumimoji="1" lang="en-US" altLang="zh-CN" sz="1200" dirty="0">
@@ -6575,7 +6575,7 @@
                   <a:latin typeface="DengXian" panose="02010600030101010101" pitchFamily="2" charset="-122"/>
                   <a:ea typeface="DengXian" panose="02010600030101010101" pitchFamily="2" charset="-122"/>
                 </a:rPr>
-                <a:t>start_time</a:t>
+                <a:t>startTime</a:t>
               </a:r>
               <a:r>
                 <a:rPr kumimoji="1" lang="en-US" altLang="zh-CN" sz="1200" dirty="0">
@@ -6633,7 +6633,7 @@
                   <a:latin typeface="DengXian" panose="02010600030101010101" pitchFamily="2" charset="-122"/>
                   <a:ea typeface="DengXian" panose="02010600030101010101" pitchFamily="2" charset="-122"/>
                 </a:rPr>
-                <a:t>end_time</a:t>
+                <a:t>endTime</a:t>
               </a:r>
               <a:r>
                 <a:rPr kumimoji="1" lang="en-US" altLang="zh-CN" sz="1200" dirty="0">
@@ -9330,10 +9330,10 @@
       </p:grpSpPr>
       <p:grpSp>
         <p:nvGrpSpPr>
-          <p:cNvPr id="17" name="Group 16">
+          <p:cNvPr id="24" name="Group 23">
             <a:extLst>
               <a:ext uri="{FF2B5EF4-FFF2-40B4-BE49-F238E27FC236}">
-                <a16:creationId xmlns:a16="http://schemas.microsoft.com/office/drawing/2014/main" id="{0883B488-BAF6-8FF0-196C-6B326EDD5D7E}"/>
+                <a16:creationId xmlns:a16="http://schemas.microsoft.com/office/drawing/2014/main" id="{FF91DE77-D9F7-9D73-DEE2-738AEBDCC70F}"/>
               </a:ext>
             </a:extLst>
           </p:cNvPr>
@@ -9342,10 +9342,10 @@
         </p:nvGrpSpPr>
         <p:grpSpPr>
           <a:xfrm>
-            <a:off x="1992999" y="2447434"/>
-            <a:ext cx="8206001" cy="2943767"/>
-            <a:chOff x="1992999" y="2447434"/>
-            <a:chExt cx="8206001" cy="2943767"/>
+            <a:off x="1921279" y="2447434"/>
+            <a:ext cx="8277721" cy="2943767"/>
+            <a:chOff x="1921279" y="2447434"/>
+            <a:chExt cx="8277721" cy="2943767"/>
           </a:xfrm>
         </p:grpSpPr>
         <p:sp>
@@ -9362,7 +9362,7 @@
           </p:nvSpPr>
           <p:spPr>
             <a:xfrm>
-              <a:off x="1992999" y="3880994"/>
+              <a:off x="1921279" y="3880994"/>
               <a:ext cx="1428081" cy="505147"/>
             </a:xfrm>
             <a:prstGeom prst="rect">
@@ -9467,8 +9467,8 @@
           </p:nvCxnSpPr>
           <p:spPr>
             <a:xfrm>
-              <a:off x="3421080" y="4133568"/>
-              <a:ext cx="735170" cy="0"/>
+              <a:off x="3349360" y="4133568"/>
+              <a:ext cx="806890" cy="0"/>
             </a:xfrm>
             <a:prstGeom prst="straightConnector1">
               <a:avLst/>
@@ -9775,8 +9775,8 @@
           </p:nvSpPr>
           <p:spPr>
             <a:xfrm>
-              <a:off x="6319500" y="3880994"/>
-              <a:ext cx="1428080" cy="505147"/>
+              <a:off x="6444776" y="3880994"/>
+              <a:ext cx="1167443" cy="505147"/>
             </a:xfrm>
             <a:prstGeom prst="rect">
               <a:avLst/>
@@ -9943,7 +9943,7 @@
           <p:spPr>
             <a:xfrm>
               <a:off x="5584330" y="4133568"/>
-              <a:ext cx="735170" cy="0"/>
+              <a:ext cx="860446" cy="0"/>
             </a:xfrm>
             <a:prstGeom prst="straightConnector1">
               <a:avLst/>
@@ -9989,8 +9989,8 @@
           </p:nvCxnSpPr>
           <p:spPr>
             <a:xfrm>
-              <a:off x="7747580" y="4133568"/>
-              <a:ext cx="735170" cy="0"/>
+              <a:off x="7612219" y="4133568"/>
+              <a:ext cx="870531" cy="0"/>
             </a:xfrm>
             <a:prstGeom prst="straightConnector1">
               <a:avLst/>
@@ -10032,8 +10032,8 @@
           </p:nvSpPr>
           <p:spPr>
             <a:xfrm>
-              <a:off x="3388984" y="4133567"/>
-              <a:ext cx="799362" cy="276999"/>
+              <a:off x="3313734" y="4133567"/>
+              <a:ext cx="892542" cy="276999"/>
             </a:xfrm>
             <a:prstGeom prst="rect">
               <a:avLst/>
@@ -10048,16 +10048,12 @@
             <a:p>
               <a:pPr algn="ctr"/>
               <a:r>
-                <a:rPr kumimoji="1" lang="en-US" altLang="zh-CN" sz="1200" dirty="0" err="1">
-                  <a:latin typeface="DengXian" panose="02010600030101010101" pitchFamily="2" charset="-122"/>
-                  <a:ea typeface="DengXian" panose="02010600030101010101" pitchFamily="2" charset="-122"/>
-                </a:rPr>
-                <a:t>gurantee</a:t>
-              </a:r>
-              <a:endParaRPr kumimoji="1" lang="en-US" altLang="zh-CN" sz="1200" dirty="0">
-                <a:latin typeface="DengXian" panose="02010600030101010101" pitchFamily="2" charset="-122"/>
-                <a:ea typeface="DengXian" panose="02010600030101010101" pitchFamily="2" charset="-122"/>
-              </a:endParaRPr>
+                <a:rPr kumimoji="1" lang="en-US" altLang="zh-CN" sz="1200" dirty="0">
+                  <a:latin typeface="DengXian" panose="02010600030101010101" pitchFamily="2" charset="-122"/>
+                  <a:ea typeface="DengXian" panose="02010600030101010101" pitchFamily="2" charset="-122"/>
+                </a:rPr>
+                <a:t>guarantee</a:t>
+              </a:r>
             </a:p>
           </p:txBody>
         </p:sp>
@@ -10457,8 +10453,8 @@
           </p:nvSpPr>
           <p:spPr>
             <a:xfrm>
-              <a:off x="5552234" y="4133566"/>
-              <a:ext cx="799362" cy="276999"/>
+              <a:off x="5552233" y="4133566"/>
+              <a:ext cx="902627" cy="276999"/>
             </a:xfrm>
             <a:prstGeom prst="rect">
               <a:avLst/>
@@ -10473,16 +10469,12 @@
             <a:p>
               <a:pPr algn="ctr"/>
               <a:r>
-                <a:rPr kumimoji="1" lang="en-US" altLang="zh-CN" sz="1200" dirty="0" err="1">
-                  <a:latin typeface="DengXian" panose="02010600030101010101" pitchFamily="2" charset="-122"/>
-                  <a:ea typeface="DengXian" panose="02010600030101010101" pitchFamily="2" charset="-122"/>
-                </a:rPr>
-                <a:t>gurantee</a:t>
-              </a:r>
-              <a:endParaRPr kumimoji="1" lang="en-US" altLang="zh-CN" sz="1200" dirty="0">
-                <a:latin typeface="DengXian" panose="02010600030101010101" pitchFamily="2" charset="-122"/>
-                <a:ea typeface="DengXian" panose="02010600030101010101" pitchFamily="2" charset="-122"/>
-              </a:endParaRPr>
+                <a:rPr kumimoji="1" lang="en-US" altLang="zh-CN" sz="1200" dirty="0">
+                  <a:latin typeface="DengXian" panose="02010600030101010101" pitchFamily="2" charset="-122"/>
+                  <a:ea typeface="DengXian" panose="02010600030101010101" pitchFamily="2" charset="-122"/>
+                </a:rPr>
+                <a:t>guarantee</a:t>
+              </a:r>
             </a:p>
           </p:txBody>
         </p:sp>
@@ -10500,8 +10492,8 @@
           </p:nvSpPr>
           <p:spPr>
             <a:xfrm>
-              <a:off x="7717519" y="4131131"/>
-              <a:ext cx="799362" cy="276999"/>
+              <a:off x="7612219" y="4131131"/>
+              <a:ext cx="904662" cy="276999"/>
             </a:xfrm>
             <a:prstGeom prst="rect">
               <a:avLst/>
@@ -10516,16 +10508,12 @@
             <a:p>
               <a:pPr algn="ctr"/>
               <a:r>
-                <a:rPr kumimoji="1" lang="en-US" altLang="zh-CN" sz="1200" dirty="0" err="1">
-                  <a:latin typeface="DengXian" panose="02010600030101010101" pitchFamily="2" charset="-122"/>
-                  <a:ea typeface="DengXian" panose="02010600030101010101" pitchFamily="2" charset="-122"/>
-                </a:rPr>
-                <a:t>gurantee</a:t>
-              </a:r>
-              <a:endParaRPr kumimoji="1" lang="en-US" altLang="zh-CN" sz="1200" dirty="0">
-                <a:latin typeface="DengXian" panose="02010600030101010101" pitchFamily="2" charset="-122"/>
-                <a:ea typeface="DengXian" panose="02010600030101010101" pitchFamily="2" charset="-122"/>
-              </a:endParaRPr>
+                <a:rPr kumimoji="1" lang="en-US" altLang="zh-CN" sz="1200" dirty="0">
+                  <a:latin typeface="DengXian" panose="02010600030101010101" pitchFamily="2" charset="-122"/>
+                  <a:ea typeface="DengXian" panose="02010600030101010101" pitchFamily="2" charset="-122"/>
+                </a:rPr>
+                <a:t>guarantee</a:t>
+              </a:r>
             </a:p>
           </p:txBody>
         </p:sp>
@@ -10543,7 +10531,7 @@
           </p:nvSpPr>
           <p:spPr>
             <a:xfrm>
-              <a:off x="1992999" y="4390024"/>
+              <a:off x="1921279" y="4390024"/>
               <a:ext cx="1428081" cy="338392"/>
             </a:xfrm>
             <a:prstGeom prst="rect">
@@ -10690,16 +10678,12 @@
                 <a:t> </a:t>
               </a:r>
               <a:r>
-                <a:rPr kumimoji="1" lang="en-US" altLang="zh-CN" sz="1200" dirty="0" err="1">
-                  <a:latin typeface="DengXian" panose="02010600030101010101" pitchFamily="2" charset="-122"/>
-                  <a:ea typeface="DengXian" panose="02010600030101010101" pitchFamily="2" charset="-122"/>
-                </a:rPr>
-                <a:t>gurantee</a:t>
-              </a:r>
-              <a:endParaRPr kumimoji="1" lang="en-US" altLang="zh-CN" sz="1200" dirty="0">
-                <a:latin typeface="DengXian" panose="02010600030101010101" pitchFamily="2" charset="-122"/>
-                <a:ea typeface="DengXian" panose="02010600030101010101" pitchFamily="2" charset="-122"/>
-              </a:endParaRPr>
+                <a:rPr kumimoji="1" lang="en-US" altLang="zh-CN" sz="1200" dirty="0">
+                  <a:latin typeface="DengXian" panose="02010600030101010101" pitchFamily="2" charset="-122"/>
+                  <a:ea typeface="DengXian" panose="02010600030101010101" pitchFamily="2" charset="-122"/>
+                </a:rPr>
+                <a:t>guarantee</a:t>
+              </a:r>
             </a:p>
             <a:p>
               <a:r>
@@ -10749,7 +10733,7 @@
                   <a:latin typeface="DengXian" panose="02010600030101010101" pitchFamily="2" charset="-122"/>
                   <a:ea typeface="DengXian" panose="02010600030101010101" pitchFamily="2" charset="-122"/>
                 </a:rPr>
-                <a:t>start_time</a:t>
+                <a:t>startTime</a:t>
               </a:r>
               <a:r>
                 <a:rPr kumimoji="1" lang="en-US" altLang="zh-CN" sz="1200" dirty="0">
@@ -10807,7 +10791,7 @@
                   <a:latin typeface="DengXian" panose="02010600030101010101" pitchFamily="2" charset="-122"/>
                   <a:ea typeface="DengXian" panose="02010600030101010101" pitchFamily="2" charset="-122"/>
                 </a:rPr>
-                <a:t>end_time</a:t>
+                <a:t>endTime</a:t>
               </a:r>
               <a:r>
                 <a:rPr kumimoji="1" lang="en-US" altLang="zh-CN" sz="1200" dirty="0">
@@ -10844,16 +10828,12 @@
                 <a:t> </a:t>
               </a:r>
               <a:r>
-                <a:rPr kumimoji="1" lang="en-US" altLang="zh-CN" sz="1200" dirty="0" err="1">
-                  <a:latin typeface="DengXian" panose="02010600030101010101" pitchFamily="2" charset="-122"/>
-                  <a:ea typeface="DengXian" panose="02010600030101010101" pitchFamily="2" charset="-122"/>
-                </a:rPr>
-                <a:t>gurantee</a:t>
-              </a:r>
-              <a:endParaRPr kumimoji="1" lang="en-US" altLang="zh-CN" sz="1200" dirty="0">
-                <a:latin typeface="DengXian" panose="02010600030101010101" pitchFamily="2" charset="-122"/>
-                <a:ea typeface="DengXian" panose="02010600030101010101" pitchFamily="2" charset="-122"/>
-              </a:endParaRPr>
+                <a:rPr kumimoji="1" lang="en-US" altLang="zh-CN" sz="1200" dirty="0">
+                  <a:latin typeface="DengXian" panose="02010600030101010101" pitchFamily="2" charset="-122"/>
+                  <a:ea typeface="DengXian" panose="02010600030101010101" pitchFamily="2" charset="-122"/>
+                </a:rPr>
+                <a:t>guarantee</a:t>
+              </a:r>
             </a:p>
             <a:p>
               <a:r>
@@ -10903,7 +10883,7 @@
                   <a:latin typeface="DengXian" panose="02010600030101010101" pitchFamily="2" charset="-122"/>
                   <a:ea typeface="DengXian" panose="02010600030101010101" pitchFamily="2" charset="-122"/>
                 </a:rPr>
-                <a:t>start_time</a:t>
+                <a:t>startTime</a:t>
               </a:r>
               <a:r>
                 <a:rPr kumimoji="1" lang="en-US" altLang="zh-CN" sz="1200" dirty="0">
@@ -10961,7 +10941,7 @@
                   <a:latin typeface="DengXian" panose="02010600030101010101" pitchFamily="2" charset="-122"/>
                   <a:ea typeface="DengXian" panose="02010600030101010101" pitchFamily="2" charset="-122"/>
                 </a:rPr>
-                <a:t>end_time</a:t>
+                <a:t>endTime</a:t>
               </a:r>
               <a:r>
                 <a:rPr kumimoji="1" lang="en-US" altLang="zh-CN" sz="1200" dirty="0">
@@ -11416,7 +11396,7 @@
                   <a:latin typeface="DengXian" panose="02010600030101010101" pitchFamily="2" charset="-122"/>
                   <a:ea typeface="DengXian" panose="02010600030101010101" pitchFamily="2" charset="-122"/>
                 </a:rPr>
-                <a:t>start_time</a:t>
+                <a:t>startTime</a:t>
               </a:r>
               <a:r>
                 <a:rPr kumimoji="1" lang="en-US" altLang="zh-CN" sz="1200" dirty="0">
@@ -11474,7 +11454,7 @@
                   <a:latin typeface="DengXian" panose="02010600030101010101" pitchFamily="2" charset="-122"/>
                   <a:ea typeface="DengXian" panose="02010600030101010101" pitchFamily="2" charset="-122"/>
                 </a:rPr>
-                <a:t>end_time</a:t>
+                <a:t>endTime</a:t>
               </a:r>
               <a:r>
                 <a:rPr kumimoji="1" lang="en-US" altLang="zh-CN" sz="1200" dirty="0">
@@ -13961,7 +13941,7 @@
                 <a:latin typeface="DengXian" panose="02010600030101010101" pitchFamily="2" charset="-122"/>
                 <a:ea typeface="DengXian" panose="02010600030101010101" pitchFamily="2" charset="-122"/>
               </a:rPr>
-              <a:t>start_time</a:t>
+              <a:t>startTime</a:t>
             </a:r>
             <a:r>
               <a:rPr kumimoji="1" lang="en-US" altLang="zh-CN" sz="1400" dirty="0">
@@ -14020,7 +14000,7 @@
                 <a:latin typeface="DengXian" panose="02010600030101010101" pitchFamily="2" charset="-122"/>
                 <a:ea typeface="DengXian" panose="02010600030101010101" pitchFamily="2" charset="-122"/>
               </a:rPr>
-              <a:t>end_time</a:t>
+              <a:t>endTime</a:t>
             </a:r>
             <a:r>
               <a:rPr kumimoji="1" lang="en-US" altLang="zh-CN" sz="1400" dirty="0">
@@ -15731,7 +15711,7 @@
                 <a:latin typeface="DengXian" panose="02010600030101010101" pitchFamily="2" charset="-122"/>
                 <a:ea typeface="DengXian" panose="02010600030101010101" pitchFamily="2" charset="-122"/>
               </a:rPr>
-              <a:t>start_time</a:t>
+              <a:t>startTime</a:t>
             </a:r>
             <a:r>
               <a:rPr kumimoji="1" lang="en-US" altLang="zh-CN" sz="1400" dirty="0">
@@ -15790,7 +15770,7 @@
                 <a:latin typeface="DengXian" panose="02010600030101010101" pitchFamily="2" charset="-122"/>
                 <a:ea typeface="DengXian" panose="02010600030101010101" pitchFamily="2" charset="-122"/>
               </a:rPr>
-              <a:t>end_time</a:t>
+              <a:t>endTime</a:t>
             </a:r>
             <a:r>
               <a:rPr kumimoji="1" lang="en-US" altLang="zh-CN" sz="1400" dirty="0">
@@ -16687,7 +16667,7 @@
                     <a:sysClr val="windowText" lastClr="000000"/>
                   </a:solidFill>
                 </a:rPr>
-                <a:t>accounts</a:t>
+                <a:t>account</a:t>
               </a:r>
               <a:r>
                 <a:rPr kumimoji="1" lang="zh-CN" altLang="en-US" sz="1200" dirty="0">
@@ -17029,7 +17009,7 @@
                   <a:latin typeface="DengXian" panose="02010600030101010101" pitchFamily="2" charset="-122"/>
                   <a:ea typeface="DengXian" panose="02010600030101010101" pitchFamily="2" charset="-122"/>
                 </a:rPr>
-                <a:t>start_time</a:t>
+                <a:t>startTime</a:t>
               </a:r>
               <a:r>
                 <a:rPr kumimoji="1" lang="en-US" altLang="zh-CN" sz="1200" dirty="0">
@@ -17087,7 +17067,7 @@
                   <a:latin typeface="DengXian" panose="02010600030101010101" pitchFamily="2" charset="-122"/>
                   <a:ea typeface="DengXian" panose="02010600030101010101" pitchFamily="2" charset="-122"/>
                 </a:rPr>
-                <a:t>end_time</a:t>
+                <a:t>endTime</a:t>
               </a:r>
               <a:r>
                 <a:rPr kumimoji="1" lang="en-US" altLang="zh-CN" sz="1200" dirty="0">
@@ -17214,7 +17194,7 @@
                   <a:latin typeface="DengXian" panose="02010600030101010101" pitchFamily="2" charset="-122"/>
                   <a:ea typeface="DengXian" panose="02010600030101010101" pitchFamily="2" charset="-122"/>
                 </a:rPr>
-                <a:t>start_time</a:t>
+                <a:t>startTime</a:t>
               </a:r>
               <a:r>
                 <a:rPr kumimoji="1" lang="en-US" altLang="zh-CN" sz="1200" dirty="0">
@@ -17296,7 +17276,7 @@
                   <a:latin typeface="DengXian" panose="02010600030101010101" pitchFamily="2" charset="-122"/>
                   <a:ea typeface="DengXian" panose="02010600030101010101" pitchFamily="2" charset="-122"/>
                 </a:rPr>
-                <a:t>end_time</a:t>
+                <a:t>endTime</a:t>
               </a:r>
               <a:r>
                 <a:rPr kumimoji="1" lang="en-US" altLang="zh-CN" sz="1200" dirty="0">
@@ -17518,7 +17498,7 @@
                     <a:sysClr val="windowText" lastClr="000000"/>
                   </a:solidFill>
                 </a:rPr>
-                <a:t>accounts</a:t>
+                <a:t>account</a:t>
               </a:r>
               <a:r>
                 <a:rPr kumimoji="1" lang="zh-CN" altLang="en-US" sz="1200" dirty="0">
@@ -17915,7 +17895,7 @@
                     <a:sysClr val="windowText" lastClr="000000"/>
                   </a:solidFill>
                 </a:rPr>
-                <a:t>accounts</a:t>
+                <a:t>account</a:t>
               </a:r>
               <a:r>
                 <a:rPr kumimoji="1" lang="zh-CN" altLang="en-US" sz="1200" dirty="0">
@@ -18694,7 +18674,7 @@
                 <a:latin typeface="DengXian" panose="02010600030101010101" pitchFamily="2" charset="-122"/>
                 <a:ea typeface="DengXian" panose="02010600030101010101" pitchFamily="2" charset="-122"/>
               </a:rPr>
-              <a:t>start_time</a:t>
+              <a:t>startTime</a:t>
             </a:r>
             <a:r>
               <a:rPr kumimoji="1" lang="en-US" altLang="zh-CN" sz="1200" dirty="0">
@@ -18752,7 +18732,7 @@
                 <a:latin typeface="DengXian" panose="02010600030101010101" pitchFamily="2" charset="-122"/>
                 <a:ea typeface="DengXian" panose="02010600030101010101" pitchFamily="2" charset="-122"/>
               </a:rPr>
-              <a:t>end_time</a:t>
+              <a:t>endTime</a:t>
             </a:r>
             <a:r>
               <a:rPr kumimoji="1" lang="en-US" altLang="zh-CN" sz="1200" dirty="0">
@@ -21174,7 +21154,7 @@
                   <a:latin typeface="DengXian" panose="02010600030101010101" pitchFamily="2" charset="-122"/>
                   <a:ea typeface="DengXian" panose="02010600030101010101" pitchFamily="2" charset="-122"/>
                 </a:rPr>
-                <a:t>start_time</a:t>
+                <a:t>startTime</a:t>
               </a:r>
               <a:r>
                 <a:rPr kumimoji="1" lang="en-US" altLang="zh-CN" sz="1200" dirty="0">
@@ -21233,7 +21213,7 @@
                   <a:latin typeface="DengXian" panose="02010600030101010101" pitchFamily="2" charset="-122"/>
                   <a:ea typeface="DengXian" panose="02010600030101010101" pitchFamily="2" charset="-122"/>
                 </a:rPr>
-                <a:t>end_time</a:t>
+                <a:t>endTime</a:t>
               </a:r>
               <a:r>
                 <a:rPr kumimoji="1" lang="en-US" altLang="zh-CN" sz="1200" dirty="0">
@@ -22012,7 +21992,7 @@
                   <a:latin typeface="DengXian" panose="02010600030101010101" pitchFamily="2" charset="-122"/>
                   <a:ea typeface="DengXian" panose="02010600030101010101" pitchFamily="2" charset="-122"/>
                 </a:rPr>
-                <a:t>start_time</a:t>
+                <a:t>startTime</a:t>
               </a:r>
               <a:r>
                 <a:rPr kumimoji="1" lang="en-US" altLang="zh-CN" sz="1200" dirty="0">
@@ -22071,7 +22051,7 @@
                   <a:latin typeface="DengXian" panose="02010600030101010101" pitchFamily="2" charset="-122"/>
                   <a:ea typeface="DengXian" panose="02010600030101010101" pitchFamily="2" charset="-122"/>
                 </a:rPr>
-                <a:t>end_time</a:t>
+                <a:t>endTime</a:t>
               </a:r>
               <a:r>
                 <a:rPr kumimoji="1" lang="en-US" altLang="zh-CN" sz="1200" dirty="0">
@@ -22298,7 +22278,7 @@
                   <a:latin typeface="DengXian" panose="02010600030101010101" pitchFamily="2" charset="-122"/>
                   <a:ea typeface="DengXian" panose="02010600030101010101" pitchFamily="2" charset="-122"/>
                 </a:rPr>
-                <a:t>start_time</a:t>
+                <a:t>startTime</a:t>
               </a:r>
               <a:r>
                 <a:rPr kumimoji="1" lang="en-US" altLang="zh-CN" sz="1200" dirty="0">
@@ -22357,7 +22337,7 @@
                   <a:latin typeface="DengXian" panose="02010600030101010101" pitchFamily="2" charset="-122"/>
                   <a:ea typeface="DengXian" panose="02010600030101010101" pitchFamily="2" charset="-122"/>
                 </a:rPr>
-                <a:t>end_time</a:t>
+                <a:t>endTime</a:t>
               </a:r>
               <a:r>
                 <a:rPr kumimoji="1" lang="en-US" altLang="zh-CN" sz="1200" dirty="0">
@@ -23512,7 +23492,7 @@
                   <a:latin typeface="DengXian" panose="02010600030101010101" pitchFamily="2" charset="-122"/>
                   <a:ea typeface="DengXian" panose="02010600030101010101" pitchFamily="2" charset="-122"/>
                 </a:rPr>
-                <a:t>start_time</a:t>
+                <a:t>startTime</a:t>
               </a:r>
               <a:r>
                 <a:rPr kumimoji="1" lang="en-US" altLang="zh-CN" sz="1200" dirty="0">
@@ -23570,7 +23550,7 @@
                   <a:latin typeface="DengXian" panose="02010600030101010101" pitchFamily="2" charset="-122"/>
                   <a:ea typeface="DengXian" panose="02010600030101010101" pitchFamily="2" charset="-122"/>
                 </a:rPr>
-                <a:t>end_time</a:t>
+                <a:t>endTime</a:t>
               </a:r>
               <a:r>
                 <a:rPr kumimoji="1" lang="en-US" altLang="zh-CN" sz="1200" dirty="0">
@@ -25289,7 +25269,7 @@
                   <a:latin typeface="DengXian" panose="02010600030101010101" pitchFamily="2" charset="-122"/>
                   <a:ea typeface="DengXian" panose="02010600030101010101" pitchFamily="2" charset="-122"/>
                 </a:rPr>
-                <a:t>start_time</a:t>
+                <a:t>startTime</a:t>
               </a:r>
               <a:r>
                 <a:rPr kumimoji="1" lang="en-US" altLang="zh-CN" sz="1200" dirty="0">
@@ -25347,7 +25327,7 @@
                   <a:latin typeface="DengXian" panose="02010600030101010101" pitchFamily="2" charset="-122"/>
                   <a:ea typeface="DengXian" panose="02010600030101010101" pitchFamily="2" charset="-122"/>
                 </a:rPr>
-                <a:t>end_time</a:t>
+                <a:t>endTime</a:t>
               </a:r>
               <a:r>
                 <a:rPr kumimoji="1" lang="en-US" altLang="zh-CN" sz="1200" dirty="0">
@@ -26086,7 +26066,7 @@
                   <a:latin typeface="DengXian" panose="02010600030101010101" pitchFamily="2" charset="-122"/>
                   <a:ea typeface="DengXian" panose="02010600030101010101" pitchFamily="2" charset="-122"/>
                 </a:rPr>
-                <a:t>start_time</a:t>
+                <a:t>startTime</a:t>
               </a:r>
               <a:r>
                 <a:rPr kumimoji="1" lang="en-US" altLang="zh-CN" sz="1200" dirty="0">
@@ -26144,7 +26124,7 @@
                   <a:latin typeface="DengXian" panose="02010600030101010101" pitchFamily="2" charset="-122"/>
                   <a:ea typeface="DengXian" panose="02010600030101010101" pitchFamily="2" charset="-122"/>
                 </a:rPr>
-                <a:t>end_time</a:t>
+                <a:t>endTime</a:t>
               </a:r>
               <a:r>
                 <a:rPr kumimoji="1" lang="en-US" altLang="zh-CN" sz="1200" dirty="0">
@@ -27428,7 +27408,7 @@
                   <a:latin typeface="DengXian" panose="02010600030101010101" pitchFamily="2" charset="-122"/>
                   <a:ea typeface="DengXian" panose="02010600030101010101" pitchFamily="2" charset="-122"/>
                 </a:rPr>
-                <a:t>start_time</a:t>
+                <a:t>startTime</a:t>
               </a:r>
               <a:r>
                 <a:rPr kumimoji="1" lang="en-US" altLang="zh-CN" sz="1400" dirty="0">
@@ -27486,7 +27466,7 @@
                   <a:latin typeface="DengXian" panose="02010600030101010101" pitchFamily="2" charset="-122"/>
                   <a:ea typeface="DengXian" panose="02010600030101010101" pitchFamily="2" charset="-122"/>
                 </a:rPr>
-                <a:t>end_time</a:t>
+                <a:t>endTime</a:t>
               </a:r>
               <a:r>
                 <a:rPr kumimoji="1" lang="en-US" altLang="zh-CN" sz="1400" dirty="0">
@@ -28650,7 +28630,7 @@
                   <a:latin typeface="DengXian" panose="02010600030101010101" pitchFamily="2" charset="-122"/>
                   <a:ea typeface="DengXian" panose="02010600030101010101" pitchFamily="2" charset="-122"/>
                 </a:rPr>
-                <a:t>start_time</a:t>
+                <a:t>startTime</a:t>
               </a:r>
               <a:r>
                 <a:rPr kumimoji="1" lang="en-US" altLang="zh-CN" sz="1400" dirty="0">
@@ -28708,7 +28688,7 @@
                   <a:latin typeface="DengXian" panose="02010600030101010101" pitchFamily="2" charset="-122"/>
                   <a:ea typeface="DengXian" panose="02010600030101010101" pitchFamily="2" charset="-122"/>
                 </a:rPr>
-                <a:t>end_time</a:t>
+                <a:t>endTime</a:t>
               </a:r>
               <a:r>
                 <a:rPr kumimoji="1" lang="en-US" altLang="zh-CN" sz="1400" dirty="0">
@@ -29444,7 +29424,7 @@
                   <a:latin typeface="DengXian" panose="02010600030101010101" pitchFamily="2" charset="-122"/>
                   <a:ea typeface="DengXian" panose="02010600030101010101" pitchFamily="2" charset="-122"/>
                 </a:rPr>
-                <a:t>end_time</a:t>
+                <a:t>endTime</a:t>
               </a:r>
               <a:r>
                 <a:rPr kumimoji="1" lang="en-US" altLang="zh-CN" sz="1200" dirty="0">
@@ -29638,7 +29618,7 @@
                   <a:latin typeface="DengXian" panose="02010600030101010101" pitchFamily="2" charset="-122"/>
                   <a:ea typeface="DengXian" panose="02010600030101010101" pitchFamily="2" charset="-122"/>
                 </a:rPr>
-                <a:t>end_time</a:t>
+                <a:t>endTime</a:t>
               </a:r>
               <a:r>
                 <a:rPr kumimoji="1" lang="en-US" altLang="zh-CN" sz="1200" dirty="0">
@@ -29832,7 +29812,7 @@
                   <a:latin typeface="DengXian" panose="02010600030101010101" pitchFamily="2" charset="-122"/>
                   <a:ea typeface="DengXian" panose="02010600030101010101" pitchFamily="2" charset="-122"/>
                 </a:rPr>
-                <a:t>end_time</a:t>
+                <a:t>endTime</a:t>
               </a:r>
               <a:r>
                 <a:rPr kumimoji="1" lang="en-US" altLang="zh-CN" sz="1200" dirty="0">
@@ -30026,7 +30006,7 @@
                   <a:latin typeface="DengXian" panose="02010600030101010101" pitchFamily="2" charset="-122"/>
                   <a:ea typeface="DengXian" panose="02010600030101010101" pitchFamily="2" charset="-122"/>
                 </a:rPr>
-                <a:t>end_time</a:t>
+                <a:t>endTime</a:t>
               </a:r>
               <a:r>
                 <a:rPr kumimoji="1" lang="en-US" altLang="zh-CN" sz="1200" dirty="0">
@@ -33276,7 +33256,7 @@
                   <a:latin typeface="DengXian" panose="02010600030101010101" pitchFamily="2" charset="-122"/>
                   <a:ea typeface="DengXian" panose="02010600030101010101" pitchFamily="2" charset="-122"/>
                 </a:rPr>
-                <a:t>start_time</a:t>
+                <a:t>startTime</a:t>
               </a:r>
               <a:r>
                 <a:rPr kumimoji="1" lang="en-US" altLang="zh-CN" sz="1200" dirty="0">
@@ -33334,7 +33314,7 @@
                   <a:latin typeface="DengXian" panose="02010600030101010101" pitchFamily="2" charset="-122"/>
                   <a:ea typeface="DengXian" panose="02010600030101010101" pitchFamily="2" charset="-122"/>
                 </a:rPr>
-                <a:t>end_time</a:t>
+                <a:t>endTime</a:t>
               </a:r>
               <a:r>
                 <a:rPr kumimoji="1" lang="en-US" altLang="zh-CN" sz="1200" dirty="0">
@@ -33465,7 +33445,7 @@
                   <a:latin typeface="DengXian" panose="02010600030101010101" pitchFamily="2" charset="-122"/>
                   <a:ea typeface="DengXian" panose="02010600030101010101" pitchFamily="2" charset="-122"/>
                 </a:rPr>
-                <a:t>start_time</a:t>
+                <a:t>startTime</a:t>
               </a:r>
               <a:r>
                 <a:rPr kumimoji="1" lang="en-US" altLang="zh-CN" sz="1200" dirty="0">
@@ -33523,7 +33503,7 @@
                   <a:latin typeface="DengXian" panose="02010600030101010101" pitchFamily="2" charset="-122"/>
                   <a:ea typeface="DengXian" panose="02010600030101010101" pitchFamily="2" charset="-122"/>
                 </a:rPr>
-                <a:t>end_time</a:t>
+                <a:t>endTime</a:t>
               </a:r>
               <a:r>
                 <a:rPr kumimoji="1" lang="en-US" altLang="zh-CN" sz="1200" dirty="0">
@@ -33769,7 +33749,7 @@
                   <a:latin typeface="DengXian" panose="02010600030101010101" pitchFamily="2" charset="-122"/>
                   <a:ea typeface="DengXian" panose="02010600030101010101" pitchFamily="2" charset="-122"/>
                 </a:rPr>
-                <a:t>start_time</a:t>
+                <a:t>startTime</a:t>
               </a:r>
               <a:r>
                 <a:rPr kumimoji="1" lang="en-US" altLang="zh-CN" sz="1200" dirty="0">
@@ -33827,7 +33807,7 @@
                   <a:latin typeface="DengXian" panose="02010600030101010101" pitchFamily="2" charset="-122"/>
                   <a:ea typeface="DengXian" panose="02010600030101010101" pitchFamily="2" charset="-122"/>
                 </a:rPr>
-                <a:t>end_time</a:t>
+                <a:t>endTime</a:t>
               </a:r>
               <a:r>
                 <a:rPr kumimoji="1" lang="en-US" altLang="zh-CN" sz="1200" dirty="0">
@@ -33958,7 +33938,7 @@
                   <a:latin typeface="DengXian" panose="02010600030101010101" pitchFamily="2" charset="-122"/>
                   <a:ea typeface="DengXian" panose="02010600030101010101" pitchFamily="2" charset="-122"/>
                 </a:rPr>
-                <a:t>start_time</a:t>
+                <a:t>startTime</a:t>
               </a:r>
               <a:r>
                 <a:rPr kumimoji="1" lang="en-US" altLang="zh-CN" sz="1200" dirty="0">
@@ -34016,7 +33996,7 @@
                   <a:latin typeface="DengXian" panose="02010600030101010101" pitchFamily="2" charset="-122"/>
                   <a:ea typeface="DengXian" panose="02010600030101010101" pitchFamily="2" charset="-122"/>
                 </a:rPr>
-                <a:t>end_time</a:t>
+                <a:t>endTime</a:t>
               </a:r>
               <a:r>
                 <a:rPr kumimoji="1" lang="en-US" altLang="zh-CN" sz="1200" dirty="0">

--- a/patterns/transaction-complex-read.pptx
+++ b/patterns/transaction-complex-read.pptx
@@ -18,10 +18,10 @@
     <p:sldId id="393" r:id="rId9"/>
     <p:sldId id="396" r:id="rId10"/>
     <p:sldId id="397" r:id="rId11"/>
-    <p:sldId id="399" r:id="rId12"/>
-    <p:sldId id="401" r:id="rId13"/>
-    <p:sldId id="415" r:id="rId14"/>
-    <p:sldId id="417" r:id="rId15"/>
+    <p:sldId id="401" r:id="rId12"/>
+    <p:sldId id="415" r:id="rId13"/>
+    <p:sldId id="417" r:id="rId14"/>
+    <p:sldId id="399" r:id="rId15"/>
     <p:sldId id="395" r:id="rId16"/>
   </p:sldIdLst>
   <p:sldSz cx="12192000" cy="6858000"/>
@@ -211,7 +211,7 @@
           <a:p>
             <a:fld id="{CAD4BD24-A097-4F9D-85E9-6A2A24CA2D98}" type="datetimeFigureOut">
               <a:rPr lang="zh-CN" altLang="en-US" smtClean="0"/>
-              <a:t>2023/4/27</a:t>
+              <a:t>2023/4/28</a:t>
             </a:fld>
             <a:endParaRPr lang="zh-CN" altLang="en-US"/>
           </a:p>
@@ -2971,7 +2971,7 @@
                     <a:sysClr val="windowText" lastClr="000000"/>
                   </a:solidFill>
                 </a:rPr>
-                <a:t>other</a:t>
+                <a:t>other1</a:t>
               </a:r>
               <a:r>
                 <a:rPr kumimoji="1" lang="zh-CN" altLang="en-US" sz="1200" dirty="0">
@@ -3336,7 +3336,7 @@
                     <a:sysClr val="windowText" lastClr="000000"/>
                   </a:solidFill>
                 </a:rPr>
-                <a:t>other</a:t>
+                <a:t>other2</a:t>
               </a:r>
               <a:r>
                 <a:rPr kumimoji="1" lang="zh-CN" altLang="en-US" sz="1200" dirty="0">
@@ -3484,7 +3484,7 @@
                     <a:sysClr val="windowText" lastClr="000000"/>
                   </a:solidFill>
                 </a:rPr>
-                <a:t>other</a:t>
+                <a:t>other3</a:t>
               </a:r>
               <a:r>
                 <a:rPr kumimoji="1" lang="zh-CN" altLang="en-US" sz="1200" dirty="0">
@@ -3982,7 +3982,7 @@
                       <a:sysClr val="windowText" lastClr="000000"/>
                     </a:solidFill>
                   </a:rPr>
-                  <a:t>medium</a:t>
+                  <a:t>medium1</a:t>
                 </a:r>
                 <a:r>
                   <a:rPr kumimoji="1" lang="zh-CN" altLang="en-US" sz="1200" dirty="0">
@@ -4073,15 +4073,15 @@
               <a:p>
                 <a:pPr algn="ctr"/>
                 <a:r>
-                  <a:rPr kumimoji="1" lang="en-US" altLang="zh-CN" sz="1200" b="1" dirty="0" err="1">
+                  <a:rPr kumimoji="1" lang="en-US" altLang="zh-CN" sz="1200" b="1" dirty="0">
                     <a:solidFill>
                       <a:sysClr val="windowText" lastClr="000000"/>
                     </a:solidFill>
                   </a:rPr>
-                  <a:t>medium</a:t>
+                  <a:t>medium1</a:t>
                 </a:r>
                 <a:r>
-                  <a:rPr kumimoji="1" lang="en-US" altLang="zh-CN" sz="1200" dirty="0" err="1">
+                  <a:rPr kumimoji="1" lang="en-US" altLang="zh-CN" sz="1200" dirty="0">
                     <a:solidFill>
                       <a:sysClr val="windowText" lastClr="000000"/>
                     </a:solidFill>
@@ -4220,7 +4220,7 @@
                       <a:sysClr val="windowText" lastClr="000000"/>
                     </a:solidFill>
                   </a:rPr>
-                  <a:t>medium</a:t>
+                  <a:t>medium2</a:t>
                 </a:r>
                 <a:r>
                   <a:rPr kumimoji="1" lang="zh-CN" altLang="en-US" sz="1200" dirty="0">
@@ -4311,15 +4311,15 @@
               <a:p>
                 <a:pPr algn="ctr"/>
                 <a:r>
-                  <a:rPr kumimoji="1" lang="en-US" altLang="zh-CN" sz="1200" b="1" dirty="0" err="1">
+                  <a:rPr kumimoji="1" lang="en-US" altLang="zh-CN" sz="1200" b="1" dirty="0">
                     <a:solidFill>
                       <a:sysClr val="windowText" lastClr="000000"/>
                     </a:solidFill>
                   </a:rPr>
-                  <a:t>medium</a:t>
+                  <a:t>medium2</a:t>
                 </a:r>
                 <a:r>
-                  <a:rPr kumimoji="1" lang="en-US" altLang="zh-CN" sz="1200" dirty="0" err="1">
+                  <a:rPr kumimoji="1" lang="en-US" altLang="zh-CN" sz="1200" dirty="0">
                     <a:solidFill>
                       <a:sysClr val="windowText" lastClr="000000"/>
                     </a:solidFill>
@@ -4458,7 +4458,7 @@
                       <a:sysClr val="windowText" lastClr="000000"/>
                     </a:solidFill>
                   </a:rPr>
-                  <a:t>medium</a:t>
+                  <a:t>medium3</a:t>
                 </a:r>
                 <a:r>
                   <a:rPr kumimoji="1" lang="zh-CN" altLang="en-US" sz="1200" dirty="0">
@@ -4549,15 +4549,15 @@
               <a:p>
                 <a:pPr algn="ctr"/>
                 <a:r>
-                  <a:rPr kumimoji="1" lang="en-US" altLang="zh-CN" sz="1200" b="1" dirty="0" err="1">
+                  <a:rPr kumimoji="1" lang="en-US" altLang="zh-CN" sz="1200" b="1" dirty="0">
                     <a:solidFill>
                       <a:sysClr val="windowText" lastClr="000000"/>
                     </a:solidFill>
                   </a:rPr>
-                  <a:t>medium</a:t>
+                  <a:t>medium3</a:t>
                 </a:r>
                 <a:r>
-                  <a:rPr kumimoji="1" lang="en-US" altLang="zh-CN" sz="1200" dirty="0" err="1">
+                  <a:rPr kumimoji="1" lang="en-US" altLang="zh-CN" sz="1200" dirty="0">
                     <a:solidFill>
                       <a:sysClr val="windowText" lastClr="000000"/>
                     </a:solidFill>
@@ -5191,7 +5191,7 @@
                     <a:sysClr val="windowText" lastClr="000000"/>
                   </a:solidFill>
                 </a:rPr>
-                <a:t>m2:</a:t>
+                <a:t>com2:</a:t>
               </a:r>
               <a:r>
                 <a:rPr kumimoji="1" lang="zh-CN" altLang="en-US" sz="1200" b="1" dirty="0">
@@ -5399,7 +5399,7 @@
                     <a:sysClr val="windowText" lastClr="000000"/>
                   </a:solidFill>
                 </a:rPr>
-                <a:t>m3:</a:t>
+                <a:t>com3:</a:t>
               </a:r>
               <a:r>
                 <a:rPr kumimoji="1" lang="zh-CN" altLang="en-US" sz="1200" b="1" dirty="0">
@@ -5935,7 +5935,7 @@
                     <a:sysClr val="windowText" lastClr="000000"/>
                   </a:solidFill>
                 </a:rPr>
-                <a:t>m4:</a:t>
+                <a:t>com4:</a:t>
               </a:r>
               <a:r>
                 <a:rPr kumimoji="1" lang="zh-CN" altLang="en-US" sz="1200" b="1" dirty="0">
@@ -6019,7 +6019,7 @@
                     <a:sysClr val="windowText" lastClr="000000"/>
                   </a:solidFill>
                 </a:rPr>
-                <a:t>m1:</a:t>
+                <a:t>com1:</a:t>
               </a:r>
               <a:r>
                 <a:rPr kumimoji="1" lang="zh-CN" altLang="en-US" sz="1200" b="1" dirty="0">
@@ -6298,35 +6298,22 @@
                 <a:t> </a:t>
               </a:r>
               <a:r>
-                <a:rPr kumimoji="1" lang="en-US" altLang="zh-CN" sz="1200" dirty="0">
-                  <a:solidFill>
-                    <a:sysClr val="windowText" lastClr="000000"/>
-                  </a:solidFill>
-                  <a:latin typeface="DengXian" panose="02010600030101010101" pitchFamily="2" charset="-122"/>
-                  <a:ea typeface="DengXian" panose="02010600030101010101" pitchFamily="2" charset="-122"/>
-                </a:rPr>
-                <a:t>Jaccard(r1,</a:t>
-              </a:r>
-              <a:r>
-                <a:rPr kumimoji="1" lang="zh-CN" altLang="en-US" sz="1200" dirty="0">
-                  <a:solidFill>
-                    <a:sysClr val="windowText" lastClr="000000"/>
-                  </a:solidFill>
-                  <a:latin typeface="DengXian" panose="02010600030101010101" pitchFamily="2" charset="-122"/>
-                  <a:ea typeface="DengXian" panose="02010600030101010101" pitchFamily="2" charset="-122"/>
-                </a:rPr>
-                <a:t> </a:t>
-              </a:r>
-              <a:r>
-                <a:rPr kumimoji="1" lang="en-US" altLang="zh-CN" sz="1200" dirty="0">
-                  <a:solidFill>
-                    <a:sysClr val="windowText" lastClr="000000"/>
-                  </a:solidFill>
-                  <a:latin typeface="DengXian" panose="02010600030101010101" pitchFamily="2" charset="-122"/>
-                  <a:ea typeface="DengXian" panose="02010600030101010101" pitchFamily="2" charset="-122"/>
-                </a:rPr>
-                <a:t>r2)</a:t>
-              </a:r>
+                <a:rPr kumimoji="1" lang="en-US" altLang="zh-CN" sz="1200" dirty="0" err="1">
+                  <a:solidFill>
+                    <a:sysClr val="windowText" lastClr="000000"/>
+                  </a:solidFill>
+                  <a:latin typeface="DengXian" panose="02010600030101010101" pitchFamily="2" charset="-122"/>
+                  <a:ea typeface="DengXian" panose="02010600030101010101" pitchFamily="2" charset="-122"/>
+                </a:rPr>
+                <a:t>jaccardSimliarity</a:t>
+              </a:r>
+              <a:endParaRPr kumimoji="1" lang="en-US" altLang="zh-CN" sz="1200" dirty="0">
+                <a:solidFill>
+                  <a:sysClr val="windowText" lastClr="000000"/>
+                </a:solidFill>
+                <a:latin typeface="DengXian" panose="02010600030101010101" pitchFamily="2" charset="-122"/>
+                <a:ea typeface="DengXian" panose="02010600030101010101" pitchFamily="2" charset="-122"/>
+              </a:endParaRPr>
             </a:p>
           </p:txBody>
         </p:sp>
@@ -6659,6 +6646,4748 @@
 
 <file path=ppt/slides/slide11.xml><?xml version="1.0" encoding="utf-8"?>
 <p:sld xmlns:a="http://schemas.openxmlformats.org/drawingml/2006/main" xmlns:r="http://schemas.openxmlformats.org/officeDocument/2006/relationships" xmlns:p="http://schemas.openxmlformats.org/presentationml/2006/main">
+  <p:cSld>
+    <p:spTree>
+      <p:nvGrpSpPr>
+        <p:cNvPr id="1" name=""/>
+        <p:cNvGrpSpPr/>
+        <p:nvPr/>
+      </p:nvGrpSpPr>
+      <p:grpSpPr>
+        <a:xfrm>
+          <a:off x="0" y="0"/>
+          <a:ext cx="0" cy="0"/>
+          <a:chOff x="0" y="0"/>
+          <a:chExt cx="0" cy="0"/>
+        </a:xfrm>
+      </p:grpSpPr>
+      <p:grpSp>
+        <p:nvGrpSpPr>
+          <p:cNvPr id="26" name="Group 25">
+            <a:extLst>
+              <a:ext uri="{FF2B5EF4-FFF2-40B4-BE49-F238E27FC236}">
+                <a16:creationId xmlns:a16="http://schemas.microsoft.com/office/drawing/2014/main" id="{A8D4C035-C698-8BD2-3E3A-8B22FBCB5C01}"/>
+              </a:ext>
+            </a:extLst>
+          </p:cNvPr>
+          <p:cNvGrpSpPr/>
+          <p:nvPr/>
+        </p:nvGrpSpPr>
+        <p:grpSpPr>
+          <a:xfrm>
+            <a:off x="1892019" y="2286499"/>
+            <a:ext cx="8277722" cy="2815638"/>
+            <a:chOff x="1921279" y="2447434"/>
+            <a:chExt cx="8277722" cy="2815638"/>
+          </a:xfrm>
+        </p:grpSpPr>
+        <p:sp>
+          <p:nvSpPr>
+            <p:cNvPr id="10" name="矩形 9">
+              <a:extLst>
+                <a:ext uri="{FF2B5EF4-FFF2-40B4-BE49-F238E27FC236}">
+                  <a16:creationId xmlns:a16="http://schemas.microsoft.com/office/drawing/2014/main" id="{24810318-AAD3-7A42-B7F4-FF41B7479D10}"/>
+                </a:ext>
+              </a:extLst>
+            </p:cNvPr>
+            <p:cNvSpPr/>
+            <p:nvPr/>
+          </p:nvSpPr>
+          <p:spPr>
+            <a:xfrm>
+              <a:off x="1921279" y="3880994"/>
+              <a:ext cx="1428081" cy="505147"/>
+            </a:xfrm>
+            <a:prstGeom prst="rect">
+              <a:avLst/>
+            </a:prstGeom>
+            <a:solidFill>
+              <a:schemeClr val="accent6">
+                <a:lumMod val="60000"/>
+                <a:lumOff val="40000"/>
+              </a:schemeClr>
+            </a:solidFill>
+            <a:ln w="25400">
+              <a:solidFill>
+                <a:schemeClr val="tx1"/>
+              </a:solidFill>
+            </a:ln>
+          </p:spPr>
+          <p:style>
+            <a:lnRef idx="2">
+              <a:schemeClr val="accent2">
+                <a:shade val="50000"/>
+              </a:schemeClr>
+            </a:lnRef>
+            <a:fillRef idx="1">
+              <a:schemeClr val="accent2"/>
+            </a:fillRef>
+            <a:effectRef idx="0">
+              <a:schemeClr val="accent2"/>
+            </a:effectRef>
+            <a:fontRef idx="minor">
+              <a:schemeClr val="lt1"/>
+            </a:fontRef>
+          </p:style>
+          <p:txBody>
+            <a:bodyPr rtlCol="0" anchor="ctr"/>
+            <a:lstStyle/>
+            <a:p>
+              <a:pPr algn="ctr"/>
+              <a:r>
+                <a:rPr kumimoji="1" lang="en-US" altLang="zh-CN" sz="1200" b="1" dirty="0">
+                  <a:solidFill>
+                    <a:sysClr val="windowText" lastClr="000000"/>
+                  </a:solidFill>
+                </a:rPr>
+                <a:t>p1</a:t>
+              </a:r>
+              <a:r>
+                <a:rPr kumimoji="1" lang="zh-CN" altLang="en-US" sz="1200" dirty="0">
+                  <a:solidFill>
+                    <a:sysClr val="windowText" lastClr="000000"/>
+                  </a:solidFill>
+                </a:rPr>
+                <a:t> </a:t>
+              </a:r>
+              <a:r>
+                <a:rPr kumimoji="1" lang="en-US" altLang="zh-CN" sz="1200" dirty="0">
+                  <a:solidFill>
+                    <a:sysClr val="windowText" lastClr="000000"/>
+                  </a:solidFill>
+                </a:rPr>
+                <a:t>:</a:t>
+              </a:r>
+              <a:r>
+                <a:rPr kumimoji="1" lang="zh-CN" altLang="en-US" sz="1200" dirty="0">
+                  <a:solidFill>
+                    <a:sysClr val="windowText" lastClr="000000"/>
+                  </a:solidFill>
+                </a:rPr>
+                <a:t> </a:t>
+              </a:r>
+              <a:r>
+                <a:rPr kumimoji="1" lang="en-US" altLang="zh-CN" sz="1200" dirty="0">
+                  <a:solidFill>
+                    <a:sysClr val="windowText" lastClr="000000"/>
+                  </a:solidFill>
+                </a:rPr>
+                <a:t>Person</a:t>
+              </a:r>
+              <a:endParaRPr kumimoji="1" lang="zh-CN" altLang="en-US" sz="1200" dirty="0">
+                <a:solidFill>
+                  <a:sysClr val="windowText" lastClr="000000"/>
+                </a:solidFill>
+              </a:endParaRPr>
+            </a:p>
+          </p:txBody>
+        </p:sp>
+        <p:cxnSp>
+          <p:nvCxnSpPr>
+            <p:cNvPr id="12" name="直线箭头连接符 11" descr="jytjh">
+              <a:extLst>
+                <a:ext uri="{FF2B5EF4-FFF2-40B4-BE49-F238E27FC236}">
+                  <a16:creationId xmlns:a16="http://schemas.microsoft.com/office/drawing/2014/main" id="{09AE23C5-CAD8-4A44-901C-19EF9EEF4E07}"/>
+                </a:ext>
+              </a:extLst>
+            </p:cNvPr>
+            <p:cNvCxnSpPr>
+              <a:cxnSpLocks/>
+              <a:stCxn id="10" idx="3"/>
+              <a:endCxn id="15" idx="1"/>
+            </p:cNvCxnSpPr>
+            <p:nvPr/>
+          </p:nvCxnSpPr>
+          <p:spPr>
+            <a:xfrm>
+              <a:off x="3349360" y="4133568"/>
+              <a:ext cx="806890" cy="0"/>
+            </a:xfrm>
+            <a:prstGeom prst="straightConnector1">
+              <a:avLst/>
+            </a:prstGeom>
+            <a:ln w="19050">
+              <a:solidFill>
+                <a:schemeClr val="tx1"/>
+              </a:solidFill>
+              <a:headEnd type="none" w="lg" len="med"/>
+              <a:tailEnd type="arrow" w="sm" len="lg"/>
+            </a:ln>
+          </p:spPr>
+          <p:style>
+            <a:lnRef idx="1">
+              <a:schemeClr val="accent1"/>
+            </a:lnRef>
+            <a:fillRef idx="0">
+              <a:schemeClr val="accent1"/>
+            </a:fillRef>
+            <a:effectRef idx="0">
+              <a:schemeClr val="accent1"/>
+            </a:effectRef>
+            <a:fontRef idx="minor">
+              <a:schemeClr val="tx1"/>
+            </a:fontRef>
+          </p:style>
+        </p:cxnSp>
+        <p:sp>
+          <p:nvSpPr>
+            <p:cNvPr id="13" name="文本框 12">
+              <a:extLst>
+                <a:ext uri="{FF2B5EF4-FFF2-40B4-BE49-F238E27FC236}">
+                  <a16:creationId xmlns:a16="http://schemas.microsoft.com/office/drawing/2014/main" id="{C01EB9BA-4C30-0E4A-AB93-A7E9671D09E8}"/>
+                </a:ext>
+              </a:extLst>
+            </p:cNvPr>
+            <p:cNvSpPr txBox="1"/>
+            <p:nvPr/>
+          </p:nvSpPr>
+          <p:spPr>
+            <a:xfrm>
+              <a:off x="3369007" y="3834582"/>
+              <a:ext cx="714040" cy="276999"/>
+            </a:xfrm>
+            <a:prstGeom prst="rect">
+              <a:avLst/>
+            </a:prstGeom>
+            <a:noFill/>
+          </p:spPr>
+          <p:txBody>
+            <a:bodyPr wrap="square" rtlCol="0">
+              <a:spAutoFit/>
+            </a:bodyPr>
+            <a:lstStyle/>
+            <a:p>
+              <a:pPr algn="ctr"/>
+              <a:r>
+                <a:rPr kumimoji="1" lang="en-US" altLang="zh-CN" sz="1200" b="1" dirty="0">
+                  <a:latin typeface="DengXian" panose="02010600030101010101" pitchFamily="2" charset="-122"/>
+                  <a:ea typeface="DengXian" panose="02010600030101010101" pitchFamily="2" charset="-122"/>
+                </a:rPr>
+                <a:t>edge1</a:t>
+              </a:r>
+              <a:endParaRPr kumimoji="1" lang="en-US" altLang="zh-CN" sz="1200" dirty="0">
+                <a:latin typeface="DengXian" panose="02010600030101010101" pitchFamily="2" charset="-122"/>
+                <a:ea typeface="DengXian" panose="02010600030101010101" pitchFamily="2" charset="-122"/>
+              </a:endParaRPr>
+            </a:p>
+          </p:txBody>
+        </p:sp>
+        <p:sp>
+          <p:nvSpPr>
+            <p:cNvPr id="14" name="矩形 13">
+              <a:extLst>
+                <a:ext uri="{FF2B5EF4-FFF2-40B4-BE49-F238E27FC236}">
+                  <a16:creationId xmlns:a16="http://schemas.microsoft.com/office/drawing/2014/main" id="{18A32DE8-A3AC-9641-899A-065137B8C144}"/>
+                </a:ext>
+              </a:extLst>
+            </p:cNvPr>
+            <p:cNvSpPr/>
+            <p:nvPr/>
+          </p:nvSpPr>
+          <p:spPr>
+            <a:xfrm>
+              <a:off x="3599079" y="2447434"/>
+              <a:ext cx="6599922" cy="1180978"/>
+            </a:xfrm>
+            <a:prstGeom prst="rect">
+              <a:avLst/>
+            </a:prstGeom>
+            <a:noFill/>
+            <a:ln w="25400">
+              <a:solidFill>
+                <a:schemeClr val="tx1"/>
+              </a:solidFill>
+              <a:prstDash val="dash"/>
+            </a:ln>
+          </p:spPr>
+          <p:style>
+            <a:lnRef idx="2">
+              <a:schemeClr val="accent2">
+                <a:shade val="50000"/>
+              </a:schemeClr>
+            </a:lnRef>
+            <a:fillRef idx="1">
+              <a:schemeClr val="accent2"/>
+            </a:fillRef>
+            <a:effectRef idx="0">
+              <a:schemeClr val="accent2"/>
+            </a:effectRef>
+            <a:fontRef idx="minor">
+              <a:schemeClr val="lt1"/>
+            </a:fontRef>
+          </p:style>
+          <p:txBody>
+            <a:bodyPr rtlCol="0" anchor="t"/>
+            <a:lstStyle/>
+            <a:p>
+              <a:r>
+                <a:rPr kumimoji="1" lang="en-US" altLang="zh-CN" sz="1200" b="1" dirty="0">
+                  <a:solidFill>
+                    <a:srgbClr val="FF0000"/>
+                  </a:solidFill>
+                  <a:latin typeface="DengXian" panose="02010600030101010101" pitchFamily="2" charset="-122"/>
+                  <a:ea typeface="DengXian" panose="02010600030101010101" pitchFamily="2" charset="-122"/>
+                </a:rPr>
+                <a:t>RESULT</a:t>
+              </a:r>
+              <a:r>
+                <a:rPr kumimoji="1" lang="zh-CN" altLang="en-US" sz="1200" b="1" dirty="0">
+                  <a:solidFill>
+                    <a:srgbClr val="FF0000"/>
+                  </a:solidFill>
+                  <a:latin typeface="DengXian" panose="02010600030101010101" pitchFamily="2" charset="-122"/>
+                  <a:ea typeface="DengXian" panose="02010600030101010101" pitchFamily="2" charset="-122"/>
+                </a:rPr>
+                <a:t> </a:t>
+              </a:r>
+              <a:r>
+                <a:rPr kumimoji="1" lang="en-US" altLang="zh-CN" sz="1200" dirty="0">
+                  <a:solidFill>
+                    <a:sysClr val="windowText" lastClr="000000"/>
+                  </a:solidFill>
+                  <a:latin typeface="DengXian" panose="02010600030101010101" pitchFamily="2" charset="-122"/>
+                  <a:ea typeface="DengXian" panose="02010600030101010101" pitchFamily="2" charset="-122"/>
+                </a:rPr>
+                <a:t>SUM(</a:t>
+              </a:r>
+              <a:r>
+                <a:rPr kumimoji="1" lang="en-US" altLang="zh-CN" sz="1200" dirty="0" err="1">
+                  <a:solidFill>
+                    <a:sysClr val="windowText" lastClr="000000"/>
+                  </a:solidFill>
+                  <a:latin typeface="DengXian" panose="02010600030101010101" pitchFamily="2" charset="-122"/>
+                  <a:ea typeface="DengXian" panose="02010600030101010101" pitchFamily="2" charset="-122"/>
+                </a:rPr>
+                <a:t>loan.loanAmount</a:t>
+              </a:r>
+              <a:r>
+                <a:rPr kumimoji="1" lang="en-US" altLang="zh-CN" sz="1200" dirty="0">
+                  <a:solidFill>
+                    <a:sysClr val="windowText" lastClr="000000"/>
+                  </a:solidFill>
+                  <a:latin typeface="DengXian" panose="02010600030101010101" pitchFamily="2" charset="-122"/>
+                  <a:ea typeface="DengXian" panose="02010600030101010101" pitchFamily="2" charset="-122"/>
+                </a:rPr>
+                <a:t>),</a:t>
+              </a:r>
+              <a:r>
+                <a:rPr kumimoji="1" lang="zh-CN" altLang="en-US" sz="1200" dirty="0">
+                  <a:solidFill>
+                    <a:sysClr val="windowText" lastClr="000000"/>
+                  </a:solidFill>
+                  <a:latin typeface="DengXian" panose="02010600030101010101" pitchFamily="2" charset="-122"/>
+                  <a:ea typeface="DengXian" panose="02010600030101010101" pitchFamily="2" charset="-122"/>
+                </a:rPr>
+                <a:t> </a:t>
+              </a:r>
+              <a:r>
+                <a:rPr kumimoji="1" lang="en-US" altLang="zh-CN" sz="1200" dirty="0">
+                  <a:solidFill>
+                    <a:sysClr val="windowText" lastClr="000000"/>
+                  </a:solidFill>
+                  <a:latin typeface="DengXian" panose="02010600030101010101" pitchFamily="2" charset="-122"/>
+                  <a:ea typeface="DengXian" panose="02010600030101010101" pitchFamily="2" charset="-122"/>
+                </a:rPr>
+                <a:t>COUNT(loan)</a:t>
+              </a:r>
+            </a:p>
+          </p:txBody>
+        </p:sp>
+        <p:sp>
+          <p:nvSpPr>
+            <p:cNvPr id="15" name="矩形 14">
+              <a:extLst>
+                <a:ext uri="{FF2B5EF4-FFF2-40B4-BE49-F238E27FC236}">
+                  <a16:creationId xmlns:a16="http://schemas.microsoft.com/office/drawing/2014/main" id="{B993AA98-A2DF-AD40-AB46-03247B30E235}"/>
+                </a:ext>
+              </a:extLst>
+            </p:cNvPr>
+            <p:cNvSpPr/>
+            <p:nvPr/>
+          </p:nvSpPr>
+          <p:spPr>
+            <a:xfrm>
+              <a:off x="4156250" y="3880994"/>
+              <a:ext cx="1428080" cy="505147"/>
+            </a:xfrm>
+            <a:prstGeom prst="rect">
+              <a:avLst/>
+            </a:prstGeom>
+            <a:solidFill>
+              <a:schemeClr val="accent6">
+                <a:lumMod val="60000"/>
+                <a:lumOff val="40000"/>
+              </a:schemeClr>
+            </a:solidFill>
+            <a:ln w="25400">
+              <a:solidFill>
+                <a:schemeClr val="tx1"/>
+              </a:solidFill>
+            </a:ln>
+          </p:spPr>
+          <p:style>
+            <a:lnRef idx="2">
+              <a:schemeClr val="accent2">
+                <a:shade val="50000"/>
+              </a:schemeClr>
+            </a:lnRef>
+            <a:fillRef idx="1">
+              <a:schemeClr val="accent2"/>
+            </a:fillRef>
+            <a:effectRef idx="0">
+              <a:schemeClr val="accent2"/>
+            </a:effectRef>
+            <a:fontRef idx="minor">
+              <a:schemeClr val="lt1"/>
+            </a:fontRef>
+          </p:style>
+          <p:txBody>
+            <a:bodyPr rtlCol="0" anchor="ctr"/>
+            <a:lstStyle/>
+            <a:p>
+              <a:pPr algn="ctr"/>
+              <a:r>
+                <a:rPr kumimoji="1" lang="en-US" altLang="zh-CN" sz="1200" b="1" dirty="0">
+                  <a:solidFill>
+                    <a:sysClr val="windowText" lastClr="000000"/>
+                  </a:solidFill>
+                </a:rPr>
+                <a:t>p2</a:t>
+              </a:r>
+              <a:r>
+                <a:rPr kumimoji="1" lang="zh-CN" altLang="en-US" sz="1200" dirty="0">
+                  <a:solidFill>
+                    <a:sysClr val="windowText" lastClr="000000"/>
+                  </a:solidFill>
+                </a:rPr>
+                <a:t> </a:t>
+              </a:r>
+              <a:r>
+                <a:rPr kumimoji="1" lang="en-US" altLang="zh-CN" sz="1200" dirty="0">
+                  <a:solidFill>
+                    <a:sysClr val="windowText" lastClr="000000"/>
+                  </a:solidFill>
+                </a:rPr>
+                <a:t>:</a:t>
+              </a:r>
+              <a:r>
+                <a:rPr kumimoji="1" lang="zh-CN" altLang="en-US" sz="1200" dirty="0">
+                  <a:solidFill>
+                    <a:sysClr val="windowText" lastClr="000000"/>
+                  </a:solidFill>
+                </a:rPr>
+                <a:t> </a:t>
+              </a:r>
+              <a:r>
+                <a:rPr kumimoji="1" lang="en-US" altLang="zh-CN" sz="1200" dirty="0">
+                  <a:solidFill>
+                    <a:sysClr val="windowText" lastClr="000000"/>
+                  </a:solidFill>
+                </a:rPr>
+                <a:t>Person</a:t>
+              </a:r>
+              <a:endParaRPr kumimoji="1" lang="zh-CN" altLang="en-US" sz="1200" dirty="0">
+                <a:solidFill>
+                  <a:sysClr val="windowText" lastClr="000000"/>
+                </a:solidFill>
+              </a:endParaRPr>
+            </a:p>
+          </p:txBody>
+        </p:sp>
+        <p:sp>
+          <p:nvSpPr>
+            <p:cNvPr id="22" name="矩形 14">
+              <a:extLst>
+                <a:ext uri="{FF2B5EF4-FFF2-40B4-BE49-F238E27FC236}">
+                  <a16:creationId xmlns:a16="http://schemas.microsoft.com/office/drawing/2014/main" id="{B4D44B7E-DD2A-A34F-81CE-04004B0576D3}"/>
+                </a:ext>
+              </a:extLst>
+            </p:cNvPr>
+            <p:cNvSpPr/>
+            <p:nvPr/>
+          </p:nvSpPr>
+          <p:spPr>
+            <a:xfrm>
+              <a:off x="6444776" y="3880994"/>
+              <a:ext cx="1167443" cy="505147"/>
+            </a:xfrm>
+            <a:prstGeom prst="rect">
+              <a:avLst/>
+            </a:prstGeom>
+            <a:noFill/>
+            <a:ln w="25400">
+              <a:noFill/>
+            </a:ln>
+          </p:spPr>
+          <p:style>
+            <a:lnRef idx="2">
+              <a:schemeClr val="accent2">
+                <a:shade val="50000"/>
+              </a:schemeClr>
+            </a:lnRef>
+            <a:fillRef idx="1">
+              <a:schemeClr val="accent2"/>
+            </a:fillRef>
+            <a:effectRef idx="0">
+              <a:schemeClr val="accent2"/>
+            </a:effectRef>
+            <a:fontRef idx="minor">
+              <a:schemeClr val="lt1"/>
+            </a:fontRef>
+          </p:style>
+          <p:txBody>
+            <a:bodyPr rtlCol="0" anchor="ctr"/>
+            <a:lstStyle/>
+            <a:p>
+              <a:pPr algn="ctr"/>
+              <a:r>
+                <a:rPr kumimoji="1" lang="en-US" altLang="zh-CN" sz="1600" b="1" dirty="0">
+                  <a:solidFill>
+                    <a:sysClr val="windowText" lastClr="000000"/>
+                  </a:solidFill>
+                </a:rPr>
+                <a:t>…</a:t>
+              </a:r>
+              <a:endParaRPr kumimoji="1" lang="zh-CN" altLang="en-US" sz="1600" dirty="0">
+                <a:solidFill>
+                  <a:sysClr val="windowText" lastClr="000000"/>
+                </a:solidFill>
+              </a:endParaRPr>
+            </a:p>
+          </p:txBody>
+        </p:sp>
+        <p:sp>
+          <p:nvSpPr>
+            <p:cNvPr id="23" name="矩形 14">
+              <a:extLst>
+                <a:ext uri="{FF2B5EF4-FFF2-40B4-BE49-F238E27FC236}">
+                  <a16:creationId xmlns:a16="http://schemas.microsoft.com/office/drawing/2014/main" id="{23FD757D-7CB4-7A4D-9DCE-2530B0D58DFA}"/>
+                </a:ext>
+              </a:extLst>
+            </p:cNvPr>
+            <p:cNvSpPr/>
+            <p:nvPr/>
+          </p:nvSpPr>
+          <p:spPr>
+            <a:xfrm>
+              <a:off x="8482750" y="3880994"/>
+              <a:ext cx="1428080" cy="505147"/>
+            </a:xfrm>
+            <a:prstGeom prst="rect">
+              <a:avLst/>
+            </a:prstGeom>
+            <a:solidFill>
+              <a:schemeClr val="accent6">
+                <a:lumMod val="60000"/>
+                <a:lumOff val="40000"/>
+              </a:schemeClr>
+            </a:solidFill>
+            <a:ln w="25400">
+              <a:solidFill>
+                <a:schemeClr val="tx1"/>
+              </a:solidFill>
+            </a:ln>
+          </p:spPr>
+          <p:style>
+            <a:lnRef idx="2">
+              <a:schemeClr val="accent2">
+                <a:shade val="50000"/>
+              </a:schemeClr>
+            </a:lnRef>
+            <a:fillRef idx="1">
+              <a:schemeClr val="accent2"/>
+            </a:fillRef>
+            <a:effectRef idx="0">
+              <a:schemeClr val="accent2"/>
+            </a:effectRef>
+            <a:fontRef idx="minor">
+              <a:schemeClr val="lt1"/>
+            </a:fontRef>
+          </p:style>
+          <p:txBody>
+            <a:bodyPr rtlCol="0" anchor="ctr"/>
+            <a:lstStyle/>
+            <a:p>
+              <a:pPr algn="ctr"/>
+              <a:r>
+                <a:rPr kumimoji="1" lang="en-US" altLang="zh-CN" sz="1200" b="1" dirty="0" err="1">
+                  <a:solidFill>
+                    <a:sysClr val="windowText" lastClr="000000"/>
+                  </a:solidFill>
+                </a:rPr>
+                <a:t>pN</a:t>
+              </a:r>
+              <a:r>
+                <a:rPr kumimoji="1" lang="zh-CN" altLang="en-US" sz="1200" dirty="0">
+                  <a:solidFill>
+                    <a:sysClr val="windowText" lastClr="000000"/>
+                  </a:solidFill>
+                </a:rPr>
+                <a:t> </a:t>
+              </a:r>
+              <a:r>
+                <a:rPr kumimoji="1" lang="en-US" altLang="zh-CN" sz="1200" dirty="0">
+                  <a:solidFill>
+                    <a:sysClr val="windowText" lastClr="000000"/>
+                  </a:solidFill>
+                </a:rPr>
+                <a:t>:</a:t>
+              </a:r>
+              <a:r>
+                <a:rPr kumimoji="1" lang="zh-CN" altLang="en-US" sz="1200" dirty="0">
+                  <a:solidFill>
+                    <a:sysClr val="windowText" lastClr="000000"/>
+                  </a:solidFill>
+                </a:rPr>
+                <a:t> </a:t>
+              </a:r>
+              <a:r>
+                <a:rPr kumimoji="1" lang="en-US" altLang="zh-CN" sz="1200" dirty="0">
+                  <a:solidFill>
+                    <a:sysClr val="windowText" lastClr="000000"/>
+                  </a:solidFill>
+                </a:rPr>
+                <a:t>Person</a:t>
+              </a:r>
+              <a:endParaRPr kumimoji="1" lang="zh-CN" altLang="en-US" sz="1200" dirty="0">
+                <a:solidFill>
+                  <a:sysClr val="windowText" lastClr="000000"/>
+                </a:solidFill>
+              </a:endParaRPr>
+            </a:p>
+          </p:txBody>
+        </p:sp>
+        <p:cxnSp>
+          <p:nvCxnSpPr>
+            <p:cNvPr id="32" name="直线箭头连接符 11" descr="jytjh">
+              <a:extLst>
+                <a:ext uri="{FF2B5EF4-FFF2-40B4-BE49-F238E27FC236}">
+                  <a16:creationId xmlns:a16="http://schemas.microsoft.com/office/drawing/2014/main" id="{DF2BA1D7-9215-AA48-9C66-B2A7F2914A08}"/>
+                </a:ext>
+              </a:extLst>
+            </p:cNvPr>
+            <p:cNvCxnSpPr>
+              <a:cxnSpLocks/>
+              <a:stCxn id="15" idx="3"/>
+              <a:endCxn id="22" idx="1"/>
+            </p:cNvCxnSpPr>
+            <p:nvPr/>
+          </p:nvCxnSpPr>
+          <p:spPr>
+            <a:xfrm>
+              <a:off x="5584330" y="4133568"/>
+              <a:ext cx="860446" cy="0"/>
+            </a:xfrm>
+            <a:prstGeom prst="straightConnector1">
+              <a:avLst/>
+            </a:prstGeom>
+            <a:ln w="19050">
+              <a:solidFill>
+                <a:schemeClr val="tx1"/>
+              </a:solidFill>
+              <a:headEnd type="none" w="lg" len="med"/>
+              <a:tailEnd type="arrow" w="sm" len="lg"/>
+            </a:ln>
+          </p:spPr>
+          <p:style>
+            <a:lnRef idx="1">
+              <a:schemeClr val="accent1"/>
+            </a:lnRef>
+            <a:fillRef idx="0">
+              <a:schemeClr val="accent1"/>
+            </a:fillRef>
+            <a:effectRef idx="0">
+              <a:schemeClr val="accent1"/>
+            </a:effectRef>
+            <a:fontRef idx="minor">
+              <a:schemeClr val="tx1"/>
+            </a:fontRef>
+          </p:style>
+        </p:cxnSp>
+        <p:cxnSp>
+          <p:nvCxnSpPr>
+            <p:cNvPr id="33" name="直线箭头连接符 11" descr="jytjh">
+              <a:extLst>
+                <a:ext uri="{FF2B5EF4-FFF2-40B4-BE49-F238E27FC236}">
+                  <a16:creationId xmlns:a16="http://schemas.microsoft.com/office/drawing/2014/main" id="{8C933059-7D1C-3D41-80A2-9FF0133B6DEC}"/>
+                </a:ext>
+              </a:extLst>
+            </p:cNvPr>
+            <p:cNvCxnSpPr>
+              <a:cxnSpLocks/>
+              <a:stCxn id="22" idx="3"/>
+              <a:endCxn id="23" idx="1"/>
+            </p:cNvCxnSpPr>
+            <p:nvPr/>
+          </p:nvCxnSpPr>
+          <p:spPr>
+            <a:xfrm>
+              <a:off x="7612219" y="4133568"/>
+              <a:ext cx="870531" cy="0"/>
+            </a:xfrm>
+            <a:prstGeom prst="straightConnector1">
+              <a:avLst/>
+            </a:prstGeom>
+            <a:ln w="19050">
+              <a:solidFill>
+                <a:schemeClr val="tx1"/>
+              </a:solidFill>
+              <a:headEnd type="none" w="lg" len="med"/>
+              <a:tailEnd type="arrow" w="sm" len="lg"/>
+            </a:ln>
+          </p:spPr>
+          <p:style>
+            <a:lnRef idx="1">
+              <a:schemeClr val="accent1"/>
+            </a:lnRef>
+            <a:fillRef idx="0">
+              <a:schemeClr val="accent1"/>
+            </a:fillRef>
+            <a:effectRef idx="0">
+              <a:schemeClr val="accent1"/>
+            </a:effectRef>
+            <a:fontRef idx="minor">
+              <a:schemeClr val="tx1"/>
+            </a:fontRef>
+          </p:style>
+        </p:cxnSp>
+        <p:sp>
+          <p:nvSpPr>
+            <p:cNvPr id="34" name="文本框 12">
+              <a:extLst>
+                <a:ext uri="{FF2B5EF4-FFF2-40B4-BE49-F238E27FC236}">
+                  <a16:creationId xmlns:a16="http://schemas.microsoft.com/office/drawing/2014/main" id="{C2420F93-449A-2349-87D5-7430F668183B}"/>
+                </a:ext>
+              </a:extLst>
+            </p:cNvPr>
+            <p:cNvSpPr txBox="1"/>
+            <p:nvPr/>
+          </p:nvSpPr>
+          <p:spPr>
+            <a:xfrm>
+              <a:off x="3313734" y="4133567"/>
+              <a:ext cx="892542" cy="276999"/>
+            </a:xfrm>
+            <a:prstGeom prst="rect">
+              <a:avLst/>
+            </a:prstGeom>
+            <a:noFill/>
+          </p:spPr>
+          <p:txBody>
+            <a:bodyPr wrap="square" rtlCol="0">
+              <a:spAutoFit/>
+            </a:bodyPr>
+            <a:lstStyle/>
+            <a:p>
+              <a:pPr algn="ctr"/>
+              <a:r>
+                <a:rPr kumimoji="1" lang="en-US" altLang="zh-CN" sz="1200" dirty="0">
+                  <a:latin typeface="DengXian" panose="02010600030101010101" pitchFamily="2" charset="-122"/>
+                  <a:ea typeface="DengXian" panose="02010600030101010101" pitchFamily="2" charset="-122"/>
+                </a:rPr>
+                <a:t>guarantee</a:t>
+              </a:r>
+            </a:p>
+          </p:txBody>
+        </p:sp>
+        <p:sp>
+          <p:nvSpPr>
+            <p:cNvPr id="2" name="矩形 14">
+              <a:extLst>
+                <a:ext uri="{FF2B5EF4-FFF2-40B4-BE49-F238E27FC236}">
+                  <a16:creationId xmlns:a16="http://schemas.microsoft.com/office/drawing/2014/main" id="{712C0F85-C4A9-BAC3-EEC1-EA8B8C473672}"/>
+                </a:ext>
+              </a:extLst>
+            </p:cNvPr>
+            <p:cNvSpPr/>
+            <p:nvPr/>
+          </p:nvSpPr>
+          <p:spPr>
+            <a:xfrm>
+              <a:off x="3739285" y="2818373"/>
+              <a:ext cx="1022912" cy="505147"/>
+            </a:xfrm>
+            <a:prstGeom prst="rect">
+              <a:avLst/>
+            </a:prstGeom>
+            <a:solidFill>
+              <a:schemeClr val="accent2">
+                <a:lumMod val="60000"/>
+                <a:lumOff val="40000"/>
+              </a:schemeClr>
+            </a:solidFill>
+            <a:ln w="25400">
+              <a:solidFill>
+                <a:schemeClr val="tx1"/>
+              </a:solidFill>
+            </a:ln>
+          </p:spPr>
+          <p:style>
+            <a:lnRef idx="2">
+              <a:schemeClr val="accent2">
+                <a:shade val="50000"/>
+              </a:schemeClr>
+            </a:lnRef>
+            <a:fillRef idx="1">
+              <a:schemeClr val="accent2"/>
+            </a:fillRef>
+            <a:effectRef idx="0">
+              <a:schemeClr val="accent2"/>
+            </a:effectRef>
+            <a:fontRef idx="minor">
+              <a:schemeClr val="lt1"/>
+            </a:fontRef>
+          </p:style>
+          <p:txBody>
+            <a:bodyPr rtlCol="0" anchor="ctr"/>
+            <a:lstStyle/>
+            <a:p>
+              <a:pPr algn="ctr"/>
+              <a:r>
+                <a:rPr kumimoji="1" lang="en-US" altLang="zh-CN" sz="1200" b="1" dirty="0">
+                  <a:solidFill>
+                    <a:sysClr val="windowText" lastClr="000000"/>
+                  </a:solidFill>
+                </a:rPr>
+                <a:t>loan1</a:t>
+              </a:r>
+              <a:r>
+                <a:rPr kumimoji="1" lang="zh-CN" altLang="en-US" sz="1200" dirty="0">
+                  <a:solidFill>
+                    <a:sysClr val="windowText" lastClr="000000"/>
+                  </a:solidFill>
+                </a:rPr>
+                <a:t> </a:t>
+              </a:r>
+              <a:r>
+                <a:rPr kumimoji="1" lang="en-US" altLang="zh-CN" sz="1200" dirty="0">
+                  <a:solidFill>
+                    <a:sysClr val="windowText" lastClr="000000"/>
+                  </a:solidFill>
+                </a:rPr>
+                <a:t>:</a:t>
+              </a:r>
+              <a:r>
+                <a:rPr kumimoji="1" lang="zh-CN" altLang="en-US" sz="1200" dirty="0">
+                  <a:solidFill>
+                    <a:sysClr val="windowText" lastClr="000000"/>
+                  </a:solidFill>
+                </a:rPr>
+                <a:t> </a:t>
+              </a:r>
+              <a:r>
+                <a:rPr kumimoji="1" lang="en-US" altLang="zh-CN" sz="1200" dirty="0">
+                  <a:solidFill>
+                    <a:sysClr val="windowText" lastClr="000000"/>
+                  </a:solidFill>
+                </a:rPr>
+                <a:t>Loan</a:t>
+              </a:r>
+              <a:endParaRPr kumimoji="1" lang="zh-CN" altLang="en-US" sz="1200" dirty="0">
+                <a:solidFill>
+                  <a:sysClr val="windowText" lastClr="000000"/>
+                </a:solidFill>
+              </a:endParaRPr>
+            </a:p>
+          </p:txBody>
+        </p:sp>
+        <p:sp>
+          <p:nvSpPr>
+            <p:cNvPr id="3" name="文本框 12">
+              <a:extLst>
+                <a:ext uri="{FF2B5EF4-FFF2-40B4-BE49-F238E27FC236}">
+                  <a16:creationId xmlns:a16="http://schemas.microsoft.com/office/drawing/2014/main" id="{0822BFEE-7425-AC8B-7EA5-F26E0AD07B7F}"/>
+                </a:ext>
+              </a:extLst>
+            </p:cNvPr>
+            <p:cNvSpPr txBox="1"/>
+            <p:nvPr/>
+          </p:nvSpPr>
+          <p:spPr>
+            <a:xfrm>
+              <a:off x="5616427" y="3834581"/>
+              <a:ext cx="703073" cy="276999"/>
+            </a:xfrm>
+            <a:prstGeom prst="rect">
+              <a:avLst/>
+            </a:prstGeom>
+            <a:noFill/>
+          </p:spPr>
+          <p:txBody>
+            <a:bodyPr wrap="square" rtlCol="0">
+              <a:spAutoFit/>
+            </a:bodyPr>
+            <a:lstStyle/>
+            <a:p>
+              <a:pPr algn="ctr"/>
+              <a:r>
+                <a:rPr kumimoji="1" lang="en-US" altLang="zh-CN" sz="1200" b="1" dirty="0">
+                  <a:latin typeface="DengXian" panose="02010600030101010101" pitchFamily="2" charset="-122"/>
+                  <a:ea typeface="DengXian" panose="02010600030101010101" pitchFamily="2" charset="-122"/>
+                </a:rPr>
+                <a:t>edge2</a:t>
+              </a:r>
+              <a:endParaRPr kumimoji="1" lang="en-US" altLang="zh-CN" sz="1200" dirty="0">
+                <a:latin typeface="DengXian" panose="02010600030101010101" pitchFamily="2" charset="-122"/>
+                <a:ea typeface="DengXian" panose="02010600030101010101" pitchFamily="2" charset="-122"/>
+              </a:endParaRPr>
+            </a:p>
+          </p:txBody>
+        </p:sp>
+        <p:sp>
+          <p:nvSpPr>
+            <p:cNvPr id="4" name="文本框 12">
+              <a:extLst>
+                <a:ext uri="{FF2B5EF4-FFF2-40B4-BE49-F238E27FC236}">
+                  <a16:creationId xmlns:a16="http://schemas.microsoft.com/office/drawing/2014/main" id="{502A684E-78A1-4055-837C-6EE8465FB531}"/>
+                </a:ext>
+              </a:extLst>
+            </p:cNvPr>
+            <p:cNvSpPr txBox="1"/>
+            <p:nvPr/>
+          </p:nvSpPr>
+          <p:spPr>
+            <a:xfrm>
+              <a:off x="7684528" y="3834580"/>
+              <a:ext cx="703073" cy="276999"/>
+            </a:xfrm>
+            <a:prstGeom prst="rect">
+              <a:avLst/>
+            </a:prstGeom>
+            <a:noFill/>
+          </p:spPr>
+          <p:txBody>
+            <a:bodyPr wrap="square" rtlCol="0">
+              <a:spAutoFit/>
+            </a:bodyPr>
+            <a:lstStyle/>
+            <a:p>
+              <a:pPr algn="ctr"/>
+              <a:r>
+                <a:rPr kumimoji="1" lang="en-US" altLang="zh-CN" sz="1200" b="1" dirty="0" err="1">
+                  <a:latin typeface="DengXian" panose="02010600030101010101" pitchFamily="2" charset="-122"/>
+                  <a:ea typeface="DengXian" panose="02010600030101010101" pitchFamily="2" charset="-122"/>
+                </a:rPr>
+                <a:t>edgeN</a:t>
+              </a:r>
+              <a:endParaRPr kumimoji="1" lang="en-US" altLang="zh-CN" sz="1200" dirty="0">
+                <a:latin typeface="DengXian" panose="02010600030101010101" pitchFamily="2" charset="-122"/>
+                <a:ea typeface="DengXian" panose="02010600030101010101" pitchFamily="2" charset="-122"/>
+              </a:endParaRPr>
+            </a:p>
+          </p:txBody>
+        </p:sp>
+        <p:cxnSp>
+          <p:nvCxnSpPr>
+            <p:cNvPr id="5" name="直线箭头连接符 11" descr="jytjh">
+              <a:extLst>
+                <a:ext uri="{FF2B5EF4-FFF2-40B4-BE49-F238E27FC236}">
+                  <a16:creationId xmlns:a16="http://schemas.microsoft.com/office/drawing/2014/main" id="{FCF26BA2-5418-31AF-71DE-93A735228BE7}"/>
+                </a:ext>
+              </a:extLst>
+            </p:cNvPr>
+            <p:cNvCxnSpPr>
+              <a:cxnSpLocks/>
+              <a:stCxn id="15" idx="0"/>
+              <a:endCxn id="2" idx="2"/>
+            </p:cNvCxnSpPr>
+            <p:nvPr/>
+          </p:nvCxnSpPr>
+          <p:spPr>
+            <a:xfrm flipH="1" flipV="1">
+              <a:off x="4250741" y="3323520"/>
+              <a:ext cx="619549" cy="557474"/>
+            </a:xfrm>
+            <a:prstGeom prst="straightConnector1">
+              <a:avLst/>
+            </a:prstGeom>
+            <a:ln w="19050">
+              <a:solidFill>
+                <a:schemeClr val="tx1"/>
+              </a:solidFill>
+              <a:headEnd type="none" w="lg" len="med"/>
+              <a:tailEnd type="arrow" w="sm" len="lg"/>
+            </a:ln>
+          </p:spPr>
+          <p:style>
+            <a:lnRef idx="1">
+              <a:schemeClr val="accent1"/>
+            </a:lnRef>
+            <a:fillRef idx="0">
+              <a:schemeClr val="accent1"/>
+            </a:fillRef>
+            <a:effectRef idx="0">
+              <a:schemeClr val="accent1"/>
+            </a:effectRef>
+            <a:fontRef idx="minor">
+              <a:schemeClr val="tx1"/>
+            </a:fontRef>
+          </p:style>
+        </p:cxnSp>
+        <p:sp>
+          <p:nvSpPr>
+            <p:cNvPr id="11" name="矩形 14">
+              <a:extLst>
+                <a:ext uri="{FF2B5EF4-FFF2-40B4-BE49-F238E27FC236}">
+                  <a16:creationId xmlns:a16="http://schemas.microsoft.com/office/drawing/2014/main" id="{9486BCFC-1DFA-4486-6745-E2F8D1F28C2C}"/>
+                </a:ext>
+              </a:extLst>
+            </p:cNvPr>
+            <p:cNvSpPr/>
+            <p:nvPr/>
+          </p:nvSpPr>
+          <p:spPr>
+            <a:xfrm>
+              <a:off x="8482751" y="2818373"/>
+              <a:ext cx="1428079" cy="505147"/>
+            </a:xfrm>
+            <a:prstGeom prst="rect">
+              <a:avLst/>
+            </a:prstGeom>
+            <a:solidFill>
+              <a:schemeClr val="accent2">
+                <a:lumMod val="60000"/>
+                <a:lumOff val="40000"/>
+              </a:schemeClr>
+            </a:solidFill>
+            <a:ln w="25400">
+              <a:solidFill>
+                <a:schemeClr val="tx1"/>
+              </a:solidFill>
+            </a:ln>
+          </p:spPr>
+          <p:style>
+            <a:lnRef idx="2">
+              <a:schemeClr val="accent2">
+                <a:shade val="50000"/>
+              </a:schemeClr>
+            </a:lnRef>
+            <a:fillRef idx="1">
+              <a:schemeClr val="accent2"/>
+            </a:fillRef>
+            <a:effectRef idx="0">
+              <a:schemeClr val="accent2"/>
+            </a:effectRef>
+            <a:fontRef idx="minor">
+              <a:schemeClr val="lt1"/>
+            </a:fontRef>
+          </p:style>
+          <p:txBody>
+            <a:bodyPr rtlCol="0" anchor="ctr"/>
+            <a:lstStyle/>
+            <a:p>
+              <a:pPr algn="ctr"/>
+              <a:r>
+                <a:rPr kumimoji="1" lang="en-US" altLang="zh-CN" sz="1200" b="1" dirty="0">
+                  <a:solidFill>
+                    <a:sysClr val="windowText" lastClr="000000"/>
+                  </a:solidFill>
+                </a:rPr>
+                <a:t>loan3</a:t>
+              </a:r>
+              <a:r>
+                <a:rPr kumimoji="1" lang="zh-CN" altLang="en-US" sz="1200" dirty="0">
+                  <a:solidFill>
+                    <a:sysClr val="windowText" lastClr="000000"/>
+                  </a:solidFill>
+                </a:rPr>
+                <a:t> </a:t>
+              </a:r>
+              <a:r>
+                <a:rPr kumimoji="1" lang="en-US" altLang="zh-CN" sz="1200" dirty="0">
+                  <a:solidFill>
+                    <a:sysClr val="windowText" lastClr="000000"/>
+                  </a:solidFill>
+                </a:rPr>
+                <a:t>:</a:t>
+              </a:r>
+              <a:r>
+                <a:rPr kumimoji="1" lang="zh-CN" altLang="en-US" sz="1200" dirty="0">
+                  <a:solidFill>
+                    <a:sysClr val="windowText" lastClr="000000"/>
+                  </a:solidFill>
+                </a:rPr>
+                <a:t> </a:t>
+              </a:r>
+              <a:r>
+                <a:rPr kumimoji="1" lang="en-US" altLang="zh-CN" sz="1200" dirty="0">
+                  <a:solidFill>
+                    <a:sysClr val="windowText" lastClr="000000"/>
+                  </a:solidFill>
+                </a:rPr>
+                <a:t>Loan</a:t>
+              </a:r>
+              <a:endParaRPr kumimoji="1" lang="zh-CN" altLang="en-US" sz="1200" dirty="0">
+                <a:solidFill>
+                  <a:sysClr val="windowText" lastClr="000000"/>
+                </a:solidFill>
+              </a:endParaRPr>
+            </a:p>
+          </p:txBody>
+        </p:sp>
+        <p:cxnSp>
+          <p:nvCxnSpPr>
+            <p:cNvPr id="16" name="直线箭头连接符 11" descr="jytjh">
+              <a:extLst>
+                <a:ext uri="{FF2B5EF4-FFF2-40B4-BE49-F238E27FC236}">
+                  <a16:creationId xmlns:a16="http://schemas.microsoft.com/office/drawing/2014/main" id="{8DDBA6DC-4F04-A133-9654-DFA562123687}"/>
+                </a:ext>
+              </a:extLst>
+            </p:cNvPr>
+            <p:cNvCxnSpPr>
+              <a:cxnSpLocks/>
+              <a:stCxn id="23" idx="0"/>
+              <a:endCxn id="11" idx="2"/>
+            </p:cNvCxnSpPr>
+            <p:nvPr/>
+          </p:nvCxnSpPr>
+          <p:spPr>
+            <a:xfrm flipV="1">
+              <a:off x="9196790" y="3323520"/>
+              <a:ext cx="1" cy="557474"/>
+            </a:xfrm>
+            <a:prstGeom prst="straightConnector1">
+              <a:avLst/>
+            </a:prstGeom>
+            <a:ln w="19050">
+              <a:solidFill>
+                <a:schemeClr val="tx1"/>
+              </a:solidFill>
+              <a:headEnd type="none" w="lg" len="med"/>
+              <a:tailEnd type="arrow" w="sm" len="lg"/>
+            </a:ln>
+          </p:spPr>
+          <p:style>
+            <a:lnRef idx="1">
+              <a:schemeClr val="accent1"/>
+            </a:lnRef>
+            <a:fillRef idx="0">
+              <a:schemeClr val="accent1"/>
+            </a:fillRef>
+            <a:effectRef idx="0">
+              <a:schemeClr val="accent1"/>
+            </a:effectRef>
+            <a:fontRef idx="minor">
+              <a:schemeClr val="tx1"/>
+            </a:fontRef>
+          </p:style>
+        </p:cxnSp>
+        <p:sp>
+          <p:nvSpPr>
+            <p:cNvPr id="19" name="文本框 12">
+              <a:extLst>
+                <a:ext uri="{FF2B5EF4-FFF2-40B4-BE49-F238E27FC236}">
+                  <a16:creationId xmlns:a16="http://schemas.microsoft.com/office/drawing/2014/main" id="{3F1DEF7E-C122-5737-9269-A98292C569EA}"/>
+                </a:ext>
+              </a:extLst>
+            </p:cNvPr>
+            <p:cNvSpPr txBox="1"/>
+            <p:nvPr/>
+          </p:nvSpPr>
+          <p:spPr>
+            <a:xfrm>
+              <a:off x="5552233" y="4133566"/>
+              <a:ext cx="902627" cy="276999"/>
+            </a:xfrm>
+            <a:prstGeom prst="rect">
+              <a:avLst/>
+            </a:prstGeom>
+            <a:noFill/>
+          </p:spPr>
+          <p:txBody>
+            <a:bodyPr wrap="square" rtlCol="0">
+              <a:spAutoFit/>
+            </a:bodyPr>
+            <a:lstStyle/>
+            <a:p>
+              <a:pPr algn="ctr"/>
+              <a:r>
+                <a:rPr kumimoji="1" lang="en-US" altLang="zh-CN" sz="1200" dirty="0">
+                  <a:latin typeface="DengXian" panose="02010600030101010101" pitchFamily="2" charset="-122"/>
+                  <a:ea typeface="DengXian" panose="02010600030101010101" pitchFamily="2" charset="-122"/>
+                </a:rPr>
+                <a:t>guarantee</a:t>
+              </a:r>
+            </a:p>
+          </p:txBody>
+        </p:sp>
+        <p:sp>
+          <p:nvSpPr>
+            <p:cNvPr id="20" name="文本框 12">
+              <a:extLst>
+                <a:ext uri="{FF2B5EF4-FFF2-40B4-BE49-F238E27FC236}">
+                  <a16:creationId xmlns:a16="http://schemas.microsoft.com/office/drawing/2014/main" id="{96476969-4BA5-1294-36FD-CF1FAFF4DA23}"/>
+                </a:ext>
+              </a:extLst>
+            </p:cNvPr>
+            <p:cNvSpPr txBox="1"/>
+            <p:nvPr/>
+          </p:nvSpPr>
+          <p:spPr>
+            <a:xfrm>
+              <a:off x="7612219" y="4131131"/>
+              <a:ext cx="904662" cy="276999"/>
+            </a:xfrm>
+            <a:prstGeom prst="rect">
+              <a:avLst/>
+            </a:prstGeom>
+            <a:noFill/>
+          </p:spPr>
+          <p:txBody>
+            <a:bodyPr wrap="square" rtlCol="0">
+              <a:spAutoFit/>
+            </a:bodyPr>
+            <a:lstStyle/>
+            <a:p>
+              <a:pPr algn="ctr"/>
+              <a:r>
+                <a:rPr kumimoji="1" lang="en-US" altLang="zh-CN" sz="1200" dirty="0">
+                  <a:latin typeface="DengXian" panose="02010600030101010101" pitchFamily="2" charset="-122"/>
+                  <a:ea typeface="DengXian" panose="02010600030101010101" pitchFamily="2" charset="-122"/>
+                </a:rPr>
+                <a:t>guarantee</a:t>
+              </a:r>
+            </a:p>
+          </p:txBody>
+        </p:sp>
+        <p:sp>
+          <p:nvSpPr>
+            <p:cNvPr id="6" name="矩形 10">
+              <a:extLst>
+                <a:ext uri="{FF2B5EF4-FFF2-40B4-BE49-F238E27FC236}">
+                  <a16:creationId xmlns:a16="http://schemas.microsoft.com/office/drawing/2014/main" id="{4A0DDEF6-9883-5ACF-42AF-4BBF1981F219}"/>
+                </a:ext>
+              </a:extLst>
+            </p:cNvPr>
+            <p:cNvSpPr/>
+            <p:nvPr/>
+          </p:nvSpPr>
+          <p:spPr>
+            <a:xfrm>
+              <a:off x="1921279" y="4390024"/>
+              <a:ext cx="1428081" cy="338392"/>
+            </a:xfrm>
+            <a:prstGeom prst="rect">
+              <a:avLst/>
+            </a:prstGeom>
+            <a:noFill/>
+            <a:ln w="25400">
+              <a:solidFill>
+                <a:schemeClr val="tx1"/>
+              </a:solidFill>
+            </a:ln>
+          </p:spPr>
+          <p:style>
+            <a:lnRef idx="2">
+              <a:schemeClr val="accent2">
+                <a:shade val="50000"/>
+              </a:schemeClr>
+            </a:lnRef>
+            <a:fillRef idx="1">
+              <a:schemeClr val="accent2"/>
+            </a:fillRef>
+            <a:effectRef idx="0">
+              <a:schemeClr val="accent2"/>
+            </a:effectRef>
+            <a:fontRef idx="minor">
+              <a:schemeClr val="lt1"/>
+            </a:fontRef>
+          </p:style>
+          <p:txBody>
+            <a:bodyPr rtlCol="0" anchor="ctr"/>
+            <a:lstStyle/>
+            <a:p>
+              <a:pPr algn="ctr"/>
+              <a:r>
+                <a:rPr kumimoji="1" lang="en-US" altLang="zh-CN" sz="1200" b="1" dirty="0">
+                  <a:solidFill>
+                    <a:sysClr val="windowText" lastClr="000000"/>
+                  </a:solidFill>
+                  <a:latin typeface="DengXian" panose="02010600030101010101" pitchFamily="2" charset="-122"/>
+                  <a:ea typeface="DengXian" panose="02010600030101010101" pitchFamily="2" charset="-122"/>
+                </a:rPr>
+                <a:t>p1</a:t>
+              </a:r>
+              <a:r>
+                <a:rPr kumimoji="1" lang="en-US" altLang="zh-CN" sz="1200" dirty="0">
+                  <a:solidFill>
+                    <a:sysClr val="windowText" lastClr="000000"/>
+                  </a:solidFill>
+                  <a:latin typeface="DengXian" panose="02010600030101010101" pitchFamily="2" charset="-122"/>
+                  <a:ea typeface="DengXian" panose="02010600030101010101" pitchFamily="2" charset="-122"/>
+                </a:rPr>
+                <a:t>.id</a:t>
+              </a:r>
+              <a:r>
+                <a:rPr kumimoji="1" lang="zh-CN" altLang="en-US" sz="1200" dirty="0">
+                  <a:solidFill>
+                    <a:sysClr val="windowText" lastClr="000000"/>
+                  </a:solidFill>
+                  <a:latin typeface="DengXian" panose="02010600030101010101" pitchFamily="2" charset="-122"/>
+                  <a:ea typeface="DengXian" panose="02010600030101010101" pitchFamily="2" charset="-122"/>
+                </a:rPr>
+                <a:t> </a:t>
+              </a:r>
+              <a:r>
+                <a:rPr kumimoji="1" lang="en-US" altLang="zh-CN" sz="1200" dirty="0">
+                  <a:solidFill>
+                    <a:sysClr val="windowText" lastClr="000000"/>
+                  </a:solidFill>
+                  <a:latin typeface="DengXian" panose="02010600030101010101" pitchFamily="2" charset="-122"/>
+                  <a:ea typeface="DengXian" panose="02010600030101010101" pitchFamily="2" charset="-122"/>
+                </a:rPr>
+                <a:t>=</a:t>
+              </a:r>
+              <a:r>
+                <a:rPr kumimoji="1" lang="zh-CN" altLang="en-US" sz="1200" dirty="0">
+                  <a:solidFill>
+                    <a:sysClr val="windowText" lastClr="000000"/>
+                  </a:solidFill>
+                  <a:latin typeface="DengXian" panose="02010600030101010101" pitchFamily="2" charset="-122"/>
+                  <a:ea typeface="DengXian" panose="02010600030101010101" pitchFamily="2" charset="-122"/>
+                </a:rPr>
+                <a:t> </a:t>
+              </a:r>
+              <a:r>
+                <a:rPr kumimoji="1" lang="en-US" altLang="zh-CN" sz="1200" dirty="0">
+                  <a:solidFill>
+                    <a:sysClr val="windowText" lastClr="000000"/>
+                  </a:solidFill>
+                  <a:latin typeface="DengXian" panose="02010600030101010101" pitchFamily="2" charset="-122"/>
+                  <a:ea typeface="DengXian" panose="02010600030101010101" pitchFamily="2" charset="-122"/>
+                </a:rPr>
+                <a:t>${id}</a:t>
+              </a:r>
+              <a:endParaRPr kumimoji="1" lang="zh-CN" altLang="en-US" sz="1200" dirty="0">
+                <a:solidFill>
+                  <a:sysClr val="windowText" lastClr="000000"/>
+                </a:solidFill>
+                <a:latin typeface="DengXian" panose="02010600030101010101" pitchFamily="2" charset="-122"/>
+                <a:ea typeface="DengXian" panose="02010600030101010101" pitchFamily="2" charset="-122"/>
+              </a:endParaRPr>
+            </a:p>
+          </p:txBody>
+        </p:sp>
+        <p:sp>
+          <p:nvSpPr>
+            <p:cNvPr id="7" name="文本框 12">
+              <a:extLst>
+                <a:ext uri="{FF2B5EF4-FFF2-40B4-BE49-F238E27FC236}">
+                  <a16:creationId xmlns:a16="http://schemas.microsoft.com/office/drawing/2014/main" id="{F4A15F1B-7E9F-18B1-B534-F871F2501E70}"/>
+                </a:ext>
+              </a:extLst>
+            </p:cNvPr>
+            <p:cNvSpPr txBox="1"/>
+            <p:nvPr/>
+          </p:nvSpPr>
+          <p:spPr>
+            <a:xfrm>
+              <a:off x="3355842" y="4559220"/>
+              <a:ext cx="6541822" cy="703852"/>
+            </a:xfrm>
+            <a:prstGeom prst="rect">
+              <a:avLst/>
+            </a:prstGeom>
+            <a:noFill/>
+          </p:spPr>
+          <p:txBody>
+            <a:bodyPr wrap="square" lIns="90000" numCol="3" rtlCol="0" anchor="ctr">
+              <a:noAutofit/>
+            </a:bodyPr>
+            <a:lstStyle/>
+            <a:p>
+              <a:r>
+                <a:rPr kumimoji="1" lang="en-US" altLang="zh-CN" sz="1100" b="1" dirty="0">
+                  <a:latin typeface="DengXian" panose="02010600030101010101" pitchFamily="2" charset="-122"/>
+                  <a:ea typeface="DengXian" panose="02010600030101010101" pitchFamily="2" charset="-122"/>
+                </a:rPr>
+                <a:t>edge1:</a:t>
+              </a:r>
+              <a:r>
+                <a:rPr kumimoji="1" lang="zh-CN" altLang="en-US" sz="1100" b="1" dirty="0">
+                  <a:latin typeface="DengXian" panose="02010600030101010101" pitchFamily="2" charset="-122"/>
+                  <a:ea typeface="DengXian" panose="02010600030101010101" pitchFamily="2" charset="-122"/>
+                </a:rPr>
+                <a:t> </a:t>
+              </a:r>
+              <a:r>
+                <a:rPr kumimoji="1" lang="en-US" altLang="zh-CN" sz="1100" dirty="0">
+                  <a:latin typeface="DengXian" panose="02010600030101010101" pitchFamily="2" charset="-122"/>
+                  <a:ea typeface="DengXian" panose="02010600030101010101" pitchFamily="2" charset="-122"/>
+                </a:rPr>
+                <a:t>guarantee</a:t>
+              </a:r>
+            </a:p>
+            <a:p>
+              <a:r>
+                <a:rPr kumimoji="1" lang="en-US" altLang="zh-CN" sz="1100" b="1" dirty="0">
+                  <a:latin typeface="DengXian" panose="02010600030101010101" pitchFamily="2" charset="-122"/>
+                  <a:ea typeface="DengXian" panose="02010600030101010101" pitchFamily="2" charset="-122"/>
+                </a:rPr>
+                <a:t>edge1</a:t>
+              </a:r>
+              <a:r>
+                <a:rPr kumimoji="1" lang="en-US" altLang="zh-CN" sz="1100" dirty="0">
+                  <a:latin typeface="DengXian" panose="02010600030101010101" pitchFamily="2" charset="-122"/>
+                  <a:ea typeface="DengXian" panose="02010600030101010101" pitchFamily="2" charset="-122"/>
+                </a:rPr>
+                <a:t>.timestamp</a:t>
+              </a:r>
+              <a:r>
+                <a:rPr kumimoji="1" lang="zh-CN" altLang="en-US" sz="1100" dirty="0">
+                  <a:latin typeface="DengXian" panose="02010600030101010101" pitchFamily="2" charset="-122"/>
+                  <a:ea typeface="DengXian" panose="02010600030101010101" pitchFamily="2" charset="-122"/>
+                </a:rPr>
+                <a:t> </a:t>
+              </a:r>
+              <a:r>
+                <a:rPr kumimoji="1" lang="en-US" altLang="zh-CN" sz="1100" dirty="0">
+                  <a:latin typeface="DengXian" panose="02010600030101010101" pitchFamily="2" charset="-122"/>
+                  <a:ea typeface="DengXian" panose="02010600030101010101" pitchFamily="2" charset="-122"/>
+                </a:rPr>
+                <a:t>&gt;</a:t>
+              </a:r>
+              <a:r>
+                <a:rPr kumimoji="1" lang="zh-CN" altLang="en-US" sz="1100" dirty="0">
+                  <a:latin typeface="DengXian" panose="02010600030101010101" pitchFamily="2" charset="-122"/>
+                  <a:ea typeface="DengXian" panose="02010600030101010101" pitchFamily="2" charset="-122"/>
+                </a:rPr>
+                <a:t> </a:t>
+              </a:r>
+              <a:r>
+                <a:rPr kumimoji="1" lang="en-US" altLang="zh-CN" sz="1100" dirty="0">
+                  <a:latin typeface="DengXian" panose="02010600030101010101" pitchFamily="2" charset="-122"/>
+                  <a:ea typeface="DengXian" panose="02010600030101010101" pitchFamily="2" charset="-122"/>
+                </a:rPr>
+                <a:t>${</a:t>
+              </a:r>
+              <a:r>
+                <a:rPr kumimoji="1" lang="en-US" altLang="zh-CN" sz="1100" dirty="0" err="1">
+                  <a:latin typeface="DengXian" panose="02010600030101010101" pitchFamily="2" charset="-122"/>
+                  <a:ea typeface="DengXian" panose="02010600030101010101" pitchFamily="2" charset="-122"/>
+                </a:rPr>
+                <a:t>startTime</a:t>
+              </a:r>
+              <a:r>
+                <a:rPr kumimoji="1" lang="en-US" altLang="zh-CN" sz="1100" dirty="0">
+                  <a:latin typeface="DengXian" panose="02010600030101010101" pitchFamily="2" charset="-122"/>
+                  <a:ea typeface="DengXian" panose="02010600030101010101" pitchFamily="2" charset="-122"/>
+                </a:rPr>
+                <a:t>}</a:t>
+              </a:r>
+            </a:p>
+            <a:p>
+              <a:r>
+                <a:rPr kumimoji="1" lang="en-US" altLang="zh-CN" sz="1100" b="1" dirty="0">
+                  <a:latin typeface="DengXian" panose="02010600030101010101" pitchFamily="2" charset="-122"/>
+                  <a:ea typeface="DengXian" panose="02010600030101010101" pitchFamily="2" charset="-122"/>
+                </a:rPr>
+                <a:t>edge1</a:t>
+              </a:r>
+              <a:r>
+                <a:rPr kumimoji="1" lang="en-US" altLang="zh-CN" sz="1100" dirty="0">
+                  <a:latin typeface="DengXian" panose="02010600030101010101" pitchFamily="2" charset="-122"/>
+                  <a:ea typeface="DengXian" panose="02010600030101010101" pitchFamily="2" charset="-122"/>
+                </a:rPr>
+                <a:t>.timestamp</a:t>
+              </a:r>
+              <a:r>
+                <a:rPr kumimoji="1" lang="zh-CN" altLang="en-US" sz="1100" dirty="0">
+                  <a:latin typeface="DengXian" panose="02010600030101010101" pitchFamily="2" charset="-122"/>
+                  <a:ea typeface="DengXian" panose="02010600030101010101" pitchFamily="2" charset="-122"/>
+                </a:rPr>
+                <a:t> </a:t>
+              </a:r>
+              <a:r>
+                <a:rPr kumimoji="1" lang="en-US" altLang="zh-CN" sz="1100" dirty="0">
+                  <a:latin typeface="DengXian" panose="02010600030101010101" pitchFamily="2" charset="-122"/>
+                  <a:ea typeface="DengXian" panose="02010600030101010101" pitchFamily="2" charset="-122"/>
+                </a:rPr>
+                <a:t>&lt;</a:t>
+              </a:r>
+              <a:r>
+                <a:rPr kumimoji="1" lang="zh-CN" altLang="en-US" sz="1100" dirty="0">
+                  <a:latin typeface="DengXian" panose="02010600030101010101" pitchFamily="2" charset="-122"/>
+                  <a:ea typeface="DengXian" panose="02010600030101010101" pitchFamily="2" charset="-122"/>
+                </a:rPr>
+                <a:t> </a:t>
+              </a:r>
+              <a:r>
+                <a:rPr kumimoji="1" lang="en-US" altLang="zh-CN" sz="1100" dirty="0">
+                  <a:latin typeface="DengXian" panose="02010600030101010101" pitchFamily="2" charset="-122"/>
+                  <a:ea typeface="DengXian" panose="02010600030101010101" pitchFamily="2" charset="-122"/>
+                </a:rPr>
+                <a:t>${</a:t>
+              </a:r>
+              <a:r>
+                <a:rPr kumimoji="1" lang="en-US" altLang="zh-CN" sz="1100" dirty="0" err="1">
+                  <a:latin typeface="DengXian" panose="02010600030101010101" pitchFamily="2" charset="-122"/>
+                  <a:ea typeface="DengXian" panose="02010600030101010101" pitchFamily="2" charset="-122"/>
+                </a:rPr>
+                <a:t>endTime</a:t>
+              </a:r>
+              <a:r>
+                <a:rPr kumimoji="1" lang="en-US" altLang="zh-CN" sz="1100" dirty="0">
+                  <a:latin typeface="DengXian" panose="02010600030101010101" pitchFamily="2" charset="-122"/>
+                  <a:ea typeface="DengXian" panose="02010600030101010101" pitchFamily="2" charset="-122"/>
+                </a:rPr>
+                <a:t>}</a:t>
+              </a:r>
+            </a:p>
+            <a:p>
+              <a:r>
+                <a:rPr kumimoji="1" lang="en-US" altLang="zh-CN" sz="1100" b="1" dirty="0">
+                  <a:latin typeface="DengXian" panose="02010600030101010101" pitchFamily="2" charset="-122"/>
+                  <a:ea typeface="DengXian" panose="02010600030101010101" pitchFamily="2" charset="-122"/>
+                </a:rPr>
+                <a:t>edge2:</a:t>
+              </a:r>
+              <a:r>
+                <a:rPr kumimoji="1" lang="zh-CN" altLang="en-US" sz="1100" b="1" dirty="0">
+                  <a:latin typeface="DengXian" panose="02010600030101010101" pitchFamily="2" charset="-122"/>
+                  <a:ea typeface="DengXian" panose="02010600030101010101" pitchFamily="2" charset="-122"/>
+                </a:rPr>
+                <a:t> </a:t>
+              </a:r>
+              <a:r>
+                <a:rPr kumimoji="1" lang="en-US" altLang="zh-CN" sz="1100" dirty="0">
+                  <a:latin typeface="DengXian" panose="02010600030101010101" pitchFamily="2" charset="-122"/>
+                  <a:ea typeface="DengXian" panose="02010600030101010101" pitchFamily="2" charset="-122"/>
+                </a:rPr>
+                <a:t>guarantee</a:t>
+              </a:r>
+            </a:p>
+            <a:p>
+              <a:r>
+                <a:rPr kumimoji="1" lang="en-US" altLang="zh-CN" sz="1100" b="1" dirty="0">
+                  <a:latin typeface="DengXian" panose="02010600030101010101" pitchFamily="2" charset="-122"/>
+                  <a:ea typeface="DengXian" panose="02010600030101010101" pitchFamily="2" charset="-122"/>
+                </a:rPr>
+                <a:t>edge2</a:t>
+              </a:r>
+              <a:r>
+                <a:rPr kumimoji="1" lang="en-US" altLang="zh-CN" sz="1100" dirty="0">
+                  <a:latin typeface="DengXian" panose="02010600030101010101" pitchFamily="2" charset="-122"/>
+                  <a:ea typeface="DengXian" panose="02010600030101010101" pitchFamily="2" charset="-122"/>
+                </a:rPr>
+                <a:t>.timestamp</a:t>
+              </a:r>
+              <a:r>
+                <a:rPr kumimoji="1" lang="zh-CN" altLang="en-US" sz="1100" dirty="0">
+                  <a:latin typeface="DengXian" panose="02010600030101010101" pitchFamily="2" charset="-122"/>
+                  <a:ea typeface="DengXian" panose="02010600030101010101" pitchFamily="2" charset="-122"/>
+                </a:rPr>
+                <a:t> </a:t>
+              </a:r>
+              <a:r>
+                <a:rPr kumimoji="1" lang="en-US" altLang="zh-CN" sz="1100" dirty="0">
+                  <a:latin typeface="DengXian" panose="02010600030101010101" pitchFamily="2" charset="-122"/>
+                  <a:ea typeface="DengXian" panose="02010600030101010101" pitchFamily="2" charset="-122"/>
+                </a:rPr>
+                <a:t>&gt;</a:t>
+              </a:r>
+              <a:r>
+                <a:rPr kumimoji="1" lang="zh-CN" altLang="en-US" sz="1100" dirty="0">
+                  <a:latin typeface="DengXian" panose="02010600030101010101" pitchFamily="2" charset="-122"/>
+                  <a:ea typeface="DengXian" panose="02010600030101010101" pitchFamily="2" charset="-122"/>
+                </a:rPr>
+                <a:t> </a:t>
+              </a:r>
+              <a:r>
+                <a:rPr kumimoji="1" lang="en-US" altLang="zh-CN" sz="1100" dirty="0">
+                  <a:latin typeface="DengXian" panose="02010600030101010101" pitchFamily="2" charset="-122"/>
+                  <a:ea typeface="DengXian" panose="02010600030101010101" pitchFamily="2" charset="-122"/>
+                </a:rPr>
+                <a:t>${</a:t>
+              </a:r>
+              <a:r>
+                <a:rPr kumimoji="1" lang="en-US" altLang="zh-CN" sz="1100" dirty="0" err="1">
+                  <a:latin typeface="DengXian" panose="02010600030101010101" pitchFamily="2" charset="-122"/>
+                  <a:ea typeface="DengXian" panose="02010600030101010101" pitchFamily="2" charset="-122"/>
+                </a:rPr>
+                <a:t>startTime</a:t>
+              </a:r>
+              <a:r>
+                <a:rPr kumimoji="1" lang="en-US" altLang="zh-CN" sz="1100" dirty="0">
+                  <a:latin typeface="DengXian" panose="02010600030101010101" pitchFamily="2" charset="-122"/>
+                  <a:ea typeface="DengXian" panose="02010600030101010101" pitchFamily="2" charset="-122"/>
+                </a:rPr>
+                <a:t>}</a:t>
+              </a:r>
+            </a:p>
+            <a:p>
+              <a:r>
+                <a:rPr kumimoji="1" lang="en-US" altLang="zh-CN" sz="1100" b="1" dirty="0">
+                  <a:latin typeface="DengXian" panose="02010600030101010101" pitchFamily="2" charset="-122"/>
+                  <a:ea typeface="DengXian" panose="02010600030101010101" pitchFamily="2" charset="-122"/>
+                </a:rPr>
+                <a:t>edge2</a:t>
+              </a:r>
+              <a:r>
+                <a:rPr kumimoji="1" lang="en-US" altLang="zh-CN" sz="1100" dirty="0">
+                  <a:latin typeface="DengXian" panose="02010600030101010101" pitchFamily="2" charset="-122"/>
+                  <a:ea typeface="DengXian" panose="02010600030101010101" pitchFamily="2" charset="-122"/>
+                </a:rPr>
+                <a:t>.timestamp</a:t>
+              </a:r>
+              <a:r>
+                <a:rPr kumimoji="1" lang="zh-CN" altLang="en-US" sz="1100" dirty="0">
+                  <a:latin typeface="DengXian" panose="02010600030101010101" pitchFamily="2" charset="-122"/>
+                  <a:ea typeface="DengXian" panose="02010600030101010101" pitchFamily="2" charset="-122"/>
+                </a:rPr>
+                <a:t> </a:t>
+              </a:r>
+              <a:r>
+                <a:rPr kumimoji="1" lang="en-US" altLang="zh-CN" sz="1100" dirty="0">
+                  <a:latin typeface="DengXian" panose="02010600030101010101" pitchFamily="2" charset="-122"/>
+                  <a:ea typeface="DengXian" panose="02010600030101010101" pitchFamily="2" charset="-122"/>
+                </a:rPr>
+                <a:t>&lt;</a:t>
+              </a:r>
+              <a:r>
+                <a:rPr kumimoji="1" lang="zh-CN" altLang="en-US" sz="1100" dirty="0">
+                  <a:latin typeface="DengXian" panose="02010600030101010101" pitchFamily="2" charset="-122"/>
+                  <a:ea typeface="DengXian" panose="02010600030101010101" pitchFamily="2" charset="-122"/>
+                </a:rPr>
+                <a:t> </a:t>
+              </a:r>
+              <a:r>
+                <a:rPr kumimoji="1" lang="en-US" altLang="zh-CN" sz="1100" dirty="0">
+                  <a:latin typeface="DengXian" panose="02010600030101010101" pitchFamily="2" charset="-122"/>
+                  <a:ea typeface="DengXian" panose="02010600030101010101" pitchFamily="2" charset="-122"/>
+                </a:rPr>
+                <a:t>${</a:t>
+              </a:r>
+              <a:r>
+                <a:rPr kumimoji="1" lang="en-US" altLang="zh-CN" sz="1100" dirty="0" err="1">
+                  <a:latin typeface="DengXian" panose="02010600030101010101" pitchFamily="2" charset="-122"/>
+                  <a:ea typeface="DengXian" panose="02010600030101010101" pitchFamily="2" charset="-122"/>
+                </a:rPr>
+                <a:t>endTime</a:t>
+              </a:r>
+              <a:r>
+                <a:rPr kumimoji="1" lang="en-US" altLang="zh-CN" sz="1100" dirty="0">
+                  <a:latin typeface="DengXian" panose="02010600030101010101" pitchFamily="2" charset="-122"/>
+                  <a:ea typeface="DengXian" panose="02010600030101010101" pitchFamily="2" charset="-122"/>
+                </a:rPr>
+                <a:t>}</a:t>
+              </a:r>
+            </a:p>
+            <a:p>
+              <a:r>
+                <a:rPr kumimoji="1" lang="en-US" altLang="zh-CN" sz="1100" b="1" dirty="0" err="1">
+                  <a:latin typeface="DengXian" panose="02010600030101010101" pitchFamily="2" charset="-122"/>
+                  <a:ea typeface="DengXian" panose="02010600030101010101" pitchFamily="2" charset="-122"/>
+                </a:rPr>
+                <a:t>edgeN</a:t>
+              </a:r>
+              <a:r>
+                <a:rPr kumimoji="1" lang="en-US" altLang="zh-CN" sz="1100" b="1" dirty="0">
+                  <a:latin typeface="DengXian" panose="02010600030101010101" pitchFamily="2" charset="-122"/>
+                  <a:ea typeface="DengXian" panose="02010600030101010101" pitchFamily="2" charset="-122"/>
+                </a:rPr>
+                <a:t>:</a:t>
+              </a:r>
+              <a:r>
+                <a:rPr kumimoji="1" lang="zh-CN" altLang="en-US" sz="1100" b="1" dirty="0">
+                  <a:latin typeface="DengXian" panose="02010600030101010101" pitchFamily="2" charset="-122"/>
+                  <a:ea typeface="DengXian" panose="02010600030101010101" pitchFamily="2" charset="-122"/>
+                </a:rPr>
+                <a:t> </a:t>
+              </a:r>
+              <a:r>
+                <a:rPr kumimoji="1" lang="en-US" altLang="zh-CN" sz="1100" dirty="0">
+                  <a:latin typeface="DengXian" panose="02010600030101010101" pitchFamily="2" charset="-122"/>
+                  <a:ea typeface="DengXian" panose="02010600030101010101" pitchFamily="2" charset="-122"/>
+                </a:rPr>
+                <a:t>guarantee</a:t>
+              </a:r>
+            </a:p>
+            <a:p>
+              <a:r>
+                <a:rPr kumimoji="1" lang="en-US" altLang="zh-CN" sz="1100" b="1" dirty="0" err="1">
+                  <a:latin typeface="DengXian" panose="02010600030101010101" pitchFamily="2" charset="-122"/>
+                  <a:ea typeface="DengXian" panose="02010600030101010101" pitchFamily="2" charset="-122"/>
+                </a:rPr>
+                <a:t>edgeN</a:t>
+              </a:r>
+              <a:r>
+                <a:rPr kumimoji="1" lang="en-US" altLang="zh-CN" sz="1100" dirty="0" err="1">
+                  <a:latin typeface="DengXian" panose="02010600030101010101" pitchFamily="2" charset="-122"/>
+                  <a:ea typeface="DengXian" panose="02010600030101010101" pitchFamily="2" charset="-122"/>
+                </a:rPr>
+                <a:t>.timestamp</a:t>
+              </a:r>
+              <a:r>
+                <a:rPr kumimoji="1" lang="zh-CN" altLang="en-US" sz="1100" dirty="0">
+                  <a:latin typeface="DengXian" panose="02010600030101010101" pitchFamily="2" charset="-122"/>
+                  <a:ea typeface="DengXian" panose="02010600030101010101" pitchFamily="2" charset="-122"/>
+                </a:rPr>
+                <a:t> </a:t>
+              </a:r>
+              <a:r>
+                <a:rPr kumimoji="1" lang="en-US" altLang="zh-CN" sz="1100" dirty="0">
+                  <a:latin typeface="DengXian" panose="02010600030101010101" pitchFamily="2" charset="-122"/>
+                  <a:ea typeface="DengXian" panose="02010600030101010101" pitchFamily="2" charset="-122"/>
+                </a:rPr>
+                <a:t>&gt;</a:t>
+              </a:r>
+              <a:r>
+                <a:rPr kumimoji="1" lang="zh-CN" altLang="en-US" sz="1100" dirty="0">
+                  <a:latin typeface="DengXian" panose="02010600030101010101" pitchFamily="2" charset="-122"/>
+                  <a:ea typeface="DengXian" panose="02010600030101010101" pitchFamily="2" charset="-122"/>
+                </a:rPr>
+                <a:t> </a:t>
+              </a:r>
+              <a:r>
+                <a:rPr kumimoji="1" lang="en-US" altLang="zh-CN" sz="1100" dirty="0">
+                  <a:latin typeface="DengXian" panose="02010600030101010101" pitchFamily="2" charset="-122"/>
+                  <a:ea typeface="DengXian" panose="02010600030101010101" pitchFamily="2" charset="-122"/>
+                </a:rPr>
+                <a:t>${</a:t>
+              </a:r>
+              <a:r>
+                <a:rPr kumimoji="1" lang="en-US" altLang="zh-CN" sz="1100" dirty="0" err="1">
+                  <a:latin typeface="DengXian" panose="02010600030101010101" pitchFamily="2" charset="-122"/>
+                  <a:ea typeface="DengXian" panose="02010600030101010101" pitchFamily="2" charset="-122"/>
+                </a:rPr>
+                <a:t>startTime</a:t>
+              </a:r>
+              <a:r>
+                <a:rPr kumimoji="1" lang="en-US" altLang="zh-CN" sz="1100" dirty="0">
+                  <a:latin typeface="DengXian" panose="02010600030101010101" pitchFamily="2" charset="-122"/>
+                  <a:ea typeface="DengXian" panose="02010600030101010101" pitchFamily="2" charset="-122"/>
+                </a:rPr>
+                <a:t>}</a:t>
+              </a:r>
+            </a:p>
+            <a:p>
+              <a:r>
+                <a:rPr kumimoji="1" lang="en-US" altLang="zh-CN" sz="1100" b="1" dirty="0" err="1">
+                  <a:latin typeface="DengXian" panose="02010600030101010101" pitchFamily="2" charset="-122"/>
+                  <a:ea typeface="DengXian" panose="02010600030101010101" pitchFamily="2" charset="-122"/>
+                </a:rPr>
+                <a:t>edgeN</a:t>
+              </a:r>
+              <a:r>
+                <a:rPr kumimoji="1" lang="en-US" altLang="zh-CN" sz="1100" dirty="0" err="1">
+                  <a:latin typeface="DengXian" panose="02010600030101010101" pitchFamily="2" charset="-122"/>
+                  <a:ea typeface="DengXian" panose="02010600030101010101" pitchFamily="2" charset="-122"/>
+                </a:rPr>
+                <a:t>.timestamp</a:t>
+              </a:r>
+              <a:r>
+                <a:rPr kumimoji="1" lang="zh-CN" altLang="en-US" sz="1100" dirty="0">
+                  <a:latin typeface="DengXian" panose="02010600030101010101" pitchFamily="2" charset="-122"/>
+                  <a:ea typeface="DengXian" panose="02010600030101010101" pitchFamily="2" charset="-122"/>
+                </a:rPr>
+                <a:t> </a:t>
+              </a:r>
+              <a:r>
+                <a:rPr kumimoji="1" lang="en-US" altLang="zh-CN" sz="1100" dirty="0">
+                  <a:latin typeface="DengXian" panose="02010600030101010101" pitchFamily="2" charset="-122"/>
+                  <a:ea typeface="DengXian" panose="02010600030101010101" pitchFamily="2" charset="-122"/>
+                </a:rPr>
+                <a:t>&lt;</a:t>
+              </a:r>
+              <a:r>
+                <a:rPr kumimoji="1" lang="zh-CN" altLang="en-US" sz="1100" dirty="0">
+                  <a:latin typeface="DengXian" panose="02010600030101010101" pitchFamily="2" charset="-122"/>
+                  <a:ea typeface="DengXian" panose="02010600030101010101" pitchFamily="2" charset="-122"/>
+                </a:rPr>
+                <a:t> </a:t>
+              </a:r>
+              <a:r>
+                <a:rPr kumimoji="1" lang="en-US" altLang="zh-CN" sz="1100" dirty="0">
+                  <a:latin typeface="DengXian" panose="02010600030101010101" pitchFamily="2" charset="-122"/>
+                  <a:ea typeface="DengXian" panose="02010600030101010101" pitchFamily="2" charset="-122"/>
+                </a:rPr>
+                <a:t>${</a:t>
+              </a:r>
+              <a:r>
+                <a:rPr kumimoji="1" lang="en-US" altLang="zh-CN" sz="1100" dirty="0" err="1">
+                  <a:latin typeface="DengXian" panose="02010600030101010101" pitchFamily="2" charset="-122"/>
+                  <a:ea typeface="DengXian" panose="02010600030101010101" pitchFamily="2" charset="-122"/>
+                </a:rPr>
+                <a:t>endTime</a:t>
+              </a:r>
+              <a:r>
+                <a:rPr kumimoji="1" lang="en-US" altLang="zh-CN" sz="1100" dirty="0">
+                  <a:latin typeface="DengXian" panose="02010600030101010101" pitchFamily="2" charset="-122"/>
+                  <a:ea typeface="DengXian" panose="02010600030101010101" pitchFamily="2" charset="-122"/>
+                </a:rPr>
+                <a:t>}</a:t>
+              </a:r>
+            </a:p>
+          </p:txBody>
+        </p:sp>
+        <p:sp>
+          <p:nvSpPr>
+            <p:cNvPr id="18" name="矩形 14">
+              <a:extLst>
+                <a:ext uri="{FF2B5EF4-FFF2-40B4-BE49-F238E27FC236}">
+                  <a16:creationId xmlns:a16="http://schemas.microsoft.com/office/drawing/2014/main" id="{D4D85E41-5080-4805-72B4-0D9DB4842941}"/>
+                </a:ext>
+              </a:extLst>
+            </p:cNvPr>
+            <p:cNvSpPr/>
+            <p:nvPr/>
+          </p:nvSpPr>
+          <p:spPr>
+            <a:xfrm>
+              <a:off x="4964780" y="2818372"/>
+              <a:ext cx="1022912" cy="505147"/>
+            </a:xfrm>
+            <a:prstGeom prst="rect">
+              <a:avLst/>
+            </a:prstGeom>
+            <a:solidFill>
+              <a:schemeClr val="accent2">
+                <a:lumMod val="60000"/>
+                <a:lumOff val="40000"/>
+              </a:schemeClr>
+            </a:solidFill>
+            <a:ln w="25400">
+              <a:solidFill>
+                <a:schemeClr val="tx1"/>
+              </a:solidFill>
+            </a:ln>
+          </p:spPr>
+          <p:style>
+            <a:lnRef idx="2">
+              <a:schemeClr val="accent2">
+                <a:shade val="50000"/>
+              </a:schemeClr>
+            </a:lnRef>
+            <a:fillRef idx="1">
+              <a:schemeClr val="accent2"/>
+            </a:fillRef>
+            <a:effectRef idx="0">
+              <a:schemeClr val="accent2"/>
+            </a:effectRef>
+            <a:fontRef idx="minor">
+              <a:schemeClr val="lt1"/>
+            </a:fontRef>
+          </p:style>
+          <p:txBody>
+            <a:bodyPr rtlCol="0" anchor="ctr"/>
+            <a:lstStyle/>
+            <a:p>
+              <a:pPr algn="ctr"/>
+              <a:r>
+                <a:rPr kumimoji="1" lang="en-US" altLang="zh-CN" sz="1200" b="1" dirty="0">
+                  <a:solidFill>
+                    <a:sysClr val="windowText" lastClr="000000"/>
+                  </a:solidFill>
+                </a:rPr>
+                <a:t>loan2</a:t>
+              </a:r>
+              <a:r>
+                <a:rPr kumimoji="1" lang="zh-CN" altLang="en-US" sz="1200" dirty="0">
+                  <a:solidFill>
+                    <a:sysClr val="windowText" lastClr="000000"/>
+                  </a:solidFill>
+                </a:rPr>
+                <a:t> </a:t>
+              </a:r>
+              <a:r>
+                <a:rPr kumimoji="1" lang="en-US" altLang="zh-CN" sz="1200" dirty="0">
+                  <a:solidFill>
+                    <a:sysClr val="windowText" lastClr="000000"/>
+                  </a:solidFill>
+                </a:rPr>
+                <a:t>:</a:t>
+              </a:r>
+              <a:r>
+                <a:rPr kumimoji="1" lang="zh-CN" altLang="en-US" sz="1200" dirty="0">
+                  <a:solidFill>
+                    <a:sysClr val="windowText" lastClr="000000"/>
+                  </a:solidFill>
+                </a:rPr>
+                <a:t> </a:t>
+              </a:r>
+              <a:r>
+                <a:rPr kumimoji="1" lang="en-US" altLang="zh-CN" sz="1200" dirty="0">
+                  <a:solidFill>
+                    <a:sysClr val="windowText" lastClr="000000"/>
+                  </a:solidFill>
+                </a:rPr>
+                <a:t>Loan</a:t>
+              </a:r>
+              <a:endParaRPr kumimoji="1" lang="zh-CN" altLang="en-US" sz="1200" dirty="0">
+                <a:solidFill>
+                  <a:sysClr val="windowText" lastClr="000000"/>
+                </a:solidFill>
+              </a:endParaRPr>
+            </a:p>
+          </p:txBody>
+        </p:sp>
+        <p:cxnSp>
+          <p:nvCxnSpPr>
+            <p:cNvPr id="21" name="直线箭头连接符 11" descr="jytjh">
+              <a:extLst>
+                <a:ext uri="{FF2B5EF4-FFF2-40B4-BE49-F238E27FC236}">
+                  <a16:creationId xmlns:a16="http://schemas.microsoft.com/office/drawing/2014/main" id="{66ADFD98-82AB-480E-3027-5F80FCAF7AF5}"/>
+                </a:ext>
+              </a:extLst>
+            </p:cNvPr>
+            <p:cNvCxnSpPr>
+              <a:cxnSpLocks/>
+              <a:stCxn id="15" idx="0"/>
+              <a:endCxn id="18" idx="2"/>
+            </p:cNvCxnSpPr>
+            <p:nvPr/>
+          </p:nvCxnSpPr>
+          <p:spPr>
+            <a:xfrm flipV="1">
+              <a:off x="4870290" y="3323519"/>
+              <a:ext cx="605946" cy="557475"/>
+            </a:xfrm>
+            <a:prstGeom prst="straightConnector1">
+              <a:avLst/>
+            </a:prstGeom>
+            <a:ln w="19050">
+              <a:solidFill>
+                <a:schemeClr val="tx1"/>
+              </a:solidFill>
+              <a:headEnd type="none" w="lg" len="med"/>
+              <a:tailEnd type="arrow" w="sm" len="lg"/>
+            </a:ln>
+          </p:spPr>
+          <p:style>
+            <a:lnRef idx="1">
+              <a:schemeClr val="accent1"/>
+            </a:lnRef>
+            <a:fillRef idx="0">
+              <a:schemeClr val="accent1"/>
+            </a:fillRef>
+            <a:effectRef idx="0">
+              <a:schemeClr val="accent1"/>
+            </a:effectRef>
+            <a:fontRef idx="minor">
+              <a:schemeClr val="tx1"/>
+            </a:fontRef>
+          </p:style>
+        </p:cxnSp>
+      </p:grpSp>
+    </p:spTree>
+    <p:extLst>
+      <p:ext uri="{BB962C8B-B14F-4D97-AF65-F5344CB8AC3E}">
+        <p14:creationId xmlns:p14="http://schemas.microsoft.com/office/powerpoint/2010/main" val="236170897"/>
+      </p:ext>
+    </p:extLst>
+  </p:cSld>
+  <p:clrMapOvr>
+    <a:masterClrMapping/>
+  </p:clrMapOvr>
+</p:sld>
+</file>
+
+<file path=ppt/slides/slide12.xml><?xml version="1.0" encoding="utf-8"?>
+<p:sld xmlns:a="http://schemas.openxmlformats.org/drawingml/2006/main" xmlns:r="http://schemas.openxmlformats.org/officeDocument/2006/relationships" xmlns:p="http://schemas.openxmlformats.org/presentationml/2006/main">
+  <p:cSld>
+    <p:spTree>
+      <p:nvGrpSpPr>
+        <p:cNvPr id="1" name=""/>
+        <p:cNvGrpSpPr/>
+        <p:nvPr/>
+      </p:nvGrpSpPr>
+      <p:grpSpPr>
+        <a:xfrm>
+          <a:off x="0" y="0"/>
+          <a:ext cx="0" cy="0"/>
+          <a:chOff x="0" y="0"/>
+          <a:chExt cx="0" cy="0"/>
+        </a:xfrm>
+      </p:grpSpPr>
+      <p:grpSp>
+        <p:nvGrpSpPr>
+          <p:cNvPr id="2" name="Group 1">
+            <a:extLst>
+              <a:ext uri="{FF2B5EF4-FFF2-40B4-BE49-F238E27FC236}">
+                <a16:creationId xmlns:a16="http://schemas.microsoft.com/office/drawing/2014/main" id="{AD35A4BD-1529-97B6-3A3B-F18D21EC4B32}"/>
+              </a:ext>
+            </a:extLst>
+          </p:cNvPr>
+          <p:cNvGrpSpPr/>
+          <p:nvPr/>
+        </p:nvGrpSpPr>
+        <p:grpSpPr>
+          <a:xfrm>
+            <a:off x="879232" y="1334485"/>
+            <a:ext cx="10205866" cy="4417085"/>
+            <a:chOff x="879232" y="1334485"/>
+            <a:chExt cx="10205866" cy="4417085"/>
+          </a:xfrm>
+        </p:grpSpPr>
+        <p:grpSp>
+          <p:nvGrpSpPr>
+            <p:cNvPr id="80" name="Group 79">
+              <a:extLst>
+                <a:ext uri="{FF2B5EF4-FFF2-40B4-BE49-F238E27FC236}">
+                  <a16:creationId xmlns:a16="http://schemas.microsoft.com/office/drawing/2014/main" id="{903B445A-C3E7-DAA7-61C9-B2E3C95387BE}"/>
+                </a:ext>
+              </a:extLst>
+            </p:cNvPr>
+            <p:cNvGrpSpPr/>
+            <p:nvPr/>
+          </p:nvGrpSpPr>
+          <p:grpSpPr>
+            <a:xfrm>
+              <a:off x="879232" y="1587060"/>
+              <a:ext cx="1571558" cy="782148"/>
+              <a:chOff x="1364974" y="1587060"/>
+              <a:chExt cx="1571558" cy="782148"/>
+            </a:xfrm>
+          </p:grpSpPr>
+          <p:sp>
+            <p:nvSpPr>
+              <p:cNvPr id="6" name="矩形 5">
+                <a:extLst>
+                  <a:ext uri="{FF2B5EF4-FFF2-40B4-BE49-F238E27FC236}">
+                    <a16:creationId xmlns:a16="http://schemas.microsoft.com/office/drawing/2014/main" id="{670CE168-0537-1EDE-AF50-A3F8EBDDBDA6}"/>
+                  </a:ext>
+                </a:extLst>
+              </p:cNvPr>
+              <p:cNvSpPr/>
+              <p:nvPr/>
+            </p:nvSpPr>
+            <p:spPr>
+              <a:xfrm>
+                <a:off x="1364974" y="1587060"/>
+                <a:ext cx="1571558" cy="505147"/>
+              </a:xfrm>
+              <a:prstGeom prst="rect">
+                <a:avLst/>
+              </a:prstGeom>
+              <a:solidFill>
+                <a:schemeClr val="accent6">
+                  <a:lumMod val="60000"/>
+                  <a:lumOff val="40000"/>
+                </a:schemeClr>
+              </a:solidFill>
+              <a:ln w="25400">
+                <a:solidFill>
+                  <a:schemeClr val="tx1"/>
+                </a:solidFill>
+              </a:ln>
+            </p:spPr>
+            <p:style>
+              <a:lnRef idx="2">
+                <a:schemeClr val="accent2">
+                  <a:shade val="50000"/>
+                </a:schemeClr>
+              </a:lnRef>
+              <a:fillRef idx="1">
+                <a:schemeClr val="accent2"/>
+              </a:fillRef>
+              <a:effectRef idx="0">
+                <a:schemeClr val="accent2"/>
+              </a:effectRef>
+              <a:fontRef idx="minor">
+                <a:schemeClr val="lt1"/>
+              </a:fontRef>
+            </p:style>
+            <p:txBody>
+              <a:bodyPr rtlCol="0" anchor="ctr"/>
+              <a:lstStyle/>
+              <a:p>
+                <a:pPr algn="ctr"/>
+                <a:r>
+                  <a:rPr kumimoji="1" lang="en-US" altLang="zh-CN" sz="1200" b="1" dirty="0">
+                    <a:solidFill>
+                      <a:sysClr val="windowText" lastClr="000000"/>
+                    </a:solidFill>
+                  </a:rPr>
+                  <a:t>person</a:t>
+                </a:r>
+                <a:r>
+                  <a:rPr kumimoji="1" lang="zh-CN" altLang="en-US" sz="1200" dirty="0">
+                    <a:solidFill>
+                      <a:sysClr val="windowText" lastClr="000000"/>
+                    </a:solidFill>
+                  </a:rPr>
+                  <a:t> </a:t>
+                </a:r>
+                <a:r>
+                  <a:rPr kumimoji="1" lang="en-US" altLang="zh-CN" sz="1200" dirty="0">
+                    <a:solidFill>
+                      <a:sysClr val="windowText" lastClr="000000"/>
+                    </a:solidFill>
+                  </a:rPr>
+                  <a:t>:</a:t>
+                </a:r>
+                <a:r>
+                  <a:rPr kumimoji="1" lang="zh-CN" altLang="en-US" sz="1200" dirty="0">
+                    <a:solidFill>
+                      <a:sysClr val="windowText" lastClr="000000"/>
+                    </a:solidFill>
+                  </a:rPr>
+                  <a:t> </a:t>
+                </a:r>
+                <a:r>
+                  <a:rPr kumimoji="1" lang="en-US" altLang="zh-CN" sz="1200" dirty="0">
+                    <a:solidFill>
+                      <a:sysClr val="windowText" lastClr="000000"/>
+                    </a:solidFill>
+                  </a:rPr>
+                  <a:t>Person</a:t>
+                </a:r>
+                <a:endParaRPr kumimoji="1" lang="zh-CN" altLang="en-US" sz="1200" dirty="0">
+                  <a:solidFill>
+                    <a:sysClr val="windowText" lastClr="000000"/>
+                  </a:solidFill>
+                </a:endParaRPr>
+              </a:p>
+            </p:txBody>
+          </p:sp>
+          <p:sp>
+            <p:nvSpPr>
+              <p:cNvPr id="7" name="矩形 6">
+                <a:extLst>
+                  <a:ext uri="{FF2B5EF4-FFF2-40B4-BE49-F238E27FC236}">
+                    <a16:creationId xmlns:a16="http://schemas.microsoft.com/office/drawing/2014/main" id="{D4300831-4873-1FA9-2AED-A01E517891A7}"/>
+                  </a:ext>
+                </a:extLst>
+              </p:cNvPr>
+              <p:cNvSpPr/>
+              <p:nvPr/>
+            </p:nvSpPr>
+            <p:spPr>
+              <a:xfrm>
+                <a:off x="1364974" y="2092208"/>
+                <a:ext cx="1571557" cy="277000"/>
+              </a:xfrm>
+              <a:prstGeom prst="rect">
+                <a:avLst/>
+              </a:prstGeom>
+              <a:noFill/>
+              <a:ln w="25400">
+                <a:solidFill>
+                  <a:schemeClr val="tx1"/>
+                </a:solidFill>
+              </a:ln>
+            </p:spPr>
+            <p:style>
+              <a:lnRef idx="2">
+                <a:schemeClr val="accent2">
+                  <a:shade val="50000"/>
+                </a:schemeClr>
+              </a:lnRef>
+              <a:fillRef idx="1">
+                <a:schemeClr val="accent2"/>
+              </a:fillRef>
+              <a:effectRef idx="0">
+                <a:schemeClr val="accent2"/>
+              </a:effectRef>
+              <a:fontRef idx="minor">
+                <a:schemeClr val="lt1"/>
+              </a:fontRef>
+            </p:style>
+            <p:txBody>
+              <a:bodyPr rtlCol="0" anchor="ctr"/>
+              <a:lstStyle/>
+              <a:p>
+                <a:pPr algn="ctr"/>
+                <a:r>
+                  <a:rPr kumimoji="1" lang="en-US" altLang="zh-CN" sz="1200" b="1" dirty="0" err="1">
+                    <a:solidFill>
+                      <a:sysClr val="windowText" lastClr="000000"/>
+                    </a:solidFill>
+                    <a:latin typeface="DengXian" panose="02010600030101010101" pitchFamily="2" charset="-122"/>
+                    <a:ea typeface="DengXian" panose="02010600030101010101" pitchFamily="2" charset="-122"/>
+                  </a:rPr>
+                  <a:t>person</a:t>
+                </a:r>
+                <a:r>
+                  <a:rPr kumimoji="1" lang="en-US" altLang="zh-CN" sz="1200" dirty="0" err="1">
+                    <a:solidFill>
+                      <a:sysClr val="windowText" lastClr="000000"/>
+                    </a:solidFill>
+                    <a:latin typeface="DengXian" panose="02010600030101010101" pitchFamily="2" charset="-122"/>
+                    <a:ea typeface="DengXian" panose="02010600030101010101" pitchFamily="2" charset="-122"/>
+                  </a:rPr>
+                  <a:t>.id</a:t>
+                </a:r>
+                <a:r>
+                  <a:rPr kumimoji="1" lang="zh-CN" altLang="en-US" sz="1200" dirty="0">
+                    <a:solidFill>
+                      <a:sysClr val="windowText" lastClr="000000"/>
+                    </a:solidFill>
+                    <a:latin typeface="DengXian" panose="02010600030101010101" pitchFamily="2" charset="-122"/>
+                    <a:ea typeface="DengXian" panose="02010600030101010101" pitchFamily="2" charset="-122"/>
+                  </a:rPr>
+                  <a:t> </a:t>
+                </a:r>
+                <a:r>
+                  <a:rPr kumimoji="1" lang="en-US" altLang="zh-CN" sz="1200" dirty="0">
+                    <a:solidFill>
+                      <a:sysClr val="windowText" lastClr="000000"/>
+                    </a:solidFill>
+                    <a:latin typeface="DengXian" panose="02010600030101010101" pitchFamily="2" charset="-122"/>
+                    <a:ea typeface="DengXian" panose="02010600030101010101" pitchFamily="2" charset="-122"/>
+                  </a:rPr>
+                  <a:t>=</a:t>
+                </a:r>
+                <a:r>
+                  <a:rPr kumimoji="1" lang="zh-CN" altLang="en-US" sz="1200" dirty="0">
+                    <a:solidFill>
+                      <a:sysClr val="windowText" lastClr="000000"/>
+                    </a:solidFill>
+                    <a:latin typeface="DengXian" panose="02010600030101010101" pitchFamily="2" charset="-122"/>
+                    <a:ea typeface="DengXian" panose="02010600030101010101" pitchFamily="2" charset="-122"/>
+                  </a:rPr>
+                  <a:t> </a:t>
+                </a:r>
+                <a:r>
+                  <a:rPr kumimoji="1" lang="en-US" altLang="zh-CN" sz="1200" dirty="0">
+                    <a:solidFill>
+                      <a:sysClr val="windowText" lastClr="000000"/>
+                    </a:solidFill>
+                    <a:latin typeface="DengXian" panose="02010600030101010101" pitchFamily="2" charset="-122"/>
+                    <a:ea typeface="DengXian" panose="02010600030101010101" pitchFamily="2" charset="-122"/>
+                  </a:rPr>
+                  <a:t>${id}</a:t>
+                </a:r>
+                <a:endParaRPr kumimoji="1" lang="zh-CN" altLang="en-US" sz="1200" dirty="0">
+                  <a:solidFill>
+                    <a:sysClr val="windowText" lastClr="000000"/>
+                  </a:solidFill>
+                  <a:latin typeface="DengXian" panose="02010600030101010101" pitchFamily="2" charset="-122"/>
+                  <a:ea typeface="DengXian" panose="02010600030101010101" pitchFamily="2" charset="-122"/>
+                </a:endParaRPr>
+              </a:p>
+            </p:txBody>
+          </p:sp>
+        </p:grpSp>
+        <p:cxnSp>
+          <p:nvCxnSpPr>
+            <p:cNvPr id="8" name="直线箭头连接符 7" descr="jytjh">
+              <a:extLst>
+                <a:ext uri="{FF2B5EF4-FFF2-40B4-BE49-F238E27FC236}">
+                  <a16:creationId xmlns:a16="http://schemas.microsoft.com/office/drawing/2014/main" id="{8507D6B9-48D5-F7CD-F0A0-F23AE40A642E}"/>
+                </a:ext>
+              </a:extLst>
+            </p:cNvPr>
+            <p:cNvCxnSpPr>
+              <a:cxnSpLocks/>
+              <a:stCxn id="6" idx="3"/>
+              <a:endCxn id="10" idx="1"/>
+            </p:cNvCxnSpPr>
+            <p:nvPr/>
+          </p:nvCxnSpPr>
+          <p:spPr>
+            <a:xfrm>
+              <a:off x="2450790" y="1839634"/>
+              <a:ext cx="1598251" cy="0"/>
+            </a:xfrm>
+            <a:prstGeom prst="straightConnector1">
+              <a:avLst/>
+            </a:prstGeom>
+            <a:ln w="19050">
+              <a:solidFill>
+                <a:schemeClr val="tx1"/>
+              </a:solidFill>
+              <a:headEnd type="none" w="sm" len="lg"/>
+              <a:tailEnd type="arrow" w="sm" len="lg"/>
+            </a:ln>
+          </p:spPr>
+          <p:style>
+            <a:lnRef idx="1">
+              <a:schemeClr val="accent1"/>
+            </a:lnRef>
+            <a:fillRef idx="0">
+              <a:schemeClr val="accent1"/>
+            </a:fillRef>
+            <a:effectRef idx="0">
+              <a:schemeClr val="accent1"/>
+            </a:effectRef>
+            <a:fontRef idx="minor">
+              <a:schemeClr val="tx1"/>
+            </a:fontRef>
+          </p:style>
+        </p:cxnSp>
+        <p:sp>
+          <p:nvSpPr>
+            <p:cNvPr id="13" name="文本框 12">
+              <a:extLst>
+                <a:ext uri="{FF2B5EF4-FFF2-40B4-BE49-F238E27FC236}">
+                  <a16:creationId xmlns:a16="http://schemas.microsoft.com/office/drawing/2014/main" id="{8BA6C3EA-1EA1-A76F-0E83-4F1020091045}"/>
+                </a:ext>
+              </a:extLst>
+            </p:cNvPr>
+            <p:cNvSpPr txBox="1"/>
+            <p:nvPr/>
+          </p:nvSpPr>
+          <p:spPr>
+            <a:xfrm>
+              <a:off x="879232" y="3473825"/>
+              <a:ext cx="2326930" cy="646331"/>
+            </a:xfrm>
+            <a:prstGeom prst="rect">
+              <a:avLst/>
+            </a:prstGeom>
+            <a:noFill/>
+          </p:spPr>
+          <p:txBody>
+            <a:bodyPr wrap="square" rtlCol="0">
+              <a:spAutoFit/>
+            </a:bodyPr>
+            <a:lstStyle/>
+            <a:p>
+              <a:r>
+                <a:rPr kumimoji="1" lang="en-US" altLang="zh-CN" sz="1200" b="1" dirty="0">
+                  <a:latin typeface="DengXian" panose="02010600030101010101" pitchFamily="2" charset="-122"/>
+                  <a:ea typeface="DengXian" panose="02010600030101010101" pitchFamily="2" charset="-122"/>
+                </a:rPr>
+                <a:t>edge2</a:t>
+              </a:r>
+              <a:r>
+                <a:rPr kumimoji="1" lang="en-US" altLang="zh-CN" sz="1200" dirty="0">
+                  <a:latin typeface="DengXian" panose="02010600030101010101" pitchFamily="2" charset="-122"/>
+                  <a:ea typeface="DengXian" panose="02010600030101010101" pitchFamily="2" charset="-122"/>
+                </a:rPr>
+                <a:t>:</a:t>
+              </a:r>
+              <a:r>
+                <a:rPr kumimoji="1" lang="zh-CN" altLang="en-US" sz="1200" dirty="0">
+                  <a:latin typeface="DengXian" panose="02010600030101010101" pitchFamily="2" charset="-122"/>
+                  <a:ea typeface="DengXian" panose="02010600030101010101" pitchFamily="2" charset="-122"/>
+                </a:rPr>
+                <a:t> </a:t>
+              </a:r>
+              <a:r>
+                <a:rPr kumimoji="1" lang="en-US" altLang="zh-CN" sz="1200" dirty="0">
+                  <a:latin typeface="DengXian" panose="02010600030101010101" pitchFamily="2" charset="-122"/>
+                  <a:ea typeface="DengXian" panose="02010600030101010101" pitchFamily="2" charset="-122"/>
+                </a:rPr>
+                <a:t>transfer</a:t>
+              </a:r>
+            </a:p>
+            <a:p>
+              <a:r>
+                <a:rPr kumimoji="1" lang="en-US" altLang="zh-CN" sz="1200" b="1" dirty="0">
+                  <a:latin typeface="DengXian" panose="02010600030101010101" pitchFamily="2" charset="-122"/>
+                  <a:ea typeface="DengXian" panose="02010600030101010101" pitchFamily="2" charset="-122"/>
+                </a:rPr>
+                <a:t>edge2</a:t>
+              </a:r>
+              <a:r>
+                <a:rPr kumimoji="1" lang="en-US" altLang="zh-CN" sz="1200" dirty="0">
+                  <a:latin typeface="DengXian" panose="02010600030101010101" pitchFamily="2" charset="-122"/>
+                  <a:ea typeface="DengXian" panose="02010600030101010101" pitchFamily="2" charset="-122"/>
+                </a:rPr>
+                <a:t>.timestamp</a:t>
+              </a:r>
+              <a:r>
+                <a:rPr kumimoji="1" lang="zh-CN" altLang="en-US" sz="1200" dirty="0">
+                  <a:latin typeface="DengXian" panose="02010600030101010101" pitchFamily="2" charset="-122"/>
+                  <a:ea typeface="DengXian" panose="02010600030101010101" pitchFamily="2" charset="-122"/>
+                </a:rPr>
+                <a:t> </a:t>
+              </a:r>
+              <a:r>
+                <a:rPr kumimoji="1" lang="en-US" altLang="zh-CN" sz="1200" dirty="0">
+                  <a:latin typeface="DengXian" panose="02010600030101010101" pitchFamily="2" charset="-122"/>
+                  <a:ea typeface="DengXian" panose="02010600030101010101" pitchFamily="2" charset="-122"/>
+                </a:rPr>
+                <a:t>&gt;</a:t>
+              </a:r>
+              <a:r>
+                <a:rPr kumimoji="1" lang="zh-CN" altLang="en-US" sz="1200" dirty="0">
+                  <a:latin typeface="DengXian" panose="02010600030101010101" pitchFamily="2" charset="-122"/>
+                  <a:ea typeface="DengXian" panose="02010600030101010101" pitchFamily="2" charset="-122"/>
+                </a:rPr>
+                <a:t> </a:t>
+              </a:r>
+              <a:r>
+                <a:rPr kumimoji="1" lang="en-US" altLang="zh-CN" sz="1200" dirty="0">
+                  <a:latin typeface="DengXian" panose="02010600030101010101" pitchFamily="2" charset="-122"/>
+                  <a:ea typeface="DengXian" panose="02010600030101010101" pitchFamily="2" charset="-122"/>
+                </a:rPr>
+                <a:t>${</a:t>
+              </a:r>
+              <a:r>
+                <a:rPr kumimoji="1" lang="en-US" altLang="zh-CN" sz="1200" dirty="0" err="1">
+                  <a:latin typeface="DengXian" panose="02010600030101010101" pitchFamily="2" charset="-122"/>
+                  <a:ea typeface="DengXian" panose="02010600030101010101" pitchFamily="2" charset="-122"/>
+                </a:rPr>
+                <a:t>startTime</a:t>
+              </a:r>
+              <a:r>
+                <a:rPr kumimoji="1" lang="en-US" altLang="zh-CN" sz="1200" dirty="0">
+                  <a:latin typeface="DengXian" panose="02010600030101010101" pitchFamily="2" charset="-122"/>
+                  <a:ea typeface="DengXian" panose="02010600030101010101" pitchFamily="2" charset="-122"/>
+                </a:rPr>
+                <a:t>}</a:t>
+              </a:r>
+            </a:p>
+            <a:p>
+              <a:r>
+                <a:rPr kumimoji="1" lang="en-US" altLang="zh-CN" sz="1200" b="1" dirty="0">
+                  <a:latin typeface="DengXian" panose="02010600030101010101" pitchFamily="2" charset="-122"/>
+                  <a:ea typeface="DengXian" panose="02010600030101010101" pitchFamily="2" charset="-122"/>
+                </a:rPr>
+                <a:t>edge2</a:t>
+              </a:r>
+              <a:r>
+                <a:rPr kumimoji="1" lang="en-US" altLang="zh-CN" sz="1200" dirty="0">
+                  <a:latin typeface="DengXian" panose="02010600030101010101" pitchFamily="2" charset="-122"/>
+                  <a:ea typeface="DengXian" panose="02010600030101010101" pitchFamily="2" charset="-122"/>
+                </a:rPr>
+                <a:t>.timestamp</a:t>
+              </a:r>
+              <a:r>
+                <a:rPr kumimoji="1" lang="zh-CN" altLang="en-US" sz="1200" dirty="0">
+                  <a:latin typeface="DengXian" panose="02010600030101010101" pitchFamily="2" charset="-122"/>
+                  <a:ea typeface="DengXian" panose="02010600030101010101" pitchFamily="2" charset="-122"/>
+                </a:rPr>
+                <a:t> </a:t>
+              </a:r>
+              <a:r>
+                <a:rPr kumimoji="1" lang="en-US" altLang="zh-CN" sz="1200" dirty="0">
+                  <a:latin typeface="DengXian" panose="02010600030101010101" pitchFamily="2" charset="-122"/>
+                  <a:ea typeface="DengXian" panose="02010600030101010101" pitchFamily="2" charset="-122"/>
+                </a:rPr>
+                <a:t>&lt;</a:t>
+              </a:r>
+              <a:r>
+                <a:rPr kumimoji="1" lang="zh-CN" altLang="en-US" sz="1200" dirty="0">
+                  <a:latin typeface="DengXian" panose="02010600030101010101" pitchFamily="2" charset="-122"/>
+                  <a:ea typeface="DengXian" panose="02010600030101010101" pitchFamily="2" charset="-122"/>
+                </a:rPr>
+                <a:t> </a:t>
+              </a:r>
+              <a:r>
+                <a:rPr kumimoji="1" lang="en-US" altLang="zh-CN" sz="1200" dirty="0">
+                  <a:latin typeface="DengXian" panose="02010600030101010101" pitchFamily="2" charset="-122"/>
+                  <a:ea typeface="DengXian" panose="02010600030101010101" pitchFamily="2" charset="-122"/>
+                </a:rPr>
+                <a:t>${</a:t>
+              </a:r>
+              <a:r>
+                <a:rPr kumimoji="1" lang="en-US" altLang="zh-CN" sz="1200" dirty="0" err="1">
+                  <a:latin typeface="DengXian" panose="02010600030101010101" pitchFamily="2" charset="-122"/>
+                  <a:ea typeface="DengXian" panose="02010600030101010101" pitchFamily="2" charset="-122"/>
+                </a:rPr>
+                <a:t>endTime</a:t>
+              </a:r>
+              <a:r>
+                <a:rPr kumimoji="1" lang="en-US" altLang="zh-CN" sz="1200" dirty="0">
+                  <a:latin typeface="DengXian" panose="02010600030101010101" pitchFamily="2" charset="-122"/>
+                  <a:ea typeface="DengXian" panose="02010600030101010101" pitchFamily="2" charset="-122"/>
+                </a:rPr>
+                <a:t>}</a:t>
+              </a:r>
+            </a:p>
+          </p:txBody>
+        </p:sp>
+        <p:sp>
+          <p:nvSpPr>
+            <p:cNvPr id="22" name="矩形 4">
+              <a:extLst>
+                <a:ext uri="{FF2B5EF4-FFF2-40B4-BE49-F238E27FC236}">
+                  <a16:creationId xmlns:a16="http://schemas.microsoft.com/office/drawing/2014/main" id="{FAF47002-4923-9384-3EF2-3048D237F34B}"/>
+                </a:ext>
+              </a:extLst>
+            </p:cNvPr>
+            <p:cNvSpPr/>
+            <p:nvPr/>
+          </p:nvSpPr>
+          <p:spPr>
+            <a:xfrm>
+              <a:off x="5724144" y="1334485"/>
+              <a:ext cx="2852928" cy="4417085"/>
+            </a:xfrm>
+            <a:prstGeom prst="rect">
+              <a:avLst/>
+            </a:prstGeom>
+            <a:noFill/>
+            <a:ln w="25400">
+              <a:solidFill>
+                <a:schemeClr val="tx1"/>
+              </a:solidFill>
+              <a:prstDash val="dash"/>
+            </a:ln>
+          </p:spPr>
+          <p:style>
+            <a:lnRef idx="2">
+              <a:schemeClr val="accent2">
+                <a:shade val="50000"/>
+              </a:schemeClr>
+            </a:lnRef>
+            <a:fillRef idx="1">
+              <a:schemeClr val="accent2"/>
+            </a:fillRef>
+            <a:effectRef idx="0">
+              <a:schemeClr val="accent2"/>
+            </a:effectRef>
+            <a:fontRef idx="minor">
+              <a:schemeClr val="lt1"/>
+            </a:fontRef>
+          </p:style>
+          <p:txBody>
+            <a:bodyPr rtlCol="0" anchor="b"/>
+            <a:lstStyle/>
+            <a:p>
+              <a:r>
+                <a:rPr kumimoji="1" lang="en-US" altLang="zh-CN" sz="1200" b="1" dirty="0">
+                  <a:solidFill>
+                    <a:srgbClr val="FF0000"/>
+                  </a:solidFill>
+                  <a:latin typeface="DengXian" panose="02010600030101010101" pitchFamily="2" charset="-122"/>
+                  <a:ea typeface="DengXian" panose="02010600030101010101" pitchFamily="2" charset="-122"/>
+                </a:rPr>
+                <a:t>RESULT</a:t>
+              </a:r>
+            </a:p>
+            <a:p>
+              <a:r>
+                <a:rPr kumimoji="1" lang="en-US" altLang="zh-CN" sz="1200" dirty="0" err="1">
+                  <a:solidFill>
+                    <a:sysClr val="windowText" lastClr="000000"/>
+                  </a:solidFill>
+                  <a:latin typeface="DengXian" panose="02010600030101010101" pitchFamily="2" charset="-122"/>
+                  <a:ea typeface="DengXian" panose="02010600030101010101" pitchFamily="2" charset="-122"/>
+                </a:rPr>
+                <a:t>compAccountId</a:t>
+              </a:r>
+              <a:r>
+                <a:rPr kumimoji="1" lang="en-US" altLang="zh-CN" sz="1200" dirty="0">
+                  <a:solidFill>
+                    <a:sysClr val="windowText" lastClr="000000"/>
+                  </a:solidFill>
+                  <a:latin typeface="DengXian" panose="02010600030101010101" pitchFamily="2" charset="-122"/>
+                  <a:ea typeface="DengXian" panose="02010600030101010101" pitchFamily="2" charset="-122"/>
+                </a:rPr>
+                <a:t>,</a:t>
+              </a:r>
+              <a:r>
+                <a:rPr kumimoji="1" lang="zh-CN" altLang="en-US" sz="1200" dirty="0">
+                  <a:solidFill>
+                    <a:sysClr val="windowText" lastClr="000000"/>
+                  </a:solidFill>
+                  <a:latin typeface="DengXian" panose="02010600030101010101" pitchFamily="2" charset="-122"/>
+                  <a:ea typeface="DengXian" panose="02010600030101010101" pitchFamily="2" charset="-122"/>
+                </a:rPr>
+                <a:t> </a:t>
+              </a:r>
+              <a:r>
+                <a:rPr kumimoji="1" lang="en-US" altLang="zh-CN" sz="1200" dirty="0">
+                  <a:solidFill>
+                    <a:sysClr val="windowText" lastClr="000000"/>
+                  </a:solidFill>
+                  <a:latin typeface="DengXian" panose="02010600030101010101" pitchFamily="2" charset="-122"/>
+                  <a:ea typeface="DengXian" panose="02010600030101010101" pitchFamily="2" charset="-122"/>
+                </a:rPr>
+                <a:t>SUM(edge2.amount)</a:t>
+              </a:r>
+            </a:p>
+          </p:txBody>
+        </p:sp>
+        <p:sp>
+          <p:nvSpPr>
+            <p:cNvPr id="10" name="矩形 9">
+              <a:extLst>
+                <a:ext uri="{FF2B5EF4-FFF2-40B4-BE49-F238E27FC236}">
+                  <a16:creationId xmlns:a16="http://schemas.microsoft.com/office/drawing/2014/main" id="{ADFFFBB1-E550-E2FD-3E36-BF69279B87DD}"/>
+                </a:ext>
+              </a:extLst>
+            </p:cNvPr>
+            <p:cNvSpPr/>
+            <p:nvPr/>
+          </p:nvSpPr>
+          <p:spPr>
+            <a:xfrm>
+              <a:off x="4049041" y="1587060"/>
+              <a:ext cx="1571557" cy="505147"/>
+            </a:xfrm>
+            <a:prstGeom prst="rect">
+              <a:avLst/>
+            </a:prstGeom>
+            <a:solidFill>
+              <a:schemeClr val="accent5">
+                <a:lumMod val="60000"/>
+                <a:lumOff val="40000"/>
+              </a:schemeClr>
+            </a:solidFill>
+            <a:ln w="25400">
+              <a:solidFill>
+                <a:schemeClr val="tx1"/>
+              </a:solidFill>
+            </a:ln>
+          </p:spPr>
+          <p:style>
+            <a:lnRef idx="2">
+              <a:schemeClr val="accent2">
+                <a:shade val="50000"/>
+              </a:schemeClr>
+            </a:lnRef>
+            <a:fillRef idx="1">
+              <a:schemeClr val="accent2"/>
+            </a:fillRef>
+            <a:effectRef idx="0">
+              <a:schemeClr val="accent2"/>
+            </a:effectRef>
+            <a:fontRef idx="minor">
+              <a:schemeClr val="lt1"/>
+            </a:fontRef>
+          </p:style>
+          <p:txBody>
+            <a:bodyPr rtlCol="0" anchor="ctr"/>
+            <a:lstStyle/>
+            <a:p>
+              <a:pPr algn="ctr"/>
+              <a:r>
+                <a:rPr kumimoji="1" lang="en-US" altLang="zh-CN" sz="1200" b="1" dirty="0">
+                  <a:solidFill>
+                    <a:sysClr val="windowText" lastClr="000000"/>
+                  </a:solidFill>
+                </a:rPr>
+                <a:t>pAcc1</a:t>
+              </a:r>
+              <a:r>
+                <a:rPr kumimoji="1" lang="zh-CN" altLang="en-US" sz="1200" dirty="0">
+                  <a:solidFill>
+                    <a:sysClr val="windowText" lastClr="000000"/>
+                  </a:solidFill>
+                </a:rPr>
+                <a:t> </a:t>
+              </a:r>
+              <a:r>
+                <a:rPr kumimoji="1" lang="en-US" altLang="zh-CN" sz="1200" dirty="0">
+                  <a:solidFill>
+                    <a:sysClr val="windowText" lastClr="000000"/>
+                  </a:solidFill>
+                </a:rPr>
+                <a:t>:</a:t>
+              </a:r>
+              <a:r>
+                <a:rPr kumimoji="1" lang="zh-CN" altLang="en-US" sz="1200" dirty="0">
+                  <a:solidFill>
+                    <a:sysClr val="windowText" lastClr="000000"/>
+                  </a:solidFill>
+                </a:rPr>
+                <a:t> </a:t>
+              </a:r>
+              <a:r>
+                <a:rPr kumimoji="1" lang="en-US" altLang="zh-CN" sz="1200" dirty="0">
+                  <a:solidFill>
+                    <a:sysClr val="windowText" lastClr="000000"/>
+                  </a:solidFill>
+                </a:rPr>
+                <a:t>Account</a:t>
+              </a:r>
+              <a:endParaRPr kumimoji="1" lang="zh-CN" altLang="en-US" sz="1200" dirty="0">
+                <a:solidFill>
+                  <a:sysClr val="windowText" lastClr="000000"/>
+                </a:solidFill>
+              </a:endParaRPr>
+            </a:p>
+          </p:txBody>
+        </p:sp>
+        <p:sp>
+          <p:nvSpPr>
+            <p:cNvPr id="11" name="矩形 10">
+              <a:extLst>
+                <a:ext uri="{FF2B5EF4-FFF2-40B4-BE49-F238E27FC236}">
+                  <a16:creationId xmlns:a16="http://schemas.microsoft.com/office/drawing/2014/main" id="{B0276ABD-9AAA-FD4F-7A1E-0F1B1045961F}"/>
+                </a:ext>
+              </a:extLst>
+            </p:cNvPr>
+            <p:cNvSpPr/>
+            <p:nvPr/>
+          </p:nvSpPr>
+          <p:spPr>
+            <a:xfrm>
+              <a:off x="6618926" y="1587060"/>
+              <a:ext cx="1571558" cy="505147"/>
+            </a:xfrm>
+            <a:prstGeom prst="rect">
+              <a:avLst/>
+            </a:prstGeom>
+            <a:solidFill>
+              <a:schemeClr val="accent5">
+                <a:lumMod val="60000"/>
+                <a:lumOff val="40000"/>
+              </a:schemeClr>
+            </a:solidFill>
+            <a:ln w="25400">
+              <a:solidFill>
+                <a:schemeClr val="tx1"/>
+              </a:solidFill>
+            </a:ln>
+          </p:spPr>
+          <p:style>
+            <a:lnRef idx="2">
+              <a:schemeClr val="accent2">
+                <a:shade val="50000"/>
+              </a:schemeClr>
+            </a:lnRef>
+            <a:fillRef idx="1">
+              <a:schemeClr val="accent2"/>
+            </a:fillRef>
+            <a:effectRef idx="0">
+              <a:schemeClr val="accent2"/>
+            </a:effectRef>
+            <a:fontRef idx="minor">
+              <a:schemeClr val="lt1"/>
+            </a:fontRef>
+          </p:style>
+          <p:txBody>
+            <a:bodyPr rtlCol="0" anchor="ctr"/>
+            <a:lstStyle/>
+            <a:p>
+              <a:pPr algn="ctr"/>
+              <a:r>
+                <a:rPr kumimoji="1" lang="en-US" altLang="zh-CN" sz="1200" b="1" dirty="0">
+                  <a:solidFill>
+                    <a:sysClr val="windowText" lastClr="000000"/>
+                  </a:solidFill>
+                </a:rPr>
+                <a:t>compAcc1</a:t>
+              </a:r>
+              <a:r>
+                <a:rPr kumimoji="1" lang="zh-CN" altLang="en-US" sz="1200" dirty="0">
+                  <a:solidFill>
+                    <a:sysClr val="windowText" lastClr="000000"/>
+                  </a:solidFill>
+                </a:rPr>
+                <a:t> </a:t>
+              </a:r>
+              <a:r>
+                <a:rPr kumimoji="1" lang="en-US" altLang="zh-CN" sz="1200" dirty="0">
+                  <a:solidFill>
+                    <a:sysClr val="windowText" lastClr="000000"/>
+                  </a:solidFill>
+                </a:rPr>
+                <a:t>:</a:t>
+              </a:r>
+              <a:r>
+                <a:rPr kumimoji="1" lang="zh-CN" altLang="en-US" sz="1200" dirty="0">
+                  <a:solidFill>
+                    <a:sysClr val="windowText" lastClr="000000"/>
+                  </a:solidFill>
+                </a:rPr>
+                <a:t> </a:t>
+              </a:r>
+              <a:r>
+                <a:rPr kumimoji="1" lang="en-US" altLang="zh-CN" sz="1200" dirty="0">
+                  <a:solidFill>
+                    <a:sysClr val="windowText" lastClr="000000"/>
+                  </a:solidFill>
+                </a:rPr>
+                <a:t>Account</a:t>
+              </a:r>
+              <a:endParaRPr kumimoji="1" lang="zh-CN" altLang="en-US" sz="1200" dirty="0">
+                <a:solidFill>
+                  <a:sysClr val="windowText" lastClr="000000"/>
+                </a:solidFill>
+              </a:endParaRPr>
+            </a:p>
+          </p:txBody>
+        </p:sp>
+        <p:sp>
+          <p:nvSpPr>
+            <p:cNvPr id="24" name="矩形 5">
+              <a:extLst>
+                <a:ext uri="{FF2B5EF4-FFF2-40B4-BE49-F238E27FC236}">
+                  <a16:creationId xmlns:a16="http://schemas.microsoft.com/office/drawing/2014/main" id="{2E9B4739-3F2D-80A4-0F14-A410D6917026}"/>
+                </a:ext>
+              </a:extLst>
+            </p:cNvPr>
+            <p:cNvSpPr/>
+            <p:nvPr/>
+          </p:nvSpPr>
+          <p:spPr>
+            <a:xfrm>
+              <a:off x="9513540" y="1587060"/>
+              <a:ext cx="1571558" cy="505147"/>
+            </a:xfrm>
+            <a:prstGeom prst="rect">
+              <a:avLst/>
+            </a:prstGeom>
+            <a:solidFill>
+              <a:srgbClr val="FF0000">
+                <a:alpha val="30000"/>
+              </a:srgbClr>
+            </a:solidFill>
+            <a:ln w="25400">
+              <a:solidFill>
+                <a:schemeClr val="tx1"/>
+              </a:solidFill>
+            </a:ln>
+          </p:spPr>
+          <p:style>
+            <a:lnRef idx="2">
+              <a:schemeClr val="accent2">
+                <a:shade val="50000"/>
+              </a:schemeClr>
+            </a:lnRef>
+            <a:fillRef idx="1">
+              <a:schemeClr val="accent2"/>
+            </a:fillRef>
+            <a:effectRef idx="0">
+              <a:schemeClr val="accent2"/>
+            </a:effectRef>
+            <a:fontRef idx="minor">
+              <a:schemeClr val="lt1"/>
+            </a:fontRef>
+          </p:style>
+          <p:txBody>
+            <a:bodyPr rtlCol="0" anchor="ctr"/>
+            <a:lstStyle/>
+            <a:p>
+              <a:pPr algn="ctr"/>
+              <a:r>
+                <a:rPr kumimoji="1" lang="en-US" altLang="zh-CN" sz="1200" b="1" dirty="0">
+                  <a:solidFill>
+                    <a:sysClr val="windowText" lastClr="000000"/>
+                  </a:solidFill>
+                </a:rPr>
+                <a:t>com1</a:t>
+              </a:r>
+              <a:r>
+                <a:rPr kumimoji="1" lang="zh-CN" altLang="en-US" sz="1200" dirty="0">
+                  <a:solidFill>
+                    <a:sysClr val="windowText" lastClr="000000"/>
+                  </a:solidFill>
+                </a:rPr>
+                <a:t> </a:t>
+              </a:r>
+              <a:r>
+                <a:rPr kumimoji="1" lang="en-US" altLang="zh-CN" sz="1200" dirty="0">
+                  <a:solidFill>
+                    <a:sysClr val="windowText" lastClr="000000"/>
+                  </a:solidFill>
+                </a:rPr>
+                <a:t>:</a:t>
+              </a:r>
+              <a:r>
+                <a:rPr kumimoji="1" lang="zh-CN" altLang="en-US" sz="1200" dirty="0">
+                  <a:solidFill>
+                    <a:sysClr val="windowText" lastClr="000000"/>
+                  </a:solidFill>
+                </a:rPr>
+                <a:t> </a:t>
+              </a:r>
+              <a:r>
+                <a:rPr kumimoji="1" lang="en-US" altLang="zh-CN" sz="1200" dirty="0">
+                  <a:solidFill>
+                    <a:sysClr val="windowText" lastClr="000000"/>
+                  </a:solidFill>
+                </a:rPr>
+                <a:t>Company</a:t>
+              </a:r>
+              <a:endParaRPr kumimoji="1" lang="zh-CN" altLang="en-US" sz="1200" dirty="0">
+                <a:solidFill>
+                  <a:sysClr val="windowText" lastClr="000000"/>
+                </a:solidFill>
+              </a:endParaRPr>
+            </a:p>
+          </p:txBody>
+        </p:sp>
+        <p:cxnSp>
+          <p:nvCxnSpPr>
+            <p:cNvPr id="28" name="直线箭头连接符 7" descr="jytjh">
+              <a:extLst>
+                <a:ext uri="{FF2B5EF4-FFF2-40B4-BE49-F238E27FC236}">
+                  <a16:creationId xmlns:a16="http://schemas.microsoft.com/office/drawing/2014/main" id="{DF48A6C2-5718-A594-975E-39F57480017F}"/>
+                </a:ext>
+              </a:extLst>
+            </p:cNvPr>
+            <p:cNvCxnSpPr>
+              <a:cxnSpLocks/>
+              <a:stCxn id="10" idx="3"/>
+              <a:endCxn id="11" idx="1"/>
+            </p:cNvCxnSpPr>
+            <p:nvPr/>
+          </p:nvCxnSpPr>
+          <p:spPr>
+            <a:xfrm>
+              <a:off x="5620598" y="1839634"/>
+              <a:ext cx="998328" cy="0"/>
+            </a:xfrm>
+            <a:prstGeom prst="straightConnector1">
+              <a:avLst/>
+            </a:prstGeom>
+            <a:ln w="19050">
+              <a:solidFill>
+                <a:schemeClr val="tx1"/>
+              </a:solidFill>
+              <a:headEnd type="none" w="sm" len="lg"/>
+              <a:tailEnd type="arrow" w="sm" len="lg"/>
+            </a:ln>
+          </p:spPr>
+          <p:style>
+            <a:lnRef idx="1">
+              <a:schemeClr val="accent1"/>
+            </a:lnRef>
+            <a:fillRef idx="0">
+              <a:schemeClr val="accent1"/>
+            </a:fillRef>
+            <a:effectRef idx="0">
+              <a:schemeClr val="accent1"/>
+            </a:effectRef>
+            <a:fontRef idx="minor">
+              <a:schemeClr val="tx1"/>
+            </a:fontRef>
+          </p:style>
+        </p:cxnSp>
+        <p:cxnSp>
+          <p:nvCxnSpPr>
+            <p:cNvPr id="31" name="直线箭头连接符 7" descr="jytjh">
+              <a:extLst>
+                <a:ext uri="{FF2B5EF4-FFF2-40B4-BE49-F238E27FC236}">
+                  <a16:creationId xmlns:a16="http://schemas.microsoft.com/office/drawing/2014/main" id="{7F1579A2-1A92-79E9-22A6-9DA3BDF731AD}"/>
+                </a:ext>
+              </a:extLst>
+            </p:cNvPr>
+            <p:cNvCxnSpPr>
+              <a:cxnSpLocks/>
+              <a:stCxn id="24" idx="1"/>
+              <a:endCxn id="11" idx="3"/>
+            </p:cNvCxnSpPr>
+            <p:nvPr/>
+          </p:nvCxnSpPr>
+          <p:spPr>
+            <a:xfrm flipH="1">
+              <a:off x="8190484" y="1839634"/>
+              <a:ext cx="1323056" cy="0"/>
+            </a:xfrm>
+            <a:prstGeom prst="straightConnector1">
+              <a:avLst/>
+            </a:prstGeom>
+            <a:ln w="19050">
+              <a:solidFill>
+                <a:schemeClr val="tx1"/>
+              </a:solidFill>
+              <a:headEnd type="none" w="sm" len="lg"/>
+              <a:tailEnd type="arrow" w="sm" len="lg"/>
+            </a:ln>
+          </p:spPr>
+          <p:style>
+            <a:lnRef idx="1">
+              <a:schemeClr val="accent1"/>
+            </a:lnRef>
+            <a:fillRef idx="0">
+              <a:schemeClr val="accent1"/>
+            </a:fillRef>
+            <a:effectRef idx="0">
+              <a:schemeClr val="accent1"/>
+            </a:effectRef>
+            <a:fontRef idx="minor">
+              <a:schemeClr val="tx1"/>
+            </a:fontRef>
+          </p:style>
+        </p:cxnSp>
+        <p:cxnSp>
+          <p:nvCxnSpPr>
+            <p:cNvPr id="39" name="直线箭头连接符 7" descr="jytjh">
+              <a:extLst>
+                <a:ext uri="{FF2B5EF4-FFF2-40B4-BE49-F238E27FC236}">
+                  <a16:creationId xmlns:a16="http://schemas.microsoft.com/office/drawing/2014/main" id="{140BFA3F-3363-AA88-7AAB-1FE0F9FAFA91}"/>
+                </a:ext>
+              </a:extLst>
+            </p:cNvPr>
+            <p:cNvCxnSpPr>
+              <a:cxnSpLocks/>
+              <a:stCxn id="10" idx="3"/>
+              <a:endCxn id="78" idx="1"/>
+            </p:cNvCxnSpPr>
+            <p:nvPr/>
+          </p:nvCxnSpPr>
+          <p:spPr>
+            <a:xfrm>
+              <a:off x="5620598" y="1839634"/>
+              <a:ext cx="998328" cy="1024914"/>
+            </a:xfrm>
+            <a:prstGeom prst="straightConnector1">
+              <a:avLst/>
+            </a:prstGeom>
+            <a:ln w="19050">
+              <a:solidFill>
+                <a:schemeClr val="tx1"/>
+              </a:solidFill>
+              <a:headEnd type="none" w="sm" len="lg"/>
+              <a:tailEnd type="arrow" w="sm" len="lg"/>
+            </a:ln>
+          </p:spPr>
+          <p:style>
+            <a:lnRef idx="1">
+              <a:schemeClr val="accent1"/>
+            </a:lnRef>
+            <a:fillRef idx="0">
+              <a:schemeClr val="accent1"/>
+            </a:fillRef>
+            <a:effectRef idx="0">
+              <a:schemeClr val="accent1"/>
+            </a:effectRef>
+            <a:fontRef idx="minor">
+              <a:schemeClr val="tx1"/>
+            </a:fontRef>
+          </p:style>
+        </p:cxnSp>
+        <p:sp>
+          <p:nvSpPr>
+            <p:cNvPr id="47" name="矩形 9">
+              <a:extLst>
+                <a:ext uri="{FF2B5EF4-FFF2-40B4-BE49-F238E27FC236}">
+                  <a16:creationId xmlns:a16="http://schemas.microsoft.com/office/drawing/2014/main" id="{89D4E3AB-E8CF-BCFD-7DC5-4EE9540F47D2}"/>
+                </a:ext>
+              </a:extLst>
+            </p:cNvPr>
+            <p:cNvSpPr/>
+            <p:nvPr/>
+          </p:nvSpPr>
+          <p:spPr>
+            <a:xfrm>
+              <a:off x="4049041" y="4676145"/>
+              <a:ext cx="1571557" cy="505147"/>
+            </a:xfrm>
+            <a:prstGeom prst="rect">
+              <a:avLst/>
+            </a:prstGeom>
+            <a:solidFill>
+              <a:schemeClr val="accent5">
+                <a:lumMod val="60000"/>
+                <a:lumOff val="40000"/>
+              </a:schemeClr>
+            </a:solidFill>
+            <a:ln w="25400">
+              <a:solidFill>
+                <a:schemeClr val="tx1"/>
+              </a:solidFill>
+            </a:ln>
+          </p:spPr>
+          <p:style>
+            <a:lnRef idx="2">
+              <a:schemeClr val="accent2">
+                <a:shade val="50000"/>
+              </a:schemeClr>
+            </a:lnRef>
+            <a:fillRef idx="1">
+              <a:schemeClr val="accent2"/>
+            </a:fillRef>
+            <a:effectRef idx="0">
+              <a:schemeClr val="accent2"/>
+            </a:effectRef>
+            <a:fontRef idx="minor">
+              <a:schemeClr val="lt1"/>
+            </a:fontRef>
+          </p:style>
+          <p:txBody>
+            <a:bodyPr rtlCol="0" anchor="ctr"/>
+            <a:lstStyle/>
+            <a:p>
+              <a:pPr algn="ctr"/>
+              <a:r>
+                <a:rPr kumimoji="1" lang="en-US" altLang="zh-CN" sz="1200" b="1" dirty="0">
+                  <a:solidFill>
+                    <a:sysClr val="windowText" lastClr="000000"/>
+                  </a:solidFill>
+                </a:rPr>
+                <a:t>pAcc2</a:t>
+              </a:r>
+              <a:r>
+                <a:rPr kumimoji="1" lang="zh-CN" altLang="en-US" sz="1200" dirty="0">
+                  <a:solidFill>
+                    <a:sysClr val="windowText" lastClr="000000"/>
+                  </a:solidFill>
+                </a:rPr>
+                <a:t> </a:t>
+              </a:r>
+              <a:r>
+                <a:rPr kumimoji="1" lang="en-US" altLang="zh-CN" sz="1200" dirty="0">
+                  <a:solidFill>
+                    <a:sysClr val="windowText" lastClr="000000"/>
+                  </a:solidFill>
+                </a:rPr>
+                <a:t>:</a:t>
+              </a:r>
+              <a:r>
+                <a:rPr kumimoji="1" lang="zh-CN" altLang="en-US" sz="1200" dirty="0">
+                  <a:solidFill>
+                    <a:sysClr val="windowText" lastClr="000000"/>
+                  </a:solidFill>
+                </a:rPr>
+                <a:t> </a:t>
+              </a:r>
+              <a:r>
+                <a:rPr kumimoji="1" lang="en-US" altLang="zh-CN" sz="1200" dirty="0">
+                  <a:solidFill>
+                    <a:sysClr val="windowText" lastClr="000000"/>
+                  </a:solidFill>
+                </a:rPr>
+                <a:t>Account</a:t>
+              </a:r>
+              <a:endParaRPr kumimoji="1" lang="zh-CN" altLang="en-US" sz="1200" dirty="0">
+                <a:solidFill>
+                  <a:sysClr val="windowText" lastClr="000000"/>
+                </a:solidFill>
+              </a:endParaRPr>
+            </a:p>
+          </p:txBody>
+        </p:sp>
+        <p:sp>
+          <p:nvSpPr>
+            <p:cNvPr id="48" name="矩形 10">
+              <a:extLst>
+                <a:ext uri="{FF2B5EF4-FFF2-40B4-BE49-F238E27FC236}">
+                  <a16:creationId xmlns:a16="http://schemas.microsoft.com/office/drawing/2014/main" id="{DF4374BD-E5C7-D5EF-2FEC-3A9E36729310}"/>
+                </a:ext>
+              </a:extLst>
+            </p:cNvPr>
+            <p:cNvSpPr/>
+            <p:nvPr/>
+          </p:nvSpPr>
+          <p:spPr>
+            <a:xfrm>
+              <a:off x="6618926" y="4676145"/>
+              <a:ext cx="1571558" cy="505147"/>
+            </a:xfrm>
+            <a:prstGeom prst="rect">
+              <a:avLst/>
+            </a:prstGeom>
+            <a:solidFill>
+              <a:schemeClr val="accent5">
+                <a:lumMod val="60000"/>
+                <a:lumOff val="40000"/>
+              </a:schemeClr>
+            </a:solidFill>
+            <a:ln w="25400">
+              <a:solidFill>
+                <a:schemeClr val="tx1"/>
+              </a:solidFill>
+            </a:ln>
+          </p:spPr>
+          <p:style>
+            <a:lnRef idx="2">
+              <a:schemeClr val="accent2">
+                <a:shade val="50000"/>
+              </a:schemeClr>
+            </a:lnRef>
+            <a:fillRef idx="1">
+              <a:schemeClr val="accent2"/>
+            </a:fillRef>
+            <a:effectRef idx="0">
+              <a:schemeClr val="accent2"/>
+            </a:effectRef>
+            <a:fontRef idx="minor">
+              <a:schemeClr val="lt1"/>
+            </a:fontRef>
+          </p:style>
+          <p:txBody>
+            <a:bodyPr rtlCol="0" anchor="ctr"/>
+            <a:lstStyle/>
+            <a:p>
+              <a:pPr algn="ctr"/>
+              <a:r>
+                <a:rPr kumimoji="1" lang="en-US" altLang="zh-CN" sz="1200" b="1" dirty="0">
+                  <a:solidFill>
+                    <a:sysClr val="windowText" lastClr="000000"/>
+                  </a:solidFill>
+                </a:rPr>
+                <a:t>compAcc3</a:t>
+              </a:r>
+              <a:r>
+                <a:rPr kumimoji="1" lang="zh-CN" altLang="en-US" sz="1200" dirty="0">
+                  <a:solidFill>
+                    <a:sysClr val="windowText" lastClr="000000"/>
+                  </a:solidFill>
+                </a:rPr>
+                <a:t> </a:t>
+              </a:r>
+              <a:r>
+                <a:rPr kumimoji="1" lang="en-US" altLang="zh-CN" sz="1200" dirty="0">
+                  <a:solidFill>
+                    <a:sysClr val="windowText" lastClr="000000"/>
+                  </a:solidFill>
+                </a:rPr>
+                <a:t>:</a:t>
+              </a:r>
+              <a:r>
+                <a:rPr kumimoji="1" lang="zh-CN" altLang="en-US" sz="1200" dirty="0">
+                  <a:solidFill>
+                    <a:sysClr val="windowText" lastClr="000000"/>
+                  </a:solidFill>
+                </a:rPr>
+                <a:t> </a:t>
+              </a:r>
+              <a:r>
+                <a:rPr kumimoji="1" lang="en-US" altLang="zh-CN" sz="1200" dirty="0">
+                  <a:solidFill>
+                    <a:sysClr val="windowText" lastClr="000000"/>
+                  </a:solidFill>
+                </a:rPr>
+                <a:t>Account</a:t>
+              </a:r>
+              <a:endParaRPr kumimoji="1" lang="zh-CN" altLang="en-US" sz="1200" dirty="0">
+                <a:solidFill>
+                  <a:sysClr val="windowText" lastClr="000000"/>
+                </a:solidFill>
+              </a:endParaRPr>
+            </a:p>
+          </p:txBody>
+        </p:sp>
+        <p:sp>
+          <p:nvSpPr>
+            <p:cNvPr id="49" name="矩形 5">
+              <a:extLst>
+                <a:ext uri="{FF2B5EF4-FFF2-40B4-BE49-F238E27FC236}">
+                  <a16:creationId xmlns:a16="http://schemas.microsoft.com/office/drawing/2014/main" id="{61A2AF20-55E0-EE68-5D7D-852BFA797B81}"/>
+                </a:ext>
+              </a:extLst>
+            </p:cNvPr>
+            <p:cNvSpPr/>
+            <p:nvPr/>
+          </p:nvSpPr>
+          <p:spPr>
+            <a:xfrm>
+              <a:off x="9513540" y="4676145"/>
+              <a:ext cx="1571558" cy="505147"/>
+            </a:xfrm>
+            <a:prstGeom prst="rect">
+              <a:avLst/>
+            </a:prstGeom>
+            <a:solidFill>
+              <a:srgbClr val="FF0000">
+                <a:alpha val="30000"/>
+              </a:srgbClr>
+            </a:solidFill>
+            <a:ln w="25400">
+              <a:solidFill>
+                <a:schemeClr val="tx1"/>
+              </a:solidFill>
+            </a:ln>
+          </p:spPr>
+          <p:style>
+            <a:lnRef idx="2">
+              <a:schemeClr val="accent2">
+                <a:shade val="50000"/>
+              </a:schemeClr>
+            </a:lnRef>
+            <a:fillRef idx="1">
+              <a:schemeClr val="accent2"/>
+            </a:fillRef>
+            <a:effectRef idx="0">
+              <a:schemeClr val="accent2"/>
+            </a:effectRef>
+            <a:fontRef idx="minor">
+              <a:schemeClr val="lt1"/>
+            </a:fontRef>
+          </p:style>
+          <p:txBody>
+            <a:bodyPr rtlCol="0" anchor="ctr"/>
+            <a:lstStyle/>
+            <a:p>
+              <a:pPr algn="ctr"/>
+              <a:r>
+                <a:rPr kumimoji="1" lang="en-US" altLang="zh-CN" sz="1200" b="1" dirty="0">
+                  <a:solidFill>
+                    <a:sysClr val="windowText" lastClr="000000"/>
+                  </a:solidFill>
+                </a:rPr>
+                <a:t>com3</a:t>
+              </a:r>
+              <a:r>
+                <a:rPr kumimoji="1" lang="zh-CN" altLang="en-US" sz="1200" dirty="0">
+                  <a:solidFill>
+                    <a:sysClr val="windowText" lastClr="000000"/>
+                  </a:solidFill>
+                </a:rPr>
+                <a:t> </a:t>
+              </a:r>
+              <a:r>
+                <a:rPr kumimoji="1" lang="en-US" altLang="zh-CN" sz="1200" dirty="0">
+                  <a:solidFill>
+                    <a:sysClr val="windowText" lastClr="000000"/>
+                  </a:solidFill>
+                </a:rPr>
+                <a:t>:</a:t>
+              </a:r>
+              <a:r>
+                <a:rPr kumimoji="1" lang="zh-CN" altLang="en-US" sz="1200" dirty="0">
+                  <a:solidFill>
+                    <a:sysClr val="windowText" lastClr="000000"/>
+                  </a:solidFill>
+                </a:rPr>
+                <a:t> </a:t>
+              </a:r>
+              <a:r>
+                <a:rPr kumimoji="1" lang="en-US" altLang="zh-CN" sz="1200" dirty="0">
+                  <a:solidFill>
+                    <a:sysClr val="windowText" lastClr="000000"/>
+                  </a:solidFill>
+                </a:rPr>
+                <a:t>Company</a:t>
+              </a:r>
+              <a:endParaRPr kumimoji="1" lang="zh-CN" altLang="en-US" sz="1200" dirty="0">
+                <a:solidFill>
+                  <a:sysClr val="windowText" lastClr="000000"/>
+                </a:solidFill>
+              </a:endParaRPr>
+            </a:p>
+          </p:txBody>
+        </p:sp>
+        <p:cxnSp>
+          <p:nvCxnSpPr>
+            <p:cNvPr id="50" name="直线箭头连接符 7" descr="jytjh">
+              <a:extLst>
+                <a:ext uri="{FF2B5EF4-FFF2-40B4-BE49-F238E27FC236}">
+                  <a16:creationId xmlns:a16="http://schemas.microsoft.com/office/drawing/2014/main" id="{8CFD6883-199C-2811-2B83-8C87FC69BCDF}"/>
+                </a:ext>
+              </a:extLst>
+            </p:cNvPr>
+            <p:cNvCxnSpPr>
+              <a:cxnSpLocks/>
+              <a:stCxn id="47" idx="3"/>
+              <a:endCxn id="48" idx="1"/>
+            </p:cNvCxnSpPr>
+            <p:nvPr/>
+          </p:nvCxnSpPr>
+          <p:spPr>
+            <a:xfrm>
+              <a:off x="5620598" y="4928719"/>
+              <a:ext cx="998328" cy="0"/>
+            </a:xfrm>
+            <a:prstGeom prst="straightConnector1">
+              <a:avLst/>
+            </a:prstGeom>
+            <a:ln w="19050">
+              <a:solidFill>
+                <a:schemeClr val="tx1"/>
+              </a:solidFill>
+              <a:headEnd type="none" w="sm" len="lg"/>
+              <a:tailEnd type="arrow" w="sm" len="lg"/>
+            </a:ln>
+          </p:spPr>
+          <p:style>
+            <a:lnRef idx="1">
+              <a:schemeClr val="accent1"/>
+            </a:lnRef>
+            <a:fillRef idx="0">
+              <a:schemeClr val="accent1"/>
+            </a:fillRef>
+            <a:effectRef idx="0">
+              <a:schemeClr val="accent1"/>
+            </a:effectRef>
+            <a:fontRef idx="minor">
+              <a:schemeClr val="tx1"/>
+            </a:fontRef>
+          </p:style>
+        </p:cxnSp>
+        <p:cxnSp>
+          <p:nvCxnSpPr>
+            <p:cNvPr id="51" name="直线箭头连接符 7" descr="jytjh">
+              <a:extLst>
+                <a:ext uri="{FF2B5EF4-FFF2-40B4-BE49-F238E27FC236}">
+                  <a16:creationId xmlns:a16="http://schemas.microsoft.com/office/drawing/2014/main" id="{7F12A183-10BF-ABD8-78FA-F15754672AD7}"/>
+                </a:ext>
+              </a:extLst>
+            </p:cNvPr>
+            <p:cNvCxnSpPr>
+              <a:cxnSpLocks/>
+              <a:stCxn id="49" idx="1"/>
+              <a:endCxn id="48" idx="3"/>
+            </p:cNvCxnSpPr>
+            <p:nvPr/>
+          </p:nvCxnSpPr>
+          <p:spPr>
+            <a:xfrm flipH="1">
+              <a:off x="8190484" y="4928719"/>
+              <a:ext cx="1323056" cy="0"/>
+            </a:xfrm>
+            <a:prstGeom prst="straightConnector1">
+              <a:avLst/>
+            </a:prstGeom>
+            <a:ln w="19050">
+              <a:solidFill>
+                <a:schemeClr val="tx1"/>
+              </a:solidFill>
+              <a:headEnd type="none" w="sm" len="lg"/>
+              <a:tailEnd type="arrow" w="sm" len="lg"/>
+            </a:ln>
+          </p:spPr>
+          <p:style>
+            <a:lnRef idx="1">
+              <a:schemeClr val="accent1"/>
+            </a:lnRef>
+            <a:fillRef idx="0">
+              <a:schemeClr val="accent1"/>
+            </a:fillRef>
+            <a:effectRef idx="0">
+              <a:schemeClr val="accent1"/>
+            </a:effectRef>
+            <a:fontRef idx="minor">
+              <a:schemeClr val="tx1"/>
+            </a:fontRef>
+          </p:style>
+        </p:cxnSp>
+        <p:sp>
+          <p:nvSpPr>
+            <p:cNvPr id="52" name="矩形 9">
+              <a:extLst>
+                <a:ext uri="{FF2B5EF4-FFF2-40B4-BE49-F238E27FC236}">
+                  <a16:creationId xmlns:a16="http://schemas.microsoft.com/office/drawing/2014/main" id="{4303A0ED-B67C-1082-2014-D57F0B4281A5}"/>
+                </a:ext>
+              </a:extLst>
+            </p:cNvPr>
+            <p:cNvSpPr/>
+            <p:nvPr/>
+          </p:nvSpPr>
+          <p:spPr>
+            <a:xfrm>
+              <a:off x="4049041" y="3131602"/>
+              <a:ext cx="1571557" cy="505147"/>
+            </a:xfrm>
+            <a:prstGeom prst="rect">
+              <a:avLst/>
+            </a:prstGeom>
+            <a:noFill/>
+            <a:ln w="25400">
+              <a:noFill/>
+            </a:ln>
+          </p:spPr>
+          <p:style>
+            <a:lnRef idx="2">
+              <a:schemeClr val="accent2">
+                <a:shade val="50000"/>
+              </a:schemeClr>
+            </a:lnRef>
+            <a:fillRef idx="1">
+              <a:schemeClr val="accent2"/>
+            </a:fillRef>
+            <a:effectRef idx="0">
+              <a:schemeClr val="accent2"/>
+            </a:effectRef>
+            <a:fontRef idx="minor">
+              <a:schemeClr val="lt1"/>
+            </a:fontRef>
+          </p:style>
+          <p:txBody>
+            <a:bodyPr rtlCol="0" anchor="ctr"/>
+            <a:lstStyle/>
+            <a:p>
+              <a:pPr algn="ctr"/>
+              <a:r>
+                <a:rPr kumimoji="1" lang="en-US" altLang="zh-CN" b="1" dirty="0">
+                  <a:solidFill>
+                    <a:sysClr val="windowText" lastClr="000000"/>
+                  </a:solidFill>
+                </a:rPr>
+                <a:t>…</a:t>
+              </a:r>
+              <a:endParaRPr kumimoji="1" lang="zh-CN" altLang="en-US" dirty="0">
+                <a:solidFill>
+                  <a:sysClr val="windowText" lastClr="000000"/>
+                </a:solidFill>
+              </a:endParaRPr>
+            </a:p>
+          </p:txBody>
+        </p:sp>
+        <p:cxnSp>
+          <p:nvCxnSpPr>
+            <p:cNvPr id="60" name="直线箭头连接符 7" descr="jytjh">
+              <a:extLst>
+                <a:ext uri="{FF2B5EF4-FFF2-40B4-BE49-F238E27FC236}">
+                  <a16:creationId xmlns:a16="http://schemas.microsoft.com/office/drawing/2014/main" id="{D98A0F09-4769-624A-2B16-0628E8D760EC}"/>
+                </a:ext>
+              </a:extLst>
+            </p:cNvPr>
+            <p:cNvCxnSpPr>
+              <a:cxnSpLocks/>
+              <a:stCxn id="6" idx="3"/>
+              <a:endCxn id="52" idx="1"/>
+            </p:cNvCxnSpPr>
+            <p:nvPr/>
+          </p:nvCxnSpPr>
+          <p:spPr>
+            <a:xfrm>
+              <a:off x="2450790" y="1839634"/>
+              <a:ext cx="1598251" cy="1544542"/>
+            </a:xfrm>
+            <a:prstGeom prst="straightConnector1">
+              <a:avLst/>
+            </a:prstGeom>
+            <a:ln w="19050">
+              <a:solidFill>
+                <a:schemeClr val="tx1"/>
+              </a:solidFill>
+              <a:headEnd type="none" w="sm" len="lg"/>
+              <a:tailEnd type="arrow" w="sm" len="lg"/>
+            </a:ln>
+          </p:spPr>
+          <p:style>
+            <a:lnRef idx="1">
+              <a:schemeClr val="accent1"/>
+            </a:lnRef>
+            <a:fillRef idx="0">
+              <a:schemeClr val="accent1"/>
+            </a:fillRef>
+            <a:effectRef idx="0">
+              <a:schemeClr val="accent1"/>
+            </a:effectRef>
+            <a:fontRef idx="minor">
+              <a:schemeClr val="tx1"/>
+            </a:fontRef>
+          </p:style>
+        </p:cxnSp>
+        <p:cxnSp>
+          <p:nvCxnSpPr>
+            <p:cNvPr id="63" name="直线箭头连接符 7" descr="jytjh">
+              <a:extLst>
+                <a:ext uri="{FF2B5EF4-FFF2-40B4-BE49-F238E27FC236}">
+                  <a16:creationId xmlns:a16="http://schemas.microsoft.com/office/drawing/2014/main" id="{2CC2C003-DCCB-77E8-1121-C6983BEBE0C4}"/>
+                </a:ext>
+              </a:extLst>
+            </p:cNvPr>
+            <p:cNvCxnSpPr>
+              <a:cxnSpLocks/>
+              <a:stCxn id="6" idx="3"/>
+              <a:endCxn id="47" idx="1"/>
+            </p:cNvCxnSpPr>
+            <p:nvPr/>
+          </p:nvCxnSpPr>
+          <p:spPr>
+            <a:xfrm>
+              <a:off x="2450790" y="1839634"/>
+              <a:ext cx="1598251" cy="3089085"/>
+            </a:xfrm>
+            <a:prstGeom prst="straightConnector1">
+              <a:avLst/>
+            </a:prstGeom>
+            <a:ln w="19050">
+              <a:solidFill>
+                <a:schemeClr val="tx1"/>
+              </a:solidFill>
+              <a:headEnd type="none" w="sm" len="lg"/>
+              <a:tailEnd type="arrow" w="sm" len="lg"/>
+            </a:ln>
+          </p:spPr>
+          <p:style>
+            <a:lnRef idx="1">
+              <a:schemeClr val="accent1"/>
+            </a:lnRef>
+            <a:fillRef idx="0">
+              <a:schemeClr val="accent1"/>
+            </a:fillRef>
+            <a:effectRef idx="0">
+              <a:schemeClr val="accent1"/>
+            </a:effectRef>
+            <a:fontRef idx="minor">
+              <a:schemeClr val="tx1"/>
+            </a:fontRef>
+          </p:style>
+        </p:cxnSp>
+        <p:sp>
+          <p:nvSpPr>
+            <p:cNvPr id="66" name="文本框 8">
+              <a:extLst>
+                <a:ext uri="{FF2B5EF4-FFF2-40B4-BE49-F238E27FC236}">
+                  <a16:creationId xmlns:a16="http://schemas.microsoft.com/office/drawing/2014/main" id="{3C41D794-086B-1185-ABB5-7FB13678F1C7}"/>
+                </a:ext>
+              </a:extLst>
+            </p:cNvPr>
+            <p:cNvSpPr txBox="1"/>
+            <p:nvPr/>
+          </p:nvSpPr>
+          <p:spPr>
+            <a:xfrm>
+              <a:off x="2658493" y="1530930"/>
+              <a:ext cx="1182845" cy="276999"/>
+            </a:xfrm>
+            <a:prstGeom prst="rect">
+              <a:avLst/>
+            </a:prstGeom>
+            <a:noFill/>
+          </p:spPr>
+          <p:txBody>
+            <a:bodyPr wrap="square" rtlCol="0">
+              <a:spAutoFit/>
+            </a:bodyPr>
+            <a:lstStyle/>
+            <a:p>
+              <a:pPr algn="ctr"/>
+              <a:r>
+                <a:rPr kumimoji="1" lang="en-US" altLang="zh-CN" sz="1200" b="1" dirty="0">
+                  <a:latin typeface="DengXian" panose="02010600030101010101" pitchFamily="2" charset="-122"/>
+                  <a:ea typeface="DengXian" panose="02010600030101010101" pitchFamily="2" charset="-122"/>
+                </a:rPr>
+                <a:t>edge1</a:t>
+              </a:r>
+              <a:r>
+                <a:rPr kumimoji="1" lang="zh-CN" altLang="en-US" sz="1200" dirty="0">
+                  <a:latin typeface="DengXian" panose="02010600030101010101" pitchFamily="2" charset="-122"/>
+                  <a:ea typeface="DengXian" panose="02010600030101010101" pitchFamily="2" charset="-122"/>
+                </a:rPr>
+                <a:t> </a:t>
+              </a:r>
+              <a:r>
+                <a:rPr kumimoji="1" lang="en-US" altLang="zh-CN" sz="1200" dirty="0">
+                  <a:latin typeface="DengXian" panose="02010600030101010101" pitchFamily="2" charset="-122"/>
+                  <a:ea typeface="DengXian" panose="02010600030101010101" pitchFamily="2" charset="-122"/>
+                </a:rPr>
+                <a:t>:</a:t>
+              </a:r>
+              <a:r>
+                <a:rPr kumimoji="1" lang="zh-CN" altLang="en-US" sz="1200" dirty="0">
+                  <a:latin typeface="DengXian" panose="02010600030101010101" pitchFamily="2" charset="-122"/>
+                  <a:ea typeface="DengXian" panose="02010600030101010101" pitchFamily="2" charset="-122"/>
+                </a:rPr>
+                <a:t> </a:t>
+              </a:r>
+              <a:r>
+                <a:rPr kumimoji="1" lang="en-US" altLang="zh-CN" sz="1200" dirty="0">
+                  <a:latin typeface="DengXian" panose="02010600030101010101" pitchFamily="2" charset="-122"/>
+                  <a:ea typeface="DengXian" panose="02010600030101010101" pitchFamily="2" charset="-122"/>
+                </a:rPr>
+                <a:t>own</a:t>
+              </a:r>
+            </a:p>
+          </p:txBody>
+        </p:sp>
+        <p:sp>
+          <p:nvSpPr>
+            <p:cNvPr id="67" name="文本框 8">
+              <a:extLst>
+                <a:ext uri="{FF2B5EF4-FFF2-40B4-BE49-F238E27FC236}">
+                  <a16:creationId xmlns:a16="http://schemas.microsoft.com/office/drawing/2014/main" id="{F1CDB9D1-A8A6-C607-50FD-C4997AFA2929}"/>
+                </a:ext>
+              </a:extLst>
+            </p:cNvPr>
+            <p:cNvSpPr txBox="1"/>
+            <p:nvPr/>
+          </p:nvSpPr>
+          <p:spPr>
+            <a:xfrm>
+              <a:off x="8503057" y="1548600"/>
+              <a:ext cx="1030450" cy="276999"/>
+            </a:xfrm>
+            <a:prstGeom prst="rect">
+              <a:avLst/>
+            </a:prstGeom>
+            <a:noFill/>
+          </p:spPr>
+          <p:txBody>
+            <a:bodyPr wrap="square" rtlCol="0">
+              <a:spAutoFit/>
+            </a:bodyPr>
+            <a:lstStyle/>
+            <a:p>
+              <a:pPr algn="ctr"/>
+              <a:r>
+                <a:rPr kumimoji="1" lang="en-US" altLang="zh-CN" sz="1200" b="1" dirty="0">
+                  <a:latin typeface="DengXian" panose="02010600030101010101" pitchFamily="2" charset="-122"/>
+                  <a:ea typeface="DengXian" panose="02010600030101010101" pitchFamily="2" charset="-122"/>
+                </a:rPr>
+                <a:t>edge3</a:t>
+              </a:r>
+              <a:r>
+                <a:rPr kumimoji="1" lang="zh-CN" altLang="en-US" sz="1200" dirty="0">
+                  <a:latin typeface="DengXian" panose="02010600030101010101" pitchFamily="2" charset="-122"/>
+                  <a:ea typeface="DengXian" panose="02010600030101010101" pitchFamily="2" charset="-122"/>
+                </a:rPr>
+                <a:t> </a:t>
+              </a:r>
+              <a:r>
+                <a:rPr kumimoji="1" lang="en-US" altLang="zh-CN" sz="1200" dirty="0">
+                  <a:latin typeface="DengXian" panose="02010600030101010101" pitchFamily="2" charset="-122"/>
+                  <a:ea typeface="DengXian" panose="02010600030101010101" pitchFamily="2" charset="-122"/>
+                </a:rPr>
+                <a:t>:</a:t>
+              </a:r>
+              <a:r>
+                <a:rPr kumimoji="1" lang="zh-CN" altLang="en-US" sz="1200" dirty="0">
+                  <a:latin typeface="DengXian" panose="02010600030101010101" pitchFamily="2" charset="-122"/>
+                  <a:ea typeface="DengXian" panose="02010600030101010101" pitchFamily="2" charset="-122"/>
+                </a:rPr>
+                <a:t> </a:t>
+              </a:r>
+              <a:r>
+                <a:rPr kumimoji="1" lang="en-US" altLang="zh-CN" sz="1200" dirty="0">
+                  <a:latin typeface="DengXian" panose="02010600030101010101" pitchFamily="2" charset="-122"/>
+                  <a:ea typeface="DengXian" panose="02010600030101010101" pitchFamily="2" charset="-122"/>
+                </a:rPr>
+                <a:t>own</a:t>
+              </a:r>
+            </a:p>
+          </p:txBody>
+        </p:sp>
+        <p:sp>
+          <p:nvSpPr>
+            <p:cNvPr id="68" name="文本框 8">
+              <a:extLst>
+                <a:ext uri="{FF2B5EF4-FFF2-40B4-BE49-F238E27FC236}">
+                  <a16:creationId xmlns:a16="http://schemas.microsoft.com/office/drawing/2014/main" id="{A3400F3A-68D6-FF26-8510-B807D5B5DDD4}"/>
+                </a:ext>
+              </a:extLst>
+            </p:cNvPr>
+            <p:cNvSpPr txBox="1"/>
+            <p:nvPr/>
+          </p:nvSpPr>
+          <p:spPr>
+            <a:xfrm>
+              <a:off x="5620598" y="1538210"/>
+              <a:ext cx="842880" cy="276999"/>
+            </a:xfrm>
+            <a:prstGeom prst="rect">
+              <a:avLst/>
+            </a:prstGeom>
+            <a:noFill/>
+          </p:spPr>
+          <p:txBody>
+            <a:bodyPr wrap="square" rtlCol="0">
+              <a:spAutoFit/>
+            </a:bodyPr>
+            <a:lstStyle/>
+            <a:p>
+              <a:pPr algn="ctr"/>
+              <a:r>
+                <a:rPr kumimoji="1" lang="en-US" altLang="zh-CN" sz="1200" b="1" dirty="0">
+                  <a:latin typeface="DengXian" panose="02010600030101010101" pitchFamily="2" charset="-122"/>
+                  <a:ea typeface="DengXian" panose="02010600030101010101" pitchFamily="2" charset="-122"/>
+                </a:rPr>
+                <a:t>edge2</a:t>
+              </a:r>
+              <a:r>
+                <a:rPr kumimoji="1" lang="zh-CN" altLang="en-US" sz="1200" dirty="0">
+                  <a:latin typeface="DengXian" panose="02010600030101010101" pitchFamily="2" charset="-122"/>
+                  <a:ea typeface="DengXian" panose="02010600030101010101" pitchFamily="2" charset="-122"/>
+                </a:rPr>
+                <a:t> </a:t>
+              </a:r>
+              <a:endParaRPr kumimoji="1" lang="en-US" altLang="zh-CN" sz="1200" dirty="0">
+                <a:latin typeface="DengXian" panose="02010600030101010101" pitchFamily="2" charset="-122"/>
+                <a:ea typeface="DengXian" panose="02010600030101010101" pitchFamily="2" charset="-122"/>
+              </a:endParaRPr>
+            </a:p>
+          </p:txBody>
+        </p:sp>
+        <p:sp>
+          <p:nvSpPr>
+            <p:cNvPr id="70" name="矩形 10">
+              <a:extLst>
+                <a:ext uri="{FF2B5EF4-FFF2-40B4-BE49-F238E27FC236}">
+                  <a16:creationId xmlns:a16="http://schemas.microsoft.com/office/drawing/2014/main" id="{1DD588E6-58D9-583F-3E69-5CFEC5B5BEF4}"/>
+                </a:ext>
+              </a:extLst>
+            </p:cNvPr>
+            <p:cNvSpPr/>
+            <p:nvPr/>
+          </p:nvSpPr>
+          <p:spPr>
+            <a:xfrm>
+              <a:off x="6618926" y="3646450"/>
+              <a:ext cx="1571558" cy="505147"/>
+            </a:xfrm>
+            <a:prstGeom prst="rect">
+              <a:avLst/>
+            </a:prstGeom>
+            <a:solidFill>
+              <a:schemeClr val="accent5">
+                <a:lumMod val="60000"/>
+                <a:lumOff val="40000"/>
+              </a:schemeClr>
+            </a:solidFill>
+            <a:ln w="25400">
+              <a:solidFill>
+                <a:schemeClr val="tx1"/>
+              </a:solidFill>
+            </a:ln>
+          </p:spPr>
+          <p:style>
+            <a:lnRef idx="2">
+              <a:schemeClr val="accent2">
+                <a:shade val="50000"/>
+              </a:schemeClr>
+            </a:lnRef>
+            <a:fillRef idx="1">
+              <a:schemeClr val="accent2"/>
+            </a:fillRef>
+            <a:effectRef idx="0">
+              <a:schemeClr val="accent2"/>
+            </a:effectRef>
+            <a:fontRef idx="minor">
+              <a:schemeClr val="lt1"/>
+            </a:fontRef>
+          </p:style>
+          <p:txBody>
+            <a:bodyPr rtlCol="0" anchor="ctr"/>
+            <a:lstStyle/>
+            <a:p>
+              <a:pPr algn="ctr"/>
+              <a:r>
+                <a:rPr kumimoji="1" lang="en-US" altLang="zh-CN" sz="1200" b="1" dirty="0">
+                  <a:solidFill>
+                    <a:sysClr val="windowText" lastClr="000000"/>
+                  </a:solidFill>
+                </a:rPr>
+                <a:t>compAcc2</a:t>
+              </a:r>
+              <a:r>
+                <a:rPr kumimoji="1" lang="zh-CN" altLang="en-US" sz="1200" dirty="0">
+                  <a:solidFill>
+                    <a:sysClr val="windowText" lastClr="000000"/>
+                  </a:solidFill>
+                </a:rPr>
+                <a:t> </a:t>
+              </a:r>
+              <a:r>
+                <a:rPr kumimoji="1" lang="en-US" altLang="zh-CN" sz="1200" dirty="0">
+                  <a:solidFill>
+                    <a:sysClr val="windowText" lastClr="000000"/>
+                  </a:solidFill>
+                </a:rPr>
+                <a:t>:</a:t>
+              </a:r>
+              <a:r>
+                <a:rPr kumimoji="1" lang="zh-CN" altLang="en-US" sz="1200" dirty="0">
+                  <a:solidFill>
+                    <a:sysClr val="windowText" lastClr="000000"/>
+                  </a:solidFill>
+                </a:rPr>
+                <a:t> </a:t>
+              </a:r>
+              <a:r>
+                <a:rPr kumimoji="1" lang="en-US" altLang="zh-CN" sz="1200" dirty="0">
+                  <a:solidFill>
+                    <a:sysClr val="windowText" lastClr="000000"/>
+                  </a:solidFill>
+                </a:rPr>
+                <a:t>Account</a:t>
+              </a:r>
+              <a:endParaRPr kumimoji="1" lang="zh-CN" altLang="en-US" sz="1200" dirty="0">
+                <a:solidFill>
+                  <a:sysClr val="windowText" lastClr="000000"/>
+                </a:solidFill>
+              </a:endParaRPr>
+            </a:p>
+          </p:txBody>
+        </p:sp>
+        <p:sp>
+          <p:nvSpPr>
+            <p:cNvPr id="71" name="矩形 5">
+              <a:extLst>
+                <a:ext uri="{FF2B5EF4-FFF2-40B4-BE49-F238E27FC236}">
+                  <a16:creationId xmlns:a16="http://schemas.microsoft.com/office/drawing/2014/main" id="{EFD481D0-FFD7-F3EC-5AA2-F652019183EC}"/>
+                </a:ext>
+              </a:extLst>
+            </p:cNvPr>
+            <p:cNvSpPr/>
+            <p:nvPr/>
+          </p:nvSpPr>
+          <p:spPr>
+            <a:xfrm>
+              <a:off x="9513540" y="3650097"/>
+              <a:ext cx="1571558" cy="505147"/>
+            </a:xfrm>
+            <a:prstGeom prst="rect">
+              <a:avLst/>
+            </a:prstGeom>
+            <a:solidFill>
+              <a:srgbClr val="FF0000">
+                <a:alpha val="30000"/>
+              </a:srgbClr>
+            </a:solidFill>
+            <a:ln w="25400">
+              <a:solidFill>
+                <a:schemeClr val="tx1"/>
+              </a:solidFill>
+            </a:ln>
+          </p:spPr>
+          <p:style>
+            <a:lnRef idx="2">
+              <a:schemeClr val="accent2">
+                <a:shade val="50000"/>
+              </a:schemeClr>
+            </a:lnRef>
+            <a:fillRef idx="1">
+              <a:schemeClr val="accent2"/>
+            </a:fillRef>
+            <a:effectRef idx="0">
+              <a:schemeClr val="accent2"/>
+            </a:effectRef>
+            <a:fontRef idx="minor">
+              <a:schemeClr val="lt1"/>
+            </a:fontRef>
+          </p:style>
+          <p:txBody>
+            <a:bodyPr rtlCol="0" anchor="ctr"/>
+            <a:lstStyle/>
+            <a:p>
+              <a:pPr algn="ctr"/>
+              <a:r>
+                <a:rPr kumimoji="1" lang="en-US" altLang="zh-CN" sz="1200" b="1" dirty="0">
+                  <a:solidFill>
+                    <a:sysClr val="windowText" lastClr="000000"/>
+                  </a:solidFill>
+                </a:rPr>
+                <a:t>com2</a:t>
+              </a:r>
+              <a:r>
+                <a:rPr kumimoji="1" lang="zh-CN" altLang="en-US" sz="1200" dirty="0">
+                  <a:solidFill>
+                    <a:sysClr val="windowText" lastClr="000000"/>
+                  </a:solidFill>
+                </a:rPr>
+                <a:t> </a:t>
+              </a:r>
+              <a:r>
+                <a:rPr kumimoji="1" lang="en-US" altLang="zh-CN" sz="1200" dirty="0">
+                  <a:solidFill>
+                    <a:sysClr val="windowText" lastClr="000000"/>
+                  </a:solidFill>
+                </a:rPr>
+                <a:t>:</a:t>
+              </a:r>
+              <a:r>
+                <a:rPr kumimoji="1" lang="zh-CN" altLang="en-US" sz="1200" dirty="0">
+                  <a:solidFill>
+                    <a:sysClr val="windowText" lastClr="000000"/>
+                  </a:solidFill>
+                </a:rPr>
+                <a:t> </a:t>
+              </a:r>
+              <a:r>
+                <a:rPr kumimoji="1" lang="en-US" altLang="zh-CN" sz="1200" dirty="0">
+                  <a:solidFill>
+                    <a:sysClr val="windowText" lastClr="000000"/>
+                  </a:solidFill>
+                </a:rPr>
+                <a:t>Company</a:t>
+              </a:r>
+              <a:endParaRPr kumimoji="1" lang="zh-CN" altLang="en-US" sz="1200" dirty="0">
+                <a:solidFill>
+                  <a:sysClr val="windowText" lastClr="000000"/>
+                </a:solidFill>
+              </a:endParaRPr>
+            </a:p>
+          </p:txBody>
+        </p:sp>
+        <p:cxnSp>
+          <p:nvCxnSpPr>
+            <p:cNvPr id="72" name="直线箭头连接符 7" descr="jytjh">
+              <a:extLst>
+                <a:ext uri="{FF2B5EF4-FFF2-40B4-BE49-F238E27FC236}">
+                  <a16:creationId xmlns:a16="http://schemas.microsoft.com/office/drawing/2014/main" id="{C5642806-F830-15CF-E685-1DD3AD50CC95}"/>
+                </a:ext>
+              </a:extLst>
+            </p:cNvPr>
+            <p:cNvCxnSpPr>
+              <a:cxnSpLocks/>
+              <a:stCxn id="71" idx="1"/>
+              <a:endCxn id="70" idx="3"/>
+            </p:cNvCxnSpPr>
+            <p:nvPr/>
+          </p:nvCxnSpPr>
+          <p:spPr>
+            <a:xfrm flipH="1" flipV="1">
+              <a:off x="8190484" y="3899024"/>
+              <a:ext cx="1323056" cy="3647"/>
+            </a:xfrm>
+            <a:prstGeom prst="straightConnector1">
+              <a:avLst/>
+            </a:prstGeom>
+            <a:ln w="19050">
+              <a:solidFill>
+                <a:schemeClr val="tx1"/>
+              </a:solidFill>
+              <a:headEnd type="none" w="sm" len="lg"/>
+              <a:tailEnd type="arrow" w="sm" len="lg"/>
+            </a:ln>
+          </p:spPr>
+          <p:style>
+            <a:lnRef idx="1">
+              <a:schemeClr val="accent1"/>
+            </a:lnRef>
+            <a:fillRef idx="0">
+              <a:schemeClr val="accent1"/>
+            </a:fillRef>
+            <a:effectRef idx="0">
+              <a:schemeClr val="accent1"/>
+            </a:effectRef>
+            <a:fontRef idx="minor">
+              <a:schemeClr val="tx1"/>
+            </a:fontRef>
+          </p:style>
+        </p:cxnSp>
+        <p:cxnSp>
+          <p:nvCxnSpPr>
+            <p:cNvPr id="75" name="直线箭头连接符 7" descr="jytjh">
+              <a:extLst>
+                <a:ext uri="{FF2B5EF4-FFF2-40B4-BE49-F238E27FC236}">
+                  <a16:creationId xmlns:a16="http://schemas.microsoft.com/office/drawing/2014/main" id="{FF8C5063-1D8F-1AD7-4211-E94E168BB628}"/>
+                </a:ext>
+              </a:extLst>
+            </p:cNvPr>
+            <p:cNvCxnSpPr>
+              <a:cxnSpLocks/>
+              <a:stCxn id="10" idx="3"/>
+              <a:endCxn id="70" idx="1"/>
+            </p:cNvCxnSpPr>
+            <p:nvPr/>
+          </p:nvCxnSpPr>
+          <p:spPr>
+            <a:xfrm>
+              <a:off x="5620598" y="1839634"/>
+              <a:ext cx="998328" cy="2059390"/>
+            </a:xfrm>
+            <a:prstGeom prst="straightConnector1">
+              <a:avLst/>
+            </a:prstGeom>
+            <a:ln w="19050">
+              <a:solidFill>
+                <a:schemeClr val="tx1"/>
+              </a:solidFill>
+              <a:headEnd type="none" w="sm" len="lg"/>
+              <a:tailEnd type="arrow" w="sm" len="lg"/>
+            </a:ln>
+          </p:spPr>
+          <p:style>
+            <a:lnRef idx="1">
+              <a:schemeClr val="accent1"/>
+            </a:lnRef>
+            <a:fillRef idx="0">
+              <a:schemeClr val="accent1"/>
+            </a:fillRef>
+            <a:effectRef idx="0">
+              <a:schemeClr val="accent1"/>
+            </a:effectRef>
+            <a:fontRef idx="minor">
+              <a:schemeClr val="tx1"/>
+            </a:fontRef>
+          </p:style>
+        </p:cxnSp>
+        <p:sp>
+          <p:nvSpPr>
+            <p:cNvPr id="78" name="矩形 9">
+              <a:extLst>
+                <a:ext uri="{FF2B5EF4-FFF2-40B4-BE49-F238E27FC236}">
+                  <a16:creationId xmlns:a16="http://schemas.microsoft.com/office/drawing/2014/main" id="{C00CDC5C-03C3-C2D5-24A6-DEE3D383EC41}"/>
+                </a:ext>
+              </a:extLst>
+            </p:cNvPr>
+            <p:cNvSpPr/>
+            <p:nvPr/>
+          </p:nvSpPr>
+          <p:spPr>
+            <a:xfrm>
+              <a:off x="6618926" y="2611974"/>
+              <a:ext cx="1571557" cy="505147"/>
+            </a:xfrm>
+            <a:prstGeom prst="rect">
+              <a:avLst/>
+            </a:prstGeom>
+            <a:noFill/>
+            <a:ln w="25400">
+              <a:noFill/>
+            </a:ln>
+          </p:spPr>
+          <p:style>
+            <a:lnRef idx="2">
+              <a:schemeClr val="accent2">
+                <a:shade val="50000"/>
+              </a:schemeClr>
+            </a:lnRef>
+            <a:fillRef idx="1">
+              <a:schemeClr val="accent2"/>
+            </a:fillRef>
+            <a:effectRef idx="0">
+              <a:schemeClr val="accent2"/>
+            </a:effectRef>
+            <a:fontRef idx="minor">
+              <a:schemeClr val="lt1"/>
+            </a:fontRef>
+          </p:style>
+          <p:txBody>
+            <a:bodyPr rtlCol="0" anchor="ctr"/>
+            <a:lstStyle/>
+            <a:p>
+              <a:pPr algn="ctr"/>
+              <a:r>
+                <a:rPr kumimoji="1" lang="en-US" altLang="zh-CN" b="1" dirty="0">
+                  <a:solidFill>
+                    <a:sysClr val="windowText" lastClr="000000"/>
+                  </a:solidFill>
+                </a:rPr>
+                <a:t>…</a:t>
+              </a:r>
+              <a:endParaRPr kumimoji="1" lang="zh-CN" altLang="en-US" dirty="0">
+                <a:solidFill>
+                  <a:sysClr val="windowText" lastClr="000000"/>
+                </a:solidFill>
+              </a:endParaRPr>
+            </a:p>
+          </p:txBody>
+        </p:sp>
+      </p:grpSp>
+    </p:spTree>
+    <p:extLst>
+      <p:ext uri="{BB962C8B-B14F-4D97-AF65-F5344CB8AC3E}">
+        <p14:creationId xmlns:p14="http://schemas.microsoft.com/office/powerpoint/2010/main" val="21987774"/>
+      </p:ext>
+    </p:extLst>
+  </p:cSld>
+  <p:clrMapOvr>
+    <a:masterClrMapping/>
+  </p:clrMapOvr>
+</p:sld>
+</file>
+
+<file path=ppt/slides/slide13.xml><?xml version="1.0" encoding="utf-8"?>
+<p:sld xmlns:a="http://schemas.openxmlformats.org/drawingml/2006/main" xmlns:r="http://schemas.openxmlformats.org/officeDocument/2006/relationships" xmlns:p="http://schemas.openxmlformats.org/presentationml/2006/main">
+  <p:cSld>
+    <p:spTree>
+      <p:nvGrpSpPr>
+        <p:cNvPr id="1" name=""/>
+        <p:cNvGrpSpPr/>
+        <p:nvPr/>
+      </p:nvGrpSpPr>
+      <p:grpSpPr>
+        <a:xfrm>
+          <a:off x="0" y="0"/>
+          <a:ext cx="0" cy="0"/>
+          <a:chOff x="0" y="0"/>
+          <a:chExt cx="0" cy="0"/>
+        </a:xfrm>
+      </p:grpSpPr>
+      <p:sp>
+        <p:nvSpPr>
+          <p:cNvPr id="4" name="Rectangle 3">
+            <a:extLst>
+              <a:ext uri="{FF2B5EF4-FFF2-40B4-BE49-F238E27FC236}">
+                <a16:creationId xmlns:a16="http://schemas.microsoft.com/office/drawing/2014/main" id="{5EFB2F0D-ABB3-D995-FA04-8C359C1827B4}"/>
+              </a:ext>
+            </a:extLst>
+          </p:cNvPr>
+          <p:cNvSpPr/>
+          <p:nvPr/>
+        </p:nvSpPr>
+        <p:spPr>
+          <a:xfrm>
+            <a:off x="2468880" y="2861420"/>
+            <a:ext cx="1215845" cy="387178"/>
+          </a:xfrm>
+          <a:prstGeom prst="rect">
+            <a:avLst/>
+          </a:prstGeom>
+          <a:solidFill>
+            <a:schemeClr val="accent6">
+              <a:lumMod val="60000"/>
+              <a:lumOff val="40000"/>
+            </a:schemeClr>
+          </a:solidFill>
+          <a:ln w="22225">
+            <a:solidFill>
+              <a:schemeClr val="tx1"/>
+            </a:solidFill>
+          </a:ln>
+        </p:spPr>
+        <p:style>
+          <a:lnRef idx="2">
+            <a:schemeClr val="accent1">
+              <a:shade val="50000"/>
+            </a:schemeClr>
+          </a:lnRef>
+          <a:fillRef idx="1">
+            <a:schemeClr val="accent1"/>
+          </a:fillRef>
+          <a:effectRef idx="0">
+            <a:schemeClr val="accent1"/>
+          </a:effectRef>
+          <a:fontRef idx="minor">
+            <a:schemeClr val="lt1"/>
+          </a:fontRef>
+        </p:style>
+        <p:txBody>
+          <a:bodyPr rtlCol="0" anchor="ctr"/>
+          <a:lstStyle/>
+          <a:p>
+            <a:pPr algn="ctr"/>
+            <a:r>
+              <a:rPr lang="en-US" altLang="zh-CN" b="1" dirty="0">
+                <a:solidFill>
+                  <a:schemeClr val="tx1"/>
+                </a:solidFill>
+              </a:rPr>
+              <a:t>Person</a:t>
+            </a:r>
+            <a:endParaRPr lang="en-CN" b="1" dirty="0">
+              <a:solidFill>
+                <a:schemeClr val="tx1"/>
+              </a:solidFill>
+            </a:endParaRPr>
+          </a:p>
+        </p:txBody>
+      </p:sp>
+      <p:sp>
+        <p:nvSpPr>
+          <p:cNvPr id="5" name="Rectangle 4">
+            <a:extLst>
+              <a:ext uri="{FF2B5EF4-FFF2-40B4-BE49-F238E27FC236}">
+                <a16:creationId xmlns:a16="http://schemas.microsoft.com/office/drawing/2014/main" id="{71799D25-8F4B-3E78-7E33-C84644F1D35C}"/>
+              </a:ext>
+            </a:extLst>
+          </p:cNvPr>
+          <p:cNvSpPr/>
+          <p:nvPr/>
+        </p:nvSpPr>
+        <p:spPr>
+          <a:xfrm>
+            <a:off x="3984346" y="2861420"/>
+            <a:ext cx="1215845" cy="387178"/>
+          </a:xfrm>
+          <a:prstGeom prst="rect">
+            <a:avLst/>
+          </a:prstGeom>
+          <a:solidFill>
+            <a:srgbClr val="FF0000">
+              <a:alpha val="30000"/>
+            </a:srgbClr>
+          </a:solidFill>
+          <a:ln w="22225">
+            <a:solidFill>
+              <a:schemeClr val="tx1"/>
+            </a:solidFill>
+          </a:ln>
+        </p:spPr>
+        <p:style>
+          <a:lnRef idx="2">
+            <a:schemeClr val="accent1">
+              <a:shade val="50000"/>
+            </a:schemeClr>
+          </a:lnRef>
+          <a:fillRef idx="1">
+            <a:schemeClr val="accent1"/>
+          </a:fillRef>
+          <a:effectRef idx="0">
+            <a:schemeClr val="accent1"/>
+          </a:effectRef>
+          <a:fontRef idx="minor">
+            <a:schemeClr val="lt1"/>
+          </a:fontRef>
+        </p:style>
+        <p:txBody>
+          <a:bodyPr rtlCol="0" anchor="ctr"/>
+          <a:lstStyle/>
+          <a:p>
+            <a:pPr algn="ctr"/>
+            <a:r>
+              <a:rPr lang="en-US" altLang="zh-CN" b="1" dirty="0">
+                <a:solidFill>
+                  <a:schemeClr val="tx1"/>
+                </a:solidFill>
+              </a:rPr>
+              <a:t>Company</a:t>
+            </a:r>
+            <a:endParaRPr lang="en-CN" b="1" dirty="0">
+              <a:solidFill>
+                <a:schemeClr val="tx1"/>
+              </a:solidFill>
+            </a:endParaRPr>
+          </a:p>
+        </p:txBody>
+      </p:sp>
+      <p:sp>
+        <p:nvSpPr>
+          <p:cNvPr id="6" name="Rectangle 5">
+            <a:extLst>
+              <a:ext uri="{FF2B5EF4-FFF2-40B4-BE49-F238E27FC236}">
+                <a16:creationId xmlns:a16="http://schemas.microsoft.com/office/drawing/2014/main" id="{4C51DCB4-07F1-ACD1-2A47-E37BE04A33BA}"/>
+              </a:ext>
+            </a:extLst>
+          </p:cNvPr>
+          <p:cNvSpPr/>
+          <p:nvPr/>
+        </p:nvSpPr>
+        <p:spPr>
+          <a:xfrm>
+            <a:off x="7040605" y="2861420"/>
+            <a:ext cx="1226941" cy="387178"/>
+          </a:xfrm>
+          <a:prstGeom prst="rect">
+            <a:avLst/>
+          </a:prstGeom>
+          <a:solidFill>
+            <a:schemeClr val="accent1">
+              <a:lumMod val="60000"/>
+              <a:lumOff val="40000"/>
+            </a:schemeClr>
+          </a:solidFill>
+          <a:ln w="22225">
+            <a:solidFill>
+              <a:schemeClr val="tx1"/>
+            </a:solidFill>
+          </a:ln>
+        </p:spPr>
+        <p:style>
+          <a:lnRef idx="2">
+            <a:schemeClr val="accent1">
+              <a:shade val="50000"/>
+            </a:schemeClr>
+          </a:lnRef>
+          <a:fillRef idx="1">
+            <a:schemeClr val="accent1"/>
+          </a:fillRef>
+          <a:effectRef idx="0">
+            <a:schemeClr val="accent1"/>
+          </a:effectRef>
+          <a:fontRef idx="minor">
+            <a:schemeClr val="lt1"/>
+          </a:fontRef>
+        </p:style>
+        <p:txBody>
+          <a:bodyPr rtlCol="0" anchor="ctr"/>
+          <a:lstStyle/>
+          <a:p>
+            <a:pPr algn="ctr"/>
+            <a:r>
+              <a:rPr lang="en-US" altLang="zh-CN" b="1" dirty="0">
+                <a:solidFill>
+                  <a:schemeClr val="tx1"/>
+                </a:solidFill>
+              </a:rPr>
+              <a:t>Account</a:t>
+            </a:r>
+            <a:endParaRPr lang="en-CN" b="1" dirty="0">
+              <a:solidFill>
+                <a:schemeClr val="tx1"/>
+              </a:solidFill>
+            </a:endParaRPr>
+          </a:p>
+        </p:txBody>
+      </p:sp>
+      <p:sp>
+        <p:nvSpPr>
+          <p:cNvPr id="9" name="Rectangle 8">
+            <a:extLst>
+              <a:ext uri="{FF2B5EF4-FFF2-40B4-BE49-F238E27FC236}">
+                <a16:creationId xmlns:a16="http://schemas.microsoft.com/office/drawing/2014/main" id="{5F68F319-B446-C876-5ECA-738B6558B6E1}"/>
+              </a:ext>
+            </a:extLst>
+          </p:cNvPr>
+          <p:cNvSpPr/>
+          <p:nvPr/>
+        </p:nvSpPr>
+        <p:spPr>
+          <a:xfrm>
+            <a:off x="8567168" y="2861420"/>
+            <a:ext cx="1215845" cy="387178"/>
+          </a:xfrm>
+          <a:prstGeom prst="rect">
+            <a:avLst/>
+          </a:prstGeom>
+          <a:solidFill>
+            <a:schemeClr val="accent4">
+              <a:lumMod val="60000"/>
+              <a:lumOff val="40000"/>
+            </a:schemeClr>
+          </a:solidFill>
+          <a:ln w="22225">
+            <a:solidFill>
+              <a:schemeClr val="tx1"/>
+            </a:solidFill>
+          </a:ln>
+        </p:spPr>
+        <p:style>
+          <a:lnRef idx="2">
+            <a:schemeClr val="accent1">
+              <a:shade val="50000"/>
+            </a:schemeClr>
+          </a:lnRef>
+          <a:fillRef idx="1">
+            <a:schemeClr val="accent1"/>
+          </a:fillRef>
+          <a:effectRef idx="0">
+            <a:schemeClr val="accent1"/>
+          </a:effectRef>
+          <a:fontRef idx="minor">
+            <a:schemeClr val="lt1"/>
+          </a:fontRef>
+        </p:style>
+        <p:txBody>
+          <a:bodyPr rtlCol="0" anchor="ctr"/>
+          <a:lstStyle/>
+          <a:p>
+            <a:pPr algn="ctr"/>
+            <a:r>
+              <a:rPr lang="en-US" altLang="zh-CN" b="1" dirty="0">
+                <a:solidFill>
+                  <a:schemeClr val="tx1"/>
+                </a:solidFill>
+              </a:rPr>
+              <a:t>Medium</a:t>
+            </a:r>
+            <a:endParaRPr lang="en-CN" b="1" dirty="0">
+              <a:solidFill>
+                <a:schemeClr val="tx1"/>
+              </a:solidFill>
+            </a:endParaRPr>
+          </a:p>
+        </p:txBody>
+      </p:sp>
+      <p:sp>
+        <p:nvSpPr>
+          <p:cNvPr id="12" name="Rectangle 11">
+            <a:extLst>
+              <a:ext uri="{FF2B5EF4-FFF2-40B4-BE49-F238E27FC236}">
+                <a16:creationId xmlns:a16="http://schemas.microsoft.com/office/drawing/2014/main" id="{74363A22-BDF1-F1C7-E411-2E379C3A7160}"/>
+              </a:ext>
+            </a:extLst>
+          </p:cNvPr>
+          <p:cNvSpPr/>
+          <p:nvPr/>
+        </p:nvSpPr>
+        <p:spPr>
+          <a:xfrm>
+            <a:off x="5506920" y="2861420"/>
+            <a:ext cx="1226977" cy="387178"/>
+          </a:xfrm>
+          <a:prstGeom prst="rect">
+            <a:avLst/>
+          </a:prstGeom>
+          <a:solidFill>
+            <a:schemeClr val="accent2">
+              <a:lumMod val="60000"/>
+              <a:lumOff val="40000"/>
+            </a:schemeClr>
+          </a:solidFill>
+          <a:ln w="22225">
+            <a:solidFill>
+              <a:schemeClr val="tx1"/>
+            </a:solidFill>
+          </a:ln>
+        </p:spPr>
+        <p:style>
+          <a:lnRef idx="2">
+            <a:schemeClr val="accent1">
+              <a:shade val="50000"/>
+            </a:schemeClr>
+          </a:lnRef>
+          <a:fillRef idx="1">
+            <a:schemeClr val="accent1"/>
+          </a:fillRef>
+          <a:effectRef idx="0">
+            <a:schemeClr val="accent1"/>
+          </a:effectRef>
+          <a:fontRef idx="minor">
+            <a:schemeClr val="lt1"/>
+          </a:fontRef>
+        </p:style>
+        <p:txBody>
+          <a:bodyPr rtlCol="0" anchor="ctr"/>
+          <a:lstStyle/>
+          <a:p>
+            <a:pPr algn="ctr"/>
+            <a:r>
+              <a:rPr lang="en-US" altLang="zh-CN" b="1" dirty="0">
+                <a:solidFill>
+                  <a:schemeClr val="tx1"/>
+                </a:solidFill>
+              </a:rPr>
+              <a:t>Loan</a:t>
+            </a:r>
+            <a:endParaRPr lang="en-CN" b="1" dirty="0">
+              <a:solidFill>
+                <a:schemeClr val="tx1"/>
+              </a:solidFill>
+            </a:endParaRPr>
+          </a:p>
+        </p:txBody>
+      </p:sp>
+      <p:sp>
+        <p:nvSpPr>
+          <p:cNvPr id="2" name="文本框 12">
+            <a:extLst>
+              <a:ext uri="{FF2B5EF4-FFF2-40B4-BE49-F238E27FC236}">
+                <a16:creationId xmlns:a16="http://schemas.microsoft.com/office/drawing/2014/main" id="{F15BB429-1D1A-0E43-F714-5B25121059E2}"/>
+              </a:ext>
+            </a:extLst>
+          </p:cNvPr>
+          <p:cNvSpPr txBox="1"/>
+          <p:nvPr/>
+        </p:nvSpPr>
+        <p:spPr>
+          <a:xfrm>
+            <a:off x="2468880" y="3867488"/>
+            <a:ext cx="2583766" cy="1015663"/>
+          </a:xfrm>
+          <a:prstGeom prst="rect">
+            <a:avLst/>
+          </a:prstGeom>
+          <a:noFill/>
+        </p:spPr>
+        <p:txBody>
+          <a:bodyPr wrap="square" rtlCol="0">
+            <a:spAutoFit/>
+          </a:bodyPr>
+          <a:lstStyle/>
+          <a:p>
+            <a:r>
+              <a:rPr kumimoji="1" lang="en-US" altLang="zh-CN" sz="1200" b="1" dirty="0">
+                <a:latin typeface="DengXian" panose="02010600030101010101" pitchFamily="2" charset="-122"/>
+                <a:ea typeface="DengXian" panose="02010600030101010101" pitchFamily="2" charset="-122"/>
+              </a:rPr>
+              <a:t>Color:</a:t>
+            </a:r>
+            <a:r>
+              <a:rPr kumimoji="1" lang="zh-CN" altLang="en-US" sz="1200" b="1" dirty="0">
+                <a:latin typeface="DengXian" panose="02010600030101010101" pitchFamily="2" charset="-122"/>
+                <a:ea typeface="DengXian" panose="02010600030101010101" pitchFamily="2" charset="-122"/>
+              </a:rPr>
+              <a:t> </a:t>
+            </a:r>
+            <a:r>
+              <a:rPr kumimoji="1" lang="en-US" altLang="zh-CN" sz="1200" b="1" dirty="0">
+                <a:latin typeface="DengXian" panose="02010600030101010101" pitchFamily="2" charset="-122"/>
+                <a:ea typeface="DengXian" panose="02010600030101010101" pitchFamily="2" charset="-122"/>
+              </a:rPr>
+              <a:t>as</a:t>
+            </a:r>
+            <a:r>
+              <a:rPr kumimoji="1" lang="zh-CN" altLang="en-US" sz="1200" b="1" dirty="0">
+                <a:latin typeface="DengXian" panose="02010600030101010101" pitchFamily="2" charset="-122"/>
+                <a:ea typeface="DengXian" panose="02010600030101010101" pitchFamily="2" charset="-122"/>
+              </a:rPr>
+              <a:t> </a:t>
+            </a:r>
+            <a:r>
+              <a:rPr kumimoji="1" lang="en-US" altLang="zh-CN" sz="1200" b="1" dirty="0">
+                <a:latin typeface="DengXian" panose="02010600030101010101" pitchFamily="2" charset="-122"/>
+                <a:ea typeface="DengXian" panose="02010600030101010101" pitchFamily="2" charset="-122"/>
+              </a:rPr>
+              <a:t>above</a:t>
+            </a:r>
+          </a:p>
+          <a:p>
+            <a:r>
+              <a:rPr kumimoji="1" lang="en-US" altLang="zh-CN" sz="1200" b="1" dirty="0">
+                <a:latin typeface="DengXian" panose="02010600030101010101" pitchFamily="2" charset="-122"/>
+                <a:ea typeface="DengXian" panose="02010600030101010101" pitchFamily="2" charset="-122"/>
+              </a:rPr>
+              <a:t>Font</a:t>
+            </a:r>
+            <a:r>
+              <a:rPr kumimoji="1" lang="zh-CN" altLang="en-US" sz="1200" b="1" dirty="0">
+                <a:latin typeface="DengXian" panose="02010600030101010101" pitchFamily="2" charset="-122"/>
+                <a:ea typeface="DengXian" panose="02010600030101010101" pitchFamily="2" charset="-122"/>
+              </a:rPr>
+              <a:t> </a:t>
+            </a:r>
+            <a:r>
+              <a:rPr kumimoji="1" lang="en-US" altLang="zh-CN" sz="1200" b="1" dirty="0">
+                <a:latin typeface="DengXian" panose="02010600030101010101" pitchFamily="2" charset="-122"/>
+                <a:ea typeface="DengXian" panose="02010600030101010101" pitchFamily="2" charset="-122"/>
+              </a:rPr>
+              <a:t>size:</a:t>
+            </a:r>
+            <a:r>
+              <a:rPr kumimoji="1" lang="zh-CN" altLang="en-US" sz="1200" b="1" dirty="0">
+                <a:latin typeface="DengXian" panose="02010600030101010101" pitchFamily="2" charset="-122"/>
+                <a:ea typeface="DengXian" panose="02010600030101010101" pitchFamily="2" charset="-122"/>
+              </a:rPr>
+              <a:t> </a:t>
+            </a:r>
+            <a:r>
+              <a:rPr kumimoji="1" lang="en-US" altLang="zh-CN" sz="1200" b="1" dirty="0">
+                <a:latin typeface="DengXian" panose="02010600030101010101" pitchFamily="2" charset="-122"/>
+                <a:ea typeface="DengXian" panose="02010600030101010101" pitchFamily="2" charset="-122"/>
+              </a:rPr>
+              <a:t>12</a:t>
+            </a:r>
+          </a:p>
+          <a:p>
+            <a:r>
+              <a:rPr kumimoji="1" lang="en-US" altLang="zh-CN" sz="1200" b="1" dirty="0">
+                <a:latin typeface="DengXian" panose="02010600030101010101" pitchFamily="2" charset="-122"/>
+                <a:ea typeface="DengXian" panose="02010600030101010101" pitchFamily="2" charset="-122"/>
+              </a:rPr>
+              <a:t>Border</a:t>
+            </a:r>
+            <a:r>
+              <a:rPr kumimoji="1" lang="zh-CN" altLang="en-US" sz="1200" b="1" dirty="0">
+                <a:latin typeface="DengXian" panose="02010600030101010101" pitchFamily="2" charset="-122"/>
+                <a:ea typeface="DengXian" panose="02010600030101010101" pitchFamily="2" charset="-122"/>
+              </a:rPr>
+              <a:t> </a:t>
+            </a:r>
+            <a:r>
+              <a:rPr kumimoji="1" lang="en-US" altLang="zh-CN" sz="1200" b="1" dirty="0">
+                <a:latin typeface="DengXian" panose="02010600030101010101" pitchFamily="2" charset="-122"/>
+                <a:ea typeface="DengXian" panose="02010600030101010101" pitchFamily="2" charset="-122"/>
+              </a:rPr>
+              <a:t>width:</a:t>
+            </a:r>
+            <a:r>
+              <a:rPr kumimoji="1" lang="zh-CN" altLang="en-US" sz="1200" b="1" dirty="0">
+                <a:latin typeface="DengXian" panose="02010600030101010101" pitchFamily="2" charset="-122"/>
+                <a:ea typeface="DengXian" panose="02010600030101010101" pitchFamily="2" charset="-122"/>
+              </a:rPr>
+              <a:t> </a:t>
+            </a:r>
+            <a:r>
+              <a:rPr kumimoji="1" lang="en-US" altLang="zh-CN" sz="1200" b="1" dirty="0">
+                <a:latin typeface="DengXian" panose="02010600030101010101" pitchFamily="2" charset="-122"/>
+                <a:ea typeface="DengXian" panose="02010600030101010101" pitchFamily="2" charset="-122"/>
+              </a:rPr>
+              <a:t>2pt</a:t>
+            </a:r>
+          </a:p>
+          <a:p>
+            <a:r>
+              <a:rPr kumimoji="1" lang="en-US" altLang="zh-CN" sz="1200" b="1" dirty="0">
+                <a:latin typeface="DengXian" panose="02010600030101010101" pitchFamily="2" charset="-122"/>
+                <a:ea typeface="DengXian" panose="02010600030101010101" pitchFamily="2" charset="-122"/>
+              </a:rPr>
+              <a:t>Result:</a:t>
+            </a:r>
+            <a:r>
+              <a:rPr kumimoji="1" lang="zh-CN" altLang="en-US" sz="1200" b="1" dirty="0">
+                <a:latin typeface="DengXian" panose="02010600030101010101" pitchFamily="2" charset="-122"/>
+                <a:ea typeface="DengXian" panose="02010600030101010101" pitchFamily="2" charset="-122"/>
+              </a:rPr>
+              <a:t> </a:t>
+            </a:r>
+            <a:r>
+              <a:rPr kumimoji="1" lang="en-US" altLang="zh-CN" sz="1200" b="1" dirty="0">
+                <a:latin typeface="DengXian" panose="02010600030101010101" pitchFamily="2" charset="-122"/>
+                <a:ea typeface="DengXian" panose="02010600030101010101" pitchFamily="2" charset="-122"/>
+              </a:rPr>
+              <a:t>red</a:t>
+            </a:r>
+            <a:r>
+              <a:rPr kumimoji="1" lang="zh-CN" altLang="en-US" sz="1200" b="1" dirty="0">
+                <a:latin typeface="DengXian" panose="02010600030101010101" pitchFamily="2" charset="-122"/>
+                <a:ea typeface="DengXian" panose="02010600030101010101" pitchFamily="2" charset="-122"/>
+              </a:rPr>
+              <a:t> </a:t>
+            </a:r>
+            <a:r>
+              <a:rPr kumimoji="1" lang="en-US" altLang="zh-CN" sz="1200" b="1" dirty="0">
+                <a:latin typeface="DengXian" panose="02010600030101010101" pitchFamily="2" charset="-122"/>
+                <a:ea typeface="DengXian" panose="02010600030101010101" pitchFamily="2" charset="-122"/>
+              </a:rPr>
+              <a:t>color</a:t>
+            </a:r>
+            <a:r>
+              <a:rPr kumimoji="1" lang="zh-CN" altLang="en-US" sz="1200" b="1" dirty="0">
+                <a:latin typeface="DengXian" panose="02010600030101010101" pitchFamily="2" charset="-122"/>
+                <a:ea typeface="DengXian" panose="02010600030101010101" pitchFamily="2" charset="-122"/>
+              </a:rPr>
+              <a:t> </a:t>
+            </a:r>
+            <a:r>
+              <a:rPr kumimoji="1" lang="en-US" altLang="zh-CN" sz="1200" b="1" dirty="0">
+                <a:latin typeface="DengXian" panose="02010600030101010101" pitchFamily="2" charset="-122"/>
+                <a:ea typeface="DengXian" panose="02010600030101010101" pitchFamily="2" charset="-122"/>
+              </a:rPr>
+              <a:t>and</a:t>
+            </a:r>
+            <a:r>
+              <a:rPr kumimoji="1" lang="zh-CN" altLang="en-US" sz="1200" b="1" dirty="0">
+                <a:latin typeface="DengXian" panose="02010600030101010101" pitchFamily="2" charset="-122"/>
+                <a:ea typeface="DengXian" panose="02010600030101010101" pitchFamily="2" charset="-122"/>
+              </a:rPr>
+              <a:t> </a:t>
+            </a:r>
+            <a:r>
+              <a:rPr kumimoji="1" lang="en-US" altLang="zh-CN" sz="1200" b="1" dirty="0">
+                <a:latin typeface="DengXian" panose="02010600030101010101" pitchFamily="2" charset="-122"/>
+                <a:ea typeface="DengXian" panose="02010600030101010101" pitchFamily="2" charset="-122"/>
+              </a:rPr>
+              <a:t>bold</a:t>
+            </a:r>
+          </a:p>
+          <a:p>
+            <a:r>
+              <a:rPr kumimoji="1" lang="en-US" altLang="zh-CN" sz="1200" b="1" dirty="0" err="1">
+                <a:latin typeface="DengXian" panose="02010600030101010101" pitchFamily="2" charset="-122"/>
+                <a:ea typeface="DengXian" panose="02010600030101010101" pitchFamily="2" charset="-122"/>
+              </a:rPr>
+              <a:t>Groupby</a:t>
+            </a:r>
+            <a:r>
+              <a:rPr kumimoji="1" lang="en-US" altLang="zh-CN" sz="1200" b="1" dirty="0">
+                <a:latin typeface="DengXian" panose="02010600030101010101" pitchFamily="2" charset="-122"/>
+                <a:ea typeface="DengXian" panose="02010600030101010101" pitchFamily="2" charset="-122"/>
+              </a:rPr>
+              <a:t>:</a:t>
+            </a:r>
+            <a:r>
+              <a:rPr kumimoji="1" lang="zh-CN" altLang="en-US" sz="1200" b="1" dirty="0">
+                <a:latin typeface="DengXian" panose="02010600030101010101" pitchFamily="2" charset="-122"/>
+                <a:ea typeface="DengXian" panose="02010600030101010101" pitchFamily="2" charset="-122"/>
+              </a:rPr>
+              <a:t> </a:t>
+            </a:r>
+            <a:r>
+              <a:rPr kumimoji="1" lang="en-US" altLang="zh-CN" sz="1200" b="1" dirty="0">
+                <a:latin typeface="DengXian" panose="02010600030101010101" pitchFamily="2" charset="-122"/>
+                <a:ea typeface="DengXian" panose="02010600030101010101" pitchFamily="2" charset="-122"/>
+              </a:rPr>
+              <a:t>red</a:t>
+            </a:r>
+            <a:r>
+              <a:rPr kumimoji="1" lang="zh-CN" altLang="en-US" sz="1200" b="1" dirty="0">
+                <a:latin typeface="DengXian" panose="02010600030101010101" pitchFamily="2" charset="-122"/>
+                <a:ea typeface="DengXian" panose="02010600030101010101" pitchFamily="2" charset="-122"/>
+              </a:rPr>
+              <a:t> </a:t>
+            </a:r>
+            <a:r>
+              <a:rPr kumimoji="1" lang="en-US" altLang="zh-CN" sz="1200" b="1" dirty="0">
+                <a:latin typeface="DengXian" panose="02010600030101010101" pitchFamily="2" charset="-122"/>
+                <a:ea typeface="DengXian" panose="02010600030101010101" pitchFamily="2" charset="-122"/>
+              </a:rPr>
+              <a:t>color</a:t>
+            </a:r>
+            <a:r>
+              <a:rPr kumimoji="1" lang="zh-CN" altLang="en-US" sz="1200" b="1" dirty="0">
+                <a:latin typeface="DengXian" panose="02010600030101010101" pitchFamily="2" charset="-122"/>
+                <a:ea typeface="DengXian" panose="02010600030101010101" pitchFamily="2" charset="-122"/>
+              </a:rPr>
+              <a:t> </a:t>
+            </a:r>
+            <a:r>
+              <a:rPr kumimoji="1" lang="en-US" altLang="zh-CN" sz="1200" b="1" dirty="0">
+                <a:latin typeface="DengXian" panose="02010600030101010101" pitchFamily="2" charset="-122"/>
+                <a:ea typeface="DengXian" panose="02010600030101010101" pitchFamily="2" charset="-122"/>
+              </a:rPr>
+              <a:t>and</a:t>
+            </a:r>
+            <a:r>
+              <a:rPr kumimoji="1" lang="zh-CN" altLang="en-US" sz="1200" b="1" dirty="0">
+                <a:latin typeface="DengXian" panose="02010600030101010101" pitchFamily="2" charset="-122"/>
+                <a:ea typeface="DengXian" panose="02010600030101010101" pitchFamily="2" charset="-122"/>
+              </a:rPr>
+              <a:t> </a:t>
+            </a:r>
+            <a:r>
+              <a:rPr kumimoji="1" lang="en-US" altLang="zh-CN" sz="1200" b="1" dirty="0">
+                <a:latin typeface="DengXian" panose="02010600030101010101" pitchFamily="2" charset="-122"/>
+                <a:ea typeface="DengXian" panose="02010600030101010101" pitchFamily="2" charset="-122"/>
+              </a:rPr>
+              <a:t>bold</a:t>
+            </a:r>
+          </a:p>
+        </p:txBody>
+      </p:sp>
+    </p:spTree>
+    <p:extLst>
+      <p:ext uri="{BB962C8B-B14F-4D97-AF65-F5344CB8AC3E}">
+        <p14:creationId xmlns:p14="http://schemas.microsoft.com/office/powerpoint/2010/main" val="3265552492"/>
+      </p:ext>
+    </p:extLst>
+  </p:cSld>
+  <p:clrMapOvr>
+    <a:masterClrMapping/>
+  </p:clrMapOvr>
+</p:sld>
+</file>
+
+<file path=ppt/slides/slide14.xml><?xml version="1.0" encoding="utf-8"?>
+<p:sld xmlns:a="http://schemas.openxmlformats.org/drawingml/2006/main" xmlns:r="http://schemas.openxmlformats.org/officeDocument/2006/relationships" xmlns:p="http://schemas.openxmlformats.org/presentationml/2006/main" show="0">
   <p:cSld>
     <p:spTree>
       <p:nvGrpSpPr>
@@ -6772,7 +11501,7 @@
                       <a:sysClr val="windowText" lastClr="000000"/>
                     </a:solidFill>
                   </a:rPr>
-                  <a:t>comp</a:t>
+                  <a:t>com</a:t>
                 </a:r>
                 <a:r>
                   <a:rPr kumimoji="1" lang="zh-CN" altLang="en-US" sz="1200" dirty="0">
@@ -6870,7 +11599,7 @@
                     <a:latin typeface="DengXian" panose="02010600030101010101" pitchFamily="2" charset="-122"/>
                     <a:ea typeface="DengXian" panose="02010600030101010101" pitchFamily="2" charset="-122"/>
                   </a:rPr>
-                  <a:t>comp</a:t>
+                  <a:t>com</a:t>
                 </a:r>
                 <a:r>
                   <a:rPr kumimoji="1" lang="en-US" altLang="zh-CN" sz="1200" dirty="0" err="1">
@@ -9299,4444 +14028,6 @@
     <p:extLst>
       <p:ext uri="{BB962C8B-B14F-4D97-AF65-F5344CB8AC3E}">
         <p14:creationId xmlns:p14="http://schemas.microsoft.com/office/powerpoint/2010/main" val="4026106273"/>
-      </p:ext>
-    </p:extLst>
-  </p:cSld>
-  <p:clrMapOvr>
-    <a:masterClrMapping/>
-  </p:clrMapOvr>
-</p:sld>
-</file>
-
-<file path=ppt/slides/slide12.xml><?xml version="1.0" encoding="utf-8"?>
-<p:sld xmlns:a="http://schemas.openxmlformats.org/drawingml/2006/main" xmlns:r="http://schemas.openxmlformats.org/officeDocument/2006/relationships" xmlns:p="http://schemas.openxmlformats.org/presentationml/2006/main">
-  <p:cSld>
-    <p:spTree>
-      <p:nvGrpSpPr>
-        <p:cNvPr id="1" name=""/>
-        <p:cNvGrpSpPr/>
-        <p:nvPr/>
-      </p:nvGrpSpPr>
-      <p:grpSpPr>
-        <a:xfrm>
-          <a:off x="0" y="0"/>
-          <a:ext cx="0" cy="0"/>
-          <a:chOff x="0" y="0"/>
-          <a:chExt cx="0" cy="0"/>
-        </a:xfrm>
-      </p:grpSpPr>
-      <p:grpSp>
-        <p:nvGrpSpPr>
-          <p:cNvPr id="8" name="Group 7">
-            <a:extLst>
-              <a:ext uri="{FF2B5EF4-FFF2-40B4-BE49-F238E27FC236}">
-                <a16:creationId xmlns:a16="http://schemas.microsoft.com/office/drawing/2014/main" id="{E5D0EE12-771B-AC04-FEF1-5464FA669646}"/>
-              </a:ext>
-            </a:extLst>
-          </p:cNvPr>
-          <p:cNvGrpSpPr/>
-          <p:nvPr/>
-        </p:nvGrpSpPr>
-        <p:grpSpPr>
-          <a:xfrm>
-            <a:off x="1921279" y="2447434"/>
-            <a:ext cx="8277721" cy="2943767"/>
-            <a:chOff x="1921279" y="2447434"/>
-            <a:chExt cx="8277721" cy="2943767"/>
-          </a:xfrm>
-        </p:grpSpPr>
-        <p:sp>
-          <p:nvSpPr>
-            <p:cNvPr id="10" name="矩形 9">
-              <a:extLst>
-                <a:ext uri="{FF2B5EF4-FFF2-40B4-BE49-F238E27FC236}">
-                  <a16:creationId xmlns:a16="http://schemas.microsoft.com/office/drawing/2014/main" id="{24810318-AAD3-7A42-B7F4-FF41B7479D10}"/>
-                </a:ext>
-              </a:extLst>
-            </p:cNvPr>
-            <p:cNvSpPr/>
-            <p:nvPr/>
-          </p:nvSpPr>
-          <p:spPr>
-            <a:xfrm>
-              <a:off x="1921279" y="3880994"/>
-              <a:ext cx="1428081" cy="505147"/>
-            </a:xfrm>
-            <a:prstGeom prst="rect">
-              <a:avLst/>
-            </a:prstGeom>
-            <a:solidFill>
-              <a:schemeClr val="accent6">
-                <a:lumMod val="60000"/>
-                <a:lumOff val="40000"/>
-              </a:schemeClr>
-            </a:solidFill>
-            <a:ln w="25400">
-              <a:solidFill>
-                <a:schemeClr val="tx1"/>
-              </a:solidFill>
-            </a:ln>
-          </p:spPr>
-          <p:style>
-            <a:lnRef idx="2">
-              <a:schemeClr val="accent2">
-                <a:shade val="50000"/>
-              </a:schemeClr>
-            </a:lnRef>
-            <a:fillRef idx="1">
-              <a:schemeClr val="accent2"/>
-            </a:fillRef>
-            <a:effectRef idx="0">
-              <a:schemeClr val="accent2"/>
-            </a:effectRef>
-            <a:fontRef idx="minor">
-              <a:schemeClr val="lt1"/>
-            </a:fontRef>
-          </p:style>
-          <p:txBody>
-            <a:bodyPr rtlCol="0" anchor="ctr"/>
-            <a:lstStyle/>
-            <a:p>
-              <a:pPr algn="ctr"/>
-              <a:r>
-                <a:rPr kumimoji="1" lang="en-US" altLang="zh-CN" sz="1200" b="1" dirty="0">
-                  <a:solidFill>
-                    <a:sysClr val="windowText" lastClr="000000"/>
-                  </a:solidFill>
-                </a:rPr>
-                <a:t>p1</a:t>
-              </a:r>
-              <a:r>
-                <a:rPr kumimoji="1" lang="zh-CN" altLang="en-US" sz="1200" dirty="0">
-                  <a:solidFill>
-                    <a:sysClr val="windowText" lastClr="000000"/>
-                  </a:solidFill>
-                </a:rPr>
-                <a:t> </a:t>
-              </a:r>
-              <a:r>
-                <a:rPr kumimoji="1" lang="en-US" altLang="zh-CN" sz="1200" dirty="0">
-                  <a:solidFill>
-                    <a:sysClr val="windowText" lastClr="000000"/>
-                  </a:solidFill>
-                </a:rPr>
-                <a:t>:</a:t>
-              </a:r>
-              <a:r>
-                <a:rPr kumimoji="1" lang="zh-CN" altLang="en-US" sz="1200" dirty="0">
-                  <a:solidFill>
-                    <a:sysClr val="windowText" lastClr="000000"/>
-                  </a:solidFill>
-                </a:rPr>
-                <a:t> </a:t>
-              </a:r>
-              <a:r>
-                <a:rPr kumimoji="1" lang="en-US" altLang="zh-CN" sz="1200" dirty="0">
-                  <a:solidFill>
-                    <a:sysClr val="windowText" lastClr="000000"/>
-                  </a:solidFill>
-                </a:rPr>
-                <a:t>Person</a:t>
-              </a:r>
-              <a:endParaRPr kumimoji="1" lang="zh-CN" altLang="en-US" sz="1200" dirty="0">
-                <a:solidFill>
-                  <a:sysClr val="windowText" lastClr="000000"/>
-                </a:solidFill>
-              </a:endParaRPr>
-            </a:p>
-          </p:txBody>
-        </p:sp>
-        <p:cxnSp>
-          <p:nvCxnSpPr>
-            <p:cNvPr id="12" name="直线箭头连接符 11" descr="jytjh">
-              <a:extLst>
-                <a:ext uri="{FF2B5EF4-FFF2-40B4-BE49-F238E27FC236}">
-                  <a16:creationId xmlns:a16="http://schemas.microsoft.com/office/drawing/2014/main" id="{09AE23C5-CAD8-4A44-901C-19EF9EEF4E07}"/>
-                </a:ext>
-              </a:extLst>
-            </p:cNvPr>
-            <p:cNvCxnSpPr>
-              <a:cxnSpLocks/>
-              <a:stCxn id="10" idx="3"/>
-              <a:endCxn id="15" idx="1"/>
-            </p:cNvCxnSpPr>
-            <p:nvPr/>
-          </p:nvCxnSpPr>
-          <p:spPr>
-            <a:xfrm>
-              <a:off x="3349360" y="4133568"/>
-              <a:ext cx="806890" cy="0"/>
-            </a:xfrm>
-            <a:prstGeom prst="straightConnector1">
-              <a:avLst/>
-            </a:prstGeom>
-            <a:ln w="19050">
-              <a:solidFill>
-                <a:schemeClr val="tx1"/>
-              </a:solidFill>
-              <a:headEnd type="none" w="lg" len="med"/>
-              <a:tailEnd type="arrow" w="sm" len="lg"/>
-            </a:ln>
-          </p:spPr>
-          <p:style>
-            <a:lnRef idx="1">
-              <a:schemeClr val="accent1"/>
-            </a:lnRef>
-            <a:fillRef idx="0">
-              <a:schemeClr val="accent1"/>
-            </a:fillRef>
-            <a:effectRef idx="0">
-              <a:schemeClr val="accent1"/>
-            </a:effectRef>
-            <a:fontRef idx="minor">
-              <a:schemeClr val="tx1"/>
-            </a:fontRef>
-          </p:style>
-        </p:cxnSp>
-        <p:sp>
-          <p:nvSpPr>
-            <p:cNvPr id="13" name="文本框 12">
-              <a:extLst>
-                <a:ext uri="{FF2B5EF4-FFF2-40B4-BE49-F238E27FC236}">
-                  <a16:creationId xmlns:a16="http://schemas.microsoft.com/office/drawing/2014/main" id="{C01EB9BA-4C30-0E4A-AB93-A7E9671D09E8}"/>
-                </a:ext>
-              </a:extLst>
-            </p:cNvPr>
-            <p:cNvSpPr txBox="1"/>
-            <p:nvPr/>
-          </p:nvSpPr>
-          <p:spPr>
-            <a:xfrm>
-              <a:off x="3494283" y="3834582"/>
-              <a:ext cx="588763" cy="276999"/>
-            </a:xfrm>
-            <a:prstGeom prst="rect">
-              <a:avLst/>
-            </a:prstGeom>
-            <a:noFill/>
-          </p:spPr>
-          <p:txBody>
-            <a:bodyPr wrap="square" rtlCol="0">
-              <a:spAutoFit/>
-            </a:bodyPr>
-            <a:lstStyle/>
-            <a:p>
-              <a:pPr algn="ctr"/>
-              <a:r>
-                <a:rPr kumimoji="1" lang="en-US" altLang="zh-CN" sz="1200" b="1" dirty="0">
-                  <a:latin typeface="DengXian" panose="02010600030101010101" pitchFamily="2" charset="-122"/>
-                  <a:ea typeface="DengXian" panose="02010600030101010101" pitchFamily="2" charset="-122"/>
-                </a:rPr>
-                <a:t>g1</a:t>
-              </a:r>
-              <a:endParaRPr kumimoji="1" lang="en-US" altLang="zh-CN" sz="1200" dirty="0">
-                <a:latin typeface="DengXian" panose="02010600030101010101" pitchFamily="2" charset="-122"/>
-                <a:ea typeface="DengXian" panose="02010600030101010101" pitchFamily="2" charset="-122"/>
-              </a:endParaRPr>
-            </a:p>
-          </p:txBody>
-        </p:sp>
-        <p:sp>
-          <p:nvSpPr>
-            <p:cNvPr id="14" name="矩形 13">
-              <a:extLst>
-                <a:ext uri="{FF2B5EF4-FFF2-40B4-BE49-F238E27FC236}">
-                  <a16:creationId xmlns:a16="http://schemas.microsoft.com/office/drawing/2014/main" id="{18A32DE8-A3AC-9641-899A-065137B8C144}"/>
-                </a:ext>
-              </a:extLst>
-            </p:cNvPr>
-            <p:cNvSpPr/>
-            <p:nvPr/>
-          </p:nvSpPr>
-          <p:spPr>
-            <a:xfrm>
-              <a:off x="3891577" y="2447434"/>
-              <a:ext cx="6307423" cy="1180978"/>
-            </a:xfrm>
-            <a:prstGeom prst="rect">
-              <a:avLst/>
-            </a:prstGeom>
-            <a:noFill/>
-            <a:ln w="25400">
-              <a:solidFill>
-                <a:schemeClr val="tx1"/>
-              </a:solidFill>
-              <a:prstDash val="dash"/>
-            </a:ln>
-          </p:spPr>
-          <p:style>
-            <a:lnRef idx="2">
-              <a:schemeClr val="accent2">
-                <a:shade val="50000"/>
-              </a:schemeClr>
-            </a:lnRef>
-            <a:fillRef idx="1">
-              <a:schemeClr val="accent2"/>
-            </a:fillRef>
-            <a:effectRef idx="0">
-              <a:schemeClr val="accent2"/>
-            </a:effectRef>
-            <a:fontRef idx="minor">
-              <a:schemeClr val="lt1"/>
-            </a:fontRef>
-          </p:style>
-          <p:txBody>
-            <a:bodyPr rtlCol="0" anchor="t"/>
-            <a:lstStyle/>
-            <a:p>
-              <a:r>
-                <a:rPr kumimoji="1" lang="en-US" altLang="zh-CN" sz="1200" b="1" dirty="0">
-                  <a:solidFill>
-                    <a:srgbClr val="FF0000"/>
-                  </a:solidFill>
-                  <a:latin typeface="DengXian" panose="02010600030101010101" pitchFamily="2" charset="-122"/>
-                  <a:ea typeface="DengXian" panose="02010600030101010101" pitchFamily="2" charset="-122"/>
-                </a:rPr>
-                <a:t>RESULT</a:t>
-              </a:r>
-              <a:r>
-                <a:rPr kumimoji="1" lang="zh-CN" altLang="en-US" sz="1200" b="1" dirty="0">
-                  <a:solidFill>
-                    <a:srgbClr val="FF0000"/>
-                  </a:solidFill>
-                  <a:latin typeface="DengXian" panose="02010600030101010101" pitchFamily="2" charset="-122"/>
-                  <a:ea typeface="DengXian" panose="02010600030101010101" pitchFamily="2" charset="-122"/>
-                </a:rPr>
-                <a:t> </a:t>
-              </a:r>
-              <a:r>
-                <a:rPr kumimoji="1" lang="en-US" altLang="zh-CN" sz="1200" dirty="0">
-                  <a:solidFill>
-                    <a:sysClr val="windowText" lastClr="000000"/>
-                  </a:solidFill>
-                  <a:latin typeface="DengXian" panose="02010600030101010101" pitchFamily="2" charset="-122"/>
-                  <a:ea typeface="DengXian" panose="02010600030101010101" pitchFamily="2" charset="-122"/>
-                </a:rPr>
-                <a:t>SUM(</a:t>
-              </a:r>
-              <a:r>
-                <a:rPr kumimoji="1" lang="en-US" altLang="zh-CN" sz="1200" dirty="0" err="1">
-                  <a:solidFill>
-                    <a:sysClr val="windowText" lastClr="000000"/>
-                  </a:solidFill>
-                  <a:latin typeface="DengXian" panose="02010600030101010101" pitchFamily="2" charset="-122"/>
-                  <a:ea typeface="DengXian" panose="02010600030101010101" pitchFamily="2" charset="-122"/>
-                </a:rPr>
-                <a:t>loan.loanAmount</a:t>
-              </a:r>
-              <a:r>
-                <a:rPr kumimoji="1" lang="en-US" altLang="zh-CN" sz="1200" dirty="0">
-                  <a:solidFill>
-                    <a:sysClr val="windowText" lastClr="000000"/>
-                  </a:solidFill>
-                  <a:latin typeface="DengXian" panose="02010600030101010101" pitchFamily="2" charset="-122"/>
-                  <a:ea typeface="DengXian" panose="02010600030101010101" pitchFamily="2" charset="-122"/>
-                </a:rPr>
-                <a:t>),</a:t>
-              </a:r>
-              <a:r>
-                <a:rPr kumimoji="1" lang="zh-CN" altLang="en-US" sz="1200" dirty="0">
-                  <a:solidFill>
-                    <a:sysClr val="windowText" lastClr="000000"/>
-                  </a:solidFill>
-                  <a:latin typeface="DengXian" panose="02010600030101010101" pitchFamily="2" charset="-122"/>
-                  <a:ea typeface="DengXian" panose="02010600030101010101" pitchFamily="2" charset="-122"/>
-                </a:rPr>
-                <a:t> </a:t>
-              </a:r>
-              <a:r>
-                <a:rPr kumimoji="1" lang="en-US" altLang="zh-CN" sz="1200" dirty="0">
-                  <a:solidFill>
-                    <a:sysClr val="windowText" lastClr="000000"/>
-                  </a:solidFill>
-                  <a:latin typeface="DengXian" panose="02010600030101010101" pitchFamily="2" charset="-122"/>
-                  <a:ea typeface="DengXian" panose="02010600030101010101" pitchFamily="2" charset="-122"/>
-                </a:rPr>
-                <a:t>COUNT(loan)</a:t>
-              </a:r>
-            </a:p>
-          </p:txBody>
-        </p:sp>
-        <p:sp>
-          <p:nvSpPr>
-            <p:cNvPr id="15" name="矩形 14">
-              <a:extLst>
-                <a:ext uri="{FF2B5EF4-FFF2-40B4-BE49-F238E27FC236}">
-                  <a16:creationId xmlns:a16="http://schemas.microsoft.com/office/drawing/2014/main" id="{B993AA98-A2DF-AD40-AB46-03247B30E235}"/>
-                </a:ext>
-              </a:extLst>
-            </p:cNvPr>
-            <p:cNvSpPr/>
-            <p:nvPr/>
-          </p:nvSpPr>
-          <p:spPr>
-            <a:xfrm>
-              <a:off x="4156250" y="3880994"/>
-              <a:ext cx="1428080" cy="505147"/>
-            </a:xfrm>
-            <a:prstGeom prst="rect">
-              <a:avLst/>
-            </a:prstGeom>
-            <a:solidFill>
-              <a:schemeClr val="accent6">
-                <a:lumMod val="60000"/>
-                <a:lumOff val="40000"/>
-              </a:schemeClr>
-            </a:solidFill>
-            <a:ln w="25400">
-              <a:solidFill>
-                <a:schemeClr val="tx1"/>
-              </a:solidFill>
-            </a:ln>
-          </p:spPr>
-          <p:style>
-            <a:lnRef idx="2">
-              <a:schemeClr val="accent2">
-                <a:shade val="50000"/>
-              </a:schemeClr>
-            </a:lnRef>
-            <a:fillRef idx="1">
-              <a:schemeClr val="accent2"/>
-            </a:fillRef>
-            <a:effectRef idx="0">
-              <a:schemeClr val="accent2"/>
-            </a:effectRef>
-            <a:fontRef idx="minor">
-              <a:schemeClr val="lt1"/>
-            </a:fontRef>
-          </p:style>
-          <p:txBody>
-            <a:bodyPr rtlCol="0" anchor="ctr"/>
-            <a:lstStyle/>
-            <a:p>
-              <a:pPr algn="ctr"/>
-              <a:r>
-                <a:rPr kumimoji="1" lang="en-US" altLang="zh-CN" sz="1200" b="1" dirty="0">
-                  <a:solidFill>
-                    <a:sysClr val="windowText" lastClr="000000"/>
-                  </a:solidFill>
-                </a:rPr>
-                <a:t>p2</a:t>
-              </a:r>
-              <a:r>
-                <a:rPr kumimoji="1" lang="zh-CN" altLang="en-US" sz="1200" dirty="0">
-                  <a:solidFill>
-                    <a:sysClr val="windowText" lastClr="000000"/>
-                  </a:solidFill>
-                </a:rPr>
-                <a:t> </a:t>
-              </a:r>
-              <a:r>
-                <a:rPr kumimoji="1" lang="en-US" altLang="zh-CN" sz="1200" dirty="0">
-                  <a:solidFill>
-                    <a:sysClr val="windowText" lastClr="000000"/>
-                  </a:solidFill>
-                </a:rPr>
-                <a:t>:</a:t>
-              </a:r>
-              <a:r>
-                <a:rPr kumimoji="1" lang="zh-CN" altLang="en-US" sz="1200" dirty="0">
-                  <a:solidFill>
-                    <a:sysClr val="windowText" lastClr="000000"/>
-                  </a:solidFill>
-                </a:rPr>
-                <a:t> </a:t>
-              </a:r>
-              <a:r>
-                <a:rPr kumimoji="1" lang="en-US" altLang="zh-CN" sz="1200" dirty="0">
-                  <a:solidFill>
-                    <a:sysClr val="windowText" lastClr="000000"/>
-                  </a:solidFill>
-                </a:rPr>
-                <a:t>Person</a:t>
-              </a:r>
-              <a:endParaRPr kumimoji="1" lang="zh-CN" altLang="en-US" sz="1200" dirty="0">
-                <a:solidFill>
-                  <a:sysClr val="windowText" lastClr="000000"/>
-                </a:solidFill>
-              </a:endParaRPr>
-            </a:p>
-          </p:txBody>
-        </p:sp>
-        <p:sp>
-          <p:nvSpPr>
-            <p:cNvPr id="22" name="矩形 14">
-              <a:extLst>
-                <a:ext uri="{FF2B5EF4-FFF2-40B4-BE49-F238E27FC236}">
-                  <a16:creationId xmlns:a16="http://schemas.microsoft.com/office/drawing/2014/main" id="{B4D44B7E-DD2A-A34F-81CE-04004B0576D3}"/>
-                </a:ext>
-              </a:extLst>
-            </p:cNvPr>
-            <p:cNvSpPr/>
-            <p:nvPr/>
-          </p:nvSpPr>
-          <p:spPr>
-            <a:xfrm>
-              <a:off x="6444776" y="3880994"/>
-              <a:ext cx="1167443" cy="505147"/>
-            </a:xfrm>
-            <a:prstGeom prst="rect">
-              <a:avLst/>
-            </a:prstGeom>
-            <a:noFill/>
-            <a:ln w="25400">
-              <a:noFill/>
-            </a:ln>
-          </p:spPr>
-          <p:style>
-            <a:lnRef idx="2">
-              <a:schemeClr val="accent2">
-                <a:shade val="50000"/>
-              </a:schemeClr>
-            </a:lnRef>
-            <a:fillRef idx="1">
-              <a:schemeClr val="accent2"/>
-            </a:fillRef>
-            <a:effectRef idx="0">
-              <a:schemeClr val="accent2"/>
-            </a:effectRef>
-            <a:fontRef idx="minor">
-              <a:schemeClr val="lt1"/>
-            </a:fontRef>
-          </p:style>
-          <p:txBody>
-            <a:bodyPr rtlCol="0" anchor="ctr"/>
-            <a:lstStyle/>
-            <a:p>
-              <a:pPr algn="ctr"/>
-              <a:r>
-                <a:rPr kumimoji="1" lang="en-US" altLang="zh-CN" sz="1600" b="1" dirty="0">
-                  <a:solidFill>
-                    <a:sysClr val="windowText" lastClr="000000"/>
-                  </a:solidFill>
-                </a:rPr>
-                <a:t>…</a:t>
-              </a:r>
-              <a:endParaRPr kumimoji="1" lang="zh-CN" altLang="en-US" sz="1600" dirty="0">
-                <a:solidFill>
-                  <a:sysClr val="windowText" lastClr="000000"/>
-                </a:solidFill>
-              </a:endParaRPr>
-            </a:p>
-          </p:txBody>
-        </p:sp>
-        <p:sp>
-          <p:nvSpPr>
-            <p:cNvPr id="23" name="矩形 14">
-              <a:extLst>
-                <a:ext uri="{FF2B5EF4-FFF2-40B4-BE49-F238E27FC236}">
-                  <a16:creationId xmlns:a16="http://schemas.microsoft.com/office/drawing/2014/main" id="{23FD757D-7CB4-7A4D-9DCE-2530B0D58DFA}"/>
-                </a:ext>
-              </a:extLst>
-            </p:cNvPr>
-            <p:cNvSpPr/>
-            <p:nvPr/>
-          </p:nvSpPr>
-          <p:spPr>
-            <a:xfrm>
-              <a:off x="8482750" y="3880994"/>
-              <a:ext cx="1428080" cy="505147"/>
-            </a:xfrm>
-            <a:prstGeom prst="rect">
-              <a:avLst/>
-            </a:prstGeom>
-            <a:solidFill>
-              <a:schemeClr val="accent6">
-                <a:lumMod val="60000"/>
-                <a:lumOff val="40000"/>
-              </a:schemeClr>
-            </a:solidFill>
-            <a:ln w="25400">
-              <a:solidFill>
-                <a:schemeClr val="tx1"/>
-              </a:solidFill>
-            </a:ln>
-          </p:spPr>
-          <p:style>
-            <a:lnRef idx="2">
-              <a:schemeClr val="accent2">
-                <a:shade val="50000"/>
-              </a:schemeClr>
-            </a:lnRef>
-            <a:fillRef idx="1">
-              <a:schemeClr val="accent2"/>
-            </a:fillRef>
-            <a:effectRef idx="0">
-              <a:schemeClr val="accent2"/>
-            </a:effectRef>
-            <a:fontRef idx="minor">
-              <a:schemeClr val="lt1"/>
-            </a:fontRef>
-          </p:style>
-          <p:txBody>
-            <a:bodyPr rtlCol="0" anchor="ctr"/>
-            <a:lstStyle/>
-            <a:p>
-              <a:pPr algn="ctr"/>
-              <a:r>
-                <a:rPr kumimoji="1" lang="en-US" altLang="zh-CN" sz="1200" b="1" dirty="0" err="1">
-                  <a:solidFill>
-                    <a:sysClr val="windowText" lastClr="000000"/>
-                  </a:solidFill>
-                </a:rPr>
-                <a:t>pN</a:t>
-              </a:r>
-              <a:r>
-                <a:rPr kumimoji="1" lang="zh-CN" altLang="en-US" sz="1200" dirty="0">
-                  <a:solidFill>
-                    <a:sysClr val="windowText" lastClr="000000"/>
-                  </a:solidFill>
-                </a:rPr>
-                <a:t> </a:t>
-              </a:r>
-              <a:r>
-                <a:rPr kumimoji="1" lang="en-US" altLang="zh-CN" sz="1200" dirty="0">
-                  <a:solidFill>
-                    <a:sysClr val="windowText" lastClr="000000"/>
-                  </a:solidFill>
-                </a:rPr>
-                <a:t>:</a:t>
-              </a:r>
-              <a:r>
-                <a:rPr kumimoji="1" lang="zh-CN" altLang="en-US" sz="1200" dirty="0">
-                  <a:solidFill>
-                    <a:sysClr val="windowText" lastClr="000000"/>
-                  </a:solidFill>
-                </a:rPr>
-                <a:t> </a:t>
-              </a:r>
-              <a:r>
-                <a:rPr kumimoji="1" lang="en-US" altLang="zh-CN" sz="1200" dirty="0">
-                  <a:solidFill>
-                    <a:sysClr val="windowText" lastClr="000000"/>
-                  </a:solidFill>
-                </a:rPr>
-                <a:t>Person</a:t>
-              </a:r>
-              <a:endParaRPr kumimoji="1" lang="zh-CN" altLang="en-US" sz="1200" dirty="0">
-                <a:solidFill>
-                  <a:sysClr val="windowText" lastClr="000000"/>
-                </a:solidFill>
-              </a:endParaRPr>
-            </a:p>
-          </p:txBody>
-        </p:sp>
-        <p:cxnSp>
-          <p:nvCxnSpPr>
-            <p:cNvPr id="32" name="直线箭头连接符 11" descr="jytjh">
-              <a:extLst>
-                <a:ext uri="{FF2B5EF4-FFF2-40B4-BE49-F238E27FC236}">
-                  <a16:creationId xmlns:a16="http://schemas.microsoft.com/office/drawing/2014/main" id="{DF2BA1D7-9215-AA48-9C66-B2A7F2914A08}"/>
-                </a:ext>
-              </a:extLst>
-            </p:cNvPr>
-            <p:cNvCxnSpPr>
-              <a:cxnSpLocks/>
-              <a:stCxn id="15" idx="3"/>
-              <a:endCxn id="22" idx="1"/>
-            </p:cNvCxnSpPr>
-            <p:nvPr/>
-          </p:nvCxnSpPr>
-          <p:spPr>
-            <a:xfrm>
-              <a:off x="5584330" y="4133568"/>
-              <a:ext cx="860446" cy="0"/>
-            </a:xfrm>
-            <a:prstGeom prst="straightConnector1">
-              <a:avLst/>
-            </a:prstGeom>
-            <a:ln w="19050">
-              <a:solidFill>
-                <a:schemeClr val="tx1"/>
-              </a:solidFill>
-              <a:headEnd type="none" w="lg" len="med"/>
-              <a:tailEnd type="arrow" w="sm" len="lg"/>
-            </a:ln>
-          </p:spPr>
-          <p:style>
-            <a:lnRef idx="1">
-              <a:schemeClr val="accent1"/>
-            </a:lnRef>
-            <a:fillRef idx="0">
-              <a:schemeClr val="accent1"/>
-            </a:fillRef>
-            <a:effectRef idx="0">
-              <a:schemeClr val="accent1"/>
-            </a:effectRef>
-            <a:fontRef idx="minor">
-              <a:schemeClr val="tx1"/>
-            </a:fontRef>
-          </p:style>
-        </p:cxnSp>
-        <p:cxnSp>
-          <p:nvCxnSpPr>
-            <p:cNvPr id="33" name="直线箭头连接符 11" descr="jytjh">
-              <a:extLst>
-                <a:ext uri="{FF2B5EF4-FFF2-40B4-BE49-F238E27FC236}">
-                  <a16:creationId xmlns:a16="http://schemas.microsoft.com/office/drawing/2014/main" id="{8C933059-7D1C-3D41-80A2-9FF0133B6DEC}"/>
-                </a:ext>
-              </a:extLst>
-            </p:cNvPr>
-            <p:cNvCxnSpPr>
-              <a:cxnSpLocks/>
-              <a:stCxn id="22" idx="3"/>
-              <a:endCxn id="23" idx="1"/>
-            </p:cNvCxnSpPr>
-            <p:nvPr/>
-          </p:nvCxnSpPr>
-          <p:spPr>
-            <a:xfrm>
-              <a:off x="7612219" y="4133568"/>
-              <a:ext cx="870531" cy="0"/>
-            </a:xfrm>
-            <a:prstGeom prst="straightConnector1">
-              <a:avLst/>
-            </a:prstGeom>
-            <a:ln w="19050">
-              <a:solidFill>
-                <a:schemeClr val="tx1"/>
-              </a:solidFill>
-              <a:headEnd type="none" w="lg" len="med"/>
-              <a:tailEnd type="arrow" w="sm" len="lg"/>
-            </a:ln>
-          </p:spPr>
-          <p:style>
-            <a:lnRef idx="1">
-              <a:schemeClr val="accent1"/>
-            </a:lnRef>
-            <a:fillRef idx="0">
-              <a:schemeClr val="accent1"/>
-            </a:fillRef>
-            <a:effectRef idx="0">
-              <a:schemeClr val="accent1"/>
-            </a:effectRef>
-            <a:fontRef idx="minor">
-              <a:schemeClr val="tx1"/>
-            </a:fontRef>
-          </p:style>
-        </p:cxnSp>
-        <p:sp>
-          <p:nvSpPr>
-            <p:cNvPr id="34" name="文本框 12">
-              <a:extLst>
-                <a:ext uri="{FF2B5EF4-FFF2-40B4-BE49-F238E27FC236}">
-                  <a16:creationId xmlns:a16="http://schemas.microsoft.com/office/drawing/2014/main" id="{C2420F93-449A-2349-87D5-7430F668183B}"/>
-                </a:ext>
-              </a:extLst>
-            </p:cNvPr>
-            <p:cNvSpPr txBox="1"/>
-            <p:nvPr/>
-          </p:nvSpPr>
-          <p:spPr>
-            <a:xfrm>
-              <a:off x="3313734" y="4133567"/>
-              <a:ext cx="892542" cy="276999"/>
-            </a:xfrm>
-            <a:prstGeom prst="rect">
-              <a:avLst/>
-            </a:prstGeom>
-            <a:noFill/>
-          </p:spPr>
-          <p:txBody>
-            <a:bodyPr wrap="square" rtlCol="0">
-              <a:spAutoFit/>
-            </a:bodyPr>
-            <a:lstStyle/>
-            <a:p>
-              <a:pPr algn="ctr"/>
-              <a:r>
-                <a:rPr kumimoji="1" lang="en-US" altLang="zh-CN" sz="1200" dirty="0">
-                  <a:latin typeface="DengXian" panose="02010600030101010101" pitchFamily="2" charset="-122"/>
-                  <a:ea typeface="DengXian" panose="02010600030101010101" pitchFamily="2" charset="-122"/>
-                </a:rPr>
-                <a:t>guarantee</a:t>
-              </a:r>
-            </a:p>
-          </p:txBody>
-        </p:sp>
-        <p:sp>
-          <p:nvSpPr>
-            <p:cNvPr id="2" name="矩形 14">
-              <a:extLst>
-                <a:ext uri="{FF2B5EF4-FFF2-40B4-BE49-F238E27FC236}">
-                  <a16:creationId xmlns:a16="http://schemas.microsoft.com/office/drawing/2014/main" id="{712C0F85-C4A9-BAC3-EEC1-EA8B8C473672}"/>
-                </a:ext>
-              </a:extLst>
-            </p:cNvPr>
-            <p:cNvSpPr/>
-            <p:nvPr/>
-          </p:nvSpPr>
-          <p:spPr>
-            <a:xfrm>
-              <a:off x="4156249" y="2818373"/>
-              <a:ext cx="1428079" cy="505147"/>
-            </a:xfrm>
-            <a:prstGeom prst="rect">
-              <a:avLst/>
-            </a:prstGeom>
-            <a:solidFill>
-              <a:schemeClr val="accent2">
-                <a:lumMod val="60000"/>
-                <a:lumOff val="40000"/>
-              </a:schemeClr>
-            </a:solidFill>
-            <a:ln w="25400">
-              <a:solidFill>
-                <a:schemeClr val="tx1"/>
-              </a:solidFill>
-            </a:ln>
-          </p:spPr>
-          <p:style>
-            <a:lnRef idx="2">
-              <a:schemeClr val="accent2">
-                <a:shade val="50000"/>
-              </a:schemeClr>
-            </a:lnRef>
-            <a:fillRef idx="1">
-              <a:schemeClr val="accent2"/>
-            </a:fillRef>
-            <a:effectRef idx="0">
-              <a:schemeClr val="accent2"/>
-            </a:effectRef>
-            <a:fontRef idx="minor">
-              <a:schemeClr val="lt1"/>
-            </a:fontRef>
-          </p:style>
-          <p:txBody>
-            <a:bodyPr rtlCol="0" anchor="ctr"/>
-            <a:lstStyle/>
-            <a:p>
-              <a:pPr algn="ctr"/>
-              <a:r>
-                <a:rPr kumimoji="1" lang="en-US" altLang="zh-CN" sz="1200" dirty="0">
-                  <a:solidFill>
-                    <a:sysClr val="windowText" lastClr="000000"/>
-                  </a:solidFill>
-                </a:rPr>
-                <a:t>loan</a:t>
-              </a:r>
-              <a:r>
-                <a:rPr kumimoji="1" lang="zh-CN" altLang="en-US" sz="1200" dirty="0">
-                  <a:solidFill>
-                    <a:sysClr val="windowText" lastClr="000000"/>
-                  </a:solidFill>
-                </a:rPr>
-                <a:t> </a:t>
-              </a:r>
-              <a:r>
-                <a:rPr kumimoji="1" lang="en-US" altLang="zh-CN" sz="1200" dirty="0">
-                  <a:solidFill>
-                    <a:sysClr val="windowText" lastClr="000000"/>
-                  </a:solidFill>
-                </a:rPr>
-                <a:t>:</a:t>
-              </a:r>
-              <a:r>
-                <a:rPr kumimoji="1" lang="zh-CN" altLang="en-US" sz="1200" dirty="0">
-                  <a:solidFill>
-                    <a:sysClr val="windowText" lastClr="000000"/>
-                  </a:solidFill>
-                </a:rPr>
-                <a:t> </a:t>
-              </a:r>
-              <a:r>
-                <a:rPr kumimoji="1" lang="en-US" altLang="zh-CN" sz="1200" dirty="0">
-                  <a:solidFill>
-                    <a:sysClr val="windowText" lastClr="000000"/>
-                  </a:solidFill>
-                </a:rPr>
-                <a:t>Loan</a:t>
-              </a:r>
-              <a:endParaRPr kumimoji="1" lang="zh-CN" altLang="en-US" sz="1200" dirty="0">
-                <a:solidFill>
-                  <a:sysClr val="windowText" lastClr="000000"/>
-                </a:solidFill>
-              </a:endParaRPr>
-            </a:p>
-          </p:txBody>
-        </p:sp>
-        <p:sp>
-          <p:nvSpPr>
-            <p:cNvPr id="3" name="文本框 12">
-              <a:extLst>
-                <a:ext uri="{FF2B5EF4-FFF2-40B4-BE49-F238E27FC236}">
-                  <a16:creationId xmlns:a16="http://schemas.microsoft.com/office/drawing/2014/main" id="{0822BFEE-7425-AC8B-7EA5-F26E0AD07B7F}"/>
-                </a:ext>
-              </a:extLst>
-            </p:cNvPr>
-            <p:cNvSpPr txBox="1"/>
-            <p:nvPr/>
-          </p:nvSpPr>
-          <p:spPr>
-            <a:xfrm>
-              <a:off x="5657533" y="3834581"/>
-              <a:ext cx="588763" cy="276999"/>
-            </a:xfrm>
-            <a:prstGeom prst="rect">
-              <a:avLst/>
-            </a:prstGeom>
-            <a:noFill/>
-          </p:spPr>
-          <p:txBody>
-            <a:bodyPr wrap="square" rtlCol="0">
-              <a:spAutoFit/>
-            </a:bodyPr>
-            <a:lstStyle/>
-            <a:p>
-              <a:pPr algn="ctr"/>
-              <a:r>
-                <a:rPr kumimoji="1" lang="en-US" altLang="zh-CN" sz="1200" b="1" dirty="0">
-                  <a:latin typeface="DengXian" panose="02010600030101010101" pitchFamily="2" charset="-122"/>
-                  <a:ea typeface="DengXian" panose="02010600030101010101" pitchFamily="2" charset="-122"/>
-                </a:rPr>
-                <a:t>g2</a:t>
-              </a:r>
-              <a:endParaRPr kumimoji="1" lang="en-US" altLang="zh-CN" sz="1200" dirty="0">
-                <a:latin typeface="DengXian" panose="02010600030101010101" pitchFamily="2" charset="-122"/>
-                <a:ea typeface="DengXian" panose="02010600030101010101" pitchFamily="2" charset="-122"/>
-              </a:endParaRPr>
-            </a:p>
-          </p:txBody>
-        </p:sp>
-        <p:sp>
-          <p:nvSpPr>
-            <p:cNvPr id="4" name="文本框 12">
-              <a:extLst>
-                <a:ext uri="{FF2B5EF4-FFF2-40B4-BE49-F238E27FC236}">
-                  <a16:creationId xmlns:a16="http://schemas.microsoft.com/office/drawing/2014/main" id="{502A684E-78A1-4055-837C-6EE8465FB531}"/>
-                </a:ext>
-              </a:extLst>
-            </p:cNvPr>
-            <p:cNvSpPr txBox="1"/>
-            <p:nvPr/>
-          </p:nvSpPr>
-          <p:spPr>
-            <a:xfrm>
-              <a:off x="7820783" y="3834580"/>
-              <a:ext cx="588763" cy="276999"/>
-            </a:xfrm>
-            <a:prstGeom prst="rect">
-              <a:avLst/>
-            </a:prstGeom>
-            <a:noFill/>
-          </p:spPr>
-          <p:txBody>
-            <a:bodyPr wrap="square" rtlCol="0">
-              <a:spAutoFit/>
-            </a:bodyPr>
-            <a:lstStyle/>
-            <a:p>
-              <a:pPr algn="ctr"/>
-              <a:r>
-                <a:rPr kumimoji="1" lang="en-US" altLang="zh-CN" sz="1200" b="1" dirty="0" err="1">
-                  <a:latin typeface="DengXian" panose="02010600030101010101" pitchFamily="2" charset="-122"/>
-                  <a:ea typeface="DengXian" panose="02010600030101010101" pitchFamily="2" charset="-122"/>
-                </a:rPr>
-                <a:t>gN</a:t>
-              </a:r>
-              <a:endParaRPr kumimoji="1" lang="en-US" altLang="zh-CN" sz="1200" dirty="0">
-                <a:latin typeface="DengXian" panose="02010600030101010101" pitchFamily="2" charset="-122"/>
-                <a:ea typeface="DengXian" panose="02010600030101010101" pitchFamily="2" charset="-122"/>
-              </a:endParaRPr>
-            </a:p>
-          </p:txBody>
-        </p:sp>
-        <p:cxnSp>
-          <p:nvCxnSpPr>
-            <p:cNvPr id="5" name="直线箭头连接符 11" descr="jytjh">
-              <a:extLst>
-                <a:ext uri="{FF2B5EF4-FFF2-40B4-BE49-F238E27FC236}">
-                  <a16:creationId xmlns:a16="http://schemas.microsoft.com/office/drawing/2014/main" id="{FCF26BA2-5418-31AF-71DE-93A735228BE7}"/>
-                </a:ext>
-              </a:extLst>
-            </p:cNvPr>
-            <p:cNvCxnSpPr>
-              <a:cxnSpLocks/>
-              <a:stCxn id="15" idx="0"/>
-              <a:endCxn id="2" idx="2"/>
-            </p:cNvCxnSpPr>
-            <p:nvPr/>
-          </p:nvCxnSpPr>
-          <p:spPr>
-            <a:xfrm flipH="1" flipV="1">
-              <a:off x="4870289" y="3323520"/>
-              <a:ext cx="1" cy="557474"/>
-            </a:xfrm>
-            <a:prstGeom prst="straightConnector1">
-              <a:avLst/>
-            </a:prstGeom>
-            <a:ln w="19050">
-              <a:solidFill>
-                <a:schemeClr val="tx1"/>
-              </a:solidFill>
-              <a:headEnd type="none" w="lg" len="med"/>
-              <a:tailEnd type="arrow" w="sm" len="lg"/>
-            </a:ln>
-          </p:spPr>
-          <p:style>
-            <a:lnRef idx="1">
-              <a:schemeClr val="accent1"/>
-            </a:lnRef>
-            <a:fillRef idx="0">
-              <a:schemeClr val="accent1"/>
-            </a:fillRef>
-            <a:effectRef idx="0">
-              <a:schemeClr val="accent1"/>
-            </a:effectRef>
-            <a:fontRef idx="minor">
-              <a:schemeClr val="tx1"/>
-            </a:fontRef>
-          </p:style>
-        </p:cxnSp>
-        <p:sp>
-          <p:nvSpPr>
-            <p:cNvPr id="11" name="矩形 14">
-              <a:extLst>
-                <a:ext uri="{FF2B5EF4-FFF2-40B4-BE49-F238E27FC236}">
-                  <a16:creationId xmlns:a16="http://schemas.microsoft.com/office/drawing/2014/main" id="{9486BCFC-1DFA-4486-6745-E2F8D1F28C2C}"/>
-                </a:ext>
-              </a:extLst>
-            </p:cNvPr>
-            <p:cNvSpPr/>
-            <p:nvPr/>
-          </p:nvSpPr>
-          <p:spPr>
-            <a:xfrm>
-              <a:off x="8482751" y="2818373"/>
-              <a:ext cx="1428079" cy="505147"/>
-            </a:xfrm>
-            <a:prstGeom prst="rect">
-              <a:avLst/>
-            </a:prstGeom>
-            <a:solidFill>
-              <a:schemeClr val="accent2">
-                <a:lumMod val="60000"/>
-                <a:lumOff val="40000"/>
-              </a:schemeClr>
-            </a:solidFill>
-            <a:ln w="25400">
-              <a:solidFill>
-                <a:schemeClr val="tx1"/>
-              </a:solidFill>
-            </a:ln>
-          </p:spPr>
-          <p:style>
-            <a:lnRef idx="2">
-              <a:schemeClr val="accent2">
-                <a:shade val="50000"/>
-              </a:schemeClr>
-            </a:lnRef>
-            <a:fillRef idx="1">
-              <a:schemeClr val="accent2"/>
-            </a:fillRef>
-            <a:effectRef idx="0">
-              <a:schemeClr val="accent2"/>
-            </a:effectRef>
-            <a:fontRef idx="minor">
-              <a:schemeClr val="lt1"/>
-            </a:fontRef>
-          </p:style>
-          <p:txBody>
-            <a:bodyPr rtlCol="0" anchor="ctr"/>
-            <a:lstStyle/>
-            <a:p>
-              <a:pPr algn="ctr"/>
-              <a:r>
-                <a:rPr kumimoji="1" lang="en-US" altLang="zh-CN" sz="1200" dirty="0">
-                  <a:solidFill>
-                    <a:sysClr val="windowText" lastClr="000000"/>
-                  </a:solidFill>
-                </a:rPr>
-                <a:t>loan</a:t>
-              </a:r>
-              <a:r>
-                <a:rPr kumimoji="1" lang="zh-CN" altLang="en-US" sz="1200" dirty="0">
-                  <a:solidFill>
-                    <a:sysClr val="windowText" lastClr="000000"/>
-                  </a:solidFill>
-                </a:rPr>
-                <a:t> </a:t>
-              </a:r>
-              <a:r>
-                <a:rPr kumimoji="1" lang="en-US" altLang="zh-CN" sz="1200" dirty="0">
-                  <a:solidFill>
-                    <a:sysClr val="windowText" lastClr="000000"/>
-                  </a:solidFill>
-                </a:rPr>
-                <a:t>:</a:t>
-              </a:r>
-              <a:r>
-                <a:rPr kumimoji="1" lang="zh-CN" altLang="en-US" sz="1200" dirty="0">
-                  <a:solidFill>
-                    <a:sysClr val="windowText" lastClr="000000"/>
-                  </a:solidFill>
-                </a:rPr>
-                <a:t> </a:t>
-              </a:r>
-              <a:r>
-                <a:rPr kumimoji="1" lang="en-US" altLang="zh-CN" sz="1200" dirty="0">
-                  <a:solidFill>
-                    <a:sysClr val="windowText" lastClr="000000"/>
-                  </a:solidFill>
-                </a:rPr>
-                <a:t>Loan</a:t>
-              </a:r>
-              <a:endParaRPr kumimoji="1" lang="zh-CN" altLang="en-US" sz="1200" dirty="0">
-                <a:solidFill>
-                  <a:sysClr val="windowText" lastClr="000000"/>
-                </a:solidFill>
-              </a:endParaRPr>
-            </a:p>
-          </p:txBody>
-        </p:sp>
-        <p:cxnSp>
-          <p:nvCxnSpPr>
-            <p:cNvPr id="16" name="直线箭头连接符 11" descr="jytjh">
-              <a:extLst>
-                <a:ext uri="{FF2B5EF4-FFF2-40B4-BE49-F238E27FC236}">
-                  <a16:creationId xmlns:a16="http://schemas.microsoft.com/office/drawing/2014/main" id="{8DDBA6DC-4F04-A133-9654-DFA562123687}"/>
-                </a:ext>
-              </a:extLst>
-            </p:cNvPr>
-            <p:cNvCxnSpPr>
-              <a:cxnSpLocks/>
-              <a:stCxn id="23" idx="0"/>
-              <a:endCxn id="11" idx="2"/>
-            </p:cNvCxnSpPr>
-            <p:nvPr/>
-          </p:nvCxnSpPr>
-          <p:spPr>
-            <a:xfrm flipV="1">
-              <a:off x="9196790" y="3323520"/>
-              <a:ext cx="1" cy="557474"/>
-            </a:xfrm>
-            <a:prstGeom prst="straightConnector1">
-              <a:avLst/>
-            </a:prstGeom>
-            <a:ln w="19050">
-              <a:solidFill>
-                <a:schemeClr val="tx1"/>
-              </a:solidFill>
-              <a:headEnd type="none" w="lg" len="med"/>
-              <a:tailEnd type="arrow" w="sm" len="lg"/>
-            </a:ln>
-          </p:spPr>
-          <p:style>
-            <a:lnRef idx="1">
-              <a:schemeClr val="accent1"/>
-            </a:lnRef>
-            <a:fillRef idx="0">
-              <a:schemeClr val="accent1"/>
-            </a:fillRef>
-            <a:effectRef idx="0">
-              <a:schemeClr val="accent1"/>
-            </a:effectRef>
-            <a:fontRef idx="minor">
-              <a:schemeClr val="tx1"/>
-            </a:fontRef>
-          </p:style>
-        </p:cxnSp>
-        <p:sp>
-          <p:nvSpPr>
-            <p:cNvPr id="19" name="文本框 12">
-              <a:extLst>
-                <a:ext uri="{FF2B5EF4-FFF2-40B4-BE49-F238E27FC236}">
-                  <a16:creationId xmlns:a16="http://schemas.microsoft.com/office/drawing/2014/main" id="{3F1DEF7E-C122-5737-9269-A98292C569EA}"/>
-                </a:ext>
-              </a:extLst>
-            </p:cNvPr>
-            <p:cNvSpPr txBox="1"/>
-            <p:nvPr/>
-          </p:nvSpPr>
-          <p:spPr>
-            <a:xfrm>
-              <a:off x="5552233" y="4133566"/>
-              <a:ext cx="902627" cy="276999"/>
-            </a:xfrm>
-            <a:prstGeom prst="rect">
-              <a:avLst/>
-            </a:prstGeom>
-            <a:noFill/>
-          </p:spPr>
-          <p:txBody>
-            <a:bodyPr wrap="square" rtlCol="0">
-              <a:spAutoFit/>
-            </a:bodyPr>
-            <a:lstStyle/>
-            <a:p>
-              <a:pPr algn="ctr"/>
-              <a:r>
-                <a:rPr kumimoji="1" lang="en-US" altLang="zh-CN" sz="1200" dirty="0">
-                  <a:latin typeface="DengXian" panose="02010600030101010101" pitchFamily="2" charset="-122"/>
-                  <a:ea typeface="DengXian" panose="02010600030101010101" pitchFamily="2" charset="-122"/>
-                </a:rPr>
-                <a:t>guarantee</a:t>
-              </a:r>
-            </a:p>
-          </p:txBody>
-        </p:sp>
-        <p:sp>
-          <p:nvSpPr>
-            <p:cNvPr id="20" name="文本框 12">
-              <a:extLst>
-                <a:ext uri="{FF2B5EF4-FFF2-40B4-BE49-F238E27FC236}">
-                  <a16:creationId xmlns:a16="http://schemas.microsoft.com/office/drawing/2014/main" id="{96476969-4BA5-1294-36FD-CF1FAFF4DA23}"/>
-                </a:ext>
-              </a:extLst>
-            </p:cNvPr>
-            <p:cNvSpPr txBox="1"/>
-            <p:nvPr/>
-          </p:nvSpPr>
-          <p:spPr>
-            <a:xfrm>
-              <a:off x="7612219" y="4131131"/>
-              <a:ext cx="904662" cy="276999"/>
-            </a:xfrm>
-            <a:prstGeom prst="rect">
-              <a:avLst/>
-            </a:prstGeom>
-            <a:noFill/>
-          </p:spPr>
-          <p:txBody>
-            <a:bodyPr wrap="square" rtlCol="0">
-              <a:spAutoFit/>
-            </a:bodyPr>
-            <a:lstStyle/>
-            <a:p>
-              <a:pPr algn="ctr"/>
-              <a:r>
-                <a:rPr kumimoji="1" lang="en-US" altLang="zh-CN" sz="1200" dirty="0">
-                  <a:latin typeface="DengXian" panose="02010600030101010101" pitchFamily="2" charset="-122"/>
-                  <a:ea typeface="DengXian" panose="02010600030101010101" pitchFamily="2" charset="-122"/>
-                </a:rPr>
-                <a:t>guarantee</a:t>
-              </a:r>
-            </a:p>
-          </p:txBody>
-        </p:sp>
-        <p:sp>
-          <p:nvSpPr>
-            <p:cNvPr id="6" name="矩形 10">
-              <a:extLst>
-                <a:ext uri="{FF2B5EF4-FFF2-40B4-BE49-F238E27FC236}">
-                  <a16:creationId xmlns:a16="http://schemas.microsoft.com/office/drawing/2014/main" id="{4A0DDEF6-9883-5ACF-42AF-4BBF1981F219}"/>
-                </a:ext>
-              </a:extLst>
-            </p:cNvPr>
-            <p:cNvSpPr/>
-            <p:nvPr/>
-          </p:nvSpPr>
-          <p:spPr>
-            <a:xfrm>
-              <a:off x="1921279" y="4390024"/>
-              <a:ext cx="1428081" cy="338392"/>
-            </a:xfrm>
-            <a:prstGeom prst="rect">
-              <a:avLst/>
-            </a:prstGeom>
-            <a:noFill/>
-            <a:ln w="25400">
-              <a:solidFill>
-                <a:schemeClr val="tx1"/>
-              </a:solidFill>
-            </a:ln>
-          </p:spPr>
-          <p:style>
-            <a:lnRef idx="2">
-              <a:schemeClr val="accent2">
-                <a:shade val="50000"/>
-              </a:schemeClr>
-            </a:lnRef>
-            <a:fillRef idx="1">
-              <a:schemeClr val="accent2"/>
-            </a:fillRef>
-            <a:effectRef idx="0">
-              <a:schemeClr val="accent2"/>
-            </a:effectRef>
-            <a:fontRef idx="minor">
-              <a:schemeClr val="lt1"/>
-            </a:fontRef>
-          </p:style>
-          <p:txBody>
-            <a:bodyPr rtlCol="0" anchor="ctr"/>
-            <a:lstStyle/>
-            <a:p>
-              <a:pPr algn="ctr"/>
-              <a:r>
-                <a:rPr kumimoji="1" lang="en-US" altLang="zh-CN" sz="1200" b="1" dirty="0">
-                  <a:solidFill>
-                    <a:sysClr val="windowText" lastClr="000000"/>
-                  </a:solidFill>
-                  <a:latin typeface="DengXian" panose="02010600030101010101" pitchFamily="2" charset="-122"/>
-                  <a:ea typeface="DengXian" panose="02010600030101010101" pitchFamily="2" charset="-122"/>
-                </a:rPr>
-                <a:t>p1</a:t>
-              </a:r>
-              <a:r>
-                <a:rPr kumimoji="1" lang="en-US" altLang="zh-CN" sz="1200" dirty="0">
-                  <a:solidFill>
-                    <a:sysClr val="windowText" lastClr="000000"/>
-                  </a:solidFill>
-                  <a:latin typeface="DengXian" panose="02010600030101010101" pitchFamily="2" charset="-122"/>
-                  <a:ea typeface="DengXian" panose="02010600030101010101" pitchFamily="2" charset="-122"/>
-                </a:rPr>
-                <a:t>.id</a:t>
-              </a:r>
-              <a:r>
-                <a:rPr kumimoji="1" lang="zh-CN" altLang="en-US" sz="1200" dirty="0">
-                  <a:solidFill>
-                    <a:sysClr val="windowText" lastClr="000000"/>
-                  </a:solidFill>
-                  <a:latin typeface="DengXian" panose="02010600030101010101" pitchFamily="2" charset="-122"/>
-                  <a:ea typeface="DengXian" panose="02010600030101010101" pitchFamily="2" charset="-122"/>
-                </a:rPr>
-                <a:t> </a:t>
-              </a:r>
-              <a:r>
-                <a:rPr kumimoji="1" lang="en-US" altLang="zh-CN" sz="1200" dirty="0">
-                  <a:solidFill>
-                    <a:sysClr val="windowText" lastClr="000000"/>
-                  </a:solidFill>
-                  <a:latin typeface="DengXian" panose="02010600030101010101" pitchFamily="2" charset="-122"/>
-                  <a:ea typeface="DengXian" panose="02010600030101010101" pitchFamily="2" charset="-122"/>
-                </a:rPr>
-                <a:t>=</a:t>
-              </a:r>
-              <a:r>
-                <a:rPr kumimoji="1" lang="zh-CN" altLang="en-US" sz="1200" dirty="0">
-                  <a:solidFill>
-                    <a:sysClr val="windowText" lastClr="000000"/>
-                  </a:solidFill>
-                  <a:latin typeface="DengXian" panose="02010600030101010101" pitchFamily="2" charset="-122"/>
-                  <a:ea typeface="DengXian" panose="02010600030101010101" pitchFamily="2" charset="-122"/>
-                </a:rPr>
-                <a:t> </a:t>
-              </a:r>
-              <a:r>
-                <a:rPr kumimoji="1" lang="en-US" altLang="zh-CN" sz="1200" dirty="0">
-                  <a:solidFill>
-                    <a:sysClr val="windowText" lastClr="000000"/>
-                  </a:solidFill>
-                  <a:latin typeface="DengXian" panose="02010600030101010101" pitchFamily="2" charset="-122"/>
-                  <a:ea typeface="DengXian" panose="02010600030101010101" pitchFamily="2" charset="-122"/>
-                </a:rPr>
-                <a:t>${id}</a:t>
-              </a:r>
-              <a:endParaRPr kumimoji="1" lang="zh-CN" altLang="en-US" sz="1200" dirty="0">
-                <a:solidFill>
-                  <a:sysClr val="windowText" lastClr="000000"/>
-                </a:solidFill>
-                <a:latin typeface="DengXian" panose="02010600030101010101" pitchFamily="2" charset="-122"/>
-                <a:ea typeface="DengXian" panose="02010600030101010101" pitchFamily="2" charset="-122"/>
-              </a:endParaRPr>
-            </a:p>
-          </p:txBody>
-        </p:sp>
-        <p:sp>
-          <p:nvSpPr>
-            <p:cNvPr id="7" name="文本框 12">
-              <a:extLst>
-                <a:ext uri="{FF2B5EF4-FFF2-40B4-BE49-F238E27FC236}">
-                  <a16:creationId xmlns:a16="http://schemas.microsoft.com/office/drawing/2014/main" id="{F4A15F1B-7E9F-18B1-B534-F871F2501E70}"/>
-                </a:ext>
-              </a:extLst>
-            </p:cNvPr>
-            <p:cNvSpPr txBox="1"/>
-            <p:nvPr/>
-          </p:nvSpPr>
-          <p:spPr>
-            <a:xfrm>
-              <a:off x="4526628" y="4614298"/>
-              <a:ext cx="5013823" cy="776903"/>
-            </a:xfrm>
-            <a:prstGeom prst="rect">
-              <a:avLst/>
-            </a:prstGeom>
-            <a:noFill/>
-          </p:spPr>
-          <p:txBody>
-            <a:bodyPr wrap="square" lIns="90000" numCol="2" rtlCol="0" anchor="ctr">
-              <a:noAutofit/>
-            </a:bodyPr>
-            <a:lstStyle/>
-            <a:p>
-              <a:r>
-                <a:rPr kumimoji="1" lang="en-US" altLang="zh-CN" sz="1200" b="1" dirty="0">
-                  <a:latin typeface="DengXian" panose="02010600030101010101" pitchFamily="2" charset="-122"/>
-                  <a:ea typeface="DengXian" panose="02010600030101010101" pitchFamily="2" charset="-122"/>
-                </a:rPr>
-                <a:t>g1:</a:t>
-              </a:r>
-              <a:r>
-                <a:rPr kumimoji="1" lang="zh-CN" altLang="en-US" sz="1200" b="1" dirty="0">
-                  <a:latin typeface="DengXian" panose="02010600030101010101" pitchFamily="2" charset="-122"/>
-                  <a:ea typeface="DengXian" panose="02010600030101010101" pitchFamily="2" charset="-122"/>
-                </a:rPr>
-                <a:t> </a:t>
-              </a:r>
-              <a:r>
-                <a:rPr kumimoji="1" lang="en-US" altLang="zh-CN" sz="1200" dirty="0">
-                  <a:latin typeface="DengXian" panose="02010600030101010101" pitchFamily="2" charset="-122"/>
-                  <a:ea typeface="DengXian" panose="02010600030101010101" pitchFamily="2" charset="-122"/>
-                </a:rPr>
-                <a:t>guarantee</a:t>
-              </a:r>
-            </a:p>
-            <a:p>
-              <a:r>
-                <a:rPr kumimoji="1" lang="en-US" altLang="zh-CN" sz="1200" b="1" dirty="0">
-                  <a:latin typeface="DengXian" panose="02010600030101010101" pitchFamily="2" charset="-122"/>
-                  <a:ea typeface="DengXian" panose="02010600030101010101" pitchFamily="2" charset="-122"/>
-                </a:rPr>
-                <a:t>g1</a:t>
-              </a:r>
-              <a:r>
-                <a:rPr kumimoji="1" lang="en-US" altLang="zh-CN" sz="1200" dirty="0">
-                  <a:latin typeface="DengXian" panose="02010600030101010101" pitchFamily="2" charset="-122"/>
-                  <a:ea typeface="DengXian" panose="02010600030101010101" pitchFamily="2" charset="-122"/>
-                </a:rPr>
-                <a:t>.timestamp</a:t>
-              </a:r>
-              <a:r>
-                <a:rPr kumimoji="1" lang="zh-CN" altLang="en-US" sz="1200" dirty="0">
-                  <a:latin typeface="DengXian" panose="02010600030101010101" pitchFamily="2" charset="-122"/>
-                  <a:ea typeface="DengXian" panose="02010600030101010101" pitchFamily="2" charset="-122"/>
-                </a:rPr>
-                <a:t> </a:t>
-              </a:r>
-              <a:r>
-                <a:rPr kumimoji="1" lang="en-US" altLang="zh-CN" sz="1200" dirty="0">
-                  <a:latin typeface="DengXian" panose="02010600030101010101" pitchFamily="2" charset="-122"/>
-                  <a:ea typeface="DengXian" panose="02010600030101010101" pitchFamily="2" charset="-122"/>
-                </a:rPr>
-                <a:t>&gt;</a:t>
-              </a:r>
-              <a:r>
-                <a:rPr kumimoji="1" lang="zh-CN" altLang="en-US" sz="1200" dirty="0">
-                  <a:latin typeface="DengXian" panose="02010600030101010101" pitchFamily="2" charset="-122"/>
-                  <a:ea typeface="DengXian" panose="02010600030101010101" pitchFamily="2" charset="-122"/>
-                </a:rPr>
-                <a:t> </a:t>
-              </a:r>
-              <a:r>
-                <a:rPr kumimoji="1" lang="en-US" altLang="zh-CN" sz="1200" dirty="0">
-                  <a:latin typeface="DengXian" panose="02010600030101010101" pitchFamily="2" charset="-122"/>
-                  <a:ea typeface="DengXian" panose="02010600030101010101" pitchFamily="2" charset="-122"/>
-                </a:rPr>
-                <a:t>${</a:t>
-              </a:r>
-              <a:r>
-                <a:rPr kumimoji="1" lang="en-US" altLang="zh-CN" sz="1200" dirty="0" err="1">
-                  <a:latin typeface="DengXian" panose="02010600030101010101" pitchFamily="2" charset="-122"/>
-                  <a:ea typeface="DengXian" panose="02010600030101010101" pitchFamily="2" charset="-122"/>
-                </a:rPr>
-                <a:t>startTime</a:t>
-              </a:r>
-              <a:r>
-                <a:rPr kumimoji="1" lang="en-US" altLang="zh-CN" sz="1200" dirty="0">
-                  <a:latin typeface="DengXian" panose="02010600030101010101" pitchFamily="2" charset="-122"/>
-                  <a:ea typeface="DengXian" panose="02010600030101010101" pitchFamily="2" charset="-122"/>
-                </a:rPr>
-                <a:t>}</a:t>
-              </a:r>
-            </a:p>
-            <a:p>
-              <a:r>
-                <a:rPr kumimoji="1" lang="en-US" altLang="zh-CN" sz="1200" b="1" dirty="0">
-                  <a:latin typeface="DengXian" panose="02010600030101010101" pitchFamily="2" charset="-122"/>
-                  <a:ea typeface="DengXian" panose="02010600030101010101" pitchFamily="2" charset="-122"/>
-                </a:rPr>
-                <a:t>g1</a:t>
-              </a:r>
-              <a:r>
-                <a:rPr kumimoji="1" lang="en-US" altLang="zh-CN" sz="1200" dirty="0">
-                  <a:latin typeface="DengXian" panose="02010600030101010101" pitchFamily="2" charset="-122"/>
-                  <a:ea typeface="DengXian" panose="02010600030101010101" pitchFamily="2" charset="-122"/>
-                </a:rPr>
-                <a:t>.timestamp</a:t>
-              </a:r>
-              <a:r>
-                <a:rPr kumimoji="1" lang="zh-CN" altLang="en-US" sz="1200" dirty="0">
-                  <a:latin typeface="DengXian" panose="02010600030101010101" pitchFamily="2" charset="-122"/>
-                  <a:ea typeface="DengXian" panose="02010600030101010101" pitchFamily="2" charset="-122"/>
-                </a:rPr>
-                <a:t> </a:t>
-              </a:r>
-              <a:r>
-                <a:rPr kumimoji="1" lang="en-US" altLang="zh-CN" sz="1200" dirty="0">
-                  <a:latin typeface="DengXian" panose="02010600030101010101" pitchFamily="2" charset="-122"/>
-                  <a:ea typeface="DengXian" panose="02010600030101010101" pitchFamily="2" charset="-122"/>
-                </a:rPr>
-                <a:t>&lt;</a:t>
-              </a:r>
-              <a:r>
-                <a:rPr kumimoji="1" lang="zh-CN" altLang="en-US" sz="1200" dirty="0">
-                  <a:latin typeface="DengXian" panose="02010600030101010101" pitchFamily="2" charset="-122"/>
-                  <a:ea typeface="DengXian" panose="02010600030101010101" pitchFamily="2" charset="-122"/>
-                </a:rPr>
-                <a:t> </a:t>
-              </a:r>
-              <a:r>
-                <a:rPr kumimoji="1" lang="en-US" altLang="zh-CN" sz="1200" dirty="0">
-                  <a:latin typeface="DengXian" panose="02010600030101010101" pitchFamily="2" charset="-122"/>
-                  <a:ea typeface="DengXian" panose="02010600030101010101" pitchFamily="2" charset="-122"/>
-                </a:rPr>
-                <a:t>${</a:t>
-              </a:r>
-              <a:r>
-                <a:rPr kumimoji="1" lang="en-US" altLang="zh-CN" sz="1200" dirty="0" err="1">
-                  <a:latin typeface="DengXian" panose="02010600030101010101" pitchFamily="2" charset="-122"/>
-                  <a:ea typeface="DengXian" panose="02010600030101010101" pitchFamily="2" charset="-122"/>
-                </a:rPr>
-                <a:t>endTime</a:t>
-              </a:r>
-              <a:r>
-                <a:rPr kumimoji="1" lang="en-US" altLang="zh-CN" sz="1200" dirty="0">
-                  <a:latin typeface="DengXian" panose="02010600030101010101" pitchFamily="2" charset="-122"/>
-                  <a:ea typeface="DengXian" panose="02010600030101010101" pitchFamily="2" charset="-122"/>
-                </a:rPr>
-                <a:t>}</a:t>
-              </a:r>
-              <a:endParaRPr kumimoji="1" lang="en-US" altLang="zh-CN" sz="1200" b="1" dirty="0">
-                <a:latin typeface="DengXian" panose="02010600030101010101" pitchFamily="2" charset="-122"/>
-                <a:ea typeface="DengXian" panose="02010600030101010101" pitchFamily="2" charset="-122"/>
-              </a:endParaRPr>
-            </a:p>
-            <a:p>
-              <a:r>
-                <a:rPr kumimoji="1" lang="en-US" altLang="zh-CN" sz="1200" b="1" dirty="0" err="1">
-                  <a:latin typeface="DengXian" panose="02010600030101010101" pitchFamily="2" charset="-122"/>
-                  <a:ea typeface="DengXian" panose="02010600030101010101" pitchFamily="2" charset="-122"/>
-                </a:rPr>
-                <a:t>gN</a:t>
-              </a:r>
-              <a:r>
-                <a:rPr kumimoji="1" lang="en-US" altLang="zh-CN" sz="1200" b="1" dirty="0">
-                  <a:latin typeface="DengXian" panose="02010600030101010101" pitchFamily="2" charset="-122"/>
-                  <a:ea typeface="DengXian" panose="02010600030101010101" pitchFamily="2" charset="-122"/>
-                </a:rPr>
-                <a:t>:</a:t>
-              </a:r>
-              <a:r>
-                <a:rPr kumimoji="1" lang="zh-CN" altLang="en-US" sz="1200" b="1" dirty="0">
-                  <a:latin typeface="DengXian" panose="02010600030101010101" pitchFamily="2" charset="-122"/>
-                  <a:ea typeface="DengXian" panose="02010600030101010101" pitchFamily="2" charset="-122"/>
-                </a:rPr>
-                <a:t> </a:t>
-              </a:r>
-              <a:r>
-                <a:rPr kumimoji="1" lang="en-US" altLang="zh-CN" sz="1200" dirty="0">
-                  <a:latin typeface="DengXian" panose="02010600030101010101" pitchFamily="2" charset="-122"/>
-                  <a:ea typeface="DengXian" panose="02010600030101010101" pitchFamily="2" charset="-122"/>
-                </a:rPr>
-                <a:t>guarantee</a:t>
-              </a:r>
-            </a:p>
-            <a:p>
-              <a:r>
-                <a:rPr kumimoji="1" lang="en-US" altLang="zh-CN" sz="1200" b="1" dirty="0" err="1">
-                  <a:latin typeface="DengXian" panose="02010600030101010101" pitchFamily="2" charset="-122"/>
-                  <a:ea typeface="DengXian" panose="02010600030101010101" pitchFamily="2" charset="-122"/>
-                </a:rPr>
-                <a:t>gN</a:t>
-              </a:r>
-              <a:r>
-                <a:rPr kumimoji="1" lang="en-US" altLang="zh-CN" sz="1200" dirty="0" err="1">
-                  <a:latin typeface="DengXian" panose="02010600030101010101" pitchFamily="2" charset="-122"/>
-                  <a:ea typeface="DengXian" panose="02010600030101010101" pitchFamily="2" charset="-122"/>
-                </a:rPr>
-                <a:t>.timestamp</a:t>
-              </a:r>
-              <a:r>
-                <a:rPr kumimoji="1" lang="zh-CN" altLang="en-US" sz="1200" dirty="0">
-                  <a:latin typeface="DengXian" panose="02010600030101010101" pitchFamily="2" charset="-122"/>
-                  <a:ea typeface="DengXian" panose="02010600030101010101" pitchFamily="2" charset="-122"/>
-                </a:rPr>
-                <a:t> </a:t>
-              </a:r>
-              <a:r>
-                <a:rPr kumimoji="1" lang="en-US" altLang="zh-CN" sz="1200" dirty="0">
-                  <a:latin typeface="DengXian" panose="02010600030101010101" pitchFamily="2" charset="-122"/>
-                  <a:ea typeface="DengXian" panose="02010600030101010101" pitchFamily="2" charset="-122"/>
-                </a:rPr>
-                <a:t>&gt;</a:t>
-              </a:r>
-              <a:r>
-                <a:rPr kumimoji="1" lang="zh-CN" altLang="en-US" sz="1200" dirty="0">
-                  <a:latin typeface="DengXian" panose="02010600030101010101" pitchFamily="2" charset="-122"/>
-                  <a:ea typeface="DengXian" panose="02010600030101010101" pitchFamily="2" charset="-122"/>
-                </a:rPr>
-                <a:t> </a:t>
-              </a:r>
-              <a:r>
-                <a:rPr kumimoji="1" lang="en-US" altLang="zh-CN" sz="1200" dirty="0">
-                  <a:latin typeface="DengXian" panose="02010600030101010101" pitchFamily="2" charset="-122"/>
-                  <a:ea typeface="DengXian" panose="02010600030101010101" pitchFamily="2" charset="-122"/>
-                </a:rPr>
-                <a:t>${</a:t>
-              </a:r>
-              <a:r>
-                <a:rPr kumimoji="1" lang="en-US" altLang="zh-CN" sz="1200" dirty="0" err="1">
-                  <a:latin typeface="DengXian" panose="02010600030101010101" pitchFamily="2" charset="-122"/>
-                  <a:ea typeface="DengXian" panose="02010600030101010101" pitchFamily="2" charset="-122"/>
-                </a:rPr>
-                <a:t>startTime</a:t>
-              </a:r>
-              <a:r>
-                <a:rPr kumimoji="1" lang="en-US" altLang="zh-CN" sz="1200" dirty="0">
-                  <a:latin typeface="DengXian" panose="02010600030101010101" pitchFamily="2" charset="-122"/>
-                  <a:ea typeface="DengXian" panose="02010600030101010101" pitchFamily="2" charset="-122"/>
-                </a:rPr>
-                <a:t>}</a:t>
-              </a:r>
-            </a:p>
-            <a:p>
-              <a:r>
-                <a:rPr kumimoji="1" lang="en-US" altLang="zh-CN" sz="1200" b="1" dirty="0" err="1">
-                  <a:latin typeface="DengXian" panose="02010600030101010101" pitchFamily="2" charset="-122"/>
-                  <a:ea typeface="DengXian" panose="02010600030101010101" pitchFamily="2" charset="-122"/>
-                </a:rPr>
-                <a:t>gN</a:t>
-              </a:r>
-              <a:r>
-                <a:rPr kumimoji="1" lang="en-US" altLang="zh-CN" sz="1200" dirty="0" err="1">
-                  <a:latin typeface="DengXian" panose="02010600030101010101" pitchFamily="2" charset="-122"/>
-                  <a:ea typeface="DengXian" panose="02010600030101010101" pitchFamily="2" charset="-122"/>
-                </a:rPr>
-                <a:t>.timestamp</a:t>
-              </a:r>
-              <a:r>
-                <a:rPr kumimoji="1" lang="zh-CN" altLang="en-US" sz="1200" dirty="0">
-                  <a:latin typeface="DengXian" panose="02010600030101010101" pitchFamily="2" charset="-122"/>
-                  <a:ea typeface="DengXian" panose="02010600030101010101" pitchFamily="2" charset="-122"/>
-                </a:rPr>
-                <a:t> </a:t>
-              </a:r>
-              <a:r>
-                <a:rPr kumimoji="1" lang="en-US" altLang="zh-CN" sz="1200" dirty="0">
-                  <a:latin typeface="DengXian" panose="02010600030101010101" pitchFamily="2" charset="-122"/>
-                  <a:ea typeface="DengXian" panose="02010600030101010101" pitchFamily="2" charset="-122"/>
-                </a:rPr>
-                <a:t>&lt;</a:t>
-              </a:r>
-              <a:r>
-                <a:rPr kumimoji="1" lang="zh-CN" altLang="en-US" sz="1200" dirty="0">
-                  <a:latin typeface="DengXian" panose="02010600030101010101" pitchFamily="2" charset="-122"/>
-                  <a:ea typeface="DengXian" panose="02010600030101010101" pitchFamily="2" charset="-122"/>
-                </a:rPr>
-                <a:t> </a:t>
-              </a:r>
-              <a:r>
-                <a:rPr kumimoji="1" lang="en-US" altLang="zh-CN" sz="1200" dirty="0">
-                  <a:latin typeface="DengXian" panose="02010600030101010101" pitchFamily="2" charset="-122"/>
-                  <a:ea typeface="DengXian" panose="02010600030101010101" pitchFamily="2" charset="-122"/>
-                </a:rPr>
-                <a:t>${</a:t>
-              </a:r>
-              <a:r>
-                <a:rPr kumimoji="1" lang="en-US" altLang="zh-CN" sz="1200" dirty="0" err="1">
-                  <a:latin typeface="DengXian" panose="02010600030101010101" pitchFamily="2" charset="-122"/>
-                  <a:ea typeface="DengXian" panose="02010600030101010101" pitchFamily="2" charset="-122"/>
-                </a:rPr>
-                <a:t>endTime</a:t>
-              </a:r>
-              <a:r>
-                <a:rPr kumimoji="1" lang="en-US" altLang="zh-CN" sz="1200" dirty="0">
-                  <a:latin typeface="DengXian" panose="02010600030101010101" pitchFamily="2" charset="-122"/>
-                  <a:ea typeface="DengXian" panose="02010600030101010101" pitchFamily="2" charset="-122"/>
-                </a:rPr>
-                <a:t>}</a:t>
-              </a:r>
-            </a:p>
-          </p:txBody>
-        </p:sp>
-      </p:grpSp>
-    </p:spTree>
-    <p:extLst>
-      <p:ext uri="{BB962C8B-B14F-4D97-AF65-F5344CB8AC3E}">
-        <p14:creationId xmlns:p14="http://schemas.microsoft.com/office/powerpoint/2010/main" val="236170897"/>
-      </p:ext>
-    </p:extLst>
-  </p:cSld>
-  <p:clrMapOvr>
-    <a:masterClrMapping/>
-  </p:clrMapOvr>
-</p:sld>
-</file>
-
-<file path=ppt/slides/slide13.xml><?xml version="1.0" encoding="utf-8"?>
-<p:sld xmlns:a="http://schemas.openxmlformats.org/drawingml/2006/main" xmlns:r="http://schemas.openxmlformats.org/officeDocument/2006/relationships" xmlns:p="http://schemas.openxmlformats.org/presentationml/2006/main">
-  <p:cSld>
-    <p:spTree>
-      <p:nvGrpSpPr>
-        <p:cNvPr id="1" name=""/>
-        <p:cNvGrpSpPr/>
-        <p:nvPr/>
-      </p:nvGrpSpPr>
-      <p:grpSpPr>
-        <a:xfrm>
-          <a:off x="0" y="0"/>
-          <a:ext cx="0" cy="0"/>
-          <a:chOff x="0" y="0"/>
-          <a:chExt cx="0" cy="0"/>
-        </a:xfrm>
-      </p:grpSpPr>
-      <p:grpSp>
-        <p:nvGrpSpPr>
-          <p:cNvPr id="80" name="Group 79">
-            <a:extLst>
-              <a:ext uri="{FF2B5EF4-FFF2-40B4-BE49-F238E27FC236}">
-                <a16:creationId xmlns:a16="http://schemas.microsoft.com/office/drawing/2014/main" id="{903B445A-C3E7-DAA7-61C9-B2E3C95387BE}"/>
-              </a:ext>
-            </a:extLst>
-          </p:cNvPr>
-          <p:cNvGrpSpPr/>
-          <p:nvPr/>
-        </p:nvGrpSpPr>
-        <p:grpSpPr>
-          <a:xfrm>
-            <a:off x="879232" y="1587060"/>
-            <a:ext cx="1571558" cy="782148"/>
-            <a:chOff x="1364974" y="1587060"/>
-            <a:chExt cx="1571558" cy="782148"/>
-          </a:xfrm>
-        </p:grpSpPr>
-        <p:sp>
-          <p:nvSpPr>
-            <p:cNvPr id="6" name="矩形 5">
-              <a:extLst>
-                <a:ext uri="{FF2B5EF4-FFF2-40B4-BE49-F238E27FC236}">
-                  <a16:creationId xmlns:a16="http://schemas.microsoft.com/office/drawing/2014/main" id="{670CE168-0537-1EDE-AF50-A3F8EBDDBDA6}"/>
-                </a:ext>
-              </a:extLst>
-            </p:cNvPr>
-            <p:cNvSpPr/>
-            <p:nvPr/>
-          </p:nvSpPr>
-          <p:spPr>
-            <a:xfrm>
-              <a:off x="1364974" y="1587060"/>
-              <a:ext cx="1571558" cy="505147"/>
-            </a:xfrm>
-            <a:prstGeom prst="rect">
-              <a:avLst/>
-            </a:prstGeom>
-            <a:solidFill>
-              <a:schemeClr val="accent6">
-                <a:lumMod val="60000"/>
-                <a:lumOff val="40000"/>
-              </a:schemeClr>
-            </a:solidFill>
-            <a:ln w="25400">
-              <a:solidFill>
-                <a:schemeClr val="tx1"/>
-              </a:solidFill>
-            </a:ln>
-          </p:spPr>
-          <p:style>
-            <a:lnRef idx="2">
-              <a:schemeClr val="accent2">
-                <a:shade val="50000"/>
-              </a:schemeClr>
-            </a:lnRef>
-            <a:fillRef idx="1">
-              <a:schemeClr val="accent2"/>
-            </a:fillRef>
-            <a:effectRef idx="0">
-              <a:schemeClr val="accent2"/>
-            </a:effectRef>
-            <a:fontRef idx="minor">
-              <a:schemeClr val="lt1"/>
-            </a:fontRef>
-          </p:style>
-          <p:txBody>
-            <a:bodyPr rtlCol="0" anchor="ctr"/>
-            <a:lstStyle/>
-            <a:p>
-              <a:pPr algn="ctr"/>
-              <a:r>
-                <a:rPr kumimoji="1" lang="en-US" altLang="zh-CN" sz="1200" b="1" dirty="0">
-                  <a:solidFill>
-                    <a:sysClr val="windowText" lastClr="000000"/>
-                  </a:solidFill>
-                </a:rPr>
-                <a:t>person</a:t>
-              </a:r>
-              <a:r>
-                <a:rPr kumimoji="1" lang="zh-CN" altLang="en-US" sz="1200" dirty="0">
-                  <a:solidFill>
-                    <a:sysClr val="windowText" lastClr="000000"/>
-                  </a:solidFill>
-                </a:rPr>
-                <a:t> </a:t>
-              </a:r>
-              <a:r>
-                <a:rPr kumimoji="1" lang="en-US" altLang="zh-CN" sz="1200" dirty="0">
-                  <a:solidFill>
-                    <a:sysClr val="windowText" lastClr="000000"/>
-                  </a:solidFill>
-                </a:rPr>
-                <a:t>:</a:t>
-              </a:r>
-              <a:r>
-                <a:rPr kumimoji="1" lang="zh-CN" altLang="en-US" sz="1200" dirty="0">
-                  <a:solidFill>
-                    <a:sysClr val="windowText" lastClr="000000"/>
-                  </a:solidFill>
-                </a:rPr>
-                <a:t> </a:t>
-              </a:r>
-              <a:r>
-                <a:rPr kumimoji="1" lang="en-US" altLang="zh-CN" sz="1200" dirty="0">
-                  <a:solidFill>
-                    <a:sysClr val="windowText" lastClr="000000"/>
-                  </a:solidFill>
-                </a:rPr>
-                <a:t>Person</a:t>
-              </a:r>
-              <a:endParaRPr kumimoji="1" lang="zh-CN" altLang="en-US" sz="1200" dirty="0">
-                <a:solidFill>
-                  <a:sysClr val="windowText" lastClr="000000"/>
-                </a:solidFill>
-              </a:endParaRPr>
-            </a:p>
-          </p:txBody>
-        </p:sp>
-        <p:sp>
-          <p:nvSpPr>
-            <p:cNvPr id="7" name="矩形 6">
-              <a:extLst>
-                <a:ext uri="{FF2B5EF4-FFF2-40B4-BE49-F238E27FC236}">
-                  <a16:creationId xmlns:a16="http://schemas.microsoft.com/office/drawing/2014/main" id="{D4300831-4873-1FA9-2AED-A01E517891A7}"/>
-                </a:ext>
-              </a:extLst>
-            </p:cNvPr>
-            <p:cNvSpPr/>
-            <p:nvPr/>
-          </p:nvSpPr>
-          <p:spPr>
-            <a:xfrm>
-              <a:off x="1364974" y="2092208"/>
-              <a:ext cx="1571557" cy="277000"/>
-            </a:xfrm>
-            <a:prstGeom prst="rect">
-              <a:avLst/>
-            </a:prstGeom>
-            <a:noFill/>
-            <a:ln w="25400">
-              <a:solidFill>
-                <a:schemeClr val="tx1"/>
-              </a:solidFill>
-            </a:ln>
-          </p:spPr>
-          <p:style>
-            <a:lnRef idx="2">
-              <a:schemeClr val="accent2">
-                <a:shade val="50000"/>
-              </a:schemeClr>
-            </a:lnRef>
-            <a:fillRef idx="1">
-              <a:schemeClr val="accent2"/>
-            </a:fillRef>
-            <a:effectRef idx="0">
-              <a:schemeClr val="accent2"/>
-            </a:effectRef>
-            <a:fontRef idx="minor">
-              <a:schemeClr val="lt1"/>
-            </a:fontRef>
-          </p:style>
-          <p:txBody>
-            <a:bodyPr rtlCol="0" anchor="ctr"/>
-            <a:lstStyle/>
-            <a:p>
-              <a:pPr algn="ctr"/>
-              <a:r>
-                <a:rPr kumimoji="1" lang="en-US" altLang="zh-CN" sz="1200" b="1" dirty="0" err="1">
-                  <a:solidFill>
-                    <a:sysClr val="windowText" lastClr="000000"/>
-                  </a:solidFill>
-                  <a:latin typeface="DengXian" panose="02010600030101010101" pitchFamily="2" charset="-122"/>
-                  <a:ea typeface="DengXian" panose="02010600030101010101" pitchFamily="2" charset="-122"/>
-                </a:rPr>
-                <a:t>person</a:t>
-              </a:r>
-              <a:r>
-                <a:rPr kumimoji="1" lang="en-US" altLang="zh-CN" sz="1200" dirty="0" err="1">
-                  <a:solidFill>
-                    <a:sysClr val="windowText" lastClr="000000"/>
-                  </a:solidFill>
-                  <a:latin typeface="DengXian" panose="02010600030101010101" pitchFamily="2" charset="-122"/>
-                  <a:ea typeface="DengXian" panose="02010600030101010101" pitchFamily="2" charset="-122"/>
-                </a:rPr>
-                <a:t>.id</a:t>
-              </a:r>
-              <a:r>
-                <a:rPr kumimoji="1" lang="zh-CN" altLang="en-US" sz="1200" dirty="0">
-                  <a:solidFill>
-                    <a:sysClr val="windowText" lastClr="000000"/>
-                  </a:solidFill>
-                  <a:latin typeface="DengXian" panose="02010600030101010101" pitchFamily="2" charset="-122"/>
-                  <a:ea typeface="DengXian" panose="02010600030101010101" pitchFamily="2" charset="-122"/>
-                </a:rPr>
-                <a:t> </a:t>
-              </a:r>
-              <a:r>
-                <a:rPr kumimoji="1" lang="en-US" altLang="zh-CN" sz="1200" dirty="0">
-                  <a:solidFill>
-                    <a:sysClr val="windowText" lastClr="000000"/>
-                  </a:solidFill>
-                  <a:latin typeface="DengXian" panose="02010600030101010101" pitchFamily="2" charset="-122"/>
-                  <a:ea typeface="DengXian" panose="02010600030101010101" pitchFamily="2" charset="-122"/>
-                </a:rPr>
-                <a:t>=</a:t>
-              </a:r>
-              <a:r>
-                <a:rPr kumimoji="1" lang="zh-CN" altLang="en-US" sz="1200" dirty="0">
-                  <a:solidFill>
-                    <a:sysClr val="windowText" lastClr="000000"/>
-                  </a:solidFill>
-                  <a:latin typeface="DengXian" panose="02010600030101010101" pitchFamily="2" charset="-122"/>
-                  <a:ea typeface="DengXian" panose="02010600030101010101" pitchFamily="2" charset="-122"/>
-                </a:rPr>
-                <a:t> </a:t>
-              </a:r>
-              <a:r>
-                <a:rPr kumimoji="1" lang="en-US" altLang="zh-CN" sz="1200" dirty="0">
-                  <a:solidFill>
-                    <a:sysClr val="windowText" lastClr="000000"/>
-                  </a:solidFill>
-                  <a:latin typeface="DengXian" panose="02010600030101010101" pitchFamily="2" charset="-122"/>
-                  <a:ea typeface="DengXian" panose="02010600030101010101" pitchFamily="2" charset="-122"/>
-                </a:rPr>
-                <a:t>${id}</a:t>
-              </a:r>
-              <a:endParaRPr kumimoji="1" lang="zh-CN" altLang="en-US" sz="1200" dirty="0">
-                <a:solidFill>
-                  <a:sysClr val="windowText" lastClr="000000"/>
-                </a:solidFill>
-                <a:latin typeface="DengXian" panose="02010600030101010101" pitchFamily="2" charset="-122"/>
-                <a:ea typeface="DengXian" panose="02010600030101010101" pitchFamily="2" charset="-122"/>
-              </a:endParaRPr>
-            </a:p>
-          </p:txBody>
-        </p:sp>
-      </p:grpSp>
-      <p:cxnSp>
-        <p:nvCxnSpPr>
-          <p:cNvPr id="8" name="直线箭头连接符 7" descr="jytjh">
-            <a:extLst>
-              <a:ext uri="{FF2B5EF4-FFF2-40B4-BE49-F238E27FC236}">
-                <a16:creationId xmlns:a16="http://schemas.microsoft.com/office/drawing/2014/main" id="{8507D6B9-48D5-F7CD-F0A0-F23AE40A642E}"/>
-              </a:ext>
-            </a:extLst>
-          </p:cNvPr>
-          <p:cNvCxnSpPr>
-            <a:cxnSpLocks/>
-            <a:stCxn id="6" idx="3"/>
-            <a:endCxn id="10" idx="1"/>
-          </p:cNvCxnSpPr>
-          <p:nvPr/>
-        </p:nvCxnSpPr>
-        <p:spPr>
-          <a:xfrm>
-            <a:off x="2450790" y="1839634"/>
-            <a:ext cx="1598251" cy="0"/>
-          </a:xfrm>
-          <a:prstGeom prst="straightConnector1">
-            <a:avLst/>
-          </a:prstGeom>
-          <a:ln w="19050">
-            <a:solidFill>
-              <a:schemeClr val="tx1"/>
-            </a:solidFill>
-            <a:headEnd type="none" w="sm" len="lg"/>
-            <a:tailEnd type="arrow" w="sm" len="lg"/>
-          </a:ln>
-        </p:spPr>
-        <p:style>
-          <a:lnRef idx="1">
-            <a:schemeClr val="accent1"/>
-          </a:lnRef>
-          <a:fillRef idx="0">
-            <a:schemeClr val="accent1"/>
-          </a:fillRef>
-          <a:effectRef idx="0">
-            <a:schemeClr val="accent1"/>
-          </a:effectRef>
-          <a:fontRef idx="minor">
-            <a:schemeClr val="tx1"/>
-          </a:fontRef>
-        </p:style>
-      </p:cxnSp>
-      <p:sp>
-        <p:nvSpPr>
-          <p:cNvPr id="13" name="文本框 12">
-            <a:extLst>
-              <a:ext uri="{FF2B5EF4-FFF2-40B4-BE49-F238E27FC236}">
-                <a16:creationId xmlns:a16="http://schemas.microsoft.com/office/drawing/2014/main" id="{8BA6C3EA-1EA1-A76F-0E83-4F1020091045}"/>
-              </a:ext>
-            </a:extLst>
-          </p:cNvPr>
-          <p:cNvSpPr txBox="1"/>
-          <p:nvPr/>
-        </p:nvSpPr>
-        <p:spPr>
-          <a:xfrm>
-            <a:off x="879232" y="3473825"/>
-            <a:ext cx="2326930" cy="646331"/>
-          </a:xfrm>
-          <a:prstGeom prst="rect">
-            <a:avLst/>
-          </a:prstGeom>
-          <a:noFill/>
-        </p:spPr>
-        <p:txBody>
-          <a:bodyPr wrap="square" rtlCol="0">
-            <a:spAutoFit/>
-          </a:bodyPr>
-          <a:lstStyle/>
-          <a:p>
-            <a:r>
-              <a:rPr kumimoji="1" lang="en-US" altLang="zh-CN" sz="1200" b="1" dirty="0">
-                <a:latin typeface="DengXian" panose="02010600030101010101" pitchFamily="2" charset="-122"/>
-                <a:ea typeface="DengXian" panose="02010600030101010101" pitchFamily="2" charset="-122"/>
-              </a:rPr>
-              <a:t>edge2</a:t>
-            </a:r>
-            <a:r>
-              <a:rPr kumimoji="1" lang="en-US" altLang="zh-CN" sz="1200" dirty="0">
-                <a:latin typeface="DengXian" panose="02010600030101010101" pitchFamily="2" charset="-122"/>
-                <a:ea typeface="DengXian" panose="02010600030101010101" pitchFamily="2" charset="-122"/>
-              </a:rPr>
-              <a:t>:</a:t>
-            </a:r>
-            <a:r>
-              <a:rPr kumimoji="1" lang="zh-CN" altLang="en-US" sz="1200" dirty="0">
-                <a:latin typeface="DengXian" panose="02010600030101010101" pitchFamily="2" charset="-122"/>
-                <a:ea typeface="DengXian" panose="02010600030101010101" pitchFamily="2" charset="-122"/>
-              </a:rPr>
-              <a:t> </a:t>
-            </a:r>
-            <a:r>
-              <a:rPr kumimoji="1" lang="en-US" altLang="zh-CN" sz="1200" dirty="0">
-                <a:latin typeface="DengXian" panose="02010600030101010101" pitchFamily="2" charset="-122"/>
-                <a:ea typeface="DengXian" panose="02010600030101010101" pitchFamily="2" charset="-122"/>
-              </a:rPr>
-              <a:t>transfer</a:t>
-            </a:r>
-          </a:p>
-          <a:p>
-            <a:r>
-              <a:rPr kumimoji="1" lang="en-US" altLang="zh-CN" sz="1200" b="1" dirty="0">
-                <a:latin typeface="DengXian" panose="02010600030101010101" pitchFamily="2" charset="-122"/>
-                <a:ea typeface="DengXian" panose="02010600030101010101" pitchFamily="2" charset="-122"/>
-              </a:rPr>
-              <a:t>edge2</a:t>
-            </a:r>
-            <a:r>
-              <a:rPr kumimoji="1" lang="en-US" altLang="zh-CN" sz="1200" dirty="0">
-                <a:latin typeface="DengXian" panose="02010600030101010101" pitchFamily="2" charset="-122"/>
-                <a:ea typeface="DengXian" panose="02010600030101010101" pitchFamily="2" charset="-122"/>
-              </a:rPr>
-              <a:t>.timestamp</a:t>
-            </a:r>
-            <a:r>
-              <a:rPr kumimoji="1" lang="zh-CN" altLang="en-US" sz="1200" dirty="0">
-                <a:latin typeface="DengXian" panose="02010600030101010101" pitchFamily="2" charset="-122"/>
-                <a:ea typeface="DengXian" panose="02010600030101010101" pitchFamily="2" charset="-122"/>
-              </a:rPr>
-              <a:t> </a:t>
-            </a:r>
-            <a:r>
-              <a:rPr kumimoji="1" lang="en-US" altLang="zh-CN" sz="1200" dirty="0">
-                <a:latin typeface="DengXian" panose="02010600030101010101" pitchFamily="2" charset="-122"/>
-                <a:ea typeface="DengXian" panose="02010600030101010101" pitchFamily="2" charset="-122"/>
-              </a:rPr>
-              <a:t>&gt;</a:t>
-            </a:r>
-            <a:r>
-              <a:rPr kumimoji="1" lang="zh-CN" altLang="en-US" sz="1200" dirty="0">
-                <a:latin typeface="DengXian" panose="02010600030101010101" pitchFamily="2" charset="-122"/>
-                <a:ea typeface="DengXian" panose="02010600030101010101" pitchFamily="2" charset="-122"/>
-              </a:rPr>
-              <a:t> </a:t>
-            </a:r>
-            <a:r>
-              <a:rPr kumimoji="1" lang="en-US" altLang="zh-CN" sz="1200" dirty="0">
-                <a:latin typeface="DengXian" panose="02010600030101010101" pitchFamily="2" charset="-122"/>
-                <a:ea typeface="DengXian" panose="02010600030101010101" pitchFamily="2" charset="-122"/>
-              </a:rPr>
-              <a:t>${</a:t>
-            </a:r>
-            <a:r>
-              <a:rPr kumimoji="1" lang="en-US" altLang="zh-CN" sz="1200" dirty="0" err="1">
-                <a:latin typeface="DengXian" panose="02010600030101010101" pitchFamily="2" charset="-122"/>
-                <a:ea typeface="DengXian" panose="02010600030101010101" pitchFamily="2" charset="-122"/>
-              </a:rPr>
-              <a:t>startTime</a:t>
-            </a:r>
-            <a:r>
-              <a:rPr kumimoji="1" lang="en-US" altLang="zh-CN" sz="1200" dirty="0">
-                <a:latin typeface="DengXian" panose="02010600030101010101" pitchFamily="2" charset="-122"/>
-                <a:ea typeface="DengXian" panose="02010600030101010101" pitchFamily="2" charset="-122"/>
-              </a:rPr>
-              <a:t>}</a:t>
-            </a:r>
-          </a:p>
-          <a:p>
-            <a:r>
-              <a:rPr kumimoji="1" lang="en-US" altLang="zh-CN" sz="1200" b="1" dirty="0">
-                <a:latin typeface="DengXian" panose="02010600030101010101" pitchFamily="2" charset="-122"/>
-                <a:ea typeface="DengXian" panose="02010600030101010101" pitchFamily="2" charset="-122"/>
-              </a:rPr>
-              <a:t>edge2</a:t>
-            </a:r>
-            <a:r>
-              <a:rPr kumimoji="1" lang="en-US" altLang="zh-CN" sz="1200" dirty="0">
-                <a:latin typeface="DengXian" panose="02010600030101010101" pitchFamily="2" charset="-122"/>
-                <a:ea typeface="DengXian" panose="02010600030101010101" pitchFamily="2" charset="-122"/>
-              </a:rPr>
-              <a:t>.timestamp</a:t>
-            </a:r>
-            <a:r>
-              <a:rPr kumimoji="1" lang="zh-CN" altLang="en-US" sz="1200" dirty="0">
-                <a:latin typeface="DengXian" panose="02010600030101010101" pitchFamily="2" charset="-122"/>
-                <a:ea typeface="DengXian" panose="02010600030101010101" pitchFamily="2" charset="-122"/>
-              </a:rPr>
-              <a:t> </a:t>
-            </a:r>
-            <a:r>
-              <a:rPr kumimoji="1" lang="en-US" altLang="zh-CN" sz="1200" dirty="0">
-                <a:latin typeface="DengXian" panose="02010600030101010101" pitchFamily="2" charset="-122"/>
-                <a:ea typeface="DengXian" panose="02010600030101010101" pitchFamily="2" charset="-122"/>
-              </a:rPr>
-              <a:t>&lt;</a:t>
-            </a:r>
-            <a:r>
-              <a:rPr kumimoji="1" lang="zh-CN" altLang="en-US" sz="1200" dirty="0">
-                <a:latin typeface="DengXian" panose="02010600030101010101" pitchFamily="2" charset="-122"/>
-                <a:ea typeface="DengXian" panose="02010600030101010101" pitchFamily="2" charset="-122"/>
-              </a:rPr>
-              <a:t> </a:t>
-            </a:r>
-            <a:r>
-              <a:rPr kumimoji="1" lang="en-US" altLang="zh-CN" sz="1200" dirty="0">
-                <a:latin typeface="DengXian" panose="02010600030101010101" pitchFamily="2" charset="-122"/>
-                <a:ea typeface="DengXian" panose="02010600030101010101" pitchFamily="2" charset="-122"/>
-              </a:rPr>
-              <a:t>${</a:t>
-            </a:r>
-            <a:r>
-              <a:rPr kumimoji="1" lang="en-US" altLang="zh-CN" sz="1200" dirty="0" err="1">
-                <a:latin typeface="DengXian" panose="02010600030101010101" pitchFamily="2" charset="-122"/>
-                <a:ea typeface="DengXian" panose="02010600030101010101" pitchFamily="2" charset="-122"/>
-              </a:rPr>
-              <a:t>endTime</a:t>
-            </a:r>
-            <a:r>
-              <a:rPr kumimoji="1" lang="en-US" altLang="zh-CN" sz="1200" dirty="0">
-                <a:latin typeface="DengXian" panose="02010600030101010101" pitchFamily="2" charset="-122"/>
-                <a:ea typeface="DengXian" panose="02010600030101010101" pitchFamily="2" charset="-122"/>
-              </a:rPr>
-              <a:t>}</a:t>
-            </a:r>
-          </a:p>
-        </p:txBody>
-      </p:sp>
-      <p:sp>
-        <p:nvSpPr>
-          <p:cNvPr id="22" name="矩形 4">
-            <a:extLst>
-              <a:ext uri="{FF2B5EF4-FFF2-40B4-BE49-F238E27FC236}">
-                <a16:creationId xmlns:a16="http://schemas.microsoft.com/office/drawing/2014/main" id="{FAF47002-4923-9384-3EF2-3048D237F34B}"/>
-              </a:ext>
-            </a:extLst>
-          </p:cNvPr>
-          <p:cNvSpPr/>
-          <p:nvPr/>
-        </p:nvSpPr>
-        <p:spPr>
-          <a:xfrm>
-            <a:off x="5724144" y="1334485"/>
-            <a:ext cx="2852928" cy="4417085"/>
-          </a:xfrm>
-          <a:prstGeom prst="rect">
-            <a:avLst/>
-          </a:prstGeom>
-          <a:noFill/>
-          <a:ln w="25400">
-            <a:solidFill>
-              <a:schemeClr val="tx1"/>
-            </a:solidFill>
-            <a:prstDash val="dash"/>
-          </a:ln>
-        </p:spPr>
-        <p:style>
-          <a:lnRef idx="2">
-            <a:schemeClr val="accent2">
-              <a:shade val="50000"/>
-            </a:schemeClr>
-          </a:lnRef>
-          <a:fillRef idx="1">
-            <a:schemeClr val="accent2"/>
-          </a:fillRef>
-          <a:effectRef idx="0">
-            <a:schemeClr val="accent2"/>
-          </a:effectRef>
-          <a:fontRef idx="minor">
-            <a:schemeClr val="lt1"/>
-          </a:fontRef>
-        </p:style>
-        <p:txBody>
-          <a:bodyPr rtlCol="0" anchor="b"/>
-          <a:lstStyle/>
-          <a:p>
-            <a:r>
-              <a:rPr kumimoji="1" lang="en-US" altLang="zh-CN" sz="1200" b="1" dirty="0">
-                <a:solidFill>
-                  <a:srgbClr val="FF0000"/>
-                </a:solidFill>
-                <a:latin typeface="DengXian" panose="02010600030101010101" pitchFamily="2" charset="-122"/>
-                <a:ea typeface="DengXian" panose="02010600030101010101" pitchFamily="2" charset="-122"/>
-              </a:rPr>
-              <a:t>RESULT</a:t>
-            </a:r>
-          </a:p>
-          <a:p>
-            <a:r>
-              <a:rPr kumimoji="1" lang="en-US" altLang="zh-CN" sz="1200" dirty="0" err="1">
-                <a:solidFill>
-                  <a:sysClr val="windowText" lastClr="000000"/>
-                </a:solidFill>
-                <a:latin typeface="DengXian" panose="02010600030101010101" pitchFamily="2" charset="-122"/>
-                <a:ea typeface="DengXian" panose="02010600030101010101" pitchFamily="2" charset="-122"/>
-              </a:rPr>
-              <a:t>compAccountId</a:t>
-            </a:r>
-            <a:r>
-              <a:rPr kumimoji="1" lang="en-US" altLang="zh-CN" sz="1200" dirty="0">
-                <a:solidFill>
-                  <a:sysClr val="windowText" lastClr="000000"/>
-                </a:solidFill>
-                <a:latin typeface="DengXian" panose="02010600030101010101" pitchFamily="2" charset="-122"/>
-                <a:ea typeface="DengXian" panose="02010600030101010101" pitchFamily="2" charset="-122"/>
-              </a:rPr>
-              <a:t>,</a:t>
-            </a:r>
-            <a:r>
-              <a:rPr kumimoji="1" lang="zh-CN" altLang="en-US" sz="1200" dirty="0">
-                <a:solidFill>
-                  <a:sysClr val="windowText" lastClr="000000"/>
-                </a:solidFill>
-                <a:latin typeface="DengXian" panose="02010600030101010101" pitchFamily="2" charset="-122"/>
-                <a:ea typeface="DengXian" panose="02010600030101010101" pitchFamily="2" charset="-122"/>
-              </a:rPr>
-              <a:t> </a:t>
-            </a:r>
-            <a:r>
-              <a:rPr kumimoji="1" lang="en-US" altLang="zh-CN" sz="1200" dirty="0">
-                <a:solidFill>
-                  <a:sysClr val="windowText" lastClr="000000"/>
-                </a:solidFill>
-                <a:latin typeface="DengXian" panose="02010600030101010101" pitchFamily="2" charset="-122"/>
-                <a:ea typeface="DengXian" panose="02010600030101010101" pitchFamily="2" charset="-122"/>
-              </a:rPr>
-              <a:t>SUM(edge2.amount)</a:t>
-            </a:r>
-          </a:p>
-        </p:txBody>
-      </p:sp>
-      <p:sp>
-        <p:nvSpPr>
-          <p:cNvPr id="10" name="矩形 9">
-            <a:extLst>
-              <a:ext uri="{FF2B5EF4-FFF2-40B4-BE49-F238E27FC236}">
-                <a16:creationId xmlns:a16="http://schemas.microsoft.com/office/drawing/2014/main" id="{ADFFFBB1-E550-E2FD-3E36-BF69279B87DD}"/>
-              </a:ext>
-            </a:extLst>
-          </p:cNvPr>
-          <p:cNvSpPr/>
-          <p:nvPr/>
-        </p:nvSpPr>
-        <p:spPr>
-          <a:xfrm>
-            <a:off x="4049041" y="1587060"/>
-            <a:ext cx="1571557" cy="505147"/>
-          </a:xfrm>
-          <a:prstGeom prst="rect">
-            <a:avLst/>
-          </a:prstGeom>
-          <a:solidFill>
-            <a:schemeClr val="accent5">
-              <a:lumMod val="60000"/>
-              <a:lumOff val="40000"/>
-            </a:schemeClr>
-          </a:solidFill>
-          <a:ln w="25400">
-            <a:solidFill>
-              <a:schemeClr val="tx1"/>
-            </a:solidFill>
-          </a:ln>
-        </p:spPr>
-        <p:style>
-          <a:lnRef idx="2">
-            <a:schemeClr val="accent2">
-              <a:shade val="50000"/>
-            </a:schemeClr>
-          </a:lnRef>
-          <a:fillRef idx="1">
-            <a:schemeClr val="accent2"/>
-          </a:fillRef>
-          <a:effectRef idx="0">
-            <a:schemeClr val="accent2"/>
-          </a:effectRef>
-          <a:fontRef idx="minor">
-            <a:schemeClr val="lt1"/>
-          </a:fontRef>
-        </p:style>
-        <p:txBody>
-          <a:bodyPr rtlCol="0" anchor="ctr"/>
-          <a:lstStyle/>
-          <a:p>
-            <a:pPr algn="ctr"/>
-            <a:r>
-              <a:rPr kumimoji="1" lang="en-US" altLang="zh-CN" sz="1200" b="1" dirty="0" err="1">
-                <a:solidFill>
-                  <a:sysClr val="windowText" lastClr="000000"/>
-                </a:solidFill>
-              </a:rPr>
-              <a:t>pAcc</a:t>
-            </a:r>
-            <a:r>
-              <a:rPr kumimoji="1" lang="zh-CN" altLang="en-US" sz="1200" dirty="0">
-                <a:solidFill>
-                  <a:sysClr val="windowText" lastClr="000000"/>
-                </a:solidFill>
-              </a:rPr>
-              <a:t> </a:t>
-            </a:r>
-            <a:r>
-              <a:rPr kumimoji="1" lang="en-US" altLang="zh-CN" sz="1200" dirty="0">
-                <a:solidFill>
-                  <a:sysClr val="windowText" lastClr="000000"/>
-                </a:solidFill>
-              </a:rPr>
-              <a:t>:</a:t>
-            </a:r>
-            <a:r>
-              <a:rPr kumimoji="1" lang="zh-CN" altLang="en-US" sz="1200" dirty="0">
-                <a:solidFill>
-                  <a:sysClr val="windowText" lastClr="000000"/>
-                </a:solidFill>
-              </a:rPr>
-              <a:t> </a:t>
-            </a:r>
-            <a:r>
-              <a:rPr kumimoji="1" lang="en-US" altLang="zh-CN" sz="1200" dirty="0">
-                <a:solidFill>
-                  <a:sysClr val="windowText" lastClr="000000"/>
-                </a:solidFill>
-              </a:rPr>
-              <a:t>Account</a:t>
-            </a:r>
-            <a:endParaRPr kumimoji="1" lang="zh-CN" altLang="en-US" sz="1200" dirty="0">
-              <a:solidFill>
-                <a:sysClr val="windowText" lastClr="000000"/>
-              </a:solidFill>
-            </a:endParaRPr>
-          </a:p>
-        </p:txBody>
-      </p:sp>
-      <p:sp>
-        <p:nvSpPr>
-          <p:cNvPr id="11" name="矩形 10">
-            <a:extLst>
-              <a:ext uri="{FF2B5EF4-FFF2-40B4-BE49-F238E27FC236}">
-                <a16:creationId xmlns:a16="http://schemas.microsoft.com/office/drawing/2014/main" id="{B0276ABD-9AAA-FD4F-7A1E-0F1B1045961F}"/>
-              </a:ext>
-            </a:extLst>
-          </p:cNvPr>
-          <p:cNvSpPr/>
-          <p:nvPr/>
-        </p:nvSpPr>
-        <p:spPr>
-          <a:xfrm>
-            <a:off x="6618926" y="1587060"/>
-            <a:ext cx="1571558" cy="505147"/>
-          </a:xfrm>
-          <a:prstGeom prst="rect">
-            <a:avLst/>
-          </a:prstGeom>
-          <a:solidFill>
-            <a:schemeClr val="accent5">
-              <a:lumMod val="60000"/>
-              <a:lumOff val="40000"/>
-            </a:schemeClr>
-          </a:solidFill>
-          <a:ln w="25400">
-            <a:solidFill>
-              <a:schemeClr val="tx1"/>
-            </a:solidFill>
-          </a:ln>
-        </p:spPr>
-        <p:style>
-          <a:lnRef idx="2">
-            <a:schemeClr val="accent2">
-              <a:shade val="50000"/>
-            </a:schemeClr>
-          </a:lnRef>
-          <a:fillRef idx="1">
-            <a:schemeClr val="accent2"/>
-          </a:fillRef>
-          <a:effectRef idx="0">
-            <a:schemeClr val="accent2"/>
-          </a:effectRef>
-          <a:fontRef idx="minor">
-            <a:schemeClr val="lt1"/>
-          </a:fontRef>
-        </p:style>
-        <p:txBody>
-          <a:bodyPr rtlCol="0" anchor="ctr"/>
-          <a:lstStyle/>
-          <a:p>
-            <a:pPr algn="ctr"/>
-            <a:r>
-              <a:rPr kumimoji="1" lang="en-US" altLang="zh-CN" sz="1200" b="1" dirty="0" err="1">
-                <a:solidFill>
-                  <a:sysClr val="windowText" lastClr="000000"/>
-                </a:solidFill>
-              </a:rPr>
-              <a:t>compAcc</a:t>
-            </a:r>
-            <a:r>
-              <a:rPr kumimoji="1" lang="zh-CN" altLang="en-US" sz="1200" dirty="0">
-                <a:solidFill>
-                  <a:sysClr val="windowText" lastClr="000000"/>
-                </a:solidFill>
-              </a:rPr>
-              <a:t> </a:t>
-            </a:r>
-            <a:r>
-              <a:rPr kumimoji="1" lang="en-US" altLang="zh-CN" sz="1200" dirty="0">
-                <a:solidFill>
-                  <a:sysClr val="windowText" lastClr="000000"/>
-                </a:solidFill>
-              </a:rPr>
-              <a:t>:</a:t>
-            </a:r>
-            <a:r>
-              <a:rPr kumimoji="1" lang="zh-CN" altLang="en-US" sz="1200" dirty="0">
-                <a:solidFill>
-                  <a:sysClr val="windowText" lastClr="000000"/>
-                </a:solidFill>
-              </a:rPr>
-              <a:t> </a:t>
-            </a:r>
-            <a:r>
-              <a:rPr kumimoji="1" lang="en-US" altLang="zh-CN" sz="1200" dirty="0">
-                <a:solidFill>
-                  <a:sysClr val="windowText" lastClr="000000"/>
-                </a:solidFill>
-              </a:rPr>
-              <a:t>Account</a:t>
-            </a:r>
-            <a:endParaRPr kumimoji="1" lang="zh-CN" altLang="en-US" sz="1200" dirty="0">
-              <a:solidFill>
-                <a:sysClr val="windowText" lastClr="000000"/>
-              </a:solidFill>
-            </a:endParaRPr>
-          </a:p>
-        </p:txBody>
-      </p:sp>
-      <p:sp>
-        <p:nvSpPr>
-          <p:cNvPr id="24" name="矩形 5">
-            <a:extLst>
-              <a:ext uri="{FF2B5EF4-FFF2-40B4-BE49-F238E27FC236}">
-                <a16:creationId xmlns:a16="http://schemas.microsoft.com/office/drawing/2014/main" id="{2E9B4739-3F2D-80A4-0F14-A410D6917026}"/>
-              </a:ext>
-            </a:extLst>
-          </p:cNvPr>
-          <p:cNvSpPr/>
-          <p:nvPr/>
-        </p:nvSpPr>
-        <p:spPr>
-          <a:xfrm>
-            <a:off x="9513540" y="1587060"/>
-            <a:ext cx="1571558" cy="505147"/>
-          </a:xfrm>
-          <a:prstGeom prst="rect">
-            <a:avLst/>
-          </a:prstGeom>
-          <a:solidFill>
-            <a:srgbClr val="FF0000">
-              <a:alpha val="30000"/>
-            </a:srgbClr>
-          </a:solidFill>
-          <a:ln w="25400">
-            <a:solidFill>
-              <a:schemeClr val="tx1"/>
-            </a:solidFill>
-          </a:ln>
-        </p:spPr>
-        <p:style>
-          <a:lnRef idx="2">
-            <a:schemeClr val="accent2">
-              <a:shade val="50000"/>
-            </a:schemeClr>
-          </a:lnRef>
-          <a:fillRef idx="1">
-            <a:schemeClr val="accent2"/>
-          </a:fillRef>
-          <a:effectRef idx="0">
-            <a:schemeClr val="accent2"/>
-          </a:effectRef>
-          <a:fontRef idx="minor">
-            <a:schemeClr val="lt1"/>
-          </a:fontRef>
-        </p:style>
-        <p:txBody>
-          <a:bodyPr rtlCol="0" anchor="ctr"/>
-          <a:lstStyle/>
-          <a:p>
-            <a:pPr algn="ctr"/>
-            <a:r>
-              <a:rPr kumimoji="1" lang="en-US" altLang="zh-CN" sz="1200" b="1" dirty="0">
-                <a:solidFill>
-                  <a:sysClr val="windowText" lastClr="000000"/>
-                </a:solidFill>
-              </a:rPr>
-              <a:t>company</a:t>
-            </a:r>
-            <a:r>
-              <a:rPr kumimoji="1" lang="zh-CN" altLang="en-US" sz="1200" dirty="0">
-                <a:solidFill>
-                  <a:sysClr val="windowText" lastClr="000000"/>
-                </a:solidFill>
-              </a:rPr>
-              <a:t> </a:t>
-            </a:r>
-            <a:r>
-              <a:rPr kumimoji="1" lang="en-US" altLang="zh-CN" sz="1200" dirty="0">
-                <a:solidFill>
-                  <a:sysClr val="windowText" lastClr="000000"/>
-                </a:solidFill>
-              </a:rPr>
-              <a:t>:</a:t>
-            </a:r>
-            <a:r>
-              <a:rPr kumimoji="1" lang="zh-CN" altLang="en-US" sz="1200" dirty="0">
-                <a:solidFill>
-                  <a:sysClr val="windowText" lastClr="000000"/>
-                </a:solidFill>
-              </a:rPr>
-              <a:t> </a:t>
-            </a:r>
-            <a:r>
-              <a:rPr kumimoji="1" lang="en-US" altLang="zh-CN" sz="1200" dirty="0">
-                <a:solidFill>
-                  <a:sysClr val="windowText" lastClr="000000"/>
-                </a:solidFill>
-              </a:rPr>
-              <a:t>Company</a:t>
-            </a:r>
-            <a:endParaRPr kumimoji="1" lang="zh-CN" altLang="en-US" sz="1200" dirty="0">
-              <a:solidFill>
-                <a:sysClr val="windowText" lastClr="000000"/>
-              </a:solidFill>
-            </a:endParaRPr>
-          </a:p>
-        </p:txBody>
-      </p:sp>
-      <p:cxnSp>
-        <p:nvCxnSpPr>
-          <p:cNvPr id="28" name="直线箭头连接符 7" descr="jytjh">
-            <a:extLst>
-              <a:ext uri="{FF2B5EF4-FFF2-40B4-BE49-F238E27FC236}">
-                <a16:creationId xmlns:a16="http://schemas.microsoft.com/office/drawing/2014/main" id="{DF48A6C2-5718-A594-975E-39F57480017F}"/>
-              </a:ext>
-            </a:extLst>
-          </p:cNvPr>
-          <p:cNvCxnSpPr>
-            <a:cxnSpLocks/>
-            <a:stCxn id="10" idx="3"/>
-            <a:endCxn id="11" idx="1"/>
-          </p:cNvCxnSpPr>
-          <p:nvPr/>
-        </p:nvCxnSpPr>
-        <p:spPr>
-          <a:xfrm>
-            <a:off x="5620598" y="1839634"/>
-            <a:ext cx="998328" cy="0"/>
-          </a:xfrm>
-          <a:prstGeom prst="straightConnector1">
-            <a:avLst/>
-          </a:prstGeom>
-          <a:ln w="19050">
-            <a:solidFill>
-              <a:schemeClr val="tx1"/>
-            </a:solidFill>
-            <a:headEnd type="none" w="sm" len="lg"/>
-            <a:tailEnd type="arrow" w="sm" len="lg"/>
-          </a:ln>
-        </p:spPr>
-        <p:style>
-          <a:lnRef idx="1">
-            <a:schemeClr val="accent1"/>
-          </a:lnRef>
-          <a:fillRef idx="0">
-            <a:schemeClr val="accent1"/>
-          </a:fillRef>
-          <a:effectRef idx="0">
-            <a:schemeClr val="accent1"/>
-          </a:effectRef>
-          <a:fontRef idx="minor">
-            <a:schemeClr val="tx1"/>
-          </a:fontRef>
-        </p:style>
-      </p:cxnSp>
-      <p:cxnSp>
-        <p:nvCxnSpPr>
-          <p:cNvPr id="31" name="直线箭头连接符 7" descr="jytjh">
-            <a:extLst>
-              <a:ext uri="{FF2B5EF4-FFF2-40B4-BE49-F238E27FC236}">
-                <a16:creationId xmlns:a16="http://schemas.microsoft.com/office/drawing/2014/main" id="{7F1579A2-1A92-79E9-22A6-9DA3BDF731AD}"/>
-              </a:ext>
-            </a:extLst>
-          </p:cNvPr>
-          <p:cNvCxnSpPr>
-            <a:cxnSpLocks/>
-            <a:stCxn id="24" idx="1"/>
-            <a:endCxn id="11" idx="3"/>
-          </p:cNvCxnSpPr>
-          <p:nvPr/>
-        </p:nvCxnSpPr>
-        <p:spPr>
-          <a:xfrm flipH="1">
-            <a:off x="8190484" y="1839634"/>
-            <a:ext cx="1323056" cy="0"/>
-          </a:xfrm>
-          <a:prstGeom prst="straightConnector1">
-            <a:avLst/>
-          </a:prstGeom>
-          <a:ln w="19050">
-            <a:solidFill>
-              <a:schemeClr val="tx1"/>
-            </a:solidFill>
-            <a:headEnd type="none" w="sm" len="lg"/>
-            <a:tailEnd type="arrow" w="sm" len="lg"/>
-          </a:ln>
-        </p:spPr>
-        <p:style>
-          <a:lnRef idx="1">
-            <a:schemeClr val="accent1"/>
-          </a:lnRef>
-          <a:fillRef idx="0">
-            <a:schemeClr val="accent1"/>
-          </a:fillRef>
-          <a:effectRef idx="0">
-            <a:schemeClr val="accent1"/>
-          </a:effectRef>
-          <a:fontRef idx="minor">
-            <a:schemeClr val="tx1"/>
-          </a:fontRef>
-        </p:style>
-      </p:cxnSp>
-      <p:cxnSp>
-        <p:nvCxnSpPr>
-          <p:cNvPr id="39" name="直线箭头连接符 7" descr="jytjh">
-            <a:extLst>
-              <a:ext uri="{FF2B5EF4-FFF2-40B4-BE49-F238E27FC236}">
-                <a16:creationId xmlns:a16="http://schemas.microsoft.com/office/drawing/2014/main" id="{140BFA3F-3363-AA88-7AAB-1FE0F9FAFA91}"/>
-              </a:ext>
-            </a:extLst>
-          </p:cNvPr>
-          <p:cNvCxnSpPr>
-            <a:cxnSpLocks/>
-            <a:stCxn id="10" idx="3"/>
-            <a:endCxn id="78" idx="1"/>
-          </p:cNvCxnSpPr>
-          <p:nvPr/>
-        </p:nvCxnSpPr>
-        <p:spPr>
-          <a:xfrm>
-            <a:off x="5620598" y="1839634"/>
-            <a:ext cx="998328" cy="1024914"/>
-          </a:xfrm>
-          <a:prstGeom prst="straightConnector1">
-            <a:avLst/>
-          </a:prstGeom>
-          <a:ln w="19050">
-            <a:solidFill>
-              <a:schemeClr val="tx1"/>
-            </a:solidFill>
-            <a:headEnd type="none" w="sm" len="lg"/>
-            <a:tailEnd type="arrow" w="sm" len="lg"/>
-          </a:ln>
-        </p:spPr>
-        <p:style>
-          <a:lnRef idx="1">
-            <a:schemeClr val="accent1"/>
-          </a:lnRef>
-          <a:fillRef idx="0">
-            <a:schemeClr val="accent1"/>
-          </a:fillRef>
-          <a:effectRef idx="0">
-            <a:schemeClr val="accent1"/>
-          </a:effectRef>
-          <a:fontRef idx="minor">
-            <a:schemeClr val="tx1"/>
-          </a:fontRef>
-        </p:style>
-      </p:cxnSp>
-      <p:sp>
-        <p:nvSpPr>
-          <p:cNvPr id="47" name="矩形 9">
-            <a:extLst>
-              <a:ext uri="{FF2B5EF4-FFF2-40B4-BE49-F238E27FC236}">
-                <a16:creationId xmlns:a16="http://schemas.microsoft.com/office/drawing/2014/main" id="{89D4E3AB-E8CF-BCFD-7DC5-4EE9540F47D2}"/>
-              </a:ext>
-            </a:extLst>
-          </p:cNvPr>
-          <p:cNvSpPr/>
-          <p:nvPr/>
-        </p:nvSpPr>
-        <p:spPr>
-          <a:xfrm>
-            <a:off x="4049041" y="4676145"/>
-            <a:ext cx="1571557" cy="505147"/>
-          </a:xfrm>
-          <a:prstGeom prst="rect">
-            <a:avLst/>
-          </a:prstGeom>
-          <a:solidFill>
-            <a:schemeClr val="accent5">
-              <a:lumMod val="60000"/>
-              <a:lumOff val="40000"/>
-            </a:schemeClr>
-          </a:solidFill>
-          <a:ln w="25400">
-            <a:solidFill>
-              <a:schemeClr val="tx1"/>
-            </a:solidFill>
-          </a:ln>
-        </p:spPr>
-        <p:style>
-          <a:lnRef idx="2">
-            <a:schemeClr val="accent2">
-              <a:shade val="50000"/>
-            </a:schemeClr>
-          </a:lnRef>
-          <a:fillRef idx="1">
-            <a:schemeClr val="accent2"/>
-          </a:fillRef>
-          <a:effectRef idx="0">
-            <a:schemeClr val="accent2"/>
-          </a:effectRef>
-          <a:fontRef idx="minor">
-            <a:schemeClr val="lt1"/>
-          </a:fontRef>
-        </p:style>
-        <p:txBody>
-          <a:bodyPr rtlCol="0" anchor="ctr"/>
-          <a:lstStyle/>
-          <a:p>
-            <a:pPr algn="ctr"/>
-            <a:r>
-              <a:rPr kumimoji="1" lang="en-US" altLang="zh-CN" sz="1200" b="1" dirty="0" err="1">
-                <a:solidFill>
-                  <a:sysClr val="windowText" lastClr="000000"/>
-                </a:solidFill>
-              </a:rPr>
-              <a:t>pAcc</a:t>
-            </a:r>
-            <a:r>
-              <a:rPr kumimoji="1" lang="zh-CN" altLang="en-US" sz="1200" dirty="0">
-                <a:solidFill>
-                  <a:sysClr val="windowText" lastClr="000000"/>
-                </a:solidFill>
-              </a:rPr>
-              <a:t> </a:t>
-            </a:r>
-            <a:r>
-              <a:rPr kumimoji="1" lang="en-US" altLang="zh-CN" sz="1200" dirty="0">
-                <a:solidFill>
-                  <a:sysClr val="windowText" lastClr="000000"/>
-                </a:solidFill>
-              </a:rPr>
-              <a:t>:</a:t>
-            </a:r>
-            <a:r>
-              <a:rPr kumimoji="1" lang="zh-CN" altLang="en-US" sz="1200" dirty="0">
-                <a:solidFill>
-                  <a:sysClr val="windowText" lastClr="000000"/>
-                </a:solidFill>
-              </a:rPr>
-              <a:t> </a:t>
-            </a:r>
-            <a:r>
-              <a:rPr kumimoji="1" lang="en-US" altLang="zh-CN" sz="1200" dirty="0">
-                <a:solidFill>
-                  <a:sysClr val="windowText" lastClr="000000"/>
-                </a:solidFill>
-              </a:rPr>
-              <a:t>Account</a:t>
-            </a:r>
-            <a:endParaRPr kumimoji="1" lang="zh-CN" altLang="en-US" sz="1200" dirty="0">
-              <a:solidFill>
-                <a:sysClr val="windowText" lastClr="000000"/>
-              </a:solidFill>
-            </a:endParaRPr>
-          </a:p>
-        </p:txBody>
-      </p:sp>
-      <p:sp>
-        <p:nvSpPr>
-          <p:cNvPr id="48" name="矩形 10">
-            <a:extLst>
-              <a:ext uri="{FF2B5EF4-FFF2-40B4-BE49-F238E27FC236}">
-                <a16:creationId xmlns:a16="http://schemas.microsoft.com/office/drawing/2014/main" id="{DF4374BD-E5C7-D5EF-2FEC-3A9E36729310}"/>
-              </a:ext>
-            </a:extLst>
-          </p:cNvPr>
-          <p:cNvSpPr/>
-          <p:nvPr/>
-        </p:nvSpPr>
-        <p:spPr>
-          <a:xfrm>
-            <a:off x="6618926" y="4676145"/>
-            <a:ext cx="1571558" cy="505147"/>
-          </a:xfrm>
-          <a:prstGeom prst="rect">
-            <a:avLst/>
-          </a:prstGeom>
-          <a:solidFill>
-            <a:schemeClr val="accent5">
-              <a:lumMod val="60000"/>
-              <a:lumOff val="40000"/>
-            </a:schemeClr>
-          </a:solidFill>
-          <a:ln w="25400">
-            <a:solidFill>
-              <a:schemeClr val="tx1"/>
-            </a:solidFill>
-          </a:ln>
-        </p:spPr>
-        <p:style>
-          <a:lnRef idx="2">
-            <a:schemeClr val="accent2">
-              <a:shade val="50000"/>
-            </a:schemeClr>
-          </a:lnRef>
-          <a:fillRef idx="1">
-            <a:schemeClr val="accent2"/>
-          </a:fillRef>
-          <a:effectRef idx="0">
-            <a:schemeClr val="accent2"/>
-          </a:effectRef>
-          <a:fontRef idx="minor">
-            <a:schemeClr val="lt1"/>
-          </a:fontRef>
-        </p:style>
-        <p:txBody>
-          <a:bodyPr rtlCol="0" anchor="ctr"/>
-          <a:lstStyle/>
-          <a:p>
-            <a:pPr algn="ctr"/>
-            <a:r>
-              <a:rPr kumimoji="1" lang="en-US" altLang="zh-CN" sz="1200" b="1" dirty="0" err="1">
-                <a:solidFill>
-                  <a:sysClr val="windowText" lastClr="000000"/>
-                </a:solidFill>
-              </a:rPr>
-              <a:t>compAcc</a:t>
-            </a:r>
-            <a:r>
-              <a:rPr kumimoji="1" lang="zh-CN" altLang="en-US" sz="1200" dirty="0">
-                <a:solidFill>
-                  <a:sysClr val="windowText" lastClr="000000"/>
-                </a:solidFill>
-              </a:rPr>
-              <a:t> </a:t>
-            </a:r>
-            <a:r>
-              <a:rPr kumimoji="1" lang="en-US" altLang="zh-CN" sz="1200" dirty="0">
-                <a:solidFill>
-                  <a:sysClr val="windowText" lastClr="000000"/>
-                </a:solidFill>
-              </a:rPr>
-              <a:t>:</a:t>
-            </a:r>
-            <a:r>
-              <a:rPr kumimoji="1" lang="zh-CN" altLang="en-US" sz="1200" dirty="0">
-                <a:solidFill>
-                  <a:sysClr val="windowText" lastClr="000000"/>
-                </a:solidFill>
-              </a:rPr>
-              <a:t> </a:t>
-            </a:r>
-            <a:r>
-              <a:rPr kumimoji="1" lang="en-US" altLang="zh-CN" sz="1200" dirty="0">
-                <a:solidFill>
-                  <a:sysClr val="windowText" lastClr="000000"/>
-                </a:solidFill>
-              </a:rPr>
-              <a:t>Account</a:t>
-            </a:r>
-            <a:endParaRPr kumimoji="1" lang="zh-CN" altLang="en-US" sz="1200" dirty="0">
-              <a:solidFill>
-                <a:sysClr val="windowText" lastClr="000000"/>
-              </a:solidFill>
-            </a:endParaRPr>
-          </a:p>
-        </p:txBody>
-      </p:sp>
-      <p:sp>
-        <p:nvSpPr>
-          <p:cNvPr id="49" name="矩形 5">
-            <a:extLst>
-              <a:ext uri="{FF2B5EF4-FFF2-40B4-BE49-F238E27FC236}">
-                <a16:creationId xmlns:a16="http://schemas.microsoft.com/office/drawing/2014/main" id="{61A2AF20-55E0-EE68-5D7D-852BFA797B81}"/>
-              </a:ext>
-            </a:extLst>
-          </p:cNvPr>
-          <p:cNvSpPr/>
-          <p:nvPr/>
-        </p:nvSpPr>
-        <p:spPr>
-          <a:xfrm>
-            <a:off x="9513540" y="4676145"/>
-            <a:ext cx="1571558" cy="505147"/>
-          </a:xfrm>
-          <a:prstGeom prst="rect">
-            <a:avLst/>
-          </a:prstGeom>
-          <a:solidFill>
-            <a:srgbClr val="FF0000">
-              <a:alpha val="30000"/>
-            </a:srgbClr>
-          </a:solidFill>
-          <a:ln w="25400">
-            <a:solidFill>
-              <a:schemeClr val="tx1"/>
-            </a:solidFill>
-          </a:ln>
-        </p:spPr>
-        <p:style>
-          <a:lnRef idx="2">
-            <a:schemeClr val="accent2">
-              <a:shade val="50000"/>
-            </a:schemeClr>
-          </a:lnRef>
-          <a:fillRef idx="1">
-            <a:schemeClr val="accent2"/>
-          </a:fillRef>
-          <a:effectRef idx="0">
-            <a:schemeClr val="accent2"/>
-          </a:effectRef>
-          <a:fontRef idx="minor">
-            <a:schemeClr val="lt1"/>
-          </a:fontRef>
-        </p:style>
-        <p:txBody>
-          <a:bodyPr rtlCol="0" anchor="ctr"/>
-          <a:lstStyle/>
-          <a:p>
-            <a:pPr algn="ctr"/>
-            <a:r>
-              <a:rPr kumimoji="1" lang="en-US" altLang="zh-CN" sz="1200" b="1" dirty="0">
-                <a:solidFill>
-                  <a:sysClr val="windowText" lastClr="000000"/>
-                </a:solidFill>
-              </a:rPr>
-              <a:t>company</a:t>
-            </a:r>
-            <a:r>
-              <a:rPr kumimoji="1" lang="zh-CN" altLang="en-US" sz="1200" dirty="0">
-                <a:solidFill>
-                  <a:sysClr val="windowText" lastClr="000000"/>
-                </a:solidFill>
-              </a:rPr>
-              <a:t> </a:t>
-            </a:r>
-            <a:r>
-              <a:rPr kumimoji="1" lang="en-US" altLang="zh-CN" sz="1200" dirty="0">
-                <a:solidFill>
-                  <a:sysClr val="windowText" lastClr="000000"/>
-                </a:solidFill>
-              </a:rPr>
-              <a:t>:</a:t>
-            </a:r>
-            <a:r>
-              <a:rPr kumimoji="1" lang="zh-CN" altLang="en-US" sz="1200" dirty="0">
-                <a:solidFill>
-                  <a:sysClr val="windowText" lastClr="000000"/>
-                </a:solidFill>
-              </a:rPr>
-              <a:t> </a:t>
-            </a:r>
-            <a:r>
-              <a:rPr kumimoji="1" lang="en-US" altLang="zh-CN" sz="1200" dirty="0">
-                <a:solidFill>
-                  <a:sysClr val="windowText" lastClr="000000"/>
-                </a:solidFill>
-              </a:rPr>
-              <a:t>Company</a:t>
-            </a:r>
-            <a:endParaRPr kumimoji="1" lang="zh-CN" altLang="en-US" sz="1200" dirty="0">
-              <a:solidFill>
-                <a:sysClr val="windowText" lastClr="000000"/>
-              </a:solidFill>
-            </a:endParaRPr>
-          </a:p>
-        </p:txBody>
-      </p:sp>
-      <p:cxnSp>
-        <p:nvCxnSpPr>
-          <p:cNvPr id="50" name="直线箭头连接符 7" descr="jytjh">
-            <a:extLst>
-              <a:ext uri="{FF2B5EF4-FFF2-40B4-BE49-F238E27FC236}">
-                <a16:creationId xmlns:a16="http://schemas.microsoft.com/office/drawing/2014/main" id="{8CFD6883-199C-2811-2B83-8C87FC69BCDF}"/>
-              </a:ext>
-            </a:extLst>
-          </p:cNvPr>
-          <p:cNvCxnSpPr>
-            <a:cxnSpLocks/>
-            <a:stCxn id="47" idx="3"/>
-            <a:endCxn id="48" idx="1"/>
-          </p:cNvCxnSpPr>
-          <p:nvPr/>
-        </p:nvCxnSpPr>
-        <p:spPr>
-          <a:xfrm>
-            <a:off x="5620598" y="4928719"/>
-            <a:ext cx="998328" cy="0"/>
-          </a:xfrm>
-          <a:prstGeom prst="straightConnector1">
-            <a:avLst/>
-          </a:prstGeom>
-          <a:ln w="19050">
-            <a:solidFill>
-              <a:schemeClr val="tx1"/>
-            </a:solidFill>
-            <a:headEnd type="none" w="sm" len="lg"/>
-            <a:tailEnd type="arrow" w="sm" len="lg"/>
-          </a:ln>
-        </p:spPr>
-        <p:style>
-          <a:lnRef idx="1">
-            <a:schemeClr val="accent1"/>
-          </a:lnRef>
-          <a:fillRef idx="0">
-            <a:schemeClr val="accent1"/>
-          </a:fillRef>
-          <a:effectRef idx="0">
-            <a:schemeClr val="accent1"/>
-          </a:effectRef>
-          <a:fontRef idx="minor">
-            <a:schemeClr val="tx1"/>
-          </a:fontRef>
-        </p:style>
-      </p:cxnSp>
-      <p:cxnSp>
-        <p:nvCxnSpPr>
-          <p:cNvPr id="51" name="直线箭头连接符 7" descr="jytjh">
-            <a:extLst>
-              <a:ext uri="{FF2B5EF4-FFF2-40B4-BE49-F238E27FC236}">
-                <a16:creationId xmlns:a16="http://schemas.microsoft.com/office/drawing/2014/main" id="{7F12A183-10BF-ABD8-78FA-F15754672AD7}"/>
-              </a:ext>
-            </a:extLst>
-          </p:cNvPr>
-          <p:cNvCxnSpPr>
-            <a:cxnSpLocks/>
-            <a:stCxn id="49" idx="1"/>
-            <a:endCxn id="48" idx="3"/>
-          </p:cNvCxnSpPr>
-          <p:nvPr/>
-        </p:nvCxnSpPr>
-        <p:spPr>
-          <a:xfrm flipH="1">
-            <a:off x="8190484" y="4928719"/>
-            <a:ext cx="1323056" cy="0"/>
-          </a:xfrm>
-          <a:prstGeom prst="straightConnector1">
-            <a:avLst/>
-          </a:prstGeom>
-          <a:ln w="19050">
-            <a:solidFill>
-              <a:schemeClr val="tx1"/>
-            </a:solidFill>
-            <a:headEnd type="none" w="sm" len="lg"/>
-            <a:tailEnd type="arrow" w="sm" len="lg"/>
-          </a:ln>
-        </p:spPr>
-        <p:style>
-          <a:lnRef idx="1">
-            <a:schemeClr val="accent1"/>
-          </a:lnRef>
-          <a:fillRef idx="0">
-            <a:schemeClr val="accent1"/>
-          </a:fillRef>
-          <a:effectRef idx="0">
-            <a:schemeClr val="accent1"/>
-          </a:effectRef>
-          <a:fontRef idx="minor">
-            <a:schemeClr val="tx1"/>
-          </a:fontRef>
-        </p:style>
-      </p:cxnSp>
-      <p:sp>
-        <p:nvSpPr>
-          <p:cNvPr id="52" name="矩形 9">
-            <a:extLst>
-              <a:ext uri="{FF2B5EF4-FFF2-40B4-BE49-F238E27FC236}">
-                <a16:creationId xmlns:a16="http://schemas.microsoft.com/office/drawing/2014/main" id="{4303A0ED-B67C-1082-2014-D57F0B4281A5}"/>
-              </a:ext>
-            </a:extLst>
-          </p:cNvPr>
-          <p:cNvSpPr/>
-          <p:nvPr/>
-        </p:nvSpPr>
-        <p:spPr>
-          <a:xfrm>
-            <a:off x="4049041" y="3131602"/>
-            <a:ext cx="1571557" cy="505147"/>
-          </a:xfrm>
-          <a:prstGeom prst="rect">
-            <a:avLst/>
-          </a:prstGeom>
-          <a:noFill/>
-          <a:ln w="25400">
-            <a:noFill/>
-          </a:ln>
-        </p:spPr>
-        <p:style>
-          <a:lnRef idx="2">
-            <a:schemeClr val="accent2">
-              <a:shade val="50000"/>
-            </a:schemeClr>
-          </a:lnRef>
-          <a:fillRef idx="1">
-            <a:schemeClr val="accent2"/>
-          </a:fillRef>
-          <a:effectRef idx="0">
-            <a:schemeClr val="accent2"/>
-          </a:effectRef>
-          <a:fontRef idx="minor">
-            <a:schemeClr val="lt1"/>
-          </a:fontRef>
-        </p:style>
-        <p:txBody>
-          <a:bodyPr rtlCol="0" anchor="ctr"/>
-          <a:lstStyle/>
-          <a:p>
-            <a:pPr algn="ctr"/>
-            <a:r>
-              <a:rPr kumimoji="1" lang="en-US" altLang="zh-CN" b="1" dirty="0">
-                <a:solidFill>
-                  <a:sysClr val="windowText" lastClr="000000"/>
-                </a:solidFill>
-              </a:rPr>
-              <a:t>…</a:t>
-            </a:r>
-            <a:endParaRPr kumimoji="1" lang="zh-CN" altLang="en-US" dirty="0">
-              <a:solidFill>
-                <a:sysClr val="windowText" lastClr="000000"/>
-              </a:solidFill>
-            </a:endParaRPr>
-          </a:p>
-        </p:txBody>
-      </p:sp>
-      <p:cxnSp>
-        <p:nvCxnSpPr>
-          <p:cNvPr id="60" name="直线箭头连接符 7" descr="jytjh">
-            <a:extLst>
-              <a:ext uri="{FF2B5EF4-FFF2-40B4-BE49-F238E27FC236}">
-                <a16:creationId xmlns:a16="http://schemas.microsoft.com/office/drawing/2014/main" id="{D98A0F09-4769-624A-2B16-0628E8D760EC}"/>
-              </a:ext>
-            </a:extLst>
-          </p:cNvPr>
-          <p:cNvCxnSpPr>
-            <a:cxnSpLocks/>
-            <a:stCxn id="6" idx="3"/>
-            <a:endCxn id="52" idx="1"/>
-          </p:cNvCxnSpPr>
-          <p:nvPr/>
-        </p:nvCxnSpPr>
-        <p:spPr>
-          <a:xfrm>
-            <a:off x="2450790" y="1839634"/>
-            <a:ext cx="1598251" cy="1544542"/>
-          </a:xfrm>
-          <a:prstGeom prst="straightConnector1">
-            <a:avLst/>
-          </a:prstGeom>
-          <a:ln w="19050">
-            <a:solidFill>
-              <a:schemeClr val="tx1"/>
-            </a:solidFill>
-            <a:headEnd type="none" w="sm" len="lg"/>
-            <a:tailEnd type="arrow" w="sm" len="lg"/>
-          </a:ln>
-        </p:spPr>
-        <p:style>
-          <a:lnRef idx="1">
-            <a:schemeClr val="accent1"/>
-          </a:lnRef>
-          <a:fillRef idx="0">
-            <a:schemeClr val="accent1"/>
-          </a:fillRef>
-          <a:effectRef idx="0">
-            <a:schemeClr val="accent1"/>
-          </a:effectRef>
-          <a:fontRef idx="minor">
-            <a:schemeClr val="tx1"/>
-          </a:fontRef>
-        </p:style>
-      </p:cxnSp>
-      <p:cxnSp>
-        <p:nvCxnSpPr>
-          <p:cNvPr id="63" name="直线箭头连接符 7" descr="jytjh">
-            <a:extLst>
-              <a:ext uri="{FF2B5EF4-FFF2-40B4-BE49-F238E27FC236}">
-                <a16:creationId xmlns:a16="http://schemas.microsoft.com/office/drawing/2014/main" id="{2CC2C003-DCCB-77E8-1121-C6983BEBE0C4}"/>
-              </a:ext>
-            </a:extLst>
-          </p:cNvPr>
-          <p:cNvCxnSpPr>
-            <a:cxnSpLocks/>
-            <a:stCxn id="6" idx="3"/>
-            <a:endCxn id="47" idx="1"/>
-          </p:cNvCxnSpPr>
-          <p:nvPr/>
-        </p:nvCxnSpPr>
-        <p:spPr>
-          <a:xfrm>
-            <a:off x="2450790" y="1839634"/>
-            <a:ext cx="1598251" cy="3089085"/>
-          </a:xfrm>
-          <a:prstGeom prst="straightConnector1">
-            <a:avLst/>
-          </a:prstGeom>
-          <a:ln w="19050">
-            <a:solidFill>
-              <a:schemeClr val="tx1"/>
-            </a:solidFill>
-            <a:headEnd type="none" w="sm" len="lg"/>
-            <a:tailEnd type="arrow" w="sm" len="lg"/>
-          </a:ln>
-        </p:spPr>
-        <p:style>
-          <a:lnRef idx="1">
-            <a:schemeClr val="accent1"/>
-          </a:lnRef>
-          <a:fillRef idx="0">
-            <a:schemeClr val="accent1"/>
-          </a:fillRef>
-          <a:effectRef idx="0">
-            <a:schemeClr val="accent1"/>
-          </a:effectRef>
-          <a:fontRef idx="minor">
-            <a:schemeClr val="tx1"/>
-          </a:fontRef>
-        </p:style>
-      </p:cxnSp>
-      <p:sp>
-        <p:nvSpPr>
-          <p:cNvPr id="66" name="文本框 8">
-            <a:extLst>
-              <a:ext uri="{FF2B5EF4-FFF2-40B4-BE49-F238E27FC236}">
-                <a16:creationId xmlns:a16="http://schemas.microsoft.com/office/drawing/2014/main" id="{3C41D794-086B-1185-ABB5-7FB13678F1C7}"/>
-              </a:ext>
-            </a:extLst>
-          </p:cNvPr>
-          <p:cNvSpPr txBox="1"/>
-          <p:nvPr/>
-        </p:nvSpPr>
-        <p:spPr>
-          <a:xfrm>
-            <a:off x="2658493" y="1530930"/>
-            <a:ext cx="1182845" cy="276999"/>
-          </a:xfrm>
-          <a:prstGeom prst="rect">
-            <a:avLst/>
-          </a:prstGeom>
-          <a:noFill/>
-        </p:spPr>
-        <p:txBody>
-          <a:bodyPr wrap="square" rtlCol="0">
-            <a:spAutoFit/>
-          </a:bodyPr>
-          <a:lstStyle/>
-          <a:p>
-            <a:pPr algn="ctr"/>
-            <a:r>
-              <a:rPr kumimoji="1" lang="en-US" altLang="zh-CN" sz="1200" b="1" dirty="0">
-                <a:latin typeface="DengXian" panose="02010600030101010101" pitchFamily="2" charset="-122"/>
-                <a:ea typeface="DengXian" panose="02010600030101010101" pitchFamily="2" charset="-122"/>
-              </a:rPr>
-              <a:t>edge1</a:t>
-            </a:r>
-            <a:r>
-              <a:rPr kumimoji="1" lang="zh-CN" altLang="en-US" sz="1200" dirty="0">
-                <a:latin typeface="DengXian" panose="02010600030101010101" pitchFamily="2" charset="-122"/>
-                <a:ea typeface="DengXian" panose="02010600030101010101" pitchFamily="2" charset="-122"/>
-              </a:rPr>
-              <a:t> </a:t>
-            </a:r>
-            <a:r>
-              <a:rPr kumimoji="1" lang="en-US" altLang="zh-CN" sz="1200" dirty="0">
-                <a:latin typeface="DengXian" panose="02010600030101010101" pitchFamily="2" charset="-122"/>
-                <a:ea typeface="DengXian" panose="02010600030101010101" pitchFamily="2" charset="-122"/>
-              </a:rPr>
-              <a:t>:</a:t>
-            </a:r>
-            <a:r>
-              <a:rPr kumimoji="1" lang="zh-CN" altLang="en-US" sz="1200" dirty="0">
-                <a:latin typeface="DengXian" panose="02010600030101010101" pitchFamily="2" charset="-122"/>
-                <a:ea typeface="DengXian" panose="02010600030101010101" pitchFamily="2" charset="-122"/>
-              </a:rPr>
-              <a:t> </a:t>
-            </a:r>
-            <a:r>
-              <a:rPr kumimoji="1" lang="en-US" altLang="zh-CN" sz="1200" dirty="0">
-                <a:latin typeface="DengXian" panose="02010600030101010101" pitchFamily="2" charset="-122"/>
-                <a:ea typeface="DengXian" panose="02010600030101010101" pitchFamily="2" charset="-122"/>
-              </a:rPr>
-              <a:t>own</a:t>
-            </a:r>
-          </a:p>
-        </p:txBody>
-      </p:sp>
-      <p:sp>
-        <p:nvSpPr>
-          <p:cNvPr id="67" name="文本框 8">
-            <a:extLst>
-              <a:ext uri="{FF2B5EF4-FFF2-40B4-BE49-F238E27FC236}">
-                <a16:creationId xmlns:a16="http://schemas.microsoft.com/office/drawing/2014/main" id="{F1CDB9D1-A8A6-C607-50FD-C4997AFA2929}"/>
-              </a:ext>
-            </a:extLst>
-          </p:cNvPr>
-          <p:cNvSpPr txBox="1"/>
-          <p:nvPr/>
-        </p:nvSpPr>
-        <p:spPr>
-          <a:xfrm>
-            <a:off x="8503057" y="1548600"/>
-            <a:ext cx="1030450" cy="276999"/>
-          </a:xfrm>
-          <a:prstGeom prst="rect">
-            <a:avLst/>
-          </a:prstGeom>
-          <a:noFill/>
-        </p:spPr>
-        <p:txBody>
-          <a:bodyPr wrap="square" rtlCol="0">
-            <a:spAutoFit/>
-          </a:bodyPr>
-          <a:lstStyle/>
-          <a:p>
-            <a:pPr algn="ctr"/>
-            <a:r>
-              <a:rPr kumimoji="1" lang="en-US" altLang="zh-CN" sz="1200" b="1" dirty="0">
-                <a:latin typeface="DengXian" panose="02010600030101010101" pitchFamily="2" charset="-122"/>
-                <a:ea typeface="DengXian" panose="02010600030101010101" pitchFamily="2" charset="-122"/>
-              </a:rPr>
-              <a:t>edge3</a:t>
-            </a:r>
-            <a:r>
-              <a:rPr kumimoji="1" lang="zh-CN" altLang="en-US" sz="1200" dirty="0">
-                <a:latin typeface="DengXian" panose="02010600030101010101" pitchFamily="2" charset="-122"/>
-                <a:ea typeface="DengXian" panose="02010600030101010101" pitchFamily="2" charset="-122"/>
-              </a:rPr>
-              <a:t> </a:t>
-            </a:r>
-            <a:r>
-              <a:rPr kumimoji="1" lang="en-US" altLang="zh-CN" sz="1200" dirty="0">
-                <a:latin typeface="DengXian" panose="02010600030101010101" pitchFamily="2" charset="-122"/>
-                <a:ea typeface="DengXian" panose="02010600030101010101" pitchFamily="2" charset="-122"/>
-              </a:rPr>
-              <a:t>:</a:t>
-            </a:r>
-            <a:r>
-              <a:rPr kumimoji="1" lang="zh-CN" altLang="en-US" sz="1200" dirty="0">
-                <a:latin typeface="DengXian" panose="02010600030101010101" pitchFamily="2" charset="-122"/>
-                <a:ea typeface="DengXian" panose="02010600030101010101" pitchFamily="2" charset="-122"/>
-              </a:rPr>
-              <a:t> </a:t>
-            </a:r>
-            <a:r>
-              <a:rPr kumimoji="1" lang="en-US" altLang="zh-CN" sz="1200" dirty="0">
-                <a:latin typeface="DengXian" panose="02010600030101010101" pitchFamily="2" charset="-122"/>
-                <a:ea typeface="DengXian" panose="02010600030101010101" pitchFamily="2" charset="-122"/>
-              </a:rPr>
-              <a:t>own</a:t>
-            </a:r>
-          </a:p>
-        </p:txBody>
-      </p:sp>
-      <p:sp>
-        <p:nvSpPr>
-          <p:cNvPr id="68" name="文本框 8">
-            <a:extLst>
-              <a:ext uri="{FF2B5EF4-FFF2-40B4-BE49-F238E27FC236}">
-                <a16:creationId xmlns:a16="http://schemas.microsoft.com/office/drawing/2014/main" id="{A3400F3A-68D6-FF26-8510-B807D5B5DDD4}"/>
-              </a:ext>
-            </a:extLst>
-          </p:cNvPr>
-          <p:cNvSpPr txBox="1"/>
-          <p:nvPr/>
-        </p:nvSpPr>
-        <p:spPr>
-          <a:xfrm>
-            <a:off x="5620598" y="1538210"/>
-            <a:ext cx="842880" cy="276999"/>
-          </a:xfrm>
-          <a:prstGeom prst="rect">
-            <a:avLst/>
-          </a:prstGeom>
-          <a:noFill/>
-        </p:spPr>
-        <p:txBody>
-          <a:bodyPr wrap="square" rtlCol="0">
-            <a:spAutoFit/>
-          </a:bodyPr>
-          <a:lstStyle/>
-          <a:p>
-            <a:pPr algn="ctr"/>
-            <a:r>
-              <a:rPr kumimoji="1" lang="en-US" altLang="zh-CN" sz="1200" b="1" dirty="0">
-                <a:latin typeface="DengXian" panose="02010600030101010101" pitchFamily="2" charset="-122"/>
-                <a:ea typeface="DengXian" panose="02010600030101010101" pitchFamily="2" charset="-122"/>
-              </a:rPr>
-              <a:t>edge2</a:t>
-            </a:r>
-            <a:r>
-              <a:rPr kumimoji="1" lang="zh-CN" altLang="en-US" sz="1200" dirty="0">
-                <a:latin typeface="DengXian" panose="02010600030101010101" pitchFamily="2" charset="-122"/>
-                <a:ea typeface="DengXian" panose="02010600030101010101" pitchFamily="2" charset="-122"/>
-              </a:rPr>
-              <a:t> </a:t>
-            </a:r>
-            <a:endParaRPr kumimoji="1" lang="en-US" altLang="zh-CN" sz="1200" dirty="0">
-              <a:latin typeface="DengXian" panose="02010600030101010101" pitchFamily="2" charset="-122"/>
-              <a:ea typeface="DengXian" panose="02010600030101010101" pitchFamily="2" charset="-122"/>
-            </a:endParaRPr>
-          </a:p>
-        </p:txBody>
-      </p:sp>
-      <p:sp>
-        <p:nvSpPr>
-          <p:cNvPr id="70" name="矩形 10">
-            <a:extLst>
-              <a:ext uri="{FF2B5EF4-FFF2-40B4-BE49-F238E27FC236}">
-                <a16:creationId xmlns:a16="http://schemas.microsoft.com/office/drawing/2014/main" id="{1DD588E6-58D9-583F-3E69-5CFEC5B5BEF4}"/>
-              </a:ext>
-            </a:extLst>
-          </p:cNvPr>
-          <p:cNvSpPr/>
-          <p:nvPr/>
-        </p:nvSpPr>
-        <p:spPr>
-          <a:xfrm>
-            <a:off x="6618926" y="3646450"/>
-            <a:ext cx="1571558" cy="505147"/>
-          </a:xfrm>
-          <a:prstGeom prst="rect">
-            <a:avLst/>
-          </a:prstGeom>
-          <a:solidFill>
-            <a:schemeClr val="accent5">
-              <a:lumMod val="60000"/>
-              <a:lumOff val="40000"/>
-            </a:schemeClr>
-          </a:solidFill>
-          <a:ln w="25400">
-            <a:solidFill>
-              <a:schemeClr val="tx1"/>
-            </a:solidFill>
-          </a:ln>
-        </p:spPr>
-        <p:style>
-          <a:lnRef idx="2">
-            <a:schemeClr val="accent2">
-              <a:shade val="50000"/>
-            </a:schemeClr>
-          </a:lnRef>
-          <a:fillRef idx="1">
-            <a:schemeClr val="accent2"/>
-          </a:fillRef>
-          <a:effectRef idx="0">
-            <a:schemeClr val="accent2"/>
-          </a:effectRef>
-          <a:fontRef idx="minor">
-            <a:schemeClr val="lt1"/>
-          </a:fontRef>
-        </p:style>
-        <p:txBody>
-          <a:bodyPr rtlCol="0" anchor="ctr"/>
-          <a:lstStyle/>
-          <a:p>
-            <a:pPr algn="ctr"/>
-            <a:r>
-              <a:rPr kumimoji="1" lang="en-US" altLang="zh-CN" sz="1200" b="1" dirty="0" err="1">
-                <a:solidFill>
-                  <a:sysClr val="windowText" lastClr="000000"/>
-                </a:solidFill>
-              </a:rPr>
-              <a:t>compAcc</a:t>
-            </a:r>
-            <a:r>
-              <a:rPr kumimoji="1" lang="zh-CN" altLang="en-US" sz="1200" dirty="0">
-                <a:solidFill>
-                  <a:sysClr val="windowText" lastClr="000000"/>
-                </a:solidFill>
-              </a:rPr>
-              <a:t> </a:t>
-            </a:r>
-            <a:r>
-              <a:rPr kumimoji="1" lang="en-US" altLang="zh-CN" sz="1200" dirty="0">
-                <a:solidFill>
-                  <a:sysClr val="windowText" lastClr="000000"/>
-                </a:solidFill>
-              </a:rPr>
-              <a:t>:</a:t>
-            </a:r>
-            <a:r>
-              <a:rPr kumimoji="1" lang="zh-CN" altLang="en-US" sz="1200" dirty="0">
-                <a:solidFill>
-                  <a:sysClr val="windowText" lastClr="000000"/>
-                </a:solidFill>
-              </a:rPr>
-              <a:t> </a:t>
-            </a:r>
-            <a:r>
-              <a:rPr kumimoji="1" lang="en-US" altLang="zh-CN" sz="1200" dirty="0">
-                <a:solidFill>
-                  <a:sysClr val="windowText" lastClr="000000"/>
-                </a:solidFill>
-              </a:rPr>
-              <a:t>Account</a:t>
-            </a:r>
-            <a:endParaRPr kumimoji="1" lang="zh-CN" altLang="en-US" sz="1200" dirty="0">
-              <a:solidFill>
-                <a:sysClr val="windowText" lastClr="000000"/>
-              </a:solidFill>
-            </a:endParaRPr>
-          </a:p>
-        </p:txBody>
-      </p:sp>
-      <p:sp>
-        <p:nvSpPr>
-          <p:cNvPr id="71" name="矩形 5">
-            <a:extLst>
-              <a:ext uri="{FF2B5EF4-FFF2-40B4-BE49-F238E27FC236}">
-                <a16:creationId xmlns:a16="http://schemas.microsoft.com/office/drawing/2014/main" id="{EFD481D0-FFD7-F3EC-5AA2-F652019183EC}"/>
-              </a:ext>
-            </a:extLst>
-          </p:cNvPr>
-          <p:cNvSpPr/>
-          <p:nvPr/>
-        </p:nvSpPr>
-        <p:spPr>
-          <a:xfrm>
-            <a:off x="9513540" y="3650097"/>
-            <a:ext cx="1571558" cy="505147"/>
-          </a:xfrm>
-          <a:prstGeom prst="rect">
-            <a:avLst/>
-          </a:prstGeom>
-          <a:solidFill>
-            <a:srgbClr val="FF0000">
-              <a:alpha val="30000"/>
-            </a:srgbClr>
-          </a:solidFill>
-          <a:ln w="25400">
-            <a:solidFill>
-              <a:schemeClr val="tx1"/>
-            </a:solidFill>
-          </a:ln>
-        </p:spPr>
-        <p:style>
-          <a:lnRef idx="2">
-            <a:schemeClr val="accent2">
-              <a:shade val="50000"/>
-            </a:schemeClr>
-          </a:lnRef>
-          <a:fillRef idx="1">
-            <a:schemeClr val="accent2"/>
-          </a:fillRef>
-          <a:effectRef idx="0">
-            <a:schemeClr val="accent2"/>
-          </a:effectRef>
-          <a:fontRef idx="minor">
-            <a:schemeClr val="lt1"/>
-          </a:fontRef>
-        </p:style>
-        <p:txBody>
-          <a:bodyPr rtlCol="0" anchor="ctr"/>
-          <a:lstStyle/>
-          <a:p>
-            <a:pPr algn="ctr"/>
-            <a:r>
-              <a:rPr kumimoji="1" lang="en-US" altLang="zh-CN" sz="1200" b="1" dirty="0">
-                <a:solidFill>
-                  <a:sysClr val="windowText" lastClr="000000"/>
-                </a:solidFill>
-              </a:rPr>
-              <a:t>company</a:t>
-            </a:r>
-            <a:r>
-              <a:rPr kumimoji="1" lang="zh-CN" altLang="en-US" sz="1200" dirty="0">
-                <a:solidFill>
-                  <a:sysClr val="windowText" lastClr="000000"/>
-                </a:solidFill>
-              </a:rPr>
-              <a:t> </a:t>
-            </a:r>
-            <a:r>
-              <a:rPr kumimoji="1" lang="en-US" altLang="zh-CN" sz="1200" dirty="0">
-                <a:solidFill>
-                  <a:sysClr val="windowText" lastClr="000000"/>
-                </a:solidFill>
-              </a:rPr>
-              <a:t>:</a:t>
-            </a:r>
-            <a:r>
-              <a:rPr kumimoji="1" lang="zh-CN" altLang="en-US" sz="1200" dirty="0">
-                <a:solidFill>
-                  <a:sysClr val="windowText" lastClr="000000"/>
-                </a:solidFill>
-              </a:rPr>
-              <a:t> </a:t>
-            </a:r>
-            <a:r>
-              <a:rPr kumimoji="1" lang="en-US" altLang="zh-CN" sz="1200" dirty="0">
-                <a:solidFill>
-                  <a:sysClr val="windowText" lastClr="000000"/>
-                </a:solidFill>
-              </a:rPr>
-              <a:t>Company</a:t>
-            </a:r>
-            <a:endParaRPr kumimoji="1" lang="zh-CN" altLang="en-US" sz="1200" dirty="0">
-              <a:solidFill>
-                <a:sysClr val="windowText" lastClr="000000"/>
-              </a:solidFill>
-            </a:endParaRPr>
-          </a:p>
-        </p:txBody>
-      </p:sp>
-      <p:cxnSp>
-        <p:nvCxnSpPr>
-          <p:cNvPr id="72" name="直线箭头连接符 7" descr="jytjh">
-            <a:extLst>
-              <a:ext uri="{FF2B5EF4-FFF2-40B4-BE49-F238E27FC236}">
-                <a16:creationId xmlns:a16="http://schemas.microsoft.com/office/drawing/2014/main" id="{C5642806-F830-15CF-E685-1DD3AD50CC95}"/>
-              </a:ext>
-            </a:extLst>
-          </p:cNvPr>
-          <p:cNvCxnSpPr>
-            <a:cxnSpLocks/>
-            <a:stCxn id="71" idx="1"/>
-            <a:endCxn id="70" idx="3"/>
-          </p:cNvCxnSpPr>
-          <p:nvPr/>
-        </p:nvCxnSpPr>
-        <p:spPr>
-          <a:xfrm flipH="1" flipV="1">
-            <a:off x="8190484" y="3899024"/>
-            <a:ext cx="1323056" cy="3647"/>
-          </a:xfrm>
-          <a:prstGeom prst="straightConnector1">
-            <a:avLst/>
-          </a:prstGeom>
-          <a:ln w="19050">
-            <a:solidFill>
-              <a:schemeClr val="tx1"/>
-            </a:solidFill>
-            <a:headEnd type="none" w="sm" len="lg"/>
-            <a:tailEnd type="arrow" w="sm" len="lg"/>
-          </a:ln>
-        </p:spPr>
-        <p:style>
-          <a:lnRef idx="1">
-            <a:schemeClr val="accent1"/>
-          </a:lnRef>
-          <a:fillRef idx="0">
-            <a:schemeClr val="accent1"/>
-          </a:fillRef>
-          <a:effectRef idx="0">
-            <a:schemeClr val="accent1"/>
-          </a:effectRef>
-          <a:fontRef idx="minor">
-            <a:schemeClr val="tx1"/>
-          </a:fontRef>
-        </p:style>
-      </p:cxnSp>
-      <p:cxnSp>
-        <p:nvCxnSpPr>
-          <p:cNvPr id="75" name="直线箭头连接符 7" descr="jytjh">
-            <a:extLst>
-              <a:ext uri="{FF2B5EF4-FFF2-40B4-BE49-F238E27FC236}">
-                <a16:creationId xmlns:a16="http://schemas.microsoft.com/office/drawing/2014/main" id="{FF8C5063-1D8F-1AD7-4211-E94E168BB628}"/>
-              </a:ext>
-            </a:extLst>
-          </p:cNvPr>
-          <p:cNvCxnSpPr>
-            <a:cxnSpLocks/>
-            <a:stCxn id="10" idx="3"/>
-            <a:endCxn id="70" idx="1"/>
-          </p:cNvCxnSpPr>
-          <p:nvPr/>
-        </p:nvCxnSpPr>
-        <p:spPr>
-          <a:xfrm>
-            <a:off x="5620598" y="1839634"/>
-            <a:ext cx="998328" cy="2059390"/>
-          </a:xfrm>
-          <a:prstGeom prst="straightConnector1">
-            <a:avLst/>
-          </a:prstGeom>
-          <a:ln w="19050">
-            <a:solidFill>
-              <a:schemeClr val="tx1"/>
-            </a:solidFill>
-            <a:headEnd type="none" w="sm" len="lg"/>
-            <a:tailEnd type="arrow" w="sm" len="lg"/>
-          </a:ln>
-        </p:spPr>
-        <p:style>
-          <a:lnRef idx="1">
-            <a:schemeClr val="accent1"/>
-          </a:lnRef>
-          <a:fillRef idx="0">
-            <a:schemeClr val="accent1"/>
-          </a:fillRef>
-          <a:effectRef idx="0">
-            <a:schemeClr val="accent1"/>
-          </a:effectRef>
-          <a:fontRef idx="minor">
-            <a:schemeClr val="tx1"/>
-          </a:fontRef>
-        </p:style>
-      </p:cxnSp>
-      <p:sp>
-        <p:nvSpPr>
-          <p:cNvPr id="78" name="矩形 9">
-            <a:extLst>
-              <a:ext uri="{FF2B5EF4-FFF2-40B4-BE49-F238E27FC236}">
-                <a16:creationId xmlns:a16="http://schemas.microsoft.com/office/drawing/2014/main" id="{C00CDC5C-03C3-C2D5-24A6-DEE3D383EC41}"/>
-              </a:ext>
-            </a:extLst>
-          </p:cNvPr>
-          <p:cNvSpPr/>
-          <p:nvPr/>
-        </p:nvSpPr>
-        <p:spPr>
-          <a:xfrm>
-            <a:off x="6618926" y="2611974"/>
-            <a:ext cx="1571557" cy="505147"/>
-          </a:xfrm>
-          <a:prstGeom prst="rect">
-            <a:avLst/>
-          </a:prstGeom>
-          <a:noFill/>
-          <a:ln w="25400">
-            <a:noFill/>
-          </a:ln>
-        </p:spPr>
-        <p:style>
-          <a:lnRef idx="2">
-            <a:schemeClr val="accent2">
-              <a:shade val="50000"/>
-            </a:schemeClr>
-          </a:lnRef>
-          <a:fillRef idx="1">
-            <a:schemeClr val="accent2"/>
-          </a:fillRef>
-          <a:effectRef idx="0">
-            <a:schemeClr val="accent2"/>
-          </a:effectRef>
-          <a:fontRef idx="minor">
-            <a:schemeClr val="lt1"/>
-          </a:fontRef>
-        </p:style>
-        <p:txBody>
-          <a:bodyPr rtlCol="0" anchor="ctr"/>
-          <a:lstStyle/>
-          <a:p>
-            <a:pPr algn="ctr"/>
-            <a:r>
-              <a:rPr kumimoji="1" lang="en-US" altLang="zh-CN" b="1" dirty="0">
-                <a:solidFill>
-                  <a:sysClr val="windowText" lastClr="000000"/>
-                </a:solidFill>
-              </a:rPr>
-              <a:t>…</a:t>
-            </a:r>
-            <a:endParaRPr kumimoji="1" lang="zh-CN" altLang="en-US" dirty="0">
-              <a:solidFill>
-                <a:sysClr val="windowText" lastClr="000000"/>
-              </a:solidFill>
-            </a:endParaRPr>
-          </a:p>
-        </p:txBody>
-      </p:sp>
-    </p:spTree>
-    <p:extLst>
-      <p:ext uri="{BB962C8B-B14F-4D97-AF65-F5344CB8AC3E}">
-        <p14:creationId xmlns:p14="http://schemas.microsoft.com/office/powerpoint/2010/main" val="21987774"/>
-      </p:ext>
-    </p:extLst>
-  </p:cSld>
-  <p:clrMapOvr>
-    <a:masterClrMapping/>
-  </p:clrMapOvr>
-</p:sld>
-</file>
-
-<file path=ppt/slides/slide14.xml><?xml version="1.0" encoding="utf-8"?>
-<p:sld xmlns:a="http://schemas.openxmlformats.org/drawingml/2006/main" xmlns:r="http://schemas.openxmlformats.org/officeDocument/2006/relationships" xmlns:p="http://schemas.openxmlformats.org/presentationml/2006/main">
-  <p:cSld>
-    <p:spTree>
-      <p:nvGrpSpPr>
-        <p:cNvPr id="1" name=""/>
-        <p:cNvGrpSpPr/>
-        <p:nvPr/>
-      </p:nvGrpSpPr>
-      <p:grpSpPr>
-        <a:xfrm>
-          <a:off x="0" y="0"/>
-          <a:ext cx="0" cy="0"/>
-          <a:chOff x="0" y="0"/>
-          <a:chExt cx="0" cy="0"/>
-        </a:xfrm>
-      </p:grpSpPr>
-      <p:sp>
-        <p:nvSpPr>
-          <p:cNvPr id="4" name="Rectangle 3">
-            <a:extLst>
-              <a:ext uri="{FF2B5EF4-FFF2-40B4-BE49-F238E27FC236}">
-                <a16:creationId xmlns:a16="http://schemas.microsoft.com/office/drawing/2014/main" id="{5EFB2F0D-ABB3-D995-FA04-8C359C1827B4}"/>
-              </a:ext>
-            </a:extLst>
-          </p:cNvPr>
-          <p:cNvSpPr/>
-          <p:nvPr/>
-        </p:nvSpPr>
-        <p:spPr>
-          <a:xfrm>
-            <a:off x="2468880" y="2861420"/>
-            <a:ext cx="1215845" cy="387178"/>
-          </a:xfrm>
-          <a:prstGeom prst="rect">
-            <a:avLst/>
-          </a:prstGeom>
-          <a:solidFill>
-            <a:schemeClr val="accent6">
-              <a:lumMod val="60000"/>
-              <a:lumOff val="40000"/>
-            </a:schemeClr>
-          </a:solidFill>
-          <a:ln w="22225">
-            <a:solidFill>
-              <a:schemeClr val="tx1"/>
-            </a:solidFill>
-          </a:ln>
-        </p:spPr>
-        <p:style>
-          <a:lnRef idx="2">
-            <a:schemeClr val="accent1">
-              <a:shade val="50000"/>
-            </a:schemeClr>
-          </a:lnRef>
-          <a:fillRef idx="1">
-            <a:schemeClr val="accent1"/>
-          </a:fillRef>
-          <a:effectRef idx="0">
-            <a:schemeClr val="accent1"/>
-          </a:effectRef>
-          <a:fontRef idx="minor">
-            <a:schemeClr val="lt1"/>
-          </a:fontRef>
-        </p:style>
-        <p:txBody>
-          <a:bodyPr rtlCol="0" anchor="ctr"/>
-          <a:lstStyle/>
-          <a:p>
-            <a:pPr algn="ctr"/>
-            <a:r>
-              <a:rPr lang="en-US" altLang="zh-CN" b="1" dirty="0">
-                <a:solidFill>
-                  <a:schemeClr val="tx1"/>
-                </a:solidFill>
-              </a:rPr>
-              <a:t>Person</a:t>
-            </a:r>
-            <a:endParaRPr lang="en-CN" b="1" dirty="0">
-              <a:solidFill>
-                <a:schemeClr val="tx1"/>
-              </a:solidFill>
-            </a:endParaRPr>
-          </a:p>
-        </p:txBody>
-      </p:sp>
-      <p:sp>
-        <p:nvSpPr>
-          <p:cNvPr id="5" name="Rectangle 4">
-            <a:extLst>
-              <a:ext uri="{FF2B5EF4-FFF2-40B4-BE49-F238E27FC236}">
-                <a16:creationId xmlns:a16="http://schemas.microsoft.com/office/drawing/2014/main" id="{71799D25-8F4B-3E78-7E33-C84644F1D35C}"/>
-              </a:ext>
-            </a:extLst>
-          </p:cNvPr>
-          <p:cNvSpPr/>
-          <p:nvPr/>
-        </p:nvSpPr>
-        <p:spPr>
-          <a:xfrm>
-            <a:off x="3984346" y="2861420"/>
-            <a:ext cx="1215845" cy="387178"/>
-          </a:xfrm>
-          <a:prstGeom prst="rect">
-            <a:avLst/>
-          </a:prstGeom>
-          <a:solidFill>
-            <a:srgbClr val="FF0000">
-              <a:alpha val="30000"/>
-            </a:srgbClr>
-          </a:solidFill>
-          <a:ln w="22225">
-            <a:solidFill>
-              <a:schemeClr val="tx1"/>
-            </a:solidFill>
-          </a:ln>
-        </p:spPr>
-        <p:style>
-          <a:lnRef idx="2">
-            <a:schemeClr val="accent1">
-              <a:shade val="50000"/>
-            </a:schemeClr>
-          </a:lnRef>
-          <a:fillRef idx="1">
-            <a:schemeClr val="accent1"/>
-          </a:fillRef>
-          <a:effectRef idx="0">
-            <a:schemeClr val="accent1"/>
-          </a:effectRef>
-          <a:fontRef idx="minor">
-            <a:schemeClr val="lt1"/>
-          </a:fontRef>
-        </p:style>
-        <p:txBody>
-          <a:bodyPr rtlCol="0" anchor="ctr"/>
-          <a:lstStyle/>
-          <a:p>
-            <a:pPr algn="ctr"/>
-            <a:r>
-              <a:rPr lang="en-US" altLang="zh-CN" b="1" dirty="0">
-                <a:solidFill>
-                  <a:schemeClr val="tx1"/>
-                </a:solidFill>
-              </a:rPr>
-              <a:t>Company</a:t>
-            </a:r>
-            <a:endParaRPr lang="en-CN" b="1" dirty="0">
-              <a:solidFill>
-                <a:schemeClr val="tx1"/>
-              </a:solidFill>
-            </a:endParaRPr>
-          </a:p>
-        </p:txBody>
-      </p:sp>
-      <p:sp>
-        <p:nvSpPr>
-          <p:cNvPr id="6" name="Rectangle 5">
-            <a:extLst>
-              <a:ext uri="{FF2B5EF4-FFF2-40B4-BE49-F238E27FC236}">
-                <a16:creationId xmlns:a16="http://schemas.microsoft.com/office/drawing/2014/main" id="{4C51DCB4-07F1-ACD1-2A47-E37BE04A33BA}"/>
-              </a:ext>
-            </a:extLst>
-          </p:cNvPr>
-          <p:cNvSpPr/>
-          <p:nvPr/>
-        </p:nvSpPr>
-        <p:spPr>
-          <a:xfrm>
-            <a:off x="7040605" y="2861420"/>
-            <a:ext cx="1226941" cy="387178"/>
-          </a:xfrm>
-          <a:prstGeom prst="rect">
-            <a:avLst/>
-          </a:prstGeom>
-          <a:solidFill>
-            <a:schemeClr val="accent1">
-              <a:lumMod val="60000"/>
-              <a:lumOff val="40000"/>
-            </a:schemeClr>
-          </a:solidFill>
-          <a:ln w="22225">
-            <a:solidFill>
-              <a:schemeClr val="tx1"/>
-            </a:solidFill>
-          </a:ln>
-        </p:spPr>
-        <p:style>
-          <a:lnRef idx="2">
-            <a:schemeClr val="accent1">
-              <a:shade val="50000"/>
-            </a:schemeClr>
-          </a:lnRef>
-          <a:fillRef idx="1">
-            <a:schemeClr val="accent1"/>
-          </a:fillRef>
-          <a:effectRef idx="0">
-            <a:schemeClr val="accent1"/>
-          </a:effectRef>
-          <a:fontRef idx="minor">
-            <a:schemeClr val="lt1"/>
-          </a:fontRef>
-        </p:style>
-        <p:txBody>
-          <a:bodyPr rtlCol="0" anchor="ctr"/>
-          <a:lstStyle/>
-          <a:p>
-            <a:pPr algn="ctr"/>
-            <a:r>
-              <a:rPr lang="en-US" altLang="zh-CN" b="1" dirty="0">
-                <a:solidFill>
-                  <a:schemeClr val="tx1"/>
-                </a:solidFill>
-              </a:rPr>
-              <a:t>Account</a:t>
-            </a:r>
-            <a:endParaRPr lang="en-CN" b="1" dirty="0">
-              <a:solidFill>
-                <a:schemeClr val="tx1"/>
-              </a:solidFill>
-            </a:endParaRPr>
-          </a:p>
-        </p:txBody>
-      </p:sp>
-      <p:sp>
-        <p:nvSpPr>
-          <p:cNvPr id="9" name="Rectangle 8">
-            <a:extLst>
-              <a:ext uri="{FF2B5EF4-FFF2-40B4-BE49-F238E27FC236}">
-                <a16:creationId xmlns:a16="http://schemas.microsoft.com/office/drawing/2014/main" id="{5F68F319-B446-C876-5ECA-738B6558B6E1}"/>
-              </a:ext>
-            </a:extLst>
-          </p:cNvPr>
-          <p:cNvSpPr/>
-          <p:nvPr/>
-        </p:nvSpPr>
-        <p:spPr>
-          <a:xfrm>
-            <a:off x="8567168" y="2861420"/>
-            <a:ext cx="1215845" cy="387178"/>
-          </a:xfrm>
-          <a:prstGeom prst="rect">
-            <a:avLst/>
-          </a:prstGeom>
-          <a:solidFill>
-            <a:schemeClr val="accent4">
-              <a:lumMod val="60000"/>
-              <a:lumOff val="40000"/>
-            </a:schemeClr>
-          </a:solidFill>
-          <a:ln w="22225">
-            <a:solidFill>
-              <a:schemeClr val="tx1"/>
-            </a:solidFill>
-          </a:ln>
-        </p:spPr>
-        <p:style>
-          <a:lnRef idx="2">
-            <a:schemeClr val="accent1">
-              <a:shade val="50000"/>
-            </a:schemeClr>
-          </a:lnRef>
-          <a:fillRef idx="1">
-            <a:schemeClr val="accent1"/>
-          </a:fillRef>
-          <a:effectRef idx="0">
-            <a:schemeClr val="accent1"/>
-          </a:effectRef>
-          <a:fontRef idx="minor">
-            <a:schemeClr val="lt1"/>
-          </a:fontRef>
-        </p:style>
-        <p:txBody>
-          <a:bodyPr rtlCol="0" anchor="ctr"/>
-          <a:lstStyle/>
-          <a:p>
-            <a:pPr algn="ctr"/>
-            <a:r>
-              <a:rPr lang="en-US" altLang="zh-CN" b="1" dirty="0">
-                <a:solidFill>
-                  <a:schemeClr val="tx1"/>
-                </a:solidFill>
-              </a:rPr>
-              <a:t>Medium</a:t>
-            </a:r>
-            <a:endParaRPr lang="en-CN" b="1" dirty="0">
-              <a:solidFill>
-                <a:schemeClr val="tx1"/>
-              </a:solidFill>
-            </a:endParaRPr>
-          </a:p>
-        </p:txBody>
-      </p:sp>
-      <p:sp>
-        <p:nvSpPr>
-          <p:cNvPr id="12" name="Rectangle 11">
-            <a:extLst>
-              <a:ext uri="{FF2B5EF4-FFF2-40B4-BE49-F238E27FC236}">
-                <a16:creationId xmlns:a16="http://schemas.microsoft.com/office/drawing/2014/main" id="{74363A22-BDF1-F1C7-E411-2E379C3A7160}"/>
-              </a:ext>
-            </a:extLst>
-          </p:cNvPr>
-          <p:cNvSpPr/>
-          <p:nvPr/>
-        </p:nvSpPr>
-        <p:spPr>
-          <a:xfrm>
-            <a:off x="5506920" y="2861420"/>
-            <a:ext cx="1226977" cy="387178"/>
-          </a:xfrm>
-          <a:prstGeom prst="rect">
-            <a:avLst/>
-          </a:prstGeom>
-          <a:solidFill>
-            <a:schemeClr val="accent2">
-              <a:lumMod val="60000"/>
-              <a:lumOff val="40000"/>
-            </a:schemeClr>
-          </a:solidFill>
-          <a:ln w="22225">
-            <a:solidFill>
-              <a:schemeClr val="tx1"/>
-            </a:solidFill>
-          </a:ln>
-        </p:spPr>
-        <p:style>
-          <a:lnRef idx="2">
-            <a:schemeClr val="accent1">
-              <a:shade val="50000"/>
-            </a:schemeClr>
-          </a:lnRef>
-          <a:fillRef idx="1">
-            <a:schemeClr val="accent1"/>
-          </a:fillRef>
-          <a:effectRef idx="0">
-            <a:schemeClr val="accent1"/>
-          </a:effectRef>
-          <a:fontRef idx="minor">
-            <a:schemeClr val="lt1"/>
-          </a:fontRef>
-        </p:style>
-        <p:txBody>
-          <a:bodyPr rtlCol="0" anchor="ctr"/>
-          <a:lstStyle/>
-          <a:p>
-            <a:pPr algn="ctr"/>
-            <a:r>
-              <a:rPr lang="en-US" altLang="zh-CN" b="1" dirty="0">
-                <a:solidFill>
-                  <a:schemeClr val="tx1"/>
-                </a:solidFill>
-              </a:rPr>
-              <a:t>Loan</a:t>
-            </a:r>
-            <a:endParaRPr lang="en-CN" b="1" dirty="0">
-              <a:solidFill>
-                <a:schemeClr val="tx1"/>
-              </a:solidFill>
-            </a:endParaRPr>
-          </a:p>
-        </p:txBody>
-      </p:sp>
-      <p:sp>
-        <p:nvSpPr>
-          <p:cNvPr id="2" name="文本框 12">
-            <a:extLst>
-              <a:ext uri="{FF2B5EF4-FFF2-40B4-BE49-F238E27FC236}">
-                <a16:creationId xmlns:a16="http://schemas.microsoft.com/office/drawing/2014/main" id="{F15BB429-1D1A-0E43-F714-5B25121059E2}"/>
-              </a:ext>
-            </a:extLst>
-          </p:cNvPr>
-          <p:cNvSpPr txBox="1"/>
-          <p:nvPr/>
-        </p:nvSpPr>
-        <p:spPr>
-          <a:xfrm>
-            <a:off x="2468880" y="3867488"/>
-            <a:ext cx="2583766" cy="1015663"/>
-          </a:xfrm>
-          <a:prstGeom prst="rect">
-            <a:avLst/>
-          </a:prstGeom>
-          <a:noFill/>
-        </p:spPr>
-        <p:txBody>
-          <a:bodyPr wrap="square" rtlCol="0">
-            <a:spAutoFit/>
-          </a:bodyPr>
-          <a:lstStyle/>
-          <a:p>
-            <a:r>
-              <a:rPr kumimoji="1" lang="en-US" altLang="zh-CN" sz="1200" b="1" dirty="0">
-                <a:latin typeface="DengXian" panose="02010600030101010101" pitchFamily="2" charset="-122"/>
-                <a:ea typeface="DengXian" panose="02010600030101010101" pitchFamily="2" charset="-122"/>
-              </a:rPr>
-              <a:t>Color:</a:t>
-            </a:r>
-            <a:r>
-              <a:rPr kumimoji="1" lang="zh-CN" altLang="en-US" sz="1200" b="1" dirty="0">
-                <a:latin typeface="DengXian" panose="02010600030101010101" pitchFamily="2" charset="-122"/>
-                <a:ea typeface="DengXian" panose="02010600030101010101" pitchFamily="2" charset="-122"/>
-              </a:rPr>
-              <a:t> </a:t>
-            </a:r>
-            <a:r>
-              <a:rPr kumimoji="1" lang="en-US" altLang="zh-CN" sz="1200" b="1" dirty="0">
-                <a:latin typeface="DengXian" panose="02010600030101010101" pitchFamily="2" charset="-122"/>
-                <a:ea typeface="DengXian" panose="02010600030101010101" pitchFamily="2" charset="-122"/>
-              </a:rPr>
-              <a:t>as</a:t>
-            </a:r>
-            <a:r>
-              <a:rPr kumimoji="1" lang="zh-CN" altLang="en-US" sz="1200" b="1" dirty="0">
-                <a:latin typeface="DengXian" panose="02010600030101010101" pitchFamily="2" charset="-122"/>
-                <a:ea typeface="DengXian" panose="02010600030101010101" pitchFamily="2" charset="-122"/>
-              </a:rPr>
-              <a:t> </a:t>
-            </a:r>
-            <a:r>
-              <a:rPr kumimoji="1" lang="en-US" altLang="zh-CN" sz="1200" b="1" dirty="0">
-                <a:latin typeface="DengXian" panose="02010600030101010101" pitchFamily="2" charset="-122"/>
-                <a:ea typeface="DengXian" panose="02010600030101010101" pitchFamily="2" charset="-122"/>
-              </a:rPr>
-              <a:t>above</a:t>
-            </a:r>
-          </a:p>
-          <a:p>
-            <a:r>
-              <a:rPr kumimoji="1" lang="en-US" altLang="zh-CN" sz="1200" b="1" dirty="0">
-                <a:latin typeface="DengXian" panose="02010600030101010101" pitchFamily="2" charset="-122"/>
-                <a:ea typeface="DengXian" panose="02010600030101010101" pitchFamily="2" charset="-122"/>
-              </a:rPr>
-              <a:t>Font</a:t>
-            </a:r>
-            <a:r>
-              <a:rPr kumimoji="1" lang="zh-CN" altLang="en-US" sz="1200" b="1" dirty="0">
-                <a:latin typeface="DengXian" panose="02010600030101010101" pitchFamily="2" charset="-122"/>
-                <a:ea typeface="DengXian" panose="02010600030101010101" pitchFamily="2" charset="-122"/>
-              </a:rPr>
-              <a:t> </a:t>
-            </a:r>
-            <a:r>
-              <a:rPr kumimoji="1" lang="en-US" altLang="zh-CN" sz="1200" b="1" dirty="0">
-                <a:latin typeface="DengXian" panose="02010600030101010101" pitchFamily="2" charset="-122"/>
-                <a:ea typeface="DengXian" panose="02010600030101010101" pitchFamily="2" charset="-122"/>
-              </a:rPr>
-              <a:t>size:</a:t>
-            </a:r>
-            <a:r>
-              <a:rPr kumimoji="1" lang="zh-CN" altLang="en-US" sz="1200" b="1" dirty="0">
-                <a:latin typeface="DengXian" panose="02010600030101010101" pitchFamily="2" charset="-122"/>
-                <a:ea typeface="DengXian" panose="02010600030101010101" pitchFamily="2" charset="-122"/>
-              </a:rPr>
-              <a:t> </a:t>
-            </a:r>
-            <a:r>
-              <a:rPr kumimoji="1" lang="en-US" altLang="zh-CN" sz="1200" b="1" dirty="0">
-                <a:latin typeface="DengXian" panose="02010600030101010101" pitchFamily="2" charset="-122"/>
-                <a:ea typeface="DengXian" panose="02010600030101010101" pitchFamily="2" charset="-122"/>
-              </a:rPr>
-              <a:t>12</a:t>
-            </a:r>
-          </a:p>
-          <a:p>
-            <a:r>
-              <a:rPr kumimoji="1" lang="en-US" altLang="zh-CN" sz="1200" b="1" dirty="0">
-                <a:latin typeface="DengXian" panose="02010600030101010101" pitchFamily="2" charset="-122"/>
-                <a:ea typeface="DengXian" panose="02010600030101010101" pitchFamily="2" charset="-122"/>
-              </a:rPr>
-              <a:t>Border</a:t>
-            </a:r>
-            <a:r>
-              <a:rPr kumimoji="1" lang="zh-CN" altLang="en-US" sz="1200" b="1" dirty="0">
-                <a:latin typeface="DengXian" panose="02010600030101010101" pitchFamily="2" charset="-122"/>
-                <a:ea typeface="DengXian" panose="02010600030101010101" pitchFamily="2" charset="-122"/>
-              </a:rPr>
-              <a:t> </a:t>
-            </a:r>
-            <a:r>
-              <a:rPr kumimoji="1" lang="en-US" altLang="zh-CN" sz="1200" b="1" dirty="0">
-                <a:latin typeface="DengXian" panose="02010600030101010101" pitchFamily="2" charset="-122"/>
-                <a:ea typeface="DengXian" panose="02010600030101010101" pitchFamily="2" charset="-122"/>
-              </a:rPr>
-              <a:t>width:</a:t>
-            </a:r>
-            <a:r>
-              <a:rPr kumimoji="1" lang="zh-CN" altLang="en-US" sz="1200" b="1" dirty="0">
-                <a:latin typeface="DengXian" panose="02010600030101010101" pitchFamily="2" charset="-122"/>
-                <a:ea typeface="DengXian" panose="02010600030101010101" pitchFamily="2" charset="-122"/>
-              </a:rPr>
-              <a:t> </a:t>
-            </a:r>
-            <a:r>
-              <a:rPr kumimoji="1" lang="en-US" altLang="zh-CN" sz="1200" b="1" dirty="0">
-                <a:latin typeface="DengXian" panose="02010600030101010101" pitchFamily="2" charset="-122"/>
-                <a:ea typeface="DengXian" panose="02010600030101010101" pitchFamily="2" charset="-122"/>
-              </a:rPr>
-              <a:t>2pt</a:t>
-            </a:r>
-          </a:p>
-          <a:p>
-            <a:r>
-              <a:rPr kumimoji="1" lang="en-US" altLang="zh-CN" sz="1200" b="1" dirty="0">
-                <a:latin typeface="DengXian" panose="02010600030101010101" pitchFamily="2" charset="-122"/>
-                <a:ea typeface="DengXian" panose="02010600030101010101" pitchFamily="2" charset="-122"/>
-              </a:rPr>
-              <a:t>Result:</a:t>
-            </a:r>
-            <a:r>
-              <a:rPr kumimoji="1" lang="zh-CN" altLang="en-US" sz="1200" b="1" dirty="0">
-                <a:latin typeface="DengXian" panose="02010600030101010101" pitchFamily="2" charset="-122"/>
-                <a:ea typeface="DengXian" panose="02010600030101010101" pitchFamily="2" charset="-122"/>
-              </a:rPr>
-              <a:t> </a:t>
-            </a:r>
-            <a:r>
-              <a:rPr kumimoji="1" lang="en-US" altLang="zh-CN" sz="1200" b="1" dirty="0">
-                <a:latin typeface="DengXian" panose="02010600030101010101" pitchFamily="2" charset="-122"/>
-                <a:ea typeface="DengXian" panose="02010600030101010101" pitchFamily="2" charset="-122"/>
-              </a:rPr>
-              <a:t>red</a:t>
-            </a:r>
-            <a:r>
-              <a:rPr kumimoji="1" lang="zh-CN" altLang="en-US" sz="1200" b="1" dirty="0">
-                <a:latin typeface="DengXian" panose="02010600030101010101" pitchFamily="2" charset="-122"/>
-                <a:ea typeface="DengXian" panose="02010600030101010101" pitchFamily="2" charset="-122"/>
-              </a:rPr>
-              <a:t> </a:t>
-            </a:r>
-            <a:r>
-              <a:rPr kumimoji="1" lang="en-US" altLang="zh-CN" sz="1200" b="1" dirty="0">
-                <a:latin typeface="DengXian" panose="02010600030101010101" pitchFamily="2" charset="-122"/>
-                <a:ea typeface="DengXian" panose="02010600030101010101" pitchFamily="2" charset="-122"/>
-              </a:rPr>
-              <a:t>color</a:t>
-            </a:r>
-            <a:r>
-              <a:rPr kumimoji="1" lang="zh-CN" altLang="en-US" sz="1200" b="1" dirty="0">
-                <a:latin typeface="DengXian" panose="02010600030101010101" pitchFamily="2" charset="-122"/>
-                <a:ea typeface="DengXian" panose="02010600030101010101" pitchFamily="2" charset="-122"/>
-              </a:rPr>
-              <a:t> </a:t>
-            </a:r>
-            <a:r>
-              <a:rPr kumimoji="1" lang="en-US" altLang="zh-CN" sz="1200" b="1" dirty="0">
-                <a:latin typeface="DengXian" panose="02010600030101010101" pitchFamily="2" charset="-122"/>
-                <a:ea typeface="DengXian" panose="02010600030101010101" pitchFamily="2" charset="-122"/>
-              </a:rPr>
-              <a:t>and</a:t>
-            </a:r>
-            <a:r>
-              <a:rPr kumimoji="1" lang="zh-CN" altLang="en-US" sz="1200" b="1" dirty="0">
-                <a:latin typeface="DengXian" panose="02010600030101010101" pitchFamily="2" charset="-122"/>
-                <a:ea typeface="DengXian" panose="02010600030101010101" pitchFamily="2" charset="-122"/>
-              </a:rPr>
-              <a:t> </a:t>
-            </a:r>
-            <a:r>
-              <a:rPr kumimoji="1" lang="en-US" altLang="zh-CN" sz="1200" b="1" dirty="0">
-                <a:latin typeface="DengXian" panose="02010600030101010101" pitchFamily="2" charset="-122"/>
-                <a:ea typeface="DengXian" panose="02010600030101010101" pitchFamily="2" charset="-122"/>
-              </a:rPr>
-              <a:t>bold</a:t>
-            </a:r>
-          </a:p>
-          <a:p>
-            <a:r>
-              <a:rPr kumimoji="1" lang="en-US" altLang="zh-CN" sz="1200" b="1" dirty="0" err="1">
-                <a:latin typeface="DengXian" panose="02010600030101010101" pitchFamily="2" charset="-122"/>
-                <a:ea typeface="DengXian" panose="02010600030101010101" pitchFamily="2" charset="-122"/>
-              </a:rPr>
-              <a:t>Groupby</a:t>
-            </a:r>
-            <a:r>
-              <a:rPr kumimoji="1" lang="en-US" altLang="zh-CN" sz="1200" b="1" dirty="0">
-                <a:latin typeface="DengXian" panose="02010600030101010101" pitchFamily="2" charset="-122"/>
-                <a:ea typeface="DengXian" panose="02010600030101010101" pitchFamily="2" charset="-122"/>
-              </a:rPr>
-              <a:t>:</a:t>
-            </a:r>
-            <a:r>
-              <a:rPr kumimoji="1" lang="zh-CN" altLang="en-US" sz="1200" b="1" dirty="0">
-                <a:latin typeface="DengXian" panose="02010600030101010101" pitchFamily="2" charset="-122"/>
-                <a:ea typeface="DengXian" panose="02010600030101010101" pitchFamily="2" charset="-122"/>
-              </a:rPr>
-              <a:t> </a:t>
-            </a:r>
-            <a:r>
-              <a:rPr kumimoji="1" lang="en-US" altLang="zh-CN" sz="1200" b="1" dirty="0">
-                <a:latin typeface="DengXian" panose="02010600030101010101" pitchFamily="2" charset="-122"/>
-                <a:ea typeface="DengXian" panose="02010600030101010101" pitchFamily="2" charset="-122"/>
-              </a:rPr>
-              <a:t>red</a:t>
-            </a:r>
-            <a:r>
-              <a:rPr kumimoji="1" lang="zh-CN" altLang="en-US" sz="1200" b="1" dirty="0">
-                <a:latin typeface="DengXian" panose="02010600030101010101" pitchFamily="2" charset="-122"/>
-                <a:ea typeface="DengXian" panose="02010600030101010101" pitchFamily="2" charset="-122"/>
-              </a:rPr>
-              <a:t> </a:t>
-            </a:r>
-            <a:r>
-              <a:rPr kumimoji="1" lang="en-US" altLang="zh-CN" sz="1200" b="1" dirty="0">
-                <a:latin typeface="DengXian" panose="02010600030101010101" pitchFamily="2" charset="-122"/>
-                <a:ea typeface="DengXian" panose="02010600030101010101" pitchFamily="2" charset="-122"/>
-              </a:rPr>
-              <a:t>color</a:t>
-            </a:r>
-            <a:r>
-              <a:rPr kumimoji="1" lang="zh-CN" altLang="en-US" sz="1200" b="1" dirty="0">
-                <a:latin typeface="DengXian" panose="02010600030101010101" pitchFamily="2" charset="-122"/>
-                <a:ea typeface="DengXian" panose="02010600030101010101" pitchFamily="2" charset="-122"/>
-              </a:rPr>
-              <a:t> </a:t>
-            </a:r>
-            <a:r>
-              <a:rPr kumimoji="1" lang="en-US" altLang="zh-CN" sz="1200" b="1" dirty="0">
-                <a:latin typeface="DengXian" panose="02010600030101010101" pitchFamily="2" charset="-122"/>
-                <a:ea typeface="DengXian" panose="02010600030101010101" pitchFamily="2" charset="-122"/>
-              </a:rPr>
-              <a:t>and</a:t>
-            </a:r>
-            <a:r>
-              <a:rPr kumimoji="1" lang="zh-CN" altLang="en-US" sz="1200" b="1" dirty="0">
-                <a:latin typeface="DengXian" panose="02010600030101010101" pitchFamily="2" charset="-122"/>
-                <a:ea typeface="DengXian" panose="02010600030101010101" pitchFamily="2" charset="-122"/>
-              </a:rPr>
-              <a:t> </a:t>
-            </a:r>
-            <a:r>
-              <a:rPr kumimoji="1" lang="en-US" altLang="zh-CN" sz="1200" b="1" dirty="0">
-                <a:latin typeface="DengXian" panose="02010600030101010101" pitchFamily="2" charset="-122"/>
-                <a:ea typeface="DengXian" panose="02010600030101010101" pitchFamily="2" charset="-122"/>
-              </a:rPr>
-              <a:t>bold</a:t>
-            </a:r>
-          </a:p>
-        </p:txBody>
-      </p:sp>
-    </p:spTree>
-    <p:extLst>
-      <p:ext uri="{BB962C8B-B14F-4D97-AF65-F5344CB8AC3E}">
-        <p14:creationId xmlns:p14="http://schemas.microsoft.com/office/powerpoint/2010/main" val="3265552492"/>
       </p:ext>
     </p:extLst>
   </p:cSld>
@@ -16643,7 +16934,7 @@
                     <a:sysClr val="windowText" lastClr="000000"/>
                   </a:solidFill>
                 </a:rPr>
-                <a:t>account</a:t>
+                <a:t>account1</a:t>
               </a:r>
               <a:r>
                 <a:rPr kumimoji="1" lang="zh-CN" altLang="en-US" sz="1200" dirty="0">
@@ -16744,7 +17035,7 @@
                     <a:sysClr val="windowText" lastClr="000000"/>
                   </a:solidFill>
                 </a:rPr>
-                <a:t>other</a:t>
+                <a:t>other1</a:t>
               </a:r>
               <a:r>
                 <a:rPr kumimoji="1" lang="zh-CN" altLang="en-US" sz="1200" dirty="0">
@@ -17326,7 +17617,7 @@
                     <a:sysClr val="windowText" lastClr="000000"/>
                   </a:solidFill>
                 </a:rPr>
-                <a:t>loan</a:t>
+                <a:t>loan1</a:t>
               </a:r>
               <a:r>
                 <a:rPr kumimoji="1" lang="zh-CN" altLang="en-US" sz="1200" dirty="0">
@@ -17474,7 +17765,7 @@
                     <a:sysClr val="windowText" lastClr="000000"/>
                   </a:solidFill>
                 </a:rPr>
-                <a:t>account</a:t>
+                <a:t>account3</a:t>
               </a:r>
               <a:r>
                 <a:rPr kumimoji="1" lang="zh-CN" altLang="en-US" sz="1200" dirty="0">
@@ -17575,7 +17866,7 @@
                     <a:sysClr val="windowText" lastClr="000000"/>
                   </a:solidFill>
                 </a:rPr>
-                <a:t>other</a:t>
+                <a:t>other3</a:t>
               </a:r>
               <a:r>
                 <a:rPr kumimoji="1" lang="zh-CN" altLang="en-US" sz="1200" dirty="0">
@@ -17723,7 +18014,7 @@
                     <a:sysClr val="windowText" lastClr="000000"/>
                   </a:solidFill>
                 </a:rPr>
-                <a:t>loan</a:t>
+                <a:t>loan3</a:t>
               </a:r>
               <a:r>
                 <a:rPr kumimoji="1" lang="zh-CN" altLang="en-US" sz="1200" dirty="0">
@@ -17871,7 +18162,7 @@
                     <a:sysClr val="windowText" lastClr="000000"/>
                   </a:solidFill>
                 </a:rPr>
-                <a:t>account</a:t>
+                <a:t>account2</a:t>
               </a:r>
               <a:r>
                 <a:rPr kumimoji="1" lang="zh-CN" altLang="en-US" sz="1200" dirty="0">
@@ -17972,7 +18263,7 @@
                     <a:sysClr val="windowText" lastClr="000000"/>
                   </a:solidFill>
                 </a:rPr>
-                <a:t>other</a:t>
+                <a:t>other2</a:t>
               </a:r>
               <a:r>
                 <a:rPr kumimoji="1" lang="zh-CN" altLang="en-US" sz="1200" dirty="0">
@@ -18120,7 +18411,7 @@
                     <a:sysClr val="windowText" lastClr="000000"/>
                   </a:solidFill>
                 </a:rPr>
-                <a:t>loan</a:t>
+                <a:t>loan2</a:t>
               </a:r>
               <a:r>
                 <a:rPr kumimoji="1" lang="zh-CN" altLang="en-US" sz="1200" dirty="0">
@@ -23180,38 +23471,6 @@
           <a:p>
             <a:pPr algn="ctr"/>
             <a:r>
-              <a:rPr kumimoji="1" lang="en-US" altLang="zh-CN" sz="1200" b="1" dirty="0" err="1">
-                <a:solidFill>
-                  <a:sysClr val="windowText" lastClr="000000"/>
-                </a:solidFill>
-              </a:rPr>
-              <a:t>src</a:t>
-            </a:r>
-            <a:r>
-              <a:rPr kumimoji="1" lang="zh-CN" altLang="en-US" sz="1200" dirty="0">
-                <a:solidFill>
-                  <a:sysClr val="windowText" lastClr="000000"/>
-                </a:solidFill>
-              </a:rPr>
-              <a:t> </a:t>
-            </a:r>
-            <a:r>
-              <a:rPr kumimoji="1" lang="en-US" altLang="zh-CN" sz="1200" dirty="0">
-                <a:solidFill>
-                  <a:sysClr val="windowText" lastClr="000000"/>
-                </a:solidFill>
-              </a:rPr>
-              <a:t>:</a:t>
-            </a:r>
-            <a:r>
-              <a:rPr kumimoji="1" lang="zh-CN" altLang="en-US" sz="1200" dirty="0">
-                <a:solidFill>
-                  <a:sysClr val="windowText" lastClr="000000"/>
-                </a:solidFill>
-              </a:rPr>
-              <a:t> </a:t>
-            </a:r>
-            <a:r>
               <a:rPr kumimoji="1" lang="en-US" altLang="zh-CN" sz="1200" dirty="0">
                 <a:solidFill>
                   <a:sysClr val="windowText" lastClr="000000"/>
@@ -23280,38 +23539,6 @@
           <a:lstStyle/>
           <a:p>
             <a:pPr algn="ctr"/>
-            <a:r>
-              <a:rPr kumimoji="1" lang="en-US" altLang="zh-CN" sz="1200" b="1" dirty="0" err="1">
-                <a:solidFill>
-                  <a:sysClr val="windowText" lastClr="000000"/>
-                </a:solidFill>
-              </a:rPr>
-              <a:t>dst</a:t>
-            </a:r>
-            <a:r>
-              <a:rPr kumimoji="1" lang="zh-CN" altLang="en-US" sz="1200" dirty="0">
-                <a:solidFill>
-                  <a:sysClr val="windowText" lastClr="000000"/>
-                </a:solidFill>
-              </a:rPr>
-              <a:t> </a:t>
-            </a:r>
-            <a:r>
-              <a:rPr kumimoji="1" lang="en-US" altLang="zh-CN" sz="1200" dirty="0">
-                <a:solidFill>
-                  <a:sysClr val="windowText" lastClr="000000"/>
-                </a:solidFill>
-              </a:rPr>
-              <a:t>:</a:t>
-            </a:r>
-            <a:r>
-              <a:rPr kumimoji="1" lang="zh-CN" altLang="en-US" sz="1200" dirty="0">
-                <a:solidFill>
-                  <a:sysClr val="windowText" lastClr="000000"/>
-                </a:solidFill>
-              </a:rPr>
-              <a:t> </a:t>
-            </a:r>
             <a:r>
               <a:rPr kumimoji="1" lang="en-US" altLang="zh-CN" sz="1200" dirty="0">
                 <a:solidFill>
@@ -23785,38 +24012,6 @@
           <a:p>
             <a:pPr algn="ctr"/>
             <a:r>
-              <a:rPr kumimoji="1" lang="en-US" altLang="zh-CN" sz="1200" b="1" dirty="0" err="1">
-                <a:solidFill>
-                  <a:sysClr val="windowText" lastClr="000000"/>
-                </a:solidFill>
-              </a:rPr>
-              <a:t>src</a:t>
-            </a:r>
-            <a:r>
-              <a:rPr kumimoji="1" lang="zh-CN" altLang="en-US" sz="1200" dirty="0">
-                <a:solidFill>
-                  <a:sysClr val="windowText" lastClr="000000"/>
-                </a:solidFill>
-              </a:rPr>
-              <a:t> </a:t>
-            </a:r>
-            <a:r>
-              <a:rPr kumimoji="1" lang="en-US" altLang="zh-CN" sz="1200" dirty="0">
-                <a:solidFill>
-                  <a:sysClr val="windowText" lastClr="000000"/>
-                </a:solidFill>
-              </a:rPr>
-              <a:t>:</a:t>
-            </a:r>
-            <a:r>
-              <a:rPr kumimoji="1" lang="zh-CN" altLang="en-US" sz="1200" dirty="0">
-                <a:solidFill>
-                  <a:sysClr val="windowText" lastClr="000000"/>
-                </a:solidFill>
-              </a:rPr>
-              <a:t> </a:t>
-            </a:r>
-            <a:r>
               <a:rPr kumimoji="1" lang="en-US" altLang="zh-CN" sz="1200" dirty="0">
                 <a:solidFill>
                   <a:sysClr val="windowText" lastClr="000000"/>
@@ -23885,38 +24080,6 @@
           <a:lstStyle/>
           <a:p>
             <a:pPr algn="ctr"/>
-            <a:r>
-              <a:rPr kumimoji="1" lang="en-US" altLang="zh-CN" sz="1200" b="1" dirty="0" err="1">
-                <a:solidFill>
-                  <a:sysClr val="windowText" lastClr="000000"/>
-                </a:solidFill>
-              </a:rPr>
-              <a:t>dst</a:t>
-            </a:r>
-            <a:r>
-              <a:rPr kumimoji="1" lang="zh-CN" altLang="en-US" sz="1200" dirty="0">
-                <a:solidFill>
-                  <a:sysClr val="windowText" lastClr="000000"/>
-                </a:solidFill>
-              </a:rPr>
-              <a:t> </a:t>
-            </a:r>
-            <a:r>
-              <a:rPr kumimoji="1" lang="en-US" altLang="zh-CN" sz="1200" dirty="0">
-                <a:solidFill>
-                  <a:sysClr val="windowText" lastClr="000000"/>
-                </a:solidFill>
-              </a:rPr>
-              <a:t>:</a:t>
-            </a:r>
-            <a:r>
-              <a:rPr kumimoji="1" lang="zh-CN" altLang="en-US" sz="1200" dirty="0">
-                <a:solidFill>
-                  <a:sysClr val="windowText" lastClr="000000"/>
-                </a:solidFill>
-              </a:rPr>
-              <a:t> </a:t>
-            </a:r>
             <a:r>
               <a:rPr kumimoji="1" lang="en-US" altLang="zh-CN" sz="1200" dirty="0">
                 <a:solidFill>
@@ -24115,38 +24278,6 @@
           <a:p>
             <a:pPr algn="ctr"/>
             <a:r>
-              <a:rPr kumimoji="1" lang="en-US" altLang="zh-CN" sz="1200" b="1" dirty="0" err="1">
-                <a:solidFill>
-                  <a:sysClr val="windowText" lastClr="000000"/>
-                </a:solidFill>
-              </a:rPr>
-              <a:t>src</a:t>
-            </a:r>
-            <a:r>
-              <a:rPr kumimoji="1" lang="zh-CN" altLang="en-US" sz="1200" dirty="0">
-                <a:solidFill>
-                  <a:sysClr val="windowText" lastClr="000000"/>
-                </a:solidFill>
-              </a:rPr>
-              <a:t> </a:t>
-            </a:r>
-            <a:r>
-              <a:rPr kumimoji="1" lang="en-US" altLang="zh-CN" sz="1200" dirty="0">
-                <a:solidFill>
-                  <a:sysClr val="windowText" lastClr="000000"/>
-                </a:solidFill>
-              </a:rPr>
-              <a:t>:</a:t>
-            </a:r>
-            <a:r>
-              <a:rPr kumimoji="1" lang="zh-CN" altLang="en-US" sz="1200" dirty="0">
-                <a:solidFill>
-                  <a:sysClr val="windowText" lastClr="000000"/>
-                </a:solidFill>
-              </a:rPr>
-              <a:t> </a:t>
-            </a:r>
-            <a:r>
               <a:rPr kumimoji="1" lang="en-US" altLang="zh-CN" sz="1200" dirty="0">
                 <a:solidFill>
                   <a:sysClr val="windowText" lastClr="000000"/>
@@ -24215,38 +24346,6 @@
           <a:lstStyle/>
           <a:p>
             <a:pPr algn="ctr"/>
-            <a:r>
-              <a:rPr kumimoji="1" lang="en-US" altLang="zh-CN" sz="1200" b="1" dirty="0" err="1">
-                <a:solidFill>
-                  <a:sysClr val="windowText" lastClr="000000"/>
-                </a:solidFill>
-              </a:rPr>
-              <a:t>dst</a:t>
-            </a:r>
-            <a:r>
-              <a:rPr kumimoji="1" lang="zh-CN" altLang="en-US" sz="1200" dirty="0">
-                <a:solidFill>
-                  <a:sysClr val="windowText" lastClr="000000"/>
-                </a:solidFill>
-              </a:rPr>
-              <a:t> </a:t>
-            </a:r>
-            <a:r>
-              <a:rPr kumimoji="1" lang="en-US" altLang="zh-CN" sz="1200" dirty="0">
-                <a:solidFill>
-                  <a:sysClr val="windowText" lastClr="000000"/>
-                </a:solidFill>
-              </a:rPr>
-              <a:t>:</a:t>
-            </a:r>
-            <a:r>
-              <a:rPr kumimoji="1" lang="zh-CN" altLang="en-US" sz="1200" dirty="0">
-                <a:solidFill>
-                  <a:sysClr val="windowText" lastClr="000000"/>
-                </a:solidFill>
-              </a:rPr>
-              <a:t> </a:t>
-            </a:r>
             <a:r>
               <a:rPr kumimoji="1" lang="en-US" altLang="zh-CN" sz="1200" dirty="0">
                 <a:solidFill>
@@ -24610,38 +24709,6 @@
           <a:p>
             <a:pPr algn="ctr"/>
             <a:r>
-              <a:rPr kumimoji="1" lang="en-US" altLang="zh-CN" sz="1200" b="1" dirty="0">
-                <a:solidFill>
-                  <a:sysClr val="windowText" lastClr="000000"/>
-                </a:solidFill>
-              </a:rPr>
-              <a:t>mid</a:t>
-            </a:r>
-            <a:r>
-              <a:rPr kumimoji="1" lang="zh-CN" altLang="en-US" sz="1200" dirty="0">
-                <a:solidFill>
-                  <a:sysClr val="windowText" lastClr="000000"/>
-                </a:solidFill>
-              </a:rPr>
-              <a:t> </a:t>
-            </a:r>
-            <a:r>
-              <a:rPr kumimoji="1" lang="en-US" altLang="zh-CN" sz="1200" dirty="0">
-                <a:solidFill>
-                  <a:sysClr val="windowText" lastClr="000000"/>
-                </a:solidFill>
-              </a:rPr>
-              <a:t>:</a:t>
-            </a:r>
-            <a:r>
-              <a:rPr kumimoji="1" lang="zh-CN" altLang="en-US" sz="1200" dirty="0">
-                <a:solidFill>
-                  <a:sysClr val="windowText" lastClr="000000"/>
-                </a:solidFill>
-              </a:rPr>
-              <a:t> </a:t>
-            </a:r>
-            <a:r>
               <a:rPr kumimoji="1" lang="en-US" altLang="zh-CN" sz="1200" dirty="0">
                 <a:solidFill>
                   <a:sysClr val="windowText" lastClr="000000"/>
@@ -24758,20 +24825,12 @@
           <a:p>
             <a:pPr algn="ctr"/>
             <a:r>
-              <a:rPr kumimoji="1" lang="en-US" altLang="zh-CN" sz="1200" b="1" dirty="0" err="1">
+              <a:rPr kumimoji="1" lang="en-US" altLang="zh-CN" sz="1200" dirty="0">
                 <a:solidFill>
                   <a:sysClr val="windowText" lastClr="000000"/>
                 </a:solidFill>
               </a:rPr>
-              <a:t>mid</a:t>
-            </a:r>
-            <a:r>
-              <a:rPr kumimoji="1" lang="en-US" altLang="zh-CN" sz="1200" dirty="0" err="1">
-                <a:solidFill>
-                  <a:sysClr val="windowText" lastClr="000000"/>
-                </a:solidFill>
-              </a:rPr>
-              <a:t>:Account</a:t>
+              <a:t>Account</a:t>
             </a:r>
             <a:endParaRPr kumimoji="1" lang="zh-CN" altLang="en-US" sz="1200" dirty="0">
               <a:solidFill>
@@ -24835,20 +24894,12 @@
           <a:p>
             <a:pPr algn="ctr"/>
             <a:r>
-              <a:rPr kumimoji="1" lang="en-US" altLang="zh-CN" sz="1200" b="1" dirty="0" err="1">
+              <a:rPr kumimoji="1" lang="en-US" altLang="zh-CN" sz="1200" dirty="0">
                 <a:solidFill>
                   <a:sysClr val="windowText" lastClr="000000"/>
                 </a:solidFill>
               </a:rPr>
-              <a:t>mid</a:t>
-            </a:r>
-            <a:r>
-              <a:rPr kumimoji="1" lang="en-US" altLang="zh-CN" sz="1200" dirty="0" err="1">
-                <a:solidFill>
-                  <a:sysClr val="windowText" lastClr="000000"/>
-                </a:solidFill>
-              </a:rPr>
-              <a:t>:Account</a:t>
+              <a:t>Account</a:t>
             </a:r>
             <a:endParaRPr kumimoji="1" lang="zh-CN" altLang="en-US" sz="1200" dirty="0">
               <a:solidFill>
@@ -29345,7 +29396,21 @@
                   <a:latin typeface="DengXian" panose="02010600030101010101" pitchFamily="2" charset="-122"/>
                   <a:ea typeface="DengXian" panose="02010600030101010101" pitchFamily="2" charset="-122"/>
                 </a:rPr>
-                <a:t>${start _time}</a:t>
+                <a:t>${</a:t>
+              </a:r>
+              <a:r>
+                <a:rPr kumimoji="1" lang="en-US" altLang="zh-CN" sz="1200" dirty="0" err="1">
+                  <a:latin typeface="DengXian" panose="02010600030101010101" pitchFamily="2" charset="-122"/>
+                  <a:ea typeface="DengXian" panose="02010600030101010101" pitchFamily="2" charset="-122"/>
+                </a:rPr>
+                <a:t>startTime</a:t>
+              </a:r>
+              <a:r>
+                <a:rPr kumimoji="1" lang="en-US" altLang="zh-CN" sz="1200" dirty="0">
+                  <a:latin typeface="DengXian" panose="02010600030101010101" pitchFamily="2" charset="-122"/>
+                  <a:ea typeface="DengXian" panose="02010600030101010101" pitchFamily="2" charset="-122"/>
+                </a:rPr>
+                <a:t>}</a:t>
               </a:r>
               <a:r>
                 <a:rPr kumimoji="1" lang="zh-CN" altLang="en-US" sz="1200" dirty="0">
@@ -29539,7 +29604,21 @@
                   <a:latin typeface="DengXian" panose="02010600030101010101" pitchFamily="2" charset="-122"/>
                   <a:ea typeface="DengXian" panose="02010600030101010101" pitchFamily="2" charset="-122"/>
                 </a:rPr>
-                <a:t>${start _time}</a:t>
+                <a:t>${</a:t>
+              </a:r>
+              <a:r>
+                <a:rPr kumimoji="1" lang="en-US" altLang="zh-CN" sz="1200" dirty="0" err="1">
+                  <a:latin typeface="DengXian" panose="02010600030101010101" pitchFamily="2" charset="-122"/>
+                  <a:ea typeface="DengXian" panose="02010600030101010101" pitchFamily="2" charset="-122"/>
+                </a:rPr>
+                <a:t>startTime</a:t>
+              </a:r>
+              <a:r>
+                <a:rPr kumimoji="1" lang="en-US" altLang="zh-CN" sz="1200" dirty="0">
+                  <a:latin typeface="DengXian" panose="02010600030101010101" pitchFamily="2" charset="-122"/>
+                  <a:ea typeface="DengXian" panose="02010600030101010101" pitchFamily="2" charset="-122"/>
+                </a:rPr>
+                <a:t>}</a:t>
               </a:r>
               <a:r>
                 <a:rPr kumimoji="1" lang="zh-CN" altLang="en-US" sz="1200" dirty="0">
@@ -29733,7 +29812,21 @@
                   <a:latin typeface="DengXian" panose="02010600030101010101" pitchFamily="2" charset="-122"/>
                   <a:ea typeface="DengXian" panose="02010600030101010101" pitchFamily="2" charset="-122"/>
                 </a:rPr>
-                <a:t>${start _time}</a:t>
+                <a:t>${</a:t>
+              </a:r>
+              <a:r>
+                <a:rPr kumimoji="1" lang="en-US" altLang="zh-CN" sz="1200" dirty="0" err="1">
+                  <a:latin typeface="DengXian" panose="02010600030101010101" pitchFamily="2" charset="-122"/>
+                  <a:ea typeface="DengXian" panose="02010600030101010101" pitchFamily="2" charset="-122"/>
+                </a:rPr>
+                <a:t>startTime</a:t>
+              </a:r>
+              <a:r>
+                <a:rPr kumimoji="1" lang="en-US" altLang="zh-CN" sz="1200" dirty="0">
+                  <a:latin typeface="DengXian" panose="02010600030101010101" pitchFamily="2" charset="-122"/>
+                  <a:ea typeface="DengXian" panose="02010600030101010101" pitchFamily="2" charset="-122"/>
+                </a:rPr>
+                <a:t>}</a:t>
               </a:r>
               <a:r>
                 <a:rPr kumimoji="1" lang="zh-CN" altLang="en-US" sz="1200" dirty="0">
@@ -29927,7 +30020,21 @@
                   <a:latin typeface="DengXian" panose="02010600030101010101" pitchFamily="2" charset="-122"/>
                   <a:ea typeface="DengXian" panose="02010600030101010101" pitchFamily="2" charset="-122"/>
                 </a:rPr>
-                <a:t>${start _time}</a:t>
+                <a:t>${</a:t>
+              </a:r>
+              <a:r>
+                <a:rPr kumimoji="1" lang="en-US" altLang="zh-CN" sz="1200" dirty="0" err="1">
+                  <a:latin typeface="DengXian" panose="02010600030101010101" pitchFamily="2" charset="-122"/>
+                  <a:ea typeface="DengXian" panose="02010600030101010101" pitchFamily="2" charset="-122"/>
+                </a:rPr>
+                <a:t>startTime</a:t>
+              </a:r>
+              <a:r>
+                <a:rPr kumimoji="1" lang="en-US" altLang="zh-CN" sz="1200" dirty="0">
+                  <a:latin typeface="DengXian" panose="02010600030101010101" pitchFamily="2" charset="-122"/>
+                  <a:ea typeface="DengXian" panose="02010600030101010101" pitchFamily="2" charset="-122"/>
+                </a:rPr>
+                <a:t>}</a:t>
               </a:r>
               <a:r>
                 <a:rPr kumimoji="1" lang="zh-CN" altLang="en-US" sz="1200" dirty="0">

--- a/patterns/transaction-complex-read.pptx
+++ b/patterns/transaction-complex-read.pptx
@@ -211,7 +211,7 @@
           <a:p>
             <a:fld id="{CAD4BD24-A097-4F9D-85E9-6A2A24CA2D98}" type="datetimeFigureOut">
               <a:rPr lang="zh-CN" altLang="en-US" smtClean="0"/>
-              <a:t>2023/4/28</a:t>
+              <a:t>2023/5/4</a:t>
             </a:fld>
             <a:endParaRPr lang="zh-CN" altLang="en-US"/>
           </a:p>
@@ -2785,7 +2785,7 @@
                   <a:latin typeface="DengXian" panose="02010600030101010101" pitchFamily="2" charset="-122"/>
                   <a:ea typeface="DengXian" panose="02010600030101010101" pitchFamily="2" charset="-122"/>
                 </a:rPr>
-                <a:t>..3</a:t>
+                <a:t>1..3</a:t>
               </a:r>
               <a:endParaRPr kumimoji="1" lang="en-US" altLang="zh-CN" sz="1200" dirty="0">
                 <a:latin typeface="DengXian" panose="02010600030101010101" pitchFamily="2" charset="-122"/>
@@ -4745,28 +4745,14 @@
                   <a:latin typeface="DengXian" panose="02010600030101010101" pitchFamily="2" charset="-122"/>
                   <a:ea typeface="DengXian" panose="02010600030101010101" pitchFamily="2" charset="-122"/>
                 </a:rPr>
-                <a:t>* </a:t>
+                <a:t>*</a:t>
               </a:r>
               <a:r>
                 <a:rPr kumimoji="1" lang="en-US" altLang="zh-CN" sz="1200" b="1" dirty="0">
                   <a:latin typeface="DengXian" panose="02010600030101010101" pitchFamily="2" charset="-122"/>
                   <a:ea typeface="DengXian" panose="02010600030101010101" pitchFamily="2" charset="-122"/>
                 </a:rPr>
-                <a:t>..</a:t>
-              </a:r>
-              <a:r>
-                <a:rPr kumimoji="1" lang="zh-CN" altLang="en-US" sz="1200" b="1" dirty="0">
-                  <a:latin typeface="DengXian" panose="02010600030101010101" pitchFamily="2" charset="-122"/>
-                  <a:ea typeface="DengXian" panose="02010600030101010101" pitchFamily="2" charset="-122"/>
-                </a:rPr>
-                <a:t> </a:t>
-              </a:r>
-              <a:r>
-                <a:rPr kumimoji="1" lang="en-US" altLang="zh-CN" sz="1200" b="1" dirty="0">
-                  <a:latin typeface="DengXian" panose="02010600030101010101" pitchFamily="2" charset="-122"/>
-                  <a:ea typeface="DengXian" panose="02010600030101010101" pitchFamily="2" charset="-122"/>
-                </a:rPr>
-                <a:t>3</a:t>
+                <a:t>1..3</a:t>
               </a:r>
               <a:endParaRPr kumimoji="1" lang="en-US" altLang="zh-CN" sz="1200" dirty="0">
                 <a:latin typeface="DengXian" panose="02010600030101010101" pitchFamily="2" charset="-122"/>
@@ -17221,7 +17207,7 @@
                   <a:latin typeface="DengXian" panose="02010600030101010101" pitchFamily="2" charset="-122"/>
                   <a:ea typeface="DengXian" panose="02010600030101010101" pitchFamily="2" charset="-122"/>
                 </a:rPr>
-                <a:t>..3</a:t>
+                <a:t>1..3</a:t>
               </a:r>
               <a:endParaRPr kumimoji="1" lang="en-US" altLang="zh-CN" sz="1200" dirty="0">
                 <a:latin typeface="DengXian" panose="02010600030101010101" pitchFamily="2" charset="-122"/>
@@ -18804,28 +18790,14 @@
                   <a:latin typeface="DengXian" panose="02010600030101010101" pitchFamily="2" charset="-122"/>
                   <a:ea typeface="DengXian" panose="02010600030101010101" pitchFamily="2" charset="-122"/>
                 </a:rPr>
-                <a:t>* </a:t>
+                <a:t>*</a:t>
               </a:r>
               <a:r>
                 <a:rPr kumimoji="1" lang="en-US" altLang="zh-CN" sz="1200" b="1" dirty="0">
                   <a:latin typeface="DengXian" panose="02010600030101010101" pitchFamily="2" charset="-122"/>
                   <a:ea typeface="DengXian" panose="02010600030101010101" pitchFamily="2" charset="-122"/>
                 </a:rPr>
-                <a:t>..</a:t>
-              </a:r>
-              <a:r>
-                <a:rPr kumimoji="1" lang="zh-CN" altLang="en-US" sz="1200" b="1" dirty="0">
-                  <a:latin typeface="DengXian" panose="02010600030101010101" pitchFamily="2" charset="-122"/>
-                  <a:ea typeface="DengXian" panose="02010600030101010101" pitchFamily="2" charset="-122"/>
-                </a:rPr>
-                <a:t> </a:t>
-              </a:r>
-              <a:r>
-                <a:rPr kumimoji="1" lang="en-US" altLang="zh-CN" sz="1200" b="1" dirty="0">
-                  <a:latin typeface="DengXian" panose="02010600030101010101" pitchFamily="2" charset="-122"/>
-                  <a:ea typeface="DengXian" panose="02010600030101010101" pitchFamily="2" charset="-122"/>
-                </a:rPr>
-                <a:t>3</a:t>
+                <a:t>1..3</a:t>
               </a:r>
               <a:endParaRPr kumimoji="1" lang="en-US" altLang="zh-CN" sz="1200" dirty="0">
                 <a:latin typeface="DengXian" panose="02010600030101010101" pitchFamily="2" charset="-122"/>

--- a/patterns/transaction-complex-read.pptx
+++ b/patterns/transaction-complex-read.pptx
@@ -5,29 +5,29 @@
     <p:sldMasterId id="2147483648" r:id="rId1"/>
   </p:sldMasterIdLst>
   <p:notesMasterIdLst>
-    <p:notesMasterId r:id="rId18"/>
+    <p:notesMasterId r:id="rId17"/>
   </p:notesMasterIdLst>
   <p:sldIdLst>
-    <p:sldId id="374" r:id="rId3"/>
-    <p:sldId id="375" r:id="rId4"/>
-    <p:sldId id="416" r:id="rId5"/>
-    <p:sldId id="371" r:id="rId6"/>
-    <p:sldId id="389" r:id="rId7"/>
-    <p:sldId id="390" r:id="rId8"/>
-    <p:sldId id="392" r:id="rId9"/>
-    <p:sldId id="393" r:id="rId10"/>
-    <p:sldId id="396" r:id="rId11"/>
-    <p:sldId id="397" r:id="rId12"/>
-    <p:sldId id="401" r:id="rId13"/>
-    <p:sldId id="415" r:id="rId14"/>
-    <p:sldId id="417" r:id="rId15"/>
-    <p:sldId id="399" r:id="rId16"/>
-    <p:sldId id="395" r:id="rId17"/>
+    <p:sldId id="374" r:id="rId2"/>
+    <p:sldId id="375" r:id="rId3"/>
+    <p:sldId id="416" r:id="rId4"/>
+    <p:sldId id="371" r:id="rId5"/>
+    <p:sldId id="389" r:id="rId6"/>
+    <p:sldId id="390" r:id="rId7"/>
+    <p:sldId id="392" r:id="rId8"/>
+    <p:sldId id="393" r:id="rId9"/>
+    <p:sldId id="396" r:id="rId10"/>
+    <p:sldId id="397" r:id="rId11"/>
+    <p:sldId id="401" r:id="rId12"/>
+    <p:sldId id="415" r:id="rId13"/>
+    <p:sldId id="417" r:id="rId14"/>
+    <p:sldId id="399" r:id="rId15"/>
+    <p:sldId id="395" r:id="rId16"/>
   </p:sldIdLst>
   <p:sldSz cx="12192000" cy="6858000"/>
   <p:notesSz cx="6858000" cy="9144000"/>
   <p:custDataLst>
-    <p:tags r:id="rId22"/>
+    <p:tags r:id="rId18"/>
   </p:custDataLst>
   <p:defaultTextStyle>
     <a:defPPr>
@@ -124,6 +124,11 @@
       </a:defRPr>
     </a:lvl9pPr>
   </p:defaultTextStyle>
+  <p:extLst>
+    <p:ext uri="{EFAFB233-063F-42B5-8137-9DF3F51BA10A}">
+      <p15:sldGuideLst xmlns:p15="http://schemas.microsoft.com/office/powerpoint/2012/main"/>
+    </p:ext>
+  </p:extLst>
 </p:presentation>
 </file>
 
@@ -209,6 +214,7 @@
           <a:p>
             <a:fld id="{CAD4BD24-A097-4F9D-85E9-6A2A24CA2D98}" type="datetimeFigureOut">
               <a:rPr lang="zh-CN" altLang="en-US" smtClean="0"/>
+              <a:t>2023/5/9</a:t>
             </a:fld>
             <a:endParaRPr lang="zh-CN" altLang="en-US"/>
           </a:p>
@@ -275,7 +281,6 @@
               <a:rPr lang="zh-CN" altLang="en-US"/>
               <a:t>单击此处编辑母版文本样式</a:t>
             </a:r>
-            <a:endParaRPr lang="zh-CN" altLang="en-US"/>
           </a:p>
           <a:p>
             <a:pPr lvl="1"/>
@@ -283,7 +288,6 @@
               <a:rPr lang="zh-CN" altLang="en-US"/>
               <a:t>第二级</a:t>
             </a:r>
-            <a:endParaRPr lang="zh-CN" altLang="en-US"/>
           </a:p>
           <a:p>
             <a:pPr lvl="2"/>
@@ -291,7 +295,6 @@
               <a:rPr lang="zh-CN" altLang="en-US"/>
               <a:t>第三级</a:t>
             </a:r>
-            <a:endParaRPr lang="zh-CN" altLang="en-US"/>
           </a:p>
           <a:p>
             <a:pPr lvl="3"/>
@@ -299,7 +302,6 @@
               <a:rPr lang="zh-CN" altLang="en-US"/>
               <a:t>第四级</a:t>
             </a:r>
-            <a:endParaRPr lang="zh-CN" altLang="en-US"/>
           </a:p>
           <a:p>
             <a:pPr lvl="4"/>
@@ -307,7 +309,6 @@
               <a:rPr lang="zh-CN" altLang="en-US"/>
               <a:t>第五级</a:t>
             </a:r>
-            <a:endParaRPr lang="zh-CN" altLang="en-US"/>
           </a:p>
         </p:txBody>
       </p:sp>
@@ -371,6 +372,7 @@
           <a:p>
             <a:fld id="{4F292EE1-EB42-416D-BE21-6D6219010E5F}" type="slidenum">
               <a:rPr lang="zh-CN" altLang="en-US" smtClean="0"/>
+              <a:t>‹#›</a:t>
             </a:fld>
             <a:endParaRPr lang="zh-CN" altLang="en-US"/>
           </a:p>
@@ -519,7 +521,6 @@
               <a:rPr lang="zh-CN" altLang="en-US"/>
               <a:t>单击此处编辑母版标题样式</a:t>
             </a:r>
-            <a:endParaRPr lang="zh-CN" altLang="en-US"/>
           </a:p>
         </p:txBody>
       </p:sp>
@@ -584,7 +585,6 @@
               <a:rPr lang="zh-CN" altLang="en-US"/>
               <a:t>单击此处编辑母版副标题样式</a:t>
             </a:r>
-            <a:endParaRPr lang="zh-CN" altLang="en-US"/>
           </a:p>
         </p:txBody>
       </p:sp>
@@ -632,7 +632,6 @@
               <a:rPr lang="zh-CN" altLang="en-US"/>
               <a:t>单击此处编辑母版标题样式</a:t>
             </a:r>
-            <a:endParaRPr lang="zh-CN" altLang="en-US"/>
           </a:p>
         </p:txBody>
       </p:sp>
@@ -656,7 +655,6 @@
               <a:rPr lang="zh-CN" altLang="en-US"/>
               <a:t>编辑母版文本样式</a:t>
             </a:r>
-            <a:endParaRPr lang="zh-CN" altLang="en-US"/>
           </a:p>
           <a:p>
             <a:pPr lvl="1"/>
@@ -664,7 +662,6 @@
               <a:rPr lang="zh-CN" altLang="en-US"/>
               <a:t>第二级</a:t>
             </a:r>
-            <a:endParaRPr lang="zh-CN" altLang="en-US"/>
           </a:p>
           <a:p>
             <a:pPr lvl="2"/>
@@ -672,7 +669,6 @@
               <a:rPr lang="zh-CN" altLang="en-US"/>
               <a:t>第三级</a:t>
             </a:r>
-            <a:endParaRPr lang="zh-CN" altLang="en-US"/>
           </a:p>
           <a:p>
             <a:pPr lvl="3"/>
@@ -680,7 +676,6 @@
               <a:rPr lang="zh-CN" altLang="en-US"/>
               <a:t>第四级</a:t>
             </a:r>
-            <a:endParaRPr lang="zh-CN" altLang="en-US"/>
           </a:p>
           <a:p>
             <a:pPr lvl="4"/>
@@ -688,7 +683,6 @@
               <a:rPr lang="zh-CN" altLang="en-US"/>
               <a:t>第五级</a:t>
             </a:r>
-            <a:endParaRPr lang="zh-CN" altLang="en-US"/>
           </a:p>
         </p:txBody>
       </p:sp>
@@ -741,7 +735,6 @@
               <a:rPr lang="zh-CN" altLang="en-US"/>
               <a:t>单击此处编辑母版标题样式</a:t>
             </a:r>
-            <a:endParaRPr lang="zh-CN" altLang="en-US"/>
           </a:p>
         </p:txBody>
       </p:sp>
@@ -770,7 +763,6 @@
               <a:rPr lang="zh-CN" altLang="en-US"/>
               <a:t>编辑母版文本样式</a:t>
             </a:r>
-            <a:endParaRPr lang="zh-CN" altLang="en-US"/>
           </a:p>
           <a:p>
             <a:pPr lvl="1"/>
@@ -778,7 +770,6 @@
               <a:rPr lang="zh-CN" altLang="en-US"/>
               <a:t>第二级</a:t>
             </a:r>
-            <a:endParaRPr lang="zh-CN" altLang="en-US"/>
           </a:p>
           <a:p>
             <a:pPr lvl="2"/>
@@ -786,7 +777,6 @@
               <a:rPr lang="zh-CN" altLang="en-US"/>
               <a:t>第三级</a:t>
             </a:r>
-            <a:endParaRPr lang="zh-CN" altLang="en-US"/>
           </a:p>
           <a:p>
             <a:pPr lvl="3"/>
@@ -794,7 +784,6 @@
               <a:rPr lang="zh-CN" altLang="en-US"/>
               <a:t>第四级</a:t>
             </a:r>
-            <a:endParaRPr lang="zh-CN" altLang="en-US"/>
           </a:p>
           <a:p>
             <a:pPr lvl="4"/>
@@ -802,7 +791,6 @@
               <a:rPr lang="zh-CN" altLang="en-US"/>
               <a:t>第五级</a:t>
             </a:r>
-            <a:endParaRPr lang="zh-CN" altLang="en-US"/>
           </a:p>
         </p:txBody>
       </p:sp>
@@ -850,7 +838,6 @@
               <a:rPr lang="zh-CN" altLang="en-US"/>
               <a:t>单击此处编辑母版标题样式</a:t>
             </a:r>
-            <a:endParaRPr lang="zh-CN" altLang="en-US"/>
           </a:p>
         </p:txBody>
       </p:sp>
@@ -874,7 +861,6 @@
               <a:rPr lang="zh-CN" altLang="en-US"/>
               <a:t>编辑母版文本样式</a:t>
             </a:r>
-            <a:endParaRPr lang="zh-CN" altLang="en-US"/>
           </a:p>
           <a:p>
             <a:pPr lvl="1"/>
@@ -882,7 +868,6 @@
               <a:rPr lang="zh-CN" altLang="en-US"/>
               <a:t>第二级</a:t>
             </a:r>
-            <a:endParaRPr lang="zh-CN" altLang="en-US"/>
           </a:p>
           <a:p>
             <a:pPr lvl="2"/>
@@ -890,7 +875,6 @@
               <a:rPr lang="zh-CN" altLang="en-US"/>
               <a:t>第三级</a:t>
             </a:r>
-            <a:endParaRPr lang="zh-CN" altLang="en-US"/>
           </a:p>
           <a:p>
             <a:pPr lvl="3"/>
@@ -898,7 +882,6 @@
               <a:rPr lang="zh-CN" altLang="en-US"/>
               <a:t>第四级</a:t>
             </a:r>
-            <a:endParaRPr lang="zh-CN" altLang="en-US"/>
           </a:p>
           <a:p>
             <a:pPr lvl="4"/>
@@ -906,7 +889,6 @@
               <a:rPr lang="zh-CN" altLang="en-US"/>
               <a:t>第五级</a:t>
             </a:r>
-            <a:endParaRPr lang="zh-CN" altLang="en-US"/>
           </a:p>
         </p:txBody>
       </p:sp>
@@ -963,7 +945,6 @@
               <a:rPr lang="zh-CN" altLang="en-US"/>
               <a:t>单击此处编辑母版标题样式</a:t>
             </a:r>
-            <a:endParaRPr lang="zh-CN" altLang="en-US"/>
           </a:p>
         </p:txBody>
       </p:sp>
@@ -1083,7 +1064,6 @@
               <a:rPr lang="zh-CN" altLang="en-US"/>
               <a:t>编辑母版文本样式</a:t>
             </a:r>
-            <a:endParaRPr lang="zh-CN" altLang="en-US"/>
           </a:p>
         </p:txBody>
       </p:sp>
@@ -1131,7 +1111,6 @@
               <a:rPr lang="zh-CN" altLang="en-US"/>
               <a:t>单击此处编辑母版标题样式</a:t>
             </a:r>
-            <a:endParaRPr lang="zh-CN" altLang="en-US"/>
           </a:p>
         </p:txBody>
       </p:sp>
@@ -1160,7 +1139,6 @@
               <a:rPr lang="zh-CN" altLang="en-US"/>
               <a:t>编辑母版文本样式</a:t>
             </a:r>
-            <a:endParaRPr lang="zh-CN" altLang="en-US"/>
           </a:p>
           <a:p>
             <a:pPr lvl="1"/>
@@ -1168,7 +1146,6 @@
               <a:rPr lang="zh-CN" altLang="en-US"/>
               <a:t>第二级</a:t>
             </a:r>
-            <a:endParaRPr lang="zh-CN" altLang="en-US"/>
           </a:p>
           <a:p>
             <a:pPr lvl="2"/>
@@ -1176,7 +1153,6 @@
               <a:rPr lang="zh-CN" altLang="en-US"/>
               <a:t>第三级</a:t>
             </a:r>
-            <a:endParaRPr lang="zh-CN" altLang="en-US"/>
           </a:p>
           <a:p>
             <a:pPr lvl="3"/>
@@ -1184,7 +1160,6 @@
               <a:rPr lang="zh-CN" altLang="en-US"/>
               <a:t>第四级</a:t>
             </a:r>
-            <a:endParaRPr lang="zh-CN" altLang="en-US"/>
           </a:p>
           <a:p>
             <a:pPr lvl="4"/>
@@ -1192,7 +1167,6 @@
               <a:rPr lang="zh-CN" altLang="en-US"/>
               <a:t>第五级</a:t>
             </a:r>
-            <a:endParaRPr lang="zh-CN" altLang="en-US"/>
           </a:p>
         </p:txBody>
       </p:sp>
@@ -1221,7 +1195,6 @@
               <a:rPr lang="zh-CN" altLang="en-US"/>
               <a:t>编辑母版文本样式</a:t>
             </a:r>
-            <a:endParaRPr lang="zh-CN" altLang="en-US"/>
           </a:p>
           <a:p>
             <a:pPr lvl="1"/>
@@ -1229,7 +1202,6 @@
               <a:rPr lang="zh-CN" altLang="en-US"/>
               <a:t>第二级</a:t>
             </a:r>
-            <a:endParaRPr lang="zh-CN" altLang="en-US"/>
           </a:p>
           <a:p>
             <a:pPr lvl="2"/>
@@ -1237,7 +1209,6 @@
               <a:rPr lang="zh-CN" altLang="en-US"/>
               <a:t>第三级</a:t>
             </a:r>
-            <a:endParaRPr lang="zh-CN" altLang="en-US"/>
           </a:p>
           <a:p>
             <a:pPr lvl="3"/>
@@ -1245,7 +1216,6 @@
               <a:rPr lang="zh-CN" altLang="en-US"/>
               <a:t>第四级</a:t>
             </a:r>
-            <a:endParaRPr lang="zh-CN" altLang="en-US"/>
           </a:p>
           <a:p>
             <a:pPr lvl="4"/>
@@ -1253,7 +1223,6 @@
               <a:rPr lang="zh-CN" altLang="en-US"/>
               <a:t>第五级</a:t>
             </a:r>
-            <a:endParaRPr lang="zh-CN" altLang="en-US"/>
           </a:p>
         </p:txBody>
       </p:sp>
@@ -1306,7 +1275,6 @@
               <a:rPr lang="zh-CN" altLang="en-US"/>
               <a:t>单击此处编辑母版标题样式</a:t>
             </a:r>
-            <a:endParaRPr lang="zh-CN" altLang="en-US"/>
           </a:p>
         </p:txBody>
       </p:sp>
@@ -1372,7 +1340,6 @@
               <a:rPr lang="zh-CN" altLang="en-US"/>
               <a:t>编辑母版文本样式</a:t>
             </a:r>
-            <a:endParaRPr lang="zh-CN" altLang="en-US"/>
           </a:p>
         </p:txBody>
       </p:sp>
@@ -1401,7 +1368,6 @@
               <a:rPr lang="zh-CN" altLang="en-US"/>
               <a:t>编辑母版文本样式</a:t>
             </a:r>
-            <a:endParaRPr lang="zh-CN" altLang="en-US"/>
           </a:p>
           <a:p>
             <a:pPr lvl="1"/>
@@ -1409,7 +1375,6 @@
               <a:rPr lang="zh-CN" altLang="en-US"/>
               <a:t>第二级</a:t>
             </a:r>
-            <a:endParaRPr lang="zh-CN" altLang="en-US"/>
           </a:p>
           <a:p>
             <a:pPr lvl="2"/>
@@ -1417,7 +1382,6 @@
               <a:rPr lang="zh-CN" altLang="en-US"/>
               <a:t>第三级</a:t>
             </a:r>
-            <a:endParaRPr lang="zh-CN" altLang="en-US"/>
           </a:p>
           <a:p>
             <a:pPr lvl="3"/>
@@ -1425,7 +1389,6 @@
               <a:rPr lang="zh-CN" altLang="en-US"/>
               <a:t>第四级</a:t>
             </a:r>
-            <a:endParaRPr lang="zh-CN" altLang="en-US"/>
           </a:p>
           <a:p>
             <a:pPr lvl="4"/>
@@ -1433,7 +1396,6 @@
               <a:rPr lang="zh-CN" altLang="en-US"/>
               <a:t>第五级</a:t>
             </a:r>
-            <a:endParaRPr lang="zh-CN" altLang="en-US"/>
           </a:p>
         </p:txBody>
       </p:sp>
@@ -1499,7 +1461,6 @@
               <a:rPr lang="zh-CN" altLang="en-US"/>
               <a:t>编辑母版文本样式</a:t>
             </a:r>
-            <a:endParaRPr lang="zh-CN" altLang="en-US"/>
           </a:p>
         </p:txBody>
       </p:sp>
@@ -1528,7 +1489,6 @@
               <a:rPr lang="zh-CN" altLang="en-US"/>
               <a:t>编辑母版文本样式</a:t>
             </a:r>
-            <a:endParaRPr lang="zh-CN" altLang="en-US"/>
           </a:p>
           <a:p>
             <a:pPr lvl="1"/>
@@ -1536,7 +1496,6 @@
               <a:rPr lang="zh-CN" altLang="en-US"/>
               <a:t>第二级</a:t>
             </a:r>
-            <a:endParaRPr lang="zh-CN" altLang="en-US"/>
           </a:p>
           <a:p>
             <a:pPr lvl="2"/>
@@ -1544,7 +1503,6 @@
               <a:rPr lang="zh-CN" altLang="en-US"/>
               <a:t>第三级</a:t>
             </a:r>
-            <a:endParaRPr lang="zh-CN" altLang="en-US"/>
           </a:p>
           <a:p>
             <a:pPr lvl="3"/>
@@ -1552,7 +1510,6 @@
               <a:rPr lang="zh-CN" altLang="en-US"/>
               <a:t>第四级</a:t>
             </a:r>
-            <a:endParaRPr lang="zh-CN" altLang="en-US"/>
           </a:p>
           <a:p>
             <a:pPr lvl="4"/>
@@ -1560,7 +1517,6 @@
               <a:rPr lang="zh-CN" altLang="en-US"/>
               <a:t>第五级</a:t>
             </a:r>
-            <a:endParaRPr lang="zh-CN" altLang="en-US"/>
           </a:p>
         </p:txBody>
       </p:sp>
@@ -1608,7 +1564,6 @@
               <a:rPr lang="zh-CN" altLang="en-US"/>
               <a:t>单击此处编辑母版标题样式</a:t>
             </a:r>
-            <a:endParaRPr lang="zh-CN" altLang="en-US"/>
           </a:p>
         </p:txBody>
       </p:sp>
@@ -1690,7 +1645,6 @@
               <a:rPr lang="zh-CN" altLang="en-US"/>
               <a:t>单击此处编辑母版标题样式</a:t>
             </a:r>
-            <a:endParaRPr lang="zh-CN" altLang="en-US"/>
           </a:p>
         </p:txBody>
       </p:sp>
@@ -1747,7 +1701,6 @@
               <a:rPr lang="zh-CN" altLang="en-US"/>
               <a:t>编辑母版文本样式</a:t>
             </a:r>
-            <a:endParaRPr lang="zh-CN" altLang="en-US"/>
           </a:p>
           <a:p>
             <a:pPr lvl="1"/>
@@ -1755,7 +1708,6 @@
               <a:rPr lang="zh-CN" altLang="en-US"/>
               <a:t>第二级</a:t>
             </a:r>
-            <a:endParaRPr lang="zh-CN" altLang="en-US"/>
           </a:p>
           <a:p>
             <a:pPr lvl="2"/>
@@ -1763,7 +1715,6 @@
               <a:rPr lang="zh-CN" altLang="en-US"/>
               <a:t>第三级</a:t>
             </a:r>
-            <a:endParaRPr lang="zh-CN" altLang="en-US"/>
           </a:p>
           <a:p>
             <a:pPr lvl="3"/>
@@ -1771,7 +1722,6 @@
               <a:rPr lang="zh-CN" altLang="en-US"/>
               <a:t>第四级</a:t>
             </a:r>
-            <a:endParaRPr lang="zh-CN" altLang="en-US"/>
           </a:p>
           <a:p>
             <a:pPr lvl="4"/>
@@ -1779,7 +1729,6 @@
               <a:rPr lang="zh-CN" altLang="en-US"/>
               <a:t>第五级</a:t>
             </a:r>
-            <a:endParaRPr lang="zh-CN" altLang="en-US"/>
           </a:p>
         </p:txBody>
       </p:sp>
@@ -1845,7 +1794,6 @@
               <a:rPr lang="zh-CN" altLang="en-US"/>
               <a:t>编辑母版文本样式</a:t>
             </a:r>
-            <a:endParaRPr lang="zh-CN" altLang="en-US"/>
           </a:p>
         </p:txBody>
       </p:sp>
@@ -1902,7 +1850,6 @@
               <a:rPr lang="zh-CN" altLang="en-US"/>
               <a:t>单击此处编辑母版标题样式</a:t>
             </a:r>
-            <a:endParaRPr lang="zh-CN" altLang="en-US"/>
           </a:p>
         </p:txBody>
       </p:sp>
@@ -1967,7 +1914,6 @@
               <a:rPr lang="zh-CN" altLang="en-US"/>
               <a:t>单击图标添加图片</a:t>
             </a:r>
-            <a:endParaRPr lang="zh-CN" altLang="en-US"/>
           </a:p>
         </p:txBody>
       </p:sp>
@@ -2033,7 +1979,6 @@
               <a:rPr lang="zh-CN" altLang="en-US"/>
               <a:t>编辑母版文本样式</a:t>
             </a:r>
-            <a:endParaRPr lang="zh-CN" altLang="en-US"/>
           </a:p>
         </p:txBody>
       </p:sp>
@@ -2096,7 +2041,6 @@
               <a:rPr lang="zh-CN" altLang="en-US"/>
               <a:t>单击此处编辑母版标题样式</a:t>
             </a:r>
-            <a:endParaRPr lang="zh-CN" altLang="en-US"/>
           </a:p>
         </p:txBody>
       </p:sp>
@@ -2130,7 +2074,6 @@
               <a:rPr lang="zh-CN" altLang="en-US" dirty="0"/>
               <a:t>编辑母版文本样式</a:t>
             </a:r>
-            <a:endParaRPr lang="zh-CN" altLang="en-US" dirty="0"/>
           </a:p>
           <a:p>
             <a:pPr lvl="1"/>
@@ -2138,7 +2081,6 @@
               <a:rPr lang="zh-CN" altLang="en-US" dirty="0"/>
               <a:t>第二级</a:t>
             </a:r>
-            <a:endParaRPr lang="zh-CN" altLang="en-US" dirty="0"/>
           </a:p>
           <a:p>
             <a:pPr lvl="2"/>
@@ -2146,7 +2088,6 @@
               <a:rPr lang="zh-CN" altLang="en-US" dirty="0"/>
               <a:t>第三级</a:t>
             </a:r>
-            <a:endParaRPr lang="zh-CN" altLang="en-US" dirty="0"/>
           </a:p>
           <a:p>
             <a:pPr lvl="3"/>
@@ -2154,7 +2095,6 @@
               <a:rPr lang="zh-CN" altLang="en-US" dirty="0"/>
               <a:t>第四级</a:t>
             </a:r>
-            <a:endParaRPr lang="zh-CN" altLang="en-US" dirty="0"/>
           </a:p>
           <a:p>
             <a:pPr lvl="4"/>
@@ -2162,7 +2102,6 @@
               <a:rPr lang="zh-CN" altLang="en-US" dirty="0"/>
               <a:t>第五级</a:t>
             </a:r>
-            <a:endParaRPr lang="zh-CN" altLang="en-US" dirty="0"/>
           </a:p>
         </p:txBody>
       </p:sp>
@@ -2618,10 +2557,6 @@
                 </a:rPr>
                 <a:t>}</a:t>
               </a:r>
-              <a:endParaRPr kumimoji="1" lang="en-US" altLang="zh-CN" sz="1200" dirty="0">
-                <a:latin typeface="等线" panose="02010600030101010101" pitchFamily="2" charset="-122"/>
-                <a:ea typeface="等线" panose="02010600030101010101" pitchFamily="2" charset="-122"/>
-              </a:endParaRPr>
             </a:p>
             <a:p>
               <a:pPr algn="ctr"/>
@@ -2681,10 +2616,6 @@
                 </a:rPr>
                 <a:t>}</a:t>
               </a:r>
-              <a:endParaRPr kumimoji="1" lang="en-US" altLang="zh-CN" sz="1200" dirty="0">
-                <a:latin typeface="等线" panose="02010600030101010101" pitchFamily="2" charset="-122"/>
-                <a:ea typeface="等线" panose="02010600030101010101" pitchFamily="2" charset="-122"/>
-              </a:endParaRPr>
             </a:p>
           </p:txBody>
         </p:sp>
@@ -2823,10 +2754,6 @@
                 </a:rPr>
                 <a:t>}</a:t>
               </a:r>
-              <a:endParaRPr kumimoji="1" lang="en-US" altLang="zh-CN" sz="1200" dirty="0">
-                <a:latin typeface="等线" panose="02010600030101010101" pitchFamily="2" charset="-122"/>
-                <a:ea typeface="等线" panose="02010600030101010101" pitchFamily="2" charset="-122"/>
-              </a:endParaRPr>
             </a:p>
             <a:p>
               <a:pPr algn="ctr"/>
@@ -2886,10 +2813,6 @@
                 </a:rPr>
                 <a:t>}</a:t>
               </a:r>
-              <a:endParaRPr kumimoji="1" lang="en-US" altLang="zh-CN" sz="1200" dirty="0">
-                <a:latin typeface="等线" panose="02010600030101010101" pitchFamily="2" charset="-122"/>
-                <a:ea typeface="等线" panose="02010600030101010101" pitchFamily="2" charset="-122"/>
-              </a:endParaRPr>
             </a:p>
           </p:txBody>
         </p:sp>
@@ -3121,13 +3044,6 @@
                 </a:rPr>
                 <a:t>RESULT</a:t>
               </a:r>
-              <a:endParaRPr kumimoji="1" lang="en-US" altLang="zh-CN" sz="1200" b="1" dirty="0">
-                <a:solidFill>
-                  <a:srgbClr val="FF0000"/>
-                </a:solidFill>
-                <a:latin typeface="等线" panose="02010600030101010101" pitchFamily="2" charset="-122"/>
-                <a:ea typeface="等线" panose="02010600030101010101" pitchFamily="2" charset="-122"/>
-              </a:endParaRPr>
             </a:p>
             <a:p>
               <a:r>
@@ -3594,7 +3510,7 @@
             <p:nvPr/>
           </p:nvGrpSpPr>
           <p:grpSpPr>
-            <a:xfrm rot="0">
+            <a:xfrm>
               <a:off x="2857" y="4268"/>
               <a:ext cx="2605" cy="1244"/>
               <a:chOff x="987328" y="2902427"/>
@@ -3816,7 +3732,7 @@
             <p:nvPr/>
           </p:nvGrpSpPr>
           <p:grpSpPr>
-            <a:xfrm rot="0">
+            <a:xfrm>
               <a:off x="12955" y="2338"/>
               <a:ext cx="3102" cy="1244"/>
               <a:chOff x="8972091" y="3120769"/>
@@ -4036,7 +3952,7 @@
             <p:nvPr/>
           </p:nvGrpSpPr>
           <p:grpSpPr>
-            <a:xfrm rot="0">
+            <a:xfrm>
               <a:off x="12955" y="3978"/>
               <a:ext cx="3102" cy="1244"/>
               <a:chOff x="8972091" y="3120769"/>
@@ -4256,7 +4172,7 @@
             <p:nvPr/>
           </p:nvGrpSpPr>
           <p:grpSpPr>
-            <a:xfrm rot="0">
+            <a:xfrm>
               <a:off x="12955" y="7268"/>
               <a:ext cx="3102" cy="1244"/>
               <a:chOff x="8972091" y="3120769"/>
@@ -6023,10 +5939,6 @@
               </a:rPr>
               <a:t>invest</a:t>
             </a:r>
-            <a:endParaRPr kumimoji="1" lang="en-US" altLang="zh-CN" sz="1200" dirty="0">
-              <a:latin typeface="等线" panose="02010600030101010101" pitchFamily="2" charset="-122"/>
-              <a:ea typeface="等线" panose="02010600030101010101" pitchFamily="2" charset="-122"/>
-            </a:endParaRPr>
           </a:p>
           <a:p>
             <a:r>
@@ -6085,10 +5997,6 @@
               </a:rPr>
               <a:t>}</a:t>
             </a:r>
-            <a:endParaRPr kumimoji="1" lang="en-US" altLang="zh-CN" sz="1200" dirty="0">
-              <a:latin typeface="等线" panose="02010600030101010101" pitchFamily="2" charset="-122"/>
-              <a:ea typeface="等线" panose="02010600030101010101" pitchFamily="2" charset="-122"/>
-            </a:endParaRPr>
           </a:p>
           <a:p>
             <a:r>
@@ -6147,10 +6055,6 @@
               </a:rPr>
               <a:t>}</a:t>
             </a:r>
-            <a:endParaRPr kumimoji="1" lang="en-US" altLang="zh-CN" sz="1200" dirty="0">
-              <a:latin typeface="等线" panose="02010600030101010101" pitchFamily="2" charset="-122"/>
-              <a:ea typeface="等线" panose="02010600030101010101" pitchFamily="2" charset="-122"/>
-            </a:endParaRPr>
           </a:p>
           <a:p>
             <a:endParaRPr kumimoji="1" lang="en-US" altLang="zh-CN" sz="1200" b="1" dirty="0">
@@ -6180,10 +6084,6 @@
               </a:rPr>
               <a:t>invest</a:t>
             </a:r>
-            <a:endParaRPr kumimoji="1" lang="en-US" altLang="zh-CN" sz="1200" dirty="0">
-              <a:latin typeface="等线" panose="02010600030101010101" pitchFamily="2" charset="-122"/>
-              <a:ea typeface="等线" panose="02010600030101010101" pitchFamily="2" charset="-122"/>
-            </a:endParaRPr>
           </a:p>
           <a:p>
             <a:r>
@@ -6242,10 +6142,6 @@
               </a:rPr>
               <a:t>}</a:t>
             </a:r>
-            <a:endParaRPr kumimoji="1" lang="en-US" altLang="zh-CN" sz="1200" dirty="0">
-              <a:latin typeface="等线" panose="02010600030101010101" pitchFamily="2" charset="-122"/>
-              <a:ea typeface="等线" panose="02010600030101010101" pitchFamily="2" charset="-122"/>
-            </a:endParaRPr>
           </a:p>
           <a:p>
             <a:r>
@@ -6304,10 +6200,6 @@
               </a:rPr>
               <a:t>}</a:t>
             </a:r>
-            <a:endParaRPr kumimoji="1" lang="en-US" altLang="zh-CN" sz="1200" dirty="0">
-              <a:latin typeface="等线" panose="02010600030101010101" pitchFamily="2" charset="-122"/>
-              <a:ea typeface="等线" panose="02010600030101010101" pitchFamily="2" charset="-122"/>
-            </a:endParaRPr>
           </a:p>
         </p:txBody>
       </p:sp>
@@ -6621,13 +6513,6 @@
               </a:rPr>
               <a:t>COUNT(loan)</a:t>
             </a:r>
-            <a:endParaRPr kumimoji="1" lang="en-US" altLang="zh-CN" sz="1200" dirty="0">
-              <a:solidFill>
-                <a:sysClr val="windowText" lastClr="000000"/>
-              </a:solidFill>
-              <a:latin typeface="等线" panose="02010600030101010101" pitchFamily="2" charset="-122"/>
-              <a:ea typeface="等线" panose="02010600030101010101" pitchFamily="2" charset="-122"/>
-            </a:endParaRPr>
           </a:p>
         </p:txBody>
       </p:sp>
@@ -6989,10 +6874,6 @@
               </a:rPr>
               <a:t>guarantee</a:t>
             </a:r>
-            <a:endParaRPr kumimoji="1" lang="en-US" altLang="zh-CN" sz="1200" dirty="0">
-              <a:latin typeface="等线" panose="02010600030101010101" pitchFamily="2" charset="-122"/>
-              <a:ea typeface="等线" panose="02010600030101010101" pitchFamily="2" charset="-122"/>
-            </a:endParaRPr>
           </a:p>
         </p:txBody>
       </p:sp>
@@ -7370,10 +7251,6 @@
               </a:rPr>
               <a:t>guarantee</a:t>
             </a:r>
-            <a:endParaRPr kumimoji="1" lang="en-US" altLang="zh-CN" sz="1200" dirty="0">
-              <a:latin typeface="等线" panose="02010600030101010101" pitchFamily="2" charset="-122"/>
-              <a:ea typeface="等线" panose="02010600030101010101" pitchFamily="2" charset="-122"/>
-            </a:endParaRPr>
           </a:p>
         </p:txBody>
       </p:sp>
@@ -7407,10 +7284,6 @@
               </a:rPr>
               <a:t>guarantee</a:t>
             </a:r>
-            <a:endParaRPr kumimoji="1" lang="en-US" altLang="zh-CN" sz="1200" dirty="0">
-              <a:latin typeface="等线" panose="02010600030101010101" pitchFamily="2" charset="-122"/>
-              <a:ea typeface="等线" panose="02010600030101010101" pitchFamily="2" charset="-122"/>
-            </a:endParaRPr>
           </a:p>
         </p:txBody>
       </p:sp>
@@ -7569,10 +7442,6 @@
               </a:rPr>
               <a:t>guarantee</a:t>
             </a:r>
-            <a:endParaRPr kumimoji="1" lang="en-US" altLang="zh-CN" sz="1100" dirty="0">
-              <a:latin typeface="等线" panose="02010600030101010101" pitchFamily="2" charset="-122"/>
-              <a:ea typeface="等线" panose="02010600030101010101" pitchFamily="2" charset="-122"/>
-            </a:endParaRPr>
           </a:p>
           <a:p>
             <a:r>
@@ -7631,10 +7500,6 @@
               </a:rPr>
               <a:t>}</a:t>
             </a:r>
-            <a:endParaRPr kumimoji="1" lang="en-US" altLang="zh-CN" sz="1100" dirty="0">
-              <a:latin typeface="等线" panose="02010600030101010101" pitchFamily="2" charset="-122"/>
-              <a:ea typeface="等线" panose="02010600030101010101" pitchFamily="2" charset="-122"/>
-            </a:endParaRPr>
           </a:p>
           <a:p>
             <a:r>
@@ -7693,10 +7558,6 @@
               </a:rPr>
               <a:t>}</a:t>
             </a:r>
-            <a:endParaRPr kumimoji="1" lang="en-US" altLang="zh-CN" sz="1100" dirty="0">
-              <a:latin typeface="等线" panose="02010600030101010101" pitchFamily="2" charset="-122"/>
-              <a:ea typeface="等线" panose="02010600030101010101" pitchFamily="2" charset="-122"/>
-            </a:endParaRPr>
           </a:p>
           <a:p>
             <a:r>
@@ -7720,10 +7581,6 @@
               </a:rPr>
               <a:t>guarantee</a:t>
             </a:r>
-            <a:endParaRPr kumimoji="1" lang="en-US" altLang="zh-CN" sz="1100" dirty="0">
-              <a:latin typeface="等线" panose="02010600030101010101" pitchFamily="2" charset="-122"/>
-              <a:ea typeface="等线" panose="02010600030101010101" pitchFamily="2" charset="-122"/>
-            </a:endParaRPr>
           </a:p>
           <a:p>
             <a:r>
@@ -7782,10 +7639,6 @@
               </a:rPr>
               <a:t>}</a:t>
             </a:r>
-            <a:endParaRPr kumimoji="1" lang="en-US" altLang="zh-CN" sz="1100" dirty="0">
-              <a:latin typeface="等线" panose="02010600030101010101" pitchFamily="2" charset="-122"/>
-              <a:ea typeface="等线" panose="02010600030101010101" pitchFamily="2" charset="-122"/>
-            </a:endParaRPr>
           </a:p>
           <a:p>
             <a:r>
@@ -7844,10 +7697,6 @@
               </a:rPr>
               <a:t>}</a:t>
             </a:r>
-            <a:endParaRPr kumimoji="1" lang="en-US" altLang="zh-CN" sz="1100" dirty="0">
-              <a:latin typeface="等线" panose="02010600030101010101" pitchFamily="2" charset="-122"/>
-              <a:ea typeface="等线" panose="02010600030101010101" pitchFamily="2" charset="-122"/>
-            </a:endParaRPr>
           </a:p>
           <a:p>
             <a:r>
@@ -7878,10 +7727,6 @@
               </a:rPr>
               <a:t>guarantee</a:t>
             </a:r>
-            <a:endParaRPr kumimoji="1" lang="en-US" altLang="zh-CN" sz="1100" dirty="0">
-              <a:latin typeface="等线" panose="02010600030101010101" pitchFamily="2" charset="-122"/>
-              <a:ea typeface="等线" panose="02010600030101010101" pitchFamily="2" charset="-122"/>
-            </a:endParaRPr>
           </a:p>
           <a:p>
             <a:r>
@@ -7940,10 +7785,6 @@
               </a:rPr>
               <a:t>}</a:t>
             </a:r>
-            <a:endParaRPr kumimoji="1" lang="en-US" altLang="zh-CN" sz="1100" dirty="0">
-              <a:latin typeface="等线" panose="02010600030101010101" pitchFamily="2" charset="-122"/>
-              <a:ea typeface="等线" panose="02010600030101010101" pitchFamily="2" charset="-122"/>
-            </a:endParaRPr>
           </a:p>
           <a:p>
             <a:r>
@@ -8002,10 +7843,6 @@
               </a:rPr>
               <a:t>}</a:t>
             </a:r>
-            <a:endParaRPr kumimoji="1" lang="en-US" altLang="zh-CN" sz="1100" dirty="0">
-              <a:latin typeface="等线" panose="02010600030101010101" pitchFamily="2" charset="-122"/>
-              <a:ea typeface="等线" panose="02010600030101010101" pitchFamily="2" charset="-122"/>
-            </a:endParaRPr>
           </a:p>
         </p:txBody>
       </p:sp>
@@ -8176,7 +8013,7 @@
           <p:nvPr/>
         </p:nvGrpSpPr>
         <p:grpSpPr>
-          <a:xfrm rot="0">
+          <a:xfrm>
             <a:off x="879475" y="1586865"/>
             <a:ext cx="1571625" cy="782320"/>
             <a:chOff x="1364974" y="1587060"/>
@@ -8482,10 +8319,6 @@
               </a:rPr>
               <a:t>transfer</a:t>
             </a:r>
-            <a:endParaRPr kumimoji="1" lang="en-US" altLang="zh-CN" sz="1200" dirty="0">
-              <a:latin typeface="等线" panose="02010600030101010101" pitchFamily="2" charset="-122"/>
-              <a:ea typeface="等线" panose="02010600030101010101" pitchFamily="2" charset="-122"/>
-            </a:endParaRPr>
           </a:p>
           <a:p>
             <a:r>
@@ -8544,10 +8377,6 @@
               </a:rPr>
               <a:t>}</a:t>
             </a:r>
-            <a:endParaRPr kumimoji="1" lang="en-US" altLang="zh-CN" sz="1200" dirty="0">
-              <a:latin typeface="等线" panose="02010600030101010101" pitchFamily="2" charset="-122"/>
-              <a:ea typeface="等线" panose="02010600030101010101" pitchFamily="2" charset="-122"/>
-            </a:endParaRPr>
           </a:p>
           <a:p>
             <a:r>
@@ -8606,10 +8435,6 @@
               </a:rPr>
               <a:t>}</a:t>
             </a:r>
-            <a:endParaRPr kumimoji="1" lang="en-US" altLang="zh-CN" sz="1200" dirty="0">
-              <a:latin typeface="等线" panose="02010600030101010101" pitchFamily="2" charset="-122"/>
-              <a:ea typeface="等线" panose="02010600030101010101" pitchFamily="2" charset="-122"/>
-            </a:endParaRPr>
           </a:p>
         </p:txBody>
       </p:sp>
@@ -8665,13 +8490,6 @@
               </a:rPr>
               <a:t>RESULT</a:t>
             </a:r>
-            <a:endParaRPr kumimoji="1" lang="en-US" altLang="zh-CN" sz="1200" b="1" dirty="0">
-              <a:solidFill>
-                <a:srgbClr val="FF0000"/>
-              </a:solidFill>
-              <a:latin typeface="等线" panose="02010600030101010101" pitchFamily="2" charset="-122"/>
-              <a:ea typeface="等线" panose="02010600030101010101" pitchFamily="2" charset="-122"/>
-            </a:endParaRPr>
           </a:p>
           <a:p>
             <a:r>
@@ -8714,13 +8532,6 @@
               </a:rPr>
               <a:t>SUM(edge2.amount)</a:t>
             </a:r>
-            <a:endParaRPr kumimoji="1" lang="en-US" altLang="zh-CN" sz="1200" dirty="0">
-              <a:solidFill>
-                <a:sysClr val="windowText" lastClr="000000"/>
-              </a:solidFill>
-              <a:latin typeface="等线" panose="02010600030101010101" pitchFamily="2" charset="-122"/>
-              <a:ea typeface="等线" panose="02010600030101010101" pitchFamily="2" charset="-122"/>
-            </a:endParaRPr>
           </a:p>
         </p:txBody>
       </p:sp>
@@ -9690,10 +9501,6 @@
               </a:rPr>
               <a:t>own</a:t>
             </a:r>
-            <a:endParaRPr kumimoji="1" lang="en-US" altLang="zh-CN" sz="1200" dirty="0">
-              <a:latin typeface="等线" panose="02010600030101010101" pitchFamily="2" charset="-122"/>
-              <a:ea typeface="等线" panose="02010600030101010101" pitchFamily="2" charset="-122"/>
-            </a:endParaRPr>
           </a:p>
         </p:txBody>
       </p:sp>
@@ -9755,10 +9562,6 @@
               </a:rPr>
               <a:t>own</a:t>
             </a:r>
-            <a:endParaRPr kumimoji="1" lang="en-US" altLang="zh-CN" sz="1200" dirty="0">
-              <a:latin typeface="等线" panose="02010600030101010101" pitchFamily="2" charset="-122"/>
-              <a:ea typeface="等线" panose="02010600030101010101" pitchFamily="2" charset="-122"/>
-            </a:endParaRPr>
           </a:p>
         </p:txBody>
       </p:sp>
@@ -10528,10 +10331,6 @@
               </a:rPr>
               <a:t>above</a:t>
             </a:r>
-            <a:endParaRPr kumimoji="1" lang="en-US" altLang="zh-CN" sz="1200" b="1" dirty="0">
-              <a:latin typeface="等线" panose="02010600030101010101" pitchFamily="2" charset="-122"/>
-              <a:ea typeface="等线" panose="02010600030101010101" pitchFamily="2" charset="-122"/>
-            </a:endParaRPr>
           </a:p>
           <a:p>
             <a:r>
@@ -10569,10 +10368,6 @@
               </a:rPr>
               <a:t>12</a:t>
             </a:r>
-            <a:endParaRPr kumimoji="1" lang="en-US" altLang="zh-CN" sz="1200" b="1" dirty="0">
-              <a:latin typeface="等线" panose="02010600030101010101" pitchFamily="2" charset="-122"/>
-              <a:ea typeface="等线" panose="02010600030101010101" pitchFamily="2" charset="-122"/>
-            </a:endParaRPr>
           </a:p>
           <a:p>
             <a:r>
@@ -10610,10 +10405,6 @@
               </a:rPr>
               <a:t>2pt</a:t>
             </a:r>
-            <a:endParaRPr kumimoji="1" lang="en-US" altLang="zh-CN" sz="1200" b="1" dirty="0">
-              <a:latin typeface="等线" panose="02010600030101010101" pitchFamily="2" charset="-122"/>
-              <a:ea typeface="等线" panose="02010600030101010101" pitchFamily="2" charset="-122"/>
-            </a:endParaRPr>
           </a:p>
           <a:p>
             <a:r>
@@ -10679,10 +10470,6 @@
               </a:rPr>
               <a:t>bold</a:t>
             </a:r>
-            <a:endParaRPr kumimoji="1" lang="en-US" altLang="zh-CN" sz="1200" b="1" dirty="0">
-              <a:latin typeface="等线" panose="02010600030101010101" pitchFamily="2" charset="-122"/>
-              <a:ea typeface="等线" panose="02010600030101010101" pitchFamily="2" charset="-122"/>
-            </a:endParaRPr>
           </a:p>
           <a:p>
             <a:r>
@@ -10755,10 +10542,6 @@
               </a:rPr>
               <a:t>bold</a:t>
             </a:r>
-            <a:endParaRPr kumimoji="1" lang="en-US" altLang="zh-CN" sz="1200" b="1" dirty="0">
-              <a:latin typeface="等线" panose="02010600030101010101" pitchFamily="2" charset="-122"/>
-              <a:ea typeface="等线" panose="02010600030101010101" pitchFamily="2" charset="-122"/>
-            </a:endParaRPr>
           </a:p>
         </p:txBody>
       </p:sp>
@@ -12489,10 +12272,6 @@
                 </a:rPr>
                 <a:t>invest</a:t>
               </a:r>
-              <a:endParaRPr kumimoji="1" lang="en-US" altLang="zh-CN" sz="1200" dirty="0">
-                <a:latin typeface="等线" panose="02010600030101010101" pitchFamily="2" charset="-122"/>
-                <a:ea typeface="等线" panose="02010600030101010101" pitchFamily="2" charset="-122"/>
-              </a:endParaRPr>
             </a:p>
             <a:p>
               <a:r>
@@ -12516,10 +12295,6 @@
                 </a:rPr>
                 <a:t>invest</a:t>
               </a:r>
-              <a:endParaRPr kumimoji="1" lang="en-US" altLang="zh-CN" sz="1200" dirty="0">
-                <a:latin typeface="等线" panose="02010600030101010101" pitchFamily="2" charset="-122"/>
-                <a:ea typeface="等线" panose="02010600030101010101" pitchFamily="2" charset="-122"/>
-              </a:endParaRPr>
             </a:p>
           </p:txBody>
         </p:sp>
@@ -13291,10 +13066,6 @@
               </a:rPr>
               <a:t>transfer</a:t>
             </a:r>
-            <a:endParaRPr kumimoji="1" lang="en-US" altLang="zh-CN" sz="1400" dirty="0">
-              <a:latin typeface="等线" panose="02010600030101010101" pitchFamily="2" charset="-122"/>
-              <a:ea typeface="等线" panose="02010600030101010101" pitchFamily="2" charset="-122"/>
-            </a:endParaRPr>
           </a:p>
           <a:p>
             <a:pPr algn="ctr"/>
@@ -13354,10 +13125,6 @@
               </a:rPr>
               <a:t>}</a:t>
             </a:r>
-            <a:endParaRPr kumimoji="1" lang="en-US" altLang="zh-CN" sz="1400" dirty="0">
-              <a:latin typeface="等线" panose="02010600030101010101" pitchFamily="2" charset="-122"/>
-              <a:ea typeface="等线" panose="02010600030101010101" pitchFamily="2" charset="-122"/>
-            </a:endParaRPr>
           </a:p>
           <a:p>
             <a:pPr algn="ctr"/>
@@ -13417,10 +13184,6 @@
               </a:rPr>
               <a:t>}</a:t>
             </a:r>
-            <a:endParaRPr kumimoji="1" lang="en-US" altLang="zh-CN" sz="1400" dirty="0">
-              <a:latin typeface="等线" panose="02010600030101010101" pitchFamily="2" charset="-122"/>
-              <a:ea typeface="等线" panose="02010600030101010101" pitchFamily="2" charset="-122"/>
-            </a:endParaRPr>
           </a:p>
           <a:p>
             <a:pPr algn="ctr"/>
@@ -13466,10 +13229,6 @@
               </a:rPr>
               <a:t>${threshold}</a:t>
             </a:r>
-            <a:endParaRPr kumimoji="1" lang="en-US" altLang="zh-CN" sz="1400" dirty="0">
-              <a:latin typeface="等线" panose="02010600030101010101" pitchFamily="2" charset="-122"/>
-              <a:ea typeface="等线" panose="02010600030101010101" pitchFamily="2" charset="-122"/>
-            </a:endParaRPr>
           </a:p>
         </p:txBody>
       </p:sp>
@@ -14829,13 +14588,6 @@
               </a:rPr>
               <a:t>$n2</a:t>
             </a:r>
-            <a:endParaRPr kumimoji="1" lang="en-US" altLang="zh-CN" sz="1200" b="1" dirty="0">
-              <a:solidFill>
-                <a:sysClr val="windowText" lastClr="000000"/>
-              </a:solidFill>
-              <a:latin typeface="等线" panose="02010600030101010101" pitchFamily="2" charset="-122"/>
-              <a:ea typeface="等线" panose="02010600030101010101" pitchFamily="2" charset="-122"/>
-            </a:endParaRPr>
           </a:p>
           <a:p>
             <a:r>
@@ -14949,10 +14701,6 @@
               </a:rPr>
               <a:t>transfer</a:t>
             </a:r>
-            <a:endParaRPr kumimoji="1" lang="en-US" altLang="zh-CN" sz="1400" dirty="0">
-              <a:latin typeface="等线" panose="02010600030101010101" pitchFamily="2" charset="-122"/>
-              <a:ea typeface="等线" panose="02010600030101010101" pitchFamily="2" charset="-122"/>
-            </a:endParaRPr>
           </a:p>
           <a:p>
             <a:pPr algn="ctr"/>
@@ -15012,10 +14760,6 @@
               </a:rPr>
               <a:t>}</a:t>
             </a:r>
-            <a:endParaRPr kumimoji="1" lang="en-US" altLang="zh-CN" sz="1400" dirty="0">
-              <a:latin typeface="等线" panose="02010600030101010101" pitchFamily="2" charset="-122"/>
-              <a:ea typeface="等线" panose="02010600030101010101" pitchFamily="2" charset="-122"/>
-            </a:endParaRPr>
           </a:p>
           <a:p>
             <a:pPr algn="ctr"/>
@@ -15075,10 +14819,6 @@
               </a:rPr>
               <a:t>}</a:t>
             </a:r>
-            <a:endParaRPr kumimoji="1" lang="en-US" altLang="zh-CN" sz="1400" dirty="0">
-              <a:latin typeface="等线" panose="02010600030101010101" pitchFamily="2" charset="-122"/>
-              <a:ea typeface="等线" panose="02010600030101010101" pitchFamily="2" charset="-122"/>
-            </a:endParaRPr>
           </a:p>
           <a:p>
             <a:pPr algn="ctr"/>
@@ -15124,10 +14864,6 @@
               </a:rPr>
               <a:t>${threshold}</a:t>
             </a:r>
-            <a:endParaRPr kumimoji="1" lang="en-US" altLang="zh-CN" sz="1400" dirty="0">
-              <a:latin typeface="等线" panose="02010600030101010101" pitchFamily="2" charset="-122"/>
-              <a:ea typeface="等线" panose="02010600030101010101" pitchFamily="2" charset="-122"/>
-            </a:endParaRPr>
           </a:p>
         </p:txBody>
       </p:sp>
@@ -15429,13 +15165,6 @@
               </a:rPr>
               <a:t>RESULT</a:t>
             </a:r>
-            <a:endParaRPr kumimoji="1" lang="en-US" altLang="zh-CN" sz="1200" b="1" dirty="0">
-              <a:solidFill>
-                <a:srgbClr val="FF0000"/>
-              </a:solidFill>
-              <a:latin typeface="等线" panose="02010600030101010101" pitchFamily="2" charset="-122"/>
-              <a:ea typeface="等线" panose="02010600030101010101" pitchFamily="2" charset="-122"/>
-            </a:endParaRPr>
           </a:p>
           <a:p>
             <a:r>
@@ -15538,13 +15267,6 @@
               </a:rPr>
               <a:t>)</a:t>
             </a:r>
-            <a:endParaRPr kumimoji="1" lang="en-US" altLang="zh-CN" sz="1200" dirty="0">
-              <a:solidFill>
-                <a:sysClr val="windowText" lastClr="000000"/>
-              </a:solidFill>
-              <a:latin typeface="等线" panose="02010600030101010101" pitchFamily="2" charset="-122"/>
-              <a:ea typeface="等线" panose="02010600030101010101" pitchFamily="2" charset="-122"/>
-            </a:endParaRPr>
           </a:p>
         </p:txBody>
       </p:sp>
@@ -15555,7 +15277,7 @@
           <p:nvPr/>
         </p:nvGrpSpPr>
         <p:grpSpPr>
-          <a:xfrm rot="0">
+          <a:xfrm>
             <a:off x="880745" y="1577340"/>
             <a:ext cx="1391285" cy="848360"/>
             <a:chOff x="96259" y="2451234"/>
@@ -16121,10 +15843,6 @@
               </a:rPr>
               <a:t>own</a:t>
             </a:r>
-            <a:endParaRPr kumimoji="1" lang="en-US" altLang="zh-CN" sz="1200" dirty="0">
-              <a:latin typeface="等线" panose="02010600030101010101" pitchFamily="2" charset="-122"/>
-              <a:ea typeface="等线" panose="02010600030101010101" pitchFamily="2" charset="-122"/>
-            </a:endParaRPr>
           </a:p>
           <a:p>
             <a:endParaRPr kumimoji="1" lang="en-US" altLang="zh-CN" sz="1200" dirty="0">
@@ -16237,10 +15955,6 @@
               </a:rPr>
               <a:t>}</a:t>
             </a:r>
-            <a:endParaRPr kumimoji="1" lang="en-US" altLang="zh-CN" sz="1200" dirty="0">
-              <a:latin typeface="等线" panose="02010600030101010101" pitchFamily="2" charset="-122"/>
-              <a:ea typeface="等线" panose="02010600030101010101" pitchFamily="2" charset="-122"/>
-            </a:endParaRPr>
           </a:p>
           <a:p>
             <a:r>
@@ -16299,10 +16013,6 @@
               </a:rPr>
               <a:t>}</a:t>
             </a:r>
-            <a:endParaRPr kumimoji="1" lang="en-US" altLang="zh-CN" sz="1200" dirty="0">
-              <a:latin typeface="等线" panose="02010600030101010101" pitchFamily="2" charset="-122"/>
-              <a:ea typeface="等线" panose="02010600030101010101" pitchFamily="2" charset="-122"/>
-            </a:endParaRPr>
           </a:p>
           <a:p>
             <a:endParaRPr kumimoji="1" lang="en-US" altLang="zh-CN" sz="1200" dirty="0">
@@ -16351,13 +16061,6 @@
               </a:rPr>
               <a:t>deposit</a:t>
             </a:r>
-            <a:endParaRPr kumimoji="1" lang="en-US" altLang="zh-CN" sz="1200" dirty="0">
-              <a:solidFill>
-                <a:schemeClr val="tx1"/>
-              </a:solidFill>
-              <a:latin typeface="等线" panose="02010600030101010101" pitchFamily="2" charset="-122"/>
-              <a:ea typeface="等线" panose="02010600030101010101" pitchFamily="2" charset="-122"/>
-            </a:endParaRPr>
           </a:p>
           <a:p>
             <a:r>
@@ -16440,13 +16143,6 @@
               </a:rPr>
               <a:t>}</a:t>
             </a:r>
-            <a:endParaRPr kumimoji="1" lang="en-US" altLang="zh-CN" sz="1200" dirty="0">
-              <a:solidFill>
-                <a:schemeClr val="tx1"/>
-              </a:solidFill>
-              <a:latin typeface="等线" panose="02010600030101010101" pitchFamily="2" charset="-122"/>
-              <a:ea typeface="等线" panose="02010600030101010101" pitchFamily="2" charset="-122"/>
-            </a:endParaRPr>
           </a:p>
           <a:p>
             <a:r>
@@ -16529,13 +16225,6 @@
               </a:rPr>
               <a:t>}</a:t>
             </a:r>
-            <a:endParaRPr kumimoji="1" lang="en-US" altLang="zh-CN" sz="1200" dirty="0">
-              <a:solidFill>
-                <a:schemeClr val="tx1"/>
-              </a:solidFill>
-              <a:latin typeface="等线" panose="02010600030101010101" pitchFamily="2" charset="-122"/>
-              <a:ea typeface="等线" panose="02010600030101010101" pitchFamily="2" charset="-122"/>
-            </a:endParaRPr>
           </a:p>
         </p:txBody>
       </p:sp>
@@ -17771,10 +17460,6 @@
                 </a:rPr>
                 <a:t>transfer</a:t>
               </a:r>
-              <a:endParaRPr kumimoji="1" lang="en-US" altLang="zh-CN" sz="1200" dirty="0">
-                <a:latin typeface="等线" panose="02010600030101010101" pitchFamily="2" charset="-122"/>
-                <a:ea typeface="等线" panose="02010600030101010101" pitchFamily="2" charset="-122"/>
-              </a:endParaRPr>
             </a:p>
             <a:p>
               <a:r>
@@ -17833,10 +17518,6 @@
                 </a:rPr>
                 <a:t>}</a:t>
               </a:r>
-              <a:endParaRPr kumimoji="1" lang="en-US" altLang="zh-CN" sz="1200" dirty="0">
-                <a:latin typeface="等线" panose="02010600030101010101" pitchFamily="2" charset="-122"/>
-                <a:ea typeface="等线" panose="02010600030101010101" pitchFamily="2" charset="-122"/>
-              </a:endParaRPr>
             </a:p>
             <a:p>
               <a:r>
@@ -17895,10 +17576,6 @@
                 </a:rPr>
                 <a:t>}</a:t>
               </a:r>
-              <a:endParaRPr kumimoji="1" lang="en-US" altLang="zh-CN" sz="1200" dirty="0">
-                <a:latin typeface="等线" panose="02010600030101010101" pitchFamily="2" charset="-122"/>
-                <a:ea typeface="等线" panose="02010600030101010101" pitchFamily="2" charset="-122"/>
-              </a:endParaRPr>
             </a:p>
           </p:txBody>
         </p:sp>
@@ -18756,13 +18433,6 @@
                 </a:rPr>
                 <a:t>)</a:t>
               </a:r>
-              <a:endParaRPr kumimoji="1" lang="en-US" altLang="zh-CN" sz="1400" dirty="0">
-                <a:solidFill>
-                  <a:sysClr val="windowText" lastClr="000000"/>
-                </a:solidFill>
-                <a:latin typeface="等线" panose="02010600030101010101" pitchFamily="2" charset="-122"/>
-                <a:ea typeface="等线" panose="02010600030101010101" pitchFamily="2" charset="-122"/>
-              </a:endParaRPr>
             </a:p>
           </p:txBody>
         </p:sp>
@@ -19522,13 +19192,6 @@
                 </a:rPr>
                 <a:t>1</a:t>
               </a:r>
-              <a:endParaRPr kumimoji="1" lang="en-US" altLang="zh-CN" sz="1200" b="1" dirty="0">
-                <a:solidFill>
-                  <a:sysClr val="windowText" lastClr="000000"/>
-                </a:solidFill>
-                <a:latin typeface="等线" panose="02010600030101010101" pitchFamily="2" charset="-122"/>
-                <a:ea typeface="等线" panose="02010600030101010101" pitchFamily="2" charset="-122"/>
-              </a:endParaRPr>
             </a:p>
           </p:txBody>
         </p:sp>
@@ -19604,13 +19267,6 @@
                 </a:rPr>
                 <a:t>N</a:t>
               </a:r>
-              <a:endParaRPr kumimoji="1" lang="en-US" altLang="zh-CN" sz="1200" b="1" dirty="0">
-                <a:solidFill>
-                  <a:sysClr val="windowText" lastClr="000000"/>
-                </a:solidFill>
-                <a:latin typeface="等线" panose="02010600030101010101" pitchFamily="2" charset="-122"/>
-                <a:ea typeface="等线" panose="02010600030101010101" pitchFamily="2" charset="-122"/>
-              </a:endParaRPr>
             </a:p>
           </p:txBody>
         </p:sp>
@@ -20055,10 +19711,6 @@
                 </a:rPr>
                 <a:t>transfer</a:t>
               </a:r>
-              <a:endParaRPr kumimoji="1" lang="en-US" altLang="zh-CN" sz="1200" dirty="0">
-                <a:latin typeface="等线" panose="02010600030101010101" pitchFamily="2" charset="-122"/>
-                <a:ea typeface="等线" panose="02010600030101010101" pitchFamily="2" charset="-122"/>
-              </a:endParaRPr>
             </a:p>
             <a:p>
               <a:pPr algn="ctr"/>
@@ -20118,10 +19770,6 @@
                 </a:rPr>
                 <a:t>}</a:t>
               </a:r>
-              <a:endParaRPr kumimoji="1" lang="en-US" altLang="zh-CN" sz="1200" dirty="0">
-                <a:latin typeface="等线" panose="02010600030101010101" pitchFamily="2" charset="-122"/>
-                <a:ea typeface="等线" panose="02010600030101010101" pitchFamily="2" charset="-122"/>
-              </a:endParaRPr>
             </a:p>
             <a:p>
               <a:pPr algn="ctr"/>
@@ -20181,10 +19829,6 @@
                 </a:rPr>
                 <a:t>}</a:t>
               </a:r>
-              <a:endParaRPr kumimoji="1" lang="en-US" altLang="zh-CN" sz="1200" dirty="0">
-                <a:latin typeface="等线" panose="02010600030101010101" pitchFamily="2" charset="-122"/>
-                <a:ea typeface="等线" panose="02010600030101010101" pitchFamily="2" charset="-122"/>
-              </a:endParaRPr>
             </a:p>
           </p:txBody>
         </p:sp>
@@ -20389,13 +20033,6 @@
                 </a:rPr>
                 <a:t>MAX(edge3.amount)</a:t>
               </a:r>
-              <a:endParaRPr kumimoji="1" lang="en-US" altLang="zh-CN" sz="1200" dirty="0">
-                <a:solidFill>
-                  <a:sysClr val="windowText" lastClr="000000"/>
-                </a:solidFill>
-                <a:latin typeface="等线" panose="02010600030101010101" pitchFamily="2" charset="-122"/>
-                <a:ea typeface="等线" panose="02010600030101010101" pitchFamily="2" charset="-122"/>
-              </a:endParaRPr>
             </a:p>
           </p:txBody>
         </p:sp>
@@ -20849,10 +20486,6 @@
                 </a:rPr>
                 <a:t>transfer</a:t>
               </a:r>
-              <a:endParaRPr kumimoji="1" lang="en-US" altLang="zh-CN" sz="1200" dirty="0">
-                <a:latin typeface="等线" panose="02010600030101010101" pitchFamily="2" charset="-122"/>
-                <a:ea typeface="等线" panose="02010600030101010101" pitchFamily="2" charset="-122"/>
-              </a:endParaRPr>
             </a:p>
             <a:p>
               <a:pPr algn="ctr"/>
@@ -20912,10 +20545,6 @@
                 </a:rPr>
                 <a:t>}</a:t>
               </a:r>
-              <a:endParaRPr kumimoji="1" lang="en-US" altLang="zh-CN" sz="1200" dirty="0">
-                <a:latin typeface="等线" panose="02010600030101010101" pitchFamily="2" charset="-122"/>
-                <a:ea typeface="等线" panose="02010600030101010101" pitchFamily="2" charset="-122"/>
-              </a:endParaRPr>
             </a:p>
             <a:p>
               <a:pPr algn="ctr"/>
@@ -20975,10 +20604,6 @@
                 </a:rPr>
                 <a:t>}</a:t>
               </a:r>
-              <a:endParaRPr kumimoji="1" lang="en-US" altLang="zh-CN" sz="1200" dirty="0">
-                <a:latin typeface="等线" panose="02010600030101010101" pitchFamily="2" charset="-122"/>
-                <a:ea typeface="等线" panose="02010600030101010101" pitchFamily="2" charset="-122"/>
-              </a:endParaRPr>
             </a:p>
           </p:txBody>
         </p:sp>
@@ -21135,10 +20760,6 @@
                 </a:rPr>
                 <a:t>transfer</a:t>
               </a:r>
-              <a:endParaRPr kumimoji="1" lang="en-US" altLang="zh-CN" sz="1200" dirty="0">
-                <a:latin typeface="等线" panose="02010600030101010101" pitchFamily="2" charset="-122"/>
-                <a:ea typeface="等线" panose="02010600030101010101" pitchFamily="2" charset="-122"/>
-              </a:endParaRPr>
             </a:p>
             <a:p>
               <a:pPr algn="ctr"/>
@@ -21198,10 +20819,6 @@
                 </a:rPr>
                 <a:t>}</a:t>
               </a:r>
-              <a:endParaRPr kumimoji="1" lang="en-US" altLang="zh-CN" sz="1200" dirty="0">
-                <a:latin typeface="等线" panose="02010600030101010101" pitchFamily="2" charset="-122"/>
-                <a:ea typeface="等线" panose="02010600030101010101" pitchFamily="2" charset="-122"/>
-              </a:endParaRPr>
             </a:p>
             <a:p>
               <a:pPr algn="ctr"/>
@@ -21261,10 +20878,6 @@
                 </a:rPr>
                 <a:t>}</a:t>
               </a:r>
-              <a:endParaRPr kumimoji="1" lang="en-US" altLang="zh-CN" sz="1200" dirty="0">
-                <a:latin typeface="等线" panose="02010600030101010101" pitchFamily="2" charset="-122"/>
-                <a:ea typeface="等线" panose="02010600030101010101" pitchFamily="2" charset="-122"/>
-              </a:endParaRPr>
             </a:p>
           </p:txBody>
         </p:sp>
@@ -21952,10 +21565,6 @@
                 </a:rPr>
                 <a:t>own</a:t>
               </a:r>
-              <a:endParaRPr kumimoji="1" lang="en-US" altLang="zh-CN" sz="1200" dirty="0">
-                <a:latin typeface="等线" panose="02010600030101010101" pitchFamily="2" charset="-122"/>
-                <a:ea typeface="等线" panose="02010600030101010101" pitchFamily="2" charset="-122"/>
-              </a:endParaRPr>
             </a:p>
           </p:txBody>
         </p:sp>
@@ -22251,10 +21860,6 @@
                 </a:rPr>
                 <a:t>}</a:t>
               </a:r>
-              <a:endParaRPr kumimoji="1" lang="en-US" altLang="zh-CN" sz="1200" dirty="0">
-                <a:latin typeface="等线" panose="02010600030101010101" pitchFamily="2" charset="-122"/>
-                <a:ea typeface="等线" panose="02010600030101010101" pitchFamily="2" charset="-122"/>
-              </a:endParaRPr>
             </a:p>
             <a:p>
               <a:r>
@@ -22313,10 +21918,6 @@
                 </a:rPr>
                 <a:t>}</a:t>
               </a:r>
-              <a:endParaRPr kumimoji="1" lang="en-US" altLang="zh-CN" sz="1200" dirty="0">
-                <a:latin typeface="等线" panose="02010600030101010101" pitchFamily="2" charset="-122"/>
-                <a:ea typeface="等线" panose="02010600030101010101" pitchFamily="2" charset="-122"/>
-              </a:endParaRPr>
             </a:p>
           </p:txBody>
         </p:sp>
@@ -22393,13 +21994,6 @@
                 </a:rPr>
                 <a:t>paths</a:t>
               </a:r>
-              <a:endParaRPr kumimoji="1" lang="en-US" altLang="zh-CN" sz="1200" dirty="0">
-                <a:solidFill>
-                  <a:sysClr val="windowText" lastClr="000000"/>
-                </a:solidFill>
-                <a:latin typeface="等线" panose="02010600030101010101" pitchFamily="2" charset="-122"/>
-                <a:ea typeface="等线" panose="02010600030101010101" pitchFamily="2" charset="-122"/>
-              </a:endParaRPr>
             </a:p>
           </p:txBody>
         </p:sp>
@@ -22475,13 +22069,6 @@
                 </a:rPr>
                 <a:t>1</a:t>
               </a:r>
-              <a:endParaRPr kumimoji="1" lang="en-US" altLang="zh-CN" sz="1200" b="1" dirty="0">
-                <a:solidFill>
-                  <a:sysClr val="windowText" lastClr="000000"/>
-                </a:solidFill>
-                <a:latin typeface="等线" panose="02010600030101010101" pitchFamily="2" charset="-122"/>
-                <a:ea typeface="等线" panose="02010600030101010101" pitchFamily="2" charset="-122"/>
-              </a:endParaRPr>
             </a:p>
           </p:txBody>
         </p:sp>
@@ -22723,13 +22310,6 @@
                 </a:rPr>
                 <a:t>N</a:t>
               </a:r>
-              <a:endParaRPr kumimoji="1" lang="en-US" altLang="zh-CN" sz="1200" b="1" dirty="0">
-                <a:solidFill>
-                  <a:sysClr val="windowText" lastClr="000000"/>
-                </a:solidFill>
-                <a:latin typeface="等线" panose="02010600030101010101" pitchFamily="2" charset="-122"/>
-                <a:ea typeface="等线" panose="02010600030101010101" pitchFamily="2" charset="-122"/>
-              </a:endParaRPr>
             </a:p>
           </p:txBody>
         </p:sp>
@@ -23496,13 +23076,6 @@
                 </a:rPr>
                 <a:t>2</a:t>
               </a:r>
-              <a:endParaRPr kumimoji="1" lang="en-US" altLang="zh-CN" sz="1200" b="1" dirty="0">
-                <a:solidFill>
-                  <a:sysClr val="windowText" lastClr="000000"/>
-                </a:solidFill>
-                <a:latin typeface="等线" panose="02010600030101010101" pitchFamily="2" charset="-122"/>
-                <a:ea typeface="等线" panose="02010600030101010101" pitchFamily="2" charset="-122"/>
-              </a:endParaRPr>
             </a:p>
           </p:txBody>
         </p:sp>
@@ -23656,10 +23229,6 @@
               </a:rPr>
               <a:t>transfer</a:t>
             </a:r>
-            <a:endParaRPr kumimoji="1" lang="en-US" altLang="zh-CN" sz="1200" dirty="0">
-              <a:latin typeface="等线" panose="02010600030101010101" pitchFamily="2" charset="-122"/>
-              <a:ea typeface="等线" panose="02010600030101010101" pitchFamily="2" charset="-122"/>
-            </a:endParaRPr>
           </a:p>
           <a:p>
             <a:r>
@@ -23718,10 +23287,6 @@
               </a:rPr>
               <a:t>}</a:t>
             </a:r>
-            <a:endParaRPr kumimoji="1" lang="en-US" altLang="zh-CN" sz="1200" dirty="0">
-              <a:latin typeface="等线" panose="02010600030101010101" pitchFamily="2" charset="-122"/>
-              <a:ea typeface="等线" panose="02010600030101010101" pitchFamily="2" charset="-122"/>
-            </a:endParaRPr>
           </a:p>
           <a:p>
             <a:r>
@@ -23780,10 +23345,6 @@
               </a:rPr>
               <a:t>}</a:t>
             </a:r>
-            <a:endParaRPr kumimoji="1" lang="en-US" altLang="zh-CN" sz="1200" dirty="0">
-              <a:latin typeface="等线" panose="02010600030101010101" pitchFamily="2" charset="-122"/>
-              <a:ea typeface="等线" panose="02010600030101010101" pitchFamily="2" charset="-122"/>
-            </a:endParaRPr>
           </a:p>
           <a:p>
             <a:r>
@@ -23828,10 +23389,6 @@
               </a:rPr>
               <a:t>${threshold1}</a:t>
             </a:r>
-            <a:endParaRPr kumimoji="1" lang="en-US" altLang="zh-CN" sz="1200" dirty="0">
-              <a:latin typeface="等线" panose="02010600030101010101" pitchFamily="2" charset="-122"/>
-              <a:ea typeface="等线" panose="02010600030101010101" pitchFamily="2" charset="-122"/>
-            </a:endParaRPr>
           </a:p>
         </p:txBody>
       </p:sp>
@@ -24062,13 +23619,6 @@
               </a:rPr>
               <a:t>edge2.amount)</a:t>
             </a:r>
-            <a:endParaRPr kumimoji="1" lang="en-US" altLang="zh-CN" sz="1200" dirty="0">
-              <a:solidFill>
-                <a:sysClr val="windowText" lastClr="000000"/>
-              </a:solidFill>
-              <a:latin typeface="等线" panose="02010600030101010101" pitchFamily="2" charset="-122"/>
-              <a:ea typeface="等线" panose="02010600030101010101" pitchFamily="2" charset="-122"/>
-            </a:endParaRPr>
           </a:p>
         </p:txBody>
       </p:sp>
@@ -24425,10 +23975,6 @@
               </a:rPr>
               <a:t>withdraw</a:t>
             </a:r>
-            <a:endParaRPr kumimoji="1" lang="en-US" altLang="zh-CN" sz="1200" dirty="0">
-              <a:latin typeface="等线" panose="02010600030101010101" pitchFamily="2" charset="-122"/>
-              <a:ea typeface="等线" panose="02010600030101010101" pitchFamily="2" charset="-122"/>
-            </a:endParaRPr>
           </a:p>
           <a:p>
             <a:r>
@@ -24487,10 +24033,6 @@
               </a:rPr>
               <a:t>}</a:t>
             </a:r>
-            <a:endParaRPr kumimoji="1" lang="en-US" altLang="zh-CN" sz="1200" dirty="0">
-              <a:latin typeface="等线" panose="02010600030101010101" pitchFamily="2" charset="-122"/>
-              <a:ea typeface="等线" panose="02010600030101010101" pitchFamily="2" charset="-122"/>
-            </a:endParaRPr>
           </a:p>
           <a:p>
             <a:r>
@@ -24549,10 +24091,6 @@
               </a:rPr>
               <a:t>}</a:t>
             </a:r>
-            <a:endParaRPr kumimoji="1" lang="en-US" altLang="zh-CN" sz="1200" dirty="0">
-              <a:latin typeface="等线" panose="02010600030101010101" pitchFamily="2" charset="-122"/>
-              <a:ea typeface="等线" panose="02010600030101010101" pitchFamily="2" charset="-122"/>
-            </a:endParaRPr>
           </a:p>
           <a:p>
             <a:r>
@@ -24597,10 +24135,6 @@
               </a:rPr>
               <a:t>${threshold2}</a:t>
             </a:r>
-            <a:endParaRPr kumimoji="1" lang="en-US" altLang="zh-CN" sz="1200" dirty="0">
-              <a:latin typeface="等线" panose="02010600030101010101" pitchFamily="2" charset="-122"/>
-              <a:ea typeface="等线" panose="02010600030101010101" pitchFamily="2" charset="-122"/>
-            </a:endParaRPr>
           </a:p>
         </p:txBody>
       </p:sp>
@@ -24871,11 +24405,6 @@
                 </a:rPr>
                 <a:t>card</a:t>
               </a:r>
-              <a:endParaRPr kumimoji="1" lang="en-US" altLang="zh-CN" sz="1200" dirty="0">
-                <a:solidFill>
-                  <a:sysClr val="windowText" lastClr="000000"/>
-                </a:solidFill>
-              </a:endParaRPr>
             </a:p>
           </p:txBody>
         </p:sp>
@@ -25370,7 +24899,7 @@
           <p:nvPr/>
         </p:nvGrpSpPr>
         <p:grpSpPr>
-          <a:xfrm rot="0">
+          <a:xfrm>
             <a:off x="5384800" y="3100070"/>
             <a:ext cx="1456055" cy="904240"/>
             <a:chOff x="1058491" y="2051323"/>
@@ -25656,10 +25185,6 @@
               </a:rPr>
               <a:t>withdraw]</a:t>
             </a:r>
-            <a:endParaRPr kumimoji="1" lang="en-US" altLang="zh-CN" sz="1400" dirty="0">
-              <a:latin typeface="等线" panose="02010600030101010101" pitchFamily="2" charset="-122"/>
-              <a:ea typeface="等线" panose="02010600030101010101" pitchFamily="2" charset="-122"/>
-            </a:endParaRPr>
           </a:p>
           <a:p>
             <a:r>
@@ -25718,10 +25243,6 @@
               </a:rPr>
               <a:t>}</a:t>
             </a:r>
-            <a:endParaRPr kumimoji="1" lang="en-US" altLang="zh-CN" sz="1400" dirty="0">
-              <a:latin typeface="等线" panose="02010600030101010101" pitchFamily="2" charset="-122"/>
-              <a:ea typeface="等线" panose="02010600030101010101" pitchFamily="2" charset="-122"/>
-            </a:endParaRPr>
           </a:p>
           <a:p>
             <a:r>
@@ -25780,10 +25301,6 @@
               </a:rPr>
               <a:t>}</a:t>
             </a:r>
-            <a:endParaRPr kumimoji="1" lang="en-US" altLang="zh-CN" sz="1400" dirty="0">
-              <a:latin typeface="等线" panose="02010600030101010101" pitchFamily="2" charset="-122"/>
-              <a:ea typeface="等线" panose="02010600030101010101" pitchFamily="2" charset="-122"/>
-            </a:endParaRPr>
           </a:p>
           <a:p>
             <a:r>
@@ -25828,10 +25345,6 @@
               </a:rPr>
               <a:t>${threshold}</a:t>
             </a:r>
-            <a:endParaRPr kumimoji="1" lang="en-US" altLang="zh-CN" sz="1400" dirty="0">
-              <a:latin typeface="等线" panose="02010600030101010101" pitchFamily="2" charset="-122"/>
-              <a:ea typeface="等线" panose="02010600030101010101" pitchFamily="2" charset="-122"/>
-            </a:endParaRPr>
           </a:p>
         </p:txBody>
       </p:sp>
@@ -26796,10 +26309,6 @@
               </a:rPr>
               <a:t>withdraw]</a:t>
             </a:r>
-            <a:endParaRPr kumimoji="1" lang="en-US" altLang="zh-CN" sz="1400" dirty="0">
-              <a:latin typeface="等线" panose="02010600030101010101" pitchFamily="2" charset="-122"/>
-              <a:ea typeface="等线" panose="02010600030101010101" pitchFamily="2" charset="-122"/>
-            </a:endParaRPr>
           </a:p>
           <a:p>
             <a:r>
@@ -26858,10 +26367,6 @@
               </a:rPr>
               <a:t>}</a:t>
             </a:r>
-            <a:endParaRPr kumimoji="1" lang="en-US" altLang="zh-CN" sz="1400" dirty="0">
-              <a:latin typeface="等线" panose="02010600030101010101" pitchFamily="2" charset="-122"/>
-              <a:ea typeface="等线" panose="02010600030101010101" pitchFamily="2" charset="-122"/>
-            </a:endParaRPr>
           </a:p>
           <a:p>
             <a:r>
@@ -26920,10 +26425,6 @@
               </a:rPr>
               <a:t>}</a:t>
             </a:r>
-            <a:endParaRPr kumimoji="1" lang="en-US" altLang="zh-CN" sz="1400" dirty="0">
-              <a:latin typeface="等线" panose="02010600030101010101" pitchFamily="2" charset="-122"/>
-              <a:ea typeface="等线" panose="02010600030101010101" pitchFamily="2" charset="-122"/>
-            </a:endParaRPr>
           </a:p>
           <a:p>
             <a:r>
@@ -26968,10 +26469,6 @@
               </a:rPr>
               <a:t>${threshold}</a:t>
             </a:r>
-            <a:endParaRPr kumimoji="1" lang="en-US" altLang="zh-CN" sz="1400" dirty="0">
-              <a:latin typeface="等线" panose="02010600030101010101" pitchFamily="2" charset="-122"/>
-              <a:ea typeface="等线" panose="02010600030101010101" pitchFamily="2" charset="-122"/>
-            </a:endParaRPr>
           </a:p>
         </p:txBody>
       </p:sp>
@@ -27127,13 +26624,6 @@
               </a:rPr>
               <a:t>SUM(edge1.amount)/SUM(edge2.amount)</a:t>
             </a:r>
-            <a:endParaRPr kumimoji="1" lang="en-US" altLang="zh-CN" sz="1400" dirty="0">
-              <a:solidFill>
-                <a:sysClr val="windowText" lastClr="000000"/>
-              </a:solidFill>
-              <a:latin typeface="等线" panose="02010600030101010101" pitchFamily="2" charset="-122"/>
-              <a:ea typeface="等线" panose="02010600030101010101" pitchFamily="2" charset="-122"/>
-            </a:endParaRPr>
           </a:p>
         </p:txBody>
       </p:sp>
@@ -27524,10 +27014,6 @@
               </a:rPr>
               <a:t>deposit</a:t>
             </a:r>
-            <a:endParaRPr kumimoji="1" lang="en-US" altLang="zh-CN" sz="1200" dirty="0">
-              <a:latin typeface="等线" panose="02010600030101010101" pitchFamily="2" charset="-122"/>
-              <a:ea typeface="等线" panose="02010600030101010101" pitchFamily="2" charset="-122"/>
-            </a:endParaRPr>
           </a:p>
           <a:p>
             <a:r>
@@ -27621,10 +27107,6 @@
               </a:rPr>
               <a:t>}</a:t>
             </a:r>
-            <a:endParaRPr kumimoji="1" lang="en-US" altLang="zh-CN" sz="1200" dirty="0">
-              <a:latin typeface="等线" panose="02010600030101010101" pitchFamily="2" charset="-122"/>
-              <a:ea typeface="等线" panose="02010600030101010101" pitchFamily="2" charset="-122"/>
-            </a:endParaRPr>
           </a:p>
           <a:p>
             <a:endParaRPr kumimoji="1" lang="en-US" altLang="zh-CN" sz="1200" b="1" dirty="0">
@@ -27682,10 +27164,6 @@
               </a:rPr>
               <a:t>withdraw]</a:t>
             </a:r>
-            <a:endParaRPr kumimoji="1" lang="en-US" altLang="zh-CN" sz="1200" dirty="0">
-              <a:latin typeface="等线" panose="02010600030101010101" pitchFamily="2" charset="-122"/>
-              <a:ea typeface="等线" panose="02010600030101010101" pitchFamily="2" charset="-122"/>
-            </a:endParaRPr>
           </a:p>
           <a:p>
             <a:r>
@@ -27744,10 +27222,6 @@
               </a:rPr>
               <a:t>${threshold}</a:t>
             </a:r>
-            <a:endParaRPr kumimoji="1" lang="en-US" altLang="zh-CN" sz="1200" dirty="0">
-              <a:latin typeface="等线" panose="02010600030101010101" pitchFamily="2" charset="-122"/>
-              <a:ea typeface="等线" panose="02010600030101010101" pitchFamily="2" charset="-122"/>
-            </a:endParaRPr>
           </a:p>
           <a:p>
             <a:r>
@@ -27841,10 +27315,6 @@
               </a:rPr>
               <a:t>}</a:t>
             </a:r>
-            <a:endParaRPr kumimoji="1" lang="en-US" altLang="zh-CN" sz="1200" dirty="0">
-              <a:latin typeface="等线" panose="02010600030101010101" pitchFamily="2" charset="-122"/>
-              <a:ea typeface="等线" panose="02010600030101010101" pitchFamily="2" charset="-122"/>
-            </a:endParaRPr>
           </a:p>
           <a:p>
             <a:endParaRPr kumimoji="1" lang="en-US" altLang="zh-CN" sz="1200" b="1" dirty="0">
@@ -27902,10 +27372,6 @@
               </a:rPr>
               <a:t>withdraw]</a:t>
             </a:r>
-            <a:endParaRPr kumimoji="1" lang="en-US" altLang="zh-CN" sz="1200" dirty="0">
-              <a:latin typeface="等线" panose="02010600030101010101" pitchFamily="2" charset="-122"/>
-              <a:ea typeface="等线" panose="02010600030101010101" pitchFamily="2" charset="-122"/>
-            </a:endParaRPr>
           </a:p>
           <a:p>
             <a:r>
@@ -27964,10 +27430,6 @@
               </a:rPr>
               <a:t>${threshold}</a:t>
             </a:r>
-            <a:endParaRPr kumimoji="1" lang="en-US" altLang="zh-CN" sz="1200" dirty="0">
-              <a:latin typeface="等线" panose="02010600030101010101" pitchFamily="2" charset="-122"/>
-              <a:ea typeface="等线" panose="02010600030101010101" pitchFamily="2" charset="-122"/>
-            </a:endParaRPr>
           </a:p>
           <a:p>
             <a:r>
@@ -28061,10 +27523,6 @@
               </a:rPr>
               <a:t>}</a:t>
             </a:r>
-            <a:endParaRPr kumimoji="1" lang="en-US" altLang="zh-CN" sz="1200" dirty="0">
-              <a:latin typeface="等线" panose="02010600030101010101" pitchFamily="2" charset="-122"/>
-              <a:ea typeface="等线" panose="02010600030101010101" pitchFamily="2" charset="-122"/>
-            </a:endParaRPr>
           </a:p>
           <a:p>
             <a:endParaRPr kumimoji="1" lang="en-US" altLang="zh-CN" sz="1200" dirty="0">
@@ -28122,10 +27580,6 @@
               </a:rPr>
               <a:t>withdraw]</a:t>
             </a:r>
-            <a:endParaRPr kumimoji="1" lang="en-US" altLang="zh-CN" sz="1200" dirty="0">
-              <a:latin typeface="等线" panose="02010600030101010101" pitchFamily="2" charset="-122"/>
-              <a:ea typeface="等线" panose="02010600030101010101" pitchFamily="2" charset="-122"/>
-            </a:endParaRPr>
           </a:p>
           <a:p>
             <a:r>
@@ -28184,10 +27638,6 @@
               </a:rPr>
               <a:t>${threshold}</a:t>
             </a:r>
-            <a:endParaRPr kumimoji="1" lang="en-US" altLang="zh-CN" sz="1200" dirty="0">
-              <a:latin typeface="等线" panose="02010600030101010101" pitchFamily="2" charset="-122"/>
-              <a:ea typeface="等线" panose="02010600030101010101" pitchFamily="2" charset="-122"/>
-            </a:endParaRPr>
           </a:p>
           <a:p>
             <a:r>
@@ -28281,10 +27731,6 @@
               </a:rPr>
               <a:t>}</a:t>
             </a:r>
-            <a:endParaRPr kumimoji="1" lang="en-US" altLang="zh-CN" sz="1200" dirty="0">
-              <a:latin typeface="等线" panose="02010600030101010101" pitchFamily="2" charset="-122"/>
-              <a:ea typeface="等线" panose="02010600030101010101" pitchFamily="2" charset="-122"/>
-            </a:endParaRPr>
           </a:p>
         </p:txBody>
       </p:sp>
@@ -29297,7 +28743,7 @@
           <p:nvPr/>
         </p:nvGrpSpPr>
         <p:grpSpPr>
-          <a:xfrm rot="0">
+          <a:xfrm>
             <a:off x="680085" y="1485265"/>
             <a:ext cx="1271905" cy="840740"/>
             <a:chOff x="271963" y="2952479"/>
@@ -30122,27 +29568,7 @@
                 <a:latin typeface="等线" panose="02010600030101010101" pitchFamily="2" charset="-122"/>
                 <a:ea typeface="等线" panose="02010600030101010101" pitchFamily="2" charset="-122"/>
               </a:rPr>
-              <a:t>d</a:t>
-            </a:r>
-            <a:r>
-              <a:rPr kumimoji="1" lang="en-US" altLang="zh-CN" sz="1200" dirty="0">
-                <a:solidFill>
-                  <a:sysClr val="windowText" lastClr="000000"/>
-                </a:solidFill>
-                <a:latin typeface="等线" panose="02010600030101010101" pitchFamily="2" charset="-122"/>
-                <a:ea typeface="等线" panose="02010600030101010101" pitchFamily="2" charset="-122"/>
-              </a:rPr>
-              <a:t>st</a:t>
-            </a:r>
-            <a:r>
-              <a:rPr kumimoji="1" lang="en-US" altLang="zh-CN" sz="1200" dirty="0">
-                <a:solidFill>
-                  <a:sysClr val="windowText" lastClr="000000"/>
-                </a:solidFill>
-                <a:latin typeface="等线" panose="02010600030101010101" pitchFamily="2" charset="-122"/>
-                <a:ea typeface="等线" panose="02010600030101010101" pitchFamily="2" charset="-122"/>
-              </a:rPr>
-              <a:t>.id,</a:t>
+              <a:t>dst.id,</a:t>
             </a:r>
             <a:r>
               <a:rPr kumimoji="1" lang="zh-CN" altLang="en-US" sz="1200" dirty="0">
@@ -30377,1588 +29803,138 @@
           <a:chExt cx="0" cy="0"/>
         </a:xfrm>
       </p:grpSpPr>
-      <p:sp>
-        <p:nvSpPr>
-          <p:cNvPr id="36" name="矩形 13"/>
-          <p:cNvSpPr/>
-          <p:nvPr/>
-        </p:nvSpPr>
-        <p:spPr>
-          <a:xfrm>
-            <a:off x="1207475" y="1066802"/>
-            <a:ext cx="9601200" cy="4923690"/>
-          </a:xfrm>
-          <a:prstGeom prst="rect">
-            <a:avLst/>
-          </a:prstGeom>
-          <a:noFill/>
-          <a:ln w="25400">
-            <a:solidFill>
-              <a:schemeClr val="accent3"/>
-            </a:solidFill>
-            <a:prstDash val="dash"/>
-          </a:ln>
-        </p:spPr>
-        <p:style>
-          <a:lnRef idx="2">
-            <a:schemeClr val="accent2">
-              <a:shade val="50000"/>
-            </a:schemeClr>
-          </a:lnRef>
-          <a:fillRef idx="1">
-            <a:schemeClr val="accent2"/>
-          </a:fillRef>
-          <a:effectRef idx="0">
-            <a:schemeClr val="accent2"/>
-          </a:effectRef>
-          <a:fontRef idx="minor">
-            <a:schemeClr val="lt1"/>
-          </a:fontRef>
-        </p:style>
-        <p:txBody>
-          <a:bodyPr rtlCol="0" anchor="b"/>
-          <a:lstStyle/>
-          <a:p>
-            <a:pPr algn="r"/>
-            <a:r>
-              <a:rPr kumimoji="1" lang="en-US" altLang="zh-CN" sz="1200" b="1" dirty="0">
-                <a:solidFill>
-                  <a:srgbClr val="FF0000"/>
-                </a:solidFill>
-                <a:latin typeface="等线" panose="02010600030101010101" pitchFamily="2" charset="-122"/>
-                <a:ea typeface="等线" panose="02010600030101010101" pitchFamily="2" charset="-122"/>
-              </a:rPr>
-              <a:t>RESULT</a:t>
-            </a:r>
-            <a:endParaRPr kumimoji="1" lang="en-US" altLang="zh-CN" sz="1200" b="1" dirty="0">
-              <a:solidFill>
-                <a:schemeClr val="tx1"/>
-              </a:solidFill>
-              <a:latin typeface="等线" panose="02010600030101010101" pitchFamily="2" charset="-122"/>
-              <a:ea typeface="等线" panose="02010600030101010101" pitchFamily="2" charset="-122"/>
-            </a:endParaRPr>
-          </a:p>
-          <a:p>
-            <a:pPr algn="r"/>
-            <a:r>
-              <a:rPr kumimoji="1" lang="en-US" altLang="zh-CN" sz="1200" dirty="0">
-                <a:solidFill>
-                  <a:schemeClr val="tx1"/>
-                </a:solidFill>
-                <a:latin typeface="等线" panose="02010600030101010101" pitchFamily="2" charset="-122"/>
-                <a:ea typeface="等线" panose="02010600030101010101" pitchFamily="2" charset="-122"/>
-              </a:rPr>
-              <a:t>SUM(edge1.amount)/SUM(edge2.amount),</a:t>
-            </a:r>
-            <a:endParaRPr kumimoji="1" lang="en-US" altLang="zh-CN" sz="1200" dirty="0">
-              <a:solidFill>
-                <a:schemeClr val="tx1"/>
-              </a:solidFill>
-              <a:latin typeface="等线" panose="02010600030101010101" pitchFamily="2" charset="-122"/>
-              <a:ea typeface="等线" panose="02010600030101010101" pitchFamily="2" charset="-122"/>
-            </a:endParaRPr>
-          </a:p>
-          <a:p>
-            <a:pPr algn="r"/>
-            <a:r>
-              <a:rPr kumimoji="1" lang="en-US" altLang="zh-CN" sz="1200" dirty="0">
-                <a:solidFill>
-                  <a:schemeClr val="tx1"/>
-                </a:solidFill>
-                <a:latin typeface="等线" panose="02010600030101010101" pitchFamily="2" charset="-122"/>
-                <a:ea typeface="等线" panose="02010600030101010101" pitchFamily="2" charset="-122"/>
-              </a:rPr>
-              <a:t>SUM(edge1.amount)/SUM(edge4.amount),</a:t>
-            </a:r>
-            <a:endParaRPr kumimoji="1" lang="en-US" altLang="zh-CN" sz="1200" dirty="0">
-              <a:solidFill>
-                <a:schemeClr val="tx1"/>
-              </a:solidFill>
-              <a:latin typeface="等线" panose="02010600030101010101" pitchFamily="2" charset="-122"/>
-              <a:ea typeface="等线" panose="02010600030101010101" pitchFamily="2" charset="-122"/>
-            </a:endParaRPr>
-          </a:p>
-          <a:p>
-            <a:pPr algn="r"/>
-            <a:r>
-              <a:rPr kumimoji="1" lang="en-US" altLang="zh-CN" sz="1200" dirty="0">
-                <a:solidFill>
-                  <a:schemeClr val="tx1"/>
-                </a:solidFill>
-                <a:latin typeface="等线" panose="02010600030101010101" pitchFamily="2" charset="-122"/>
-                <a:ea typeface="等线" panose="02010600030101010101" pitchFamily="2" charset="-122"/>
-              </a:rPr>
-              <a:t>SUM(edge3.amount)/SUM(edge4.amount)</a:t>
-            </a:r>
-            <a:endParaRPr kumimoji="1" lang="en-US" altLang="zh-CN" sz="1200" dirty="0">
-              <a:solidFill>
-                <a:schemeClr val="tx1"/>
-              </a:solidFill>
-              <a:latin typeface="等线" panose="02010600030101010101" pitchFamily="2" charset="-122"/>
-              <a:ea typeface="等线" panose="02010600030101010101" pitchFamily="2" charset="-122"/>
-            </a:endParaRPr>
-          </a:p>
-        </p:txBody>
-      </p:sp>
-      <p:sp>
-        <p:nvSpPr>
-          <p:cNvPr id="48" name="矩形 14"/>
-          <p:cNvSpPr/>
-          <p:nvPr/>
-        </p:nvSpPr>
-        <p:spPr>
-          <a:xfrm>
-            <a:off x="5842981" y="1257377"/>
-            <a:ext cx="1176993" cy="505147"/>
-          </a:xfrm>
-          <a:prstGeom prst="rect">
-            <a:avLst/>
-          </a:prstGeom>
-          <a:solidFill>
-            <a:schemeClr val="accent5">
-              <a:lumMod val="60000"/>
-              <a:lumOff val="40000"/>
-            </a:schemeClr>
-          </a:solidFill>
-          <a:ln w="25400">
-            <a:solidFill>
-              <a:schemeClr val="tx1"/>
-            </a:solidFill>
-          </a:ln>
-        </p:spPr>
-        <p:style>
-          <a:lnRef idx="2">
-            <a:schemeClr val="accent2">
-              <a:shade val="50000"/>
-            </a:schemeClr>
-          </a:lnRef>
-          <a:fillRef idx="1">
-            <a:schemeClr val="accent2"/>
-          </a:fillRef>
-          <a:effectRef idx="0">
-            <a:schemeClr val="accent2"/>
-          </a:effectRef>
-          <a:fontRef idx="minor">
-            <a:schemeClr val="lt1"/>
-          </a:fontRef>
-        </p:style>
-        <p:txBody>
-          <a:bodyPr rtlCol="0" anchor="ctr"/>
-          <a:lstStyle/>
-          <a:p>
-            <a:pPr algn="ctr"/>
-            <a:r>
-              <a:rPr kumimoji="1" lang="en-US" altLang="zh-CN" sz="1200" b="1" dirty="0">
-                <a:solidFill>
-                  <a:sysClr val="windowText" lastClr="000000"/>
-                </a:solidFill>
-              </a:rPr>
-              <a:t>up2</a:t>
-            </a:r>
-            <a:r>
-              <a:rPr kumimoji="1" lang="zh-CN" altLang="en-US" sz="1200" dirty="0">
-                <a:solidFill>
-                  <a:sysClr val="windowText" lastClr="000000"/>
-                </a:solidFill>
-              </a:rPr>
-              <a:t> </a:t>
-            </a:r>
-            <a:r>
-              <a:rPr kumimoji="1" lang="en-US" altLang="zh-CN" sz="1200" dirty="0">
-                <a:solidFill>
-                  <a:sysClr val="windowText" lastClr="000000"/>
-                </a:solidFill>
-              </a:rPr>
-              <a:t>:</a:t>
-            </a:r>
-            <a:r>
-              <a:rPr kumimoji="1" lang="zh-CN" altLang="en-US" sz="1200" dirty="0">
-                <a:solidFill>
-                  <a:sysClr val="windowText" lastClr="000000"/>
-                </a:solidFill>
-              </a:rPr>
-              <a:t> </a:t>
-            </a:r>
-            <a:r>
-              <a:rPr kumimoji="1" lang="en-US" altLang="zh-CN" sz="1200" dirty="0">
-                <a:solidFill>
-                  <a:sysClr val="windowText" lastClr="000000"/>
-                </a:solidFill>
-              </a:rPr>
-              <a:t>Account</a:t>
-            </a:r>
-            <a:endParaRPr kumimoji="1" lang="zh-CN" altLang="en-US" sz="1200" dirty="0">
-              <a:solidFill>
-                <a:sysClr val="windowText" lastClr="000000"/>
-              </a:solidFill>
-            </a:endParaRPr>
-          </a:p>
-        </p:txBody>
-      </p:sp>
-      <p:sp>
-        <p:nvSpPr>
-          <p:cNvPr id="51" name="矩形 14"/>
-          <p:cNvSpPr/>
-          <p:nvPr/>
-        </p:nvSpPr>
-        <p:spPr>
-          <a:xfrm>
-            <a:off x="5780457" y="4605726"/>
-            <a:ext cx="1381173" cy="505147"/>
-          </a:xfrm>
-          <a:prstGeom prst="rect">
-            <a:avLst/>
-          </a:prstGeom>
-          <a:solidFill>
-            <a:schemeClr val="accent5">
-              <a:lumMod val="60000"/>
-              <a:lumOff val="40000"/>
-            </a:schemeClr>
-          </a:solidFill>
-          <a:ln w="25400">
-            <a:solidFill>
-              <a:schemeClr val="tx1"/>
-            </a:solidFill>
-          </a:ln>
-        </p:spPr>
-        <p:style>
-          <a:lnRef idx="2">
-            <a:schemeClr val="accent2">
-              <a:shade val="50000"/>
-            </a:schemeClr>
-          </a:lnRef>
-          <a:fillRef idx="1">
-            <a:schemeClr val="accent2"/>
-          </a:fillRef>
-          <a:effectRef idx="0">
-            <a:schemeClr val="accent2"/>
-          </a:effectRef>
-          <a:fontRef idx="minor">
-            <a:schemeClr val="lt1"/>
-          </a:fontRef>
-        </p:style>
-        <p:txBody>
-          <a:bodyPr rtlCol="0" anchor="ctr"/>
-          <a:lstStyle/>
-          <a:p>
-            <a:pPr algn="ctr"/>
-            <a:r>
-              <a:rPr kumimoji="1" lang="en-US" altLang="zh-CN" sz="1200" b="1" dirty="0">
-                <a:solidFill>
-                  <a:sysClr val="windowText" lastClr="000000"/>
-                </a:solidFill>
-              </a:rPr>
-              <a:t>down2</a:t>
-            </a:r>
-            <a:r>
-              <a:rPr kumimoji="1" lang="zh-CN" altLang="en-US" sz="1200" dirty="0">
-                <a:solidFill>
-                  <a:sysClr val="windowText" lastClr="000000"/>
-                </a:solidFill>
-              </a:rPr>
-              <a:t> </a:t>
-            </a:r>
-            <a:r>
-              <a:rPr kumimoji="1" lang="en-US" altLang="zh-CN" sz="1200" dirty="0">
-                <a:solidFill>
-                  <a:sysClr val="windowText" lastClr="000000"/>
-                </a:solidFill>
-              </a:rPr>
-              <a:t>:</a:t>
-            </a:r>
-            <a:r>
-              <a:rPr kumimoji="1" lang="zh-CN" altLang="en-US" sz="1200" dirty="0">
-                <a:solidFill>
-                  <a:sysClr val="windowText" lastClr="000000"/>
-                </a:solidFill>
-              </a:rPr>
-              <a:t> </a:t>
-            </a:r>
-            <a:r>
-              <a:rPr kumimoji="1" lang="en-US" altLang="zh-CN" sz="1200" dirty="0">
-                <a:solidFill>
-                  <a:sysClr val="windowText" lastClr="000000"/>
-                </a:solidFill>
-              </a:rPr>
-              <a:t>Account</a:t>
-            </a:r>
-            <a:endParaRPr kumimoji="1" lang="zh-CN" altLang="en-US" sz="1200" dirty="0">
-              <a:solidFill>
-                <a:sysClr val="windowText" lastClr="000000"/>
-              </a:solidFill>
-            </a:endParaRPr>
-          </a:p>
-        </p:txBody>
-      </p:sp>
-      <p:cxnSp>
-        <p:nvCxnSpPr>
-          <p:cNvPr id="54" name="直线箭头连接符 11" descr="jytjh"/>
-          <p:cNvCxnSpPr>
-            <a:stCxn id="48" idx="2"/>
-            <a:endCxn id="25" idx="0"/>
-          </p:cNvCxnSpPr>
-          <p:nvPr/>
-        </p:nvCxnSpPr>
-        <p:spPr>
-          <a:xfrm>
-            <a:off x="6431478" y="1762524"/>
-            <a:ext cx="1001411" cy="1113909"/>
-          </a:xfrm>
-          <a:prstGeom prst="straightConnector1">
-            <a:avLst/>
-          </a:prstGeom>
-          <a:ln w="19050">
-            <a:solidFill>
-              <a:schemeClr val="tx1"/>
-            </a:solidFill>
-            <a:headEnd type="none" w="lg" len="med"/>
-            <a:tailEnd type="arrow" w="sm" len="lg"/>
-          </a:ln>
-        </p:spPr>
-        <p:style>
-          <a:lnRef idx="1">
-            <a:schemeClr val="accent1"/>
-          </a:lnRef>
-          <a:fillRef idx="0">
-            <a:schemeClr val="accent1"/>
-          </a:fillRef>
-          <a:effectRef idx="0">
-            <a:schemeClr val="accent1"/>
-          </a:effectRef>
-          <a:fontRef idx="minor">
-            <a:schemeClr val="tx1"/>
-          </a:fontRef>
-        </p:style>
-      </p:cxnSp>
-      <p:cxnSp>
-        <p:nvCxnSpPr>
-          <p:cNvPr id="59" name="直线箭头连接符 11" descr="jytjh"/>
-          <p:cNvCxnSpPr>
-            <a:stCxn id="12" idx="2"/>
-            <a:endCxn id="51" idx="0"/>
-          </p:cNvCxnSpPr>
-          <p:nvPr/>
-        </p:nvCxnSpPr>
-        <p:spPr>
-          <a:xfrm flipH="1">
-            <a:off x="6471044" y="3564481"/>
-            <a:ext cx="960432" cy="1041245"/>
-          </a:xfrm>
-          <a:prstGeom prst="straightConnector1">
-            <a:avLst/>
-          </a:prstGeom>
-          <a:ln w="19050">
-            <a:solidFill>
-              <a:schemeClr val="tx1"/>
-            </a:solidFill>
-            <a:headEnd type="none" w="lg" len="med"/>
-            <a:tailEnd type="arrow" w="sm" len="lg"/>
-          </a:ln>
-        </p:spPr>
-        <p:style>
-          <a:lnRef idx="1">
-            <a:schemeClr val="accent1"/>
-          </a:lnRef>
-          <a:fillRef idx="0">
-            <a:schemeClr val="accent1"/>
-          </a:fillRef>
-          <a:effectRef idx="0">
-            <a:schemeClr val="accent1"/>
-          </a:effectRef>
-          <a:fontRef idx="minor">
-            <a:schemeClr val="tx1"/>
-          </a:fontRef>
-        </p:style>
-      </p:cxnSp>
-      <p:sp>
-        <p:nvSpPr>
-          <p:cNvPr id="28" name="矩形 13"/>
-          <p:cNvSpPr/>
-          <p:nvPr/>
-        </p:nvSpPr>
-        <p:spPr>
-          <a:xfrm>
-            <a:off x="4112467" y="2859843"/>
-            <a:ext cx="955159" cy="351258"/>
-          </a:xfrm>
-          <a:prstGeom prst="rect">
-            <a:avLst/>
-          </a:prstGeom>
-          <a:solidFill>
-            <a:schemeClr val="accent2">
-              <a:lumMod val="60000"/>
-              <a:lumOff val="40000"/>
-            </a:schemeClr>
-          </a:solidFill>
-          <a:ln w="25400">
-            <a:solidFill>
-              <a:schemeClr val="tx1"/>
-            </a:solidFill>
-          </a:ln>
-        </p:spPr>
-        <p:style>
-          <a:lnRef idx="2">
-            <a:schemeClr val="accent2">
-              <a:shade val="50000"/>
-            </a:schemeClr>
-          </a:lnRef>
-          <a:fillRef idx="1">
-            <a:schemeClr val="accent2"/>
-          </a:fillRef>
-          <a:effectRef idx="0">
-            <a:schemeClr val="accent2"/>
-          </a:effectRef>
-          <a:fontRef idx="minor">
-            <a:schemeClr val="lt1"/>
-          </a:fontRef>
-        </p:style>
-        <p:txBody>
-          <a:bodyPr rtlCol="0" anchor="ctr"/>
-          <a:lstStyle/>
-          <a:p>
-            <a:pPr algn="ctr"/>
-            <a:r>
-              <a:rPr kumimoji="1" lang="en-US" altLang="zh-CN" sz="1200" b="1" dirty="0">
-                <a:solidFill>
-                  <a:sysClr val="windowText" lastClr="000000"/>
-                </a:solidFill>
-              </a:rPr>
-              <a:t>loan</a:t>
-            </a:r>
-            <a:r>
-              <a:rPr kumimoji="1" lang="zh-CN" altLang="en-US" sz="1200" dirty="0">
-                <a:solidFill>
-                  <a:sysClr val="windowText" lastClr="000000"/>
-                </a:solidFill>
-              </a:rPr>
-              <a:t> </a:t>
-            </a:r>
-            <a:r>
-              <a:rPr kumimoji="1" lang="en-US" altLang="zh-CN" sz="1200" dirty="0">
-                <a:solidFill>
-                  <a:sysClr val="windowText" lastClr="000000"/>
-                </a:solidFill>
-              </a:rPr>
-              <a:t>:</a:t>
-            </a:r>
-            <a:r>
-              <a:rPr kumimoji="1" lang="zh-CN" altLang="en-US" sz="1200" dirty="0">
-                <a:solidFill>
-                  <a:sysClr val="windowText" lastClr="000000"/>
-                </a:solidFill>
-              </a:rPr>
-              <a:t> </a:t>
-            </a:r>
-            <a:r>
-              <a:rPr kumimoji="1" lang="en-US" altLang="zh-CN" sz="1200" dirty="0">
-                <a:solidFill>
-                  <a:sysClr val="windowText" lastClr="000000"/>
-                </a:solidFill>
-              </a:rPr>
-              <a:t>Loan</a:t>
-            </a:r>
-            <a:endParaRPr kumimoji="1" lang="zh-CN" altLang="en-US" sz="1200" dirty="0">
-              <a:solidFill>
-                <a:sysClr val="windowText" lastClr="000000"/>
-              </a:solidFill>
-            </a:endParaRPr>
-          </a:p>
-        </p:txBody>
-      </p:sp>
-      <p:sp>
-        <p:nvSpPr>
-          <p:cNvPr id="44" name="文本框 12"/>
-          <p:cNvSpPr txBox="1"/>
-          <p:nvPr/>
-        </p:nvSpPr>
-        <p:spPr>
-          <a:xfrm>
-            <a:off x="5356522" y="2733860"/>
-            <a:ext cx="889680" cy="307777"/>
-          </a:xfrm>
-          <a:prstGeom prst="rect">
-            <a:avLst/>
-          </a:prstGeom>
-          <a:noFill/>
-        </p:spPr>
-        <p:txBody>
-          <a:bodyPr wrap="square" rtlCol="0">
-            <a:spAutoFit/>
-          </a:bodyPr>
-          <a:lstStyle/>
-          <a:p>
-            <a:pPr algn="ctr"/>
-            <a:r>
-              <a:rPr kumimoji="1" lang="en-US" altLang="zh-CN" sz="1400" b="1" dirty="0">
-                <a:latin typeface="等线" panose="02010600030101010101" pitchFamily="2" charset="-122"/>
-                <a:ea typeface="等线" panose="02010600030101010101" pitchFamily="2" charset="-122"/>
-              </a:rPr>
-              <a:t>edge1</a:t>
-            </a:r>
-            <a:endParaRPr kumimoji="1" lang="en-US" altLang="zh-CN" sz="1400" dirty="0">
-              <a:latin typeface="等线" panose="02010600030101010101" pitchFamily="2" charset="-122"/>
-              <a:ea typeface="等线" panose="02010600030101010101" pitchFamily="2" charset="-122"/>
-            </a:endParaRPr>
-          </a:p>
-        </p:txBody>
-      </p:sp>
-      <p:cxnSp>
-        <p:nvCxnSpPr>
-          <p:cNvPr id="6" name="Elbow Connector 5"/>
-          <p:cNvCxnSpPr>
-            <a:stCxn id="12" idx="1"/>
-            <a:endCxn id="28" idx="2"/>
-          </p:cNvCxnSpPr>
-          <p:nvPr/>
-        </p:nvCxnSpPr>
-        <p:spPr>
-          <a:xfrm rot="10800000">
-            <a:off x="4590048" y="3211101"/>
-            <a:ext cx="2189895" cy="187098"/>
-          </a:xfrm>
-          <a:prstGeom prst="bentConnector2">
-            <a:avLst/>
-          </a:prstGeom>
-          <a:ln w="19050">
-            <a:solidFill>
-              <a:schemeClr val="tx1"/>
-            </a:solidFill>
-            <a:tailEnd type="arrow" w="sm" len="lg"/>
-          </a:ln>
-        </p:spPr>
-        <p:style>
-          <a:lnRef idx="1">
-            <a:schemeClr val="accent1"/>
-          </a:lnRef>
-          <a:fillRef idx="0">
-            <a:schemeClr val="accent1"/>
-          </a:fillRef>
-          <a:effectRef idx="0">
-            <a:schemeClr val="accent1"/>
-          </a:effectRef>
-          <a:fontRef idx="minor">
-            <a:schemeClr val="tx1"/>
-          </a:fontRef>
-        </p:style>
-      </p:cxnSp>
-      <p:sp>
-        <p:nvSpPr>
-          <p:cNvPr id="46" name="文本框 12"/>
-          <p:cNvSpPr txBox="1"/>
-          <p:nvPr/>
-        </p:nvSpPr>
-        <p:spPr>
-          <a:xfrm>
-            <a:off x="6892265" y="1992121"/>
-            <a:ext cx="998454" cy="307777"/>
-          </a:xfrm>
-          <a:prstGeom prst="rect">
-            <a:avLst/>
-          </a:prstGeom>
-          <a:noFill/>
-        </p:spPr>
-        <p:txBody>
-          <a:bodyPr wrap="square" rtlCol="0">
-            <a:spAutoFit/>
-          </a:bodyPr>
-          <a:lstStyle/>
-          <a:p>
-            <a:pPr algn="ctr"/>
-            <a:r>
-              <a:rPr kumimoji="1" lang="en-US" altLang="zh-CN" sz="1400" b="1" dirty="0">
-                <a:latin typeface="等线" panose="02010600030101010101" pitchFamily="2" charset="-122"/>
-                <a:ea typeface="等线" panose="02010600030101010101" pitchFamily="2" charset="-122"/>
-              </a:rPr>
-              <a:t>edge3</a:t>
-            </a:r>
-            <a:endParaRPr kumimoji="1" lang="en-US" altLang="zh-CN" sz="1400" dirty="0">
-              <a:latin typeface="等线" panose="02010600030101010101" pitchFamily="2" charset="-122"/>
-              <a:ea typeface="等线" panose="02010600030101010101" pitchFamily="2" charset="-122"/>
-            </a:endParaRPr>
-          </a:p>
-        </p:txBody>
-      </p:sp>
-      <p:sp>
-        <p:nvSpPr>
-          <p:cNvPr id="70" name="文本框 12"/>
-          <p:cNvSpPr txBox="1"/>
-          <p:nvPr/>
-        </p:nvSpPr>
-        <p:spPr>
-          <a:xfrm>
-            <a:off x="5375422" y="3403350"/>
-            <a:ext cx="889680" cy="307777"/>
-          </a:xfrm>
-          <a:prstGeom prst="rect">
-            <a:avLst/>
-          </a:prstGeom>
-          <a:noFill/>
-        </p:spPr>
-        <p:txBody>
-          <a:bodyPr wrap="square" rtlCol="0">
-            <a:spAutoFit/>
-          </a:bodyPr>
-          <a:lstStyle/>
-          <a:p>
-            <a:pPr algn="ctr"/>
-            <a:r>
-              <a:rPr kumimoji="1" lang="en-US" altLang="zh-CN" sz="1400" b="1" dirty="0">
-                <a:latin typeface="等线" panose="02010600030101010101" pitchFamily="2" charset="-122"/>
-                <a:ea typeface="等线" panose="02010600030101010101" pitchFamily="2" charset="-122"/>
-              </a:rPr>
-              <a:t>edge2</a:t>
-            </a:r>
-            <a:endParaRPr kumimoji="1" lang="en-US" altLang="zh-CN" sz="1400" dirty="0">
-              <a:latin typeface="等线" panose="02010600030101010101" pitchFamily="2" charset="-122"/>
-              <a:ea typeface="等线" panose="02010600030101010101" pitchFamily="2" charset="-122"/>
-            </a:endParaRPr>
-          </a:p>
-        </p:txBody>
-      </p:sp>
-      <p:sp>
-        <p:nvSpPr>
-          <p:cNvPr id="71" name="文本框 12"/>
-          <p:cNvSpPr txBox="1"/>
-          <p:nvPr/>
-        </p:nvSpPr>
-        <p:spPr>
-          <a:xfrm>
-            <a:off x="6892265" y="3961158"/>
-            <a:ext cx="996599" cy="307777"/>
-          </a:xfrm>
-          <a:prstGeom prst="rect">
-            <a:avLst/>
-          </a:prstGeom>
-          <a:noFill/>
-        </p:spPr>
-        <p:txBody>
-          <a:bodyPr wrap="square" rtlCol="0">
-            <a:spAutoFit/>
-          </a:bodyPr>
-          <a:lstStyle/>
-          <a:p>
-            <a:pPr algn="ctr"/>
-            <a:r>
-              <a:rPr kumimoji="1" lang="en-US" altLang="zh-CN" sz="1400" b="1" dirty="0">
-                <a:latin typeface="等线" panose="02010600030101010101" pitchFamily="2" charset="-122"/>
-                <a:ea typeface="等线" panose="02010600030101010101" pitchFamily="2" charset="-122"/>
-              </a:rPr>
-              <a:t>edge4</a:t>
-            </a:r>
-            <a:endParaRPr kumimoji="1" lang="en-US" altLang="zh-CN" sz="1400" dirty="0">
-              <a:latin typeface="等线" panose="02010600030101010101" pitchFamily="2" charset="-122"/>
-              <a:ea typeface="等线" panose="02010600030101010101" pitchFamily="2" charset="-122"/>
-            </a:endParaRPr>
-          </a:p>
-        </p:txBody>
-      </p:sp>
-      <p:cxnSp>
-        <p:nvCxnSpPr>
-          <p:cNvPr id="2" name="直线箭头连接符 11" descr="jytjh"/>
-          <p:cNvCxnSpPr>
-            <a:stCxn id="28" idx="3"/>
-            <a:endCxn id="25" idx="1"/>
-          </p:cNvCxnSpPr>
-          <p:nvPr/>
-        </p:nvCxnSpPr>
-        <p:spPr>
-          <a:xfrm>
-            <a:off x="5067626" y="3035472"/>
-            <a:ext cx="1715144" cy="16590"/>
-          </a:xfrm>
-          <a:prstGeom prst="straightConnector1">
-            <a:avLst/>
-          </a:prstGeom>
-          <a:ln w="19050">
-            <a:solidFill>
-              <a:schemeClr val="tx1"/>
-            </a:solidFill>
-            <a:headEnd type="none" w="lg" len="med"/>
-            <a:tailEnd type="arrow" w="sm" len="lg"/>
-          </a:ln>
-        </p:spPr>
-        <p:style>
-          <a:lnRef idx="1">
-            <a:schemeClr val="accent1"/>
-          </a:lnRef>
-          <a:fillRef idx="0">
-            <a:schemeClr val="accent1"/>
-          </a:fillRef>
-          <a:effectRef idx="0">
-            <a:schemeClr val="accent1"/>
-          </a:effectRef>
-          <a:fontRef idx="minor">
-            <a:schemeClr val="tx1"/>
-          </a:fontRef>
-        </p:style>
-      </p:cxnSp>
-      <p:sp>
-        <p:nvSpPr>
-          <p:cNvPr id="7" name="文本框 12"/>
-          <p:cNvSpPr txBox="1"/>
-          <p:nvPr/>
-        </p:nvSpPr>
-        <p:spPr>
-          <a:xfrm>
-            <a:off x="1301785" y="1066803"/>
-            <a:ext cx="2787069" cy="4923690"/>
-          </a:xfrm>
-          <a:prstGeom prst="rect">
-            <a:avLst/>
-          </a:prstGeom>
-          <a:noFill/>
-        </p:spPr>
-        <p:txBody>
-          <a:bodyPr wrap="square" lIns="90000" rtlCol="0" anchor="ctr">
-            <a:noAutofit/>
-          </a:bodyPr>
-          <a:lstStyle/>
-          <a:p>
-            <a:r>
-              <a:rPr kumimoji="1" lang="en-US" altLang="zh-CN" sz="1200" b="1" dirty="0">
-                <a:latin typeface="等线" panose="02010600030101010101" pitchFamily="2" charset="-122"/>
-                <a:ea typeface="等线" panose="02010600030101010101" pitchFamily="2" charset="-122"/>
-              </a:rPr>
-              <a:t>edge1:</a:t>
-            </a:r>
-            <a:r>
-              <a:rPr kumimoji="1" lang="zh-CN" altLang="en-US" sz="1200" b="1" dirty="0">
-                <a:latin typeface="等线" panose="02010600030101010101" pitchFamily="2" charset="-122"/>
-                <a:ea typeface="等线" panose="02010600030101010101" pitchFamily="2" charset="-122"/>
-              </a:rPr>
-              <a:t> </a:t>
-            </a:r>
-            <a:r>
-              <a:rPr kumimoji="1" lang="en-US" altLang="zh-CN" sz="1200" dirty="0">
-                <a:latin typeface="等线" panose="02010600030101010101" pitchFamily="2" charset="-122"/>
-                <a:ea typeface="等线" panose="02010600030101010101" pitchFamily="2" charset="-122"/>
-              </a:rPr>
-              <a:t>deposit</a:t>
-            </a:r>
-            <a:endParaRPr kumimoji="1" lang="en-US" altLang="zh-CN" sz="1200" dirty="0">
-              <a:latin typeface="等线" panose="02010600030101010101" pitchFamily="2" charset="-122"/>
-              <a:ea typeface="等线" panose="02010600030101010101" pitchFamily="2" charset="-122"/>
-            </a:endParaRPr>
-          </a:p>
-          <a:p>
-            <a:r>
-              <a:rPr kumimoji="1" lang="en-US" altLang="zh-CN" sz="1200" b="1" dirty="0">
-                <a:latin typeface="等线" panose="02010600030101010101" pitchFamily="2" charset="-122"/>
-                <a:ea typeface="等线" panose="02010600030101010101" pitchFamily="2" charset="-122"/>
-              </a:rPr>
-              <a:t>edge1</a:t>
-            </a:r>
-            <a:r>
-              <a:rPr kumimoji="1" lang="en-US" altLang="zh-CN" sz="1200" dirty="0">
-                <a:latin typeface="等线" panose="02010600030101010101" pitchFamily="2" charset="-122"/>
-                <a:ea typeface="等线" panose="02010600030101010101" pitchFamily="2" charset="-122"/>
-              </a:rPr>
-              <a:t>.amount</a:t>
-            </a:r>
-            <a:r>
-              <a:rPr kumimoji="1" lang="zh-CN" altLang="en-US" sz="1200" dirty="0">
-                <a:latin typeface="等线" panose="02010600030101010101" pitchFamily="2" charset="-122"/>
-                <a:ea typeface="等线" panose="02010600030101010101" pitchFamily="2" charset="-122"/>
-              </a:rPr>
-              <a:t> </a:t>
-            </a:r>
-            <a:r>
-              <a:rPr kumimoji="1" lang="en-US" altLang="zh-CN" sz="1200" dirty="0">
-                <a:latin typeface="等线" panose="02010600030101010101" pitchFamily="2" charset="-122"/>
-                <a:ea typeface="等线" panose="02010600030101010101" pitchFamily="2" charset="-122"/>
-              </a:rPr>
-              <a:t>&gt;</a:t>
-            </a:r>
-            <a:r>
-              <a:rPr kumimoji="1" lang="zh-CN" altLang="en-US" sz="1200" dirty="0">
-                <a:latin typeface="等线" panose="02010600030101010101" pitchFamily="2" charset="-122"/>
-                <a:ea typeface="等线" panose="02010600030101010101" pitchFamily="2" charset="-122"/>
-              </a:rPr>
-              <a:t> </a:t>
-            </a:r>
-            <a:r>
-              <a:rPr kumimoji="1" lang="en-US" altLang="zh-CN" sz="1200" dirty="0">
-                <a:latin typeface="等线" panose="02010600030101010101" pitchFamily="2" charset="-122"/>
-                <a:ea typeface="等线" panose="02010600030101010101" pitchFamily="2" charset="-122"/>
-              </a:rPr>
-              <a:t>${threshold}</a:t>
-            </a:r>
-            <a:endParaRPr kumimoji="1" lang="en-US" altLang="zh-CN" sz="1200" dirty="0">
-              <a:latin typeface="等线" panose="02010600030101010101" pitchFamily="2" charset="-122"/>
-              <a:ea typeface="等线" panose="02010600030101010101" pitchFamily="2" charset="-122"/>
-            </a:endParaRPr>
-          </a:p>
-          <a:p>
-            <a:r>
-              <a:rPr kumimoji="1" lang="en-US" altLang="zh-CN" sz="1200" b="1" dirty="0">
-                <a:latin typeface="等线" panose="02010600030101010101" pitchFamily="2" charset="-122"/>
-                <a:ea typeface="等线" panose="02010600030101010101" pitchFamily="2" charset="-122"/>
-              </a:rPr>
-              <a:t>edge1</a:t>
-            </a:r>
-            <a:r>
-              <a:rPr kumimoji="1" lang="en-US" altLang="zh-CN" sz="1200" dirty="0">
-                <a:latin typeface="等线" panose="02010600030101010101" pitchFamily="2" charset="-122"/>
-                <a:ea typeface="等线" panose="02010600030101010101" pitchFamily="2" charset="-122"/>
-              </a:rPr>
-              <a:t>.timestamp</a:t>
-            </a:r>
-            <a:r>
-              <a:rPr kumimoji="1" lang="zh-CN" altLang="en-US" sz="1200" dirty="0">
-                <a:latin typeface="等线" panose="02010600030101010101" pitchFamily="2" charset="-122"/>
-                <a:ea typeface="等线" panose="02010600030101010101" pitchFamily="2" charset="-122"/>
-              </a:rPr>
-              <a:t> </a:t>
-            </a:r>
-            <a:r>
-              <a:rPr kumimoji="1" lang="en-US" altLang="zh-CN" sz="1200" dirty="0">
-                <a:latin typeface="等线" panose="02010600030101010101" pitchFamily="2" charset="-122"/>
-                <a:ea typeface="等线" panose="02010600030101010101" pitchFamily="2" charset="-122"/>
-              </a:rPr>
-              <a:t>&gt;</a:t>
-            </a:r>
-            <a:r>
-              <a:rPr kumimoji="1" lang="zh-CN" altLang="en-US" sz="1200" dirty="0">
-                <a:latin typeface="等线" panose="02010600030101010101" pitchFamily="2" charset="-122"/>
-                <a:ea typeface="等线" panose="02010600030101010101" pitchFamily="2" charset="-122"/>
-              </a:rPr>
-              <a:t> </a:t>
-            </a:r>
-            <a:r>
-              <a:rPr kumimoji="1" lang="en-US" altLang="zh-CN" sz="1200" dirty="0">
-                <a:latin typeface="等线" panose="02010600030101010101" pitchFamily="2" charset="-122"/>
-                <a:ea typeface="等线" panose="02010600030101010101" pitchFamily="2" charset="-122"/>
-              </a:rPr>
-              <a:t>${</a:t>
-            </a:r>
-            <a:r>
-              <a:rPr kumimoji="1" lang="en-US" altLang="zh-CN" sz="1200" dirty="0" err="1">
-                <a:latin typeface="等线" panose="02010600030101010101" pitchFamily="2" charset="-122"/>
-                <a:ea typeface="等线" panose="02010600030101010101" pitchFamily="2" charset="-122"/>
-              </a:rPr>
-              <a:t>startTime</a:t>
-            </a:r>
-            <a:r>
-              <a:rPr kumimoji="1" lang="en-US" altLang="zh-CN" sz="1200" dirty="0">
-                <a:latin typeface="等线" panose="02010600030101010101" pitchFamily="2" charset="-122"/>
-                <a:ea typeface="等线" panose="02010600030101010101" pitchFamily="2" charset="-122"/>
-              </a:rPr>
-              <a:t>}</a:t>
-            </a:r>
-            <a:endParaRPr kumimoji="1" lang="en-US" altLang="zh-CN" sz="1200" dirty="0">
-              <a:latin typeface="等线" panose="02010600030101010101" pitchFamily="2" charset="-122"/>
-              <a:ea typeface="等线" panose="02010600030101010101" pitchFamily="2" charset="-122"/>
-            </a:endParaRPr>
-          </a:p>
-          <a:p>
-            <a:r>
-              <a:rPr kumimoji="1" lang="en-US" altLang="zh-CN" sz="1200" b="1" dirty="0">
-                <a:latin typeface="等线" panose="02010600030101010101" pitchFamily="2" charset="-122"/>
-                <a:ea typeface="等线" panose="02010600030101010101" pitchFamily="2" charset="-122"/>
-              </a:rPr>
-              <a:t>edge1</a:t>
-            </a:r>
-            <a:r>
-              <a:rPr kumimoji="1" lang="en-US" altLang="zh-CN" sz="1200" dirty="0">
-                <a:latin typeface="等线" panose="02010600030101010101" pitchFamily="2" charset="-122"/>
-                <a:ea typeface="等线" panose="02010600030101010101" pitchFamily="2" charset="-122"/>
-              </a:rPr>
-              <a:t>.timestamp</a:t>
-            </a:r>
-            <a:r>
-              <a:rPr kumimoji="1" lang="zh-CN" altLang="en-US" sz="1200" dirty="0">
-                <a:latin typeface="等线" panose="02010600030101010101" pitchFamily="2" charset="-122"/>
-                <a:ea typeface="等线" panose="02010600030101010101" pitchFamily="2" charset="-122"/>
-              </a:rPr>
-              <a:t> </a:t>
-            </a:r>
-            <a:r>
-              <a:rPr kumimoji="1" lang="en-US" altLang="zh-CN" sz="1200" dirty="0">
-                <a:latin typeface="等线" panose="02010600030101010101" pitchFamily="2" charset="-122"/>
-                <a:ea typeface="等线" panose="02010600030101010101" pitchFamily="2" charset="-122"/>
-              </a:rPr>
-              <a:t>&lt;</a:t>
-            </a:r>
-            <a:r>
-              <a:rPr kumimoji="1" lang="zh-CN" altLang="en-US" sz="1200" dirty="0">
-                <a:latin typeface="等线" panose="02010600030101010101" pitchFamily="2" charset="-122"/>
-                <a:ea typeface="等线" panose="02010600030101010101" pitchFamily="2" charset="-122"/>
-              </a:rPr>
-              <a:t> </a:t>
-            </a:r>
-            <a:r>
-              <a:rPr kumimoji="1" lang="en-US" altLang="zh-CN" sz="1200" dirty="0">
-                <a:latin typeface="等线" panose="02010600030101010101" pitchFamily="2" charset="-122"/>
-                <a:ea typeface="等线" panose="02010600030101010101" pitchFamily="2" charset="-122"/>
-              </a:rPr>
-              <a:t>${</a:t>
-            </a:r>
-            <a:r>
-              <a:rPr kumimoji="1" lang="en-US" altLang="zh-CN" sz="1200" dirty="0" err="1">
-                <a:latin typeface="等线" panose="02010600030101010101" pitchFamily="2" charset="-122"/>
-                <a:ea typeface="等线" panose="02010600030101010101" pitchFamily="2" charset="-122"/>
-              </a:rPr>
-              <a:t>endTime</a:t>
-            </a:r>
-            <a:r>
-              <a:rPr kumimoji="1" lang="en-US" altLang="zh-CN" sz="1200" dirty="0">
-                <a:latin typeface="等线" panose="02010600030101010101" pitchFamily="2" charset="-122"/>
-                <a:ea typeface="等线" panose="02010600030101010101" pitchFamily="2" charset="-122"/>
-              </a:rPr>
-              <a:t>}</a:t>
-            </a:r>
-            <a:endParaRPr kumimoji="1" lang="en-US" altLang="zh-CN" sz="1200" dirty="0">
-              <a:latin typeface="等线" panose="02010600030101010101" pitchFamily="2" charset="-122"/>
-              <a:ea typeface="等线" panose="02010600030101010101" pitchFamily="2" charset="-122"/>
-            </a:endParaRPr>
-          </a:p>
-          <a:p>
-            <a:endParaRPr kumimoji="1" lang="en-US" altLang="zh-CN" sz="1200" b="1" dirty="0">
-              <a:latin typeface="等线" panose="02010600030101010101" pitchFamily="2" charset="-122"/>
-              <a:ea typeface="等线" panose="02010600030101010101" pitchFamily="2" charset="-122"/>
-            </a:endParaRPr>
-          </a:p>
-          <a:p>
-            <a:r>
-              <a:rPr kumimoji="1" lang="en-US" altLang="zh-CN" sz="1200" b="1" dirty="0">
-                <a:latin typeface="等线" panose="02010600030101010101" pitchFamily="2" charset="-122"/>
-                <a:ea typeface="等线" panose="02010600030101010101" pitchFamily="2" charset="-122"/>
-              </a:rPr>
-              <a:t>edge2:</a:t>
-            </a:r>
-            <a:r>
-              <a:rPr kumimoji="1" lang="zh-CN" altLang="en-US" sz="1200" b="1" dirty="0">
-                <a:latin typeface="等线" panose="02010600030101010101" pitchFamily="2" charset="-122"/>
-                <a:ea typeface="等线" panose="02010600030101010101" pitchFamily="2" charset="-122"/>
-              </a:rPr>
-              <a:t> </a:t>
-            </a:r>
-            <a:r>
-              <a:rPr kumimoji="1" lang="en-US" altLang="zh-CN" sz="1200" dirty="0">
-                <a:latin typeface="等线" panose="02010600030101010101" pitchFamily="2" charset="-122"/>
-                <a:ea typeface="等线" panose="02010600030101010101" pitchFamily="2" charset="-122"/>
-              </a:rPr>
-              <a:t>repay</a:t>
-            </a:r>
-            <a:endParaRPr kumimoji="1" lang="en-US" altLang="zh-CN" sz="1200" dirty="0">
-              <a:latin typeface="等线" panose="02010600030101010101" pitchFamily="2" charset="-122"/>
-              <a:ea typeface="等线" panose="02010600030101010101" pitchFamily="2" charset="-122"/>
-            </a:endParaRPr>
-          </a:p>
-          <a:p>
-            <a:r>
-              <a:rPr kumimoji="1" lang="en-US" altLang="zh-CN" sz="1200" b="1" dirty="0">
-                <a:latin typeface="等线" panose="02010600030101010101" pitchFamily="2" charset="-122"/>
-                <a:ea typeface="等线" panose="02010600030101010101" pitchFamily="2" charset="-122"/>
-              </a:rPr>
-              <a:t>edge2</a:t>
-            </a:r>
-            <a:r>
-              <a:rPr kumimoji="1" lang="en-US" altLang="zh-CN" sz="1200" dirty="0">
-                <a:latin typeface="等线" panose="02010600030101010101" pitchFamily="2" charset="-122"/>
-                <a:ea typeface="等线" panose="02010600030101010101" pitchFamily="2" charset="-122"/>
-              </a:rPr>
-              <a:t>.amount</a:t>
-            </a:r>
-            <a:r>
-              <a:rPr kumimoji="1" lang="zh-CN" altLang="en-US" sz="1200" dirty="0">
-                <a:latin typeface="等线" panose="02010600030101010101" pitchFamily="2" charset="-122"/>
-                <a:ea typeface="等线" panose="02010600030101010101" pitchFamily="2" charset="-122"/>
-              </a:rPr>
-              <a:t> </a:t>
-            </a:r>
-            <a:r>
-              <a:rPr kumimoji="1" lang="en-US" altLang="zh-CN" sz="1200" dirty="0">
-                <a:latin typeface="等线" panose="02010600030101010101" pitchFamily="2" charset="-122"/>
-                <a:ea typeface="等线" panose="02010600030101010101" pitchFamily="2" charset="-122"/>
-              </a:rPr>
-              <a:t>&gt;</a:t>
-            </a:r>
-            <a:r>
-              <a:rPr kumimoji="1" lang="zh-CN" altLang="en-US" sz="1200" dirty="0">
-                <a:latin typeface="等线" panose="02010600030101010101" pitchFamily="2" charset="-122"/>
-                <a:ea typeface="等线" panose="02010600030101010101" pitchFamily="2" charset="-122"/>
-              </a:rPr>
-              <a:t> </a:t>
-            </a:r>
-            <a:r>
-              <a:rPr kumimoji="1" lang="en-US" altLang="zh-CN" sz="1200" dirty="0">
-                <a:latin typeface="等线" panose="02010600030101010101" pitchFamily="2" charset="-122"/>
-                <a:ea typeface="等线" panose="02010600030101010101" pitchFamily="2" charset="-122"/>
-              </a:rPr>
-              <a:t>${threshold}</a:t>
-            </a:r>
-            <a:endParaRPr kumimoji="1" lang="en-US" altLang="zh-CN" sz="1200" dirty="0">
-              <a:latin typeface="等线" panose="02010600030101010101" pitchFamily="2" charset="-122"/>
-              <a:ea typeface="等线" panose="02010600030101010101" pitchFamily="2" charset="-122"/>
-            </a:endParaRPr>
-          </a:p>
-          <a:p>
-            <a:r>
-              <a:rPr kumimoji="1" lang="en-US" altLang="zh-CN" sz="1200" b="1" dirty="0">
-                <a:latin typeface="等线" panose="02010600030101010101" pitchFamily="2" charset="-122"/>
-                <a:ea typeface="等线" panose="02010600030101010101" pitchFamily="2" charset="-122"/>
-              </a:rPr>
-              <a:t>edge2</a:t>
-            </a:r>
-            <a:r>
-              <a:rPr kumimoji="1" lang="en-US" altLang="zh-CN" sz="1200" dirty="0">
-                <a:latin typeface="等线" panose="02010600030101010101" pitchFamily="2" charset="-122"/>
-                <a:ea typeface="等线" panose="02010600030101010101" pitchFamily="2" charset="-122"/>
-              </a:rPr>
-              <a:t>.timestamp</a:t>
-            </a:r>
-            <a:r>
-              <a:rPr kumimoji="1" lang="zh-CN" altLang="en-US" sz="1200" dirty="0">
-                <a:latin typeface="等线" panose="02010600030101010101" pitchFamily="2" charset="-122"/>
-                <a:ea typeface="等线" panose="02010600030101010101" pitchFamily="2" charset="-122"/>
-              </a:rPr>
-              <a:t> </a:t>
-            </a:r>
-            <a:r>
-              <a:rPr kumimoji="1" lang="en-US" altLang="zh-CN" sz="1200" dirty="0">
-                <a:latin typeface="等线" panose="02010600030101010101" pitchFamily="2" charset="-122"/>
-                <a:ea typeface="等线" panose="02010600030101010101" pitchFamily="2" charset="-122"/>
-              </a:rPr>
-              <a:t>&gt;</a:t>
-            </a:r>
-            <a:r>
-              <a:rPr kumimoji="1" lang="zh-CN" altLang="en-US" sz="1200" dirty="0">
-                <a:latin typeface="等线" panose="02010600030101010101" pitchFamily="2" charset="-122"/>
-                <a:ea typeface="等线" panose="02010600030101010101" pitchFamily="2" charset="-122"/>
-              </a:rPr>
-              <a:t> </a:t>
-            </a:r>
-            <a:r>
-              <a:rPr kumimoji="1" lang="en-US" altLang="zh-CN" sz="1200" dirty="0">
-                <a:latin typeface="等线" panose="02010600030101010101" pitchFamily="2" charset="-122"/>
-                <a:ea typeface="等线" panose="02010600030101010101" pitchFamily="2" charset="-122"/>
-              </a:rPr>
-              <a:t>${</a:t>
-            </a:r>
-            <a:r>
-              <a:rPr kumimoji="1" lang="en-US" altLang="zh-CN" sz="1200" dirty="0" err="1">
-                <a:latin typeface="等线" panose="02010600030101010101" pitchFamily="2" charset="-122"/>
-                <a:ea typeface="等线" panose="02010600030101010101" pitchFamily="2" charset="-122"/>
-              </a:rPr>
-              <a:t>startTime</a:t>
-            </a:r>
-            <a:r>
-              <a:rPr kumimoji="1" lang="en-US" altLang="zh-CN" sz="1200" dirty="0">
-                <a:latin typeface="等线" panose="02010600030101010101" pitchFamily="2" charset="-122"/>
-                <a:ea typeface="等线" panose="02010600030101010101" pitchFamily="2" charset="-122"/>
-              </a:rPr>
-              <a:t>}</a:t>
-            </a:r>
-            <a:endParaRPr kumimoji="1" lang="en-US" altLang="zh-CN" sz="1200" dirty="0">
-              <a:latin typeface="等线" panose="02010600030101010101" pitchFamily="2" charset="-122"/>
-              <a:ea typeface="等线" panose="02010600030101010101" pitchFamily="2" charset="-122"/>
-            </a:endParaRPr>
-          </a:p>
-          <a:p>
-            <a:r>
-              <a:rPr kumimoji="1" lang="en-US" altLang="zh-CN" sz="1200" b="1" dirty="0">
-                <a:latin typeface="等线" panose="02010600030101010101" pitchFamily="2" charset="-122"/>
-                <a:ea typeface="等线" panose="02010600030101010101" pitchFamily="2" charset="-122"/>
-              </a:rPr>
-              <a:t>edge2</a:t>
-            </a:r>
-            <a:r>
-              <a:rPr kumimoji="1" lang="en-US" altLang="zh-CN" sz="1200" dirty="0">
-                <a:latin typeface="等线" panose="02010600030101010101" pitchFamily="2" charset="-122"/>
-                <a:ea typeface="等线" panose="02010600030101010101" pitchFamily="2" charset="-122"/>
-              </a:rPr>
-              <a:t>.timestamp</a:t>
-            </a:r>
-            <a:r>
-              <a:rPr kumimoji="1" lang="zh-CN" altLang="en-US" sz="1200" dirty="0">
-                <a:latin typeface="等线" panose="02010600030101010101" pitchFamily="2" charset="-122"/>
-                <a:ea typeface="等线" panose="02010600030101010101" pitchFamily="2" charset="-122"/>
-              </a:rPr>
-              <a:t> </a:t>
-            </a:r>
-            <a:r>
-              <a:rPr kumimoji="1" lang="en-US" altLang="zh-CN" sz="1200" dirty="0">
-                <a:latin typeface="等线" panose="02010600030101010101" pitchFamily="2" charset="-122"/>
-                <a:ea typeface="等线" panose="02010600030101010101" pitchFamily="2" charset="-122"/>
-              </a:rPr>
-              <a:t>&lt;</a:t>
-            </a:r>
-            <a:r>
-              <a:rPr kumimoji="1" lang="zh-CN" altLang="en-US" sz="1200" dirty="0">
-                <a:latin typeface="等线" panose="02010600030101010101" pitchFamily="2" charset="-122"/>
-                <a:ea typeface="等线" panose="02010600030101010101" pitchFamily="2" charset="-122"/>
-              </a:rPr>
-              <a:t> </a:t>
-            </a:r>
-            <a:r>
-              <a:rPr kumimoji="1" lang="en-US" altLang="zh-CN" sz="1200" dirty="0">
-                <a:latin typeface="等线" panose="02010600030101010101" pitchFamily="2" charset="-122"/>
-                <a:ea typeface="等线" panose="02010600030101010101" pitchFamily="2" charset="-122"/>
-              </a:rPr>
-              <a:t>${</a:t>
-            </a:r>
-            <a:r>
-              <a:rPr kumimoji="1" lang="en-US" altLang="zh-CN" sz="1200" dirty="0" err="1">
-                <a:latin typeface="等线" panose="02010600030101010101" pitchFamily="2" charset="-122"/>
-                <a:ea typeface="等线" panose="02010600030101010101" pitchFamily="2" charset="-122"/>
-              </a:rPr>
-              <a:t>endTime</a:t>
-            </a:r>
-            <a:r>
-              <a:rPr kumimoji="1" lang="en-US" altLang="zh-CN" sz="1200" dirty="0">
-                <a:latin typeface="等线" panose="02010600030101010101" pitchFamily="2" charset="-122"/>
-                <a:ea typeface="等线" panose="02010600030101010101" pitchFamily="2" charset="-122"/>
-              </a:rPr>
-              <a:t>}</a:t>
-            </a:r>
-            <a:endParaRPr kumimoji="1" lang="en-US" altLang="zh-CN" sz="1200" dirty="0">
-              <a:latin typeface="等线" panose="02010600030101010101" pitchFamily="2" charset="-122"/>
-              <a:ea typeface="等线" panose="02010600030101010101" pitchFamily="2" charset="-122"/>
-            </a:endParaRPr>
-          </a:p>
-          <a:p>
-            <a:endParaRPr kumimoji="1" lang="en-US" altLang="zh-CN" sz="1200" dirty="0">
-              <a:latin typeface="等线" panose="02010600030101010101" pitchFamily="2" charset="-122"/>
-              <a:ea typeface="等线" panose="02010600030101010101" pitchFamily="2" charset="-122"/>
-            </a:endParaRPr>
-          </a:p>
-          <a:p>
-            <a:endParaRPr kumimoji="1" lang="en-US" altLang="zh-CN" sz="1200" b="1" dirty="0">
-              <a:latin typeface="等线" panose="02010600030101010101" pitchFamily="2" charset="-122"/>
-              <a:ea typeface="等线" panose="02010600030101010101" pitchFamily="2" charset="-122"/>
-            </a:endParaRPr>
-          </a:p>
-          <a:p>
-            <a:r>
-              <a:rPr kumimoji="1" lang="en-US" altLang="zh-CN" sz="1200" b="1" dirty="0">
-                <a:latin typeface="等线" panose="02010600030101010101" pitchFamily="2" charset="-122"/>
-                <a:ea typeface="等线" panose="02010600030101010101" pitchFamily="2" charset="-122"/>
-              </a:rPr>
-              <a:t>edge3:</a:t>
-            </a:r>
-            <a:r>
-              <a:rPr kumimoji="1" lang="zh-CN" altLang="en-US" sz="1200" b="1" dirty="0">
-                <a:latin typeface="等线" panose="02010600030101010101" pitchFamily="2" charset="-122"/>
-                <a:ea typeface="等线" panose="02010600030101010101" pitchFamily="2" charset="-122"/>
-              </a:rPr>
-              <a:t> </a:t>
-            </a:r>
-            <a:r>
-              <a:rPr kumimoji="1" lang="en-US" altLang="zh-CN" sz="1200" dirty="0">
-                <a:latin typeface="等线" panose="02010600030101010101" pitchFamily="2" charset="-122"/>
-                <a:ea typeface="等线" panose="02010600030101010101" pitchFamily="2" charset="-122"/>
-              </a:rPr>
-              <a:t>transfer</a:t>
-            </a:r>
-            <a:endParaRPr kumimoji="1" lang="en-US" altLang="zh-CN" sz="1200" dirty="0">
-              <a:latin typeface="等线" panose="02010600030101010101" pitchFamily="2" charset="-122"/>
-              <a:ea typeface="等线" panose="02010600030101010101" pitchFamily="2" charset="-122"/>
-            </a:endParaRPr>
-          </a:p>
-          <a:p>
-            <a:r>
-              <a:rPr kumimoji="1" lang="en-US" altLang="zh-CN" sz="1200" b="1" dirty="0">
-                <a:latin typeface="等线" panose="02010600030101010101" pitchFamily="2" charset="-122"/>
-                <a:ea typeface="等线" panose="02010600030101010101" pitchFamily="2" charset="-122"/>
-              </a:rPr>
-              <a:t>edge3</a:t>
-            </a:r>
-            <a:r>
-              <a:rPr kumimoji="1" lang="en-US" altLang="zh-CN" sz="1200" dirty="0">
-                <a:latin typeface="等线" panose="02010600030101010101" pitchFamily="2" charset="-122"/>
-                <a:ea typeface="等线" panose="02010600030101010101" pitchFamily="2" charset="-122"/>
-              </a:rPr>
-              <a:t>.amount</a:t>
-            </a:r>
-            <a:r>
-              <a:rPr kumimoji="1" lang="zh-CN" altLang="en-US" sz="1200" dirty="0">
-                <a:latin typeface="等线" panose="02010600030101010101" pitchFamily="2" charset="-122"/>
-                <a:ea typeface="等线" panose="02010600030101010101" pitchFamily="2" charset="-122"/>
-              </a:rPr>
-              <a:t> </a:t>
-            </a:r>
-            <a:r>
-              <a:rPr kumimoji="1" lang="en-US" altLang="zh-CN" sz="1200" dirty="0">
-                <a:latin typeface="等线" panose="02010600030101010101" pitchFamily="2" charset="-122"/>
-                <a:ea typeface="等线" panose="02010600030101010101" pitchFamily="2" charset="-122"/>
-              </a:rPr>
-              <a:t>&gt;</a:t>
-            </a:r>
-            <a:r>
-              <a:rPr kumimoji="1" lang="zh-CN" altLang="en-US" sz="1200" dirty="0">
-                <a:latin typeface="等线" panose="02010600030101010101" pitchFamily="2" charset="-122"/>
-                <a:ea typeface="等线" panose="02010600030101010101" pitchFamily="2" charset="-122"/>
-              </a:rPr>
-              <a:t> </a:t>
-            </a:r>
-            <a:r>
-              <a:rPr kumimoji="1" lang="en-US" altLang="zh-CN" sz="1200" dirty="0">
-                <a:latin typeface="等线" panose="02010600030101010101" pitchFamily="2" charset="-122"/>
-                <a:ea typeface="等线" panose="02010600030101010101" pitchFamily="2" charset="-122"/>
-              </a:rPr>
-              <a:t>${threshold}</a:t>
-            </a:r>
-            <a:endParaRPr kumimoji="1" lang="en-US" altLang="zh-CN" sz="1200" dirty="0">
-              <a:latin typeface="等线" panose="02010600030101010101" pitchFamily="2" charset="-122"/>
-              <a:ea typeface="等线" panose="02010600030101010101" pitchFamily="2" charset="-122"/>
-            </a:endParaRPr>
-          </a:p>
-          <a:p>
-            <a:r>
-              <a:rPr kumimoji="1" lang="en-US" altLang="zh-CN" sz="1200" b="1" dirty="0">
-                <a:latin typeface="等线" panose="02010600030101010101" pitchFamily="2" charset="-122"/>
-                <a:ea typeface="等线" panose="02010600030101010101" pitchFamily="2" charset="-122"/>
-              </a:rPr>
-              <a:t>edge3</a:t>
-            </a:r>
-            <a:r>
-              <a:rPr kumimoji="1" lang="en-US" altLang="zh-CN" sz="1200" dirty="0">
-                <a:latin typeface="等线" panose="02010600030101010101" pitchFamily="2" charset="-122"/>
-                <a:ea typeface="等线" panose="02010600030101010101" pitchFamily="2" charset="-122"/>
-              </a:rPr>
-              <a:t>.timestamp</a:t>
-            </a:r>
-            <a:r>
-              <a:rPr kumimoji="1" lang="zh-CN" altLang="en-US" sz="1200" dirty="0">
-                <a:latin typeface="等线" panose="02010600030101010101" pitchFamily="2" charset="-122"/>
-                <a:ea typeface="等线" panose="02010600030101010101" pitchFamily="2" charset="-122"/>
-              </a:rPr>
-              <a:t> </a:t>
-            </a:r>
-            <a:r>
-              <a:rPr kumimoji="1" lang="en-US" altLang="zh-CN" sz="1200" dirty="0">
-                <a:latin typeface="等线" panose="02010600030101010101" pitchFamily="2" charset="-122"/>
-                <a:ea typeface="等线" panose="02010600030101010101" pitchFamily="2" charset="-122"/>
-              </a:rPr>
-              <a:t>&gt;</a:t>
-            </a:r>
-            <a:r>
-              <a:rPr kumimoji="1" lang="zh-CN" altLang="en-US" sz="1200" dirty="0">
-                <a:latin typeface="等线" panose="02010600030101010101" pitchFamily="2" charset="-122"/>
-                <a:ea typeface="等线" panose="02010600030101010101" pitchFamily="2" charset="-122"/>
-              </a:rPr>
-              <a:t> </a:t>
-            </a:r>
-            <a:r>
-              <a:rPr kumimoji="1" lang="en-US" altLang="zh-CN" sz="1200" dirty="0">
-                <a:latin typeface="等线" panose="02010600030101010101" pitchFamily="2" charset="-122"/>
-                <a:ea typeface="等线" panose="02010600030101010101" pitchFamily="2" charset="-122"/>
-              </a:rPr>
-              <a:t>${</a:t>
-            </a:r>
-            <a:r>
-              <a:rPr kumimoji="1" lang="en-US" altLang="zh-CN" sz="1200" dirty="0" err="1">
-                <a:latin typeface="等线" panose="02010600030101010101" pitchFamily="2" charset="-122"/>
-                <a:ea typeface="等线" panose="02010600030101010101" pitchFamily="2" charset="-122"/>
-              </a:rPr>
-              <a:t>startTime</a:t>
-            </a:r>
-            <a:r>
-              <a:rPr kumimoji="1" lang="en-US" altLang="zh-CN" sz="1200" dirty="0">
-                <a:latin typeface="等线" panose="02010600030101010101" pitchFamily="2" charset="-122"/>
-                <a:ea typeface="等线" panose="02010600030101010101" pitchFamily="2" charset="-122"/>
-              </a:rPr>
-              <a:t>}</a:t>
-            </a:r>
-            <a:endParaRPr kumimoji="1" lang="en-US" altLang="zh-CN" sz="1200" dirty="0">
-              <a:latin typeface="等线" panose="02010600030101010101" pitchFamily="2" charset="-122"/>
-              <a:ea typeface="等线" panose="02010600030101010101" pitchFamily="2" charset="-122"/>
-            </a:endParaRPr>
-          </a:p>
-          <a:p>
-            <a:r>
-              <a:rPr kumimoji="1" lang="en-US" altLang="zh-CN" sz="1200" b="1" dirty="0">
-                <a:latin typeface="等线" panose="02010600030101010101" pitchFamily="2" charset="-122"/>
-                <a:ea typeface="等线" panose="02010600030101010101" pitchFamily="2" charset="-122"/>
-              </a:rPr>
-              <a:t>edge3</a:t>
-            </a:r>
-            <a:r>
-              <a:rPr kumimoji="1" lang="en-US" altLang="zh-CN" sz="1200" dirty="0">
-                <a:latin typeface="等线" panose="02010600030101010101" pitchFamily="2" charset="-122"/>
-                <a:ea typeface="等线" panose="02010600030101010101" pitchFamily="2" charset="-122"/>
-              </a:rPr>
-              <a:t>.timestamp</a:t>
-            </a:r>
-            <a:r>
-              <a:rPr kumimoji="1" lang="zh-CN" altLang="en-US" sz="1200" dirty="0">
-                <a:latin typeface="等线" panose="02010600030101010101" pitchFamily="2" charset="-122"/>
-                <a:ea typeface="等线" panose="02010600030101010101" pitchFamily="2" charset="-122"/>
-              </a:rPr>
-              <a:t> </a:t>
-            </a:r>
-            <a:r>
-              <a:rPr kumimoji="1" lang="en-US" altLang="zh-CN" sz="1200" dirty="0">
-                <a:latin typeface="等线" panose="02010600030101010101" pitchFamily="2" charset="-122"/>
-                <a:ea typeface="等线" panose="02010600030101010101" pitchFamily="2" charset="-122"/>
-              </a:rPr>
-              <a:t>&lt;</a:t>
-            </a:r>
-            <a:r>
-              <a:rPr kumimoji="1" lang="zh-CN" altLang="en-US" sz="1200" dirty="0">
-                <a:latin typeface="等线" panose="02010600030101010101" pitchFamily="2" charset="-122"/>
-                <a:ea typeface="等线" panose="02010600030101010101" pitchFamily="2" charset="-122"/>
-              </a:rPr>
-              <a:t> </a:t>
-            </a:r>
-            <a:r>
-              <a:rPr kumimoji="1" lang="en-US" altLang="zh-CN" sz="1200" dirty="0">
-                <a:latin typeface="等线" panose="02010600030101010101" pitchFamily="2" charset="-122"/>
-                <a:ea typeface="等线" panose="02010600030101010101" pitchFamily="2" charset="-122"/>
-              </a:rPr>
-              <a:t>${</a:t>
-            </a:r>
-            <a:r>
-              <a:rPr kumimoji="1" lang="en-US" altLang="zh-CN" sz="1200" dirty="0" err="1">
-                <a:latin typeface="等线" panose="02010600030101010101" pitchFamily="2" charset="-122"/>
-                <a:ea typeface="等线" panose="02010600030101010101" pitchFamily="2" charset="-122"/>
-              </a:rPr>
-              <a:t>endTime</a:t>
-            </a:r>
-            <a:r>
-              <a:rPr kumimoji="1" lang="en-US" altLang="zh-CN" sz="1200" dirty="0">
-                <a:latin typeface="等线" panose="02010600030101010101" pitchFamily="2" charset="-122"/>
-                <a:ea typeface="等线" panose="02010600030101010101" pitchFamily="2" charset="-122"/>
-              </a:rPr>
-              <a:t>}</a:t>
-            </a:r>
-            <a:endParaRPr kumimoji="1" lang="en-US" altLang="zh-CN" sz="1200" dirty="0">
-              <a:latin typeface="等线" panose="02010600030101010101" pitchFamily="2" charset="-122"/>
-              <a:ea typeface="等线" panose="02010600030101010101" pitchFamily="2" charset="-122"/>
-            </a:endParaRPr>
-          </a:p>
-          <a:p>
-            <a:endParaRPr kumimoji="1" lang="en-US" altLang="zh-CN" sz="1200" dirty="0">
-              <a:latin typeface="等线" panose="02010600030101010101" pitchFamily="2" charset="-122"/>
-              <a:ea typeface="等线" panose="02010600030101010101" pitchFamily="2" charset="-122"/>
-            </a:endParaRPr>
-          </a:p>
-          <a:p>
-            <a:r>
-              <a:rPr kumimoji="1" lang="en-US" altLang="zh-CN" sz="1200" b="1" dirty="0">
-                <a:latin typeface="等线" panose="02010600030101010101" pitchFamily="2" charset="-122"/>
-                <a:ea typeface="等线" panose="02010600030101010101" pitchFamily="2" charset="-122"/>
-              </a:rPr>
-              <a:t>edge4:</a:t>
-            </a:r>
-            <a:r>
-              <a:rPr kumimoji="1" lang="zh-CN" altLang="en-US" sz="1200" b="1" dirty="0">
-                <a:latin typeface="等线" panose="02010600030101010101" pitchFamily="2" charset="-122"/>
-                <a:ea typeface="等线" panose="02010600030101010101" pitchFamily="2" charset="-122"/>
-              </a:rPr>
-              <a:t> </a:t>
-            </a:r>
-            <a:r>
-              <a:rPr kumimoji="1" lang="en-US" altLang="zh-CN" sz="1200" dirty="0">
-                <a:latin typeface="等线" panose="02010600030101010101" pitchFamily="2" charset="-122"/>
-                <a:ea typeface="等线" panose="02010600030101010101" pitchFamily="2" charset="-122"/>
-              </a:rPr>
-              <a:t>transfer</a:t>
-            </a:r>
-            <a:endParaRPr kumimoji="1" lang="en-US" altLang="zh-CN" sz="1200" dirty="0">
-              <a:latin typeface="等线" panose="02010600030101010101" pitchFamily="2" charset="-122"/>
-              <a:ea typeface="等线" panose="02010600030101010101" pitchFamily="2" charset="-122"/>
-            </a:endParaRPr>
-          </a:p>
-          <a:p>
-            <a:r>
-              <a:rPr kumimoji="1" lang="en-US" altLang="zh-CN" sz="1200" b="1" dirty="0">
-                <a:latin typeface="等线" panose="02010600030101010101" pitchFamily="2" charset="-122"/>
-                <a:ea typeface="等线" panose="02010600030101010101" pitchFamily="2" charset="-122"/>
-              </a:rPr>
-              <a:t>edge4</a:t>
-            </a:r>
-            <a:r>
-              <a:rPr kumimoji="1" lang="en-US" altLang="zh-CN" sz="1200" dirty="0">
-                <a:latin typeface="等线" panose="02010600030101010101" pitchFamily="2" charset="-122"/>
-                <a:ea typeface="等线" panose="02010600030101010101" pitchFamily="2" charset="-122"/>
-              </a:rPr>
-              <a:t>.amount</a:t>
-            </a:r>
-            <a:r>
-              <a:rPr kumimoji="1" lang="zh-CN" altLang="en-US" sz="1200" dirty="0">
-                <a:latin typeface="等线" panose="02010600030101010101" pitchFamily="2" charset="-122"/>
-                <a:ea typeface="等线" panose="02010600030101010101" pitchFamily="2" charset="-122"/>
-              </a:rPr>
-              <a:t> </a:t>
-            </a:r>
-            <a:r>
-              <a:rPr kumimoji="1" lang="en-US" altLang="zh-CN" sz="1200" dirty="0">
-                <a:latin typeface="等线" panose="02010600030101010101" pitchFamily="2" charset="-122"/>
-                <a:ea typeface="等线" panose="02010600030101010101" pitchFamily="2" charset="-122"/>
-              </a:rPr>
-              <a:t>&gt;</a:t>
-            </a:r>
-            <a:r>
-              <a:rPr kumimoji="1" lang="zh-CN" altLang="en-US" sz="1200" dirty="0">
-                <a:latin typeface="等线" panose="02010600030101010101" pitchFamily="2" charset="-122"/>
-                <a:ea typeface="等线" panose="02010600030101010101" pitchFamily="2" charset="-122"/>
-              </a:rPr>
-              <a:t> </a:t>
-            </a:r>
-            <a:r>
-              <a:rPr kumimoji="1" lang="en-US" altLang="zh-CN" sz="1200" dirty="0">
-                <a:latin typeface="等线" panose="02010600030101010101" pitchFamily="2" charset="-122"/>
-                <a:ea typeface="等线" panose="02010600030101010101" pitchFamily="2" charset="-122"/>
-              </a:rPr>
-              <a:t>${threshold}</a:t>
-            </a:r>
-            <a:endParaRPr kumimoji="1" lang="en-US" altLang="zh-CN" sz="1200" dirty="0">
-              <a:latin typeface="等线" panose="02010600030101010101" pitchFamily="2" charset="-122"/>
-              <a:ea typeface="等线" panose="02010600030101010101" pitchFamily="2" charset="-122"/>
-            </a:endParaRPr>
-          </a:p>
-          <a:p>
-            <a:r>
-              <a:rPr kumimoji="1" lang="en-US" altLang="zh-CN" sz="1200" b="1" dirty="0">
-                <a:latin typeface="等线" panose="02010600030101010101" pitchFamily="2" charset="-122"/>
-                <a:ea typeface="等线" panose="02010600030101010101" pitchFamily="2" charset="-122"/>
-              </a:rPr>
-              <a:t>edge4</a:t>
-            </a:r>
-            <a:r>
-              <a:rPr kumimoji="1" lang="en-US" altLang="zh-CN" sz="1200" dirty="0">
-                <a:latin typeface="等线" panose="02010600030101010101" pitchFamily="2" charset="-122"/>
-                <a:ea typeface="等线" panose="02010600030101010101" pitchFamily="2" charset="-122"/>
-              </a:rPr>
-              <a:t>.timestamp</a:t>
-            </a:r>
-            <a:r>
-              <a:rPr kumimoji="1" lang="zh-CN" altLang="en-US" sz="1200" dirty="0">
-                <a:latin typeface="等线" panose="02010600030101010101" pitchFamily="2" charset="-122"/>
-                <a:ea typeface="等线" panose="02010600030101010101" pitchFamily="2" charset="-122"/>
-              </a:rPr>
-              <a:t> </a:t>
-            </a:r>
-            <a:r>
-              <a:rPr kumimoji="1" lang="en-US" altLang="zh-CN" sz="1200" dirty="0">
-                <a:latin typeface="等线" panose="02010600030101010101" pitchFamily="2" charset="-122"/>
-                <a:ea typeface="等线" panose="02010600030101010101" pitchFamily="2" charset="-122"/>
-              </a:rPr>
-              <a:t>&gt;</a:t>
-            </a:r>
-            <a:r>
-              <a:rPr kumimoji="1" lang="zh-CN" altLang="en-US" sz="1200" dirty="0">
-                <a:latin typeface="等线" panose="02010600030101010101" pitchFamily="2" charset="-122"/>
-                <a:ea typeface="等线" panose="02010600030101010101" pitchFamily="2" charset="-122"/>
-              </a:rPr>
-              <a:t> </a:t>
-            </a:r>
-            <a:r>
-              <a:rPr kumimoji="1" lang="en-US" altLang="zh-CN" sz="1200" dirty="0">
-                <a:latin typeface="等线" panose="02010600030101010101" pitchFamily="2" charset="-122"/>
-                <a:ea typeface="等线" panose="02010600030101010101" pitchFamily="2" charset="-122"/>
-              </a:rPr>
-              <a:t>${</a:t>
-            </a:r>
-            <a:r>
-              <a:rPr kumimoji="1" lang="en-US" altLang="zh-CN" sz="1200" dirty="0" err="1">
-                <a:latin typeface="等线" panose="02010600030101010101" pitchFamily="2" charset="-122"/>
-                <a:ea typeface="等线" panose="02010600030101010101" pitchFamily="2" charset="-122"/>
-              </a:rPr>
-              <a:t>startTime</a:t>
-            </a:r>
-            <a:r>
-              <a:rPr kumimoji="1" lang="en-US" altLang="zh-CN" sz="1200" dirty="0">
-                <a:latin typeface="等线" panose="02010600030101010101" pitchFamily="2" charset="-122"/>
-                <a:ea typeface="等线" panose="02010600030101010101" pitchFamily="2" charset="-122"/>
-              </a:rPr>
-              <a:t>}</a:t>
-            </a:r>
-            <a:endParaRPr kumimoji="1" lang="en-US" altLang="zh-CN" sz="1200" dirty="0">
-              <a:latin typeface="等线" panose="02010600030101010101" pitchFamily="2" charset="-122"/>
-              <a:ea typeface="等线" panose="02010600030101010101" pitchFamily="2" charset="-122"/>
-            </a:endParaRPr>
-          </a:p>
-          <a:p>
-            <a:r>
-              <a:rPr kumimoji="1" lang="en-US" altLang="zh-CN" sz="1200" b="1" dirty="0">
-                <a:latin typeface="等线" panose="02010600030101010101" pitchFamily="2" charset="-122"/>
-                <a:ea typeface="等线" panose="02010600030101010101" pitchFamily="2" charset="-122"/>
-              </a:rPr>
-              <a:t>edge4</a:t>
-            </a:r>
-            <a:r>
-              <a:rPr kumimoji="1" lang="en-US" altLang="zh-CN" sz="1200" dirty="0">
-                <a:latin typeface="等线" panose="02010600030101010101" pitchFamily="2" charset="-122"/>
-                <a:ea typeface="等线" panose="02010600030101010101" pitchFamily="2" charset="-122"/>
-              </a:rPr>
-              <a:t>.timestamp</a:t>
-            </a:r>
-            <a:r>
-              <a:rPr kumimoji="1" lang="zh-CN" altLang="en-US" sz="1200" dirty="0">
-                <a:latin typeface="等线" panose="02010600030101010101" pitchFamily="2" charset="-122"/>
-                <a:ea typeface="等线" panose="02010600030101010101" pitchFamily="2" charset="-122"/>
-              </a:rPr>
-              <a:t> </a:t>
-            </a:r>
-            <a:r>
-              <a:rPr kumimoji="1" lang="en-US" altLang="zh-CN" sz="1200" dirty="0">
-                <a:latin typeface="等线" panose="02010600030101010101" pitchFamily="2" charset="-122"/>
-                <a:ea typeface="等线" panose="02010600030101010101" pitchFamily="2" charset="-122"/>
-              </a:rPr>
-              <a:t>&lt;</a:t>
-            </a:r>
-            <a:r>
-              <a:rPr kumimoji="1" lang="zh-CN" altLang="en-US" sz="1200" dirty="0">
-                <a:latin typeface="等线" panose="02010600030101010101" pitchFamily="2" charset="-122"/>
-                <a:ea typeface="等线" panose="02010600030101010101" pitchFamily="2" charset="-122"/>
-              </a:rPr>
-              <a:t> </a:t>
-            </a:r>
-            <a:r>
-              <a:rPr kumimoji="1" lang="en-US" altLang="zh-CN" sz="1200" dirty="0">
-                <a:latin typeface="等线" panose="02010600030101010101" pitchFamily="2" charset="-122"/>
-                <a:ea typeface="等线" panose="02010600030101010101" pitchFamily="2" charset="-122"/>
-              </a:rPr>
-              <a:t>${</a:t>
-            </a:r>
-            <a:r>
-              <a:rPr kumimoji="1" lang="en-US" altLang="zh-CN" sz="1200" dirty="0" err="1">
-                <a:latin typeface="等线" panose="02010600030101010101" pitchFamily="2" charset="-122"/>
-                <a:ea typeface="等线" panose="02010600030101010101" pitchFamily="2" charset="-122"/>
-              </a:rPr>
-              <a:t>endTime</a:t>
-            </a:r>
-            <a:r>
-              <a:rPr kumimoji="1" lang="en-US" altLang="zh-CN" sz="1200" dirty="0">
-                <a:latin typeface="等线" panose="02010600030101010101" pitchFamily="2" charset="-122"/>
-                <a:ea typeface="等线" panose="02010600030101010101" pitchFamily="2" charset="-122"/>
-              </a:rPr>
-              <a:t>}</a:t>
-            </a:r>
-            <a:endParaRPr kumimoji="1" lang="en-US" altLang="zh-CN" sz="1200" dirty="0">
-              <a:latin typeface="等线" panose="02010600030101010101" pitchFamily="2" charset="-122"/>
-              <a:ea typeface="等线" panose="02010600030101010101" pitchFamily="2" charset="-122"/>
-            </a:endParaRPr>
-          </a:p>
-        </p:txBody>
-      </p:sp>
       <p:grpSp>
         <p:nvGrpSpPr>
-          <p:cNvPr id="17" name="Group 16"/>
+          <p:cNvPr id="3" name="Group 2">
+            <a:extLst>
+              <a:ext uri="{FF2B5EF4-FFF2-40B4-BE49-F238E27FC236}">
+                <a16:creationId xmlns:a16="http://schemas.microsoft.com/office/drawing/2014/main" id="{CF2900DA-C291-4C59-4B17-936A724A092D}"/>
+              </a:ext>
+            </a:extLst>
+          </p:cNvPr>
           <p:cNvGrpSpPr/>
           <p:nvPr/>
         </p:nvGrpSpPr>
         <p:grpSpPr>
           <a:xfrm>
-            <a:off x="6779942" y="2876433"/>
-            <a:ext cx="1303067" cy="688048"/>
-            <a:chOff x="5724872" y="3310184"/>
-            <a:chExt cx="1303067" cy="688048"/>
+            <a:off x="1207475" y="1066802"/>
+            <a:ext cx="9601200" cy="4923691"/>
+            <a:chOff x="1207475" y="1066802"/>
+            <a:chExt cx="9601200" cy="4923691"/>
           </a:xfrm>
         </p:grpSpPr>
         <p:sp>
           <p:nvSpPr>
-            <p:cNvPr id="25" name="矩形 9"/>
+            <p:cNvPr id="36" name="矩形 13"/>
             <p:cNvSpPr/>
             <p:nvPr/>
           </p:nvSpPr>
           <p:spPr>
             <a:xfrm>
-              <a:off x="5727700" y="3310184"/>
-              <a:ext cx="1300238" cy="351257"/>
+              <a:off x="1207475" y="1066802"/>
+              <a:ext cx="9601200" cy="4923690"/>
+            </a:xfrm>
+            <a:prstGeom prst="rect">
+              <a:avLst/>
+            </a:prstGeom>
+            <a:noFill/>
+            <a:ln w="25400">
+              <a:solidFill>
+                <a:schemeClr val="accent3"/>
+              </a:solidFill>
+              <a:prstDash val="dash"/>
+            </a:ln>
+          </p:spPr>
+          <p:style>
+            <a:lnRef idx="2">
+              <a:schemeClr val="accent2">
+                <a:shade val="50000"/>
+              </a:schemeClr>
+            </a:lnRef>
+            <a:fillRef idx="1">
+              <a:schemeClr val="accent2"/>
+            </a:fillRef>
+            <a:effectRef idx="0">
+              <a:schemeClr val="accent2"/>
+            </a:effectRef>
+            <a:fontRef idx="minor">
+              <a:schemeClr val="lt1"/>
+            </a:fontRef>
+          </p:style>
+          <p:txBody>
+            <a:bodyPr rtlCol="0" anchor="b"/>
+            <a:lstStyle/>
+            <a:p>
+              <a:pPr algn="r"/>
+              <a:r>
+                <a:rPr kumimoji="1" lang="en-US" altLang="zh-CN" sz="1200" b="1" dirty="0">
+                  <a:solidFill>
+                    <a:srgbClr val="FF0000"/>
+                  </a:solidFill>
+                  <a:latin typeface="等线" panose="02010600030101010101" pitchFamily="2" charset="-122"/>
+                  <a:ea typeface="等线" panose="02010600030101010101" pitchFamily="2" charset="-122"/>
+                </a:rPr>
+                <a:t>RESULT</a:t>
+              </a:r>
+              <a:endParaRPr kumimoji="1" lang="en-US" altLang="zh-CN" sz="1200" b="1" dirty="0">
+                <a:solidFill>
+                  <a:schemeClr val="tx1"/>
+                </a:solidFill>
+                <a:latin typeface="等线" panose="02010600030101010101" pitchFamily="2" charset="-122"/>
+                <a:ea typeface="等线" panose="02010600030101010101" pitchFamily="2" charset="-122"/>
+              </a:endParaRPr>
+            </a:p>
+            <a:p>
+              <a:pPr algn="r"/>
+              <a:r>
+                <a:rPr kumimoji="1" lang="en-US" altLang="zh-CN" sz="1200" dirty="0">
+                  <a:solidFill>
+                    <a:schemeClr val="tx1"/>
+                  </a:solidFill>
+                  <a:latin typeface="等线" panose="02010600030101010101" pitchFamily="2" charset="-122"/>
+                  <a:ea typeface="等线" panose="02010600030101010101" pitchFamily="2" charset="-122"/>
+                </a:rPr>
+                <a:t>SUM(edge1.amount)/SUM(edge2.amount),</a:t>
+              </a:r>
+            </a:p>
+            <a:p>
+              <a:pPr algn="r"/>
+              <a:r>
+                <a:rPr kumimoji="1" lang="en-US" altLang="zh-CN" sz="1200" dirty="0">
+                  <a:solidFill>
+                    <a:schemeClr val="tx1"/>
+                  </a:solidFill>
+                  <a:latin typeface="等线" panose="02010600030101010101" pitchFamily="2" charset="-122"/>
+                  <a:ea typeface="等线" panose="02010600030101010101" pitchFamily="2" charset="-122"/>
+                </a:rPr>
+                <a:t>SUM(edge1.amount)/SUM(edge4.amount),</a:t>
+              </a:r>
+            </a:p>
+            <a:p>
+              <a:pPr algn="r"/>
+              <a:r>
+                <a:rPr kumimoji="1" lang="en-US" altLang="zh-CN" sz="1200" dirty="0">
+                  <a:solidFill>
+                    <a:schemeClr val="tx1"/>
+                  </a:solidFill>
+                  <a:latin typeface="等线" panose="02010600030101010101" pitchFamily="2" charset="-122"/>
+                  <a:ea typeface="等线" panose="02010600030101010101" pitchFamily="2" charset="-122"/>
+                </a:rPr>
+                <a:t>SUM(edge3.amount)/SUM(edge4.amount)</a:t>
+              </a:r>
+            </a:p>
+          </p:txBody>
+        </p:sp>
+        <p:sp>
+          <p:nvSpPr>
+            <p:cNvPr id="48" name="矩形 14"/>
+            <p:cNvSpPr/>
+            <p:nvPr/>
+          </p:nvSpPr>
+          <p:spPr>
+            <a:xfrm>
+              <a:off x="5842981" y="1257377"/>
+              <a:ext cx="1176993" cy="505147"/>
             </a:xfrm>
             <a:prstGeom prst="rect">
               <a:avLst/>
@@ -32002,7 +29978,7 @@
                     <a:sysClr val="windowText" lastClr="000000"/>
                   </a:solidFill>
                 </a:rPr>
-                <a:t>mid</a:t>
+                <a:t>up2</a:t>
               </a:r>
               <a:r>
                 <a:rPr kumimoji="1" lang="zh-CN" altLang="en-US" sz="1200" dirty="0">
@@ -32046,19 +30022,24 @@
         </p:sp>
         <p:sp>
           <p:nvSpPr>
-            <p:cNvPr id="12" name="矩形 10"/>
+            <p:cNvPr id="51" name="矩形 14"/>
             <p:cNvSpPr/>
             <p:nvPr/>
           </p:nvSpPr>
           <p:spPr>
             <a:xfrm>
-              <a:off x="5724872" y="3665667"/>
-              <a:ext cx="1303067" cy="332565"/>
+              <a:off x="5780457" y="4605726"/>
+              <a:ext cx="1381173" cy="505147"/>
             </a:xfrm>
             <a:prstGeom prst="rect">
               <a:avLst/>
             </a:prstGeom>
-            <a:noFill/>
+            <a:solidFill>
+              <a:schemeClr val="accent5">
+                <a:lumMod val="60000"/>
+                <a:lumOff val="40000"/>
+              </a:schemeClr>
+            </a:solidFill>
             <a:ln w="25400">
               <a:solidFill>
                 <a:schemeClr val="tx1"/>
@@ -32087,30 +30068,18 @@
             <a:p>
               <a:pPr algn="ctr"/>
               <a:r>
-                <a:rPr kumimoji="1" lang="en-US" altLang="zh-CN" sz="1200" b="1" dirty="0" err="1">
-                  <a:solidFill>
-                    <a:sysClr val="windowText" lastClr="000000"/>
-                  </a:solidFill>
-                </a:rPr>
-                <a:t>mid</a:t>
-              </a:r>
-              <a:r>
-                <a:rPr kumimoji="1" lang="en-US" altLang="zh-CN" sz="1200" dirty="0" err="1">
-                  <a:solidFill>
-                    <a:sysClr val="windowText" lastClr="000000"/>
-                  </a:solidFill>
-                  <a:latin typeface="等线" panose="02010600030101010101" pitchFamily="2" charset="-122"/>
-                  <a:ea typeface="等线" panose="02010600030101010101" pitchFamily="2" charset="-122"/>
-                </a:rPr>
-                <a:t>.id</a:t>
+                <a:rPr kumimoji="1" lang="en-US" altLang="zh-CN" sz="1200" b="1" dirty="0">
+                  <a:solidFill>
+                    <a:sysClr val="windowText" lastClr="000000"/>
+                  </a:solidFill>
+                </a:rPr>
+                <a:t>down2</a:t>
               </a:r>
               <a:r>
                 <a:rPr kumimoji="1" lang="zh-CN" altLang="en-US" sz="1200" dirty="0">
                   <a:solidFill>
                     <a:sysClr val="windowText" lastClr="000000"/>
                   </a:solidFill>
-                  <a:latin typeface="等线" panose="02010600030101010101" pitchFamily="2" charset="-122"/>
-                  <a:ea typeface="等线" panose="02010600030101010101" pitchFamily="2" charset="-122"/>
                 </a:rPr>
                 <a:t> </a:t>
               </a:r>
@@ -32119,18 +30088,14 @@
                   <a:solidFill>
                     <a:sysClr val="windowText" lastClr="000000"/>
                   </a:solidFill>
-                  <a:latin typeface="等线" panose="02010600030101010101" pitchFamily="2" charset="-122"/>
-                  <a:ea typeface="等线" panose="02010600030101010101" pitchFamily="2" charset="-122"/>
-                </a:rPr>
-                <a:t>=</a:t>
+                </a:rPr>
+                <a:t>:</a:t>
               </a:r>
               <a:r>
                 <a:rPr kumimoji="1" lang="zh-CN" altLang="en-US" sz="1200" dirty="0">
                   <a:solidFill>
                     <a:sysClr val="windowText" lastClr="000000"/>
                   </a:solidFill>
-                  <a:latin typeface="等线" panose="02010600030101010101" pitchFamily="2" charset="-122"/>
-                  <a:ea typeface="等线" panose="02010600030101010101" pitchFamily="2" charset="-122"/>
                 </a:rPr>
                 <a:t> </a:t>
               </a:r>
@@ -32139,754 +30104,2151 @@
                   <a:solidFill>
                     <a:sysClr val="windowText" lastClr="000000"/>
                   </a:solidFill>
-                  <a:latin typeface="等线" panose="02010600030101010101" pitchFamily="2" charset="-122"/>
-                  <a:ea typeface="等线" panose="02010600030101010101" pitchFamily="2" charset="-122"/>
-                </a:rPr>
-                <a:t>${id}</a:t>
+                </a:rPr>
+                <a:t>Account</a:t>
               </a:r>
               <a:endParaRPr kumimoji="1" lang="zh-CN" altLang="en-US" sz="1200" dirty="0">
                 <a:solidFill>
                   <a:sysClr val="windowText" lastClr="000000"/>
                 </a:solidFill>
-                <a:latin typeface="等线" panose="02010600030101010101" pitchFamily="2" charset="-122"/>
-                <a:ea typeface="等线" panose="02010600030101010101" pitchFamily="2" charset="-122"/>
               </a:endParaRPr>
             </a:p>
           </p:txBody>
         </p:sp>
+        <p:cxnSp>
+          <p:nvCxnSpPr>
+            <p:cNvPr id="54" name="直线箭头连接符 11" descr="jytjh"/>
+            <p:cNvCxnSpPr>
+              <a:stCxn id="48" idx="2"/>
+              <a:endCxn id="25" idx="0"/>
+            </p:cNvCxnSpPr>
+            <p:nvPr/>
+          </p:nvCxnSpPr>
+          <p:spPr>
+            <a:xfrm>
+              <a:off x="6431478" y="1762524"/>
+              <a:ext cx="1001411" cy="1113909"/>
+            </a:xfrm>
+            <a:prstGeom prst="straightConnector1">
+              <a:avLst/>
+            </a:prstGeom>
+            <a:ln w="19050">
+              <a:solidFill>
+                <a:schemeClr val="tx1"/>
+              </a:solidFill>
+              <a:headEnd type="none" w="lg" len="med"/>
+              <a:tailEnd type="arrow" w="sm" len="lg"/>
+            </a:ln>
+          </p:spPr>
+          <p:style>
+            <a:lnRef idx="1">
+              <a:schemeClr val="accent1"/>
+            </a:lnRef>
+            <a:fillRef idx="0">
+              <a:schemeClr val="accent1"/>
+            </a:fillRef>
+            <a:effectRef idx="0">
+              <a:schemeClr val="accent1"/>
+            </a:effectRef>
+            <a:fontRef idx="minor">
+              <a:schemeClr val="tx1"/>
+            </a:fontRef>
+          </p:style>
+        </p:cxnSp>
+        <p:cxnSp>
+          <p:nvCxnSpPr>
+            <p:cNvPr id="59" name="直线箭头连接符 11" descr="jytjh"/>
+            <p:cNvCxnSpPr>
+              <a:stCxn id="12" idx="2"/>
+              <a:endCxn id="51" idx="0"/>
+            </p:cNvCxnSpPr>
+            <p:nvPr/>
+          </p:nvCxnSpPr>
+          <p:spPr>
+            <a:xfrm flipH="1">
+              <a:off x="6471044" y="3564481"/>
+              <a:ext cx="960432" cy="1041245"/>
+            </a:xfrm>
+            <a:prstGeom prst="straightConnector1">
+              <a:avLst/>
+            </a:prstGeom>
+            <a:ln w="19050">
+              <a:solidFill>
+                <a:schemeClr val="tx1"/>
+              </a:solidFill>
+              <a:headEnd type="none" w="lg" len="med"/>
+              <a:tailEnd type="arrow" w="sm" len="lg"/>
+            </a:ln>
+          </p:spPr>
+          <p:style>
+            <a:lnRef idx="1">
+              <a:schemeClr val="accent1"/>
+            </a:lnRef>
+            <a:fillRef idx="0">
+              <a:schemeClr val="accent1"/>
+            </a:fillRef>
+            <a:effectRef idx="0">
+              <a:schemeClr val="accent1"/>
+            </a:effectRef>
+            <a:fontRef idx="minor">
+              <a:schemeClr val="tx1"/>
+            </a:fontRef>
+          </p:style>
+        </p:cxnSp>
+        <p:sp>
+          <p:nvSpPr>
+            <p:cNvPr id="28" name="矩形 13"/>
+            <p:cNvSpPr/>
+            <p:nvPr/>
+          </p:nvSpPr>
+          <p:spPr>
+            <a:xfrm>
+              <a:off x="4112467" y="2859843"/>
+              <a:ext cx="955159" cy="351258"/>
+            </a:xfrm>
+            <a:prstGeom prst="rect">
+              <a:avLst/>
+            </a:prstGeom>
+            <a:solidFill>
+              <a:schemeClr val="accent2">
+                <a:lumMod val="60000"/>
+                <a:lumOff val="40000"/>
+              </a:schemeClr>
+            </a:solidFill>
+            <a:ln w="25400">
+              <a:solidFill>
+                <a:schemeClr val="tx1"/>
+              </a:solidFill>
+            </a:ln>
+          </p:spPr>
+          <p:style>
+            <a:lnRef idx="2">
+              <a:schemeClr val="accent2">
+                <a:shade val="50000"/>
+              </a:schemeClr>
+            </a:lnRef>
+            <a:fillRef idx="1">
+              <a:schemeClr val="accent2"/>
+            </a:fillRef>
+            <a:effectRef idx="0">
+              <a:schemeClr val="accent2"/>
+            </a:effectRef>
+            <a:fontRef idx="minor">
+              <a:schemeClr val="lt1"/>
+            </a:fontRef>
+          </p:style>
+          <p:txBody>
+            <a:bodyPr rtlCol="0" anchor="ctr"/>
+            <a:lstStyle/>
+            <a:p>
+              <a:pPr algn="ctr"/>
+              <a:r>
+                <a:rPr kumimoji="1" lang="en-US" altLang="zh-CN" sz="1200" b="1" dirty="0">
+                  <a:solidFill>
+                    <a:sysClr val="windowText" lastClr="000000"/>
+                  </a:solidFill>
+                </a:rPr>
+                <a:t>loan</a:t>
+              </a:r>
+              <a:r>
+                <a:rPr kumimoji="1" lang="zh-CN" altLang="en-US" sz="1200" dirty="0">
+                  <a:solidFill>
+                    <a:sysClr val="windowText" lastClr="000000"/>
+                  </a:solidFill>
+                </a:rPr>
+                <a:t> </a:t>
+              </a:r>
+              <a:r>
+                <a:rPr kumimoji="1" lang="en-US" altLang="zh-CN" sz="1200" dirty="0">
+                  <a:solidFill>
+                    <a:sysClr val="windowText" lastClr="000000"/>
+                  </a:solidFill>
+                </a:rPr>
+                <a:t>:</a:t>
+              </a:r>
+              <a:r>
+                <a:rPr kumimoji="1" lang="zh-CN" altLang="en-US" sz="1200" dirty="0">
+                  <a:solidFill>
+                    <a:sysClr val="windowText" lastClr="000000"/>
+                  </a:solidFill>
+                </a:rPr>
+                <a:t> </a:t>
+              </a:r>
+              <a:r>
+                <a:rPr kumimoji="1" lang="en-US" altLang="zh-CN" sz="1200" dirty="0">
+                  <a:solidFill>
+                    <a:sysClr val="windowText" lastClr="000000"/>
+                  </a:solidFill>
+                </a:rPr>
+                <a:t>Loan</a:t>
+              </a:r>
+              <a:endParaRPr kumimoji="1" lang="zh-CN" altLang="en-US" sz="1200" dirty="0">
+                <a:solidFill>
+                  <a:sysClr val="windowText" lastClr="000000"/>
+                </a:solidFill>
+              </a:endParaRPr>
+            </a:p>
+          </p:txBody>
+        </p:sp>
+        <p:sp>
+          <p:nvSpPr>
+            <p:cNvPr id="44" name="文本框 12"/>
+            <p:cNvSpPr txBox="1"/>
+            <p:nvPr/>
+          </p:nvSpPr>
+          <p:spPr>
+            <a:xfrm>
+              <a:off x="5356522" y="2733860"/>
+              <a:ext cx="889680" cy="307777"/>
+            </a:xfrm>
+            <a:prstGeom prst="rect">
+              <a:avLst/>
+            </a:prstGeom>
+            <a:noFill/>
+          </p:spPr>
+          <p:txBody>
+            <a:bodyPr wrap="square" rtlCol="0">
+              <a:spAutoFit/>
+            </a:bodyPr>
+            <a:lstStyle/>
+            <a:p>
+              <a:pPr algn="ctr"/>
+              <a:r>
+                <a:rPr kumimoji="1" lang="en-US" altLang="zh-CN" sz="1400" b="1" dirty="0">
+                  <a:latin typeface="等线" panose="02010600030101010101" pitchFamily="2" charset="-122"/>
+                  <a:ea typeface="等线" panose="02010600030101010101" pitchFamily="2" charset="-122"/>
+                </a:rPr>
+                <a:t>edge1</a:t>
+              </a:r>
+              <a:endParaRPr kumimoji="1" lang="en-US" altLang="zh-CN" sz="1400" dirty="0">
+                <a:latin typeface="等线" panose="02010600030101010101" pitchFamily="2" charset="-122"/>
+                <a:ea typeface="等线" panose="02010600030101010101" pitchFamily="2" charset="-122"/>
+              </a:endParaRPr>
+            </a:p>
+          </p:txBody>
+        </p:sp>
+        <p:cxnSp>
+          <p:nvCxnSpPr>
+            <p:cNvPr id="6" name="Elbow Connector 5"/>
+            <p:cNvCxnSpPr>
+              <a:stCxn id="12" idx="1"/>
+              <a:endCxn id="28" idx="2"/>
+            </p:cNvCxnSpPr>
+            <p:nvPr/>
+          </p:nvCxnSpPr>
+          <p:spPr>
+            <a:xfrm rot="10800000">
+              <a:off x="4590048" y="3211101"/>
+              <a:ext cx="2189895" cy="187098"/>
+            </a:xfrm>
+            <a:prstGeom prst="bentConnector2">
+              <a:avLst/>
+            </a:prstGeom>
+            <a:ln w="19050">
+              <a:solidFill>
+                <a:schemeClr val="tx1"/>
+              </a:solidFill>
+              <a:tailEnd type="arrow" w="sm" len="lg"/>
+            </a:ln>
+          </p:spPr>
+          <p:style>
+            <a:lnRef idx="1">
+              <a:schemeClr val="accent1"/>
+            </a:lnRef>
+            <a:fillRef idx="0">
+              <a:schemeClr val="accent1"/>
+            </a:fillRef>
+            <a:effectRef idx="0">
+              <a:schemeClr val="accent1"/>
+            </a:effectRef>
+            <a:fontRef idx="minor">
+              <a:schemeClr val="tx1"/>
+            </a:fontRef>
+          </p:style>
+        </p:cxnSp>
+        <p:sp>
+          <p:nvSpPr>
+            <p:cNvPr id="46" name="文本框 12"/>
+            <p:cNvSpPr txBox="1"/>
+            <p:nvPr/>
+          </p:nvSpPr>
+          <p:spPr>
+            <a:xfrm>
+              <a:off x="6892265" y="1992121"/>
+              <a:ext cx="998454" cy="307777"/>
+            </a:xfrm>
+            <a:prstGeom prst="rect">
+              <a:avLst/>
+            </a:prstGeom>
+            <a:noFill/>
+          </p:spPr>
+          <p:txBody>
+            <a:bodyPr wrap="square" rtlCol="0">
+              <a:spAutoFit/>
+            </a:bodyPr>
+            <a:lstStyle/>
+            <a:p>
+              <a:pPr algn="ctr"/>
+              <a:r>
+                <a:rPr kumimoji="1" lang="en-US" altLang="zh-CN" sz="1400" b="1" dirty="0">
+                  <a:latin typeface="等线" panose="02010600030101010101" pitchFamily="2" charset="-122"/>
+                  <a:ea typeface="等线" panose="02010600030101010101" pitchFamily="2" charset="-122"/>
+                </a:rPr>
+                <a:t>edge3</a:t>
+              </a:r>
+              <a:endParaRPr kumimoji="1" lang="en-US" altLang="zh-CN" sz="1400" dirty="0">
+                <a:latin typeface="等线" panose="02010600030101010101" pitchFamily="2" charset="-122"/>
+                <a:ea typeface="等线" panose="02010600030101010101" pitchFamily="2" charset="-122"/>
+              </a:endParaRPr>
+            </a:p>
+          </p:txBody>
+        </p:sp>
+        <p:sp>
+          <p:nvSpPr>
+            <p:cNvPr id="70" name="文本框 12"/>
+            <p:cNvSpPr txBox="1"/>
+            <p:nvPr/>
+          </p:nvSpPr>
+          <p:spPr>
+            <a:xfrm>
+              <a:off x="5375422" y="3403350"/>
+              <a:ext cx="889680" cy="307777"/>
+            </a:xfrm>
+            <a:prstGeom prst="rect">
+              <a:avLst/>
+            </a:prstGeom>
+            <a:noFill/>
+          </p:spPr>
+          <p:txBody>
+            <a:bodyPr wrap="square" rtlCol="0">
+              <a:spAutoFit/>
+            </a:bodyPr>
+            <a:lstStyle/>
+            <a:p>
+              <a:pPr algn="ctr"/>
+              <a:r>
+                <a:rPr kumimoji="1" lang="en-US" altLang="zh-CN" sz="1400" b="1" dirty="0">
+                  <a:latin typeface="等线" panose="02010600030101010101" pitchFamily="2" charset="-122"/>
+                  <a:ea typeface="等线" panose="02010600030101010101" pitchFamily="2" charset="-122"/>
+                </a:rPr>
+                <a:t>edge2</a:t>
+              </a:r>
+              <a:endParaRPr kumimoji="1" lang="en-US" altLang="zh-CN" sz="1400" dirty="0">
+                <a:latin typeface="等线" panose="02010600030101010101" pitchFamily="2" charset="-122"/>
+                <a:ea typeface="等线" panose="02010600030101010101" pitchFamily="2" charset="-122"/>
+              </a:endParaRPr>
+            </a:p>
+          </p:txBody>
+        </p:sp>
+        <p:sp>
+          <p:nvSpPr>
+            <p:cNvPr id="71" name="文本框 12"/>
+            <p:cNvSpPr txBox="1"/>
+            <p:nvPr/>
+          </p:nvSpPr>
+          <p:spPr>
+            <a:xfrm>
+              <a:off x="6892265" y="3961158"/>
+              <a:ext cx="996599" cy="307777"/>
+            </a:xfrm>
+            <a:prstGeom prst="rect">
+              <a:avLst/>
+            </a:prstGeom>
+            <a:noFill/>
+          </p:spPr>
+          <p:txBody>
+            <a:bodyPr wrap="square" rtlCol="0">
+              <a:spAutoFit/>
+            </a:bodyPr>
+            <a:lstStyle/>
+            <a:p>
+              <a:pPr algn="ctr"/>
+              <a:r>
+                <a:rPr kumimoji="1" lang="en-US" altLang="zh-CN" sz="1400" b="1" dirty="0">
+                  <a:latin typeface="等线" panose="02010600030101010101" pitchFamily="2" charset="-122"/>
+                  <a:ea typeface="等线" panose="02010600030101010101" pitchFamily="2" charset="-122"/>
+                </a:rPr>
+                <a:t>edge4</a:t>
+              </a:r>
+              <a:endParaRPr kumimoji="1" lang="en-US" altLang="zh-CN" sz="1400" dirty="0">
+                <a:latin typeface="等线" panose="02010600030101010101" pitchFamily="2" charset="-122"/>
+                <a:ea typeface="等线" panose="02010600030101010101" pitchFamily="2" charset="-122"/>
+              </a:endParaRPr>
+            </a:p>
+          </p:txBody>
+        </p:sp>
+        <p:cxnSp>
+          <p:nvCxnSpPr>
+            <p:cNvPr id="2" name="直线箭头连接符 11" descr="jytjh"/>
+            <p:cNvCxnSpPr>
+              <a:stCxn id="28" idx="3"/>
+              <a:endCxn id="25" idx="1"/>
+            </p:cNvCxnSpPr>
+            <p:nvPr/>
+          </p:nvCxnSpPr>
+          <p:spPr>
+            <a:xfrm>
+              <a:off x="5067626" y="3035472"/>
+              <a:ext cx="1715144" cy="16590"/>
+            </a:xfrm>
+            <a:prstGeom prst="straightConnector1">
+              <a:avLst/>
+            </a:prstGeom>
+            <a:ln w="19050">
+              <a:solidFill>
+                <a:schemeClr val="tx1"/>
+              </a:solidFill>
+              <a:headEnd type="none" w="lg" len="med"/>
+              <a:tailEnd type="arrow" w="sm" len="lg"/>
+            </a:ln>
+          </p:spPr>
+          <p:style>
+            <a:lnRef idx="1">
+              <a:schemeClr val="accent1"/>
+            </a:lnRef>
+            <a:fillRef idx="0">
+              <a:schemeClr val="accent1"/>
+            </a:fillRef>
+            <a:effectRef idx="0">
+              <a:schemeClr val="accent1"/>
+            </a:effectRef>
+            <a:fontRef idx="minor">
+              <a:schemeClr val="tx1"/>
+            </a:fontRef>
+          </p:style>
+        </p:cxnSp>
+        <p:sp>
+          <p:nvSpPr>
+            <p:cNvPr id="7" name="文本框 12"/>
+            <p:cNvSpPr txBox="1"/>
+            <p:nvPr/>
+          </p:nvSpPr>
+          <p:spPr>
+            <a:xfrm>
+              <a:off x="1301785" y="1066803"/>
+              <a:ext cx="2787069" cy="4923690"/>
+            </a:xfrm>
+            <a:prstGeom prst="rect">
+              <a:avLst/>
+            </a:prstGeom>
+            <a:noFill/>
+          </p:spPr>
+          <p:txBody>
+            <a:bodyPr wrap="square" lIns="90000" rtlCol="0" anchor="ctr">
+              <a:noAutofit/>
+            </a:bodyPr>
+            <a:lstStyle/>
+            <a:p>
+              <a:r>
+                <a:rPr kumimoji="1" lang="en-US" altLang="zh-CN" sz="1200" b="1" dirty="0">
+                  <a:latin typeface="等线" panose="02010600030101010101" pitchFamily="2" charset="-122"/>
+                  <a:ea typeface="等线" panose="02010600030101010101" pitchFamily="2" charset="-122"/>
+                </a:rPr>
+                <a:t>edge1:</a:t>
+              </a:r>
+              <a:r>
+                <a:rPr kumimoji="1" lang="zh-CN" altLang="en-US" sz="1200" b="1" dirty="0">
+                  <a:latin typeface="等线" panose="02010600030101010101" pitchFamily="2" charset="-122"/>
+                  <a:ea typeface="等线" panose="02010600030101010101" pitchFamily="2" charset="-122"/>
+                </a:rPr>
+                <a:t> </a:t>
+              </a:r>
+              <a:r>
+                <a:rPr kumimoji="1" lang="en-US" altLang="zh-CN" sz="1200" dirty="0">
+                  <a:latin typeface="等线" panose="02010600030101010101" pitchFamily="2" charset="-122"/>
+                  <a:ea typeface="等线" panose="02010600030101010101" pitchFamily="2" charset="-122"/>
+                </a:rPr>
+                <a:t>deposit</a:t>
+              </a:r>
+            </a:p>
+            <a:p>
+              <a:r>
+                <a:rPr kumimoji="1" lang="en-US" altLang="zh-CN" sz="1200" b="1" dirty="0">
+                  <a:latin typeface="等线" panose="02010600030101010101" pitchFamily="2" charset="-122"/>
+                  <a:ea typeface="等线" panose="02010600030101010101" pitchFamily="2" charset="-122"/>
+                </a:rPr>
+                <a:t>edge1</a:t>
+              </a:r>
+              <a:r>
+                <a:rPr kumimoji="1" lang="en-US" altLang="zh-CN" sz="1200" dirty="0">
+                  <a:latin typeface="等线" panose="02010600030101010101" pitchFamily="2" charset="-122"/>
+                  <a:ea typeface="等线" panose="02010600030101010101" pitchFamily="2" charset="-122"/>
+                </a:rPr>
+                <a:t>.amount</a:t>
+              </a:r>
+              <a:r>
+                <a:rPr kumimoji="1" lang="zh-CN" altLang="en-US" sz="1200" dirty="0">
+                  <a:latin typeface="等线" panose="02010600030101010101" pitchFamily="2" charset="-122"/>
+                  <a:ea typeface="等线" panose="02010600030101010101" pitchFamily="2" charset="-122"/>
+                </a:rPr>
+                <a:t> </a:t>
+              </a:r>
+              <a:r>
+                <a:rPr kumimoji="1" lang="en-US" altLang="zh-CN" sz="1200" dirty="0">
+                  <a:latin typeface="等线" panose="02010600030101010101" pitchFamily="2" charset="-122"/>
+                  <a:ea typeface="等线" panose="02010600030101010101" pitchFamily="2" charset="-122"/>
+                </a:rPr>
+                <a:t>&gt;</a:t>
+              </a:r>
+              <a:r>
+                <a:rPr kumimoji="1" lang="zh-CN" altLang="en-US" sz="1200" dirty="0">
+                  <a:latin typeface="等线" panose="02010600030101010101" pitchFamily="2" charset="-122"/>
+                  <a:ea typeface="等线" panose="02010600030101010101" pitchFamily="2" charset="-122"/>
+                </a:rPr>
+                <a:t> </a:t>
+              </a:r>
+              <a:r>
+                <a:rPr kumimoji="1" lang="en-US" altLang="zh-CN" sz="1200" dirty="0">
+                  <a:latin typeface="等线" panose="02010600030101010101" pitchFamily="2" charset="-122"/>
+                  <a:ea typeface="等线" panose="02010600030101010101" pitchFamily="2" charset="-122"/>
+                </a:rPr>
+                <a:t>${threshold}</a:t>
+              </a:r>
+            </a:p>
+            <a:p>
+              <a:r>
+                <a:rPr kumimoji="1" lang="en-US" altLang="zh-CN" sz="1200" b="1" dirty="0">
+                  <a:latin typeface="等线" panose="02010600030101010101" pitchFamily="2" charset="-122"/>
+                  <a:ea typeface="等线" panose="02010600030101010101" pitchFamily="2" charset="-122"/>
+                </a:rPr>
+                <a:t>edge1</a:t>
+              </a:r>
+              <a:r>
+                <a:rPr kumimoji="1" lang="en-US" altLang="zh-CN" sz="1200" dirty="0">
+                  <a:latin typeface="等线" panose="02010600030101010101" pitchFamily="2" charset="-122"/>
+                  <a:ea typeface="等线" panose="02010600030101010101" pitchFamily="2" charset="-122"/>
+                </a:rPr>
+                <a:t>.timestamp</a:t>
+              </a:r>
+              <a:r>
+                <a:rPr kumimoji="1" lang="zh-CN" altLang="en-US" sz="1200" dirty="0">
+                  <a:latin typeface="等线" panose="02010600030101010101" pitchFamily="2" charset="-122"/>
+                  <a:ea typeface="等线" panose="02010600030101010101" pitchFamily="2" charset="-122"/>
+                </a:rPr>
+                <a:t> </a:t>
+              </a:r>
+              <a:r>
+                <a:rPr kumimoji="1" lang="en-US" altLang="zh-CN" sz="1200" dirty="0">
+                  <a:latin typeface="等线" panose="02010600030101010101" pitchFamily="2" charset="-122"/>
+                  <a:ea typeface="等线" panose="02010600030101010101" pitchFamily="2" charset="-122"/>
+                </a:rPr>
+                <a:t>&gt;</a:t>
+              </a:r>
+              <a:r>
+                <a:rPr kumimoji="1" lang="zh-CN" altLang="en-US" sz="1200" dirty="0">
+                  <a:latin typeface="等线" panose="02010600030101010101" pitchFamily="2" charset="-122"/>
+                  <a:ea typeface="等线" panose="02010600030101010101" pitchFamily="2" charset="-122"/>
+                </a:rPr>
+                <a:t> </a:t>
+              </a:r>
+              <a:r>
+                <a:rPr kumimoji="1" lang="en-US" altLang="zh-CN" sz="1200" dirty="0">
+                  <a:latin typeface="等线" panose="02010600030101010101" pitchFamily="2" charset="-122"/>
+                  <a:ea typeface="等线" panose="02010600030101010101" pitchFamily="2" charset="-122"/>
+                </a:rPr>
+                <a:t>${</a:t>
+              </a:r>
+              <a:r>
+                <a:rPr kumimoji="1" lang="en-US" altLang="zh-CN" sz="1200" dirty="0" err="1">
+                  <a:latin typeface="等线" panose="02010600030101010101" pitchFamily="2" charset="-122"/>
+                  <a:ea typeface="等线" panose="02010600030101010101" pitchFamily="2" charset="-122"/>
+                </a:rPr>
+                <a:t>startTime</a:t>
+              </a:r>
+              <a:r>
+                <a:rPr kumimoji="1" lang="en-US" altLang="zh-CN" sz="1200" dirty="0">
+                  <a:latin typeface="等线" panose="02010600030101010101" pitchFamily="2" charset="-122"/>
+                  <a:ea typeface="等线" panose="02010600030101010101" pitchFamily="2" charset="-122"/>
+                </a:rPr>
+                <a:t>}</a:t>
+              </a:r>
+            </a:p>
+            <a:p>
+              <a:r>
+                <a:rPr kumimoji="1" lang="en-US" altLang="zh-CN" sz="1200" b="1" dirty="0">
+                  <a:latin typeface="等线" panose="02010600030101010101" pitchFamily="2" charset="-122"/>
+                  <a:ea typeface="等线" panose="02010600030101010101" pitchFamily="2" charset="-122"/>
+                </a:rPr>
+                <a:t>edge1</a:t>
+              </a:r>
+              <a:r>
+                <a:rPr kumimoji="1" lang="en-US" altLang="zh-CN" sz="1200" dirty="0">
+                  <a:latin typeface="等线" panose="02010600030101010101" pitchFamily="2" charset="-122"/>
+                  <a:ea typeface="等线" panose="02010600030101010101" pitchFamily="2" charset="-122"/>
+                </a:rPr>
+                <a:t>.timestamp</a:t>
+              </a:r>
+              <a:r>
+                <a:rPr kumimoji="1" lang="zh-CN" altLang="en-US" sz="1200" dirty="0">
+                  <a:latin typeface="等线" panose="02010600030101010101" pitchFamily="2" charset="-122"/>
+                  <a:ea typeface="等线" panose="02010600030101010101" pitchFamily="2" charset="-122"/>
+                </a:rPr>
+                <a:t> </a:t>
+              </a:r>
+              <a:r>
+                <a:rPr kumimoji="1" lang="en-US" altLang="zh-CN" sz="1200" dirty="0">
+                  <a:latin typeface="等线" panose="02010600030101010101" pitchFamily="2" charset="-122"/>
+                  <a:ea typeface="等线" panose="02010600030101010101" pitchFamily="2" charset="-122"/>
+                </a:rPr>
+                <a:t>&lt;</a:t>
+              </a:r>
+              <a:r>
+                <a:rPr kumimoji="1" lang="zh-CN" altLang="en-US" sz="1200" dirty="0">
+                  <a:latin typeface="等线" panose="02010600030101010101" pitchFamily="2" charset="-122"/>
+                  <a:ea typeface="等线" panose="02010600030101010101" pitchFamily="2" charset="-122"/>
+                </a:rPr>
+                <a:t> </a:t>
+              </a:r>
+              <a:r>
+                <a:rPr kumimoji="1" lang="en-US" altLang="zh-CN" sz="1200" dirty="0">
+                  <a:latin typeface="等线" panose="02010600030101010101" pitchFamily="2" charset="-122"/>
+                  <a:ea typeface="等线" panose="02010600030101010101" pitchFamily="2" charset="-122"/>
+                </a:rPr>
+                <a:t>${</a:t>
+              </a:r>
+              <a:r>
+                <a:rPr kumimoji="1" lang="en-US" altLang="zh-CN" sz="1200" dirty="0" err="1">
+                  <a:latin typeface="等线" panose="02010600030101010101" pitchFamily="2" charset="-122"/>
+                  <a:ea typeface="等线" panose="02010600030101010101" pitchFamily="2" charset="-122"/>
+                </a:rPr>
+                <a:t>endTime</a:t>
+              </a:r>
+              <a:r>
+                <a:rPr kumimoji="1" lang="en-US" altLang="zh-CN" sz="1200" dirty="0">
+                  <a:latin typeface="等线" panose="02010600030101010101" pitchFamily="2" charset="-122"/>
+                  <a:ea typeface="等线" panose="02010600030101010101" pitchFamily="2" charset="-122"/>
+                </a:rPr>
+                <a:t>}</a:t>
+              </a:r>
+            </a:p>
+            <a:p>
+              <a:endParaRPr kumimoji="1" lang="en-US" altLang="zh-CN" sz="1200" b="1" dirty="0">
+                <a:latin typeface="等线" panose="02010600030101010101" pitchFamily="2" charset="-122"/>
+                <a:ea typeface="等线" panose="02010600030101010101" pitchFamily="2" charset="-122"/>
+              </a:endParaRPr>
+            </a:p>
+            <a:p>
+              <a:r>
+                <a:rPr kumimoji="1" lang="en-US" altLang="zh-CN" sz="1200" b="1" dirty="0">
+                  <a:latin typeface="等线" panose="02010600030101010101" pitchFamily="2" charset="-122"/>
+                  <a:ea typeface="等线" panose="02010600030101010101" pitchFamily="2" charset="-122"/>
+                </a:rPr>
+                <a:t>edge2:</a:t>
+              </a:r>
+              <a:r>
+                <a:rPr kumimoji="1" lang="zh-CN" altLang="en-US" sz="1200" b="1" dirty="0">
+                  <a:latin typeface="等线" panose="02010600030101010101" pitchFamily="2" charset="-122"/>
+                  <a:ea typeface="等线" panose="02010600030101010101" pitchFamily="2" charset="-122"/>
+                </a:rPr>
+                <a:t> </a:t>
+              </a:r>
+              <a:r>
+                <a:rPr kumimoji="1" lang="en-US" altLang="zh-CN" sz="1200" dirty="0">
+                  <a:latin typeface="等线" panose="02010600030101010101" pitchFamily="2" charset="-122"/>
+                  <a:ea typeface="等线" panose="02010600030101010101" pitchFamily="2" charset="-122"/>
+                </a:rPr>
+                <a:t>repay</a:t>
+              </a:r>
+            </a:p>
+            <a:p>
+              <a:r>
+                <a:rPr kumimoji="1" lang="en-US" altLang="zh-CN" sz="1200" b="1" dirty="0">
+                  <a:latin typeface="等线" panose="02010600030101010101" pitchFamily="2" charset="-122"/>
+                  <a:ea typeface="等线" panose="02010600030101010101" pitchFamily="2" charset="-122"/>
+                </a:rPr>
+                <a:t>edge2</a:t>
+              </a:r>
+              <a:r>
+                <a:rPr kumimoji="1" lang="en-US" altLang="zh-CN" sz="1200" dirty="0">
+                  <a:latin typeface="等线" panose="02010600030101010101" pitchFamily="2" charset="-122"/>
+                  <a:ea typeface="等线" panose="02010600030101010101" pitchFamily="2" charset="-122"/>
+                </a:rPr>
+                <a:t>.amount</a:t>
+              </a:r>
+              <a:r>
+                <a:rPr kumimoji="1" lang="zh-CN" altLang="en-US" sz="1200" dirty="0">
+                  <a:latin typeface="等线" panose="02010600030101010101" pitchFamily="2" charset="-122"/>
+                  <a:ea typeface="等线" panose="02010600030101010101" pitchFamily="2" charset="-122"/>
+                </a:rPr>
+                <a:t> </a:t>
+              </a:r>
+              <a:r>
+                <a:rPr kumimoji="1" lang="en-US" altLang="zh-CN" sz="1200" dirty="0">
+                  <a:latin typeface="等线" panose="02010600030101010101" pitchFamily="2" charset="-122"/>
+                  <a:ea typeface="等线" panose="02010600030101010101" pitchFamily="2" charset="-122"/>
+                </a:rPr>
+                <a:t>&gt;</a:t>
+              </a:r>
+              <a:r>
+                <a:rPr kumimoji="1" lang="zh-CN" altLang="en-US" sz="1200" dirty="0">
+                  <a:latin typeface="等线" panose="02010600030101010101" pitchFamily="2" charset="-122"/>
+                  <a:ea typeface="等线" panose="02010600030101010101" pitchFamily="2" charset="-122"/>
+                </a:rPr>
+                <a:t> </a:t>
+              </a:r>
+              <a:r>
+                <a:rPr kumimoji="1" lang="en-US" altLang="zh-CN" sz="1200" dirty="0">
+                  <a:latin typeface="等线" panose="02010600030101010101" pitchFamily="2" charset="-122"/>
+                  <a:ea typeface="等线" panose="02010600030101010101" pitchFamily="2" charset="-122"/>
+                </a:rPr>
+                <a:t>${threshold}</a:t>
+              </a:r>
+            </a:p>
+            <a:p>
+              <a:r>
+                <a:rPr kumimoji="1" lang="en-US" altLang="zh-CN" sz="1200" b="1" dirty="0">
+                  <a:latin typeface="等线" panose="02010600030101010101" pitchFamily="2" charset="-122"/>
+                  <a:ea typeface="等线" panose="02010600030101010101" pitchFamily="2" charset="-122"/>
+                </a:rPr>
+                <a:t>edge2</a:t>
+              </a:r>
+              <a:r>
+                <a:rPr kumimoji="1" lang="en-US" altLang="zh-CN" sz="1200" dirty="0">
+                  <a:latin typeface="等线" panose="02010600030101010101" pitchFamily="2" charset="-122"/>
+                  <a:ea typeface="等线" panose="02010600030101010101" pitchFamily="2" charset="-122"/>
+                </a:rPr>
+                <a:t>.timestamp</a:t>
+              </a:r>
+              <a:r>
+                <a:rPr kumimoji="1" lang="zh-CN" altLang="en-US" sz="1200" dirty="0">
+                  <a:latin typeface="等线" panose="02010600030101010101" pitchFamily="2" charset="-122"/>
+                  <a:ea typeface="等线" panose="02010600030101010101" pitchFamily="2" charset="-122"/>
+                </a:rPr>
+                <a:t> </a:t>
+              </a:r>
+              <a:r>
+                <a:rPr kumimoji="1" lang="en-US" altLang="zh-CN" sz="1200" dirty="0">
+                  <a:latin typeface="等线" panose="02010600030101010101" pitchFamily="2" charset="-122"/>
+                  <a:ea typeface="等线" panose="02010600030101010101" pitchFamily="2" charset="-122"/>
+                </a:rPr>
+                <a:t>&gt;</a:t>
+              </a:r>
+              <a:r>
+                <a:rPr kumimoji="1" lang="zh-CN" altLang="en-US" sz="1200" dirty="0">
+                  <a:latin typeface="等线" panose="02010600030101010101" pitchFamily="2" charset="-122"/>
+                  <a:ea typeface="等线" panose="02010600030101010101" pitchFamily="2" charset="-122"/>
+                </a:rPr>
+                <a:t> </a:t>
+              </a:r>
+              <a:r>
+                <a:rPr kumimoji="1" lang="en-US" altLang="zh-CN" sz="1200" dirty="0">
+                  <a:latin typeface="等线" panose="02010600030101010101" pitchFamily="2" charset="-122"/>
+                  <a:ea typeface="等线" panose="02010600030101010101" pitchFamily="2" charset="-122"/>
+                </a:rPr>
+                <a:t>${</a:t>
+              </a:r>
+              <a:r>
+                <a:rPr kumimoji="1" lang="en-US" altLang="zh-CN" sz="1200" dirty="0" err="1">
+                  <a:latin typeface="等线" panose="02010600030101010101" pitchFamily="2" charset="-122"/>
+                  <a:ea typeface="等线" panose="02010600030101010101" pitchFamily="2" charset="-122"/>
+                </a:rPr>
+                <a:t>startTime</a:t>
+              </a:r>
+              <a:r>
+                <a:rPr kumimoji="1" lang="en-US" altLang="zh-CN" sz="1200" dirty="0">
+                  <a:latin typeface="等线" panose="02010600030101010101" pitchFamily="2" charset="-122"/>
+                  <a:ea typeface="等线" panose="02010600030101010101" pitchFamily="2" charset="-122"/>
+                </a:rPr>
+                <a:t>}</a:t>
+              </a:r>
+            </a:p>
+            <a:p>
+              <a:r>
+                <a:rPr kumimoji="1" lang="en-US" altLang="zh-CN" sz="1200" b="1" dirty="0">
+                  <a:latin typeface="等线" panose="02010600030101010101" pitchFamily="2" charset="-122"/>
+                  <a:ea typeface="等线" panose="02010600030101010101" pitchFamily="2" charset="-122"/>
+                </a:rPr>
+                <a:t>edge2</a:t>
+              </a:r>
+              <a:r>
+                <a:rPr kumimoji="1" lang="en-US" altLang="zh-CN" sz="1200" dirty="0">
+                  <a:latin typeface="等线" panose="02010600030101010101" pitchFamily="2" charset="-122"/>
+                  <a:ea typeface="等线" panose="02010600030101010101" pitchFamily="2" charset="-122"/>
+                </a:rPr>
+                <a:t>.timestamp</a:t>
+              </a:r>
+              <a:r>
+                <a:rPr kumimoji="1" lang="zh-CN" altLang="en-US" sz="1200" dirty="0">
+                  <a:latin typeface="等线" panose="02010600030101010101" pitchFamily="2" charset="-122"/>
+                  <a:ea typeface="等线" panose="02010600030101010101" pitchFamily="2" charset="-122"/>
+                </a:rPr>
+                <a:t> </a:t>
+              </a:r>
+              <a:r>
+                <a:rPr kumimoji="1" lang="en-US" altLang="zh-CN" sz="1200" dirty="0">
+                  <a:latin typeface="等线" panose="02010600030101010101" pitchFamily="2" charset="-122"/>
+                  <a:ea typeface="等线" panose="02010600030101010101" pitchFamily="2" charset="-122"/>
+                </a:rPr>
+                <a:t>&lt;</a:t>
+              </a:r>
+              <a:r>
+                <a:rPr kumimoji="1" lang="zh-CN" altLang="en-US" sz="1200" dirty="0">
+                  <a:latin typeface="等线" panose="02010600030101010101" pitchFamily="2" charset="-122"/>
+                  <a:ea typeface="等线" panose="02010600030101010101" pitchFamily="2" charset="-122"/>
+                </a:rPr>
+                <a:t> </a:t>
+              </a:r>
+              <a:r>
+                <a:rPr kumimoji="1" lang="en-US" altLang="zh-CN" sz="1200" dirty="0">
+                  <a:latin typeface="等线" panose="02010600030101010101" pitchFamily="2" charset="-122"/>
+                  <a:ea typeface="等线" panose="02010600030101010101" pitchFamily="2" charset="-122"/>
+                </a:rPr>
+                <a:t>${</a:t>
+              </a:r>
+              <a:r>
+                <a:rPr kumimoji="1" lang="en-US" altLang="zh-CN" sz="1200" dirty="0" err="1">
+                  <a:latin typeface="等线" panose="02010600030101010101" pitchFamily="2" charset="-122"/>
+                  <a:ea typeface="等线" panose="02010600030101010101" pitchFamily="2" charset="-122"/>
+                </a:rPr>
+                <a:t>endTime</a:t>
+              </a:r>
+              <a:r>
+                <a:rPr kumimoji="1" lang="en-US" altLang="zh-CN" sz="1200" dirty="0">
+                  <a:latin typeface="等线" panose="02010600030101010101" pitchFamily="2" charset="-122"/>
+                  <a:ea typeface="等线" panose="02010600030101010101" pitchFamily="2" charset="-122"/>
+                </a:rPr>
+                <a:t>}</a:t>
+              </a:r>
+            </a:p>
+            <a:p>
+              <a:endParaRPr kumimoji="1" lang="en-US" altLang="zh-CN" sz="1200" dirty="0">
+                <a:latin typeface="等线" panose="02010600030101010101" pitchFamily="2" charset="-122"/>
+                <a:ea typeface="等线" panose="02010600030101010101" pitchFamily="2" charset="-122"/>
+              </a:endParaRPr>
+            </a:p>
+            <a:p>
+              <a:endParaRPr kumimoji="1" lang="en-US" altLang="zh-CN" sz="1200" b="1" dirty="0">
+                <a:latin typeface="等线" panose="02010600030101010101" pitchFamily="2" charset="-122"/>
+                <a:ea typeface="等线" panose="02010600030101010101" pitchFamily="2" charset="-122"/>
+              </a:endParaRPr>
+            </a:p>
+            <a:p>
+              <a:r>
+                <a:rPr kumimoji="1" lang="en-US" altLang="zh-CN" sz="1200" b="1" dirty="0">
+                  <a:latin typeface="等线" panose="02010600030101010101" pitchFamily="2" charset="-122"/>
+                  <a:ea typeface="等线" panose="02010600030101010101" pitchFamily="2" charset="-122"/>
+                </a:rPr>
+                <a:t>edge3:</a:t>
+              </a:r>
+              <a:r>
+                <a:rPr kumimoji="1" lang="zh-CN" altLang="en-US" sz="1200" b="1" dirty="0">
+                  <a:latin typeface="等线" panose="02010600030101010101" pitchFamily="2" charset="-122"/>
+                  <a:ea typeface="等线" panose="02010600030101010101" pitchFamily="2" charset="-122"/>
+                </a:rPr>
+                <a:t> </a:t>
+              </a:r>
+              <a:r>
+                <a:rPr kumimoji="1" lang="en-US" altLang="zh-CN" sz="1200" dirty="0">
+                  <a:latin typeface="等线" panose="02010600030101010101" pitchFamily="2" charset="-122"/>
+                  <a:ea typeface="等线" panose="02010600030101010101" pitchFamily="2" charset="-122"/>
+                </a:rPr>
+                <a:t>transfer</a:t>
+              </a:r>
+            </a:p>
+            <a:p>
+              <a:r>
+                <a:rPr kumimoji="1" lang="en-US" altLang="zh-CN" sz="1200" b="1" dirty="0">
+                  <a:latin typeface="等线" panose="02010600030101010101" pitchFamily="2" charset="-122"/>
+                  <a:ea typeface="等线" panose="02010600030101010101" pitchFamily="2" charset="-122"/>
+                </a:rPr>
+                <a:t>edge3</a:t>
+              </a:r>
+              <a:r>
+                <a:rPr kumimoji="1" lang="en-US" altLang="zh-CN" sz="1200" dirty="0">
+                  <a:latin typeface="等线" panose="02010600030101010101" pitchFamily="2" charset="-122"/>
+                  <a:ea typeface="等线" panose="02010600030101010101" pitchFamily="2" charset="-122"/>
+                </a:rPr>
+                <a:t>.amount</a:t>
+              </a:r>
+              <a:r>
+                <a:rPr kumimoji="1" lang="zh-CN" altLang="en-US" sz="1200" dirty="0">
+                  <a:latin typeface="等线" panose="02010600030101010101" pitchFamily="2" charset="-122"/>
+                  <a:ea typeface="等线" panose="02010600030101010101" pitchFamily="2" charset="-122"/>
+                </a:rPr>
+                <a:t> </a:t>
+              </a:r>
+              <a:r>
+                <a:rPr kumimoji="1" lang="en-US" altLang="zh-CN" sz="1200" dirty="0">
+                  <a:latin typeface="等线" panose="02010600030101010101" pitchFamily="2" charset="-122"/>
+                  <a:ea typeface="等线" panose="02010600030101010101" pitchFamily="2" charset="-122"/>
+                </a:rPr>
+                <a:t>&gt;</a:t>
+              </a:r>
+              <a:r>
+                <a:rPr kumimoji="1" lang="zh-CN" altLang="en-US" sz="1200" dirty="0">
+                  <a:latin typeface="等线" panose="02010600030101010101" pitchFamily="2" charset="-122"/>
+                  <a:ea typeface="等线" panose="02010600030101010101" pitchFamily="2" charset="-122"/>
+                </a:rPr>
+                <a:t> </a:t>
+              </a:r>
+              <a:r>
+                <a:rPr kumimoji="1" lang="en-US" altLang="zh-CN" sz="1200" dirty="0">
+                  <a:latin typeface="等线" panose="02010600030101010101" pitchFamily="2" charset="-122"/>
+                  <a:ea typeface="等线" panose="02010600030101010101" pitchFamily="2" charset="-122"/>
+                </a:rPr>
+                <a:t>${threshold}</a:t>
+              </a:r>
+            </a:p>
+            <a:p>
+              <a:r>
+                <a:rPr kumimoji="1" lang="en-US" altLang="zh-CN" sz="1200" b="1" dirty="0">
+                  <a:latin typeface="等线" panose="02010600030101010101" pitchFamily="2" charset="-122"/>
+                  <a:ea typeface="等线" panose="02010600030101010101" pitchFamily="2" charset="-122"/>
+                </a:rPr>
+                <a:t>edge3</a:t>
+              </a:r>
+              <a:r>
+                <a:rPr kumimoji="1" lang="en-US" altLang="zh-CN" sz="1200" dirty="0">
+                  <a:latin typeface="等线" panose="02010600030101010101" pitchFamily="2" charset="-122"/>
+                  <a:ea typeface="等线" panose="02010600030101010101" pitchFamily="2" charset="-122"/>
+                </a:rPr>
+                <a:t>.timestamp</a:t>
+              </a:r>
+              <a:r>
+                <a:rPr kumimoji="1" lang="zh-CN" altLang="en-US" sz="1200" dirty="0">
+                  <a:latin typeface="等线" panose="02010600030101010101" pitchFamily="2" charset="-122"/>
+                  <a:ea typeface="等线" panose="02010600030101010101" pitchFamily="2" charset="-122"/>
+                </a:rPr>
+                <a:t> </a:t>
+              </a:r>
+              <a:r>
+                <a:rPr kumimoji="1" lang="en-US" altLang="zh-CN" sz="1200" dirty="0">
+                  <a:latin typeface="等线" panose="02010600030101010101" pitchFamily="2" charset="-122"/>
+                  <a:ea typeface="等线" panose="02010600030101010101" pitchFamily="2" charset="-122"/>
+                </a:rPr>
+                <a:t>&gt;</a:t>
+              </a:r>
+              <a:r>
+                <a:rPr kumimoji="1" lang="zh-CN" altLang="en-US" sz="1200" dirty="0">
+                  <a:latin typeface="等线" panose="02010600030101010101" pitchFamily="2" charset="-122"/>
+                  <a:ea typeface="等线" panose="02010600030101010101" pitchFamily="2" charset="-122"/>
+                </a:rPr>
+                <a:t> </a:t>
+              </a:r>
+              <a:r>
+                <a:rPr kumimoji="1" lang="en-US" altLang="zh-CN" sz="1200" dirty="0">
+                  <a:latin typeface="等线" panose="02010600030101010101" pitchFamily="2" charset="-122"/>
+                  <a:ea typeface="等线" panose="02010600030101010101" pitchFamily="2" charset="-122"/>
+                </a:rPr>
+                <a:t>${</a:t>
+              </a:r>
+              <a:r>
+                <a:rPr kumimoji="1" lang="en-US" altLang="zh-CN" sz="1200" dirty="0" err="1">
+                  <a:latin typeface="等线" panose="02010600030101010101" pitchFamily="2" charset="-122"/>
+                  <a:ea typeface="等线" panose="02010600030101010101" pitchFamily="2" charset="-122"/>
+                </a:rPr>
+                <a:t>startTime</a:t>
+              </a:r>
+              <a:r>
+                <a:rPr kumimoji="1" lang="en-US" altLang="zh-CN" sz="1200" dirty="0">
+                  <a:latin typeface="等线" panose="02010600030101010101" pitchFamily="2" charset="-122"/>
+                  <a:ea typeface="等线" panose="02010600030101010101" pitchFamily="2" charset="-122"/>
+                </a:rPr>
+                <a:t>}</a:t>
+              </a:r>
+            </a:p>
+            <a:p>
+              <a:r>
+                <a:rPr kumimoji="1" lang="en-US" altLang="zh-CN" sz="1200" b="1" dirty="0">
+                  <a:latin typeface="等线" panose="02010600030101010101" pitchFamily="2" charset="-122"/>
+                  <a:ea typeface="等线" panose="02010600030101010101" pitchFamily="2" charset="-122"/>
+                </a:rPr>
+                <a:t>edge3</a:t>
+              </a:r>
+              <a:r>
+                <a:rPr kumimoji="1" lang="en-US" altLang="zh-CN" sz="1200" dirty="0">
+                  <a:latin typeface="等线" panose="02010600030101010101" pitchFamily="2" charset="-122"/>
+                  <a:ea typeface="等线" panose="02010600030101010101" pitchFamily="2" charset="-122"/>
+                </a:rPr>
+                <a:t>.timestamp</a:t>
+              </a:r>
+              <a:r>
+                <a:rPr kumimoji="1" lang="zh-CN" altLang="en-US" sz="1200" dirty="0">
+                  <a:latin typeface="等线" panose="02010600030101010101" pitchFamily="2" charset="-122"/>
+                  <a:ea typeface="等线" panose="02010600030101010101" pitchFamily="2" charset="-122"/>
+                </a:rPr>
+                <a:t> </a:t>
+              </a:r>
+              <a:r>
+                <a:rPr kumimoji="1" lang="en-US" altLang="zh-CN" sz="1200" dirty="0">
+                  <a:latin typeface="等线" panose="02010600030101010101" pitchFamily="2" charset="-122"/>
+                  <a:ea typeface="等线" panose="02010600030101010101" pitchFamily="2" charset="-122"/>
+                </a:rPr>
+                <a:t>&lt;</a:t>
+              </a:r>
+              <a:r>
+                <a:rPr kumimoji="1" lang="zh-CN" altLang="en-US" sz="1200" dirty="0">
+                  <a:latin typeface="等线" panose="02010600030101010101" pitchFamily="2" charset="-122"/>
+                  <a:ea typeface="等线" panose="02010600030101010101" pitchFamily="2" charset="-122"/>
+                </a:rPr>
+                <a:t> </a:t>
+              </a:r>
+              <a:r>
+                <a:rPr kumimoji="1" lang="en-US" altLang="zh-CN" sz="1200" dirty="0">
+                  <a:latin typeface="等线" panose="02010600030101010101" pitchFamily="2" charset="-122"/>
+                  <a:ea typeface="等线" panose="02010600030101010101" pitchFamily="2" charset="-122"/>
+                </a:rPr>
+                <a:t>${</a:t>
+              </a:r>
+              <a:r>
+                <a:rPr kumimoji="1" lang="en-US" altLang="zh-CN" sz="1200" dirty="0" err="1">
+                  <a:latin typeface="等线" panose="02010600030101010101" pitchFamily="2" charset="-122"/>
+                  <a:ea typeface="等线" panose="02010600030101010101" pitchFamily="2" charset="-122"/>
+                </a:rPr>
+                <a:t>endTime</a:t>
+              </a:r>
+              <a:r>
+                <a:rPr kumimoji="1" lang="en-US" altLang="zh-CN" sz="1200" dirty="0">
+                  <a:latin typeface="等线" panose="02010600030101010101" pitchFamily="2" charset="-122"/>
+                  <a:ea typeface="等线" panose="02010600030101010101" pitchFamily="2" charset="-122"/>
+                </a:rPr>
+                <a:t>}</a:t>
+              </a:r>
+            </a:p>
+            <a:p>
+              <a:endParaRPr kumimoji="1" lang="en-US" altLang="zh-CN" sz="1200" dirty="0">
+                <a:latin typeface="等线" panose="02010600030101010101" pitchFamily="2" charset="-122"/>
+                <a:ea typeface="等线" panose="02010600030101010101" pitchFamily="2" charset="-122"/>
+              </a:endParaRPr>
+            </a:p>
+            <a:p>
+              <a:r>
+                <a:rPr kumimoji="1" lang="en-US" altLang="zh-CN" sz="1200" b="1" dirty="0">
+                  <a:latin typeface="等线" panose="02010600030101010101" pitchFamily="2" charset="-122"/>
+                  <a:ea typeface="等线" panose="02010600030101010101" pitchFamily="2" charset="-122"/>
+                </a:rPr>
+                <a:t>edge4:</a:t>
+              </a:r>
+              <a:r>
+                <a:rPr kumimoji="1" lang="zh-CN" altLang="en-US" sz="1200" b="1" dirty="0">
+                  <a:latin typeface="等线" panose="02010600030101010101" pitchFamily="2" charset="-122"/>
+                  <a:ea typeface="等线" panose="02010600030101010101" pitchFamily="2" charset="-122"/>
+                </a:rPr>
+                <a:t> </a:t>
+              </a:r>
+              <a:r>
+                <a:rPr kumimoji="1" lang="en-US" altLang="zh-CN" sz="1200" dirty="0">
+                  <a:latin typeface="等线" panose="02010600030101010101" pitchFamily="2" charset="-122"/>
+                  <a:ea typeface="等线" panose="02010600030101010101" pitchFamily="2" charset="-122"/>
+                </a:rPr>
+                <a:t>transfer</a:t>
+              </a:r>
+            </a:p>
+            <a:p>
+              <a:r>
+                <a:rPr kumimoji="1" lang="en-US" altLang="zh-CN" sz="1200" b="1" dirty="0">
+                  <a:latin typeface="等线" panose="02010600030101010101" pitchFamily="2" charset="-122"/>
+                  <a:ea typeface="等线" panose="02010600030101010101" pitchFamily="2" charset="-122"/>
+                </a:rPr>
+                <a:t>edge4</a:t>
+              </a:r>
+              <a:r>
+                <a:rPr kumimoji="1" lang="en-US" altLang="zh-CN" sz="1200" dirty="0">
+                  <a:latin typeface="等线" panose="02010600030101010101" pitchFamily="2" charset="-122"/>
+                  <a:ea typeface="等线" panose="02010600030101010101" pitchFamily="2" charset="-122"/>
+                </a:rPr>
+                <a:t>.amount</a:t>
+              </a:r>
+              <a:r>
+                <a:rPr kumimoji="1" lang="zh-CN" altLang="en-US" sz="1200" dirty="0">
+                  <a:latin typeface="等线" panose="02010600030101010101" pitchFamily="2" charset="-122"/>
+                  <a:ea typeface="等线" panose="02010600030101010101" pitchFamily="2" charset="-122"/>
+                </a:rPr>
+                <a:t> </a:t>
+              </a:r>
+              <a:r>
+                <a:rPr kumimoji="1" lang="en-US" altLang="zh-CN" sz="1200" dirty="0">
+                  <a:latin typeface="等线" panose="02010600030101010101" pitchFamily="2" charset="-122"/>
+                  <a:ea typeface="等线" panose="02010600030101010101" pitchFamily="2" charset="-122"/>
+                </a:rPr>
+                <a:t>&gt;</a:t>
+              </a:r>
+              <a:r>
+                <a:rPr kumimoji="1" lang="zh-CN" altLang="en-US" sz="1200" dirty="0">
+                  <a:latin typeface="等线" panose="02010600030101010101" pitchFamily="2" charset="-122"/>
+                  <a:ea typeface="等线" panose="02010600030101010101" pitchFamily="2" charset="-122"/>
+                </a:rPr>
+                <a:t> </a:t>
+              </a:r>
+              <a:r>
+                <a:rPr kumimoji="1" lang="en-US" altLang="zh-CN" sz="1200" dirty="0">
+                  <a:latin typeface="等线" panose="02010600030101010101" pitchFamily="2" charset="-122"/>
+                  <a:ea typeface="等线" panose="02010600030101010101" pitchFamily="2" charset="-122"/>
+                </a:rPr>
+                <a:t>${threshold}</a:t>
+              </a:r>
+            </a:p>
+            <a:p>
+              <a:r>
+                <a:rPr kumimoji="1" lang="en-US" altLang="zh-CN" sz="1200" b="1" dirty="0">
+                  <a:latin typeface="等线" panose="02010600030101010101" pitchFamily="2" charset="-122"/>
+                  <a:ea typeface="等线" panose="02010600030101010101" pitchFamily="2" charset="-122"/>
+                </a:rPr>
+                <a:t>edge4</a:t>
+              </a:r>
+              <a:r>
+                <a:rPr kumimoji="1" lang="en-US" altLang="zh-CN" sz="1200" dirty="0">
+                  <a:latin typeface="等线" panose="02010600030101010101" pitchFamily="2" charset="-122"/>
+                  <a:ea typeface="等线" panose="02010600030101010101" pitchFamily="2" charset="-122"/>
+                </a:rPr>
+                <a:t>.timestamp</a:t>
+              </a:r>
+              <a:r>
+                <a:rPr kumimoji="1" lang="zh-CN" altLang="en-US" sz="1200" dirty="0">
+                  <a:latin typeface="等线" panose="02010600030101010101" pitchFamily="2" charset="-122"/>
+                  <a:ea typeface="等线" panose="02010600030101010101" pitchFamily="2" charset="-122"/>
+                </a:rPr>
+                <a:t> </a:t>
+              </a:r>
+              <a:r>
+                <a:rPr kumimoji="1" lang="en-US" altLang="zh-CN" sz="1200" dirty="0">
+                  <a:latin typeface="等线" panose="02010600030101010101" pitchFamily="2" charset="-122"/>
+                  <a:ea typeface="等线" panose="02010600030101010101" pitchFamily="2" charset="-122"/>
+                </a:rPr>
+                <a:t>&gt;</a:t>
+              </a:r>
+              <a:r>
+                <a:rPr kumimoji="1" lang="zh-CN" altLang="en-US" sz="1200" dirty="0">
+                  <a:latin typeface="等线" panose="02010600030101010101" pitchFamily="2" charset="-122"/>
+                  <a:ea typeface="等线" panose="02010600030101010101" pitchFamily="2" charset="-122"/>
+                </a:rPr>
+                <a:t> </a:t>
+              </a:r>
+              <a:r>
+                <a:rPr kumimoji="1" lang="en-US" altLang="zh-CN" sz="1200" dirty="0">
+                  <a:latin typeface="等线" panose="02010600030101010101" pitchFamily="2" charset="-122"/>
+                  <a:ea typeface="等线" panose="02010600030101010101" pitchFamily="2" charset="-122"/>
+                </a:rPr>
+                <a:t>${</a:t>
+              </a:r>
+              <a:r>
+                <a:rPr kumimoji="1" lang="en-US" altLang="zh-CN" sz="1200" dirty="0" err="1">
+                  <a:latin typeface="等线" panose="02010600030101010101" pitchFamily="2" charset="-122"/>
+                  <a:ea typeface="等线" panose="02010600030101010101" pitchFamily="2" charset="-122"/>
+                </a:rPr>
+                <a:t>startTime</a:t>
+              </a:r>
+              <a:r>
+                <a:rPr kumimoji="1" lang="en-US" altLang="zh-CN" sz="1200" dirty="0">
+                  <a:latin typeface="等线" panose="02010600030101010101" pitchFamily="2" charset="-122"/>
+                  <a:ea typeface="等线" panose="02010600030101010101" pitchFamily="2" charset="-122"/>
+                </a:rPr>
+                <a:t>}</a:t>
+              </a:r>
+            </a:p>
+            <a:p>
+              <a:r>
+                <a:rPr kumimoji="1" lang="en-US" altLang="zh-CN" sz="1200" b="1" dirty="0">
+                  <a:latin typeface="等线" panose="02010600030101010101" pitchFamily="2" charset="-122"/>
+                  <a:ea typeface="等线" panose="02010600030101010101" pitchFamily="2" charset="-122"/>
+                </a:rPr>
+                <a:t>edge4</a:t>
+              </a:r>
+              <a:r>
+                <a:rPr kumimoji="1" lang="en-US" altLang="zh-CN" sz="1200" dirty="0">
+                  <a:latin typeface="等线" panose="02010600030101010101" pitchFamily="2" charset="-122"/>
+                  <a:ea typeface="等线" panose="02010600030101010101" pitchFamily="2" charset="-122"/>
+                </a:rPr>
+                <a:t>.timestamp</a:t>
+              </a:r>
+              <a:r>
+                <a:rPr kumimoji="1" lang="zh-CN" altLang="en-US" sz="1200" dirty="0">
+                  <a:latin typeface="等线" panose="02010600030101010101" pitchFamily="2" charset="-122"/>
+                  <a:ea typeface="等线" panose="02010600030101010101" pitchFamily="2" charset="-122"/>
+                </a:rPr>
+                <a:t> </a:t>
+              </a:r>
+              <a:r>
+                <a:rPr kumimoji="1" lang="en-US" altLang="zh-CN" sz="1200" dirty="0">
+                  <a:latin typeface="等线" panose="02010600030101010101" pitchFamily="2" charset="-122"/>
+                  <a:ea typeface="等线" panose="02010600030101010101" pitchFamily="2" charset="-122"/>
+                </a:rPr>
+                <a:t>&lt;</a:t>
+              </a:r>
+              <a:r>
+                <a:rPr kumimoji="1" lang="zh-CN" altLang="en-US" sz="1200" dirty="0">
+                  <a:latin typeface="等线" panose="02010600030101010101" pitchFamily="2" charset="-122"/>
+                  <a:ea typeface="等线" panose="02010600030101010101" pitchFamily="2" charset="-122"/>
+                </a:rPr>
+                <a:t> </a:t>
+              </a:r>
+              <a:r>
+                <a:rPr kumimoji="1" lang="en-US" altLang="zh-CN" sz="1200" dirty="0">
+                  <a:latin typeface="等线" panose="02010600030101010101" pitchFamily="2" charset="-122"/>
+                  <a:ea typeface="等线" panose="02010600030101010101" pitchFamily="2" charset="-122"/>
+                </a:rPr>
+                <a:t>${</a:t>
+              </a:r>
+              <a:r>
+                <a:rPr kumimoji="1" lang="en-US" altLang="zh-CN" sz="1200" dirty="0" err="1">
+                  <a:latin typeface="等线" panose="02010600030101010101" pitchFamily="2" charset="-122"/>
+                  <a:ea typeface="等线" panose="02010600030101010101" pitchFamily="2" charset="-122"/>
+                </a:rPr>
+                <a:t>endTime</a:t>
+              </a:r>
+              <a:r>
+                <a:rPr kumimoji="1" lang="en-US" altLang="zh-CN" sz="1200" dirty="0">
+                  <a:latin typeface="等线" panose="02010600030101010101" pitchFamily="2" charset="-122"/>
+                  <a:ea typeface="等线" panose="02010600030101010101" pitchFamily="2" charset="-122"/>
+                </a:rPr>
+                <a:t>}</a:t>
+              </a:r>
+            </a:p>
+          </p:txBody>
+        </p:sp>
+        <p:grpSp>
+          <p:nvGrpSpPr>
+            <p:cNvPr id="17" name="Group 16"/>
+            <p:cNvGrpSpPr/>
+            <p:nvPr/>
+          </p:nvGrpSpPr>
+          <p:grpSpPr>
+            <a:xfrm>
+              <a:off x="6779942" y="2876433"/>
+              <a:ext cx="1303067" cy="688048"/>
+              <a:chOff x="5724872" y="3310184"/>
+              <a:chExt cx="1303067" cy="688048"/>
+            </a:xfrm>
+          </p:grpSpPr>
+          <p:sp>
+            <p:nvSpPr>
+              <p:cNvPr id="25" name="矩形 9"/>
+              <p:cNvSpPr/>
+              <p:nvPr/>
+            </p:nvSpPr>
+            <p:spPr>
+              <a:xfrm>
+                <a:off x="5727700" y="3310184"/>
+                <a:ext cx="1300238" cy="351257"/>
+              </a:xfrm>
+              <a:prstGeom prst="rect">
+                <a:avLst/>
+              </a:prstGeom>
+              <a:solidFill>
+                <a:schemeClr val="accent5">
+                  <a:lumMod val="60000"/>
+                  <a:lumOff val="40000"/>
+                </a:schemeClr>
+              </a:solidFill>
+              <a:ln w="25400">
+                <a:solidFill>
+                  <a:schemeClr val="tx1"/>
+                </a:solidFill>
+              </a:ln>
+            </p:spPr>
+            <p:style>
+              <a:lnRef idx="2">
+                <a:schemeClr val="accent2">
+                  <a:shade val="50000"/>
+                </a:schemeClr>
+              </a:lnRef>
+              <a:fillRef idx="1">
+                <a:schemeClr val="accent2"/>
+              </a:fillRef>
+              <a:effectRef idx="0">
+                <a:schemeClr val="accent2"/>
+              </a:effectRef>
+              <a:fontRef idx="minor">
+                <a:schemeClr val="lt1"/>
+              </a:fontRef>
+            </p:style>
+            <p:txBody>
+              <a:bodyPr rtlCol="0" anchor="ctr"/>
+              <a:lstStyle/>
+              <a:p>
+                <a:pPr algn="ctr"/>
+                <a:r>
+                  <a:rPr kumimoji="1" lang="en-US" altLang="zh-CN" sz="1200" b="1" dirty="0">
+                    <a:solidFill>
+                      <a:sysClr val="windowText" lastClr="000000"/>
+                    </a:solidFill>
+                  </a:rPr>
+                  <a:t>mid</a:t>
+                </a:r>
+                <a:r>
+                  <a:rPr kumimoji="1" lang="zh-CN" altLang="en-US" sz="1200" dirty="0">
+                    <a:solidFill>
+                      <a:sysClr val="windowText" lastClr="000000"/>
+                    </a:solidFill>
+                  </a:rPr>
+                  <a:t> </a:t>
+                </a:r>
+                <a:r>
+                  <a:rPr kumimoji="1" lang="en-US" altLang="zh-CN" sz="1200" dirty="0">
+                    <a:solidFill>
+                      <a:sysClr val="windowText" lastClr="000000"/>
+                    </a:solidFill>
+                  </a:rPr>
+                  <a:t>:</a:t>
+                </a:r>
+                <a:r>
+                  <a:rPr kumimoji="1" lang="zh-CN" altLang="en-US" sz="1200" dirty="0">
+                    <a:solidFill>
+                      <a:sysClr val="windowText" lastClr="000000"/>
+                    </a:solidFill>
+                  </a:rPr>
+                  <a:t> </a:t>
+                </a:r>
+                <a:r>
+                  <a:rPr kumimoji="1" lang="en-US" altLang="zh-CN" sz="1200" dirty="0">
+                    <a:solidFill>
+                      <a:sysClr val="windowText" lastClr="000000"/>
+                    </a:solidFill>
+                  </a:rPr>
+                  <a:t>Account</a:t>
+                </a:r>
+                <a:endParaRPr kumimoji="1" lang="zh-CN" altLang="en-US" sz="1200" dirty="0">
+                  <a:solidFill>
+                    <a:sysClr val="windowText" lastClr="000000"/>
+                  </a:solidFill>
+                </a:endParaRPr>
+              </a:p>
+            </p:txBody>
+          </p:sp>
+          <p:sp>
+            <p:nvSpPr>
+              <p:cNvPr id="12" name="矩形 10"/>
+              <p:cNvSpPr/>
+              <p:nvPr/>
+            </p:nvSpPr>
+            <p:spPr>
+              <a:xfrm>
+                <a:off x="5724872" y="3665667"/>
+                <a:ext cx="1303067" cy="332565"/>
+              </a:xfrm>
+              <a:prstGeom prst="rect">
+                <a:avLst/>
+              </a:prstGeom>
+              <a:noFill/>
+              <a:ln w="25400">
+                <a:solidFill>
+                  <a:schemeClr val="tx1"/>
+                </a:solidFill>
+              </a:ln>
+            </p:spPr>
+            <p:style>
+              <a:lnRef idx="2">
+                <a:schemeClr val="accent2">
+                  <a:shade val="50000"/>
+                </a:schemeClr>
+              </a:lnRef>
+              <a:fillRef idx="1">
+                <a:schemeClr val="accent2"/>
+              </a:fillRef>
+              <a:effectRef idx="0">
+                <a:schemeClr val="accent2"/>
+              </a:effectRef>
+              <a:fontRef idx="minor">
+                <a:schemeClr val="lt1"/>
+              </a:fontRef>
+            </p:style>
+            <p:txBody>
+              <a:bodyPr rtlCol="0" anchor="ctr"/>
+              <a:lstStyle/>
+              <a:p>
+                <a:pPr algn="ctr"/>
+                <a:r>
+                  <a:rPr kumimoji="1" lang="en-US" altLang="zh-CN" sz="1200" b="1" dirty="0" err="1">
+                    <a:solidFill>
+                      <a:sysClr val="windowText" lastClr="000000"/>
+                    </a:solidFill>
+                  </a:rPr>
+                  <a:t>mid</a:t>
+                </a:r>
+                <a:r>
+                  <a:rPr kumimoji="1" lang="en-US" altLang="zh-CN" sz="1200" dirty="0" err="1">
+                    <a:solidFill>
+                      <a:sysClr val="windowText" lastClr="000000"/>
+                    </a:solidFill>
+                    <a:latin typeface="等线" panose="02010600030101010101" pitchFamily="2" charset="-122"/>
+                    <a:ea typeface="等线" panose="02010600030101010101" pitchFamily="2" charset="-122"/>
+                  </a:rPr>
+                  <a:t>.id</a:t>
+                </a:r>
+                <a:r>
+                  <a:rPr kumimoji="1" lang="zh-CN" altLang="en-US" sz="1200" dirty="0">
+                    <a:solidFill>
+                      <a:sysClr val="windowText" lastClr="000000"/>
+                    </a:solidFill>
+                    <a:latin typeface="等线" panose="02010600030101010101" pitchFamily="2" charset="-122"/>
+                    <a:ea typeface="等线" panose="02010600030101010101" pitchFamily="2" charset="-122"/>
+                  </a:rPr>
+                  <a:t> </a:t>
+                </a:r>
+                <a:r>
+                  <a:rPr kumimoji="1" lang="en-US" altLang="zh-CN" sz="1200" dirty="0">
+                    <a:solidFill>
+                      <a:sysClr val="windowText" lastClr="000000"/>
+                    </a:solidFill>
+                    <a:latin typeface="等线" panose="02010600030101010101" pitchFamily="2" charset="-122"/>
+                    <a:ea typeface="等线" panose="02010600030101010101" pitchFamily="2" charset="-122"/>
+                  </a:rPr>
+                  <a:t>=</a:t>
+                </a:r>
+                <a:r>
+                  <a:rPr kumimoji="1" lang="zh-CN" altLang="en-US" sz="1200" dirty="0">
+                    <a:solidFill>
+                      <a:sysClr val="windowText" lastClr="000000"/>
+                    </a:solidFill>
+                    <a:latin typeface="等线" panose="02010600030101010101" pitchFamily="2" charset="-122"/>
+                    <a:ea typeface="等线" panose="02010600030101010101" pitchFamily="2" charset="-122"/>
+                  </a:rPr>
+                  <a:t> </a:t>
+                </a:r>
+                <a:r>
+                  <a:rPr kumimoji="1" lang="en-US" altLang="zh-CN" sz="1200" dirty="0">
+                    <a:solidFill>
+                      <a:sysClr val="windowText" lastClr="000000"/>
+                    </a:solidFill>
+                    <a:latin typeface="等线" panose="02010600030101010101" pitchFamily="2" charset="-122"/>
+                    <a:ea typeface="等线" panose="02010600030101010101" pitchFamily="2" charset="-122"/>
+                  </a:rPr>
+                  <a:t>${id}</a:t>
+                </a:r>
+                <a:endParaRPr kumimoji="1" lang="zh-CN" altLang="en-US" sz="1200" dirty="0">
+                  <a:solidFill>
+                    <a:sysClr val="windowText" lastClr="000000"/>
+                  </a:solidFill>
+                  <a:latin typeface="等线" panose="02010600030101010101" pitchFamily="2" charset="-122"/>
+                  <a:ea typeface="等线" panose="02010600030101010101" pitchFamily="2" charset="-122"/>
+                </a:endParaRPr>
+              </a:p>
+            </p:txBody>
+          </p:sp>
+        </p:grpSp>
+        <p:sp>
+          <p:nvSpPr>
+            <p:cNvPr id="21" name="矩形 14"/>
+            <p:cNvSpPr/>
+            <p:nvPr/>
+          </p:nvSpPr>
+          <p:spPr>
+            <a:xfrm>
+              <a:off x="9338606" y="1257377"/>
+              <a:ext cx="1176993" cy="505147"/>
+            </a:xfrm>
+            <a:prstGeom prst="rect">
+              <a:avLst/>
+            </a:prstGeom>
+            <a:solidFill>
+              <a:schemeClr val="accent5">
+                <a:lumMod val="60000"/>
+                <a:lumOff val="40000"/>
+              </a:schemeClr>
+            </a:solidFill>
+            <a:ln w="25400">
+              <a:solidFill>
+                <a:schemeClr val="tx1"/>
+              </a:solidFill>
+            </a:ln>
+          </p:spPr>
+          <p:style>
+            <a:lnRef idx="2">
+              <a:schemeClr val="accent2">
+                <a:shade val="50000"/>
+              </a:schemeClr>
+            </a:lnRef>
+            <a:fillRef idx="1">
+              <a:schemeClr val="accent2"/>
+            </a:fillRef>
+            <a:effectRef idx="0">
+              <a:schemeClr val="accent2"/>
+            </a:effectRef>
+            <a:fontRef idx="minor">
+              <a:schemeClr val="lt1"/>
+            </a:fontRef>
+          </p:style>
+          <p:txBody>
+            <a:bodyPr rtlCol="0" anchor="ctr"/>
+            <a:lstStyle/>
+            <a:p>
+              <a:pPr algn="ctr"/>
+              <a:r>
+                <a:rPr kumimoji="1" lang="en-US" altLang="zh-CN" sz="1200" b="1" dirty="0">
+                  <a:solidFill>
+                    <a:sysClr val="windowText" lastClr="000000"/>
+                  </a:solidFill>
+                </a:rPr>
+                <a:t>up3</a:t>
+              </a:r>
+              <a:r>
+                <a:rPr kumimoji="1" lang="zh-CN" altLang="en-US" sz="1200" dirty="0">
+                  <a:solidFill>
+                    <a:sysClr val="windowText" lastClr="000000"/>
+                  </a:solidFill>
+                </a:rPr>
+                <a:t> </a:t>
+              </a:r>
+              <a:r>
+                <a:rPr kumimoji="1" lang="en-US" altLang="zh-CN" sz="1200" dirty="0">
+                  <a:solidFill>
+                    <a:sysClr val="windowText" lastClr="000000"/>
+                  </a:solidFill>
+                </a:rPr>
+                <a:t>:</a:t>
+              </a:r>
+              <a:r>
+                <a:rPr kumimoji="1" lang="zh-CN" altLang="en-US" sz="1200" dirty="0">
+                  <a:solidFill>
+                    <a:sysClr val="windowText" lastClr="000000"/>
+                  </a:solidFill>
+                </a:rPr>
+                <a:t> </a:t>
+              </a:r>
+              <a:r>
+                <a:rPr kumimoji="1" lang="en-US" altLang="zh-CN" sz="1200" dirty="0">
+                  <a:solidFill>
+                    <a:sysClr val="windowText" lastClr="000000"/>
+                  </a:solidFill>
+                </a:rPr>
+                <a:t>Account</a:t>
+              </a:r>
+              <a:endParaRPr kumimoji="1" lang="zh-CN" altLang="en-US" sz="1200" dirty="0">
+                <a:solidFill>
+                  <a:sysClr val="windowText" lastClr="000000"/>
+                </a:solidFill>
+              </a:endParaRPr>
+            </a:p>
+          </p:txBody>
+        </p:sp>
+        <p:sp>
+          <p:nvSpPr>
+            <p:cNvPr id="22" name="矩形 14"/>
+            <p:cNvSpPr/>
+            <p:nvPr/>
+          </p:nvSpPr>
+          <p:spPr>
+            <a:xfrm>
+              <a:off x="4087066" y="1257377"/>
+              <a:ext cx="1176993" cy="505147"/>
+            </a:xfrm>
+            <a:prstGeom prst="rect">
+              <a:avLst/>
+            </a:prstGeom>
+            <a:solidFill>
+              <a:schemeClr val="accent5">
+                <a:lumMod val="60000"/>
+                <a:lumOff val="40000"/>
+              </a:schemeClr>
+            </a:solidFill>
+            <a:ln w="25400">
+              <a:solidFill>
+                <a:schemeClr val="tx1"/>
+              </a:solidFill>
+            </a:ln>
+          </p:spPr>
+          <p:style>
+            <a:lnRef idx="2">
+              <a:schemeClr val="accent2">
+                <a:shade val="50000"/>
+              </a:schemeClr>
+            </a:lnRef>
+            <a:fillRef idx="1">
+              <a:schemeClr val="accent2"/>
+            </a:fillRef>
+            <a:effectRef idx="0">
+              <a:schemeClr val="accent2"/>
+            </a:effectRef>
+            <a:fontRef idx="minor">
+              <a:schemeClr val="lt1"/>
+            </a:fontRef>
+          </p:style>
+          <p:txBody>
+            <a:bodyPr rtlCol="0" anchor="ctr"/>
+            <a:lstStyle/>
+            <a:p>
+              <a:pPr algn="ctr"/>
+              <a:r>
+                <a:rPr kumimoji="1" lang="en-US" altLang="zh-CN" sz="1200" b="1" dirty="0">
+                  <a:solidFill>
+                    <a:sysClr val="windowText" lastClr="000000"/>
+                  </a:solidFill>
+                </a:rPr>
+                <a:t>up1</a:t>
+              </a:r>
+              <a:r>
+                <a:rPr kumimoji="1" lang="zh-CN" altLang="en-US" sz="1200" dirty="0">
+                  <a:solidFill>
+                    <a:sysClr val="windowText" lastClr="000000"/>
+                  </a:solidFill>
+                </a:rPr>
+                <a:t> </a:t>
+              </a:r>
+              <a:r>
+                <a:rPr kumimoji="1" lang="en-US" altLang="zh-CN" sz="1200" dirty="0">
+                  <a:solidFill>
+                    <a:sysClr val="windowText" lastClr="000000"/>
+                  </a:solidFill>
+                </a:rPr>
+                <a:t>:</a:t>
+              </a:r>
+              <a:r>
+                <a:rPr kumimoji="1" lang="zh-CN" altLang="en-US" sz="1200" dirty="0">
+                  <a:solidFill>
+                    <a:sysClr val="windowText" lastClr="000000"/>
+                  </a:solidFill>
+                </a:rPr>
+                <a:t> </a:t>
+              </a:r>
+              <a:r>
+                <a:rPr kumimoji="1" lang="en-US" altLang="zh-CN" sz="1200" dirty="0">
+                  <a:solidFill>
+                    <a:sysClr val="windowText" lastClr="000000"/>
+                  </a:solidFill>
+                </a:rPr>
+                <a:t>Account</a:t>
+              </a:r>
+              <a:endParaRPr kumimoji="1" lang="zh-CN" altLang="en-US" sz="1200" dirty="0">
+                <a:solidFill>
+                  <a:sysClr val="windowText" lastClr="000000"/>
+                </a:solidFill>
+              </a:endParaRPr>
+            </a:p>
+          </p:txBody>
+        </p:sp>
+        <p:cxnSp>
+          <p:nvCxnSpPr>
+            <p:cNvPr id="24" name="直线箭头连接符 11" descr="jytjh"/>
+            <p:cNvCxnSpPr>
+              <a:stCxn id="22" idx="2"/>
+              <a:endCxn id="25" idx="0"/>
+            </p:cNvCxnSpPr>
+            <p:nvPr/>
+          </p:nvCxnSpPr>
+          <p:spPr>
+            <a:xfrm>
+              <a:off x="4675563" y="1762524"/>
+              <a:ext cx="2757326" cy="1113909"/>
+            </a:xfrm>
+            <a:prstGeom prst="straightConnector1">
+              <a:avLst/>
+            </a:prstGeom>
+            <a:ln w="19050">
+              <a:solidFill>
+                <a:schemeClr val="tx1"/>
+              </a:solidFill>
+              <a:headEnd type="none" w="lg" len="med"/>
+              <a:tailEnd type="arrow" w="sm" len="lg"/>
+            </a:ln>
+          </p:spPr>
+          <p:style>
+            <a:lnRef idx="1">
+              <a:schemeClr val="accent1"/>
+            </a:lnRef>
+            <a:fillRef idx="0">
+              <a:schemeClr val="accent1"/>
+            </a:fillRef>
+            <a:effectRef idx="0">
+              <a:schemeClr val="accent1"/>
+            </a:effectRef>
+            <a:fontRef idx="minor">
+              <a:schemeClr val="tx1"/>
+            </a:fontRef>
+          </p:style>
+        </p:cxnSp>
+        <p:cxnSp>
+          <p:nvCxnSpPr>
+            <p:cNvPr id="29" name="直线箭头连接符 11" descr="jytjh"/>
+            <p:cNvCxnSpPr>
+              <a:stCxn id="21" idx="2"/>
+              <a:endCxn id="25" idx="0"/>
+            </p:cNvCxnSpPr>
+            <p:nvPr/>
+          </p:nvCxnSpPr>
+          <p:spPr>
+            <a:xfrm flipH="1">
+              <a:off x="7432889" y="1762524"/>
+              <a:ext cx="2494214" cy="1113909"/>
+            </a:xfrm>
+            <a:prstGeom prst="straightConnector1">
+              <a:avLst/>
+            </a:prstGeom>
+            <a:ln w="19050">
+              <a:solidFill>
+                <a:schemeClr val="tx1"/>
+              </a:solidFill>
+              <a:headEnd type="none" w="lg" len="med"/>
+              <a:tailEnd type="arrow" w="sm" len="lg"/>
+            </a:ln>
+          </p:spPr>
+          <p:style>
+            <a:lnRef idx="1">
+              <a:schemeClr val="accent1"/>
+            </a:lnRef>
+            <a:fillRef idx="0">
+              <a:schemeClr val="accent1"/>
+            </a:fillRef>
+            <a:effectRef idx="0">
+              <a:schemeClr val="accent1"/>
+            </a:effectRef>
+            <a:fontRef idx="minor">
+              <a:schemeClr val="tx1"/>
+            </a:fontRef>
+          </p:style>
+        </p:cxnSp>
+        <p:sp>
+          <p:nvSpPr>
+            <p:cNvPr id="37" name="矩形 14"/>
+            <p:cNvSpPr/>
+            <p:nvPr/>
+          </p:nvSpPr>
+          <p:spPr>
+            <a:xfrm>
+              <a:off x="7616194" y="1257377"/>
+              <a:ext cx="1081249" cy="505147"/>
+            </a:xfrm>
+            <a:prstGeom prst="rect">
+              <a:avLst/>
+            </a:prstGeom>
+            <a:noFill/>
+            <a:ln w="25400">
+              <a:noFill/>
+            </a:ln>
+          </p:spPr>
+          <p:style>
+            <a:lnRef idx="2">
+              <a:schemeClr val="accent2">
+                <a:shade val="50000"/>
+              </a:schemeClr>
+            </a:lnRef>
+            <a:fillRef idx="1">
+              <a:schemeClr val="accent2"/>
+            </a:fillRef>
+            <a:effectRef idx="0">
+              <a:schemeClr val="accent2"/>
+            </a:effectRef>
+            <a:fontRef idx="minor">
+              <a:schemeClr val="lt1"/>
+            </a:fontRef>
+          </p:style>
+          <p:txBody>
+            <a:bodyPr rtlCol="0" anchor="ctr"/>
+            <a:lstStyle/>
+            <a:p>
+              <a:pPr algn="ctr"/>
+              <a:r>
+                <a:rPr kumimoji="1" lang="en-US" altLang="zh-CN" sz="1400" b="1" dirty="0">
+                  <a:solidFill>
+                    <a:sysClr val="windowText" lastClr="000000"/>
+                  </a:solidFill>
+                </a:rPr>
+                <a:t>…</a:t>
+              </a:r>
+              <a:endParaRPr kumimoji="1" lang="zh-CN" altLang="en-US" sz="1400" dirty="0">
+                <a:solidFill>
+                  <a:sysClr val="windowText" lastClr="000000"/>
+                </a:solidFill>
+              </a:endParaRPr>
+            </a:p>
+          </p:txBody>
+        </p:sp>
+        <p:cxnSp>
+          <p:nvCxnSpPr>
+            <p:cNvPr id="41" name="直线箭头连接符 11" descr="jytjh"/>
+            <p:cNvCxnSpPr>
+              <a:stCxn id="37" idx="2"/>
+              <a:endCxn id="25" idx="0"/>
+            </p:cNvCxnSpPr>
+            <p:nvPr/>
+          </p:nvCxnSpPr>
+          <p:spPr>
+            <a:xfrm flipH="1">
+              <a:off x="7432889" y="1762524"/>
+              <a:ext cx="723930" cy="1113909"/>
+            </a:xfrm>
+            <a:prstGeom prst="straightConnector1">
+              <a:avLst/>
+            </a:prstGeom>
+            <a:ln w="19050">
+              <a:solidFill>
+                <a:schemeClr val="tx1"/>
+              </a:solidFill>
+              <a:headEnd type="none" w="lg" len="med"/>
+              <a:tailEnd type="arrow" w="sm" len="lg"/>
+            </a:ln>
+          </p:spPr>
+          <p:style>
+            <a:lnRef idx="1">
+              <a:schemeClr val="accent1"/>
+            </a:lnRef>
+            <a:fillRef idx="0">
+              <a:schemeClr val="accent1"/>
+            </a:fillRef>
+            <a:effectRef idx="0">
+              <a:schemeClr val="accent1"/>
+            </a:effectRef>
+            <a:fontRef idx="minor">
+              <a:schemeClr val="tx1"/>
+            </a:fontRef>
+          </p:style>
+        </p:cxnSp>
+        <p:sp>
+          <p:nvSpPr>
+            <p:cNvPr id="52" name="矩形 14"/>
+            <p:cNvSpPr/>
+            <p:nvPr/>
+          </p:nvSpPr>
+          <p:spPr>
+            <a:xfrm>
+              <a:off x="4095168" y="4609374"/>
+              <a:ext cx="1381173" cy="505147"/>
+            </a:xfrm>
+            <a:prstGeom prst="rect">
+              <a:avLst/>
+            </a:prstGeom>
+            <a:solidFill>
+              <a:schemeClr val="accent5">
+                <a:lumMod val="60000"/>
+                <a:lumOff val="40000"/>
+              </a:schemeClr>
+            </a:solidFill>
+            <a:ln w="25400">
+              <a:solidFill>
+                <a:schemeClr val="tx1"/>
+              </a:solidFill>
+            </a:ln>
+          </p:spPr>
+          <p:style>
+            <a:lnRef idx="2">
+              <a:schemeClr val="accent2">
+                <a:shade val="50000"/>
+              </a:schemeClr>
+            </a:lnRef>
+            <a:fillRef idx="1">
+              <a:schemeClr val="accent2"/>
+            </a:fillRef>
+            <a:effectRef idx="0">
+              <a:schemeClr val="accent2"/>
+            </a:effectRef>
+            <a:fontRef idx="minor">
+              <a:schemeClr val="lt1"/>
+            </a:fontRef>
+          </p:style>
+          <p:txBody>
+            <a:bodyPr rtlCol="0" anchor="ctr"/>
+            <a:lstStyle/>
+            <a:p>
+              <a:pPr algn="ctr"/>
+              <a:r>
+                <a:rPr kumimoji="1" lang="en-US" altLang="zh-CN" sz="1200" b="1" dirty="0">
+                  <a:solidFill>
+                    <a:sysClr val="windowText" lastClr="000000"/>
+                  </a:solidFill>
+                </a:rPr>
+                <a:t>down1</a:t>
+              </a:r>
+              <a:r>
+                <a:rPr kumimoji="1" lang="zh-CN" altLang="en-US" sz="1200" dirty="0">
+                  <a:solidFill>
+                    <a:sysClr val="windowText" lastClr="000000"/>
+                  </a:solidFill>
+                </a:rPr>
+                <a:t> </a:t>
+              </a:r>
+              <a:r>
+                <a:rPr kumimoji="1" lang="en-US" altLang="zh-CN" sz="1200" dirty="0">
+                  <a:solidFill>
+                    <a:sysClr val="windowText" lastClr="000000"/>
+                  </a:solidFill>
+                </a:rPr>
+                <a:t>:</a:t>
+              </a:r>
+              <a:r>
+                <a:rPr kumimoji="1" lang="zh-CN" altLang="en-US" sz="1200" dirty="0">
+                  <a:solidFill>
+                    <a:sysClr val="windowText" lastClr="000000"/>
+                  </a:solidFill>
+                </a:rPr>
+                <a:t> </a:t>
+              </a:r>
+              <a:r>
+                <a:rPr kumimoji="1" lang="en-US" altLang="zh-CN" sz="1200" dirty="0">
+                  <a:solidFill>
+                    <a:sysClr val="windowText" lastClr="000000"/>
+                  </a:solidFill>
+                </a:rPr>
+                <a:t>Account</a:t>
+              </a:r>
+              <a:endParaRPr kumimoji="1" lang="zh-CN" altLang="en-US" sz="1200" dirty="0">
+                <a:solidFill>
+                  <a:sysClr val="windowText" lastClr="000000"/>
+                </a:solidFill>
+              </a:endParaRPr>
+            </a:p>
+          </p:txBody>
+        </p:sp>
+        <p:sp>
+          <p:nvSpPr>
+            <p:cNvPr id="53" name="矩形 14"/>
+            <p:cNvSpPr/>
+            <p:nvPr/>
+          </p:nvSpPr>
+          <p:spPr>
+            <a:xfrm>
+              <a:off x="9151034" y="4605726"/>
+              <a:ext cx="1381173" cy="505147"/>
+            </a:xfrm>
+            <a:prstGeom prst="rect">
+              <a:avLst/>
+            </a:prstGeom>
+            <a:solidFill>
+              <a:schemeClr val="accent5">
+                <a:lumMod val="60000"/>
+                <a:lumOff val="40000"/>
+              </a:schemeClr>
+            </a:solidFill>
+            <a:ln w="25400">
+              <a:solidFill>
+                <a:schemeClr val="tx1"/>
+              </a:solidFill>
+            </a:ln>
+          </p:spPr>
+          <p:style>
+            <a:lnRef idx="2">
+              <a:schemeClr val="accent2">
+                <a:shade val="50000"/>
+              </a:schemeClr>
+            </a:lnRef>
+            <a:fillRef idx="1">
+              <a:schemeClr val="accent2"/>
+            </a:fillRef>
+            <a:effectRef idx="0">
+              <a:schemeClr val="accent2"/>
+            </a:effectRef>
+            <a:fontRef idx="minor">
+              <a:schemeClr val="lt1"/>
+            </a:fontRef>
+          </p:style>
+          <p:txBody>
+            <a:bodyPr rtlCol="0" anchor="ctr"/>
+            <a:lstStyle/>
+            <a:p>
+              <a:pPr algn="ctr"/>
+              <a:r>
+                <a:rPr kumimoji="1" lang="en-US" altLang="zh-CN" sz="1200" b="1" dirty="0">
+                  <a:solidFill>
+                    <a:sysClr val="windowText" lastClr="000000"/>
+                  </a:solidFill>
+                </a:rPr>
+                <a:t>down3</a:t>
+              </a:r>
+              <a:r>
+                <a:rPr kumimoji="1" lang="zh-CN" altLang="en-US" sz="1200" dirty="0">
+                  <a:solidFill>
+                    <a:sysClr val="windowText" lastClr="000000"/>
+                  </a:solidFill>
+                </a:rPr>
+                <a:t> </a:t>
+              </a:r>
+              <a:r>
+                <a:rPr kumimoji="1" lang="en-US" altLang="zh-CN" sz="1200" dirty="0">
+                  <a:solidFill>
+                    <a:sysClr val="windowText" lastClr="000000"/>
+                  </a:solidFill>
+                </a:rPr>
+                <a:t>:</a:t>
+              </a:r>
+              <a:r>
+                <a:rPr kumimoji="1" lang="zh-CN" altLang="en-US" sz="1200" dirty="0">
+                  <a:solidFill>
+                    <a:sysClr val="windowText" lastClr="000000"/>
+                  </a:solidFill>
+                </a:rPr>
+                <a:t> </a:t>
+              </a:r>
+              <a:r>
+                <a:rPr kumimoji="1" lang="en-US" altLang="zh-CN" sz="1200" dirty="0">
+                  <a:solidFill>
+                    <a:sysClr val="windowText" lastClr="000000"/>
+                  </a:solidFill>
+                </a:rPr>
+                <a:t>Account</a:t>
+              </a:r>
+              <a:endParaRPr kumimoji="1" lang="zh-CN" altLang="en-US" sz="1200" dirty="0">
+                <a:solidFill>
+                  <a:sysClr val="windowText" lastClr="000000"/>
+                </a:solidFill>
+              </a:endParaRPr>
+            </a:p>
+          </p:txBody>
+        </p:sp>
+        <p:sp>
+          <p:nvSpPr>
+            <p:cNvPr id="55" name="矩形 14"/>
+            <p:cNvSpPr/>
+            <p:nvPr/>
+          </p:nvSpPr>
+          <p:spPr>
+            <a:xfrm>
+              <a:off x="7491148" y="4605725"/>
+              <a:ext cx="1268820" cy="505147"/>
+            </a:xfrm>
+            <a:prstGeom prst="rect">
+              <a:avLst/>
+            </a:prstGeom>
+            <a:noFill/>
+            <a:ln w="25400">
+              <a:noFill/>
+            </a:ln>
+          </p:spPr>
+          <p:style>
+            <a:lnRef idx="2">
+              <a:schemeClr val="accent2">
+                <a:shade val="50000"/>
+              </a:schemeClr>
+            </a:lnRef>
+            <a:fillRef idx="1">
+              <a:schemeClr val="accent2"/>
+            </a:fillRef>
+            <a:effectRef idx="0">
+              <a:schemeClr val="accent2"/>
+            </a:effectRef>
+            <a:fontRef idx="minor">
+              <a:schemeClr val="lt1"/>
+            </a:fontRef>
+          </p:style>
+          <p:txBody>
+            <a:bodyPr rtlCol="0" anchor="ctr"/>
+            <a:lstStyle/>
+            <a:p>
+              <a:pPr algn="ctr"/>
+              <a:r>
+                <a:rPr kumimoji="1" lang="en-US" altLang="zh-CN" sz="1600" b="1" dirty="0">
+                  <a:solidFill>
+                    <a:sysClr val="windowText" lastClr="000000"/>
+                  </a:solidFill>
+                </a:rPr>
+                <a:t>…</a:t>
+              </a:r>
+              <a:endParaRPr kumimoji="1" lang="zh-CN" altLang="en-US" sz="1600" dirty="0">
+                <a:solidFill>
+                  <a:sysClr val="windowText" lastClr="000000"/>
+                </a:solidFill>
+              </a:endParaRPr>
+            </a:p>
+          </p:txBody>
+        </p:sp>
+        <p:cxnSp>
+          <p:nvCxnSpPr>
+            <p:cNvPr id="57" name="直线箭头连接符 11" descr="jytjh"/>
+            <p:cNvCxnSpPr>
+              <a:stCxn id="12" idx="2"/>
+              <a:endCxn id="52" idx="0"/>
+            </p:cNvCxnSpPr>
+            <p:nvPr/>
+          </p:nvCxnSpPr>
+          <p:spPr>
+            <a:xfrm flipH="1">
+              <a:off x="4785755" y="3564481"/>
+              <a:ext cx="2645721" cy="1044893"/>
+            </a:xfrm>
+            <a:prstGeom prst="straightConnector1">
+              <a:avLst/>
+            </a:prstGeom>
+            <a:ln w="19050">
+              <a:solidFill>
+                <a:schemeClr val="tx1"/>
+              </a:solidFill>
+              <a:headEnd type="none" w="lg" len="med"/>
+              <a:tailEnd type="arrow" w="sm" len="lg"/>
+            </a:ln>
+          </p:spPr>
+          <p:style>
+            <a:lnRef idx="1">
+              <a:schemeClr val="accent1"/>
+            </a:lnRef>
+            <a:fillRef idx="0">
+              <a:schemeClr val="accent1"/>
+            </a:fillRef>
+            <a:effectRef idx="0">
+              <a:schemeClr val="accent1"/>
+            </a:effectRef>
+            <a:fontRef idx="minor">
+              <a:schemeClr val="tx1"/>
+            </a:fontRef>
+          </p:style>
+        </p:cxnSp>
+        <p:cxnSp>
+          <p:nvCxnSpPr>
+            <p:cNvPr id="61" name="直线箭头连接符 11" descr="jytjh"/>
+            <p:cNvCxnSpPr>
+              <a:stCxn id="12" idx="2"/>
+              <a:endCxn id="55" idx="0"/>
+            </p:cNvCxnSpPr>
+            <p:nvPr/>
+          </p:nvCxnSpPr>
+          <p:spPr>
+            <a:xfrm>
+              <a:off x="7431476" y="3564481"/>
+              <a:ext cx="694082" cy="1041244"/>
+            </a:xfrm>
+            <a:prstGeom prst="straightConnector1">
+              <a:avLst/>
+            </a:prstGeom>
+            <a:ln w="19050">
+              <a:solidFill>
+                <a:schemeClr val="tx1"/>
+              </a:solidFill>
+              <a:headEnd type="none" w="lg" len="med"/>
+              <a:tailEnd type="arrow" w="sm" len="lg"/>
+            </a:ln>
+          </p:spPr>
+          <p:style>
+            <a:lnRef idx="1">
+              <a:schemeClr val="accent1"/>
+            </a:lnRef>
+            <a:fillRef idx="0">
+              <a:schemeClr val="accent1"/>
+            </a:fillRef>
+            <a:effectRef idx="0">
+              <a:schemeClr val="accent1"/>
+            </a:effectRef>
+            <a:fontRef idx="minor">
+              <a:schemeClr val="tx1"/>
+            </a:fontRef>
+          </p:style>
+        </p:cxnSp>
+        <p:cxnSp>
+          <p:nvCxnSpPr>
+            <p:cNvPr id="64" name="直线箭头连接符 11" descr="jytjh"/>
+            <p:cNvCxnSpPr>
+              <a:stCxn id="12" idx="2"/>
+              <a:endCxn id="53" idx="0"/>
+            </p:cNvCxnSpPr>
+            <p:nvPr/>
+          </p:nvCxnSpPr>
+          <p:spPr>
+            <a:xfrm>
+              <a:off x="7431476" y="3564481"/>
+              <a:ext cx="2410145" cy="1041245"/>
+            </a:xfrm>
+            <a:prstGeom prst="straightConnector1">
+              <a:avLst/>
+            </a:prstGeom>
+            <a:ln w="19050">
+              <a:solidFill>
+                <a:schemeClr val="tx1"/>
+              </a:solidFill>
+              <a:headEnd type="none" w="lg" len="med"/>
+              <a:tailEnd type="arrow" w="sm" len="lg"/>
+            </a:ln>
+          </p:spPr>
+          <p:style>
+            <a:lnRef idx="1">
+              <a:schemeClr val="accent1"/>
+            </a:lnRef>
+            <a:fillRef idx="0">
+              <a:schemeClr val="accent1"/>
+            </a:fillRef>
+            <a:effectRef idx="0">
+              <a:schemeClr val="accent1"/>
+            </a:effectRef>
+            <a:fontRef idx="minor">
+              <a:schemeClr val="tx1"/>
+            </a:fontRef>
+          </p:style>
+        </p:cxnSp>
       </p:grpSp>
-      <p:sp>
-        <p:nvSpPr>
-          <p:cNvPr id="21" name="矩形 14"/>
-          <p:cNvSpPr/>
-          <p:nvPr/>
-        </p:nvSpPr>
-        <p:spPr>
-          <a:xfrm>
-            <a:off x="9338606" y="1257377"/>
-            <a:ext cx="1176993" cy="505147"/>
-          </a:xfrm>
-          <a:prstGeom prst="rect">
-            <a:avLst/>
-          </a:prstGeom>
-          <a:solidFill>
-            <a:schemeClr val="accent5">
-              <a:lumMod val="60000"/>
-              <a:lumOff val="40000"/>
-            </a:schemeClr>
-          </a:solidFill>
-          <a:ln w="25400">
-            <a:solidFill>
-              <a:schemeClr val="tx1"/>
-            </a:solidFill>
-          </a:ln>
-        </p:spPr>
-        <p:style>
-          <a:lnRef idx="2">
-            <a:schemeClr val="accent2">
-              <a:shade val="50000"/>
-            </a:schemeClr>
-          </a:lnRef>
-          <a:fillRef idx="1">
-            <a:schemeClr val="accent2"/>
-          </a:fillRef>
-          <a:effectRef idx="0">
-            <a:schemeClr val="accent2"/>
-          </a:effectRef>
-          <a:fontRef idx="minor">
-            <a:schemeClr val="lt1"/>
-          </a:fontRef>
-        </p:style>
-        <p:txBody>
-          <a:bodyPr rtlCol="0" anchor="ctr"/>
-          <a:lstStyle/>
-          <a:p>
-            <a:pPr algn="ctr"/>
-            <a:r>
-              <a:rPr kumimoji="1" lang="en-US" altLang="zh-CN" sz="1200" b="1" dirty="0">
-                <a:solidFill>
-                  <a:sysClr val="windowText" lastClr="000000"/>
-                </a:solidFill>
-              </a:rPr>
-              <a:t>up3</a:t>
-            </a:r>
-            <a:r>
-              <a:rPr kumimoji="1" lang="zh-CN" altLang="en-US" sz="1200" dirty="0">
-                <a:solidFill>
-                  <a:sysClr val="windowText" lastClr="000000"/>
-                </a:solidFill>
-              </a:rPr>
-              <a:t> </a:t>
-            </a:r>
-            <a:r>
-              <a:rPr kumimoji="1" lang="en-US" altLang="zh-CN" sz="1200" dirty="0">
-                <a:solidFill>
-                  <a:sysClr val="windowText" lastClr="000000"/>
-                </a:solidFill>
-              </a:rPr>
-              <a:t>:</a:t>
-            </a:r>
-            <a:r>
-              <a:rPr kumimoji="1" lang="zh-CN" altLang="en-US" sz="1200" dirty="0">
-                <a:solidFill>
-                  <a:sysClr val="windowText" lastClr="000000"/>
-                </a:solidFill>
-              </a:rPr>
-              <a:t> </a:t>
-            </a:r>
-            <a:r>
-              <a:rPr kumimoji="1" lang="en-US" altLang="zh-CN" sz="1200" dirty="0">
-                <a:solidFill>
-                  <a:sysClr val="windowText" lastClr="000000"/>
-                </a:solidFill>
-              </a:rPr>
-              <a:t>Account</a:t>
-            </a:r>
-            <a:endParaRPr kumimoji="1" lang="zh-CN" altLang="en-US" sz="1200" dirty="0">
-              <a:solidFill>
-                <a:sysClr val="windowText" lastClr="000000"/>
-              </a:solidFill>
-            </a:endParaRPr>
-          </a:p>
-        </p:txBody>
-      </p:sp>
-      <p:sp>
-        <p:nvSpPr>
-          <p:cNvPr id="22" name="矩形 14"/>
-          <p:cNvSpPr/>
-          <p:nvPr/>
-        </p:nvSpPr>
-        <p:spPr>
-          <a:xfrm>
-            <a:off x="4087066" y="1257377"/>
-            <a:ext cx="1176993" cy="505147"/>
-          </a:xfrm>
-          <a:prstGeom prst="rect">
-            <a:avLst/>
-          </a:prstGeom>
-          <a:solidFill>
-            <a:schemeClr val="accent5">
-              <a:lumMod val="60000"/>
-              <a:lumOff val="40000"/>
-            </a:schemeClr>
-          </a:solidFill>
-          <a:ln w="25400">
-            <a:solidFill>
-              <a:schemeClr val="tx1"/>
-            </a:solidFill>
-          </a:ln>
-        </p:spPr>
-        <p:style>
-          <a:lnRef idx="2">
-            <a:schemeClr val="accent2">
-              <a:shade val="50000"/>
-            </a:schemeClr>
-          </a:lnRef>
-          <a:fillRef idx="1">
-            <a:schemeClr val="accent2"/>
-          </a:fillRef>
-          <a:effectRef idx="0">
-            <a:schemeClr val="accent2"/>
-          </a:effectRef>
-          <a:fontRef idx="minor">
-            <a:schemeClr val="lt1"/>
-          </a:fontRef>
-        </p:style>
-        <p:txBody>
-          <a:bodyPr rtlCol="0" anchor="ctr"/>
-          <a:lstStyle/>
-          <a:p>
-            <a:pPr algn="ctr"/>
-            <a:r>
-              <a:rPr kumimoji="1" lang="en-US" altLang="zh-CN" sz="1200" b="1" dirty="0">
-                <a:solidFill>
-                  <a:sysClr val="windowText" lastClr="000000"/>
-                </a:solidFill>
-              </a:rPr>
-              <a:t>up1</a:t>
-            </a:r>
-            <a:r>
-              <a:rPr kumimoji="1" lang="zh-CN" altLang="en-US" sz="1200" dirty="0">
-                <a:solidFill>
-                  <a:sysClr val="windowText" lastClr="000000"/>
-                </a:solidFill>
-              </a:rPr>
-              <a:t> </a:t>
-            </a:r>
-            <a:r>
-              <a:rPr kumimoji="1" lang="en-US" altLang="zh-CN" sz="1200" dirty="0">
-                <a:solidFill>
-                  <a:sysClr val="windowText" lastClr="000000"/>
-                </a:solidFill>
-              </a:rPr>
-              <a:t>:</a:t>
-            </a:r>
-            <a:r>
-              <a:rPr kumimoji="1" lang="zh-CN" altLang="en-US" sz="1200" dirty="0">
-                <a:solidFill>
-                  <a:sysClr val="windowText" lastClr="000000"/>
-                </a:solidFill>
-              </a:rPr>
-              <a:t> </a:t>
-            </a:r>
-            <a:r>
-              <a:rPr kumimoji="1" lang="en-US" altLang="zh-CN" sz="1200" dirty="0">
-                <a:solidFill>
-                  <a:sysClr val="windowText" lastClr="000000"/>
-                </a:solidFill>
-              </a:rPr>
-              <a:t>Account</a:t>
-            </a:r>
-            <a:endParaRPr kumimoji="1" lang="zh-CN" altLang="en-US" sz="1200" dirty="0">
-              <a:solidFill>
-                <a:sysClr val="windowText" lastClr="000000"/>
-              </a:solidFill>
-            </a:endParaRPr>
-          </a:p>
-        </p:txBody>
-      </p:sp>
-      <p:cxnSp>
-        <p:nvCxnSpPr>
-          <p:cNvPr id="24" name="直线箭头连接符 11" descr="jytjh"/>
-          <p:cNvCxnSpPr>
-            <a:stCxn id="22" idx="2"/>
-            <a:endCxn id="25" idx="0"/>
-          </p:cNvCxnSpPr>
-          <p:nvPr/>
-        </p:nvCxnSpPr>
-        <p:spPr>
-          <a:xfrm>
-            <a:off x="4675563" y="1762524"/>
-            <a:ext cx="2757326" cy="1113909"/>
-          </a:xfrm>
-          <a:prstGeom prst="straightConnector1">
-            <a:avLst/>
-          </a:prstGeom>
-          <a:ln w="19050">
-            <a:solidFill>
-              <a:schemeClr val="tx1"/>
-            </a:solidFill>
-            <a:headEnd type="none" w="lg" len="med"/>
-            <a:tailEnd type="arrow" w="sm" len="lg"/>
-          </a:ln>
-        </p:spPr>
-        <p:style>
-          <a:lnRef idx="1">
-            <a:schemeClr val="accent1"/>
-          </a:lnRef>
-          <a:fillRef idx="0">
-            <a:schemeClr val="accent1"/>
-          </a:fillRef>
-          <a:effectRef idx="0">
-            <a:schemeClr val="accent1"/>
-          </a:effectRef>
-          <a:fontRef idx="minor">
-            <a:schemeClr val="tx1"/>
-          </a:fontRef>
-        </p:style>
-      </p:cxnSp>
-      <p:cxnSp>
-        <p:nvCxnSpPr>
-          <p:cNvPr id="29" name="直线箭头连接符 11" descr="jytjh"/>
-          <p:cNvCxnSpPr>
-            <a:stCxn id="21" idx="2"/>
-            <a:endCxn id="25" idx="0"/>
-          </p:cNvCxnSpPr>
-          <p:nvPr/>
-        </p:nvCxnSpPr>
-        <p:spPr>
-          <a:xfrm flipH="1">
-            <a:off x="7432889" y="1762524"/>
-            <a:ext cx="2494214" cy="1113909"/>
-          </a:xfrm>
-          <a:prstGeom prst="straightConnector1">
-            <a:avLst/>
-          </a:prstGeom>
-          <a:ln w="19050">
-            <a:solidFill>
-              <a:schemeClr val="tx1"/>
-            </a:solidFill>
-            <a:headEnd type="none" w="lg" len="med"/>
-            <a:tailEnd type="arrow" w="sm" len="lg"/>
-          </a:ln>
-        </p:spPr>
-        <p:style>
-          <a:lnRef idx="1">
-            <a:schemeClr val="accent1"/>
-          </a:lnRef>
-          <a:fillRef idx="0">
-            <a:schemeClr val="accent1"/>
-          </a:fillRef>
-          <a:effectRef idx="0">
-            <a:schemeClr val="accent1"/>
-          </a:effectRef>
-          <a:fontRef idx="minor">
-            <a:schemeClr val="tx1"/>
-          </a:fontRef>
-        </p:style>
-      </p:cxnSp>
-      <p:sp>
-        <p:nvSpPr>
-          <p:cNvPr id="37" name="矩形 14"/>
-          <p:cNvSpPr/>
-          <p:nvPr/>
-        </p:nvSpPr>
-        <p:spPr>
-          <a:xfrm>
-            <a:off x="7616194" y="1257377"/>
-            <a:ext cx="1081249" cy="505147"/>
-          </a:xfrm>
-          <a:prstGeom prst="rect">
-            <a:avLst/>
-          </a:prstGeom>
-          <a:noFill/>
-          <a:ln w="25400">
-            <a:noFill/>
-          </a:ln>
-        </p:spPr>
-        <p:style>
-          <a:lnRef idx="2">
-            <a:schemeClr val="accent2">
-              <a:shade val="50000"/>
-            </a:schemeClr>
-          </a:lnRef>
-          <a:fillRef idx="1">
-            <a:schemeClr val="accent2"/>
-          </a:fillRef>
-          <a:effectRef idx="0">
-            <a:schemeClr val="accent2"/>
-          </a:effectRef>
-          <a:fontRef idx="minor">
-            <a:schemeClr val="lt1"/>
-          </a:fontRef>
-        </p:style>
-        <p:txBody>
-          <a:bodyPr rtlCol="0" anchor="ctr"/>
-          <a:lstStyle/>
-          <a:p>
-            <a:pPr algn="ctr"/>
-            <a:r>
-              <a:rPr kumimoji="1" lang="en-US" altLang="zh-CN" sz="1400" b="1" dirty="0">
-                <a:solidFill>
-                  <a:sysClr val="windowText" lastClr="000000"/>
-                </a:solidFill>
-              </a:rPr>
-              <a:t>…</a:t>
-            </a:r>
-            <a:endParaRPr kumimoji="1" lang="zh-CN" altLang="en-US" sz="1400" dirty="0">
-              <a:solidFill>
-                <a:sysClr val="windowText" lastClr="000000"/>
-              </a:solidFill>
-            </a:endParaRPr>
-          </a:p>
-        </p:txBody>
-      </p:sp>
-      <p:cxnSp>
-        <p:nvCxnSpPr>
-          <p:cNvPr id="41" name="直线箭头连接符 11" descr="jytjh"/>
-          <p:cNvCxnSpPr>
-            <a:stCxn id="37" idx="2"/>
-            <a:endCxn id="25" idx="0"/>
-          </p:cNvCxnSpPr>
-          <p:nvPr/>
-        </p:nvCxnSpPr>
-        <p:spPr>
-          <a:xfrm flipH="1">
-            <a:off x="7432889" y="1762524"/>
-            <a:ext cx="723930" cy="1113909"/>
-          </a:xfrm>
-          <a:prstGeom prst="straightConnector1">
-            <a:avLst/>
-          </a:prstGeom>
-          <a:ln w="19050">
-            <a:solidFill>
-              <a:schemeClr val="tx1"/>
-            </a:solidFill>
-            <a:headEnd type="none" w="lg" len="med"/>
-            <a:tailEnd type="arrow" w="sm" len="lg"/>
-          </a:ln>
-        </p:spPr>
-        <p:style>
-          <a:lnRef idx="1">
-            <a:schemeClr val="accent1"/>
-          </a:lnRef>
-          <a:fillRef idx="0">
-            <a:schemeClr val="accent1"/>
-          </a:fillRef>
-          <a:effectRef idx="0">
-            <a:schemeClr val="accent1"/>
-          </a:effectRef>
-          <a:fontRef idx="minor">
-            <a:schemeClr val="tx1"/>
-          </a:fontRef>
-        </p:style>
-      </p:cxnSp>
-      <p:sp>
-        <p:nvSpPr>
-          <p:cNvPr id="52" name="矩形 14"/>
-          <p:cNvSpPr/>
-          <p:nvPr/>
-        </p:nvSpPr>
-        <p:spPr>
-          <a:xfrm>
-            <a:off x="4095168" y="4609374"/>
-            <a:ext cx="1381173" cy="505147"/>
-          </a:xfrm>
-          <a:prstGeom prst="rect">
-            <a:avLst/>
-          </a:prstGeom>
-          <a:solidFill>
-            <a:schemeClr val="accent5">
-              <a:lumMod val="60000"/>
-              <a:lumOff val="40000"/>
-            </a:schemeClr>
-          </a:solidFill>
-          <a:ln w="25400">
-            <a:solidFill>
-              <a:schemeClr val="tx1"/>
-            </a:solidFill>
-          </a:ln>
-        </p:spPr>
-        <p:style>
-          <a:lnRef idx="2">
-            <a:schemeClr val="accent2">
-              <a:shade val="50000"/>
-            </a:schemeClr>
-          </a:lnRef>
-          <a:fillRef idx="1">
-            <a:schemeClr val="accent2"/>
-          </a:fillRef>
-          <a:effectRef idx="0">
-            <a:schemeClr val="accent2"/>
-          </a:effectRef>
-          <a:fontRef idx="minor">
-            <a:schemeClr val="lt1"/>
-          </a:fontRef>
-        </p:style>
-        <p:txBody>
-          <a:bodyPr rtlCol="0" anchor="ctr"/>
-          <a:lstStyle/>
-          <a:p>
-            <a:pPr algn="ctr"/>
-            <a:r>
-              <a:rPr kumimoji="1" lang="en-US" altLang="zh-CN" sz="1200" b="1" dirty="0">
-                <a:solidFill>
-                  <a:sysClr val="windowText" lastClr="000000"/>
-                </a:solidFill>
-              </a:rPr>
-              <a:t>down1</a:t>
-            </a:r>
-            <a:r>
-              <a:rPr kumimoji="1" lang="zh-CN" altLang="en-US" sz="1200" dirty="0">
-                <a:solidFill>
-                  <a:sysClr val="windowText" lastClr="000000"/>
-                </a:solidFill>
-              </a:rPr>
-              <a:t> </a:t>
-            </a:r>
-            <a:r>
-              <a:rPr kumimoji="1" lang="en-US" altLang="zh-CN" sz="1200" dirty="0">
-                <a:solidFill>
-                  <a:sysClr val="windowText" lastClr="000000"/>
-                </a:solidFill>
-              </a:rPr>
-              <a:t>:</a:t>
-            </a:r>
-            <a:r>
-              <a:rPr kumimoji="1" lang="zh-CN" altLang="en-US" sz="1200" dirty="0">
-                <a:solidFill>
-                  <a:sysClr val="windowText" lastClr="000000"/>
-                </a:solidFill>
-              </a:rPr>
-              <a:t> </a:t>
-            </a:r>
-            <a:r>
-              <a:rPr kumimoji="1" lang="en-US" altLang="zh-CN" sz="1200" dirty="0">
-                <a:solidFill>
-                  <a:sysClr val="windowText" lastClr="000000"/>
-                </a:solidFill>
-              </a:rPr>
-              <a:t>Account</a:t>
-            </a:r>
-            <a:endParaRPr kumimoji="1" lang="zh-CN" altLang="en-US" sz="1200" dirty="0">
-              <a:solidFill>
-                <a:sysClr val="windowText" lastClr="000000"/>
-              </a:solidFill>
-            </a:endParaRPr>
-          </a:p>
-        </p:txBody>
-      </p:sp>
-      <p:sp>
-        <p:nvSpPr>
-          <p:cNvPr id="53" name="矩形 14"/>
-          <p:cNvSpPr/>
-          <p:nvPr/>
-        </p:nvSpPr>
-        <p:spPr>
-          <a:xfrm>
-            <a:off x="9151034" y="4605726"/>
-            <a:ext cx="1381173" cy="505147"/>
-          </a:xfrm>
-          <a:prstGeom prst="rect">
-            <a:avLst/>
-          </a:prstGeom>
-          <a:solidFill>
-            <a:schemeClr val="accent5">
-              <a:lumMod val="60000"/>
-              <a:lumOff val="40000"/>
-            </a:schemeClr>
-          </a:solidFill>
-          <a:ln w="25400">
-            <a:solidFill>
-              <a:schemeClr val="tx1"/>
-            </a:solidFill>
-          </a:ln>
-        </p:spPr>
-        <p:style>
-          <a:lnRef idx="2">
-            <a:schemeClr val="accent2">
-              <a:shade val="50000"/>
-            </a:schemeClr>
-          </a:lnRef>
-          <a:fillRef idx="1">
-            <a:schemeClr val="accent2"/>
-          </a:fillRef>
-          <a:effectRef idx="0">
-            <a:schemeClr val="accent2"/>
-          </a:effectRef>
-          <a:fontRef idx="minor">
-            <a:schemeClr val="lt1"/>
-          </a:fontRef>
-        </p:style>
-        <p:txBody>
-          <a:bodyPr rtlCol="0" anchor="ctr"/>
-          <a:lstStyle/>
-          <a:p>
-            <a:pPr algn="ctr"/>
-            <a:r>
-              <a:rPr kumimoji="1" lang="en-US" altLang="zh-CN" sz="1200" b="1" dirty="0">
-                <a:solidFill>
-                  <a:sysClr val="windowText" lastClr="000000"/>
-                </a:solidFill>
-              </a:rPr>
-              <a:t>down3</a:t>
-            </a:r>
-            <a:r>
-              <a:rPr kumimoji="1" lang="zh-CN" altLang="en-US" sz="1200" dirty="0">
-                <a:solidFill>
-                  <a:sysClr val="windowText" lastClr="000000"/>
-                </a:solidFill>
-              </a:rPr>
-              <a:t> </a:t>
-            </a:r>
-            <a:r>
-              <a:rPr kumimoji="1" lang="en-US" altLang="zh-CN" sz="1200" dirty="0">
-                <a:solidFill>
-                  <a:sysClr val="windowText" lastClr="000000"/>
-                </a:solidFill>
-              </a:rPr>
-              <a:t>:</a:t>
-            </a:r>
-            <a:r>
-              <a:rPr kumimoji="1" lang="zh-CN" altLang="en-US" sz="1200" dirty="0">
-                <a:solidFill>
-                  <a:sysClr val="windowText" lastClr="000000"/>
-                </a:solidFill>
-              </a:rPr>
-              <a:t> </a:t>
-            </a:r>
-            <a:r>
-              <a:rPr kumimoji="1" lang="en-US" altLang="zh-CN" sz="1200" dirty="0">
-                <a:solidFill>
-                  <a:sysClr val="windowText" lastClr="000000"/>
-                </a:solidFill>
-              </a:rPr>
-              <a:t>Account</a:t>
-            </a:r>
-            <a:endParaRPr kumimoji="1" lang="zh-CN" altLang="en-US" sz="1200" dirty="0">
-              <a:solidFill>
-                <a:sysClr val="windowText" lastClr="000000"/>
-              </a:solidFill>
-            </a:endParaRPr>
-          </a:p>
-        </p:txBody>
-      </p:sp>
-      <p:sp>
-        <p:nvSpPr>
-          <p:cNvPr id="55" name="矩形 14"/>
-          <p:cNvSpPr/>
-          <p:nvPr/>
-        </p:nvSpPr>
-        <p:spPr>
-          <a:xfrm>
-            <a:off x="7491148" y="4605725"/>
-            <a:ext cx="1268820" cy="505147"/>
-          </a:xfrm>
-          <a:prstGeom prst="rect">
-            <a:avLst/>
-          </a:prstGeom>
-          <a:noFill/>
-          <a:ln w="25400">
-            <a:noFill/>
-          </a:ln>
-        </p:spPr>
-        <p:style>
-          <a:lnRef idx="2">
-            <a:schemeClr val="accent2">
-              <a:shade val="50000"/>
-            </a:schemeClr>
-          </a:lnRef>
-          <a:fillRef idx="1">
-            <a:schemeClr val="accent2"/>
-          </a:fillRef>
-          <a:effectRef idx="0">
-            <a:schemeClr val="accent2"/>
-          </a:effectRef>
-          <a:fontRef idx="minor">
-            <a:schemeClr val="lt1"/>
-          </a:fontRef>
-        </p:style>
-        <p:txBody>
-          <a:bodyPr rtlCol="0" anchor="ctr"/>
-          <a:lstStyle/>
-          <a:p>
-            <a:pPr algn="ctr"/>
-            <a:r>
-              <a:rPr kumimoji="1" lang="en-US" altLang="zh-CN" sz="1600" b="1" dirty="0">
-                <a:solidFill>
-                  <a:sysClr val="windowText" lastClr="000000"/>
-                </a:solidFill>
-              </a:rPr>
-              <a:t>…</a:t>
-            </a:r>
-            <a:endParaRPr kumimoji="1" lang="zh-CN" altLang="en-US" sz="1600" dirty="0">
-              <a:solidFill>
-                <a:sysClr val="windowText" lastClr="000000"/>
-              </a:solidFill>
-            </a:endParaRPr>
-          </a:p>
-        </p:txBody>
-      </p:sp>
-      <p:cxnSp>
-        <p:nvCxnSpPr>
-          <p:cNvPr id="57" name="直线箭头连接符 11" descr="jytjh"/>
-          <p:cNvCxnSpPr>
-            <a:stCxn id="12" idx="2"/>
-            <a:endCxn id="52" idx="0"/>
-          </p:cNvCxnSpPr>
-          <p:nvPr/>
-        </p:nvCxnSpPr>
-        <p:spPr>
-          <a:xfrm flipH="1">
-            <a:off x="4785755" y="3564481"/>
-            <a:ext cx="2645721" cy="1044893"/>
-          </a:xfrm>
-          <a:prstGeom prst="straightConnector1">
-            <a:avLst/>
-          </a:prstGeom>
-          <a:ln w="19050">
-            <a:solidFill>
-              <a:schemeClr val="tx1"/>
-            </a:solidFill>
-            <a:headEnd type="none" w="lg" len="med"/>
-            <a:tailEnd type="arrow" w="sm" len="lg"/>
-          </a:ln>
-        </p:spPr>
-        <p:style>
-          <a:lnRef idx="1">
-            <a:schemeClr val="accent1"/>
-          </a:lnRef>
-          <a:fillRef idx="0">
-            <a:schemeClr val="accent1"/>
-          </a:fillRef>
-          <a:effectRef idx="0">
-            <a:schemeClr val="accent1"/>
-          </a:effectRef>
-          <a:fontRef idx="minor">
-            <a:schemeClr val="tx1"/>
-          </a:fontRef>
-        </p:style>
-      </p:cxnSp>
-      <p:cxnSp>
-        <p:nvCxnSpPr>
-          <p:cNvPr id="61" name="直线箭头连接符 11" descr="jytjh"/>
-          <p:cNvCxnSpPr>
-            <a:stCxn id="12" idx="2"/>
-            <a:endCxn id="55" idx="0"/>
-          </p:cNvCxnSpPr>
-          <p:nvPr/>
-        </p:nvCxnSpPr>
-        <p:spPr>
-          <a:xfrm>
-            <a:off x="7431476" y="3564481"/>
-            <a:ext cx="694082" cy="1041244"/>
-          </a:xfrm>
-          <a:prstGeom prst="straightConnector1">
-            <a:avLst/>
-          </a:prstGeom>
-          <a:ln w="19050">
-            <a:solidFill>
-              <a:schemeClr val="tx1"/>
-            </a:solidFill>
-            <a:headEnd type="none" w="lg" len="med"/>
-            <a:tailEnd type="arrow" w="sm" len="lg"/>
-          </a:ln>
-        </p:spPr>
-        <p:style>
-          <a:lnRef idx="1">
-            <a:schemeClr val="accent1"/>
-          </a:lnRef>
-          <a:fillRef idx="0">
-            <a:schemeClr val="accent1"/>
-          </a:fillRef>
-          <a:effectRef idx="0">
-            <a:schemeClr val="accent1"/>
-          </a:effectRef>
-          <a:fontRef idx="minor">
-            <a:schemeClr val="tx1"/>
-          </a:fontRef>
-        </p:style>
-      </p:cxnSp>
-      <p:cxnSp>
-        <p:nvCxnSpPr>
-          <p:cNvPr id="64" name="直线箭头连接符 11" descr="jytjh"/>
-          <p:cNvCxnSpPr>
-            <a:stCxn id="12" idx="2"/>
-            <a:endCxn id="53" idx="0"/>
-          </p:cNvCxnSpPr>
-          <p:nvPr/>
-        </p:nvCxnSpPr>
-        <p:spPr>
-          <a:xfrm>
-            <a:off x="7431476" y="3564481"/>
-            <a:ext cx="2410145" cy="1041245"/>
-          </a:xfrm>
-          <a:prstGeom prst="straightConnector1">
-            <a:avLst/>
-          </a:prstGeom>
-          <a:ln w="19050">
-            <a:solidFill>
-              <a:schemeClr val="tx1"/>
-            </a:solidFill>
-            <a:headEnd type="none" w="lg" len="med"/>
-            <a:tailEnd type="arrow" w="sm" len="lg"/>
-          </a:ln>
-        </p:spPr>
-        <p:style>
-          <a:lnRef idx="1">
-            <a:schemeClr val="accent1"/>
-          </a:lnRef>
-          <a:fillRef idx="0">
-            <a:schemeClr val="accent1"/>
-          </a:fillRef>
-          <a:effectRef idx="0">
-            <a:schemeClr val="accent1"/>
-          </a:effectRef>
-          <a:fontRef idx="minor">
-            <a:schemeClr val="tx1"/>
-          </a:fontRef>
-        </p:style>
-      </p:cxnSp>
     </p:spTree>
   </p:cSld>
   <p:clrMapOvr>
@@ -32896,7 +32258,7 @@
 </file>
 
 <file path=ppt/tags/tag1.xml><?xml version="1.0" encoding="utf-8"?>
-<p:tagLst xmlns:p="http://schemas.openxmlformats.org/presentationml/2006/main">
+<p:tagLst xmlns:a="http://schemas.openxmlformats.org/drawingml/2006/main" xmlns:r="http://schemas.openxmlformats.org/officeDocument/2006/relationships" xmlns:p="http://schemas.openxmlformats.org/presentationml/2006/main">
   <p:tag name="KSO_WPP_MARK_KEY" val="97fe4e2b-1432-4dd9-91f2-ca8df2796b94"/>
   <p:tag name="COMMONDATA" val="eyJoZGlkIjoiY2UzZmQ1NDYyMTk1MjkyNjAxNzY5ZmQ2ZjBmNmY2NWYifQ=="/>
 </p:tagLst>
@@ -33153,6 +32515,8 @@
       </a:bgFillStyleLst>
     </a:fmtScheme>
   </a:themeElements>
+  <a:objectDefaults/>
+  <a:extraClrSchemeLst/>
   <a:extLst>
     <a:ext uri="{05A4C25C-085E-4340-85A3-A5531E510DB2}">
       <thm15:themeFamily xmlns:thm15="http://schemas.microsoft.com/office/thememl/2012/main" name="Office Theme" id="{62F939B6-93AF-4DB8-9C6B-D6C7DFDC589F}" vid="{4A3C46E8-61CC-4603-A589-7422A47A8E4A}"/>
@@ -33412,6 +32776,8 @@
       </a:bgFillStyleLst>
     </a:fmtScheme>
   </a:themeElements>
+  <a:objectDefaults/>
+  <a:extraClrSchemeLst/>
   <a:extLst>
     <a:ext uri="{05A4C25C-085E-4340-85A3-A5531E510DB2}">
       <thm15:themeFamily xmlns:thm15="http://schemas.microsoft.com/office/thememl/2012/main" name="Office Theme" id="{62F939B6-93AF-4DB8-9C6B-D6C7DFDC589F}" vid="{4A3C46E8-61CC-4603-A589-7422A47A8E4A}"/>

--- a/patterns/transaction-complex-read.pptx
+++ b/patterns/transaction-complex-read.pptx
@@ -5,29 +5,29 @@
     <p:sldMasterId id="2147483648" r:id="rId1"/>
   </p:sldMasterIdLst>
   <p:notesMasterIdLst>
-    <p:notesMasterId r:id="rId17"/>
+    <p:notesMasterId r:id="rId18"/>
   </p:notesMasterIdLst>
   <p:sldIdLst>
-    <p:sldId id="374" r:id="rId2"/>
-    <p:sldId id="375" r:id="rId3"/>
-    <p:sldId id="416" r:id="rId4"/>
-    <p:sldId id="371" r:id="rId5"/>
-    <p:sldId id="389" r:id="rId6"/>
-    <p:sldId id="390" r:id="rId7"/>
-    <p:sldId id="392" r:id="rId8"/>
-    <p:sldId id="393" r:id="rId9"/>
-    <p:sldId id="396" r:id="rId10"/>
-    <p:sldId id="397" r:id="rId11"/>
-    <p:sldId id="401" r:id="rId12"/>
-    <p:sldId id="415" r:id="rId13"/>
-    <p:sldId id="417" r:id="rId14"/>
-    <p:sldId id="399" r:id="rId15"/>
-    <p:sldId id="395" r:id="rId16"/>
+    <p:sldId id="374" r:id="rId3"/>
+    <p:sldId id="375" r:id="rId4"/>
+    <p:sldId id="416" r:id="rId5"/>
+    <p:sldId id="371" r:id="rId6"/>
+    <p:sldId id="389" r:id="rId7"/>
+    <p:sldId id="390" r:id="rId8"/>
+    <p:sldId id="392" r:id="rId9"/>
+    <p:sldId id="393" r:id="rId10"/>
+    <p:sldId id="396" r:id="rId11"/>
+    <p:sldId id="397" r:id="rId12"/>
+    <p:sldId id="401" r:id="rId13"/>
+    <p:sldId id="415" r:id="rId14"/>
+    <p:sldId id="417" r:id="rId15"/>
+    <p:sldId id="399" r:id="rId16"/>
+    <p:sldId id="395" r:id="rId17"/>
   </p:sldIdLst>
   <p:sldSz cx="12192000" cy="6858000"/>
   <p:notesSz cx="6858000" cy="9144000"/>
   <p:custDataLst>
-    <p:tags r:id="rId18"/>
+    <p:tags r:id="rId22"/>
   </p:custDataLst>
   <p:defaultTextStyle>
     <a:defPPr>
@@ -124,11 +124,6 @@
       </a:defRPr>
     </a:lvl9pPr>
   </p:defaultTextStyle>
-  <p:extLst>
-    <p:ext uri="{EFAFB233-063F-42B5-8137-9DF3F51BA10A}">
-      <p15:sldGuideLst xmlns:p15="http://schemas.microsoft.com/office/powerpoint/2012/main"/>
-    </p:ext>
-  </p:extLst>
 </p:presentation>
 </file>
 
@@ -214,7 +209,6 @@
           <a:p>
             <a:fld id="{CAD4BD24-A097-4F9D-85E9-6A2A24CA2D98}" type="datetimeFigureOut">
               <a:rPr lang="zh-CN" altLang="en-US" smtClean="0"/>
-              <a:t>2023/5/9</a:t>
             </a:fld>
             <a:endParaRPr lang="zh-CN" altLang="en-US"/>
           </a:p>
@@ -281,6 +275,7 @@
               <a:rPr lang="zh-CN" altLang="en-US"/>
               <a:t>单击此处编辑母版文本样式</a:t>
             </a:r>
+            <a:endParaRPr lang="zh-CN" altLang="en-US"/>
           </a:p>
           <a:p>
             <a:pPr lvl="1"/>
@@ -288,6 +283,7 @@
               <a:rPr lang="zh-CN" altLang="en-US"/>
               <a:t>第二级</a:t>
             </a:r>
+            <a:endParaRPr lang="zh-CN" altLang="en-US"/>
           </a:p>
           <a:p>
             <a:pPr lvl="2"/>
@@ -295,6 +291,7 @@
               <a:rPr lang="zh-CN" altLang="en-US"/>
               <a:t>第三级</a:t>
             </a:r>
+            <a:endParaRPr lang="zh-CN" altLang="en-US"/>
           </a:p>
           <a:p>
             <a:pPr lvl="3"/>
@@ -302,6 +299,7 @@
               <a:rPr lang="zh-CN" altLang="en-US"/>
               <a:t>第四级</a:t>
             </a:r>
+            <a:endParaRPr lang="zh-CN" altLang="en-US"/>
           </a:p>
           <a:p>
             <a:pPr lvl="4"/>
@@ -309,6 +307,7 @@
               <a:rPr lang="zh-CN" altLang="en-US"/>
               <a:t>第五级</a:t>
             </a:r>
+            <a:endParaRPr lang="zh-CN" altLang="en-US"/>
           </a:p>
         </p:txBody>
       </p:sp>
@@ -372,7 +371,6 @@
           <a:p>
             <a:fld id="{4F292EE1-EB42-416D-BE21-6D6219010E5F}" type="slidenum">
               <a:rPr lang="zh-CN" altLang="en-US" smtClean="0"/>
-              <a:t>‹#›</a:t>
             </a:fld>
             <a:endParaRPr lang="zh-CN" altLang="en-US"/>
           </a:p>
@@ -521,6 +519,7 @@
               <a:rPr lang="zh-CN" altLang="en-US"/>
               <a:t>单击此处编辑母版标题样式</a:t>
             </a:r>
+            <a:endParaRPr lang="zh-CN" altLang="en-US"/>
           </a:p>
         </p:txBody>
       </p:sp>
@@ -585,6 +584,7 @@
               <a:rPr lang="zh-CN" altLang="en-US"/>
               <a:t>单击此处编辑母版副标题样式</a:t>
             </a:r>
+            <a:endParaRPr lang="zh-CN" altLang="en-US"/>
           </a:p>
         </p:txBody>
       </p:sp>
@@ -632,6 +632,7 @@
               <a:rPr lang="zh-CN" altLang="en-US"/>
               <a:t>单击此处编辑母版标题样式</a:t>
             </a:r>
+            <a:endParaRPr lang="zh-CN" altLang="en-US"/>
           </a:p>
         </p:txBody>
       </p:sp>
@@ -655,6 +656,7 @@
               <a:rPr lang="zh-CN" altLang="en-US"/>
               <a:t>编辑母版文本样式</a:t>
             </a:r>
+            <a:endParaRPr lang="zh-CN" altLang="en-US"/>
           </a:p>
           <a:p>
             <a:pPr lvl="1"/>
@@ -662,6 +664,7 @@
               <a:rPr lang="zh-CN" altLang="en-US"/>
               <a:t>第二级</a:t>
             </a:r>
+            <a:endParaRPr lang="zh-CN" altLang="en-US"/>
           </a:p>
           <a:p>
             <a:pPr lvl="2"/>
@@ -669,6 +672,7 @@
               <a:rPr lang="zh-CN" altLang="en-US"/>
               <a:t>第三级</a:t>
             </a:r>
+            <a:endParaRPr lang="zh-CN" altLang="en-US"/>
           </a:p>
           <a:p>
             <a:pPr lvl="3"/>
@@ -676,6 +680,7 @@
               <a:rPr lang="zh-CN" altLang="en-US"/>
               <a:t>第四级</a:t>
             </a:r>
+            <a:endParaRPr lang="zh-CN" altLang="en-US"/>
           </a:p>
           <a:p>
             <a:pPr lvl="4"/>
@@ -683,6 +688,7 @@
               <a:rPr lang="zh-CN" altLang="en-US"/>
               <a:t>第五级</a:t>
             </a:r>
+            <a:endParaRPr lang="zh-CN" altLang="en-US"/>
           </a:p>
         </p:txBody>
       </p:sp>
@@ -735,6 +741,7 @@
               <a:rPr lang="zh-CN" altLang="en-US"/>
               <a:t>单击此处编辑母版标题样式</a:t>
             </a:r>
+            <a:endParaRPr lang="zh-CN" altLang="en-US"/>
           </a:p>
         </p:txBody>
       </p:sp>
@@ -763,6 +770,7 @@
               <a:rPr lang="zh-CN" altLang="en-US"/>
               <a:t>编辑母版文本样式</a:t>
             </a:r>
+            <a:endParaRPr lang="zh-CN" altLang="en-US"/>
           </a:p>
           <a:p>
             <a:pPr lvl="1"/>
@@ -770,6 +778,7 @@
               <a:rPr lang="zh-CN" altLang="en-US"/>
               <a:t>第二级</a:t>
             </a:r>
+            <a:endParaRPr lang="zh-CN" altLang="en-US"/>
           </a:p>
           <a:p>
             <a:pPr lvl="2"/>
@@ -777,6 +786,7 @@
               <a:rPr lang="zh-CN" altLang="en-US"/>
               <a:t>第三级</a:t>
             </a:r>
+            <a:endParaRPr lang="zh-CN" altLang="en-US"/>
           </a:p>
           <a:p>
             <a:pPr lvl="3"/>
@@ -784,6 +794,7 @@
               <a:rPr lang="zh-CN" altLang="en-US"/>
               <a:t>第四级</a:t>
             </a:r>
+            <a:endParaRPr lang="zh-CN" altLang="en-US"/>
           </a:p>
           <a:p>
             <a:pPr lvl="4"/>
@@ -791,6 +802,7 @@
               <a:rPr lang="zh-CN" altLang="en-US"/>
               <a:t>第五级</a:t>
             </a:r>
+            <a:endParaRPr lang="zh-CN" altLang="en-US"/>
           </a:p>
         </p:txBody>
       </p:sp>
@@ -838,6 +850,7 @@
               <a:rPr lang="zh-CN" altLang="en-US"/>
               <a:t>单击此处编辑母版标题样式</a:t>
             </a:r>
+            <a:endParaRPr lang="zh-CN" altLang="en-US"/>
           </a:p>
         </p:txBody>
       </p:sp>
@@ -861,6 +874,7 @@
               <a:rPr lang="zh-CN" altLang="en-US"/>
               <a:t>编辑母版文本样式</a:t>
             </a:r>
+            <a:endParaRPr lang="zh-CN" altLang="en-US"/>
           </a:p>
           <a:p>
             <a:pPr lvl="1"/>
@@ -868,6 +882,7 @@
               <a:rPr lang="zh-CN" altLang="en-US"/>
               <a:t>第二级</a:t>
             </a:r>
+            <a:endParaRPr lang="zh-CN" altLang="en-US"/>
           </a:p>
           <a:p>
             <a:pPr lvl="2"/>
@@ -875,6 +890,7 @@
               <a:rPr lang="zh-CN" altLang="en-US"/>
               <a:t>第三级</a:t>
             </a:r>
+            <a:endParaRPr lang="zh-CN" altLang="en-US"/>
           </a:p>
           <a:p>
             <a:pPr lvl="3"/>
@@ -882,6 +898,7 @@
               <a:rPr lang="zh-CN" altLang="en-US"/>
               <a:t>第四级</a:t>
             </a:r>
+            <a:endParaRPr lang="zh-CN" altLang="en-US"/>
           </a:p>
           <a:p>
             <a:pPr lvl="4"/>
@@ -889,6 +906,7 @@
               <a:rPr lang="zh-CN" altLang="en-US"/>
               <a:t>第五级</a:t>
             </a:r>
+            <a:endParaRPr lang="zh-CN" altLang="en-US"/>
           </a:p>
         </p:txBody>
       </p:sp>
@@ -945,6 +963,7 @@
               <a:rPr lang="zh-CN" altLang="en-US"/>
               <a:t>单击此处编辑母版标题样式</a:t>
             </a:r>
+            <a:endParaRPr lang="zh-CN" altLang="en-US"/>
           </a:p>
         </p:txBody>
       </p:sp>
@@ -1064,6 +1083,7 @@
               <a:rPr lang="zh-CN" altLang="en-US"/>
               <a:t>编辑母版文本样式</a:t>
             </a:r>
+            <a:endParaRPr lang="zh-CN" altLang="en-US"/>
           </a:p>
         </p:txBody>
       </p:sp>
@@ -1111,6 +1131,7 @@
               <a:rPr lang="zh-CN" altLang="en-US"/>
               <a:t>单击此处编辑母版标题样式</a:t>
             </a:r>
+            <a:endParaRPr lang="zh-CN" altLang="en-US"/>
           </a:p>
         </p:txBody>
       </p:sp>
@@ -1139,6 +1160,7 @@
               <a:rPr lang="zh-CN" altLang="en-US"/>
               <a:t>编辑母版文本样式</a:t>
             </a:r>
+            <a:endParaRPr lang="zh-CN" altLang="en-US"/>
           </a:p>
           <a:p>
             <a:pPr lvl="1"/>
@@ -1146,6 +1168,7 @@
               <a:rPr lang="zh-CN" altLang="en-US"/>
               <a:t>第二级</a:t>
             </a:r>
+            <a:endParaRPr lang="zh-CN" altLang="en-US"/>
           </a:p>
           <a:p>
             <a:pPr lvl="2"/>
@@ -1153,6 +1176,7 @@
               <a:rPr lang="zh-CN" altLang="en-US"/>
               <a:t>第三级</a:t>
             </a:r>
+            <a:endParaRPr lang="zh-CN" altLang="en-US"/>
           </a:p>
           <a:p>
             <a:pPr lvl="3"/>
@@ -1160,6 +1184,7 @@
               <a:rPr lang="zh-CN" altLang="en-US"/>
               <a:t>第四级</a:t>
             </a:r>
+            <a:endParaRPr lang="zh-CN" altLang="en-US"/>
           </a:p>
           <a:p>
             <a:pPr lvl="4"/>
@@ -1167,6 +1192,7 @@
               <a:rPr lang="zh-CN" altLang="en-US"/>
               <a:t>第五级</a:t>
             </a:r>
+            <a:endParaRPr lang="zh-CN" altLang="en-US"/>
           </a:p>
         </p:txBody>
       </p:sp>
@@ -1195,6 +1221,7 @@
               <a:rPr lang="zh-CN" altLang="en-US"/>
               <a:t>编辑母版文本样式</a:t>
             </a:r>
+            <a:endParaRPr lang="zh-CN" altLang="en-US"/>
           </a:p>
           <a:p>
             <a:pPr lvl="1"/>
@@ -1202,6 +1229,7 @@
               <a:rPr lang="zh-CN" altLang="en-US"/>
               <a:t>第二级</a:t>
             </a:r>
+            <a:endParaRPr lang="zh-CN" altLang="en-US"/>
           </a:p>
           <a:p>
             <a:pPr lvl="2"/>
@@ -1209,6 +1237,7 @@
               <a:rPr lang="zh-CN" altLang="en-US"/>
               <a:t>第三级</a:t>
             </a:r>
+            <a:endParaRPr lang="zh-CN" altLang="en-US"/>
           </a:p>
           <a:p>
             <a:pPr lvl="3"/>
@@ -1216,6 +1245,7 @@
               <a:rPr lang="zh-CN" altLang="en-US"/>
               <a:t>第四级</a:t>
             </a:r>
+            <a:endParaRPr lang="zh-CN" altLang="en-US"/>
           </a:p>
           <a:p>
             <a:pPr lvl="4"/>
@@ -1223,6 +1253,7 @@
               <a:rPr lang="zh-CN" altLang="en-US"/>
               <a:t>第五级</a:t>
             </a:r>
+            <a:endParaRPr lang="zh-CN" altLang="en-US"/>
           </a:p>
         </p:txBody>
       </p:sp>
@@ -1275,6 +1306,7 @@
               <a:rPr lang="zh-CN" altLang="en-US"/>
               <a:t>单击此处编辑母版标题样式</a:t>
             </a:r>
+            <a:endParaRPr lang="zh-CN" altLang="en-US"/>
           </a:p>
         </p:txBody>
       </p:sp>
@@ -1340,6 +1372,7 @@
               <a:rPr lang="zh-CN" altLang="en-US"/>
               <a:t>编辑母版文本样式</a:t>
             </a:r>
+            <a:endParaRPr lang="zh-CN" altLang="en-US"/>
           </a:p>
         </p:txBody>
       </p:sp>
@@ -1368,6 +1401,7 @@
               <a:rPr lang="zh-CN" altLang="en-US"/>
               <a:t>编辑母版文本样式</a:t>
             </a:r>
+            <a:endParaRPr lang="zh-CN" altLang="en-US"/>
           </a:p>
           <a:p>
             <a:pPr lvl="1"/>
@@ -1375,6 +1409,7 @@
               <a:rPr lang="zh-CN" altLang="en-US"/>
               <a:t>第二级</a:t>
             </a:r>
+            <a:endParaRPr lang="zh-CN" altLang="en-US"/>
           </a:p>
           <a:p>
             <a:pPr lvl="2"/>
@@ -1382,6 +1417,7 @@
               <a:rPr lang="zh-CN" altLang="en-US"/>
               <a:t>第三级</a:t>
             </a:r>
+            <a:endParaRPr lang="zh-CN" altLang="en-US"/>
           </a:p>
           <a:p>
             <a:pPr lvl="3"/>
@@ -1389,6 +1425,7 @@
               <a:rPr lang="zh-CN" altLang="en-US"/>
               <a:t>第四级</a:t>
             </a:r>
+            <a:endParaRPr lang="zh-CN" altLang="en-US"/>
           </a:p>
           <a:p>
             <a:pPr lvl="4"/>
@@ -1396,6 +1433,7 @@
               <a:rPr lang="zh-CN" altLang="en-US"/>
               <a:t>第五级</a:t>
             </a:r>
+            <a:endParaRPr lang="zh-CN" altLang="en-US"/>
           </a:p>
         </p:txBody>
       </p:sp>
@@ -1461,6 +1499,7 @@
               <a:rPr lang="zh-CN" altLang="en-US"/>
               <a:t>编辑母版文本样式</a:t>
             </a:r>
+            <a:endParaRPr lang="zh-CN" altLang="en-US"/>
           </a:p>
         </p:txBody>
       </p:sp>
@@ -1489,6 +1528,7 @@
               <a:rPr lang="zh-CN" altLang="en-US"/>
               <a:t>编辑母版文本样式</a:t>
             </a:r>
+            <a:endParaRPr lang="zh-CN" altLang="en-US"/>
           </a:p>
           <a:p>
             <a:pPr lvl="1"/>
@@ -1496,6 +1536,7 @@
               <a:rPr lang="zh-CN" altLang="en-US"/>
               <a:t>第二级</a:t>
             </a:r>
+            <a:endParaRPr lang="zh-CN" altLang="en-US"/>
           </a:p>
           <a:p>
             <a:pPr lvl="2"/>
@@ -1503,6 +1544,7 @@
               <a:rPr lang="zh-CN" altLang="en-US"/>
               <a:t>第三级</a:t>
             </a:r>
+            <a:endParaRPr lang="zh-CN" altLang="en-US"/>
           </a:p>
           <a:p>
             <a:pPr lvl="3"/>
@@ -1510,6 +1552,7 @@
               <a:rPr lang="zh-CN" altLang="en-US"/>
               <a:t>第四级</a:t>
             </a:r>
+            <a:endParaRPr lang="zh-CN" altLang="en-US"/>
           </a:p>
           <a:p>
             <a:pPr lvl="4"/>
@@ -1517,6 +1560,7 @@
               <a:rPr lang="zh-CN" altLang="en-US"/>
               <a:t>第五级</a:t>
             </a:r>
+            <a:endParaRPr lang="zh-CN" altLang="en-US"/>
           </a:p>
         </p:txBody>
       </p:sp>
@@ -1564,6 +1608,7 @@
               <a:rPr lang="zh-CN" altLang="en-US"/>
               <a:t>单击此处编辑母版标题样式</a:t>
             </a:r>
+            <a:endParaRPr lang="zh-CN" altLang="en-US"/>
           </a:p>
         </p:txBody>
       </p:sp>
@@ -1645,6 +1690,7 @@
               <a:rPr lang="zh-CN" altLang="en-US"/>
               <a:t>单击此处编辑母版标题样式</a:t>
             </a:r>
+            <a:endParaRPr lang="zh-CN" altLang="en-US"/>
           </a:p>
         </p:txBody>
       </p:sp>
@@ -1701,6 +1747,7 @@
               <a:rPr lang="zh-CN" altLang="en-US"/>
               <a:t>编辑母版文本样式</a:t>
             </a:r>
+            <a:endParaRPr lang="zh-CN" altLang="en-US"/>
           </a:p>
           <a:p>
             <a:pPr lvl="1"/>
@@ -1708,6 +1755,7 @@
               <a:rPr lang="zh-CN" altLang="en-US"/>
               <a:t>第二级</a:t>
             </a:r>
+            <a:endParaRPr lang="zh-CN" altLang="en-US"/>
           </a:p>
           <a:p>
             <a:pPr lvl="2"/>
@@ -1715,6 +1763,7 @@
               <a:rPr lang="zh-CN" altLang="en-US"/>
               <a:t>第三级</a:t>
             </a:r>
+            <a:endParaRPr lang="zh-CN" altLang="en-US"/>
           </a:p>
           <a:p>
             <a:pPr lvl="3"/>
@@ -1722,6 +1771,7 @@
               <a:rPr lang="zh-CN" altLang="en-US"/>
               <a:t>第四级</a:t>
             </a:r>
+            <a:endParaRPr lang="zh-CN" altLang="en-US"/>
           </a:p>
           <a:p>
             <a:pPr lvl="4"/>
@@ -1729,6 +1779,7 @@
               <a:rPr lang="zh-CN" altLang="en-US"/>
               <a:t>第五级</a:t>
             </a:r>
+            <a:endParaRPr lang="zh-CN" altLang="en-US"/>
           </a:p>
         </p:txBody>
       </p:sp>
@@ -1794,6 +1845,7 @@
               <a:rPr lang="zh-CN" altLang="en-US"/>
               <a:t>编辑母版文本样式</a:t>
             </a:r>
+            <a:endParaRPr lang="zh-CN" altLang="en-US"/>
           </a:p>
         </p:txBody>
       </p:sp>
@@ -1850,6 +1902,7 @@
               <a:rPr lang="zh-CN" altLang="en-US"/>
               <a:t>单击此处编辑母版标题样式</a:t>
             </a:r>
+            <a:endParaRPr lang="zh-CN" altLang="en-US"/>
           </a:p>
         </p:txBody>
       </p:sp>
@@ -1914,6 +1967,7 @@
               <a:rPr lang="zh-CN" altLang="en-US"/>
               <a:t>单击图标添加图片</a:t>
             </a:r>
+            <a:endParaRPr lang="zh-CN" altLang="en-US"/>
           </a:p>
         </p:txBody>
       </p:sp>
@@ -1979,6 +2033,7 @@
               <a:rPr lang="zh-CN" altLang="en-US"/>
               <a:t>编辑母版文本样式</a:t>
             </a:r>
+            <a:endParaRPr lang="zh-CN" altLang="en-US"/>
           </a:p>
         </p:txBody>
       </p:sp>
@@ -2041,6 +2096,7 @@
               <a:rPr lang="zh-CN" altLang="en-US"/>
               <a:t>单击此处编辑母版标题样式</a:t>
             </a:r>
+            <a:endParaRPr lang="zh-CN" altLang="en-US"/>
           </a:p>
         </p:txBody>
       </p:sp>
@@ -2074,6 +2130,7 @@
               <a:rPr lang="zh-CN" altLang="en-US" dirty="0"/>
               <a:t>编辑母版文本样式</a:t>
             </a:r>
+            <a:endParaRPr lang="zh-CN" altLang="en-US" dirty="0"/>
           </a:p>
           <a:p>
             <a:pPr lvl="1"/>
@@ -2081,6 +2138,7 @@
               <a:rPr lang="zh-CN" altLang="en-US" dirty="0"/>
               <a:t>第二级</a:t>
             </a:r>
+            <a:endParaRPr lang="zh-CN" altLang="en-US" dirty="0"/>
           </a:p>
           <a:p>
             <a:pPr lvl="2"/>
@@ -2088,6 +2146,7 @@
               <a:rPr lang="zh-CN" altLang="en-US" dirty="0"/>
               <a:t>第三级</a:t>
             </a:r>
+            <a:endParaRPr lang="zh-CN" altLang="en-US" dirty="0"/>
           </a:p>
           <a:p>
             <a:pPr lvl="3"/>
@@ -2095,6 +2154,7 @@
               <a:rPr lang="zh-CN" altLang="en-US" dirty="0"/>
               <a:t>第四级</a:t>
             </a:r>
+            <a:endParaRPr lang="zh-CN" altLang="en-US" dirty="0"/>
           </a:p>
           <a:p>
             <a:pPr lvl="4"/>
@@ -2102,6 +2162,7 @@
               <a:rPr lang="zh-CN" altLang="en-US" dirty="0"/>
               <a:t>第五级</a:t>
             </a:r>
+            <a:endParaRPr lang="zh-CN" altLang="en-US" dirty="0"/>
           </a:p>
         </p:txBody>
       </p:sp>
@@ -2557,6 +2618,10 @@
                 </a:rPr>
                 <a:t>}</a:t>
               </a:r>
+              <a:endParaRPr kumimoji="1" lang="en-US" altLang="zh-CN" sz="1200" dirty="0">
+                <a:latin typeface="等线" panose="02010600030101010101" pitchFamily="2" charset="-122"/>
+                <a:ea typeface="等线" panose="02010600030101010101" pitchFamily="2" charset="-122"/>
+              </a:endParaRPr>
             </a:p>
             <a:p>
               <a:pPr algn="ctr"/>
@@ -2616,6 +2681,10 @@
                 </a:rPr>
                 <a:t>}</a:t>
               </a:r>
+              <a:endParaRPr kumimoji="1" lang="en-US" altLang="zh-CN" sz="1200" dirty="0">
+                <a:latin typeface="等线" panose="02010600030101010101" pitchFamily="2" charset="-122"/>
+                <a:ea typeface="等线" panose="02010600030101010101" pitchFamily="2" charset="-122"/>
+              </a:endParaRPr>
             </a:p>
           </p:txBody>
         </p:sp>
@@ -2754,6 +2823,10 @@
                 </a:rPr>
                 <a:t>}</a:t>
               </a:r>
+              <a:endParaRPr kumimoji="1" lang="en-US" altLang="zh-CN" sz="1200" dirty="0">
+                <a:latin typeface="等线" panose="02010600030101010101" pitchFamily="2" charset="-122"/>
+                <a:ea typeface="等线" panose="02010600030101010101" pitchFamily="2" charset="-122"/>
+              </a:endParaRPr>
             <